--- a/kpi/Test Automation_Demo.pptx
+++ b/kpi/Test Automation_Demo.pptx
@@ -5,10 +5,10 @@
     <p:sldMasterId id="2147484176" r:id="rId1"/>
   </p:sldMasterIdLst>
   <p:notesMasterIdLst>
-    <p:notesMasterId r:id="rId12"/>
+    <p:notesMasterId r:id="rId19"/>
   </p:notesMasterIdLst>
   <p:handoutMasterIdLst>
-    <p:handoutMasterId r:id="rId13"/>
+    <p:handoutMasterId r:id="rId20"/>
   </p:handoutMasterIdLst>
   <p:sldIdLst>
     <p:sldId id="524" r:id="rId2"/>
@@ -19,8 +19,15 @@
     <p:sldId id="536" r:id="rId7"/>
     <p:sldId id="532" r:id="rId8"/>
     <p:sldId id="550" r:id="rId9"/>
-    <p:sldId id="551" r:id="rId10"/>
-    <p:sldId id="523" r:id="rId11"/>
+    <p:sldId id="552" r:id="rId10"/>
+    <p:sldId id="553" r:id="rId11"/>
+    <p:sldId id="560" r:id="rId12"/>
+    <p:sldId id="555" r:id="rId13"/>
+    <p:sldId id="556" r:id="rId14"/>
+    <p:sldId id="557" r:id="rId15"/>
+    <p:sldId id="559" r:id="rId16"/>
+    <p:sldId id="551" r:id="rId17"/>
+    <p:sldId id="523" r:id="rId18"/>
   </p:sldIdLst>
   <p:sldSz cx="9144000" cy="5143500" type="screen16x9"/>
   <p:notesSz cx="7099300" cy="10234613"/>
@@ -151,7 +158,7 @@
   </p:defaultTextStyle>
   <p:extLst>
     <p:ext uri="{EFAFB233-063F-42B5-8137-9DF3F51BA10A}">
-      <p15:sldGuideLst xmlns:p15="http://schemas.microsoft.com/office/powerpoint/2012/main" xmlns="">
+      <p15:sldGuideLst xmlns="" xmlns:p15="http://schemas.microsoft.com/office/powerpoint/2012/main">
         <p15:guide id="1" orient="horz" pos="1620">
           <p15:clr>
             <a:srgbClr val="A4A3A4"/>
@@ -165,7 +172,7 @@
       </p15:sldGuideLst>
     </p:ext>
     <p:ext uri="{2D200454-40CA-4A62-9FC3-DE9A4176ACB9}">
-      <p15:notesGuideLst xmlns:p15="http://schemas.microsoft.com/office/powerpoint/2012/main" xmlns="">
+      <p15:notesGuideLst xmlns="" xmlns:p15="http://schemas.microsoft.com/office/powerpoint/2012/main">
         <p15:guide id="1" orient="horz" pos="3223">
           <p15:clr>
             <a:srgbClr val="A4A3A4"/>
@@ -1132,6 +1139,693 @@
 </p:notes>
 </file>
 
+<file path=ppt/notesSlides/notesSlide10.xml><?xml version="1.0" encoding="utf-8"?>
+<p:notes xmlns:a="http://schemas.openxmlformats.org/drawingml/2006/main" xmlns:r="http://schemas.openxmlformats.org/officeDocument/2006/relationships" xmlns:p="http://schemas.openxmlformats.org/presentationml/2006/main">
+  <p:cSld>
+    <p:spTree>
+      <p:nvGrpSpPr>
+        <p:cNvPr id="1" name=""/>
+        <p:cNvGrpSpPr/>
+        <p:nvPr/>
+      </p:nvGrpSpPr>
+      <p:grpSpPr>
+        <a:xfrm>
+          <a:off x="0" y="0"/>
+          <a:ext cx="0" cy="0"/>
+          <a:chOff x="0" y="0"/>
+          <a:chExt cx="0" cy="0"/>
+        </a:xfrm>
+      </p:grpSpPr>
+      <p:sp>
+        <p:nvSpPr>
+          <p:cNvPr id="2" name="投影片圖像版面配置區 1"/>
+          <p:cNvSpPr>
+            <a:spLocks noGrp="1" noRot="1" noChangeAspect="1"/>
+          </p:cNvSpPr>
+          <p:nvPr>
+            <p:ph type="sldImg"/>
+          </p:nvPr>
+        </p:nvSpPr>
+        <p:spPr/>
+      </p:sp>
+      <p:sp>
+        <p:nvSpPr>
+          <p:cNvPr id="3" name="備忘稿版面配置區 2"/>
+          <p:cNvSpPr>
+            <a:spLocks noGrp="1"/>
+          </p:cNvSpPr>
+          <p:nvPr>
+            <p:ph type="body" idx="1"/>
+          </p:nvPr>
+        </p:nvSpPr>
+        <p:spPr/>
+        <p:txBody>
+          <a:bodyPr/>
+          <a:lstStyle/>
+          <a:p>
+            <a:endParaRPr lang="zh-TW" altLang="en-US" dirty="0"/>
+          </a:p>
+        </p:txBody>
+      </p:sp>
+      <p:sp>
+        <p:nvSpPr>
+          <p:cNvPr id="4" name="投影片編號版面配置區 3"/>
+          <p:cNvSpPr>
+            <a:spLocks noGrp="1"/>
+          </p:cNvSpPr>
+          <p:nvPr>
+            <p:ph type="sldNum" sz="quarter" idx="10"/>
+          </p:nvPr>
+        </p:nvSpPr>
+        <p:spPr/>
+        <p:txBody>
+          <a:bodyPr/>
+          <a:lstStyle/>
+          <a:p>
+            <a:fld id="{5FAE23DA-1601-498D-B2E3-972800982184}" type="slidenum">
+              <a:rPr lang="en-US" altLang="zh-TW" smtClean="0"/>
+              <a:pPr/>
+              <a:t>12</a:t>
+            </a:fld>
+            <a:endParaRPr lang="en-US" altLang="zh-TW"/>
+          </a:p>
+        </p:txBody>
+      </p:sp>
+    </p:spTree>
+    <p:extLst>
+      <p:ext uri="{BB962C8B-B14F-4D97-AF65-F5344CB8AC3E}">
+        <p14:creationId xmlns:p14="http://schemas.microsoft.com/office/powerpoint/2010/main" val="1957161656"/>
+      </p:ext>
+    </p:extLst>
+  </p:cSld>
+  <p:clrMapOvr>
+    <a:masterClrMapping/>
+  </p:clrMapOvr>
+</p:notes>
+</file>
+
+<file path=ppt/notesSlides/notesSlide11.xml><?xml version="1.0" encoding="utf-8"?>
+<p:notes xmlns:a="http://schemas.openxmlformats.org/drawingml/2006/main" xmlns:r="http://schemas.openxmlformats.org/officeDocument/2006/relationships" xmlns:p="http://schemas.openxmlformats.org/presentationml/2006/main">
+  <p:cSld>
+    <p:spTree>
+      <p:nvGrpSpPr>
+        <p:cNvPr id="1" name=""/>
+        <p:cNvGrpSpPr/>
+        <p:nvPr/>
+      </p:nvGrpSpPr>
+      <p:grpSpPr>
+        <a:xfrm>
+          <a:off x="0" y="0"/>
+          <a:ext cx="0" cy="0"/>
+          <a:chOff x="0" y="0"/>
+          <a:chExt cx="0" cy="0"/>
+        </a:xfrm>
+      </p:grpSpPr>
+      <p:sp>
+        <p:nvSpPr>
+          <p:cNvPr id="2" name="投影片圖像版面配置區 1"/>
+          <p:cNvSpPr>
+            <a:spLocks noGrp="1" noRot="1" noChangeAspect="1"/>
+          </p:cNvSpPr>
+          <p:nvPr>
+            <p:ph type="sldImg"/>
+          </p:nvPr>
+        </p:nvSpPr>
+        <p:spPr/>
+      </p:sp>
+      <p:sp>
+        <p:nvSpPr>
+          <p:cNvPr id="3" name="備忘稿版面配置區 2"/>
+          <p:cNvSpPr>
+            <a:spLocks noGrp="1"/>
+          </p:cNvSpPr>
+          <p:nvPr>
+            <p:ph type="body" idx="1"/>
+          </p:nvPr>
+        </p:nvSpPr>
+        <p:spPr/>
+        <p:txBody>
+          <a:bodyPr/>
+          <a:lstStyle/>
+          <a:p>
+            <a:endParaRPr lang="zh-TW" altLang="en-US" dirty="0"/>
+          </a:p>
+        </p:txBody>
+      </p:sp>
+      <p:sp>
+        <p:nvSpPr>
+          <p:cNvPr id="4" name="投影片編號版面配置區 3"/>
+          <p:cNvSpPr>
+            <a:spLocks noGrp="1"/>
+          </p:cNvSpPr>
+          <p:nvPr>
+            <p:ph type="sldNum" sz="quarter" idx="10"/>
+          </p:nvPr>
+        </p:nvSpPr>
+        <p:spPr/>
+        <p:txBody>
+          <a:bodyPr/>
+          <a:lstStyle/>
+          <a:p>
+            <a:fld id="{5FAE23DA-1601-498D-B2E3-972800982184}" type="slidenum">
+              <a:rPr lang="en-US" altLang="zh-TW" smtClean="0"/>
+              <a:pPr/>
+              <a:t>13</a:t>
+            </a:fld>
+            <a:endParaRPr lang="en-US" altLang="zh-TW"/>
+          </a:p>
+        </p:txBody>
+      </p:sp>
+    </p:spTree>
+    <p:extLst>
+      <p:ext uri="{BB962C8B-B14F-4D97-AF65-F5344CB8AC3E}">
+        <p14:creationId xmlns:p14="http://schemas.microsoft.com/office/powerpoint/2010/main" val="1957161656"/>
+      </p:ext>
+    </p:extLst>
+  </p:cSld>
+  <p:clrMapOvr>
+    <a:masterClrMapping/>
+  </p:clrMapOvr>
+</p:notes>
+</file>
+
+<file path=ppt/notesSlides/notesSlide12.xml><?xml version="1.0" encoding="utf-8"?>
+<p:notes xmlns:a="http://schemas.openxmlformats.org/drawingml/2006/main" xmlns:r="http://schemas.openxmlformats.org/officeDocument/2006/relationships" xmlns:p="http://schemas.openxmlformats.org/presentationml/2006/main">
+  <p:cSld>
+    <p:spTree>
+      <p:nvGrpSpPr>
+        <p:cNvPr id="1" name=""/>
+        <p:cNvGrpSpPr/>
+        <p:nvPr/>
+      </p:nvGrpSpPr>
+      <p:grpSpPr>
+        <a:xfrm>
+          <a:off x="0" y="0"/>
+          <a:ext cx="0" cy="0"/>
+          <a:chOff x="0" y="0"/>
+          <a:chExt cx="0" cy="0"/>
+        </a:xfrm>
+      </p:grpSpPr>
+      <p:sp>
+        <p:nvSpPr>
+          <p:cNvPr id="2" name="投影片圖像版面配置區 1"/>
+          <p:cNvSpPr>
+            <a:spLocks noGrp="1" noRot="1" noChangeAspect="1"/>
+          </p:cNvSpPr>
+          <p:nvPr>
+            <p:ph type="sldImg"/>
+          </p:nvPr>
+        </p:nvSpPr>
+        <p:spPr/>
+      </p:sp>
+      <p:sp>
+        <p:nvSpPr>
+          <p:cNvPr id="3" name="備忘稿版面配置區 2"/>
+          <p:cNvSpPr>
+            <a:spLocks noGrp="1"/>
+          </p:cNvSpPr>
+          <p:nvPr>
+            <p:ph type="body" idx="1"/>
+          </p:nvPr>
+        </p:nvSpPr>
+        <p:spPr/>
+        <p:txBody>
+          <a:bodyPr/>
+          <a:lstStyle/>
+          <a:p>
+            <a:endParaRPr lang="zh-TW" altLang="en-US" dirty="0"/>
+          </a:p>
+        </p:txBody>
+      </p:sp>
+      <p:sp>
+        <p:nvSpPr>
+          <p:cNvPr id="4" name="投影片編號版面配置區 3"/>
+          <p:cNvSpPr>
+            <a:spLocks noGrp="1"/>
+          </p:cNvSpPr>
+          <p:nvPr>
+            <p:ph type="sldNum" sz="quarter" idx="10"/>
+          </p:nvPr>
+        </p:nvSpPr>
+        <p:spPr/>
+        <p:txBody>
+          <a:bodyPr/>
+          <a:lstStyle/>
+          <a:p>
+            <a:fld id="{5FAE23DA-1601-498D-B2E3-972800982184}" type="slidenum">
+              <a:rPr lang="en-US" altLang="zh-TW" smtClean="0"/>
+              <a:pPr/>
+              <a:t>14</a:t>
+            </a:fld>
+            <a:endParaRPr lang="en-US" altLang="zh-TW"/>
+          </a:p>
+        </p:txBody>
+      </p:sp>
+    </p:spTree>
+    <p:extLst>
+      <p:ext uri="{BB962C8B-B14F-4D97-AF65-F5344CB8AC3E}">
+        <p14:creationId xmlns:p14="http://schemas.microsoft.com/office/powerpoint/2010/main" val="1957161656"/>
+      </p:ext>
+    </p:extLst>
+  </p:cSld>
+  <p:clrMapOvr>
+    <a:masterClrMapping/>
+  </p:clrMapOvr>
+</p:notes>
+</file>
+
+<file path=ppt/notesSlides/notesSlide13.xml><?xml version="1.0" encoding="utf-8"?>
+<p:notes xmlns:a="http://schemas.openxmlformats.org/drawingml/2006/main" xmlns:r="http://schemas.openxmlformats.org/officeDocument/2006/relationships" xmlns:p="http://schemas.openxmlformats.org/presentationml/2006/main">
+  <p:cSld>
+    <p:spTree>
+      <p:nvGrpSpPr>
+        <p:cNvPr id="1" name=""/>
+        <p:cNvGrpSpPr/>
+        <p:nvPr/>
+      </p:nvGrpSpPr>
+      <p:grpSpPr>
+        <a:xfrm>
+          <a:off x="0" y="0"/>
+          <a:ext cx="0" cy="0"/>
+          <a:chOff x="0" y="0"/>
+          <a:chExt cx="0" cy="0"/>
+        </a:xfrm>
+      </p:grpSpPr>
+      <p:sp>
+        <p:nvSpPr>
+          <p:cNvPr id="2" name="投影片圖像版面配置區 1"/>
+          <p:cNvSpPr>
+            <a:spLocks noGrp="1" noRot="1" noChangeAspect="1"/>
+          </p:cNvSpPr>
+          <p:nvPr>
+            <p:ph type="sldImg"/>
+          </p:nvPr>
+        </p:nvSpPr>
+        <p:spPr/>
+      </p:sp>
+      <p:sp>
+        <p:nvSpPr>
+          <p:cNvPr id="3" name="備忘稿版面配置區 2"/>
+          <p:cNvSpPr>
+            <a:spLocks noGrp="1"/>
+          </p:cNvSpPr>
+          <p:nvPr>
+            <p:ph type="body" idx="1"/>
+          </p:nvPr>
+        </p:nvSpPr>
+        <p:spPr/>
+        <p:txBody>
+          <a:bodyPr/>
+          <a:lstStyle/>
+          <a:p>
+            <a:endParaRPr lang="zh-TW" altLang="en-US" dirty="0"/>
+          </a:p>
+        </p:txBody>
+      </p:sp>
+      <p:sp>
+        <p:nvSpPr>
+          <p:cNvPr id="4" name="投影片編號版面配置區 3"/>
+          <p:cNvSpPr>
+            <a:spLocks noGrp="1"/>
+          </p:cNvSpPr>
+          <p:nvPr>
+            <p:ph type="sldNum" sz="quarter" idx="10"/>
+          </p:nvPr>
+        </p:nvSpPr>
+        <p:spPr/>
+        <p:txBody>
+          <a:bodyPr/>
+          <a:lstStyle/>
+          <a:p>
+            <a:fld id="{5FAE23DA-1601-498D-B2E3-972800982184}" type="slidenum">
+              <a:rPr lang="en-US" altLang="zh-TW" smtClean="0"/>
+              <a:pPr/>
+              <a:t>15</a:t>
+            </a:fld>
+            <a:endParaRPr lang="en-US" altLang="zh-TW"/>
+          </a:p>
+        </p:txBody>
+      </p:sp>
+    </p:spTree>
+    <p:extLst>
+      <p:ext uri="{BB962C8B-B14F-4D97-AF65-F5344CB8AC3E}">
+        <p14:creationId xmlns:p14="http://schemas.microsoft.com/office/powerpoint/2010/main" val="1957161656"/>
+      </p:ext>
+    </p:extLst>
+  </p:cSld>
+  <p:clrMapOvr>
+    <a:masterClrMapping/>
+  </p:clrMapOvr>
+</p:notes>
+</file>
+
+<file path=ppt/notesSlides/notesSlide14.xml><?xml version="1.0" encoding="utf-8"?>
+<p:notes xmlns:a="http://schemas.openxmlformats.org/drawingml/2006/main" xmlns:r="http://schemas.openxmlformats.org/officeDocument/2006/relationships" xmlns:p="http://schemas.openxmlformats.org/presentationml/2006/main">
+  <p:cSld>
+    <p:spTree>
+      <p:nvGrpSpPr>
+        <p:cNvPr id="1" name=""/>
+        <p:cNvGrpSpPr/>
+        <p:nvPr/>
+      </p:nvGrpSpPr>
+      <p:grpSpPr>
+        <a:xfrm>
+          <a:off x="0" y="0"/>
+          <a:ext cx="0" cy="0"/>
+          <a:chOff x="0" y="0"/>
+          <a:chExt cx="0" cy="0"/>
+        </a:xfrm>
+      </p:grpSpPr>
+      <p:sp>
+        <p:nvSpPr>
+          <p:cNvPr id="2" name="投影片圖像版面配置區 1"/>
+          <p:cNvSpPr>
+            <a:spLocks noGrp="1" noRot="1" noChangeAspect="1"/>
+          </p:cNvSpPr>
+          <p:nvPr>
+            <p:ph type="sldImg"/>
+          </p:nvPr>
+        </p:nvSpPr>
+        <p:spPr/>
+      </p:sp>
+      <p:sp>
+        <p:nvSpPr>
+          <p:cNvPr id="3" name="備忘稿版面配置區 2"/>
+          <p:cNvSpPr>
+            <a:spLocks noGrp="1"/>
+          </p:cNvSpPr>
+          <p:nvPr>
+            <p:ph type="body" idx="1"/>
+          </p:nvPr>
+        </p:nvSpPr>
+        <p:spPr/>
+        <p:txBody>
+          <a:bodyPr/>
+          <a:lstStyle/>
+          <a:p>
+            <a:endParaRPr lang="zh-TW" altLang="en-US" dirty="0"/>
+          </a:p>
+        </p:txBody>
+      </p:sp>
+      <p:sp>
+        <p:nvSpPr>
+          <p:cNvPr id="4" name="投影片編號版面配置區 3"/>
+          <p:cNvSpPr>
+            <a:spLocks noGrp="1"/>
+          </p:cNvSpPr>
+          <p:nvPr>
+            <p:ph type="sldNum" sz="quarter" idx="10"/>
+          </p:nvPr>
+        </p:nvSpPr>
+        <p:spPr/>
+        <p:txBody>
+          <a:bodyPr/>
+          <a:lstStyle/>
+          <a:p>
+            <a:fld id="{5FAE23DA-1601-498D-B2E3-972800982184}" type="slidenum">
+              <a:rPr lang="en-US" altLang="zh-TW" smtClean="0"/>
+              <a:pPr/>
+              <a:t>16</a:t>
+            </a:fld>
+            <a:endParaRPr lang="en-US" altLang="zh-TW"/>
+          </a:p>
+        </p:txBody>
+      </p:sp>
+    </p:spTree>
+    <p:extLst>
+      <p:ext uri="{BB962C8B-B14F-4D97-AF65-F5344CB8AC3E}">
+        <p14:creationId xmlns:p14="http://schemas.microsoft.com/office/powerpoint/2010/main" val="770017496"/>
+      </p:ext>
+    </p:extLst>
+  </p:cSld>
+  <p:clrMapOvr>
+    <a:masterClrMapping/>
+  </p:clrMapOvr>
+</p:notes>
+</file>
+
+<file path=ppt/notesSlides/notesSlide15.xml><?xml version="1.0" encoding="utf-8"?>
+<p:notes xmlns:a="http://schemas.openxmlformats.org/drawingml/2006/main" xmlns:r="http://schemas.openxmlformats.org/officeDocument/2006/relationships" xmlns:p="http://schemas.openxmlformats.org/presentationml/2006/main">
+  <p:cSld>
+    <p:spTree>
+      <p:nvGrpSpPr>
+        <p:cNvPr id="1" name=""/>
+        <p:cNvGrpSpPr/>
+        <p:nvPr/>
+      </p:nvGrpSpPr>
+      <p:grpSpPr>
+        <a:xfrm>
+          <a:off x="0" y="0"/>
+          <a:ext cx="0" cy="0"/>
+          <a:chOff x="0" y="0"/>
+          <a:chExt cx="0" cy="0"/>
+        </a:xfrm>
+      </p:grpSpPr>
+      <p:sp>
+        <p:nvSpPr>
+          <p:cNvPr id="45058" name="投影片圖像版面配置區 1"/>
+          <p:cNvSpPr>
+            <a:spLocks noGrp="1" noRot="1" noChangeAspect="1" noTextEdit="1"/>
+          </p:cNvSpPr>
+          <p:nvPr>
+            <p:ph type="sldImg"/>
+          </p:nvPr>
+        </p:nvSpPr>
+        <p:spPr>
+          <a:ln/>
+        </p:spPr>
+      </p:sp>
+      <p:sp>
+        <p:nvSpPr>
+          <p:cNvPr id="45059" name="備忘稿版面配置區 2"/>
+          <p:cNvSpPr>
+            <a:spLocks noGrp="1"/>
+          </p:cNvSpPr>
+          <p:nvPr>
+            <p:ph type="body" idx="1"/>
+          </p:nvPr>
+        </p:nvSpPr>
+        <p:spPr>
+          <a:noFill/>
+          <a:ln/>
+          <a:extLst>
+            <a:ext uri="{909E8E84-426E-40DD-AFC4-6F175D3DCCD1}">
+              <a14:hiddenFill xmlns:a14="http://schemas.microsoft.com/office/drawing/2010/main">
+                <a:solidFill>
+                  <a:srgbClr val="FFFFFF"/>
+                </a:solidFill>
+              </a14:hiddenFill>
+            </a:ext>
+            <a:ext uri="{91240B29-F687-4F45-9708-019B960494DF}">
+              <a14:hiddenLine xmlns:a14="http://schemas.microsoft.com/office/drawing/2010/main" w="9525">
+                <a:solidFill>
+                  <a:srgbClr val="000000"/>
+                </a:solidFill>
+                <a:miter lim="800000"/>
+                <a:headEnd/>
+                <a:tailEnd/>
+              </a14:hiddenLine>
+            </a:ext>
+          </a:extLst>
+        </p:spPr>
+        <p:txBody>
+          <a:bodyPr/>
+          <a:lstStyle/>
+          <a:p>
+            <a:endParaRPr lang="zh-TW" altLang="en-US" dirty="0" smtClean="0">
+              <a:latin typeface="Arial" panose="020B0604020202020204" pitchFamily="34" charset="0"/>
+            </a:endParaRPr>
+          </a:p>
+        </p:txBody>
+      </p:sp>
+      <p:sp>
+        <p:nvSpPr>
+          <p:cNvPr id="45060" name="投影片編號版面配置區 3"/>
+          <p:cNvSpPr>
+            <a:spLocks noGrp="1"/>
+          </p:cNvSpPr>
+          <p:nvPr>
+            <p:ph type="sldNum" sz="quarter" idx="5"/>
+          </p:nvPr>
+        </p:nvSpPr>
+        <p:spPr>
+          <a:noFill/>
+          <a:ln/>
+          <a:extLst>
+            <a:ext uri="{909E8E84-426E-40DD-AFC4-6F175D3DCCD1}">
+              <a14:hiddenFill xmlns:a14="http://schemas.microsoft.com/office/drawing/2010/main">
+                <a:solidFill>
+                  <a:srgbClr val="FFFFFF"/>
+                </a:solidFill>
+              </a14:hiddenFill>
+            </a:ext>
+            <a:ext uri="{91240B29-F687-4F45-9708-019B960494DF}">
+              <a14:hiddenLine xmlns:a14="http://schemas.microsoft.com/office/drawing/2010/main" w="9525">
+                <a:solidFill>
+                  <a:srgbClr val="000000"/>
+                </a:solidFill>
+                <a:miter lim="800000"/>
+                <a:headEnd/>
+                <a:tailEnd/>
+              </a14:hiddenLine>
+            </a:ext>
+          </a:extLst>
+        </p:spPr>
+        <p:txBody>
+          <a:bodyPr/>
+          <a:lstStyle>
+            <a:lvl1pPr defTabSz="990600" eaLnBrk="0" hangingPunct="0">
+              <a:spcBef>
+                <a:spcPct val="30000"/>
+              </a:spcBef>
+              <a:defRPr kumimoji="1" sz="1200">
+                <a:solidFill>
+                  <a:schemeClr val="tx1"/>
+                </a:solidFill>
+                <a:latin typeface="Arial" panose="020B0604020202020204" pitchFamily="34" charset="0"/>
+                <a:ea typeface="新細明體" panose="02020500000000000000" pitchFamily="18" charset="-120"/>
+              </a:defRPr>
+            </a:lvl1pPr>
+            <a:lvl2pPr marL="742950" indent="-285750" defTabSz="990600" eaLnBrk="0" hangingPunct="0">
+              <a:spcBef>
+                <a:spcPct val="30000"/>
+              </a:spcBef>
+              <a:defRPr kumimoji="1" sz="1200">
+                <a:solidFill>
+                  <a:schemeClr val="tx1"/>
+                </a:solidFill>
+                <a:latin typeface="Arial" panose="020B0604020202020204" pitchFamily="34" charset="0"/>
+                <a:ea typeface="新細明體" panose="02020500000000000000" pitchFamily="18" charset="-120"/>
+              </a:defRPr>
+            </a:lvl2pPr>
+            <a:lvl3pPr marL="1143000" indent="-228600" defTabSz="990600" eaLnBrk="0" hangingPunct="0">
+              <a:spcBef>
+                <a:spcPct val="30000"/>
+              </a:spcBef>
+              <a:defRPr kumimoji="1" sz="1200">
+                <a:solidFill>
+                  <a:schemeClr val="tx1"/>
+                </a:solidFill>
+                <a:latin typeface="Arial" panose="020B0604020202020204" pitchFamily="34" charset="0"/>
+                <a:ea typeface="新細明體" panose="02020500000000000000" pitchFamily="18" charset="-120"/>
+              </a:defRPr>
+            </a:lvl3pPr>
+            <a:lvl4pPr marL="1600200" indent="-228600" defTabSz="990600" eaLnBrk="0" hangingPunct="0">
+              <a:spcBef>
+                <a:spcPct val="30000"/>
+              </a:spcBef>
+              <a:defRPr kumimoji="1" sz="1200">
+                <a:solidFill>
+                  <a:schemeClr val="tx1"/>
+                </a:solidFill>
+                <a:latin typeface="Arial" panose="020B0604020202020204" pitchFamily="34" charset="0"/>
+                <a:ea typeface="新細明體" panose="02020500000000000000" pitchFamily="18" charset="-120"/>
+              </a:defRPr>
+            </a:lvl4pPr>
+            <a:lvl5pPr marL="2057400" indent="-228600" defTabSz="990600" eaLnBrk="0" hangingPunct="0">
+              <a:spcBef>
+                <a:spcPct val="30000"/>
+              </a:spcBef>
+              <a:defRPr kumimoji="1" sz="1200">
+                <a:solidFill>
+                  <a:schemeClr val="tx1"/>
+                </a:solidFill>
+                <a:latin typeface="Arial" panose="020B0604020202020204" pitchFamily="34" charset="0"/>
+                <a:ea typeface="新細明體" panose="02020500000000000000" pitchFamily="18" charset="-120"/>
+              </a:defRPr>
+            </a:lvl5pPr>
+            <a:lvl6pPr marL="2514600" indent="-228600" defTabSz="990600" eaLnBrk="0" fontAlgn="base" hangingPunct="0">
+              <a:spcBef>
+                <a:spcPct val="30000"/>
+              </a:spcBef>
+              <a:spcAft>
+                <a:spcPct val="0"/>
+              </a:spcAft>
+              <a:defRPr kumimoji="1" sz="1200">
+                <a:solidFill>
+                  <a:schemeClr val="tx1"/>
+                </a:solidFill>
+                <a:latin typeface="Arial" panose="020B0604020202020204" pitchFamily="34" charset="0"/>
+                <a:ea typeface="新細明體" panose="02020500000000000000" pitchFamily="18" charset="-120"/>
+              </a:defRPr>
+            </a:lvl6pPr>
+            <a:lvl7pPr marL="2971800" indent="-228600" defTabSz="990600" eaLnBrk="0" fontAlgn="base" hangingPunct="0">
+              <a:spcBef>
+                <a:spcPct val="30000"/>
+              </a:spcBef>
+              <a:spcAft>
+                <a:spcPct val="0"/>
+              </a:spcAft>
+              <a:defRPr kumimoji="1" sz="1200">
+                <a:solidFill>
+                  <a:schemeClr val="tx1"/>
+                </a:solidFill>
+                <a:latin typeface="Arial" panose="020B0604020202020204" pitchFamily="34" charset="0"/>
+                <a:ea typeface="新細明體" panose="02020500000000000000" pitchFamily="18" charset="-120"/>
+              </a:defRPr>
+            </a:lvl7pPr>
+            <a:lvl8pPr marL="3429000" indent="-228600" defTabSz="990600" eaLnBrk="0" fontAlgn="base" hangingPunct="0">
+              <a:spcBef>
+                <a:spcPct val="30000"/>
+              </a:spcBef>
+              <a:spcAft>
+                <a:spcPct val="0"/>
+              </a:spcAft>
+              <a:defRPr kumimoji="1" sz="1200">
+                <a:solidFill>
+                  <a:schemeClr val="tx1"/>
+                </a:solidFill>
+                <a:latin typeface="Arial" panose="020B0604020202020204" pitchFamily="34" charset="0"/>
+                <a:ea typeface="新細明體" panose="02020500000000000000" pitchFamily="18" charset="-120"/>
+              </a:defRPr>
+            </a:lvl8pPr>
+            <a:lvl9pPr marL="3886200" indent="-228600" defTabSz="990600" eaLnBrk="0" fontAlgn="base" hangingPunct="0">
+              <a:spcBef>
+                <a:spcPct val="30000"/>
+              </a:spcBef>
+              <a:spcAft>
+                <a:spcPct val="0"/>
+              </a:spcAft>
+              <a:defRPr kumimoji="1" sz="1200">
+                <a:solidFill>
+                  <a:schemeClr val="tx1"/>
+                </a:solidFill>
+                <a:latin typeface="Arial" panose="020B0604020202020204" pitchFamily="34" charset="0"/>
+                <a:ea typeface="新細明體" panose="02020500000000000000" pitchFamily="18" charset="-120"/>
+              </a:defRPr>
+            </a:lvl9pPr>
+          </a:lstStyle>
+          <a:p>
+            <a:pPr eaLnBrk="1" hangingPunct="1">
+              <a:spcBef>
+                <a:spcPct val="0"/>
+              </a:spcBef>
+            </a:pPr>
+            <a:fld id="{4F672D5D-8C01-4901-B5D5-EB0622AA9DF3}" type="slidenum">
+              <a:rPr lang="en-US" altLang="zh-TW" sz="1300">
+                <a:latin typeface="Garamond" panose="02020404030301010803" pitchFamily="18" charset="0"/>
+              </a:rPr>
+              <a:pPr eaLnBrk="1" hangingPunct="1">
+                <a:spcBef>
+                  <a:spcPct val="0"/>
+                </a:spcBef>
+              </a:pPr>
+              <a:t>17</a:t>
+            </a:fld>
+            <a:endParaRPr lang="en-US" altLang="zh-TW" sz="1300">
+              <a:latin typeface="Garamond" panose="02020404030301010803" pitchFamily="18" charset="0"/>
+            </a:endParaRPr>
+          </a:p>
+        </p:txBody>
+      </p:sp>
+    </p:spTree>
+  </p:cSld>
+  <p:clrMapOvr>
+    <a:masterClrMapping/>
+  </p:clrMapOvr>
+</p:notes>
+</file>
+
 <file path=ppt/notesSlides/notesSlide2.xml><?xml version="1.0" encoding="utf-8"?>
 <p:notes xmlns:a="http://schemas.openxmlformats.org/drawingml/2006/main" xmlns:r="http://schemas.openxmlformats.org/officeDocument/2006/relationships" xmlns:p="http://schemas.openxmlformats.org/presentationml/2006/main">
   <p:cSld>
@@ -1632,7 +2326,7 @@
     </p:spTree>
     <p:extLst>
       <p:ext uri="{BB962C8B-B14F-4D97-AF65-F5344CB8AC3E}">
-        <p14:creationId xmlns:p14="http://schemas.microsoft.com/office/powerpoint/2010/main" val="770017496"/>
+        <p14:creationId xmlns:p14="http://schemas.microsoft.com/office/powerpoint/2010/main" val="1957161656"/>
       </p:ext>
     </p:extLst>
   </p:cSld>
@@ -1661,21 +2355,19 @@
       </p:grpSpPr>
       <p:sp>
         <p:nvSpPr>
-          <p:cNvPr id="45058" name="投影片圖像版面配置區 1"/>
+          <p:cNvPr id="2" name="投影片圖像版面配置區 1"/>
           <p:cNvSpPr>
-            <a:spLocks noGrp="1" noRot="1" noChangeAspect="1" noTextEdit="1"/>
+            <a:spLocks noGrp="1" noRot="1" noChangeAspect="1"/>
           </p:cNvSpPr>
           <p:nvPr>
             <p:ph type="sldImg"/>
           </p:nvPr>
         </p:nvSpPr>
-        <p:spPr>
-          <a:ln/>
-        </p:spPr>
+        <p:spPr/>
       </p:sp>
       <p:sp>
         <p:nvSpPr>
-          <p:cNvPr id="45059" name="備忘稿版面配置區 2"/>
+          <p:cNvPr id="3" name="備忘稿版面配置區 2"/>
           <p:cNvSpPr>
             <a:spLocks noGrp="1"/>
           </p:cNvSpPr>
@@ -1683,220 +2375,130 @@
             <p:ph type="body" idx="1"/>
           </p:nvPr>
         </p:nvSpPr>
-        <p:spPr>
-          <a:noFill/>
-          <a:ln/>
-          <a:extLst>
-            <a:ext uri="{909E8E84-426E-40DD-AFC4-6F175D3DCCD1}">
-              <a14:hiddenFill xmlns:a14="http://schemas.microsoft.com/office/drawing/2010/main">
-                <a:solidFill>
-                  <a:srgbClr val="FFFFFF"/>
-                </a:solidFill>
-              </a14:hiddenFill>
-            </a:ext>
-            <a:ext uri="{91240B29-F687-4F45-9708-019B960494DF}">
-              <a14:hiddenLine xmlns:a14="http://schemas.microsoft.com/office/drawing/2010/main" w="9525">
-                <a:solidFill>
-                  <a:srgbClr val="000000"/>
-                </a:solidFill>
-                <a:miter lim="800000"/>
-                <a:headEnd/>
-                <a:tailEnd/>
-              </a14:hiddenLine>
-            </a:ext>
-          </a:extLst>
-        </p:spPr>
+        <p:spPr/>
         <p:txBody>
           <a:bodyPr/>
           <a:lstStyle/>
           <a:p>
-            <a:endParaRPr lang="zh-TW" altLang="en-US" dirty="0" smtClean="0">
-              <a:latin typeface="Arial" panose="020B0604020202020204" pitchFamily="34" charset="0"/>
-            </a:endParaRPr>
+            <a:endParaRPr lang="zh-TW" altLang="en-US" dirty="0"/>
           </a:p>
         </p:txBody>
       </p:sp>
       <p:sp>
         <p:nvSpPr>
-          <p:cNvPr id="45060" name="投影片編號版面配置區 3"/>
+          <p:cNvPr id="4" name="投影片編號版面配置區 3"/>
           <p:cNvSpPr>
             <a:spLocks noGrp="1"/>
           </p:cNvSpPr>
           <p:nvPr>
-            <p:ph type="sldNum" sz="quarter" idx="5"/>
+            <p:ph type="sldNum" sz="quarter" idx="10"/>
           </p:nvPr>
         </p:nvSpPr>
-        <p:spPr>
-          <a:noFill/>
-          <a:ln/>
-          <a:extLst>
-            <a:ext uri="{909E8E84-426E-40DD-AFC4-6F175D3DCCD1}">
-              <a14:hiddenFill xmlns:a14="http://schemas.microsoft.com/office/drawing/2010/main">
-                <a:solidFill>
-                  <a:srgbClr val="FFFFFF"/>
-                </a:solidFill>
-              </a14:hiddenFill>
-            </a:ext>
-            <a:ext uri="{91240B29-F687-4F45-9708-019B960494DF}">
-              <a14:hiddenLine xmlns:a14="http://schemas.microsoft.com/office/drawing/2010/main" w="9525">
-                <a:solidFill>
-                  <a:srgbClr val="000000"/>
-                </a:solidFill>
-                <a:miter lim="800000"/>
-                <a:headEnd/>
-                <a:tailEnd/>
-              </a14:hiddenLine>
-            </a:ext>
-          </a:extLst>
-        </p:spPr>
+        <p:spPr/>
         <p:txBody>
           <a:bodyPr/>
-          <a:lstStyle>
-            <a:lvl1pPr defTabSz="990600" eaLnBrk="0" hangingPunct="0">
-              <a:spcBef>
-                <a:spcPct val="30000"/>
-              </a:spcBef>
-              <a:defRPr kumimoji="1" sz="1200">
-                <a:solidFill>
-                  <a:schemeClr val="tx1"/>
-                </a:solidFill>
-                <a:latin typeface="Arial" panose="020B0604020202020204" pitchFamily="34" charset="0"/>
-                <a:ea typeface="新細明體" panose="02020500000000000000" pitchFamily="18" charset="-120"/>
-              </a:defRPr>
-            </a:lvl1pPr>
-            <a:lvl2pPr marL="742950" indent="-285750" defTabSz="990600" eaLnBrk="0" hangingPunct="0">
-              <a:spcBef>
-                <a:spcPct val="30000"/>
-              </a:spcBef>
-              <a:defRPr kumimoji="1" sz="1200">
-                <a:solidFill>
-                  <a:schemeClr val="tx1"/>
-                </a:solidFill>
-                <a:latin typeface="Arial" panose="020B0604020202020204" pitchFamily="34" charset="0"/>
-                <a:ea typeface="新細明體" panose="02020500000000000000" pitchFamily="18" charset="-120"/>
-              </a:defRPr>
-            </a:lvl2pPr>
-            <a:lvl3pPr marL="1143000" indent="-228600" defTabSz="990600" eaLnBrk="0" hangingPunct="0">
-              <a:spcBef>
-                <a:spcPct val="30000"/>
-              </a:spcBef>
-              <a:defRPr kumimoji="1" sz="1200">
-                <a:solidFill>
-                  <a:schemeClr val="tx1"/>
-                </a:solidFill>
-                <a:latin typeface="Arial" panose="020B0604020202020204" pitchFamily="34" charset="0"/>
-                <a:ea typeface="新細明體" panose="02020500000000000000" pitchFamily="18" charset="-120"/>
-              </a:defRPr>
-            </a:lvl3pPr>
-            <a:lvl4pPr marL="1600200" indent="-228600" defTabSz="990600" eaLnBrk="0" hangingPunct="0">
-              <a:spcBef>
-                <a:spcPct val="30000"/>
-              </a:spcBef>
-              <a:defRPr kumimoji="1" sz="1200">
-                <a:solidFill>
-                  <a:schemeClr val="tx1"/>
-                </a:solidFill>
-                <a:latin typeface="Arial" panose="020B0604020202020204" pitchFamily="34" charset="0"/>
-                <a:ea typeface="新細明體" panose="02020500000000000000" pitchFamily="18" charset="-120"/>
-              </a:defRPr>
-            </a:lvl4pPr>
-            <a:lvl5pPr marL="2057400" indent="-228600" defTabSz="990600" eaLnBrk="0" hangingPunct="0">
-              <a:spcBef>
-                <a:spcPct val="30000"/>
-              </a:spcBef>
-              <a:defRPr kumimoji="1" sz="1200">
-                <a:solidFill>
-                  <a:schemeClr val="tx1"/>
-                </a:solidFill>
-                <a:latin typeface="Arial" panose="020B0604020202020204" pitchFamily="34" charset="0"/>
-                <a:ea typeface="新細明體" panose="02020500000000000000" pitchFamily="18" charset="-120"/>
-              </a:defRPr>
-            </a:lvl5pPr>
-            <a:lvl6pPr marL="2514600" indent="-228600" defTabSz="990600" eaLnBrk="0" fontAlgn="base" hangingPunct="0">
-              <a:spcBef>
-                <a:spcPct val="30000"/>
-              </a:spcBef>
-              <a:spcAft>
-                <a:spcPct val="0"/>
-              </a:spcAft>
-              <a:defRPr kumimoji="1" sz="1200">
-                <a:solidFill>
-                  <a:schemeClr val="tx1"/>
-                </a:solidFill>
-                <a:latin typeface="Arial" panose="020B0604020202020204" pitchFamily="34" charset="0"/>
-                <a:ea typeface="新細明體" panose="02020500000000000000" pitchFamily="18" charset="-120"/>
-              </a:defRPr>
-            </a:lvl6pPr>
-            <a:lvl7pPr marL="2971800" indent="-228600" defTabSz="990600" eaLnBrk="0" fontAlgn="base" hangingPunct="0">
-              <a:spcBef>
-                <a:spcPct val="30000"/>
-              </a:spcBef>
-              <a:spcAft>
-                <a:spcPct val="0"/>
-              </a:spcAft>
-              <a:defRPr kumimoji="1" sz="1200">
-                <a:solidFill>
-                  <a:schemeClr val="tx1"/>
-                </a:solidFill>
-                <a:latin typeface="Arial" panose="020B0604020202020204" pitchFamily="34" charset="0"/>
-                <a:ea typeface="新細明體" panose="02020500000000000000" pitchFamily="18" charset="-120"/>
-              </a:defRPr>
-            </a:lvl7pPr>
-            <a:lvl8pPr marL="3429000" indent="-228600" defTabSz="990600" eaLnBrk="0" fontAlgn="base" hangingPunct="0">
-              <a:spcBef>
-                <a:spcPct val="30000"/>
-              </a:spcBef>
-              <a:spcAft>
-                <a:spcPct val="0"/>
-              </a:spcAft>
-              <a:defRPr kumimoji="1" sz="1200">
-                <a:solidFill>
-                  <a:schemeClr val="tx1"/>
-                </a:solidFill>
-                <a:latin typeface="Arial" panose="020B0604020202020204" pitchFamily="34" charset="0"/>
-                <a:ea typeface="新細明體" panose="02020500000000000000" pitchFamily="18" charset="-120"/>
-              </a:defRPr>
-            </a:lvl8pPr>
-            <a:lvl9pPr marL="3886200" indent="-228600" defTabSz="990600" eaLnBrk="0" fontAlgn="base" hangingPunct="0">
-              <a:spcBef>
-                <a:spcPct val="30000"/>
-              </a:spcBef>
-              <a:spcAft>
-                <a:spcPct val="0"/>
-              </a:spcAft>
-              <a:defRPr kumimoji="1" sz="1200">
-                <a:solidFill>
-                  <a:schemeClr val="tx1"/>
-                </a:solidFill>
-                <a:latin typeface="Arial" panose="020B0604020202020204" pitchFamily="34" charset="0"/>
-                <a:ea typeface="新細明體" panose="02020500000000000000" pitchFamily="18" charset="-120"/>
-              </a:defRPr>
-            </a:lvl9pPr>
-          </a:lstStyle>
-          <a:p>
-            <a:pPr eaLnBrk="1" hangingPunct="1">
-              <a:spcBef>
-                <a:spcPct val="0"/>
-              </a:spcBef>
-            </a:pPr>
-            <a:fld id="{4F672D5D-8C01-4901-B5D5-EB0622AA9DF3}" type="slidenum">
-              <a:rPr lang="en-US" altLang="zh-TW" sz="1300">
-                <a:latin typeface="Garamond" panose="02020404030301010803" pitchFamily="18" charset="0"/>
-              </a:rPr>
-              <a:pPr eaLnBrk="1" hangingPunct="1">
-                <a:spcBef>
-                  <a:spcPct val="0"/>
-                </a:spcBef>
-              </a:pPr>
+          <a:lstStyle/>
+          <a:p>
+            <a:fld id="{5FAE23DA-1601-498D-B2E3-972800982184}" type="slidenum">
+              <a:rPr lang="en-US" altLang="zh-TW" smtClean="0"/>
+              <a:pPr/>
               <a:t>10</a:t>
             </a:fld>
-            <a:endParaRPr lang="en-US" altLang="zh-TW" sz="1300">
-              <a:latin typeface="Garamond" panose="02020404030301010803" pitchFamily="18" charset="0"/>
-            </a:endParaRPr>
+            <a:endParaRPr lang="en-US" altLang="zh-TW"/>
           </a:p>
         </p:txBody>
       </p:sp>
     </p:spTree>
+    <p:extLst>
+      <p:ext uri="{BB962C8B-B14F-4D97-AF65-F5344CB8AC3E}">
+        <p14:creationId xmlns:p14="http://schemas.microsoft.com/office/powerpoint/2010/main" val="1957161656"/>
+      </p:ext>
+    </p:extLst>
+  </p:cSld>
+  <p:clrMapOvr>
+    <a:masterClrMapping/>
+  </p:clrMapOvr>
+</p:notes>
+</file>
+
+<file path=ppt/notesSlides/notesSlide9.xml><?xml version="1.0" encoding="utf-8"?>
+<p:notes xmlns:a="http://schemas.openxmlformats.org/drawingml/2006/main" xmlns:r="http://schemas.openxmlformats.org/officeDocument/2006/relationships" xmlns:p="http://schemas.openxmlformats.org/presentationml/2006/main">
+  <p:cSld>
+    <p:spTree>
+      <p:nvGrpSpPr>
+        <p:cNvPr id="1" name=""/>
+        <p:cNvGrpSpPr/>
+        <p:nvPr/>
+      </p:nvGrpSpPr>
+      <p:grpSpPr>
+        <a:xfrm>
+          <a:off x="0" y="0"/>
+          <a:ext cx="0" cy="0"/>
+          <a:chOff x="0" y="0"/>
+          <a:chExt cx="0" cy="0"/>
+        </a:xfrm>
+      </p:grpSpPr>
+      <p:sp>
+        <p:nvSpPr>
+          <p:cNvPr id="2" name="投影片圖像版面配置區 1"/>
+          <p:cNvSpPr>
+            <a:spLocks noGrp="1" noRot="1" noChangeAspect="1"/>
+          </p:cNvSpPr>
+          <p:nvPr>
+            <p:ph type="sldImg"/>
+          </p:nvPr>
+        </p:nvSpPr>
+        <p:spPr/>
+      </p:sp>
+      <p:sp>
+        <p:nvSpPr>
+          <p:cNvPr id="3" name="備忘稿版面配置區 2"/>
+          <p:cNvSpPr>
+            <a:spLocks noGrp="1"/>
+          </p:cNvSpPr>
+          <p:nvPr>
+            <p:ph type="body" idx="1"/>
+          </p:nvPr>
+        </p:nvSpPr>
+        <p:spPr/>
+        <p:txBody>
+          <a:bodyPr/>
+          <a:lstStyle/>
+          <a:p>
+            <a:endParaRPr lang="zh-TW" altLang="en-US" dirty="0"/>
+          </a:p>
+        </p:txBody>
+      </p:sp>
+      <p:sp>
+        <p:nvSpPr>
+          <p:cNvPr id="4" name="投影片編號版面配置區 3"/>
+          <p:cNvSpPr>
+            <a:spLocks noGrp="1"/>
+          </p:cNvSpPr>
+          <p:nvPr>
+            <p:ph type="sldNum" sz="quarter" idx="10"/>
+          </p:nvPr>
+        </p:nvSpPr>
+        <p:spPr/>
+        <p:txBody>
+          <a:bodyPr/>
+          <a:lstStyle/>
+          <a:p>
+            <a:fld id="{5FAE23DA-1601-498D-B2E3-972800982184}" type="slidenum">
+              <a:rPr lang="en-US" altLang="zh-TW" smtClean="0"/>
+              <a:pPr/>
+              <a:t>11</a:t>
+            </a:fld>
+            <a:endParaRPr lang="en-US" altLang="zh-TW"/>
+          </a:p>
+        </p:txBody>
+      </p:sp>
+    </p:spTree>
+    <p:extLst>
+      <p:ext uri="{BB962C8B-B14F-4D97-AF65-F5344CB8AC3E}">
+        <p14:creationId xmlns:p14="http://schemas.microsoft.com/office/powerpoint/2010/main" val="1957161656"/>
+      </p:ext>
+    </p:extLst>
   </p:cSld>
   <p:clrMapOvr>
     <a:masterClrMapping/>
@@ -5537,6 +6139,1644 @@
       </p:grpSpPr>
       <p:sp>
         <p:nvSpPr>
+          <p:cNvPr id="15362" name="內容版面配置區 5"/>
+          <p:cNvSpPr>
+            <a:spLocks noGrp="1"/>
+          </p:cNvSpPr>
+          <p:nvPr>
+            <p:ph idx="1"/>
+          </p:nvPr>
+        </p:nvSpPr>
+        <p:spPr>
+          <a:xfrm>
+            <a:off x="457200" y="936625"/>
+            <a:ext cx="8229600" cy="3575050"/>
+          </a:xfrm>
+        </p:spPr>
+        <p:txBody>
+          <a:bodyPr/>
+          <a:lstStyle/>
+          <a:p>
+            <a:pPr eaLnBrk="1" hangingPunct="1">
+              <a:buFont typeface="Arial" charset="0"/>
+              <a:buChar char="•"/>
+              <a:defRPr/>
+            </a:pPr>
+            <a:endParaRPr lang="en-US" altLang="zh-TW" sz="1800" dirty="0">
+              <a:latin typeface="Times New Roman" panose="02020603050405020304" pitchFamily="18" charset="0"/>
+              <a:cs typeface="Times New Roman" panose="02020603050405020304" pitchFamily="18" charset="0"/>
+            </a:endParaRPr>
+          </a:p>
+        </p:txBody>
+      </p:sp>
+      <p:sp>
+        <p:nvSpPr>
+          <p:cNvPr id="2" name="標題 4"/>
+          <p:cNvSpPr>
+            <a:spLocks noGrp="1"/>
+          </p:cNvSpPr>
+          <p:nvPr>
+            <p:ph type="title"/>
+          </p:nvPr>
+        </p:nvSpPr>
+        <p:spPr>
+          <a:xfrm>
+            <a:off x="457200" y="87313"/>
+            <a:ext cx="8229600" cy="1205265"/>
+          </a:xfrm>
+        </p:spPr>
+        <p:txBody>
+          <a:bodyPr/>
+          <a:lstStyle/>
+          <a:p>
+            <a:pPr eaLnBrk="1" hangingPunct="1">
+              <a:defRPr/>
+            </a:pPr>
+            <a:r>
+              <a:rPr lang="en-US" altLang="zh-TW" sz="2800" kern="0" dirty="0" smtClean="0">
+                <a:solidFill>
+                  <a:srgbClr val="003366"/>
+                </a:solidFill>
+                <a:latin typeface="Times New Roman" panose="02020603050405020304" pitchFamily="18" charset="0"/>
+                <a:cs typeface="Times New Roman" panose="02020603050405020304" pitchFamily="18" charset="0"/>
+              </a:rPr>
+              <a:t>Airplane </a:t>
+            </a:r>
+            <a:r>
+              <a:rPr lang="en-US" altLang="zh-TW" sz="2800" kern="0" dirty="0">
+                <a:solidFill>
+                  <a:srgbClr val="003366"/>
+                </a:solidFill>
+                <a:latin typeface="Times New Roman" panose="02020603050405020304" pitchFamily="18" charset="0"/>
+                <a:cs typeface="Times New Roman" panose="02020603050405020304" pitchFamily="18" charset="0"/>
+              </a:rPr>
+              <a:t>on/off mode automatic </a:t>
+            </a:r>
+            <a:r>
+              <a:rPr lang="en-US" altLang="zh-TW" sz="2800" kern="0" dirty="0" smtClean="0">
+                <a:solidFill>
+                  <a:srgbClr val="003366"/>
+                </a:solidFill>
+                <a:latin typeface="Times New Roman" panose="02020603050405020304" pitchFamily="18" charset="0"/>
+                <a:cs typeface="Times New Roman" panose="02020603050405020304" pitchFamily="18" charset="0"/>
+              </a:rPr>
+              <a:t>tool</a:t>
+            </a:r>
+            <a:r>
+              <a:rPr lang="en-US" altLang="zh-TW" sz="2800" kern="0" dirty="0">
+                <a:solidFill>
+                  <a:srgbClr val="003366"/>
+                </a:solidFill>
+                <a:latin typeface="Times New Roman" panose="02020603050405020304" pitchFamily="18" charset="0"/>
+                <a:cs typeface="Times New Roman" panose="02020603050405020304" pitchFamily="18" charset="0"/>
+              </a:rPr>
+              <a:t/>
+            </a:r>
+            <a:br>
+              <a:rPr lang="en-US" altLang="zh-TW" sz="2800" kern="0" dirty="0">
+                <a:solidFill>
+                  <a:srgbClr val="003366"/>
+                </a:solidFill>
+                <a:latin typeface="Times New Roman" panose="02020603050405020304" pitchFamily="18" charset="0"/>
+                <a:cs typeface="Times New Roman" panose="02020603050405020304" pitchFamily="18" charset="0"/>
+              </a:rPr>
+            </a:br>
+            <a:endParaRPr lang="zh-TW" altLang="en-US" sz="2800" kern="0" dirty="0">
+              <a:solidFill>
+                <a:srgbClr val="003366"/>
+              </a:solidFill>
+              <a:latin typeface="Times New Roman" panose="02020603050405020304" pitchFamily="18" charset="0"/>
+              <a:cs typeface="Times New Roman" panose="02020603050405020304" pitchFamily="18" charset="0"/>
+            </a:endParaRPr>
+          </a:p>
+        </p:txBody>
+      </p:sp>
+    </p:spTree>
+    <p:extLst>
+      <p:ext uri="{BB962C8B-B14F-4D97-AF65-F5344CB8AC3E}">
+        <p14:creationId xmlns:p14="http://schemas.microsoft.com/office/powerpoint/2010/main" val="3412901425"/>
+      </p:ext>
+    </p:extLst>
+  </p:cSld>
+  <p:clrMapOvr>
+    <a:masterClrMapping/>
+  </p:clrMapOvr>
+  <mc:AlternateContent xmlns:mc="http://schemas.openxmlformats.org/markup-compatibility/2006" xmlns:p14="http://schemas.microsoft.com/office/powerpoint/2010/main">
+    <mc:Choice Requires="p14">
+      <p:transition spd="med" p14:dur="700" advClick="0">
+        <p:fade/>
+      </p:transition>
+    </mc:Choice>
+    <mc:Fallback xmlns="">
+      <p:transition spd="med" advClick="0">
+        <p:fade/>
+      </p:transition>
+    </mc:Fallback>
+  </mc:AlternateContent>
+  <p:timing>
+    <p:tnLst>
+      <p:par>
+        <p:cTn id="1" dur="indefinite" restart="never" nodeType="tmRoot">
+          <p:childTnLst>
+            <p:seq concurrent="1" nextAc="seek">
+              <p:cTn id="2" dur="indefinite" nodeType="mainSeq">
+                <p:childTnLst>
+                  <p:par>
+                    <p:cTn id="3" fill="hold">
+                      <p:stCondLst>
+                        <p:cond delay="indefinite"/>
+                        <p:cond evt="onBegin" delay="0">
+                          <p:tn val="2"/>
+                        </p:cond>
+                      </p:stCondLst>
+                      <p:childTnLst>
+                        <p:par>
+                          <p:cTn id="4" fill="hold">
+                            <p:stCondLst>
+                              <p:cond delay="0"/>
+                            </p:stCondLst>
+                            <p:childTnLst>
+                              <p:par>
+                                <p:cTn id="5" presetID="10" presetClass="entr" presetSubtype="0" fill="hold" grpId="0" nodeType="afterEffect">
+                                  <p:stCondLst>
+                                    <p:cond delay="0"/>
+                                  </p:stCondLst>
+                                  <p:childTnLst>
+                                    <p:set>
+                                      <p:cBhvr>
+                                        <p:cTn id="6" dur="1" fill="hold">
+                                          <p:stCondLst>
+                                            <p:cond delay="0"/>
+                                          </p:stCondLst>
+                                        </p:cTn>
+                                        <p:tgtEl>
+                                          <p:spTgt spid="2"/>
+                                        </p:tgtEl>
+                                        <p:attrNameLst>
+                                          <p:attrName>style.visibility</p:attrName>
+                                        </p:attrNameLst>
+                                      </p:cBhvr>
+                                      <p:to>
+                                        <p:strVal val="visible"/>
+                                      </p:to>
+                                    </p:set>
+                                    <p:animEffect transition="in" filter="fade">
+                                      <p:cBhvr>
+                                        <p:cTn id="7" dur="500"/>
+                                        <p:tgtEl>
+                                          <p:spTgt spid="2"/>
+                                        </p:tgtEl>
+                                      </p:cBhvr>
+                                    </p:animEffect>
+                                  </p:childTnLst>
+                                </p:cTn>
+                              </p:par>
+                            </p:childTnLst>
+                          </p:cTn>
+                        </p:par>
+                      </p:childTnLst>
+                    </p:cTn>
+                  </p:par>
+                </p:childTnLst>
+              </p:cTn>
+              <p:prevCondLst>
+                <p:cond evt="onPrev" delay="0">
+                  <p:tgtEl>
+                    <p:sldTgt/>
+                  </p:tgtEl>
+                </p:cond>
+              </p:prevCondLst>
+              <p:nextCondLst>
+                <p:cond evt="onNext" delay="0">
+                  <p:tgtEl>
+                    <p:sldTgt/>
+                  </p:tgtEl>
+                </p:cond>
+              </p:nextCondLst>
+            </p:seq>
+          </p:childTnLst>
+        </p:cTn>
+      </p:par>
+    </p:tnLst>
+    <p:bldLst>
+      <p:bldP spid="2" grpId="0"/>
+    </p:bldLst>
+  </p:timing>
+</p:sld>
+</file>
+
+<file path=ppt/slides/slide11.xml><?xml version="1.0" encoding="utf-8"?>
+<p:sld xmlns:a="http://schemas.openxmlformats.org/drawingml/2006/main" xmlns:r="http://schemas.openxmlformats.org/officeDocument/2006/relationships" xmlns:p="http://schemas.openxmlformats.org/presentationml/2006/main">
+  <p:cSld>
+    <p:spTree>
+      <p:nvGrpSpPr>
+        <p:cNvPr id="1" name=""/>
+        <p:cNvGrpSpPr/>
+        <p:nvPr/>
+      </p:nvGrpSpPr>
+      <p:grpSpPr>
+        <a:xfrm>
+          <a:off x="0" y="0"/>
+          <a:ext cx="0" cy="0"/>
+          <a:chOff x="0" y="0"/>
+          <a:chExt cx="0" cy="0"/>
+        </a:xfrm>
+      </p:grpSpPr>
+      <p:sp>
+        <p:nvSpPr>
+          <p:cNvPr id="15362" name="內容版面配置區 5"/>
+          <p:cNvSpPr>
+            <a:spLocks noGrp="1"/>
+          </p:cNvSpPr>
+          <p:nvPr>
+            <p:ph idx="1"/>
+          </p:nvPr>
+        </p:nvSpPr>
+        <p:spPr>
+          <a:xfrm>
+            <a:off x="457200" y="936625"/>
+            <a:ext cx="8229600" cy="3575050"/>
+          </a:xfrm>
+        </p:spPr>
+        <p:txBody>
+          <a:bodyPr/>
+          <a:lstStyle/>
+          <a:p>
+            <a:pPr eaLnBrk="1" hangingPunct="1">
+              <a:buFont typeface="Arial" charset="0"/>
+              <a:buChar char="•"/>
+              <a:defRPr/>
+            </a:pPr>
+            <a:endParaRPr lang="en-US" altLang="zh-TW" sz="1800" dirty="0">
+              <a:latin typeface="Times New Roman" panose="02020603050405020304" pitchFamily="18" charset="0"/>
+              <a:cs typeface="Times New Roman" panose="02020603050405020304" pitchFamily="18" charset="0"/>
+            </a:endParaRPr>
+          </a:p>
+        </p:txBody>
+      </p:sp>
+      <p:sp>
+        <p:nvSpPr>
+          <p:cNvPr id="2" name="標題 4"/>
+          <p:cNvSpPr>
+            <a:spLocks noGrp="1"/>
+          </p:cNvSpPr>
+          <p:nvPr>
+            <p:ph type="title"/>
+          </p:nvPr>
+        </p:nvSpPr>
+        <p:spPr>
+          <a:xfrm>
+            <a:off x="457200" y="87313"/>
+            <a:ext cx="8229600" cy="1205265"/>
+          </a:xfrm>
+        </p:spPr>
+        <p:txBody>
+          <a:bodyPr/>
+          <a:lstStyle/>
+          <a:p>
+            <a:pPr eaLnBrk="1" hangingPunct="1">
+              <a:defRPr/>
+            </a:pPr>
+            <a:r>
+              <a:rPr lang="en-US" altLang="zh-TW" sz="2800" kern="0" dirty="0" smtClean="0">
+                <a:solidFill>
+                  <a:srgbClr val="003366"/>
+                </a:solidFill>
+                <a:latin typeface="Times New Roman" panose="02020603050405020304" pitchFamily="18" charset="0"/>
+                <a:cs typeface="Times New Roman" panose="02020603050405020304" pitchFamily="18" charset="0"/>
+              </a:rPr>
+              <a:t>Wi-Fi </a:t>
+            </a:r>
+            <a:r>
+              <a:rPr lang="en-US" altLang="zh-TW" sz="2800" kern="0" dirty="0">
+                <a:solidFill>
+                  <a:srgbClr val="003366"/>
+                </a:solidFill>
+                <a:latin typeface="Times New Roman" panose="02020603050405020304" pitchFamily="18" charset="0"/>
+                <a:cs typeface="Times New Roman" panose="02020603050405020304" pitchFamily="18" charset="0"/>
+              </a:rPr>
+              <a:t>frequency switch automatic tool (2.4G, 5G)</a:t>
+            </a:r>
+            <a:br>
+              <a:rPr lang="en-US" altLang="zh-TW" sz="2800" kern="0" dirty="0">
+                <a:solidFill>
+                  <a:srgbClr val="003366"/>
+                </a:solidFill>
+                <a:latin typeface="Times New Roman" panose="02020603050405020304" pitchFamily="18" charset="0"/>
+                <a:cs typeface="Times New Roman" panose="02020603050405020304" pitchFamily="18" charset="0"/>
+              </a:rPr>
+            </a:br>
+            <a:endParaRPr lang="zh-TW" altLang="en-US" sz="2800" kern="0" dirty="0">
+              <a:solidFill>
+                <a:srgbClr val="003366"/>
+              </a:solidFill>
+              <a:latin typeface="Times New Roman" panose="02020603050405020304" pitchFamily="18" charset="0"/>
+              <a:cs typeface="Times New Roman" panose="02020603050405020304" pitchFamily="18" charset="0"/>
+            </a:endParaRPr>
+          </a:p>
+        </p:txBody>
+      </p:sp>
+    </p:spTree>
+    <p:extLst>
+      <p:ext uri="{BB962C8B-B14F-4D97-AF65-F5344CB8AC3E}">
+        <p14:creationId xmlns:p14="http://schemas.microsoft.com/office/powerpoint/2010/main" val="3928810146"/>
+      </p:ext>
+    </p:extLst>
+  </p:cSld>
+  <p:clrMapOvr>
+    <a:masterClrMapping/>
+  </p:clrMapOvr>
+  <mc:AlternateContent xmlns:mc="http://schemas.openxmlformats.org/markup-compatibility/2006" xmlns:p14="http://schemas.microsoft.com/office/powerpoint/2010/main">
+    <mc:Choice Requires="p14">
+      <p:transition spd="med" p14:dur="700" advClick="0">
+        <p:fade/>
+      </p:transition>
+    </mc:Choice>
+    <mc:Fallback xmlns="">
+      <p:transition spd="med" advClick="0">
+        <p:fade/>
+      </p:transition>
+    </mc:Fallback>
+  </mc:AlternateContent>
+  <p:timing>
+    <p:tnLst>
+      <p:par>
+        <p:cTn id="1" dur="indefinite" restart="never" nodeType="tmRoot">
+          <p:childTnLst>
+            <p:seq concurrent="1" nextAc="seek">
+              <p:cTn id="2" dur="indefinite" nodeType="mainSeq">
+                <p:childTnLst>
+                  <p:par>
+                    <p:cTn id="3" fill="hold">
+                      <p:stCondLst>
+                        <p:cond delay="indefinite"/>
+                        <p:cond evt="onBegin" delay="0">
+                          <p:tn val="2"/>
+                        </p:cond>
+                      </p:stCondLst>
+                      <p:childTnLst>
+                        <p:par>
+                          <p:cTn id="4" fill="hold">
+                            <p:stCondLst>
+                              <p:cond delay="0"/>
+                            </p:stCondLst>
+                            <p:childTnLst>
+                              <p:par>
+                                <p:cTn id="5" presetID="10" presetClass="entr" presetSubtype="0" fill="hold" grpId="0" nodeType="afterEffect">
+                                  <p:stCondLst>
+                                    <p:cond delay="0"/>
+                                  </p:stCondLst>
+                                  <p:childTnLst>
+                                    <p:set>
+                                      <p:cBhvr>
+                                        <p:cTn id="6" dur="1" fill="hold">
+                                          <p:stCondLst>
+                                            <p:cond delay="0"/>
+                                          </p:stCondLst>
+                                        </p:cTn>
+                                        <p:tgtEl>
+                                          <p:spTgt spid="2"/>
+                                        </p:tgtEl>
+                                        <p:attrNameLst>
+                                          <p:attrName>style.visibility</p:attrName>
+                                        </p:attrNameLst>
+                                      </p:cBhvr>
+                                      <p:to>
+                                        <p:strVal val="visible"/>
+                                      </p:to>
+                                    </p:set>
+                                    <p:animEffect transition="in" filter="fade">
+                                      <p:cBhvr>
+                                        <p:cTn id="7" dur="500"/>
+                                        <p:tgtEl>
+                                          <p:spTgt spid="2"/>
+                                        </p:tgtEl>
+                                      </p:cBhvr>
+                                    </p:animEffect>
+                                  </p:childTnLst>
+                                </p:cTn>
+                              </p:par>
+                            </p:childTnLst>
+                          </p:cTn>
+                        </p:par>
+                      </p:childTnLst>
+                    </p:cTn>
+                  </p:par>
+                </p:childTnLst>
+              </p:cTn>
+              <p:prevCondLst>
+                <p:cond evt="onPrev" delay="0">
+                  <p:tgtEl>
+                    <p:sldTgt/>
+                  </p:tgtEl>
+                </p:cond>
+              </p:prevCondLst>
+              <p:nextCondLst>
+                <p:cond evt="onNext" delay="0">
+                  <p:tgtEl>
+                    <p:sldTgt/>
+                  </p:tgtEl>
+                </p:cond>
+              </p:nextCondLst>
+            </p:seq>
+          </p:childTnLst>
+        </p:cTn>
+      </p:par>
+    </p:tnLst>
+    <p:bldLst>
+      <p:bldP spid="2" grpId="0"/>
+    </p:bldLst>
+  </p:timing>
+</p:sld>
+</file>
+
+<file path=ppt/slides/slide12.xml><?xml version="1.0" encoding="utf-8"?>
+<p:sld xmlns:a="http://schemas.openxmlformats.org/drawingml/2006/main" xmlns:r="http://schemas.openxmlformats.org/officeDocument/2006/relationships" xmlns:p="http://schemas.openxmlformats.org/presentationml/2006/main">
+  <p:cSld>
+    <p:spTree>
+      <p:nvGrpSpPr>
+        <p:cNvPr id="1" name=""/>
+        <p:cNvGrpSpPr/>
+        <p:nvPr/>
+      </p:nvGrpSpPr>
+      <p:grpSpPr>
+        <a:xfrm>
+          <a:off x="0" y="0"/>
+          <a:ext cx="0" cy="0"/>
+          <a:chOff x="0" y="0"/>
+          <a:chExt cx="0" cy="0"/>
+        </a:xfrm>
+      </p:grpSpPr>
+      <p:sp>
+        <p:nvSpPr>
+          <p:cNvPr id="15362" name="內容版面配置區 5"/>
+          <p:cNvSpPr>
+            <a:spLocks noGrp="1"/>
+          </p:cNvSpPr>
+          <p:nvPr>
+            <p:ph idx="1"/>
+          </p:nvPr>
+        </p:nvSpPr>
+        <p:spPr>
+          <a:xfrm>
+            <a:off x="457200" y="936625"/>
+            <a:ext cx="8229600" cy="3575050"/>
+          </a:xfrm>
+        </p:spPr>
+        <p:txBody>
+          <a:bodyPr/>
+          <a:lstStyle/>
+          <a:p>
+            <a:pPr eaLnBrk="1" hangingPunct="1">
+              <a:buFont typeface="Arial" charset="0"/>
+              <a:buChar char="•"/>
+              <a:defRPr/>
+            </a:pPr>
+            <a:endParaRPr lang="en-US" altLang="zh-TW" sz="1800" dirty="0">
+              <a:latin typeface="Times New Roman" panose="02020603050405020304" pitchFamily="18" charset="0"/>
+              <a:cs typeface="Times New Roman" panose="02020603050405020304" pitchFamily="18" charset="0"/>
+            </a:endParaRPr>
+          </a:p>
+        </p:txBody>
+      </p:sp>
+      <p:sp>
+        <p:nvSpPr>
+          <p:cNvPr id="2" name="標題 4"/>
+          <p:cNvSpPr>
+            <a:spLocks noGrp="1"/>
+          </p:cNvSpPr>
+          <p:nvPr>
+            <p:ph type="title"/>
+          </p:nvPr>
+        </p:nvSpPr>
+        <p:spPr>
+          <a:xfrm>
+            <a:off x="457200" y="87313"/>
+            <a:ext cx="8229600" cy="1205265"/>
+          </a:xfrm>
+        </p:spPr>
+        <p:txBody>
+          <a:bodyPr/>
+          <a:lstStyle/>
+          <a:p>
+            <a:pPr eaLnBrk="1" hangingPunct="1">
+              <a:defRPr/>
+            </a:pPr>
+            <a:r>
+              <a:rPr lang="en-US" altLang="zh-TW" sz="2800" kern="0" dirty="0" smtClean="0">
+                <a:solidFill>
+                  <a:srgbClr val="003366"/>
+                </a:solidFill>
+                <a:latin typeface="Times New Roman" panose="02020603050405020304" pitchFamily="18" charset="0"/>
+                <a:cs typeface="Times New Roman" panose="02020603050405020304" pitchFamily="18" charset="0"/>
+              </a:rPr>
+              <a:t>Resolution </a:t>
+            </a:r>
+            <a:r>
+              <a:rPr lang="en-US" altLang="zh-TW" sz="2800" kern="0" dirty="0">
+                <a:solidFill>
+                  <a:srgbClr val="003366"/>
+                </a:solidFill>
+                <a:latin typeface="Times New Roman" panose="02020603050405020304" pitchFamily="18" charset="0"/>
+                <a:cs typeface="Times New Roman" panose="02020603050405020304" pitchFamily="18" charset="0"/>
+              </a:rPr>
+              <a:t>automation</a:t>
+            </a:r>
+            <a:br>
+              <a:rPr lang="en-US" altLang="zh-TW" sz="2800" kern="0" dirty="0">
+                <a:solidFill>
+                  <a:srgbClr val="003366"/>
+                </a:solidFill>
+                <a:latin typeface="Times New Roman" panose="02020603050405020304" pitchFamily="18" charset="0"/>
+                <a:cs typeface="Times New Roman" panose="02020603050405020304" pitchFamily="18" charset="0"/>
+              </a:rPr>
+            </a:br>
+            <a:endParaRPr lang="zh-TW" altLang="en-US" sz="2800" kern="0" dirty="0">
+              <a:solidFill>
+                <a:srgbClr val="003366"/>
+              </a:solidFill>
+              <a:latin typeface="Times New Roman" panose="02020603050405020304" pitchFamily="18" charset="0"/>
+              <a:cs typeface="Times New Roman" panose="02020603050405020304" pitchFamily="18" charset="0"/>
+            </a:endParaRPr>
+          </a:p>
+        </p:txBody>
+      </p:sp>
+    </p:spTree>
+    <p:extLst>
+      <p:ext uri="{BB962C8B-B14F-4D97-AF65-F5344CB8AC3E}">
+        <p14:creationId xmlns:p14="http://schemas.microsoft.com/office/powerpoint/2010/main" val="932677482"/>
+      </p:ext>
+    </p:extLst>
+  </p:cSld>
+  <p:clrMapOvr>
+    <a:masterClrMapping/>
+  </p:clrMapOvr>
+  <mc:AlternateContent xmlns:mc="http://schemas.openxmlformats.org/markup-compatibility/2006" xmlns:p14="http://schemas.microsoft.com/office/powerpoint/2010/main">
+    <mc:Choice Requires="p14">
+      <p:transition spd="med" p14:dur="700" advClick="0">
+        <p:fade/>
+      </p:transition>
+    </mc:Choice>
+    <mc:Fallback xmlns="">
+      <p:transition spd="med" advClick="0">
+        <p:fade/>
+      </p:transition>
+    </mc:Fallback>
+  </mc:AlternateContent>
+  <p:timing>
+    <p:tnLst>
+      <p:par>
+        <p:cTn id="1" dur="indefinite" restart="never" nodeType="tmRoot">
+          <p:childTnLst>
+            <p:seq concurrent="1" nextAc="seek">
+              <p:cTn id="2" dur="indefinite" nodeType="mainSeq">
+                <p:childTnLst>
+                  <p:par>
+                    <p:cTn id="3" fill="hold">
+                      <p:stCondLst>
+                        <p:cond delay="indefinite"/>
+                        <p:cond evt="onBegin" delay="0">
+                          <p:tn val="2"/>
+                        </p:cond>
+                      </p:stCondLst>
+                      <p:childTnLst>
+                        <p:par>
+                          <p:cTn id="4" fill="hold">
+                            <p:stCondLst>
+                              <p:cond delay="0"/>
+                            </p:stCondLst>
+                            <p:childTnLst>
+                              <p:par>
+                                <p:cTn id="5" presetID="10" presetClass="entr" presetSubtype="0" fill="hold" grpId="0" nodeType="afterEffect">
+                                  <p:stCondLst>
+                                    <p:cond delay="0"/>
+                                  </p:stCondLst>
+                                  <p:childTnLst>
+                                    <p:set>
+                                      <p:cBhvr>
+                                        <p:cTn id="6" dur="1" fill="hold">
+                                          <p:stCondLst>
+                                            <p:cond delay="0"/>
+                                          </p:stCondLst>
+                                        </p:cTn>
+                                        <p:tgtEl>
+                                          <p:spTgt spid="2"/>
+                                        </p:tgtEl>
+                                        <p:attrNameLst>
+                                          <p:attrName>style.visibility</p:attrName>
+                                        </p:attrNameLst>
+                                      </p:cBhvr>
+                                      <p:to>
+                                        <p:strVal val="visible"/>
+                                      </p:to>
+                                    </p:set>
+                                    <p:animEffect transition="in" filter="fade">
+                                      <p:cBhvr>
+                                        <p:cTn id="7" dur="500"/>
+                                        <p:tgtEl>
+                                          <p:spTgt spid="2"/>
+                                        </p:tgtEl>
+                                      </p:cBhvr>
+                                    </p:animEffect>
+                                  </p:childTnLst>
+                                </p:cTn>
+                              </p:par>
+                            </p:childTnLst>
+                          </p:cTn>
+                        </p:par>
+                      </p:childTnLst>
+                    </p:cTn>
+                  </p:par>
+                </p:childTnLst>
+              </p:cTn>
+              <p:prevCondLst>
+                <p:cond evt="onPrev" delay="0">
+                  <p:tgtEl>
+                    <p:sldTgt/>
+                  </p:tgtEl>
+                </p:cond>
+              </p:prevCondLst>
+              <p:nextCondLst>
+                <p:cond evt="onNext" delay="0">
+                  <p:tgtEl>
+                    <p:sldTgt/>
+                  </p:tgtEl>
+                </p:cond>
+              </p:nextCondLst>
+            </p:seq>
+          </p:childTnLst>
+        </p:cTn>
+      </p:par>
+    </p:tnLst>
+    <p:bldLst>
+      <p:bldP spid="2" grpId="0"/>
+    </p:bldLst>
+  </p:timing>
+</p:sld>
+</file>
+
+<file path=ppt/slides/slide13.xml><?xml version="1.0" encoding="utf-8"?>
+<p:sld xmlns:a="http://schemas.openxmlformats.org/drawingml/2006/main" xmlns:r="http://schemas.openxmlformats.org/officeDocument/2006/relationships" xmlns:p="http://schemas.openxmlformats.org/presentationml/2006/main">
+  <p:cSld>
+    <p:spTree>
+      <p:nvGrpSpPr>
+        <p:cNvPr id="1" name=""/>
+        <p:cNvGrpSpPr/>
+        <p:nvPr/>
+      </p:nvGrpSpPr>
+      <p:grpSpPr>
+        <a:xfrm>
+          <a:off x="0" y="0"/>
+          <a:ext cx="0" cy="0"/>
+          <a:chOff x="0" y="0"/>
+          <a:chExt cx="0" cy="0"/>
+        </a:xfrm>
+      </p:grpSpPr>
+      <p:sp>
+        <p:nvSpPr>
+          <p:cNvPr id="15362" name="內容版面配置區 5"/>
+          <p:cNvSpPr>
+            <a:spLocks noGrp="1"/>
+          </p:cNvSpPr>
+          <p:nvPr>
+            <p:ph idx="1"/>
+          </p:nvPr>
+        </p:nvSpPr>
+        <p:spPr>
+          <a:xfrm>
+            <a:off x="457200" y="936625"/>
+            <a:ext cx="8229600" cy="3575050"/>
+          </a:xfrm>
+        </p:spPr>
+        <p:txBody>
+          <a:bodyPr/>
+          <a:lstStyle/>
+          <a:p>
+            <a:pPr eaLnBrk="1" hangingPunct="1">
+              <a:buFont typeface="Arial" charset="0"/>
+              <a:buChar char="•"/>
+              <a:defRPr/>
+            </a:pPr>
+            <a:endParaRPr lang="en-US" altLang="zh-TW" sz="1800" dirty="0">
+              <a:latin typeface="Times New Roman" panose="02020603050405020304" pitchFamily="18" charset="0"/>
+              <a:cs typeface="Times New Roman" panose="02020603050405020304" pitchFamily="18" charset="0"/>
+            </a:endParaRPr>
+          </a:p>
+        </p:txBody>
+      </p:sp>
+      <p:sp>
+        <p:nvSpPr>
+          <p:cNvPr id="2" name="標題 4"/>
+          <p:cNvSpPr>
+            <a:spLocks noGrp="1"/>
+          </p:cNvSpPr>
+          <p:nvPr>
+            <p:ph type="title"/>
+          </p:nvPr>
+        </p:nvSpPr>
+        <p:spPr>
+          <a:xfrm>
+            <a:off x="457200" y="87313"/>
+            <a:ext cx="8229600" cy="1205265"/>
+          </a:xfrm>
+        </p:spPr>
+        <p:txBody>
+          <a:bodyPr/>
+          <a:lstStyle/>
+          <a:p>
+            <a:pPr eaLnBrk="1" hangingPunct="1">
+              <a:defRPr/>
+            </a:pPr>
+            <a:r>
+              <a:rPr lang="en-US" altLang="zh-TW" sz="2800" kern="0" dirty="0" smtClean="0">
+                <a:solidFill>
+                  <a:srgbClr val="003366"/>
+                </a:solidFill>
+                <a:latin typeface="Times New Roman" panose="02020603050405020304" pitchFamily="18" charset="0"/>
+                <a:cs typeface="Times New Roman" panose="02020603050405020304" pitchFamily="18" charset="0"/>
+              </a:rPr>
+              <a:t>Luminance automation</a:t>
+            </a:r>
+            <a:r>
+              <a:rPr lang="en-US" altLang="zh-TW" sz="2800" kern="0" dirty="0" smtClean="0">
+                <a:solidFill>
+                  <a:srgbClr val="003366"/>
+                </a:solidFill>
+                <a:latin typeface="Times New Roman" panose="02020603050405020304" pitchFamily="18" charset="0"/>
+                <a:cs typeface="Times New Roman" panose="02020603050405020304" pitchFamily="18" charset="0"/>
+              </a:rPr>
+              <a:t/>
+            </a:r>
+            <a:br>
+              <a:rPr lang="en-US" altLang="zh-TW" sz="2800" kern="0" dirty="0" smtClean="0">
+                <a:solidFill>
+                  <a:srgbClr val="003366"/>
+                </a:solidFill>
+                <a:latin typeface="Times New Roman" panose="02020603050405020304" pitchFamily="18" charset="0"/>
+                <a:cs typeface="Times New Roman" panose="02020603050405020304" pitchFamily="18" charset="0"/>
+              </a:rPr>
+            </a:br>
+            <a:endParaRPr lang="zh-TW" altLang="en-US" sz="2800" kern="0" dirty="0">
+              <a:solidFill>
+                <a:srgbClr val="003366"/>
+              </a:solidFill>
+              <a:latin typeface="Times New Roman" panose="02020603050405020304" pitchFamily="18" charset="0"/>
+              <a:cs typeface="Times New Roman" panose="02020603050405020304" pitchFamily="18" charset="0"/>
+            </a:endParaRPr>
+          </a:p>
+        </p:txBody>
+      </p:sp>
+    </p:spTree>
+    <p:extLst>
+      <p:ext uri="{BB962C8B-B14F-4D97-AF65-F5344CB8AC3E}">
+        <p14:creationId xmlns:p14="http://schemas.microsoft.com/office/powerpoint/2010/main" val="932677482"/>
+      </p:ext>
+    </p:extLst>
+  </p:cSld>
+  <p:clrMapOvr>
+    <a:masterClrMapping/>
+  </p:clrMapOvr>
+  <mc:AlternateContent xmlns:mc="http://schemas.openxmlformats.org/markup-compatibility/2006" xmlns:p14="http://schemas.microsoft.com/office/powerpoint/2010/main">
+    <mc:Choice Requires="p14">
+      <p:transition spd="med" p14:dur="700" advClick="0">
+        <p:fade/>
+      </p:transition>
+    </mc:Choice>
+    <mc:Fallback xmlns="">
+      <p:transition spd="med" advClick="0">
+        <p:fade/>
+      </p:transition>
+    </mc:Fallback>
+  </mc:AlternateContent>
+  <p:timing>
+    <p:tnLst>
+      <p:par>
+        <p:cTn id="1" dur="indefinite" restart="never" nodeType="tmRoot">
+          <p:childTnLst>
+            <p:seq concurrent="1" nextAc="seek">
+              <p:cTn id="2" dur="indefinite" nodeType="mainSeq">
+                <p:childTnLst>
+                  <p:par>
+                    <p:cTn id="3" fill="hold">
+                      <p:stCondLst>
+                        <p:cond delay="indefinite"/>
+                        <p:cond evt="onBegin" delay="0">
+                          <p:tn val="2"/>
+                        </p:cond>
+                      </p:stCondLst>
+                      <p:childTnLst>
+                        <p:par>
+                          <p:cTn id="4" fill="hold">
+                            <p:stCondLst>
+                              <p:cond delay="0"/>
+                            </p:stCondLst>
+                            <p:childTnLst>
+                              <p:par>
+                                <p:cTn id="5" presetID="10" presetClass="entr" presetSubtype="0" fill="hold" grpId="0" nodeType="afterEffect">
+                                  <p:stCondLst>
+                                    <p:cond delay="0"/>
+                                  </p:stCondLst>
+                                  <p:childTnLst>
+                                    <p:set>
+                                      <p:cBhvr>
+                                        <p:cTn id="6" dur="1" fill="hold">
+                                          <p:stCondLst>
+                                            <p:cond delay="0"/>
+                                          </p:stCondLst>
+                                        </p:cTn>
+                                        <p:tgtEl>
+                                          <p:spTgt spid="2"/>
+                                        </p:tgtEl>
+                                        <p:attrNameLst>
+                                          <p:attrName>style.visibility</p:attrName>
+                                        </p:attrNameLst>
+                                      </p:cBhvr>
+                                      <p:to>
+                                        <p:strVal val="visible"/>
+                                      </p:to>
+                                    </p:set>
+                                    <p:animEffect transition="in" filter="fade">
+                                      <p:cBhvr>
+                                        <p:cTn id="7" dur="500"/>
+                                        <p:tgtEl>
+                                          <p:spTgt spid="2"/>
+                                        </p:tgtEl>
+                                      </p:cBhvr>
+                                    </p:animEffect>
+                                  </p:childTnLst>
+                                </p:cTn>
+                              </p:par>
+                            </p:childTnLst>
+                          </p:cTn>
+                        </p:par>
+                      </p:childTnLst>
+                    </p:cTn>
+                  </p:par>
+                </p:childTnLst>
+              </p:cTn>
+              <p:prevCondLst>
+                <p:cond evt="onPrev" delay="0">
+                  <p:tgtEl>
+                    <p:sldTgt/>
+                  </p:tgtEl>
+                </p:cond>
+              </p:prevCondLst>
+              <p:nextCondLst>
+                <p:cond evt="onNext" delay="0">
+                  <p:tgtEl>
+                    <p:sldTgt/>
+                  </p:tgtEl>
+                </p:cond>
+              </p:nextCondLst>
+            </p:seq>
+          </p:childTnLst>
+        </p:cTn>
+      </p:par>
+    </p:tnLst>
+    <p:bldLst>
+      <p:bldP spid="2" grpId="0"/>
+    </p:bldLst>
+  </p:timing>
+</p:sld>
+</file>
+
+<file path=ppt/slides/slide14.xml><?xml version="1.0" encoding="utf-8"?>
+<p:sld xmlns:a="http://schemas.openxmlformats.org/drawingml/2006/main" xmlns:r="http://schemas.openxmlformats.org/officeDocument/2006/relationships" xmlns:p="http://schemas.openxmlformats.org/presentationml/2006/main">
+  <p:cSld>
+    <p:spTree>
+      <p:nvGrpSpPr>
+        <p:cNvPr id="1" name=""/>
+        <p:cNvGrpSpPr/>
+        <p:nvPr/>
+      </p:nvGrpSpPr>
+      <p:grpSpPr>
+        <a:xfrm>
+          <a:off x="0" y="0"/>
+          <a:ext cx="0" cy="0"/>
+          <a:chOff x="0" y="0"/>
+          <a:chExt cx="0" cy="0"/>
+        </a:xfrm>
+      </p:grpSpPr>
+      <p:sp>
+        <p:nvSpPr>
+          <p:cNvPr id="15362" name="內容版面配置區 5"/>
+          <p:cNvSpPr>
+            <a:spLocks noGrp="1"/>
+          </p:cNvSpPr>
+          <p:nvPr>
+            <p:ph idx="1"/>
+          </p:nvPr>
+        </p:nvSpPr>
+        <p:spPr>
+          <a:xfrm>
+            <a:off x="457200" y="936625"/>
+            <a:ext cx="8229600" cy="3575050"/>
+          </a:xfrm>
+        </p:spPr>
+        <p:txBody>
+          <a:bodyPr/>
+          <a:lstStyle/>
+          <a:p>
+            <a:pPr eaLnBrk="1" hangingPunct="1">
+              <a:buFont typeface="Arial" charset="0"/>
+              <a:buChar char="•"/>
+              <a:defRPr/>
+            </a:pPr>
+            <a:endParaRPr lang="en-US" altLang="zh-TW" sz="1800" dirty="0">
+              <a:latin typeface="Times New Roman" panose="02020603050405020304" pitchFamily="18" charset="0"/>
+              <a:cs typeface="Times New Roman" panose="02020603050405020304" pitchFamily="18" charset="0"/>
+            </a:endParaRPr>
+          </a:p>
+        </p:txBody>
+      </p:sp>
+      <p:sp>
+        <p:nvSpPr>
+          <p:cNvPr id="2" name="標題 4"/>
+          <p:cNvSpPr>
+            <a:spLocks noGrp="1"/>
+          </p:cNvSpPr>
+          <p:nvPr>
+            <p:ph type="title"/>
+          </p:nvPr>
+        </p:nvSpPr>
+        <p:spPr>
+          <a:xfrm>
+            <a:off x="457200" y="87313"/>
+            <a:ext cx="8229600" cy="1205265"/>
+          </a:xfrm>
+        </p:spPr>
+        <p:txBody>
+          <a:bodyPr/>
+          <a:lstStyle/>
+          <a:p>
+            <a:pPr eaLnBrk="1" hangingPunct="1">
+              <a:defRPr/>
+            </a:pPr>
+            <a:r>
+              <a:rPr lang="en-US" altLang="zh-TW" sz="2800" kern="0" dirty="0" smtClean="0">
+                <a:solidFill>
+                  <a:srgbClr val="003366"/>
+                </a:solidFill>
+                <a:latin typeface="Times New Roman" panose="02020603050405020304" pitchFamily="18" charset="0"/>
+                <a:cs typeface="Times New Roman" panose="02020603050405020304" pitchFamily="18" charset="0"/>
+              </a:rPr>
+              <a:t>PXE </a:t>
+            </a:r>
+            <a:r>
+              <a:rPr lang="en-US" altLang="zh-TW" sz="2800" kern="0" dirty="0">
+                <a:solidFill>
+                  <a:srgbClr val="003366"/>
+                </a:solidFill>
+                <a:latin typeface="Times New Roman" panose="02020603050405020304" pitchFamily="18" charset="0"/>
+                <a:cs typeface="Times New Roman" panose="02020603050405020304" pitchFamily="18" charset="0"/>
+              </a:rPr>
+              <a:t>automatic </a:t>
+            </a:r>
+            <a:r>
+              <a:rPr lang="en-US" altLang="zh-TW" sz="2800" kern="0" dirty="0" smtClean="0">
+                <a:solidFill>
+                  <a:srgbClr val="003366"/>
+                </a:solidFill>
+                <a:latin typeface="Times New Roman" panose="02020603050405020304" pitchFamily="18" charset="0"/>
+                <a:cs typeface="Times New Roman" panose="02020603050405020304" pitchFamily="18" charset="0"/>
+              </a:rPr>
+              <a:t>installation</a:t>
+            </a:r>
+            <a:r>
+              <a:rPr lang="en-US" altLang="zh-TW" sz="2800" kern="0" dirty="0" smtClean="0">
+                <a:solidFill>
+                  <a:srgbClr val="003366"/>
+                </a:solidFill>
+                <a:latin typeface="Times New Roman" panose="02020603050405020304" pitchFamily="18" charset="0"/>
+                <a:cs typeface="Times New Roman" panose="02020603050405020304" pitchFamily="18" charset="0"/>
+              </a:rPr>
+              <a:t/>
+            </a:r>
+            <a:br>
+              <a:rPr lang="en-US" altLang="zh-TW" sz="2800" kern="0" dirty="0" smtClean="0">
+                <a:solidFill>
+                  <a:srgbClr val="003366"/>
+                </a:solidFill>
+                <a:latin typeface="Times New Roman" panose="02020603050405020304" pitchFamily="18" charset="0"/>
+                <a:cs typeface="Times New Roman" panose="02020603050405020304" pitchFamily="18" charset="0"/>
+              </a:rPr>
+            </a:br>
+            <a:endParaRPr lang="zh-TW" altLang="en-US" sz="2800" kern="0" dirty="0">
+              <a:solidFill>
+                <a:srgbClr val="003366"/>
+              </a:solidFill>
+              <a:latin typeface="Times New Roman" panose="02020603050405020304" pitchFamily="18" charset="0"/>
+              <a:cs typeface="Times New Roman" panose="02020603050405020304" pitchFamily="18" charset="0"/>
+            </a:endParaRPr>
+          </a:p>
+        </p:txBody>
+      </p:sp>
+    </p:spTree>
+    <p:extLst>
+      <p:ext uri="{BB962C8B-B14F-4D97-AF65-F5344CB8AC3E}">
+        <p14:creationId xmlns:p14="http://schemas.microsoft.com/office/powerpoint/2010/main" val="932677482"/>
+      </p:ext>
+    </p:extLst>
+  </p:cSld>
+  <p:clrMapOvr>
+    <a:masterClrMapping/>
+  </p:clrMapOvr>
+  <mc:AlternateContent xmlns:mc="http://schemas.openxmlformats.org/markup-compatibility/2006" xmlns:p14="http://schemas.microsoft.com/office/powerpoint/2010/main">
+    <mc:Choice Requires="p14">
+      <p:transition spd="med" p14:dur="700" advClick="0">
+        <p:fade/>
+      </p:transition>
+    </mc:Choice>
+    <mc:Fallback xmlns="">
+      <p:transition spd="med" advClick="0">
+        <p:fade/>
+      </p:transition>
+    </mc:Fallback>
+  </mc:AlternateContent>
+  <p:timing>
+    <p:tnLst>
+      <p:par>
+        <p:cTn id="1" dur="indefinite" restart="never" nodeType="tmRoot">
+          <p:childTnLst>
+            <p:seq concurrent="1" nextAc="seek">
+              <p:cTn id="2" dur="indefinite" nodeType="mainSeq">
+                <p:childTnLst>
+                  <p:par>
+                    <p:cTn id="3" fill="hold">
+                      <p:stCondLst>
+                        <p:cond delay="indefinite"/>
+                        <p:cond evt="onBegin" delay="0">
+                          <p:tn val="2"/>
+                        </p:cond>
+                      </p:stCondLst>
+                      <p:childTnLst>
+                        <p:par>
+                          <p:cTn id="4" fill="hold">
+                            <p:stCondLst>
+                              <p:cond delay="0"/>
+                            </p:stCondLst>
+                            <p:childTnLst>
+                              <p:par>
+                                <p:cTn id="5" presetID="10" presetClass="entr" presetSubtype="0" fill="hold" grpId="0" nodeType="afterEffect">
+                                  <p:stCondLst>
+                                    <p:cond delay="0"/>
+                                  </p:stCondLst>
+                                  <p:childTnLst>
+                                    <p:set>
+                                      <p:cBhvr>
+                                        <p:cTn id="6" dur="1" fill="hold">
+                                          <p:stCondLst>
+                                            <p:cond delay="0"/>
+                                          </p:stCondLst>
+                                        </p:cTn>
+                                        <p:tgtEl>
+                                          <p:spTgt spid="2"/>
+                                        </p:tgtEl>
+                                        <p:attrNameLst>
+                                          <p:attrName>style.visibility</p:attrName>
+                                        </p:attrNameLst>
+                                      </p:cBhvr>
+                                      <p:to>
+                                        <p:strVal val="visible"/>
+                                      </p:to>
+                                    </p:set>
+                                    <p:animEffect transition="in" filter="fade">
+                                      <p:cBhvr>
+                                        <p:cTn id="7" dur="500"/>
+                                        <p:tgtEl>
+                                          <p:spTgt spid="2"/>
+                                        </p:tgtEl>
+                                      </p:cBhvr>
+                                    </p:animEffect>
+                                  </p:childTnLst>
+                                </p:cTn>
+                              </p:par>
+                            </p:childTnLst>
+                          </p:cTn>
+                        </p:par>
+                      </p:childTnLst>
+                    </p:cTn>
+                  </p:par>
+                </p:childTnLst>
+              </p:cTn>
+              <p:prevCondLst>
+                <p:cond evt="onPrev" delay="0">
+                  <p:tgtEl>
+                    <p:sldTgt/>
+                  </p:tgtEl>
+                </p:cond>
+              </p:prevCondLst>
+              <p:nextCondLst>
+                <p:cond evt="onNext" delay="0">
+                  <p:tgtEl>
+                    <p:sldTgt/>
+                  </p:tgtEl>
+                </p:cond>
+              </p:nextCondLst>
+            </p:seq>
+          </p:childTnLst>
+        </p:cTn>
+      </p:par>
+    </p:tnLst>
+    <p:bldLst>
+      <p:bldP spid="2" grpId="0"/>
+    </p:bldLst>
+  </p:timing>
+</p:sld>
+</file>
+
+<file path=ppt/slides/slide15.xml><?xml version="1.0" encoding="utf-8"?>
+<p:sld xmlns:a="http://schemas.openxmlformats.org/drawingml/2006/main" xmlns:r="http://schemas.openxmlformats.org/officeDocument/2006/relationships" xmlns:p="http://schemas.openxmlformats.org/presentationml/2006/main">
+  <p:cSld>
+    <p:spTree>
+      <p:nvGrpSpPr>
+        <p:cNvPr id="1" name=""/>
+        <p:cNvGrpSpPr/>
+        <p:nvPr/>
+      </p:nvGrpSpPr>
+      <p:grpSpPr>
+        <a:xfrm>
+          <a:off x="0" y="0"/>
+          <a:ext cx="0" cy="0"/>
+          <a:chOff x="0" y="0"/>
+          <a:chExt cx="0" cy="0"/>
+        </a:xfrm>
+      </p:grpSpPr>
+      <p:sp>
+        <p:nvSpPr>
+          <p:cNvPr id="15362" name="內容版面配置區 5"/>
+          <p:cNvSpPr>
+            <a:spLocks noGrp="1"/>
+          </p:cNvSpPr>
+          <p:nvPr>
+            <p:ph idx="1"/>
+          </p:nvPr>
+        </p:nvSpPr>
+        <p:spPr>
+          <a:xfrm>
+            <a:off x="457200" y="936625"/>
+            <a:ext cx="8229600" cy="3575050"/>
+          </a:xfrm>
+        </p:spPr>
+        <p:txBody>
+          <a:bodyPr/>
+          <a:lstStyle/>
+          <a:p>
+            <a:pPr eaLnBrk="1" hangingPunct="1">
+              <a:buFont typeface="Arial" charset="0"/>
+              <a:buChar char="•"/>
+              <a:defRPr/>
+            </a:pPr>
+            <a:endParaRPr lang="en-US" altLang="zh-TW" sz="1800" dirty="0">
+              <a:latin typeface="Times New Roman" panose="02020603050405020304" pitchFamily="18" charset="0"/>
+              <a:cs typeface="Times New Roman" panose="02020603050405020304" pitchFamily="18" charset="0"/>
+            </a:endParaRPr>
+          </a:p>
+        </p:txBody>
+      </p:sp>
+      <p:sp>
+        <p:nvSpPr>
+          <p:cNvPr id="2" name="標題 4"/>
+          <p:cNvSpPr>
+            <a:spLocks noGrp="1"/>
+          </p:cNvSpPr>
+          <p:nvPr>
+            <p:ph type="title"/>
+          </p:nvPr>
+        </p:nvSpPr>
+        <p:spPr>
+          <a:xfrm>
+            <a:off x="457200" y="87313"/>
+            <a:ext cx="8229600" cy="1205265"/>
+          </a:xfrm>
+        </p:spPr>
+        <p:txBody>
+          <a:bodyPr/>
+          <a:lstStyle/>
+          <a:p>
+            <a:pPr eaLnBrk="1" hangingPunct="1">
+              <a:defRPr/>
+            </a:pPr>
+            <a:r>
+              <a:rPr lang="en-US" altLang="zh-TW" sz="2800" kern="0" dirty="0" smtClean="0">
+                <a:solidFill>
+                  <a:srgbClr val="003366"/>
+                </a:solidFill>
+                <a:latin typeface="Times New Roman" panose="02020603050405020304" pitchFamily="18" charset="0"/>
+                <a:cs typeface="Times New Roman" panose="02020603050405020304" pitchFamily="18" charset="0"/>
+              </a:rPr>
+              <a:t>Continuous integration</a:t>
+            </a:r>
+            <a:r>
+              <a:rPr lang="en-US" altLang="zh-TW" sz="2800" kern="0" dirty="0" smtClean="0">
+                <a:solidFill>
+                  <a:srgbClr val="003366"/>
+                </a:solidFill>
+                <a:latin typeface="Times New Roman" panose="02020603050405020304" pitchFamily="18" charset="0"/>
+                <a:cs typeface="Times New Roman" panose="02020603050405020304" pitchFamily="18" charset="0"/>
+              </a:rPr>
+              <a:t/>
+            </a:r>
+            <a:br>
+              <a:rPr lang="en-US" altLang="zh-TW" sz="2800" kern="0" dirty="0" smtClean="0">
+                <a:solidFill>
+                  <a:srgbClr val="003366"/>
+                </a:solidFill>
+                <a:latin typeface="Times New Roman" panose="02020603050405020304" pitchFamily="18" charset="0"/>
+                <a:cs typeface="Times New Roman" panose="02020603050405020304" pitchFamily="18" charset="0"/>
+              </a:rPr>
+            </a:br>
+            <a:endParaRPr lang="zh-TW" altLang="en-US" sz="2800" kern="0" dirty="0">
+              <a:solidFill>
+                <a:srgbClr val="003366"/>
+              </a:solidFill>
+              <a:latin typeface="Times New Roman" panose="02020603050405020304" pitchFamily="18" charset="0"/>
+              <a:cs typeface="Times New Roman" panose="02020603050405020304" pitchFamily="18" charset="0"/>
+            </a:endParaRPr>
+          </a:p>
+        </p:txBody>
+      </p:sp>
+    </p:spTree>
+    <p:extLst>
+      <p:ext uri="{BB962C8B-B14F-4D97-AF65-F5344CB8AC3E}">
+        <p14:creationId xmlns:p14="http://schemas.microsoft.com/office/powerpoint/2010/main" val="932677482"/>
+      </p:ext>
+    </p:extLst>
+  </p:cSld>
+  <p:clrMapOvr>
+    <a:masterClrMapping/>
+  </p:clrMapOvr>
+  <mc:AlternateContent xmlns:mc="http://schemas.openxmlformats.org/markup-compatibility/2006" xmlns:p14="http://schemas.microsoft.com/office/powerpoint/2010/main">
+    <mc:Choice Requires="p14">
+      <p:transition spd="med" p14:dur="700" advClick="0">
+        <p:fade/>
+      </p:transition>
+    </mc:Choice>
+    <mc:Fallback xmlns="">
+      <p:transition spd="med" advClick="0">
+        <p:fade/>
+      </p:transition>
+    </mc:Fallback>
+  </mc:AlternateContent>
+  <p:timing>
+    <p:tnLst>
+      <p:par>
+        <p:cTn id="1" dur="indefinite" restart="never" nodeType="tmRoot">
+          <p:childTnLst>
+            <p:seq concurrent="1" nextAc="seek">
+              <p:cTn id="2" dur="indefinite" nodeType="mainSeq">
+                <p:childTnLst>
+                  <p:par>
+                    <p:cTn id="3" fill="hold">
+                      <p:stCondLst>
+                        <p:cond delay="indefinite"/>
+                        <p:cond evt="onBegin" delay="0">
+                          <p:tn val="2"/>
+                        </p:cond>
+                      </p:stCondLst>
+                      <p:childTnLst>
+                        <p:par>
+                          <p:cTn id="4" fill="hold">
+                            <p:stCondLst>
+                              <p:cond delay="0"/>
+                            </p:stCondLst>
+                            <p:childTnLst>
+                              <p:par>
+                                <p:cTn id="5" presetID="10" presetClass="entr" presetSubtype="0" fill="hold" grpId="0" nodeType="afterEffect">
+                                  <p:stCondLst>
+                                    <p:cond delay="0"/>
+                                  </p:stCondLst>
+                                  <p:childTnLst>
+                                    <p:set>
+                                      <p:cBhvr>
+                                        <p:cTn id="6" dur="1" fill="hold">
+                                          <p:stCondLst>
+                                            <p:cond delay="0"/>
+                                          </p:stCondLst>
+                                        </p:cTn>
+                                        <p:tgtEl>
+                                          <p:spTgt spid="2"/>
+                                        </p:tgtEl>
+                                        <p:attrNameLst>
+                                          <p:attrName>style.visibility</p:attrName>
+                                        </p:attrNameLst>
+                                      </p:cBhvr>
+                                      <p:to>
+                                        <p:strVal val="visible"/>
+                                      </p:to>
+                                    </p:set>
+                                    <p:animEffect transition="in" filter="fade">
+                                      <p:cBhvr>
+                                        <p:cTn id="7" dur="500"/>
+                                        <p:tgtEl>
+                                          <p:spTgt spid="2"/>
+                                        </p:tgtEl>
+                                      </p:cBhvr>
+                                    </p:animEffect>
+                                  </p:childTnLst>
+                                </p:cTn>
+                              </p:par>
+                            </p:childTnLst>
+                          </p:cTn>
+                        </p:par>
+                      </p:childTnLst>
+                    </p:cTn>
+                  </p:par>
+                </p:childTnLst>
+              </p:cTn>
+              <p:prevCondLst>
+                <p:cond evt="onPrev" delay="0">
+                  <p:tgtEl>
+                    <p:sldTgt/>
+                  </p:tgtEl>
+                </p:cond>
+              </p:prevCondLst>
+              <p:nextCondLst>
+                <p:cond evt="onNext" delay="0">
+                  <p:tgtEl>
+                    <p:sldTgt/>
+                  </p:tgtEl>
+                </p:cond>
+              </p:nextCondLst>
+            </p:seq>
+          </p:childTnLst>
+        </p:cTn>
+      </p:par>
+    </p:tnLst>
+    <p:bldLst>
+      <p:bldP spid="2" grpId="0"/>
+    </p:bldLst>
+  </p:timing>
+</p:sld>
+</file>
+
+<file path=ppt/slides/slide16.xml><?xml version="1.0" encoding="utf-8"?>
+<p:sld xmlns:a="http://schemas.openxmlformats.org/drawingml/2006/main" xmlns:r="http://schemas.openxmlformats.org/officeDocument/2006/relationships" xmlns:p="http://schemas.openxmlformats.org/presentationml/2006/main">
+  <p:cSld>
+    <p:spTree>
+      <p:nvGrpSpPr>
+        <p:cNvPr id="1" name=""/>
+        <p:cNvGrpSpPr/>
+        <p:nvPr/>
+      </p:nvGrpSpPr>
+      <p:grpSpPr>
+        <a:xfrm>
+          <a:off x="0" y="0"/>
+          <a:ext cx="0" cy="0"/>
+          <a:chOff x="0" y="0"/>
+          <a:chExt cx="0" cy="0"/>
+        </a:xfrm>
+      </p:grpSpPr>
+      <p:sp>
+        <p:nvSpPr>
+          <p:cNvPr id="15362" name="內容版面配置區 5"/>
+          <p:cNvSpPr>
+            <a:spLocks noGrp="1"/>
+          </p:cNvSpPr>
+          <p:nvPr>
+            <p:ph idx="1"/>
+          </p:nvPr>
+        </p:nvSpPr>
+        <p:spPr>
+          <a:xfrm>
+            <a:off x="457200" y="936625"/>
+            <a:ext cx="8229600" cy="3575050"/>
+          </a:xfrm>
+        </p:spPr>
+        <p:txBody>
+          <a:bodyPr/>
+          <a:lstStyle/>
+          <a:p>
+            <a:pPr marL="0" indent="0" eaLnBrk="1" hangingPunct="1">
+              <a:buNone/>
+              <a:defRPr/>
+            </a:pPr>
+            <a:r>
+              <a:rPr lang="en-US" altLang="zh-TW" sz="1800" dirty="0">
+                <a:hlinkClick r:id="rId3" action="ppaction://hlinkfile"/>
+              </a:rPr>
+              <a:t>\\172.17.9.225\dqa\iService\0G.DQA_Zone\50.Auto Test Tool\automation\suite</a:t>
+            </a:r>
+            <a:endParaRPr lang="en-US" altLang="zh-TW" sz="1800" dirty="0"/>
+          </a:p>
+          <a:p>
+            <a:pPr eaLnBrk="1" hangingPunct="1">
+              <a:buFont typeface="Arial" charset="0"/>
+              <a:buChar char="•"/>
+              <a:defRPr/>
+            </a:pPr>
+            <a:endParaRPr lang="en-US" altLang="zh-TW" sz="1800" dirty="0">
+              <a:latin typeface="Times New Roman" panose="02020603050405020304" pitchFamily="18" charset="0"/>
+              <a:cs typeface="Times New Roman" panose="02020603050405020304" pitchFamily="18" charset="0"/>
+            </a:endParaRPr>
+          </a:p>
+        </p:txBody>
+      </p:sp>
+      <p:sp>
+        <p:nvSpPr>
+          <p:cNvPr id="2" name="標題 4"/>
+          <p:cNvSpPr>
+            <a:spLocks noGrp="1"/>
+          </p:cNvSpPr>
+          <p:nvPr>
+            <p:ph type="title"/>
+          </p:nvPr>
+        </p:nvSpPr>
+        <p:spPr>
+          <a:xfrm>
+            <a:off x="457200" y="87313"/>
+            <a:ext cx="8229600" cy="1205265"/>
+          </a:xfrm>
+        </p:spPr>
+        <p:txBody>
+          <a:bodyPr/>
+          <a:lstStyle/>
+          <a:p>
+            <a:pPr eaLnBrk="1" hangingPunct="1">
+              <a:defRPr/>
+            </a:pPr>
+            <a:r>
+              <a:rPr lang="en-US" altLang="zh-TW" sz="2800" kern="0" dirty="0" smtClean="0">
+                <a:solidFill>
+                  <a:srgbClr val="003366"/>
+                </a:solidFill>
+                <a:latin typeface="Times New Roman" panose="02020603050405020304" pitchFamily="18" charset="0"/>
+                <a:cs typeface="Times New Roman" panose="02020603050405020304" pitchFamily="18" charset="0"/>
+              </a:rPr>
+              <a:t>Automation </a:t>
+            </a:r>
+            <a:r>
+              <a:rPr lang="en-US" altLang="zh-TW" sz="2800" kern="0" dirty="0">
+                <a:solidFill>
+                  <a:srgbClr val="003366"/>
+                </a:solidFill>
+                <a:latin typeface="Times New Roman" panose="02020603050405020304" pitchFamily="18" charset="0"/>
+                <a:cs typeface="Times New Roman" panose="02020603050405020304" pitchFamily="18" charset="0"/>
+              </a:rPr>
+              <a:t>Tools hyperlink</a:t>
+            </a:r>
+            <a:r>
+              <a:rPr lang="en-US" altLang="zh-TW" sz="2800" kern="0" dirty="0" smtClean="0">
+                <a:solidFill>
+                  <a:srgbClr val="003366"/>
+                </a:solidFill>
+                <a:latin typeface="Times New Roman" panose="02020603050405020304" pitchFamily="18" charset="0"/>
+                <a:cs typeface="Times New Roman" panose="02020603050405020304" pitchFamily="18" charset="0"/>
+              </a:rPr>
+              <a:t/>
+            </a:r>
+            <a:br>
+              <a:rPr lang="en-US" altLang="zh-TW" sz="2800" kern="0" dirty="0" smtClean="0">
+                <a:solidFill>
+                  <a:srgbClr val="003366"/>
+                </a:solidFill>
+                <a:latin typeface="Times New Roman" panose="02020603050405020304" pitchFamily="18" charset="0"/>
+                <a:cs typeface="Times New Roman" panose="02020603050405020304" pitchFamily="18" charset="0"/>
+              </a:rPr>
+            </a:br>
+            <a:endParaRPr lang="zh-TW" altLang="en-US" sz="2800" kern="0" dirty="0">
+              <a:solidFill>
+                <a:srgbClr val="003366"/>
+              </a:solidFill>
+              <a:latin typeface="Times New Roman" panose="02020603050405020304" pitchFamily="18" charset="0"/>
+              <a:cs typeface="Times New Roman" panose="02020603050405020304" pitchFamily="18" charset="0"/>
+            </a:endParaRPr>
+          </a:p>
+        </p:txBody>
+      </p:sp>
+    </p:spTree>
+    <p:extLst>
+      <p:ext uri="{BB962C8B-B14F-4D97-AF65-F5344CB8AC3E}">
+        <p14:creationId xmlns:p14="http://schemas.microsoft.com/office/powerpoint/2010/main" val="990844558"/>
+      </p:ext>
+    </p:extLst>
+  </p:cSld>
+  <p:clrMapOvr>
+    <a:masterClrMapping/>
+  </p:clrMapOvr>
+  <mc:AlternateContent xmlns:mc="http://schemas.openxmlformats.org/markup-compatibility/2006" xmlns:p14="http://schemas.microsoft.com/office/powerpoint/2010/main">
+    <mc:Choice Requires="p14">
+      <p:transition spd="med" p14:dur="700" advClick="0">
+        <p:fade/>
+      </p:transition>
+    </mc:Choice>
+    <mc:Fallback xmlns="">
+      <p:transition spd="med" advClick="0">
+        <p:fade/>
+      </p:transition>
+    </mc:Fallback>
+  </mc:AlternateContent>
+  <p:timing>
+    <p:tnLst>
+      <p:par>
+        <p:cTn id="1" dur="indefinite" restart="never" nodeType="tmRoot">
+          <p:childTnLst>
+            <p:seq concurrent="1" nextAc="seek">
+              <p:cTn id="2" dur="indefinite" nodeType="mainSeq">
+                <p:childTnLst>
+                  <p:par>
+                    <p:cTn id="3" fill="hold">
+                      <p:stCondLst>
+                        <p:cond delay="indefinite"/>
+                        <p:cond evt="onBegin" delay="0">
+                          <p:tn val="2"/>
+                        </p:cond>
+                      </p:stCondLst>
+                      <p:childTnLst>
+                        <p:par>
+                          <p:cTn id="4" fill="hold">
+                            <p:stCondLst>
+                              <p:cond delay="0"/>
+                            </p:stCondLst>
+                            <p:childTnLst>
+                              <p:par>
+                                <p:cTn id="5" presetID="10" presetClass="entr" presetSubtype="0" fill="hold" grpId="0" nodeType="afterEffect">
+                                  <p:stCondLst>
+                                    <p:cond delay="0"/>
+                                  </p:stCondLst>
+                                  <p:childTnLst>
+                                    <p:set>
+                                      <p:cBhvr>
+                                        <p:cTn id="6" dur="1" fill="hold">
+                                          <p:stCondLst>
+                                            <p:cond delay="0"/>
+                                          </p:stCondLst>
+                                        </p:cTn>
+                                        <p:tgtEl>
+                                          <p:spTgt spid="2"/>
+                                        </p:tgtEl>
+                                        <p:attrNameLst>
+                                          <p:attrName>style.visibility</p:attrName>
+                                        </p:attrNameLst>
+                                      </p:cBhvr>
+                                      <p:to>
+                                        <p:strVal val="visible"/>
+                                      </p:to>
+                                    </p:set>
+                                    <p:animEffect transition="in" filter="fade">
+                                      <p:cBhvr>
+                                        <p:cTn id="7" dur="500"/>
+                                        <p:tgtEl>
+                                          <p:spTgt spid="2"/>
+                                        </p:tgtEl>
+                                      </p:cBhvr>
+                                    </p:animEffect>
+                                  </p:childTnLst>
+                                </p:cTn>
+                              </p:par>
+                            </p:childTnLst>
+                          </p:cTn>
+                        </p:par>
+                      </p:childTnLst>
+                    </p:cTn>
+                  </p:par>
+                </p:childTnLst>
+              </p:cTn>
+              <p:prevCondLst>
+                <p:cond evt="onPrev" delay="0">
+                  <p:tgtEl>
+                    <p:sldTgt/>
+                  </p:tgtEl>
+                </p:cond>
+              </p:prevCondLst>
+              <p:nextCondLst>
+                <p:cond evt="onNext" delay="0">
+                  <p:tgtEl>
+                    <p:sldTgt/>
+                  </p:tgtEl>
+                </p:cond>
+              </p:nextCondLst>
+            </p:seq>
+          </p:childTnLst>
+        </p:cTn>
+      </p:par>
+    </p:tnLst>
+    <p:bldLst>
+      <p:bldP spid="2" grpId="0"/>
+    </p:bldLst>
+  </p:timing>
+</p:sld>
+</file>
+
+<file path=ppt/slides/slide17.xml><?xml version="1.0" encoding="utf-8"?>
+<p:sld xmlns:a="http://schemas.openxmlformats.org/drawingml/2006/main" xmlns:r="http://schemas.openxmlformats.org/officeDocument/2006/relationships" xmlns:p="http://schemas.openxmlformats.org/presentationml/2006/main">
+  <p:cSld>
+    <p:spTree>
+      <p:nvGrpSpPr>
+        <p:cNvPr id="1" name=""/>
+        <p:cNvGrpSpPr/>
+        <p:nvPr/>
+      </p:nvGrpSpPr>
+      <p:grpSpPr>
+        <a:xfrm>
+          <a:off x="0" y="0"/>
+          <a:ext cx="0" cy="0"/>
+          <a:chOff x="0" y="0"/>
+          <a:chExt cx="0" cy="0"/>
+        </a:xfrm>
+      </p:grpSpPr>
+      <p:sp>
+        <p:nvSpPr>
           <p:cNvPr id="30722" name="文字方塊 2"/>
           <p:cNvSpPr txBox="1">
             <a:spLocks noChangeArrowheads="1"/>
@@ -6064,10 +8304,6 @@
               </a:rPr>
               <a:t>Demo</a:t>
             </a:r>
-            <a:endParaRPr lang="en-US" altLang="zh-TW" sz="1800" dirty="0" smtClean="0">
-              <a:latin typeface="Times New Roman" panose="02020603050405020304" pitchFamily="18" charset="0"/>
-              <a:cs typeface="Times New Roman" panose="02020603050405020304" pitchFamily="18" charset="0"/>
-            </a:endParaRPr>
           </a:p>
         </p:txBody>
       </p:sp>
@@ -9869,28 +12105,7 @@
               <a:defRPr/>
             </a:pPr>
             <a:r>
-              <a:rPr lang="en-US" altLang="zh-TW" sz="1800" dirty="0">
-                <a:latin typeface="Times New Roman" panose="02020603050405020304" pitchFamily="18" charset="0"/>
-                <a:cs typeface="Times New Roman" panose="02020603050405020304" pitchFamily="18" charset="0"/>
-              </a:rPr>
-              <a:t>Version update </a:t>
-            </a:r>
-            <a:r>
-              <a:rPr lang="en-US" altLang="zh-TW" sz="1800" dirty="0" smtClean="0">
-                <a:latin typeface="Times New Roman" panose="02020603050405020304" pitchFamily="18" charset="0"/>
-                <a:cs typeface="Times New Roman" panose="02020603050405020304" pitchFamily="18" charset="0"/>
-              </a:rPr>
-              <a:t>automation</a:t>
-            </a:r>
-          </a:p>
-          <a:p>
-            <a:pPr eaLnBrk="1" hangingPunct="1">
-              <a:buFont typeface="Arial" charset="0"/>
-              <a:buChar char="•"/>
-              <a:defRPr/>
-            </a:pPr>
-            <a:r>
-              <a:rPr lang="en-US" sz="1800" dirty="0">
+              <a:rPr lang="en-US" sz="1800" dirty="0" smtClean="0">
                 <a:latin typeface="Times New Roman" panose="02020603050405020304" pitchFamily="18" charset="0"/>
                 <a:cs typeface="Times New Roman" panose="02020603050405020304" pitchFamily="18" charset="0"/>
               </a:rPr>
@@ -9962,16 +12177,6 @@
                 <a:cs typeface="Times New Roman" panose="02020603050405020304" pitchFamily="18" charset="0"/>
               </a:rPr>
               <a:t>Introduction &amp; Demo</a:t>
-            </a:r>
-            <a:r>
-              <a:rPr lang="en-US" altLang="zh-TW" sz="2800" kern="0" dirty="0" smtClean="0">
-                <a:solidFill>
-                  <a:srgbClr val="003366"/>
-                </a:solidFill>
-                <a:latin typeface="Times New Roman" panose="02020603050405020304" pitchFamily="18" charset="0"/>
-                <a:cs typeface="Times New Roman" panose="02020603050405020304" pitchFamily="18" charset="0"/>
-              </a:rPr>
-              <a:t/>
             </a:r>
             <a:br>
               <a:rPr lang="en-US" altLang="zh-TW" sz="2800" kern="0" dirty="0" smtClean="0">
@@ -10143,19 +12348,6 @@
           <a:bodyPr/>
           <a:lstStyle/>
           <a:p>
-            <a:pPr marL="0" indent="0" eaLnBrk="1" hangingPunct="1">
-              <a:buNone/>
-              <a:defRPr/>
-            </a:pPr>
-            <a:r>
-              <a:rPr lang="en-US" altLang="zh-TW" sz="1800" dirty="0">
-                <a:hlinkClick r:id="rId3" action="ppaction://hlinkfile"/>
-              </a:rPr>
-              <a:t>\\172.17.9.225\dqa\iService\0G.DQA_Zone\50.Auto Test Tool\automation\suite</a:t>
-            </a:r>
-            <a:endParaRPr lang="en-US" altLang="zh-TW" sz="1800" dirty="0"/>
-          </a:p>
-          <a:p>
             <a:pPr eaLnBrk="1" hangingPunct="1">
               <a:buFont typeface="Arial" charset="0"/>
               <a:buChar char="•"/>
@@ -10199,17 +12391,7 @@
                 <a:latin typeface="Times New Roman" panose="02020603050405020304" pitchFamily="18" charset="0"/>
                 <a:cs typeface="Times New Roman" panose="02020603050405020304" pitchFamily="18" charset="0"/>
               </a:rPr>
-              <a:t>Automation </a:t>
-            </a:r>
-            <a:r>
-              <a:rPr lang="en-US" altLang="zh-TW" sz="2800" kern="0" dirty="0">
-                <a:solidFill>
-                  <a:srgbClr val="003366"/>
-                </a:solidFill>
-                <a:latin typeface="Times New Roman" panose="02020603050405020304" pitchFamily="18" charset="0"/>
-                <a:cs typeface="Times New Roman" panose="02020603050405020304" pitchFamily="18" charset="0"/>
-              </a:rPr>
-              <a:t>Tools hyperlink</a:t>
+              <a:t>Roaming automatic tool</a:t>
             </a:r>
             <a:r>
               <a:rPr lang="en-US" altLang="zh-TW" sz="2800" kern="0" dirty="0" smtClean="0">
@@ -10243,7 +12425,7 @@
     </p:spTree>
     <p:extLst>
       <p:ext uri="{BB962C8B-B14F-4D97-AF65-F5344CB8AC3E}">
-        <p14:creationId xmlns:p14="http://schemas.microsoft.com/office/powerpoint/2010/main" val="990844558"/>
+        <p14:creationId xmlns:p14="http://schemas.microsoft.com/office/powerpoint/2010/main" val="3412901425"/>
       </p:ext>
     </p:extLst>
   </p:cSld>

--- a/kpi/Test Automation_Demo.pptx
+++ b/kpi/Test Automation_Demo.pptx
@@ -158,7 +158,7 @@
   </p:defaultTextStyle>
   <p:extLst>
     <p:ext uri="{EFAFB233-063F-42B5-8137-9DF3F51BA10A}">
-      <p15:sldGuideLst xmlns="" xmlns:p15="http://schemas.microsoft.com/office/powerpoint/2012/main">
+      <p15:sldGuideLst xmlns:p15="http://schemas.microsoft.com/office/powerpoint/2012/main" xmlns="">
         <p15:guide id="1" orient="horz" pos="1620">
           <p15:clr>
             <a:srgbClr val="A4A3A4"/>
@@ -172,7 +172,7 @@
       </p15:sldGuideLst>
     </p:ext>
     <p:ext uri="{2D200454-40CA-4A62-9FC3-DE9A4176ACB9}">
-      <p15:notesGuideLst xmlns="" xmlns:p15="http://schemas.microsoft.com/office/powerpoint/2012/main">
+      <p15:notesGuideLst xmlns:p15="http://schemas.microsoft.com/office/powerpoint/2012/main" xmlns="">
         <p15:guide id="1" orient="horz" pos="3223">
           <p15:clr>
             <a:srgbClr val="A4A3A4"/>
@@ -6897,16 +6897,6 @@
               </a:rPr>
               <a:t>Luminance automation</a:t>
             </a:r>
-            <a:r>
-              <a:rPr lang="en-US" altLang="zh-TW" sz="2800" kern="0" dirty="0" smtClean="0">
-                <a:solidFill>
-                  <a:srgbClr val="003366"/>
-                </a:solidFill>
-                <a:latin typeface="Times New Roman" panose="02020603050405020304" pitchFamily="18" charset="0"/>
-                <a:cs typeface="Times New Roman" panose="02020603050405020304" pitchFamily="18" charset="0"/>
-              </a:rPr>
-              <a:t/>
-            </a:r>
             <a:br>
               <a:rPr lang="en-US" altLang="zh-TW" sz="2800" kern="0" dirty="0" smtClean="0">
                 <a:solidFill>
@@ -7142,16 +7132,6 @@
               </a:rPr>
               <a:t>installation</a:t>
             </a:r>
-            <a:r>
-              <a:rPr lang="en-US" altLang="zh-TW" sz="2800" kern="0" dirty="0" smtClean="0">
-                <a:solidFill>
-                  <a:srgbClr val="003366"/>
-                </a:solidFill>
-                <a:latin typeface="Times New Roman" panose="02020603050405020304" pitchFamily="18" charset="0"/>
-                <a:cs typeface="Times New Roman" panose="02020603050405020304" pitchFamily="18" charset="0"/>
-              </a:rPr>
-              <a:t/>
-            </a:r>
             <a:br>
               <a:rPr lang="en-US" altLang="zh-TW" sz="2800" kern="0" dirty="0" smtClean="0">
                 <a:solidFill>
@@ -7366,16 +7346,6 @@
                 <a:cs typeface="Times New Roman" panose="02020603050405020304" pitchFamily="18" charset="0"/>
               </a:rPr>
               <a:t>Continuous integration</a:t>
-            </a:r>
-            <a:r>
-              <a:rPr lang="en-US" altLang="zh-TW" sz="2800" kern="0" dirty="0" smtClean="0">
-                <a:solidFill>
-                  <a:srgbClr val="003366"/>
-                </a:solidFill>
-                <a:latin typeface="Times New Roman" panose="02020603050405020304" pitchFamily="18" charset="0"/>
-                <a:cs typeface="Times New Roman" panose="02020603050405020304" pitchFamily="18" charset="0"/>
-              </a:rPr>
-              <a:t/>
             </a:r>
             <a:br>
               <a:rPr lang="en-US" altLang="zh-TW" sz="2800" kern="0" dirty="0" smtClean="0">
@@ -12004,7 +11974,14 @@
                 <a:latin typeface="Times New Roman" panose="02020603050405020304" pitchFamily="18" charset="0"/>
                 <a:cs typeface="Times New Roman" panose="02020603050405020304" pitchFamily="18" charset="0"/>
               </a:rPr>
-              <a:t>Android 8.0.1</a:t>
+              <a:t>Android </a:t>
+            </a:r>
+            <a:r>
+              <a:rPr lang="en-US" altLang="zh-TW" sz="1400" dirty="0" smtClean="0">
+                <a:latin typeface="Times New Roman" panose="02020603050405020304" pitchFamily="18" charset="0"/>
+                <a:cs typeface="Times New Roman" panose="02020603050405020304" pitchFamily="18" charset="0"/>
+              </a:rPr>
+              <a:t>8.1.0</a:t>
             </a:r>
             <a:r>
               <a:rPr lang="zh-TW" altLang="en-US" sz="1400" dirty="0" smtClean="0">
@@ -12025,7 +12002,21 @@
                 <a:latin typeface="Times New Roman" panose="02020603050405020304" pitchFamily="18" charset="0"/>
                 <a:cs typeface="Times New Roman" panose="02020603050405020304" pitchFamily="18" charset="0"/>
               </a:rPr>
-              <a:t>RJ-45), Android 8.0.1 (OTG)</a:t>
+              <a:t>RJ-45), Android </a:t>
+            </a:r>
+            <a:r>
+              <a:rPr lang="en-US" altLang="zh-TW" sz="1400" dirty="0" smtClean="0">
+                <a:latin typeface="Times New Roman" panose="02020603050405020304" pitchFamily="18" charset="0"/>
+                <a:cs typeface="Times New Roman" panose="02020603050405020304" pitchFamily="18" charset="0"/>
+              </a:rPr>
+              <a:t>8.1.0 (</a:t>
+            </a:r>
+            <a:r>
+              <a:rPr lang="en-US" altLang="zh-TW" sz="1400" dirty="0" smtClean="0">
+                <a:latin typeface="Times New Roman" panose="02020603050405020304" pitchFamily="18" charset="0"/>
+                <a:cs typeface="Times New Roman" panose="02020603050405020304" pitchFamily="18" charset="0"/>
+              </a:rPr>
+              <a:t>OTG)</a:t>
             </a:r>
           </a:p>
           <a:p>
@@ -12109,14 +12100,7 @@
                 <a:latin typeface="Times New Roman" panose="02020603050405020304" pitchFamily="18" charset="0"/>
                 <a:cs typeface="Times New Roman" panose="02020603050405020304" pitchFamily="18" charset="0"/>
               </a:rPr>
-              <a:t>Continuous </a:t>
-            </a:r>
-            <a:r>
-              <a:rPr lang="en-US" sz="1800" dirty="0" smtClean="0">
-                <a:latin typeface="Times New Roman" panose="02020603050405020304" pitchFamily="18" charset="0"/>
-                <a:cs typeface="Times New Roman" panose="02020603050405020304" pitchFamily="18" charset="0"/>
-              </a:rPr>
-              <a:t>integration</a:t>
+              <a:t>Continuous integration</a:t>
             </a:r>
             <a:endParaRPr lang="en-US" altLang="zh-TW" sz="1800" dirty="0">
               <a:latin typeface="Times New Roman" panose="02020603050405020304" pitchFamily="18" charset="0"/>
@@ -12392,16 +12376,6 @@
                 <a:cs typeface="Times New Roman" panose="02020603050405020304" pitchFamily="18" charset="0"/>
               </a:rPr>
               <a:t>Roaming automatic tool</a:t>
-            </a:r>
-            <a:r>
-              <a:rPr lang="en-US" altLang="zh-TW" sz="2800" kern="0" dirty="0" smtClean="0">
-                <a:solidFill>
-                  <a:srgbClr val="003366"/>
-                </a:solidFill>
-                <a:latin typeface="Times New Roman" panose="02020603050405020304" pitchFamily="18" charset="0"/>
-                <a:cs typeface="Times New Roman" panose="02020603050405020304" pitchFamily="18" charset="0"/>
-              </a:rPr>
-              <a:t/>
             </a:r>
             <a:br>
               <a:rPr lang="en-US" altLang="zh-TW" sz="2800" kern="0" dirty="0" smtClean="0">

--- a/kpi/Test Automation_Demo.pptx
+++ b/kpi/Test Automation_Demo.pptx
@@ -5,10 +5,10 @@
     <p:sldMasterId id="2147484176" r:id="rId1"/>
   </p:sldMasterIdLst>
   <p:notesMasterIdLst>
-    <p:notesMasterId r:id="rId19"/>
+    <p:notesMasterId r:id="rId21"/>
   </p:notesMasterIdLst>
   <p:handoutMasterIdLst>
-    <p:handoutMasterId r:id="rId20"/>
+    <p:handoutMasterId r:id="rId22"/>
   </p:handoutMasterIdLst>
   <p:sldIdLst>
     <p:sldId id="524" r:id="rId2"/>
@@ -20,14 +20,16 @@
     <p:sldId id="532" r:id="rId8"/>
     <p:sldId id="550" r:id="rId9"/>
     <p:sldId id="552" r:id="rId10"/>
-    <p:sldId id="553" r:id="rId11"/>
-    <p:sldId id="560" r:id="rId12"/>
-    <p:sldId id="555" r:id="rId13"/>
-    <p:sldId id="556" r:id="rId14"/>
-    <p:sldId id="557" r:id="rId15"/>
-    <p:sldId id="559" r:id="rId16"/>
-    <p:sldId id="551" r:id="rId17"/>
-    <p:sldId id="523" r:id="rId18"/>
+    <p:sldId id="561" r:id="rId11"/>
+    <p:sldId id="562" r:id="rId12"/>
+    <p:sldId id="553" r:id="rId13"/>
+    <p:sldId id="560" r:id="rId14"/>
+    <p:sldId id="555" r:id="rId15"/>
+    <p:sldId id="556" r:id="rId16"/>
+    <p:sldId id="557" r:id="rId17"/>
+    <p:sldId id="559" r:id="rId18"/>
+    <p:sldId id="551" r:id="rId19"/>
+    <p:sldId id="523" r:id="rId20"/>
   </p:sldIdLst>
   <p:sldSz cx="9144000" cy="5143500" type="screen16x9"/>
   <p:notesSz cx="7099300" cy="10234613"/>
@@ -1554,6 +1556,176 @@
     </p:spTree>
     <p:extLst>
       <p:ext uri="{BB962C8B-B14F-4D97-AF65-F5344CB8AC3E}">
+        <p14:creationId xmlns:p14="http://schemas.microsoft.com/office/powerpoint/2010/main" val="1957161656"/>
+      </p:ext>
+    </p:extLst>
+  </p:cSld>
+  <p:clrMapOvr>
+    <a:masterClrMapping/>
+  </p:clrMapOvr>
+</p:notes>
+</file>
+
+<file path=ppt/notesSlides/notesSlide15.xml><?xml version="1.0" encoding="utf-8"?>
+<p:notes xmlns:a="http://schemas.openxmlformats.org/drawingml/2006/main" xmlns:r="http://schemas.openxmlformats.org/officeDocument/2006/relationships" xmlns:p="http://schemas.openxmlformats.org/presentationml/2006/main">
+  <p:cSld>
+    <p:spTree>
+      <p:nvGrpSpPr>
+        <p:cNvPr id="1" name=""/>
+        <p:cNvGrpSpPr/>
+        <p:nvPr/>
+      </p:nvGrpSpPr>
+      <p:grpSpPr>
+        <a:xfrm>
+          <a:off x="0" y="0"/>
+          <a:ext cx="0" cy="0"/>
+          <a:chOff x="0" y="0"/>
+          <a:chExt cx="0" cy="0"/>
+        </a:xfrm>
+      </p:grpSpPr>
+      <p:sp>
+        <p:nvSpPr>
+          <p:cNvPr id="2" name="投影片圖像版面配置區 1"/>
+          <p:cNvSpPr>
+            <a:spLocks noGrp="1" noRot="1" noChangeAspect="1"/>
+          </p:cNvSpPr>
+          <p:nvPr>
+            <p:ph type="sldImg"/>
+          </p:nvPr>
+        </p:nvSpPr>
+        <p:spPr/>
+      </p:sp>
+      <p:sp>
+        <p:nvSpPr>
+          <p:cNvPr id="3" name="備忘稿版面配置區 2"/>
+          <p:cNvSpPr>
+            <a:spLocks noGrp="1"/>
+          </p:cNvSpPr>
+          <p:nvPr>
+            <p:ph type="body" idx="1"/>
+          </p:nvPr>
+        </p:nvSpPr>
+        <p:spPr/>
+        <p:txBody>
+          <a:bodyPr/>
+          <a:lstStyle/>
+          <a:p>
+            <a:endParaRPr lang="zh-TW" altLang="en-US" dirty="0"/>
+          </a:p>
+        </p:txBody>
+      </p:sp>
+      <p:sp>
+        <p:nvSpPr>
+          <p:cNvPr id="4" name="投影片編號版面配置區 3"/>
+          <p:cNvSpPr>
+            <a:spLocks noGrp="1"/>
+          </p:cNvSpPr>
+          <p:nvPr>
+            <p:ph type="sldNum" sz="quarter" idx="10"/>
+          </p:nvPr>
+        </p:nvSpPr>
+        <p:spPr/>
+        <p:txBody>
+          <a:bodyPr/>
+          <a:lstStyle/>
+          <a:p>
+            <a:fld id="{5FAE23DA-1601-498D-B2E3-972800982184}" type="slidenum">
+              <a:rPr lang="en-US" altLang="zh-TW" smtClean="0"/>
+              <a:pPr/>
+              <a:t>17</a:t>
+            </a:fld>
+            <a:endParaRPr lang="en-US" altLang="zh-TW"/>
+          </a:p>
+        </p:txBody>
+      </p:sp>
+    </p:spTree>
+    <p:extLst>
+      <p:ext uri="{BB962C8B-B14F-4D97-AF65-F5344CB8AC3E}">
+        <p14:creationId xmlns:p14="http://schemas.microsoft.com/office/powerpoint/2010/main" val="1957161656"/>
+      </p:ext>
+    </p:extLst>
+  </p:cSld>
+  <p:clrMapOvr>
+    <a:masterClrMapping/>
+  </p:clrMapOvr>
+</p:notes>
+</file>
+
+<file path=ppt/notesSlides/notesSlide16.xml><?xml version="1.0" encoding="utf-8"?>
+<p:notes xmlns:a="http://schemas.openxmlformats.org/drawingml/2006/main" xmlns:r="http://schemas.openxmlformats.org/officeDocument/2006/relationships" xmlns:p="http://schemas.openxmlformats.org/presentationml/2006/main">
+  <p:cSld>
+    <p:spTree>
+      <p:nvGrpSpPr>
+        <p:cNvPr id="1" name=""/>
+        <p:cNvGrpSpPr/>
+        <p:nvPr/>
+      </p:nvGrpSpPr>
+      <p:grpSpPr>
+        <a:xfrm>
+          <a:off x="0" y="0"/>
+          <a:ext cx="0" cy="0"/>
+          <a:chOff x="0" y="0"/>
+          <a:chExt cx="0" cy="0"/>
+        </a:xfrm>
+      </p:grpSpPr>
+      <p:sp>
+        <p:nvSpPr>
+          <p:cNvPr id="2" name="投影片圖像版面配置區 1"/>
+          <p:cNvSpPr>
+            <a:spLocks noGrp="1" noRot="1" noChangeAspect="1"/>
+          </p:cNvSpPr>
+          <p:nvPr>
+            <p:ph type="sldImg"/>
+          </p:nvPr>
+        </p:nvSpPr>
+        <p:spPr/>
+      </p:sp>
+      <p:sp>
+        <p:nvSpPr>
+          <p:cNvPr id="3" name="備忘稿版面配置區 2"/>
+          <p:cNvSpPr>
+            <a:spLocks noGrp="1"/>
+          </p:cNvSpPr>
+          <p:nvPr>
+            <p:ph type="body" idx="1"/>
+          </p:nvPr>
+        </p:nvSpPr>
+        <p:spPr/>
+        <p:txBody>
+          <a:bodyPr/>
+          <a:lstStyle/>
+          <a:p>
+            <a:endParaRPr lang="zh-TW" altLang="en-US" dirty="0"/>
+          </a:p>
+        </p:txBody>
+      </p:sp>
+      <p:sp>
+        <p:nvSpPr>
+          <p:cNvPr id="4" name="投影片編號版面配置區 3"/>
+          <p:cNvSpPr>
+            <a:spLocks noGrp="1"/>
+          </p:cNvSpPr>
+          <p:nvPr>
+            <p:ph type="sldNum" sz="quarter" idx="10"/>
+          </p:nvPr>
+        </p:nvSpPr>
+        <p:spPr/>
+        <p:txBody>
+          <a:bodyPr/>
+          <a:lstStyle/>
+          <a:p>
+            <a:fld id="{5FAE23DA-1601-498D-B2E3-972800982184}" type="slidenum">
+              <a:rPr lang="en-US" altLang="zh-TW" smtClean="0"/>
+              <a:pPr/>
+              <a:t>18</a:t>
+            </a:fld>
+            <a:endParaRPr lang="en-US" altLang="zh-TW"/>
+          </a:p>
+        </p:txBody>
+      </p:sp>
+    </p:spTree>
+    <p:extLst>
+      <p:ext uri="{BB962C8B-B14F-4D97-AF65-F5344CB8AC3E}">
         <p14:creationId xmlns:p14="http://schemas.microsoft.com/office/powerpoint/2010/main" val="770017496"/>
       </p:ext>
     </p:extLst>
@@ -1564,7 +1736,7 @@
 </p:notes>
 </file>
 
-<file path=ppt/notesSlides/notesSlide15.xml><?xml version="1.0" encoding="utf-8"?>
+<file path=ppt/notesSlides/notesSlide17.xml><?xml version="1.0" encoding="utf-8"?>
 <p:notes xmlns:a="http://schemas.openxmlformats.org/drawingml/2006/main" xmlns:r="http://schemas.openxmlformats.org/officeDocument/2006/relationships" xmlns:p="http://schemas.openxmlformats.org/presentationml/2006/main">
   <p:cSld>
     <p:spTree>
@@ -1810,7 +1982,7 @@
                   <a:spcPct val="0"/>
                 </a:spcBef>
               </a:pPr>
-              <a:t>17</a:t>
+              <a:t>19</a:t>
             </a:fld>
             <a:endParaRPr lang="en-US" altLang="zh-TW" sz="1300">
               <a:latin typeface="Garamond" panose="02020404030301010803" pitchFamily="18" charset="0"/>
@@ -6162,6 +6334,19 @@
               <a:buChar char="•"/>
               <a:defRPr/>
             </a:pPr>
+            <a:r>
+              <a:rPr lang="en-US" altLang="zh-TW" sz="1800" dirty="0" smtClean="0">
+                <a:latin typeface="Times New Roman" panose="02020603050405020304" pitchFamily="18" charset="0"/>
+                <a:cs typeface="Times New Roman" panose="02020603050405020304" pitchFamily="18" charset="0"/>
+              </a:rPr>
+              <a:t>The roaming’s log as below:</a:t>
+            </a:r>
+          </a:p>
+          <a:p>
+            <a:pPr marL="0" indent="0" eaLnBrk="1" hangingPunct="1">
+              <a:buNone/>
+              <a:defRPr/>
+            </a:pPr>
             <a:endParaRPr lang="en-US" altLang="zh-TW" sz="1800" dirty="0">
               <a:latin typeface="Times New Roman" panose="02020603050405020304" pitchFamily="18" charset="0"/>
               <a:cs typeface="Times New Roman" panose="02020603050405020304" pitchFamily="18" charset="0"/>
@@ -6200,40 +6385,10 @@
                 <a:latin typeface="Times New Roman" panose="02020603050405020304" pitchFamily="18" charset="0"/>
                 <a:cs typeface="Times New Roman" panose="02020603050405020304" pitchFamily="18" charset="0"/>
               </a:rPr>
-              <a:t>Airplane </a:t>
-            </a:r>
-            <a:r>
-              <a:rPr lang="en-US" altLang="zh-TW" sz="2800" kern="0" dirty="0">
-                <a:solidFill>
-                  <a:srgbClr val="003366"/>
-                </a:solidFill>
-                <a:latin typeface="Times New Roman" panose="02020603050405020304" pitchFamily="18" charset="0"/>
-                <a:cs typeface="Times New Roman" panose="02020603050405020304" pitchFamily="18" charset="0"/>
-              </a:rPr>
-              <a:t>on/off mode automatic </a:t>
-            </a:r>
-            <a:r>
+              <a:t>Roaming automatic tool</a:t>
+            </a:r>
+            <a:br>
               <a:rPr lang="en-US" altLang="zh-TW" sz="2800" kern="0" dirty="0" smtClean="0">
-                <a:solidFill>
-                  <a:srgbClr val="003366"/>
-                </a:solidFill>
-                <a:latin typeface="Times New Roman" panose="02020603050405020304" pitchFamily="18" charset="0"/>
-                <a:cs typeface="Times New Roman" panose="02020603050405020304" pitchFamily="18" charset="0"/>
-              </a:rPr>
-              <a:t>tool</a:t>
-            </a:r>
-            <a:r>
-              <a:rPr lang="en-US" altLang="zh-TW" sz="2800" kern="0" dirty="0">
-                <a:solidFill>
-                  <a:srgbClr val="003366"/>
-                </a:solidFill>
-                <a:latin typeface="Times New Roman" panose="02020603050405020304" pitchFamily="18" charset="0"/>
-                <a:cs typeface="Times New Roman" panose="02020603050405020304" pitchFamily="18" charset="0"/>
-              </a:rPr>
-              <a:t/>
-            </a:r>
-            <a:br>
-              <a:rPr lang="en-US" altLang="zh-TW" sz="2800" kern="0" dirty="0">
                 <a:solidFill>
                   <a:srgbClr val="003366"/>
                 </a:solidFill>
@@ -6251,10 +6406,231 @@
           </a:p>
         </p:txBody>
       </p:sp>
+      <p:sp>
+        <p:nvSpPr>
+          <p:cNvPr id="7" name="向右箭號 6"/>
+          <p:cNvSpPr/>
+          <p:nvPr/>
+        </p:nvSpPr>
+        <p:spPr>
+          <a:xfrm rot="10800000">
+            <a:off x="3646781" y="1474665"/>
+            <a:ext cx="349885" cy="115570"/>
+          </a:xfrm>
+          <a:prstGeom prst="rightArrow">
+            <a:avLst/>
+          </a:prstGeom>
+          <a:ln>
+            <a:solidFill>
+              <a:srgbClr val="FF0000"/>
+            </a:solidFill>
+          </a:ln>
+        </p:spPr>
+        <p:style>
+          <a:lnRef idx="2">
+            <a:schemeClr val="accent2"/>
+          </a:lnRef>
+          <a:fillRef idx="1">
+            <a:schemeClr val="lt1"/>
+          </a:fillRef>
+          <a:effectRef idx="0">
+            <a:schemeClr val="accent2"/>
+          </a:effectRef>
+          <a:fontRef idx="minor">
+            <a:schemeClr val="dk1"/>
+          </a:fontRef>
+        </p:style>
+        <p:txBody>
+          <a:bodyPr rot="0" spcFirstLastPara="0" vert="horz" wrap="square" lIns="91440" tIns="45720" rIns="91440" bIns="45720" numCol="1" spcCol="0" rtlCol="0" fromWordArt="0" anchor="ctr" anchorCtr="0" forceAA="0" compatLnSpc="1">
+            <a:prstTxWarp prst="textNoShape">
+              <a:avLst/>
+            </a:prstTxWarp>
+            <a:noAutofit/>
+          </a:bodyPr>
+          <a:lstStyle/>
+          <a:p>
+            <a:endParaRPr lang="zh-TW" altLang="en-US"/>
+          </a:p>
+        </p:txBody>
+      </p:sp>
+      <p:sp>
+        <p:nvSpPr>
+          <p:cNvPr id="9" name="向右箭號 8"/>
+          <p:cNvSpPr/>
+          <p:nvPr/>
+        </p:nvSpPr>
+        <p:spPr>
+          <a:xfrm rot="10800000">
+            <a:off x="6070476" y="1467338"/>
+            <a:ext cx="349885" cy="115570"/>
+          </a:xfrm>
+          <a:prstGeom prst="rightArrow">
+            <a:avLst/>
+          </a:prstGeom>
+          <a:ln>
+            <a:solidFill>
+              <a:srgbClr val="FF0000"/>
+            </a:solidFill>
+          </a:ln>
+        </p:spPr>
+        <p:style>
+          <a:lnRef idx="2">
+            <a:schemeClr val="accent2"/>
+          </a:lnRef>
+          <a:fillRef idx="1">
+            <a:schemeClr val="lt1"/>
+          </a:fillRef>
+          <a:effectRef idx="0">
+            <a:schemeClr val="accent2"/>
+          </a:effectRef>
+          <a:fontRef idx="minor">
+            <a:schemeClr val="dk1"/>
+          </a:fontRef>
+        </p:style>
+        <p:txBody>
+          <a:bodyPr rot="0" spcFirstLastPara="0" vert="horz" wrap="square" lIns="91440" tIns="45720" rIns="91440" bIns="45720" numCol="1" spcCol="0" rtlCol="0" fromWordArt="0" anchor="ctr" anchorCtr="0" forceAA="0" compatLnSpc="1">
+            <a:prstTxWarp prst="textNoShape">
+              <a:avLst/>
+            </a:prstTxWarp>
+            <a:noAutofit/>
+          </a:bodyPr>
+          <a:lstStyle/>
+          <a:p>
+            <a:endParaRPr lang="zh-TW" altLang="en-US"/>
+          </a:p>
+        </p:txBody>
+      </p:sp>
+      <p:pic>
+        <p:nvPicPr>
+          <p:cNvPr id="11" name="圖片 10"/>
+          <p:cNvPicPr/>
+          <p:nvPr/>
+        </p:nvPicPr>
+        <p:blipFill>
+          <a:blip r:embed="rId3">
+            <a:extLst>
+              <a:ext uri="{28A0092B-C50C-407E-A947-70E740481C1C}">
+                <a14:useLocalDpi xmlns:a14="http://schemas.microsoft.com/office/drawing/2010/main" val="0"/>
+              </a:ext>
+            </a:extLst>
+          </a:blip>
+          <a:srcRect/>
+          <a:stretch>
+            <a:fillRect/>
+          </a:stretch>
+        </p:blipFill>
+        <p:spPr bwMode="auto">
+          <a:xfrm>
+            <a:off x="2035733" y="1295714"/>
+            <a:ext cx="5752465" cy="3670935"/>
+          </a:xfrm>
+          <a:prstGeom prst="rect">
+            <a:avLst/>
+          </a:prstGeom>
+          <a:noFill/>
+          <a:ln>
+            <a:noFill/>
+          </a:ln>
+        </p:spPr>
+      </p:pic>
+      <p:sp>
+        <p:nvSpPr>
+          <p:cNvPr id="12" name="向右箭號 11"/>
+          <p:cNvSpPr/>
+          <p:nvPr/>
+        </p:nvSpPr>
+        <p:spPr>
+          <a:xfrm rot="10800000">
+            <a:off x="4387139" y="1608134"/>
+            <a:ext cx="349885" cy="115570"/>
+          </a:xfrm>
+          <a:prstGeom prst="rightArrow">
+            <a:avLst/>
+          </a:prstGeom>
+          <a:ln>
+            <a:solidFill>
+              <a:srgbClr val="FF0000"/>
+            </a:solidFill>
+          </a:ln>
+        </p:spPr>
+        <p:style>
+          <a:lnRef idx="2">
+            <a:schemeClr val="accent2"/>
+          </a:lnRef>
+          <a:fillRef idx="1">
+            <a:schemeClr val="lt1"/>
+          </a:fillRef>
+          <a:effectRef idx="0">
+            <a:schemeClr val="accent2"/>
+          </a:effectRef>
+          <a:fontRef idx="minor">
+            <a:schemeClr val="dk1"/>
+          </a:fontRef>
+        </p:style>
+        <p:txBody>
+          <a:bodyPr rot="0" spcFirstLastPara="0" vert="horz" wrap="square" lIns="91440" tIns="45720" rIns="91440" bIns="45720" numCol="1" spcCol="0" rtlCol="0" fromWordArt="0" anchor="ctr" anchorCtr="0" forceAA="0" compatLnSpc="1">
+            <a:prstTxWarp prst="textNoShape">
+              <a:avLst/>
+            </a:prstTxWarp>
+            <a:noAutofit/>
+          </a:bodyPr>
+          <a:lstStyle/>
+          <a:p>
+            <a:endParaRPr lang="zh-TW" altLang="en-US"/>
+          </a:p>
+        </p:txBody>
+      </p:sp>
+      <p:sp>
+        <p:nvSpPr>
+          <p:cNvPr id="13" name="向右箭號 12"/>
+          <p:cNvSpPr/>
+          <p:nvPr/>
+        </p:nvSpPr>
+        <p:spPr>
+          <a:xfrm rot="10800000">
+            <a:off x="6268864" y="3213655"/>
+            <a:ext cx="349885" cy="115570"/>
+          </a:xfrm>
+          <a:prstGeom prst="rightArrow">
+            <a:avLst/>
+          </a:prstGeom>
+          <a:ln>
+            <a:solidFill>
+              <a:srgbClr val="FF0000"/>
+            </a:solidFill>
+          </a:ln>
+        </p:spPr>
+        <p:style>
+          <a:lnRef idx="2">
+            <a:schemeClr val="accent2"/>
+          </a:lnRef>
+          <a:fillRef idx="1">
+            <a:schemeClr val="lt1"/>
+          </a:fillRef>
+          <a:effectRef idx="0">
+            <a:schemeClr val="accent2"/>
+          </a:effectRef>
+          <a:fontRef idx="minor">
+            <a:schemeClr val="dk1"/>
+          </a:fontRef>
+        </p:style>
+        <p:txBody>
+          <a:bodyPr rot="0" spcFirstLastPara="0" vert="horz" wrap="square" lIns="91440" tIns="45720" rIns="91440" bIns="45720" numCol="1" spcCol="0" rtlCol="0" fromWordArt="0" anchor="ctr" anchorCtr="0" forceAA="0" compatLnSpc="1">
+            <a:prstTxWarp prst="textNoShape">
+              <a:avLst/>
+            </a:prstTxWarp>
+            <a:noAutofit/>
+          </a:bodyPr>
+          <a:lstStyle/>
+          <a:p>
+            <a:endParaRPr lang="zh-TW" altLang="en-US"/>
+          </a:p>
+        </p:txBody>
+      </p:sp>
     </p:spTree>
     <p:extLst>
       <p:ext uri="{BB962C8B-B14F-4D97-AF65-F5344CB8AC3E}">
-        <p14:creationId xmlns:p14="http://schemas.microsoft.com/office/powerpoint/2010/main" val="3412901425"/>
+        <p14:creationId xmlns:p14="http://schemas.microsoft.com/office/powerpoint/2010/main" val="716828425"/>
       </p:ext>
     </p:extLst>
   </p:cSld>
@@ -6407,6 +6783,19 @@
               <a:buChar char="•"/>
               <a:defRPr/>
             </a:pPr>
+            <a:r>
+              <a:rPr lang="en-US" altLang="zh-TW" sz="1800" dirty="0" smtClean="0">
+                <a:latin typeface="Times New Roman" panose="02020603050405020304" pitchFamily="18" charset="0"/>
+                <a:cs typeface="Times New Roman" panose="02020603050405020304" pitchFamily="18" charset="0"/>
+              </a:rPr>
+              <a:t>The roaming’s ping log as below:</a:t>
+            </a:r>
+          </a:p>
+          <a:p>
+            <a:pPr marL="0" indent="0" eaLnBrk="1" hangingPunct="1">
+              <a:buNone/>
+              <a:defRPr/>
+            </a:pPr>
             <a:endParaRPr lang="en-US" altLang="zh-TW" sz="1800" dirty="0">
               <a:latin typeface="Times New Roman" panose="02020603050405020304" pitchFamily="18" charset="0"/>
               <a:cs typeface="Times New Roman" panose="02020603050405020304" pitchFamily="18" charset="0"/>
@@ -6445,20 +6834,10 @@
                 <a:latin typeface="Times New Roman" panose="02020603050405020304" pitchFamily="18" charset="0"/>
                 <a:cs typeface="Times New Roman" panose="02020603050405020304" pitchFamily="18" charset="0"/>
               </a:rPr>
-              <a:t>Wi-Fi </a:t>
-            </a:r>
-            <a:r>
-              <a:rPr lang="en-US" altLang="zh-TW" sz="2800" kern="0" dirty="0">
-                <a:solidFill>
-                  <a:srgbClr val="003366"/>
-                </a:solidFill>
-                <a:latin typeface="Times New Roman" panose="02020603050405020304" pitchFamily="18" charset="0"/>
-                <a:cs typeface="Times New Roman" panose="02020603050405020304" pitchFamily="18" charset="0"/>
-              </a:rPr>
-              <a:t>frequency switch automatic tool (2.4G, 5G)</a:t>
+              <a:t>Roaming automatic tool</a:t>
             </a:r>
             <a:br>
-              <a:rPr lang="en-US" altLang="zh-TW" sz="2800" kern="0" dirty="0">
+              <a:rPr lang="en-US" altLang="zh-TW" sz="2800" kern="0" dirty="0" smtClean="0">
                 <a:solidFill>
                   <a:srgbClr val="003366"/>
                 </a:solidFill>
@@ -6476,10 +6855,170 @@
           </a:p>
         </p:txBody>
       </p:sp>
+      <p:pic>
+        <p:nvPicPr>
+          <p:cNvPr id="4" name="圖片 3"/>
+          <p:cNvPicPr/>
+          <p:nvPr/>
+        </p:nvPicPr>
+        <p:blipFill>
+          <a:blip r:embed="rId3">
+            <a:extLst>
+              <a:ext uri="{28A0092B-C50C-407E-A947-70E740481C1C}">
+                <a14:useLocalDpi xmlns:a14="http://schemas.microsoft.com/office/drawing/2010/main" val="0"/>
+              </a:ext>
+            </a:extLst>
+          </a:blip>
+          <a:srcRect/>
+          <a:stretch>
+            <a:fillRect/>
+          </a:stretch>
+        </p:blipFill>
+        <p:spPr bwMode="auto">
+          <a:xfrm>
+            <a:off x="2344614" y="1474665"/>
+            <a:ext cx="2330450" cy="3225800"/>
+          </a:xfrm>
+          <a:prstGeom prst="rect">
+            <a:avLst/>
+          </a:prstGeom>
+          <a:noFill/>
+          <a:ln>
+            <a:noFill/>
+          </a:ln>
+        </p:spPr>
+      </p:pic>
+      <p:pic>
+        <p:nvPicPr>
+          <p:cNvPr id="5" name="圖片 4"/>
+          <p:cNvPicPr/>
+          <p:nvPr/>
+        </p:nvPicPr>
+        <p:blipFill>
+          <a:blip r:embed="rId4">
+            <a:extLst>
+              <a:ext uri="{28A0092B-C50C-407E-A947-70E740481C1C}">
+                <a14:useLocalDpi xmlns:a14="http://schemas.microsoft.com/office/drawing/2010/main" val="0"/>
+              </a:ext>
+            </a:extLst>
+          </a:blip>
+          <a:srcRect/>
+          <a:stretch>
+            <a:fillRect/>
+          </a:stretch>
+        </p:blipFill>
+        <p:spPr bwMode="auto">
+          <a:xfrm>
+            <a:off x="4675064" y="1474665"/>
+            <a:ext cx="2790825" cy="3235960"/>
+          </a:xfrm>
+          <a:prstGeom prst="rect">
+            <a:avLst/>
+          </a:prstGeom>
+          <a:noFill/>
+          <a:ln>
+            <a:noFill/>
+          </a:ln>
+        </p:spPr>
+      </p:pic>
+      <p:sp>
+        <p:nvSpPr>
+          <p:cNvPr id="7" name="向右箭號 6"/>
+          <p:cNvSpPr/>
+          <p:nvPr/>
+        </p:nvSpPr>
+        <p:spPr>
+          <a:xfrm rot="10800000">
+            <a:off x="3645241" y="1467337"/>
+            <a:ext cx="349885" cy="115570"/>
+          </a:xfrm>
+          <a:prstGeom prst="rightArrow">
+            <a:avLst/>
+          </a:prstGeom>
+          <a:ln>
+            <a:solidFill>
+              <a:srgbClr val="FF0000"/>
+            </a:solidFill>
+          </a:ln>
+        </p:spPr>
+        <p:style>
+          <a:lnRef idx="2">
+            <a:schemeClr val="accent2"/>
+          </a:lnRef>
+          <a:fillRef idx="1">
+            <a:schemeClr val="lt1"/>
+          </a:fillRef>
+          <a:effectRef idx="0">
+            <a:schemeClr val="accent2"/>
+          </a:effectRef>
+          <a:fontRef idx="minor">
+            <a:schemeClr val="dk1"/>
+          </a:fontRef>
+        </p:style>
+        <p:txBody>
+          <a:bodyPr rot="0" spcFirstLastPara="0" vert="horz" wrap="square" lIns="91440" tIns="45720" rIns="91440" bIns="45720" numCol="1" spcCol="0" rtlCol="0" fromWordArt="0" anchor="ctr" anchorCtr="0" forceAA="0" compatLnSpc="1">
+            <a:prstTxWarp prst="textNoShape">
+              <a:avLst/>
+            </a:prstTxWarp>
+            <a:noAutofit/>
+          </a:bodyPr>
+          <a:lstStyle/>
+          <a:p>
+            <a:endParaRPr lang="zh-TW" altLang="en-US"/>
+          </a:p>
+        </p:txBody>
+      </p:sp>
+      <p:sp>
+        <p:nvSpPr>
+          <p:cNvPr id="9" name="向右箭號 8"/>
+          <p:cNvSpPr/>
+          <p:nvPr/>
+        </p:nvSpPr>
+        <p:spPr>
+          <a:xfrm rot="10800000">
+            <a:off x="6070476" y="1467338"/>
+            <a:ext cx="349885" cy="115570"/>
+          </a:xfrm>
+          <a:prstGeom prst="rightArrow">
+            <a:avLst/>
+          </a:prstGeom>
+          <a:ln>
+            <a:solidFill>
+              <a:srgbClr val="FF0000"/>
+            </a:solidFill>
+          </a:ln>
+        </p:spPr>
+        <p:style>
+          <a:lnRef idx="2">
+            <a:schemeClr val="accent2"/>
+          </a:lnRef>
+          <a:fillRef idx="1">
+            <a:schemeClr val="lt1"/>
+          </a:fillRef>
+          <a:effectRef idx="0">
+            <a:schemeClr val="accent2"/>
+          </a:effectRef>
+          <a:fontRef idx="minor">
+            <a:schemeClr val="dk1"/>
+          </a:fontRef>
+        </p:style>
+        <p:txBody>
+          <a:bodyPr rot="0" spcFirstLastPara="0" vert="horz" wrap="square" lIns="91440" tIns="45720" rIns="91440" bIns="45720" numCol="1" spcCol="0" rtlCol="0" fromWordArt="0" anchor="ctr" anchorCtr="0" forceAA="0" compatLnSpc="1">
+            <a:prstTxWarp prst="textNoShape">
+              <a:avLst/>
+            </a:prstTxWarp>
+            <a:noAutofit/>
+          </a:bodyPr>
+          <a:lstStyle/>
+          <a:p>
+            <a:endParaRPr lang="zh-TW" altLang="en-US"/>
+          </a:p>
+        </p:txBody>
+      </p:sp>
     </p:spTree>
     <p:extLst>
       <p:ext uri="{BB962C8B-B14F-4D97-AF65-F5344CB8AC3E}">
-        <p14:creationId xmlns:p14="http://schemas.microsoft.com/office/powerpoint/2010/main" val="3928810146"/>
+        <p14:creationId xmlns:p14="http://schemas.microsoft.com/office/powerpoint/2010/main" val="669525906"/>
       </p:ext>
     </p:extLst>
   </p:cSld>
@@ -6670,7 +7209,7 @@
                 <a:latin typeface="Times New Roman" panose="02020603050405020304" pitchFamily="18" charset="0"/>
                 <a:cs typeface="Times New Roman" panose="02020603050405020304" pitchFamily="18" charset="0"/>
               </a:rPr>
-              <a:t>Resolution </a:t>
+              <a:t>Airplane </a:t>
             </a:r>
             <a:r>
               <a:rPr lang="en-US" altLang="zh-TW" sz="2800" kern="0" dirty="0">
@@ -6680,7 +7219,27 @@
                 <a:latin typeface="Times New Roman" panose="02020603050405020304" pitchFamily="18" charset="0"/>
                 <a:cs typeface="Times New Roman" panose="02020603050405020304" pitchFamily="18" charset="0"/>
               </a:rPr>
-              <a:t>automation</a:t>
+              <a:t>on/off mode automatic </a:t>
+            </a:r>
+            <a:r>
+              <a:rPr lang="en-US" altLang="zh-TW" sz="2800" kern="0" dirty="0" smtClean="0">
+                <a:solidFill>
+                  <a:srgbClr val="003366"/>
+                </a:solidFill>
+                <a:latin typeface="Times New Roman" panose="02020603050405020304" pitchFamily="18" charset="0"/>
+                <a:cs typeface="Times New Roman" panose="02020603050405020304" pitchFamily="18" charset="0"/>
+              </a:rPr>
+              <a:t>tool</a:t>
+            </a:r>
+            <a:r>
+              <a:rPr lang="en-US" altLang="zh-TW" sz="2800" kern="0" dirty="0">
+                <a:solidFill>
+                  <a:srgbClr val="003366"/>
+                </a:solidFill>
+                <a:latin typeface="Times New Roman" panose="02020603050405020304" pitchFamily="18" charset="0"/>
+                <a:cs typeface="Times New Roman" panose="02020603050405020304" pitchFamily="18" charset="0"/>
+              </a:rPr>
+              <a:t/>
             </a:r>
             <a:br>
               <a:rPr lang="en-US" altLang="zh-TW" sz="2800" kern="0" dirty="0">
@@ -6704,7 +7263,7 @@
     </p:spTree>
     <p:extLst>
       <p:ext uri="{BB962C8B-B14F-4D97-AF65-F5344CB8AC3E}">
-        <p14:creationId xmlns:p14="http://schemas.microsoft.com/office/powerpoint/2010/main" val="932677482"/>
+        <p14:creationId xmlns:p14="http://schemas.microsoft.com/office/powerpoint/2010/main" val="3412901425"/>
       </p:ext>
     </p:extLst>
   </p:cSld>
@@ -6895,10 +7454,20 @@
                 <a:latin typeface="Times New Roman" panose="02020603050405020304" pitchFamily="18" charset="0"/>
                 <a:cs typeface="Times New Roman" panose="02020603050405020304" pitchFamily="18" charset="0"/>
               </a:rPr>
-              <a:t>Luminance automation</a:t>
+              <a:t>Wi-Fi </a:t>
+            </a:r>
+            <a:r>
+              <a:rPr lang="en-US" altLang="zh-TW" sz="2800" kern="0" dirty="0">
+                <a:solidFill>
+                  <a:srgbClr val="003366"/>
+                </a:solidFill>
+                <a:latin typeface="Times New Roman" panose="02020603050405020304" pitchFamily="18" charset="0"/>
+                <a:cs typeface="Times New Roman" panose="02020603050405020304" pitchFamily="18" charset="0"/>
+              </a:rPr>
+              <a:t>frequency switch automatic tool (2.4G, 5G)</a:t>
             </a:r>
             <a:br>
-              <a:rPr lang="en-US" altLang="zh-TW" sz="2800" kern="0" dirty="0" smtClean="0">
+              <a:rPr lang="en-US" altLang="zh-TW" sz="2800" kern="0" dirty="0">
                 <a:solidFill>
                   <a:srgbClr val="003366"/>
                 </a:solidFill>
@@ -6919,7 +7488,7 @@
     </p:spTree>
     <p:extLst>
       <p:ext uri="{BB962C8B-B14F-4D97-AF65-F5344CB8AC3E}">
-        <p14:creationId xmlns:p14="http://schemas.microsoft.com/office/powerpoint/2010/main" val="932677482"/>
+        <p14:creationId xmlns:p14="http://schemas.microsoft.com/office/powerpoint/2010/main" val="3928810146"/>
       </p:ext>
     </p:extLst>
   </p:cSld>
@@ -7110,7 +7679,7 @@
                 <a:latin typeface="Times New Roman" panose="02020603050405020304" pitchFamily="18" charset="0"/>
                 <a:cs typeface="Times New Roman" panose="02020603050405020304" pitchFamily="18" charset="0"/>
               </a:rPr>
-              <a:t>PXE </a:t>
+              <a:t>Resolution </a:t>
             </a:r>
             <a:r>
               <a:rPr lang="en-US" altLang="zh-TW" sz="2800" kern="0" dirty="0">
@@ -7120,20 +7689,10 @@
                 <a:latin typeface="Times New Roman" panose="02020603050405020304" pitchFamily="18" charset="0"/>
                 <a:cs typeface="Times New Roman" panose="02020603050405020304" pitchFamily="18" charset="0"/>
               </a:rPr>
-              <a:t>automatic </a:t>
-            </a:r>
-            <a:r>
-              <a:rPr lang="en-US" altLang="zh-TW" sz="2800" kern="0" dirty="0" smtClean="0">
-                <a:solidFill>
-                  <a:srgbClr val="003366"/>
-                </a:solidFill>
-                <a:latin typeface="Times New Roman" panose="02020603050405020304" pitchFamily="18" charset="0"/>
-                <a:cs typeface="Times New Roman" panose="02020603050405020304" pitchFamily="18" charset="0"/>
-              </a:rPr>
-              <a:t>installation</a:t>
+              <a:t>automation</a:t>
             </a:r>
             <a:br>
-              <a:rPr lang="en-US" altLang="zh-TW" sz="2800" kern="0" dirty="0" smtClean="0">
+              <a:rPr lang="en-US" altLang="zh-TW" sz="2800" kern="0" dirty="0">
                 <a:solidFill>
                   <a:srgbClr val="003366"/>
                 </a:solidFill>
@@ -7345,7 +7904,7 @@
                 <a:latin typeface="Times New Roman" panose="02020603050405020304" pitchFamily="18" charset="0"/>
                 <a:cs typeface="Times New Roman" panose="02020603050405020304" pitchFamily="18" charset="0"/>
               </a:rPr>
-              <a:t>Continuous integration</a:t>
+              <a:t>Luminance automation</a:t>
             </a:r>
             <a:br>
               <a:rPr lang="en-US" altLang="zh-TW" sz="2800" kern="0" dirty="0" smtClean="0">
@@ -7517,6 +8076,456 @@
           <a:bodyPr/>
           <a:lstStyle/>
           <a:p>
+            <a:pPr eaLnBrk="1" hangingPunct="1">
+              <a:buFont typeface="Arial" charset="0"/>
+              <a:buChar char="•"/>
+              <a:defRPr/>
+            </a:pPr>
+            <a:endParaRPr lang="en-US" altLang="zh-TW" sz="1800" dirty="0">
+              <a:latin typeface="Times New Roman" panose="02020603050405020304" pitchFamily="18" charset="0"/>
+              <a:cs typeface="Times New Roman" panose="02020603050405020304" pitchFamily="18" charset="0"/>
+            </a:endParaRPr>
+          </a:p>
+        </p:txBody>
+      </p:sp>
+      <p:sp>
+        <p:nvSpPr>
+          <p:cNvPr id="2" name="標題 4"/>
+          <p:cNvSpPr>
+            <a:spLocks noGrp="1"/>
+          </p:cNvSpPr>
+          <p:nvPr>
+            <p:ph type="title"/>
+          </p:nvPr>
+        </p:nvSpPr>
+        <p:spPr>
+          <a:xfrm>
+            <a:off x="457200" y="87313"/>
+            <a:ext cx="8229600" cy="1205265"/>
+          </a:xfrm>
+        </p:spPr>
+        <p:txBody>
+          <a:bodyPr/>
+          <a:lstStyle/>
+          <a:p>
+            <a:pPr eaLnBrk="1" hangingPunct="1">
+              <a:defRPr/>
+            </a:pPr>
+            <a:r>
+              <a:rPr lang="en-US" altLang="zh-TW" sz="2800" kern="0" dirty="0" smtClean="0">
+                <a:solidFill>
+                  <a:srgbClr val="003366"/>
+                </a:solidFill>
+                <a:latin typeface="Times New Roman" panose="02020603050405020304" pitchFamily="18" charset="0"/>
+                <a:cs typeface="Times New Roman" panose="02020603050405020304" pitchFamily="18" charset="0"/>
+              </a:rPr>
+              <a:t>PXE </a:t>
+            </a:r>
+            <a:r>
+              <a:rPr lang="en-US" altLang="zh-TW" sz="2800" kern="0" dirty="0">
+                <a:solidFill>
+                  <a:srgbClr val="003366"/>
+                </a:solidFill>
+                <a:latin typeface="Times New Roman" panose="02020603050405020304" pitchFamily="18" charset="0"/>
+                <a:cs typeface="Times New Roman" panose="02020603050405020304" pitchFamily="18" charset="0"/>
+              </a:rPr>
+              <a:t>automatic </a:t>
+            </a:r>
+            <a:r>
+              <a:rPr lang="en-US" altLang="zh-TW" sz="2800" kern="0" dirty="0" smtClean="0">
+                <a:solidFill>
+                  <a:srgbClr val="003366"/>
+                </a:solidFill>
+                <a:latin typeface="Times New Roman" panose="02020603050405020304" pitchFamily="18" charset="0"/>
+                <a:cs typeface="Times New Roman" panose="02020603050405020304" pitchFamily="18" charset="0"/>
+              </a:rPr>
+              <a:t>installation</a:t>
+            </a:r>
+            <a:br>
+              <a:rPr lang="en-US" altLang="zh-TW" sz="2800" kern="0" dirty="0" smtClean="0">
+                <a:solidFill>
+                  <a:srgbClr val="003366"/>
+                </a:solidFill>
+                <a:latin typeface="Times New Roman" panose="02020603050405020304" pitchFamily="18" charset="0"/>
+                <a:cs typeface="Times New Roman" panose="02020603050405020304" pitchFamily="18" charset="0"/>
+              </a:rPr>
+            </a:br>
+            <a:endParaRPr lang="zh-TW" altLang="en-US" sz="2800" kern="0" dirty="0">
+              <a:solidFill>
+                <a:srgbClr val="003366"/>
+              </a:solidFill>
+              <a:latin typeface="Times New Roman" panose="02020603050405020304" pitchFamily="18" charset="0"/>
+              <a:cs typeface="Times New Roman" panose="02020603050405020304" pitchFamily="18" charset="0"/>
+            </a:endParaRPr>
+          </a:p>
+        </p:txBody>
+      </p:sp>
+    </p:spTree>
+    <p:extLst>
+      <p:ext uri="{BB962C8B-B14F-4D97-AF65-F5344CB8AC3E}">
+        <p14:creationId xmlns:p14="http://schemas.microsoft.com/office/powerpoint/2010/main" val="932677482"/>
+      </p:ext>
+    </p:extLst>
+  </p:cSld>
+  <p:clrMapOvr>
+    <a:masterClrMapping/>
+  </p:clrMapOvr>
+  <mc:AlternateContent xmlns:mc="http://schemas.openxmlformats.org/markup-compatibility/2006" xmlns:p14="http://schemas.microsoft.com/office/powerpoint/2010/main">
+    <mc:Choice Requires="p14">
+      <p:transition spd="med" p14:dur="700" advClick="0">
+        <p:fade/>
+      </p:transition>
+    </mc:Choice>
+    <mc:Fallback xmlns="">
+      <p:transition spd="med" advClick="0">
+        <p:fade/>
+      </p:transition>
+    </mc:Fallback>
+  </mc:AlternateContent>
+  <p:timing>
+    <p:tnLst>
+      <p:par>
+        <p:cTn id="1" dur="indefinite" restart="never" nodeType="tmRoot">
+          <p:childTnLst>
+            <p:seq concurrent="1" nextAc="seek">
+              <p:cTn id="2" dur="indefinite" nodeType="mainSeq">
+                <p:childTnLst>
+                  <p:par>
+                    <p:cTn id="3" fill="hold">
+                      <p:stCondLst>
+                        <p:cond delay="indefinite"/>
+                        <p:cond evt="onBegin" delay="0">
+                          <p:tn val="2"/>
+                        </p:cond>
+                      </p:stCondLst>
+                      <p:childTnLst>
+                        <p:par>
+                          <p:cTn id="4" fill="hold">
+                            <p:stCondLst>
+                              <p:cond delay="0"/>
+                            </p:stCondLst>
+                            <p:childTnLst>
+                              <p:par>
+                                <p:cTn id="5" presetID="10" presetClass="entr" presetSubtype="0" fill="hold" grpId="0" nodeType="afterEffect">
+                                  <p:stCondLst>
+                                    <p:cond delay="0"/>
+                                  </p:stCondLst>
+                                  <p:childTnLst>
+                                    <p:set>
+                                      <p:cBhvr>
+                                        <p:cTn id="6" dur="1" fill="hold">
+                                          <p:stCondLst>
+                                            <p:cond delay="0"/>
+                                          </p:stCondLst>
+                                        </p:cTn>
+                                        <p:tgtEl>
+                                          <p:spTgt spid="2"/>
+                                        </p:tgtEl>
+                                        <p:attrNameLst>
+                                          <p:attrName>style.visibility</p:attrName>
+                                        </p:attrNameLst>
+                                      </p:cBhvr>
+                                      <p:to>
+                                        <p:strVal val="visible"/>
+                                      </p:to>
+                                    </p:set>
+                                    <p:animEffect transition="in" filter="fade">
+                                      <p:cBhvr>
+                                        <p:cTn id="7" dur="500"/>
+                                        <p:tgtEl>
+                                          <p:spTgt spid="2"/>
+                                        </p:tgtEl>
+                                      </p:cBhvr>
+                                    </p:animEffect>
+                                  </p:childTnLst>
+                                </p:cTn>
+                              </p:par>
+                            </p:childTnLst>
+                          </p:cTn>
+                        </p:par>
+                      </p:childTnLst>
+                    </p:cTn>
+                  </p:par>
+                </p:childTnLst>
+              </p:cTn>
+              <p:prevCondLst>
+                <p:cond evt="onPrev" delay="0">
+                  <p:tgtEl>
+                    <p:sldTgt/>
+                  </p:tgtEl>
+                </p:cond>
+              </p:prevCondLst>
+              <p:nextCondLst>
+                <p:cond evt="onNext" delay="0">
+                  <p:tgtEl>
+                    <p:sldTgt/>
+                  </p:tgtEl>
+                </p:cond>
+              </p:nextCondLst>
+            </p:seq>
+          </p:childTnLst>
+        </p:cTn>
+      </p:par>
+    </p:tnLst>
+    <p:bldLst>
+      <p:bldP spid="2" grpId="0"/>
+    </p:bldLst>
+  </p:timing>
+</p:sld>
+</file>
+
+<file path=ppt/slides/slide17.xml><?xml version="1.0" encoding="utf-8"?>
+<p:sld xmlns:a="http://schemas.openxmlformats.org/drawingml/2006/main" xmlns:r="http://schemas.openxmlformats.org/officeDocument/2006/relationships" xmlns:p="http://schemas.openxmlformats.org/presentationml/2006/main">
+  <p:cSld>
+    <p:spTree>
+      <p:nvGrpSpPr>
+        <p:cNvPr id="1" name=""/>
+        <p:cNvGrpSpPr/>
+        <p:nvPr/>
+      </p:nvGrpSpPr>
+      <p:grpSpPr>
+        <a:xfrm>
+          <a:off x="0" y="0"/>
+          <a:ext cx="0" cy="0"/>
+          <a:chOff x="0" y="0"/>
+          <a:chExt cx="0" cy="0"/>
+        </a:xfrm>
+      </p:grpSpPr>
+      <p:sp>
+        <p:nvSpPr>
+          <p:cNvPr id="15362" name="內容版面配置區 5"/>
+          <p:cNvSpPr>
+            <a:spLocks noGrp="1"/>
+          </p:cNvSpPr>
+          <p:nvPr>
+            <p:ph idx="1"/>
+          </p:nvPr>
+        </p:nvSpPr>
+        <p:spPr>
+          <a:xfrm>
+            <a:off x="457200" y="936625"/>
+            <a:ext cx="8229600" cy="3575050"/>
+          </a:xfrm>
+        </p:spPr>
+        <p:txBody>
+          <a:bodyPr/>
+          <a:lstStyle/>
+          <a:p>
+            <a:pPr eaLnBrk="1" hangingPunct="1">
+              <a:buFont typeface="Arial" charset="0"/>
+              <a:buChar char="•"/>
+              <a:defRPr/>
+            </a:pPr>
+            <a:endParaRPr lang="en-US" altLang="zh-TW" sz="1800" dirty="0">
+              <a:latin typeface="Times New Roman" panose="02020603050405020304" pitchFamily="18" charset="0"/>
+              <a:cs typeface="Times New Roman" panose="02020603050405020304" pitchFamily="18" charset="0"/>
+            </a:endParaRPr>
+          </a:p>
+        </p:txBody>
+      </p:sp>
+      <p:sp>
+        <p:nvSpPr>
+          <p:cNvPr id="2" name="標題 4"/>
+          <p:cNvSpPr>
+            <a:spLocks noGrp="1"/>
+          </p:cNvSpPr>
+          <p:nvPr>
+            <p:ph type="title"/>
+          </p:nvPr>
+        </p:nvSpPr>
+        <p:spPr>
+          <a:xfrm>
+            <a:off x="457200" y="87313"/>
+            <a:ext cx="8229600" cy="1205265"/>
+          </a:xfrm>
+        </p:spPr>
+        <p:txBody>
+          <a:bodyPr/>
+          <a:lstStyle/>
+          <a:p>
+            <a:pPr eaLnBrk="1" hangingPunct="1">
+              <a:defRPr/>
+            </a:pPr>
+            <a:r>
+              <a:rPr lang="en-US" altLang="zh-TW" sz="2800" kern="0" dirty="0" smtClean="0">
+                <a:solidFill>
+                  <a:srgbClr val="003366"/>
+                </a:solidFill>
+                <a:latin typeface="Times New Roman" panose="02020603050405020304" pitchFamily="18" charset="0"/>
+                <a:cs typeface="Times New Roman" panose="02020603050405020304" pitchFamily="18" charset="0"/>
+              </a:rPr>
+              <a:t>Continuous integration</a:t>
+            </a:r>
+            <a:br>
+              <a:rPr lang="en-US" altLang="zh-TW" sz="2800" kern="0" dirty="0" smtClean="0">
+                <a:solidFill>
+                  <a:srgbClr val="003366"/>
+                </a:solidFill>
+                <a:latin typeface="Times New Roman" panose="02020603050405020304" pitchFamily="18" charset="0"/>
+                <a:cs typeface="Times New Roman" panose="02020603050405020304" pitchFamily="18" charset="0"/>
+              </a:rPr>
+            </a:br>
+            <a:endParaRPr lang="zh-TW" altLang="en-US" sz="2800" kern="0" dirty="0">
+              <a:solidFill>
+                <a:srgbClr val="003366"/>
+              </a:solidFill>
+              <a:latin typeface="Times New Roman" panose="02020603050405020304" pitchFamily="18" charset="0"/>
+              <a:cs typeface="Times New Roman" panose="02020603050405020304" pitchFamily="18" charset="0"/>
+            </a:endParaRPr>
+          </a:p>
+        </p:txBody>
+      </p:sp>
+    </p:spTree>
+    <p:extLst>
+      <p:ext uri="{BB962C8B-B14F-4D97-AF65-F5344CB8AC3E}">
+        <p14:creationId xmlns:p14="http://schemas.microsoft.com/office/powerpoint/2010/main" val="932677482"/>
+      </p:ext>
+    </p:extLst>
+  </p:cSld>
+  <p:clrMapOvr>
+    <a:masterClrMapping/>
+  </p:clrMapOvr>
+  <mc:AlternateContent xmlns:mc="http://schemas.openxmlformats.org/markup-compatibility/2006" xmlns:p14="http://schemas.microsoft.com/office/powerpoint/2010/main">
+    <mc:Choice Requires="p14">
+      <p:transition spd="med" p14:dur="700" advClick="0">
+        <p:fade/>
+      </p:transition>
+    </mc:Choice>
+    <mc:Fallback xmlns="">
+      <p:transition spd="med" advClick="0">
+        <p:fade/>
+      </p:transition>
+    </mc:Fallback>
+  </mc:AlternateContent>
+  <p:timing>
+    <p:tnLst>
+      <p:par>
+        <p:cTn id="1" dur="indefinite" restart="never" nodeType="tmRoot">
+          <p:childTnLst>
+            <p:seq concurrent="1" nextAc="seek">
+              <p:cTn id="2" dur="indefinite" nodeType="mainSeq">
+                <p:childTnLst>
+                  <p:par>
+                    <p:cTn id="3" fill="hold">
+                      <p:stCondLst>
+                        <p:cond delay="indefinite"/>
+                        <p:cond evt="onBegin" delay="0">
+                          <p:tn val="2"/>
+                        </p:cond>
+                      </p:stCondLst>
+                      <p:childTnLst>
+                        <p:par>
+                          <p:cTn id="4" fill="hold">
+                            <p:stCondLst>
+                              <p:cond delay="0"/>
+                            </p:stCondLst>
+                            <p:childTnLst>
+                              <p:par>
+                                <p:cTn id="5" presetID="10" presetClass="entr" presetSubtype="0" fill="hold" grpId="0" nodeType="afterEffect">
+                                  <p:stCondLst>
+                                    <p:cond delay="0"/>
+                                  </p:stCondLst>
+                                  <p:childTnLst>
+                                    <p:set>
+                                      <p:cBhvr>
+                                        <p:cTn id="6" dur="1" fill="hold">
+                                          <p:stCondLst>
+                                            <p:cond delay="0"/>
+                                          </p:stCondLst>
+                                        </p:cTn>
+                                        <p:tgtEl>
+                                          <p:spTgt spid="2"/>
+                                        </p:tgtEl>
+                                        <p:attrNameLst>
+                                          <p:attrName>style.visibility</p:attrName>
+                                        </p:attrNameLst>
+                                      </p:cBhvr>
+                                      <p:to>
+                                        <p:strVal val="visible"/>
+                                      </p:to>
+                                    </p:set>
+                                    <p:animEffect transition="in" filter="fade">
+                                      <p:cBhvr>
+                                        <p:cTn id="7" dur="500"/>
+                                        <p:tgtEl>
+                                          <p:spTgt spid="2"/>
+                                        </p:tgtEl>
+                                      </p:cBhvr>
+                                    </p:animEffect>
+                                  </p:childTnLst>
+                                </p:cTn>
+                              </p:par>
+                            </p:childTnLst>
+                          </p:cTn>
+                        </p:par>
+                      </p:childTnLst>
+                    </p:cTn>
+                  </p:par>
+                </p:childTnLst>
+              </p:cTn>
+              <p:prevCondLst>
+                <p:cond evt="onPrev" delay="0">
+                  <p:tgtEl>
+                    <p:sldTgt/>
+                  </p:tgtEl>
+                </p:cond>
+              </p:prevCondLst>
+              <p:nextCondLst>
+                <p:cond evt="onNext" delay="0">
+                  <p:tgtEl>
+                    <p:sldTgt/>
+                  </p:tgtEl>
+                </p:cond>
+              </p:nextCondLst>
+            </p:seq>
+          </p:childTnLst>
+        </p:cTn>
+      </p:par>
+    </p:tnLst>
+    <p:bldLst>
+      <p:bldP spid="2" grpId="0"/>
+    </p:bldLst>
+  </p:timing>
+</p:sld>
+</file>
+
+<file path=ppt/slides/slide18.xml><?xml version="1.0" encoding="utf-8"?>
+<p:sld xmlns:a="http://schemas.openxmlformats.org/drawingml/2006/main" xmlns:r="http://schemas.openxmlformats.org/officeDocument/2006/relationships" xmlns:p="http://schemas.openxmlformats.org/presentationml/2006/main">
+  <p:cSld>
+    <p:spTree>
+      <p:nvGrpSpPr>
+        <p:cNvPr id="1" name=""/>
+        <p:cNvGrpSpPr/>
+        <p:nvPr/>
+      </p:nvGrpSpPr>
+      <p:grpSpPr>
+        <a:xfrm>
+          <a:off x="0" y="0"/>
+          <a:ext cx="0" cy="0"/>
+          <a:chOff x="0" y="0"/>
+          <a:chExt cx="0" cy="0"/>
+        </a:xfrm>
+      </p:grpSpPr>
+      <p:sp>
+        <p:nvSpPr>
+          <p:cNvPr id="15362" name="內容版面配置區 5"/>
+          <p:cNvSpPr>
+            <a:spLocks noGrp="1"/>
+          </p:cNvSpPr>
+          <p:nvPr>
+            <p:ph idx="1"/>
+          </p:nvPr>
+        </p:nvSpPr>
+        <p:spPr>
+          <a:xfrm>
+            <a:off x="457200" y="936625"/>
+            <a:ext cx="8229600" cy="3575050"/>
+          </a:xfrm>
+        </p:spPr>
+        <p:txBody>
+          <a:bodyPr/>
+          <a:lstStyle/>
+          <a:p>
             <a:pPr marL="0" indent="0" eaLnBrk="1" hangingPunct="1">
               <a:buNone/>
               <a:defRPr/>
@@ -7728,7 +8737,7 @@
 </p:sld>
 </file>
 
-<file path=ppt/slides/slide17.xml><?xml version="1.0" encoding="utf-8"?>
+<file path=ppt/slides/slide19.xml><?xml version="1.0" encoding="utf-8"?>
 <p:sld xmlns:a="http://schemas.openxmlformats.org/drawingml/2006/main" xmlns:r="http://schemas.openxmlformats.org/officeDocument/2006/relationships" xmlns:p="http://schemas.openxmlformats.org/presentationml/2006/main">
   <p:cSld>
     <p:spTree>
@@ -11974,14 +12983,7 @@
                 <a:latin typeface="Times New Roman" panose="02020603050405020304" pitchFamily="18" charset="0"/>
                 <a:cs typeface="Times New Roman" panose="02020603050405020304" pitchFamily="18" charset="0"/>
               </a:rPr>
-              <a:t>Android </a:t>
-            </a:r>
-            <a:r>
-              <a:rPr lang="en-US" altLang="zh-TW" sz="1400" dirty="0" smtClean="0">
-                <a:latin typeface="Times New Roman" panose="02020603050405020304" pitchFamily="18" charset="0"/>
-                <a:cs typeface="Times New Roman" panose="02020603050405020304" pitchFamily="18" charset="0"/>
-              </a:rPr>
-              <a:t>8.1.0</a:t>
+              <a:t>Android 8.1.0</a:t>
             </a:r>
             <a:r>
               <a:rPr lang="zh-TW" altLang="en-US" sz="1400" dirty="0" smtClean="0">
@@ -12002,21 +13004,7 @@
                 <a:latin typeface="Times New Roman" panose="02020603050405020304" pitchFamily="18" charset="0"/>
                 <a:cs typeface="Times New Roman" panose="02020603050405020304" pitchFamily="18" charset="0"/>
               </a:rPr>
-              <a:t>RJ-45), Android </a:t>
-            </a:r>
-            <a:r>
-              <a:rPr lang="en-US" altLang="zh-TW" sz="1400" dirty="0" smtClean="0">
-                <a:latin typeface="Times New Roman" panose="02020603050405020304" pitchFamily="18" charset="0"/>
-                <a:cs typeface="Times New Roman" panose="02020603050405020304" pitchFamily="18" charset="0"/>
-              </a:rPr>
-              <a:t>8.1.0 (</a:t>
-            </a:r>
-            <a:r>
-              <a:rPr lang="en-US" altLang="zh-TW" sz="1400" dirty="0" smtClean="0">
-                <a:latin typeface="Times New Roman" panose="02020603050405020304" pitchFamily="18" charset="0"/>
-                <a:cs typeface="Times New Roman" panose="02020603050405020304" pitchFamily="18" charset="0"/>
-              </a:rPr>
-              <a:t>OTG)</a:t>
+              <a:t>RJ-45), Android 8.1.0 (OTG)</a:t>
             </a:r>
           </a:p>
           <a:p>
@@ -12337,6 +13325,20 @@
               <a:buChar char="•"/>
               <a:defRPr/>
             </a:pPr>
+            <a:r>
+              <a:rPr lang="en-US" altLang="zh-TW" sz="1800" dirty="0" smtClean="0">
+                <a:latin typeface="Times New Roman" panose="02020603050405020304" pitchFamily="18" charset="0"/>
+                <a:cs typeface="Times New Roman" panose="02020603050405020304" pitchFamily="18" charset="0"/>
+              </a:rPr>
+              <a:t>System Structure</a:t>
+            </a:r>
+          </a:p>
+          <a:p>
+            <a:pPr eaLnBrk="1" hangingPunct="1">
+              <a:buFont typeface="Arial" charset="0"/>
+              <a:buChar char="•"/>
+              <a:defRPr/>
+            </a:pPr>
             <a:endParaRPr lang="en-US" altLang="zh-TW" sz="1800" dirty="0">
               <a:latin typeface="Times New Roman" panose="02020603050405020304" pitchFamily="18" charset="0"/>
               <a:cs typeface="Times New Roman" panose="02020603050405020304" pitchFamily="18" charset="0"/>
@@ -12396,6 +13398,159 @@
           </a:p>
         </p:txBody>
       </p:sp>
+      <p:pic>
+        <p:nvPicPr>
+          <p:cNvPr id="4" name="圖片 3"/>
+          <p:cNvPicPr/>
+          <p:nvPr/>
+        </p:nvPicPr>
+        <p:blipFill>
+          <a:blip r:embed="rId3" cstate="print">
+            <a:extLst>
+              <a:ext uri="{28A0092B-C50C-407E-A947-70E740481C1C}">
+                <a14:useLocalDpi xmlns:a14="http://schemas.microsoft.com/office/drawing/2010/main" val="0"/>
+              </a:ext>
+            </a:extLst>
+          </a:blip>
+          <a:srcRect/>
+          <a:stretch>
+            <a:fillRect/>
+          </a:stretch>
+        </p:blipFill>
+        <p:spPr bwMode="auto">
+          <a:xfrm>
+            <a:off x="2309441" y="1582615"/>
+            <a:ext cx="4595451" cy="3010190"/>
+          </a:xfrm>
+          <a:prstGeom prst="rect">
+            <a:avLst/>
+          </a:prstGeom>
+          <a:noFill/>
+        </p:spPr>
+      </p:pic>
+      <p:pic>
+        <p:nvPicPr>
+          <p:cNvPr id="1026" name="Picture 2" descr="D:\Users\ZL.chen\Desktop\P_setting_fff_1_90_end_500.jpg"/>
+          <p:cNvPicPr>
+            <a:picLocks noChangeAspect="1" noChangeArrowheads="1"/>
+          </p:cNvPicPr>
+          <p:nvPr/>
+        </p:nvPicPr>
+        <p:blipFill>
+          <a:blip r:embed="rId4" cstate="print">
+            <a:extLst>
+              <a:ext uri="{28A0092B-C50C-407E-A947-70E740481C1C}">
+                <a14:useLocalDpi xmlns:a14="http://schemas.microsoft.com/office/drawing/2010/main" val="0"/>
+              </a:ext>
+            </a:extLst>
+          </a:blip>
+          <a:srcRect/>
+          <a:stretch>
+            <a:fillRect/>
+          </a:stretch>
+        </p:blipFill>
+        <p:spPr bwMode="auto">
+          <a:xfrm>
+            <a:off x="4272142" y="982907"/>
+            <a:ext cx="670047" cy="670047"/>
+          </a:xfrm>
+          <a:prstGeom prst="rect">
+            <a:avLst/>
+          </a:prstGeom>
+          <a:noFill/>
+          <a:extLst>
+            <a:ext uri="{909E8E84-426E-40DD-AFC4-6F175D3DCCD1}">
+              <a14:hiddenFill xmlns:a14="http://schemas.microsoft.com/office/drawing/2010/main">
+                <a:solidFill>
+                  <a:srgbClr val="FFFFFF"/>
+                </a:solidFill>
+              </a14:hiddenFill>
+            </a:ext>
+          </a:extLst>
+        </p:spPr>
+      </p:pic>
+      <p:pic>
+        <p:nvPicPr>
+          <p:cNvPr id="1027" name="Picture 3" descr="D:\Users\ZL.chen\Desktop\P_setting_fff_1_nd_500.jpg"/>
+          <p:cNvPicPr>
+            <a:picLocks noChangeAspect="1" noChangeArrowheads="1"/>
+          </p:cNvPicPr>
+          <p:nvPr/>
+        </p:nvPicPr>
+        <p:blipFill>
+          <a:blip r:embed="rId5" cstate="print">
+            <a:extLst>
+              <a:ext uri="{28A0092B-C50C-407E-A947-70E740481C1C}">
+                <a14:useLocalDpi xmlns:a14="http://schemas.microsoft.com/office/drawing/2010/main" val="0"/>
+              </a:ext>
+            </a:extLst>
+          </a:blip>
+          <a:srcRect/>
+          <a:stretch>
+            <a:fillRect/>
+          </a:stretch>
+        </p:blipFill>
+        <p:spPr bwMode="auto">
+          <a:xfrm>
+            <a:off x="1627671" y="2178659"/>
+            <a:ext cx="670047" cy="670047"/>
+          </a:xfrm>
+          <a:prstGeom prst="rect">
+            <a:avLst/>
+          </a:prstGeom>
+          <a:noFill/>
+          <a:extLst>
+            <a:ext uri="{909E8E84-426E-40DD-AFC4-6F175D3DCCD1}">
+              <a14:hiddenFill xmlns:a14="http://schemas.microsoft.com/office/drawing/2010/main">
+                <a:solidFill>
+                  <a:srgbClr val="FFFFFF"/>
+                </a:solidFill>
+              </a14:hiddenFill>
+            </a:ext>
+          </a:extLst>
+        </p:spPr>
+      </p:pic>
+      <p:pic>
+        <p:nvPicPr>
+          <p:cNvPr id="7" name="Picture 3" descr="D:\Users\ZL.chen\Desktop\P_setting_fff_1_nd_500.jpg"/>
+          <p:cNvPicPr>
+            <a:picLocks noChangeAspect="1" noChangeArrowheads="1"/>
+          </p:cNvPicPr>
+          <p:nvPr/>
+        </p:nvPicPr>
+        <p:blipFill>
+          <a:blip r:embed="rId5" cstate="print">
+            <a:extLst>
+              <a:ext uri="{28A0092B-C50C-407E-A947-70E740481C1C}">
+                <a14:useLocalDpi xmlns:a14="http://schemas.microsoft.com/office/drawing/2010/main" val="0"/>
+              </a:ext>
+            </a:extLst>
+          </a:blip>
+          <a:srcRect/>
+          <a:stretch>
+            <a:fillRect/>
+          </a:stretch>
+        </p:blipFill>
+        <p:spPr bwMode="auto">
+          <a:xfrm>
+            <a:off x="6928338" y="2166936"/>
+            <a:ext cx="670047" cy="670047"/>
+          </a:xfrm>
+          <a:prstGeom prst="rect">
+            <a:avLst/>
+          </a:prstGeom>
+          <a:noFill/>
+          <a:extLst>
+            <a:ext uri="{909E8E84-426E-40DD-AFC4-6F175D3DCCD1}">
+              <a14:hiddenFill xmlns:a14="http://schemas.microsoft.com/office/drawing/2010/main">
+                <a:solidFill>
+                  <a:srgbClr val="FFFFFF"/>
+                </a:solidFill>
+              </a14:hiddenFill>
+            </a:ext>
+          </a:extLst>
+        </p:spPr>
+      </p:pic>
     </p:spTree>
     <p:extLst>
       <p:ext uri="{BB962C8B-B14F-4D97-AF65-F5344CB8AC3E}">

--- a/kpi/Test Automation_Demo.pptx
+++ b/kpi/Test Automation_Demo.pptx
@@ -5,10 +5,10 @@
     <p:sldMasterId id="2147484176" r:id="rId1"/>
   </p:sldMasterIdLst>
   <p:notesMasterIdLst>
-    <p:notesMasterId r:id="rId21"/>
+    <p:notesMasterId r:id="rId23"/>
   </p:notesMasterIdLst>
   <p:handoutMasterIdLst>
-    <p:handoutMasterId r:id="rId22"/>
+    <p:handoutMasterId r:id="rId24"/>
   </p:handoutMasterIdLst>
   <p:sldIdLst>
     <p:sldId id="524" r:id="rId2"/>
@@ -23,13 +23,15 @@
     <p:sldId id="561" r:id="rId11"/>
     <p:sldId id="562" r:id="rId12"/>
     <p:sldId id="553" r:id="rId13"/>
-    <p:sldId id="560" r:id="rId14"/>
-    <p:sldId id="555" r:id="rId15"/>
-    <p:sldId id="556" r:id="rId16"/>
-    <p:sldId id="557" r:id="rId17"/>
-    <p:sldId id="559" r:id="rId18"/>
-    <p:sldId id="551" r:id="rId19"/>
-    <p:sldId id="523" r:id="rId20"/>
+    <p:sldId id="563" r:id="rId14"/>
+    <p:sldId id="564" r:id="rId15"/>
+    <p:sldId id="560" r:id="rId16"/>
+    <p:sldId id="555" r:id="rId17"/>
+    <p:sldId id="556" r:id="rId18"/>
+    <p:sldId id="557" r:id="rId19"/>
+    <p:sldId id="559" r:id="rId20"/>
+    <p:sldId id="551" r:id="rId21"/>
+    <p:sldId id="523" r:id="rId22"/>
   </p:sldIdLst>
   <p:sldSz cx="9144000" cy="5143500" type="screen16x9"/>
   <p:notesSz cx="7099300" cy="10234613"/>
@@ -1726,6 +1728,176 @@
     </p:spTree>
     <p:extLst>
       <p:ext uri="{BB962C8B-B14F-4D97-AF65-F5344CB8AC3E}">
+        <p14:creationId xmlns:p14="http://schemas.microsoft.com/office/powerpoint/2010/main" val="1957161656"/>
+      </p:ext>
+    </p:extLst>
+  </p:cSld>
+  <p:clrMapOvr>
+    <a:masterClrMapping/>
+  </p:clrMapOvr>
+</p:notes>
+</file>
+
+<file path=ppt/notesSlides/notesSlide17.xml><?xml version="1.0" encoding="utf-8"?>
+<p:notes xmlns:a="http://schemas.openxmlformats.org/drawingml/2006/main" xmlns:r="http://schemas.openxmlformats.org/officeDocument/2006/relationships" xmlns:p="http://schemas.openxmlformats.org/presentationml/2006/main">
+  <p:cSld>
+    <p:spTree>
+      <p:nvGrpSpPr>
+        <p:cNvPr id="1" name=""/>
+        <p:cNvGrpSpPr/>
+        <p:nvPr/>
+      </p:nvGrpSpPr>
+      <p:grpSpPr>
+        <a:xfrm>
+          <a:off x="0" y="0"/>
+          <a:ext cx="0" cy="0"/>
+          <a:chOff x="0" y="0"/>
+          <a:chExt cx="0" cy="0"/>
+        </a:xfrm>
+      </p:grpSpPr>
+      <p:sp>
+        <p:nvSpPr>
+          <p:cNvPr id="2" name="投影片圖像版面配置區 1"/>
+          <p:cNvSpPr>
+            <a:spLocks noGrp="1" noRot="1" noChangeAspect="1"/>
+          </p:cNvSpPr>
+          <p:nvPr>
+            <p:ph type="sldImg"/>
+          </p:nvPr>
+        </p:nvSpPr>
+        <p:spPr/>
+      </p:sp>
+      <p:sp>
+        <p:nvSpPr>
+          <p:cNvPr id="3" name="備忘稿版面配置區 2"/>
+          <p:cNvSpPr>
+            <a:spLocks noGrp="1"/>
+          </p:cNvSpPr>
+          <p:nvPr>
+            <p:ph type="body" idx="1"/>
+          </p:nvPr>
+        </p:nvSpPr>
+        <p:spPr/>
+        <p:txBody>
+          <a:bodyPr/>
+          <a:lstStyle/>
+          <a:p>
+            <a:endParaRPr lang="zh-TW" altLang="en-US" dirty="0"/>
+          </a:p>
+        </p:txBody>
+      </p:sp>
+      <p:sp>
+        <p:nvSpPr>
+          <p:cNvPr id="4" name="投影片編號版面配置區 3"/>
+          <p:cNvSpPr>
+            <a:spLocks noGrp="1"/>
+          </p:cNvSpPr>
+          <p:nvPr>
+            <p:ph type="sldNum" sz="quarter" idx="10"/>
+          </p:nvPr>
+        </p:nvSpPr>
+        <p:spPr/>
+        <p:txBody>
+          <a:bodyPr/>
+          <a:lstStyle/>
+          <a:p>
+            <a:fld id="{5FAE23DA-1601-498D-B2E3-972800982184}" type="slidenum">
+              <a:rPr lang="en-US" altLang="zh-TW" smtClean="0"/>
+              <a:pPr/>
+              <a:t>19</a:t>
+            </a:fld>
+            <a:endParaRPr lang="en-US" altLang="zh-TW"/>
+          </a:p>
+        </p:txBody>
+      </p:sp>
+    </p:spTree>
+    <p:extLst>
+      <p:ext uri="{BB962C8B-B14F-4D97-AF65-F5344CB8AC3E}">
+        <p14:creationId xmlns:p14="http://schemas.microsoft.com/office/powerpoint/2010/main" val="1957161656"/>
+      </p:ext>
+    </p:extLst>
+  </p:cSld>
+  <p:clrMapOvr>
+    <a:masterClrMapping/>
+  </p:clrMapOvr>
+</p:notes>
+</file>
+
+<file path=ppt/notesSlides/notesSlide18.xml><?xml version="1.0" encoding="utf-8"?>
+<p:notes xmlns:a="http://schemas.openxmlformats.org/drawingml/2006/main" xmlns:r="http://schemas.openxmlformats.org/officeDocument/2006/relationships" xmlns:p="http://schemas.openxmlformats.org/presentationml/2006/main">
+  <p:cSld>
+    <p:spTree>
+      <p:nvGrpSpPr>
+        <p:cNvPr id="1" name=""/>
+        <p:cNvGrpSpPr/>
+        <p:nvPr/>
+      </p:nvGrpSpPr>
+      <p:grpSpPr>
+        <a:xfrm>
+          <a:off x="0" y="0"/>
+          <a:ext cx="0" cy="0"/>
+          <a:chOff x="0" y="0"/>
+          <a:chExt cx="0" cy="0"/>
+        </a:xfrm>
+      </p:grpSpPr>
+      <p:sp>
+        <p:nvSpPr>
+          <p:cNvPr id="2" name="投影片圖像版面配置區 1"/>
+          <p:cNvSpPr>
+            <a:spLocks noGrp="1" noRot="1" noChangeAspect="1"/>
+          </p:cNvSpPr>
+          <p:nvPr>
+            <p:ph type="sldImg"/>
+          </p:nvPr>
+        </p:nvSpPr>
+        <p:spPr/>
+      </p:sp>
+      <p:sp>
+        <p:nvSpPr>
+          <p:cNvPr id="3" name="備忘稿版面配置區 2"/>
+          <p:cNvSpPr>
+            <a:spLocks noGrp="1"/>
+          </p:cNvSpPr>
+          <p:nvPr>
+            <p:ph type="body" idx="1"/>
+          </p:nvPr>
+        </p:nvSpPr>
+        <p:spPr/>
+        <p:txBody>
+          <a:bodyPr/>
+          <a:lstStyle/>
+          <a:p>
+            <a:endParaRPr lang="zh-TW" altLang="en-US" dirty="0"/>
+          </a:p>
+        </p:txBody>
+      </p:sp>
+      <p:sp>
+        <p:nvSpPr>
+          <p:cNvPr id="4" name="投影片編號版面配置區 3"/>
+          <p:cNvSpPr>
+            <a:spLocks noGrp="1"/>
+          </p:cNvSpPr>
+          <p:nvPr>
+            <p:ph type="sldNum" sz="quarter" idx="10"/>
+          </p:nvPr>
+        </p:nvSpPr>
+        <p:spPr/>
+        <p:txBody>
+          <a:bodyPr/>
+          <a:lstStyle/>
+          <a:p>
+            <a:fld id="{5FAE23DA-1601-498D-B2E3-972800982184}" type="slidenum">
+              <a:rPr lang="en-US" altLang="zh-TW" smtClean="0"/>
+              <a:pPr/>
+              <a:t>20</a:t>
+            </a:fld>
+            <a:endParaRPr lang="en-US" altLang="zh-TW"/>
+          </a:p>
+        </p:txBody>
+      </p:sp>
+    </p:spTree>
+    <p:extLst>
+      <p:ext uri="{BB962C8B-B14F-4D97-AF65-F5344CB8AC3E}">
         <p14:creationId xmlns:p14="http://schemas.microsoft.com/office/powerpoint/2010/main" val="770017496"/>
       </p:ext>
     </p:extLst>
@@ -1736,7 +1908,7 @@
 </p:notes>
 </file>
 
-<file path=ppt/notesSlides/notesSlide17.xml><?xml version="1.0" encoding="utf-8"?>
+<file path=ppt/notesSlides/notesSlide19.xml><?xml version="1.0" encoding="utf-8"?>
 <p:notes xmlns:a="http://schemas.openxmlformats.org/drawingml/2006/main" xmlns:r="http://schemas.openxmlformats.org/officeDocument/2006/relationships" xmlns:p="http://schemas.openxmlformats.org/presentationml/2006/main">
   <p:cSld>
     <p:spTree>
@@ -1982,7 +2154,7 @@
                   <a:spcPct val="0"/>
                 </a:spcBef>
               </a:pPr>
-              <a:t>19</a:t>
+              <a:t>21</a:t>
             </a:fld>
             <a:endParaRPr lang="en-US" altLang="zh-TW" sz="1300">
               <a:latin typeface="Garamond" panose="02020404030301010803" pitchFamily="18" charset="0"/>
@@ -7166,11 +7338,43 @@
           <a:bodyPr/>
           <a:lstStyle/>
           <a:p>
-            <a:pPr eaLnBrk="1" hangingPunct="1">
+            <a:pPr marL="342900" lvl="1" indent="-342900" eaLnBrk="1" hangingPunct="1">
               <a:buFont typeface="Arial" charset="0"/>
               <a:buChar char="•"/>
               <a:defRPr/>
             </a:pPr>
+            <a:r>
+              <a:rPr lang="en-US" altLang="zh-TW" sz="1800" dirty="0">
+                <a:latin typeface="Times New Roman" panose="02020603050405020304" pitchFamily="18" charset="0"/>
+                <a:cs typeface="Times New Roman" panose="02020603050405020304" pitchFamily="18" charset="0"/>
+              </a:rPr>
+              <a:t>Android 6.0.1 (RJ-45), Android 6.0.1 (OTG</a:t>
+            </a:r>
+            <a:r>
+              <a:rPr lang="en-US" altLang="zh-TW" sz="1800" dirty="0" smtClean="0">
+                <a:latin typeface="Times New Roman" panose="02020603050405020304" pitchFamily="18" charset="0"/>
+                <a:cs typeface="Times New Roman" panose="02020603050405020304" pitchFamily="18" charset="0"/>
+              </a:rPr>
+              <a:t>)</a:t>
+            </a:r>
+            <a:endParaRPr lang="en-US" altLang="zh-TW" sz="1800" dirty="0">
+              <a:latin typeface="Times New Roman" panose="02020603050405020304" pitchFamily="18" charset="0"/>
+              <a:cs typeface="Times New Roman" panose="02020603050405020304" pitchFamily="18" charset="0"/>
+            </a:endParaRPr>
+          </a:p>
+          <a:p>
+            <a:pPr marL="342900" lvl="1" indent="-342900" eaLnBrk="1" hangingPunct="1">
+              <a:buFont typeface="Arial" charset="0"/>
+              <a:buChar char="•"/>
+              <a:defRPr/>
+            </a:pPr>
+            <a:r>
+              <a:rPr lang="en-US" altLang="zh-TW" sz="1800" dirty="0" smtClean="0">
+                <a:latin typeface="Times New Roman" panose="02020603050405020304" pitchFamily="18" charset="0"/>
+                <a:cs typeface="Times New Roman" panose="02020603050405020304" pitchFamily="18" charset="0"/>
+              </a:rPr>
+              <a:t>System Structure</a:t>
+            </a:r>
             <a:endParaRPr lang="en-US" altLang="zh-TW" sz="1800" dirty="0">
               <a:latin typeface="Times New Roman" panose="02020603050405020304" pitchFamily="18" charset="0"/>
               <a:cs typeface="Times New Roman" panose="02020603050405020304" pitchFamily="18" charset="0"/>
@@ -7411,6 +7615,55 @@
           <a:bodyPr/>
           <a:lstStyle/>
           <a:p>
+            <a:pPr marL="342900" lvl="1" indent="-342900" eaLnBrk="1" hangingPunct="1">
+              <a:buFont typeface="Arial" charset="0"/>
+              <a:buChar char="•"/>
+              <a:defRPr/>
+            </a:pPr>
+            <a:r>
+              <a:rPr lang="en-US" altLang="zh-TW" sz="1800" dirty="0">
+                <a:latin typeface="Times New Roman" panose="02020603050405020304" pitchFamily="18" charset="0"/>
+                <a:cs typeface="Times New Roman" panose="02020603050405020304" pitchFamily="18" charset="0"/>
+              </a:rPr>
+              <a:t>Android 8.1.0</a:t>
+            </a:r>
+            <a:r>
+              <a:rPr lang="zh-TW" altLang="en-US" sz="1800" dirty="0">
+                <a:latin typeface="Times New Roman" panose="02020603050405020304" pitchFamily="18" charset="0"/>
+                <a:cs typeface="Times New Roman" panose="02020603050405020304" pitchFamily="18" charset="0"/>
+              </a:rPr>
+              <a:t> </a:t>
+            </a:r>
+            <a:r>
+              <a:rPr lang="en-US" altLang="zh-TW" sz="1800" dirty="0">
+                <a:latin typeface="Times New Roman" panose="02020603050405020304" pitchFamily="18" charset="0"/>
+                <a:cs typeface="Times New Roman" panose="02020603050405020304" pitchFamily="18" charset="0"/>
+              </a:rPr>
+              <a:t>(RJ-45), Android 8.1.0 (OTG)</a:t>
+            </a:r>
+          </a:p>
+          <a:p>
+            <a:pPr marL="342900" lvl="1" indent="-342900" eaLnBrk="1" hangingPunct="1">
+              <a:buFont typeface="Arial" charset="0"/>
+              <a:buChar char="•"/>
+              <a:defRPr/>
+            </a:pPr>
+            <a:r>
+              <a:rPr lang="en-US" altLang="zh-TW" sz="1800" dirty="0" smtClean="0">
+                <a:latin typeface="Times New Roman" panose="02020603050405020304" pitchFamily="18" charset="0"/>
+                <a:cs typeface="Times New Roman" panose="02020603050405020304" pitchFamily="18" charset="0"/>
+              </a:rPr>
+              <a:t>System </a:t>
+            </a:r>
+            <a:r>
+              <a:rPr lang="en-US" altLang="zh-TW" sz="1800" dirty="0">
+                <a:latin typeface="Times New Roman" panose="02020603050405020304" pitchFamily="18" charset="0"/>
+                <a:cs typeface="Times New Roman" panose="02020603050405020304" pitchFamily="18" charset="0"/>
+              </a:rPr>
+              <a:t>Structure</a:t>
+            </a:r>
+          </a:p>
+          <a:p>
             <a:pPr eaLnBrk="1" hangingPunct="1">
               <a:buFont typeface="Arial" charset="0"/>
               <a:buChar char="•"/>
@@ -7454,7 +7707,7 @@
                 <a:latin typeface="Times New Roman" panose="02020603050405020304" pitchFamily="18" charset="0"/>
                 <a:cs typeface="Times New Roman" panose="02020603050405020304" pitchFamily="18" charset="0"/>
               </a:rPr>
-              <a:t>Wi-Fi </a:t>
+              <a:t>Airplane </a:t>
             </a:r>
             <a:r>
               <a:rPr lang="en-US" altLang="zh-TW" sz="2800" kern="0" dirty="0">
@@ -7464,7 +7717,27 @@
                 <a:latin typeface="Times New Roman" panose="02020603050405020304" pitchFamily="18" charset="0"/>
                 <a:cs typeface="Times New Roman" panose="02020603050405020304" pitchFamily="18" charset="0"/>
               </a:rPr>
-              <a:t>frequency switch automatic tool (2.4G, 5G)</a:t>
+              <a:t>on/off mode automatic </a:t>
+            </a:r>
+            <a:r>
+              <a:rPr lang="en-US" altLang="zh-TW" sz="2800" kern="0" dirty="0" smtClean="0">
+                <a:solidFill>
+                  <a:srgbClr val="003366"/>
+                </a:solidFill>
+                <a:latin typeface="Times New Roman" panose="02020603050405020304" pitchFamily="18" charset="0"/>
+                <a:cs typeface="Times New Roman" panose="02020603050405020304" pitchFamily="18" charset="0"/>
+              </a:rPr>
+              <a:t>tool</a:t>
+            </a:r>
+            <a:r>
+              <a:rPr lang="en-US" altLang="zh-TW" sz="2800" kern="0" dirty="0">
+                <a:solidFill>
+                  <a:srgbClr val="003366"/>
+                </a:solidFill>
+                <a:latin typeface="Times New Roman" panose="02020603050405020304" pitchFamily="18" charset="0"/>
+                <a:cs typeface="Times New Roman" panose="02020603050405020304" pitchFamily="18" charset="0"/>
+              </a:rPr>
+              <a:t/>
             </a:r>
             <a:br>
               <a:rPr lang="en-US" altLang="zh-TW" sz="2800" kern="0" dirty="0">
@@ -7488,7 +7761,7 @@
     </p:spTree>
     <p:extLst>
       <p:ext uri="{BB962C8B-B14F-4D97-AF65-F5344CB8AC3E}">
-        <p14:creationId xmlns:p14="http://schemas.microsoft.com/office/powerpoint/2010/main" val="3928810146"/>
+        <p14:creationId xmlns:p14="http://schemas.microsoft.com/office/powerpoint/2010/main" val="3614060286"/>
       </p:ext>
     </p:extLst>
   </p:cSld>
@@ -7636,6 +7909,38 @@
           <a:bodyPr/>
           <a:lstStyle/>
           <a:p>
+            <a:pPr marL="342900" lvl="1" indent="-342900" eaLnBrk="1" hangingPunct="1">
+              <a:buFont typeface="Arial" charset="0"/>
+              <a:buChar char="•"/>
+              <a:defRPr/>
+            </a:pPr>
+            <a:r>
+              <a:rPr lang="en-US" altLang="zh-TW" sz="1800" dirty="0" smtClean="0">
+                <a:latin typeface="Times New Roman" panose="02020603050405020304" pitchFamily="18" charset="0"/>
+                <a:cs typeface="Times New Roman" panose="02020603050405020304" pitchFamily="18" charset="0"/>
+              </a:rPr>
+              <a:t>Windows</a:t>
+            </a:r>
+            <a:endParaRPr lang="en-US" altLang="zh-TW" sz="1800" dirty="0">
+              <a:latin typeface="Times New Roman" panose="02020603050405020304" pitchFamily="18" charset="0"/>
+              <a:cs typeface="Times New Roman" panose="02020603050405020304" pitchFamily="18" charset="0"/>
+            </a:endParaRPr>
+          </a:p>
+          <a:p>
+            <a:pPr marL="342900" lvl="1" indent="-342900" eaLnBrk="1" hangingPunct="1">
+              <a:buFont typeface="Arial" charset="0"/>
+              <a:buChar char="•"/>
+              <a:defRPr/>
+            </a:pPr>
+            <a:r>
+              <a:rPr lang="en-US" altLang="zh-TW" sz="1800" dirty="0">
+                <a:latin typeface="Times New Roman" panose="02020603050405020304" pitchFamily="18" charset="0"/>
+                <a:cs typeface="Times New Roman" panose="02020603050405020304" pitchFamily="18" charset="0"/>
+              </a:rPr>
+              <a:t>System Structure</a:t>
+            </a:r>
+          </a:p>
+          <a:p>
             <a:pPr eaLnBrk="1" hangingPunct="1">
               <a:buFont typeface="Arial" charset="0"/>
               <a:buChar char="•"/>
@@ -7679,7 +7984,7 @@
                 <a:latin typeface="Times New Roman" panose="02020603050405020304" pitchFamily="18" charset="0"/>
                 <a:cs typeface="Times New Roman" panose="02020603050405020304" pitchFamily="18" charset="0"/>
               </a:rPr>
-              <a:t>Resolution </a:t>
+              <a:t>Airplane </a:t>
             </a:r>
             <a:r>
               <a:rPr lang="en-US" altLang="zh-TW" sz="2800" kern="0" dirty="0">
@@ -7689,7 +7994,27 @@
                 <a:latin typeface="Times New Roman" panose="02020603050405020304" pitchFamily="18" charset="0"/>
                 <a:cs typeface="Times New Roman" panose="02020603050405020304" pitchFamily="18" charset="0"/>
               </a:rPr>
-              <a:t>automation</a:t>
+              <a:t>on/off mode automatic </a:t>
+            </a:r>
+            <a:r>
+              <a:rPr lang="en-US" altLang="zh-TW" sz="2800" kern="0" dirty="0" smtClean="0">
+                <a:solidFill>
+                  <a:srgbClr val="003366"/>
+                </a:solidFill>
+                <a:latin typeface="Times New Roman" panose="02020603050405020304" pitchFamily="18" charset="0"/>
+                <a:cs typeface="Times New Roman" panose="02020603050405020304" pitchFamily="18" charset="0"/>
+              </a:rPr>
+              <a:t>tool</a:t>
+            </a:r>
+            <a:r>
+              <a:rPr lang="en-US" altLang="zh-TW" sz="2800" kern="0" dirty="0">
+                <a:solidFill>
+                  <a:srgbClr val="003366"/>
+                </a:solidFill>
+                <a:latin typeface="Times New Roman" panose="02020603050405020304" pitchFamily="18" charset="0"/>
+                <a:cs typeface="Times New Roman" panose="02020603050405020304" pitchFamily="18" charset="0"/>
+              </a:rPr>
+              <a:t/>
             </a:r>
             <a:br>
               <a:rPr lang="en-US" altLang="zh-TW" sz="2800" kern="0" dirty="0">
@@ -7713,7 +8038,7 @@
     </p:spTree>
     <p:extLst>
       <p:ext uri="{BB962C8B-B14F-4D97-AF65-F5344CB8AC3E}">
-        <p14:creationId xmlns:p14="http://schemas.microsoft.com/office/powerpoint/2010/main" val="932677482"/>
+        <p14:creationId xmlns:p14="http://schemas.microsoft.com/office/powerpoint/2010/main" val="3614060286"/>
       </p:ext>
     </p:extLst>
   </p:cSld>
@@ -7861,6 +8186,20 @@
           <a:bodyPr/>
           <a:lstStyle/>
           <a:p>
+            <a:pPr marL="342900" lvl="1" indent="-342900" eaLnBrk="1" hangingPunct="1">
+              <a:buFont typeface="Arial" charset="0"/>
+              <a:buChar char="•"/>
+              <a:defRPr/>
+            </a:pPr>
+            <a:r>
+              <a:rPr lang="en-US" altLang="zh-TW" sz="1800" dirty="0">
+                <a:latin typeface="Times New Roman" panose="02020603050405020304" pitchFamily="18" charset="0"/>
+                <a:cs typeface="Times New Roman" panose="02020603050405020304" pitchFamily="18" charset="0"/>
+              </a:rPr>
+              <a:t>System Structure</a:t>
+            </a:r>
+          </a:p>
+          <a:p>
             <a:pPr eaLnBrk="1" hangingPunct="1">
               <a:buFont typeface="Arial" charset="0"/>
               <a:buChar char="•"/>
@@ -7904,10 +8243,20 @@
                 <a:latin typeface="Times New Roman" panose="02020603050405020304" pitchFamily="18" charset="0"/>
                 <a:cs typeface="Times New Roman" panose="02020603050405020304" pitchFamily="18" charset="0"/>
               </a:rPr>
-              <a:t>Luminance automation</a:t>
+              <a:t>Wi-Fi </a:t>
+            </a:r>
+            <a:r>
+              <a:rPr lang="en-US" altLang="zh-TW" sz="2800" kern="0" dirty="0">
+                <a:solidFill>
+                  <a:srgbClr val="003366"/>
+                </a:solidFill>
+                <a:latin typeface="Times New Roman" panose="02020603050405020304" pitchFamily="18" charset="0"/>
+                <a:cs typeface="Times New Roman" panose="02020603050405020304" pitchFamily="18" charset="0"/>
+              </a:rPr>
+              <a:t>frequency switch automatic tool (2.4G, 5G)</a:t>
             </a:r>
             <a:br>
-              <a:rPr lang="en-US" altLang="zh-TW" sz="2800" kern="0" dirty="0" smtClean="0">
+              <a:rPr lang="en-US" altLang="zh-TW" sz="2800" kern="0" dirty="0">
                 <a:solidFill>
                   <a:srgbClr val="003366"/>
                 </a:solidFill>
@@ -7928,7 +8277,7 @@
     </p:spTree>
     <p:extLst>
       <p:ext uri="{BB962C8B-B14F-4D97-AF65-F5344CB8AC3E}">
-        <p14:creationId xmlns:p14="http://schemas.microsoft.com/office/powerpoint/2010/main" val="932677482"/>
+        <p14:creationId xmlns:p14="http://schemas.microsoft.com/office/powerpoint/2010/main" val="3928810146"/>
       </p:ext>
     </p:extLst>
   </p:cSld>
@@ -8076,6 +8425,20 @@
           <a:bodyPr/>
           <a:lstStyle/>
           <a:p>
+            <a:pPr marL="342900" lvl="1" indent="-342900" eaLnBrk="1" hangingPunct="1">
+              <a:buFont typeface="Arial" charset="0"/>
+              <a:buChar char="•"/>
+              <a:defRPr/>
+            </a:pPr>
+            <a:r>
+              <a:rPr lang="en-US" altLang="zh-TW" sz="1800" dirty="0">
+                <a:latin typeface="Times New Roman" panose="02020603050405020304" pitchFamily="18" charset="0"/>
+                <a:cs typeface="Times New Roman" panose="02020603050405020304" pitchFamily="18" charset="0"/>
+              </a:rPr>
+              <a:t>System Structure</a:t>
+            </a:r>
+          </a:p>
+          <a:p>
             <a:pPr eaLnBrk="1" hangingPunct="1">
               <a:buFont typeface="Arial" charset="0"/>
               <a:buChar char="•"/>
@@ -8119,7 +8482,7 @@
                 <a:latin typeface="Times New Roman" panose="02020603050405020304" pitchFamily="18" charset="0"/>
                 <a:cs typeface="Times New Roman" panose="02020603050405020304" pitchFamily="18" charset="0"/>
               </a:rPr>
-              <a:t>PXE </a:t>
+              <a:t>Resolution </a:t>
             </a:r>
             <a:r>
               <a:rPr lang="en-US" altLang="zh-TW" sz="2800" kern="0" dirty="0">
@@ -8129,20 +8492,10 @@
                 <a:latin typeface="Times New Roman" panose="02020603050405020304" pitchFamily="18" charset="0"/>
                 <a:cs typeface="Times New Roman" panose="02020603050405020304" pitchFamily="18" charset="0"/>
               </a:rPr>
-              <a:t>automatic </a:t>
-            </a:r>
-            <a:r>
-              <a:rPr lang="en-US" altLang="zh-TW" sz="2800" kern="0" dirty="0" smtClean="0">
-                <a:solidFill>
-                  <a:srgbClr val="003366"/>
-                </a:solidFill>
-                <a:latin typeface="Times New Roman" panose="02020603050405020304" pitchFamily="18" charset="0"/>
-                <a:cs typeface="Times New Roman" panose="02020603050405020304" pitchFamily="18" charset="0"/>
-              </a:rPr>
-              <a:t>installation</a:t>
+              <a:t>automation</a:t>
             </a:r>
             <a:br>
-              <a:rPr lang="en-US" altLang="zh-TW" sz="2800" kern="0" dirty="0" smtClean="0">
+              <a:rPr lang="en-US" altLang="zh-TW" sz="2800" kern="0" dirty="0">
                 <a:solidFill>
                   <a:srgbClr val="003366"/>
                 </a:solidFill>
@@ -8311,6 +8664,20 @@
           <a:bodyPr/>
           <a:lstStyle/>
           <a:p>
+            <a:pPr marL="342900" lvl="1" indent="-342900" eaLnBrk="1" hangingPunct="1">
+              <a:buFont typeface="Arial" charset="0"/>
+              <a:buChar char="•"/>
+              <a:defRPr/>
+            </a:pPr>
+            <a:r>
+              <a:rPr lang="en-US" altLang="zh-TW" sz="1800" dirty="0">
+                <a:latin typeface="Times New Roman" panose="02020603050405020304" pitchFamily="18" charset="0"/>
+                <a:cs typeface="Times New Roman" panose="02020603050405020304" pitchFamily="18" charset="0"/>
+              </a:rPr>
+              <a:t>System Structure</a:t>
+            </a:r>
+          </a:p>
+          <a:p>
             <a:pPr eaLnBrk="1" hangingPunct="1">
               <a:buFont typeface="Arial" charset="0"/>
               <a:buChar char="•"/>
@@ -8354,7 +8721,7 @@
                 <a:latin typeface="Times New Roman" panose="02020603050405020304" pitchFamily="18" charset="0"/>
                 <a:cs typeface="Times New Roman" panose="02020603050405020304" pitchFamily="18" charset="0"/>
               </a:rPr>
-              <a:t>Continuous integration</a:t>
+              <a:t>Luminance automation</a:t>
             </a:r>
             <a:br>
               <a:rPr lang="en-US" altLang="zh-TW" sz="2800" kern="0" dirty="0" smtClean="0">
@@ -8526,17 +8893,18 @@
           <a:bodyPr/>
           <a:lstStyle/>
           <a:p>
-            <a:pPr marL="0" indent="0" eaLnBrk="1" hangingPunct="1">
-              <a:buNone/>
+            <a:pPr marL="342900" lvl="1" indent="-342900" eaLnBrk="1" hangingPunct="1">
+              <a:buFont typeface="Arial" charset="0"/>
+              <a:buChar char="•"/>
               <a:defRPr/>
             </a:pPr>
             <a:r>
               <a:rPr lang="en-US" altLang="zh-TW" sz="1800" dirty="0">
-                <a:hlinkClick r:id="rId3" action="ppaction://hlinkfile"/>
+                <a:latin typeface="Times New Roman" panose="02020603050405020304" pitchFamily="18" charset="0"/>
+                <a:cs typeface="Times New Roman" panose="02020603050405020304" pitchFamily="18" charset="0"/>
               </a:rPr>
-              <a:t>\\172.17.9.225\dqa\iService\0G.DQA_Zone\50.Auto Test Tool\automation\suite</a:t>
-            </a:r>
-            <a:endParaRPr lang="en-US" altLang="zh-TW" sz="1800" dirty="0"/>
+              <a:t>System Structure</a:t>
+            </a:r>
           </a:p>
           <a:p>
             <a:pPr eaLnBrk="1" hangingPunct="1">
@@ -8582,27 +8950,7 @@
                 <a:latin typeface="Times New Roman" panose="02020603050405020304" pitchFamily="18" charset="0"/>
                 <a:cs typeface="Times New Roman" panose="02020603050405020304" pitchFamily="18" charset="0"/>
               </a:rPr>
-              <a:t>Automation </a:t>
-            </a:r>
-            <a:r>
-              <a:rPr lang="en-US" altLang="zh-TW" sz="2800" kern="0" dirty="0">
-                <a:solidFill>
-                  <a:srgbClr val="003366"/>
-                </a:solidFill>
-                <a:latin typeface="Times New Roman" panose="02020603050405020304" pitchFamily="18" charset="0"/>
-                <a:cs typeface="Times New Roman" panose="02020603050405020304" pitchFamily="18" charset="0"/>
-              </a:rPr>
-              <a:t>Tools hyperlink</a:t>
-            </a:r>
-            <a:r>
-              <a:rPr lang="en-US" altLang="zh-TW" sz="2800" kern="0" dirty="0" smtClean="0">
-                <a:solidFill>
-                  <a:srgbClr val="003366"/>
-                </a:solidFill>
-                <a:latin typeface="Times New Roman" panose="02020603050405020304" pitchFamily="18" charset="0"/>
-                <a:cs typeface="Times New Roman" panose="02020603050405020304" pitchFamily="18" charset="0"/>
-              </a:rPr>
-              <a:t/>
+              <a:t>PXE automatic installation</a:t>
             </a:r>
             <a:br>
               <a:rPr lang="en-US" altLang="zh-TW" sz="2800" kern="0" dirty="0" smtClean="0">
@@ -8626,7 +8974,7 @@
     </p:spTree>
     <p:extLst>
       <p:ext uri="{BB962C8B-B14F-4D97-AF65-F5344CB8AC3E}">
-        <p14:creationId xmlns:p14="http://schemas.microsoft.com/office/powerpoint/2010/main" val="990844558"/>
+        <p14:creationId xmlns:p14="http://schemas.microsoft.com/office/powerpoint/2010/main" val="932677482"/>
       </p:ext>
     </p:extLst>
   </p:cSld>
@@ -8756,239 +9104,108 @@
       </p:grpSpPr>
       <p:sp>
         <p:nvSpPr>
-          <p:cNvPr id="30722" name="文字方塊 2"/>
-          <p:cNvSpPr txBox="1">
-            <a:spLocks noChangeArrowheads="1"/>
+          <p:cNvPr id="15362" name="內容版面配置區 5"/>
+          <p:cNvSpPr>
+            <a:spLocks noGrp="1"/>
           </p:cNvSpPr>
-          <p:nvPr/>
+          <p:nvPr>
+            <p:ph idx="1"/>
+          </p:nvPr>
         </p:nvSpPr>
-        <p:spPr bwMode="auto">
+        <p:spPr>
           <a:xfrm>
-            <a:off x="358775" y="2205038"/>
-            <a:ext cx="5092700" cy="954087"/>
+            <a:off x="457200" y="936625"/>
+            <a:ext cx="8229600" cy="3575050"/>
           </a:xfrm>
-          <a:prstGeom prst="rect">
-            <a:avLst/>
-          </a:prstGeom>
-          <a:noFill/>
-          <a:ln>
-            <a:noFill/>
-          </a:ln>
-          <a:extLst>
-            <a:ext uri="{909E8E84-426E-40DD-AFC4-6F175D3DCCD1}">
-              <a14:hiddenFill xmlns:a14="http://schemas.microsoft.com/office/drawing/2010/main">
-                <a:solidFill>
-                  <a:srgbClr val="FFFFFF"/>
-                </a:solidFill>
-              </a14:hiddenFill>
-            </a:ext>
-            <a:ext uri="{91240B29-F687-4F45-9708-019B960494DF}">
-              <a14:hiddenLine xmlns:a14="http://schemas.microsoft.com/office/drawing/2010/main" w="9525">
-                <a:solidFill>
-                  <a:srgbClr val="000000"/>
-                </a:solidFill>
-                <a:miter lim="800000"/>
-                <a:headEnd/>
-                <a:tailEnd/>
-              </a14:hiddenLine>
-            </a:ext>
-          </a:extLst>
         </p:spPr>
         <p:txBody>
-          <a:bodyPr>
-            <a:spAutoFit/>
-          </a:bodyPr>
-          <a:lstStyle>
-            <a:lvl1pPr eaLnBrk="0" hangingPunct="0">
-              <a:spcBef>
-                <a:spcPct val="20000"/>
-              </a:spcBef>
-              <a:buFont typeface="Arial" panose="020B0604020202020204" pitchFamily="34" charset="0"/>
+          <a:bodyPr/>
+          <a:lstStyle/>
+          <a:p>
+            <a:pPr marL="342900" lvl="1" indent="-342900" eaLnBrk="1" hangingPunct="1">
+              <a:buFont typeface="Arial" charset="0"/>
               <a:buChar char="•"/>
-              <a:defRPr sz="3200">
-                <a:solidFill>
-                  <a:schemeClr val="tx1"/>
-                </a:solidFill>
-                <a:latin typeface="Calibri" panose="020F0502020204030204" pitchFamily="34" charset="0"/>
-                <a:ea typeface="微軟正黑體" panose="020B0604030504040204" pitchFamily="34" charset="-120"/>
-              </a:defRPr>
-            </a:lvl1pPr>
-            <a:lvl2pPr marL="742950" indent="-285750" eaLnBrk="0" hangingPunct="0">
-              <a:spcBef>
-                <a:spcPct val="20000"/>
-              </a:spcBef>
-              <a:buFont typeface="Arial" panose="020B0604020202020204" pitchFamily="34" charset="0"/>
-              <a:buChar char="–"/>
-              <a:defRPr sz="2800">
-                <a:solidFill>
-                  <a:schemeClr val="tx1"/>
-                </a:solidFill>
-                <a:latin typeface="Calibri" panose="020F0502020204030204" pitchFamily="34" charset="0"/>
-                <a:ea typeface="微軟正黑體" panose="020B0604030504040204" pitchFamily="34" charset="-120"/>
-              </a:defRPr>
-            </a:lvl2pPr>
-            <a:lvl3pPr marL="1143000" indent="-228600" eaLnBrk="0" hangingPunct="0">
-              <a:spcBef>
-                <a:spcPct val="20000"/>
-              </a:spcBef>
-              <a:buFont typeface="Arial" panose="020B0604020202020204" pitchFamily="34" charset="0"/>
-              <a:buChar char="•"/>
-              <a:defRPr sz="2400">
-                <a:solidFill>
-                  <a:schemeClr val="tx1"/>
-                </a:solidFill>
-                <a:latin typeface="Calibri" panose="020F0502020204030204" pitchFamily="34" charset="0"/>
-                <a:ea typeface="微軟正黑體" panose="020B0604030504040204" pitchFamily="34" charset="-120"/>
-              </a:defRPr>
-            </a:lvl3pPr>
-            <a:lvl4pPr marL="1600200" indent="-228600" eaLnBrk="0" hangingPunct="0">
-              <a:spcBef>
-                <a:spcPct val="20000"/>
-              </a:spcBef>
-              <a:buFont typeface="Arial" panose="020B0604020202020204" pitchFamily="34" charset="0"/>
-              <a:buChar char="–"/>
-              <a:defRPr sz="2000">
-                <a:solidFill>
-                  <a:schemeClr val="tx1"/>
-                </a:solidFill>
-                <a:latin typeface="Calibri" panose="020F0502020204030204" pitchFamily="34" charset="0"/>
-                <a:ea typeface="微軟正黑體" panose="020B0604030504040204" pitchFamily="34" charset="-120"/>
-              </a:defRPr>
-            </a:lvl4pPr>
-            <a:lvl5pPr marL="2057400" indent="-228600" eaLnBrk="0" hangingPunct="0">
-              <a:spcBef>
-                <a:spcPct val="20000"/>
-              </a:spcBef>
-              <a:buFont typeface="Arial" panose="020B0604020202020204" pitchFamily="34" charset="0"/>
-              <a:buChar char="»"/>
-              <a:defRPr sz="2000">
-                <a:solidFill>
-                  <a:schemeClr val="tx1"/>
-                </a:solidFill>
-                <a:latin typeface="Calibri" panose="020F0502020204030204" pitchFamily="34" charset="0"/>
-                <a:ea typeface="微軟正黑體" panose="020B0604030504040204" pitchFamily="34" charset="-120"/>
-              </a:defRPr>
-            </a:lvl5pPr>
-            <a:lvl6pPr marL="2514600" indent="-228600" eaLnBrk="0" fontAlgn="base" hangingPunct="0">
-              <a:spcBef>
-                <a:spcPct val="20000"/>
-              </a:spcBef>
-              <a:spcAft>
-                <a:spcPct val="0"/>
-              </a:spcAft>
-              <a:buFont typeface="Arial" panose="020B0604020202020204" pitchFamily="34" charset="0"/>
-              <a:buChar char="»"/>
-              <a:defRPr sz="2000">
-                <a:solidFill>
-                  <a:schemeClr val="tx1"/>
-                </a:solidFill>
-                <a:latin typeface="Calibri" panose="020F0502020204030204" pitchFamily="34" charset="0"/>
-                <a:ea typeface="微軟正黑體" panose="020B0604030504040204" pitchFamily="34" charset="-120"/>
-              </a:defRPr>
-            </a:lvl6pPr>
-            <a:lvl7pPr marL="2971800" indent="-228600" eaLnBrk="0" fontAlgn="base" hangingPunct="0">
-              <a:spcBef>
-                <a:spcPct val="20000"/>
-              </a:spcBef>
-              <a:spcAft>
-                <a:spcPct val="0"/>
-              </a:spcAft>
-              <a:buFont typeface="Arial" panose="020B0604020202020204" pitchFamily="34" charset="0"/>
-              <a:buChar char="»"/>
-              <a:defRPr sz="2000">
-                <a:solidFill>
-                  <a:schemeClr val="tx1"/>
-                </a:solidFill>
-                <a:latin typeface="Calibri" panose="020F0502020204030204" pitchFamily="34" charset="0"/>
-                <a:ea typeface="微軟正黑體" panose="020B0604030504040204" pitchFamily="34" charset="-120"/>
-              </a:defRPr>
-            </a:lvl7pPr>
-            <a:lvl8pPr marL="3429000" indent="-228600" eaLnBrk="0" fontAlgn="base" hangingPunct="0">
-              <a:spcBef>
-                <a:spcPct val="20000"/>
-              </a:spcBef>
-              <a:spcAft>
-                <a:spcPct val="0"/>
-              </a:spcAft>
-              <a:buFont typeface="Arial" panose="020B0604020202020204" pitchFamily="34" charset="0"/>
-              <a:buChar char="»"/>
-              <a:defRPr sz="2000">
-                <a:solidFill>
-                  <a:schemeClr val="tx1"/>
-                </a:solidFill>
-                <a:latin typeface="Calibri" panose="020F0502020204030204" pitchFamily="34" charset="0"/>
-                <a:ea typeface="微軟正黑體" panose="020B0604030504040204" pitchFamily="34" charset="-120"/>
-              </a:defRPr>
-            </a:lvl8pPr>
-            <a:lvl9pPr marL="3886200" indent="-228600" eaLnBrk="0" fontAlgn="base" hangingPunct="0">
-              <a:spcBef>
-                <a:spcPct val="20000"/>
-              </a:spcBef>
-              <a:spcAft>
-                <a:spcPct val="0"/>
-              </a:spcAft>
-              <a:buFont typeface="Arial" panose="020B0604020202020204" pitchFamily="34" charset="0"/>
-              <a:buChar char="»"/>
-              <a:defRPr sz="2000">
-                <a:solidFill>
-                  <a:schemeClr val="tx1"/>
-                </a:solidFill>
-                <a:latin typeface="Calibri" panose="020F0502020204030204" pitchFamily="34" charset="0"/>
-                <a:ea typeface="微軟正黑體" panose="020B0604030504040204" pitchFamily="34" charset="-120"/>
-              </a:defRPr>
-            </a:lvl9pPr>
-          </a:lstStyle>
-          <a:p>
-            <a:pPr eaLnBrk="1" hangingPunct="1">
-              <a:spcBef>
-                <a:spcPct val="0"/>
-              </a:spcBef>
-              <a:buFontTx/>
-              <a:buNone/>
+              <a:defRPr/>
             </a:pPr>
             <a:r>
-              <a:rPr lang="en-US" altLang="zh-TW" sz="2800" b="1" i="1" dirty="0">
-                <a:solidFill>
-                  <a:srgbClr val="FAA40A"/>
-                </a:solidFill>
+              <a:rPr lang="en-US" altLang="zh-TW" sz="1800" dirty="0">
                 <a:latin typeface="Times New Roman" panose="02020603050405020304" pitchFamily="18" charset="0"/>
-                <a:ea typeface="新細明體" panose="02020500000000000000" pitchFamily="18" charset="-120"/>
                 <a:cs typeface="Times New Roman" panose="02020603050405020304" pitchFamily="18" charset="0"/>
               </a:rPr>
-              <a:t>Go Together, </a:t>
+              <a:t>System Structure</a:t>
             </a:r>
           </a:p>
           <a:p>
             <a:pPr eaLnBrk="1" hangingPunct="1">
-              <a:spcBef>
-                <a:spcPct val="0"/>
-              </a:spcBef>
-              <a:buFontTx/>
-              <a:buNone/>
+              <a:buFont typeface="Arial" charset="0"/>
+              <a:buChar char="•"/>
+              <a:defRPr/>
             </a:pPr>
-            <a:r>
-              <a:rPr lang="en-US" altLang="zh-TW" sz="2800" b="1" i="1" dirty="0">
-                <a:solidFill>
-                  <a:srgbClr val="FAA40A"/>
+            <a:endParaRPr lang="en-US" altLang="zh-TW" sz="1800" dirty="0">
+              <a:latin typeface="Times New Roman" panose="02020603050405020304" pitchFamily="18" charset="0"/>
+              <a:cs typeface="Times New Roman" panose="02020603050405020304" pitchFamily="18" charset="0"/>
+            </a:endParaRPr>
+          </a:p>
+        </p:txBody>
+      </p:sp>
+      <p:sp>
+        <p:nvSpPr>
+          <p:cNvPr id="2" name="標題 4"/>
+          <p:cNvSpPr>
+            <a:spLocks noGrp="1"/>
+          </p:cNvSpPr>
+          <p:nvPr>
+            <p:ph type="title"/>
+          </p:nvPr>
+        </p:nvSpPr>
+        <p:spPr>
+          <a:xfrm>
+            <a:off x="457200" y="87313"/>
+            <a:ext cx="8229600" cy="1205265"/>
+          </a:xfrm>
+        </p:spPr>
+        <p:txBody>
+          <a:bodyPr/>
+          <a:lstStyle/>
+          <a:p>
+            <a:pPr eaLnBrk="1" hangingPunct="1">
+              <a:defRPr/>
+            </a:pPr>
+            <a:r>
+              <a:rPr lang="en-US" altLang="zh-TW" sz="2800" kern="0" dirty="0" smtClean="0">
+                <a:solidFill>
+                  <a:srgbClr val="003366"/>
                 </a:solidFill>
                 <a:latin typeface="Times New Roman" panose="02020603050405020304" pitchFamily="18" charset="0"/>
-                <a:ea typeface="新細明體" panose="02020500000000000000" pitchFamily="18" charset="-120"/>
                 <a:cs typeface="Times New Roman" panose="02020603050405020304" pitchFamily="18" charset="0"/>
               </a:rPr>
-              <a:t>          We Go Far and Grow Big</a:t>
-            </a:r>
-            <a:endParaRPr lang="zh-TW" altLang="en-US" sz="2800" b="1" i="1" dirty="0">
+              <a:t>Continuous integration</a:t>
+            </a:r>
+            <a:br>
+              <a:rPr lang="en-US" altLang="zh-TW" sz="2800" kern="0" dirty="0" smtClean="0">
+                <a:solidFill>
+                  <a:srgbClr val="003366"/>
+                </a:solidFill>
+                <a:latin typeface="Times New Roman" panose="02020603050405020304" pitchFamily="18" charset="0"/>
+                <a:cs typeface="Times New Roman" panose="02020603050405020304" pitchFamily="18" charset="0"/>
+              </a:rPr>
+            </a:br>
+            <a:endParaRPr lang="zh-TW" altLang="en-US" sz="2800" kern="0" dirty="0">
               <a:solidFill>
-                <a:srgbClr val="FAA40A"/>
+                <a:srgbClr val="003366"/>
               </a:solidFill>
               <a:latin typeface="Times New Roman" panose="02020603050405020304" pitchFamily="18" charset="0"/>
-              <a:ea typeface="新細明體" panose="02020500000000000000" pitchFamily="18" charset="-120"/>
               <a:cs typeface="Times New Roman" panose="02020603050405020304" pitchFamily="18" charset="0"/>
             </a:endParaRPr>
           </a:p>
         </p:txBody>
       </p:sp>
     </p:spTree>
+    <p:extLst>
+      <p:ext uri="{BB962C8B-B14F-4D97-AF65-F5344CB8AC3E}">
+        <p14:creationId xmlns:p14="http://schemas.microsoft.com/office/powerpoint/2010/main" val="932677482"/>
+      </p:ext>
+    </p:extLst>
   </p:cSld>
   <p:clrMapOvr>
     <a:masterClrMapping/>
@@ -9029,7 +9246,7 @@
                             </p:stCondLst>
                             <p:childTnLst>
                               <p:par>
-                                <p:cTn id="5" presetID="42" presetClass="entr" presetSubtype="0" fill="hold" grpId="0" nodeType="afterEffect">
+                                <p:cTn id="5" presetID="10" presetClass="entr" presetSubtype="0" fill="hold" grpId="0" nodeType="afterEffect">
                                   <p:stCondLst>
                                     <p:cond delay="0"/>
                                   </p:stCondLst>
@@ -9042,7 +9259,7 @@
                                           </p:stCondLst>
                                         </p:cTn>
                                         <p:tgtEl>
-                                          <p:spTgt spid="30722"/>
+                                          <p:spTgt spid="2"/>
                                         </p:tgtEl>
                                         <p:attrNameLst>
                                           <p:attrName>style.visibility</p:attrName>
@@ -9054,58 +9271,12 @@
                                     </p:set>
                                     <p:animEffect transition="in" filter="fade">
                                       <p:cBhvr>
-                                        <p:cTn id="7" dur="1000"/>
+                                        <p:cTn id="7" dur="500"/>
                                         <p:tgtEl>
-                                          <p:spTgt spid="30722"/>
+                                          <p:spTgt spid="2"/>
                                         </p:tgtEl>
                                       </p:cBhvr>
                                     </p:animEffect>
-                                    <p:anim calcmode="lin" valueType="num">
-                                      <p:cBhvr>
-                                        <p:cTn id="8" dur="1000" fill="hold"/>
-                                        <p:tgtEl>
-                                          <p:spTgt spid="30722"/>
-                                        </p:tgtEl>
-                                        <p:attrNameLst>
-                                          <p:attrName>ppt_x</p:attrName>
-                                        </p:attrNameLst>
-                                      </p:cBhvr>
-                                      <p:tavLst>
-                                        <p:tav tm="0">
-                                          <p:val>
-                                            <p:strVal val="#ppt_x"/>
-                                          </p:val>
-                                        </p:tav>
-                                        <p:tav tm="100000">
-                                          <p:val>
-                                            <p:strVal val="#ppt_x"/>
-                                          </p:val>
-                                        </p:tav>
-                                      </p:tavLst>
-                                    </p:anim>
-                                    <p:anim calcmode="lin" valueType="num">
-                                      <p:cBhvr>
-                                        <p:cTn id="9" dur="1000" fill="hold"/>
-                                        <p:tgtEl>
-                                          <p:spTgt spid="30722"/>
-                                        </p:tgtEl>
-                                        <p:attrNameLst>
-                                          <p:attrName>ppt_y</p:attrName>
-                                        </p:attrNameLst>
-                                      </p:cBhvr>
-                                      <p:tavLst>
-                                        <p:tav tm="0">
-                                          <p:val>
-                                            <p:strVal val="#ppt_y+.1"/>
-                                          </p:val>
-                                        </p:tav>
-                                        <p:tav tm="100000">
-                                          <p:val>
-                                            <p:strVal val="#ppt_y"/>
-                                          </p:val>
-                                        </p:tav>
-                                      </p:tavLst>
-                                    </p:anim>
                                   </p:childTnLst>
                                 </p:cTn>
                               </p:par>
@@ -9137,7 +9308,7 @@
       </p:par>
     </p:tnLst>
     <p:bldLst>
-      <p:bldP spid="30722" grpId="0"/>
+      <p:bldP spid="2" grpId="0"/>
     </p:bldLst>
   </p:timing>
 </p:sld>
@@ -9253,10 +9424,10 @@
                 <a:latin typeface="Times New Roman" panose="02020603050405020304" pitchFamily="18" charset="0"/>
                 <a:cs typeface="Times New Roman" panose="02020603050405020304" pitchFamily="18" charset="0"/>
               </a:rPr>
-              <a:t>Introduction</a:t>
-            </a:r>
-            <a:r>
-              <a:rPr lang="zh-TW" altLang="en-US" sz="1800" dirty="0">
+              <a:t>for Introduction</a:t>
+            </a:r>
+            <a:r>
+              <a:rPr lang="zh-TW" altLang="en-US" sz="1800" dirty="0" smtClean="0">
                 <a:latin typeface="Times New Roman" panose="02020603050405020304" pitchFamily="18" charset="0"/>
                 <a:cs typeface="Times New Roman" panose="02020603050405020304" pitchFamily="18" charset="0"/>
               </a:rPr>
@@ -9642,6 +9813,660 @@
     <p:bldLst>
       <p:bldP spid="15362" grpId="0" uiExpand="1" build="p"/>
       <p:bldP spid="2" grpId="0"/>
+    </p:bldLst>
+  </p:timing>
+</p:sld>
+</file>
+
+<file path=ppt/slides/slide20.xml><?xml version="1.0" encoding="utf-8"?>
+<p:sld xmlns:a="http://schemas.openxmlformats.org/drawingml/2006/main" xmlns:r="http://schemas.openxmlformats.org/officeDocument/2006/relationships" xmlns:p="http://schemas.openxmlformats.org/presentationml/2006/main">
+  <p:cSld>
+    <p:spTree>
+      <p:nvGrpSpPr>
+        <p:cNvPr id="1" name=""/>
+        <p:cNvGrpSpPr/>
+        <p:nvPr/>
+      </p:nvGrpSpPr>
+      <p:grpSpPr>
+        <a:xfrm>
+          <a:off x="0" y="0"/>
+          <a:ext cx="0" cy="0"/>
+          <a:chOff x="0" y="0"/>
+          <a:chExt cx="0" cy="0"/>
+        </a:xfrm>
+      </p:grpSpPr>
+      <p:sp>
+        <p:nvSpPr>
+          <p:cNvPr id="15362" name="內容版面配置區 5"/>
+          <p:cNvSpPr>
+            <a:spLocks noGrp="1"/>
+          </p:cNvSpPr>
+          <p:nvPr>
+            <p:ph idx="1"/>
+          </p:nvPr>
+        </p:nvSpPr>
+        <p:spPr>
+          <a:xfrm>
+            <a:off x="457200" y="936625"/>
+            <a:ext cx="8229600" cy="3575050"/>
+          </a:xfrm>
+        </p:spPr>
+        <p:txBody>
+          <a:bodyPr/>
+          <a:lstStyle/>
+          <a:p>
+            <a:pPr marL="0" indent="0" eaLnBrk="1" hangingPunct="1">
+              <a:buNone/>
+              <a:defRPr/>
+            </a:pPr>
+            <a:r>
+              <a:rPr lang="en-US" altLang="zh-TW" sz="1800" dirty="0">
+                <a:hlinkClick r:id="rId3" action="ppaction://hlinkfile"/>
+              </a:rPr>
+              <a:t>\\172.17.9.225\dqa\iService\0G.DQA_Zone\50.Auto Test Tool\automation\suite</a:t>
+            </a:r>
+            <a:endParaRPr lang="en-US" altLang="zh-TW" sz="1800" dirty="0"/>
+          </a:p>
+          <a:p>
+            <a:pPr eaLnBrk="1" hangingPunct="1">
+              <a:buFont typeface="Arial" charset="0"/>
+              <a:buChar char="•"/>
+              <a:defRPr/>
+            </a:pPr>
+            <a:endParaRPr lang="en-US" altLang="zh-TW" sz="1800" dirty="0">
+              <a:latin typeface="Times New Roman" panose="02020603050405020304" pitchFamily="18" charset="0"/>
+              <a:cs typeface="Times New Roman" panose="02020603050405020304" pitchFamily="18" charset="0"/>
+            </a:endParaRPr>
+          </a:p>
+        </p:txBody>
+      </p:sp>
+      <p:sp>
+        <p:nvSpPr>
+          <p:cNvPr id="2" name="標題 4"/>
+          <p:cNvSpPr>
+            <a:spLocks noGrp="1"/>
+          </p:cNvSpPr>
+          <p:nvPr>
+            <p:ph type="title"/>
+          </p:nvPr>
+        </p:nvSpPr>
+        <p:spPr>
+          <a:xfrm>
+            <a:off x="457200" y="87313"/>
+            <a:ext cx="8229600" cy="1205265"/>
+          </a:xfrm>
+        </p:spPr>
+        <p:txBody>
+          <a:bodyPr/>
+          <a:lstStyle/>
+          <a:p>
+            <a:pPr eaLnBrk="1" hangingPunct="1">
+              <a:defRPr/>
+            </a:pPr>
+            <a:r>
+              <a:rPr lang="en-US" altLang="zh-TW" sz="2800" kern="0" dirty="0" smtClean="0">
+                <a:solidFill>
+                  <a:srgbClr val="003366"/>
+                </a:solidFill>
+                <a:latin typeface="Times New Roman" panose="02020603050405020304" pitchFamily="18" charset="0"/>
+                <a:cs typeface="Times New Roman" panose="02020603050405020304" pitchFamily="18" charset="0"/>
+              </a:rPr>
+              <a:t>Automation </a:t>
+            </a:r>
+            <a:r>
+              <a:rPr lang="en-US" altLang="zh-TW" sz="2800" kern="0" dirty="0">
+                <a:solidFill>
+                  <a:srgbClr val="003366"/>
+                </a:solidFill>
+                <a:latin typeface="Times New Roman" panose="02020603050405020304" pitchFamily="18" charset="0"/>
+                <a:cs typeface="Times New Roman" panose="02020603050405020304" pitchFamily="18" charset="0"/>
+              </a:rPr>
+              <a:t>Tools hyperlink</a:t>
+            </a:r>
+            <a:r>
+              <a:rPr lang="en-US" altLang="zh-TW" sz="2800" kern="0" dirty="0" smtClean="0">
+                <a:solidFill>
+                  <a:srgbClr val="003366"/>
+                </a:solidFill>
+                <a:latin typeface="Times New Roman" panose="02020603050405020304" pitchFamily="18" charset="0"/>
+                <a:cs typeface="Times New Roman" panose="02020603050405020304" pitchFamily="18" charset="0"/>
+              </a:rPr>
+              <a:t/>
+            </a:r>
+            <a:br>
+              <a:rPr lang="en-US" altLang="zh-TW" sz="2800" kern="0" dirty="0" smtClean="0">
+                <a:solidFill>
+                  <a:srgbClr val="003366"/>
+                </a:solidFill>
+                <a:latin typeface="Times New Roman" panose="02020603050405020304" pitchFamily="18" charset="0"/>
+                <a:cs typeface="Times New Roman" panose="02020603050405020304" pitchFamily="18" charset="0"/>
+              </a:rPr>
+            </a:br>
+            <a:endParaRPr lang="zh-TW" altLang="en-US" sz="2800" kern="0" dirty="0">
+              <a:solidFill>
+                <a:srgbClr val="003366"/>
+              </a:solidFill>
+              <a:latin typeface="Times New Roman" panose="02020603050405020304" pitchFamily="18" charset="0"/>
+              <a:cs typeface="Times New Roman" panose="02020603050405020304" pitchFamily="18" charset="0"/>
+            </a:endParaRPr>
+          </a:p>
+        </p:txBody>
+      </p:sp>
+    </p:spTree>
+    <p:extLst>
+      <p:ext uri="{BB962C8B-B14F-4D97-AF65-F5344CB8AC3E}">
+        <p14:creationId xmlns:p14="http://schemas.microsoft.com/office/powerpoint/2010/main" val="990844558"/>
+      </p:ext>
+    </p:extLst>
+  </p:cSld>
+  <p:clrMapOvr>
+    <a:masterClrMapping/>
+  </p:clrMapOvr>
+  <mc:AlternateContent xmlns:mc="http://schemas.openxmlformats.org/markup-compatibility/2006" xmlns:p14="http://schemas.microsoft.com/office/powerpoint/2010/main">
+    <mc:Choice Requires="p14">
+      <p:transition spd="med" p14:dur="700" advClick="0">
+        <p:fade/>
+      </p:transition>
+    </mc:Choice>
+    <mc:Fallback xmlns="">
+      <p:transition spd="med" advClick="0">
+        <p:fade/>
+      </p:transition>
+    </mc:Fallback>
+  </mc:AlternateContent>
+  <p:timing>
+    <p:tnLst>
+      <p:par>
+        <p:cTn id="1" dur="indefinite" restart="never" nodeType="tmRoot">
+          <p:childTnLst>
+            <p:seq concurrent="1" nextAc="seek">
+              <p:cTn id="2" dur="indefinite" nodeType="mainSeq">
+                <p:childTnLst>
+                  <p:par>
+                    <p:cTn id="3" fill="hold">
+                      <p:stCondLst>
+                        <p:cond delay="indefinite"/>
+                        <p:cond evt="onBegin" delay="0">
+                          <p:tn val="2"/>
+                        </p:cond>
+                      </p:stCondLst>
+                      <p:childTnLst>
+                        <p:par>
+                          <p:cTn id="4" fill="hold">
+                            <p:stCondLst>
+                              <p:cond delay="0"/>
+                            </p:stCondLst>
+                            <p:childTnLst>
+                              <p:par>
+                                <p:cTn id="5" presetID="10" presetClass="entr" presetSubtype="0" fill="hold" grpId="0" nodeType="afterEffect">
+                                  <p:stCondLst>
+                                    <p:cond delay="0"/>
+                                  </p:stCondLst>
+                                  <p:childTnLst>
+                                    <p:set>
+                                      <p:cBhvr>
+                                        <p:cTn id="6" dur="1" fill="hold">
+                                          <p:stCondLst>
+                                            <p:cond delay="0"/>
+                                          </p:stCondLst>
+                                        </p:cTn>
+                                        <p:tgtEl>
+                                          <p:spTgt spid="2"/>
+                                        </p:tgtEl>
+                                        <p:attrNameLst>
+                                          <p:attrName>style.visibility</p:attrName>
+                                        </p:attrNameLst>
+                                      </p:cBhvr>
+                                      <p:to>
+                                        <p:strVal val="visible"/>
+                                      </p:to>
+                                    </p:set>
+                                    <p:animEffect transition="in" filter="fade">
+                                      <p:cBhvr>
+                                        <p:cTn id="7" dur="500"/>
+                                        <p:tgtEl>
+                                          <p:spTgt spid="2"/>
+                                        </p:tgtEl>
+                                      </p:cBhvr>
+                                    </p:animEffect>
+                                  </p:childTnLst>
+                                </p:cTn>
+                              </p:par>
+                            </p:childTnLst>
+                          </p:cTn>
+                        </p:par>
+                      </p:childTnLst>
+                    </p:cTn>
+                  </p:par>
+                </p:childTnLst>
+              </p:cTn>
+              <p:prevCondLst>
+                <p:cond evt="onPrev" delay="0">
+                  <p:tgtEl>
+                    <p:sldTgt/>
+                  </p:tgtEl>
+                </p:cond>
+              </p:prevCondLst>
+              <p:nextCondLst>
+                <p:cond evt="onNext" delay="0">
+                  <p:tgtEl>
+                    <p:sldTgt/>
+                  </p:tgtEl>
+                </p:cond>
+              </p:nextCondLst>
+            </p:seq>
+          </p:childTnLst>
+        </p:cTn>
+      </p:par>
+    </p:tnLst>
+    <p:bldLst>
+      <p:bldP spid="2" grpId="0"/>
+    </p:bldLst>
+  </p:timing>
+</p:sld>
+</file>
+
+<file path=ppt/slides/slide21.xml><?xml version="1.0" encoding="utf-8"?>
+<p:sld xmlns:a="http://schemas.openxmlformats.org/drawingml/2006/main" xmlns:r="http://schemas.openxmlformats.org/officeDocument/2006/relationships" xmlns:p="http://schemas.openxmlformats.org/presentationml/2006/main">
+  <p:cSld>
+    <p:spTree>
+      <p:nvGrpSpPr>
+        <p:cNvPr id="1" name=""/>
+        <p:cNvGrpSpPr/>
+        <p:nvPr/>
+      </p:nvGrpSpPr>
+      <p:grpSpPr>
+        <a:xfrm>
+          <a:off x="0" y="0"/>
+          <a:ext cx="0" cy="0"/>
+          <a:chOff x="0" y="0"/>
+          <a:chExt cx="0" cy="0"/>
+        </a:xfrm>
+      </p:grpSpPr>
+      <p:sp>
+        <p:nvSpPr>
+          <p:cNvPr id="30722" name="文字方塊 2"/>
+          <p:cNvSpPr txBox="1">
+            <a:spLocks noChangeArrowheads="1"/>
+          </p:cNvSpPr>
+          <p:nvPr/>
+        </p:nvSpPr>
+        <p:spPr bwMode="auto">
+          <a:xfrm>
+            <a:off x="358775" y="2205038"/>
+            <a:ext cx="5092700" cy="954087"/>
+          </a:xfrm>
+          <a:prstGeom prst="rect">
+            <a:avLst/>
+          </a:prstGeom>
+          <a:noFill/>
+          <a:ln>
+            <a:noFill/>
+          </a:ln>
+          <a:extLst>
+            <a:ext uri="{909E8E84-426E-40DD-AFC4-6F175D3DCCD1}">
+              <a14:hiddenFill xmlns:a14="http://schemas.microsoft.com/office/drawing/2010/main">
+                <a:solidFill>
+                  <a:srgbClr val="FFFFFF"/>
+                </a:solidFill>
+              </a14:hiddenFill>
+            </a:ext>
+            <a:ext uri="{91240B29-F687-4F45-9708-019B960494DF}">
+              <a14:hiddenLine xmlns:a14="http://schemas.microsoft.com/office/drawing/2010/main" w="9525">
+                <a:solidFill>
+                  <a:srgbClr val="000000"/>
+                </a:solidFill>
+                <a:miter lim="800000"/>
+                <a:headEnd/>
+                <a:tailEnd/>
+              </a14:hiddenLine>
+            </a:ext>
+          </a:extLst>
+        </p:spPr>
+        <p:txBody>
+          <a:bodyPr>
+            <a:spAutoFit/>
+          </a:bodyPr>
+          <a:lstStyle>
+            <a:lvl1pPr eaLnBrk="0" hangingPunct="0">
+              <a:spcBef>
+                <a:spcPct val="20000"/>
+              </a:spcBef>
+              <a:buFont typeface="Arial" panose="020B0604020202020204" pitchFamily="34" charset="0"/>
+              <a:buChar char="•"/>
+              <a:defRPr sz="3200">
+                <a:solidFill>
+                  <a:schemeClr val="tx1"/>
+                </a:solidFill>
+                <a:latin typeface="Calibri" panose="020F0502020204030204" pitchFamily="34" charset="0"/>
+                <a:ea typeface="微軟正黑體" panose="020B0604030504040204" pitchFamily="34" charset="-120"/>
+              </a:defRPr>
+            </a:lvl1pPr>
+            <a:lvl2pPr marL="742950" indent="-285750" eaLnBrk="0" hangingPunct="0">
+              <a:spcBef>
+                <a:spcPct val="20000"/>
+              </a:spcBef>
+              <a:buFont typeface="Arial" panose="020B0604020202020204" pitchFamily="34" charset="0"/>
+              <a:buChar char="–"/>
+              <a:defRPr sz="2800">
+                <a:solidFill>
+                  <a:schemeClr val="tx1"/>
+                </a:solidFill>
+                <a:latin typeface="Calibri" panose="020F0502020204030204" pitchFamily="34" charset="0"/>
+                <a:ea typeface="微軟正黑體" panose="020B0604030504040204" pitchFamily="34" charset="-120"/>
+              </a:defRPr>
+            </a:lvl2pPr>
+            <a:lvl3pPr marL="1143000" indent="-228600" eaLnBrk="0" hangingPunct="0">
+              <a:spcBef>
+                <a:spcPct val="20000"/>
+              </a:spcBef>
+              <a:buFont typeface="Arial" panose="020B0604020202020204" pitchFamily="34" charset="0"/>
+              <a:buChar char="•"/>
+              <a:defRPr sz="2400">
+                <a:solidFill>
+                  <a:schemeClr val="tx1"/>
+                </a:solidFill>
+                <a:latin typeface="Calibri" panose="020F0502020204030204" pitchFamily="34" charset="0"/>
+                <a:ea typeface="微軟正黑體" panose="020B0604030504040204" pitchFamily="34" charset="-120"/>
+              </a:defRPr>
+            </a:lvl3pPr>
+            <a:lvl4pPr marL="1600200" indent="-228600" eaLnBrk="0" hangingPunct="0">
+              <a:spcBef>
+                <a:spcPct val="20000"/>
+              </a:spcBef>
+              <a:buFont typeface="Arial" panose="020B0604020202020204" pitchFamily="34" charset="0"/>
+              <a:buChar char="–"/>
+              <a:defRPr sz="2000">
+                <a:solidFill>
+                  <a:schemeClr val="tx1"/>
+                </a:solidFill>
+                <a:latin typeface="Calibri" panose="020F0502020204030204" pitchFamily="34" charset="0"/>
+                <a:ea typeface="微軟正黑體" panose="020B0604030504040204" pitchFamily="34" charset="-120"/>
+              </a:defRPr>
+            </a:lvl4pPr>
+            <a:lvl5pPr marL="2057400" indent="-228600" eaLnBrk="0" hangingPunct="0">
+              <a:spcBef>
+                <a:spcPct val="20000"/>
+              </a:spcBef>
+              <a:buFont typeface="Arial" panose="020B0604020202020204" pitchFamily="34" charset="0"/>
+              <a:buChar char="»"/>
+              <a:defRPr sz="2000">
+                <a:solidFill>
+                  <a:schemeClr val="tx1"/>
+                </a:solidFill>
+                <a:latin typeface="Calibri" panose="020F0502020204030204" pitchFamily="34" charset="0"/>
+                <a:ea typeface="微軟正黑體" panose="020B0604030504040204" pitchFamily="34" charset="-120"/>
+              </a:defRPr>
+            </a:lvl5pPr>
+            <a:lvl6pPr marL="2514600" indent="-228600" eaLnBrk="0" fontAlgn="base" hangingPunct="0">
+              <a:spcBef>
+                <a:spcPct val="20000"/>
+              </a:spcBef>
+              <a:spcAft>
+                <a:spcPct val="0"/>
+              </a:spcAft>
+              <a:buFont typeface="Arial" panose="020B0604020202020204" pitchFamily="34" charset="0"/>
+              <a:buChar char="»"/>
+              <a:defRPr sz="2000">
+                <a:solidFill>
+                  <a:schemeClr val="tx1"/>
+                </a:solidFill>
+                <a:latin typeface="Calibri" panose="020F0502020204030204" pitchFamily="34" charset="0"/>
+                <a:ea typeface="微軟正黑體" panose="020B0604030504040204" pitchFamily="34" charset="-120"/>
+              </a:defRPr>
+            </a:lvl6pPr>
+            <a:lvl7pPr marL="2971800" indent="-228600" eaLnBrk="0" fontAlgn="base" hangingPunct="0">
+              <a:spcBef>
+                <a:spcPct val="20000"/>
+              </a:spcBef>
+              <a:spcAft>
+                <a:spcPct val="0"/>
+              </a:spcAft>
+              <a:buFont typeface="Arial" panose="020B0604020202020204" pitchFamily="34" charset="0"/>
+              <a:buChar char="»"/>
+              <a:defRPr sz="2000">
+                <a:solidFill>
+                  <a:schemeClr val="tx1"/>
+                </a:solidFill>
+                <a:latin typeface="Calibri" panose="020F0502020204030204" pitchFamily="34" charset="0"/>
+                <a:ea typeface="微軟正黑體" panose="020B0604030504040204" pitchFamily="34" charset="-120"/>
+              </a:defRPr>
+            </a:lvl7pPr>
+            <a:lvl8pPr marL="3429000" indent="-228600" eaLnBrk="0" fontAlgn="base" hangingPunct="0">
+              <a:spcBef>
+                <a:spcPct val="20000"/>
+              </a:spcBef>
+              <a:spcAft>
+                <a:spcPct val="0"/>
+              </a:spcAft>
+              <a:buFont typeface="Arial" panose="020B0604020202020204" pitchFamily="34" charset="0"/>
+              <a:buChar char="»"/>
+              <a:defRPr sz="2000">
+                <a:solidFill>
+                  <a:schemeClr val="tx1"/>
+                </a:solidFill>
+                <a:latin typeface="Calibri" panose="020F0502020204030204" pitchFamily="34" charset="0"/>
+                <a:ea typeface="微軟正黑體" panose="020B0604030504040204" pitchFamily="34" charset="-120"/>
+              </a:defRPr>
+            </a:lvl8pPr>
+            <a:lvl9pPr marL="3886200" indent="-228600" eaLnBrk="0" fontAlgn="base" hangingPunct="0">
+              <a:spcBef>
+                <a:spcPct val="20000"/>
+              </a:spcBef>
+              <a:spcAft>
+                <a:spcPct val="0"/>
+              </a:spcAft>
+              <a:buFont typeface="Arial" panose="020B0604020202020204" pitchFamily="34" charset="0"/>
+              <a:buChar char="»"/>
+              <a:defRPr sz="2000">
+                <a:solidFill>
+                  <a:schemeClr val="tx1"/>
+                </a:solidFill>
+                <a:latin typeface="Calibri" panose="020F0502020204030204" pitchFamily="34" charset="0"/>
+                <a:ea typeface="微軟正黑體" panose="020B0604030504040204" pitchFamily="34" charset="-120"/>
+              </a:defRPr>
+            </a:lvl9pPr>
+          </a:lstStyle>
+          <a:p>
+            <a:pPr eaLnBrk="1" hangingPunct="1">
+              <a:spcBef>
+                <a:spcPct val="0"/>
+              </a:spcBef>
+              <a:buFontTx/>
+              <a:buNone/>
+            </a:pPr>
+            <a:r>
+              <a:rPr lang="en-US" altLang="zh-TW" sz="2800" b="1" i="1" dirty="0">
+                <a:solidFill>
+                  <a:srgbClr val="FAA40A"/>
+                </a:solidFill>
+                <a:latin typeface="Times New Roman" panose="02020603050405020304" pitchFamily="18" charset="0"/>
+                <a:ea typeface="新細明體" panose="02020500000000000000" pitchFamily="18" charset="-120"/>
+                <a:cs typeface="Times New Roman" panose="02020603050405020304" pitchFamily="18" charset="0"/>
+              </a:rPr>
+              <a:t>Go Together, </a:t>
+            </a:r>
+          </a:p>
+          <a:p>
+            <a:pPr eaLnBrk="1" hangingPunct="1">
+              <a:spcBef>
+                <a:spcPct val="0"/>
+              </a:spcBef>
+              <a:buFontTx/>
+              <a:buNone/>
+            </a:pPr>
+            <a:r>
+              <a:rPr lang="en-US" altLang="zh-TW" sz="2800" b="1" i="1" dirty="0">
+                <a:solidFill>
+                  <a:srgbClr val="FAA40A"/>
+                </a:solidFill>
+                <a:latin typeface="Times New Roman" panose="02020603050405020304" pitchFamily="18" charset="0"/>
+                <a:ea typeface="新細明體" panose="02020500000000000000" pitchFamily="18" charset="-120"/>
+                <a:cs typeface="Times New Roman" panose="02020603050405020304" pitchFamily="18" charset="0"/>
+              </a:rPr>
+              <a:t>          We Go Far and Grow Big</a:t>
+            </a:r>
+            <a:endParaRPr lang="zh-TW" altLang="en-US" sz="2800" b="1" i="1" dirty="0">
+              <a:solidFill>
+                <a:srgbClr val="FAA40A"/>
+              </a:solidFill>
+              <a:latin typeface="Times New Roman" panose="02020603050405020304" pitchFamily="18" charset="0"/>
+              <a:ea typeface="新細明體" panose="02020500000000000000" pitchFamily="18" charset="-120"/>
+              <a:cs typeface="Times New Roman" panose="02020603050405020304" pitchFamily="18" charset="0"/>
+            </a:endParaRPr>
+          </a:p>
+        </p:txBody>
+      </p:sp>
+    </p:spTree>
+  </p:cSld>
+  <p:clrMapOvr>
+    <a:masterClrMapping/>
+  </p:clrMapOvr>
+  <mc:AlternateContent xmlns:mc="http://schemas.openxmlformats.org/markup-compatibility/2006" xmlns:p14="http://schemas.microsoft.com/office/powerpoint/2010/main">
+    <mc:Choice Requires="p14">
+      <p:transition spd="med" p14:dur="700" advClick="0">
+        <p:fade/>
+      </p:transition>
+    </mc:Choice>
+    <mc:Fallback xmlns="">
+      <p:transition spd="med" advClick="0">
+        <p:fade/>
+      </p:transition>
+    </mc:Fallback>
+  </mc:AlternateContent>
+  <p:timing>
+    <p:tnLst>
+      <p:par>
+        <p:cTn id="1" dur="indefinite" restart="never" nodeType="tmRoot">
+          <p:childTnLst>
+            <p:seq concurrent="1" nextAc="seek">
+              <p:cTn id="2" dur="indefinite" nodeType="mainSeq">
+                <p:childTnLst>
+                  <p:par>
+                    <p:cTn id="3" fill="hold">
+                      <p:stCondLst>
+                        <p:cond delay="indefinite"/>
+                        <p:cond evt="onBegin" delay="0">
+                          <p:tn val="2"/>
+                        </p:cond>
+                      </p:stCondLst>
+                      <p:childTnLst>
+                        <p:par>
+                          <p:cTn id="4" fill="hold">
+                            <p:stCondLst>
+                              <p:cond delay="0"/>
+                            </p:stCondLst>
+                            <p:childTnLst>
+                              <p:par>
+                                <p:cTn id="5" presetID="42" presetClass="entr" presetSubtype="0" fill="hold" grpId="0" nodeType="afterEffect">
+                                  <p:stCondLst>
+                                    <p:cond delay="0"/>
+                                  </p:stCondLst>
+                                  <p:childTnLst>
+                                    <p:set>
+                                      <p:cBhvr>
+                                        <p:cTn id="6" dur="1" fill="hold">
+                                          <p:stCondLst>
+                                            <p:cond delay="0"/>
+                                          </p:stCondLst>
+                                        </p:cTn>
+                                        <p:tgtEl>
+                                          <p:spTgt spid="30722"/>
+                                        </p:tgtEl>
+                                        <p:attrNameLst>
+                                          <p:attrName>style.visibility</p:attrName>
+                                        </p:attrNameLst>
+                                      </p:cBhvr>
+                                      <p:to>
+                                        <p:strVal val="visible"/>
+                                      </p:to>
+                                    </p:set>
+                                    <p:animEffect transition="in" filter="fade">
+                                      <p:cBhvr>
+                                        <p:cTn id="7" dur="1000"/>
+                                        <p:tgtEl>
+                                          <p:spTgt spid="30722"/>
+                                        </p:tgtEl>
+                                      </p:cBhvr>
+                                    </p:animEffect>
+                                    <p:anim calcmode="lin" valueType="num">
+                                      <p:cBhvr>
+                                        <p:cTn id="8" dur="1000" fill="hold"/>
+                                        <p:tgtEl>
+                                          <p:spTgt spid="30722"/>
+                                        </p:tgtEl>
+                                        <p:attrNameLst>
+                                          <p:attrName>ppt_x</p:attrName>
+                                        </p:attrNameLst>
+                                      </p:cBhvr>
+                                      <p:tavLst>
+                                        <p:tav tm="0">
+                                          <p:val>
+                                            <p:strVal val="#ppt_x"/>
+                                          </p:val>
+                                        </p:tav>
+                                        <p:tav tm="100000">
+                                          <p:val>
+                                            <p:strVal val="#ppt_x"/>
+                                          </p:val>
+                                        </p:tav>
+                                      </p:tavLst>
+                                    </p:anim>
+                                    <p:anim calcmode="lin" valueType="num">
+                                      <p:cBhvr>
+                                        <p:cTn id="9" dur="1000" fill="hold"/>
+                                        <p:tgtEl>
+                                          <p:spTgt spid="30722"/>
+                                        </p:tgtEl>
+                                        <p:attrNameLst>
+                                          <p:attrName>ppt_y</p:attrName>
+                                        </p:attrNameLst>
+                                      </p:cBhvr>
+                                      <p:tavLst>
+                                        <p:tav tm="0">
+                                          <p:val>
+                                            <p:strVal val="#ppt_y+.1"/>
+                                          </p:val>
+                                        </p:tav>
+                                        <p:tav tm="100000">
+                                          <p:val>
+                                            <p:strVal val="#ppt_y"/>
+                                          </p:val>
+                                        </p:tav>
+                                      </p:tavLst>
+                                    </p:anim>
+                                  </p:childTnLst>
+                                </p:cTn>
+                              </p:par>
+                            </p:childTnLst>
+                          </p:cTn>
+                        </p:par>
+                      </p:childTnLst>
+                    </p:cTn>
+                  </p:par>
+                </p:childTnLst>
+              </p:cTn>
+              <p:prevCondLst>
+                <p:cond evt="onPrev" delay="0">
+                  <p:tgtEl>
+                    <p:sldTgt/>
+                  </p:tgtEl>
+                </p:cond>
+              </p:prevCondLst>
+              <p:nextCondLst>
+                <p:cond evt="onNext" delay="0">
+                  <p:tgtEl>
+                    <p:sldTgt/>
+                  </p:tgtEl>
+                </p:cond>
+              </p:nextCondLst>
+            </p:seq>
+          </p:childTnLst>
+        </p:cTn>
+      </p:par>
+    </p:tnLst>
+    <p:bldLst>
+      <p:bldP spid="30722" grpId="0"/>
     </p:bldLst>
   </p:timing>
 </p:sld>
@@ -13148,7 +13973,7 @@
                 <a:latin typeface="Times New Roman" panose="02020603050405020304" pitchFamily="18" charset="0"/>
                 <a:cs typeface="Times New Roman" panose="02020603050405020304" pitchFamily="18" charset="0"/>
               </a:rPr>
-              <a:t>Introduction &amp; Demo</a:t>
+              <a:t>for Introduction &amp; Demo</a:t>
             </a:r>
             <a:br>
               <a:rPr lang="en-US" altLang="zh-TW" sz="2800" kern="0" dirty="0" smtClean="0">

--- a/kpi/Test Automation_Demo.pptx
+++ b/kpi/Test Automation_Demo.pptx
@@ -162,7 +162,7 @@
   </p:defaultTextStyle>
   <p:extLst>
     <p:ext uri="{EFAFB233-063F-42B5-8137-9DF3F51BA10A}">
-      <p15:sldGuideLst xmlns:p15="http://schemas.microsoft.com/office/powerpoint/2012/main" xmlns="">
+      <p15:sldGuideLst xmlns="" xmlns:p15="http://schemas.microsoft.com/office/powerpoint/2012/main">
         <p15:guide id="1" orient="horz" pos="1620">
           <p15:clr>
             <a:srgbClr val="A4A3A4"/>
@@ -176,7 +176,7 @@
       </p15:sldGuideLst>
     </p:ext>
     <p:ext uri="{2D200454-40CA-4A62-9FC3-DE9A4176ACB9}">
-      <p15:notesGuideLst xmlns:p15="http://schemas.microsoft.com/office/powerpoint/2012/main" xmlns="">
+      <p15:notesGuideLst xmlns="" xmlns:p15="http://schemas.microsoft.com/office/powerpoint/2012/main">
         <p15:guide id="1" orient="horz" pos="3223">
           <p15:clr>
             <a:srgbClr val="A4A3A4"/>

--- a/kpi/Test Automation_Demo.pptx
+++ b/kpi/Test Automation_Demo.pptx
@@ -162,7 +162,7 @@
   </p:defaultTextStyle>
   <p:extLst>
     <p:ext uri="{EFAFB233-063F-42B5-8137-9DF3F51BA10A}">
-      <p15:sldGuideLst xmlns="" xmlns:p15="http://schemas.microsoft.com/office/powerpoint/2012/main">
+      <p15:sldGuideLst xmlns:p15="http://schemas.microsoft.com/office/powerpoint/2012/main" xmlns="">
         <p15:guide id="1" orient="horz" pos="1620">
           <p15:clr>
             <a:srgbClr val="A4A3A4"/>
@@ -176,7 +176,7 @@
       </p15:sldGuideLst>
     </p:ext>
     <p:ext uri="{2D200454-40CA-4A62-9FC3-DE9A4176ACB9}">
-      <p15:notesGuideLst xmlns="" xmlns:p15="http://schemas.microsoft.com/office/powerpoint/2012/main">
+      <p15:notesGuideLst xmlns:p15="http://schemas.microsoft.com/office/powerpoint/2012/main" xmlns="">
         <p15:guide id="1" orient="horz" pos="3223">
           <p15:clr>
             <a:srgbClr val="A4A3A4"/>

--- a/kpi/Test Automation_Demo.pptx
+++ b/kpi/Test Automation_Demo.pptx
@@ -5,10 +5,10 @@
     <p:sldMasterId id="2147484176" r:id="rId1"/>
   </p:sldMasterIdLst>
   <p:notesMasterIdLst>
-    <p:notesMasterId r:id="rId23"/>
+    <p:notesMasterId r:id="rId24"/>
   </p:notesMasterIdLst>
   <p:handoutMasterIdLst>
-    <p:handoutMasterId r:id="rId24"/>
+    <p:handoutMasterId r:id="rId25"/>
   </p:handoutMasterIdLst>
   <p:sldIdLst>
     <p:sldId id="524" r:id="rId2"/>
@@ -29,9 +29,10 @@
     <p:sldId id="555" r:id="rId17"/>
     <p:sldId id="556" r:id="rId18"/>
     <p:sldId id="557" r:id="rId19"/>
-    <p:sldId id="559" r:id="rId20"/>
-    <p:sldId id="551" r:id="rId21"/>
-    <p:sldId id="523" r:id="rId22"/>
+    <p:sldId id="565" r:id="rId20"/>
+    <p:sldId id="559" r:id="rId21"/>
+    <p:sldId id="551" r:id="rId22"/>
+    <p:sldId id="523" r:id="rId23"/>
   </p:sldIdLst>
   <p:sldSz cx="9144000" cy="5143500" type="screen16x9"/>
   <p:notesSz cx="7099300" cy="10234613"/>
@@ -162,7 +163,7 @@
   </p:defaultTextStyle>
   <p:extLst>
     <p:ext uri="{EFAFB233-063F-42B5-8137-9DF3F51BA10A}">
-      <p15:sldGuideLst xmlns:p15="http://schemas.microsoft.com/office/powerpoint/2012/main" xmlns="">
+      <p15:sldGuideLst xmlns="" xmlns:p15="http://schemas.microsoft.com/office/powerpoint/2012/main">
         <p15:guide id="1" orient="horz" pos="1620">
           <p15:clr>
             <a:srgbClr val="A4A3A4"/>
@@ -176,7 +177,7 @@
       </p15:sldGuideLst>
     </p:ext>
     <p:ext uri="{2D200454-40CA-4A62-9FC3-DE9A4176ACB9}">
-      <p15:notesGuideLst xmlns:p15="http://schemas.microsoft.com/office/powerpoint/2012/main" xmlns="">
+      <p15:notesGuideLst xmlns="" xmlns:p15="http://schemas.microsoft.com/office/powerpoint/2012/main">
         <p15:guide id="1" orient="horz" pos="3223">
           <p15:clr>
             <a:srgbClr val="A4A3A4"/>
@@ -1898,7 +1899,7 @@
     </p:spTree>
     <p:extLst>
       <p:ext uri="{BB962C8B-B14F-4D97-AF65-F5344CB8AC3E}">
-        <p14:creationId xmlns:p14="http://schemas.microsoft.com/office/powerpoint/2010/main" val="770017496"/>
+        <p14:creationId xmlns:p14="http://schemas.microsoft.com/office/powerpoint/2010/main" val="1957161656"/>
       </p:ext>
     </p:extLst>
   </p:cSld>
@@ -1927,21 +1928,19 @@
       </p:grpSpPr>
       <p:sp>
         <p:nvSpPr>
-          <p:cNvPr id="45058" name="投影片圖像版面配置區 1"/>
+          <p:cNvPr id="2" name="投影片圖像版面配置區 1"/>
           <p:cNvSpPr>
-            <a:spLocks noGrp="1" noRot="1" noChangeAspect="1" noTextEdit="1"/>
+            <a:spLocks noGrp="1" noRot="1" noChangeAspect="1"/>
           </p:cNvSpPr>
           <p:nvPr>
             <p:ph type="sldImg"/>
           </p:nvPr>
         </p:nvSpPr>
-        <p:spPr>
-          <a:ln/>
-        </p:spPr>
+        <p:spPr/>
       </p:sp>
       <p:sp>
         <p:nvSpPr>
-          <p:cNvPr id="45059" name="備忘稿版面配置區 2"/>
+          <p:cNvPr id="3" name="備忘稿版面配置區 2"/>
           <p:cNvSpPr>
             <a:spLocks noGrp="1"/>
           </p:cNvSpPr>
@@ -1949,220 +1948,45 @@
             <p:ph type="body" idx="1"/>
           </p:nvPr>
         </p:nvSpPr>
-        <p:spPr>
-          <a:noFill/>
-          <a:ln/>
-          <a:extLst>
-            <a:ext uri="{909E8E84-426E-40DD-AFC4-6F175D3DCCD1}">
-              <a14:hiddenFill xmlns:a14="http://schemas.microsoft.com/office/drawing/2010/main">
-                <a:solidFill>
-                  <a:srgbClr val="FFFFFF"/>
-                </a:solidFill>
-              </a14:hiddenFill>
-            </a:ext>
-            <a:ext uri="{91240B29-F687-4F45-9708-019B960494DF}">
-              <a14:hiddenLine xmlns:a14="http://schemas.microsoft.com/office/drawing/2010/main" w="9525">
-                <a:solidFill>
-                  <a:srgbClr val="000000"/>
-                </a:solidFill>
-                <a:miter lim="800000"/>
-                <a:headEnd/>
-                <a:tailEnd/>
-              </a14:hiddenLine>
-            </a:ext>
-          </a:extLst>
-        </p:spPr>
+        <p:spPr/>
         <p:txBody>
           <a:bodyPr/>
           <a:lstStyle/>
           <a:p>
-            <a:endParaRPr lang="zh-TW" altLang="en-US" dirty="0" smtClean="0">
-              <a:latin typeface="Arial" panose="020B0604020202020204" pitchFamily="34" charset="0"/>
-            </a:endParaRPr>
+            <a:endParaRPr lang="zh-TW" altLang="en-US" dirty="0"/>
           </a:p>
         </p:txBody>
       </p:sp>
       <p:sp>
         <p:nvSpPr>
-          <p:cNvPr id="45060" name="投影片編號版面配置區 3"/>
+          <p:cNvPr id="4" name="投影片編號版面配置區 3"/>
           <p:cNvSpPr>
             <a:spLocks noGrp="1"/>
           </p:cNvSpPr>
           <p:nvPr>
-            <p:ph type="sldNum" sz="quarter" idx="5"/>
+            <p:ph type="sldNum" sz="quarter" idx="10"/>
           </p:nvPr>
         </p:nvSpPr>
-        <p:spPr>
-          <a:noFill/>
-          <a:ln/>
-          <a:extLst>
-            <a:ext uri="{909E8E84-426E-40DD-AFC4-6F175D3DCCD1}">
-              <a14:hiddenFill xmlns:a14="http://schemas.microsoft.com/office/drawing/2010/main">
-                <a:solidFill>
-                  <a:srgbClr val="FFFFFF"/>
-                </a:solidFill>
-              </a14:hiddenFill>
-            </a:ext>
-            <a:ext uri="{91240B29-F687-4F45-9708-019B960494DF}">
-              <a14:hiddenLine xmlns:a14="http://schemas.microsoft.com/office/drawing/2010/main" w="9525">
-                <a:solidFill>
-                  <a:srgbClr val="000000"/>
-                </a:solidFill>
-                <a:miter lim="800000"/>
-                <a:headEnd/>
-                <a:tailEnd/>
-              </a14:hiddenLine>
-            </a:ext>
-          </a:extLst>
-        </p:spPr>
+        <p:spPr/>
         <p:txBody>
           <a:bodyPr/>
-          <a:lstStyle>
-            <a:lvl1pPr defTabSz="990600" eaLnBrk="0" hangingPunct="0">
-              <a:spcBef>
-                <a:spcPct val="30000"/>
-              </a:spcBef>
-              <a:defRPr kumimoji="1" sz="1200">
-                <a:solidFill>
-                  <a:schemeClr val="tx1"/>
-                </a:solidFill>
-                <a:latin typeface="Arial" panose="020B0604020202020204" pitchFamily="34" charset="0"/>
-                <a:ea typeface="新細明體" panose="02020500000000000000" pitchFamily="18" charset="-120"/>
-              </a:defRPr>
-            </a:lvl1pPr>
-            <a:lvl2pPr marL="742950" indent="-285750" defTabSz="990600" eaLnBrk="0" hangingPunct="0">
-              <a:spcBef>
-                <a:spcPct val="30000"/>
-              </a:spcBef>
-              <a:defRPr kumimoji="1" sz="1200">
-                <a:solidFill>
-                  <a:schemeClr val="tx1"/>
-                </a:solidFill>
-                <a:latin typeface="Arial" panose="020B0604020202020204" pitchFamily="34" charset="0"/>
-                <a:ea typeface="新細明體" panose="02020500000000000000" pitchFamily="18" charset="-120"/>
-              </a:defRPr>
-            </a:lvl2pPr>
-            <a:lvl3pPr marL="1143000" indent="-228600" defTabSz="990600" eaLnBrk="0" hangingPunct="0">
-              <a:spcBef>
-                <a:spcPct val="30000"/>
-              </a:spcBef>
-              <a:defRPr kumimoji="1" sz="1200">
-                <a:solidFill>
-                  <a:schemeClr val="tx1"/>
-                </a:solidFill>
-                <a:latin typeface="Arial" panose="020B0604020202020204" pitchFamily="34" charset="0"/>
-                <a:ea typeface="新細明體" panose="02020500000000000000" pitchFamily="18" charset="-120"/>
-              </a:defRPr>
-            </a:lvl3pPr>
-            <a:lvl4pPr marL="1600200" indent="-228600" defTabSz="990600" eaLnBrk="0" hangingPunct="0">
-              <a:spcBef>
-                <a:spcPct val="30000"/>
-              </a:spcBef>
-              <a:defRPr kumimoji="1" sz="1200">
-                <a:solidFill>
-                  <a:schemeClr val="tx1"/>
-                </a:solidFill>
-                <a:latin typeface="Arial" panose="020B0604020202020204" pitchFamily="34" charset="0"/>
-                <a:ea typeface="新細明體" panose="02020500000000000000" pitchFamily="18" charset="-120"/>
-              </a:defRPr>
-            </a:lvl4pPr>
-            <a:lvl5pPr marL="2057400" indent="-228600" defTabSz="990600" eaLnBrk="0" hangingPunct="0">
-              <a:spcBef>
-                <a:spcPct val="30000"/>
-              </a:spcBef>
-              <a:defRPr kumimoji="1" sz="1200">
-                <a:solidFill>
-                  <a:schemeClr val="tx1"/>
-                </a:solidFill>
-                <a:latin typeface="Arial" panose="020B0604020202020204" pitchFamily="34" charset="0"/>
-                <a:ea typeface="新細明體" panose="02020500000000000000" pitchFamily="18" charset="-120"/>
-              </a:defRPr>
-            </a:lvl5pPr>
-            <a:lvl6pPr marL="2514600" indent="-228600" defTabSz="990600" eaLnBrk="0" fontAlgn="base" hangingPunct="0">
-              <a:spcBef>
-                <a:spcPct val="30000"/>
-              </a:spcBef>
-              <a:spcAft>
-                <a:spcPct val="0"/>
-              </a:spcAft>
-              <a:defRPr kumimoji="1" sz="1200">
-                <a:solidFill>
-                  <a:schemeClr val="tx1"/>
-                </a:solidFill>
-                <a:latin typeface="Arial" panose="020B0604020202020204" pitchFamily="34" charset="0"/>
-                <a:ea typeface="新細明體" panose="02020500000000000000" pitchFamily="18" charset="-120"/>
-              </a:defRPr>
-            </a:lvl6pPr>
-            <a:lvl7pPr marL="2971800" indent="-228600" defTabSz="990600" eaLnBrk="0" fontAlgn="base" hangingPunct="0">
-              <a:spcBef>
-                <a:spcPct val="30000"/>
-              </a:spcBef>
-              <a:spcAft>
-                <a:spcPct val="0"/>
-              </a:spcAft>
-              <a:defRPr kumimoji="1" sz="1200">
-                <a:solidFill>
-                  <a:schemeClr val="tx1"/>
-                </a:solidFill>
-                <a:latin typeface="Arial" panose="020B0604020202020204" pitchFamily="34" charset="0"/>
-                <a:ea typeface="新細明體" panose="02020500000000000000" pitchFamily="18" charset="-120"/>
-              </a:defRPr>
-            </a:lvl7pPr>
-            <a:lvl8pPr marL="3429000" indent="-228600" defTabSz="990600" eaLnBrk="0" fontAlgn="base" hangingPunct="0">
-              <a:spcBef>
-                <a:spcPct val="30000"/>
-              </a:spcBef>
-              <a:spcAft>
-                <a:spcPct val="0"/>
-              </a:spcAft>
-              <a:defRPr kumimoji="1" sz="1200">
-                <a:solidFill>
-                  <a:schemeClr val="tx1"/>
-                </a:solidFill>
-                <a:latin typeface="Arial" panose="020B0604020202020204" pitchFamily="34" charset="0"/>
-                <a:ea typeface="新細明體" panose="02020500000000000000" pitchFamily="18" charset="-120"/>
-              </a:defRPr>
-            </a:lvl8pPr>
-            <a:lvl9pPr marL="3886200" indent="-228600" defTabSz="990600" eaLnBrk="0" fontAlgn="base" hangingPunct="0">
-              <a:spcBef>
-                <a:spcPct val="30000"/>
-              </a:spcBef>
-              <a:spcAft>
-                <a:spcPct val="0"/>
-              </a:spcAft>
-              <a:defRPr kumimoji="1" sz="1200">
-                <a:solidFill>
-                  <a:schemeClr val="tx1"/>
-                </a:solidFill>
-                <a:latin typeface="Arial" panose="020B0604020202020204" pitchFamily="34" charset="0"/>
-                <a:ea typeface="新細明體" panose="02020500000000000000" pitchFamily="18" charset="-120"/>
-              </a:defRPr>
-            </a:lvl9pPr>
-          </a:lstStyle>
-          <a:p>
-            <a:pPr eaLnBrk="1" hangingPunct="1">
-              <a:spcBef>
-                <a:spcPct val="0"/>
-              </a:spcBef>
-            </a:pPr>
-            <a:fld id="{4F672D5D-8C01-4901-B5D5-EB0622AA9DF3}" type="slidenum">
-              <a:rPr lang="en-US" altLang="zh-TW" sz="1300">
-                <a:latin typeface="Garamond" panose="02020404030301010803" pitchFamily="18" charset="0"/>
-              </a:rPr>
-              <a:pPr eaLnBrk="1" hangingPunct="1">
-                <a:spcBef>
-                  <a:spcPct val="0"/>
-                </a:spcBef>
-              </a:pPr>
+          <a:lstStyle/>
+          <a:p>
+            <a:fld id="{5FAE23DA-1601-498D-B2E3-972800982184}" type="slidenum">
+              <a:rPr lang="en-US" altLang="zh-TW" smtClean="0"/>
+              <a:pPr/>
               <a:t>21</a:t>
             </a:fld>
-            <a:endParaRPr lang="en-US" altLang="zh-TW" sz="1300">
-              <a:latin typeface="Garamond" panose="02020404030301010803" pitchFamily="18" charset="0"/>
-            </a:endParaRPr>
+            <a:endParaRPr lang="en-US" altLang="zh-TW"/>
           </a:p>
         </p:txBody>
       </p:sp>
     </p:spTree>
+    <p:extLst>
+      <p:ext uri="{BB962C8B-B14F-4D97-AF65-F5344CB8AC3E}">
+        <p14:creationId xmlns:p14="http://schemas.microsoft.com/office/powerpoint/2010/main" val="770017496"/>
+      </p:ext>
+    </p:extLst>
   </p:cSld>
   <p:clrMapOvr>
     <a:masterClrMapping/>
@@ -2248,6 +2072,268 @@
         <p14:creationId xmlns:p14="http://schemas.microsoft.com/office/powerpoint/2010/main" val="586126112"/>
       </p:ext>
     </p:extLst>
+  </p:cSld>
+  <p:clrMapOvr>
+    <a:masterClrMapping/>
+  </p:clrMapOvr>
+</p:notes>
+</file>
+
+<file path=ppt/notesSlides/notesSlide20.xml><?xml version="1.0" encoding="utf-8"?>
+<p:notes xmlns:a="http://schemas.openxmlformats.org/drawingml/2006/main" xmlns:r="http://schemas.openxmlformats.org/officeDocument/2006/relationships" xmlns:p="http://schemas.openxmlformats.org/presentationml/2006/main">
+  <p:cSld>
+    <p:spTree>
+      <p:nvGrpSpPr>
+        <p:cNvPr id="1" name=""/>
+        <p:cNvGrpSpPr/>
+        <p:nvPr/>
+      </p:nvGrpSpPr>
+      <p:grpSpPr>
+        <a:xfrm>
+          <a:off x="0" y="0"/>
+          <a:ext cx="0" cy="0"/>
+          <a:chOff x="0" y="0"/>
+          <a:chExt cx="0" cy="0"/>
+        </a:xfrm>
+      </p:grpSpPr>
+      <p:sp>
+        <p:nvSpPr>
+          <p:cNvPr id="45058" name="投影片圖像版面配置區 1"/>
+          <p:cNvSpPr>
+            <a:spLocks noGrp="1" noRot="1" noChangeAspect="1" noTextEdit="1"/>
+          </p:cNvSpPr>
+          <p:nvPr>
+            <p:ph type="sldImg"/>
+          </p:nvPr>
+        </p:nvSpPr>
+        <p:spPr>
+          <a:ln/>
+        </p:spPr>
+      </p:sp>
+      <p:sp>
+        <p:nvSpPr>
+          <p:cNvPr id="45059" name="備忘稿版面配置區 2"/>
+          <p:cNvSpPr>
+            <a:spLocks noGrp="1"/>
+          </p:cNvSpPr>
+          <p:nvPr>
+            <p:ph type="body" idx="1"/>
+          </p:nvPr>
+        </p:nvSpPr>
+        <p:spPr>
+          <a:noFill/>
+          <a:ln/>
+          <a:extLst>
+            <a:ext uri="{909E8E84-426E-40DD-AFC4-6F175D3DCCD1}">
+              <a14:hiddenFill xmlns:a14="http://schemas.microsoft.com/office/drawing/2010/main">
+                <a:solidFill>
+                  <a:srgbClr val="FFFFFF"/>
+                </a:solidFill>
+              </a14:hiddenFill>
+            </a:ext>
+            <a:ext uri="{91240B29-F687-4F45-9708-019B960494DF}">
+              <a14:hiddenLine xmlns:a14="http://schemas.microsoft.com/office/drawing/2010/main" w="9525">
+                <a:solidFill>
+                  <a:srgbClr val="000000"/>
+                </a:solidFill>
+                <a:miter lim="800000"/>
+                <a:headEnd/>
+                <a:tailEnd/>
+              </a14:hiddenLine>
+            </a:ext>
+          </a:extLst>
+        </p:spPr>
+        <p:txBody>
+          <a:bodyPr/>
+          <a:lstStyle/>
+          <a:p>
+            <a:endParaRPr lang="zh-TW" altLang="en-US" dirty="0" smtClean="0">
+              <a:latin typeface="Arial" panose="020B0604020202020204" pitchFamily="34" charset="0"/>
+            </a:endParaRPr>
+          </a:p>
+        </p:txBody>
+      </p:sp>
+      <p:sp>
+        <p:nvSpPr>
+          <p:cNvPr id="45060" name="投影片編號版面配置區 3"/>
+          <p:cNvSpPr>
+            <a:spLocks noGrp="1"/>
+          </p:cNvSpPr>
+          <p:nvPr>
+            <p:ph type="sldNum" sz="quarter" idx="5"/>
+          </p:nvPr>
+        </p:nvSpPr>
+        <p:spPr>
+          <a:noFill/>
+          <a:ln/>
+          <a:extLst>
+            <a:ext uri="{909E8E84-426E-40DD-AFC4-6F175D3DCCD1}">
+              <a14:hiddenFill xmlns:a14="http://schemas.microsoft.com/office/drawing/2010/main">
+                <a:solidFill>
+                  <a:srgbClr val="FFFFFF"/>
+                </a:solidFill>
+              </a14:hiddenFill>
+            </a:ext>
+            <a:ext uri="{91240B29-F687-4F45-9708-019B960494DF}">
+              <a14:hiddenLine xmlns:a14="http://schemas.microsoft.com/office/drawing/2010/main" w="9525">
+                <a:solidFill>
+                  <a:srgbClr val="000000"/>
+                </a:solidFill>
+                <a:miter lim="800000"/>
+                <a:headEnd/>
+                <a:tailEnd/>
+              </a14:hiddenLine>
+            </a:ext>
+          </a:extLst>
+        </p:spPr>
+        <p:txBody>
+          <a:bodyPr/>
+          <a:lstStyle>
+            <a:lvl1pPr defTabSz="990600" eaLnBrk="0" hangingPunct="0">
+              <a:spcBef>
+                <a:spcPct val="30000"/>
+              </a:spcBef>
+              <a:defRPr kumimoji="1" sz="1200">
+                <a:solidFill>
+                  <a:schemeClr val="tx1"/>
+                </a:solidFill>
+                <a:latin typeface="Arial" panose="020B0604020202020204" pitchFamily="34" charset="0"/>
+                <a:ea typeface="新細明體" panose="02020500000000000000" pitchFamily="18" charset="-120"/>
+              </a:defRPr>
+            </a:lvl1pPr>
+            <a:lvl2pPr marL="742950" indent="-285750" defTabSz="990600" eaLnBrk="0" hangingPunct="0">
+              <a:spcBef>
+                <a:spcPct val="30000"/>
+              </a:spcBef>
+              <a:defRPr kumimoji="1" sz="1200">
+                <a:solidFill>
+                  <a:schemeClr val="tx1"/>
+                </a:solidFill>
+                <a:latin typeface="Arial" panose="020B0604020202020204" pitchFamily="34" charset="0"/>
+                <a:ea typeface="新細明體" panose="02020500000000000000" pitchFamily="18" charset="-120"/>
+              </a:defRPr>
+            </a:lvl2pPr>
+            <a:lvl3pPr marL="1143000" indent="-228600" defTabSz="990600" eaLnBrk="0" hangingPunct="0">
+              <a:spcBef>
+                <a:spcPct val="30000"/>
+              </a:spcBef>
+              <a:defRPr kumimoji="1" sz="1200">
+                <a:solidFill>
+                  <a:schemeClr val="tx1"/>
+                </a:solidFill>
+                <a:latin typeface="Arial" panose="020B0604020202020204" pitchFamily="34" charset="0"/>
+                <a:ea typeface="新細明體" panose="02020500000000000000" pitchFamily="18" charset="-120"/>
+              </a:defRPr>
+            </a:lvl3pPr>
+            <a:lvl4pPr marL="1600200" indent="-228600" defTabSz="990600" eaLnBrk="0" hangingPunct="0">
+              <a:spcBef>
+                <a:spcPct val="30000"/>
+              </a:spcBef>
+              <a:defRPr kumimoji="1" sz="1200">
+                <a:solidFill>
+                  <a:schemeClr val="tx1"/>
+                </a:solidFill>
+                <a:latin typeface="Arial" panose="020B0604020202020204" pitchFamily="34" charset="0"/>
+                <a:ea typeface="新細明體" panose="02020500000000000000" pitchFamily="18" charset="-120"/>
+              </a:defRPr>
+            </a:lvl4pPr>
+            <a:lvl5pPr marL="2057400" indent="-228600" defTabSz="990600" eaLnBrk="0" hangingPunct="0">
+              <a:spcBef>
+                <a:spcPct val="30000"/>
+              </a:spcBef>
+              <a:defRPr kumimoji="1" sz="1200">
+                <a:solidFill>
+                  <a:schemeClr val="tx1"/>
+                </a:solidFill>
+                <a:latin typeface="Arial" panose="020B0604020202020204" pitchFamily="34" charset="0"/>
+                <a:ea typeface="新細明體" panose="02020500000000000000" pitchFamily="18" charset="-120"/>
+              </a:defRPr>
+            </a:lvl5pPr>
+            <a:lvl6pPr marL="2514600" indent="-228600" defTabSz="990600" eaLnBrk="0" fontAlgn="base" hangingPunct="0">
+              <a:spcBef>
+                <a:spcPct val="30000"/>
+              </a:spcBef>
+              <a:spcAft>
+                <a:spcPct val="0"/>
+              </a:spcAft>
+              <a:defRPr kumimoji="1" sz="1200">
+                <a:solidFill>
+                  <a:schemeClr val="tx1"/>
+                </a:solidFill>
+                <a:latin typeface="Arial" panose="020B0604020202020204" pitchFamily="34" charset="0"/>
+                <a:ea typeface="新細明體" panose="02020500000000000000" pitchFamily="18" charset="-120"/>
+              </a:defRPr>
+            </a:lvl6pPr>
+            <a:lvl7pPr marL="2971800" indent="-228600" defTabSz="990600" eaLnBrk="0" fontAlgn="base" hangingPunct="0">
+              <a:spcBef>
+                <a:spcPct val="30000"/>
+              </a:spcBef>
+              <a:spcAft>
+                <a:spcPct val="0"/>
+              </a:spcAft>
+              <a:defRPr kumimoji="1" sz="1200">
+                <a:solidFill>
+                  <a:schemeClr val="tx1"/>
+                </a:solidFill>
+                <a:latin typeface="Arial" panose="020B0604020202020204" pitchFamily="34" charset="0"/>
+                <a:ea typeface="新細明體" panose="02020500000000000000" pitchFamily="18" charset="-120"/>
+              </a:defRPr>
+            </a:lvl7pPr>
+            <a:lvl8pPr marL="3429000" indent="-228600" defTabSz="990600" eaLnBrk="0" fontAlgn="base" hangingPunct="0">
+              <a:spcBef>
+                <a:spcPct val="30000"/>
+              </a:spcBef>
+              <a:spcAft>
+                <a:spcPct val="0"/>
+              </a:spcAft>
+              <a:defRPr kumimoji="1" sz="1200">
+                <a:solidFill>
+                  <a:schemeClr val="tx1"/>
+                </a:solidFill>
+                <a:latin typeface="Arial" panose="020B0604020202020204" pitchFamily="34" charset="0"/>
+                <a:ea typeface="新細明體" panose="02020500000000000000" pitchFamily="18" charset="-120"/>
+              </a:defRPr>
+            </a:lvl8pPr>
+            <a:lvl9pPr marL="3886200" indent="-228600" defTabSz="990600" eaLnBrk="0" fontAlgn="base" hangingPunct="0">
+              <a:spcBef>
+                <a:spcPct val="30000"/>
+              </a:spcBef>
+              <a:spcAft>
+                <a:spcPct val="0"/>
+              </a:spcAft>
+              <a:defRPr kumimoji="1" sz="1200">
+                <a:solidFill>
+                  <a:schemeClr val="tx1"/>
+                </a:solidFill>
+                <a:latin typeface="Arial" panose="020B0604020202020204" pitchFamily="34" charset="0"/>
+                <a:ea typeface="新細明體" panose="02020500000000000000" pitchFamily="18" charset="-120"/>
+              </a:defRPr>
+            </a:lvl9pPr>
+          </a:lstStyle>
+          <a:p>
+            <a:pPr eaLnBrk="1" hangingPunct="1">
+              <a:spcBef>
+                <a:spcPct val="0"/>
+              </a:spcBef>
+            </a:pPr>
+            <a:fld id="{4F672D5D-8C01-4901-B5D5-EB0622AA9DF3}" type="slidenum">
+              <a:rPr lang="en-US" altLang="zh-TW" sz="1300">
+                <a:latin typeface="Garamond" panose="02020404030301010803" pitchFamily="18" charset="0"/>
+              </a:rPr>
+              <a:pPr eaLnBrk="1" hangingPunct="1">
+                <a:spcBef>
+                  <a:spcPct val="0"/>
+                </a:spcBef>
+              </a:pPr>
+              <a:t>22</a:t>
+            </a:fld>
+            <a:endParaRPr lang="en-US" altLang="zh-TW" sz="1300">
+              <a:latin typeface="Garamond" panose="02020404030301010803" pitchFamily="18" charset="0"/>
+            </a:endParaRPr>
+          </a:p>
+        </p:txBody>
+      </p:sp>
+    </p:spTree>
   </p:cSld>
   <p:clrMapOvr>
     <a:masterClrMapping/>
@@ -6557,7 +6643,27 @@
                 <a:latin typeface="Times New Roman" panose="02020603050405020304" pitchFamily="18" charset="0"/>
                 <a:cs typeface="Times New Roman" panose="02020603050405020304" pitchFamily="18" charset="0"/>
               </a:rPr>
-              <a:t>Roaming automatic tool</a:t>
+              <a:t>Roaming </a:t>
+            </a:r>
+            <a:r>
+              <a:rPr lang="en-US" altLang="zh-TW" sz="2800" kern="0" dirty="0">
+                <a:solidFill>
+                  <a:srgbClr val="003366"/>
+                </a:solidFill>
+                <a:latin typeface="Times New Roman" panose="02020603050405020304" pitchFamily="18" charset="0"/>
+                <a:cs typeface="Times New Roman" panose="02020603050405020304" pitchFamily="18" charset="0"/>
+              </a:rPr>
+              <a:t>automation</a:t>
+            </a:r>
+            <a:r>
+              <a:rPr lang="en-US" altLang="zh-TW" sz="2800" kern="0" dirty="0" smtClean="0">
+                <a:solidFill>
+                  <a:srgbClr val="003366"/>
+                </a:solidFill>
+                <a:latin typeface="Times New Roman" panose="02020603050405020304" pitchFamily="18" charset="0"/>
+                <a:cs typeface="Times New Roman" panose="02020603050405020304" pitchFamily="18" charset="0"/>
+              </a:rPr>
+              <a:t/>
             </a:r>
             <a:br>
               <a:rPr lang="en-US" altLang="zh-TW" sz="2800" kern="0" dirty="0" smtClean="0">
@@ -7006,7 +7112,27 @@
                 <a:latin typeface="Times New Roman" panose="02020603050405020304" pitchFamily="18" charset="0"/>
                 <a:cs typeface="Times New Roman" panose="02020603050405020304" pitchFamily="18" charset="0"/>
               </a:rPr>
-              <a:t>Roaming automatic tool</a:t>
+              <a:t>Roaming </a:t>
+            </a:r>
+            <a:r>
+              <a:rPr lang="en-US" altLang="zh-TW" sz="2800" kern="0" dirty="0">
+                <a:solidFill>
+                  <a:srgbClr val="003366"/>
+                </a:solidFill>
+                <a:latin typeface="Times New Roman" panose="02020603050405020304" pitchFamily="18" charset="0"/>
+                <a:cs typeface="Times New Roman" panose="02020603050405020304" pitchFamily="18" charset="0"/>
+              </a:rPr>
+              <a:t>automation</a:t>
+            </a:r>
+            <a:r>
+              <a:rPr lang="en-US" altLang="zh-TW" sz="2800" kern="0" dirty="0" smtClean="0">
+                <a:solidFill>
+                  <a:srgbClr val="003366"/>
+                </a:solidFill>
+                <a:latin typeface="Times New Roman" panose="02020603050405020304" pitchFamily="18" charset="0"/>
+                <a:cs typeface="Times New Roman" panose="02020603050405020304" pitchFamily="18" charset="0"/>
+              </a:rPr>
+              <a:t/>
             </a:r>
             <a:br>
               <a:rPr lang="en-US" altLang="zh-TW" sz="2800" kern="0" dirty="0" smtClean="0">
@@ -7423,17 +7549,17 @@
                 <a:latin typeface="Times New Roman" panose="02020603050405020304" pitchFamily="18" charset="0"/>
                 <a:cs typeface="Times New Roman" panose="02020603050405020304" pitchFamily="18" charset="0"/>
               </a:rPr>
-              <a:t>on/off mode automatic </a:t>
-            </a:r>
-            <a:r>
-              <a:rPr lang="en-US" altLang="zh-TW" sz="2800" kern="0" dirty="0" smtClean="0">
+              <a:t>on/off mode </a:t>
+            </a:r>
+            <a:r>
+              <a:rPr lang="en-US" altLang="zh-TW" sz="2800" kern="0" dirty="0">
                 <a:solidFill>
                   <a:srgbClr val="003366"/>
                 </a:solidFill>
                 <a:latin typeface="Times New Roman" panose="02020603050405020304" pitchFamily="18" charset="0"/>
                 <a:cs typeface="Times New Roman" panose="02020603050405020304" pitchFamily="18" charset="0"/>
               </a:rPr>
-              <a:t>tool</a:t>
+              <a:t>automation</a:t>
             </a:r>
             <a:r>
               <a:rPr lang="en-US" altLang="zh-TW" sz="2800" kern="0" dirty="0">
@@ -7717,17 +7843,17 @@
                 <a:latin typeface="Times New Roman" panose="02020603050405020304" pitchFamily="18" charset="0"/>
                 <a:cs typeface="Times New Roman" panose="02020603050405020304" pitchFamily="18" charset="0"/>
               </a:rPr>
-              <a:t>on/off mode automatic </a:t>
-            </a:r>
-            <a:r>
-              <a:rPr lang="en-US" altLang="zh-TW" sz="2800" kern="0" dirty="0" smtClean="0">
+              <a:t>on/off mode </a:t>
+            </a:r>
+            <a:r>
+              <a:rPr lang="en-US" altLang="zh-TW" sz="2800" kern="0" dirty="0">
                 <a:solidFill>
                   <a:srgbClr val="003366"/>
                 </a:solidFill>
                 <a:latin typeface="Times New Roman" panose="02020603050405020304" pitchFamily="18" charset="0"/>
                 <a:cs typeface="Times New Roman" panose="02020603050405020304" pitchFamily="18" charset="0"/>
               </a:rPr>
-              <a:t>tool</a:t>
+              <a:t>automation</a:t>
             </a:r>
             <a:r>
               <a:rPr lang="en-US" altLang="zh-TW" sz="2800" kern="0" dirty="0">
@@ -7994,17 +8120,17 @@
                 <a:latin typeface="Times New Roman" panose="02020603050405020304" pitchFamily="18" charset="0"/>
                 <a:cs typeface="Times New Roman" panose="02020603050405020304" pitchFamily="18" charset="0"/>
               </a:rPr>
-              <a:t>on/off mode automatic </a:t>
-            </a:r>
-            <a:r>
-              <a:rPr lang="en-US" altLang="zh-TW" sz="2800" kern="0" dirty="0" smtClean="0">
+              <a:t>on/off mode </a:t>
+            </a:r>
+            <a:r>
+              <a:rPr lang="en-US" altLang="zh-TW" sz="2800" kern="0" dirty="0">
                 <a:solidFill>
                   <a:srgbClr val="003366"/>
                 </a:solidFill>
                 <a:latin typeface="Times New Roman" panose="02020603050405020304" pitchFamily="18" charset="0"/>
                 <a:cs typeface="Times New Roman" panose="02020603050405020304" pitchFamily="18" charset="0"/>
               </a:rPr>
-              <a:t>tool</a:t>
+              <a:t>automation</a:t>
             </a:r>
             <a:r>
               <a:rPr lang="en-US" altLang="zh-TW" sz="2800" kern="0" dirty="0">
@@ -8253,7 +8379,27 @@
                 <a:latin typeface="Times New Roman" panose="02020603050405020304" pitchFamily="18" charset="0"/>
                 <a:cs typeface="Times New Roman" panose="02020603050405020304" pitchFamily="18" charset="0"/>
               </a:rPr>
-              <a:t>frequency switch automatic tool (2.4G, 5G)</a:t>
+              <a:t>frequency switch </a:t>
+            </a:r>
+            <a:r>
+              <a:rPr lang="en-US" altLang="zh-TW" sz="2800" kern="0" dirty="0">
+                <a:solidFill>
+                  <a:srgbClr val="003366"/>
+                </a:solidFill>
+                <a:latin typeface="Times New Roman" panose="02020603050405020304" pitchFamily="18" charset="0"/>
+                <a:cs typeface="Times New Roman" panose="02020603050405020304" pitchFamily="18" charset="0"/>
+              </a:rPr>
+              <a:t>automation </a:t>
+            </a:r>
+            <a:r>
+              <a:rPr lang="en-US" altLang="zh-TW" sz="2800" kern="0" dirty="0">
+                <a:solidFill>
+                  <a:srgbClr val="003366"/>
+                </a:solidFill>
+                <a:latin typeface="Times New Roman" panose="02020603050405020304" pitchFamily="18" charset="0"/>
+                <a:cs typeface="Times New Roman" panose="02020603050405020304" pitchFamily="18" charset="0"/>
+              </a:rPr>
+              <a:t>(2.4G, 5G)</a:t>
             </a:r>
             <a:br>
               <a:rPr lang="en-US" altLang="zh-TW" sz="2800" kern="0" dirty="0">
@@ -9172,14 +9318,34 @@
               <a:defRPr/>
             </a:pPr>
             <a:r>
-              <a:rPr lang="en-US" altLang="zh-TW" sz="2800" kern="0" dirty="0" smtClean="0">
+              <a:rPr lang="en-US" altLang="zh-TW" sz="2800" kern="0" dirty="0" err="1" smtClean="0">
                 <a:solidFill>
                   <a:srgbClr val="003366"/>
                 </a:solidFill>
                 <a:latin typeface="Times New Roman" panose="02020603050405020304" pitchFamily="18" charset="0"/>
                 <a:cs typeface="Times New Roman" panose="02020603050405020304" pitchFamily="18" charset="0"/>
               </a:rPr>
-              <a:t>Continuous integration</a:t>
+              <a:t>BurnInTest</a:t>
+            </a:r>
+            <a:r>
+              <a:rPr lang="en-US" altLang="zh-TW" sz="2800" kern="0" dirty="0" smtClean="0">
+                <a:solidFill>
+                  <a:srgbClr val="003366"/>
+                </a:solidFill>
+                <a:latin typeface="Times New Roman" panose="02020603050405020304" pitchFamily="18" charset="0"/>
+                <a:cs typeface="Times New Roman" panose="02020603050405020304" pitchFamily="18" charset="0"/>
+              </a:rPr>
+              <a:t> Automation</a:t>
+            </a:r>
+            <a:r>
+              <a:rPr lang="en-US" altLang="zh-TW" sz="2800" kern="0" dirty="0" smtClean="0">
+                <a:solidFill>
+                  <a:srgbClr val="003366"/>
+                </a:solidFill>
+                <a:latin typeface="Times New Roman" panose="02020603050405020304" pitchFamily="18" charset="0"/>
+                <a:cs typeface="Times New Roman" panose="02020603050405020304" pitchFamily="18" charset="0"/>
+              </a:rPr>
+              <a:t/>
             </a:r>
             <a:br>
               <a:rPr lang="en-US" altLang="zh-TW" sz="2800" kern="0" dirty="0" smtClean="0">
@@ -9203,7 +9369,7 @@
     </p:spTree>
     <p:extLst>
       <p:ext uri="{BB962C8B-B14F-4D97-AF65-F5344CB8AC3E}">
-        <p14:creationId xmlns:p14="http://schemas.microsoft.com/office/powerpoint/2010/main" val="932677482"/>
+        <p14:creationId xmlns:p14="http://schemas.microsoft.com/office/powerpoint/2010/main" val="149749913"/>
       </p:ext>
     </p:extLst>
   </p:cSld>
@@ -9855,6 +10021,265 @@
           <a:bodyPr/>
           <a:lstStyle/>
           <a:p>
+            <a:pPr marL="342900" lvl="1" indent="-342900" eaLnBrk="1" hangingPunct="1">
+              <a:buFont typeface="Arial" charset="0"/>
+              <a:buChar char="•"/>
+              <a:defRPr/>
+            </a:pPr>
+            <a:r>
+              <a:rPr lang="en-US" altLang="zh-TW" sz="1800" dirty="0">
+                <a:latin typeface="Times New Roman" panose="02020603050405020304" pitchFamily="18" charset="0"/>
+                <a:cs typeface="Times New Roman" panose="02020603050405020304" pitchFamily="18" charset="0"/>
+              </a:rPr>
+              <a:t>System Structure</a:t>
+            </a:r>
+          </a:p>
+          <a:p>
+            <a:pPr eaLnBrk="1" hangingPunct="1">
+              <a:buFont typeface="Arial" charset="0"/>
+              <a:buChar char="•"/>
+              <a:defRPr/>
+            </a:pPr>
+            <a:endParaRPr lang="en-US" altLang="zh-TW" sz="1800" dirty="0">
+              <a:latin typeface="Times New Roman" panose="02020603050405020304" pitchFamily="18" charset="0"/>
+              <a:cs typeface="Times New Roman" panose="02020603050405020304" pitchFamily="18" charset="0"/>
+            </a:endParaRPr>
+          </a:p>
+        </p:txBody>
+      </p:sp>
+      <p:sp>
+        <p:nvSpPr>
+          <p:cNvPr id="2" name="標題 4"/>
+          <p:cNvSpPr>
+            <a:spLocks noGrp="1"/>
+          </p:cNvSpPr>
+          <p:nvPr>
+            <p:ph type="title"/>
+          </p:nvPr>
+        </p:nvSpPr>
+        <p:spPr>
+          <a:xfrm>
+            <a:off x="457200" y="87313"/>
+            <a:ext cx="8229600" cy="1205265"/>
+          </a:xfrm>
+        </p:spPr>
+        <p:txBody>
+          <a:bodyPr/>
+          <a:lstStyle/>
+          <a:p>
+            <a:pPr eaLnBrk="1" hangingPunct="1">
+              <a:defRPr/>
+            </a:pPr>
+            <a:r>
+              <a:rPr lang="en-US" altLang="zh-TW" sz="2800" kern="0" dirty="0" smtClean="0">
+                <a:solidFill>
+                  <a:srgbClr val="003366"/>
+                </a:solidFill>
+                <a:latin typeface="Times New Roman" panose="02020603050405020304" pitchFamily="18" charset="0"/>
+                <a:cs typeface="Times New Roman" panose="02020603050405020304" pitchFamily="18" charset="0"/>
+              </a:rPr>
+              <a:t>Continuous </a:t>
+            </a:r>
+            <a:r>
+              <a:rPr lang="en-US" altLang="zh-TW" sz="2800" kern="0" dirty="0">
+                <a:solidFill>
+                  <a:srgbClr val="003366"/>
+                </a:solidFill>
+                <a:latin typeface="Times New Roman" panose="02020603050405020304" pitchFamily="18" charset="0"/>
+                <a:cs typeface="Times New Roman" panose="02020603050405020304" pitchFamily="18" charset="0"/>
+              </a:rPr>
+              <a:t>I</a:t>
+            </a:r>
+            <a:r>
+              <a:rPr lang="en-US" altLang="zh-TW" sz="2800" kern="0" dirty="0" smtClean="0">
+                <a:solidFill>
+                  <a:srgbClr val="003366"/>
+                </a:solidFill>
+                <a:latin typeface="Times New Roman" panose="02020603050405020304" pitchFamily="18" charset="0"/>
+                <a:cs typeface="Times New Roman" panose="02020603050405020304" pitchFamily="18" charset="0"/>
+              </a:rPr>
+              <a:t>ntegration</a:t>
+            </a:r>
+            <a:r>
+              <a:rPr lang="en-US" altLang="zh-TW" sz="2800" kern="0" dirty="0" smtClean="0">
+                <a:solidFill>
+                  <a:srgbClr val="003366"/>
+                </a:solidFill>
+                <a:latin typeface="Times New Roman" panose="02020603050405020304" pitchFamily="18" charset="0"/>
+                <a:cs typeface="Times New Roman" panose="02020603050405020304" pitchFamily="18" charset="0"/>
+              </a:rPr>
+              <a:t/>
+            </a:r>
+            <a:br>
+              <a:rPr lang="en-US" altLang="zh-TW" sz="2800" kern="0" dirty="0" smtClean="0">
+                <a:solidFill>
+                  <a:srgbClr val="003366"/>
+                </a:solidFill>
+                <a:latin typeface="Times New Roman" panose="02020603050405020304" pitchFamily="18" charset="0"/>
+                <a:cs typeface="Times New Roman" panose="02020603050405020304" pitchFamily="18" charset="0"/>
+              </a:rPr>
+            </a:br>
+            <a:endParaRPr lang="zh-TW" altLang="en-US" sz="2800" kern="0" dirty="0">
+              <a:solidFill>
+                <a:srgbClr val="003366"/>
+              </a:solidFill>
+              <a:latin typeface="Times New Roman" panose="02020603050405020304" pitchFamily="18" charset="0"/>
+              <a:cs typeface="Times New Roman" panose="02020603050405020304" pitchFamily="18" charset="0"/>
+            </a:endParaRPr>
+          </a:p>
+        </p:txBody>
+      </p:sp>
+    </p:spTree>
+    <p:extLst>
+      <p:ext uri="{BB962C8B-B14F-4D97-AF65-F5344CB8AC3E}">
+        <p14:creationId xmlns:p14="http://schemas.microsoft.com/office/powerpoint/2010/main" val="932677482"/>
+      </p:ext>
+    </p:extLst>
+  </p:cSld>
+  <p:clrMapOvr>
+    <a:masterClrMapping/>
+  </p:clrMapOvr>
+  <mc:AlternateContent xmlns:mc="http://schemas.openxmlformats.org/markup-compatibility/2006" xmlns:p14="http://schemas.microsoft.com/office/powerpoint/2010/main">
+    <mc:Choice Requires="p14">
+      <p:transition spd="med" p14:dur="700" advClick="0">
+        <p:fade/>
+      </p:transition>
+    </mc:Choice>
+    <mc:Fallback xmlns="">
+      <p:transition spd="med" advClick="0">
+        <p:fade/>
+      </p:transition>
+    </mc:Fallback>
+  </mc:AlternateContent>
+  <p:timing>
+    <p:tnLst>
+      <p:par>
+        <p:cTn id="1" dur="indefinite" restart="never" nodeType="tmRoot">
+          <p:childTnLst>
+            <p:seq concurrent="1" nextAc="seek">
+              <p:cTn id="2" dur="indefinite" nodeType="mainSeq">
+                <p:childTnLst>
+                  <p:par>
+                    <p:cTn id="3" fill="hold">
+                      <p:stCondLst>
+                        <p:cond delay="indefinite"/>
+                        <p:cond evt="onBegin" delay="0">
+                          <p:tn val="2"/>
+                        </p:cond>
+                      </p:stCondLst>
+                      <p:childTnLst>
+                        <p:par>
+                          <p:cTn id="4" fill="hold">
+                            <p:stCondLst>
+                              <p:cond delay="0"/>
+                            </p:stCondLst>
+                            <p:childTnLst>
+                              <p:par>
+                                <p:cTn id="5" presetID="10" presetClass="entr" presetSubtype="0" fill="hold" grpId="0" nodeType="afterEffect">
+                                  <p:stCondLst>
+                                    <p:cond delay="0"/>
+                                  </p:stCondLst>
+                                  <p:childTnLst>
+                                    <p:set>
+                                      <p:cBhvr>
+                                        <p:cTn id="6" dur="1" fill="hold">
+                                          <p:stCondLst>
+                                            <p:cond delay="0"/>
+                                          </p:stCondLst>
+                                        </p:cTn>
+                                        <p:tgtEl>
+                                          <p:spTgt spid="2"/>
+                                        </p:tgtEl>
+                                        <p:attrNameLst>
+                                          <p:attrName>style.visibility</p:attrName>
+                                        </p:attrNameLst>
+                                      </p:cBhvr>
+                                      <p:to>
+                                        <p:strVal val="visible"/>
+                                      </p:to>
+                                    </p:set>
+                                    <p:animEffect transition="in" filter="fade">
+                                      <p:cBhvr>
+                                        <p:cTn id="7" dur="500"/>
+                                        <p:tgtEl>
+                                          <p:spTgt spid="2"/>
+                                        </p:tgtEl>
+                                      </p:cBhvr>
+                                    </p:animEffect>
+                                  </p:childTnLst>
+                                </p:cTn>
+                              </p:par>
+                            </p:childTnLst>
+                          </p:cTn>
+                        </p:par>
+                      </p:childTnLst>
+                    </p:cTn>
+                  </p:par>
+                </p:childTnLst>
+              </p:cTn>
+              <p:prevCondLst>
+                <p:cond evt="onPrev" delay="0">
+                  <p:tgtEl>
+                    <p:sldTgt/>
+                  </p:tgtEl>
+                </p:cond>
+              </p:prevCondLst>
+              <p:nextCondLst>
+                <p:cond evt="onNext" delay="0">
+                  <p:tgtEl>
+                    <p:sldTgt/>
+                  </p:tgtEl>
+                </p:cond>
+              </p:nextCondLst>
+            </p:seq>
+          </p:childTnLst>
+        </p:cTn>
+      </p:par>
+    </p:tnLst>
+    <p:bldLst>
+      <p:bldP spid="2" grpId="0"/>
+    </p:bldLst>
+  </p:timing>
+</p:sld>
+</file>
+
+<file path=ppt/slides/slide21.xml><?xml version="1.0" encoding="utf-8"?>
+<p:sld xmlns:a="http://schemas.openxmlformats.org/drawingml/2006/main" xmlns:r="http://schemas.openxmlformats.org/officeDocument/2006/relationships" xmlns:p="http://schemas.openxmlformats.org/presentationml/2006/main">
+  <p:cSld>
+    <p:spTree>
+      <p:nvGrpSpPr>
+        <p:cNvPr id="1" name=""/>
+        <p:cNvGrpSpPr/>
+        <p:nvPr/>
+      </p:nvGrpSpPr>
+      <p:grpSpPr>
+        <a:xfrm>
+          <a:off x="0" y="0"/>
+          <a:ext cx="0" cy="0"/>
+          <a:chOff x="0" y="0"/>
+          <a:chExt cx="0" cy="0"/>
+        </a:xfrm>
+      </p:grpSpPr>
+      <p:sp>
+        <p:nvSpPr>
+          <p:cNvPr id="15362" name="內容版面配置區 5"/>
+          <p:cNvSpPr>
+            <a:spLocks noGrp="1"/>
+          </p:cNvSpPr>
+          <p:nvPr>
+            <p:ph idx="1"/>
+          </p:nvPr>
+        </p:nvSpPr>
+        <p:spPr>
+          <a:xfrm>
+            <a:off x="457200" y="936625"/>
+            <a:ext cx="8229600" cy="3575050"/>
+          </a:xfrm>
+        </p:spPr>
+        <p:txBody>
+          <a:bodyPr/>
+          <a:lstStyle/>
+          <a:p>
             <a:pPr marL="0" indent="0" eaLnBrk="1" hangingPunct="1">
               <a:buNone/>
               <a:defRPr/>
@@ -10066,7 +10491,7 @@
 </p:sld>
 </file>
 
-<file path=ppt/slides/slide21.xml><?xml version="1.0" encoding="utf-8"?>
+<file path=ppt/slides/slide22.xml><?xml version="1.0" encoding="utf-8"?>
 <p:sld xmlns:a="http://schemas.openxmlformats.org/drawingml/2006/main" xmlns:r="http://schemas.openxmlformats.org/officeDocument/2006/relationships" xmlns:p="http://schemas.openxmlformats.org/presentationml/2006/main">
   <p:cSld>
     <p:spTree>
@@ -13752,8 +14177,19 @@
                 <a:latin typeface="Times New Roman" panose="02020603050405020304" pitchFamily="18" charset="0"/>
                 <a:cs typeface="Times New Roman" panose="02020603050405020304" pitchFamily="18" charset="0"/>
               </a:rPr>
-              <a:t>Roaming automatic tool</a:t>
-            </a:r>
+              <a:t>Roaming </a:t>
+            </a:r>
+            <a:r>
+              <a:rPr lang="en-US" altLang="zh-TW" sz="1800" dirty="0">
+                <a:latin typeface="Times New Roman" panose="02020603050405020304" pitchFamily="18" charset="0"/>
+                <a:cs typeface="Times New Roman" panose="02020603050405020304" pitchFamily="18" charset="0"/>
+              </a:rPr>
+              <a:t>automation</a:t>
+            </a:r>
+            <a:endParaRPr lang="en-US" altLang="zh-TW" sz="1800" dirty="0" smtClean="0">
+              <a:latin typeface="Times New Roman" panose="02020603050405020304" pitchFamily="18" charset="0"/>
+              <a:cs typeface="Times New Roman" panose="02020603050405020304" pitchFamily="18" charset="0"/>
+            </a:endParaRPr>
           </a:p>
           <a:p>
             <a:pPr eaLnBrk="1" hangingPunct="1">
@@ -13766,7 +14202,21 @@
                 <a:latin typeface="Times New Roman" panose="02020603050405020304" pitchFamily="18" charset="0"/>
                 <a:cs typeface="Times New Roman" panose="02020603050405020304" pitchFamily="18" charset="0"/>
               </a:rPr>
-              <a:t>Airplane on/off mode automatic tool</a:t>
+              <a:t>Airplane on/off </a:t>
+            </a:r>
+            <a:r>
+              <a:rPr lang="en-US" altLang="zh-TW" sz="1800" dirty="0">
+                <a:latin typeface="Times New Roman" panose="02020603050405020304" pitchFamily="18" charset="0"/>
+                <a:cs typeface="Times New Roman" panose="02020603050405020304" pitchFamily="18" charset="0"/>
+              </a:rPr>
+              <a:t>mode </a:t>
+            </a:r>
+            <a:r>
+              <a:rPr lang="en-US" altLang="zh-TW" sz="1800" dirty="0" smtClean="0">
+                <a:latin typeface="Times New Roman" panose="02020603050405020304" pitchFamily="18" charset="0"/>
+                <a:cs typeface="Times New Roman" panose="02020603050405020304" pitchFamily="18" charset="0"/>
+              </a:rPr>
+              <a:t>automation</a:t>
             </a:r>
           </a:p>
           <a:p>
@@ -13776,25 +14226,11 @@
               <a:defRPr/>
             </a:pPr>
             <a:r>
-              <a:rPr lang="en-US" altLang="zh-TW" sz="1400" dirty="0" smtClean="0">
-                <a:latin typeface="Times New Roman" panose="02020603050405020304" pitchFamily="18" charset="0"/>
-                <a:cs typeface="Times New Roman" panose="02020603050405020304" pitchFamily="18" charset="0"/>
-              </a:rPr>
-              <a:t>Android 6.0.1 (RJ-45), </a:t>
-            </a:r>
-            <a:r>
               <a:rPr lang="en-US" altLang="zh-TW" sz="1400" dirty="0">
                 <a:latin typeface="Times New Roman" panose="02020603050405020304" pitchFamily="18" charset="0"/>
                 <a:cs typeface="Times New Roman" panose="02020603050405020304" pitchFamily="18" charset="0"/>
               </a:rPr>
-              <a:t>Android 6.0.1</a:t>
-            </a:r>
-            <a:r>
-              <a:rPr lang="en-US" altLang="zh-TW" sz="1400" dirty="0" smtClean="0">
-                <a:latin typeface="Times New Roman" panose="02020603050405020304" pitchFamily="18" charset="0"/>
-                <a:cs typeface="Times New Roman" panose="02020603050405020304" pitchFamily="18" charset="0"/>
-              </a:rPr>
-              <a:t> (OTG)</a:t>
+              <a:t>Android 6.0.1 (RJ-45), Android 6.0.1 (OTG)</a:t>
             </a:r>
           </a:p>
           <a:p>
@@ -13808,7 +14244,14 @@
                 <a:latin typeface="Times New Roman" panose="02020603050405020304" pitchFamily="18" charset="0"/>
                 <a:cs typeface="Times New Roman" panose="02020603050405020304" pitchFamily="18" charset="0"/>
               </a:rPr>
-              <a:t>Android 8.1.0</a:t>
+              <a:t>Android </a:t>
+            </a:r>
+            <a:r>
+              <a:rPr lang="en-US" altLang="zh-TW" sz="1400" dirty="0" smtClean="0">
+                <a:latin typeface="Times New Roman" panose="02020603050405020304" pitchFamily="18" charset="0"/>
+                <a:cs typeface="Times New Roman" panose="02020603050405020304" pitchFamily="18" charset="0"/>
+              </a:rPr>
+              <a:t>8.1.0</a:t>
             </a:r>
             <a:r>
               <a:rPr lang="zh-TW" altLang="en-US" sz="1400" dirty="0" smtClean="0">
@@ -13857,7 +14300,28 @@
                 <a:latin typeface="Times New Roman" panose="02020603050405020304" pitchFamily="18" charset="0"/>
                 <a:cs typeface="Times New Roman" panose="02020603050405020304" pitchFamily="18" charset="0"/>
               </a:rPr>
-              <a:t>Wi-Fi frequency switch automatic tool (2.4G, 5G)</a:t>
+              <a:t>Wi-Fi frequency switch </a:t>
+            </a:r>
+            <a:r>
+              <a:rPr lang="en-US" altLang="zh-TW" sz="1800" dirty="0" smtClean="0">
+                <a:latin typeface="Times New Roman" panose="02020603050405020304" pitchFamily="18" charset="0"/>
+                <a:cs typeface="Times New Roman" panose="02020603050405020304" pitchFamily="18" charset="0"/>
+              </a:rPr>
+              <a:t>automation (</a:t>
+            </a:r>
+            <a:r>
+              <a:rPr lang="en-US" altLang="zh-TW" sz="1800" dirty="0">
+                <a:latin typeface="Times New Roman" panose="02020603050405020304" pitchFamily="18" charset="0"/>
+                <a:cs typeface="Times New Roman" panose="02020603050405020304" pitchFamily="18" charset="0"/>
+              </a:rPr>
+              <a:t>2.4G</a:t>
+            </a:r>
+            <a:r>
+              <a:rPr lang="en-US" altLang="zh-TW" sz="1800" dirty="0" smtClean="0">
+                <a:latin typeface="Times New Roman" panose="02020603050405020304" pitchFamily="18" charset="0"/>
+                <a:cs typeface="Times New Roman" panose="02020603050405020304" pitchFamily="18" charset="0"/>
+              </a:rPr>
+              <a:t>, 5G)</a:t>
             </a:r>
           </a:p>
           <a:p>
@@ -13899,7 +14363,14 @@
                 <a:latin typeface="Times New Roman" panose="02020603050405020304" pitchFamily="18" charset="0"/>
                 <a:cs typeface="Times New Roman" panose="02020603050405020304" pitchFamily="18" charset="0"/>
               </a:rPr>
-              <a:t>PXE automatic installation</a:t>
+              <a:t>PXE automatic </a:t>
+            </a:r>
+            <a:r>
+              <a:rPr lang="en-US" altLang="zh-TW" sz="1800" dirty="0" smtClean="0">
+                <a:latin typeface="Times New Roman" panose="02020603050405020304" pitchFamily="18" charset="0"/>
+                <a:cs typeface="Times New Roman" panose="02020603050405020304" pitchFamily="18" charset="0"/>
+              </a:rPr>
+              <a:t>installation</a:t>
             </a:r>
           </a:p>
           <a:p>
@@ -13909,11 +14380,43 @@
               <a:defRPr/>
             </a:pPr>
             <a:r>
+              <a:rPr lang="en-US" altLang="zh-TW" sz="1800" dirty="0" err="1" smtClean="0">
+                <a:latin typeface="Times New Roman" panose="02020603050405020304" pitchFamily="18" charset="0"/>
+                <a:cs typeface="Times New Roman" panose="02020603050405020304" pitchFamily="18" charset="0"/>
+              </a:rPr>
+              <a:t>BurnInTest</a:t>
+            </a:r>
+            <a:r>
+              <a:rPr lang="en-US" altLang="zh-TW" sz="1800" dirty="0" smtClean="0">
+                <a:latin typeface="Times New Roman" panose="02020603050405020304" pitchFamily="18" charset="0"/>
+                <a:cs typeface="Times New Roman" panose="02020603050405020304" pitchFamily="18" charset="0"/>
+              </a:rPr>
+              <a:t> automation</a:t>
+            </a:r>
+            <a:endParaRPr lang="en-US" altLang="zh-TW" sz="1800" dirty="0" smtClean="0">
+              <a:latin typeface="Times New Roman" panose="02020603050405020304" pitchFamily="18" charset="0"/>
+              <a:cs typeface="Times New Roman" panose="02020603050405020304" pitchFamily="18" charset="0"/>
+            </a:endParaRPr>
+          </a:p>
+          <a:p>
+            <a:pPr eaLnBrk="1" hangingPunct="1">
+              <a:buFont typeface="Arial" charset="0"/>
+              <a:buChar char="•"/>
+              <a:defRPr/>
+            </a:pPr>
+            <a:r>
               <a:rPr lang="en-US" sz="1800" dirty="0" smtClean="0">
                 <a:latin typeface="Times New Roman" panose="02020603050405020304" pitchFamily="18" charset="0"/>
                 <a:cs typeface="Times New Roman" panose="02020603050405020304" pitchFamily="18" charset="0"/>
               </a:rPr>
-              <a:t>Continuous integration</a:t>
+              <a:t>Continuous </a:t>
+            </a:r>
+            <a:r>
+              <a:rPr lang="en-US" sz="1800" dirty="0" smtClean="0">
+                <a:latin typeface="Times New Roman" panose="02020603050405020304" pitchFamily="18" charset="0"/>
+                <a:cs typeface="Times New Roman" panose="02020603050405020304" pitchFamily="18" charset="0"/>
+              </a:rPr>
+              <a:t>Integration</a:t>
             </a:r>
             <a:endParaRPr lang="en-US" altLang="zh-TW" sz="1800" dirty="0">
               <a:latin typeface="Times New Roman" panose="02020603050405020304" pitchFamily="18" charset="0"/>
@@ -14202,7 +14705,27 @@
                 <a:latin typeface="Times New Roman" panose="02020603050405020304" pitchFamily="18" charset="0"/>
                 <a:cs typeface="Times New Roman" panose="02020603050405020304" pitchFamily="18" charset="0"/>
               </a:rPr>
-              <a:t>Roaming automatic tool</a:t>
+              <a:t>Roaming </a:t>
+            </a:r>
+            <a:r>
+              <a:rPr lang="en-US" altLang="zh-TW" sz="2800" kern="0" dirty="0" smtClean="0">
+                <a:solidFill>
+                  <a:srgbClr val="003366"/>
+                </a:solidFill>
+                <a:latin typeface="Times New Roman" panose="02020603050405020304" pitchFamily="18" charset="0"/>
+                <a:cs typeface="Times New Roman" panose="02020603050405020304" pitchFamily="18" charset="0"/>
+              </a:rPr>
+              <a:t>automation</a:t>
+            </a:r>
+            <a:r>
+              <a:rPr lang="en-US" altLang="zh-TW" sz="2800" kern="0" dirty="0" smtClean="0">
+                <a:solidFill>
+                  <a:srgbClr val="003366"/>
+                </a:solidFill>
+                <a:latin typeface="Times New Roman" panose="02020603050405020304" pitchFamily="18" charset="0"/>
+                <a:cs typeface="Times New Roman" panose="02020603050405020304" pitchFamily="18" charset="0"/>
+              </a:rPr>
+              <a:t/>
             </a:r>
             <a:br>
               <a:rPr lang="en-US" altLang="zh-TW" sz="2800" kern="0" dirty="0" smtClean="0">

--- a/kpi/Test Automation_Demo.pptx
+++ b/kpi/Test Automation_Demo.pptx
@@ -5,10 +5,10 @@
     <p:sldMasterId id="2147484176" r:id="rId1"/>
   </p:sldMasterIdLst>
   <p:notesMasterIdLst>
-    <p:notesMasterId r:id="rId24"/>
+    <p:notesMasterId r:id="rId32"/>
   </p:notesMasterIdLst>
   <p:handoutMasterIdLst>
-    <p:handoutMasterId r:id="rId25"/>
+    <p:handoutMasterId r:id="rId33"/>
   </p:handoutMasterIdLst>
   <p:sldIdLst>
     <p:sldId id="524" r:id="rId2"/>
@@ -22,17 +22,25 @@
     <p:sldId id="552" r:id="rId10"/>
     <p:sldId id="561" r:id="rId11"/>
     <p:sldId id="562" r:id="rId12"/>
-    <p:sldId id="553" r:id="rId13"/>
-    <p:sldId id="563" r:id="rId14"/>
-    <p:sldId id="564" r:id="rId15"/>
-    <p:sldId id="560" r:id="rId16"/>
-    <p:sldId id="555" r:id="rId17"/>
-    <p:sldId id="556" r:id="rId18"/>
-    <p:sldId id="557" r:id="rId19"/>
-    <p:sldId id="565" r:id="rId20"/>
-    <p:sldId id="559" r:id="rId21"/>
-    <p:sldId id="551" r:id="rId22"/>
-    <p:sldId id="523" r:id="rId23"/>
+    <p:sldId id="574" r:id="rId13"/>
+    <p:sldId id="553" r:id="rId14"/>
+    <p:sldId id="573" r:id="rId15"/>
+    <p:sldId id="564" r:id="rId16"/>
+    <p:sldId id="572" r:id="rId17"/>
+    <p:sldId id="560" r:id="rId18"/>
+    <p:sldId id="571" r:id="rId19"/>
+    <p:sldId id="555" r:id="rId20"/>
+    <p:sldId id="570" r:id="rId21"/>
+    <p:sldId id="556" r:id="rId22"/>
+    <p:sldId id="569" r:id="rId23"/>
+    <p:sldId id="557" r:id="rId24"/>
+    <p:sldId id="568" r:id="rId25"/>
+    <p:sldId id="565" r:id="rId26"/>
+    <p:sldId id="567" r:id="rId27"/>
+    <p:sldId id="559" r:id="rId28"/>
+    <p:sldId id="566" r:id="rId29"/>
+    <p:sldId id="551" r:id="rId30"/>
+    <p:sldId id="523" r:id="rId31"/>
   </p:sldIdLst>
   <p:sldSz cx="9144000" cy="5143500" type="screen16x9"/>
   <p:notesSz cx="7099300" cy="10234613"/>
@@ -1984,7 +1992,7 @@
     </p:spTree>
     <p:extLst>
       <p:ext uri="{BB962C8B-B14F-4D97-AF65-F5344CB8AC3E}">
-        <p14:creationId xmlns:p14="http://schemas.microsoft.com/office/powerpoint/2010/main" val="770017496"/>
+        <p14:creationId xmlns:p14="http://schemas.microsoft.com/office/powerpoint/2010/main" val="1957161656"/>
       </p:ext>
     </p:extLst>
   </p:cSld>
@@ -2098,6 +2106,686 @@
       </p:grpSpPr>
       <p:sp>
         <p:nvSpPr>
+          <p:cNvPr id="2" name="投影片圖像版面配置區 1"/>
+          <p:cNvSpPr>
+            <a:spLocks noGrp="1" noRot="1" noChangeAspect="1"/>
+          </p:cNvSpPr>
+          <p:nvPr>
+            <p:ph type="sldImg"/>
+          </p:nvPr>
+        </p:nvSpPr>
+        <p:spPr/>
+      </p:sp>
+      <p:sp>
+        <p:nvSpPr>
+          <p:cNvPr id="3" name="備忘稿版面配置區 2"/>
+          <p:cNvSpPr>
+            <a:spLocks noGrp="1"/>
+          </p:cNvSpPr>
+          <p:nvPr>
+            <p:ph type="body" idx="1"/>
+          </p:nvPr>
+        </p:nvSpPr>
+        <p:spPr/>
+        <p:txBody>
+          <a:bodyPr/>
+          <a:lstStyle/>
+          <a:p>
+            <a:endParaRPr lang="zh-TW" altLang="en-US" dirty="0"/>
+          </a:p>
+        </p:txBody>
+      </p:sp>
+      <p:sp>
+        <p:nvSpPr>
+          <p:cNvPr id="4" name="投影片編號版面配置區 3"/>
+          <p:cNvSpPr>
+            <a:spLocks noGrp="1"/>
+          </p:cNvSpPr>
+          <p:nvPr>
+            <p:ph type="sldNum" sz="quarter" idx="10"/>
+          </p:nvPr>
+        </p:nvSpPr>
+        <p:spPr/>
+        <p:txBody>
+          <a:bodyPr/>
+          <a:lstStyle/>
+          <a:p>
+            <a:fld id="{5FAE23DA-1601-498D-B2E3-972800982184}" type="slidenum">
+              <a:rPr lang="en-US" altLang="zh-TW" smtClean="0"/>
+              <a:pPr/>
+              <a:t>22</a:t>
+            </a:fld>
+            <a:endParaRPr lang="en-US" altLang="zh-TW"/>
+          </a:p>
+        </p:txBody>
+      </p:sp>
+    </p:spTree>
+    <p:extLst>
+      <p:ext uri="{BB962C8B-B14F-4D97-AF65-F5344CB8AC3E}">
+        <p14:creationId xmlns:p14="http://schemas.microsoft.com/office/powerpoint/2010/main" val="1957161656"/>
+      </p:ext>
+    </p:extLst>
+  </p:cSld>
+  <p:clrMapOvr>
+    <a:masterClrMapping/>
+  </p:clrMapOvr>
+</p:notes>
+</file>
+
+<file path=ppt/notesSlides/notesSlide21.xml><?xml version="1.0" encoding="utf-8"?>
+<p:notes xmlns:a="http://schemas.openxmlformats.org/drawingml/2006/main" xmlns:r="http://schemas.openxmlformats.org/officeDocument/2006/relationships" xmlns:p="http://schemas.openxmlformats.org/presentationml/2006/main">
+  <p:cSld>
+    <p:spTree>
+      <p:nvGrpSpPr>
+        <p:cNvPr id="1" name=""/>
+        <p:cNvGrpSpPr/>
+        <p:nvPr/>
+      </p:nvGrpSpPr>
+      <p:grpSpPr>
+        <a:xfrm>
+          <a:off x="0" y="0"/>
+          <a:ext cx="0" cy="0"/>
+          <a:chOff x="0" y="0"/>
+          <a:chExt cx="0" cy="0"/>
+        </a:xfrm>
+      </p:grpSpPr>
+      <p:sp>
+        <p:nvSpPr>
+          <p:cNvPr id="2" name="投影片圖像版面配置區 1"/>
+          <p:cNvSpPr>
+            <a:spLocks noGrp="1" noRot="1" noChangeAspect="1"/>
+          </p:cNvSpPr>
+          <p:nvPr>
+            <p:ph type="sldImg"/>
+          </p:nvPr>
+        </p:nvSpPr>
+        <p:spPr/>
+      </p:sp>
+      <p:sp>
+        <p:nvSpPr>
+          <p:cNvPr id="3" name="備忘稿版面配置區 2"/>
+          <p:cNvSpPr>
+            <a:spLocks noGrp="1"/>
+          </p:cNvSpPr>
+          <p:nvPr>
+            <p:ph type="body" idx="1"/>
+          </p:nvPr>
+        </p:nvSpPr>
+        <p:spPr/>
+        <p:txBody>
+          <a:bodyPr/>
+          <a:lstStyle/>
+          <a:p>
+            <a:endParaRPr lang="zh-TW" altLang="en-US" dirty="0"/>
+          </a:p>
+        </p:txBody>
+      </p:sp>
+      <p:sp>
+        <p:nvSpPr>
+          <p:cNvPr id="4" name="投影片編號版面配置區 3"/>
+          <p:cNvSpPr>
+            <a:spLocks noGrp="1"/>
+          </p:cNvSpPr>
+          <p:nvPr>
+            <p:ph type="sldNum" sz="quarter" idx="10"/>
+          </p:nvPr>
+        </p:nvSpPr>
+        <p:spPr/>
+        <p:txBody>
+          <a:bodyPr/>
+          <a:lstStyle/>
+          <a:p>
+            <a:fld id="{5FAE23DA-1601-498D-B2E3-972800982184}" type="slidenum">
+              <a:rPr lang="en-US" altLang="zh-TW" smtClean="0"/>
+              <a:pPr/>
+              <a:t>23</a:t>
+            </a:fld>
+            <a:endParaRPr lang="en-US" altLang="zh-TW"/>
+          </a:p>
+        </p:txBody>
+      </p:sp>
+    </p:spTree>
+    <p:extLst>
+      <p:ext uri="{BB962C8B-B14F-4D97-AF65-F5344CB8AC3E}">
+        <p14:creationId xmlns:p14="http://schemas.microsoft.com/office/powerpoint/2010/main" val="1957161656"/>
+      </p:ext>
+    </p:extLst>
+  </p:cSld>
+  <p:clrMapOvr>
+    <a:masterClrMapping/>
+  </p:clrMapOvr>
+</p:notes>
+</file>
+
+<file path=ppt/notesSlides/notesSlide22.xml><?xml version="1.0" encoding="utf-8"?>
+<p:notes xmlns:a="http://schemas.openxmlformats.org/drawingml/2006/main" xmlns:r="http://schemas.openxmlformats.org/officeDocument/2006/relationships" xmlns:p="http://schemas.openxmlformats.org/presentationml/2006/main">
+  <p:cSld>
+    <p:spTree>
+      <p:nvGrpSpPr>
+        <p:cNvPr id="1" name=""/>
+        <p:cNvGrpSpPr/>
+        <p:nvPr/>
+      </p:nvGrpSpPr>
+      <p:grpSpPr>
+        <a:xfrm>
+          <a:off x="0" y="0"/>
+          <a:ext cx="0" cy="0"/>
+          <a:chOff x="0" y="0"/>
+          <a:chExt cx="0" cy="0"/>
+        </a:xfrm>
+      </p:grpSpPr>
+      <p:sp>
+        <p:nvSpPr>
+          <p:cNvPr id="2" name="投影片圖像版面配置區 1"/>
+          <p:cNvSpPr>
+            <a:spLocks noGrp="1" noRot="1" noChangeAspect="1"/>
+          </p:cNvSpPr>
+          <p:nvPr>
+            <p:ph type="sldImg"/>
+          </p:nvPr>
+        </p:nvSpPr>
+        <p:spPr/>
+      </p:sp>
+      <p:sp>
+        <p:nvSpPr>
+          <p:cNvPr id="3" name="備忘稿版面配置區 2"/>
+          <p:cNvSpPr>
+            <a:spLocks noGrp="1"/>
+          </p:cNvSpPr>
+          <p:nvPr>
+            <p:ph type="body" idx="1"/>
+          </p:nvPr>
+        </p:nvSpPr>
+        <p:spPr/>
+        <p:txBody>
+          <a:bodyPr/>
+          <a:lstStyle/>
+          <a:p>
+            <a:endParaRPr lang="zh-TW" altLang="en-US" dirty="0"/>
+          </a:p>
+        </p:txBody>
+      </p:sp>
+      <p:sp>
+        <p:nvSpPr>
+          <p:cNvPr id="4" name="投影片編號版面配置區 3"/>
+          <p:cNvSpPr>
+            <a:spLocks noGrp="1"/>
+          </p:cNvSpPr>
+          <p:nvPr>
+            <p:ph type="sldNum" sz="quarter" idx="10"/>
+          </p:nvPr>
+        </p:nvSpPr>
+        <p:spPr/>
+        <p:txBody>
+          <a:bodyPr/>
+          <a:lstStyle/>
+          <a:p>
+            <a:fld id="{5FAE23DA-1601-498D-B2E3-972800982184}" type="slidenum">
+              <a:rPr lang="en-US" altLang="zh-TW" smtClean="0"/>
+              <a:pPr/>
+              <a:t>24</a:t>
+            </a:fld>
+            <a:endParaRPr lang="en-US" altLang="zh-TW"/>
+          </a:p>
+        </p:txBody>
+      </p:sp>
+    </p:spTree>
+    <p:extLst>
+      <p:ext uri="{BB962C8B-B14F-4D97-AF65-F5344CB8AC3E}">
+        <p14:creationId xmlns:p14="http://schemas.microsoft.com/office/powerpoint/2010/main" val="1957161656"/>
+      </p:ext>
+    </p:extLst>
+  </p:cSld>
+  <p:clrMapOvr>
+    <a:masterClrMapping/>
+  </p:clrMapOvr>
+</p:notes>
+</file>
+
+<file path=ppt/notesSlides/notesSlide23.xml><?xml version="1.0" encoding="utf-8"?>
+<p:notes xmlns:a="http://schemas.openxmlformats.org/drawingml/2006/main" xmlns:r="http://schemas.openxmlformats.org/officeDocument/2006/relationships" xmlns:p="http://schemas.openxmlformats.org/presentationml/2006/main">
+  <p:cSld>
+    <p:spTree>
+      <p:nvGrpSpPr>
+        <p:cNvPr id="1" name=""/>
+        <p:cNvGrpSpPr/>
+        <p:nvPr/>
+      </p:nvGrpSpPr>
+      <p:grpSpPr>
+        <a:xfrm>
+          <a:off x="0" y="0"/>
+          <a:ext cx="0" cy="0"/>
+          <a:chOff x="0" y="0"/>
+          <a:chExt cx="0" cy="0"/>
+        </a:xfrm>
+      </p:grpSpPr>
+      <p:sp>
+        <p:nvSpPr>
+          <p:cNvPr id="2" name="投影片圖像版面配置區 1"/>
+          <p:cNvSpPr>
+            <a:spLocks noGrp="1" noRot="1" noChangeAspect="1"/>
+          </p:cNvSpPr>
+          <p:nvPr>
+            <p:ph type="sldImg"/>
+          </p:nvPr>
+        </p:nvSpPr>
+        <p:spPr/>
+      </p:sp>
+      <p:sp>
+        <p:nvSpPr>
+          <p:cNvPr id="3" name="備忘稿版面配置區 2"/>
+          <p:cNvSpPr>
+            <a:spLocks noGrp="1"/>
+          </p:cNvSpPr>
+          <p:nvPr>
+            <p:ph type="body" idx="1"/>
+          </p:nvPr>
+        </p:nvSpPr>
+        <p:spPr/>
+        <p:txBody>
+          <a:bodyPr/>
+          <a:lstStyle/>
+          <a:p>
+            <a:endParaRPr lang="zh-TW" altLang="en-US" dirty="0"/>
+          </a:p>
+        </p:txBody>
+      </p:sp>
+      <p:sp>
+        <p:nvSpPr>
+          <p:cNvPr id="4" name="投影片編號版面配置區 3"/>
+          <p:cNvSpPr>
+            <a:spLocks noGrp="1"/>
+          </p:cNvSpPr>
+          <p:nvPr>
+            <p:ph type="sldNum" sz="quarter" idx="10"/>
+          </p:nvPr>
+        </p:nvSpPr>
+        <p:spPr/>
+        <p:txBody>
+          <a:bodyPr/>
+          <a:lstStyle/>
+          <a:p>
+            <a:fld id="{5FAE23DA-1601-498D-B2E3-972800982184}" type="slidenum">
+              <a:rPr lang="en-US" altLang="zh-TW" smtClean="0"/>
+              <a:pPr/>
+              <a:t>25</a:t>
+            </a:fld>
+            <a:endParaRPr lang="en-US" altLang="zh-TW"/>
+          </a:p>
+        </p:txBody>
+      </p:sp>
+    </p:spTree>
+    <p:extLst>
+      <p:ext uri="{BB962C8B-B14F-4D97-AF65-F5344CB8AC3E}">
+        <p14:creationId xmlns:p14="http://schemas.microsoft.com/office/powerpoint/2010/main" val="1957161656"/>
+      </p:ext>
+    </p:extLst>
+  </p:cSld>
+  <p:clrMapOvr>
+    <a:masterClrMapping/>
+  </p:clrMapOvr>
+</p:notes>
+</file>
+
+<file path=ppt/notesSlides/notesSlide24.xml><?xml version="1.0" encoding="utf-8"?>
+<p:notes xmlns:a="http://schemas.openxmlformats.org/drawingml/2006/main" xmlns:r="http://schemas.openxmlformats.org/officeDocument/2006/relationships" xmlns:p="http://schemas.openxmlformats.org/presentationml/2006/main">
+  <p:cSld>
+    <p:spTree>
+      <p:nvGrpSpPr>
+        <p:cNvPr id="1" name=""/>
+        <p:cNvGrpSpPr/>
+        <p:nvPr/>
+      </p:nvGrpSpPr>
+      <p:grpSpPr>
+        <a:xfrm>
+          <a:off x="0" y="0"/>
+          <a:ext cx="0" cy="0"/>
+          <a:chOff x="0" y="0"/>
+          <a:chExt cx="0" cy="0"/>
+        </a:xfrm>
+      </p:grpSpPr>
+      <p:sp>
+        <p:nvSpPr>
+          <p:cNvPr id="2" name="投影片圖像版面配置區 1"/>
+          <p:cNvSpPr>
+            <a:spLocks noGrp="1" noRot="1" noChangeAspect="1"/>
+          </p:cNvSpPr>
+          <p:nvPr>
+            <p:ph type="sldImg"/>
+          </p:nvPr>
+        </p:nvSpPr>
+        <p:spPr/>
+      </p:sp>
+      <p:sp>
+        <p:nvSpPr>
+          <p:cNvPr id="3" name="備忘稿版面配置區 2"/>
+          <p:cNvSpPr>
+            <a:spLocks noGrp="1"/>
+          </p:cNvSpPr>
+          <p:nvPr>
+            <p:ph type="body" idx="1"/>
+          </p:nvPr>
+        </p:nvSpPr>
+        <p:spPr/>
+        <p:txBody>
+          <a:bodyPr/>
+          <a:lstStyle/>
+          <a:p>
+            <a:endParaRPr lang="zh-TW" altLang="en-US" dirty="0"/>
+          </a:p>
+        </p:txBody>
+      </p:sp>
+      <p:sp>
+        <p:nvSpPr>
+          <p:cNvPr id="4" name="投影片編號版面配置區 3"/>
+          <p:cNvSpPr>
+            <a:spLocks noGrp="1"/>
+          </p:cNvSpPr>
+          <p:nvPr>
+            <p:ph type="sldNum" sz="quarter" idx="10"/>
+          </p:nvPr>
+        </p:nvSpPr>
+        <p:spPr/>
+        <p:txBody>
+          <a:bodyPr/>
+          <a:lstStyle/>
+          <a:p>
+            <a:fld id="{5FAE23DA-1601-498D-B2E3-972800982184}" type="slidenum">
+              <a:rPr lang="en-US" altLang="zh-TW" smtClean="0"/>
+              <a:pPr/>
+              <a:t>26</a:t>
+            </a:fld>
+            <a:endParaRPr lang="en-US" altLang="zh-TW"/>
+          </a:p>
+        </p:txBody>
+      </p:sp>
+    </p:spTree>
+    <p:extLst>
+      <p:ext uri="{BB962C8B-B14F-4D97-AF65-F5344CB8AC3E}">
+        <p14:creationId xmlns:p14="http://schemas.microsoft.com/office/powerpoint/2010/main" val="1957161656"/>
+      </p:ext>
+    </p:extLst>
+  </p:cSld>
+  <p:clrMapOvr>
+    <a:masterClrMapping/>
+  </p:clrMapOvr>
+</p:notes>
+</file>
+
+<file path=ppt/notesSlides/notesSlide25.xml><?xml version="1.0" encoding="utf-8"?>
+<p:notes xmlns:a="http://schemas.openxmlformats.org/drawingml/2006/main" xmlns:r="http://schemas.openxmlformats.org/officeDocument/2006/relationships" xmlns:p="http://schemas.openxmlformats.org/presentationml/2006/main">
+  <p:cSld>
+    <p:spTree>
+      <p:nvGrpSpPr>
+        <p:cNvPr id="1" name=""/>
+        <p:cNvGrpSpPr/>
+        <p:nvPr/>
+      </p:nvGrpSpPr>
+      <p:grpSpPr>
+        <a:xfrm>
+          <a:off x="0" y="0"/>
+          <a:ext cx="0" cy="0"/>
+          <a:chOff x="0" y="0"/>
+          <a:chExt cx="0" cy="0"/>
+        </a:xfrm>
+      </p:grpSpPr>
+      <p:sp>
+        <p:nvSpPr>
+          <p:cNvPr id="2" name="投影片圖像版面配置區 1"/>
+          <p:cNvSpPr>
+            <a:spLocks noGrp="1" noRot="1" noChangeAspect="1"/>
+          </p:cNvSpPr>
+          <p:nvPr>
+            <p:ph type="sldImg"/>
+          </p:nvPr>
+        </p:nvSpPr>
+        <p:spPr/>
+      </p:sp>
+      <p:sp>
+        <p:nvSpPr>
+          <p:cNvPr id="3" name="備忘稿版面配置區 2"/>
+          <p:cNvSpPr>
+            <a:spLocks noGrp="1"/>
+          </p:cNvSpPr>
+          <p:nvPr>
+            <p:ph type="body" idx="1"/>
+          </p:nvPr>
+        </p:nvSpPr>
+        <p:spPr/>
+        <p:txBody>
+          <a:bodyPr/>
+          <a:lstStyle/>
+          <a:p>
+            <a:endParaRPr lang="zh-TW" altLang="en-US" dirty="0"/>
+          </a:p>
+        </p:txBody>
+      </p:sp>
+      <p:sp>
+        <p:nvSpPr>
+          <p:cNvPr id="4" name="投影片編號版面配置區 3"/>
+          <p:cNvSpPr>
+            <a:spLocks noGrp="1"/>
+          </p:cNvSpPr>
+          <p:nvPr>
+            <p:ph type="sldNum" sz="quarter" idx="10"/>
+          </p:nvPr>
+        </p:nvSpPr>
+        <p:spPr/>
+        <p:txBody>
+          <a:bodyPr/>
+          <a:lstStyle/>
+          <a:p>
+            <a:fld id="{5FAE23DA-1601-498D-B2E3-972800982184}" type="slidenum">
+              <a:rPr lang="en-US" altLang="zh-TW" smtClean="0"/>
+              <a:pPr/>
+              <a:t>27</a:t>
+            </a:fld>
+            <a:endParaRPr lang="en-US" altLang="zh-TW"/>
+          </a:p>
+        </p:txBody>
+      </p:sp>
+    </p:spTree>
+    <p:extLst>
+      <p:ext uri="{BB962C8B-B14F-4D97-AF65-F5344CB8AC3E}">
+        <p14:creationId xmlns:p14="http://schemas.microsoft.com/office/powerpoint/2010/main" val="1957161656"/>
+      </p:ext>
+    </p:extLst>
+  </p:cSld>
+  <p:clrMapOvr>
+    <a:masterClrMapping/>
+  </p:clrMapOvr>
+</p:notes>
+</file>
+
+<file path=ppt/notesSlides/notesSlide26.xml><?xml version="1.0" encoding="utf-8"?>
+<p:notes xmlns:a="http://schemas.openxmlformats.org/drawingml/2006/main" xmlns:r="http://schemas.openxmlformats.org/officeDocument/2006/relationships" xmlns:p="http://schemas.openxmlformats.org/presentationml/2006/main">
+  <p:cSld>
+    <p:spTree>
+      <p:nvGrpSpPr>
+        <p:cNvPr id="1" name=""/>
+        <p:cNvGrpSpPr/>
+        <p:nvPr/>
+      </p:nvGrpSpPr>
+      <p:grpSpPr>
+        <a:xfrm>
+          <a:off x="0" y="0"/>
+          <a:ext cx="0" cy="0"/>
+          <a:chOff x="0" y="0"/>
+          <a:chExt cx="0" cy="0"/>
+        </a:xfrm>
+      </p:grpSpPr>
+      <p:sp>
+        <p:nvSpPr>
+          <p:cNvPr id="2" name="投影片圖像版面配置區 1"/>
+          <p:cNvSpPr>
+            <a:spLocks noGrp="1" noRot="1" noChangeAspect="1"/>
+          </p:cNvSpPr>
+          <p:nvPr>
+            <p:ph type="sldImg"/>
+          </p:nvPr>
+        </p:nvSpPr>
+        <p:spPr/>
+      </p:sp>
+      <p:sp>
+        <p:nvSpPr>
+          <p:cNvPr id="3" name="備忘稿版面配置區 2"/>
+          <p:cNvSpPr>
+            <a:spLocks noGrp="1"/>
+          </p:cNvSpPr>
+          <p:nvPr>
+            <p:ph type="body" idx="1"/>
+          </p:nvPr>
+        </p:nvSpPr>
+        <p:spPr/>
+        <p:txBody>
+          <a:bodyPr/>
+          <a:lstStyle/>
+          <a:p>
+            <a:endParaRPr lang="zh-TW" altLang="en-US" dirty="0"/>
+          </a:p>
+        </p:txBody>
+      </p:sp>
+      <p:sp>
+        <p:nvSpPr>
+          <p:cNvPr id="4" name="投影片編號版面配置區 3"/>
+          <p:cNvSpPr>
+            <a:spLocks noGrp="1"/>
+          </p:cNvSpPr>
+          <p:nvPr>
+            <p:ph type="sldNum" sz="quarter" idx="10"/>
+          </p:nvPr>
+        </p:nvSpPr>
+        <p:spPr/>
+        <p:txBody>
+          <a:bodyPr/>
+          <a:lstStyle/>
+          <a:p>
+            <a:fld id="{5FAE23DA-1601-498D-B2E3-972800982184}" type="slidenum">
+              <a:rPr lang="en-US" altLang="zh-TW" smtClean="0"/>
+              <a:pPr/>
+              <a:t>28</a:t>
+            </a:fld>
+            <a:endParaRPr lang="en-US" altLang="zh-TW"/>
+          </a:p>
+        </p:txBody>
+      </p:sp>
+    </p:spTree>
+    <p:extLst>
+      <p:ext uri="{BB962C8B-B14F-4D97-AF65-F5344CB8AC3E}">
+        <p14:creationId xmlns:p14="http://schemas.microsoft.com/office/powerpoint/2010/main" val="1957161656"/>
+      </p:ext>
+    </p:extLst>
+  </p:cSld>
+  <p:clrMapOvr>
+    <a:masterClrMapping/>
+  </p:clrMapOvr>
+</p:notes>
+</file>
+
+<file path=ppt/notesSlides/notesSlide27.xml><?xml version="1.0" encoding="utf-8"?>
+<p:notes xmlns:a="http://schemas.openxmlformats.org/drawingml/2006/main" xmlns:r="http://schemas.openxmlformats.org/officeDocument/2006/relationships" xmlns:p="http://schemas.openxmlformats.org/presentationml/2006/main">
+  <p:cSld>
+    <p:spTree>
+      <p:nvGrpSpPr>
+        <p:cNvPr id="1" name=""/>
+        <p:cNvGrpSpPr/>
+        <p:nvPr/>
+      </p:nvGrpSpPr>
+      <p:grpSpPr>
+        <a:xfrm>
+          <a:off x="0" y="0"/>
+          <a:ext cx="0" cy="0"/>
+          <a:chOff x="0" y="0"/>
+          <a:chExt cx="0" cy="0"/>
+        </a:xfrm>
+      </p:grpSpPr>
+      <p:sp>
+        <p:nvSpPr>
+          <p:cNvPr id="2" name="投影片圖像版面配置區 1"/>
+          <p:cNvSpPr>
+            <a:spLocks noGrp="1" noRot="1" noChangeAspect="1"/>
+          </p:cNvSpPr>
+          <p:nvPr>
+            <p:ph type="sldImg"/>
+          </p:nvPr>
+        </p:nvSpPr>
+        <p:spPr/>
+      </p:sp>
+      <p:sp>
+        <p:nvSpPr>
+          <p:cNvPr id="3" name="備忘稿版面配置區 2"/>
+          <p:cNvSpPr>
+            <a:spLocks noGrp="1"/>
+          </p:cNvSpPr>
+          <p:nvPr>
+            <p:ph type="body" idx="1"/>
+          </p:nvPr>
+        </p:nvSpPr>
+        <p:spPr/>
+        <p:txBody>
+          <a:bodyPr/>
+          <a:lstStyle/>
+          <a:p>
+            <a:endParaRPr lang="zh-TW" altLang="en-US" dirty="0"/>
+          </a:p>
+        </p:txBody>
+      </p:sp>
+      <p:sp>
+        <p:nvSpPr>
+          <p:cNvPr id="4" name="投影片編號版面配置區 3"/>
+          <p:cNvSpPr>
+            <a:spLocks noGrp="1"/>
+          </p:cNvSpPr>
+          <p:nvPr>
+            <p:ph type="sldNum" sz="quarter" idx="10"/>
+          </p:nvPr>
+        </p:nvSpPr>
+        <p:spPr/>
+        <p:txBody>
+          <a:bodyPr/>
+          <a:lstStyle/>
+          <a:p>
+            <a:fld id="{5FAE23DA-1601-498D-B2E3-972800982184}" type="slidenum">
+              <a:rPr lang="en-US" altLang="zh-TW" smtClean="0"/>
+              <a:pPr/>
+              <a:t>29</a:t>
+            </a:fld>
+            <a:endParaRPr lang="en-US" altLang="zh-TW"/>
+          </a:p>
+        </p:txBody>
+      </p:sp>
+    </p:spTree>
+    <p:extLst>
+      <p:ext uri="{BB962C8B-B14F-4D97-AF65-F5344CB8AC3E}">
+        <p14:creationId xmlns:p14="http://schemas.microsoft.com/office/powerpoint/2010/main" val="770017496"/>
+      </p:ext>
+    </p:extLst>
+  </p:cSld>
+  <p:clrMapOvr>
+    <a:masterClrMapping/>
+  </p:clrMapOvr>
+</p:notes>
+</file>
+
+<file path=ppt/notesSlides/notesSlide28.xml><?xml version="1.0" encoding="utf-8"?>
+<p:notes xmlns:a="http://schemas.openxmlformats.org/drawingml/2006/main" xmlns:r="http://schemas.openxmlformats.org/officeDocument/2006/relationships" xmlns:p="http://schemas.openxmlformats.org/presentationml/2006/main">
+  <p:cSld>
+    <p:spTree>
+      <p:nvGrpSpPr>
+        <p:cNvPr id="1" name=""/>
+        <p:cNvGrpSpPr/>
+        <p:nvPr/>
+      </p:nvGrpSpPr>
+      <p:grpSpPr>
+        <a:xfrm>
+          <a:off x="0" y="0"/>
+          <a:ext cx="0" cy="0"/>
+          <a:chOff x="0" y="0"/>
+          <a:chExt cx="0" cy="0"/>
+        </a:xfrm>
+      </p:grpSpPr>
+      <p:sp>
+        <p:nvSpPr>
           <p:cNvPr id="45058" name="投影片圖像版面配置區 1"/>
           <p:cNvSpPr>
             <a:spLocks noGrp="1" noRot="1" noChangeAspect="1" noTextEdit="1"/>
@@ -2325,7 +3013,7 @@
                   <a:spcPct val="0"/>
                 </a:spcBef>
               </a:pPr>
-              <a:t>22</a:t>
+              <a:t>30</a:t>
             </a:fld>
             <a:endParaRPr lang="en-US" altLang="zh-TW" sz="1300">
               <a:latin typeface="Garamond" panose="02020404030301010803" pitchFamily="18" charset="0"/>
@@ -7464,7 +8152,7 @@
           <a:bodyPr/>
           <a:lstStyle/>
           <a:p>
-            <a:pPr marL="342900" lvl="1" indent="-342900" eaLnBrk="1" hangingPunct="1">
+            <a:pPr eaLnBrk="1" hangingPunct="1">
               <a:buFont typeface="Arial" charset="0"/>
               <a:buChar char="•"/>
               <a:defRPr/>
@@ -7474,34 +8162,9 @@
                 <a:latin typeface="Times New Roman" panose="02020603050405020304" pitchFamily="18" charset="0"/>
                 <a:cs typeface="Times New Roman" panose="02020603050405020304" pitchFamily="18" charset="0"/>
               </a:rPr>
-              <a:t>Android 6.0.1 (RJ-45), Android 6.0.1 (OTG</a:t>
-            </a:r>
-            <a:r>
-              <a:rPr lang="en-US" altLang="zh-TW" sz="1800" dirty="0" smtClean="0">
-                <a:latin typeface="Times New Roman" panose="02020603050405020304" pitchFamily="18" charset="0"/>
-                <a:cs typeface="Times New Roman" panose="02020603050405020304" pitchFamily="18" charset="0"/>
-              </a:rPr>
-              <a:t>)</a:t>
-            </a:r>
-            <a:endParaRPr lang="en-US" altLang="zh-TW" sz="1800" dirty="0">
-              <a:latin typeface="Times New Roman" panose="02020603050405020304" pitchFamily="18" charset="0"/>
-              <a:cs typeface="Times New Roman" panose="02020603050405020304" pitchFamily="18" charset="0"/>
-            </a:endParaRPr>
-          </a:p>
-          <a:p>
-            <a:pPr marL="342900" lvl="1" indent="-342900" eaLnBrk="1" hangingPunct="1">
-              <a:buFont typeface="Arial" charset="0"/>
-              <a:buChar char="•"/>
-              <a:defRPr/>
-            </a:pPr>
-            <a:r>
-              <a:rPr lang="en-US" altLang="zh-TW" sz="1800" dirty="0" smtClean="0">
-                <a:latin typeface="Times New Roman" panose="02020603050405020304" pitchFamily="18" charset="0"/>
-                <a:cs typeface="Times New Roman" panose="02020603050405020304" pitchFamily="18" charset="0"/>
-              </a:rPr>
-              <a:t>System Structure</a:t>
-            </a:r>
-            <a:endParaRPr lang="en-US" altLang="zh-TW" sz="1800" dirty="0">
+              <a:t>Conclusion</a:t>
+            </a:r>
+            <a:endParaRPr lang="en-US" altLang="zh-TW" sz="1800" dirty="0" smtClean="0">
               <a:latin typeface="Times New Roman" panose="02020603050405020304" pitchFamily="18" charset="0"/>
               <a:cs typeface="Times New Roman" panose="02020603050405020304" pitchFamily="18" charset="0"/>
             </a:endParaRPr>
@@ -7539,7 +8202,7 @@
                 <a:latin typeface="Times New Roman" panose="02020603050405020304" pitchFamily="18" charset="0"/>
                 <a:cs typeface="Times New Roman" panose="02020603050405020304" pitchFamily="18" charset="0"/>
               </a:rPr>
-              <a:t>Airplane </a:t>
+              <a:t>Roaming </a:t>
             </a:r>
             <a:r>
               <a:rPr lang="en-US" altLang="zh-TW" sz="2800" kern="0" dirty="0">
@@ -7549,30 +8212,20 @@
                 <a:latin typeface="Times New Roman" panose="02020603050405020304" pitchFamily="18" charset="0"/>
                 <a:cs typeface="Times New Roman" panose="02020603050405020304" pitchFamily="18" charset="0"/>
               </a:rPr>
-              <a:t>on/off mode </a:t>
-            </a:r>
-            <a:r>
-              <a:rPr lang="en-US" altLang="zh-TW" sz="2800" kern="0" dirty="0">
+              <a:t>automation</a:t>
+            </a:r>
+            <a:r>
+              <a:rPr lang="en-US" altLang="zh-TW" sz="2800" kern="0" dirty="0" smtClean="0">
                 <a:solidFill>
                   <a:srgbClr val="003366"/>
                 </a:solidFill>
                 <a:latin typeface="Times New Roman" panose="02020603050405020304" pitchFamily="18" charset="0"/>
                 <a:cs typeface="Times New Roman" panose="02020603050405020304" pitchFamily="18" charset="0"/>
               </a:rPr>
-              <a:t>automation</a:t>
-            </a:r>
-            <a:r>
-              <a:rPr lang="en-US" altLang="zh-TW" sz="2800" kern="0" dirty="0">
-                <a:solidFill>
-                  <a:srgbClr val="003366"/>
-                </a:solidFill>
-                <a:latin typeface="Times New Roman" panose="02020603050405020304" pitchFamily="18" charset="0"/>
-                <a:cs typeface="Times New Roman" panose="02020603050405020304" pitchFamily="18" charset="0"/>
-              </a:rPr>
               <a:t/>
             </a:r>
             <a:br>
-              <a:rPr lang="en-US" altLang="zh-TW" sz="2800" kern="0" dirty="0">
+              <a:rPr lang="en-US" altLang="zh-TW" sz="2800" kern="0" dirty="0" smtClean="0">
                 <a:solidFill>
                   <a:srgbClr val="003366"/>
                 </a:solidFill>
@@ -7593,7 +8246,7 @@
     </p:spTree>
     <p:extLst>
       <p:ext uri="{BB962C8B-B14F-4D97-AF65-F5344CB8AC3E}">
-        <p14:creationId xmlns:p14="http://schemas.microsoft.com/office/powerpoint/2010/main" val="3412901425"/>
+        <p14:creationId xmlns:p14="http://schemas.microsoft.com/office/powerpoint/2010/main" val="3924666469"/>
       </p:ext>
     </p:extLst>
   </p:cSld>
@@ -7751,22 +8404,19 @@
                 <a:latin typeface="Times New Roman" panose="02020603050405020304" pitchFamily="18" charset="0"/>
                 <a:cs typeface="Times New Roman" panose="02020603050405020304" pitchFamily="18" charset="0"/>
               </a:rPr>
-              <a:t>Android 8.1.0</a:t>
-            </a:r>
-            <a:r>
-              <a:rPr lang="zh-TW" altLang="en-US" sz="1800" dirty="0">
-                <a:latin typeface="Times New Roman" panose="02020603050405020304" pitchFamily="18" charset="0"/>
-                <a:cs typeface="Times New Roman" panose="02020603050405020304" pitchFamily="18" charset="0"/>
-              </a:rPr>
-              <a:t> </a:t>
-            </a:r>
-            <a:r>
-              <a:rPr lang="en-US" altLang="zh-TW" sz="1800" dirty="0">
-                <a:latin typeface="Times New Roman" panose="02020603050405020304" pitchFamily="18" charset="0"/>
-                <a:cs typeface="Times New Roman" panose="02020603050405020304" pitchFamily="18" charset="0"/>
-              </a:rPr>
-              <a:t>(RJ-45), Android 8.1.0 (OTG)</a:t>
-            </a:r>
+              <a:t>Android 6.0.1 (RJ-45), Android 6.0.1 (OTG</a:t>
+            </a:r>
+            <a:r>
+              <a:rPr lang="en-US" altLang="zh-TW" sz="1800" dirty="0" smtClean="0">
+                <a:latin typeface="Times New Roman" panose="02020603050405020304" pitchFamily="18" charset="0"/>
+                <a:cs typeface="Times New Roman" panose="02020603050405020304" pitchFamily="18" charset="0"/>
+              </a:rPr>
+              <a:t>)</a:t>
+            </a:r>
+            <a:endParaRPr lang="en-US" altLang="zh-TW" sz="1800" dirty="0">
+              <a:latin typeface="Times New Roman" panose="02020603050405020304" pitchFamily="18" charset="0"/>
+              <a:cs typeface="Times New Roman" panose="02020603050405020304" pitchFamily="18" charset="0"/>
+            </a:endParaRPr>
           </a:p>
           <a:p>
             <a:pPr marL="342900" lvl="1" indent="-342900" eaLnBrk="1" hangingPunct="1">
@@ -7779,22 +8429,8 @@
                 <a:latin typeface="Times New Roman" panose="02020603050405020304" pitchFamily="18" charset="0"/>
                 <a:cs typeface="Times New Roman" panose="02020603050405020304" pitchFamily="18" charset="0"/>
               </a:rPr>
-              <a:t>System </a:t>
-            </a:r>
-            <a:r>
-              <a:rPr lang="en-US" altLang="zh-TW" sz="1800" dirty="0">
-                <a:latin typeface="Times New Roman" panose="02020603050405020304" pitchFamily="18" charset="0"/>
-                <a:cs typeface="Times New Roman" panose="02020603050405020304" pitchFamily="18" charset="0"/>
-              </a:rPr>
-              <a:t>Structure</a:t>
-            </a:r>
-          </a:p>
-          <a:p>
-            <a:pPr eaLnBrk="1" hangingPunct="1">
-              <a:buFont typeface="Arial" charset="0"/>
-              <a:buChar char="•"/>
-              <a:defRPr/>
-            </a:pPr>
+              <a:t>System Structure</a:t>
+            </a:r>
             <a:endParaRPr lang="en-US" altLang="zh-TW" sz="1800" dirty="0">
               <a:latin typeface="Times New Roman" panose="02020603050405020304" pitchFamily="18" charset="0"/>
               <a:cs typeface="Times New Roman" panose="02020603050405020304" pitchFamily="18" charset="0"/>
@@ -7843,27 +8479,7 @@
                 <a:latin typeface="Times New Roman" panose="02020603050405020304" pitchFamily="18" charset="0"/>
                 <a:cs typeface="Times New Roman" panose="02020603050405020304" pitchFamily="18" charset="0"/>
               </a:rPr>
-              <a:t>on/off mode </a:t>
-            </a:r>
-            <a:r>
-              <a:rPr lang="en-US" altLang="zh-TW" sz="2800" kern="0" dirty="0">
-                <a:solidFill>
-                  <a:srgbClr val="003366"/>
-                </a:solidFill>
-                <a:latin typeface="Times New Roman" panose="02020603050405020304" pitchFamily="18" charset="0"/>
-                <a:cs typeface="Times New Roman" panose="02020603050405020304" pitchFamily="18" charset="0"/>
-              </a:rPr>
-              <a:t>automation</a:t>
-            </a:r>
-            <a:r>
-              <a:rPr lang="en-US" altLang="zh-TW" sz="2800" kern="0" dirty="0">
-                <a:solidFill>
-                  <a:srgbClr val="003366"/>
-                </a:solidFill>
-                <a:latin typeface="Times New Roman" panose="02020603050405020304" pitchFamily="18" charset="0"/>
-                <a:cs typeface="Times New Roman" panose="02020603050405020304" pitchFamily="18" charset="0"/>
-              </a:rPr>
-              <a:t/>
+              <a:t>on/off mode automation</a:t>
             </a:r>
             <a:br>
               <a:rPr lang="en-US" altLang="zh-TW" sz="2800" kern="0" dirty="0">
@@ -7887,7 +8503,7 @@
     </p:spTree>
     <p:extLst>
       <p:ext uri="{BB962C8B-B14F-4D97-AF65-F5344CB8AC3E}">
-        <p14:creationId xmlns:p14="http://schemas.microsoft.com/office/powerpoint/2010/main" val="3614060286"/>
+        <p14:creationId xmlns:p14="http://schemas.microsoft.com/office/powerpoint/2010/main" val="3412901425"/>
       </p:ext>
     </p:extLst>
   </p:cSld>
@@ -8041,16 +8657,26 @@
               <a:defRPr/>
             </a:pPr>
             <a:r>
-              <a:rPr lang="en-US" altLang="zh-TW" sz="1800" dirty="0" smtClean="0">
-                <a:latin typeface="Times New Roman" panose="02020603050405020304" pitchFamily="18" charset="0"/>
-                <a:cs typeface="Times New Roman" panose="02020603050405020304" pitchFamily="18" charset="0"/>
-              </a:rPr>
-              <a:t>Windows</a:t>
-            </a:r>
-            <a:endParaRPr lang="en-US" altLang="zh-TW" sz="1800" dirty="0">
-              <a:latin typeface="Times New Roman" panose="02020603050405020304" pitchFamily="18" charset="0"/>
-              <a:cs typeface="Times New Roman" panose="02020603050405020304" pitchFamily="18" charset="0"/>
-            </a:endParaRPr>
+              <a:rPr lang="en-US" altLang="zh-TW" sz="1800" dirty="0">
+                <a:latin typeface="Times New Roman" panose="02020603050405020304" pitchFamily="18" charset="0"/>
+                <a:cs typeface="Times New Roman" panose="02020603050405020304" pitchFamily="18" charset="0"/>
+              </a:rPr>
+              <a:t>Android 8.1.0</a:t>
+            </a:r>
+            <a:r>
+              <a:rPr lang="zh-TW" altLang="en-US" sz="1800" dirty="0">
+                <a:latin typeface="Times New Roman" panose="02020603050405020304" pitchFamily="18" charset="0"/>
+                <a:cs typeface="Times New Roman" panose="02020603050405020304" pitchFamily="18" charset="0"/>
+              </a:rPr>
+              <a:t> </a:t>
+            </a:r>
+            <a:r>
+              <a:rPr lang="en-US" altLang="zh-TW" sz="1800" dirty="0">
+                <a:latin typeface="Times New Roman" panose="02020603050405020304" pitchFamily="18" charset="0"/>
+                <a:cs typeface="Times New Roman" panose="02020603050405020304" pitchFamily="18" charset="0"/>
+              </a:rPr>
+              <a:t>(RJ-45), Android 8.1.0 (OTG)</a:t>
+            </a:r>
           </a:p>
           <a:p>
             <a:pPr marL="342900" lvl="1" indent="-342900" eaLnBrk="1" hangingPunct="1">
@@ -8059,11 +8685,18 @@
               <a:defRPr/>
             </a:pPr>
             <a:r>
+              <a:rPr lang="en-US" altLang="zh-TW" sz="1800" dirty="0" smtClean="0">
+                <a:latin typeface="Times New Roman" panose="02020603050405020304" pitchFamily="18" charset="0"/>
+                <a:cs typeface="Times New Roman" panose="02020603050405020304" pitchFamily="18" charset="0"/>
+              </a:rPr>
+              <a:t>System </a:t>
+            </a:r>
+            <a:r>
               <a:rPr lang="en-US" altLang="zh-TW" sz="1800" dirty="0">
                 <a:latin typeface="Times New Roman" panose="02020603050405020304" pitchFamily="18" charset="0"/>
                 <a:cs typeface="Times New Roman" panose="02020603050405020304" pitchFamily="18" charset="0"/>
               </a:rPr>
-              <a:t>System Structure</a:t>
+              <a:t>Structure</a:t>
             </a:r>
           </a:p>
           <a:p>
@@ -8120,27 +8753,7 @@
                 <a:latin typeface="Times New Roman" panose="02020603050405020304" pitchFamily="18" charset="0"/>
                 <a:cs typeface="Times New Roman" panose="02020603050405020304" pitchFamily="18" charset="0"/>
               </a:rPr>
-              <a:t>on/off mode </a:t>
-            </a:r>
-            <a:r>
-              <a:rPr lang="en-US" altLang="zh-TW" sz="2800" kern="0" dirty="0">
-                <a:solidFill>
-                  <a:srgbClr val="003366"/>
-                </a:solidFill>
-                <a:latin typeface="Times New Roman" panose="02020603050405020304" pitchFamily="18" charset="0"/>
-                <a:cs typeface="Times New Roman" panose="02020603050405020304" pitchFamily="18" charset="0"/>
-              </a:rPr>
-              <a:t>automation</a:t>
-            </a:r>
-            <a:r>
-              <a:rPr lang="en-US" altLang="zh-TW" sz="2800" kern="0" dirty="0">
-                <a:solidFill>
-                  <a:srgbClr val="003366"/>
-                </a:solidFill>
-                <a:latin typeface="Times New Roman" panose="02020603050405020304" pitchFamily="18" charset="0"/>
-                <a:cs typeface="Times New Roman" panose="02020603050405020304" pitchFamily="18" charset="0"/>
-              </a:rPr>
-              <a:t/>
+              <a:t>on/off mode automation</a:t>
             </a:r>
             <a:br>
               <a:rPr lang="en-US" altLang="zh-TW" sz="2800" kern="0" dirty="0">
@@ -8164,7 +8777,7 @@
     </p:spTree>
     <p:extLst>
       <p:ext uri="{BB962C8B-B14F-4D97-AF65-F5344CB8AC3E}">
-        <p14:creationId xmlns:p14="http://schemas.microsoft.com/office/powerpoint/2010/main" val="3614060286"/>
+        <p14:creationId xmlns:p14="http://schemas.microsoft.com/office/powerpoint/2010/main" val="1280512324"/>
       </p:ext>
     </p:extLst>
   </p:cSld>
@@ -8318,6 +8931,24 @@
               <a:defRPr/>
             </a:pPr>
             <a:r>
+              <a:rPr lang="en-US" altLang="zh-TW" sz="1800" dirty="0" smtClean="0">
+                <a:latin typeface="Times New Roman" panose="02020603050405020304" pitchFamily="18" charset="0"/>
+                <a:cs typeface="Times New Roman" panose="02020603050405020304" pitchFamily="18" charset="0"/>
+              </a:rPr>
+              <a:t>Windows</a:t>
+            </a:r>
+            <a:endParaRPr lang="en-US" altLang="zh-TW" sz="1800" dirty="0">
+              <a:latin typeface="Times New Roman" panose="02020603050405020304" pitchFamily="18" charset="0"/>
+              <a:cs typeface="Times New Roman" panose="02020603050405020304" pitchFamily="18" charset="0"/>
+            </a:endParaRPr>
+          </a:p>
+          <a:p>
+            <a:pPr marL="342900" lvl="1" indent="-342900" eaLnBrk="1" hangingPunct="1">
+              <a:buFont typeface="Arial" charset="0"/>
+              <a:buChar char="•"/>
+              <a:defRPr/>
+            </a:pPr>
+            <a:r>
               <a:rPr lang="en-US" altLang="zh-TW" sz="1800" dirty="0">
                 <a:latin typeface="Times New Roman" panose="02020603050405020304" pitchFamily="18" charset="0"/>
                 <a:cs typeface="Times New Roman" panose="02020603050405020304" pitchFamily="18" charset="0"/>
@@ -8369,7 +9000,7 @@
                 <a:latin typeface="Times New Roman" panose="02020603050405020304" pitchFamily="18" charset="0"/>
                 <a:cs typeface="Times New Roman" panose="02020603050405020304" pitchFamily="18" charset="0"/>
               </a:rPr>
-              <a:t>Wi-Fi </a:t>
+              <a:t>Airplane </a:t>
             </a:r>
             <a:r>
               <a:rPr lang="en-US" altLang="zh-TW" sz="2800" kern="0" dirty="0">
@@ -8379,27 +9010,7 @@
                 <a:latin typeface="Times New Roman" panose="02020603050405020304" pitchFamily="18" charset="0"/>
                 <a:cs typeface="Times New Roman" panose="02020603050405020304" pitchFamily="18" charset="0"/>
               </a:rPr>
-              <a:t>frequency switch </a:t>
-            </a:r>
-            <a:r>
-              <a:rPr lang="en-US" altLang="zh-TW" sz="2800" kern="0" dirty="0">
-                <a:solidFill>
-                  <a:srgbClr val="003366"/>
-                </a:solidFill>
-                <a:latin typeface="Times New Roman" panose="02020603050405020304" pitchFamily="18" charset="0"/>
-                <a:cs typeface="Times New Roman" panose="02020603050405020304" pitchFamily="18" charset="0"/>
-              </a:rPr>
-              <a:t>automation </a:t>
-            </a:r>
-            <a:r>
-              <a:rPr lang="en-US" altLang="zh-TW" sz="2800" kern="0" dirty="0">
-                <a:solidFill>
-                  <a:srgbClr val="003366"/>
-                </a:solidFill>
-                <a:latin typeface="Times New Roman" panose="02020603050405020304" pitchFamily="18" charset="0"/>
-                <a:cs typeface="Times New Roman" panose="02020603050405020304" pitchFamily="18" charset="0"/>
-              </a:rPr>
-              <a:t>(2.4G, 5G)</a:t>
+              <a:t>on/off mode automation</a:t>
             </a:r>
             <a:br>
               <a:rPr lang="en-US" altLang="zh-TW" sz="2800" kern="0" dirty="0">
@@ -8423,7 +9034,7 @@
     </p:spTree>
     <p:extLst>
       <p:ext uri="{BB962C8B-B14F-4D97-AF65-F5344CB8AC3E}">
-        <p14:creationId xmlns:p14="http://schemas.microsoft.com/office/powerpoint/2010/main" val="3928810146"/>
+        <p14:creationId xmlns:p14="http://schemas.microsoft.com/office/powerpoint/2010/main" val="3614060286"/>
       </p:ext>
     </p:extLst>
   </p:cSld>
@@ -8577,19 +9188,12 @@
               <a:defRPr/>
             </a:pPr>
             <a:r>
-              <a:rPr lang="en-US" altLang="zh-TW" sz="1800" dirty="0">
-                <a:latin typeface="Times New Roman" panose="02020603050405020304" pitchFamily="18" charset="0"/>
-                <a:cs typeface="Times New Roman" panose="02020603050405020304" pitchFamily="18" charset="0"/>
-              </a:rPr>
-              <a:t>System Structure</a:t>
-            </a:r>
-          </a:p>
-          <a:p>
-            <a:pPr eaLnBrk="1" hangingPunct="1">
-              <a:buFont typeface="Arial" charset="0"/>
-              <a:buChar char="•"/>
-              <a:defRPr/>
-            </a:pPr>
+              <a:rPr lang="en-US" altLang="zh-TW" sz="1800" dirty="0" smtClean="0">
+                <a:latin typeface="Times New Roman" panose="02020603050405020304" pitchFamily="18" charset="0"/>
+                <a:cs typeface="Times New Roman" panose="02020603050405020304" pitchFamily="18" charset="0"/>
+              </a:rPr>
+              <a:t>Conclusion</a:t>
+            </a:r>
             <a:endParaRPr lang="en-US" altLang="zh-TW" sz="1800" dirty="0">
               <a:latin typeface="Times New Roman" panose="02020603050405020304" pitchFamily="18" charset="0"/>
               <a:cs typeface="Times New Roman" panose="02020603050405020304" pitchFamily="18" charset="0"/>
@@ -8628,7 +9232,7 @@
                 <a:latin typeface="Times New Roman" panose="02020603050405020304" pitchFamily="18" charset="0"/>
                 <a:cs typeface="Times New Roman" panose="02020603050405020304" pitchFamily="18" charset="0"/>
               </a:rPr>
-              <a:t>Resolution </a:t>
+              <a:t>Airplane </a:t>
             </a:r>
             <a:r>
               <a:rPr lang="en-US" altLang="zh-TW" sz="2800" kern="0" dirty="0">
@@ -8638,7 +9242,7 @@
                 <a:latin typeface="Times New Roman" panose="02020603050405020304" pitchFamily="18" charset="0"/>
                 <a:cs typeface="Times New Roman" panose="02020603050405020304" pitchFamily="18" charset="0"/>
               </a:rPr>
-              <a:t>automation</a:t>
+              <a:t>on/off mode automation</a:t>
             </a:r>
             <a:br>
               <a:rPr lang="en-US" altLang="zh-TW" sz="2800" kern="0" dirty="0">
@@ -8662,7 +9266,7 @@
     </p:spTree>
     <p:extLst>
       <p:ext uri="{BB962C8B-B14F-4D97-AF65-F5344CB8AC3E}">
-        <p14:creationId xmlns:p14="http://schemas.microsoft.com/office/powerpoint/2010/main" val="932677482"/>
+        <p14:creationId xmlns:p14="http://schemas.microsoft.com/office/powerpoint/2010/main" val="944696784"/>
       </p:ext>
     </p:extLst>
   </p:cSld>
@@ -8867,10 +9471,20 @@
                 <a:latin typeface="Times New Roman" panose="02020603050405020304" pitchFamily="18" charset="0"/>
                 <a:cs typeface="Times New Roman" panose="02020603050405020304" pitchFamily="18" charset="0"/>
               </a:rPr>
-              <a:t>Luminance automation</a:t>
+              <a:t>Wi-Fi </a:t>
+            </a:r>
+            <a:r>
+              <a:rPr lang="en-US" altLang="zh-TW" sz="2800" kern="0" dirty="0">
+                <a:solidFill>
+                  <a:srgbClr val="003366"/>
+                </a:solidFill>
+                <a:latin typeface="Times New Roman" panose="02020603050405020304" pitchFamily="18" charset="0"/>
+                <a:cs typeface="Times New Roman" panose="02020603050405020304" pitchFamily="18" charset="0"/>
+              </a:rPr>
+              <a:t>frequency switch automation (2.4G, 5G)</a:t>
             </a:r>
             <a:br>
-              <a:rPr lang="en-US" altLang="zh-TW" sz="2800" kern="0" dirty="0" smtClean="0">
+              <a:rPr lang="en-US" altLang="zh-TW" sz="2800" kern="0" dirty="0">
                 <a:solidFill>
                   <a:srgbClr val="003366"/>
                 </a:solidFill>
@@ -8891,7 +9505,7 @@
     </p:spTree>
     <p:extLst>
       <p:ext uri="{BB962C8B-B14F-4D97-AF65-F5344CB8AC3E}">
-        <p14:creationId xmlns:p14="http://schemas.microsoft.com/office/powerpoint/2010/main" val="932677482"/>
+        <p14:creationId xmlns:p14="http://schemas.microsoft.com/office/powerpoint/2010/main" val="3928810146"/>
       </p:ext>
     </p:extLst>
   </p:cSld>
@@ -9049,8 +9663,12 @@
                 <a:latin typeface="Times New Roman" panose="02020603050405020304" pitchFamily="18" charset="0"/>
                 <a:cs typeface="Times New Roman" panose="02020603050405020304" pitchFamily="18" charset="0"/>
               </a:rPr>
-              <a:t>System Structure</a:t>
-            </a:r>
+              <a:t>Conclusion</a:t>
+            </a:r>
+            <a:endParaRPr lang="en-US" altLang="zh-TW" sz="1800" dirty="0">
+              <a:latin typeface="Times New Roman" panose="02020603050405020304" pitchFamily="18" charset="0"/>
+              <a:cs typeface="Times New Roman" panose="02020603050405020304" pitchFamily="18" charset="0"/>
+            </a:endParaRPr>
           </a:p>
           <a:p>
             <a:pPr eaLnBrk="1" hangingPunct="1">
@@ -9096,10 +9714,20 @@
                 <a:latin typeface="Times New Roman" panose="02020603050405020304" pitchFamily="18" charset="0"/>
                 <a:cs typeface="Times New Roman" panose="02020603050405020304" pitchFamily="18" charset="0"/>
               </a:rPr>
-              <a:t>PXE automatic installation</a:t>
+              <a:t>Wi-Fi </a:t>
+            </a:r>
+            <a:r>
+              <a:rPr lang="en-US" altLang="zh-TW" sz="2800" kern="0" dirty="0">
+                <a:solidFill>
+                  <a:srgbClr val="003366"/>
+                </a:solidFill>
+                <a:latin typeface="Times New Roman" panose="02020603050405020304" pitchFamily="18" charset="0"/>
+                <a:cs typeface="Times New Roman" panose="02020603050405020304" pitchFamily="18" charset="0"/>
+              </a:rPr>
+              <a:t>frequency switch automation (2.4G, 5G)</a:t>
             </a:r>
             <a:br>
-              <a:rPr lang="en-US" altLang="zh-TW" sz="2800" kern="0" dirty="0" smtClean="0">
+              <a:rPr lang="en-US" altLang="zh-TW" sz="2800" kern="0" dirty="0">
                 <a:solidFill>
                   <a:srgbClr val="003366"/>
                 </a:solidFill>
@@ -9120,7 +9748,7 @@
     </p:spTree>
     <p:extLst>
       <p:ext uri="{BB962C8B-B14F-4D97-AF65-F5344CB8AC3E}">
-        <p14:creationId xmlns:p14="http://schemas.microsoft.com/office/powerpoint/2010/main" val="932677482"/>
+        <p14:creationId xmlns:p14="http://schemas.microsoft.com/office/powerpoint/2010/main" val="2952815512"/>
       </p:ext>
     </p:extLst>
   </p:cSld>
@@ -9318,14 +9946,24 @@
               <a:defRPr/>
             </a:pPr>
             <a:r>
-              <a:rPr lang="en-US" altLang="zh-TW" sz="2800" kern="0" dirty="0" err="1" smtClean="0">
+              <a:rPr lang="en-US" altLang="zh-TW" sz="2800" kern="0" dirty="0" smtClean="0">
                 <a:solidFill>
                   <a:srgbClr val="003366"/>
                 </a:solidFill>
                 <a:latin typeface="Times New Roman" panose="02020603050405020304" pitchFamily="18" charset="0"/>
                 <a:cs typeface="Times New Roman" panose="02020603050405020304" pitchFamily="18" charset="0"/>
               </a:rPr>
-              <a:t>BurnInTest</a:t>
+              <a:t>Resolution automation</a:t>
+            </a:r>
+            <a:r>
+              <a:rPr lang="zh-TW" altLang="en-US" sz="2800" kern="0" dirty="0" smtClean="0">
+                <a:solidFill>
+                  <a:srgbClr val="003366"/>
+                </a:solidFill>
+                <a:latin typeface="Times New Roman" panose="02020603050405020304" pitchFamily="18" charset="0"/>
+                <a:cs typeface="Times New Roman" panose="02020603050405020304" pitchFamily="18" charset="0"/>
+              </a:rPr>
+              <a:t> </a:t>
             </a:r>
             <a:r>
               <a:rPr lang="en-US" altLang="zh-TW" sz="2800" kern="0" dirty="0" smtClean="0">
@@ -9335,7 +9973,27 @@
                 <a:latin typeface="Times New Roman" panose="02020603050405020304" pitchFamily="18" charset="0"/>
                 <a:cs typeface="Times New Roman" panose="02020603050405020304" pitchFamily="18" charset="0"/>
               </a:rPr>
-              <a:t> Automation</a:t>
+              <a:t>(</a:t>
+            </a:r>
+            <a:r>
+              <a:rPr lang="zh-TW" altLang="en-US" sz="2800" kern="0" dirty="0" smtClean="0">
+                <a:solidFill>
+                  <a:srgbClr val="003366"/>
+                </a:solidFill>
+                <a:latin typeface="Times New Roman" panose="02020603050405020304" pitchFamily="18" charset="0"/>
+                <a:cs typeface="Times New Roman" panose="02020603050405020304" pitchFamily="18" charset="0"/>
+              </a:rPr>
+              <a:t>未</a:t>
+            </a:r>
+            <a:r>
+              <a:rPr lang="zh-TW" altLang="en-US" sz="2800" kern="0" dirty="0" smtClean="0">
+                <a:solidFill>
+                  <a:srgbClr val="003366"/>
+                </a:solidFill>
+                <a:latin typeface="Times New Roman" panose="02020603050405020304" pitchFamily="18" charset="0"/>
+                <a:cs typeface="Times New Roman" panose="02020603050405020304" pitchFamily="18" charset="0"/>
+              </a:rPr>
+              <a:t>完成</a:t>
             </a:r>
             <a:r>
               <a:rPr lang="en-US" altLang="zh-TW" sz="2800" kern="0" dirty="0" smtClean="0">
@@ -9345,10 +10003,20 @@
                 <a:latin typeface="Times New Roman" panose="02020603050405020304" pitchFamily="18" charset="0"/>
                 <a:cs typeface="Times New Roman" panose="02020603050405020304" pitchFamily="18" charset="0"/>
               </a:rPr>
+              <a:t>)</a:t>
+            </a:r>
+            <a:r>
+              <a:rPr lang="en-US" altLang="zh-TW" sz="2800" kern="0" dirty="0">
+                <a:solidFill>
+                  <a:srgbClr val="003366"/>
+                </a:solidFill>
+                <a:latin typeface="Times New Roman" panose="02020603050405020304" pitchFamily="18" charset="0"/>
+                <a:cs typeface="Times New Roman" panose="02020603050405020304" pitchFamily="18" charset="0"/>
+              </a:rPr>
               <a:t/>
             </a:r>
             <a:br>
-              <a:rPr lang="en-US" altLang="zh-TW" sz="2800" kern="0" dirty="0" smtClean="0">
+              <a:rPr lang="en-US" altLang="zh-TW" sz="2800" kern="0" dirty="0">
                 <a:solidFill>
                   <a:srgbClr val="003366"/>
                 </a:solidFill>
@@ -9369,7 +10037,7 @@
     </p:spTree>
     <p:extLst>
       <p:ext uri="{BB962C8B-B14F-4D97-AF65-F5344CB8AC3E}">
-        <p14:creationId xmlns:p14="http://schemas.microsoft.com/office/powerpoint/2010/main" val="149749913"/>
+        <p14:creationId xmlns:p14="http://schemas.microsoft.com/office/powerpoint/2010/main" val="932677482"/>
       </p:ext>
     </p:extLst>
   </p:cSld>
@@ -10031,8 +10699,12 @@
                 <a:latin typeface="Times New Roman" panose="02020603050405020304" pitchFamily="18" charset="0"/>
                 <a:cs typeface="Times New Roman" panose="02020603050405020304" pitchFamily="18" charset="0"/>
               </a:rPr>
-              <a:t>System Structure</a:t>
-            </a:r>
+              <a:t>Conclusion</a:t>
+            </a:r>
+            <a:endParaRPr lang="en-US" altLang="zh-TW" sz="1800" dirty="0">
+              <a:latin typeface="Times New Roman" panose="02020603050405020304" pitchFamily="18" charset="0"/>
+              <a:cs typeface="Times New Roman" panose="02020603050405020304" pitchFamily="18" charset="0"/>
+            </a:endParaRPr>
           </a:p>
           <a:p>
             <a:pPr eaLnBrk="1" hangingPunct="1">
@@ -10078,7 +10750,57 @@
                 <a:latin typeface="Times New Roman" panose="02020603050405020304" pitchFamily="18" charset="0"/>
                 <a:cs typeface="Times New Roman" panose="02020603050405020304" pitchFamily="18" charset="0"/>
               </a:rPr>
-              <a:t>Continuous </a:t>
+              <a:t>Resolution automation</a:t>
+            </a:r>
+            <a:r>
+              <a:rPr lang="zh-TW" altLang="en-US" sz="2800" kern="0" dirty="0" smtClean="0">
+                <a:solidFill>
+                  <a:srgbClr val="003366"/>
+                </a:solidFill>
+                <a:latin typeface="Times New Roman" panose="02020603050405020304" pitchFamily="18" charset="0"/>
+                <a:cs typeface="Times New Roman" panose="02020603050405020304" pitchFamily="18" charset="0"/>
+              </a:rPr>
+              <a:t> </a:t>
+            </a:r>
+            <a:r>
+              <a:rPr lang="en-US" altLang="zh-TW" sz="2800" kern="0" dirty="0" smtClean="0">
+                <a:solidFill>
+                  <a:srgbClr val="003366"/>
+                </a:solidFill>
+                <a:latin typeface="Times New Roman" panose="02020603050405020304" pitchFamily="18" charset="0"/>
+                <a:cs typeface="Times New Roman" panose="02020603050405020304" pitchFamily="18" charset="0"/>
+              </a:rPr>
+              <a:t>(</a:t>
+            </a:r>
+            <a:r>
+              <a:rPr lang="zh-TW" altLang="en-US" sz="2800" kern="0" dirty="0" smtClean="0">
+                <a:solidFill>
+                  <a:srgbClr val="003366"/>
+                </a:solidFill>
+                <a:latin typeface="Times New Roman" panose="02020603050405020304" pitchFamily="18" charset="0"/>
+                <a:cs typeface="Times New Roman" panose="02020603050405020304" pitchFamily="18" charset="0"/>
+              </a:rPr>
+              <a:t>未</a:t>
+            </a:r>
+            <a:r>
+              <a:rPr lang="zh-TW" altLang="en-US" sz="2800" kern="0" dirty="0" smtClean="0">
+                <a:solidFill>
+                  <a:srgbClr val="003366"/>
+                </a:solidFill>
+                <a:latin typeface="Times New Roman" panose="02020603050405020304" pitchFamily="18" charset="0"/>
+                <a:cs typeface="Times New Roman" panose="02020603050405020304" pitchFamily="18" charset="0"/>
+              </a:rPr>
+              <a:t>完成</a:t>
+            </a:r>
+            <a:r>
+              <a:rPr lang="en-US" altLang="zh-TW" sz="2800" kern="0" dirty="0" smtClean="0">
+                <a:solidFill>
+                  <a:srgbClr val="003366"/>
+                </a:solidFill>
+                <a:latin typeface="Times New Roman" panose="02020603050405020304" pitchFamily="18" charset="0"/>
+                <a:cs typeface="Times New Roman" panose="02020603050405020304" pitchFamily="18" charset="0"/>
+              </a:rPr>
+              <a:t>)</a:t>
             </a:r>
             <a:r>
               <a:rPr lang="en-US" altLang="zh-TW" sz="2800" kern="0" dirty="0">
@@ -10088,30 +10810,10 @@
                 <a:latin typeface="Times New Roman" panose="02020603050405020304" pitchFamily="18" charset="0"/>
                 <a:cs typeface="Times New Roman" panose="02020603050405020304" pitchFamily="18" charset="0"/>
               </a:rPr>
-              <a:t>I</a:t>
-            </a:r>
-            <a:r>
-              <a:rPr lang="en-US" altLang="zh-TW" sz="2800" kern="0" dirty="0" smtClean="0">
-                <a:solidFill>
-                  <a:srgbClr val="003366"/>
-                </a:solidFill>
-                <a:latin typeface="Times New Roman" panose="02020603050405020304" pitchFamily="18" charset="0"/>
-                <a:cs typeface="Times New Roman" panose="02020603050405020304" pitchFamily="18" charset="0"/>
-              </a:rPr>
-              <a:t>ntegration</a:t>
-            </a:r>
-            <a:r>
-              <a:rPr lang="en-US" altLang="zh-TW" sz="2800" kern="0" dirty="0" smtClean="0">
-                <a:solidFill>
-                  <a:srgbClr val="003366"/>
-                </a:solidFill>
-                <a:latin typeface="Times New Roman" panose="02020603050405020304" pitchFamily="18" charset="0"/>
-                <a:cs typeface="Times New Roman" panose="02020603050405020304" pitchFamily="18" charset="0"/>
-              </a:rPr>
               <a:t/>
             </a:r>
             <a:br>
-              <a:rPr lang="en-US" altLang="zh-TW" sz="2800" kern="0" dirty="0" smtClean="0">
+              <a:rPr lang="en-US" altLang="zh-TW" sz="2800" kern="0" dirty="0">
                 <a:solidFill>
                   <a:srgbClr val="003366"/>
                 </a:solidFill>
@@ -10132,7 +10834,7 @@
     </p:spTree>
     <p:extLst>
       <p:ext uri="{BB962C8B-B14F-4D97-AF65-F5344CB8AC3E}">
-        <p14:creationId xmlns:p14="http://schemas.microsoft.com/office/powerpoint/2010/main" val="932677482"/>
+        <p14:creationId xmlns:p14="http://schemas.microsoft.com/office/powerpoint/2010/main" val="2397016849"/>
       </p:ext>
     </p:extLst>
   </p:cSld>
@@ -10280,24 +10982,25 @@
           <a:bodyPr/>
           <a:lstStyle/>
           <a:p>
-            <a:pPr marL="0" indent="0" eaLnBrk="1" hangingPunct="1">
-              <a:buNone/>
-              <a:defRPr/>
-            </a:pPr>
-            <a:r>
-              <a:rPr lang="en-US" altLang="zh-TW" sz="1800" dirty="0">
-                <a:hlinkClick r:id="rId3" action="ppaction://hlinkfile"/>
-              </a:rPr>
-              <a:t>\\172.17.9.225\dqa\iService\0G.DQA_Zone\50.Auto Test Tool\automation\suite</a:t>
-            </a:r>
-            <a:endParaRPr lang="en-US" altLang="zh-TW" sz="1800" dirty="0"/>
-          </a:p>
-          <a:p>
-            <a:pPr eaLnBrk="1" hangingPunct="1">
+            <a:pPr marL="342900" lvl="1" indent="-342900" eaLnBrk="1" hangingPunct="1">
               <a:buFont typeface="Arial" charset="0"/>
               <a:buChar char="•"/>
               <a:defRPr/>
             </a:pPr>
+            <a:r>
+              <a:rPr lang="en-US" altLang="zh-TW" sz="1800" dirty="0">
+                <a:latin typeface="Times New Roman" panose="02020603050405020304" pitchFamily="18" charset="0"/>
+                <a:cs typeface="Times New Roman" panose="02020603050405020304" pitchFamily="18" charset="0"/>
+              </a:rPr>
+              <a:t>System </a:t>
+            </a:r>
+            <a:r>
+              <a:rPr lang="en-US" altLang="zh-TW" sz="1800" dirty="0" smtClean="0">
+                <a:latin typeface="Times New Roman" panose="02020603050405020304" pitchFamily="18" charset="0"/>
+                <a:cs typeface="Times New Roman" panose="02020603050405020304" pitchFamily="18" charset="0"/>
+              </a:rPr>
+              <a:t>Structure</a:t>
+            </a:r>
             <a:endParaRPr lang="en-US" altLang="zh-TW" sz="1800" dirty="0">
               <a:latin typeface="Times New Roman" panose="02020603050405020304" pitchFamily="18" charset="0"/>
               <a:cs typeface="Times New Roman" panose="02020603050405020304" pitchFamily="18" charset="0"/>
@@ -10336,17 +11039,47 @@
                 <a:latin typeface="Times New Roman" panose="02020603050405020304" pitchFamily="18" charset="0"/>
                 <a:cs typeface="Times New Roman" panose="02020603050405020304" pitchFamily="18" charset="0"/>
               </a:rPr>
-              <a:t>Automation </a:t>
-            </a:r>
-            <a:r>
-              <a:rPr lang="en-US" altLang="zh-TW" sz="2800" kern="0" dirty="0">
+              <a:t>Luminance automation</a:t>
+            </a:r>
+            <a:r>
+              <a:rPr lang="zh-TW" altLang="en-US" sz="2800" kern="0" dirty="0" smtClean="0">
                 <a:solidFill>
                   <a:srgbClr val="003366"/>
                 </a:solidFill>
                 <a:latin typeface="Times New Roman" panose="02020603050405020304" pitchFamily="18" charset="0"/>
                 <a:cs typeface="Times New Roman" panose="02020603050405020304" pitchFamily="18" charset="0"/>
               </a:rPr>
-              <a:t>Tools hyperlink</a:t>
+              <a:t> </a:t>
+            </a:r>
+            <a:r>
+              <a:rPr lang="en-US" altLang="zh-TW" sz="2800" kern="0" dirty="0" smtClean="0">
+                <a:solidFill>
+                  <a:srgbClr val="003366"/>
+                </a:solidFill>
+                <a:latin typeface="Times New Roman" panose="02020603050405020304" pitchFamily="18" charset="0"/>
+                <a:cs typeface="Times New Roman" panose="02020603050405020304" pitchFamily="18" charset="0"/>
+              </a:rPr>
+              <a:t>(</a:t>
+            </a:r>
+            <a:r>
+              <a:rPr lang="zh-TW" altLang="en-US" sz="2800" kern="0" dirty="0">
+                <a:solidFill>
+                  <a:srgbClr val="003366"/>
+                </a:solidFill>
+                <a:latin typeface="Times New Roman" panose="02020603050405020304" pitchFamily="18" charset="0"/>
+                <a:cs typeface="Times New Roman" panose="02020603050405020304" pitchFamily="18" charset="0"/>
+              </a:rPr>
+              <a:t>未完成</a:t>
+            </a:r>
+            <a:r>
+              <a:rPr lang="en-US" altLang="zh-TW" sz="2800" kern="0" dirty="0" smtClean="0">
+                <a:solidFill>
+                  <a:srgbClr val="003366"/>
+                </a:solidFill>
+                <a:latin typeface="Times New Roman" panose="02020603050405020304" pitchFamily="18" charset="0"/>
+                <a:cs typeface="Times New Roman" panose="02020603050405020304" pitchFamily="18" charset="0"/>
+              </a:rPr>
+              <a:t>)</a:t>
             </a:r>
             <a:r>
               <a:rPr lang="en-US" altLang="zh-TW" sz="2800" kern="0" dirty="0" smtClean="0">
@@ -10380,7 +11113,7 @@
     </p:spTree>
     <p:extLst>
       <p:ext uri="{BB962C8B-B14F-4D97-AF65-F5344CB8AC3E}">
-        <p14:creationId xmlns:p14="http://schemas.microsoft.com/office/powerpoint/2010/main" val="990844558"/>
+        <p14:creationId xmlns:p14="http://schemas.microsoft.com/office/powerpoint/2010/main" val="932677482"/>
       </p:ext>
     </p:extLst>
   </p:cSld>
@@ -10510,239 +11243,151 @@
       </p:grpSpPr>
       <p:sp>
         <p:nvSpPr>
-          <p:cNvPr id="30722" name="文字方塊 2"/>
-          <p:cNvSpPr txBox="1">
-            <a:spLocks noChangeArrowheads="1"/>
+          <p:cNvPr id="15362" name="內容版面配置區 5"/>
+          <p:cNvSpPr>
+            <a:spLocks noGrp="1"/>
           </p:cNvSpPr>
-          <p:nvPr/>
-        </p:nvSpPr>
-        <p:spPr bwMode="auto">
+          <p:nvPr>
+            <p:ph idx="1"/>
+          </p:nvPr>
+        </p:nvSpPr>
+        <p:spPr>
           <a:xfrm>
-            <a:off x="358775" y="2205038"/>
-            <a:ext cx="5092700" cy="954087"/>
+            <a:off x="457200" y="936625"/>
+            <a:ext cx="8229600" cy="3575050"/>
           </a:xfrm>
-          <a:prstGeom prst="rect">
-            <a:avLst/>
-          </a:prstGeom>
-          <a:noFill/>
-          <a:ln>
-            <a:noFill/>
-          </a:ln>
-          <a:extLst>
-            <a:ext uri="{909E8E84-426E-40DD-AFC4-6F175D3DCCD1}">
-              <a14:hiddenFill xmlns:a14="http://schemas.microsoft.com/office/drawing/2010/main">
-                <a:solidFill>
-                  <a:srgbClr val="FFFFFF"/>
-                </a:solidFill>
-              </a14:hiddenFill>
-            </a:ext>
-            <a:ext uri="{91240B29-F687-4F45-9708-019B960494DF}">
-              <a14:hiddenLine xmlns:a14="http://schemas.microsoft.com/office/drawing/2010/main" w="9525">
-                <a:solidFill>
-                  <a:srgbClr val="000000"/>
-                </a:solidFill>
-                <a:miter lim="800000"/>
-                <a:headEnd/>
-                <a:tailEnd/>
-              </a14:hiddenLine>
-            </a:ext>
-          </a:extLst>
         </p:spPr>
         <p:txBody>
-          <a:bodyPr>
-            <a:spAutoFit/>
-          </a:bodyPr>
-          <a:lstStyle>
-            <a:lvl1pPr eaLnBrk="0" hangingPunct="0">
-              <a:spcBef>
-                <a:spcPct val="20000"/>
-              </a:spcBef>
-              <a:buFont typeface="Arial" panose="020B0604020202020204" pitchFamily="34" charset="0"/>
+          <a:bodyPr/>
+          <a:lstStyle/>
+          <a:p>
+            <a:pPr marL="342900" lvl="1" indent="-342900" eaLnBrk="1" hangingPunct="1">
+              <a:buFont typeface="Arial" charset="0"/>
               <a:buChar char="•"/>
-              <a:defRPr sz="3200">
-                <a:solidFill>
-                  <a:schemeClr val="tx1"/>
-                </a:solidFill>
-                <a:latin typeface="Calibri" panose="020F0502020204030204" pitchFamily="34" charset="0"/>
-                <a:ea typeface="微軟正黑體" panose="020B0604030504040204" pitchFamily="34" charset="-120"/>
-              </a:defRPr>
-            </a:lvl1pPr>
-            <a:lvl2pPr marL="742950" indent="-285750" eaLnBrk="0" hangingPunct="0">
-              <a:spcBef>
-                <a:spcPct val="20000"/>
-              </a:spcBef>
-              <a:buFont typeface="Arial" panose="020B0604020202020204" pitchFamily="34" charset="0"/>
-              <a:buChar char="–"/>
-              <a:defRPr sz="2800">
-                <a:solidFill>
-                  <a:schemeClr val="tx1"/>
-                </a:solidFill>
-                <a:latin typeface="Calibri" panose="020F0502020204030204" pitchFamily="34" charset="0"/>
-                <a:ea typeface="微軟正黑體" panose="020B0604030504040204" pitchFamily="34" charset="-120"/>
-              </a:defRPr>
-            </a:lvl2pPr>
-            <a:lvl3pPr marL="1143000" indent="-228600" eaLnBrk="0" hangingPunct="0">
-              <a:spcBef>
-                <a:spcPct val="20000"/>
-              </a:spcBef>
-              <a:buFont typeface="Arial" panose="020B0604020202020204" pitchFamily="34" charset="0"/>
-              <a:buChar char="•"/>
-              <a:defRPr sz="2400">
-                <a:solidFill>
-                  <a:schemeClr val="tx1"/>
-                </a:solidFill>
-                <a:latin typeface="Calibri" panose="020F0502020204030204" pitchFamily="34" charset="0"/>
-                <a:ea typeface="微軟正黑體" panose="020B0604030504040204" pitchFamily="34" charset="-120"/>
-              </a:defRPr>
-            </a:lvl3pPr>
-            <a:lvl4pPr marL="1600200" indent="-228600" eaLnBrk="0" hangingPunct="0">
-              <a:spcBef>
-                <a:spcPct val="20000"/>
-              </a:spcBef>
-              <a:buFont typeface="Arial" panose="020B0604020202020204" pitchFamily="34" charset="0"/>
-              <a:buChar char="–"/>
-              <a:defRPr sz="2000">
-                <a:solidFill>
-                  <a:schemeClr val="tx1"/>
-                </a:solidFill>
-                <a:latin typeface="Calibri" panose="020F0502020204030204" pitchFamily="34" charset="0"/>
-                <a:ea typeface="微軟正黑體" panose="020B0604030504040204" pitchFamily="34" charset="-120"/>
-              </a:defRPr>
-            </a:lvl4pPr>
-            <a:lvl5pPr marL="2057400" indent="-228600" eaLnBrk="0" hangingPunct="0">
-              <a:spcBef>
-                <a:spcPct val="20000"/>
-              </a:spcBef>
-              <a:buFont typeface="Arial" panose="020B0604020202020204" pitchFamily="34" charset="0"/>
-              <a:buChar char="»"/>
-              <a:defRPr sz="2000">
-                <a:solidFill>
-                  <a:schemeClr val="tx1"/>
-                </a:solidFill>
-                <a:latin typeface="Calibri" panose="020F0502020204030204" pitchFamily="34" charset="0"/>
-                <a:ea typeface="微軟正黑體" panose="020B0604030504040204" pitchFamily="34" charset="-120"/>
-              </a:defRPr>
-            </a:lvl5pPr>
-            <a:lvl6pPr marL="2514600" indent="-228600" eaLnBrk="0" fontAlgn="base" hangingPunct="0">
-              <a:spcBef>
-                <a:spcPct val="20000"/>
-              </a:spcBef>
-              <a:spcAft>
-                <a:spcPct val="0"/>
-              </a:spcAft>
-              <a:buFont typeface="Arial" panose="020B0604020202020204" pitchFamily="34" charset="0"/>
-              <a:buChar char="»"/>
-              <a:defRPr sz="2000">
-                <a:solidFill>
-                  <a:schemeClr val="tx1"/>
-                </a:solidFill>
-                <a:latin typeface="Calibri" panose="020F0502020204030204" pitchFamily="34" charset="0"/>
-                <a:ea typeface="微軟正黑體" panose="020B0604030504040204" pitchFamily="34" charset="-120"/>
-              </a:defRPr>
-            </a:lvl6pPr>
-            <a:lvl7pPr marL="2971800" indent="-228600" eaLnBrk="0" fontAlgn="base" hangingPunct="0">
-              <a:spcBef>
-                <a:spcPct val="20000"/>
-              </a:spcBef>
-              <a:spcAft>
-                <a:spcPct val="0"/>
-              </a:spcAft>
-              <a:buFont typeface="Arial" panose="020B0604020202020204" pitchFamily="34" charset="0"/>
-              <a:buChar char="»"/>
-              <a:defRPr sz="2000">
-                <a:solidFill>
-                  <a:schemeClr val="tx1"/>
-                </a:solidFill>
-                <a:latin typeface="Calibri" panose="020F0502020204030204" pitchFamily="34" charset="0"/>
-                <a:ea typeface="微軟正黑體" panose="020B0604030504040204" pitchFamily="34" charset="-120"/>
-              </a:defRPr>
-            </a:lvl7pPr>
-            <a:lvl8pPr marL="3429000" indent="-228600" eaLnBrk="0" fontAlgn="base" hangingPunct="0">
-              <a:spcBef>
-                <a:spcPct val="20000"/>
-              </a:spcBef>
-              <a:spcAft>
-                <a:spcPct val="0"/>
-              </a:spcAft>
-              <a:buFont typeface="Arial" panose="020B0604020202020204" pitchFamily="34" charset="0"/>
-              <a:buChar char="»"/>
-              <a:defRPr sz="2000">
-                <a:solidFill>
-                  <a:schemeClr val="tx1"/>
-                </a:solidFill>
-                <a:latin typeface="Calibri" panose="020F0502020204030204" pitchFamily="34" charset="0"/>
-                <a:ea typeface="微軟正黑體" panose="020B0604030504040204" pitchFamily="34" charset="-120"/>
-              </a:defRPr>
-            </a:lvl8pPr>
-            <a:lvl9pPr marL="3886200" indent="-228600" eaLnBrk="0" fontAlgn="base" hangingPunct="0">
-              <a:spcBef>
-                <a:spcPct val="20000"/>
-              </a:spcBef>
-              <a:spcAft>
-                <a:spcPct val="0"/>
-              </a:spcAft>
-              <a:buFont typeface="Arial" panose="020B0604020202020204" pitchFamily="34" charset="0"/>
-              <a:buChar char="»"/>
-              <a:defRPr sz="2000">
-                <a:solidFill>
-                  <a:schemeClr val="tx1"/>
-                </a:solidFill>
-                <a:latin typeface="Calibri" panose="020F0502020204030204" pitchFamily="34" charset="0"/>
-                <a:ea typeface="微軟正黑體" panose="020B0604030504040204" pitchFamily="34" charset="-120"/>
-              </a:defRPr>
-            </a:lvl9pPr>
-          </a:lstStyle>
+              <a:defRPr/>
+            </a:pPr>
+            <a:r>
+              <a:rPr lang="en-US" altLang="zh-TW" sz="1800" dirty="0">
+                <a:latin typeface="Times New Roman" panose="02020603050405020304" pitchFamily="18" charset="0"/>
+                <a:cs typeface="Times New Roman" panose="02020603050405020304" pitchFamily="18" charset="0"/>
+              </a:rPr>
+              <a:t>Conclusion</a:t>
+            </a:r>
+            <a:endParaRPr lang="en-US" altLang="zh-TW" sz="1800" dirty="0">
+              <a:latin typeface="Times New Roman" panose="02020603050405020304" pitchFamily="18" charset="0"/>
+              <a:cs typeface="Times New Roman" panose="02020603050405020304" pitchFamily="18" charset="0"/>
+            </a:endParaRPr>
+          </a:p>
+        </p:txBody>
+      </p:sp>
+      <p:sp>
+        <p:nvSpPr>
+          <p:cNvPr id="2" name="標題 4"/>
+          <p:cNvSpPr>
+            <a:spLocks noGrp="1"/>
+          </p:cNvSpPr>
+          <p:nvPr>
+            <p:ph type="title"/>
+          </p:nvPr>
+        </p:nvSpPr>
+        <p:spPr>
+          <a:xfrm>
+            <a:off x="457200" y="87313"/>
+            <a:ext cx="8229600" cy="1205265"/>
+          </a:xfrm>
+        </p:spPr>
+        <p:txBody>
+          <a:bodyPr/>
+          <a:lstStyle/>
           <a:p>
             <a:pPr eaLnBrk="1" hangingPunct="1">
-              <a:spcBef>
-                <a:spcPct val="0"/>
-              </a:spcBef>
-              <a:buFontTx/>
-              <a:buNone/>
+              <a:defRPr/>
             </a:pPr>
             <a:r>
-              <a:rPr lang="en-US" altLang="zh-TW" sz="2800" b="1" i="1" dirty="0">
-                <a:solidFill>
-                  <a:srgbClr val="FAA40A"/>
-                </a:solidFill>
-                <a:latin typeface="Times New Roman" panose="02020603050405020304" pitchFamily="18" charset="0"/>
-                <a:ea typeface="新細明體" panose="02020500000000000000" pitchFamily="18" charset="-120"/>
-                <a:cs typeface="Times New Roman" panose="02020603050405020304" pitchFamily="18" charset="0"/>
-              </a:rPr>
-              <a:t>Go Together, </a:t>
-            </a:r>
-          </a:p>
-          <a:p>
-            <a:pPr eaLnBrk="1" hangingPunct="1">
-              <a:spcBef>
-                <a:spcPct val="0"/>
-              </a:spcBef>
-              <a:buFontTx/>
-              <a:buNone/>
-            </a:pPr>
-            <a:r>
-              <a:rPr lang="en-US" altLang="zh-TW" sz="2800" b="1" i="1" dirty="0">
-                <a:solidFill>
-                  <a:srgbClr val="FAA40A"/>
-                </a:solidFill>
-                <a:latin typeface="Times New Roman" panose="02020603050405020304" pitchFamily="18" charset="0"/>
-                <a:ea typeface="新細明體" panose="02020500000000000000" pitchFamily="18" charset="-120"/>
-                <a:cs typeface="Times New Roman" panose="02020603050405020304" pitchFamily="18" charset="0"/>
-              </a:rPr>
-              <a:t>          We Go Far and Grow Big</a:t>
-            </a:r>
-            <a:endParaRPr lang="zh-TW" altLang="en-US" sz="2800" b="1" i="1" dirty="0">
+              <a:rPr lang="en-US" altLang="zh-TW" sz="2800" kern="0" dirty="0" smtClean="0">
+                <a:solidFill>
+                  <a:srgbClr val="003366"/>
+                </a:solidFill>
+                <a:latin typeface="Times New Roman" panose="02020603050405020304" pitchFamily="18" charset="0"/>
+                <a:cs typeface="Times New Roman" panose="02020603050405020304" pitchFamily="18" charset="0"/>
+              </a:rPr>
+              <a:t>Luminance automation</a:t>
+            </a:r>
+            <a:r>
+              <a:rPr lang="zh-TW" altLang="en-US" sz="2800" kern="0" dirty="0" smtClean="0">
+                <a:solidFill>
+                  <a:srgbClr val="003366"/>
+                </a:solidFill>
+                <a:latin typeface="Times New Roman" panose="02020603050405020304" pitchFamily="18" charset="0"/>
+                <a:cs typeface="Times New Roman" panose="02020603050405020304" pitchFamily="18" charset="0"/>
+              </a:rPr>
+              <a:t> </a:t>
+            </a:r>
+            <a:r>
+              <a:rPr lang="en-US" altLang="zh-TW" sz="2800" kern="0" dirty="0" smtClean="0">
+                <a:solidFill>
+                  <a:srgbClr val="003366"/>
+                </a:solidFill>
+                <a:latin typeface="Times New Roman" panose="02020603050405020304" pitchFamily="18" charset="0"/>
+                <a:cs typeface="Times New Roman" panose="02020603050405020304" pitchFamily="18" charset="0"/>
+              </a:rPr>
+              <a:t>(</a:t>
+            </a:r>
+            <a:r>
+              <a:rPr lang="zh-TW" altLang="en-US" sz="2800" kern="0" dirty="0">
+                <a:solidFill>
+                  <a:srgbClr val="003366"/>
+                </a:solidFill>
+                <a:latin typeface="Times New Roman" panose="02020603050405020304" pitchFamily="18" charset="0"/>
+                <a:cs typeface="Times New Roman" panose="02020603050405020304" pitchFamily="18" charset="0"/>
+              </a:rPr>
+              <a:t>未完成</a:t>
+            </a:r>
+            <a:r>
+              <a:rPr lang="en-US" altLang="zh-TW" sz="2800" kern="0" dirty="0" smtClean="0">
+                <a:solidFill>
+                  <a:srgbClr val="003366"/>
+                </a:solidFill>
+                <a:latin typeface="Times New Roman" panose="02020603050405020304" pitchFamily="18" charset="0"/>
+                <a:cs typeface="Times New Roman" panose="02020603050405020304" pitchFamily="18" charset="0"/>
+              </a:rPr>
+              <a:t>)</a:t>
+            </a:r>
+            <a:r>
+              <a:rPr lang="en-US" altLang="zh-TW" sz="2800" kern="0" dirty="0" smtClean="0">
+                <a:solidFill>
+                  <a:srgbClr val="003366"/>
+                </a:solidFill>
+                <a:latin typeface="Times New Roman" panose="02020603050405020304" pitchFamily="18" charset="0"/>
+                <a:cs typeface="Times New Roman" panose="02020603050405020304" pitchFamily="18" charset="0"/>
+              </a:rPr>
+              <a:t/>
+            </a:r>
+            <a:br>
+              <a:rPr lang="en-US" altLang="zh-TW" sz="2800" kern="0" dirty="0" smtClean="0">
+                <a:solidFill>
+                  <a:srgbClr val="003366"/>
+                </a:solidFill>
+                <a:latin typeface="Times New Roman" panose="02020603050405020304" pitchFamily="18" charset="0"/>
+                <a:cs typeface="Times New Roman" panose="02020603050405020304" pitchFamily="18" charset="0"/>
+              </a:rPr>
+            </a:br>
+            <a:endParaRPr lang="zh-TW" altLang="en-US" sz="2800" kern="0" dirty="0">
               <a:solidFill>
-                <a:srgbClr val="FAA40A"/>
+                <a:srgbClr val="003366"/>
               </a:solidFill>
               <a:latin typeface="Times New Roman" panose="02020603050405020304" pitchFamily="18" charset="0"/>
-              <a:ea typeface="新細明體" panose="02020500000000000000" pitchFamily="18" charset="-120"/>
               <a:cs typeface="Times New Roman" panose="02020603050405020304" pitchFamily="18" charset="0"/>
             </a:endParaRPr>
           </a:p>
         </p:txBody>
       </p:sp>
     </p:spTree>
+    <p:extLst>
+      <p:ext uri="{BB962C8B-B14F-4D97-AF65-F5344CB8AC3E}">
+        <p14:creationId xmlns:p14="http://schemas.microsoft.com/office/powerpoint/2010/main" val="316512953"/>
+      </p:ext>
+    </p:extLst>
   </p:cSld>
   <p:clrMapOvr>
     <a:masterClrMapping/>
@@ -10783,7 +11428,7 @@
                             </p:stCondLst>
                             <p:childTnLst>
                               <p:par>
-                                <p:cTn id="5" presetID="42" presetClass="entr" presetSubtype="0" fill="hold" grpId="0" nodeType="afterEffect">
+                                <p:cTn id="5" presetID="10" presetClass="entr" presetSubtype="0" fill="hold" grpId="0" nodeType="afterEffect">
                                   <p:stCondLst>
                                     <p:cond delay="0"/>
                                   </p:stCondLst>
@@ -10796,7 +11441,7 @@
                                           </p:stCondLst>
                                         </p:cTn>
                                         <p:tgtEl>
-                                          <p:spTgt spid="30722"/>
+                                          <p:spTgt spid="2"/>
                                         </p:tgtEl>
                                         <p:attrNameLst>
                                           <p:attrName>style.visibility</p:attrName>
@@ -10808,58 +11453,12 @@
                                     </p:set>
                                     <p:animEffect transition="in" filter="fade">
                                       <p:cBhvr>
-                                        <p:cTn id="7" dur="1000"/>
+                                        <p:cTn id="7" dur="500"/>
                                         <p:tgtEl>
-                                          <p:spTgt spid="30722"/>
+                                          <p:spTgt spid="2"/>
                                         </p:tgtEl>
                                       </p:cBhvr>
                                     </p:animEffect>
-                                    <p:anim calcmode="lin" valueType="num">
-                                      <p:cBhvr>
-                                        <p:cTn id="8" dur="1000" fill="hold"/>
-                                        <p:tgtEl>
-                                          <p:spTgt spid="30722"/>
-                                        </p:tgtEl>
-                                        <p:attrNameLst>
-                                          <p:attrName>ppt_x</p:attrName>
-                                        </p:attrNameLst>
-                                      </p:cBhvr>
-                                      <p:tavLst>
-                                        <p:tav tm="0">
-                                          <p:val>
-                                            <p:strVal val="#ppt_x"/>
-                                          </p:val>
-                                        </p:tav>
-                                        <p:tav tm="100000">
-                                          <p:val>
-                                            <p:strVal val="#ppt_x"/>
-                                          </p:val>
-                                        </p:tav>
-                                      </p:tavLst>
-                                    </p:anim>
-                                    <p:anim calcmode="lin" valueType="num">
-                                      <p:cBhvr>
-                                        <p:cTn id="9" dur="1000" fill="hold"/>
-                                        <p:tgtEl>
-                                          <p:spTgt spid="30722"/>
-                                        </p:tgtEl>
-                                        <p:attrNameLst>
-                                          <p:attrName>ppt_y</p:attrName>
-                                        </p:attrNameLst>
-                                      </p:cBhvr>
-                                      <p:tavLst>
-                                        <p:tav tm="0">
-                                          <p:val>
-                                            <p:strVal val="#ppt_y+.1"/>
-                                          </p:val>
-                                        </p:tav>
-                                        <p:tav tm="100000">
-                                          <p:val>
-                                            <p:strVal val="#ppt_y"/>
-                                          </p:val>
-                                        </p:tav>
-                                      </p:tavLst>
-                                    </p:anim>
                                   </p:childTnLst>
                                 </p:cTn>
                               </p:par>
@@ -10891,7 +11490,1772 @@
       </p:par>
     </p:tnLst>
     <p:bldLst>
-      <p:bldP spid="30722" grpId="0"/>
+      <p:bldP spid="2" grpId="0"/>
+    </p:bldLst>
+  </p:timing>
+</p:sld>
+</file>
+
+<file path=ppt/slides/slide23.xml><?xml version="1.0" encoding="utf-8"?>
+<p:sld xmlns:a="http://schemas.openxmlformats.org/drawingml/2006/main" xmlns:r="http://schemas.openxmlformats.org/officeDocument/2006/relationships" xmlns:p="http://schemas.openxmlformats.org/presentationml/2006/main">
+  <p:cSld>
+    <p:spTree>
+      <p:nvGrpSpPr>
+        <p:cNvPr id="1" name=""/>
+        <p:cNvGrpSpPr/>
+        <p:nvPr/>
+      </p:nvGrpSpPr>
+      <p:grpSpPr>
+        <a:xfrm>
+          <a:off x="0" y="0"/>
+          <a:ext cx="0" cy="0"/>
+          <a:chOff x="0" y="0"/>
+          <a:chExt cx="0" cy="0"/>
+        </a:xfrm>
+      </p:grpSpPr>
+      <p:sp>
+        <p:nvSpPr>
+          <p:cNvPr id="15362" name="內容版面配置區 5"/>
+          <p:cNvSpPr>
+            <a:spLocks noGrp="1"/>
+          </p:cNvSpPr>
+          <p:nvPr>
+            <p:ph idx="1"/>
+          </p:nvPr>
+        </p:nvSpPr>
+        <p:spPr>
+          <a:xfrm>
+            <a:off x="457200" y="936625"/>
+            <a:ext cx="8229600" cy="3575050"/>
+          </a:xfrm>
+        </p:spPr>
+        <p:txBody>
+          <a:bodyPr/>
+          <a:lstStyle/>
+          <a:p>
+            <a:pPr marL="342900" lvl="1" indent="-342900" eaLnBrk="1" hangingPunct="1">
+              <a:buFont typeface="Arial" charset="0"/>
+              <a:buChar char="•"/>
+              <a:defRPr/>
+            </a:pPr>
+            <a:r>
+              <a:rPr lang="en-US" altLang="zh-TW" sz="1800" dirty="0">
+                <a:latin typeface="Times New Roman" panose="02020603050405020304" pitchFamily="18" charset="0"/>
+                <a:cs typeface="Times New Roman" panose="02020603050405020304" pitchFamily="18" charset="0"/>
+              </a:rPr>
+              <a:t>System Structure</a:t>
+            </a:r>
+          </a:p>
+          <a:p>
+            <a:pPr eaLnBrk="1" hangingPunct="1">
+              <a:buFont typeface="Arial" charset="0"/>
+              <a:buChar char="•"/>
+              <a:defRPr/>
+            </a:pPr>
+            <a:endParaRPr lang="en-US" altLang="zh-TW" sz="1800" dirty="0">
+              <a:latin typeface="Times New Roman" panose="02020603050405020304" pitchFamily="18" charset="0"/>
+              <a:cs typeface="Times New Roman" panose="02020603050405020304" pitchFamily="18" charset="0"/>
+            </a:endParaRPr>
+          </a:p>
+        </p:txBody>
+      </p:sp>
+      <p:sp>
+        <p:nvSpPr>
+          <p:cNvPr id="2" name="標題 4"/>
+          <p:cNvSpPr>
+            <a:spLocks noGrp="1"/>
+          </p:cNvSpPr>
+          <p:nvPr>
+            <p:ph type="title"/>
+          </p:nvPr>
+        </p:nvSpPr>
+        <p:spPr>
+          <a:xfrm>
+            <a:off x="457200" y="87313"/>
+            <a:ext cx="8229600" cy="1205265"/>
+          </a:xfrm>
+        </p:spPr>
+        <p:txBody>
+          <a:bodyPr/>
+          <a:lstStyle/>
+          <a:p>
+            <a:pPr eaLnBrk="1" hangingPunct="1">
+              <a:defRPr/>
+            </a:pPr>
+            <a:r>
+              <a:rPr lang="en-US" altLang="zh-TW" sz="2800" kern="0" dirty="0" smtClean="0">
+                <a:solidFill>
+                  <a:srgbClr val="003366"/>
+                </a:solidFill>
+                <a:latin typeface="Times New Roman" panose="02020603050405020304" pitchFamily="18" charset="0"/>
+                <a:cs typeface="Times New Roman" panose="02020603050405020304" pitchFamily="18" charset="0"/>
+              </a:rPr>
+              <a:t>PXE automatic installation</a:t>
+            </a:r>
+            <a:r>
+              <a:rPr lang="zh-TW" altLang="en-US" sz="2800" kern="0" dirty="0" smtClean="0">
+                <a:solidFill>
+                  <a:srgbClr val="003366"/>
+                </a:solidFill>
+                <a:latin typeface="Times New Roman" panose="02020603050405020304" pitchFamily="18" charset="0"/>
+                <a:cs typeface="Times New Roman" panose="02020603050405020304" pitchFamily="18" charset="0"/>
+              </a:rPr>
+              <a:t> </a:t>
+            </a:r>
+            <a:r>
+              <a:rPr lang="en-US" altLang="zh-TW" sz="2800" kern="0" dirty="0" smtClean="0">
+                <a:solidFill>
+                  <a:srgbClr val="003366"/>
+                </a:solidFill>
+                <a:latin typeface="Times New Roman" panose="02020603050405020304" pitchFamily="18" charset="0"/>
+                <a:cs typeface="Times New Roman" panose="02020603050405020304" pitchFamily="18" charset="0"/>
+              </a:rPr>
+              <a:t>(</a:t>
+            </a:r>
+            <a:r>
+              <a:rPr lang="zh-TW" altLang="en-US" sz="2800" kern="0" dirty="0">
+                <a:solidFill>
+                  <a:srgbClr val="003366"/>
+                </a:solidFill>
+                <a:latin typeface="Times New Roman" panose="02020603050405020304" pitchFamily="18" charset="0"/>
+                <a:cs typeface="Times New Roman" panose="02020603050405020304" pitchFamily="18" charset="0"/>
+              </a:rPr>
+              <a:t>未完成</a:t>
+            </a:r>
+            <a:r>
+              <a:rPr lang="en-US" altLang="zh-TW" sz="2800" kern="0" dirty="0" smtClean="0">
+                <a:solidFill>
+                  <a:srgbClr val="003366"/>
+                </a:solidFill>
+                <a:latin typeface="Times New Roman" panose="02020603050405020304" pitchFamily="18" charset="0"/>
+                <a:cs typeface="Times New Roman" panose="02020603050405020304" pitchFamily="18" charset="0"/>
+              </a:rPr>
+              <a:t>)</a:t>
+            </a:r>
+            <a:r>
+              <a:rPr lang="en-US" altLang="zh-TW" sz="2800" kern="0" dirty="0" smtClean="0">
+                <a:solidFill>
+                  <a:srgbClr val="003366"/>
+                </a:solidFill>
+                <a:latin typeface="Times New Roman" panose="02020603050405020304" pitchFamily="18" charset="0"/>
+                <a:cs typeface="Times New Roman" panose="02020603050405020304" pitchFamily="18" charset="0"/>
+              </a:rPr>
+              <a:t/>
+            </a:r>
+            <a:br>
+              <a:rPr lang="en-US" altLang="zh-TW" sz="2800" kern="0" dirty="0" smtClean="0">
+                <a:solidFill>
+                  <a:srgbClr val="003366"/>
+                </a:solidFill>
+                <a:latin typeface="Times New Roman" panose="02020603050405020304" pitchFamily="18" charset="0"/>
+                <a:cs typeface="Times New Roman" panose="02020603050405020304" pitchFamily="18" charset="0"/>
+              </a:rPr>
+            </a:br>
+            <a:endParaRPr lang="zh-TW" altLang="en-US" sz="2800" kern="0" dirty="0">
+              <a:solidFill>
+                <a:srgbClr val="003366"/>
+              </a:solidFill>
+              <a:latin typeface="Times New Roman" panose="02020603050405020304" pitchFamily="18" charset="0"/>
+              <a:cs typeface="Times New Roman" panose="02020603050405020304" pitchFamily="18" charset="0"/>
+            </a:endParaRPr>
+          </a:p>
+        </p:txBody>
+      </p:sp>
+    </p:spTree>
+    <p:extLst>
+      <p:ext uri="{BB962C8B-B14F-4D97-AF65-F5344CB8AC3E}">
+        <p14:creationId xmlns:p14="http://schemas.microsoft.com/office/powerpoint/2010/main" val="932677482"/>
+      </p:ext>
+    </p:extLst>
+  </p:cSld>
+  <p:clrMapOvr>
+    <a:masterClrMapping/>
+  </p:clrMapOvr>
+  <mc:AlternateContent xmlns:mc="http://schemas.openxmlformats.org/markup-compatibility/2006" xmlns:p14="http://schemas.microsoft.com/office/powerpoint/2010/main">
+    <mc:Choice Requires="p14">
+      <p:transition spd="med" p14:dur="700" advClick="0">
+        <p:fade/>
+      </p:transition>
+    </mc:Choice>
+    <mc:Fallback xmlns="">
+      <p:transition spd="med" advClick="0">
+        <p:fade/>
+      </p:transition>
+    </mc:Fallback>
+  </mc:AlternateContent>
+  <p:timing>
+    <p:tnLst>
+      <p:par>
+        <p:cTn id="1" dur="indefinite" restart="never" nodeType="tmRoot">
+          <p:childTnLst>
+            <p:seq concurrent="1" nextAc="seek">
+              <p:cTn id="2" dur="indefinite" nodeType="mainSeq">
+                <p:childTnLst>
+                  <p:par>
+                    <p:cTn id="3" fill="hold">
+                      <p:stCondLst>
+                        <p:cond delay="indefinite"/>
+                        <p:cond evt="onBegin" delay="0">
+                          <p:tn val="2"/>
+                        </p:cond>
+                      </p:stCondLst>
+                      <p:childTnLst>
+                        <p:par>
+                          <p:cTn id="4" fill="hold">
+                            <p:stCondLst>
+                              <p:cond delay="0"/>
+                            </p:stCondLst>
+                            <p:childTnLst>
+                              <p:par>
+                                <p:cTn id="5" presetID="10" presetClass="entr" presetSubtype="0" fill="hold" grpId="0" nodeType="afterEffect">
+                                  <p:stCondLst>
+                                    <p:cond delay="0"/>
+                                  </p:stCondLst>
+                                  <p:childTnLst>
+                                    <p:set>
+                                      <p:cBhvr>
+                                        <p:cTn id="6" dur="1" fill="hold">
+                                          <p:stCondLst>
+                                            <p:cond delay="0"/>
+                                          </p:stCondLst>
+                                        </p:cTn>
+                                        <p:tgtEl>
+                                          <p:spTgt spid="2"/>
+                                        </p:tgtEl>
+                                        <p:attrNameLst>
+                                          <p:attrName>style.visibility</p:attrName>
+                                        </p:attrNameLst>
+                                      </p:cBhvr>
+                                      <p:to>
+                                        <p:strVal val="visible"/>
+                                      </p:to>
+                                    </p:set>
+                                    <p:animEffect transition="in" filter="fade">
+                                      <p:cBhvr>
+                                        <p:cTn id="7" dur="500"/>
+                                        <p:tgtEl>
+                                          <p:spTgt spid="2"/>
+                                        </p:tgtEl>
+                                      </p:cBhvr>
+                                    </p:animEffect>
+                                  </p:childTnLst>
+                                </p:cTn>
+                              </p:par>
+                            </p:childTnLst>
+                          </p:cTn>
+                        </p:par>
+                      </p:childTnLst>
+                    </p:cTn>
+                  </p:par>
+                </p:childTnLst>
+              </p:cTn>
+              <p:prevCondLst>
+                <p:cond evt="onPrev" delay="0">
+                  <p:tgtEl>
+                    <p:sldTgt/>
+                  </p:tgtEl>
+                </p:cond>
+              </p:prevCondLst>
+              <p:nextCondLst>
+                <p:cond evt="onNext" delay="0">
+                  <p:tgtEl>
+                    <p:sldTgt/>
+                  </p:tgtEl>
+                </p:cond>
+              </p:nextCondLst>
+            </p:seq>
+          </p:childTnLst>
+        </p:cTn>
+      </p:par>
+    </p:tnLst>
+    <p:bldLst>
+      <p:bldP spid="2" grpId="0"/>
+    </p:bldLst>
+  </p:timing>
+</p:sld>
+</file>
+
+<file path=ppt/slides/slide24.xml><?xml version="1.0" encoding="utf-8"?>
+<p:sld xmlns:a="http://schemas.openxmlformats.org/drawingml/2006/main" xmlns:r="http://schemas.openxmlformats.org/officeDocument/2006/relationships" xmlns:p="http://schemas.openxmlformats.org/presentationml/2006/main">
+  <p:cSld>
+    <p:spTree>
+      <p:nvGrpSpPr>
+        <p:cNvPr id="1" name=""/>
+        <p:cNvGrpSpPr/>
+        <p:nvPr/>
+      </p:nvGrpSpPr>
+      <p:grpSpPr>
+        <a:xfrm>
+          <a:off x="0" y="0"/>
+          <a:ext cx="0" cy="0"/>
+          <a:chOff x="0" y="0"/>
+          <a:chExt cx="0" cy="0"/>
+        </a:xfrm>
+      </p:grpSpPr>
+      <p:sp>
+        <p:nvSpPr>
+          <p:cNvPr id="15362" name="內容版面配置區 5"/>
+          <p:cNvSpPr>
+            <a:spLocks noGrp="1"/>
+          </p:cNvSpPr>
+          <p:nvPr>
+            <p:ph idx="1"/>
+          </p:nvPr>
+        </p:nvSpPr>
+        <p:spPr>
+          <a:xfrm>
+            <a:off x="457200" y="936625"/>
+            <a:ext cx="8229600" cy="3575050"/>
+          </a:xfrm>
+        </p:spPr>
+        <p:txBody>
+          <a:bodyPr/>
+          <a:lstStyle/>
+          <a:p>
+            <a:pPr marL="342900" lvl="1" indent="-342900" eaLnBrk="1" hangingPunct="1">
+              <a:buFont typeface="Arial" charset="0"/>
+              <a:buChar char="•"/>
+              <a:defRPr/>
+            </a:pPr>
+            <a:r>
+              <a:rPr lang="en-US" altLang="zh-TW" sz="1800" dirty="0">
+                <a:latin typeface="Times New Roman" panose="02020603050405020304" pitchFamily="18" charset="0"/>
+                <a:cs typeface="Times New Roman" panose="02020603050405020304" pitchFamily="18" charset="0"/>
+              </a:rPr>
+              <a:t>Conclusion</a:t>
+            </a:r>
+            <a:endParaRPr lang="en-US" altLang="zh-TW" sz="1800" dirty="0">
+              <a:latin typeface="Times New Roman" panose="02020603050405020304" pitchFamily="18" charset="0"/>
+              <a:cs typeface="Times New Roman" panose="02020603050405020304" pitchFamily="18" charset="0"/>
+            </a:endParaRPr>
+          </a:p>
+          <a:p>
+            <a:pPr eaLnBrk="1" hangingPunct="1">
+              <a:buFont typeface="Arial" charset="0"/>
+              <a:buChar char="•"/>
+              <a:defRPr/>
+            </a:pPr>
+            <a:endParaRPr lang="en-US" altLang="zh-TW" sz="1800" dirty="0">
+              <a:latin typeface="Times New Roman" panose="02020603050405020304" pitchFamily="18" charset="0"/>
+              <a:cs typeface="Times New Roman" panose="02020603050405020304" pitchFamily="18" charset="0"/>
+            </a:endParaRPr>
+          </a:p>
+        </p:txBody>
+      </p:sp>
+      <p:sp>
+        <p:nvSpPr>
+          <p:cNvPr id="2" name="標題 4"/>
+          <p:cNvSpPr>
+            <a:spLocks noGrp="1"/>
+          </p:cNvSpPr>
+          <p:nvPr>
+            <p:ph type="title"/>
+          </p:nvPr>
+        </p:nvSpPr>
+        <p:spPr>
+          <a:xfrm>
+            <a:off x="457200" y="87313"/>
+            <a:ext cx="8229600" cy="1205265"/>
+          </a:xfrm>
+        </p:spPr>
+        <p:txBody>
+          <a:bodyPr/>
+          <a:lstStyle/>
+          <a:p>
+            <a:pPr eaLnBrk="1" hangingPunct="1">
+              <a:defRPr/>
+            </a:pPr>
+            <a:r>
+              <a:rPr lang="en-US" altLang="zh-TW" sz="2800" kern="0" dirty="0" smtClean="0">
+                <a:solidFill>
+                  <a:srgbClr val="003366"/>
+                </a:solidFill>
+                <a:latin typeface="Times New Roman" panose="02020603050405020304" pitchFamily="18" charset="0"/>
+                <a:cs typeface="Times New Roman" panose="02020603050405020304" pitchFamily="18" charset="0"/>
+              </a:rPr>
+              <a:t>PXE automatic installation</a:t>
+            </a:r>
+            <a:r>
+              <a:rPr lang="zh-TW" altLang="en-US" sz="2800" kern="0" dirty="0" smtClean="0">
+                <a:solidFill>
+                  <a:srgbClr val="003366"/>
+                </a:solidFill>
+                <a:latin typeface="Times New Roman" panose="02020603050405020304" pitchFamily="18" charset="0"/>
+                <a:cs typeface="Times New Roman" panose="02020603050405020304" pitchFamily="18" charset="0"/>
+              </a:rPr>
+              <a:t> </a:t>
+            </a:r>
+            <a:r>
+              <a:rPr lang="en-US" altLang="zh-TW" sz="2800" kern="0" dirty="0" smtClean="0">
+                <a:solidFill>
+                  <a:srgbClr val="003366"/>
+                </a:solidFill>
+                <a:latin typeface="Times New Roman" panose="02020603050405020304" pitchFamily="18" charset="0"/>
+                <a:cs typeface="Times New Roman" panose="02020603050405020304" pitchFamily="18" charset="0"/>
+              </a:rPr>
+              <a:t>(</a:t>
+            </a:r>
+            <a:r>
+              <a:rPr lang="zh-TW" altLang="en-US" sz="2800" kern="0" dirty="0">
+                <a:solidFill>
+                  <a:srgbClr val="003366"/>
+                </a:solidFill>
+                <a:latin typeface="Times New Roman" panose="02020603050405020304" pitchFamily="18" charset="0"/>
+                <a:cs typeface="Times New Roman" panose="02020603050405020304" pitchFamily="18" charset="0"/>
+              </a:rPr>
+              <a:t>未完成</a:t>
+            </a:r>
+            <a:r>
+              <a:rPr lang="en-US" altLang="zh-TW" sz="2800" kern="0" dirty="0" smtClean="0">
+                <a:solidFill>
+                  <a:srgbClr val="003366"/>
+                </a:solidFill>
+                <a:latin typeface="Times New Roman" panose="02020603050405020304" pitchFamily="18" charset="0"/>
+                <a:cs typeface="Times New Roman" panose="02020603050405020304" pitchFamily="18" charset="0"/>
+              </a:rPr>
+              <a:t>)</a:t>
+            </a:r>
+            <a:r>
+              <a:rPr lang="en-US" altLang="zh-TW" sz="2800" kern="0" dirty="0" smtClean="0">
+                <a:solidFill>
+                  <a:srgbClr val="003366"/>
+                </a:solidFill>
+                <a:latin typeface="Times New Roman" panose="02020603050405020304" pitchFamily="18" charset="0"/>
+                <a:cs typeface="Times New Roman" panose="02020603050405020304" pitchFamily="18" charset="0"/>
+              </a:rPr>
+              <a:t/>
+            </a:r>
+            <a:br>
+              <a:rPr lang="en-US" altLang="zh-TW" sz="2800" kern="0" dirty="0" smtClean="0">
+                <a:solidFill>
+                  <a:srgbClr val="003366"/>
+                </a:solidFill>
+                <a:latin typeface="Times New Roman" panose="02020603050405020304" pitchFamily="18" charset="0"/>
+                <a:cs typeface="Times New Roman" panose="02020603050405020304" pitchFamily="18" charset="0"/>
+              </a:rPr>
+            </a:br>
+            <a:endParaRPr lang="zh-TW" altLang="en-US" sz="2800" kern="0" dirty="0">
+              <a:solidFill>
+                <a:srgbClr val="003366"/>
+              </a:solidFill>
+              <a:latin typeface="Times New Roman" panose="02020603050405020304" pitchFamily="18" charset="0"/>
+              <a:cs typeface="Times New Roman" panose="02020603050405020304" pitchFamily="18" charset="0"/>
+            </a:endParaRPr>
+          </a:p>
+        </p:txBody>
+      </p:sp>
+    </p:spTree>
+    <p:extLst>
+      <p:ext uri="{BB962C8B-B14F-4D97-AF65-F5344CB8AC3E}">
+        <p14:creationId xmlns:p14="http://schemas.microsoft.com/office/powerpoint/2010/main" val="3924660373"/>
+      </p:ext>
+    </p:extLst>
+  </p:cSld>
+  <p:clrMapOvr>
+    <a:masterClrMapping/>
+  </p:clrMapOvr>
+  <mc:AlternateContent xmlns:mc="http://schemas.openxmlformats.org/markup-compatibility/2006" xmlns:p14="http://schemas.microsoft.com/office/powerpoint/2010/main">
+    <mc:Choice Requires="p14">
+      <p:transition spd="med" p14:dur="700" advClick="0">
+        <p:fade/>
+      </p:transition>
+    </mc:Choice>
+    <mc:Fallback xmlns="">
+      <p:transition spd="med" advClick="0">
+        <p:fade/>
+      </p:transition>
+    </mc:Fallback>
+  </mc:AlternateContent>
+  <p:timing>
+    <p:tnLst>
+      <p:par>
+        <p:cTn id="1" dur="indefinite" restart="never" nodeType="tmRoot">
+          <p:childTnLst>
+            <p:seq concurrent="1" nextAc="seek">
+              <p:cTn id="2" dur="indefinite" nodeType="mainSeq">
+                <p:childTnLst>
+                  <p:par>
+                    <p:cTn id="3" fill="hold">
+                      <p:stCondLst>
+                        <p:cond delay="indefinite"/>
+                        <p:cond evt="onBegin" delay="0">
+                          <p:tn val="2"/>
+                        </p:cond>
+                      </p:stCondLst>
+                      <p:childTnLst>
+                        <p:par>
+                          <p:cTn id="4" fill="hold">
+                            <p:stCondLst>
+                              <p:cond delay="0"/>
+                            </p:stCondLst>
+                            <p:childTnLst>
+                              <p:par>
+                                <p:cTn id="5" presetID="10" presetClass="entr" presetSubtype="0" fill="hold" grpId="0" nodeType="afterEffect">
+                                  <p:stCondLst>
+                                    <p:cond delay="0"/>
+                                  </p:stCondLst>
+                                  <p:childTnLst>
+                                    <p:set>
+                                      <p:cBhvr>
+                                        <p:cTn id="6" dur="1" fill="hold">
+                                          <p:stCondLst>
+                                            <p:cond delay="0"/>
+                                          </p:stCondLst>
+                                        </p:cTn>
+                                        <p:tgtEl>
+                                          <p:spTgt spid="2"/>
+                                        </p:tgtEl>
+                                        <p:attrNameLst>
+                                          <p:attrName>style.visibility</p:attrName>
+                                        </p:attrNameLst>
+                                      </p:cBhvr>
+                                      <p:to>
+                                        <p:strVal val="visible"/>
+                                      </p:to>
+                                    </p:set>
+                                    <p:animEffect transition="in" filter="fade">
+                                      <p:cBhvr>
+                                        <p:cTn id="7" dur="500"/>
+                                        <p:tgtEl>
+                                          <p:spTgt spid="2"/>
+                                        </p:tgtEl>
+                                      </p:cBhvr>
+                                    </p:animEffect>
+                                  </p:childTnLst>
+                                </p:cTn>
+                              </p:par>
+                            </p:childTnLst>
+                          </p:cTn>
+                        </p:par>
+                      </p:childTnLst>
+                    </p:cTn>
+                  </p:par>
+                </p:childTnLst>
+              </p:cTn>
+              <p:prevCondLst>
+                <p:cond evt="onPrev" delay="0">
+                  <p:tgtEl>
+                    <p:sldTgt/>
+                  </p:tgtEl>
+                </p:cond>
+              </p:prevCondLst>
+              <p:nextCondLst>
+                <p:cond evt="onNext" delay="0">
+                  <p:tgtEl>
+                    <p:sldTgt/>
+                  </p:tgtEl>
+                </p:cond>
+              </p:nextCondLst>
+            </p:seq>
+          </p:childTnLst>
+        </p:cTn>
+      </p:par>
+    </p:tnLst>
+    <p:bldLst>
+      <p:bldP spid="2" grpId="0"/>
+    </p:bldLst>
+  </p:timing>
+</p:sld>
+</file>
+
+<file path=ppt/slides/slide25.xml><?xml version="1.0" encoding="utf-8"?>
+<p:sld xmlns:a="http://schemas.openxmlformats.org/drawingml/2006/main" xmlns:r="http://schemas.openxmlformats.org/officeDocument/2006/relationships" xmlns:p="http://schemas.openxmlformats.org/presentationml/2006/main">
+  <p:cSld>
+    <p:spTree>
+      <p:nvGrpSpPr>
+        <p:cNvPr id="1" name=""/>
+        <p:cNvGrpSpPr/>
+        <p:nvPr/>
+      </p:nvGrpSpPr>
+      <p:grpSpPr>
+        <a:xfrm>
+          <a:off x="0" y="0"/>
+          <a:ext cx="0" cy="0"/>
+          <a:chOff x="0" y="0"/>
+          <a:chExt cx="0" cy="0"/>
+        </a:xfrm>
+      </p:grpSpPr>
+      <p:sp>
+        <p:nvSpPr>
+          <p:cNvPr id="15362" name="內容版面配置區 5"/>
+          <p:cNvSpPr>
+            <a:spLocks noGrp="1"/>
+          </p:cNvSpPr>
+          <p:nvPr>
+            <p:ph idx="1"/>
+          </p:nvPr>
+        </p:nvSpPr>
+        <p:spPr>
+          <a:xfrm>
+            <a:off x="457200" y="936625"/>
+            <a:ext cx="8229600" cy="3575050"/>
+          </a:xfrm>
+        </p:spPr>
+        <p:txBody>
+          <a:bodyPr/>
+          <a:lstStyle/>
+          <a:p>
+            <a:pPr marL="342900" lvl="1" indent="-342900" eaLnBrk="1" hangingPunct="1">
+              <a:buFont typeface="Arial" charset="0"/>
+              <a:buChar char="•"/>
+              <a:defRPr/>
+            </a:pPr>
+            <a:r>
+              <a:rPr lang="en-US" altLang="zh-TW" sz="1800" dirty="0">
+                <a:latin typeface="Times New Roman" panose="02020603050405020304" pitchFamily="18" charset="0"/>
+                <a:cs typeface="Times New Roman" panose="02020603050405020304" pitchFamily="18" charset="0"/>
+              </a:rPr>
+              <a:t>System Structure</a:t>
+            </a:r>
+          </a:p>
+          <a:p>
+            <a:pPr eaLnBrk="1" hangingPunct="1">
+              <a:buFont typeface="Arial" charset="0"/>
+              <a:buChar char="•"/>
+              <a:defRPr/>
+            </a:pPr>
+            <a:endParaRPr lang="en-US" altLang="zh-TW" sz="1800" dirty="0">
+              <a:latin typeface="Times New Roman" panose="02020603050405020304" pitchFamily="18" charset="0"/>
+              <a:cs typeface="Times New Roman" panose="02020603050405020304" pitchFamily="18" charset="0"/>
+            </a:endParaRPr>
+          </a:p>
+        </p:txBody>
+      </p:sp>
+      <p:sp>
+        <p:nvSpPr>
+          <p:cNvPr id="2" name="標題 4"/>
+          <p:cNvSpPr>
+            <a:spLocks noGrp="1"/>
+          </p:cNvSpPr>
+          <p:nvPr>
+            <p:ph type="title"/>
+          </p:nvPr>
+        </p:nvSpPr>
+        <p:spPr>
+          <a:xfrm>
+            <a:off x="457200" y="87313"/>
+            <a:ext cx="8229600" cy="1205265"/>
+          </a:xfrm>
+        </p:spPr>
+        <p:txBody>
+          <a:bodyPr/>
+          <a:lstStyle/>
+          <a:p>
+            <a:pPr eaLnBrk="1" hangingPunct="1">
+              <a:defRPr/>
+            </a:pPr>
+            <a:r>
+              <a:rPr lang="en-US" altLang="zh-TW" sz="2800" kern="0" dirty="0" err="1" smtClean="0">
+                <a:solidFill>
+                  <a:srgbClr val="003366"/>
+                </a:solidFill>
+                <a:latin typeface="Times New Roman" panose="02020603050405020304" pitchFamily="18" charset="0"/>
+                <a:cs typeface="Times New Roman" panose="02020603050405020304" pitchFamily="18" charset="0"/>
+              </a:rPr>
+              <a:t>BurnInTest</a:t>
+            </a:r>
+            <a:r>
+              <a:rPr lang="en-US" altLang="zh-TW" sz="2800" kern="0" dirty="0" smtClean="0">
+                <a:solidFill>
+                  <a:srgbClr val="003366"/>
+                </a:solidFill>
+                <a:latin typeface="Times New Roman" panose="02020603050405020304" pitchFamily="18" charset="0"/>
+                <a:cs typeface="Times New Roman" panose="02020603050405020304" pitchFamily="18" charset="0"/>
+              </a:rPr>
+              <a:t> Automation</a:t>
+            </a:r>
+            <a:br>
+              <a:rPr lang="en-US" altLang="zh-TW" sz="2800" kern="0" dirty="0" smtClean="0">
+                <a:solidFill>
+                  <a:srgbClr val="003366"/>
+                </a:solidFill>
+                <a:latin typeface="Times New Roman" panose="02020603050405020304" pitchFamily="18" charset="0"/>
+                <a:cs typeface="Times New Roman" panose="02020603050405020304" pitchFamily="18" charset="0"/>
+              </a:rPr>
+            </a:br>
+            <a:endParaRPr lang="zh-TW" altLang="en-US" sz="2800" kern="0" dirty="0">
+              <a:solidFill>
+                <a:srgbClr val="003366"/>
+              </a:solidFill>
+              <a:latin typeface="Times New Roman" panose="02020603050405020304" pitchFamily="18" charset="0"/>
+              <a:cs typeface="Times New Roman" panose="02020603050405020304" pitchFamily="18" charset="0"/>
+            </a:endParaRPr>
+          </a:p>
+        </p:txBody>
+      </p:sp>
+    </p:spTree>
+    <p:extLst>
+      <p:ext uri="{BB962C8B-B14F-4D97-AF65-F5344CB8AC3E}">
+        <p14:creationId xmlns:p14="http://schemas.microsoft.com/office/powerpoint/2010/main" val="149749913"/>
+      </p:ext>
+    </p:extLst>
+  </p:cSld>
+  <p:clrMapOvr>
+    <a:masterClrMapping/>
+  </p:clrMapOvr>
+  <mc:AlternateContent xmlns:mc="http://schemas.openxmlformats.org/markup-compatibility/2006" xmlns:p14="http://schemas.microsoft.com/office/powerpoint/2010/main">
+    <mc:Choice Requires="p14">
+      <p:transition spd="med" p14:dur="700" advClick="0">
+        <p:fade/>
+      </p:transition>
+    </mc:Choice>
+    <mc:Fallback xmlns="">
+      <p:transition spd="med" advClick="0">
+        <p:fade/>
+      </p:transition>
+    </mc:Fallback>
+  </mc:AlternateContent>
+  <p:timing>
+    <p:tnLst>
+      <p:par>
+        <p:cTn id="1" dur="indefinite" restart="never" nodeType="tmRoot">
+          <p:childTnLst>
+            <p:seq concurrent="1" nextAc="seek">
+              <p:cTn id="2" dur="indefinite" nodeType="mainSeq">
+                <p:childTnLst>
+                  <p:par>
+                    <p:cTn id="3" fill="hold">
+                      <p:stCondLst>
+                        <p:cond delay="indefinite"/>
+                        <p:cond evt="onBegin" delay="0">
+                          <p:tn val="2"/>
+                        </p:cond>
+                      </p:stCondLst>
+                      <p:childTnLst>
+                        <p:par>
+                          <p:cTn id="4" fill="hold">
+                            <p:stCondLst>
+                              <p:cond delay="0"/>
+                            </p:stCondLst>
+                            <p:childTnLst>
+                              <p:par>
+                                <p:cTn id="5" presetID="10" presetClass="entr" presetSubtype="0" fill="hold" grpId="0" nodeType="afterEffect">
+                                  <p:stCondLst>
+                                    <p:cond delay="0"/>
+                                  </p:stCondLst>
+                                  <p:childTnLst>
+                                    <p:set>
+                                      <p:cBhvr>
+                                        <p:cTn id="6" dur="1" fill="hold">
+                                          <p:stCondLst>
+                                            <p:cond delay="0"/>
+                                          </p:stCondLst>
+                                        </p:cTn>
+                                        <p:tgtEl>
+                                          <p:spTgt spid="2"/>
+                                        </p:tgtEl>
+                                        <p:attrNameLst>
+                                          <p:attrName>style.visibility</p:attrName>
+                                        </p:attrNameLst>
+                                      </p:cBhvr>
+                                      <p:to>
+                                        <p:strVal val="visible"/>
+                                      </p:to>
+                                    </p:set>
+                                    <p:animEffect transition="in" filter="fade">
+                                      <p:cBhvr>
+                                        <p:cTn id="7" dur="500"/>
+                                        <p:tgtEl>
+                                          <p:spTgt spid="2"/>
+                                        </p:tgtEl>
+                                      </p:cBhvr>
+                                    </p:animEffect>
+                                  </p:childTnLst>
+                                </p:cTn>
+                              </p:par>
+                            </p:childTnLst>
+                          </p:cTn>
+                        </p:par>
+                      </p:childTnLst>
+                    </p:cTn>
+                  </p:par>
+                </p:childTnLst>
+              </p:cTn>
+              <p:prevCondLst>
+                <p:cond evt="onPrev" delay="0">
+                  <p:tgtEl>
+                    <p:sldTgt/>
+                  </p:tgtEl>
+                </p:cond>
+              </p:prevCondLst>
+              <p:nextCondLst>
+                <p:cond evt="onNext" delay="0">
+                  <p:tgtEl>
+                    <p:sldTgt/>
+                  </p:tgtEl>
+                </p:cond>
+              </p:nextCondLst>
+            </p:seq>
+          </p:childTnLst>
+        </p:cTn>
+      </p:par>
+    </p:tnLst>
+    <p:bldLst>
+      <p:bldP spid="2" grpId="0"/>
+    </p:bldLst>
+  </p:timing>
+</p:sld>
+</file>
+
+<file path=ppt/slides/slide26.xml><?xml version="1.0" encoding="utf-8"?>
+<p:sld xmlns:a="http://schemas.openxmlformats.org/drawingml/2006/main" xmlns:r="http://schemas.openxmlformats.org/officeDocument/2006/relationships" xmlns:p="http://schemas.openxmlformats.org/presentationml/2006/main">
+  <p:cSld>
+    <p:spTree>
+      <p:nvGrpSpPr>
+        <p:cNvPr id="1" name=""/>
+        <p:cNvGrpSpPr/>
+        <p:nvPr/>
+      </p:nvGrpSpPr>
+      <p:grpSpPr>
+        <a:xfrm>
+          <a:off x="0" y="0"/>
+          <a:ext cx="0" cy="0"/>
+          <a:chOff x="0" y="0"/>
+          <a:chExt cx="0" cy="0"/>
+        </a:xfrm>
+      </p:grpSpPr>
+      <p:sp>
+        <p:nvSpPr>
+          <p:cNvPr id="15362" name="內容版面配置區 5"/>
+          <p:cNvSpPr>
+            <a:spLocks noGrp="1"/>
+          </p:cNvSpPr>
+          <p:nvPr>
+            <p:ph idx="1"/>
+          </p:nvPr>
+        </p:nvSpPr>
+        <p:spPr>
+          <a:xfrm>
+            <a:off x="457200" y="936625"/>
+            <a:ext cx="8229600" cy="3575050"/>
+          </a:xfrm>
+        </p:spPr>
+        <p:txBody>
+          <a:bodyPr/>
+          <a:lstStyle/>
+          <a:p>
+            <a:pPr marL="342900" lvl="1" indent="-342900" eaLnBrk="1" hangingPunct="1">
+              <a:buFont typeface="Arial" charset="0"/>
+              <a:buChar char="•"/>
+              <a:defRPr/>
+            </a:pPr>
+            <a:r>
+              <a:rPr lang="en-US" altLang="zh-TW" sz="1800" dirty="0">
+                <a:latin typeface="Times New Roman" panose="02020603050405020304" pitchFamily="18" charset="0"/>
+                <a:cs typeface="Times New Roman" panose="02020603050405020304" pitchFamily="18" charset="0"/>
+              </a:rPr>
+              <a:t>Conclusion</a:t>
+            </a:r>
+            <a:endParaRPr lang="en-US" altLang="zh-TW" sz="1800" dirty="0">
+              <a:latin typeface="Times New Roman" panose="02020603050405020304" pitchFamily="18" charset="0"/>
+              <a:cs typeface="Times New Roman" panose="02020603050405020304" pitchFamily="18" charset="0"/>
+            </a:endParaRPr>
+          </a:p>
+        </p:txBody>
+      </p:sp>
+      <p:sp>
+        <p:nvSpPr>
+          <p:cNvPr id="2" name="標題 4"/>
+          <p:cNvSpPr>
+            <a:spLocks noGrp="1"/>
+          </p:cNvSpPr>
+          <p:nvPr>
+            <p:ph type="title"/>
+          </p:nvPr>
+        </p:nvSpPr>
+        <p:spPr>
+          <a:xfrm>
+            <a:off x="457200" y="87313"/>
+            <a:ext cx="8229600" cy="1205265"/>
+          </a:xfrm>
+        </p:spPr>
+        <p:txBody>
+          <a:bodyPr/>
+          <a:lstStyle/>
+          <a:p>
+            <a:pPr eaLnBrk="1" hangingPunct="1">
+              <a:defRPr/>
+            </a:pPr>
+            <a:r>
+              <a:rPr lang="en-US" altLang="zh-TW" sz="2800" kern="0" dirty="0" err="1" smtClean="0">
+                <a:solidFill>
+                  <a:srgbClr val="003366"/>
+                </a:solidFill>
+                <a:latin typeface="Times New Roman" panose="02020603050405020304" pitchFamily="18" charset="0"/>
+                <a:cs typeface="Times New Roman" panose="02020603050405020304" pitchFamily="18" charset="0"/>
+              </a:rPr>
+              <a:t>BurnInTest</a:t>
+            </a:r>
+            <a:r>
+              <a:rPr lang="en-US" altLang="zh-TW" sz="2800" kern="0" dirty="0" smtClean="0">
+                <a:solidFill>
+                  <a:srgbClr val="003366"/>
+                </a:solidFill>
+                <a:latin typeface="Times New Roman" panose="02020603050405020304" pitchFamily="18" charset="0"/>
+                <a:cs typeface="Times New Roman" panose="02020603050405020304" pitchFamily="18" charset="0"/>
+              </a:rPr>
+              <a:t> Automation</a:t>
+            </a:r>
+            <a:br>
+              <a:rPr lang="en-US" altLang="zh-TW" sz="2800" kern="0" dirty="0" smtClean="0">
+                <a:solidFill>
+                  <a:srgbClr val="003366"/>
+                </a:solidFill>
+                <a:latin typeface="Times New Roman" panose="02020603050405020304" pitchFamily="18" charset="0"/>
+                <a:cs typeface="Times New Roman" panose="02020603050405020304" pitchFamily="18" charset="0"/>
+              </a:rPr>
+            </a:br>
+            <a:endParaRPr lang="zh-TW" altLang="en-US" sz="2800" kern="0" dirty="0">
+              <a:solidFill>
+                <a:srgbClr val="003366"/>
+              </a:solidFill>
+              <a:latin typeface="Times New Roman" panose="02020603050405020304" pitchFamily="18" charset="0"/>
+              <a:cs typeface="Times New Roman" panose="02020603050405020304" pitchFamily="18" charset="0"/>
+            </a:endParaRPr>
+          </a:p>
+        </p:txBody>
+      </p:sp>
+    </p:spTree>
+    <p:extLst>
+      <p:ext uri="{BB962C8B-B14F-4D97-AF65-F5344CB8AC3E}">
+        <p14:creationId xmlns:p14="http://schemas.microsoft.com/office/powerpoint/2010/main" val="1708138525"/>
+      </p:ext>
+    </p:extLst>
+  </p:cSld>
+  <p:clrMapOvr>
+    <a:masterClrMapping/>
+  </p:clrMapOvr>
+  <mc:AlternateContent xmlns:mc="http://schemas.openxmlformats.org/markup-compatibility/2006" xmlns:p14="http://schemas.microsoft.com/office/powerpoint/2010/main">
+    <mc:Choice Requires="p14">
+      <p:transition spd="med" p14:dur="700" advClick="0">
+        <p:fade/>
+      </p:transition>
+    </mc:Choice>
+    <mc:Fallback xmlns="">
+      <p:transition spd="med" advClick="0">
+        <p:fade/>
+      </p:transition>
+    </mc:Fallback>
+  </mc:AlternateContent>
+  <p:timing>
+    <p:tnLst>
+      <p:par>
+        <p:cTn id="1" dur="indefinite" restart="never" nodeType="tmRoot">
+          <p:childTnLst>
+            <p:seq concurrent="1" nextAc="seek">
+              <p:cTn id="2" dur="indefinite" nodeType="mainSeq">
+                <p:childTnLst>
+                  <p:par>
+                    <p:cTn id="3" fill="hold">
+                      <p:stCondLst>
+                        <p:cond delay="indefinite"/>
+                        <p:cond evt="onBegin" delay="0">
+                          <p:tn val="2"/>
+                        </p:cond>
+                      </p:stCondLst>
+                      <p:childTnLst>
+                        <p:par>
+                          <p:cTn id="4" fill="hold">
+                            <p:stCondLst>
+                              <p:cond delay="0"/>
+                            </p:stCondLst>
+                            <p:childTnLst>
+                              <p:par>
+                                <p:cTn id="5" presetID="10" presetClass="entr" presetSubtype="0" fill="hold" grpId="0" nodeType="afterEffect">
+                                  <p:stCondLst>
+                                    <p:cond delay="0"/>
+                                  </p:stCondLst>
+                                  <p:childTnLst>
+                                    <p:set>
+                                      <p:cBhvr>
+                                        <p:cTn id="6" dur="1" fill="hold">
+                                          <p:stCondLst>
+                                            <p:cond delay="0"/>
+                                          </p:stCondLst>
+                                        </p:cTn>
+                                        <p:tgtEl>
+                                          <p:spTgt spid="2"/>
+                                        </p:tgtEl>
+                                        <p:attrNameLst>
+                                          <p:attrName>style.visibility</p:attrName>
+                                        </p:attrNameLst>
+                                      </p:cBhvr>
+                                      <p:to>
+                                        <p:strVal val="visible"/>
+                                      </p:to>
+                                    </p:set>
+                                    <p:animEffect transition="in" filter="fade">
+                                      <p:cBhvr>
+                                        <p:cTn id="7" dur="500"/>
+                                        <p:tgtEl>
+                                          <p:spTgt spid="2"/>
+                                        </p:tgtEl>
+                                      </p:cBhvr>
+                                    </p:animEffect>
+                                  </p:childTnLst>
+                                </p:cTn>
+                              </p:par>
+                            </p:childTnLst>
+                          </p:cTn>
+                        </p:par>
+                      </p:childTnLst>
+                    </p:cTn>
+                  </p:par>
+                </p:childTnLst>
+              </p:cTn>
+              <p:prevCondLst>
+                <p:cond evt="onPrev" delay="0">
+                  <p:tgtEl>
+                    <p:sldTgt/>
+                  </p:tgtEl>
+                </p:cond>
+              </p:prevCondLst>
+              <p:nextCondLst>
+                <p:cond evt="onNext" delay="0">
+                  <p:tgtEl>
+                    <p:sldTgt/>
+                  </p:tgtEl>
+                </p:cond>
+              </p:nextCondLst>
+            </p:seq>
+          </p:childTnLst>
+        </p:cTn>
+      </p:par>
+    </p:tnLst>
+    <p:bldLst>
+      <p:bldP spid="2" grpId="0"/>
+    </p:bldLst>
+  </p:timing>
+</p:sld>
+</file>
+
+<file path=ppt/slides/slide27.xml><?xml version="1.0" encoding="utf-8"?>
+<p:sld xmlns:a="http://schemas.openxmlformats.org/drawingml/2006/main" xmlns:r="http://schemas.openxmlformats.org/officeDocument/2006/relationships" xmlns:p="http://schemas.openxmlformats.org/presentationml/2006/main">
+  <p:cSld>
+    <p:spTree>
+      <p:nvGrpSpPr>
+        <p:cNvPr id="1" name=""/>
+        <p:cNvGrpSpPr/>
+        <p:nvPr/>
+      </p:nvGrpSpPr>
+      <p:grpSpPr>
+        <a:xfrm>
+          <a:off x="0" y="0"/>
+          <a:ext cx="0" cy="0"/>
+          <a:chOff x="0" y="0"/>
+          <a:chExt cx="0" cy="0"/>
+        </a:xfrm>
+      </p:grpSpPr>
+      <p:sp>
+        <p:nvSpPr>
+          <p:cNvPr id="15362" name="內容版面配置區 5"/>
+          <p:cNvSpPr>
+            <a:spLocks noGrp="1"/>
+          </p:cNvSpPr>
+          <p:nvPr>
+            <p:ph idx="1"/>
+          </p:nvPr>
+        </p:nvSpPr>
+        <p:spPr>
+          <a:xfrm>
+            <a:off x="457200" y="936625"/>
+            <a:ext cx="8229600" cy="3575050"/>
+          </a:xfrm>
+        </p:spPr>
+        <p:txBody>
+          <a:bodyPr/>
+          <a:lstStyle/>
+          <a:p>
+            <a:pPr marL="342900" lvl="1" indent="-342900" eaLnBrk="1" hangingPunct="1">
+              <a:buFont typeface="Arial" charset="0"/>
+              <a:buChar char="•"/>
+              <a:defRPr/>
+            </a:pPr>
+            <a:r>
+              <a:rPr lang="en-US" altLang="zh-TW" sz="1800" dirty="0">
+                <a:latin typeface="Times New Roman" panose="02020603050405020304" pitchFamily="18" charset="0"/>
+                <a:cs typeface="Times New Roman" panose="02020603050405020304" pitchFamily="18" charset="0"/>
+              </a:rPr>
+              <a:t>System </a:t>
+            </a:r>
+            <a:r>
+              <a:rPr lang="en-US" altLang="zh-TW" sz="1800" dirty="0" smtClean="0">
+                <a:latin typeface="Times New Roman" panose="02020603050405020304" pitchFamily="18" charset="0"/>
+                <a:cs typeface="Times New Roman" panose="02020603050405020304" pitchFamily="18" charset="0"/>
+              </a:rPr>
+              <a:t>Structure</a:t>
+            </a:r>
+          </a:p>
+        </p:txBody>
+      </p:sp>
+      <p:sp>
+        <p:nvSpPr>
+          <p:cNvPr id="2" name="標題 4"/>
+          <p:cNvSpPr>
+            <a:spLocks noGrp="1"/>
+          </p:cNvSpPr>
+          <p:nvPr>
+            <p:ph type="title"/>
+          </p:nvPr>
+        </p:nvSpPr>
+        <p:spPr>
+          <a:xfrm>
+            <a:off x="457200" y="87313"/>
+            <a:ext cx="8229600" cy="1205265"/>
+          </a:xfrm>
+        </p:spPr>
+        <p:txBody>
+          <a:bodyPr/>
+          <a:lstStyle/>
+          <a:p>
+            <a:pPr eaLnBrk="1" hangingPunct="1">
+              <a:defRPr/>
+            </a:pPr>
+            <a:r>
+              <a:rPr lang="en-US" altLang="zh-TW" sz="2800" kern="0" dirty="0" smtClean="0">
+                <a:solidFill>
+                  <a:srgbClr val="003366"/>
+                </a:solidFill>
+                <a:latin typeface="Times New Roman" panose="02020603050405020304" pitchFamily="18" charset="0"/>
+                <a:cs typeface="Times New Roman" panose="02020603050405020304" pitchFamily="18" charset="0"/>
+              </a:rPr>
+              <a:t>Continuous </a:t>
+            </a:r>
+            <a:r>
+              <a:rPr lang="en-US" altLang="zh-TW" sz="2800" kern="0" dirty="0">
+                <a:solidFill>
+                  <a:srgbClr val="003366"/>
+                </a:solidFill>
+                <a:latin typeface="Times New Roman" panose="02020603050405020304" pitchFamily="18" charset="0"/>
+                <a:cs typeface="Times New Roman" panose="02020603050405020304" pitchFamily="18" charset="0"/>
+              </a:rPr>
+              <a:t>I</a:t>
+            </a:r>
+            <a:r>
+              <a:rPr lang="en-US" altLang="zh-TW" sz="2800" kern="0" dirty="0" smtClean="0">
+                <a:solidFill>
+                  <a:srgbClr val="003366"/>
+                </a:solidFill>
+                <a:latin typeface="Times New Roman" panose="02020603050405020304" pitchFamily="18" charset="0"/>
+                <a:cs typeface="Times New Roman" panose="02020603050405020304" pitchFamily="18" charset="0"/>
+              </a:rPr>
+              <a:t>ntegration</a:t>
+            </a:r>
+            <a:br>
+              <a:rPr lang="en-US" altLang="zh-TW" sz="2800" kern="0" dirty="0" smtClean="0">
+                <a:solidFill>
+                  <a:srgbClr val="003366"/>
+                </a:solidFill>
+                <a:latin typeface="Times New Roman" panose="02020603050405020304" pitchFamily="18" charset="0"/>
+                <a:cs typeface="Times New Roman" panose="02020603050405020304" pitchFamily="18" charset="0"/>
+              </a:rPr>
+            </a:br>
+            <a:endParaRPr lang="zh-TW" altLang="en-US" sz="2800" kern="0" dirty="0">
+              <a:solidFill>
+                <a:srgbClr val="003366"/>
+              </a:solidFill>
+              <a:latin typeface="Times New Roman" panose="02020603050405020304" pitchFamily="18" charset="0"/>
+              <a:cs typeface="Times New Roman" panose="02020603050405020304" pitchFamily="18" charset="0"/>
+            </a:endParaRPr>
+          </a:p>
+        </p:txBody>
+      </p:sp>
+    </p:spTree>
+    <p:extLst>
+      <p:ext uri="{BB962C8B-B14F-4D97-AF65-F5344CB8AC3E}">
+        <p14:creationId xmlns:p14="http://schemas.microsoft.com/office/powerpoint/2010/main" val="932677482"/>
+      </p:ext>
+    </p:extLst>
+  </p:cSld>
+  <p:clrMapOvr>
+    <a:masterClrMapping/>
+  </p:clrMapOvr>
+  <mc:AlternateContent xmlns:mc="http://schemas.openxmlformats.org/markup-compatibility/2006" xmlns:p14="http://schemas.microsoft.com/office/powerpoint/2010/main">
+    <mc:Choice Requires="p14">
+      <p:transition spd="med" p14:dur="700" advClick="0">
+        <p:fade/>
+      </p:transition>
+    </mc:Choice>
+    <mc:Fallback xmlns="">
+      <p:transition spd="med" advClick="0">
+        <p:fade/>
+      </p:transition>
+    </mc:Fallback>
+  </mc:AlternateContent>
+  <p:timing>
+    <p:tnLst>
+      <p:par>
+        <p:cTn id="1" dur="indefinite" restart="never" nodeType="tmRoot">
+          <p:childTnLst>
+            <p:seq concurrent="1" nextAc="seek">
+              <p:cTn id="2" dur="indefinite" nodeType="mainSeq">
+                <p:childTnLst>
+                  <p:par>
+                    <p:cTn id="3" fill="hold">
+                      <p:stCondLst>
+                        <p:cond delay="indefinite"/>
+                        <p:cond evt="onBegin" delay="0">
+                          <p:tn val="2"/>
+                        </p:cond>
+                      </p:stCondLst>
+                      <p:childTnLst>
+                        <p:par>
+                          <p:cTn id="4" fill="hold">
+                            <p:stCondLst>
+                              <p:cond delay="0"/>
+                            </p:stCondLst>
+                            <p:childTnLst>
+                              <p:par>
+                                <p:cTn id="5" presetID="10" presetClass="entr" presetSubtype="0" fill="hold" grpId="0" nodeType="afterEffect">
+                                  <p:stCondLst>
+                                    <p:cond delay="0"/>
+                                  </p:stCondLst>
+                                  <p:childTnLst>
+                                    <p:set>
+                                      <p:cBhvr>
+                                        <p:cTn id="6" dur="1" fill="hold">
+                                          <p:stCondLst>
+                                            <p:cond delay="0"/>
+                                          </p:stCondLst>
+                                        </p:cTn>
+                                        <p:tgtEl>
+                                          <p:spTgt spid="2"/>
+                                        </p:tgtEl>
+                                        <p:attrNameLst>
+                                          <p:attrName>style.visibility</p:attrName>
+                                        </p:attrNameLst>
+                                      </p:cBhvr>
+                                      <p:to>
+                                        <p:strVal val="visible"/>
+                                      </p:to>
+                                    </p:set>
+                                    <p:animEffect transition="in" filter="fade">
+                                      <p:cBhvr>
+                                        <p:cTn id="7" dur="500"/>
+                                        <p:tgtEl>
+                                          <p:spTgt spid="2"/>
+                                        </p:tgtEl>
+                                      </p:cBhvr>
+                                    </p:animEffect>
+                                  </p:childTnLst>
+                                </p:cTn>
+                              </p:par>
+                            </p:childTnLst>
+                          </p:cTn>
+                        </p:par>
+                      </p:childTnLst>
+                    </p:cTn>
+                  </p:par>
+                </p:childTnLst>
+              </p:cTn>
+              <p:prevCondLst>
+                <p:cond evt="onPrev" delay="0">
+                  <p:tgtEl>
+                    <p:sldTgt/>
+                  </p:tgtEl>
+                </p:cond>
+              </p:prevCondLst>
+              <p:nextCondLst>
+                <p:cond evt="onNext" delay="0">
+                  <p:tgtEl>
+                    <p:sldTgt/>
+                  </p:tgtEl>
+                </p:cond>
+              </p:nextCondLst>
+            </p:seq>
+          </p:childTnLst>
+        </p:cTn>
+      </p:par>
+    </p:tnLst>
+    <p:bldLst>
+      <p:bldP spid="2" grpId="0"/>
+    </p:bldLst>
+  </p:timing>
+</p:sld>
+</file>
+
+<file path=ppt/slides/slide28.xml><?xml version="1.0" encoding="utf-8"?>
+<p:sld xmlns:a="http://schemas.openxmlformats.org/drawingml/2006/main" xmlns:r="http://schemas.openxmlformats.org/officeDocument/2006/relationships" xmlns:p="http://schemas.openxmlformats.org/presentationml/2006/main">
+  <p:cSld>
+    <p:spTree>
+      <p:nvGrpSpPr>
+        <p:cNvPr id="1" name=""/>
+        <p:cNvGrpSpPr/>
+        <p:nvPr/>
+      </p:nvGrpSpPr>
+      <p:grpSpPr>
+        <a:xfrm>
+          <a:off x="0" y="0"/>
+          <a:ext cx="0" cy="0"/>
+          <a:chOff x="0" y="0"/>
+          <a:chExt cx="0" cy="0"/>
+        </a:xfrm>
+      </p:grpSpPr>
+      <p:sp>
+        <p:nvSpPr>
+          <p:cNvPr id="15362" name="內容版面配置區 5"/>
+          <p:cNvSpPr>
+            <a:spLocks noGrp="1"/>
+          </p:cNvSpPr>
+          <p:nvPr>
+            <p:ph idx="1"/>
+          </p:nvPr>
+        </p:nvSpPr>
+        <p:spPr>
+          <a:xfrm>
+            <a:off x="457200" y="936625"/>
+            <a:ext cx="8229600" cy="3575050"/>
+          </a:xfrm>
+        </p:spPr>
+        <p:txBody>
+          <a:bodyPr/>
+          <a:lstStyle/>
+          <a:p>
+            <a:pPr marL="342900" lvl="1" indent="-342900" eaLnBrk="1" hangingPunct="1">
+              <a:buFont typeface="Arial" charset="0"/>
+              <a:buChar char="•"/>
+              <a:defRPr/>
+            </a:pPr>
+            <a:r>
+              <a:rPr lang="en-US" altLang="zh-TW" sz="1800" dirty="0">
+                <a:latin typeface="Times New Roman" panose="02020603050405020304" pitchFamily="18" charset="0"/>
+                <a:cs typeface="Times New Roman" panose="02020603050405020304" pitchFamily="18" charset="0"/>
+              </a:rPr>
+              <a:t>C</a:t>
+            </a:r>
+            <a:r>
+              <a:rPr lang="en-US" altLang="zh-TW" sz="1800" dirty="0" smtClean="0">
+                <a:latin typeface="Times New Roman" panose="02020603050405020304" pitchFamily="18" charset="0"/>
+                <a:cs typeface="Times New Roman" panose="02020603050405020304" pitchFamily="18" charset="0"/>
+              </a:rPr>
+              <a:t>onclusion</a:t>
+            </a:r>
+            <a:endParaRPr lang="en-US" altLang="zh-TW" sz="1800" dirty="0" smtClean="0">
+              <a:latin typeface="Times New Roman" panose="02020603050405020304" pitchFamily="18" charset="0"/>
+              <a:cs typeface="Times New Roman" panose="02020603050405020304" pitchFamily="18" charset="0"/>
+            </a:endParaRPr>
+          </a:p>
+        </p:txBody>
+      </p:sp>
+      <p:sp>
+        <p:nvSpPr>
+          <p:cNvPr id="2" name="標題 4"/>
+          <p:cNvSpPr>
+            <a:spLocks noGrp="1"/>
+          </p:cNvSpPr>
+          <p:nvPr>
+            <p:ph type="title"/>
+          </p:nvPr>
+        </p:nvSpPr>
+        <p:spPr>
+          <a:xfrm>
+            <a:off x="457200" y="87313"/>
+            <a:ext cx="8229600" cy="1205265"/>
+          </a:xfrm>
+        </p:spPr>
+        <p:txBody>
+          <a:bodyPr/>
+          <a:lstStyle/>
+          <a:p>
+            <a:pPr eaLnBrk="1" hangingPunct="1">
+              <a:defRPr/>
+            </a:pPr>
+            <a:r>
+              <a:rPr lang="en-US" altLang="zh-TW" sz="2800" kern="0" dirty="0" smtClean="0">
+                <a:solidFill>
+                  <a:srgbClr val="003366"/>
+                </a:solidFill>
+                <a:latin typeface="Times New Roman" panose="02020603050405020304" pitchFamily="18" charset="0"/>
+                <a:cs typeface="Times New Roman" panose="02020603050405020304" pitchFamily="18" charset="0"/>
+              </a:rPr>
+              <a:t>Continuous </a:t>
+            </a:r>
+            <a:r>
+              <a:rPr lang="en-US" altLang="zh-TW" sz="2800" kern="0" dirty="0" smtClean="0">
+                <a:solidFill>
+                  <a:srgbClr val="003366"/>
+                </a:solidFill>
+                <a:latin typeface="Times New Roman" panose="02020603050405020304" pitchFamily="18" charset="0"/>
+                <a:cs typeface="Times New Roman" panose="02020603050405020304" pitchFamily="18" charset="0"/>
+              </a:rPr>
+              <a:t>Integration</a:t>
+            </a:r>
+            <a:br>
+              <a:rPr lang="en-US" altLang="zh-TW" sz="2800" kern="0" dirty="0" smtClean="0">
+                <a:solidFill>
+                  <a:srgbClr val="003366"/>
+                </a:solidFill>
+                <a:latin typeface="Times New Roman" panose="02020603050405020304" pitchFamily="18" charset="0"/>
+                <a:cs typeface="Times New Roman" panose="02020603050405020304" pitchFamily="18" charset="0"/>
+              </a:rPr>
+            </a:br>
+            <a:endParaRPr lang="zh-TW" altLang="en-US" sz="2800" kern="0" dirty="0">
+              <a:solidFill>
+                <a:srgbClr val="003366"/>
+              </a:solidFill>
+              <a:latin typeface="Times New Roman" panose="02020603050405020304" pitchFamily="18" charset="0"/>
+              <a:cs typeface="Times New Roman" panose="02020603050405020304" pitchFamily="18" charset="0"/>
+            </a:endParaRPr>
+          </a:p>
+        </p:txBody>
+      </p:sp>
+    </p:spTree>
+    <p:extLst>
+      <p:ext uri="{BB962C8B-B14F-4D97-AF65-F5344CB8AC3E}">
+        <p14:creationId xmlns:p14="http://schemas.microsoft.com/office/powerpoint/2010/main" val="643916042"/>
+      </p:ext>
+    </p:extLst>
+  </p:cSld>
+  <p:clrMapOvr>
+    <a:masterClrMapping/>
+  </p:clrMapOvr>
+  <mc:AlternateContent xmlns:mc="http://schemas.openxmlformats.org/markup-compatibility/2006" xmlns:p14="http://schemas.microsoft.com/office/powerpoint/2010/main">
+    <mc:Choice Requires="p14">
+      <p:transition spd="med" p14:dur="700" advClick="0">
+        <p:fade/>
+      </p:transition>
+    </mc:Choice>
+    <mc:Fallback xmlns="">
+      <p:transition spd="med" advClick="0">
+        <p:fade/>
+      </p:transition>
+    </mc:Fallback>
+  </mc:AlternateContent>
+  <p:timing>
+    <p:tnLst>
+      <p:par>
+        <p:cTn id="1" dur="indefinite" restart="never" nodeType="tmRoot">
+          <p:childTnLst>
+            <p:seq concurrent="1" nextAc="seek">
+              <p:cTn id="2" dur="indefinite" nodeType="mainSeq">
+                <p:childTnLst>
+                  <p:par>
+                    <p:cTn id="3" fill="hold">
+                      <p:stCondLst>
+                        <p:cond delay="indefinite"/>
+                        <p:cond evt="onBegin" delay="0">
+                          <p:tn val="2"/>
+                        </p:cond>
+                      </p:stCondLst>
+                      <p:childTnLst>
+                        <p:par>
+                          <p:cTn id="4" fill="hold">
+                            <p:stCondLst>
+                              <p:cond delay="0"/>
+                            </p:stCondLst>
+                            <p:childTnLst>
+                              <p:par>
+                                <p:cTn id="5" presetID="10" presetClass="entr" presetSubtype="0" fill="hold" grpId="0" nodeType="afterEffect">
+                                  <p:stCondLst>
+                                    <p:cond delay="0"/>
+                                  </p:stCondLst>
+                                  <p:childTnLst>
+                                    <p:set>
+                                      <p:cBhvr>
+                                        <p:cTn id="6" dur="1" fill="hold">
+                                          <p:stCondLst>
+                                            <p:cond delay="0"/>
+                                          </p:stCondLst>
+                                        </p:cTn>
+                                        <p:tgtEl>
+                                          <p:spTgt spid="2"/>
+                                        </p:tgtEl>
+                                        <p:attrNameLst>
+                                          <p:attrName>style.visibility</p:attrName>
+                                        </p:attrNameLst>
+                                      </p:cBhvr>
+                                      <p:to>
+                                        <p:strVal val="visible"/>
+                                      </p:to>
+                                    </p:set>
+                                    <p:animEffect transition="in" filter="fade">
+                                      <p:cBhvr>
+                                        <p:cTn id="7" dur="500"/>
+                                        <p:tgtEl>
+                                          <p:spTgt spid="2"/>
+                                        </p:tgtEl>
+                                      </p:cBhvr>
+                                    </p:animEffect>
+                                  </p:childTnLst>
+                                </p:cTn>
+                              </p:par>
+                            </p:childTnLst>
+                          </p:cTn>
+                        </p:par>
+                      </p:childTnLst>
+                    </p:cTn>
+                  </p:par>
+                </p:childTnLst>
+              </p:cTn>
+              <p:prevCondLst>
+                <p:cond evt="onPrev" delay="0">
+                  <p:tgtEl>
+                    <p:sldTgt/>
+                  </p:tgtEl>
+                </p:cond>
+              </p:prevCondLst>
+              <p:nextCondLst>
+                <p:cond evt="onNext" delay="0">
+                  <p:tgtEl>
+                    <p:sldTgt/>
+                  </p:tgtEl>
+                </p:cond>
+              </p:nextCondLst>
+            </p:seq>
+          </p:childTnLst>
+        </p:cTn>
+      </p:par>
+    </p:tnLst>
+    <p:bldLst>
+      <p:bldP spid="2" grpId="0"/>
+    </p:bldLst>
+  </p:timing>
+</p:sld>
+</file>
+
+<file path=ppt/slides/slide29.xml><?xml version="1.0" encoding="utf-8"?>
+<p:sld xmlns:a="http://schemas.openxmlformats.org/drawingml/2006/main" xmlns:r="http://schemas.openxmlformats.org/officeDocument/2006/relationships" xmlns:p="http://schemas.openxmlformats.org/presentationml/2006/main">
+  <p:cSld>
+    <p:spTree>
+      <p:nvGrpSpPr>
+        <p:cNvPr id="1" name=""/>
+        <p:cNvGrpSpPr/>
+        <p:nvPr/>
+      </p:nvGrpSpPr>
+      <p:grpSpPr>
+        <a:xfrm>
+          <a:off x="0" y="0"/>
+          <a:ext cx="0" cy="0"/>
+          <a:chOff x="0" y="0"/>
+          <a:chExt cx="0" cy="0"/>
+        </a:xfrm>
+      </p:grpSpPr>
+      <p:sp>
+        <p:nvSpPr>
+          <p:cNvPr id="15362" name="內容版面配置區 5"/>
+          <p:cNvSpPr>
+            <a:spLocks noGrp="1"/>
+          </p:cNvSpPr>
+          <p:nvPr>
+            <p:ph idx="1"/>
+          </p:nvPr>
+        </p:nvSpPr>
+        <p:spPr>
+          <a:xfrm>
+            <a:off x="457200" y="936625"/>
+            <a:ext cx="8229600" cy="3575050"/>
+          </a:xfrm>
+        </p:spPr>
+        <p:txBody>
+          <a:bodyPr/>
+          <a:lstStyle/>
+          <a:p>
+            <a:pPr marL="0" indent="0" eaLnBrk="1" hangingPunct="1">
+              <a:buNone/>
+              <a:defRPr/>
+            </a:pPr>
+            <a:r>
+              <a:rPr lang="en-US" altLang="zh-TW" sz="1800" dirty="0">
+                <a:hlinkClick r:id="rId3" action="ppaction://hlinkfile"/>
+              </a:rPr>
+              <a:t>\\172.17.9.225\dqa\iService\0G.DQA_Zone\50.Auto Test Tool\automation\suite</a:t>
+            </a:r>
+            <a:endParaRPr lang="en-US" altLang="zh-TW" sz="1800" dirty="0"/>
+          </a:p>
+          <a:p>
+            <a:pPr eaLnBrk="1" hangingPunct="1">
+              <a:buFont typeface="Arial" charset="0"/>
+              <a:buChar char="•"/>
+              <a:defRPr/>
+            </a:pPr>
+            <a:endParaRPr lang="en-US" altLang="zh-TW" sz="1800" dirty="0">
+              <a:latin typeface="Times New Roman" panose="02020603050405020304" pitchFamily="18" charset="0"/>
+              <a:cs typeface="Times New Roman" panose="02020603050405020304" pitchFamily="18" charset="0"/>
+            </a:endParaRPr>
+          </a:p>
+        </p:txBody>
+      </p:sp>
+      <p:sp>
+        <p:nvSpPr>
+          <p:cNvPr id="2" name="標題 4"/>
+          <p:cNvSpPr>
+            <a:spLocks noGrp="1"/>
+          </p:cNvSpPr>
+          <p:nvPr>
+            <p:ph type="title"/>
+          </p:nvPr>
+        </p:nvSpPr>
+        <p:spPr>
+          <a:xfrm>
+            <a:off x="457200" y="87313"/>
+            <a:ext cx="8229600" cy="1205265"/>
+          </a:xfrm>
+        </p:spPr>
+        <p:txBody>
+          <a:bodyPr/>
+          <a:lstStyle/>
+          <a:p>
+            <a:pPr eaLnBrk="1" hangingPunct="1">
+              <a:defRPr/>
+            </a:pPr>
+            <a:r>
+              <a:rPr lang="en-US" altLang="zh-TW" sz="2800" kern="0" dirty="0" smtClean="0">
+                <a:solidFill>
+                  <a:srgbClr val="003366"/>
+                </a:solidFill>
+                <a:latin typeface="Times New Roman" panose="02020603050405020304" pitchFamily="18" charset="0"/>
+                <a:cs typeface="Times New Roman" panose="02020603050405020304" pitchFamily="18" charset="0"/>
+              </a:rPr>
+              <a:t>Automation </a:t>
+            </a:r>
+            <a:r>
+              <a:rPr lang="en-US" altLang="zh-TW" sz="2800" kern="0" dirty="0">
+                <a:solidFill>
+                  <a:srgbClr val="003366"/>
+                </a:solidFill>
+                <a:latin typeface="Times New Roman" panose="02020603050405020304" pitchFamily="18" charset="0"/>
+                <a:cs typeface="Times New Roman" panose="02020603050405020304" pitchFamily="18" charset="0"/>
+              </a:rPr>
+              <a:t>Tools hyperlink</a:t>
+            </a:r>
+            <a:r>
+              <a:rPr lang="en-US" altLang="zh-TW" sz="2800" kern="0" dirty="0" smtClean="0">
+                <a:solidFill>
+                  <a:srgbClr val="003366"/>
+                </a:solidFill>
+                <a:latin typeface="Times New Roman" panose="02020603050405020304" pitchFamily="18" charset="0"/>
+                <a:cs typeface="Times New Roman" panose="02020603050405020304" pitchFamily="18" charset="0"/>
+              </a:rPr>
+              <a:t/>
+            </a:r>
+            <a:br>
+              <a:rPr lang="en-US" altLang="zh-TW" sz="2800" kern="0" dirty="0" smtClean="0">
+                <a:solidFill>
+                  <a:srgbClr val="003366"/>
+                </a:solidFill>
+                <a:latin typeface="Times New Roman" panose="02020603050405020304" pitchFamily="18" charset="0"/>
+                <a:cs typeface="Times New Roman" panose="02020603050405020304" pitchFamily="18" charset="0"/>
+              </a:rPr>
+            </a:br>
+            <a:endParaRPr lang="zh-TW" altLang="en-US" sz="2800" kern="0" dirty="0">
+              <a:solidFill>
+                <a:srgbClr val="003366"/>
+              </a:solidFill>
+              <a:latin typeface="Times New Roman" panose="02020603050405020304" pitchFamily="18" charset="0"/>
+              <a:cs typeface="Times New Roman" panose="02020603050405020304" pitchFamily="18" charset="0"/>
+            </a:endParaRPr>
+          </a:p>
+        </p:txBody>
+      </p:sp>
+    </p:spTree>
+    <p:extLst>
+      <p:ext uri="{BB962C8B-B14F-4D97-AF65-F5344CB8AC3E}">
+        <p14:creationId xmlns:p14="http://schemas.microsoft.com/office/powerpoint/2010/main" val="990844558"/>
+      </p:ext>
+    </p:extLst>
+  </p:cSld>
+  <p:clrMapOvr>
+    <a:masterClrMapping/>
+  </p:clrMapOvr>
+  <mc:AlternateContent xmlns:mc="http://schemas.openxmlformats.org/markup-compatibility/2006" xmlns:p14="http://schemas.microsoft.com/office/powerpoint/2010/main">
+    <mc:Choice Requires="p14">
+      <p:transition spd="med" p14:dur="700" advClick="0">
+        <p:fade/>
+      </p:transition>
+    </mc:Choice>
+    <mc:Fallback xmlns="">
+      <p:transition spd="med" advClick="0">
+        <p:fade/>
+      </p:transition>
+    </mc:Fallback>
+  </mc:AlternateContent>
+  <p:timing>
+    <p:tnLst>
+      <p:par>
+        <p:cTn id="1" dur="indefinite" restart="never" nodeType="tmRoot">
+          <p:childTnLst>
+            <p:seq concurrent="1" nextAc="seek">
+              <p:cTn id="2" dur="indefinite" nodeType="mainSeq">
+                <p:childTnLst>
+                  <p:par>
+                    <p:cTn id="3" fill="hold">
+                      <p:stCondLst>
+                        <p:cond delay="indefinite"/>
+                        <p:cond evt="onBegin" delay="0">
+                          <p:tn val="2"/>
+                        </p:cond>
+                      </p:stCondLst>
+                      <p:childTnLst>
+                        <p:par>
+                          <p:cTn id="4" fill="hold">
+                            <p:stCondLst>
+                              <p:cond delay="0"/>
+                            </p:stCondLst>
+                            <p:childTnLst>
+                              <p:par>
+                                <p:cTn id="5" presetID="10" presetClass="entr" presetSubtype="0" fill="hold" grpId="0" nodeType="afterEffect">
+                                  <p:stCondLst>
+                                    <p:cond delay="0"/>
+                                  </p:stCondLst>
+                                  <p:childTnLst>
+                                    <p:set>
+                                      <p:cBhvr>
+                                        <p:cTn id="6" dur="1" fill="hold">
+                                          <p:stCondLst>
+                                            <p:cond delay="0"/>
+                                          </p:stCondLst>
+                                        </p:cTn>
+                                        <p:tgtEl>
+                                          <p:spTgt spid="2"/>
+                                        </p:tgtEl>
+                                        <p:attrNameLst>
+                                          <p:attrName>style.visibility</p:attrName>
+                                        </p:attrNameLst>
+                                      </p:cBhvr>
+                                      <p:to>
+                                        <p:strVal val="visible"/>
+                                      </p:to>
+                                    </p:set>
+                                    <p:animEffect transition="in" filter="fade">
+                                      <p:cBhvr>
+                                        <p:cTn id="7" dur="500"/>
+                                        <p:tgtEl>
+                                          <p:spTgt spid="2"/>
+                                        </p:tgtEl>
+                                      </p:cBhvr>
+                                    </p:animEffect>
+                                  </p:childTnLst>
+                                </p:cTn>
+                              </p:par>
+                            </p:childTnLst>
+                          </p:cTn>
+                        </p:par>
+                      </p:childTnLst>
+                    </p:cTn>
+                  </p:par>
+                </p:childTnLst>
+              </p:cTn>
+              <p:prevCondLst>
+                <p:cond evt="onPrev" delay="0">
+                  <p:tgtEl>
+                    <p:sldTgt/>
+                  </p:tgtEl>
+                </p:cond>
+              </p:prevCondLst>
+              <p:nextCondLst>
+                <p:cond evt="onNext" delay="0">
+                  <p:tgtEl>
+                    <p:sldTgt/>
+                  </p:tgtEl>
+                </p:cond>
+              </p:nextCondLst>
+            </p:seq>
+          </p:childTnLst>
+        </p:cTn>
+      </p:par>
+    </p:tnLst>
+    <p:bldLst>
+      <p:bldP spid="2" grpId="0"/>
     </p:bldLst>
   </p:timing>
 </p:sld>
@@ -11398,6 +13762,412 @@
     </p:tnLst>
     <p:bldLst>
       <p:bldP spid="2" grpId="0"/>
+    </p:bldLst>
+  </p:timing>
+</p:sld>
+</file>
+
+<file path=ppt/slides/slide30.xml><?xml version="1.0" encoding="utf-8"?>
+<p:sld xmlns:a="http://schemas.openxmlformats.org/drawingml/2006/main" xmlns:r="http://schemas.openxmlformats.org/officeDocument/2006/relationships" xmlns:p="http://schemas.openxmlformats.org/presentationml/2006/main">
+  <p:cSld>
+    <p:spTree>
+      <p:nvGrpSpPr>
+        <p:cNvPr id="1" name=""/>
+        <p:cNvGrpSpPr/>
+        <p:nvPr/>
+      </p:nvGrpSpPr>
+      <p:grpSpPr>
+        <a:xfrm>
+          <a:off x="0" y="0"/>
+          <a:ext cx="0" cy="0"/>
+          <a:chOff x="0" y="0"/>
+          <a:chExt cx="0" cy="0"/>
+        </a:xfrm>
+      </p:grpSpPr>
+      <p:sp>
+        <p:nvSpPr>
+          <p:cNvPr id="30722" name="文字方塊 2"/>
+          <p:cNvSpPr txBox="1">
+            <a:spLocks noChangeArrowheads="1"/>
+          </p:cNvSpPr>
+          <p:nvPr/>
+        </p:nvSpPr>
+        <p:spPr bwMode="auto">
+          <a:xfrm>
+            <a:off x="358775" y="2205038"/>
+            <a:ext cx="5092700" cy="954087"/>
+          </a:xfrm>
+          <a:prstGeom prst="rect">
+            <a:avLst/>
+          </a:prstGeom>
+          <a:noFill/>
+          <a:ln>
+            <a:noFill/>
+          </a:ln>
+          <a:extLst>
+            <a:ext uri="{909E8E84-426E-40DD-AFC4-6F175D3DCCD1}">
+              <a14:hiddenFill xmlns:a14="http://schemas.microsoft.com/office/drawing/2010/main">
+                <a:solidFill>
+                  <a:srgbClr val="FFFFFF"/>
+                </a:solidFill>
+              </a14:hiddenFill>
+            </a:ext>
+            <a:ext uri="{91240B29-F687-4F45-9708-019B960494DF}">
+              <a14:hiddenLine xmlns:a14="http://schemas.microsoft.com/office/drawing/2010/main" w="9525">
+                <a:solidFill>
+                  <a:srgbClr val="000000"/>
+                </a:solidFill>
+                <a:miter lim="800000"/>
+                <a:headEnd/>
+                <a:tailEnd/>
+              </a14:hiddenLine>
+            </a:ext>
+          </a:extLst>
+        </p:spPr>
+        <p:txBody>
+          <a:bodyPr>
+            <a:spAutoFit/>
+          </a:bodyPr>
+          <a:lstStyle>
+            <a:lvl1pPr eaLnBrk="0" hangingPunct="0">
+              <a:spcBef>
+                <a:spcPct val="20000"/>
+              </a:spcBef>
+              <a:buFont typeface="Arial" panose="020B0604020202020204" pitchFamily="34" charset="0"/>
+              <a:buChar char="•"/>
+              <a:defRPr sz="3200">
+                <a:solidFill>
+                  <a:schemeClr val="tx1"/>
+                </a:solidFill>
+                <a:latin typeface="Calibri" panose="020F0502020204030204" pitchFamily="34" charset="0"/>
+                <a:ea typeface="微軟正黑體" panose="020B0604030504040204" pitchFamily="34" charset="-120"/>
+              </a:defRPr>
+            </a:lvl1pPr>
+            <a:lvl2pPr marL="742950" indent="-285750" eaLnBrk="0" hangingPunct="0">
+              <a:spcBef>
+                <a:spcPct val="20000"/>
+              </a:spcBef>
+              <a:buFont typeface="Arial" panose="020B0604020202020204" pitchFamily="34" charset="0"/>
+              <a:buChar char="–"/>
+              <a:defRPr sz="2800">
+                <a:solidFill>
+                  <a:schemeClr val="tx1"/>
+                </a:solidFill>
+                <a:latin typeface="Calibri" panose="020F0502020204030204" pitchFamily="34" charset="0"/>
+                <a:ea typeface="微軟正黑體" panose="020B0604030504040204" pitchFamily="34" charset="-120"/>
+              </a:defRPr>
+            </a:lvl2pPr>
+            <a:lvl3pPr marL="1143000" indent="-228600" eaLnBrk="0" hangingPunct="0">
+              <a:spcBef>
+                <a:spcPct val="20000"/>
+              </a:spcBef>
+              <a:buFont typeface="Arial" panose="020B0604020202020204" pitchFamily="34" charset="0"/>
+              <a:buChar char="•"/>
+              <a:defRPr sz="2400">
+                <a:solidFill>
+                  <a:schemeClr val="tx1"/>
+                </a:solidFill>
+                <a:latin typeface="Calibri" panose="020F0502020204030204" pitchFamily="34" charset="0"/>
+                <a:ea typeface="微軟正黑體" panose="020B0604030504040204" pitchFamily="34" charset="-120"/>
+              </a:defRPr>
+            </a:lvl3pPr>
+            <a:lvl4pPr marL="1600200" indent="-228600" eaLnBrk="0" hangingPunct="0">
+              <a:spcBef>
+                <a:spcPct val="20000"/>
+              </a:spcBef>
+              <a:buFont typeface="Arial" panose="020B0604020202020204" pitchFamily="34" charset="0"/>
+              <a:buChar char="–"/>
+              <a:defRPr sz="2000">
+                <a:solidFill>
+                  <a:schemeClr val="tx1"/>
+                </a:solidFill>
+                <a:latin typeface="Calibri" panose="020F0502020204030204" pitchFamily="34" charset="0"/>
+                <a:ea typeface="微軟正黑體" panose="020B0604030504040204" pitchFamily="34" charset="-120"/>
+              </a:defRPr>
+            </a:lvl4pPr>
+            <a:lvl5pPr marL="2057400" indent="-228600" eaLnBrk="0" hangingPunct="0">
+              <a:spcBef>
+                <a:spcPct val="20000"/>
+              </a:spcBef>
+              <a:buFont typeface="Arial" panose="020B0604020202020204" pitchFamily="34" charset="0"/>
+              <a:buChar char="»"/>
+              <a:defRPr sz="2000">
+                <a:solidFill>
+                  <a:schemeClr val="tx1"/>
+                </a:solidFill>
+                <a:latin typeface="Calibri" panose="020F0502020204030204" pitchFamily="34" charset="0"/>
+                <a:ea typeface="微軟正黑體" panose="020B0604030504040204" pitchFamily="34" charset="-120"/>
+              </a:defRPr>
+            </a:lvl5pPr>
+            <a:lvl6pPr marL="2514600" indent="-228600" eaLnBrk="0" fontAlgn="base" hangingPunct="0">
+              <a:spcBef>
+                <a:spcPct val="20000"/>
+              </a:spcBef>
+              <a:spcAft>
+                <a:spcPct val="0"/>
+              </a:spcAft>
+              <a:buFont typeface="Arial" panose="020B0604020202020204" pitchFamily="34" charset="0"/>
+              <a:buChar char="»"/>
+              <a:defRPr sz="2000">
+                <a:solidFill>
+                  <a:schemeClr val="tx1"/>
+                </a:solidFill>
+                <a:latin typeface="Calibri" panose="020F0502020204030204" pitchFamily="34" charset="0"/>
+                <a:ea typeface="微軟正黑體" panose="020B0604030504040204" pitchFamily="34" charset="-120"/>
+              </a:defRPr>
+            </a:lvl6pPr>
+            <a:lvl7pPr marL="2971800" indent="-228600" eaLnBrk="0" fontAlgn="base" hangingPunct="0">
+              <a:spcBef>
+                <a:spcPct val="20000"/>
+              </a:spcBef>
+              <a:spcAft>
+                <a:spcPct val="0"/>
+              </a:spcAft>
+              <a:buFont typeface="Arial" panose="020B0604020202020204" pitchFamily="34" charset="0"/>
+              <a:buChar char="»"/>
+              <a:defRPr sz="2000">
+                <a:solidFill>
+                  <a:schemeClr val="tx1"/>
+                </a:solidFill>
+                <a:latin typeface="Calibri" panose="020F0502020204030204" pitchFamily="34" charset="0"/>
+                <a:ea typeface="微軟正黑體" panose="020B0604030504040204" pitchFamily="34" charset="-120"/>
+              </a:defRPr>
+            </a:lvl7pPr>
+            <a:lvl8pPr marL="3429000" indent="-228600" eaLnBrk="0" fontAlgn="base" hangingPunct="0">
+              <a:spcBef>
+                <a:spcPct val="20000"/>
+              </a:spcBef>
+              <a:spcAft>
+                <a:spcPct val="0"/>
+              </a:spcAft>
+              <a:buFont typeface="Arial" panose="020B0604020202020204" pitchFamily="34" charset="0"/>
+              <a:buChar char="»"/>
+              <a:defRPr sz="2000">
+                <a:solidFill>
+                  <a:schemeClr val="tx1"/>
+                </a:solidFill>
+                <a:latin typeface="Calibri" panose="020F0502020204030204" pitchFamily="34" charset="0"/>
+                <a:ea typeface="微軟正黑體" panose="020B0604030504040204" pitchFamily="34" charset="-120"/>
+              </a:defRPr>
+            </a:lvl8pPr>
+            <a:lvl9pPr marL="3886200" indent="-228600" eaLnBrk="0" fontAlgn="base" hangingPunct="0">
+              <a:spcBef>
+                <a:spcPct val="20000"/>
+              </a:spcBef>
+              <a:spcAft>
+                <a:spcPct val="0"/>
+              </a:spcAft>
+              <a:buFont typeface="Arial" panose="020B0604020202020204" pitchFamily="34" charset="0"/>
+              <a:buChar char="»"/>
+              <a:defRPr sz="2000">
+                <a:solidFill>
+                  <a:schemeClr val="tx1"/>
+                </a:solidFill>
+                <a:latin typeface="Calibri" panose="020F0502020204030204" pitchFamily="34" charset="0"/>
+                <a:ea typeface="微軟正黑體" panose="020B0604030504040204" pitchFamily="34" charset="-120"/>
+              </a:defRPr>
+            </a:lvl9pPr>
+          </a:lstStyle>
+          <a:p>
+            <a:pPr eaLnBrk="1" hangingPunct="1">
+              <a:spcBef>
+                <a:spcPct val="0"/>
+              </a:spcBef>
+              <a:buFontTx/>
+              <a:buNone/>
+            </a:pPr>
+            <a:r>
+              <a:rPr lang="en-US" altLang="zh-TW" sz="2800" b="1" i="1" dirty="0">
+                <a:solidFill>
+                  <a:srgbClr val="FAA40A"/>
+                </a:solidFill>
+                <a:latin typeface="Times New Roman" panose="02020603050405020304" pitchFamily="18" charset="0"/>
+                <a:ea typeface="新細明體" panose="02020500000000000000" pitchFamily="18" charset="-120"/>
+                <a:cs typeface="Times New Roman" panose="02020603050405020304" pitchFamily="18" charset="0"/>
+              </a:rPr>
+              <a:t>Go Together, </a:t>
+            </a:r>
+          </a:p>
+          <a:p>
+            <a:pPr eaLnBrk="1" hangingPunct="1">
+              <a:spcBef>
+                <a:spcPct val="0"/>
+              </a:spcBef>
+              <a:buFontTx/>
+              <a:buNone/>
+            </a:pPr>
+            <a:r>
+              <a:rPr lang="en-US" altLang="zh-TW" sz="2800" b="1" i="1" dirty="0">
+                <a:solidFill>
+                  <a:srgbClr val="FAA40A"/>
+                </a:solidFill>
+                <a:latin typeface="Times New Roman" panose="02020603050405020304" pitchFamily="18" charset="0"/>
+                <a:ea typeface="新細明體" panose="02020500000000000000" pitchFamily="18" charset="-120"/>
+                <a:cs typeface="Times New Roman" panose="02020603050405020304" pitchFamily="18" charset="0"/>
+              </a:rPr>
+              <a:t>          We Go Far and Grow Big</a:t>
+            </a:r>
+            <a:endParaRPr lang="zh-TW" altLang="en-US" sz="2800" b="1" i="1" dirty="0">
+              <a:solidFill>
+                <a:srgbClr val="FAA40A"/>
+              </a:solidFill>
+              <a:latin typeface="Times New Roman" panose="02020603050405020304" pitchFamily="18" charset="0"/>
+              <a:ea typeface="新細明體" panose="02020500000000000000" pitchFamily="18" charset="-120"/>
+              <a:cs typeface="Times New Roman" panose="02020603050405020304" pitchFamily="18" charset="0"/>
+            </a:endParaRPr>
+          </a:p>
+        </p:txBody>
+      </p:sp>
+    </p:spTree>
+  </p:cSld>
+  <p:clrMapOvr>
+    <a:masterClrMapping/>
+  </p:clrMapOvr>
+  <mc:AlternateContent xmlns:mc="http://schemas.openxmlformats.org/markup-compatibility/2006" xmlns:p14="http://schemas.microsoft.com/office/powerpoint/2010/main">
+    <mc:Choice Requires="p14">
+      <p:transition spd="med" p14:dur="700" advClick="0">
+        <p:fade/>
+      </p:transition>
+    </mc:Choice>
+    <mc:Fallback xmlns="">
+      <p:transition spd="med" advClick="0">
+        <p:fade/>
+      </p:transition>
+    </mc:Fallback>
+  </mc:AlternateContent>
+  <p:timing>
+    <p:tnLst>
+      <p:par>
+        <p:cTn id="1" dur="indefinite" restart="never" nodeType="tmRoot">
+          <p:childTnLst>
+            <p:seq concurrent="1" nextAc="seek">
+              <p:cTn id="2" dur="indefinite" nodeType="mainSeq">
+                <p:childTnLst>
+                  <p:par>
+                    <p:cTn id="3" fill="hold">
+                      <p:stCondLst>
+                        <p:cond delay="indefinite"/>
+                        <p:cond evt="onBegin" delay="0">
+                          <p:tn val="2"/>
+                        </p:cond>
+                      </p:stCondLst>
+                      <p:childTnLst>
+                        <p:par>
+                          <p:cTn id="4" fill="hold">
+                            <p:stCondLst>
+                              <p:cond delay="0"/>
+                            </p:stCondLst>
+                            <p:childTnLst>
+                              <p:par>
+                                <p:cTn id="5" presetID="42" presetClass="entr" presetSubtype="0" fill="hold" grpId="0" nodeType="afterEffect">
+                                  <p:stCondLst>
+                                    <p:cond delay="0"/>
+                                  </p:stCondLst>
+                                  <p:childTnLst>
+                                    <p:set>
+                                      <p:cBhvr>
+                                        <p:cTn id="6" dur="1" fill="hold">
+                                          <p:stCondLst>
+                                            <p:cond delay="0"/>
+                                          </p:stCondLst>
+                                        </p:cTn>
+                                        <p:tgtEl>
+                                          <p:spTgt spid="30722"/>
+                                        </p:tgtEl>
+                                        <p:attrNameLst>
+                                          <p:attrName>style.visibility</p:attrName>
+                                        </p:attrNameLst>
+                                      </p:cBhvr>
+                                      <p:to>
+                                        <p:strVal val="visible"/>
+                                      </p:to>
+                                    </p:set>
+                                    <p:animEffect transition="in" filter="fade">
+                                      <p:cBhvr>
+                                        <p:cTn id="7" dur="1000"/>
+                                        <p:tgtEl>
+                                          <p:spTgt spid="30722"/>
+                                        </p:tgtEl>
+                                      </p:cBhvr>
+                                    </p:animEffect>
+                                    <p:anim calcmode="lin" valueType="num">
+                                      <p:cBhvr>
+                                        <p:cTn id="8" dur="1000" fill="hold"/>
+                                        <p:tgtEl>
+                                          <p:spTgt spid="30722"/>
+                                        </p:tgtEl>
+                                        <p:attrNameLst>
+                                          <p:attrName>ppt_x</p:attrName>
+                                        </p:attrNameLst>
+                                      </p:cBhvr>
+                                      <p:tavLst>
+                                        <p:tav tm="0">
+                                          <p:val>
+                                            <p:strVal val="#ppt_x"/>
+                                          </p:val>
+                                        </p:tav>
+                                        <p:tav tm="100000">
+                                          <p:val>
+                                            <p:strVal val="#ppt_x"/>
+                                          </p:val>
+                                        </p:tav>
+                                      </p:tavLst>
+                                    </p:anim>
+                                    <p:anim calcmode="lin" valueType="num">
+                                      <p:cBhvr>
+                                        <p:cTn id="9" dur="1000" fill="hold"/>
+                                        <p:tgtEl>
+                                          <p:spTgt spid="30722"/>
+                                        </p:tgtEl>
+                                        <p:attrNameLst>
+                                          <p:attrName>ppt_y</p:attrName>
+                                        </p:attrNameLst>
+                                      </p:cBhvr>
+                                      <p:tavLst>
+                                        <p:tav tm="0">
+                                          <p:val>
+                                            <p:strVal val="#ppt_y+.1"/>
+                                          </p:val>
+                                        </p:tav>
+                                        <p:tav tm="100000">
+                                          <p:val>
+                                            <p:strVal val="#ppt_y"/>
+                                          </p:val>
+                                        </p:tav>
+                                      </p:tavLst>
+                                    </p:anim>
+                                  </p:childTnLst>
+                                </p:cTn>
+                              </p:par>
+                            </p:childTnLst>
+                          </p:cTn>
+                        </p:par>
+                      </p:childTnLst>
+                    </p:cTn>
+                  </p:par>
+                </p:childTnLst>
+              </p:cTn>
+              <p:prevCondLst>
+                <p:cond evt="onPrev" delay="0">
+                  <p:tgtEl>
+                    <p:sldTgt/>
+                  </p:tgtEl>
+                </p:cond>
+              </p:prevCondLst>
+              <p:nextCondLst>
+                <p:cond evt="onNext" delay="0">
+                  <p:tgtEl>
+                    <p:sldTgt/>
+                  </p:tgtEl>
+                </p:cond>
+              </p:nextCondLst>
+            </p:seq>
+          </p:childTnLst>
+        </p:cTn>
+      </p:par>
+    </p:tnLst>
+    <p:bldLst>
+      <p:bldP spid="30722" grpId="0"/>
     </p:bldLst>
   </p:timing>
 </p:sld>
@@ -14244,14 +17014,7 @@
                 <a:latin typeface="Times New Roman" panose="02020603050405020304" pitchFamily="18" charset="0"/>
                 <a:cs typeface="Times New Roman" panose="02020603050405020304" pitchFamily="18" charset="0"/>
               </a:rPr>
-              <a:t>Android </a:t>
-            </a:r>
-            <a:r>
-              <a:rPr lang="en-US" altLang="zh-TW" sz="1400" dirty="0" smtClean="0">
-                <a:latin typeface="Times New Roman" panose="02020603050405020304" pitchFamily="18" charset="0"/>
-                <a:cs typeface="Times New Roman" panose="02020603050405020304" pitchFamily="18" charset="0"/>
-              </a:rPr>
-              <a:t>8.1.0</a:t>
+              <a:t>Android 8.1.0</a:t>
             </a:r>
             <a:r>
               <a:rPr lang="zh-TW" altLang="en-US" sz="1400" dirty="0" smtClean="0">
@@ -14300,14 +17063,7 @@
                 <a:latin typeface="Times New Roman" panose="02020603050405020304" pitchFamily="18" charset="0"/>
                 <a:cs typeface="Times New Roman" panose="02020603050405020304" pitchFamily="18" charset="0"/>
               </a:rPr>
-              <a:t>Wi-Fi frequency switch </a:t>
-            </a:r>
-            <a:r>
-              <a:rPr lang="en-US" altLang="zh-TW" sz="1800" dirty="0" smtClean="0">
-                <a:latin typeface="Times New Roman" panose="02020603050405020304" pitchFamily="18" charset="0"/>
-                <a:cs typeface="Times New Roman" panose="02020603050405020304" pitchFamily="18" charset="0"/>
-              </a:rPr>
-              <a:t>automation (</a:t>
+              <a:t>Wi-Fi frequency switch automation (</a:t>
             </a:r>
             <a:r>
               <a:rPr lang="en-US" altLang="zh-TW" sz="1800" dirty="0">
@@ -14363,14 +17119,7 @@
                 <a:latin typeface="Times New Roman" panose="02020603050405020304" pitchFamily="18" charset="0"/>
                 <a:cs typeface="Times New Roman" panose="02020603050405020304" pitchFamily="18" charset="0"/>
               </a:rPr>
-              <a:t>PXE automatic </a:t>
-            </a:r>
-            <a:r>
-              <a:rPr lang="en-US" altLang="zh-TW" sz="1800" dirty="0" smtClean="0">
-                <a:latin typeface="Times New Roman" panose="02020603050405020304" pitchFamily="18" charset="0"/>
-                <a:cs typeface="Times New Roman" panose="02020603050405020304" pitchFamily="18" charset="0"/>
-              </a:rPr>
-              <a:t>installation</a:t>
+              <a:t>PXE automatic installation</a:t>
             </a:r>
           </a:p>
           <a:p>
@@ -14393,10 +17142,6 @@
               </a:rPr>
               <a:t> automation</a:t>
             </a:r>
-            <a:endParaRPr lang="en-US" altLang="zh-TW" sz="1800" dirty="0" smtClean="0">
-              <a:latin typeface="Times New Roman" panose="02020603050405020304" pitchFamily="18" charset="0"/>
-              <a:cs typeface="Times New Roman" panose="02020603050405020304" pitchFamily="18" charset="0"/>
-            </a:endParaRPr>
           </a:p>
           <a:p>
             <a:pPr eaLnBrk="1" hangingPunct="1">
@@ -14409,14 +17154,7 @@
                 <a:latin typeface="Times New Roman" panose="02020603050405020304" pitchFamily="18" charset="0"/>
                 <a:cs typeface="Times New Roman" panose="02020603050405020304" pitchFamily="18" charset="0"/>
               </a:rPr>
-              <a:t>Continuous </a:t>
-            </a:r>
-            <a:r>
-              <a:rPr lang="en-US" sz="1800" dirty="0" smtClean="0">
-                <a:latin typeface="Times New Roman" panose="02020603050405020304" pitchFamily="18" charset="0"/>
-                <a:cs typeface="Times New Roman" panose="02020603050405020304" pitchFamily="18" charset="0"/>
-              </a:rPr>
-              <a:t>Integration</a:t>
+              <a:t>Continuous Integration</a:t>
             </a:r>
             <a:endParaRPr lang="en-US" altLang="zh-TW" sz="1800" dirty="0">
               <a:latin typeface="Times New Roman" panose="02020603050405020304" pitchFamily="18" charset="0"/>
@@ -14705,27 +17443,7 @@
                 <a:latin typeface="Times New Roman" panose="02020603050405020304" pitchFamily="18" charset="0"/>
                 <a:cs typeface="Times New Roman" panose="02020603050405020304" pitchFamily="18" charset="0"/>
               </a:rPr>
-              <a:t>Roaming </a:t>
-            </a:r>
-            <a:r>
-              <a:rPr lang="en-US" altLang="zh-TW" sz="2800" kern="0" dirty="0" smtClean="0">
-                <a:solidFill>
-                  <a:srgbClr val="003366"/>
-                </a:solidFill>
-                <a:latin typeface="Times New Roman" panose="02020603050405020304" pitchFamily="18" charset="0"/>
-                <a:cs typeface="Times New Roman" panose="02020603050405020304" pitchFamily="18" charset="0"/>
-              </a:rPr>
-              <a:t>automation</a:t>
-            </a:r>
-            <a:r>
-              <a:rPr lang="en-US" altLang="zh-TW" sz="2800" kern="0" dirty="0" smtClean="0">
-                <a:solidFill>
-                  <a:srgbClr val="003366"/>
-                </a:solidFill>
-                <a:latin typeface="Times New Roman" panose="02020603050405020304" pitchFamily="18" charset="0"/>
-                <a:cs typeface="Times New Roman" panose="02020603050405020304" pitchFamily="18" charset="0"/>
-              </a:rPr>
-              <a:t/>
+              <a:t>Roaming automation</a:t>
             </a:r>
             <a:br>
               <a:rPr lang="en-US" altLang="zh-TW" sz="2800" kern="0" dirty="0" smtClean="0">

--- a/kpi/Test Automation_Demo.pptx
+++ b/kpi/Test Automation_Demo.pptx
@@ -5,10 +5,10 @@
     <p:sldMasterId id="2147484176" r:id="rId1"/>
   </p:sldMasterIdLst>
   <p:notesMasterIdLst>
-    <p:notesMasterId r:id="rId32"/>
+    <p:notesMasterId r:id="rId33"/>
   </p:notesMasterIdLst>
   <p:handoutMasterIdLst>
-    <p:handoutMasterId r:id="rId33"/>
+    <p:handoutMasterId r:id="rId34"/>
   </p:handoutMasterIdLst>
   <p:sldIdLst>
     <p:sldId id="524" r:id="rId2"/>
@@ -32,15 +32,16 @@
     <p:sldId id="555" r:id="rId20"/>
     <p:sldId id="570" r:id="rId21"/>
     <p:sldId id="556" r:id="rId22"/>
-    <p:sldId id="569" r:id="rId23"/>
-    <p:sldId id="557" r:id="rId24"/>
-    <p:sldId id="568" r:id="rId25"/>
-    <p:sldId id="565" r:id="rId26"/>
-    <p:sldId id="567" r:id="rId27"/>
-    <p:sldId id="559" r:id="rId28"/>
-    <p:sldId id="566" r:id="rId29"/>
-    <p:sldId id="551" r:id="rId30"/>
-    <p:sldId id="523" r:id="rId31"/>
+    <p:sldId id="575" r:id="rId23"/>
+    <p:sldId id="569" r:id="rId24"/>
+    <p:sldId id="557" r:id="rId25"/>
+    <p:sldId id="568" r:id="rId26"/>
+    <p:sldId id="565" r:id="rId27"/>
+    <p:sldId id="567" r:id="rId28"/>
+    <p:sldId id="559" r:id="rId29"/>
+    <p:sldId id="566" r:id="rId30"/>
+    <p:sldId id="551" r:id="rId31"/>
+    <p:sldId id="523" r:id="rId32"/>
   </p:sldIdLst>
   <p:sldSz cx="9144000" cy="5143500" type="screen16x9"/>
   <p:notesSz cx="7099300" cy="10234613"/>
@@ -171,7 +172,7 @@
   </p:defaultTextStyle>
   <p:extLst>
     <p:ext uri="{EFAFB233-063F-42B5-8137-9DF3F51BA10A}">
-      <p15:sldGuideLst xmlns="" xmlns:p15="http://schemas.microsoft.com/office/powerpoint/2012/main">
+      <p15:sldGuideLst xmlns:p15="http://schemas.microsoft.com/office/powerpoint/2012/main" xmlns="">
         <p15:guide id="1" orient="horz" pos="1620">
           <p15:clr>
             <a:srgbClr val="A4A3A4"/>
@@ -185,7 +186,7 @@
       </p15:sldGuideLst>
     </p:ext>
     <p:ext uri="{2D200454-40CA-4A62-9FC3-DE9A4176ACB9}">
-      <p15:notesGuideLst xmlns="" xmlns:p15="http://schemas.microsoft.com/office/powerpoint/2012/main">
+      <p15:notesGuideLst xmlns:p15="http://schemas.microsoft.com/office/powerpoint/2012/main" xmlns="">
         <p15:guide id="1" orient="horz" pos="3223">
           <p15:clr>
             <a:srgbClr val="A4A3A4"/>
@@ -2757,7 +2758,7 @@
     </p:spTree>
     <p:extLst>
       <p:ext uri="{BB962C8B-B14F-4D97-AF65-F5344CB8AC3E}">
-        <p14:creationId xmlns:p14="http://schemas.microsoft.com/office/powerpoint/2010/main" val="770017496"/>
+        <p14:creationId xmlns:p14="http://schemas.microsoft.com/office/powerpoint/2010/main" val="1957161656"/>
       </p:ext>
     </p:extLst>
   </p:cSld>
@@ -2786,6 +2787,91 @@
       </p:grpSpPr>
       <p:sp>
         <p:nvSpPr>
+          <p:cNvPr id="2" name="投影片圖像版面配置區 1"/>
+          <p:cNvSpPr>
+            <a:spLocks noGrp="1" noRot="1" noChangeAspect="1"/>
+          </p:cNvSpPr>
+          <p:nvPr>
+            <p:ph type="sldImg"/>
+          </p:nvPr>
+        </p:nvSpPr>
+        <p:spPr/>
+      </p:sp>
+      <p:sp>
+        <p:nvSpPr>
+          <p:cNvPr id="3" name="備忘稿版面配置區 2"/>
+          <p:cNvSpPr>
+            <a:spLocks noGrp="1"/>
+          </p:cNvSpPr>
+          <p:nvPr>
+            <p:ph type="body" idx="1"/>
+          </p:nvPr>
+        </p:nvSpPr>
+        <p:spPr/>
+        <p:txBody>
+          <a:bodyPr/>
+          <a:lstStyle/>
+          <a:p>
+            <a:endParaRPr lang="zh-TW" altLang="en-US" dirty="0"/>
+          </a:p>
+        </p:txBody>
+      </p:sp>
+      <p:sp>
+        <p:nvSpPr>
+          <p:cNvPr id="4" name="投影片編號版面配置區 3"/>
+          <p:cNvSpPr>
+            <a:spLocks noGrp="1"/>
+          </p:cNvSpPr>
+          <p:nvPr>
+            <p:ph type="sldNum" sz="quarter" idx="10"/>
+          </p:nvPr>
+        </p:nvSpPr>
+        <p:spPr/>
+        <p:txBody>
+          <a:bodyPr/>
+          <a:lstStyle/>
+          <a:p>
+            <a:fld id="{5FAE23DA-1601-498D-B2E3-972800982184}" type="slidenum">
+              <a:rPr lang="en-US" altLang="zh-TW" smtClean="0"/>
+              <a:pPr/>
+              <a:t>30</a:t>
+            </a:fld>
+            <a:endParaRPr lang="en-US" altLang="zh-TW"/>
+          </a:p>
+        </p:txBody>
+      </p:sp>
+    </p:spTree>
+    <p:extLst>
+      <p:ext uri="{BB962C8B-B14F-4D97-AF65-F5344CB8AC3E}">
+        <p14:creationId xmlns:p14="http://schemas.microsoft.com/office/powerpoint/2010/main" val="770017496"/>
+      </p:ext>
+    </p:extLst>
+  </p:cSld>
+  <p:clrMapOvr>
+    <a:masterClrMapping/>
+  </p:clrMapOvr>
+</p:notes>
+</file>
+
+<file path=ppt/notesSlides/notesSlide29.xml><?xml version="1.0" encoding="utf-8"?>
+<p:notes xmlns:a="http://schemas.openxmlformats.org/drawingml/2006/main" xmlns:r="http://schemas.openxmlformats.org/officeDocument/2006/relationships" xmlns:p="http://schemas.openxmlformats.org/presentationml/2006/main">
+  <p:cSld>
+    <p:spTree>
+      <p:nvGrpSpPr>
+        <p:cNvPr id="1" name=""/>
+        <p:cNvGrpSpPr/>
+        <p:nvPr/>
+      </p:nvGrpSpPr>
+      <p:grpSpPr>
+        <a:xfrm>
+          <a:off x="0" y="0"/>
+          <a:ext cx="0" cy="0"/>
+          <a:chOff x="0" y="0"/>
+          <a:chExt cx="0" cy="0"/>
+        </a:xfrm>
+      </p:grpSpPr>
+      <p:sp>
+        <p:nvSpPr>
           <p:cNvPr id="45058" name="投影片圖像版面配置區 1"/>
           <p:cNvSpPr>
             <a:spLocks noGrp="1" noRot="1" noChangeAspect="1" noTextEdit="1"/>
@@ -3013,7 +3099,7 @@
                   <a:spcPct val="0"/>
                 </a:spcBef>
               </a:pPr>
-              <a:t>30</a:t>
+              <a:t>31</a:t>
             </a:fld>
             <a:endParaRPr lang="en-US" altLang="zh-TW" sz="1300">
               <a:latin typeface="Garamond" panose="02020404030301010803" pitchFamily="18" charset="0"/>
@@ -8158,13 +8244,13 @@
               <a:defRPr/>
             </a:pPr>
             <a:r>
-              <a:rPr lang="en-US" altLang="zh-TW" sz="1800" dirty="0">
+              <a:rPr lang="en-US" altLang="zh-TW" sz="1800" dirty="0" smtClean="0">
                 <a:latin typeface="Times New Roman" panose="02020603050405020304" pitchFamily="18" charset="0"/>
                 <a:cs typeface="Times New Roman" panose="02020603050405020304" pitchFamily="18" charset="0"/>
               </a:rPr>
               <a:t>Conclusion</a:t>
             </a:r>
-            <a:endParaRPr lang="en-US" altLang="zh-TW" sz="1800" dirty="0" smtClean="0">
+            <a:endParaRPr lang="en-US" altLang="zh-TW" sz="1400" dirty="0">
               <a:latin typeface="Times New Roman" panose="02020603050405020304" pitchFamily="18" charset="0"/>
               <a:cs typeface="Times New Roman" panose="02020603050405020304" pitchFamily="18" charset="0"/>
             </a:endParaRPr>
@@ -9665,10 +9751,6 @@
               </a:rPr>
               <a:t>Conclusion</a:t>
             </a:r>
-            <a:endParaRPr lang="en-US" altLang="zh-TW" sz="1800" dirty="0">
-              <a:latin typeface="Times New Roman" panose="02020603050405020304" pitchFamily="18" charset="0"/>
-              <a:cs typeface="Times New Roman" panose="02020603050405020304" pitchFamily="18" charset="0"/>
-            </a:endParaRPr>
           </a:p>
           <a:p>
             <a:pPr eaLnBrk="1" hangingPunct="1">
@@ -9906,16 +9988,66 @@
                 <a:latin typeface="Times New Roman" panose="02020603050405020304" pitchFamily="18" charset="0"/>
                 <a:cs typeface="Times New Roman" panose="02020603050405020304" pitchFamily="18" charset="0"/>
               </a:rPr>
-              <a:t>System Structure</a:t>
-            </a:r>
-          </a:p>
-          <a:p>
-            <a:pPr eaLnBrk="1" hangingPunct="1">
+              <a:t>The Tool base on the </a:t>
+            </a:r>
+            <a:r>
+              <a:rPr lang="en-US" altLang="zh-TW" sz="1800" dirty="0" smtClean="0">
+                <a:latin typeface="Times New Roman" panose="02020603050405020304" pitchFamily="18" charset="0"/>
+                <a:cs typeface="Times New Roman" panose="02020603050405020304" pitchFamily="18" charset="0"/>
+              </a:rPr>
+              <a:t>GPU resolution</a:t>
+            </a:r>
+            <a:endParaRPr lang="en-US" altLang="zh-TW" sz="1800" dirty="0">
+              <a:latin typeface="Times New Roman" panose="02020603050405020304" pitchFamily="18" charset="0"/>
+              <a:cs typeface="Times New Roman" panose="02020603050405020304" pitchFamily="18" charset="0"/>
+            </a:endParaRPr>
+          </a:p>
+          <a:p>
+            <a:pPr lvl="1" eaLnBrk="1" hangingPunct="1">
               <a:buFont typeface="Arial" charset="0"/>
               <a:buChar char="•"/>
               <a:defRPr/>
             </a:pPr>
-            <a:endParaRPr lang="en-US" altLang="zh-TW" sz="1800" dirty="0">
+            <a:r>
+              <a:rPr lang="en-US" altLang="zh-TW" sz="1400" dirty="0" smtClean="0">
+                <a:latin typeface="Times New Roman" panose="02020603050405020304" pitchFamily="18" charset="0"/>
+                <a:cs typeface="Times New Roman" panose="02020603050405020304" pitchFamily="18" charset="0"/>
+              </a:rPr>
+              <a:t>Auto catch the resolution by batch code</a:t>
+            </a:r>
+          </a:p>
+          <a:p>
+            <a:pPr lvl="1" eaLnBrk="1" hangingPunct="1">
+              <a:buFont typeface="Arial" charset="0"/>
+              <a:buChar char="•"/>
+              <a:defRPr/>
+            </a:pPr>
+            <a:r>
+              <a:rPr lang="en-US" altLang="zh-TW" sz="1400" dirty="0">
+                <a:latin typeface="Times New Roman" panose="02020603050405020304" pitchFamily="18" charset="0"/>
+                <a:cs typeface="Times New Roman" panose="02020603050405020304" pitchFamily="18" charset="0"/>
+              </a:rPr>
+              <a:t>Auto catch the resolution by batch </a:t>
+            </a:r>
+            <a:r>
+              <a:rPr lang="en-US" altLang="zh-TW" sz="1400" dirty="0" smtClean="0">
+                <a:latin typeface="Times New Roman" panose="02020603050405020304" pitchFamily="18" charset="0"/>
+                <a:cs typeface="Times New Roman" panose="02020603050405020304" pitchFamily="18" charset="0"/>
+              </a:rPr>
+              <a:t>code. (Reboot)</a:t>
+            </a:r>
+            <a:endParaRPr lang="en-US" altLang="zh-TW" sz="1400" dirty="0">
+              <a:latin typeface="Times New Roman" panose="02020603050405020304" pitchFamily="18" charset="0"/>
+              <a:cs typeface="Times New Roman" panose="02020603050405020304" pitchFamily="18" charset="0"/>
+            </a:endParaRPr>
+          </a:p>
+          <a:p>
+            <a:pPr lvl="1" eaLnBrk="1" hangingPunct="1">
+              <a:buFont typeface="Arial" charset="0"/>
+              <a:buChar char="•"/>
+              <a:defRPr/>
+            </a:pPr>
+            <a:endParaRPr lang="en-US" altLang="zh-TW" sz="1400" dirty="0">
               <a:latin typeface="Times New Roman" panose="02020603050405020304" pitchFamily="18" charset="0"/>
               <a:cs typeface="Times New Roman" panose="02020603050405020304" pitchFamily="18" charset="0"/>
             </a:endParaRPr>
@@ -9953,57 +10085,17 @@
                 <a:latin typeface="Times New Roman" panose="02020603050405020304" pitchFamily="18" charset="0"/>
                 <a:cs typeface="Times New Roman" panose="02020603050405020304" pitchFamily="18" charset="0"/>
               </a:rPr>
-              <a:t>Resolution automation</a:t>
-            </a:r>
-            <a:r>
-              <a:rPr lang="zh-TW" altLang="en-US" sz="2800" kern="0" dirty="0" smtClean="0">
+              <a:t>Resolution </a:t>
+            </a:r>
+            <a:r>
+              <a:rPr lang="en-US" altLang="zh-TW" sz="2800" kern="0" dirty="0" smtClean="0">
                 <a:solidFill>
                   <a:srgbClr val="003366"/>
                 </a:solidFill>
                 <a:latin typeface="Times New Roman" panose="02020603050405020304" pitchFamily="18" charset="0"/>
                 <a:cs typeface="Times New Roman" panose="02020603050405020304" pitchFamily="18" charset="0"/>
               </a:rPr>
-              <a:t> </a:t>
-            </a:r>
-            <a:r>
-              <a:rPr lang="en-US" altLang="zh-TW" sz="2800" kern="0" dirty="0" smtClean="0">
-                <a:solidFill>
-                  <a:srgbClr val="003366"/>
-                </a:solidFill>
-                <a:latin typeface="Times New Roman" panose="02020603050405020304" pitchFamily="18" charset="0"/>
-                <a:cs typeface="Times New Roman" panose="02020603050405020304" pitchFamily="18" charset="0"/>
-              </a:rPr>
-              <a:t>(</a:t>
-            </a:r>
-            <a:r>
-              <a:rPr lang="zh-TW" altLang="en-US" sz="2800" kern="0" dirty="0" smtClean="0">
-                <a:solidFill>
-                  <a:srgbClr val="003366"/>
-                </a:solidFill>
-                <a:latin typeface="Times New Roman" panose="02020603050405020304" pitchFamily="18" charset="0"/>
-                <a:cs typeface="Times New Roman" panose="02020603050405020304" pitchFamily="18" charset="0"/>
-              </a:rPr>
-              <a:t>未</a:t>
-            </a:r>
-            <a:r>
-              <a:rPr lang="zh-TW" altLang="en-US" sz="2800" kern="0" dirty="0" smtClean="0">
-                <a:solidFill>
-                  <a:srgbClr val="003366"/>
-                </a:solidFill>
-                <a:latin typeface="Times New Roman" panose="02020603050405020304" pitchFamily="18" charset="0"/>
-                <a:cs typeface="Times New Roman" panose="02020603050405020304" pitchFamily="18" charset="0"/>
-              </a:rPr>
-              <a:t>完成</a:t>
-            </a:r>
-            <a:r>
-              <a:rPr lang="en-US" altLang="zh-TW" sz="2800" kern="0" dirty="0" smtClean="0">
-                <a:solidFill>
-                  <a:srgbClr val="003366"/>
-                </a:solidFill>
-                <a:latin typeface="Times New Roman" panose="02020603050405020304" pitchFamily="18" charset="0"/>
-                <a:cs typeface="Times New Roman" panose="02020603050405020304" pitchFamily="18" charset="0"/>
-              </a:rPr>
-              <a:t>)</a:t>
+              <a:t>automation</a:t>
             </a:r>
             <a:r>
               <a:rPr lang="en-US" altLang="zh-TW" sz="2800" kern="0" dirty="0">
@@ -10034,6 +10126,63 @@
           </a:p>
         </p:txBody>
       </p:sp>
+      <p:graphicFrame>
+        <p:nvGraphicFramePr>
+          <p:cNvPr id="3" name="物件 2"/>
+          <p:cNvGraphicFramePr>
+            <a:graphicFrameLocks noChangeAspect="1"/>
+          </p:cNvGraphicFramePr>
+          <p:nvPr>
+            <p:extLst>
+              <p:ext uri="{D42A27DB-BD31-4B8C-83A1-F6EECF244321}">
+                <p14:modId xmlns:p14="http://schemas.microsoft.com/office/powerpoint/2010/main" val="3340479267"/>
+              </p:ext>
+            </p:extLst>
+          </p:nvPr>
+        </p:nvGraphicFramePr>
+        <p:xfrm>
+          <a:off x="1291653" y="1868869"/>
+          <a:ext cx="871919" cy="513257"/>
+        </p:xfrm>
+        <a:graphic>
+          <a:graphicData uri="http://schemas.openxmlformats.org/presentationml/2006/ole">
+            <mc:AlternateContent xmlns:mc="http://schemas.openxmlformats.org/markup-compatibility/2006">
+              <mc:Choice xmlns:v="urn:schemas-microsoft-com:vml" Requires="v">
+                <p:oleObj spid="_x0000_s3085" name="封裝程式殼層物件" showAsIcon="1" r:id="rId4" imgW="671760" imgH="394920" progId="Package">
+                  <p:embed/>
+                </p:oleObj>
+              </mc:Choice>
+              <mc:Fallback>
+                <p:oleObj name="封裝程式殼層物件" showAsIcon="1" r:id="rId4" imgW="671760" imgH="394920" progId="Package">
+                  <p:embed/>
+                  <p:pic>
+                    <p:nvPicPr>
+                      <p:cNvPr id="0" name=""/>
+                      <p:cNvPicPr/>
+                      <p:nvPr/>
+                    </p:nvPicPr>
+                    <p:blipFill>
+                      <a:blip r:embed="rId5"/>
+                      <a:stretch>
+                        <a:fillRect/>
+                      </a:stretch>
+                    </p:blipFill>
+                    <p:spPr>
+                      <a:xfrm>
+                        <a:off x="1291653" y="1868869"/>
+                        <a:ext cx="871919" cy="513257"/>
+                      </a:xfrm>
+                      <a:prstGeom prst="rect">
+                        <a:avLst/>
+                      </a:prstGeom>
+                    </p:spPr>
+                  </p:pic>
+                </p:oleObj>
+              </mc:Fallback>
+            </mc:AlternateContent>
+          </a:graphicData>
+        </a:graphic>
+      </p:graphicFrame>
     </p:spTree>
     <p:extLst>
       <p:ext uri="{BB962C8B-B14F-4D97-AF65-F5344CB8AC3E}">
@@ -10701,10 +10850,6 @@
               </a:rPr>
               <a:t>Conclusion</a:t>
             </a:r>
-            <a:endParaRPr lang="en-US" altLang="zh-TW" sz="1800" dirty="0">
-              <a:latin typeface="Times New Roman" panose="02020603050405020304" pitchFamily="18" charset="0"/>
-              <a:cs typeface="Times New Roman" panose="02020603050405020304" pitchFamily="18" charset="0"/>
-            </a:endParaRPr>
           </a:p>
           <a:p>
             <a:pPr eaLnBrk="1" hangingPunct="1">
@@ -10750,57 +10895,17 @@
                 <a:latin typeface="Times New Roman" panose="02020603050405020304" pitchFamily="18" charset="0"/>
                 <a:cs typeface="Times New Roman" panose="02020603050405020304" pitchFamily="18" charset="0"/>
               </a:rPr>
-              <a:t>Resolution automation</a:t>
-            </a:r>
-            <a:r>
-              <a:rPr lang="zh-TW" altLang="en-US" sz="2800" kern="0" dirty="0" smtClean="0">
+              <a:t>Resolution </a:t>
+            </a:r>
+            <a:r>
+              <a:rPr lang="en-US" altLang="zh-TW" sz="2800" kern="0" dirty="0" smtClean="0">
                 <a:solidFill>
                   <a:srgbClr val="003366"/>
                 </a:solidFill>
                 <a:latin typeface="Times New Roman" panose="02020603050405020304" pitchFamily="18" charset="0"/>
                 <a:cs typeface="Times New Roman" panose="02020603050405020304" pitchFamily="18" charset="0"/>
               </a:rPr>
-              <a:t> </a:t>
-            </a:r>
-            <a:r>
-              <a:rPr lang="en-US" altLang="zh-TW" sz="2800" kern="0" dirty="0" smtClean="0">
-                <a:solidFill>
-                  <a:srgbClr val="003366"/>
-                </a:solidFill>
-                <a:latin typeface="Times New Roman" panose="02020603050405020304" pitchFamily="18" charset="0"/>
-                <a:cs typeface="Times New Roman" panose="02020603050405020304" pitchFamily="18" charset="0"/>
-              </a:rPr>
-              <a:t>(</a:t>
-            </a:r>
-            <a:r>
-              <a:rPr lang="zh-TW" altLang="en-US" sz="2800" kern="0" dirty="0" smtClean="0">
-                <a:solidFill>
-                  <a:srgbClr val="003366"/>
-                </a:solidFill>
-                <a:latin typeface="Times New Roman" panose="02020603050405020304" pitchFamily="18" charset="0"/>
-                <a:cs typeface="Times New Roman" panose="02020603050405020304" pitchFamily="18" charset="0"/>
-              </a:rPr>
-              <a:t>未</a:t>
-            </a:r>
-            <a:r>
-              <a:rPr lang="zh-TW" altLang="en-US" sz="2800" kern="0" dirty="0" smtClean="0">
-                <a:solidFill>
-                  <a:srgbClr val="003366"/>
-                </a:solidFill>
-                <a:latin typeface="Times New Roman" panose="02020603050405020304" pitchFamily="18" charset="0"/>
-                <a:cs typeface="Times New Roman" panose="02020603050405020304" pitchFamily="18" charset="0"/>
-              </a:rPr>
-              <a:t>完成</a:t>
-            </a:r>
-            <a:r>
-              <a:rPr lang="en-US" altLang="zh-TW" sz="2800" kern="0" dirty="0" smtClean="0">
-                <a:solidFill>
-                  <a:srgbClr val="003366"/>
-                </a:solidFill>
-                <a:latin typeface="Times New Roman" panose="02020603050405020304" pitchFamily="18" charset="0"/>
-                <a:cs typeface="Times New Roman" panose="02020603050405020304" pitchFamily="18" charset="0"/>
-              </a:rPr>
-              <a:t>)</a:t>
+              <a:t>automation</a:t>
             </a:r>
             <a:r>
               <a:rPr lang="en-US" altLang="zh-TW" sz="2800" kern="0" dirty="0">
@@ -10988,20 +11093,104 @@
               <a:defRPr/>
             </a:pPr>
             <a:r>
-              <a:rPr lang="en-US" altLang="zh-TW" sz="1800" dirty="0">
-                <a:latin typeface="Times New Roman" panose="02020603050405020304" pitchFamily="18" charset="0"/>
-                <a:cs typeface="Times New Roman" panose="02020603050405020304" pitchFamily="18" charset="0"/>
-              </a:rPr>
-              <a:t>System </a:t>
-            </a:r>
-            <a:r>
               <a:rPr lang="en-US" altLang="zh-TW" sz="1800" dirty="0" smtClean="0">
                 <a:latin typeface="Times New Roman" panose="02020603050405020304" pitchFamily="18" charset="0"/>
                 <a:cs typeface="Times New Roman" panose="02020603050405020304" pitchFamily="18" charset="0"/>
               </a:rPr>
-              <a:t>Structure</a:t>
-            </a:r>
-            <a:endParaRPr lang="en-US" altLang="zh-TW" sz="1800" dirty="0">
+              <a:t>The Tool base on the Product Specification</a:t>
+            </a:r>
+          </a:p>
+          <a:p>
+            <a:pPr marL="742950" lvl="2" indent="-342900" eaLnBrk="1" hangingPunct="1">
+              <a:buFont typeface="Arial" charset="0"/>
+              <a:buChar char="•"/>
+              <a:defRPr/>
+            </a:pPr>
+            <a:r>
+              <a:rPr lang="en-US" altLang="zh-TW" sz="1400" dirty="0" smtClean="0">
+                <a:latin typeface="Times New Roman" panose="02020603050405020304" pitchFamily="18" charset="0"/>
+                <a:cs typeface="Times New Roman" panose="02020603050405020304" pitchFamily="18" charset="0"/>
+              </a:rPr>
+              <a:t>Width</a:t>
+            </a:r>
+          </a:p>
+          <a:p>
+            <a:pPr marL="742950" lvl="2" indent="-342900" eaLnBrk="1" hangingPunct="1">
+              <a:buFont typeface="Arial" charset="0"/>
+              <a:buChar char="•"/>
+              <a:defRPr/>
+            </a:pPr>
+            <a:r>
+              <a:rPr lang="en-US" altLang="zh-TW" sz="1400" dirty="0">
+                <a:latin typeface="Times New Roman" panose="02020603050405020304" pitchFamily="18" charset="0"/>
+                <a:cs typeface="Times New Roman" panose="02020603050405020304" pitchFamily="18" charset="0"/>
+              </a:rPr>
+              <a:t>H</a:t>
+            </a:r>
+            <a:r>
+              <a:rPr lang="en-US" altLang="zh-TW" sz="1400" dirty="0" smtClean="0">
+                <a:latin typeface="Times New Roman" panose="02020603050405020304" pitchFamily="18" charset="0"/>
+                <a:cs typeface="Times New Roman" panose="02020603050405020304" pitchFamily="18" charset="0"/>
+              </a:rPr>
+              <a:t>eight</a:t>
+            </a:r>
+          </a:p>
+          <a:p>
+            <a:pPr marL="742950" lvl="2" indent="-342900" eaLnBrk="1" hangingPunct="1">
+              <a:buFont typeface="Arial" charset="0"/>
+              <a:buChar char="•"/>
+              <a:defRPr/>
+            </a:pPr>
+            <a:r>
+              <a:rPr lang="en-US" altLang="zh-TW" sz="1400" dirty="0" smtClean="0">
+                <a:latin typeface="Times New Roman" panose="02020603050405020304" pitchFamily="18" charset="0"/>
+                <a:cs typeface="Times New Roman" panose="02020603050405020304" pitchFamily="18" charset="0"/>
+              </a:rPr>
+              <a:t>Aliquots</a:t>
+            </a:r>
+          </a:p>
+          <a:p>
+            <a:pPr marL="742950" lvl="2" indent="-342900" eaLnBrk="1" hangingPunct="1">
+              <a:buFont typeface="Arial" charset="0"/>
+              <a:buChar char="•"/>
+              <a:defRPr/>
+            </a:pPr>
+            <a:r>
+              <a:rPr lang="en-US" altLang="zh-TW" sz="1400" dirty="0" smtClean="0">
+                <a:latin typeface="Times New Roman" panose="02020603050405020304" pitchFamily="18" charset="0"/>
+                <a:cs typeface="Times New Roman" panose="02020603050405020304" pitchFamily="18" charset="0"/>
+              </a:rPr>
+              <a:t>Pixel Pitch</a:t>
+            </a:r>
+          </a:p>
+          <a:p>
+            <a:pPr marL="742950" lvl="2" indent="-342900" eaLnBrk="1" hangingPunct="1">
+              <a:buFont typeface="Arial" charset="0"/>
+              <a:buChar char="•"/>
+              <a:defRPr/>
+            </a:pPr>
+            <a:r>
+              <a:rPr lang="en-US" altLang="zh-TW" sz="1400" dirty="0" smtClean="0">
+                <a:latin typeface="Times New Roman" panose="02020603050405020304" pitchFamily="18" charset="0"/>
+                <a:cs typeface="Times New Roman" panose="02020603050405020304" pitchFamily="18" charset="0"/>
+              </a:rPr>
+              <a:t>Point</a:t>
+            </a:r>
+          </a:p>
+          <a:p>
+            <a:pPr marL="742950" lvl="2" indent="-342900" eaLnBrk="1" hangingPunct="1">
+              <a:buFont typeface="Arial" charset="0"/>
+              <a:buChar char="•"/>
+              <a:defRPr/>
+            </a:pPr>
+            <a:r>
+              <a:rPr lang="en-US" altLang="zh-TW" sz="1400" dirty="0" smtClean="0">
+                <a:latin typeface="Times New Roman" panose="02020603050405020304" pitchFamily="18" charset="0"/>
+                <a:cs typeface="Times New Roman" panose="02020603050405020304" pitchFamily="18" charset="0"/>
+              </a:rPr>
+              <a:t>Edge</a:t>
+            </a:r>
+            <a:endParaRPr lang="en-US" altLang="zh-TW" sz="1400" dirty="0">
               <a:latin typeface="Times New Roman" panose="02020603050405020304" pitchFamily="18" charset="0"/>
               <a:cs typeface="Times New Roman" panose="02020603050405020304" pitchFamily="18" charset="0"/>
             </a:endParaRPr>
@@ -11039,47 +11228,17 @@
                 <a:latin typeface="Times New Roman" panose="02020603050405020304" pitchFamily="18" charset="0"/>
                 <a:cs typeface="Times New Roman" panose="02020603050405020304" pitchFamily="18" charset="0"/>
               </a:rPr>
-              <a:t>Luminance automation</a:t>
-            </a:r>
-            <a:r>
-              <a:rPr lang="zh-TW" altLang="en-US" sz="2800" kern="0" dirty="0" smtClean="0">
+              <a:t>Luminance </a:t>
+            </a:r>
+            <a:r>
+              <a:rPr lang="en-US" altLang="zh-TW" sz="2800" kern="0" dirty="0" smtClean="0">
                 <a:solidFill>
                   <a:srgbClr val="003366"/>
                 </a:solidFill>
                 <a:latin typeface="Times New Roman" panose="02020603050405020304" pitchFamily="18" charset="0"/>
                 <a:cs typeface="Times New Roman" panose="02020603050405020304" pitchFamily="18" charset="0"/>
               </a:rPr>
-              <a:t> </a:t>
-            </a:r>
-            <a:r>
-              <a:rPr lang="en-US" altLang="zh-TW" sz="2800" kern="0" dirty="0" smtClean="0">
-                <a:solidFill>
-                  <a:srgbClr val="003366"/>
-                </a:solidFill>
-                <a:latin typeface="Times New Roman" panose="02020603050405020304" pitchFamily="18" charset="0"/>
-                <a:cs typeface="Times New Roman" panose="02020603050405020304" pitchFamily="18" charset="0"/>
-              </a:rPr>
-              <a:t>(</a:t>
-            </a:r>
-            <a:r>
-              <a:rPr lang="zh-TW" altLang="en-US" sz="2800" kern="0" dirty="0">
-                <a:solidFill>
-                  <a:srgbClr val="003366"/>
-                </a:solidFill>
-                <a:latin typeface="Times New Roman" panose="02020603050405020304" pitchFamily="18" charset="0"/>
-                <a:cs typeface="Times New Roman" panose="02020603050405020304" pitchFamily="18" charset="0"/>
-              </a:rPr>
-              <a:t>未完成</a:t>
-            </a:r>
-            <a:r>
-              <a:rPr lang="en-US" altLang="zh-TW" sz="2800" kern="0" dirty="0" smtClean="0">
-                <a:solidFill>
-                  <a:srgbClr val="003366"/>
-                </a:solidFill>
-                <a:latin typeface="Times New Roman" panose="02020603050405020304" pitchFamily="18" charset="0"/>
-                <a:cs typeface="Times New Roman" panose="02020603050405020304" pitchFamily="18" charset="0"/>
-              </a:rPr>
-              <a:t>)</a:t>
+              <a:t>automation</a:t>
             </a:r>
             <a:r>
               <a:rPr lang="en-US" altLang="zh-TW" sz="2800" kern="0" dirty="0" smtClean="0">
@@ -11110,6 +11269,39 @@
           </a:p>
         </p:txBody>
       </p:sp>
+      <p:pic>
+        <p:nvPicPr>
+          <p:cNvPr id="4" name="圖片 3"/>
+          <p:cNvPicPr/>
+          <p:nvPr/>
+        </p:nvPicPr>
+        <p:blipFill>
+          <a:blip r:embed="rId3">
+            <a:extLst>
+              <a:ext uri="{28A0092B-C50C-407E-A947-70E740481C1C}">
+                <a14:useLocalDpi xmlns:a14="http://schemas.microsoft.com/office/drawing/2010/main" val="0"/>
+              </a:ext>
+            </a:extLst>
+          </a:blip>
+          <a:srcRect/>
+          <a:stretch>
+            <a:fillRect/>
+          </a:stretch>
+        </p:blipFill>
+        <p:spPr bwMode="auto">
+          <a:xfrm>
+            <a:off x="905891" y="2897187"/>
+            <a:ext cx="5759450" cy="1726565"/>
+          </a:xfrm>
+          <a:prstGeom prst="rect">
+            <a:avLst/>
+          </a:prstGeom>
+          <a:noFill/>
+          <a:ln>
+            <a:noFill/>
+          </a:ln>
+        </p:spPr>
+      </p:pic>
     </p:spTree>
     <p:extLst>
       <p:ext uri="{BB962C8B-B14F-4D97-AF65-F5344CB8AC3E}">
@@ -11267,16 +11459,12 @@
               <a:defRPr/>
             </a:pPr>
             <a:r>
-              <a:rPr lang="en-US" altLang="zh-TW" sz="1800" dirty="0">
+              <a:rPr lang="en-US" altLang="zh-TW" sz="1800" dirty="0" smtClean="0">
                 <a:latin typeface="Times New Roman" panose="02020603050405020304" pitchFamily="18" charset="0"/>
                 <a:cs typeface="Times New Roman" panose="02020603050405020304" pitchFamily="18" charset="0"/>
               </a:rPr>
-              <a:t>Conclusion</a:t>
-            </a:r>
-            <a:endParaRPr lang="en-US" altLang="zh-TW" sz="1800" dirty="0">
-              <a:latin typeface="Times New Roman" panose="02020603050405020304" pitchFamily="18" charset="0"/>
-              <a:cs typeface="Times New Roman" panose="02020603050405020304" pitchFamily="18" charset="0"/>
-            </a:endParaRPr>
+              <a:t>The output luminance photo </a:t>
+            </a:r>
           </a:p>
         </p:txBody>
       </p:sp>
@@ -11311,47 +11499,17 @@
                 <a:latin typeface="Times New Roman" panose="02020603050405020304" pitchFamily="18" charset="0"/>
                 <a:cs typeface="Times New Roman" panose="02020603050405020304" pitchFamily="18" charset="0"/>
               </a:rPr>
-              <a:t>Luminance automation</a:t>
-            </a:r>
-            <a:r>
-              <a:rPr lang="zh-TW" altLang="en-US" sz="2800" kern="0" dirty="0" smtClean="0">
+              <a:t>Luminance </a:t>
+            </a:r>
+            <a:r>
+              <a:rPr lang="en-US" altLang="zh-TW" sz="2800" kern="0" dirty="0" smtClean="0">
                 <a:solidFill>
                   <a:srgbClr val="003366"/>
                 </a:solidFill>
                 <a:latin typeface="Times New Roman" panose="02020603050405020304" pitchFamily="18" charset="0"/>
                 <a:cs typeface="Times New Roman" panose="02020603050405020304" pitchFamily="18" charset="0"/>
               </a:rPr>
-              <a:t> </a:t>
-            </a:r>
-            <a:r>
-              <a:rPr lang="en-US" altLang="zh-TW" sz="2800" kern="0" dirty="0" smtClean="0">
-                <a:solidFill>
-                  <a:srgbClr val="003366"/>
-                </a:solidFill>
-                <a:latin typeface="Times New Roman" panose="02020603050405020304" pitchFamily="18" charset="0"/>
-                <a:cs typeface="Times New Roman" panose="02020603050405020304" pitchFamily="18" charset="0"/>
-              </a:rPr>
-              <a:t>(</a:t>
-            </a:r>
-            <a:r>
-              <a:rPr lang="zh-TW" altLang="en-US" sz="2800" kern="0" dirty="0">
-                <a:solidFill>
-                  <a:srgbClr val="003366"/>
-                </a:solidFill>
-                <a:latin typeface="Times New Roman" panose="02020603050405020304" pitchFamily="18" charset="0"/>
-                <a:cs typeface="Times New Roman" panose="02020603050405020304" pitchFamily="18" charset="0"/>
-              </a:rPr>
-              <a:t>未完成</a:t>
-            </a:r>
-            <a:r>
-              <a:rPr lang="en-US" altLang="zh-TW" sz="2800" kern="0" dirty="0" smtClean="0">
-                <a:solidFill>
-                  <a:srgbClr val="003366"/>
-                </a:solidFill>
-                <a:latin typeface="Times New Roman" panose="02020603050405020304" pitchFamily="18" charset="0"/>
-                <a:cs typeface="Times New Roman" panose="02020603050405020304" pitchFamily="18" charset="0"/>
-              </a:rPr>
-              <a:t>)</a:t>
+              <a:t>automation</a:t>
             </a:r>
             <a:r>
               <a:rPr lang="en-US" altLang="zh-TW" sz="2800" kern="0" dirty="0" smtClean="0">
@@ -11382,10 +11540,205 @@
           </a:p>
         </p:txBody>
       </p:sp>
+      <p:pic>
+        <p:nvPicPr>
+          <p:cNvPr id="5" name="圖片 4"/>
+          <p:cNvPicPr/>
+          <p:nvPr/>
+        </p:nvPicPr>
+        <p:blipFill rotWithShape="1">
+          <a:blip r:embed="rId3">
+            <a:extLst>
+              <a:ext uri="{28A0092B-C50C-407E-A947-70E740481C1C}">
+                <a14:useLocalDpi xmlns:a14="http://schemas.microsoft.com/office/drawing/2010/main" val="0"/>
+              </a:ext>
+            </a:extLst>
+          </a:blip>
+          <a:srcRect r="78588"/>
+          <a:stretch/>
+        </p:blipFill>
+        <p:spPr bwMode="auto">
+          <a:xfrm>
+            <a:off x="6750050" y="1556426"/>
+            <a:ext cx="1377174" cy="2204449"/>
+          </a:xfrm>
+          <a:prstGeom prst="rect">
+            <a:avLst/>
+          </a:prstGeom>
+          <a:noFill/>
+          <a:ln>
+            <a:noFill/>
+          </a:ln>
+        </p:spPr>
+      </p:pic>
+      <p:pic>
+        <p:nvPicPr>
+          <p:cNvPr id="2050" name="Picture 2" descr="D:\code\automation\suite\windows\luminance_pattern\write.jpg"/>
+          <p:cNvPicPr>
+            <a:picLocks noChangeAspect="1" noChangeArrowheads="1"/>
+          </p:cNvPicPr>
+          <p:nvPr/>
+        </p:nvPicPr>
+        <p:blipFill>
+          <a:blip r:embed="rId4" cstate="print">
+            <a:extLst>
+              <a:ext uri="{28A0092B-C50C-407E-A947-70E740481C1C}">
+                <a14:useLocalDpi xmlns:a14="http://schemas.microsoft.com/office/drawing/2010/main" val="0"/>
+              </a:ext>
+            </a:extLst>
+          </a:blip>
+          <a:srcRect/>
+          <a:stretch>
+            <a:fillRect/>
+          </a:stretch>
+        </p:blipFill>
+        <p:spPr bwMode="auto">
+          <a:xfrm>
+            <a:off x="877295" y="1556426"/>
+            <a:ext cx="2549488" cy="1434087"/>
+          </a:xfrm>
+          <a:prstGeom prst="rect">
+            <a:avLst/>
+          </a:prstGeom>
+          <a:noFill/>
+          <a:extLst>
+            <a:ext uri="{909E8E84-426E-40DD-AFC4-6F175D3DCCD1}">
+              <a14:hiddenFill xmlns:a14="http://schemas.microsoft.com/office/drawing/2010/main">
+                <a:solidFill>
+                  <a:srgbClr val="FFFFFF"/>
+                </a:solidFill>
+              </a14:hiddenFill>
+            </a:ext>
+          </a:extLst>
+        </p:spPr>
+      </p:pic>
+      <p:pic>
+        <p:nvPicPr>
+          <p:cNvPr id="2051" name="Picture 3" descr="D:\code\automation\suite\windows\luminance_pattern\black.jpg"/>
+          <p:cNvPicPr>
+            <a:picLocks noChangeAspect="1" noChangeArrowheads="1"/>
+          </p:cNvPicPr>
+          <p:nvPr/>
+        </p:nvPicPr>
+        <p:blipFill>
+          <a:blip r:embed="rId5" cstate="print">
+            <a:extLst>
+              <a:ext uri="{28A0092B-C50C-407E-A947-70E740481C1C}">
+                <a14:useLocalDpi xmlns:a14="http://schemas.microsoft.com/office/drawing/2010/main" val="0"/>
+              </a:ext>
+            </a:extLst>
+          </a:blip>
+          <a:srcRect/>
+          <a:stretch>
+            <a:fillRect/>
+          </a:stretch>
+        </p:blipFill>
+        <p:spPr bwMode="auto">
+          <a:xfrm>
+            <a:off x="3532073" y="1556425"/>
+            <a:ext cx="2549489" cy="1434087"/>
+          </a:xfrm>
+          <a:prstGeom prst="rect">
+            <a:avLst/>
+          </a:prstGeom>
+          <a:noFill/>
+          <a:extLst>
+            <a:ext uri="{909E8E84-426E-40DD-AFC4-6F175D3DCCD1}">
+              <a14:hiddenFill xmlns:a14="http://schemas.microsoft.com/office/drawing/2010/main">
+                <a:solidFill>
+                  <a:srgbClr val="FFFFFF"/>
+                </a:solidFill>
+              </a14:hiddenFill>
+            </a:ext>
+          </a:extLst>
+        </p:spPr>
+      </p:pic>
+      <p:pic>
+        <p:nvPicPr>
+          <p:cNvPr id="2052" name="Picture 4" descr="D:\code\automation\suite\windows\luminance_pattern\write_edge.jpg"/>
+          <p:cNvPicPr>
+            <a:picLocks noChangeAspect="1" noChangeArrowheads="1"/>
+          </p:cNvPicPr>
+          <p:nvPr/>
+        </p:nvPicPr>
+        <p:blipFill>
+          <a:blip r:embed="rId6" cstate="print">
+            <a:extLst>
+              <a:ext uri="{28A0092B-C50C-407E-A947-70E740481C1C}">
+                <a14:useLocalDpi xmlns:a14="http://schemas.microsoft.com/office/drawing/2010/main" val="0"/>
+              </a:ext>
+            </a:extLst>
+          </a:blip>
+          <a:srcRect/>
+          <a:stretch>
+            <a:fillRect/>
+          </a:stretch>
+        </p:blipFill>
+        <p:spPr bwMode="auto">
+          <a:xfrm>
+            <a:off x="897241" y="3100241"/>
+            <a:ext cx="2529542" cy="1422868"/>
+          </a:xfrm>
+          <a:prstGeom prst="rect">
+            <a:avLst/>
+          </a:prstGeom>
+          <a:noFill/>
+          <a:extLst>
+            <a:ext uri="{909E8E84-426E-40DD-AFC4-6F175D3DCCD1}">
+              <a14:hiddenFill xmlns:a14="http://schemas.microsoft.com/office/drawing/2010/main">
+                <a:solidFill>
+                  <a:srgbClr val="FFFFFF"/>
+                </a:solidFill>
+              </a14:hiddenFill>
+            </a:ext>
+          </a:extLst>
+        </p:spPr>
+      </p:pic>
+      <p:pic>
+        <p:nvPicPr>
+          <p:cNvPr id="2053" name="Picture 5" descr="D:\code\automation\suite\windows\luminance_pattern\black_edge.jpg"/>
+          <p:cNvPicPr>
+            <a:picLocks noChangeAspect="1" noChangeArrowheads="1"/>
+          </p:cNvPicPr>
+          <p:nvPr/>
+        </p:nvPicPr>
+        <p:blipFill>
+          <a:blip r:embed="rId7" cstate="print">
+            <a:extLst>
+              <a:ext uri="{28A0092B-C50C-407E-A947-70E740481C1C}">
+                <a14:useLocalDpi xmlns:a14="http://schemas.microsoft.com/office/drawing/2010/main" val="0"/>
+              </a:ext>
+            </a:extLst>
+          </a:blip>
+          <a:srcRect/>
+          <a:stretch>
+            <a:fillRect/>
+          </a:stretch>
+        </p:blipFill>
+        <p:spPr bwMode="auto">
+          <a:xfrm>
+            <a:off x="3532073" y="3100241"/>
+            <a:ext cx="2529543" cy="1422868"/>
+          </a:xfrm>
+          <a:prstGeom prst="rect">
+            <a:avLst/>
+          </a:prstGeom>
+          <a:noFill/>
+          <a:extLst>
+            <a:ext uri="{909E8E84-426E-40DD-AFC4-6F175D3DCCD1}">
+              <a14:hiddenFill xmlns:a14="http://schemas.microsoft.com/office/drawing/2010/main">
+                <a:solidFill>
+                  <a:srgbClr val="FFFFFF"/>
+                </a:solidFill>
+              </a14:hiddenFill>
+            </a:ext>
+          </a:extLst>
+        </p:spPr>
+      </p:pic>
     </p:spTree>
     <p:extLst>
       <p:ext uri="{BB962C8B-B14F-4D97-AF65-F5344CB8AC3E}">
-        <p14:creationId xmlns:p14="http://schemas.microsoft.com/office/powerpoint/2010/main" val="316512953"/>
+        <p14:creationId xmlns:p14="http://schemas.microsoft.com/office/powerpoint/2010/main" val="3703298221"/>
       </p:ext>
     </p:extLst>
   </p:cSld>
@@ -11543,19 +11896,8 @@
                 <a:latin typeface="Times New Roman" panose="02020603050405020304" pitchFamily="18" charset="0"/>
                 <a:cs typeface="Times New Roman" panose="02020603050405020304" pitchFamily="18" charset="0"/>
               </a:rPr>
-              <a:t>System Structure</a:t>
-            </a:r>
-          </a:p>
-          <a:p>
-            <a:pPr eaLnBrk="1" hangingPunct="1">
-              <a:buFont typeface="Arial" charset="0"/>
-              <a:buChar char="•"/>
-              <a:defRPr/>
-            </a:pPr>
-            <a:endParaRPr lang="en-US" altLang="zh-TW" sz="1800" dirty="0">
-              <a:latin typeface="Times New Roman" panose="02020603050405020304" pitchFamily="18" charset="0"/>
-              <a:cs typeface="Times New Roman" panose="02020603050405020304" pitchFamily="18" charset="0"/>
-            </a:endParaRPr>
+              <a:t>Conclusion</a:t>
+            </a:r>
           </a:p>
         </p:txBody>
       </p:sp>
@@ -11590,47 +11932,17 @@
                 <a:latin typeface="Times New Roman" panose="02020603050405020304" pitchFamily="18" charset="0"/>
                 <a:cs typeface="Times New Roman" panose="02020603050405020304" pitchFamily="18" charset="0"/>
               </a:rPr>
-              <a:t>PXE automatic installation</a:t>
-            </a:r>
-            <a:r>
-              <a:rPr lang="zh-TW" altLang="en-US" sz="2800" kern="0" dirty="0" smtClean="0">
+              <a:t>Luminance </a:t>
+            </a:r>
+            <a:r>
+              <a:rPr lang="en-US" altLang="zh-TW" sz="2800" kern="0" dirty="0" smtClean="0">
                 <a:solidFill>
                   <a:srgbClr val="003366"/>
                 </a:solidFill>
                 <a:latin typeface="Times New Roman" panose="02020603050405020304" pitchFamily="18" charset="0"/>
                 <a:cs typeface="Times New Roman" panose="02020603050405020304" pitchFamily="18" charset="0"/>
               </a:rPr>
-              <a:t> </a:t>
-            </a:r>
-            <a:r>
-              <a:rPr lang="en-US" altLang="zh-TW" sz="2800" kern="0" dirty="0" smtClean="0">
-                <a:solidFill>
-                  <a:srgbClr val="003366"/>
-                </a:solidFill>
-                <a:latin typeface="Times New Roman" panose="02020603050405020304" pitchFamily="18" charset="0"/>
-                <a:cs typeface="Times New Roman" panose="02020603050405020304" pitchFamily="18" charset="0"/>
-              </a:rPr>
-              <a:t>(</a:t>
-            </a:r>
-            <a:r>
-              <a:rPr lang="zh-TW" altLang="en-US" sz="2800" kern="0" dirty="0">
-                <a:solidFill>
-                  <a:srgbClr val="003366"/>
-                </a:solidFill>
-                <a:latin typeface="Times New Roman" panose="02020603050405020304" pitchFamily="18" charset="0"/>
-                <a:cs typeface="Times New Roman" panose="02020603050405020304" pitchFamily="18" charset="0"/>
-              </a:rPr>
-              <a:t>未完成</a:t>
-            </a:r>
-            <a:r>
-              <a:rPr lang="en-US" altLang="zh-TW" sz="2800" kern="0" dirty="0" smtClean="0">
-                <a:solidFill>
-                  <a:srgbClr val="003366"/>
-                </a:solidFill>
-                <a:latin typeface="Times New Roman" panose="02020603050405020304" pitchFamily="18" charset="0"/>
-                <a:cs typeface="Times New Roman" panose="02020603050405020304" pitchFamily="18" charset="0"/>
-              </a:rPr>
-              <a:t>)</a:t>
+              <a:t>automation</a:t>
             </a:r>
             <a:r>
               <a:rPr lang="en-US" altLang="zh-TW" sz="2800" kern="0" dirty="0" smtClean="0">
@@ -11664,7 +11976,7 @@
     </p:spTree>
     <p:extLst>
       <p:ext uri="{BB962C8B-B14F-4D97-AF65-F5344CB8AC3E}">
-        <p14:creationId xmlns:p14="http://schemas.microsoft.com/office/powerpoint/2010/main" val="932677482"/>
+        <p14:creationId xmlns:p14="http://schemas.microsoft.com/office/powerpoint/2010/main" val="316512953"/>
       </p:ext>
     </p:extLst>
   </p:cSld>
@@ -11822,12 +12134,8 @@
                 <a:latin typeface="Times New Roman" panose="02020603050405020304" pitchFamily="18" charset="0"/>
                 <a:cs typeface="Times New Roman" panose="02020603050405020304" pitchFamily="18" charset="0"/>
               </a:rPr>
-              <a:t>Conclusion</a:t>
-            </a:r>
-            <a:endParaRPr lang="en-US" altLang="zh-TW" sz="1800" dirty="0">
-              <a:latin typeface="Times New Roman" panose="02020603050405020304" pitchFamily="18" charset="0"/>
-              <a:cs typeface="Times New Roman" panose="02020603050405020304" pitchFamily="18" charset="0"/>
-            </a:endParaRPr>
+              <a:t>System Structure</a:t>
+            </a:r>
           </a:p>
           <a:p>
             <a:pPr eaLnBrk="1" hangingPunct="1">
@@ -11873,47 +12181,17 @@
                 <a:latin typeface="Times New Roman" panose="02020603050405020304" pitchFamily="18" charset="0"/>
                 <a:cs typeface="Times New Roman" panose="02020603050405020304" pitchFamily="18" charset="0"/>
               </a:rPr>
-              <a:t>PXE automatic installation</a:t>
-            </a:r>
-            <a:r>
-              <a:rPr lang="zh-TW" altLang="en-US" sz="2800" kern="0" dirty="0" smtClean="0">
+              <a:t>PXE automatic </a:t>
+            </a:r>
+            <a:r>
+              <a:rPr lang="en-US" altLang="zh-TW" sz="2800" kern="0" dirty="0" smtClean="0">
                 <a:solidFill>
                   <a:srgbClr val="003366"/>
                 </a:solidFill>
                 <a:latin typeface="Times New Roman" panose="02020603050405020304" pitchFamily="18" charset="0"/>
                 <a:cs typeface="Times New Roman" panose="02020603050405020304" pitchFamily="18" charset="0"/>
               </a:rPr>
-              <a:t> </a:t>
-            </a:r>
-            <a:r>
-              <a:rPr lang="en-US" altLang="zh-TW" sz="2800" kern="0" dirty="0" smtClean="0">
-                <a:solidFill>
-                  <a:srgbClr val="003366"/>
-                </a:solidFill>
-                <a:latin typeface="Times New Roman" panose="02020603050405020304" pitchFamily="18" charset="0"/>
-                <a:cs typeface="Times New Roman" panose="02020603050405020304" pitchFamily="18" charset="0"/>
-              </a:rPr>
-              <a:t>(</a:t>
-            </a:r>
-            <a:r>
-              <a:rPr lang="zh-TW" altLang="en-US" sz="2800" kern="0" dirty="0">
-                <a:solidFill>
-                  <a:srgbClr val="003366"/>
-                </a:solidFill>
-                <a:latin typeface="Times New Roman" panose="02020603050405020304" pitchFamily="18" charset="0"/>
-                <a:cs typeface="Times New Roman" panose="02020603050405020304" pitchFamily="18" charset="0"/>
-              </a:rPr>
-              <a:t>未完成</a:t>
-            </a:r>
-            <a:r>
-              <a:rPr lang="en-US" altLang="zh-TW" sz="2800" kern="0" dirty="0" smtClean="0">
-                <a:solidFill>
-                  <a:srgbClr val="003366"/>
-                </a:solidFill>
-                <a:latin typeface="Times New Roman" panose="02020603050405020304" pitchFamily="18" charset="0"/>
-                <a:cs typeface="Times New Roman" panose="02020603050405020304" pitchFamily="18" charset="0"/>
-              </a:rPr>
-              <a:t>)</a:t>
+              <a:t>installation</a:t>
             </a:r>
             <a:r>
               <a:rPr lang="en-US" altLang="zh-TW" sz="2800" kern="0" dirty="0" smtClean="0">
@@ -11944,10 +12222,74 @@
           </a:p>
         </p:txBody>
       </p:sp>
+      <p:pic>
+        <p:nvPicPr>
+          <p:cNvPr id="1026" name="Picture 2"/>
+          <p:cNvPicPr>
+            <a:picLocks noChangeAspect="1" noChangeArrowheads="1"/>
+          </p:cNvPicPr>
+          <p:nvPr/>
+        </p:nvPicPr>
+        <p:blipFill>
+          <a:blip r:embed="rId3" cstate="print">
+            <a:extLst>
+              <a:ext uri="{28A0092B-C50C-407E-A947-70E740481C1C}">
+                <a14:useLocalDpi xmlns:a14="http://schemas.microsoft.com/office/drawing/2010/main" val="0"/>
+              </a:ext>
+            </a:extLst>
+          </a:blip>
+          <a:srcRect/>
+          <a:stretch>
+            <a:fillRect/>
+          </a:stretch>
+        </p:blipFill>
+        <p:spPr bwMode="auto">
+          <a:xfrm>
+            <a:off x="1949958" y="1180622"/>
+            <a:ext cx="4840986" cy="3535713"/>
+          </a:xfrm>
+          <a:prstGeom prst="rect">
+            <a:avLst/>
+          </a:prstGeom>
+          <a:noFill/>
+          <a:ln>
+            <a:noFill/>
+          </a:ln>
+          <a:effectLst/>
+          <a:extLst>
+            <a:ext uri="{909E8E84-426E-40DD-AFC4-6F175D3DCCD1}">
+              <a14:hiddenFill xmlns:a14="http://schemas.microsoft.com/office/drawing/2010/main">
+                <a:solidFill>
+                  <a:schemeClr val="accent1"/>
+                </a:solidFill>
+              </a14:hiddenFill>
+            </a:ext>
+            <a:ext uri="{91240B29-F687-4F45-9708-019B960494DF}">
+              <a14:hiddenLine xmlns:a14="http://schemas.microsoft.com/office/drawing/2010/main" w="9525">
+                <a:solidFill>
+                  <a:schemeClr val="tx1"/>
+                </a:solidFill>
+                <a:miter lim="800000"/>
+                <a:headEnd/>
+                <a:tailEnd/>
+              </a14:hiddenLine>
+            </a:ext>
+            <a:ext uri="{AF507438-7753-43E0-B8FC-AC1667EBCBE1}">
+              <a14:hiddenEffects xmlns:a14="http://schemas.microsoft.com/office/drawing/2010/main">
+                <a:effectLst>
+                  <a:outerShdw dist="35921" dir="2700000" algn="ctr" rotWithShape="0">
+                    <a:schemeClr val="bg2"/>
+                  </a:outerShdw>
+                </a:effectLst>
+              </a14:hiddenEffects>
+            </a:ext>
+          </a:extLst>
+        </p:spPr>
+      </p:pic>
     </p:spTree>
     <p:extLst>
       <p:ext uri="{BB962C8B-B14F-4D97-AF65-F5344CB8AC3E}">
-        <p14:creationId xmlns:p14="http://schemas.microsoft.com/office/powerpoint/2010/main" val="3924660373"/>
+        <p14:creationId xmlns:p14="http://schemas.microsoft.com/office/powerpoint/2010/main" val="932677482"/>
       </p:ext>
     </p:extLst>
   </p:cSld>
@@ -12105,7 +12447,7 @@
                 <a:latin typeface="Times New Roman" panose="02020603050405020304" pitchFamily="18" charset="0"/>
                 <a:cs typeface="Times New Roman" panose="02020603050405020304" pitchFamily="18" charset="0"/>
               </a:rPr>
-              <a:t>System Structure</a:t>
+              <a:t>Conclusion</a:t>
             </a:r>
           </a:p>
           <a:p>
@@ -12145,14 +12487,14 @@
               <a:defRPr/>
             </a:pPr>
             <a:r>
-              <a:rPr lang="en-US" altLang="zh-TW" sz="2800" kern="0" dirty="0" err="1" smtClean="0">
+              <a:rPr lang="en-US" altLang="zh-TW" sz="2800" kern="0" dirty="0" smtClean="0">
                 <a:solidFill>
                   <a:srgbClr val="003366"/>
                 </a:solidFill>
                 <a:latin typeface="Times New Roman" panose="02020603050405020304" pitchFamily="18" charset="0"/>
                 <a:cs typeface="Times New Roman" panose="02020603050405020304" pitchFamily="18" charset="0"/>
               </a:rPr>
-              <a:t>BurnInTest</a:t>
+              <a:t>PXE automatic </a:t>
             </a:r>
             <a:r>
               <a:rPr lang="en-US" altLang="zh-TW" sz="2800" kern="0" dirty="0" smtClean="0">
@@ -12162,7 +12504,17 @@
                 <a:latin typeface="Times New Roman" panose="02020603050405020304" pitchFamily="18" charset="0"/>
                 <a:cs typeface="Times New Roman" panose="02020603050405020304" pitchFamily="18" charset="0"/>
               </a:rPr>
-              <a:t> Automation</a:t>
+              <a:t>installation</a:t>
+            </a:r>
+            <a:r>
+              <a:rPr lang="en-US" altLang="zh-TW" sz="2800" kern="0" dirty="0" smtClean="0">
+                <a:solidFill>
+                  <a:srgbClr val="003366"/>
+                </a:solidFill>
+                <a:latin typeface="Times New Roman" panose="02020603050405020304" pitchFamily="18" charset="0"/>
+                <a:cs typeface="Times New Roman" panose="02020603050405020304" pitchFamily="18" charset="0"/>
+              </a:rPr>
+              <a:t/>
             </a:r>
             <a:br>
               <a:rPr lang="en-US" altLang="zh-TW" sz="2800" kern="0" dirty="0" smtClean="0">
@@ -12186,7 +12538,7 @@
     </p:spTree>
     <p:extLst>
       <p:ext uri="{BB962C8B-B14F-4D97-AF65-F5344CB8AC3E}">
-        <p14:creationId xmlns:p14="http://schemas.microsoft.com/office/powerpoint/2010/main" val="149749913"/>
+        <p14:creationId xmlns:p14="http://schemas.microsoft.com/office/powerpoint/2010/main" val="3924660373"/>
       </p:ext>
     </p:extLst>
   </p:cSld>
@@ -12344,8 +12696,15 @@
                 <a:latin typeface="Times New Roman" panose="02020603050405020304" pitchFamily="18" charset="0"/>
                 <a:cs typeface="Times New Roman" panose="02020603050405020304" pitchFamily="18" charset="0"/>
               </a:rPr>
-              <a:t>Conclusion</a:t>
-            </a:r>
+              <a:t>System Structure</a:t>
+            </a:r>
+          </a:p>
+          <a:p>
+            <a:pPr eaLnBrk="1" hangingPunct="1">
+              <a:buFont typeface="Arial" charset="0"/>
+              <a:buChar char="•"/>
+              <a:defRPr/>
+            </a:pPr>
             <a:endParaRPr lang="en-US" altLang="zh-TW" sz="1800" dirty="0">
               <a:latin typeface="Times New Roman" panose="02020603050405020304" pitchFamily="18" charset="0"/>
               <a:cs typeface="Times New Roman" panose="02020603050405020304" pitchFamily="18" charset="0"/>
@@ -12418,7 +12777,7 @@
     </p:spTree>
     <p:extLst>
       <p:ext uri="{BB962C8B-B14F-4D97-AF65-F5344CB8AC3E}">
-        <p14:creationId xmlns:p14="http://schemas.microsoft.com/office/powerpoint/2010/main" val="1708138525"/>
+        <p14:creationId xmlns:p14="http://schemas.microsoft.com/office/powerpoint/2010/main" val="149749913"/>
       </p:ext>
     </p:extLst>
   </p:cSld>
@@ -12576,14 +12935,7 @@
                 <a:latin typeface="Times New Roman" panose="02020603050405020304" pitchFamily="18" charset="0"/>
                 <a:cs typeface="Times New Roman" panose="02020603050405020304" pitchFamily="18" charset="0"/>
               </a:rPr>
-              <a:t>System </a:t>
-            </a:r>
-            <a:r>
-              <a:rPr lang="en-US" altLang="zh-TW" sz="1800" dirty="0" smtClean="0">
-                <a:latin typeface="Times New Roman" panose="02020603050405020304" pitchFamily="18" charset="0"/>
-                <a:cs typeface="Times New Roman" panose="02020603050405020304" pitchFamily="18" charset="0"/>
-              </a:rPr>
-              <a:t>Structure</a:t>
+              <a:t>Conclusion</a:t>
             </a:r>
           </a:p>
         </p:txBody>
@@ -12612,34 +12964,24 @@
               <a:defRPr/>
             </a:pPr>
             <a:r>
-              <a:rPr lang="en-US" altLang="zh-TW" sz="2800" kern="0" dirty="0" smtClean="0">
+              <a:rPr lang="en-US" altLang="zh-TW" sz="2800" kern="0" dirty="0" err="1" smtClean="0">
                 <a:solidFill>
                   <a:srgbClr val="003366"/>
                 </a:solidFill>
                 <a:latin typeface="Times New Roman" panose="02020603050405020304" pitchFamily="18" charset="0"/>
                 <a:cs typeface="Times New Roman" panose="02020603050405020304" pitchFamily="18" charset="0"/>
               </a:rPr>
-              <a:t>Continuous </a:t>
-            </a:r>
-            <a:r>
-              <a:rPr lang="en-US" altLang="zh-TW" sz="2800" kern="0" dirty="0">
+              <a:t>BurnInTest</a:t>
+            </a:r>
+            <a:r>
+              <a:rPr lang="en-US" altLang="zh-TW" sz="2800" kern="0" dirty="0" smtClean="0">
                 <a:solidFill>
                   <a:srgbClr val="003366"/>
                 </a:solidFill>
                 <a:latin typeface="Times New Roman" panose="02020603050405020304" pitchFamily="18" charset="0"/>
                 <a:cs typeface="Times New Roman" panose="02020603050405020304" pitchFamily="18" charset="0"/>
               </a:rPr>
-              <a:t>I</a:t>
-            </a:r>
-            <a:r>
-              <a:rPr lang="en-US" altLang="zh-TW" sz="2800" kern="0" dirty="0" smtClean="0">
-                <a:solidFill>
-                  <a:srgbClr val="003366"/>
-                </a:solidFill>
-                <a:latin typeface="Times New Roman" panose="02020603050405020304" pitchFamily="18" charset="0"/>
-                <a:cs typeface="Times New Roman" panose="02020603050405020304" pitchFamily="18" charset="0"/>
-              </a:rPr>
-              <a:t>ntegration</a:t>
+              <a:t> Automation</a:t>
             </a:r>
             <a:br>
               <a:rPr lang="en-US" altLang="zh-TW" sz="2800" kern="0" dirty="0" smtClean="0">
@@ -12663,7 +13005,7 @@
     </p:spTree>
     <p:extLst>
       <p:ext uri="{BB962C8B-B14F-4D97-AF65-F5344CB8AC3E}">
-        <p14:creationId xmlns:p14="http://schemas.microsoft.com/office/powerpoint/2010/main" val="932677482"/>
+        <p14:creationId xmlns:p14="http://schemas.microsoft.com/office/powerpoint/2010/main" val="1708138525"/>
       </p:ext>
     </p:extLst>
   </p:cSld>
@@ -12821,19 +13163,15 @@
                 <a:latin typeface="Times New Roman" panose="02020603050405020304" pitchFamily="18" charset="0"/>
                 <a:cs typeface="Times New Roman" panose="02020603050405020304" pitchFamily="18" charset="0"/>
               </a:rPr>
-              <a:t>C</a:t>
+              <a:t>System </a:t>
             </a:r>
             <a:r>
               <a:rPr lang="en-US" altLang="zh-TW" sz="1800" dirty="0" smtClean="0">
                 <a:latin typeface="Times New Roman" panose="02020603050405020304" pitchFamily="18" charset="0"/>
                 <a:cs typeface="Times New Roman" panose="02020603050405020304" pitchFamily="18" charset="0"/>
               </a:rPr>
-              <a:t>onclusion</a:t>
-            </a:r>
-            <a:endParaRPr lang="en-US" altLang="zh-TW" sz="1800" dirty="0" smtClean="0">
-              <a:latin typeface="Times New Roman" panose="02020603050405020304" pitchFamily="18" charset="0"/>
-              <a:cs typeface="Times New Roman" panose="02020603050405020304" pitchFamily="18" charset="0"/>
-            </a:endParaRPr>
+              <a:t>Structure</a:t>
+            </a:r>
           </a:p>
         </p:txBody>
       </p:sp>
@@ -12871,14 +13209,24 @@
               <a:t>Continuous </a:t>
             </a:r>
             <a:r>
-              <a:rPr lang="en-US" altLang="zh-TW" sz="2800" kern="0" dirty="0" smtClean="0">
+              <a:rPr lang="en-US" altLang="zh-TW" sz="2800" kern="0" dirty="0">
                 <a:solidFill>
                   <a:srgbClr val="003366"/>
                 </a:solidFill>
                 <a:latin typeface="Times New Roman" panose="02020603050405020304" pitchFamily="18" charset="0"/>
                 <a:cs typeface="Times New Roman" panose="02020603050405020304" pitchFamily="18" charset="0"/>
               </a:rPr>
-              <a:t>Integration</a:t>
+              <a:t>I</a:t>
+            </a:r>
+            <a:r>
+              <a:rPr lang="en-US" altLang="zh-TW" sz="2800" kern="0" dirty="0" smtClean="0">
+                <a:solidFill>
+                  <a:srgbClr val="003366"/>
+                </a:solidFill>
+                <a:latin typeface="Times New Roman" panose="02020603050405020304" pitchFamily="18" charset="0"/>
+                <a:cs typeface="Times New Roman" panose="02020603050405020304" pitchFamily="18" charset="0"/>
+              </a:rPr>
+              <a:t>ntegration</a:t>
             </a:r>
             <a:br>
               <a:rPr lang="en-US" altLang="zh-TW" sz="2800" kern="0" dirty="0" smtClean="0">
@@ -12902,7 +13250,7 @@
     </p:spTree>
     <p:extLst>
       <p:ext uri="{BB962C8B-B14F-4D97-AF65-F5344CB8AC3E}">
-        <p14:creationId xmlns:p14="http://schemas.microsoft.com/office/powerpoint/2010/main" val="643916042"/>
+        <p14:creationId xmlns:p14="http://schemas.microsoft.com/office/powerpoint/2010/main" val="932677482"/>
       </p:ext>
     </p:extLst>
   </p:cSld>
@@ -13050,28 +13398,25 @@
           <a:bodyPr/>
           <a:lstStyle/>
           <a:p>
-            <a:pPr marL="0" indent="0" eaLnBrk="1" hangingPunct="1">
-              <a:buNone/>
-              <a:defRPr/>
-            </a:pPr>
-            <a:r>
-              <a:rPr lang="en-US" altLang="zh-TW" sz="1800" dirty="0">
-                <a:hlinkClick r:id="rId3" action="ppaction://hlinkfile"/>
-              </a:rPr>
-              <a:t>\\172.17.9.225\dqa\iService\0G.DQA_Zone\50.Auto Test Tool\automation\suite</a:t>
-            </a:r>
-            <a:endParaRPr lang="en-US" altLang="zh-TW" sz="1800" dirty="0"/>
-          </a:p>
-          <a:p>
-            <a:pPr eaLnBrk="1" hangingPunct="1">
+            <a:pPr marL="342900" lvl="1" indent="-342900" eaLnBrk="1" hangingPunct="1">
               <a:buFont typeface="Arial" charset="0"/>
               <a:buChar char="•"/>
               <a:defRPr/>
             </a:pPr>
-            <a:endParaRPr lang="en-US" altLang="zh-TW" sz="1800" dirty="0">
-              <a:latin typeface="Times New Roman" panose="02020603050405020304" pitchFamily="18" charset="0"/>
-              <a:cs typeface="Times New Roman" panose="02020603050405020304" pitchFamily="18" charset="0"/>
-            </a:endParaRPr>
+            <a:r>
+              <a:rPr lang="en-US" altLang="zh-TW" sz="1800" dirty="0">
+                <a:latin typeface="Times New Roman" panose="02020603050405020304" pitchFamily="18" charset="0"/>
+                <a:cs typeface="Times New Roman" panose="02020603050405020304" pitchFamily="18" charset="0"/>
+              </a:rPr>
+              <a:t>C</a:t>
+            </a:r>
+            <a:r>
+              <a:rPr lang="en-US" altLang="zh-TW" sz="1800" dirty="0" smtClean="0">
+                <a:latin typeface="Times New Roman" panose="02020603050405020304" pitchFamily="18" charset="0"/>
+                <a:cs typeface="Times New Roman" panose="02020603050405020304" pitchFamily="18" charset="0"/>
+              </a:rPr>
+              <a:t>onclusion</a:t>
+            </a:r>
           </a:p>
         </p:txBody>
       </p:sp>
@@ -13106,27 +13451,7 @@
                 <a:latin typeface="Times New Roman" panose="02020603050405020304" pitchFamily="18" charset="0"/>
                 <a:cs typeface="Times New Roman" panose="02020603050405020304" pitchFamily="18" charset="0"/>
               </a:rPr>
-              <a:t>Automation </a:t>
-            </a:r>
-            <a:r>
-              <a:rPr lang="en-US" altLang="zh-TW" sz="2800" kern="0" dirty="0">
-                <a:solidFill>
-                  <a:srgbClr val="003366"/>
-                </a:solidFill>
-                <a:latin typeface="Times New Roman" panose="02020603050405020304" pitchFamily="18" charset="0"/>
-                <a:cs typeface="Times New Roman" panose="02020603050405020304" pitchFamily="18" charset="0"/>
-              </a:rPr>
-              <a:t>Tools hyperlink</a:t>
-            </a:r>
-            <a:r>
-              <a:rPr lang="en-US" altLang="zh-TW" sz="2800" kern="0" dirty="0" smtClean="0">
-                <a:solidFill>
-                  <a:srgbClr val="003366"/>
-                </a:solidFill>
-                <a:latin typeface="Times New Roman" panose="02020603050405020304" pitchFamily="18" charset="0"/>
-                <a:cs typeface="Times New Roman" panose="02020603050405020304" pitchFamily="18" charset="0"/>
-              </a:rPr>
-              <a:t/>
+              <a:t>Continuous Integration</a:t>
             </a:r>
             <a:br>
               <a:rPr lang="en-US" altLang="zh-TW" sz="2800" kern="0" dirty="0" smtClean="0">
@@ -13150,7 +13475,7 @@
     </p:spTree>
     <p:extLst>
       <p:ext uri="{BB962C8B-B14F-4D97-AF65-F5344CB8AC3E}">
-        <p14:creationId xmlns:p14="http://schemas.microsoft.com/office/powerpoint/2010/main" val="990844558"/>
+        <p14:creationId xmlns:p14="http://schemas.microsoft.com/office/powerpoint/2010/main" val="643916042"/>
       </p:ext>
     </p:extLst>
   </p:cSld>
@@ -13768,6 +14093,254 @@
 </file>
 
 <file path=ppt/slides/slide30.xml><?xml version="1.0" encoding="utf-8"?>
+<p:sld xmlns:a="http://schemas.openxmlformats.org/drawingml/2006/main" xmlns:r="http://schemas.openxmlformats.org/officeDocument/2006/relationships" xmlns:p="http://schemas.openxmlformats.org/presentationml/2006/main">
+  <p:cSld>
+    <p:spTree>
+      <p:nvGrpSpPr>
+        <p:cNvPr id="1" name=""/>
+        <p:cNvGrpSpPr/>
+        <p:nvPr/>
+      </p:nvGrpSpPr>
+      <p:grpSpPr>
+        <a:xfrm>
+          <a:off x="0" y="0"/>
+          <a:ext cx="0" cy="0"/>
+          <a:chOff x="0" y="0"/>
+          <a:chExt cx="0" cy="0"/>
+        </a:xfrm>
+      </p:grpSpPr>
+      <p:sp>
+        <p:nvSpPr>
+          <p:cNvPr id="15362" name="內容版面配置區 5"/>
+          <p:cNvSpPr>
+            <a:spLocks noGrp="1"/>
+          </p:cNvSpPr>
+          <p:nvPr>
+            <p:ph idx="1"/>
+          </p:nvPr>
+        </p:nvSpPr>
+        <p:spPr>
+          <a:xfrm>
+            <a:off x="457200" y="936625"/>
+            <a:ext cx="8229600" cy="3575050"/>
+          </a:xfrm>
+        </p:spPr>
+        <p:txBody>
+          <a:bodyPr/>
+          <a:lstStyle/>
+          <a:p>
+            <a:pPr marL="0" indent="0" eaLnBrk="1" hangingPunct="1">
+              <a:buNone/>
+              <a:defRPr/>
+            </a:pPr>
+            <a:r>
+              <a:rPr lang="en-US" altLang="zh-TW" sz="1800" dirty="0">
+                <a:hlinkClick r:id="rId3" action="ppaction://hlinkfile"/>
+              </a:rPr>
+              <a:t>\\172.17.9.225\dqa\iService\0G.DQA_Zone\50.Auto Test Tool\automation\suite</a:t>
+            </a:r>
+            <a:endParaRPr lang="en-US" altLang="zh-TW" sz="1800" dirty="0"/>
+          </a:p>
+          <a:p>
+            <a:pPr eaLnBrk="1" hangingPunct="1">
+              <a:buFont typeface="Arial" charset="0"/>
+              <a:buChar char="•"/>
+              <a:defRPr/>
+            </a:pPr>
+            <a:endParaRPr lang="en-US" altLang="zh-TW" sz="1800" dirty="0">
+              <a:latin typeface="Times New Roman" panose="02020603050405020304" pitchFamily="18" charset="0"/>
+              <a:cs typeface="Times New Roman" panose="02020603050405020304" pitchFamily="18" charset="0"/>
+            </a:endParaRPr>
+          </a:p>
+        </p:txBody>
+      </p:sp>
+      <p:sp>
+        <p:nvSpPr>
+          <p:cNvPr id="2" name="標題 4"/>
+          <p:cNvSpPr>
+            <a:spLocks noGrp="1"/>
+          </p:cNvSpPr>
+          <p:nvPr>
+            <p:ph type="title"/>
+          </p:nvPr>
+        </p:nvSpPr>
+        <p:spPr>
+          <a:xfrm>
+            <a:off x="457200" y="87313"/>
+            <a:ext cx="8229600" cy="1205265"/>
+          </a:xfrm>
+        </p:spPr>
+        <p:txBody>
+          <a:bodyPr/>
+          <a:lstStyle/>
+          <a:p>
+            <a:pPr eaLnBrk="1" hangingPunct="1">
+              <a:defRPr/>
+            </a:pPr>
+            <a:r>
+              <a:rPr lang="en-US" altLang="zh-TW" sz="2800" kern="0" dirty="0" smtClean="0">
+                <a:solidFill>
+                  <a:srgbClr val="003366"/>
+                </a:solidFill>
+                <a:latin typeface="Times New Roman" panose="02020603050405020304" pitchFamily="18" charset="0"/>
+                <a:cs typeface="Times New Roman" panose="02020603050405020304" pitchFamily="18" charset="0"/>
+              </a:rPr>
+              <a:t>Automation </a:t>
+            </a:r>
+            <a:r>
+              <a:rPr lang="en-US" altLang="zh-TW" sz="2800" kern="0" dirty="0">
+                <a:solidFill>
+                  <a:srgbClr val="003366"/>
+                </a:solidFill>
+                <a:latin typeface="Times New Roman" panose="02020603050405020304" pitchFamily="18" charset="0"/>
+                <a:cs typeface="Times New Roman" panose="02020603050405020304" pitchFamily="18" charset="0"/>
+              </a:rPr>
+              <a:t>Tools hyperlink</a:t>
+            </a:r>
+            <a:r>
+              <a:rPr lang="en-US" altLang="zh-TW" sz="2800" kern="0" dirty="0" smtClean="0">
+                <a:solidFill>
+                  <a:srgbClr val="003366"/>
+                </a:solidFill>
+                <a:latin typeface="Times New Roman" panose="02020603050405020304" pitchFamily="18" charset="0"/>
+                <a:cs typeface="Times New Roman" panose="02020603050405020304" pitchFamily="18" charset="0"/>
+              </a:rPr>
+              <a:t/>
+            </a:r>
+            <a:br>
+              <a:rPr lang="en-US" altLang="zh-TW" sz="2800" kern="0" dirty="0" smtClean="0">
+                <a:solidFill>
+                  <a:srgbClr val="003366"/>
+                </a:solidFill>
+                <a:latin typeface="Times New Roman" panose="02020603050405020304" pitchFamily="18" charset="0"/>
+                <a:cs typeface="Times New Roman" panose="02020603050405020304" pitchFamily="18" charset="0"/>
+              </a:rPr>
+            </a:br>
+            <a:endParaRPr lang="zh-TW" altLang="en-US" sz="2800" kern="0" dirty="0">
+              <a:solidFill>
+                <a:srgbClr val="003366"/>
+              </a:solidFill>
+              <a:latin typeface="Times New Roman" panose="02020603050405020304" pitchFamily="18" charset="0"/>
+              <a:cs typeface="Times New Roman" panose="02020603050405020304" pitchFamily="18" charset="0"/>
+            </a:endParaRPr>
+          </a:p>
+        </p:txBody>
+      </p:sp>
+    </p:spTree>
+    <p:extLst>
+      <p:ext uri="{BB962C8B-B14F-4D97-AF65-F5344CB8AC3E}">
+        <p14:creationId xmlns:p14="http://schemas.microsoft.com/office/powerpoint/2010/main" val="990844558"/>
+      </p:ext>
+    </p:extLst>
+  </p:cSld>
+  <p:clrMapOvr>
+    <a:masterClrMapping/>
+  </p:clrMapOvr>
+  <mc:AlternateContent xmlns:mc="http://schemas.openxmlformats.org/markup-compatibility/2006" xmlns:p14="http://schemas.microsoft.com/office/powerpoint/2010/main">
+    <mc:Choice Requires="p14">
+      <p:transition spd="med" p14:dur="700" advClick="0">
+        <p:fade/>
+      </p:transition>
+    </mc:Choice>
+    <mc:Fallback xmlns="">
+      <p:transition spd="med" advClick="0">
+        <p:fade/>
+      </p:transition>
+    </mc:Fallback>
+  </mc:AlternateContent>
+  <p:timing>
+    <p:tnLst>
+      <p:par>
+        <p:cTn id="1" dur="indefinite" restart="never" nodeType="tmRoot">
+          <p:childTnLst>
+            <p:seq concurrent="1" nextAc="seek">
+              <p:cTn id="2" dur="indefinite" nodeType="mainSeq">
+                <p:childTnLst>
+                  <p:par>
+                    <p:cTn id="3" fill="hold">
+                      <p:stCondLst>
+                        <p:cond delay="indefinite"/>
+                        <p:cond evt="onBegin" delay="0">
+                          <p:tn val="2"/>
+                        </p:cond>
+                      </p:stCondLst>
+                      <p:childTnLst>
+                        <p:par>
+                          <p:cTn id="4" fill="hold">
+                            <p:stCondLst>
+                              <p:cond delay="0"/>
+                            </p:stCondLst>
+                            <p:childTnLst>
+                              <p:par>
+                                <p:cTn id="5" presetID="10" presetClass="entr" presetSubtype="0" fill="hold" grpId="0" nodeType="afterEffect">
+                                  <p:stCondLst>
+                                    <p:cond delay="0"/>
+                                  </p:stCondLst>
+                                  <p:childTnLst>
+                                    <p:set>
+                                      <p:cBhvr>
+                                        <p:cTn id="6" dur="1" fill="hold">
+                                          <p:stCondLst>
+                                            <p:cond delay="0"/>
+                                          </p:stCondLst>
+                                        </p:cTn>
+                                        <p:tgtEl>
+                                          <p:spTgt spid="2"/>
+                                        </p:tgtEl>
+                                        <p:attrNameLst>
+                                          <p:attrName>style.visibility</p:attrName>
+                                        </p:attrNameLst>
+                                      </p:cBhvr>
+                                      <p:to>
+                                        <p:strVal val="visible"/>
+                                      </p:to>
+                                    </p:set>
+                                    <p:animEffect transition="in" filter="fade">
+                                      <p:cBhvr>
+                                        <p:cTn id="7" dur="500"/>
+                                        <p:tgtEl>
+                                          <p:spTgt spid="2"/>
+                                        </p:tgtEl>
+                                      </p:cBhvr>
+                                    </p:animEffect>
+                                  </p:childTnLst>
+                                </p:cTn>
+                              </p:par>
+                            </p:childTnLst>
+                          </p:cTn>
+                        </p:par>
+                      </p:childTnLst>
+                    </p:cTn>
+                  </p:par>
+                </p:childTnLst>
+              </p:cTn>
+              <p:prevCondLst>
+                <p:cond evt="onPrev" delay="0">
+                  <p:tgtEl>
+                    <p:sldTgt/>
+                  </p:tgtEl>
+                </p:cond>
+              </p:prevCondLst>
+              <p:nextCondLst>
+                <p:cond evt="onNext" delay="0">
+                  <p:tgtEl>
+                    <p:sldTgt/>
+                  </p:tgtEl>
+                </p:cond>
+              </p:nextCondLst>
+            </p:seq>
+          </p:childTnLst>
+        </p:cTn>
+      </p:par>
+    </p:tnLst>
+    <p:bldLst>
+      <p:bldP spid="2" grpId="0"/>
+    </p:bldLst>
+  </p:timing>
+</p:sld>
+</file>
+
+<file path=ppt/slides/slide31.xml><?xml version="1.0" encoding="utf-8"?>
 <p:sld xmlns:a="http://schemas.openxmlformats.org/drawingml/2006/main" xmlns:r="http://schemas.openxmlformats.org/officeDocument/2006/relationships" xmlns:p="http://schemas.openxmlformats.org/presentationml/2006/main">
   <p:cSld>
     <p:spTree>

--- a/kpi/Test Automation_Demo.pptx
+++ b/kpi/Test Automation_Demo.pptx
@@ -172,7 +172,7 @@
   </p:defaultTextStyle>
   <p:extLst>
     <p:ext uri="{EFAFB233-063F-42B5-8137-9DF3F51BA10A}">
-      <p15:sldGuideLst xmlns:p15="http://schemas.microsoft.com/office/powerpoint/2012/main" xmlns="">
+      <p15:sldGuideLst xmlns="" xmlns:p15="http://schemas.microsoft.com/office/powerpoint/2012/main">
         <p15:guide id="1" orient="horz" pos="1620">
           <p15:clr>
             <a:srgbClr val="A4A3A4"/>
@@ -186,7 +186,7 @@
       </p15:sldGuideLst>
     </p:ext>
     <p:ext uri="{2D200454-40CA-4A62-9FC3-DE9A4176ACB9}">
-      <p15:notesGuideLst xmlns:p15="http://schemas.microsoft.com/office/powerpoint/2012/main" xmlns="">
+      <p15:notesGuideLst xmlns="" xmlns:p15="http://schemas.microsoft.com/office/powerpoint/2012/main">
         <p15:guide id="1" orient="horz" pos="3223">
           <p15:clr>
             <a:srgbClr val="A4A3A4"/>
@@ -10085,17 +10085,7 @@
                 <a:latin typeface="Times New Roman" panose="02020603050405020304" pitchFamily="18" charset="0"/>
                 <a:cs typeface="Times New Roman" panose="02020603050405020304" pitchFamily="18" charset="0"/>
               </a:rPr>
-              <a:t>Resolution </a:t>
-            </a:r>
-            <a:r>
-              <a:rPr lang="en-US" altLang="zh-TW" sz="2800" kern="0" dirty="0" smtClean="0">
-                <a:solidFill>
-                  <a:srgbClr val="003366"/>
-                </a:solidFill>
-                <a:latin typeface="Times New Roman" panose="02020603050405020304" pitchFamily="18" charset="0"/>
-                <a:cs typeface="Times New Roman" panose="02020603050405020304" pitchFamily="18" charset="0"/>
-              </a:rPr>
-              <a:t>automation</a:t>
+              <a:t>Resolution automation</a:t>
             </a:r>
             <a:r>
               <a:rPr lang="en-US" altLang="zh-TW" sz="2800" kern="0" dirty="0">
@@ -10148,7 +10138,7 @@
           <a:graphicData uri="http://schemas.openxmlformats.org/presentationml/2006/ole">
             <mc:AlternateContent xmlns:mc="http://schemas.openxmlformats.org/markup-compatibility/2006">
               <mc:Choice xmlns:v="urn:schemas-microsoft-com:vml" Requires="v">
-                <p:oleObj spid="_x0000_s3085" name="封裝程式殼層物件" showAsIcon="1" r:id="rId4" imgW="671760" imgH="394920" progId="Package">
+                <p:oleObj spid="_x0000_s3087" name="封裝程式殼層物件" showAsIcon="1" r:id="rId4" imgW="671760" imgH="394920" progId="Package">
                   <p:embed/>
                 </p:oleObj>
               </mc:Choice>
@@ -10895,17 +10885,7 @@
                 <a:latin typeface="Times New Roman" panose="02020603050405020304" pitchFamily="18" charset="0"/>
                 <a:cs typeface="Times New Roman" panose="02020603050405020304" pitchFamily="18" charset="0"/>
               </a:rPr>
-              <a:t>Resolution </a:t>
-            </a:r>
-            <a:r>
-              <a:rPr lang="en-US" altLang="zh-TW" sz="2800" kern="0" dirty="0" smtClean="0">
-                <a:solidFill>
-                  <a:srgbClr val="003366"/>
-                </a:solidFill>
-                <a:latin typeface="Times New Roman" panose="02020603050405020304" pitchFamily="18" charset="0"/>
-                <a:cs typeface="Times New Roman" panose="02020603050405020304" pitchFamily="18" charset="0"/>
-              </a:rPr>
-              <a:t>automation</a:t>
+              <a:t>Resolution automation</a:t>
             </a:r>
             <a:r>
               <a:rPr lang="en-US" altLang="zh-TW" sz="2800" kern="0" dirty="0">
@@ -11228,27 +11208,7 @@
                 <a:latin typeface="Times New Roman" panose="02020603050405020304" pitchFamily="18" charset="0"/>
                 <a:cs typeface="Times New Roman" panose="02020603050405020304" pitchFamily="18" charset="0"/>
               </a:rPr>
-              <a:t>Luminance </a:t>
-            </a:r>
-            <a:r>
-              <a:rPr lang="en-US" altLang="zh-TW" sz="2800" kern="0" dirty="0" smtClean="0">
-                <a:solidFill>
-                  <a:srgbClr val="003366"/>
-                </a:solidFill>
-                <a:latin typeface="Times New Roman" panose="02020603050405020304" pitchFamily="18" charset="0"/>
-                <a:cs typeface="Times New Roman" panose="02020603050405020304" pitchFamily="18" charset="0"/>
-              </a:rPr>
-              <a:t>automation</a:t>
-            </a:r>
-            <a:r>
-              <a:rPr lang="en-US" altLang="zh-TW" sz="2800" kern="0" dirty="0" smtClean="0">
-                <a:solidFill>
-                  <a:srgbClr val="003366"/>
-                </a:solidFill>
-                <a:latin typeface="Times New Roman" panose="02020603050405020304" pitchFamily="18" charset="0"/>
-                <a:cs typeface="Times New Roman" panose="02020603050405020304" pitchFamily="18" charset="0"/>
-              </a:rPr>
-              <a:t/>
+              <a:t>Luminance automation</a:t>
             </a:r>
             <a:br>
               <a:rPr lang="en-US" altLang="zh-TW" sz="2800" kern="0" dirty="0" smtClean="0">
@@ -11499,27 +11459,7 @@
                 <a:latin typeface="Times New Roman" panose="02020603050405020304" pitchFamily="18" charset="0"/>
                 <a:cs typeface="Times New Roman" panose="02020603050405020304" pitchFamily="18" charset="0"/>
               </a:rPr>
-              <a:t>Luminance </a:t>
-            </a:r>
-            <a:r>
-              <a:rPr lang="en-US" altLang="zh-TW" sz="2800" kern="0" dirty="0" smtClean="0">
-                <a:solidFill>
-                  <a:srgbClr val="003366"/>
-                </a:solidFill>
-                <a:latin typeface="Times New Roman" panose="02020603050405020304" pitchFamily="18" charset="0"/>
-                <a:cs typeface="Times New Roman" panose="02020603050405020304" pitchFamily="18" charset="0"/>
-              </a:rPr>
-              <a:t>automation</a:t>
-            </a:r>
-            <a:r>
-              <a:rPr lang="en-US" altLang="zh-TW" sz="2800" kern="0" dirty="0" smtClean="0">
-                <a:solidFill>
-                  <a:srgbClr val="003366"/>
-                </a:solidFill>
-                <a:latin typeface="Times New Roman" panose="02020603050405020304" pitchFamily="18" charset="0"/>
-                <a:cs typeface="Times New Roman" panose="02020603050405020304" pitchFamily="18" charset="0"/>
-              </a:rPr>
-              <a:t/>
+              <a:t>Luminance automation</a:t>
             </a:r>
             <a:br>
               <a:rPr lang="en-US" altLang="zh-TW" sz="2800" kern="0" dirty="0" smtClean="0">
@@ -11932,27 +11872,7 @@
                 <a:latin typeface="Times New Roman" panose="02020603050405020304" pitchFamily="18" charset="0"/>
                 <a:cs typeface="Times New Roman" panose="02020603050405020304" pitchFamily="18" charset="0"/>
               </a:rPr>
-              <a:t>Luminance </a:t>
-            </a:r>
-            <a:r>
-              <a:rPr lang="en-US" altLang="zh-TW" sz="2800" kern="0" dirty="0" smtClean="0">
-                <a:solidFill>
-                  <a:srgbClr val="003366"/>
-                </a:solidFill>
-                <a:latin typeface="Times New Roman" panose="02020603050405020304" pitchFamily="18" charset="0"/>
-                <a:cs typeface="Times New Roman" panose="02020603050405020304" pitchFamily="18" charset="0"/>
-              </a:rPr>
-              <a:t>automation</a:t>
-            </a:r>
-            <a:r>
-              <a:rPr lang="en-US" altLang="zh-TW" sz="2800" kern="0" dirty="0" smtClean="0">
-                <a:solidFill>
-                  <a:srgbClr val="003366"/>
-                </a:solidFill>
-                <a:latin typeface="Times New Roman" panose="02020603050405020304" pitchFamily="18" charset="0"/>
-                <a:cs typeface="Times New Roman" panose="02020603050405020304" pitchFamily="18" charset="0"/>
-              </a:rPr>
-              <a:t/>
+              <a:t>Luminance automation</a:t>
             </a:r>
             <a:br>
               <a:rPr lang="en-US" altLang="zh-TW" sz="2800" kern="0" dirty="0" smtClean="0">
@@ -12181,27 +12101,7 @@
                 <a:latin typeface="Times New Roman" panose="02020603050405020304" pitchFamily="18" charset="0"/>
                 <a:cs typeface="Times New Roman" panose="02020603050405020304" pitchFamily="18" charset="0"/>
               </a:rPr>
-              <a:t>PXE automatic </a:t>
-            </a:r>
-            <a:r>
-              <a:rPr lang="en-US" altLang="zh-TW" sz="2800" kern="0" dirty="0" smtClean="0">
-                <a:solidFill>
-                  <a:srgbClr val="003366"/>
-                </a:solidFill>
-                <a:latin typeface="Times New Roman" panose="02020603050405020304" pitchFamily="18" charset="0"/>
-                <a:cs typeface="Times New Roman" panose="02020603050405020304" pitchFamily="18" charset="0"/>
-              </a:rPr>
-              <a:t>installation</a:t>
-            </a:r>
-            <a:r>
-              <a:rPr lang="en-US" altLang="zh-TW" sz="2800" kern="0" dirty="0" smtClean="0">
-                <a:solidFill>
-                  <a:srgbClr val="003366"/>
-                </a:solidFill>
-                <a:latin typeface="Times New Roman" panose="02020603050405020304" pitchFamily="18" charset="0"/>
-                <a:cs typeface="Times New Roman" panose="02020603050405020304" pitchFamily="18" charset="0"/>
-              </a:rPr>
-              <a:t/>
+              <a:t>PXE automatic installation</a:t>
             </a:r>
             <a:br>
               <a:rPr lang="en-US" altLang="zh-TW" sz="2800" kern="0" dirty="0" smtClean="0">
@@ -12494,27 +12394,7 @@
                 <a:latin typeface="Times New Roman" panose="02020603050405020304" pitchFamily="18" charset="0"/>
                 <a:cs typeface="Times New Roman" panose="02020603050405020304" pitchFamily="18" charset="0"/>
               </a:rPr>
-              <a:t>PXE automatic </a:t>
-            </a:r>
-            <a:r>
-              <a:rPr lang="en-US" altLang="zh-TW" sz="2800" kern="0" dirty="0" smtClean="0">
-                <a:solidFill>
-                  <a:srgbClr val="003366"/>
-                </a:solidFill>
-                <a:latin typeface="Times New Roman" panose="02020603050405020304" pitchFamily="18" charset="0"/>
-                <a:cs typeface="Times New Roman" panose="02020603050405020304" pitchFamily="18" charset="0"/>
-              </a:rPr>
-              <a:t>installation</a:t>
-            </a:r>
-            <a:r>
-              <a:rPr lang="en-US" altLang="zh-TW" sz="2800" kern="0" dirty="0" smtClean="0">
-                <a:solidFill>
-                  <a:srgbClr val="003366"/>
-                </a:solidFill>
-                <a:latin typeface="Times New Roman" panose="02020603050405020304" pitchFamily="18" charset="0"/>
-                <a:cs typeface="Times New Roman" panose="02020603050405020304" pitchFamily="18" charset="0"/>
-              </a:rPr>
-              <a:t/>
+              <a:t>PXE automatic installation</a:t>
             </a:r>
             <a:br>
               <a:rPr lang="en-US" altLang="zh-TW" sz="2800" kern="0" dirty="0" smtClean="0">

--- a/kpi/Test Automation_Demo.pptx
+++ b/kpi/Test Automation_Demo.pptx
@@ -172,7 +172,7 @@
   </p:defaultTextStyle>
   <p:extLst>
     <p:ext uri="{EFAFB233-063F-42B5-8137-9DF3F51BA10A}">
-      <p15:sldGuideLst xmlns="" xmlns:p15="http://schemas.microsoft.com/office/powerpoint/2012/main">
+      <p15:sldGuideLst xmlns:p15="http://schemas.microsoft.com/office/powerpoint/2012/main" xmlns="">
         <p15:guide id="1" orient="horz" pos="1620">
           <p15:clr>
             <a:srgbClr val="A4A3A4"/>
@@ -186,7 +186,7 @@
       </p15:sldGuideLst>
     </p:ext>
     <p:ext uri="{2D200454-40CA-4A62-9FC3-DE9A4176ACB9}">
-      <p15:notesGuideLst xmlns="" xmlns:p15="http://schemas.microsoft.com/office/powerpoint/2012/main">
+      <p15:notesGuideLst xmlns:p15="http://schemas.microsoft.com/office/powerpoint/2012/main" xmlns="">
         <p15:guide id="1" orient="horz" pos="3223">
           <p15:clr>
             <a:srgbClr val="A4A3A4"/>
@@ -7399,7 +7399,7 @@
         <p:spPr>
           <a:xfrm>
             <a:off x="457200" y="87313"/>
-            <a:ext cx="8229600" cy="1205265"/>
+            <a:ext cx="8229600" cy="756000"/>
           </a:xfrm>
         </p:spPr>
         <p:txBody>
@@ -7420,7 +7420,7 @@
               <a:t>Roaming </a:t>
             </a:r>
             <a:r>
-              <a:rPr lang="en-US" altLang="zh-TW" sz="2800" kern="0" dirty="0">
+              <a:rPr lang="en-US" altLang="zh-TW" sz="2800" kern="0" dirty="0" smtClean="0">
                 <a:solidFill>
                   <a:srgbClr val="003366"/>
                 </a:solidFill>
@@ -7429,25 +7429,6 @@
               </a:rPr>
               <a:t>automation</a:t>
             </a:r>
-            <a:r>
-              <a:rPr lang="en-US" altLang="zh-TW" sz="2800" kern="0" dirty="0" smtClean="0">
-                <a:solidFill>
-                  <a:srgbClr val="003366"/>
-                </a:solidFill>
-                <a:latin typeface="Times New Roman" panose="02020603050405020304" pitchFamily="18" charset="0"/>
-                <a:cs typeface="Times New Roman" panose="02020603050405020304" pitchFamily="18" charset="0"/>
-              </a:rPr>
-              <a:t/>
-            </a:r>
-            <a:br>
-              <a:rPr lang="en-US" altLang="zh-TW" sz="2800" kern="0" dirty="0" smtClean="0">
-                <a:solidFill>
-                  <a:srgbClr val="003366"/>
-                </a:solidFill>
-                <a:latin typeface="Times New Roman" panose="02020603050405020304" pitchFamily="18" charset="0"/>
-                <a:cs typeface="Times New Roman" panose="02020603050405020304" pitchFamily="18" charset="0"/>
-              </a:rPr>
-            </a:br>
             <a:endParaRPr lang="zh-TW" altLang="en-US" sz="2800" kern="0" dirty="0">
               <a:solidFill>
                 <a:srgbClr val="003366"/>
@@ -7868,7 +7849,7 @@
         <p:spPr>
           <a:xfrm>
             <a:off x="457200" y="87313"/>
-            <a:ext cx="8229600" cy="1205265"/>
+            <a:ext cx="8229600" cy="756000"/>
           </a:xfrm>
         </p:spPr>
         <p:txBody>
@@ -7889,7 +7870,7 @@
               <a:t>Roaming </a:t>
             </a:r>
             <a:r>
-              <a:rPr lang="en-US" altLang="zh-TW" sz="2800" kern="0" dirty="0">
+              <a:rPr lang="en-US" altLang="zh-TW" sz="2800" kern="0" dirty="0" smtClean="0">
                 <a:solidFill>
                   <a:srgbClr val="003366"/>
                 </a:solidFill>
@@ -7898,25 +7879,6 @@
               </a:rPr>
               <a:t>automation</a:t>
             </a:r>
-            <a:r>
-              <a:rPr lang="en-US" altLang="zh-TW" sz="2800" kern="0" dirty="0" smtClean="0">
-                <a:solidFill>
-                  <a:srgbClr val="003366"/>
-                </a:solidFill>
-                <a:latin typeface="Times New Roman" panose="02020603050405020304" pitchFamily="18" charset="0"/>
-                <a:cs typeface="Times New Roman" panose="02020603050405020304" pitchFamily="18" charset="0"/>
-              </a:rPr>
-              <a:t/>
-            </a:r>
-            <a:br>
-              <a:rPr lang="en-US" altLang="zh-TW" sz="2800" kern="0" dirty="0" smtClean="0">
-                <a:solidFill>
-                  <a:srgbClr val="003366"/>
-                </a:solidFill>
-                <a:latin typeface="Times New Roman" panose="02020603050405020304" pitchFamily="18" charset="0"/>
-                <a:cs typeface="Times New Roman" panose="02020603050405020304" pitchFamily="18" charset="0"/>
-              </a:rPr>
-            </a:br>
             <a:endParaRPr lang="zh-TW" altLang="en-US" sz="2800" kern="0" dirty="0">
               <a:solidFill>
                 <a:srgbClr val="003366"/>
@@ -8270,7 +8232,7 @@
         <p:spPr>
           <a:xfrm>
             <a:off x="457200" y="87313"/>
-            <a:ext cx="8229600" cy="1205265"/>
+            <a:ext cx="8229600" cy="756000"/>
           </a:xfrm>
         </p:spPr>
         <p:txBody>
@@ -8291,7 +8253,7 @@
               <a:t>Roaming </a:t>
             </a:r>
             <a:r>
-              <a:rPr lang="en-US" altLang="zh-TW" sz="2800" kern="0" dirty="0">
+              <a:rPr lang="en-US" altLang="zh-TW" sz="2800" kern="0" dirty="0" smtClean="0">
                 <a:solidFill>
                   <a:srgbClr val="003366"/>
                 </a:solidFill>
@@ -8300,25 +8262,6 @@
               </a:rPr>
               <a:t>automation</a:t>
             </a:r>
-            <a:r>
-              <a:rPr lang="en-US" altLang="zh-TW" sz="2800" kern="0" dirty="0" smtClean="0">
-                <a:solidFill>
-                  <a:srgbClr val="003366"/>
-                </a:solidFill>
-                <a:latin typeface="Times New Roman" panose="02020603050405020304" pitchFamily="18" charset="0"/>
-                <a:cs typeface="Times New Roman" panose="02020603050405020304" pitchFamily="18" charset="0"/>
-              </a:rPr>
-              <a:t/>
-            </a:r>
-            <a:br>
-              <a:rPr lang="en-US" altLang="zh-TW" sz="2800" kern="0" dirty="0" smtClean="0">
-                <a:solidFill>
-                  <a:srgbClr val="003366"/>
-                </a:solidFill>
-                <a:latin typeface="Times New Roman" panose="02020603050405020304" pitchFamily="18" charset="0"/>
-                <a:cs typeface="Times New Roman" panose="02020603050405020304" pitchFamily="18" charset="0"/>
-              </a:rPr>
-            </a:br>
             <a:endParaRPr lang="zh-TW" altLang="en-US" sz="2800" kern="0" dirty="0">
               <a:solidFill>
                 <a:srgbClr val="003366"/>
@@ -8537,7 +8480,7 @@
         <p:spPr>
           <a:xfrm>
             <a:off x="457200" y="87313"/>
-            <a:ext cx="8229600" cy="1205265"/>
+            <a:ext cx="8229600" cy="756000"/>
           </a:xfrm>
         </p:spPr>
         <p:txBody>
@@ -8565,17 +8508,18 @@
                 <a:latin typeface="Times New Roman" panose="02020603050405020304" pitchFamily="18" charset="0"/>
                 <a:cs typeface="Times New Roman" panose="02020603050405020304" pitchFamily="18" charset="0"/>
               </a:rPr>
-              <a:t>on/off mode automation</a:t>
-            </a:r>
-            <a:br>
-              <a:rPr lang="en-US" altLang="zh-TW" sz="2800" kern="0" dirty="0">
+              <a:t>on/off mode </a:t>
+            </a:r>
+            <a:r>
+              <a:rPr lang="en-US" altLang="zh-TW" sz="2800" kern="0" dirty="0" smtClean="0">
                 <a:solidFill>
                   <a:srgbClr val="003366"/>
                 </a:solidFill>
                 <a:latin typeface="Times New Roman" panose="02020603050405020304" pitchFamily="18" charset="0"/>
                 <a:cs typeface="Times New Roman" panose="02020603050405020304" pitchFamily="18" charset="0"/>
               </a:rPr>
-            </a:br>
+              <a:t>automation</a:t>
+            </a:r>
             <a:endParaRPr lang="zh-TW" altLang="en-US" sz="2800" kern="0" dirty="0">
               <a:solidFill>
                 <a:srgbClr val="003366"/>
@@ -8811,7 +8755,7 @@
         <p:spPr>
           <a:xfrm>
             <a:off x="457200" y="87313"/>
-            <a:ext cx="8229600" cy="1205265"/>
+            <a:ext cx="8229600" cy="756000"/>
           </a:xfrm>
         </p:spPr>
         <p:txBody>
@@ -8839,17 +8783,18 @@
                 <a:latin typeface="Times New Roman" panose="02020603050405020304" pitchFamily="18" charset="0"/>
                 <a:cs typeface="Times New Roman" panose="02020603050405020304" pitchFamily="18" charset="0"/>
               </a:rPr>
-              <a:t>on/off mode automation</a:t>
-            </a:r>
-            <a:br>
-              <a:rPr lang="en-US" altLang="zh-TW" sz="2800" kern="0" dirty="0">
+              <a:t>on/off mode </a:t>
+            </a:r>
+            <a:r>
+              <a:rPr lang="en-US" altLang="zh-TW" sz="2800" kern="0" dirty="0" smtClean="0">
                 <a:solidFill>
                   <a:srgbClr val="003366"/>
                 </a:solidFill>
                 <a:latin typeface="Times New Roman" panose="02020603050405020304" pitchFamily="18" charset="0"/>
                 <a:cs typeface="Times New Roman" panose="02020603050405020304" pitchFamily="18" charset="0"/>
               </a:rPr>
-            </a:br>
+              <a:t>automation</a:t>
+            </a:r>
             <a:endParaRPr lang="zh-TW" altLang="en-US" sz="2800" kern="0" dirty="0">
               <a:solidFill>
                 <a:srgbClr val="003366"/>
@@ -9068,7 +9013,7 @@
         <p:spPr>
           <a:xfrm>
             <a:off x="457200" y="87313"/>
-            <a:ext cx="8229600" cy="1205265"/>
+            <a:ext cx="8229600" cy="756000"/>
           </a:xfrm>
         </p:spPr>
         <p:txBody>
@@ -9096,17 +9041,18 @@
                 <a:latin typeface="Times New Roman" panose="02020603050405020304" pitchFamily="18" charset="0"/>
                 <a:cs typeface="Times New Roman" panose="02020603050405020304" pitchFamily="18" charset="0"/>
               </a:rPr>
-              <a:t>on/off mode automation</a:t>
-            </a:r>
-            <a:br>
-              <a:rPr lang="en-US" altLang="zh-TW" sz="2800" kern="0" dirty="0">
+              <a:t>on/off mode </a:t>
+            </a:r>
+            <a:r>
+              <a:rPr lang="en-US" altLang="zh-TW" sz="2800" kern="0" dirty="0" smtClean="0">
                 <a:solidFill>
                   <a:srgbClr val="003366"/>
                 </a:solidFill>
                 <a:latin typeface="Times New Roman" panose="02020603050405020304" pitchFamily="18" charset="0"/>
                 <a:cs typeface="Times New Roman" panose="02020603050405020304" pitchFamily="18" charset="0"/>
               </a:rPr>
-            </a:br>
+              <a:t>automation</a:t>
+            </a:r>
             <a:endParaRPr lang="zh-TW" altLang="en-US" sz="2800" kern="0" dirty="0">
               <a:solidFill>
                 <a:srgbClr val="003366"/>
@@ -9300,7 +9246,7 @@
         <p:spPr>
           <a:xfrm>
             <a:off x="457200" y="87313"/>
-            <a:ext cx="8229600" cy="1205265"/>
+            <a:ext cx="8229600" cy="756000"/>
           </a:xfrm>
         </p:spPr>
         <p:txBody>
@@ -9328,17 +9274,18 @@
                 <a:latin typeface="Times New Roman" panose="02020603050405020304" pitchFamily="18" charset="0"/>
                 <a:cs typeface="Times New Roman" panose="02020603050405020304" pitchFamily="18" charset="0"/>
               </a:rPr>
-              <a:t>on/off mode automation</a:t>
-            </a:r>
-            <a:br>
-              <a:rPr lang="en-US" altLang="zh-TW" sz="2800" kern="0" dirty="0">
+              <a:t>on/off mode </a:t>
+            </a:r>
+            <a:r>
+              <a:rPr lang="en-US" altLang="zh-TW" sz="2800" kern="0" dirty="0" smtClean="0">
                 <a:solidFill>
                   <a:srgbClr val="003366"/>
                 </a:solidFill>
                 <a:latin typeface="Times New Roman" panose="02020603050405020304" pitchFamily="18" charset="0"/>
                 <a:cs typeface="Times New Roman" panose="02020603050405020304" pitchFamily="18" charset="0"/>
               </a:rPr>
-            </a:br>
+              <a:t>automation</a:t>
+            </a:r>
             <a:endParaRPr lang="zh-TW" altLang="en-US" sz="2800" kern="0" dirty="0">
               <a:solidFill>
                 <a:srgbClr val="003366"/>
@@ -9539,7 +9486,7 @@
         <p:spPr>
           <a:xfrm>
             <a:off x="457200" y="87313"/>
-            <a:ext cx="8229600" cy="1205265"/>
+            <a:ext cx="8229600" cy="756000"/>
           </a:xfrm>
         </p:spPr>
         <p:txBody>
@@ -9567,17 +9514,18 @@
                 <a:latin typeface="Times New Roman" panose="02020603050405020304" pitchFamily="18" charset="0"/>
                 <a:cs typeface="Times New Roman" panose="02020603050405020304" pitchFamily="18" charset="0"/>
               </a:rPr>
-              <a:t>frequency switch automation (2.4G, 5G)</a:t>
-            </a:r>
-            <a:br>
-              <a:rPr lang="en-US" altLang="zh-TW" sz="2800" kern="0" dirty="0">
+              <a:t>frequency switch automation (2.4G, 5G</a:t>
+            </a:r>
+            <a:r>
+              <a:rPr lang="en-US" altLang="zh-TW" sz="2800" kern="0" dirty="0" smtClean="0">
                 <a:solidFill>
                   <a:srgbClr val="003366"/>
                 </a:solidFill>
                 <a:latin typeface="Times New Roman" panose="02020603050405020304" pitchFamily="18" charset="0"/>
                 <a:cs typeface="Times New Roman" panose="02020603050405020304" pitchFamily="18" charset="0"/>
               </a:rPr>
-            </a:br>
+              <a:t>)</a:t>
+            </a:r>
             <a:endParaRPr lang="zh-TW" altLang="en-US" sz="2800" kern="0" dirty="0">
               <a:solidFill>
                 <a:srgbClr val="003366"/>
@@ -9778,7 +9726,7 @@
         <p:spPr>
           <a:xfrm>
             <a:off x="457200" y="87313"/>
-            <a:ext cx="8229600" cy="1205265"/>
+            <a:ext cx="8229600" cy="756000"/>
           </a:xfrm>
         </p:spPr>
         <p:txBody>
@@ -9806,17 +9754,18 @@
                 <a:latin typeface="Times New Roman" panose="02020603050405020304" pitchFamily="18" charset="0"/>
                 <a:cs typeface="Times New Roman" panose="02020603050405020304" pitchFamily="18" charset="0"/>
               </a:rPr>
-              <a:t>frequency switch automation (2.4G, 5G)</a:t>
-            </a:r>
-            <a:br>
-              <a:rPr lang="en-US" altLang="zh-TW" sz="2800" kern="0" dirty="0">
+              <a:t>frequency switch automation (2.4G, 5G</a:t>
+            </a:r>
+            <a:r>
+              <a:rPr lang="en-US" altLang="zh-TW" sz="2800" kern="0" dirty="0" smtClean="0">
                 <a:solidFill>
                   <a:srgbClr val="003366"/>
                 </a:solidFill>
                 <a:latin typeface="Times New Roman" panose="02020603050405020304" pitchFamily="18" charset="0"/>
                 <a:cs typeface="Times New Roman" panose="02020603050405020304" pitchFamily="18" charset="0"/>
               </a:rPr>
-            </a:br>
+              <a:t>)</a:t>
+            </a:r>
             <a:endParaRPr lang="zh-TW" altLang="en-US" sz="2800" kern="0" dirty="0">
               <a:solidFill>
                 <a:srgbClr val="003366"/>
@@ -10067,7 +10016,7 @@
         <p:spPr>
           <a:xfrm>
             <a:off x="457200" y="87313"/>
-            <a:ext cx="8229600" cy="1205265"/>
+            <a:ext cx="8229600" cy="756000"/>
           </a:xfrm>
         </p:spPr>
         <p:txBody>
@@ -10085,27 +10034,18 @@
                 <a:latin typeface="Times New Roman" panose="02020603050405020304" pitchFamily="18" charset="0"/>
                 <a:cs typeface="Times New Roman" panose="02020603050405020304" pitchFamily="18" charset="0"/>
               </a:rPr>
-              <a:t>Resolution automation</a:t>
-            </a:r>
-            <a:r>
-              <a:rPr lang="en-US" altLang="zh-TW" sz="2800" kern="0" dirty="0">
+              <a:t>Resolution </a:t>
+            </a:r>
+            <a:r>
+              <a:rPr lang="en-US" altLang="zh-TW" sz="2800" kern="0" dirty="0" smtClean="0">
                 <a:solidFill>
                   <a:srgbClr val="003366"/>
                 </a:solidFill>
                 <a:latin typeface="Times New Roman" panose="02020603050405020304" pitchFamily="18" charset="0"/>
                 <a:cs typeface="Times New Roman" panose="02020603050405020304" pitchFamily="18" charset="0"/>
               </a:rPr>
-              <a:t/>
-            </a:r>
-            <a:br>
-              <a:rPr lang="en-US" altLang="zh-TW" sz="2800" kern="0" dirty="0">
-                <a:solidFill>
-                  <a:srgbClr val="003366"/>
-                </a:solidFill>
-                <a:latin typeface="Times New Roman" panose="02020603050405020304" pitchFamily="18" charset="0"/>
-                <a:cs typeface="Times New Roman" panose="02020603050405020304" pitchFamily="18" charset="0"/>
-              </a:rPr>
-            </a:br>
+              <a:t>automation</a:t>
+            </a:r>
             <a:endParaRPr lang="zh-TW" altLang="en-US" sz="2800" kern="0" dirty="0">
               <a:solidFill>
                 <a:srgbClr val="003366"/>
@@ -10138,7 +10078,7 @@
           <a:graphicData uri="http://schemas.openxmlformats.org/presentationml/2006/ole">
             <mc:AlternateContent xmlns:mc="http://schemas.openxmlformats.org/markup-compatibility/2006">
               <mc:Choice xmlns:v="urn:schemas-microsoft-com:vml" Requires="v">
-                <p:oleObj spid="_x0000_s3087" name="封裝程式殼層物件" showAsIcon="1" r:id="rId4" imgW="671760" imgH="394920" progId="Package">
+                <p:oleObj spid="_x0000_s3090" name="封裝程式殼層物件" showAsIcon="1" r:id="rId4" imgW="671760" imgH="394920" progId="Package">
                   <p:embed/>
                 </p:oleObj>
               </mc:Choice>
@@ -10867,7 +10807,7 @@
         <p:spPr>
           <a:xfrm>
             <a:off x="457200" y="87313"/>
-            <a:ext cx="8229600" cy="1205265"/>
+            <a:ext cx="8229600" cy="756000"/>
           </a:xfrm>
         </p:spPr>
         <p:txBody>
@@ -10885,27 +10825,18 @@
                 <a:latin typeface="Times New Roman" panose="02020603050405020304" pitchFamily="18" charset="0"/>
                 <a:cs typeface="Times New Roman" panose="02020603050405020304" pitchFamily="18" charset="0"/>
               </a:rPr>
-              <a:t>Resolution automation</a:t>
-            </a:r>
-            <a:r>
-              <a:rPr lang="en-US" altLang="zh-TW" sz="2800" kern="0" dirty="0">
+              <a:t>Resolution </a:t>
+            </a:r>
+            <a:r>
+              <a:rPr lang="en-US" altLang="zh-TW" sz="2800" kern="0" dirty="0" smtClean="0">
                 <a:solidFill>
                   <a:srgbClr val="003366"/>
                 </a:solidFill>
                 <a:latin typeface="Times New Roman" panose="02020603050405020304" pitchFamily="18" charset="0"/>
                 <a:cs typeface="Times New Roman" panose="02020603050405020304" pitchFamily="18" charset="0"/>
               </a:rPr>
-              <a:t/>
-            </a:r>
-            <a:br>
-              <a:rPr lang="en-US" altLang="zh-TW" sz="2800" kern="0" dirty="0">
-                <a:solidFill>
-                  <a:srgbClr val="003366"/>
-                </a:solidFill>
-                <a:latin typeface="Times New Roman" panose="02020603050405020304" pitchFamily="18" charset="0"/>
-                <a:cs typeface="Times New Roman" panose="02020603050405020304" pitchFamily="18" charset="0"/>
-              </a:rPr>
-            </a:br>
+              <a:t>automation</a:t>
+            </a:r>
             <a:endParaRPr lang="zh-TW" altLang="en-US" sz="2800" kern="0" dirty="0">
               <a:solidFill>
                 <a:srgbClr val="003366"/>
@@ -11190,7 +11121,7 @@
         <p:spPr>
           <a:xfrm>
             <a:off x="457200" y="87313"/>
-            <a:ext cx="8229600" cy="1205265"/>
+            <a:ext cx="8229600" cy="756000"/>
           </a:xfrm>
         </p:spPr>
         <p:txBody>
@@ -11208,9 +11139,9 @@
                 <a:latin typeface="Times New Roman" panose="02020603050405020304" pitchFamily="18" charset="0"/>
                 <a:cs typeface="Times New Roman" panose="02020603050405020304" pitchFamily="18" charset="0"/>
               </a:rPr>
-              <a:t>Luminance automation</a:t>
-            </a:r>
-            <a:br>
+              <a:t>Luminance </a:t>
+            </a:r>
+            <a:r>
               <a:rPr lang="en-US" altLang="zh-TW" sz="2800" kern="0" dirty="0" smtClean="0">
                 <a:solidFill>
                   <a:srgbClr val="003366"/>
@@ -11218,7 +11149,8 @@
                 <a:latin typeface="Times New Roman" panose="02020603050405020304" pitchFamily="18" charset="0"/>
                 <a:cs typeface="Times New Roman" panose="02020603050405020304" pitchFamily="18" charset="0"/>
               </a:rPr>
-            </a:br>
+              <a:t>automation</a:t>
+            </a:r>
             <a:endParaRPr lang="zh-TW" altLang="en-US" sz="2800" kern="0" dirty="0">
               <a:solidFill>
                 <a:srgbClr val="003366"/>
@@ -11441,7 +11373,7 @@
         <p:spPr>
           <a:xfrm>
             <a:off x="457200" y="87313"/>
-            <a:ext cx="8229600" cy="1205265"/>
+            <a:ext cx="8229600" cy="756000"/>
           </a:xfrm>
         </p:spPr>
         <p:txBody>
@@ -11459,9 +11391,9 @@
                 <a:latin typeface="Times New Roman" panose="02020603050405020304" pitchFamily="18" charset="0"/>
                 <a:cs typeface="Times New Roman" panose="02020603050405020304" pitchFamily="18" charset="0"/>
               </a:rPr>
-              <a:t>Luminance automation</a:t>
-            </a:r>
-            <a:br>
+              <a:t>Luminance </a:t>
+            </a:r>
+            <a:r>
               <a:rPr lang="en-US" altLang="zh-TW" sz="2800" kern="0" dirty="0" smtClean="0">
                 <a:solidFill>
                   <a:srgbClr val="003366"/>
@@ -11469,7 +11401,8 @@
                 <a:latin typeface="Times New Roman" panose="02020603050405020304" pitchFamily="18" charset="0"/>
                 <a:cs typeface="Times New Roman" panose="02020603050405020304" pitchFamily="18" charset="0"/>
               </a:rPr>
-            </a:br>
+              <a:t>automation</a:t>
+            </a:r>
             <a:endParaRPr lang="zh-TW" altLang="en-US" sz="2800" kern="0" dirty="0">
               <a:solidFill>
                 <a:srgbClr val="003366"/>
@@ -11854,7 +11787,7 @@
         <p:spPr>
           <a:xfrm>
             <a:off x="457200" y="87313"/>
-            <a:ext cx="8229600" cy="1205265"/>
+            <a:ext cx="8229600" cy="756000"/>
           </a:xfrm>
         </p:spPr>
         <p:txBody>
@@ -11872,9 +11805,9 @@
                 <a:latin typeface="Times New Roman" panose="02020603050405020304" pitchFamily="18" charset="0"/>
                 <a:cs typeface="Times New Roman" panose="02020603050405020304" pitchFamily="18" charset="0"/>
               </a:rPr>
-              <a:t>Luminance automation</a:t>
-            </a:r>
-            <a:br>
+              <a:t>Luminance </a:t>
+            </a:r>
+            <a:r>
               <a:rPr lang="en-US" altLang="zh-TW" sz="2800" kern="0" dirty="0" smtClean="0">
                 <a:solidFill>
                   <a:srgbClr val="003366"/>
@@ -11882,7 +11815,8 @@
                 <a:latin typeface="Times New Roman" panose="02020603050405020304" pitchFamily="18" charset="0"/>
                 <a:cs typeface="Times New Roman" panose="02020603050405020304" pitchFamily="18" charset="0"/>
               </a:rPr>
-            </a:br>
+              <a:t>automation</a:t>
+            </a:r>
             <a:endParaRPr lang="zh-TW" altLang="en-US" sz="2800" kern="0" dirty="0">
               <a:solidFill>
                 <a:srgbClr val="003366"/>
@@ -12083,7 +12017,7 @@
         <p:spPr>
           <a:xfrm>
             <a:off x="457200" y="87313"/>
-            <a:ext cx="8229600" cy="1205265"/>
+            <a:ext cx="8229600" cy="756000"/>
           </a:xfrm>
         </p:spPr>
         <p:txBody>
@@ -12101,9 +12035,9 @@
                 <a:latin typeface="Times New Roman" panose="02020603050405020304" pitchFamily="18" charset="0"/>
                 <a:cs typeface="Times New Roman" panose="02020603050405020304" pitchFamily="18" charset="0"/>
               </a:rPr>
-              <a:t>PXE automatic installation</a:t>
-            </a:r>
-            <a:br>
+              <a:t>PXE automatic </a:t>
+            </a:r>
+            <a:r>
               <a:rPr lang="en-US" altLang="zh-TW" sz="2800" kern="0" dirty="0" smtClean="0">
                 <a:solidFill>
                   <a:srgbClr val="003366"/>
@@ -12111,7 +12045,8 @@
                 <a:latin typeface="Times New Roman" panose="02020603050405020304" pitchFamily="18" charset="0"/>
                 <a:cs typeface="Times New Roman" panose="02020603050405020304" pitchFamily="18" charset="0"/>
               </a:rPr>
-            </a:br>
+              <a:t>installation</a:t>
+            </a:r>
             <a:endParaRPr lang="zh-TW" altLang="en-US" sz="2800" kern="0" dirty="0">
               <a:solidFill>
                 <a:srgbClr val="003366"/>
@@ -12376,7 +12311,7 @@
         <p:spPr>
           <a:xfrm>
             <a:off x="457200" y="87313"/>
-            <a:ext cx="8229600" cy="1205265"/>
+            <a:ext cx="8229600" cy="756000"/>
           </a:xfrm>
         </p:spPr>
         <p:txBody>
@@ -12394,9 +12329,9 @@
                 <a:latin typeface="Times New Roman" panose="02020603050405020304" pitchFamily="18" charset="0"/>
                 <a:cs typeface="Times New Roman" panose="02020603050405020304" pitchFamily="18" charset="0"/>
               </a:rPr>
-              <a:t>PXE automatic installation</a:t>
-            </a:r>
-            <a:br>
+              <a:t>PXE automatic </a:t>
+            </a:r>
+            <a:r>
               <a:rPr lang="en-US" altLang="zh-TW" sz="2800" kern="0" dirty="0" smtClean="0">
                 <a:solidFill>
                   <a:srgbClr val="003366"/>
@@ -12404,7 +12339,8 @@
                 <a:latin typeface="Times New Roman" panose="02020603050405020304" pitchFamily="18" charset="0"/>
                 <a:cs typeface="Times New Roman" panose="02020603050405020304" pitchFamily="18" charset="0"/>
               </a:rPr>
-            </a:br>
+              <a:t>installation</a:t>
+            </a:r>
             <a:endParaRPr lang="zh-TW" altLang="en-US" sz="2800" kern="0" dirty="0">
               <a:solidFill>
                 <a:srgbClr val="003366"/>
@@ -12605,7 +12541,7 @@
         <p:spPr>
           <a:xfrm>
             <a:off x="457200" y="87313"/>
-            <a:ext cx="8229600" cy="1205265"/>
+            <a:ext cx="8229600" cy="756000"/>
           </a:xfrm>
         </p:spPr>
         <p:txBody>
@@ -12633,9 +12569,9 @@
                 <a:latin typeface="Times New Roman" panose="02020603050405020304" pitchFamily="18" charset="0"/>
                 <a:cs typeface="Times New Roman" panose="02020603050405020304" pitchFamily="18" charset="0"/>
               </a:rPr>
-              <a:t> Automation</a:t>
-            </a:r>
-            <a:br>
+              <a:t> </a:t>
+            </a:r>
+            <a:r>
               <a:rPr lang="en-US" altLang="zh-TW" sz="2800" kern="0" dirty="0" smtClean="0">
                 <a:solidFill>
                   <a:srgbClr val="003366"/>
@@ -12643,7 +12579,8 @@
                 <a:latin typeface="Times New Roman" panose="02020603050405020304" pitchFamily="18" charset="0"/>
                 <a:cs typeface="Times New Roman" panose="02020603050405020304" pitchFamily="18" charset="0"/>
               </a:rPr>
-            </a:br>
+              <a:t>Automation</a:t>
+            </a:r>
             <a:endParaRPr lang="zh-TW" altLang="en-US" sz="2800" kern="0" dirty="0">
               <a:solidFill>
                 <a:srgbClr val="003366"/>
@@ -12833,7 +12770,7 @@
         <p:spPr>
           <a:xfrm>
             <a:off x="457200" y="87313"/>
-            <a:ext cx="8229600" cy="1205265"/>
+            <a:ext cx="8229600" cy="756000"/>
           </a:xfrm>
         </p:spPr>
         <p:txBody>
@@ -12861,9 +12798,9 @@
                 <a:latin typeface="Times New Roman" panose="02020603050405020304" pitchFamily="18" charset="0"/>
                 <a:cs typeface="Times New Roman" panose="02020603050405020304" pitchFamily="18" charset="0"/>
               </a:rPr>
-              <a:t> Automation</a:t>
-            </a:r>
-            <a:br>
+              <a:t> </a:t>
+            </a:r>
+            <a:r>
               <a:rPr lang="en-US" altLang="zh-TW" sz="2800" kern="0" dirty="0" smtClean="0">
                 <a:solidFill>
                   <a:srgbClr val="003366"/>
@@ -12871,7 +12808,8 @@
                 <a:latin typeface="Times New Roman" panose="02020603050405020304" pitchFamily="18" charset="0"/>
                 <a:cs typeface="Times New Roman" panose="02020603050405020304" pitchFamily="18" charset="0"/>
               </a:rPr>
-            </a:br>
+              <a:t>Automation</a:t>
+            </a:r>
             <a:endParaRPr lang="zh-TW" altLang="en-US" sz="2800" kern="0" dirty="0">
               <a:solidFill>
                 <a:srgbClr val="003366"/>
@@ -13068,7 +13006,7 @@
         <p:spPr>
           <a:xfrm>
             <a:off x="457200" y="87313"/>
-            <a:ext cx="8229600" cy="1205265"/>
+            <a:ext cx="8229600" cy="756000"/>
           </a:xfrm>
         </p:spPr>
         <p:txBody>
@@ -13089,34 +13027,15 @@
               <a:t>Continuous </a:t>
             </a:r>
             <a:r>
-              <a:rPr lang="en-US" altLang="zh-TW" sz="2800" kern="0" dirty="0">
+              <a:rPr lang="en-US" altLang="zh-TW" sz="2800" kern="0" dirty="0" smtClean="0">
                 <a:solidFill>
                   <a:srgbClr val="003366"/>
                 </a:solidFill>
                 <a:latin typeface="Times New Roman" panose="02020603050405020304" pitchFamily="18" charset="0"/>
                 <a:cs typeface="Times New Roman" panose="02020603050405020304" pitchFamily="18" charset="0"/>
               </a:rPr>
-              <a:t>I</a:t>
-            </a:r>
-            <a:r>
-              <a:rPr lang="en-US" altLang="zh-TW" sz="2800" kern="0" dirty="0" smtClean="0">
-                <a:solidFill>
-                  <a:srgbClr val="003366"/>
-                </a:solidFill>
-                <a:latin typeface="Times New Roman" panose="02020603050405020304" pitchFamily="18" charset="0"/>
-                <a:cs typeface="Times New Roman" panose="02020603050405020304" pitchFamily="18" charset="0"/>
-              </a:rPr>
-              <a:t>ntegration</a:t>
-            </a:r>
-            <a:br>
-              <a:rPr lang="en-US" altLang="zh-TW" sz="2800" kern="0" dirty="0" smtClean="0">
-                <a:solidFill>
-                  <a:srgbClr val="003366"/>
-                </a:solidFill>
-                <a:latin typeface="Times New Roman" panose="02020603050405020304" pitchFamily="18" charset="0"/>
-                <a:cs typeface="Times New Roman" panose="02020603050405020304" pitchFamily="18" charset="0"/>
-              </a:rPr>
-            </a:br>
+              <a:t>Integration</a:t>
+            </a:r>
             <a:endParaRPr lang="zh-TW" altLang="en-US" sz="2800" kern="0" dirty="0">
               <a:solidFill>
                 <a:srgbClr val="003366"/>
@@ -13313,7 +13232,7 @@
         <p:spPr>
           <a:xfrm>
             <a:off x="457200" y="87313"/>
-            <a:ext cx="8229600" cy="1205265"/>
+            <a:ext cx="8229600" cy="756000"/>
           </a:xfrm>
         </p:spPr>
         <p:txBody>
@@ -13331,9 +13250,9 @@
                 <a:latin typeface="Times New Roman" panose="02020603050405020304" pitchFamily="18" charset="0"/>
                 <a:cs typeface="Times New Roman" panose="02020603050405020304" pitchFamily="18" charset="0"/>
               </a:rPr>
-              <a:t>Continuous Integration</a:t>
-            </a:r>
-            <a:br>
+              <a:t>Continuous </a:t>
+            </a:r>
+            <a:r>
               <a:rPr lang="en-US" altLang="zh-TW" sz="2800" kern="0" dirty="0" smtClean="0">
                 <a:solidFill>
                   <a:srgbClr val="003366"/>
@@ -13341,7 +13260,8 @@
                 <a:latin typeface="Times New Roman" panose="02020603050405020304" pitchFamily="18" charset="0"/>
                 <a:cs typeface="Times New Roman" panose="02020603050405020304" pitchFamily="18" charset="0"/>
               </a:rPr>
-            </a:br>
+              <a:t>Integration</a:t>
+            </a:r>
             <a:endParaRPr lang="zh-TW" altLang="en-US" sz="2800" kern="0" dirty="0">
               <a:solidFill>
                 <a:srgbClr val="003366"/>
@@ -14047,7 +13967,7 @@
         <p:spPr>
           <a:xfrm>
             <a:off x="457200" y="87313"/>
-            <a:ext cx="8229600" cy="1205265"/>
+            <a:ext cx="8229600" cy="756000"/>
           </a:xfrm>
         </p:spPr>
         <p:txBody>
@@ -14075,7 +13995,7 @@
                 <a:latin typeface="Times New Roman" panose="02020603050405020304" pitchFamily="18" charset="0"/>
                 <a:cs typeface="Times New Roman" panose="02020603050405020304" pitchFamily="18" charset="0"/>
               </a:rPr>
-              <a:t>Tools hyperlink</a:t>
+              <a:t>Tools </a:t>
             </a:r>
             <a:r>
               <a:rPr lang="en-US" altLang="zh-TW" sz="2800" kern="0" dirty="0" smtClean="0">
@@ -14085,17 +14005,8 @@
                 <a:latin typeface="Times New Roman" panose="02020603050405020304" pitchFamily="18" charset="0"/>
                 <a:cs typeface="Times New Roman" panose="02020603050405020304" pitchFamily="18" charset="0"/>
               </a:rPr>
-              <a:t/>
-            </a:r>
-            <a:br>
-              <a:rPr lang="en-US" altLang="zh-TW" sz="2800" kern="0" dirty="0" smtClean="0">
-                <a:solidFill>
-                  <a:srgbClr val="003366"/>
-                </a:solidFill>
-                <a:latin typeface="Times New Roman" panose="02020603050405020304" pitchFamily="18" charset="0"/>
-                <a:cs typeface="Times New Roman" panose="02020603050405020304" pitchFamily="18" charset="0"/>
-              </a:rPr>
-            </a:br>
+              <a:t>hyperlink</a:t>
+            </a:r>
             <a:endParaRPr lang="zh-TW" altLang="en-US" sz="2800" kern="0" dirty="0">
               <a:solidFill>
                 <a:srgbClr val="003366"/>
@@ -17629,7 +17540,7 @@
         <p:spPr>
           <a:xfrm>
             <a:off x="457200" y="87313"/>
-            <a:ext cx="8229600" cy="1205265"/>
+            <a:ext cx="8229600" cy="756000"/>
           </a:xfrm>
         </p:spPr>
         <p:txBody>
@@ -17667,9 +17578,9 @@
                 <a:latin typeface="Times New Roman" panose="02020603050405020304" pitchFamily="18" charset="0"/>
                 <a:cs typeface="Times New Roman" panose="02020603050405020304" pitchFamily="18" charset="0"/>
               </a:rPr>
-              <a:t>for Introduction &amp; Demo</a:t>
-            </a:r>
-            <a:br>
+              <a:t>for Introduction &amp; </a:t>
+            </a:r>
+            <a:r>
               <a:rPr lang="en-US" altLang="zh-TW" sz="2800" kern="0" dirty="0" smtClean="0">
                 <a:solidFill>
                   <a:srgbClr val="003366"/>
@@ -17677,7 +17588,8 @@
                 <a:latin typeface="Times New Roman" panose="02020603050405020304" pitchFamily="18" charset="0"/>
                 <a:cs typeface="Times New Roman" panose="02020603050405020304" pitchFamily="18" charset="0"/>
               </a:rPr>
-            </a:br>
+              <a:t>Demo</a:t>
+            </a:r>
             <a:endParaRPr lang="zh-TW" altLang="en-US" sz="2800" kern="0" dirty="0">
               <a:solidFill>
                 <a:srgbClr val="003366"/>
@@ -17878,7 +17790,7 @@
         <p:spPr>
           <a:xfrm>
             <a:off x="457200" y="87313"/>
-            <a:ext cx="8229600" cy="1205265"/>
+            <a:ext cx="8229600" cy="756000"/>
           </a:xfrm>
         </p:spPr>
         <p:txBody>
@@ -17896,9 +17808,9 @@
                 <a:latin typeface="Times New Roman" panose="02020603050405020304" pitchFamily="18" charset="0"/>
                 <a:cs typeface="Times New Roman" panose="02020603050405020304" pitchFamily="18" charset="0"/>
               </a:rPr>
-              <a:t>Roaming automation</a:t>
-            </a:r>
-            <a:br>
+              <a:t>Roaming </a:t>
+            </a:r>
+            <a:r>
               <a:rPr lang="en-US" altLang="zh-TW" sz="2800" kern="0" dirty="0" smtClean="0">
                 <a:solidFill>
                   <a:srgbClr val="003366"/>
@@ -17906,7 +17818,8 @@
                 <a:latin typeface="Times New Roman" panose="02020603050405020304" pitchFamily="18" charset="0"/>
                 <a:cs typeface="Times New Roman" panose="02020603050405020304" pitchFamily="18" charset="0"/>
               </a:rPr>
-            </a:br>
+              <a:t>automation</a:t>
+            </a:r>
             <a:endParaRPr lang="zh-TW" altLang="en-US" sz="2800" kern="0" dirty="0">
               <a:solidFill>
                 <a:srgbClr val="003366"/>

--- a/kpi/Test Automation_Demo.pptx
+++ b/kpi/Test Automation_Demo.pptx
@@ -5,10 +5,10 @@
     <p:sldMasterId id="2147484176" r:id="rId1"/>
   </p:sldMasterIdLst>
   <p:notesMasterIdLst>
-    <p:notesMasterId r:id="rId33"/>
+    <p:notesMasterId r:id="rId34"/>
   </p:notesMasterIdLst>
   <p:handoutMasterIdLst>
-    <p:handoutMasterId r:id="rId34"/>
+    <p:handoutMasterId r:id="rId35"/>
   </p:handoutMasterIdLst>
   <p:sldIdLst>
     <p:sldId id="524" r:id="rId2"/>
@@ -20,28 +20,29 @@
     <p:sldId id="532" r:id="rId8"/>
     <p:sldId id="550" r:id="rId9"/>
     <p:sldId id="552" r:id="rId10"/>
-    <p:sldId id="561" r:id="rId11"/>
-    <p:sldId id="562" r:id="rId12"/>
-    <p:sldId id="574" r:id="rId13"/>
-    <p:sldId id="553" r:id="rId14"/>
-    <p:sldId id="573" r:id="rId15"/>
-    <p:sldId id="564" r:id="rId16"/>
-    <p:sldId id="572" r:id="rId17"/>
-    <p:sldId id="560" r:id="rId18"/>
-    <p:sldId id="571" r:id="rId19"/>
-    <p:sldId id="555" r:id="rId20"/>
-    <p:sldId id="570" r:id="rId21"/>
-    <p:sldId id="556" r:id="rId22"/>
-    <p:sldId id="575" r:id="rId23"/>
-    <p:sldId id="569" r:id="rId24"/>
-    <p:sldId id="557" r:id="rId25"/>
-    <p:sldId id="568" r:id="rId26"/>
-    <p:sldId id="565" r:id="rId27"/>
-    <p:sldId id="567" r:id="rId28"/>
-    <p:sldId id="559" r:id="rId29"/>
-    <p:sldId id="566" r:id="rId30"/>
-    <p:sldId id="551" r:id="rId31"/>
-    <p:sldId id="523" r:id="rId32"/>
+    <p:sldId id="576" r:id="rId11"/>
+    <p:sldId id="561" r:id="rId12"/>
+    <p:sldId id="562" r:id="rId13"/>
+    <p:sldId id="574" r:id="rId14"/>
+    <p:sldId id="560" r:id="rId15"/>
+    <p:sldId id="571" r:id="rId16"/>
+    <p:sldId id="553" r:id="rId17"/>
+    <p:sldId id="573" r:id="rId18"/>
+    <p:sldId id="564" r:id="rId19"/>
+    <p:sldId id="572" r:id="rId20"/>
+    <p:sldId id="555" r:id="rId21"/>
+    <p:sldId id="570" r:id="rId22"/>
+    <p:sldId id="556" r:id="rId23"/>
+    <p:sldId id="575" r:id="rId24"/>
+    <p:sldId id="569" r:id="rId25"/>
+    <p:sldId id="557" r:id="rId26"/>
+    <p:sldId id="568" r:id="rId27"/>
+    <p:sldId id="565" r:id="rId28"/>
+    <p:sldId id="567" r:id="rId29"/>
+    <p:sldId id="559" r:id="rId30"/>
+    <p:sldId id="566" r:id="rId31"/>
+    <p:sldId id="551" r:id="rId32"/>
+    <p:sldId id="523" r:id="rId33"/>
   </p:sldIdLst>
   <p:sldSz cx="9144000" cy="5143500" type="screen16x9"/>
   <p:notesSz cx="7099300" cy="10234613"/>
@@ -172,7 +173,7 @@
   </p:defaultTextStyle>
   <p:extLst>
     <p:ext uri="{EFAFB233-063F-42B5-8137-9DF3F51BA10A}">
-      <p15:sldGuideLst xmlns:p15="http://schemas.microsoft.com/office/powerpoint/2012/main" xmlns="">
+      <p15:sldGuideLst xmlns="" xmlns:p15="http://schemas.microsoft.com/office/powerpoint/2012/main">
         <p15:guide id="1" orient="horz" pos="1620">
           <p15:clr>
             <a:srgbClr val="A4A3A4"/>
@@ -186,7 +187,7 @@
       </p15:sldGuideLst>
     </p:ext>
     <p:ext uri="{2D200454-40CA-4A62-9FC3-DE9A4176ACB9}">
-      <p15:notesGuideLst xmlns:p15="http://schemas.microsoft.com/office/powerpoint/2012/main" xmlns="">
+      <p15:notesGuideLst xmlns="" xmlns:p15="http://schemas.microsoft.com/office/powerpoint/2012/main">
         <p15:guide id="1" orient="horz" pos="3223">
           <p15:clr>
             <a:srgbClr val="A4A3A4"/>
@@ -2843,6 +2844,91 @@
     </p:spTree>
     <p:extLst>
       <p:ext uri="{BB962C8B-B14F-4D97-AF65-F5344CB8AC3E}">
+        <p14:creationId xmlns:p14="http://schemas.microsoft.com/office/powerpoint/2010/main" val="1957161656"/>
+      </p:ext>
+    </p:extLst>
+  </p:cSld>
+  <p:clrMapOvr>
+    <a:masterClrMapping/>
+  </p:clrMapOvr>
+</p:notes>
+</file>
+
+<file path=ppt/notesSlides/notesSlide29.xml><?xml version="1.0" encoding="utf-8"?>
+<p:notes xmlns:a="http://schemas.openxmlformats.org/drawingml/2006/main" xmlns:r="http://schemas.openxmlformats.org/officeDocument/2006/relationships" xmlns:p="http://schemas.openxmlformats.org/presentationml/2006/main">
+  <p:cSld>
+    <p:spTree>
+      <p:nvGrpSpPr>
+        <p:cNvPr id="1" name=""/>
+        <p:cNvGrpSpPr/>
+        <p:nvPr/>
+      </p:nvGrpSpPr>
+      <p:grpSpPr>
+        <a:xfrm>
+          <a:off x="0" y="0"/>
+          <a:ext cx="0" cy="0"/>
+          <a:chOff x="0" y="0"/>
+          <a:chExt cx="0" cy="0"/>
+        </a:xfrm>
+      </p:grpSpPr>
+      <p:sp>
+        <p:nvSpPr>
+          <p:cNvPr id="2" name="投影片圖像版面配置區 1"/>
+          <p:cNvSpPr>
+            <a:spLocks noGrp="1" noRot="1" noChangeAspect="1"/>
+          </p:cNvSpPr>
+          <p:nvPr>
+            <p:ph type="sldImg"/>
+          </p:nvPr>
+        </p:nvSpPr>
+        <p:spPr/>
+      </p:sp>
+      <p:sp>
+        <p:nvSpPr>
+          <p:cNvPr id="3" name="備忘稿版面配置區 2"/>
+          <p:cNvSpPr>
+            <a:spLocks noGrp="1"/>
+          </p:cNvSpPr>
+          <p:nvPr>
+            <p:ph type="body" idx="1"/>
+          </p:nvPr>
+        </p:nvSpPr>
+        <p:spPr/>
+        <p:txBody>
+          <a:bodyPr/>
+          <a:lstStyle/>
+          <a:p>
+            <a:endParaRPr lang="zh-TW" altLang="en-US" dirty="0"/>
+          </a:p>
+        </p:txBody>
+      </p:sp>
+      <p:sp>
+        <p:nvSpPr>
+          <p:cNvPr id="4" name="投影片編號版面配置區 3"/>
+          <p:cNvSpPr>
+            <a:spLocks noGrp="1"/>
+          </p:cNvSpPr>
+          <p:nvPr>
+            <p:ph type="sldNum" sz="quarter" idx="10"/>
+          </p:nvPr>
+        </p:nvSpPr>
+        <p:spPr/>
+        <p:txBody>
+          <a:bodyPr/>
+          <a:lstStyle/>
+          <a:p>
+            <a:fld id="{5FAE23DA-1601-498D-B2E3-972800982184}" type="slidenum">
+              <a:rPr lang="en-US" altLang="zh-TW" smtClean="0"/>
+              <a:pPr/>
+              <a:t>31</a:t>
+            </a:fld>
+            <a:endParaRPr lang="en-US" altLang="zh-TW"/>
+          </a:p>
+        </p:txBody>
+      </p:sp>
+    </p:spTree>
+    <p:extLst>
+      <p:ext uri="{BB962C8B-B14F-4D97-AF65-F5344CB8AC3E}">
         <p14:creationId xmlns:p14="http://schemas.microsoft.com/office/powerpoint/2010/main" val="770017496"/>
       </p:ext>
     </p:extLst>
@@ -2853,7 +2939,92 @@
 </p:notes>
 </file>
 
-<file path=ppt/notesSlides/notesSlide29.xml><?xml version="1.0" encoding="utf-8"?>
+<file path=ppt/notesSlides/notesSlide3.xml><?xml version="1.0" encoding="utf-8"?>
+<p:notes xmlns:a="http://schemas.openxmlformats.org/drawingml/2006/main" xmlns:r="http://schemas.openxmlformats.org/officeDocument/2006/relationships" xmlns:p="http://schemas.openxmlformats.org/presentationml/2006/main">
+  <p:cSld>
+    <p:spTree>
+      <p:nvGrpSpPr>
+        <p:cNvPr id="1" name=""/>
+        <p:cNvGrpSpPr/>
+        <p:nvPr/>
+      </p:nvGrpSpPr>
+      <p:grpSpPr>
+        <a:xfrm>
+          <a:off x="0" y="0"/>
+          <a:ext cx="0" cy="0"/>
+          <a:chOff x="0" y="0"/>
+          <a:chExt cx="0" cy="0"/>
+        </a:xfrm>
+      </p:grpSpPr>
+      <p:sp>
+        <p:nvSpPr>
+          <p:cNvPr id="2" name="投影片圖像版面配置區 1"/>
+          <p:cNvSpPr>
+            <a:spLocks noGrp="1" noRot="1" noChangeAspect="1"/>
+          </p:cNvSpPr>
+          <p:nvPr>
+            <p:ph type="sldImg"/>
+          </p:nvPr>
+        </p:nvSpPr>
+        <p:spPr/>
+      </p:sp>
+      <p:sp>
+        <p:nvSpPr>
+          <p:cNvPr id="3" name="備忘稿版面配置區 2"/>
+          <p:cNvSpPr>
+            <a:spLocks noGrp="1"/>
+          </p:cNvSpPr>
+          <p:nvPr>
+            <p:ph type="body" idx="1"/>
+          </p:nvPr>
+        </p:nvSpPr>
+        <p:spPr/>
+        <p:txBody>
+          <a:bodyPr/>
+          <a:lstStyle/>
+          <a:p>
+            <a:endParaRPr lang="en-US" altLang="zh-TW" dirty="0" smtClean="0"/>
+          </a:p>
+        </p:txBody>
+      </p:sp>
+      <p:sp>
+        <p:nvSpPr>
+          <p:cNvPr id="4" name="投影片編號版面配置區 3"/>
+          <p:cNvSpPr>
+            <a:spLocks noGrp="1"/>
+          </p:cNvSpPr>
+          <p:nvPr>
+            <p:ph type="sldNum" sz="quarter" idx="10"/>
+          </p:nvPr>
+        </p:nvSpPr>
+        <p:spPr/>
+        <p:txBody>
+          <a:bodyPr/>
+          <a:lstStyle/>
+          <a:p>
+            <a:fld id="{5FAE23DA-1601-498D-B2E3-972800982184}" type="slidenum">
+              <a:rPr lang="en-US" altLang="zh-TW" smtClean="0"/>
+              <a:pPr/>
+              <a:t>4</a:t>
+            </a:fld>
+            <a:endParaRPr lang="en-US" altLang="zh-TW"/>
+          </a:p>
+        </p:txBody>
+      </p:sp>
+    </p:spTree>
+    <p:extLst>
+      <p:ext uri="{BB962C8B-B14F-4D97-AF65-F5344CB8AC3E}">
+        <p14:creationId xmlns:p14="http://schemas.microsoft.com/office/powerpoint/2010/main" val="994676404"/>
+      </p:ext>
+    </p:extLst>
+  </p:cSld>
+  <p:clrMapOvr>
+    <a:masterClrMapping/>
+  </p:clrMapOvr>
+</p:notes>
+</file>
+
+<file path=ppt/notesSlides/notesSlide30.xml><?xml version="1.0" encoding="utf-8"?>
 <p:notes xmlns:a="http://schemas.openxmlformats.org/drawingml/2006/main" xmlns:r="http://schemas.openxmlformats.org/officeDocument/2006/relationships" xmlns:p="http://schemas.openxmlformats.org/presentationml/2006/main">
   <p:cSld>
     <p:spTree>
@@ -3099,7 +3270,7 @@
                   <a:spcPct val="0"/>
                 </a:spcBef>
               </a:pPr>
-              <a:t>31</a:t>
+              <a:t>32</a:t>
             </a:fld>
             <a:endParaRPr lang="en-US" altLang="zh-TW" sz="1300">
               <a:latin typeface="Garamond" panose="02020404030301010803" pitchFamily="18" charset="0"/>
@@ -3108,91 +3279,6 @@
         </p:txBody>
       </p:sp>
     </p:spTree>
-  </p:cSld>
-  <p:clrMapOvr>
-    <a:masterClrMapping/>
-  </p:clrMapOvr>
-</p:notes>
-</file>
-
-<file path=ppt/notesSlides/notesSlide3.xml><?xml version="1.0" encoding="utf-8"?>
-<p:notes xmlns:a="http://schemas.openxmlformats.org/drawingml/2006/main" xmlns:r="http://schemas.openxmlformats.org/officeDocument/2006/relationships" xmlns:p="http://schemas.openxmlformats.org/presentationml/2006/main">
-  <p:cSld>
-    <p:spTree>
-      <p:nvGrpSpPr>
-        <p:cNvPr id="1" name=""/>
-        <p:cNvGrpSpPr/>
-        <p:nvPr/>
-      </p:nvGrpSpPr>
-      <p:grpSpPr>
-        <a:xfrm>
-          <a:off x="0" y="0"/>
-          <a:ext cx="0" cy="0"/>
-          <a:chOff x="0" y="0"/>
-          <a:chExt cx="0" cy="0"/>
-        </a:xfrm>
-      </p:grpSpPr>
-      <p:sp>
-        <p:nvSpPr>
-          <p:cNvPr id="2" name="投影片圖像版面配置區 1"/>
-          <p:cNvSpPr>
-            <a:spLocks noGrp="1" noRot="1" noChangeAspect="1"/>
-          </p:cNvSpPr>
-          <p:nvPr>
-            <p:ph type="sldImg"/>
-          </p:nvPr>
-        </p:nvSpPr>
-        <p:spPr/>
-      </p:sp>
-      <p:sp>
-        <p:nvSpPr>
-          <p:cNvPr id="3" name="備忘稿版面配置區 2"/>
-          <p:cNvSpPr>
-            <a:spLocks noGrp="1"/>
-          </p:cNvSpPr>
-          <p:nvPr>
-            <p:ph type="body" idx="1"/>
-          </p:nvPr>
-        </p:nvSpPr>
-        <p:spPr/>
-        <p:txBody>
-          <a:bodyPr/>
-          <a:lstStyle/>
-          <a:p>
-            <a:endParaRPr lang="en-US" altLang="zh-TW" dirty="0" smtClean="0"/>
-          </a:p>
-        </p:txBody>
-      </p:sp>
-      <p:sp>
-        <p:nvSpPr>
-          <p:cNvPr id="4" name="投影片編號版面配置區 3"/>
-          <p:cNvSpPr>
-            <a:spLocks noGrp="1"/>
-          </p:cNvSpPr>
-          <p:nvPr>
-            <p:ph type="sldNum" sz="quarter" idx="10"/>
-          </p:nvPr>
-        </p:nvSpPr>
-        <p:spPr/>
-        <p:txBody>
-          <a:bodyPr/>
-          <a:lstStyle/>
-          <a:p>
-            <a:fld id="{5FAE23DA-1601-498D-B2E3-972800982184}" type="slidenum">
-              <a:rPr lang="en-US" altLang="zh-TW" smtClean="0"/>
-              <a:pPr/>
-              <a:t>4</a:t>
-            </a:fld>
-            <a:endParaRPr lang="en-US" altLang="zh-TW"/>
-          </a:p>
-        </p:txBody>
-      </p:sp>
-    </p:spTree>
-    <p:extLst>
-      <p:ext uri="{BB962C8B-B14F-4D97-AF65-F5344CB8AC3E}">
-        <p14:creationId xmlns:p14="http://schemas.microsoft.com/office/powerpoint/2010/main" val="994676404"/>
-      </p:ext>
-    </p:extLst>
   </p:cSld>
   <p:clrMapOvr>
     <a:masterClrMapping/>
@@ -7223,7 +7309,7 @@
                                     </p:set>
                                     <p:animEffect transition="in" filter="fade">
                                       <p:cBhvr>
-                                        <p:cTn id="7" dur="1000"/>
+                                        <p:cTn id="7" dur="250"/>
                                         <p:tgtEl>
                                           <p:spTgt spid="3">
                                             <p:txEl>
@@ -7235,7 +7321,7 @@
                                     </p:animEffect>
                                     <p:anim calcmode="lin" valueType="num">
                                       <p:cBhvr>
-                                        <p:cTn id="8" dur="1000" fill="hold"/>
+                                        <p:cTn id="8" dur="250" fill="hold"/>
                                         <p:tgtEl>
                                           <p:spTgt spid="3">
                                             <p:txEl>
@@ -7262,7 +7348,7 @@
                                     </p:anim>
                                     <p:anim calcmode="lin" valueType="num">
                                       <p:cBhvr>
-                                        <p:cTn id="9" dur="1000" fill="hold"/>
+                                        <p:cTn id="9" dur="250" fill="hold"/>
                                         <p:tgtEl>
                                           <p:spTgt spid="3">
                                             <p:txEl>
@@ -7367,16 +7453,42 @@
               <a:defRPr/>
             </a:pPr>
             <a:r>
+              <a:rPr lang="en-US" altLang="zh-TW" sz="1800" dirty="0">
+                <a:latin typeface="Times New Roman" panose="02020603050405020304" pitchFamily="18" charset="0"/>
+                <a:cs typeface="Times New Roman" panose="02020603050405020304" pitchFamily="18" charset="0"/>
+              </a:rPr>
+              <a:t>Selenium’s </a:t>
+            </a:r>
+            <a:r>
               <a:rPr lang="en-US" altLang="zh-TW" sz="1800" dirty="0" smtClean="0">
                 <a:latin typeface="Times New Roman" panose="02020603050405020304" pitchFamily="18" charset="0"/>
                 <a:cs typeface="Times New Roman" panose="02020603050405020304" pitchFamily="18" charset="0"/>
               </a:rPr>
-              <a:t>The roaming’s log as below:</a:t>
-            </a:r>
-          </a:p>
-          <a:p>
-            <a:pPr marL="0" indent="0" eaLnBrk="1" hangingPunct="1">
-              <a:buNone/>
+              <a:t>web driver </a:t>
+            </a:r>
+            <a:r>
+              <a:rPr lang="en-US" altLang="zh-TW" sz="1800" dirty="0">
+                <a:latin typeface="Times New Roman" panose="02020603050405020304" pitchFamily="18" charset="0"/>
+                <a:cs typeface="Times New Roman" panose="02020603050405020304" pitchFamily="18" charset="0"/>
+              </a:rPr>
+              <a:t>application and </a:t>
+            </a:r>
+            <a:r>
+              <a:rPr lang="en-US" altLang="zh-TW" sz="1800" dirty="0" smtClean="0">
+                <a:latin typeface="Times New Roman" panose="02020603050405020304" pitchFamily="18" charset="0"/>
+                <a:cs typeface="Times New Roman" panose="02020603050405020304" pitchFamily="18" charset="0"/>
+              </a:rPr>
+              <a:t>infrastructure</a:t>
+            </a:r>
+            <a:endParaRPr lang="en-US" altLang="zh-TW" sz="1800" dirty="0" smtClean="0">
+              <a:latin typeface="Times New Roman" panose="02020603050405020304" pitchFamily="18" charset="0"/>
+              <a:cs typeface="Times New Roman" panose="02020603050405020304" pitchFamily="18" charset="0"/>
+            </a:endParaRPr>
+          </a:p>
+          <a:p>
+            <a:pPr eaLnBrk="1" hangingPunct="1">
+              <a:buFont typeface="Arial" charset="0"/>
+              <a:buChar char="•"/>
               <a:defRPr/>
             </a:pPr>
             <a:endParaRPr lang="en-US" altLang="zh-TW" sz="1800" dirty="0">
@@ -7429,6 +7541,26 @@
               </a:rPr>
               <a:t>automation</a:t>
             </a:r>
+            <a:r>
+              <a:rPr lang="zh-TW" altLang="en-US" sz="2800" kern="0" dirty="0" smtClean="0">
+                <a:solidFill>
+                  <a:srgbClr val="003366"/>
+                </a:solidFill>
+                <a:latin typeface="Times New Roman" panose="02020603050405020304" pitchFamily="18" charset="0"/>
+                <a:cs typeface="Times New Roman" panose="02020603050405020304" pitchFamily="18" charset="0"/>
+              </a:rPr>
+              <a:t> </a:t>
+            </a:r>
+            <a:r>
+              <a:rPr lang="en-US" altLang="zh-TW" sz="2800" kern="0" dirty="0" smtClean="0">
+                <a:solidFill>
+                  <a:srgbClr val="003366"/>
+                </a:solidFill>
+                <a:latin typeface="Times New Roman" panose="02020603050405020304" pitchFamily="18" charset="0"/>
+                <a:cs typeface="Times New Roman" panose="02020603050405020304" pitchFamily="18" charset="0"/>
+              </a:rPr>
+              <a:t>– Selenium Web driver</a:t>
+            </a:r>
             <a:endParaRPr lang="zh-TW" altLang="en-US" sz="2800" kern="0" dirty="0">
               <a:solidFill>
                 <a:srgbClr val="003366"/>
@@ -7439,97 +7571,436 @@
           </a:p>
         </p:txBody>
       </p:sp>
+      <p:pic>
+        <p:nvPicPr>
+          <p:cNvPr id="8" name="Picture 2" descr="D:\Users\ZL.chen\Desktop\WebDriver_Architecture.png"/>
+          <p:cNvPicPr>
+            <a:picLocks noChangeAspect="1" noChangeArrowheads="1"/>
+          </p:cNvPicPr>
+          <p:nvPr/>
+        </p:nvPicPr>
+        <p:blipFill>
+          <a:blip r:embed="rId3">
+            <a:extLst>
+              <a:ext uri="{28A0092B-C50C-407E-A947-70E740481C1C}">
+                <a14:useLocalDpi xmlns:a14="http://schemas.microsoft.com/office/drawing/2010/main" val="0"/>
+              </a:ext>
+            </a:extLst>
+          </a:blip>
+          <a:srcRect/>
+          <a:stretch>
+            <a:fillRect/>
+          </a:stretch>
+        </p:blipFill>
+        <p:spPr bwMode="auto">
+          <a:xfrm>
+            <a:off x="4424516" y="1521410"/>
+            <a:ext cx="3869436" cy="2988768"/>
+          </a:xfrm>
+          <a:prstGeom prst="rect">
+            <a:avLst/>
+          </a:prstGeom>
+          <a:noFill/>
+          <a:extLst>
+            <a:ext uri="{909E8E84-426E-40DD-AFC4-6F175D3DCCD1}">
+              <a14:hiddenFill xmlns:a14="http://schemas.microsoft.com/office/drawing/2010/main">
+                <a:solidFill>
+                  <a:srgbClr val="FFFFFF"/>
+                </a:solidFill>
+              </a14:hiddenFill>
+            </a:ext>
+          </a:extLst>
+        </p:spPr>
+      </p:pic>
+      <p:pic>
+        <p:nvPicPr>
+          <p:cNvPr id="9" name="Picture 2" descr="D:\Users\ZL.chen\Desktop\simplified_webdriver_architecture.jpg"/>
+          <p:cNvPicPr>
+            <a:picLocks noChangeAspect="1" noChangeArrowheads="1"/>
+          </p:cNvPicPr>
+          <p:nvPr/>
+        </p:nvPicPr>
+        <p:blipFill>
+          <a:blip r:embed="rId4">
+            <a:extLst>
+              <a:ext uri="{28A0092B-C50C-407E-A947-70E740481C1C}">
+                <a14:useLocalDpi xmlns:a14="http://schemas.microsoft.com/office/drawing/2010/main" val="0"/>
+              </a:ext>
+            </a:extLst>
+          </a:blip>
+          <a:srcRect/>
+          <a:stretch>
+            <a:fillRect/>
+          </a:stretch>
+        </p:blipFill>
+        <p:spPr bwMode="auto">
+          <a:xfrm>
+            <a:off x="925812" y="1521410"/>
+            <a:ext cx="3498704" cy="3034502"/>
+          </a:xfrm>
+          <a:prstGeom prst="rect">
+            <a:avLst/>
+          </a:prstGeom>
+          <a:noFill/>
+          <a:extLst>
+            <a:ext uri="{909E8E84-426E-40DD-AFC4-6F175D3DCCD1}">
+              <a14:hiddenFill xmlns:a14="http://schemas.microsoft.com/office/drawing/2010/main">
+                <a:solidFill>
+                  <a:srgbClr val="FFFFFF"/>
+                </a:solidFill>
+              </a14:hiddenFill>
+            </a:ext>
+          </a:extLst>
+        </p:spPr>
+      </p:pic>
+    </p:spTree>
+    <p:extLst>
+      <p:ext uri="{BB962C8B-B14F-4D97-AF65-F5344CB8AC3E}">
+        <p14:creationId xmlns:p14="http://schemas.microsoft.com/office/powerpoint/2010/main" val="3581400650"/>
+      </p:ext>
+    </p:extLst>
+  </p:cSld>
+  <p:clrMapOvr>
+    <a:masterClrMapping/>
+  </p:clrMapOvr>
+  <mc:AlternateContent xmlns:mc="http://schemas.openxmlformats.org/markup-compatibility/2006" xmlns:p14="http://schemas.microsoft.com/office/powerpoint/2010/main">
+    <mc:Choice Requires="p14">
+      <p:transition spd="med" p14:dur="700" advClick="0">
+        <p:fade/>
+      </p:transition>
+    </mc:Choice>
+    <mc:Fallback xmlns="">
+      <p:transition spd="med" advClick="0">
+        <p:fade/>
+      </p:transition>
+    </mc:Fallback>
+  </mc:AlternateContent>
+  <p:timing>
+    <p:tnLst>
+      <p:par>
+        <p:cTn id="1" dur="indefinite" restart="never" nodeType="tmRoot">
+          <p:childTnLst>
+            <p:seq concurrent="1" nextAc="seek">
+              <p:cTn id="2" dur="indefinite" nodeType="mainSeq">
+                <p:childTnLst>
+                  <p:par>
+                    <p:cTn id="3" fill="hold">
+                      <p:stCondLst>
+                        <p:cond delay="indefinite"/>
+                        <p:cond evt="onBegin" delay="0">
+                          <p:tn val="2"/>
+                        </p:cond>
+                      </p:stCondLst>
+                      <p:childTnLst>
+                        <p:par>
+                          <p:cTn id="4" fill="hold">
+                            <p:stCondLst>
+                              <p:cond delay="0"/>
+                            </p:stCondLst>
+                            <p:childTnLst>
+                              <p:par>
+                                <p:cTn id="5" presetID="10" presetClass="entr" presetSubtype="0" fill="hold" grpId="0" nodeType="afterEffect">
+                                  <p:stCondLst>
+                                    <p:cond delay="0"/>
+                                  </p:stCondLst>
+                                  <p:childTnLst>
+                                    <p:set>
+                                      <p:cBhvr>
+                                        <p:cTn id="6" dur="1" fill="hold">
+                                          <p:stCondLst>
+                                            <p:cond delay="0"/>
+                                          </p:stCondLst>
+                                        </p:cTn>
+                                        <p:tgtEl>
+                                          <p:spTgt spid="2"/>
+                                        </p:tgtEl>
+                                        <p:attrNameLst>
+                                          <p:attrName>style.visibility</p:attrName>
+                                        </p:attrNameLst>
+                                      </p:cBhvr>
+                                      <p:to>
+                                        <p:strVal val="visible"/>
+                                      </p:to>
+                                    </p:set>
+                                    <p:animEffect transition="in" filter="fade">
+                                      <p:cBhvr>
+                                        <p:cTn id="7" dur="250"/>
+                                        <p:tgtEl>
+                                          <p:spTgt spid="2"/>
+                                        </p:tgtEl>
+                                      </p:cBhvr>
+                                    </p:animEffect>
+                                  </p:childTnLst>
+                                </p:cTn>
+                              </p:par>
+                            </p:childTnLst>
+                          </p:cTn>
+                        </p:par>
+                        <p:par>
+                          <p:cTn id="8" fill="hold">
+                            <p:stCondLst>
+                              <p:cond delay="250"/>
+                            </p:stCondLst>
+                            <p:childTnLst>
+                              <p:par>
+                                <p:cTn id="9" presetID="10" presetClass="entr" presetSubtype="0" fill="hold" grpId="0" nodeType="afterEffect">
+                                  <p:stCondLst>
+                                    <p:cond delay="0"/>
+                                  </p:stCondLst>
+                                  <p:childTnLst>
+                                    <p:set>
+                                      <p:cBhvr>
+                                        <p:cTn id="10" dur="1" fill="hold">
+                                          <p:stCondLst>
+                                            <p:cond delay="0"/>
+                                          </p:stCondLst>
+                                        </p:cTn>
+                                        <p:tgtEl>
+                                          <p:spTgt spid="15362">
+                                            <p:txEl>
+                                              <p:pRg st="0" end="0"/>
+                                            </p:txEl>
+                                          </p:spTgt>
+                                        </p:tgtEl>
+                                        <p:attrNameLst>
+                                          <p:attrName>style.visibility</p:attrName>
+                                        </p:attrNameLst>
+                                      </p:cBhvr>
+                                      <p:to>
+                                        <p:strVal val="visible"/>
+                                      </p:to>
+                                    </p:set>
+                                    <p:animEffect transition="in" filter="fade">
+                                      <p:cBhvr>
+                                        <p:cTn id="11" dur="250"/>
+                                        <p:tgtEl>
+                                          <p:spTgt spid="15362">
+                                            <p:txEl>
+                                              <p:pRg st="0" end="0"/>
+                                            </p:txEl>
+                                          </p:spTgt>
+                                        </p:tgtEl>
+                                      </p:cBhvr>
+                                    </p:animEffect>
+                                  </p:childTnLst>
+                                </p:cTn>
+                              </p:par>
+                            </p:childTnLst>
+                          </p:cTn>
+                        </p:par>
+                        <p:par>
+                          <p:cTn id="12" fill="hold">
+                            <p:stCondLst>
+                              <p:cond delay="500"/>
+                            </p:stCondLst>
+                            <p:childTnLst>
+                              <p:par>
+                                <p:cTn id="13" presetID="10" presetClass="entr" presetSubtype="0" fill="hold" nodeType="afterEffect">
+                                  <p:stCondLst>
+                                    <p:cond delay="0"/>
+                                  </p:stCondLst>
+                                  <p:childTnLst>
+                                    <p:set>
+                                      <p:cBhvr>
+                                        <p:cTn id="14" dur="1" fill="hold">
+                                          <p:stCondLst>
+                                            <p:cond delay="0"/>
+                                          </p:stCondLst>
+                                        </p:cTn>
+                                        <p:tgtEl>
+                                          <p:spTgt spid="9"/>
+                                        </p:tgtEl>
+                                        <p:attrNameLst>
+                                          <p:attrName>style.visibility</p:attrName>
+                                        </p:attrNameLst>
+                                      </p:cBhvr>
+                                      <p:to>
+                                        <p:strVal val="visible"/>
+                                      </p:to>
+                                    </p:set>
+                                    <p:animEffect transition="in" filter="fade">
+                                      <p:cBhvr>
+                                        <p:cTn id="15" dur="500"/>
+                                        <p:tgtEl>
+                                          <p:spTgt spid="9"/>
+                                        </p:tgtEl>
+                                      </p:cBhvr>
+                                    </p:animEffect>
+                                  </p:childTnLst>
+                                </p:cTn>
+                              </p:par>
+                              <p:par>
+                                <p:cTn id="16" presetID="10" presetClass="entr" presetSubtype="0" fill="hold" nodeType="withEffect">
+                                  <p:stCondLst>
+                                    <p:cond delay="0"/>
+                                  </p:stCondLst>
+                                  <p:childTnLst>
+                                    <p:set>
+                                      <p:cBhvr>
+                                        <p:cTn id="17" dur="1" fill="hold">
+                                          <p:stCondLst>
+                                            <p:cond delay="0"/>
+                                          </p:stCondLst>
+                                        </p:cTn>
+                                        <p:tgtEl>
+                                          <p:spTgt spid="8"/>
+                                        </p:tgtEl>
+                                        <p:attrNameLst>
+                                          <p:attrName>style.visibility</p:attrName>
+                                        </p:attrNameLst>
+                                      </p:cBhvr>
+                                      <p:to>
+                                        <p:strVal val="visible"/>
+                                      </p:to>
+                                    </p:set>
+                                    <p:animEffect transition="in" filter="fade">
+                                      <p:cBhvr>
+                                        <p:cTn id="18" dur="500"/>
+                                        <p:tgtEl>
+                                          <p:spTgt spid="8"/>
+                                        </p:tgtEl>
+                                      </p:cBhvr>
+                                    </p:animEffect>
+                                  </p:childTnLst>
+                                </p:cTn>
+                              </p:par>
+                            </p:childTnLst>
+                          </p:cTn>
+                        </p:par>
+                      </p:childTnLst>
+                    </p:cTn>
+                  </p:par>
+                </p:childTnLst>
+              </p:cTn>
+              <p:prevCondLst>
+                <p:cond evt="onPrev" delay="0">
+                  <p:tgtEl>
+                    <p:sldTgt/>
+                  </p:tgtEl>
+                </p:cond>
+              </p:prevCondLst>
+              <p:nextCondLst>
+                <p:cond evt="onNext" delay="0">
+                  <p:tgtEl>
+                    <p:sldTgt/>
+                  </p:tgtEl>
+                </p:cond>
+              </p:nextCondLst>
+            </p:seq>
+          </p:childTnLst>
+        </p:cTn>
+      </p:par>
+    </p:tnLst>
+    <p:bldLst>
+      <p:bldP spid="15362" grpId="0" build="p"/>
+      <p:bldP spid="2" grpId="0"/>
+    </p:bldLst>
+  </p:timing>
+</p:sld>
+</file>
+
+<file path=ppt/slides/slide11.xml><?xml version="1.0" encoding="utf-8"?>
+<p:sld xmlns:a="http://schemas.openxmlformats.org/drawingml/2006/main" xmlns:r="http://schemas.openxmlformats.org/officeDocument/2006/relationships" xmlns:p="http://schemas.openxmlformats.org/presentationml/2006/main">
+  <p:cSld>
+    <p:spTree>
+      <p:nvGrpSpPr>
+        <p:cNvPr id="1" name=""/>
+        <p:cNvGrpSpPr/>
+        <p:nvPr/>
+      </p:nvGrpSpPr>
+      <p:grpSpPr>
+        <a:xfrm>
+          <a:off x="0" y="0"/>
+          <a:ext cx="0" cy="0"/>
+          <a:chOff x="0" y="0"/>
+          <a:chExt cx="0" cy="0"/>
+        </a:xfrm>
+      </p:grpSpPr>
       <p:sp>
         <p:nvSpPr>
-          <p:cNvPr id="7" name="向右箭號 6"/>
-          <p:cNvSpPr/>
-          <p:nvPr/>
+          <p:cNvPr id="15362" name="內容版面配置區 5"/>
+          <p:cNvSpPr>
+            <a:spLocks noGrp="1"/>
+          </p:cNvSpPr>
+          <p:nvPr>
+            <p:ph idx="1"/>
+          </p:nvPr>
         </p:nvSpPr>
         <p:spPr>
-          <a:xfrm rot="10800000">
-            <a:off x="3646781" y="1474665"/>
-            <a:ext cx="349885" cy="115570"/>
+          <a:xfrm>
+            <a:off x="457200" y="936625"/>
+            <a:ext cx="8229600" cy="3575050"/>
           </a:xfrm>
-          <a:prstGeom prst="rightArrow">
-            <a:avLst/>
-          </a:prstGeom>
-          <a:ln>
-            <a:solidFill>
-              <a:srgbClr val="FF0000"/>
-            </a:solidFill>
-          </a:ln>
         </p:spPr>
-        <p:style>
-          <a:lnRef idx="2">
-            <a:schemeClr val="accent2"/>
-          </a:lnRef>
-          <a:fillRef idx="1">
-            <a:schemeClr val="lt1"/>
-          </a:fillRef>
-          <a:effectRef idx="0">
-            <a:schemeClr val="accent2"/>
-          </a:effectRef>
-          <a:fontRef idx="minor">
-            <a:schemeClr val="dk1"/>
-          </a:fontRef>
-        </p:style>
         <p:txBody>
-          <a:bodyPr rot="0" spcFirstLastPara="0" vert="horz" wrap="square" lIns="91440" tIns="45720" rIns="91440" bIns="45720" numCol="1" spcCol="0" rtlCol="0" fromWordArt="0" anchor="ctr" anchorCtr="0" forceAA="0" compatLnSpc="1">
-            <a:prstTxWarp prst="textNoShape">
-              <a:avLst/>
-            </a:prstTxWarp>
-            <a:noAutofit/>
-          </a:bodyPr>
+          <a:bodyPr/>
           <a:lstStyle/>
           <a:p>
-            <a:endParaRPr lang="zh-TW" altLang="en-US"/>
+            <a:pPr eaLnBrk="1" hangingPunct="1">
+              <a:buFont typeface="Arial" charset="0"/>
+              <a:buChar char="•"/>
+              <a:defRPr/>
+            </a:pPr>
+            <a:r>
+              <a:rPr lang="en-US" altLang="zh-TW" sz="1800" dirty="0" smtClean="0">
+                <a:latin typeface="Times New Roman" panose="02020603050405020304" pitchFamily="18" charset="0"/>
+                <a:cs typeface="Times New Roman" panose="02020603050405020304" pitchFamily="18" charset="0"/>
+              </a:rPr>
+              <a:t>The roaming’s log as below:</a:t>
+            </a:r>
+          </a:p>
+          <a:p>
+            <a:pPr marL="0" indent="0" eaLnBrk="1" hangingPunct="1">
+              <a:buNone/>
+              <a:defRPr/>
+            </a:pPr>
+            <a:endParaRPr lang="en-US" altLang="zh-TW" sz="1800" dirty="0">
+              <a:latin typeface="Times New Roman" panose="02020603050405020304" pitchFamily="18" charset="0"/>
+              <a:cs typeface="Times New Roman" panose="02020603050405020304" pitchFamily="18" charset="0"/>
+            </a:endParaRPr>
           </a:p>
         </p:txBody>
       </p:sp>
       <p:sp>
         <p:nvSpPr>
-          <p:cNvPr id="9" name="向右箭號 8"/>
-          <p:cNvSpPr/>
-          <p:nvPr/>
+          <p:cNvPr id="2" name="標題 4"/>
+          <p:cNvSpPr>
+            <a:spLocks noGrp="1"/>
+          </p:cNvSpPr>
+          <p:nvPr>
+            <p:ph type="title"/>
+          </p:nvPr>
         </p:nvSpPr>
         <p:spPr>
-          <a:xfrm rot="10800000">
-            <a:off x="6070476" y="1467338"/>
-            <a:ext cx="349885" cy="115570"/>
+          <a:xfrm>
+            <a:off x="457200" y="87313"/>
+            <a:ext cx="8229600" cy="756000"/>
           </a:xfrm>
-          <a:prstGeom prst="rightArrow">
-            <a:avLst/>
-          </a:prstGeom>
-          <a:ln>
-            <a:solidFill>
-              <a:srgbClr val="FF0000"/>
-            </a:solidFill>
-          </a:ln>
         </p:spPr>
-        <p:style>
-          <a:lnRef idx="2">
-            <a:schemeClr val="accent2"/>
-          </a:lnRef>
-          <a:fillRef idx="1">
-            <a:schemeClr val="lt1"/>
-          </a:fillRef>
-          <a:effectRef idx="0">
-            <a:schemeClr val="accent2"/>
-          </a:effectRef>
-          <a:fontRef idx="minor">
-            <a:schemeClr val="dk1"/>
-          </a:fontRef>
-        </p:style>
         <p:txBody>
-          <a:bodyPr rot="0" spcFirstLastPara="0" vert="horz" wrap="square" lIns="91440" tIns="45720" rIns="91440" bIns="45720" numCol="1" spcCol="0" rtlCol="0" fromWordArt="0" anchor="ctr" anchorCtr="0" forceAA="0" compatLnSpc="1">
-            <a:prstTxWarp prst="textNoShape">
-              <a:avLst/>
-            </a:prstTxWarp>
-            <a:noAutofit/>
-          </a:bodyPr>
+          <a:bodyPr/>
           <a:lstStyle/>
           <a:p>
-            <a:endParaRPr lang="zh-TW" altLang="en-US"/>
+            <a:pPr eaLnBrk="1" hangingPunct="1">
+              <a:defRPr/>
+            </a:pPr>
+            <a:r>
+              <a:rPr lang="en-US" altLang="zh-TW" sz="2800" kern="0" dirty="0" smtClean="0">
+                <a:solidFill>
+                  <a:srgbClr val="003366"/>
+                </a:solidFill>
+                <a:latin typeface="Times New Roman" panose="02020603050405020304" pitchFamily="18" charset="0"/>
+                <a:cs typeface="Times New Roman" panose="02020603050405020304" pitchFamily="18" charset="0"/>
+              </a:rPr>
+              <a:t>Roaming automation</a:t>
+            </a:r>
+            <a:endParaRPr lang="zh-TW" altLang="en-US" sz="2800" kern="0" dirty="0">
+              <a:solidFill>
+                <a:srgbClr val="003366"/>
+              </a:solidFill>
+              <a:latin typeface="Times New Roman" panose="02020603050405020304" pitchFamily="18" charset="0"/>
+              <a:cs typeface="Times New Roman" panose="02020603050405020304" pitchFamily="18" charset="0"/>
+            </a:endParaRPr>
           </a:p>
         </p:txBody>
       </p:sp>
@@ -7554,7 +8025,7 @@
         </p:blipFill>
         <p:spPr bwMode="auto">
           <a:xfrm>
-            <a:off x="2035733" y="1295714"/>
+            <a:off x="1685848" y="1301984"/>
             <a:ext cx="5752465" cy="3670935"/>
           </a:xfrm>
           <a:prstGeom prst="rect">
@@ -7731,9 +8202,175 @@
                                     </p:set>
                                     <p:animEffect transition="in" filter="fade">
                                       <p:cBhvr>
-                                        <p:cTn id="7" dur="500"/>
+                                        <p:cTn id="7" dur="250"/>
                                         <p:tgtEl>
                                           <p:spTgt spid="2"/>
+                                        </p:tgtEl>
+                                      </p:cBhvr>
+                                    </p:animEffect>
+                                  </p:childTnLst>
+                                </p:cTn>
+                              </p:par>
+                            </p:childTnLst>
+                          </p:cTn>
+                        </p:par>
+                        <p:par>
+                          <p:cTn id="8" fill="hold">
+                            <p:stCondLst>
+                              <p:cond delay="250"/>
+                            </p:stCondLst>
+                            <p:childTnLst>
+                              <p:par>
+                                <p:cTn id="9" presetID="10" presetClass="entr" presetSubtype="0" fill="hold" grpId="0" nodeType="afterEffect">
+                                  <p:stCondLst>
+                                    <p:cond delay="0"/>
+                                  </p:stCondLst>
+                                  <p:childTnLst>
+                                    <p:set>
+                                      <p:cBhvr>
+                                        <p:cTn id="10" dur="1" fill="hold">
+                                          <p:stCondLst>
+                                            <p:cond delay="0"/>
+                                          </p:stCondLst>
+                                        </p:cTn>
+                                        <p:tgtEl>
+                                          <p:spTgt spid="15362">
+                                            <p:txEl>
+                                              <p:pRg st="0" end="0"/>
+                                            </p:txEl>
+                                          </p:spTgt>
+                                        </p:tgtEl>
+                                        <p:attrNameLst>
+                                          <p:attrName>style.visibility</p:attrName>
+                                        </p:attrNameLst>
+                                      </p:cBhvr>
+                                      <p:to>
+                                        <p:strVal val="visible"/>
+                                      </p:to>
+                                    </p:set>
+                                    <p:animEffect transition="in" filter="fade">
+                                      <p:cBhvr>
+                                        <p:cTn id="11" dur="250"/>
+                                        <p:tgtEl>
+                                          <p:spTgt spid="15362">
+                                            <p:txEl>
+                                              <p:pRg st="0" end="0"/>
+                                            </p:txEl>
+                                          </p:spTgt>
+                                        </p:tgtEl>
+                                      </p:cBhvr>
+                                    </p:animEffect>
+                                  </p:childTnLst>
+                                </p:cTn>
+                              </p:par>
+                            </p:childTnLst>
+                          </p:cTn>
+                        </p:par>
+                        <p:par>
+                          <p:cTn id="12" fill="hold">
+                            <p:stCondLst>
+                              <p:cond delay="500"/>
+                            </p:stCondLst>
+                            <p:childTnLst>
+                              <p:par>
+                                <p:cTn id="13" presetID="10" presetClass="entr" presetSubtype="0" fill="hold" nodeType="afterEffect">
+                                  <p:stCondLst>
+                                    <p:cond delay="0"/>
+                                  </p:stCondLst>
+                                  <p:childTnLst>
+                                    <p:set>
+                                      <p:cBhvr>
+                                        <p:cTn id="14" dur="1" fill="hold">
+                                          <p:stCondLst>
+                                            <p:cond delay="0"/>
+                                          </p:stCondLst>
+                                        </p:cTn>
+                                        <p:tgtEl>
+                                          <p:spTgt spid="11"/>
+                                        </p:tgtEl>
+                                        <p:attrNameLst>
+                                          <p:attrName>style.visibility</p:attrName>
+                                        </p:attrNameLst>
+                                      </p:cBhvr>
+                                      <p:to>
+                                        <p:strVal val="visible"/>
+                                      </p:to>
+                                    </p:set>
+                                    <p:animEffect transition="in" filter="fade">
+                                      <p:cBhvr>
+                                        <p:cTn id="15" dur="250"/>
+                                        <p:tgtEl>
+                                          <p:spTgt spid="11"/>
+                                        </p:tgtEl>
+                                      </p:cBhvr>
+                                    </p:animEffect>
+                                  </p:childTnLst>
+                                </p:cTn>
+                              </p:par>
+                              <p:par>
+                                <p:cTn id="16" presetID="10" presetClass="entr" presetSubtype="0" fill="hold" grpId="0" nodeType="withEffect">
+                                  <p:stCondLst>
+                                    <p:cond delay="0"/>
+                                  </p:stCondLst>
+                                  <p:childTnLst>
+                                    <p:set>
+                                      <p:cBhvr>
+                                        <p:cTn id="17" dur="1" fill="hold">
+                                          <p:stCondLst>
+                                            <p:cond delay="0"/>
+                                          </p:stCondLst>
+                                        </p:cTn>
+                                        <p:tgtEl>
+                                          <p:spTgt spid="12"/>
+                                        </p:tgtEl>
+                                        <p:attrNameLst>
+                                          <p:attrName>style.visibility</p:attrName>
+                                        </p:attrNameLst>
+                                      </p:cBhvr>
+                                      <p:to>
+                                        <p:strVal val="visible"/>
+                                      </p:to>
+                                    </p:set>
+                                    <p:animEffect transition="in" filter="fade">
+                                      <p:cBhvr>
+                                        <p:cTn id="18" dur="500"/>
+                                        <p:tgtEl>
+                                          <p:spTgt spid="12"/>
+                                        </p:tgtEl>
+                                      </p:cBhvr>
+                                    </p:animEffect>
+                                  </p:childTnLst>
+                                </p:cTn>
+                              </p:par>
+                              <p:par>
+                                <p:cTn id="19" presetID="10" presetClass="entr" presetSubtype="0" fill="hold" grpId="0" nodeType="withEffect">
+                                  <p:stCondLst>
+                                    <p:cond delay="0"/>
+                                  </p:stCondLst>
+                                  <p:childTnLst>
+                                    <p:set>
+                                      <p:cBhvr>
+                                        <p:cTn id="20" dur="1" fill="hold">
+                                          <p:stCondLst>
+                                            <p:cond delay="0"/>
+                                          </p:stCondLst>
+                                        </p:cTn>
+                                        <p:tgtEl>
+                                          <p:spTgt spid="13"/>
+                                        </p:tgtEl>
+                                        <p:attrNameLst>
+                                          <p:attrName>style.visibility</p:attrName>
+                                        </p:attrNameLst>
+                                      </p:cBhvr>
+                                      <p:to>
+                                        <p:strVal val="visible"/>
+                                      </p:to>
+                                    </p:set>
+                                    <p:animEffect transition="in" filter="fade">
+                                      <p:cBhvr>
+                                        <p:cTn id="21" dur="500"/>
+                                        <p:tgtEl>
+                                          <p:spTgt spid="13"/>
                                         </p:tgtEl>
                                       </p:cBhvr>
                                     </p:animEffect>
@@ -7768,13 +8405,16 @@
       </p:par>
     </p:tnLst>
     <p:bldLst>
+      <p:bldP spid="15362" grpId="0" build="p"/>
       <p:bldP spid="2" grpId="0"/>
+      <p:bldP spid="12" grpId="0" animBg="1"/>
+      <p:bldP spid="13" grpId="0" animBg="1"/>
     </p:bldLst>
   </p:timing>
 </p:sld>
 </file>
 
-<file path=ppt/slides/slide11.xml><?xml version="1.0" encoding="utf-8"?>
+<file path=ppt/slides/slide12.xml><?xml version="1.0" encoding="utf-8"?>
 <p:sld xmlns:a="http://schemas.openxmlformats.org/drawingml/2006/main" xmlns:r="http://schemas.openxmlformats.org/officeDocument/2006/relationships" xmlns:p="http://schemas.openxmlformats.org/presentationml/2006/main">
   <p:cSld>
     <p:spTree>
@@ -7867,17 +8507,7 @@
                 <a:latin typeface="Times New Roman" panose="02020603050405020304" pitchFamily="18" charset="0"/>
                 <a:cs typeface="Times New Roman" panose="02020603050405020304" pitchFamily="18" charset="0"/>
               </a:rPr>
-              <a:t>Roaming </a:t>
-            </a:r>
-            <a:r>
-              <a:rPr lang="en-US" altLang="zh-TW" sz="2800" kern="0" dirty="0" smtClean="0">
-                <a:solidFill>
-                  <a:srgbClr val="003366"/>
-                </a:solidFill>
-                <a:latin typeface="Times New Roman" panose="02020603050405020304" pitchFamily="18" charset="0"/>
-                <a:cs typeface="Times New Roman" panose="02020603050405020304" pitchFamily="18" charset="0"/>
-              </a:rPr>
-              <a:t>automation</a:t>
+              <a:t>Roaming automation</a:t>
             </a:r>
             <a:endParaRPr lang="zh-TW" altLang="en-US" sz="2800" kern="0" dirty="0">
               <a:solidFill>
@@ -8120,9 +8750,210 @@
                                     </p:set>
                                     <p:animEffect transition="in" filter="fade">
                                       <p:cBhvr>
-                                        <p:cTn id="7" dur="500"/>
+                                        <p:cTn id="7" dur="250"/>
                                         <p:tgtEl>
                                           <p:spTgt spid="2"/>
+                                        </p:tgtEl>
+                                      </p:cBhvr>
+                                    </p:animEffect>
+                                  </p:childTnLst>
+                                </p:cTn>
+                              </p:par>
+                            </p:childTnLst>
+                          </p:cTn>
+                        </p:par>
+                        <p:par>
+                          <p:cTn id="8" fill="hold">
+                            <p:stCondLst>
+                              <p:cond delay="250"/>
+                            </p:stCondLst>
+                            <p:childTnLst>
+                              <p:par>
+                                <p:cTn id="9" presetID="10" presetClass="entr" presetSubtype="0" fill="hold" grpId="0" nodeType="afterEffect">
+                                  <p:stCondLst>
+                                    <p:cond delay="0"/>
+                                  </p:stCondLst>
+                                  <p:childTnLst>
+                                    <p:set>
+                                      <p:cBhvr>
+                                        <p:cTn id="10" dur="1" fill="hold">
+                                          <p:stCondLst>
+                                            <p:cond delay="0"/>
+                                          </p:stCondLst>
+                                        </p:cTn>
+                                        <p:tgtEl>
+                                          <p:spTgt spid="15362">
+                                            <p:txEl>
+                                              <p:pRg st="0" end="0"/>
+                                            </p:txEl>
+                                          </p:spTgt>
+                                        </p:tgtEl>
+                                        <p:attrNameLst>
+                                          <p:attrName>style.visibility</p:attrName>
+                                        </p:attrNameLst>
+                                      </p:cBhvr>
+                                      <p:to>
+                                        <p:strVal val="visible"/>
+                                      </p:to>
+                                    </p:set>
+                                    <p:animEffect transition="in" filter="fade">
+                                      <p:cBhvr>
+                                        <p:cTn id="11" dur="250"/>
+                                        <p:tgtEl>
+                                          <p:spTgt spid="15362">
+                                            <p:txEl>
+                                              <p:pRg st="0" end="0"/>
+                                            </p:txEl>
+                                          </p:spTgt>
+                                        </p:tgtEl>
+                                      </p:cBhvr>
+                                    </p:animEffect>
+                                  </p:childTnLst>
+                                </p:cTn>
+                              </p:par>
+                            </p:childTnLst>
+                          </p:cTn>
+                        </p:par>
+                        <p:par>
+                          <p:cTn id="12" fill="hold">
+                            <p:stCondLst>
+                              <p:cond delay="500"/>
+                            </p:stCondLst>
+                            <p:childTnLst>
+                              <p:par>
+                                <p:cTn id="13" presetID="10" presetClass="entr" presetSubtype="0" fill="hold" nodeType="afterEffect">
+                                  <p:stCondLst>
+                                    <p:cond delay="0"/>
+                                  </p:stCondLst>
+                                  <p:childTnLst>
+                                    <p:set>
+                                      <p:cBhvr>
+                                        <p:cTn id="14" dur="1" fill="hold">
+                                          <p:stCondLst>
+                                            <p:cond delay="0"/>
+                                          </p:stCondLst>
+                                        </p:cTn>
+                                        <p:tgtEl>
+                                          <p:spTgt spid="4"/>
+                                        </p:tgtEl>
+                                        <p:attrNameLst>
+                                          <p:attrName>style.visibility</p:attrName>
+                                        </p:attrNameLst>
+                                      </p:cBhvr>
+                                      <p:to>
+                                        <p:strVal val="visible"/>
+                                      </p:to>
+                                    </p:set>
+                                    <p:animEffect transition="in" filter="fade">
+                                      <p:cBhvr>
+                                        <p:cTn id="15" dur="250"/>
+                                        <p:tgtEl>
+                                          <p:spTgt spid="4"/>
+                                        </p:tgtEl>
+                                      </p:cBhvr>
+                                    </p:animEffect>
+                                  </p:childTnLst>
+                                </p:cTn>
+                              </p:par>
+                              <p:par>
+                                <p:cTn id="16" presetID="10" presetClass="entr" presetSubtype="0" fill="hold" grpId="0" nodeType="withEffect">
+                                  <p:stCondLst>
+                                    <p:cond delay="0"/>
+                                  </p:stCondLst>
+                                  <p:childTnLst>
+                                    <p:set>
+                                      <p:cBhvr>
+                                        <p:cTn id="17" dur="1" fill="hold">
+                                          <p:stCondLst>
+                                            <p:cond delay="0"/>
+                                          </p:stCondLst>
+                                        </p:cTn>
+                                        <p:tgtEl>
+                                          <p:spTgt spid="7"/>
+                                        </p:tgtEl>
+                                        <p:attrNameLst>
+                                          <p:attrName>style.visibility</p:attrName>
+                                        </p:attrNameLst>
+                                      </p:cBhvr>
+                                      <p:to>
+                                        <p:strVal val="visible"/>
+                                      </p:to>
+                                    </p:set>
+                                    <p:animEffect transition="in" filter="fade">
+                                      <p:cBhvr>
+                                        <p:cTn id="18" dur="500"/>
+                                        <p:tgtEl>
+                                          <p:spTgt spid="7"/>
+                                        </p:tgtEl>
+                                      </p:cBhvr>
+                                    </p:animEffect>
+                                  </p:childTnLst>
+                                </p:cTn>
+                              </p:par>
+                              <p:par>
+                                <p:cTn id="19" presetID="10" presetClass="entr" presetSubtype="0" fill="hold" nodeType="withEffect">
+                                  <p:stCondLst>
+                                    <p:cond delay="0"/>
+                                  </p:stCondLst>
+                                  <p:childTnLst>
+                                    <p:set>
+                                      <p:cBhvr>
+                                        <p:cTn id="20" dur="1" fill="hold">
+                                          <p:stCondLst>
+                                            <p:cond delay="0"/>
+                                          </p:stCondLst>
+                                        </p:cTn>
+                                        <p:tgtEl>
+                                          <p:spTgt spid="5"/>
+                                        </p:tgtEl>
+                                        <p:attrNameLst>
+                                          <p:attrName>style.visibility</p:attrName>
+                                        </p:attrNameLst>
+                                      </p:cBhvr>
+                                      <p:to>
+                                        <p:strVal val="visible"/>
+                                      </p:to>
+                                    </p:set>
+                                    <p:animEffect transition="in" filter="fade">
+                                      <p:cBhvr>
+                                        <p:cTn id="21" dur="250"/>
+                                        <p:tgtEl>
+                                          <p:spTgt spid="5"/>
+                                        </p:tgtEl>
+                                      </p:cBhvr>
+                                    </p:animEffect>
+                                  </p:childTnLst>
+                                </p:cTn>
+                              </p:par>
+                              <p:par>
+                                <p:cTn id="22" presetID="10" presetClass="entr" presetSubtype="0" fill="hold" grpId="0" nodeType="withEffect">
+                                  <p:stCondLst>
+                                    <p:cond delay="0"/>
+                                  </p:stCondLst>
+                                  <p:childTnLst>
+                                    <p:set>
+                                      <p:cBhvr>
+                                        <p:cTn id="23" dur="1" fill="hold">
+                                          <p:stCondLst>
+                                            <p:cond delay="0"/>
+                                          </p:stCondLst>
+                                        </p:cTn>
+                                        <p:tgtEl>
+                                          <p:spTgt spid="9"/>
+                                        </p:tgtEl>
+                                        <p:attrNameLst>
+                                          <p:attrName>style.visibility</p:attrName>
+                                        </p:attrNameLst>
+                                      </p:cBhvr>
+                                      <p:to>
+                                        <p:strVal val="visible"/>
+                                      </p:to>
+                                    </p:set>
+                                    <p:animEffect transition="in" filter="fade">
+                                      <p:cBhvr>
+                                        <p:cTn id="24" dur="500"/>
+                                        <p:tgtEl>
+                                          <p:spTgt spid="9"/>
                                         </p:tgtEl>
                                       </p:cBhvr>
                                     </p:animEffect>
@@ -8157,13 +8988,16 @@
       </p:par>
     </p:tnLst>
     <p:bldLst>
+      <p:bldP spid="15362" grpId="0" build="p"/>
       <p:bldP spid="2" grpId="0"/>
+      <p:bldP spid="7" grpId="0" animBg="1"/>
+      <p:bldP spid="9" grpId="0" animBg="1"/>
     </p:bldLst>
   </p:timing>
 </p:sld>
 </file>
 
-<file path=ppt/slides/slide12.xml><?xml version="1.0" encoding="utf-8"?>
+<file path=ppt/slides/slide13.xml><?xml version="1.0" encoding="utf-8"?>
 <p:sld xmlns:a="http://schemas.openxmlformats.org/drawingml/2006/main" xmlns:r="http://schemas.openxmlformats.org/officeDocument/2006/relationships" xmlns:p="http://schemas.openxmlformats.org/presentationml/2006/main">
   <p:cSld>
     <p:spTree>
@@ -8206,11 +9040,111 @@
               <a:defRPr/>
             </a:pPr>
             <a:r>
-              <a:rPr lang="en-US" altLang="zh-TW" sz="1800" dirty="0" smtClean="0">
+              <a:rPr lang="zh-TW" altLang="en-US" sz="1800" dirty="0" smtClean="0">
                 <a:latin typeface="Times New Roman" panose="02020603050405020304" pitchFamily="18" charset="0"/>
                 <a:cs typeface="Times New Roman" panose="02020603050405020304" pitchFamily="18" charset="0"/>
               </a:rPr>
-              <a:t>Conclusion</a:t>
+              <a:t>結論</a:t>
+            </a:r>
+            <a:endParaRPr lang="en-US" altLang="zh-TW" sz="1400" dirty="0">
+              <a:latin typeface="Times New Roman" panose="02020603050405020304" pitchFamily="18" charset="0"/>
+              <a:cs typeface="Times New Roman" panose="02020603050405020304" pitchFamily="18" charset="0"/>
+            </a:endParaRPr>
+          </a:p>
+          <a:p>
+            <a:pPr lvl="1" eaLnBrk="1" hangingPunct="1">
+              <a:buFont typeface="Arial" charset="0"/>
+              <a:buChar char="•"/>
+              <a:defRPr/>
+            </a:pPr>
+            <a:r>
+              <a:rPr lang="zh-TW" altLang="en-US" sz="1400" dirty="0">
+                <a:latin typeface="Times New Roman" panose="02020603050405020304" pitchFamily="18" charset="0"/>
+                <a:cs typeface="Times New Roman" panose="02020603050405020304" pitchFamily="18" charset="0"/>
+              </a:rPr>
+              <a:t>減少手動測試失誤問題</a:t>
+            </a:r>
+            <a:endParaRPr lang="en-US" altLang="zh-TW" sz="1400" dirty="0">
+              <a:latin typeface="Times New Roman" panose="02020603050405020304" pitchFamily="18" charset="0"/>
+              <a:cs typeface="Times New Roman" panose="02020603050405020304" pitchFamily="18" charset="0"/>
+            </a:endParaRPr>
+          </a:p>
+          <a:p>
+            <a:pPr lvl="1" eaLnBrk="1" hangingPunct="1">
+              <a:buFont typeface="Arial" charset="0"/>
+              <a:buChar char="•"/>
+              <a:defRPr/>
+            </a:pPr>
+            <a:r>
+              <a:rPr lang="zh-TW" altLang="en-US" sz="1400" dirty="0" smtClean="0">
+                <a:latin typeface="Times New Roman" panose="02020603050405020304" pitchFamily="18" charset="0"/>
+                <a:cs typeface="Times New Roman" panose="02020603050405020304" pitchFamily="18" charset="0"/>
+              </a:rPr>
+              <a:t>省去手動切換 </a:t>
+            </a:r>
+            <a:r>
+              <a:rPr lang="en-US" altLang="zh-TW" sz="1400" dirty="0" smtClean="0">
+                <a:latin typeface="Times New Roman" panose="02020603050405020304" pitchFamily="18" charset="0"/>
+                <a:cs typeface="Times New Roman" panose="02020603050405020304" pitchFamily="18" charset="0"/>
+              </a:rPr>
+              <a:t>AP</a:t>
+            </a:r>
+            <a:r>
+              <a:rPr lang="zh-TW" altLang="en-US" sz="1400" dirty="0" smtClean="0">
+                <a:latin typeface="Times New Roman" panose="02020603050405020304" pitchFamily="18" charset="0"/>
+                <a:cs typeface="Times New Roman" panose="02020603050405020304" pitchFamily="18" charset="0"/>
+              </a:rPr>
+              <a:t> 行為</a:t>
+            </a:r>
+            <a:endParaRPr lang="en-US" altLang="zh-TW" sz="1400" dirty="0" smtClean="0">
+              <a:latin typeface="Times New Roman" panose="02020603050405020304" pitchFamily="18" charset="0"/>
+              <a:cs typeface="Times New Roman" panose="02020603050405020304" pitchFamily="18" charset="0"/>
+            </a:endParaRPr>
+          </a:p>
+          <a:p>
+            <a:pPr lvl="1" eaLnBrk="1" hangingPunct="1">
+              <a:buFont typeface="Arial" charset="0"/>
+              <a:buChar char="•"/>
+              <a:defRPr/>
+            </a:pPr>
+            <a:r>
+              <a:rPr lang="zh-TW" altLang="en-US" sz="1400" dirty="0" smtClean="0">
+                <a:latin typeface="Times New Roman" panose="02020603050405020304" pitchFamily="18" charset="0"/>
+                <a:cs typeface="Times New Roman" panose="02020603050405020304" pitchFamily="18" charset="0"/>
+              </a:rPr>
+              <a:t>準確擷取 </a:t>
+            </a:r>
+            <a:r>
+              <a:rPr lang="en-US" altLang="zh-TW" sz="1400" dirty="0" smtClean="0">
+                <a:latin typeface="Times New Roman" panose="02020603050405020304" pitchFamily="18" charset="0"/>
+                <a:cs typeface="Times New Roman" panose="02020603050405020304" pitchFamily="18" charset="0"/>
+              </a:rPr>
+              <a:t>Ping </a:t>
+            </a:r>
+            <a:r>
+              <a:rPr lang="zh-TW" altLang="en-US" sz="1400" dirty="0" smtClean="0">
+                <a:latin typeface="Times New Roman" panose="02020603050405020304" pitchFamily="18" charset="0"/>
+                <a:cs typeface="Times New Roman" panose="02020603050405020304" pitchFamily="18" charset="0"/>
+              </a:rPr>
+              <a:t>紀錄檔</a:t>
+            </a:r>
+            <a:endParaRPr lang="en-US" altLang="zh-TW" sz="1400" dirty="0" smtClean="0">
+              <a:latin typeface="Times New Roman" panose="02020603050405020304" pitchFamily="18" charset="0"/>
+              <a:cs typeface="Times New Roman" panose="02020603050405020304" pitchFamily="18" charset="0"/>
+            </a:endParaRPr>
+          </a:p>
+          <a:p>
+            <a:pPr lvl="1" eaLnBrk="1" hangingPunct="1">
+              <a:buFont typeface="Arial" charset="0"/>
+              <a:buChar char="•"/>
+              <a:defRPr/>
+            </a:pPr>
+            <a:r>
+              <a:rPr lang="zh-TW" altLang="en-US" sz="1400" dirty="0" smtClean="0">
+                <a:latin typeface="Times New Roman" panose="02020603050405020304" pitchFamily="18" charset="0"/>
+                <a:cs typeface="Times New Roman" panose="02020603050405020304" pitchFamily="18" charset="0"/>
+              </a:rPr>
+              <a:t>長時間壓力測試執行</a:t>
             </a:r>
             <a:endParaRPr lang="en-US" altLang="zh-TW" sz="1400" dirty="0">
               <a:latin typeface="Times New Roman" panose="02020603050405020304" pitchFamily="18" charset="0"/>
@@ -8250,17 +9184,7 @@
                 <a:latin typeface="Times New Roman" panose="02020603050405020304" pitchFamily="18" charset="0"/>
                 <a:cs typeface="Times New Roman" panose="02020603050405020304" pitchFamily="18" charset="0"/>
               </a:rPr>
-              <a:t>Roaming </a:t>
-            </a:r>
-            <a:r>
-              <a:rPr lang="en-US" altLang="zh-TW" sz="2800" kern="0" dirty="0" smtClean="0">
-                <a:solidFill>
-                  <a:srgbClr val="003366"/>
-                </a:solidFill>
-                <a:latin typeface="Times New Roman" panose="02020603050405020304" pitchFamily="18" charset="0"/>
-                <a:cs typeface="Times New Roman" panose="02020603050405020304" pitchFamily="18" charset="0"/>
-              </a:rPr>
-              <a:t>automation</a:t>
+              <a:t>Roaming automation</a:t>
             </a:r>
             <a:endParaRPr lang="zh-TW" altLang="en-US" sz="2800" kern="0" dirty="0">
               <a:solidFill>
@@ -8343,9 +9267,269 @@
                                     </p:set>
                                     <p:animEffect transition="in" filter="fade">
                                       <p:cBhvr>
-                                        <p:cTn id="7" dur="500"/>
+                                        <p:cTn id="7" dur="250"/>
                                         <p:tgtEl>
                                           <p:spTgt spid="2"/>
+                                        </p:tgtEl>
+                                      </p:cBhvr>
+                                    </p:animEffect>
+                                  </p:childTnLst>
+                                </p:cTn>
+                              </p:par>
+                            </p:childTnLst>
+                          </p:cTn>
+                        </p:par>
+                        <p:par>
+                          <p:cTn id="8" fill="hold">
+                            <p:stCondLst>
+                              <p:cond delay="250"/>
+                            </p:stCondLst>
+                            <p:childTnLst>
+                              <p:par>
+                                <p:cTn id="9" presetID="10" presetClass="entr" presetSubtype="0" fill="hold" grpId="0" nodeType="afterEffect">
+                                  <p:stCondLst>
+                                    <p:cond delay="0"/>
+                                  </p:stCondLst>
+                                  <p:childTnLst>
+                                    <p:set>
+                                      <p:cBhvr>
+                                        <p:cTn id="10" dur="1" fill="hold">
+                                          <p:stCondLst>
+                                            <p:cond delay="0"/>
+                                          </p:stCondLst>
+                                        </p:cTn>
+                                        <p:tgtEl>
+                                          <p:spTgt spid="15362">
+                                            <p:txEl>
+                                              <p:pRg st="0" end="0"/>
+                                            </p:txEl>
+                                          </p:spTgt>
+                                        </p:tgtEl>
+                                        <p:attrNameLst>
+                                          <p:attrName>style.visibility</p:attrName>
+                                        </p:attrNameLst>
+                                      </p:cBhvr>
+                                      <p:to>
+                                        <p:strVal val="visible"/>
+                                      </p:to>
+                                    </p:set>
+                                    <p:animEffect transition="in" filter="fade">
+                                      <p:cBhvr>
+                                        <p:cTn id="11" dur="250"/>
+                                        <p:tgtEl>
+                                          <p:spTgt spid="15362">
+                                            <p:txEl>
+                                              <p:pRg st="0" end="0"/>
+                                            </p:txEl>
+                                          </p:spTgt>
+                                        </p:tgtEl>
+                                      </p:cBhvr>
+                                    </p:animEffect>
+                                  </p:childTnLst>
+                                </p:cTn>
+                              </p:par>
+                            </p:childTnLst>
+                          </p:cTn>
+                        </p:par>
+                        <p:par>
+                          <p:cTn id="12" fill="hold">
+                            <p:stCondLst>
+                              <p:cond delay="500"/>
+                            </p:stCondLst>
+                            <p:childTnLst>
+                              <p:par>
+                                <p:cTn id="13" presetID="10" presetClass="entr" presetSubtype="0" fill="hold" grpId="0" nodeType="afterEffect">
+                                  <p:stCondLst>
+                                    <p:cond delay="0"/>
+                                  </p:stCondLst>
+                                  <p:childTnLst>
+                                    <p:set>
+                                      <p:cBhvr>
+                                        <p:cTn id="14" dur="1" fill="hold">
+                                          <p:stCondLst>
+                                            <p:cond delay="0"/>
+                                          </p:stCondLst>
+                                        </p:cTn>
+                                        <p:tgtEl>
+                                          <p:spTgt spid="15362">
+                                            <p:txEl>
+                                              <p:pRg st="1" end="1"/>
+                                            </p:txEl>
+                                          </p:spTgt>
+                                        </p:tgtEl>
+                                        <p:attrNameLst>
+                                          <p:attrName>style.visibility</p:attrName>
+                                        </p:attrNameLst>
+                                      </p:cBhvr>
+                                      <p:to>
+                                        <p:strVal val="visible"/>
+                                      </p:to>
+                                    </p:set>
+                                    <p:animEffect transition="in" filter="fade">
+                                      <p:cBhvr>
+                                        <p:cTn id="15" dur="250"/>
+                                        <p:tgtEl>
+                                          <p:spTgt spid="15362">
+                                            <p:txEl>
+                                              <p:pRg st="1" end="1"/>
+                                            </p:txEl>
+                                          </p:spTgt>
+                                        </p:tgtEl>
+                                      </p:cBhvr>
+                                    </p:animEffect>
+                                  </p:childTnLst>
+                                </p:cTn>
+                              </p:par>
+                            </p:childTnLst>
+                          </p:cTn>
+                        </p:par>
+                        <p:par>
+                          <p:cTn id="16" fill="hold">
+                            <p:stCondLst>
+                              <p:cond delay="750"/>
+                            </p:stCondLst>
+                            <p:childTnLst>
+                              <p:par>
+                                <p:cTn id="17" presetID="10" presetClass="entr" presetSubtype="0" fill="hold" grpId="0" nodeType="afterEffect">
+                                  <p:stCondLst>
+                                    <p:cond delay="0"/>
+                                  </p:stCondLst>
+                                  <p:childTnLst>
+                                    <p:set>
+                                      <p:cBhvr>
+                                        <p:cTn id="18" dur="1" fill="hold">
+                                          <p:stCondLst>
+                                            <p:cond delay="0"/>
+                                          </p:stCondLst>
+                                        </p:cTn>
+                                        <p:tgtEl>
+                                          <p:spTgt spid="15362">
+                                            <p:txEl>
+                                              <p:pRg st="2" end="2"/>
+                                            </p:txEl>
+                                          </p:spTgt>
+                                        </p:tgtEl>
+                                        <p:attrNameLst>
+                                          <p:attrName>style.visibility</p:attrName>
+                                        </p:attrNameLst>
+                                      </p:cBhvr>
+                                      <p:to>
+                                        <p:strVal val="visible"/>
+                                      </p:to>
+                                    </p:set>
+                                    <p:animEffect transition="in" filter="fade">
+                                      <p:cBhvr>
+                                        <p:cTn id="19" dur="250"/>
+                                        <p:tgtEl>
+                                          <p:spTgt spid="15362">
+                                            <p:txEl>
+                                              <p:pRg st="2" end="2"/>
+                                            </p:txEl>
+                                          </p:spTgt>
+                                        </p:tgtEl>
+                                      </p:cBhvr>
+                                    </p:animEffect>
+                                  </p:childTnLst>
+                                </p:cTn>
+                              </p:par>
+                            </p:childTnLst>
+                          </p:cTn>
+                        </p:par>
+                        <p:par>
+                          <p:cTn id="20" fill="hold">
+                            <p:stCondLst>
+                              <p:cond delay="1000"/>
+                            </p:stCondLst>
+                            <p:childTnLst>
+                              <p:par>
+                                <p:cTn id="21" presetID="10" presetClass="entr" presetSubtype="0" fill="hold" grpId="0" nodeType="afterEffect">
+                                  <p:stCondLst>
+                                    <p:cond delay="0"/>
+                                  </p:stCondLst>
+                                  <p:childTnLst>
+                                    <p:set>
+                                      <p:cBhvr>
+                                        <p:cTn id="22" dur="1" fill="hold">
+                                          <p:stCondLst>
+                                            <p:cond delay="0"/>
+                                          </p:stCondLst>
+                                        </p:cTn>
+                                        <p:tgtEl>
+                                          <p:spTgt spid="15362">
+                                            <p:txEl>
+                                              <p:pRg st="3" end="3"/>
+                                            </p:txEl>
+                                          </p:spTgt>
+                                        </p:tgtEl>
+                                        <p:attrNameLst>
+                                          <p:attrName>style.visibility</p:attrName>
+                                        </p:attrNameLst>
+                                      </p:cBhvr>
+                                      <p:to>
+                                        <p:strVal val="visible"/>
+                                      </p:to>
+                                    </p:set>
+                                    <p:animEffect transition="in" filter="fade">
+                                      <p:cBhvr>
+                                        <p:cTn id="23" dur="250"/>
+                                        <p:tgtEl>
+                                          <p:spTgt spid="15362">
+                                            <p:txEl>
+                                              <p:pRg st="3" end="3"/>
+                                            </p:txEl>
+                                          </p:spTgt>
+                                        </p:tgtEl>
+                                      </p:cBhvr>
+                                    </p:animEffect>
+                                  </p:childTnLst>
+                                </p:cTn>
+                              </p:par>
+                            </p:childTnLst>
+                          </p:cTn>
+                        </p:par>
+                        <p:par>
+                          <p:cTn id="24" fill="hold">
+                            <p:stCondLst>
+                              <p:cond delay="1250"/>
+                            </p:stCondLst>
+                            <p:childTnLst>
+                              <p:par>
+                                <p:cTn id="25" presetID="10" presetClass="entr" presetSubtype="0" fill="hold" grpId="0" nodeType="afterEffect">
+                                  <p:stCondLst>
+                                    <p:cond delay="0"/>
+                                  </p:stCondLst>
+                                  <p:childTnLst>
+                                    <p:set>
+                                      <p:cBhvr>
+                                        <p:cTn id="26" dur="1" fill="hold">
+                                          <p:stCondLst>
+                                            <p:cond delay="0"/>
+                                          </p:stCondLst>
+                                        </p:cTn>
+                                        <p:tgtEl>
+                                          <p:spTgt spid="15362">
+                                            <p:txEl>
+                                              <p:pRg st="4" end="4"/>
+                                            </p:txEl>
+                                          </p:spTgt>
+                                        </p:tgtEl>
+                                        <p:attrNameLst>
+                                          <p:attrName>style.visibility</p:attrName>
+                                        </p:attrNameLst>
+                                      </p:cBhvr>
+                                      <p:to>
+                                        <p:strVal val="visible"/>
+                                      </p:to>
+                                    </p:set>
+                                    <p:animEffect transition="in" filter="fade">
+                                      <p:cBhvr>
+                                        <p:cTn id="27" dur="250"/>
+                                        <p:tgtEl>
+                                          <p:spTgt spid="15362">
+                                            <p:txEl>
+                                              <p:pRg st="4" end="4"/>
+                                            </p:txEl>
+                                          </p:spTgt>
                                         </p:tgtEl>
                                       </p:cBhvr>
                                     </p:animEffect>
@@ -8380,13 +9564,14 @@
       </p:par>
     </p:tnLst>
     <p:bldLst>
+      <p:bldP spid="15362" grpId="0" build="p"/>
       <p:bldP spid="2" grpId="0"/>
     </p:bldLst>
   </p:timing>
 </p:sld>
 </file>
 
-<file path=ppt/slides/slide13.xml><?xml version="1.0" encoding="utf-8"?>
+<file path=ppt/slides/slide14.xml><?xml version="1.0" encoding="utf-8"?>
 <p:sld xmlns:a="http://schemas.openxmlformats.org/drawingml/2006/main" xmlns:r="http://schemas.openxmlformats.org/officeDocument/2006/relationships" xmlns:p="http://schemas.openxmlformats.org/presentationml/2006/main">
   <p:cSld>
     <p:spTree>
@@ -8433,33 +9618,15 @@
                 <a:latin typeface="Times New Roman" panose="02020603050405020304" pitchFamily="18" charset="0"/>
                 <a:cs typeface="Times New Roman" panose="02020603050405020304" pitchFamily="18" charset="0"/>
               </a:rPr>
-              <a:t>Android 6.0.1 (RJ-45), Android 6.0.1 (OTG</a:t>
-            </a:r>
-            <a:r>
-              <a:rPr lang="en-US" altLang="zh-TW" sz="1800" dirty="0" smtClean="0">
-                <a:latin typeface="Times New Roman" panose="02020603050405020304" pitchFamily="18" charset="0"/>
-                <a:cs typeface="Times New Roman" panose="02020603050405020304" pitchFamily="18" charset="0"/>
-              </a:rPr>
-              <a:t>)</a:t>
-            </a:r>
-            <a:endParaRPr lang="en-US" altLang="zh-TW" sz="1800" dirty="0">
-              <a:latin typeface="Times New Roman" panose="02020603050405020304" pitchFamily="18" charset="0"/>
-              <a:cs typeface="Times New Roman" panose="02020603050405020304" pitchFamily="18" charset="0"/>
-            </a:endParaRPr>
-          </a:p>
-          <a:p>
-            <a:pPr marL="342900" lvl="1" indent="-342900" eaLnBrk="1" hangingPunct="1">
+              <a:t>System Structure</a:t>
+            </a:r>
+          </a:p>
+          <a:p>
+            <a:pPr eaLnBrk="1" hangingPunct="1">
               <a:buFont typeface="Arial" charset="0"/>
               <a:buChar char="•"/>
               <a:defRPr/>
             </a:pPr>
-            <a:r>
-              <a:rPr lang="en-US" altLang="zh-TW" sz="1800" dirty="0" smtClean="0">
-                <a:latin typeface="Times New Roman" panose="02020603050405020304" pitchFamily="18" charset="0"/>
-                <a:cs typeface="Times New Roman" panose="02020603050405020304" pitchFamily="18" charset="0"/>
-              </a:rPr>
-              <a:t>System Structure</a:t>
-            </a:r>
             <a:endParaRPr lang="en-US" altLang="zh-TW" sz="1800" dirty="0">
               <a:latin typeface="Times New Roman" panose="02020603050405020304" pitchFamily="18" charset="0"/>
               <a:cs typeface="Times New Roman" panose="02020603050405020304" pitchFamily="18" charset="0"/>
@@ -8498,7 +9665,7 @@
                 <a:latin typeface="Times New Roman" panose="02020603050405020304" pitchFamily="18" charset="0"/>
                 <a:cs typeface="Times New Roman" panose="02020603050405020304" pitchFamily="18" charset="0"/>
               </a:rPr>
-              <a:t>Airplane </a:t>
+              <a:t>Wi-Fi </a:t>
             </a:r>
             <a:r>
               <a:rPr lang="en-US" altLang="zh-TW" sz="2800" kern="0" dirty="0">
@@ -8508,7 +9675,7 @@
                 <a:latin typeface="Times New Roman" panose="02020603050405020304" pitchFamily="18" charset="0"/>
                 <a:cs typeface="Times New Roman" panose="02020603050405020304" pitchFamily="18" charset="0"/>
               </a:rPr>
-              <a:t>on/off mode </a:t>
+              <a:t>frequency switch automation (2.4G, 5G</a:t>
             </a:r>
             <a:r>
               <a:rPr lang="en-US" altLang="zh-TW" sz="2800" kern="0" dirty="0" smtClean="0">
@@ -8518,7 +9685,7 @@
                 <a:latin typeface="Times New Roman" panose="02020603050405020304" pitchFamily="18" charset="0"/>
                 <a:cs typeface="Times New Roman" panose="02020603050405020304" pitchFamily="18" charset="0"/>
               </a:rPr>
-              <a:t>automation</a:t>
+              <a:t>)</a:t>
             </a:r>
             <a:endParaRPr lang="zh-TW" altLang="en-US" sz="2800" kern="0" dirty="0">
               <a:solidFill>
@@ -8533,7 +9700,7 @@
     </p:spTree>
     <p:extLst>
       <p:ext uri="{BB962C8B-B14F-4D97-AF65-F5344CB8AC3E}">
-        <p14:creationId xmlns:p14="http://schemas.microsoft.com/office/powerpoint/2010/main" val="3412901425"/>
+        <p14:creationId xmlns:p14="http://schemas.microsoft.com/office/powerpoint/2010/main" val="3928810146"/>
       </p:ext>
     </p:extLst>
   </p:cSld>
@@ -8601,7 +9768,7 @@
                                     </p:set>
                                     <p:animEffect transition="in" filter="fade">
                                       <p:cBhvr>
-                                        <p:cTn id="7" dur="500"/>
+                                        <p:cTn id="7" dur="250"/>
                                         <p:tgtEl>
                                           <p:spTgt spid="2"/>
                                         </p:tgtEl>
@@ -8613,258 +9780,31 @@
                             </p:childTnLst>
                           </p:cTn>
                         </p:par>
-                      </p:childTnLst>
-                    </p:cTn>
-                  </p:par>
-                </p:childTnLst>
-              </p:cTn>
-              <p:prevCondLst>
-                <p:cond evt="onPrev" delay="0">
-                  <p:tgtEl>
-                    <p:sldTgt/>
-                  </p:tgtEl>
-                </p:cond>
-              </p:prevCondLst>
-              <p:nextCondLst>
-                <p:cond evt="onNext" delay="0">
-                  <p:tgtEl>
-                    <p:sldTgt/>
-                  </p:tgtEl>
-                </p:cond>
-              </p:nextCondLst>
-            </p:seq>
-          </p:childTnLst>
-        </p:cTn>
-      </p:par>
-    </p:tnLst>
-    <p:bldLst>
-      <p:bldP spid="2" grpId="0"/>
-    </p:bldLst>
-  </p:timing>
-</p:sld>
-</file>
-
-<file path=ppt/slides/slide14.xml><?xml version="1.0" encoding="utf-8"?>
-<p:sld xmlns:a="http://schemas.openxmlformats.org/drawingml/2006/main" xmlns:r="http://schemas.openxmlformats.org/officeDocument/2006/relationships" xmlns:p="http://schemas.openxmlformats.org/presentationml/2006/main">
-  <p:cSld>
-    <p:spTree>
-      <p:nvGrpSpPr>
-        <p:cNvPr id="1" name=""/>
-        <p:cNvGrpSpPr/>
-        <p:nvPr/>
-      </p:nvGrpSpPr>
-      <p:grpSpPr>
-        <a:xfrm>
-          <a:off x="0" y="0"/>
-          <a:ext cx="0" cy="0"/>
-          <a:chOff x="0" y="0"/>
-          <a:chExt cx="0" cy="0"/>
-        </a:xfrm>
-      </p:grpSpPr>
-      <p:sp>
-        <p:nvSpPr>
-          <p:cNvPr id="15362" name="內容版面配置區 5"/>
-          <p:cNvSpPr>
-            <a:spLocks noGrp="1"/>
-          </p:cNvSpPr>
-          <p:nvPr>
-            <p:ph idx="1"/>
-          </p:nvPr>
-        </p:nvSpPr>
-        <p:spPr>
-          <a:xfrm>
-            <a:off x="457200" y="936625"/>
-            <a:ext cx="8229600" cy="3575050"/>
-          </a:xfrm>
-        </p:spPr>
-        <p:txBody>
-          <a:bodyPr/>
-          <a:lstStyle/>
-          <a:p>
-            <a:pPr marL="342900" lvl="1" indent="-342900" eaLnBrk="1" hangingPunct="1">
-              <a:buFont typeface="Arial" charset="0"/>
-              <a:buChar char="•"/>
-              <a:defRPr/>
-            </a:pPr>
-            <a:r>
-              <a:rPr lang="en-US" altLang="zh-TW" sz="1800" dirty="0">
-                <a:latin typeface="Times New Roman" panose="02020603050405020304" pitchFamily="18" charset="0"/>
-                <a:cs typeface="Times New Roman" panose="02020603050405020304" pitchFamily="18" charset="0"/>
-              </a:rPr>
-              <a:t>Android 8.1.0</a:t>
-            </a:r>
-            <a:r>
-              <a:rPr lang="zh-TW" altLang="en-US" sz="1800" dirty="0">
-                <a:latin typeface="Times New Roman" panose="02020603050405020304" pitchFamily="18" charset="0"/>
-                <a:cs typeface="Times New Roman" panose="02020603050405020304" pitchFamily="18" charset="0"/>
-              </a:rPr>
-              <a:t> </a:t>
-            </a:r>
-            <a:r>
-              <a:rPr lang="en-US" altLang="zh-TW" sz="1800" dirty="0">
-                <a:latin typeface="Times New Roman" panose="02020603050405020304" pitchFamily="18" charset="0"/>
-                <a:cs typeface="Times New Roman" panose="02020603050405020304" pitchFamily="18" charset="0"/>
-              </a:rPr>
-              <a:t>(RJ-45), Android 8.1.0 (OTG)</a:t>
-            </a:r>
-          </a:p>
-          <a:p>
-            <a:pPr marL="342900" lvl="1" indent="-342900" eaLnBrk="1" hangingPunct="1">
-              <a:buFont typeface="Arial" charset="0"/>
-              <a:buChar char="•"/>
-              <a:defRPr/>
-            </a:pPr>
-            <a:r>
-              <a:rPr lang="en-US" altLang="zh-TW" sz="1800" dirty="0" smtClean="0">
-                <a:latin typeface="Times New Roman" panose="02020603050405020304" pitchFamily="18" charset="0"/>
-                <a:cs typeface="Times New Roman" panose="02020603050405020304" pitchFamily="18" charset="0"/>
-              </a:rPr>
-              <a:t>System </a:t>
-            </a:r>
-            <a:r>
-              <a:rPr lang="en-US" altLang="zh-TW" sz="1800" dirty="0">
-                <a:latin typeface="Times New Roman" panose="02020603050405020304" pitchFamily="18" charset="0"/>
-                <a:cs typeface="Times New Roman" panose="02020603050405020304" pitchFamily="18" charset="0"/>
-              </a:rPr>
-              <a:t>Structure</a:t>
-            </a:r>
-          </a:p>
-          <a:p>
-            <a:pPr eaLnBrk="1" hangingPunct="1">
-              <a:buFont typeface="Arial" charset="0"/>
-              <a:buChar char="•"/>
-              <a:defRPr/>
-            </a:pPr>
-            <a:endParaRPr lang="en-US" altLang="zh-TW" sz="1800" dirty="0">
-              <a:latin typeface="Times New Roman" panose="02020603050405020304" pitchFamily="18" charset="0"/>
-              <a:cs typeface="Times New Roman" panose="02020603050405020304" pitchFamily="18" charset="0"/>
-            </a:endParaRPr>
-          </a:p>
-        </p:txBody>
-      </p:sp>
-      <p:sp>
-        <p:nvSpPr>
-          <p:cNvPr id="2" name="標題 4"/>
-          <p:cNvSpPr>
-            <a:spLocks noGrp="1"/>
-          </p:cNvSpPr>
-          <p:nvPr>
-            <p:ph type="title"/>
-          </p:nvPr>
-        </p:nvSpPr>
-        <p:spPr>
-          <a:xfrm>
-            <a:off x="457200" y="87313"/>
-            <a:ext cx="8229600" cy="756000"/>
-          </a:xfrm>
-        </p:spPr>
-        <p:txBody>
-          <a:bodyPr/>
-          <a:lstStyle/>
-          <a:p>
-            <a:pPr eaLnBrk="1" hangingPunct="1">
-              <a:defRPr/>
-            </a:pPr>
-            <a:r>
-              <a:rPr lang="en-US" altLang="zh-TW" sz="2800" kern="0" dirty="0" smtClean="0">
-                <a:solidFill>
-                  <a:srgbClr val="003366"/>
-                </a:solidFill>
-                <a:latin typeface="Times New Roman" panose="02020603050405020304" pitchFamily="18" charset="0"/>
-                <a:cs typeface="Times New Roman" panose="02020603050405020304" pitchFamily="18" charset="0"/>
-              </a:rPr>
-              <a:t>Airplane </a:t>
-            </a:r>
-            <a:r>
-              <a:rPr lang="en-US" altLang="zh-TW" sz="2800" kern="0" dirty="0">
-                <a:solidFill>
-                  <a:srgbClr val="003366"/>
-                </a:solidFill>
-                <a:latin typeface="Times New Roman" panose="02020603050405020304" pitchFamily="18" charset="0"/>
-                <a:cs typeface="Times New Roman" panose="02020603050405020304" pitchFamily="18" charset="0"/>
-              </a:rPr>
-              <a:t>on/off mode </a:t>
-            </a:r>
-            <a:r>
-              <a:rPr lang="en-US" altLang="zh-TW" sz="2800" kern="0" dirty="0" smtClean="0">
-                <a:solidFill>
-                  <a:srgbClr val="003366"/>
-                </a:solidFill>
-                <a:latin typeface="Times New Roman" panose="02020603050405020304" pitchFamily="18" charset="0"/>
-                <a:cs typeface="Times New Roman" panose="02020603050405020304" pitchFamily="18" charset="0"/>
-              </a:rPr>
-              <a:t>automation</a:t>
-            </a:r>
-            <a:endParaRPr lang="zh-TW" altLang="en-US" sz="2800" kern="0" dirty="0">
-              <a:solidFill>
-                <a:srgbClr val="003366"/>
-              </a:solidFill>
-              <a:latin typeface="Times New Roman" panose="02020603050405020304" pitchFamily="18" charset="0"/>
-              <a:cs typeface="Times New Roman" panose="02020603050405020304" pitchFamily="18" charset="0"/>
-            </a:endParaRPr>
-          </a:p>
-        </p:txBody>
-      </p:sp>
-    </p:spTree>
-    <p:extLst>
-      <p:ext uri="{BB962C8B-B14F-4D97-AF65-F5344CB8AC3E}">
-        <p14:creationId xmlns:p14="http://schemas.microsoft.com/office/powerpoint/2010/main" val="1280512324"/>
-      </p:ext>
-    </p:extLst>
-  </p:cSld>
-  <p:clrMapOvr>
-    <a:masterClrMapping/>
-  </p:clrMapOvr>
-  <mc:AlternateContent xmlns:mc="http://schemas.openxmlformats.org/markup-compatibility/2006" xmlns:p14="http://schemas.microsoft.com/office/powerpoint/2010/main">
-    <mc:Choice Requires="p14">
-      <p:transition spd="med" p14:dur="700" advClick="0">
-        <p:fade/>
-      </p:transition>
-    </mc:Choice>
-    <mc:Fallback xmlns="">
-      <p:transition spd="med" advClick="0">
-        <p:fade/>
-      </p:transition>
-    </mc:Fallback>
-  </mc:AlternateContent>
-  <p:timing>
-    <p:tnLst>
-      <p:par>
-        <p:cTn id="1" dur="indefinite" restart="never" nodeType="tmRoot">
-          <p:childTnLst>
-            <p:seq concurrent="1" nextAc="seek">
-              <p:cTn id="2" dur="indefinite" nodeType="mainSeq">
-                <p:childTnLst>
-                  <p:par>
-                    <p:cTn id="3" fill="hold">
-                      <p:stCondLst>
-                        <p:cond delay="indefinite"/>
-                        <p:cond evt="onBegin" delay="0">
-                          <p:tn val="2"/>
-                        </p:cond>
-                      </p:stCondLst>
-                      <p:childTnLst>
                         <p:par>
-                          <p:cTn id="4" fill="hold">
+                          <p:cTn id="8" fill="hold">
                             <p:stCondLst>
-                              <p:cond delay="0"/>
+                              <p:cond delay="250"/>
                             </p:stCondLst>
                             <p:childTnLst>
                               <p:par>
-                                <p:cTn id="5" presetID="10" presetClass="entr" presetSubtype="0" fill="hold" grpId="0" nodeType="afterEffect">
+                                <p:cTn id="9" presetID="10" presetClass="entr" presetSubtype="0" fill="hold" nodeType="afterEffect">
                                   <p:stCondLst>
                                     <p:cond delay="0"/>
                                   </p:stCondLst>
                                   <p:childTnLst>
                                     <p:set>
                                       <p:cBhvr>
-                                        <p:cTn id="6" dur="1" fill="hold">
+                                        <p:cTn id="10" dur="1" fill="hold">
                                           <p:stCondLst>
                                             <p:cond delay="0"/>
                                           </p:stCondLst>
                                         </p:cTn>
                                         <p:tgtEl>
-                                          <p:spTgt spid="2"/>
+                                          <p:spTgt spid="15362">
+                                            <p:txEl>
+                                              <p:pRg st="0" end="0"/>
+                                            </p:txEl>
+                                          </p:spTgt>
                                         </p:tgtEl>
                                         <p:attrNameLst>
                                           <p:attrName>style.visibility</p:attrName>
@@ -8876,9 +9816,13 @@
                                     </p:set>
                                     <p:animEffect transition="in" filter="fade">
                                       <p:cBhvr>
-                                        <p:cTn id="7" dur="500"/>
-                                        <p:tgtEl>
-                                          <p:spTgt spid="2"/>
+                                        <p:cTn id="11" dur="250"/>
+                                        <p:tgtEl>
+                                          <p:spTgt spid="15362">
+                                            <p:txEl>
+                                              <p:pRg st="0" end="0"/>
+                                            </p:txEl>
+                                          </p:spTgt>
                                         </p:tgtEl>
                                       </p:cBhvr>
                                     </p:animEffect>
@@ -8962,29 +9906,11 @@
               <a:defRPr/>
             </a:pPr>
             <a:r>
-              <a:rPr lang="en-US" altLang="zh-TW" sz="1800" dirty="0" smtClean="0">
-                <a:latin typeface="Times New Roman" panose="02020603050405020304" pitchFamily="18" charset="0"/>
-                <a:cs typeface="Times New Roman" panose="02020603050405020304" pitchFamily="18" charset="0"/>
-              </a:rPr>
-              <a:t>Windows</a:t>
-            </a:r>
-            <a:endParaRPr lang="en-US" altLang="zh-TW" sz="1800" dirty="0">
-              <a:latin typeface="Times New Roman" panose="02020603050405020304" pitchFamily="18" charset="0"/>
-              <a:cs typeface="Times New Roman" panose="02020603050405020304" pitchFamily="18" charset="0"/>
-            </a:endParaRPr>
-          </a:p>
-          <a:p>
-            <a:pPr marL="342900" lvl="1" indent="-342900" eaLnBrk="1" hangingPunct="1">
-              <a:buFont typeface="Arial" charset="0"/>
-              <a:buChar char="•"/>
-              <a:defRPr/>
-            </a:pPr>
-            <a:r>
               <a:rPr lang="en-US" altLang="zh-TW" sz="1800" dirty="0">
                 <a:latin typeface="Times New Roman" panose="02020603050405020304" pitchFamily="18" charset="0"/>
                 <a:cs typeface="Times New Roman" panose="02020603050405020304" pitchFamily="18" charset="0"/>
               </a:rPr>
-              <a:t>System Structure</a:t>
+              <a:t>Conclusion</a:t>
             </a:r>
           </a:p>
           <a:p>
@@ -9031,7 +9957,7 @@
                 <a:latin typeface="Times New Roman" panose="02020603050405020304" pitchFamily="18" charset="0"/>
                 <a:cs typeface="Times New Roman" panose="02020603050405020304" pitchFamily="18" charset="0"/>
               </a:rPr>
-              <a:t>Airplane </a:t>
+              <a:t>Wi-Fi </a:t>
             </a:r>
             <a:r>
               <a:rPr lang="en-US" altLang="zh-TW" sz="2800" kern="0" dirty="0">
@@ -9041,7 +9967,7 @@
                 <a:latin typeface="Times New Roman" panose="02020603050405020304" pitchFamily="18" charset="0"/>
                 <a:cs typeface="Times New Roman" panose="02020603050405020304" pitchFamily="18" charset="0"/>
               </a:rPr>
-              <a:t>on/off mode </a:t>
+              <a:t>frequency switch automation (2.4G, 5G</a:t>
             </a:r>
             <a:r>
               <a:rPr lang="en-US" altLang="zh-TW" sz="2800" kern="0" dirty="0" smtClean="0">
@@ -9051,7 +9977,7 @@
                 <a:latin typeface="Times New Roman" panose="02020603050405020304" pitchFamily="18" charset="0"/>
                 <a:cs typeface="Times New Roman" panose="02020603050405020304" pitchFamily="18" charset="0"/>
               </a:rPr>
-              <a:t>automation</a:t>
+              <a:t>)</a:t>
             </a:r>
             <a:endParaRPr lang="zh-TW" altLang="en-US" sz="2800" kern="0" dirty="0">
               <a:solidFill>
@@ -9066,7 +9992,7 @@
     </p:spTree>
     <p:extLst>
       <p:ext uri="{BB962C8B-B14F-4D97-AF65-F5344CB8AC3E}">
-        <p14:creationId xmlns:p14="http://schemas.microsoft.com/office/powerpoint/2010/main" val="3614060286"/>
+        <p14:creationId xmlns:p14="http://schemas.microsoft.com/office/powerpoint/2010/main" val="2952815512"/>
       </p:ext>
     </p:extLst>
   </p:cSld>
@@ -9134,9 +10060,61 @@
                                     </p:set>
                                     <p:animEffect transition="in" filter="fade">
                                       <p:cBhvr>
-                                        <p:cTn id="7" dur="500"/>
+                                        <p:cTn id="7" dur="250"/>
                                         <p:tgtEl>
                                           <p:spTgt spid="2"/>
+                                        </p:tgtEl>
+                                      </p:cBhvr>
+                                    </p:animEffect>
+                                  </p:childTnLst>
+                                </p:cTn>
+                              </p:par>
+                            </p:childTnLst>
+                          </p:cTn>
+                        </p:par>
+                        <p:par>
+                          <p:cTn id="8" fill="hold">
+                            <p:stCondLst>
+                              <p:cond delay="250"/>
+                            </p:stCondLst>
+                            <p:childTnLst>
+                              <p:par>
+                                <p:cTn id="9" presetID="10" presetClass="entr" presetSubtype="0" fill="hold" nodeType="afterEffect">
+                                  <p:stCondLst>
+                                    <p:cond delay="0"/>
+                                  </p:stCondLst>
+                                  <p:childTnLst>
+                                    <p:set>
+                                      <p:cBhvr>
+                                        <p:cTn id="10" dur="1" fill="hold">
+                                          <p:stCondLst>
+                                            <p:cond delay="0"/>
+                                          </p:stCondLst>
+                                        </p:cTn>
+                                        <p:tgtEl>
+                                          <p:spTgt spid="15362">
+                                            <p:txEl>
+                                              <p:pRg st="0" end="0"/>
+                                            </p:txEl>
+                                          </p:spTgt>
+                                        </p:tgtEl>
+                                        <p:attrNameLst>
+                                          <p:attrName>style.visibility</p:attrName>
+                                        </p:attrNameLst>
+                                      </p:cBhvr>
+                                      <p:to>
+                                        <p:strVal val="visible"/>
+                                      </p:to>
+                                    </p:set>
+                                    <p:animEffect transition="in" filter="fade">
+                                      <p:cBhvr>
+                                        <p:cTn id="11" dur="250"/>
+                                        <p:tgtEl>
+                                          <p:spTgt spid="15362">
+                                            <p:txEl>
+                                              <p:pRg st="0" end="0"/>
+                                            </p:txEl>
+                                          </p:spTgt>
                                         </p:tgtEl>
                                       </p:cBhvr>
                                     </p:animEffect>
@@ -9220,11 +10198,36 @@
               <a:defRPr/>
             </a:pPr>
             <a:r>
+              <a:rPr lang="en-US" altLang="zh-TW" sz="1800" dirty="0">
+                <a:latin typeface="Times New Roman" panose="02020603050405020304" pitchFamily="18" charset="0"/>
+                <a:cs typeface="Times New Roman" panose="02020603050405020304" pitchFamily="18" charset="0"/>
+              </a:rPr>
+              <a:t>Android 6.0.1 (RJ-45), Android 6.0.1 (OTG</a:t>
+            </a:r>
+            <a:r>
               <a:rPr lang="en-US" altLang="zh-TW" sz="1800" dirty="0" smtClean="0">
                 <a:latin typeface="Times New Roman" panose="02020603050405020304" pitchFamily="18" charset="0"/>
                 <a:cs typeface="Times New Roman" panose="02020603050405020304" pitchFamily="18" charset="0"/>
               </a:rPr>
-              <a:t>Conclusion</a:t>
+              <a:t>)</a:t>
+            </a:r>
+            <a:endParaRPr lang="en-US" altLang="zh-TW" sz="1800" dirty="0">
+              <a:latin typeface="Times New Roman" panose="02020603050405020304" pitchFamily="18" charset="0"/>
+              <a:cs typeface="Times New Roman" panose="02020603050405020304" pitchFamily="18" charset="0"/>
+            </a:endParaRPr>
+          </a:p>
+          <a:p>
+            <a:pPr marL="342900" lvl="1" indent="-342900" eaLnBrk="1" hangingPunct="1">
+              <a:buFont typeface="Arial" charset="0"/>
+              <a:buChar char="•"/>
+              <a:defRPr/>
+            </a:pPr>
+            <a:r>
+              <a:rPr lang="en-US" altLang="zh-TW" sz="1800" dirty="0" smtClean="0">
+                <a:latin typeface="Times New Roman" panose="02020603050405020304" pitchFamily="18" charset="0"/>
+                <a:cs typeface="Times New Roman" panose="02020603050405020304" pitchFamily="18" charset="0"/>
+              </a:rPr>
+              <a:t>System Structure</a:t>
             </a:r>
             <a:endParaRPr lang="en-US" altLang="zh-TW" sz="1800" dirty="0">
               <a:latin typeface="Times New Roman" panose="02020603050405020304" pitchFamily="18" charset="0"/>
@@ -9299,7 +10302,7 @@
     </p:spTree>
     <p:extLst>
       <p:ext uri="{BB962C8B-B14F-4D97-AF65-F5344CB8AC3E}">
-        <p14:creationId xmlns:p14="http://schemas.microsoft.com/office/powerpoint/2010/main" val="944696784"/>
+        <p14:creationId xmlns:p14="http://schemas.microsoft.com/office/powerpoint/2010/main" val="3412901425"/>
       </p:ext>
     </p:extLst>
   </p:cSld>
@@ -9367,9 +10370,113 @@
                                     </p:set>
                                     <p:animEffect transition="in" filter="fade">
                                       <p:cBhvr>
-                                        <p:cTn id="7" dur="500"/>
+                                        <p:cTn id="7" dur="250"/>
                                         <p:tgtEl>
                                           <p:spTgt spid="2"/>
+                                        </p:tgtEl>
+                                      </p:cBhvr>
+                                    </p:animEffect>
+                                  </p:childTnLst>
+                                </p:cTn>
+                              </p:par>
+                            </p:childTnLst>
+                          </p:cTn>
+                        </p:par>
+                        <p:par>
+                          <p:cTn id="8" fill="hold">
+                            <p:stCondLst>
+                              <p:cond delay="250"/>
+                            </p:stCondLst>
+                            <p:childTnLst>
+                              <p:par>
+                                <p:cTn id="9" presetID="10" presetClass="entr" presetSubtype="0" fill="hold" nodeType="afterEffect">
+                                  <p:stCondLst>
+                                    <p:cond delay="0"/>
+                                  </p:stCondLst>
+                                  <p:childTnLst>
+                                    <p:set>
+                                      <p:cBhvr>
+                                        <p:cTn id="10" dur="1" fill="hold">
+                                          <p:stCondLst>
+                                            <p:cond delay="0"/>
+                                          </p:stCondLst>
+                                        </p:cTn>
+                                        <p:tgtEl>
+                                          <p:spTgt spid="15362">
+                                            <p:txEl>
+                                              <p:pRg st="0" end="0"/>
+                                            </p:txEl>
+                                          </p:spTgt>
+                                        </p:tgtEl>
+                                        <p:attrNameLst>
+                                          <p:attrName>style.visibility</p:attrName>
+                                        </p:attrNameLst>
+                                      </p:cBhvr>
+                                      <p:to>
+                                        <p:strVal val="visible"/>
+                                      </p:to>
+                                    </p:set>
+                                    <p:animEffect transition="in" filter="fade">
+                                      <p:cBhvr>
+                                        <p:cTn id="11" dur="250"/>
+                                        <p:tgtEl>
+                                          <p:spTgt spid="15362">
+                                            <p:txEl>
+                                              <p:pRg st="0" end="0"/>
+                                            </p:txEl>
+                                          </p:spTgt>
+                                        </p:tgtEl>
+                                      </p:cBhvr>
+                                    </p:animEffect>
+                                  </p:childTnLst>
+                                </p:cTn>
+                              </p:par>
+                            </p:childTnLst>
+                          </p:cTn>
+                        </p:par>
+                        <p:par>
+                          <p:cTn id="12" fill="hold">
+                            <p:stCondLst>
+                              <p:cond delay="500"/>
+                            </p:stCondLst>
+                            <p:childTnLst>
+                              <p:par>
+                                <p:cTn id="13" presetID="10" presetClass="entr" presetSubtype="0" fill="hold" nodeType="afterEffect">
+                                  <p:stCondLst>
+                                    <p:cond delay="0"/>
+                                  </p:stCondLst>
+                                  <p:childTnLst>
+                                    <p:set>
+                                      <p:cBhvr>
+                                        <p:cTn id="14" dur="1" fill="hold">
+                                          <p:stCondLst>
+                                            <p:cond delay="0"/>
+                                          </p:stCondLst>
+                                        </p:cTn>
+                                        <p:tgtEl>
+                                          <p:spTgt spid="15362">
+                                            <p:txEl>
+                                              <p:pRg st="1" end="1"/>
+                                            </p:txEl>
+                                          </p:spTgt>
+                                        </p:tgtEl>
+                                        <p:attrNameLst>
+                                          <p:attrName>style.visibility</p:attrName>
+                                        </p:attrNameLst>
+                                      </p:cBhvr>
+                                      <p:to>
+                                        <p:strVal val="visible"/>
+                                      </p:to>
+                                    </p:set>
+                                    <p:animEffect transition="in" filter="fade">
+                                      <p:cBhvr>
+                                        <p:cTn id="15" dur="250"/>
+                                        <p:tgtEl>
+                                          <p:spTgt spid="15362">
+                                            <p:txEl>
+                                              <p:pRg st="1" end="1"/>
+                                            </p:txEl>
+                                          </p:spTgt>
                                         </p:tgtEl>
                                       </p:cBhvr>
                                     </p:animEffect>
@@ -9457,7 +10564,42 @@
                 <a:latin typeface="Times New Roman" panose="02020603050405020304" pitchFamily="18" charset="0"/>
                 <a:cs typeface="Times New Roman" panose="02020603050405020304" pitchFamily="18" charset="0"/>
               </a:rPr>
-              <a:t>System Structure</a:t>
+              <a:t>Android 8.1.0</a:t>
+            </a:r>
+            <a:r>
+              <a:rPr lang="zh-TW" altLang="en-US" sz="1800" dirty="0">
+                <a:latin typeface="Times New Roman" panose="02020603050405020304" pitchFamily="18" charset="0"/>
+                <a:cs typeface="Times New Roman" panose="02020603050405020304" pitchFamily="18" charset="0"/>
+              </a:rPr>
+              <a:t> </a:t>
+            </a:r>
+            <a:r>
+              <a:rPr lang="en-US" altLang="zh-TW" sz="1800" dirty="0">
+                <a:latin typeface="Times New Roman" panose="02020603050405020304" pitchFamily="18" charset="0"/>
+                <a:cs typeface="Times New Roman" panose="02020603050405020304" pitchFamily="18" charset="0"/>
+              </a:rPr>
+              <a:t>(RJ-45), Android 8.1.0 (OTG)</a:t>
+            </a:r>
+          </a:p>
+          <a:p>
+            <a:pPr marL="342900" lvl="1" indent="-342900" eaLnBrk="1" hangingPunct="1">
+              <a:buFont typeface="Arial" charset="0"/>
+              <a:buChar char="•"/>
+              <a:defRPr/>
+            </a:pPr>
+            <a:r>
+              <a:rPr lang="en-US" altLang="zh-TW" sz="1800" dirty="0" smtClean="0">
+                <a:latin typeface="Times New Roman" panose="02020603050405020304" pitchFamily="18" charset="0"/>
+                <a:cs typeface="Times New Roman" panose="02020603050405020304" pitchFamily="18" charset="0"/>
+              </a:rPr>
+              <a:t>System </a:t>
+            </a:r>
+            <a:r>
+              <a:rPr lang="en-US" altLang="zh-TW" sz="1800" dirty="0">
+                <a:latin typeface="Times New Roman" panose="02020603050405020304" pitchFamily="18" charset="0"/>
+                <a:cs typeface="Times New Roman" panose="02020603050405020304" pitchFamily="18" charset="0"/>
+              </a:rPr>
+              <a:t>Structure</a:t>
             </a:r>
           </a:p>
           <a:p>
@@ -9504,7 +10646,7 @@
                 <a:latin typeface="Times New Roman" panose="02020603050405020304" pitchFamily="18" charset="0"/>
                 <a:cs typeface="Times New Roman" panose="02020603050405020304" pitchFamily="18" charset="0"/>
               </a:rPr>
-              <a:t>Wi-Fi </a:t>
+              <a:t>Airplane </a:t>
             </a:r>
             <a:r>
               <a:rPr lang="en-US" altLang="zh-TW" sz="2800" kern="0" dirty="0">
@@ -9514,7 +10656,7 @@
                 <a:latin typeface="Times New Roman" panose="02020603050405020304" pitchFamily="18" charset="0"/>
                 <a:cs typeface="Times New Roman" panose="02020603050405020304" pitchFamily="18" charset="0"/>
               </a:rPr>
-              <a:t>frequency switch automation (2.4G, 5G</a:t>
+              <a:t>on/off mode </a:t>
             </a:r>
             <a:r>
               <a:rPr lang="en-US" altLang="zh-TW" sz="2800" kern="0" dirty="0" smtClean="0">
@@ -9524,7 +10666,7 @@
                 <a:latin typeface="Times New Roman" panose="02020603050405020304" pitchFamily="18" charset="0"/>
                 <a:cs typeface="Times New Roman" panose="02020603050405020304" pitchFamily="18" charset="0"/>
               </a:rPr>
-              <a:t>)</a:t>
+              <a:t>automation</a:t>
             </a:r>
             <a:endParaRPr lang="zh-TW" altLang="en-US" sz="2800" kern="0" dirty="0">
               <a:solidFill>
@@ -9539,7 +10681,7 @@
     </p:spTree>
     <p:extLst>
       <p:ext uri="{BB962C8B-B14F-4D97-AF65-F5344CB8AC3E}">
-        <p14:creationId xmlns:p14="http://schemas.microsoft.com/office/powerpoint/2010/main" val="3928810146"/>
+        <p14:creationId xmlns:p14="http://schemas.microsoft.com/office/powerpoint/2010/main" val="1280512324"/>
       </p:ext>
     </p:extLst>
   </p:cSld>
@@ -9607,9 +10749,113 @@
                                     </p:set>
                                     <p:animEffect transition="in" filter="fade">
                                       <p:cBhvr>
-                                        <p:cTn id="7" dur="500"/>
+                                        <p:cTn id="7" dur="250"/>
                                         <p:tgtEl>
                                           <p:spTgt spid="2"/>
+                                        </p:tgtEl>
+                                      </p:cBhvr>
+                                    </p:animEffect>
+                                  </p:childTnLst>
+                                </p:cTn>
+                              </p:par>
+                            </p:childTnLst>
+                          </p:cTn>
+                        </p:par>
+                        <p:par>
+                          <p:cTn id="8" fill="hold">
+                            <p:stCondLst>
+                              <p:cond delay="250"/>
+                            </p:stCondLst>
+                            <p:childTnLst>
+                              <p:par>
+                                <p:cTn id="9" presetID="10" presetClass="entr" presetSubtype="0" fill="hold" nodeType="afterEffect">
+                                  <p:stCondLst>
+                                    <p:cond delay="0"/>
+                                  </p:stCondLst>
+                                  <p:childTnLst>
+                                    <p:set>
+                                      <p:cBhvr>
+                                        <p:cTn id="10" dur="1" fill="hold">
+                                          <p:stCondLst>
+                                            <p:cond delay="0"/>
+                                          </p:stCondLst>
+                                        </p:cTn>
+                                        <p:tgtEl>
+                                          <p:spTgt spid="15362">
+                                            <p:txEl>
+                                              <p:pRg st="0" end="0"/>
+                                            </p:txEl>
+                                          </p:spTgt>
+                                        </p:tgtEl>
+                                        <p:attrNameLst>
+                                          <p:attrName>style.visibility</p:attrName>
+                                        </p:attrNameLst>
+                                      </p:cBhvr>
+                                      <p:to>
+                                        <p:strVal val="visible"/>
+                                      </p:to>
+                                    </p:set>
+                                    <p:animEffect transition="in" filter="fade">
+                                      <p:cBhvr>
+                                        <p:cTn id="11" dur="250"/>
+                                        <p:tgtEl>
+                                          <p:spTgt spid="15362">
+                                            <p:txEl>
+                                              <p:pRg st="0" end="0"/>
+                                            </p:txEl>
+                                          </p:spTgt>
+                                        </p:tgtEl>
+                                      </p:cBhvr>
+                                    </p:animEffect>
+                                  </p:childTnLst>
+                                </p:cTn>
+                              </p:par>
+                            </p:childTnLst>
+                          </p:cTn>
+                        </p:par>
+                        <p:par>
+                          <p:cTn id="12" fill="hold">
+                            <p:stCondLst>
+                              <p:cond delay="500"/>
+                            </p:stCondLst>
+                            <p:childTnLst>
+                              <p:par>
+                                <p:cTn id="13" presetID="10" presetClass="entr" presetSubtype="0" fill="hold" nodeType="afterEffect">
+                                  <p:stCondLst>
+                                    <p:cond delay="0"/>
+                                  </p:stCondLst>
+                                  <p:childTnLst>
+                                    <p:set>
+                                      <p:cBhvr>
+                                        <p:cTn id="14" dur="1" fill="hold">
+                                          <p:stCondLst>
+                                            <p:cond delay="0"/>
+                                          </p:stCondLst>
+                                        </p:cTn>
+                                        <p:tgtEl>
+                                          <p:spTgt spid="15362">
+                                            <p:txEl>
+                                              <p:pRg st="1" end="1"/>
+                                            </p:txEl>
+                                          </p:spTgt>
+                                        </p:tgtEl>
+                                        <p:attrNameLst>
+                                          <p:attrName>style.visibility</p:attrName>
+                                        </p:attrNameLst>
+                                      </p:cBhvr>
+                                      <p:to>
+                                        <p:strVal val="visible"/>
+                                      </p:to>
+                                    </p:set>
+                                    <p:animEffect transition="in" filter="fade">
+                                      <p:cBhvr>
+                                        <p:cTn id="15" dur="250"/>
+                                        <p:tgtEl>
+                                          <p:spTgt spid="15362">
+                                            <p:txEl>
+                                              <p:pRg st="1" end="1"/>
+                                            </p:txEl>
+                                          </p:spTgt>
                                         </p:tgtEl>
                                       </p:cBhvr>
                                     </p:animEffect>
@@ -9693,11 +10939,29 @@
               <a:defRPr/>
             </a:pPr>
             <a:r>
+              <a:rPr lang="en-US" altLang="zh-TW" sz="1800" dirty="0" smtClean="0">
+                <a:latin typeface="Times New Roman" panose="02020603050405020304" pitchFamily="18" charset="0"/>
+                <a:cs typeface="Times New Roman" panose="02020603050405020304" pitchFamily="18" charset="0"/>
+              </a:rPr>
+              <a:t>Windows</a:t>
+            </a:r>
+            <a:endParaRPr lang="en-US" altLang="zh-TW" sz="1800" dirty="0">
+              <a:latin typeface="Times New Roman" panose="02020603050405020304" pitchFamily="18" charset="0"/>
+              <a:cs typeface="Times New Roman" panose="02020603050405020304" pitchFamily="18" charset="0"/>
+            </a:endParaRPr>
+          </a:p>
+          <a:p>
+            <a:pPr marL="342900" lvl="1" indent="-342900" eaLnBrk="1" hangingPunct="1">
+              <a:buFont typeface="Arial" charset="0"/>
+              <a:buChar char="•"/>
+              <a:defRPr/>
+            </a:pPr>
+            <a:r>
               <a:rPr lang="en-US" altLang="zh-TW" sz="1800" dirty="0">
                 <a:latin typeface="Times New Roman" panose="02020603050405020304" pitchFamily="18" charset="0"/>
                 <a:cs typeface="Times New Roman" panose="02020603050405020304" pitchFamily="18" charset="0"/>
               </a:rPr>
-              <a:t>Conclusion</a:t>
+              <a:t>System Structure</a:t>
             </a:r>
           </a:p>
           <a:p>
@@ -9744,7 +11008,7 @@
                 <a:latin typeface="Times New Roman" panose="02020603050405020304" pitchFamily="18" charset="0"/>
                 <a:cs typeface="Times New Roman" panose="02020603050405020304" pitchFamily="18" charset="0"/>
               </a:rPr>
-              <a:t>Wi-Fi </a:t>
+              <a:t>Airplane </a:t>
             </a:r>
             <a:r>
               <a:rPr lang="en-US" altLang="zh-TW" sz="2800" kern="0" dirty="0">
@@ -9754,7 +11018,7 @@
                 <a:latin typeface="Times New Roman" panose="02020603050405020304" pitchFamily="18" charset="0"/>
                 <a:cs typeface="Times New Roman" panose="02020603050405020304" pitchFamily="18" charset="0"/>
               </a:rPr>
-              <a:t>frequency switch automation (2.4G, 5G</a:t>
+              <a:t>on/off mode </a:t>
             </a:r>
             <a:r>
               <a:rPr lang="en-US" altLang="zh-TW" sz="2800" kern="0" dirty="0" smtClean="0">
@@ -9764,7 +11028,7 @@
                 <a:latin typeface="Times New Roman" panose="02020603050405020304" pitchFamily="18" charset="0"/>
                 <a:cs typeface="Times New Roman" panose="02020603050405020304" pitchFamily="18" charset="0"/>
               </a:rPr>
-              <a:t>)</a:t>
+              <a:t>automation</a:t>
             </a:r>
             <a:endParaRPr lang="zh-TW" altLang="en-US" sz="2800" kern="0" dirty="0">
               <a:solidFill>
@@ -9779,7 +11043,7 @@
     </p:spTree>
     <p:extLst>
       <p:ext uri="{BB962C8B-B14F-4D97-AF65-F5344CB8AC3E}">
-        <p14:creationId xmlns:p14="http://schemas.microsoft.com/office/powerpoint/2010/main" val="2952815512"/>
+        <p14:creationId xmlns:p14="http://schemas.microsoft.com/office/powerpoint/2010/main" val="3614060286"/>
       </p:ext>
     </p:extLst>
   </p:cSld>
@@ -9847,9 +11111,113 @@
                                     </p:set>
                                     <p:animEffect transition="in" filter="fade">
                                       <p:cBhvr>
-                                        <p:cTn id="7" dur="500"/>
+                                        <p:cTn id="7" dur="250"/>
                                         <p:tgtEl>
                                           <p:spTgt spid="2"/>
+                                        </p:tgtEl>
+                                      </p:cBhvr>
+                                    </p:animEffect>
+                                  </p:childTnLst>
+                                </p:cTn>
+                              </p:par>
+                            </p:childTnLst>
+                          </p:cTn>
+                        </p:par>
+                        <p:par>
+                          <p:cTn id="8" fill="hold">
+                            <p:stCondLst>
+                              <p:cond delay="250"/>
+                            </p:stCondLst>
+                            <p:childTnLst>
+                              <p:par>
+                                <p:cTn id="9" presetID="10" presetClass="entr" presetSubtype="0" fill="hold" nodeType="afterEffect">
+                                  <p:stCondLst>
+                                    <p:cond delay="0"/>
+                                  </p:stCondLst>
+                                  <p:childTnLst>
+                                    <p:set>
+                                      <p:cBhvr>
+                                        <p:cTn id="10" dur="1" fill="hold">
+                                          <p:stCondLst>
+                                            <p:cond delay="0"/>
+                                          </p:stCondLst>
+                                        </p:cTn>
+                                        <p:tgtEl>
+                                          <p:spTgt spid="15362">
+                                            <p:txEl>
+                                              <p:pRg st="0" end="0"/>
+                                            </p:txEl>
+                                          </p:spTgt>
+                                        </p:tgtEl>
+                                        <p:attrNameLst>
+                                          <p:attrName>style.visibility</p:attrName>
+                                        </p:attrNameLst>
+                                      </p:cBhvr>
+                                      <p:to>
+                                        <p:strVal val="visible"/>
+                                      </p:to>
+                                    </p:set>
+                                    <p:animEffect transition="in" filter="fade">
+                                      <p:cBhvr>
+                                        <p:cTn id="11" dur="250"/>
+                                        <p:tgtEl>
+                                          <p:spTgt spid="15362">
+                                            <p:txEl>
+                                              <p:pRg st="0" end="0"/>
+                                            </p:txEl>
+                                          </p:spTgt>
+                                        </p:tgtEl>
+                                      </p:cBhvr>
+                                    </p:animEffect>
+                                  </p:childTnLst>
+                                </p:cTn>
+                              </p:par>
+                            </p:childTnLst>
+                          </p:cTn>
+                        </p:par>
+                        <p:par>
+                          <p:cTn id="12" fill="hold">
+                            <p:stCondLst>
+                              <p:cond delay="500"/>
+                            </p:stCondLst>
+                            <p:childTnLst>
+                              <p:par>
+                                <p:cTn id="13" presetID="10" presetClass="entr" presetSubtype="0" fill="hold" nodeType="afterEffect">
+                                  <p:stCondLst>
+                                    <p:cond delay="0"/>
+                                  </p:stCondLst>
+                                  <p:childTnLst>
+                                    <p:set>
+                                      <p:cBhvr>
+                                        <p:cTn id="14" dur="1" fill="hold">
+                                          <p:stCondLst>
+                                            <p:cond delay="0"/>
+                                          </p:stCondLst>
+                                        </p:cTn>
+                                        <p:tgtEl>
+                                          <p:spTgt spid="15362">
+                                            <p:txEl>
+                                              <p:pRg st="1" end="1"/>
+                                            </p:txEl>
+                                          </p:spTgt>
+                                        </p:tgtEl>
+                                        <p:attrNameLst>
+                                          <p:attrName>style.visibility</p:attrName>
+                                        </p:attrNameLst>
+                                      </p:cBhvr>
+                                      <p:to>
+                                        <p:strVal val="visible"/>
+                                      </p:to>
+                                    </p:set>
+                                    <p:animEffect transition="in" filter="fade">
+                                      <p:cBhvr>
+                                        <p:cTn id="15" dur="250"/>
+                                        <p:tgtEl>
+                                          <p:spTgt spid="15362">
+                                            <p:txEl>
+                                              <p:pRg st="1" end="1"/>
+                                            </p:txEl>
+                                          </p:spTgt>
                                         </p:tgtEl>
                                       </p:cBhvr>
                                     </p:animEffect>
@@ -9933,70 +11301,13 @@
               <a:defRPr/>
             </a:pPr>
             <a:r>
-              <a:rPr lang="en-US" altLang="zh-TW" sz="1800" dirty="0">
-                <a:latin typeface="Times New Roman" panose="02020603050405020304" pitchFamily="18" charset="0"/>
-                <a:cs typeface="Times New Roman" panose="02020603050405020304" pitchFamily="18" charset="0"/>
-              </a:rPr>
-              <a:t>The Tool base on the </a:t>
-            </a:r>
-            <a:r>
               <a:rPr lang="en-US" altLang="zh-TW" sz="1800" dirty="0" smtClean="0">
                 <a:latin typeface="Times New Roman" panose="02020603050405020304" pitchFamily="18" charset="0"/>
                 <a:cs typeface="Times New Roman" panose="02020603050405020304" pitchFamily="18" charset="0"/>
               </a:rPr>
-              <a:t>GPU resolution</a:t>
+              <a:t>Conclusion</a:t>
             </a:r>
             <a:endParaRPr lang="en-US" altLang="zh-TW" sz="1800" dirty="0">
-              <a:latin typeface="Times New Roman" panose="02020603050405020304" pitchFamily="18" charset="0"/>
-              <a:cs typeface="Times New Roman" panose="02020603050405020304" pitchFamily="18" charset="0"/>
-            </a:endParaRPr>
-          </a:p>
-          <a:p>
-            <a:pPr lvl="1" eaLnBrk="1" hangingPunct="1">
-              <a:buFont typeface="Arial" charset="0"/>
-              <a:buChar char="•"/>
-              <a:defRPr/>
-            </a:pPr>
-            <a:r>
-              <a:rPr lang="en-US" altLang="zh-TW" sz="1400" dirty="0" smtClean="0">
-                <a:latin typeface="Times New Roman" panose="02020603050405020304" pitchFamily="18" charset="0"/>
-                <a:cs typeface="Times New Roman" panose="02020603050405020304" pitchFamily="18" charset="0"/>
-              </a:rPr>
-              <a:t>Auto catch the resolution by batch code</a:t>
-            </a:r>
-          </a:p>
-          <a:p>
-            <a:pPr lvl="1" eaLnBrk="1" hangingPunct="1">
-              <a:buFont typeface="Arial" charset="0"/>
-              <a:buChar char="•"/>
-              <a:defRPr/>
-            </a:pPr>
-            <a:r>
-              <a:rPr lang="en-US" altLang="zh-TW" sz="1400" dirty="0">
-                <a:latin typeface="Times New Roman" panose="02020603050405020304" pitchFamily="18" charset="0"/>
-                <a:cs typeface="Times New Roman" panose="02020603050405020304" pitchFamily="18" charset="0"/>
-              </a:rPr>
-              <a:t>Auto catch the resolution by batch </a:t>
-            </a:r>
-            <a:r>
-              <a:rPr lang="en-US" altLang="zh-TW" sz="1400" dirty="0" smtClean="0">
-                <a:latin typeface="Times New Roman" panose="02020603050405020304" pitchFamily="18" charset="0"/>
-                <a:cs typeface="Times New Roman" panose="02020603050405020304" pitchFamily="18" charset="0"/>
-              </a:rPr>
-              <a:t>code. (Reboot)</a:t>
-            </a:r>
-            <a:endParaRPr lang="en-US" altLang="zh-TW" sz="1400" dirty="0">
-              <a:latin typeface="Times New Roman" panose="02020603050405020304" pitchFamily="18" charset="0"/>
-              <a:cs typeface="Times New Roman" panose="02020603050405020304" pitchFamily="18" charset="0"/>
-            </a:endParaRPr>
-          </a:p>
-          <a:p>
-            <a:pPr lvl="1" eaLnBrk="1" hangingPunct="1">
-              <a:buFont typeface="Arial" charset="0"/>
-              <a:buChar char="•"/>
-              <a:defRPr/>
-            </a:pPr>
-            <a:endParaRPr lang="en-US" altLang="zh-TW" sz="1400" dirty="0">
               <a:latin typeface="Times New Roman" panose="02020603050405020304" pitchFamily="18" charset="0"/>
               <a:cs typeface="Times New Roman" panose="02020603050405020304" pitchFamily="18" charset="0"/>
             </a:endParaRPr>
@@ -10034,7 +11345,17 @@
                 <a:latin typeface="Times New Roman" panose="02020603050405020304" pitchFamily="18" charset="0"/>
                 <a:cs typeface="Times New Roman" panose="02020603050405020304" pitchFamily="18" charset="0"/>
               </a:rPr>
-              <a:t>Resolution </a:t>
+              <a:t>Airplane </a:t>
+            </a:r>
+            <a:r>
+              <a:rPr lang="en-US" altLang="zh-TW" sz="2800" kern="0" dirty="0">
+                <a:solidFill>
+                  <a:srgbClr val="003366"/>
+                </a:solidFill>
+                <a:latin typeface="Times New Roman" panose="02020603050405020304" pitchFamily="18" charset="0"/>
+                <a:cs typeface="Times New Roman" panose="02020603050405020304" pitchFamily="18" charset="0"/>
+              </a:rPr>
+              <a:t>on/off mode </a:t>
             </a:r>
             <a:r>
               <a:rPr lang="en-US" altLang="zh-TW" sz="2800" kern="0" dirty="0" smtClean="0">
@@ -10056,67 +11377,10 @@
           </a:p>
         </p:txBody>
       </p:sp>
-      <p:graphicFrame>
-        <p:nvGraphicFramePr>
-          <p:cNvPr id="3" name="物件 2"/>
-          <p:cNvGraphicFramePr>
-            <a:graphicFrameLocks noChangeAspect="1"/>
-          </p:cNvGraphicFramePr>
-          <p:nvPr>
-            <p:extLst>
-              <p:ext uri="{D42A27DB-BD31-4B8C-83A1-F6EECF244321}">
-                <p14:modId xmlns:p14="http://schemas.microsoft.com/office/powerpoint/2010/main" val="3340479267"/>
-              </p:ext>
-            </p:extLst>
-          </p:nvPr>
-        </p:nvGraphicFramePr>
-        <p:xfrm>
-          <a:off x="1291653" y="1868869"/>
-          <a:ext cx="871919" cy="513257"/>
-        </p:xfrm>
-        <a:graphic>
-          <a:graphicData uri="http://schemas.openxmlformats.org/presentationml/2006/ole">
-            <mc:AlternateContent xmlns:mc="http://schemas.openxmlformats.org/markup-compatibility/2006">
-              <mc:Choice xmlns:v="urn:schemas-microsoft-com:vml" Requires="v">
-                <p:oleObj spid="_x0000_s3090" name="封裝程式殼層物件" showAsIcon="1" r:id="rId4" imgW="671760" imgH="394920" progId="Package">
-                  <p:embed/>
-                </p:oleObj>
-              </mc:Choice>
-              <mc:Fallback>
-                <p:oleObj name="封裝程式殼層物件" showAsIcon="1" r:id="rId4" imgW="671760" imgH="394920" progId="Package">
-                  <p:embed/>
-                  <p:pic>
-                    <p:nvPicPr>
-                      <p:cNvPr id="0" name=""/>
-                      <p:cNvPicPr/>
-                      <p:nvPr/>
-                    </p:nvPicPr>
-                    <p:blipFill>
-                      <a:blip r:embed="rId5"/>
-                      <a:stretch>
-                        <a:fillRect/>
-                      </a:stretch>
-                    </p:blipFill>
-                    <p:spPr>
-                      <a:xfrm>
-                        <a:off x="1291653" y="1868869"/>
-                        <a:ext cx="871919" cy="513257"/>
-                      </a:xfrm>
-                      <a:prstGeom prst="rect">
-                        <a:avLst/>
-                      </a:prstGeom>
-                    </p:spPr>
-                  </p:pic>
-                </p:oleObj>
-              </mc:Fallback>
-            </mc:AlternateContent>
-          </a:graphicData>
-        </a:graphic>
-      </p:graphicFrame>
     </p:spTree>
     <p:extLst>
       <p:ext uri="{BB962C8B-B14F-4D97-AF65-F5344CB8AC3E}">
-        <p14:creationId xmlns:p14="http://schemas.microsoft.com/office/powerpoint/2010/main" val="932677482"/>
+        <p14:creationId xmlns:p14="http://schemas.microsoft.com/office/powerpoint/2010/main" val="944696784"/>
       </p:ext>
     </p:extLst>
   </p:cSld>
@@ -10184,9 +11448,61 @@
                                     </p:set>
                                     <p:animEffect transition="in" filter="fade">
                                       <p:cBhvr>
-                                        <p:cTn id="7" dur="500"/>
+                                        <p:cTn id="7" dur="250"/>
                                         <p:tgtEl>
                                           <p:spTgt spid="2"/>
+                                        </p:tgtEl>
+                                      </p:cBhvr>
+                                    </p:animEffect>
+                                  </p:childTnLst>
+                                </p:cTn>
+                              </p:par>
+                            </p:childTnLst>
+                          </p:cTn>
+                        </p:par>
+                        <p:par>
+                          <p:cTn id="8" fill="hold">
+                            <p:stCondLst>
+                              <p:cond delay="250"/>
+                            </p:stCondLst>
+                            <p:childTnLst>
+                              <p:par>
+                                <p:cTn id="9" presetID="10" presetClass="entr" presetSubtype="0" fill="hold" nodeType="afterEffect">
+                                  <p:stCondLst>
+                                    <p:cond delay="0"/>
+                                  </p:stCondLst>
+                                  <p:childTnLst>
+                                    <p:set>
+                                      <p:cBhvr>
+                                        <p:cTn id="10" dur="1" fill="hold">
+                                          <p:stCondLst>
+                                            <p:cond delay="0"/>
+                                          </p:stCondLst>
+                                        </p:cTn>
+                                        <p:tgtEl>
+                                          <p:spTgt spid="15362">
+                                            <p:txEl>
+                                              <p:pRg st="0" end="0"/>
+                                            </p:txEl>
+                                          </p:spTgt>
+                                        </p:tgtEl>
+                                        <p:attrNameLst>
+                                          <p:attrName>style.visibility</p:attrName>
+                                        </p:attrNameLst>
+                                      </p:cBhvr>
+                                      <p:to>
+                                        <p:strVal val="visible"/>
+                                      </p:to>
+                                    </p:set>
+                                    <p:animEffect transition="in" filter="fade">
+                                      <p:cBhvr>
+                                        <p:cTn id="11" dur="250"/>
+                                        <p:tgtEl>
+                                          <p:spTgt spid="15362">
+                                            <p:txEl>
+                                              <p:pRg st="0" end="0"/>
+                                            </p:txEl>
+                                          </p:spTgt>
                                         </p:tgtEl>
                                       </p:cBhvr>
                                     </p:animEffect>
@@ -10479,7 +11795,7 @@
                                     </p:set>
                                     <p:animEffect transition="in" filter="fade">
                                       <p:cBhvr>
-                                        <p:cTn id="7" dur="500"/>
+                                        <p:cTn id="7" dur="250"/>
                                         <p:tgtEl>
                                           <p:spTgt spid="2"/>
                                         </p:tgtEl>
@@ -10494,7 +11810,7 @@
                         <p:par>
                           <p:cTn id="8" fill="hold">
                             <p:stCondLst>
-                              <p:cond delay="500"/>
+                              <p:cond delay="250"/>
                             </p:stCondLst>
                             <p:childTnLst>
                               <p:par>
@@ -10527,7 +11843,7 @@
                                     </p:set>
                                     <p:animEffect transition="in" filter="fade">
                                       <p:cBhvr>
-                                        <p:cTn id="11" dur="500"/>
+                                        <p:cTn id="11" dur="250"/>
                                         <p:tgtEl>
                                           <p:spTgt spid="15362">
                                             <p:txEl>
@@ -10546,7 +11862,7 @@
                         <p:par>
                           <p:cTn id="12" fill="hold">
                             <p:stCondLst>
-                              <p:cond delay="1000"/>
+                              <p:cond delay="500"/>
                             </p:stCondLst>
                             <p:childTnLst>
                               <p:par>
@@ -10579,7 +11895,7 @@
                                     </p:set>
                                     <p:animEffect transition="in" filter="fade">
                                       <p:cBhvr>
-                                        <p:cTn id="15" dur="500"/>
+                                        <p:cTn id="15" dur="250"/>
                                         <p:tgtEl>
                                           <p:spTgt spid="15362">
                                             <p:txEl>
@@ -10598,7 +11914,7 @@
                         <p:par>
                           <p:cTn id="16" fill="hold">
                             <p:stCondLst>
-                              <p:cond delay="1500"/>
+                              <p:cond delay="750"/>
                             </p:stCondLst>
                             <p:childTnLst>
                               <p:par>
@@ -10631,7 +11947,7 @@
                                     </p:set>
                                     <p:animEffect transition="in" filter="fade">
                                       <p:cBhvr>
-                                        <p:cTn id="19" dur="500"/>
+                                        <p:cTn id="19" dur="250"/>
                                         <p:tgtEl>
                                           <p:spTgt spid="15362">
                                             <p:txEl>
@@ -10650,7 +11966,7 @@
                         <p:par>
                           <p:cTn id="20" fill="hold">
                             <p:stCondLst>
-                              <p:cond delay="2000"/>
+                              <p:cond delay="1000"/>
                             </p:stCondLst>
                             <p:childTnLst>
                               <p:par>
@@ -10683,7 +11999,7 @@
                                     </p:set>
                                     <p:animEffect transition="in" filter="fade">
                                       <p:cBhvr>
-                                        <p:cTn id="23" dur="500"/>
+                                        <p:cTn id="23" dur="250"/>
                                         <p:tgtEl>
                                           <p:spTgt spid="15362">
                                             <p:txEl>
@@ -10778,16 +12094,66 @@
                 <a:latin typeface="Times New Roman" panose="02020603050405020304" pitchFamily="18" charset="0"/>
                 <a:cs typeface="Times New Roman" panose="02020603050405020304" pitchFamily="18" charset="0"/>
               </a:rPr>
-              <a:t>Conclusion</a:t>
-            </a:r>
-          </a:p>
-          <a:p>
-            <a:pPr eaLnBrk="1" hangingPunct="1">
+              <a:t>The Tool base on the </a:t>
+            </a:r>
+            <a:r>
+              <a:rPr lang="en-US" altLang="zh-TW" sz="1800" dirty="0" smtClean="0">
+                <a:latin typeface="Times New Roman" panose="02020603050405020304" pitchFamily="18" charset="0"/>
+                <a:cs typeface="Times New Roman" panose="02020603050405020304" pitchFamily="18" charset="0"/>
+              </a:rPr>
+              <a:t>GPU resolution</a:t>
+            </a:r>
+            <a:endParaRPr lang="en-US" altLang="zh-TW" sz="1800" dirty="0">
+              <a:latin typeface="Times New Roman" panose="02020603050405020304" pitchFamily="18" charset="0"/>
+              <a:cs typeface="Times New Roman" panose="02020603050405020304" pitchFamily="18" charset="0"/>
+            </a:endParaRPr>
+          </a:p>
+          <a:p>
+            <a:pPr lvl="1" eaLnBrk="1" hangingPunct="1">
               <a:buFont typeface="Arial" charset="0"/>
               <a:buChar char="•"/>
               <a:defRPr/>
             </a:pPr>
-            <a:endParaRPr lang="en-US" altLang="zh-TW" sz="1800" dirty="0">
+            <a:r>
+              <a:rPr lang="en-US" altLang="zh-TW" sz="1400" dirty="0" smtClean="0">
+                <a:latin typeface="Times New Roman" panose="02020603050405020304" pitchFamily="18" charset="0"/>
+                <a:cs typeface="Times New Roman" panose="02020603050405020304" pitchFamily="18" charset="0"/>
+              </a:rPr>
+              <a:t>Auto catch the resolution by batch code</a:t>
+            </a:r>
+          </a:p>
+          <a:p>
+            <a:pPr lvl="1" eaLnBrk="1" hangingPunct="1">
+              <a:buFont typeface="Arial" charset="0"/>
+              <a:buChar char="•"/>
+              <a:defRPr/>
+            </a:pPr>
+            <a:r>
+              <a:rPr lang="en-US" altLang="zh-TW" sz="1400" dirty="0">
+                <a:latin typeface="Times New Roman" panose="02020603050405020304" pitchFamily="18" charset="0"/>
+                <a:cs typeface="Times New Roman" panose="02020603050405020304" pitchFamily="18" charset="0"/>
+              </a:rPr>
+              <a:t>Auto catch the resolution by batch </a:t>
+            </a:r>
+            <a:r>
+              <a:rPr lang="en-US" altLang="zh-TW" sz="1400" dirty="0" smtClean="0">
+                <a:latin typeface="Times New Roman" panose="02020603050405020304" pitchFamily="18" charset="0"/>
+                <a:cs typeface="Times New Roman" panose="02020603050405020304" pitchFamily="18" charset="0"/>
+              </a:rPr>
+              <a:t>code. (Reboot)</a:t>
+            </a:r>
+            <a:endParaRPr lang="en-US" altLang="zh-TW" sz="1400" dirty="0">
+              <a:latin typeface="Times New Roman" panose="02020603050405020304" pitchFamily="18" charset="0"/>
+              <a:cs typeface="Times New Roman" panose="02020603050405020304" pitchFamily="18" charset="0"/>
+            </a:endParaRPr>
+          </a:p>
+          <a:p>
+            <a:pPr lvl="1" eaLnBrk="1" hangingPunct="1">
+              <a:buFont typeface="Arial" charset="0"/>
+              <a:buChar char="•"/>
+              <a:defRPr/>
+            </a:pPr>
+            <a:endParaRPr lang="en-US" altLang="zh-TW" sz="1400" dirty="0">
               <a:latin typeface="Times New Roman" panose="02020603050405020304" pitchFamily="18" charset="0"/>
               <a:cs typeface="Times New Roman" panose="02020603050405020304" pitchFamily="18" charset="0"/>
             </a:endParaRPr>
@@ -10825,8 +12191,530 @@
                 <a:latin typeface="Times New Roman" panose="02020603050405020304" pitchFamily="18" charset="0"/>
                 <a:cs typeface="Times New Roman" panose="02020603050405020304" pitchFamily="18" charset="0"/>
               </a:rPr>
-              <a:t>Resolution </a:t>
-            </a:r>
+              <a:t>Resolution automation</a:t>
+            </a:r>
+            <a:endParaRPr lang="zh-TW" altLang="en-US" sz="2800" kern="0" dirty="0">
+              <a:solidFill>
+                <a:srgbClr val="003366"/>
+              </a:solidFill>
+              <a:latin typeface="Times New Roman" panose="02020603050405020304" pitchFamily="18" charset="0"/>
+              <a:cs typeface="Times New Roman" panose="02020603050405020304" pitchFamily="18" charset="0"/>
+            </a:endParaRPr>
+          </a:p>
+        </p:txBody>
+      </p:sp>
+      <p:graphicFrame>
+        <p:nvGraphicFramePr>
+          <p:cNvPr id="3" name="物件 2"/>
+          <p:cNvGraphicFramePr>
+            <a:graphicFrameLocks noChangeAspect="1"/>
+          </p:cNvGraphicFramePr>
+          <p:nvPr>
+            <p:extLst>
+              <p:ext uri="{D42A27DB-BD31-4B8C-83A1-F6EECF244321}">
+                <p14:modId xmlns:p14="http://schemas.microsoft.com/office/powerpoint/2010/main" val="386067684"/>
+              </p:ext>
+            </p:extLst>
+          </p:nvPr>
+        </p:nvGraphicFramePr>
+        <p:xfrm>
+          <a:off x="1291653" y="1983169"/>
+          <a:ext cx="871919" cy="513257"/>
+        </p:xfrm>
+        <a:graphic>
+          <a:graphicData uri="http://schemas.openxmlformats.org/presentationml/2006/ole">
+            <mc:AlternateContent xmlns:mc="http://schemas.openxmlformats.org/markup-compatibility/2006">
+              <mc:Choice xmlns:v="urn:schemas-microsoft-com:vml" Requires="v">
+                <p:oleObj spid="_x0000_s3150" name="封裝程式殼層物件" showAsIcon="1" r:id="rId4" imgW="671760" imgH="394920" progId="Package">
+                  <p:embed/>
+                </p:oleObj>
+              </mc:Choice>
+              <mc:Fallback>
+                <p:oleObj name="封裝程式殼層物件" showAsIcon="1" r:id="rId4" imgW="671760" imgH="394920" progId="Package">
+                  <p:embed/>
+                  <p:pic>
+                    <p:nvPicPr>
+                      <p:cNvPr id="0" name=""/>
+                      <p:cNvPicPr/>
+                      <p:nvPr/>
+                    </p:nvPicPr>
+                    <p:blipFill>
+                      <a:blip r:embed="rId5"/>
+                      <a:stretch>
+                        <a:fillRect/>
+                      </a:stretch>
+                    </p:blipFill>
+                    <p:spPr>
+                      <a:xfrm>
+                        <a:off x="1291653" y="1983169"/>
+                        <a:ext cx="871919" cy="513257"/>
+                      </a:xfrm>
+                      <a:prstGeom prst="rect">
+                        <a:avLst/>
+                      </a:prstGeom>
+                    </p:spPr>
+                  </p:pic>
+                </p:oleObj>
+              </mc:Fallback>
+            </mc:AlternateContent>
+          </a:graphicData>
+        </a:graphic>
+      </p:graphicFrame>
+    </p:spTree>
+    <p:extLst>
+      <p:ext uri="{BB962C8B-B14F-4D97-AF65-F5344CB8AC3E}">
+        <p14:creationId xmlns:p14="http://schemas.microsoft.com/office/powerpoint/2010/main" val="932677482"/>
+      </p:ext>
+    </p:extLst>
+  </p:cSld>
+  <p:clrMapOvr>
+    <a:masterClrMapping/>
+  </p:clrMapOvr>
+  <mc:AlternateContent xmlns:mc="http://schemas.openxmlformats.org/markup-compatibility/2006" xmlns:p14="http://schemas.microsoft.com/office/powerpoint/2010/main">
+    <mc:Choice Requires="p14">
+      <p:transition spd="med" p14:dur="700" advClick="0">
+        <p:fade/>
+      </p:transition>
+    </mc:Choice>
+    <mc:Fallback xmlns="">
+      <p:transition spd="med" advClick="0">
+        <p:fade/>
+      </p:transition>
+    </mc:Fallback>
+  </mc:AlternateContent>
+  <p:timing>
+    <p:tnLst>
+      <p:par>
+        <p:cTn id="1" dur="indefinite" restart="never" nodeType="tmRoot">
+          <p:childTnLst>
+            <p:seq concurrent="1" nextAc="seek">
+              <p:cTn id="2" dur="indefinite" nodeType="mainSeq">
+                <p:childTnLst>
+                  <p:par>
+                    <p:cTn id="3" fill="hold">
+                      <p:stCondLst>
+                        <p:cond delay="indefinite"/>
+                        <p:cond evt="onBegin" delay="0">
+                          <p:tn val="2"/>
+                        </p:cond>
+                      </p:stCondLst>
+                      <p:childTnLst>
+                        <p:par>
+                          <p:cTn id="4" fill="hold">
+                            <p:stCondLst>
+                              <p:cond delay="0"/>
+                            </p:stCondLst>
+                            <p:childTnLst>
+                              <p:par>
+                                <p:cTn id="5" presetID="10" presetClass="entr" presetSubtype="0" fill="hold" grpId="0" nodeType="afterEffect">
+                                  <p:stCondLst>
+                                    <p:cond delay="0"/>
+                                  </p:stCondLst>
+                                  <p:childTnLst>
+                                    <p:set>
+                                      <p:cBhvr>
+                                        <p:cTn id="6" dur="1" fill="hold">
+                                          <p:stCondLst>
+                                            <p:cond delay="0"/>
+                                          </p:stCondLst>
+                                        </p:cTn>
+                                        <p:tgtEl>
+                                          <p:spTgt spid="2"/>
+                                        </p:tgtEl>
+                                        <p:attrNameLst>
+                                          <p:attrName>style.visibility</p:attrName>
+                                        </p:attrNameLst>
+                                      </p:cBhvr>
+                                      <p:to>
+                                        <p:strVal val="visible"/>
+                                      </p:to>
+                                    </p:set>
+                                    <p:animEffect transition="in" filter="fade">
+                                      <p:cBhvr>
+                                        <p:cTn id="7" dur="250"/>
+                                        <p:tgtEl>
+                                          <p:spTgt spid="2"/>
+                                        </p:tgtEl>
+                                      </p:cBhvr>
+                                    </p:animEffect>
+                                  </p:childTnLst>
+                                </p:cTn>
+                              </p:par>
+                            </p:childTnLst>
+                          </p:cTn>
+                        </p:par>
+                        <p:par>
+                          <p:cTn id="8" fill="hold">
+                            <p:stCondLst>
+                              <p:cond delay="250"/>
+                            </p:stCondLst>
+                            <p:childTnLst>
+                              <p:par>
+                                <p:cTn id="9" presetID="10" presetClass="entr" presetSubtype="0" fill="hold" grpId="0" nodeType="afterEffect">
+                                  <p:stCondLst>
+                                    <p:cond delay="0"/>
+                                  </p:stCondLst>
+                                  <p:childTnLst>
+                                    <p:set>
+                                      <p:cBhvr>
+                                        <p:cTn id="10" dur="1" fill="hold">
+                                          <p:stCondLst>
+                                            <p:cond delay="0"/>
+                                          </p:stCondLst>
+                                        </p:cTn>
+                                        <p:tgtEl>
+                                          <p:spTgt spid="15362">
+                                            <p:txEl>
+                                              <p:pRg st="0" end="0"/>
+                                            </p:txEl>
+                                          </p:spTgt>
+                                        </p:tgtEl>
+                                        <p:attrNameLst>
+                                          <p:attrName>style.visibility</p:attrName>
+                                        </p:attrNameLst>
+                                      </p:cBhvr>
+                                      <p:to>
+                                        <p:strVal val="visible"/>
+                                      </p:to>
+                                    </p:set>
+                                    <p:animEffect transition="in" filter="fade">
+                                      <p:cBhvr>
+                                        <p:cTn id="11" dur="250"/>
+                                        <p:tgtEl>
+                                          <p:spTgt spid="15362">
+                                            <p:txEl>
+                                              <p:pRg st="0" end="0"/>
+                                            </p:txEl>
+                                          </p:spTgt>
+                                        </p:tgtEl>
+                                      </p:cBhvr>
+                                    </p:animEffect>
+                                  </p:childTnLst>
+                                </p:cTn>
+                              </p:par>
+                            </p:childTnLst>
+                          </p:cTn>
+                        </p:par>
+                        <p:par>
+                          <p:cTn id="12" fill="hold">
+                            <p:stCondLst>
+                              <p:cond delay="500"/>
+                            </p:stCondLst>
+                            <p:childTnLst>
+                              <p:par>
+                                <p:cTn id="13" presetID="10" presetClass="entr" presetSubtype="0" fill="hold" grpId="0" nodeType="afterEffect">
+                                  <p:stCondLst>
+                                    <p:cond delay="0"/>
+                                  </p:stCondLst>
+                                  <p:childTnLst>
+                                    <p:set>
+                                      <p:cBhvr>
+                                        <p:cTn id="14" dur="1" fill="hold">
+                                          <p:stCondLst>
+                                            <p:cond delay="0"/>
+                                          </p:stCondLst>
+                                        </p:cTn>
+                                        <p:tgtEl>
+                                          <p:spTgt spid="15362">
+                                            <p:txEl>
+                                              <p:pRg st="1" end="1"/>
+                                            </p:txEl>
+                                          </p:spTgt>
+                                        </p:tgtEl>
+                                        <p:attrNameLst>
+                                          <p:attrName>style.visibility</p:attrName>
+                                        </p:attrNameLst>
+                                      </p:cBhvr>
+                                      <p:to>
+                                        <p:strVal val="visible"/>
+                                      </p:to>
+                                    </p:set>
+                                    <p:animEffect transition="in" filter="fade">
+                                      <p:cBhvr>
+                                        <p:cTn id="15" dur="250"/>
+                                        <p:tgtEl>
+                                          <p:spTgt spid="15362">
+                                            <p:txEl>
+                                              <p:pRg st="1" end="1"/>
+                                            </p:txEl>
+                                          </p:spTgt>
+                                        </p:tgtEl>
+                                      </p:cBhvr>
+                                    </p:animEffect>
+                                  </p:childTnLst>
+                                </p:cTn>
+                              </p:par>
+                            </p:childTnLst>
+                          </p:cTn>
+                        </p:par>
+                        <p:par>
+                          <p:cTn id="16" fill="hold">
+                            <p:stCondLst>
+                              <p:cond delay="750"/>
+                            </p:stCondLst>
+                            <p:childTnLst>
+                              <p:par>
+                                <p:cTn id="17" presetID="10" presetClass="entr" presetSubtype="0" fill="hold" grpId="0" nodeType="afterEffect">
+                                  <p:stCondLst>
+                                    <p:cond delay="0"/>
+                                  </p:stCondLst>
+                                  <p:childTnLst>
+                                    <p:set>
+                                      <p:cBhvr>
+                                        <p:cTn id="18" dur="1" fill="hold">
+                                          <p:stCondLst>
+                                            <p:cond delay="0"/>
+                                          </p:stCondLst>
+                                        </p:cTn>
+                                        <p:tgtEl>
+                                          <p:spTgt spid="15362">
+                                            <p:txEl>
+                                              <p:pRg st="2" end="2"/>
+                                            </p:txEl>
+                                          </p:spTgt>
+                                        </p:tgtEl>
+                                        <p:attrNameLst>
+                                          <p:attrName>style.visibility</p:attrName>
+                                        </p:attrNameLst>
+                                      </p:cBhvr>
+                                      <p:to>
+                                        <p:strVal val="visible"/>
+                                      </p:to>
+                                    </p:set>
+                                    <p:animEffect transition="in" filter="fade">
+                                      <p:cBhvr>
+                                        <p:cTn id="19" dur="250"/>
+                                        <p:tgtEl>
+                                          <p:spTgt spid="15362">
+                                            <p:txEl>
+                                              <p:pRg st="2" end="2"/>
+                                            </p:txEl>
+                                          </p:spTgt>
+                                        </p:tgtEl>
+                                      </p:cBhvr>
+                                    </p:animEffect>
+                                  </p:childTnLst>
+                                </p:cTn>
+                              </p:par>
+                            </p:childTnLst>
+                          </p:cTn>
+                        </p:par>
+                        <p:par>
+                          <p:cTn id="20" fill="hold">
+                            <p:stCondLst>
+                              <p:cond delay="1000"/>
+                            </p:stCondLst>
+                            <p:childTnLst>
+                              <p:par>
+                                <p:cTn id="21" presetID="10" presetClass="entr" presetSubtype="0" fill="hold" nodeType="afterEffect">
+                                  <p:stCondLst>
+                                    <p:cond delay="0"/>
+                                  </p:stCondLst>
+                                  <p:childTnLst>
+                                    <p:set>
+                                      <p:cBhvr>
+                                        <p:cTn id="22" dur="1" fill="hold">
+                                          <p:stCondLst>
+                                            <p:cond delay="0"/>
+                                          </p:stCondLst>
+                                        </p:cTn>
+                                        <p:tgtEl>
+                                          <p:spTgt spid="3"/>
+                                        </p:tgtEl>
+                                        <p:attrNameLst>
+                                          <p:attrName>style.visibility</p:attrName>
+                                        </p:attrNameLst>
+                                      </p:cBhvr>
+                                      <p:to>
+                                        <p:strVal val="visible"/>
+                                      </p:to>
+                                    </p:set>
+                                    <p:animEffect transition="in" filter="fade">
+                                      <p:cBhvr>
+                                        <p:cTn id="23" dur="500"/>
+                                        <p:tgtEl>
+                                          <p:spTgt spid="3"/>
+                                        </p:tgtEl>
+                                      </p:cBhvr>
+                                    </p:animEffect>
+                                  </p:childTnLst>
+                                </p:cTn>
+                              </p:par>
+                            </p:childTnLst>
+                          </p:cTn>
+                        </p:par>
+                      </p:childTnLst>
+                    </p:cTn>
+                  </p:par>
+                </p:childTnLst>
+              </p:cTn>
+              <p:prevCondLst>
+                <p:cond evt="onPrev" delay="0">
+                  <p:tgtEl>
+                    <p:sldTgt/>
+                  </p:tgtEl>
+                </p:cond>
+              </p:prevCondLst>
+              <p:nextCondLst>
+                <p:cond evt="onNext" delay="0">
+                  <p:tgtEl>
+                    <p:sldTgt/>
+                  </p:tgtEl>
+                </p:cond>
+              </p:nextCondLst>
+            </p:seq>
+          </p:childTnLst>
+        </p:cTn>
+      </p:par>
+    </p:tnLst>
+    <p:bldLst>
+      <p:bldP spid="15362" grpId="0" build="p"/>
+      <p:bldP spid="2" grpId="0"/>
+    </p:bldLst>
+  </p:timing>
+</p:sld>
+</file>
+
+<file path=ppt/slides/slide21.xml><?xml version="1.0" encoding="utf-8"?>
+<p:sld xmlns:a="http://schemas.openxmlformats.org/drawingml/2006/main" xmlns:r="http://schemas.openxmlformats.org/officeDocument/2006/relationships" xmlns:p="http://schemas.openxmlformats.org/presentationml/2006/main">
+  <p:cSld>
+    <p:spTree>
+      <p:nvGrpSpPr>
+        <p:cNvPr id="1" name=""/>
+        <p:cNvGrpSpPr/>
+        <p:nvPr/>
+      </p:nvGrpSpPr>
+      <p:grpSpPr>
+        <a:xfrm>
+          <a:off x="0" y="0"/>
+          <a:ext cx="0" cy="0"/>
+          <a:chOff x="0" y="0"/>
+          <a:chExt cx="0" cy="0"/>
+        </a:xfrm>
+      </p:grpSpPr>
+      <p:sp>
+        <p:nvSpPr>
+          <p:cNvPr id="15362" name="內容版面配置區 5"/>
+          <p:cNvSpPr>
+            <a:spLocks noGrp="1"/>
+          </p:cNvSpPr>
+          <p:nvPr>
+            <p:ph idx="1"/>
+          </p:nvPr>
+        </p:nvSpPr>
+        <p:spPr>
+          <a:xfrm>
+            <a:off x="457200" y="936625"/>
+            <a:ext cx="8229600" cy="3575050"/>
+          </a:xfrm>
+        </p:spPr>
+        <p:txBody>
+          <a:bodyPr/>
+          <a:lstStyle/>
+          <a:p>
+            <a:pPr marL="342900" lvl="1" indent="-342900" eaLnBrk="1" hangingPunct="1">
+              <a:buFont typeface="Arial" charset="0"/>
+              <a:buChar char="•"/>
+              <a:defRPr/>
+            </a:pPr>
+            <a:r>
+              <a:rPr lang="zh-TW" altLang="en-US" sz="1800" dirty="0" smtClean="0">
+                <a:latin typeface="Times New Roman" panose="02020603050405020304" pitchFamily="18" charset="0"/>
+                <a:cs typeface="Times New Roman" panose="02020603050405020304" pitchFamily="18" charset="0"/>
+              </a:rPr>
+              <a:t>結論</a:t>
+            </a:r>
+            <a:endParaRPr lang="en-US" altLang="zh-TW" sz="1800" dirty="0" smtClean="0">
+              <a:latin typeface="Times New Roman" panose="02020603050405020304" pitchFamily="18" charset="0"/>
+              <a:cs typeface="Times New Roman" panose="02020603050405020304" pitchFamily="18" charset="0"/>
+            </a:endParaRPr>
+          </a:p>
+          <a:p>
+            <a:pPr marL="742950" lvl="2" indent="-342900" eaLnBrk="1" hangingPunct="1">
+              <a:buFont typeface="Arial" charset="0"/>
+              <a:buChar char="•"/>
+              <a:defRPr/>
+            </a:pPr>
+            <a:r>
+              <a:rPr lang="zh-TW" altLang="en-US" sz="1400" dirty="0" smtClean="0">
+                <a:latin typeface="Times New Roman" panose="02020603050405020304" pitchFamily="18" charset="0"/>
+                <a:cs typeface="Times New Roman" panose="02020603050405020304" pitchFamily="18" charset="0"/>
+              </a:rPr>
+              <a:t>透過程式自動擷取主機 </a:t>
+            </a:r>
+            <a:r>
+              <a:rPr lang="en-US" altLang="zh-TW" sz="1400" dirty="0" smtClean="0">
+                <a:latin typeface="Times New Roman" panose="02020603050405020304" pitchFamily="18" charset="0"/>
+                <a:cs typeface="Times New Roman" panose="02020603050405020304" pitchFamily="18" charset="0"/>
+              </a:rPr>
+              <a:t>GPU </a:t>
+            </a:r>
+            <a:r>
+              <a:rPr lang="zh-TW" altLang="en-US" sz="1400" dirty="0" smtClean="0">
+                <a:latin typeface="Times New Roman" panose="02020603050405020304" pitchFamily="18" charset="0"/>
+                <a:cs typeface="Times New Roman" panose="02020603050405020304" pitchFamily="18" charset="0"/>
+              </a:rPr>
+              <a:t>解析度</a:t>
+            </a:r>
+            <a:endParaRPr lang="en-US" altLang="zh-TW" sz="1400" dirty="0" smtClean="0">
+              <a:latin typeface="Times New Roman" panose="02020603050405020304" pitchFamily="18" charset="0"/>
+              <a:cs typeface="Times New Roman" panose="02020603050405020304" pitchFamily="18" charset="0"/>
+            </a:endParaRPr>
+          </a:p>
+          <a:p>
+            <a:pPr marL="742950" lvl="2" indent="-342900" eaLnBrk="1" hangingPunct="1">
+              <a:buFont typeface="Arial" charset="0"/>
+              <a:buChar char="•"/>
+              <a:defRPr/>
+            </a:pPr>
+            <a:r>
+              <a:rPr lang="zh-TW" altLang="en-US" sz="1400" dirty="0" smtClean="0">
+                <a:latin typeface="Times New Roman" panose="02020603050405020304" pitchFamily="18" charset="0"/>
+                <a:cs typeface="Times New Roman" panose="02020603050405020304" pitchFamily="18" charset="0"/>
+              </a:rPr>
+              <a:t>長時間重開機解析度擷取</a:t>
+            </a:r>
+            <a:endParaRPr lang="en-US" altLang="zh-TW" sz="1400" dirty="0">
+              <a:latin typeface="Times New Roman" panose="02020603050405020304" pitchFamily="18" charset="0"/>
+              <a:cs typeface="Times New Roman" panose="02020603050405020304" pitchFamily="18" charset="0"/>
+            </a:endParaRPr>
+          </a:p>
+          <a:p>
+            <a:pPr eaLnBrk="1" hangingPunct="1">
+              <a:buFont typeface="Arial" charset="0"/>
+              <a:buChar char="•"/>
+              <a:defRPr/>
+            </a:pPr>
+            <a:endParaRPr lang="en-US" altLang="zh-TW" sz="1800" dirty="0">
+              <a:latin typeface="Times New Roman" panose="02020603050405020304" pitchFamily="18" charset="0"/>
+              <a:cs typeface="Times New Roman" panose="02020603050405020304" pitchFamily="18" charset="0"/>
+            </a:endParaRPr>
+          </a:p>
+        </p:txBody>
+      </p:sp>
+      <p:sp>
+        <p:nvSpPr>
+          <p:cNvPr id="2" name="標題 4"/>
+          <p:cNvSpPr>
+            <a:spLocks noGrp="1"/>
+          </p:cNvSpPr>
+          <p:nvPr>
+            <p:ph type="title"/>
+          </p:nvPr>
+        </p:nvSpPr>
+        <p:spPr>
+          <a:xfrm>
+            <a:off x="457200" y="87313"/>
+            <a:ext cx="8229600" cy="756000"/>
+          </a:xfrm>
+        </p:spPr>
+        <p:txBody>
+          <a:bodyPr/>
+          <a:lstStyle/>
+          <a:p>
+            <a:pPr eaLnBrk="1" hangingPunct="1">
+              <a:defRPr/>
+            </a:pPr>
             <a:r>
               <a:rPr lang="en-US" altLang="zh-TW" sz="2800" kern="0" dirty="0" smtClean="0">
                 <a:solidFill>
@@ -10835,7 +12723,7 @@
                 <a:latin typeface="Times New Roman" panose="02020603050405020304" pitchFamily="18" charset="0"/>
                 <a:cs typeface="Times New Roman" panose="02020603050405020304" pitchFamily="18" charset="0"/>
               </a:rPr>
-              <a:t>automation</a:t>
+              <a:t>Resolution automation</a:t>
             </a:r>
             <a:endParaRPr lang="zh-TW" altLang="en-US" sz="2800" kern="0" dirty="0">
               <a:solidFill>
@@ -10918,9 +12806,147 @@
                                     </p:set>
                                     <p:animEffect transition="in" filter="fade">
                                       <p:cBhvr>
-                                        <p:cTn id="7" dur="500"/>
+                                        <p:cTn id="7" dur="250"/>
                                         <p:tgtEl>
                                           <p:spTgt spid="2"/>
+                                        </p:tgtEl>
+                                      </p:cBhvr>
+                                    </p:animEffect>
+                                  </p:childTnLst>
+                                </p:cTn>
+                              </p:par>
+                            </p:childTnLst>
+                          </p:cTn>
+                        </p:par>
+                        <p:par>
+                          <p:cTn id="8" fill="hold">
+                            <p:stCondLst>
+                              <p:cond delay="250"/>
+                            </p:stCondLst>
+                            <p:childTnLst>
+                              <p:par>
+                                <p:cTn id="9" presetID="10" presetClass="entr" presetSubtype="0" fill="hold" grpId="0" nodeType="afterEffect">
+                                  <p:stCondLst>
+                                    <p:cond delay="0"/>
+                                  </p:stCondLst>
+                                  <p:childTnLst>
+                                    <p:set>
+                                      <p:cBhvr>
+                                        <p:cTn id="10" dur="1" fill="hold">
+                                          <p:stCondLst>
+                                            <p:cond delay="0"/>
+                                          </p:stCondLst>
+                                        </p:cTn>
+                                        <p:tgtEl>
+                                          <p:spTgt spid="15362">
+                                            <p:txEl>
+                                              <p:pRg st="0" end="0"/>
+                                            </p:txEl>
+                                          </p:spTgt>
+                                        </p:tgtEl>
+                                        <p:attrNameLst>
+                                          <p:attrName>style.visibility</p:attrName>
+                                        </p:attrNameLst>
+                                      </p:cBhvr>
+                                      <p:to>
+                                        <p:strVal val="visible"/>
+                                      </p:to>
+                                    </p:set>
+                                    <p:animEffect transition="in" filter="fade">
+                                      <p:cBhvr>
+                                        <p:cTn id="11" dur="250"/>
+                                        <p:tgtEl>
+                                          <p:spTgt spid="15362">
+                                            <p:txEl>
+                                              <p:pRg st="0" end="0"/>
+                                            </p:txEl>
+                                          </p:spTgt>
+                                        </p:tgtEl>
+                                      </p:cBhvr>
+                                    </p:animEffect>
+                                  </p:childTnLst>
+                                </p:cTn>
+                              </p:par>
+                              <p:par>
+                                <p:cTn id="12" presetID="10" presetClass="entr" presetSubtype="0" fill="hold" grpId="0" nodeType="withEffect">
+                                  <p:stCondLst>
+                                    <p:cond delay="0"/>
+                                  </p:stCondLst>
+                                  <p:childTnLst>
+                                    <p:set>
+                                      <p:cBhvr>
+                                        <p:cTn id="13" dur="1" fill="hold">
+                                          <p:stCondLst>
+                                            <p:cond delay="0"/>
+                                          </p:stCondLst>
+                                        </p:cTn>
+                                        <p:tgtEl>
+                                          <p:spTgt spid="15362">
+                                            <p:txEl>
+                                              <p:pRg st="1" end="1"/>
+                                            </p:txEl>
+                                          </p:spTgt>
+                                        </p:tgtEl>
+                                        <p:attrNameLst>
+                                          <p:attrName>style.visibility</p:attrName>
+                                        </p:attrNameLst>
+                                      </p:cBhvr>
+                                      <p:to>
+                                        <p:strVal val="visible"/>
+                                      </p:to>
+                                    </p:set>
+                                    <p:animEffect transition="in" filter="fade">
+                                      <p:cBhvr>
+                                        <p:cTn id="14" dur="250"/>
+                                        <p:tgtEl>
+                                          <p:spTgt spid="15362">
+                                            <p:txEl>
+                                              <p:pRg st="1" end="1"/>
+                                            </p:txEl>
+                                          </p:spTgt>
+                                        </p:tgtEl>
+                                      </p:cBhvr>
+                                    </p:animEffect>
+                                  </p:childTnLst>
+                                </p:cTn>
+                              </p:par>
+                              <p:par>
+                                <p:cTn id="15" presetID="10" presetClass="entr" presetSubtype="0" fill="hold" grpId="0" nodeType="withEffect">
+                                  <p:stCondLst>
+                                    <p:cond delay="0"/>
+                                  </p:stCondLst>
+                                  <p:childTnLst>
+                                    <p:set>
+                                      <p:cBhvr>
+                                        <p:cTn id="16" dur="1" fill="hold">
+                                          <p:stCondLst>
+                                            <p:cond delay="0"/>
+                                          </p:stCondLst>
+                                        </p:cTn>
+                                        <p:tgtEl>
+                                          <p:spTgt spid="15362">
+                                            <p:txEl>
+                                              <p:pRg st="2" end="2"/>
+                                            </p:txEl>
+                                          </p:spTgt>
+                                        </p:tgtEl>
+                                        <p:attrNameLst>
+                                          <p:attrName>style.visibility</p:attrName>
+                                        </p:attrNameLst>
+                                      </p:cBhvr>
+                                      <p:to>
+                                        <p:strVal val="visible"/>
+                                      </p:to>
+                                    </p:set>
+                                    <p:animEffect transition="in" filter="fade">
+                                      <p:cBhvr>
+                                        <p:cTn id="17" dur="250"/>
+                                        <p:tgtEl>
+                                          <p:spTgt spid="15362">
+                                            <p:txEl>
+                                              <p:pRg st="2" end="2"/>
+                                            </p:txEl>
+                                          </p:spTgt>
                                         </p:tgtEl>
                                       </p:cBhvr>
                                     </p:animEffect>
@@ -10955,13 +12981,14 @@
       </p:par>
     </p:tnLst>
     <p:bldLst>
+      <p:bldP spid="15362" grpId="0" build="p"/>
       <p:bldP spid="2" grpId="0"/>
     </p:bldLst>
   </p:timing>
 </p:sld>
 </file>
 
-<file path=ppt/slides/slide21.xml><?xml version="1.0" encoding="utf-8"?>
+<file path=ppt/slides/slide22.xml><?xml version="1.0" encoding="utf-8"?>
 <p:sld xmlns:a="http://schemas.openxmlformats.org/drawingml/2006/main" xmlns:r="http://schemas.openxmlformats.org/officeDocument/2006/relationships" xmlns:p="http://schemas.openxmlformats.org/presentationml/2006/main">
   <p:cSld>
     <p:spTree>
@@ -11008,8 +13035,61 @@
                 <a:latin typeface="Times New Roman" panose="02020603050405020304" pitchFamily="18" charset="0"/>
                 <a:cs typeface="Times New Roman" panose="02020603050405020304" pitchFamily="18" charset="0"/>
               </a:rPr>
-              <a:t>The Tool base on the Product Specification</a:t>
-            </a:r>
+              <a:t>The </a:t>
+            </a:r>
+            <a:r>
+              <a:rPr lang="en-US" altLang="zh-TW" sz="1800" dirty="0" smtClean="0">
+                <a:latin typeface="Times New Roman" panose="02020603050405020304" pitchFamily="18" charset="0"/>
+                <a:cs typeface="Times New Roman" panose="02020603050405020304" pitchFamily="18" charset="0"/>
+              </a:rPr>
+              <a:t>too</a:t>
+            </a:r>
+            <a:r>
+              <a:rPr lang="en-US" altLang="zh-TW" sz="1800" dirty="0" smtClean="0">
+                <a:latin typeface="Times New Roman" panose="02020603050405020304" pitchFamily="18" charset="0"/>
+                <a:cs typeface="Times New Roman" panose="02020603050405020304" pitchFamily="18" charset="0"/>
+              </a:rPr>
+              <a:t>l </a:t>
+            </a:r>
+            <a:r>
+              <a:rPr lang="en-US" altLang="zh-TW" sz="1800" dirty="0">
+                <a:latin typeface="Times New Roman" panose="02020603050405020304" pitchFamily="18" charset="0"/>
+                <a:cs typeface="Times New Roman" panose="02020603050405020304" pitchFamily="18" charset="0"/>
+              </a:rPr>
+              <a:t>of pre-conditions </a:t>
+            </a:r>
+            <a:r>
+              <a:rPr lang="en-US" altLang="zh-TW" sz="1800" dirty="0" smtClean="0">
+                <a:latin typeface="Times New Roman" panose="02020603050405020304" pitchFamily="18" charset="0"/>
+                <a:cs typeface="Times New Roman" panose="02020603050405020304" pitchFamily="18" charset="0"/>
+              </a:rPr>
+              <a:t>base on the </a:t>
+            </a:r>
+            <a:r>
+              <a:rPr lang="en-US" altLang="zh-TW" sz="1800" dirty="0" smtClean="0">
+                <a:latin typeface="Times New Roman" panose="02020603050405020304" pitchFamily="18" charset="0"/>
+                <a:cs typeface="Times New Roman" panose="02020603050405020304" pitchFamily="18" charset="0"/>
+              </a:rPr>
+              <a:t>product </a:t>
+            </a:r>
+            <a:r>
+              <a:rPr lang="en-US" altLang="zh-TW" sz="1800" dirty="0">
+                <a:latin typeface="Times New Roman" panose="02020603050405020304" pitchFamily="18" charset="0"/>
+                <a:cs typeface="Times New Roman" panose="02020603050405020304" pitchFamily="18" charset="0"/>
+              </a:rPr>
+              <a:t>s</a:t>
+            </a:r>
+            <a:r>
+              <a:rPr lang="en-US" altLang="zh-TW" sz="1800" dirty="0" smtClean="0">
+                <a:latin typeface="Times New Roman" panose="02020603050405020304" pitchFamily="18" charset="0"/>
+                <a:cs typeface="Times New Roman" panose="02020603050405020304" pitchFamily="18" charset="0"/>
+              </a:rPr>
+              <a:t>pecification</a:t>
+            </a:r>
+            <a:endParaRPr lang="en-US" altLang="zh-TW" sz="1800" dirty="0" smtClean="0">
+              <a:latin typeface="Times New Roman" panose="02020603050405020304" pitchFamily="18" charset="0"/>
+              <a:cs typeface="Times New Roman" panose="02020603050405020304" pitchFamily="18" charset="0"/>
+            </a:endParaRPr>
           </a:p>
           <a:p>
             <a:pPr marL="742950" lvl="2" indent="-342900" eaLnBrk="1" hangingPunct="1">
@@ -11139,17 +13219,7 @@
                 <a:latin typeface="Times New Roman" panose="02020603050405020304" pitchFamily="18" charset="0"/>
                 <a:cs typeface="Times New Roman" panose="02020603050405020304" pitchFamily="18" charset="0"/>
               </a:rPr>
-              <a:t>Luminance </a:t>
-            </a:r>
-            <a:r>
-              <a:rPr lang="en-US" altLang="zh-TW" sz="2800" kern="0" dirty="0" smtClean="0">
-                <a:solidFill>
-                  <a:srgbClr val="003366"/>
-                </a:solidFill>
-                <a:latin typeface="Times New Roman" panose="02020603050405020304" pitchFamily="18" charset="0"/>
-                <a:cs typeface="Times New Roman" panose="02020603050405020304" pitchFamily="18" charset="0"/>
-              </a:rPr>
-              <a:t>automation</a:t>
+              <a:t>Luminance automation</a:t>
             </a:r>
             <a:endParaRPr lang="zh-TW" altLang="en-US" sz="2800" kern="0" dirty="0">
               <a:solidFill>
@@ -11265,9 +13335,417 @@
                                     </p:set>
                                     <p:animEffect transition="in" filter="fade">
                                       <p:cBhvr>
-                                        <p:cTn id="7" dur="500"/>
+                                        <p:cTn id="7" dur="250"/>
                                         <p:tgtEl>
                                           <p:spTgt spid="2"/>
+                                        </p:tgtEl>
+                                      </p:cBhvr>
+                                    </p:animEffect>
+                                  </p:childTnLst>
+                                </p:cTn>
+                              </p:par>
+                            </p:childTnLst>
+                          </p:cTn>
+                        </p:par>
+                        <p:par>
+                          <p:cTn id="8" fill="hold">
+                            <p:stCondLst>
+                              <p:cond delay="250"/>
+                            </p:stCondLst>
+                            <p:childTnLst>
+                              <p:par>
+                                <p:cTn id="9" presetID="10" presetClass="entr" presetSubtype="0" fill="hold" grpId="0" nodeType="afterEffect">
+                                  <p:stCondLst>
+                                    <p:cond delay="0"/>
+                                  </p:stCondLst>
+                                  <p:childTnLst>
+                                    <p:set>
+                                      <p:cBhvr>
+                                        <p:cTn id="10" dur="1" fill="hold">
+                                          <p:stCondLst>
+                                            <p:cond delay="0"/>
+                                          </p:stCondLst>
+                                        </p:cTn>
+                                        <p:tgtEl>
+                                          <p:spTgt spid="15362">
+                                            <p:txEl>
+                                              <p:pRg st="0" end="0"/>
+                                            </p:txEl>
+                                          </p:spTgt>
+                                        </p:tgtEl>
+                                        <p:attrNameLst>
+                                          <p:attrName>style.visibility</p:attrName>
+                                        </p:attrNameLst>
+                                      </p:cBhvr>
+                                      <p:to>
+                                        <p:strVal val="visible"/>
+                                      </p:to>
+                                    </p:set>
+                                    <p:animEffect transition="in" filter="fade">
+                                      <p:cBhvr>
+                                        <p:cTn id="11" dur="500"/>
+                                        <p:tgtEl>
+                                          <p:spTgt spid="15362">
+                                            <p:txEl>
+                                              <p:pRg st="0" end="0"/>
+                                            </p:txEl>
+                                          </p:spTgt>
+                                        </p:tgtEl>
+                                      </p:cBhvr>
+                                    </p:animEffect>
+                                  </p:childTnLst>
+                                </p:cTn>
+                              </p:par>
+                            </p:childTnLst>
+                          </p:cTn>
+                        </p:par>
+                        <p:par>
+                          <p:cTn id="12" fill="hold">
+                            <p:stCondLst>
+                              <p:cond delay="750"/>
+                            </p:stCondLst>
+                            <p:childTnLst>
+                              <p:par>
+                                <p:cTn id="13" presetID="10" presetClass="entr" presetSubtype="0" fill="hold" grpId="0" nodeType="afterEffect">
+                                  <p:stCondLst>
+                                    <p:cond delay="0"/>
+                                  </p:stCondLst>
+                                  <p:childTnLst>
+                                    <p:set>
+                                      <p:cBhvr>
+                                        <p:cTn id="14" dur="1" fill="hold">
+                                          <p:stCondLst>
+                                            <p:cond delay="0"/>
+                                          </p:stCondLst>
+                                        </p:cTn>
+                                        <p:tgtEl>
+                                          <p:spTgt spid="15362">
+                                            <p:txEl>
+                                              <p:pRg st="1" end="1"/>
+                                            </p:txEl>
+                                          </p:spTgt>
+                                        </p:tgtEl>
+                                        <p:attrNameLst>
+                                          <p:attrName>style.visibility</p:attrName>
+                                        </p:attrNameLst>
+                                      </p:cBhvr>
+                                      <p:to>
+                                        <p:strVal val="visible"/>
+                                      </p:to>
+                                    </p:set>
+                                    <p:animEffect transition="in" filter="fade">
+                                      <p:cBhvr>
+                                        <p:cTn id="15" dur="500"/>
+                                        <p:tgtEl>
+                                          <p:spTgt spid="15362">
+                                            <p:txEl>
+                                              <p:pRg st="1" end="1"/>
+                                            </p:txEl>
+                                          </p:spTgt>
+                                        </p:tgtEl>
+                                      </p:cBhvr>
+                                    </p:animEffect>
+                                  </p:childTnLst>
+                                </p:cTn>
+                              </p:par>
+                            </p:childTnLst>
+                          </p:cTn>
+                        </p:par>
+                        <p:par>
+                          <p:cTn id="16" fill="hold">
+                            <p:stCondLst>
+                              <p:cond delay="1250"/>
+                            </p:stCondLst>
+                            <p:childTnLst>
+                              <p:par>
+                                <p:cTn id="17" presetID="10" presetClass="entr" presetSubtype="0" fill="hold" grpId="0" nodeType="afterEffect">
+                                  <p:stCondLst>
+                                    <p:cond delay="0"/>
+                                  </p:stCondLst>
+                                  <p:childTnLst>
+                                    <p:set>
+                                      <p:cBhvr>
+                                        <p:cTn id="18" dur="1" fill="hold">
+                                          <p:stCondLst>
+                                            <p:cond delay="0"/>
+                                          </p:stCondLst>
+                                        </p:cTn>
+                                        <p:tgtEl>
+                                          <p:spTgt spid="15362">
+                                            <p:txEl>
+                                              <p:pRg st="2" end="2"/>
+                                            </p:txEl>
+                                          </p:spTgt>
+                                        </p:tgtEl>
+                                        <p:attrNameLst>
+                                          <p:attrName>style.visibility</p:attrName>
+                                        </p:attrNameLst>
+                                      </p:cBhvr>
+                                      <p:to>
+                                        <p:strVal val="visible"/>
+                                      </p:to>
+                                    </p:set>
+                                    <p:animEffect transition="in" filter="fade">
+                                      <p:cBhvr>
+                                        <p:cTn id="19" dur="500"/>
+                                        <p:tgtEl>
+                                          <p:spTgt spid="15362">
+                                            <p:txEl>
+                                              <p:pRg st="2" end="2"/>
+                                            </p:txEl>
+                                          </p:spTgt>
+                                        </p:tgtEl>
+                                      </p:cBhvr>
+                                    </p:animEffect>
+                                  </p:childTnLst>
+                                </p:cTn>
+                              </p:par>
+                            </p:childTnLst>
+                          </p:cTn>
+                        </p:par>
+                        <p:par>
+                          <p:cTn id="20" fill="hold">
+                            <p:stCondLst>
+                              <p:cond delay="1750"/>
+                            </p:stCondLst>
+                            <p:childTnLst>
+                              <p:par>
+                                <p:cTn id="21" presetID="10" presetClass="entr" presetSubtype="0" fill="hold" grpId="0" nodeType="afterEffect">
+                                  <p:stCondLst>
+                                    <p:cond delay="0"/>
+                                  </p:stCondLst>
+                                  <p:childTnLst>
+                                    <p:set>
+                                      <p:cBhvr>
+                                        <p:cTn id="22" dur="1" fill="hold">
+                                          <p:stCondLst>
+                                            <p:cond delay="0"/>
+                                          </p:stCondLst>
+                                        </p:cTn>
+                                        <p:tgtEl>
+                                          <p:spTgt spid="15362">
+                                            <p:txEl>
+                                              <p:pRg st="3" end="3"/>
+                                            </p:txEl>
+                                          </p:spTgt>
+                                        </p:tgtEl>
+                                        <p:attrNameLst>
+                                          <p:attrName>style.visibility</p:attrName>
+                                        </p:attrNameLst>
+                                      </p:cBhvr>
+                                      <p:to>
+                                        <p:strVal val="visible"/>
+                                      </p:to>
+                                    </p:set>
+                                    <p:animEffect transition="in" filter="fade">
+                                      <p:cBhvr>
+                                        <p:cTn id="23" dur="250"/>
+                                        <p:tgtEl>
+                                          <p:spTgt spid="15362">
+                                            <p:txEl>
+                                              <p:pRg st="3" end="3"/>
+                                            </p:txEl>
+                                          </p:spTgt>
+                                        </p:tgtEl>
+                                      </p:cBhvr>
+                                    </p:animEffect>
+                                  </p:childTnLst>
+                                </p:cTn>
+                              </p:par>
+                            </p:childTnLst>
+                          </p:cTn>
+                        </p:par>
+                        <p:par>
+                          <p:cTn id="24" fill="hold">
+                            <p:stCondLst>
+                              <p:cond delay="2000"/>
+                            </p:stCondLst>
+                            <p:childTnLst>
+                              <p:par>
+                                <p:cTn id="25" presetID="10" presetClass="entr" presetSubtype="0" fill="hold" grpId="0" nodeType="afterEffect">
+                                  <p:stCondLst>
+                                    <p:cond delay="0"/>
+                                  </p:stCondLst>
+                                  <p:childTnLst>
+                                    <p:set>
+                                      <p:cBhvr>
+                                        <p:cTn id="26" dur="1" fill="hold">
+                                          <p:stCondLst>
+                                            <p:cond delay="0"/>
+                                          </p:stCondLst>
+                                        </p:cTn>
+                                        <p:tgtEl>
+                                          <p:spTgt spid="15362">
+                                            <p:txEl>
+                                              <p:pRg st="4" end="4"/>
+                                            </p:txEl>
+                                          </p:spTgt>
+                                        </p:tgtEl>
+                                        <p:attrNameLst>
+                                          <p:attrName>style.visibility</p:attrName>
+                                        </p:attrNameLst>
+                                      </p:cBhvr>
+                                      <p:to>
+                                        <p:strVal val="visible"/>
+                                      </p:to>
+                                    </p:set>
+                                    <p:animEffect transition="in" filter="fade">
+                                      <p:cBhvr>
+                                        <p:cTn id="27" dur="500"/>
+                                        <p:tgtEl>
+                                          <p:spTgt spid="15362">
+                                            <p:txEl>
+                                              <p:pRg st="4" end="4"/>
+                                            </p:txEl>
+                                          </p:spTgt>
+                                        </p:tgtEl>
+                                      </p:cBhvr>
+                                    </p:animEffect>
+                                  </p:childTnLst>
+                                </p:cTn>
+                              </p:par>
+                            </p:childTnLst>
+                          </p:cTn>
+                        </p:par>
+                        <p:par>
+                          <p:cTn id="28" fill="hold">
+                            <p:stCondLst>
+                              <p:cond delay="2500"/>
+                            </p:stCondLst>
+                            <p:childTnLst>
+                              <p:par>
+                                <p:cTn id="29" presetID="10" presetClass="entr" presetSubtype="0" fill="hold" grpId="0" nodeType="afterEffect">
+                                  <p:stCondLst>
+                                    <p:cond delay="0"/>
+                                  </p:stCondLst>
+                                  <p:childTnLst>
+                                    <p:set>
+                                      <p:cBhvr>
+                                        <p:cTn id="30" dur="1" fill="hold">
+                                          <p:stCondLst>
+                                            <p:cond delay="0"/>
+                                          </p:stCondLst>
+                                        </p:cTn>
+                                        <p:tgtEl>
+                                          <p:spTgt spid="15362">
+                                            <p:txEl>
+                                              <p:pRg st="5" end="5"/>
+                                            </p:txEl>
+                                          </p:spTgt>
+                                        </p:tgtEl>
+                                        <p:attrNameLst>
+                                          <p:attrName>style.visibility</p:attrName>
+                                        </p:attrNameLst>
+                                      </p:cBhvr>
+                                      <p:to>
+                                        <p:strVal val="visible"/>
+                                      </p:to>
+                                    </p:set>
+                                    <p:animEffect transition="in" filter="fade">
+                                      <p:cBhvr>
+                                        <p:cTn id="31" dur="500"/>
+                                        <p:tgtEl>
+                                          <p:spTgt spid="15362">
+                                            <p:txEl>
+                                              <p:pRg st="5" end="5"/>
+                                            </p:txEl>
+                                          </p:spTgt>
+                                        </p:tgtEl>
+                                      </p:cBhvr>
+                                    </p:animEffect>
+                                  </p:childTnLst>
+                                </p:cTn>
+                              </p:par>
+                            </p:childTnLst>
+                          </p:cTn>
+                        </p:par>
+                        <p:par>
+                          <p:cTn id="32" fill="hold">
+                            <p:stCondLst>
+                              <p:cond delay="3000"/>
+                            </p:stCondLst>
+                            <p:childTnLst>
+                              <p:par>
+                                <p:cTn id="33" presetID="10" presetClass="entr" presetSubtype="0" fill="hold" grpId="0" nodeType="afterEffect">
+                                  <p:stCondLst>
+                                    <p:cond delay="0"/>
+                                  </p:stCondLst>
+                                  <p:childTnLst>
+                                    <p:set>
+                                      <p:cBhvr>
+                                        <p:cTn id="34" dur="1" fill="hold">
+                                          <p:stCondLst>
+                                            <p:cond delay="0"/>
+                                          </p:stCondLst>
+                                        </p:cTn>
+                                        <p:tgtEl>
+                                          <p:spTgt spid="15362">
+                                            <p:txEl>
+                                              <p:pRg st="6" end="6"/>
+                                            </p:txEl>
+                                          </p:spTgt>
+                                        </p:tgtEl>
+                                        <p:attrNameLst>
+                                          <p:attrName>style.visibility</p:attrName>
+                                        </p:attrNameLst>
+                                      </p:cBhvr>
+                                      <p:to>
+                                        <p:strVal val="visible"/>
+                                      </p:to>
+                                    </p:set>
+                                    <p:animEffect transition="in" filter="fade">
+                                      <p:cBhvr>
+                                        <p:cTn id="35" dur="500"/>
+                                        <p:tgtEl>
+                                          <p:spTgt spid="15362">
+                                            <p:txEl>
+                                              <p:pRg st="6" end="6"/>
+                                            </p:txEl>
+                                          </p:spTgt>
+                                        </p:tgtEl>
+                                      </p:cBhvr>
+                                    </p:animEffect>
+                                  </p:childTnLst>
+                                </p:cTn>
+                              </p:par>
+                            </p:childTnLst>
+                          </p:cTn>
+                        </p:par>
+                        <p:par>
+                          <p:cTn id="36" fill="hold">
+                            <p:stCondLst>
+                              <p:cond delay="3500"/>
+                            </p:stCondLst>
+                            <p:childTnLst>
+                              <p:par>
+                                <p:cTn id="37" presetID="10" presetClass="entr" presetSubtype="0" fill="hold" nodeType="afterEffect">
+                                  <p:stCondLst>
+                                    <p:cond delay="0"/>
+                                  </p:stCondLst>
+                                  <p:childTnLst>
+                                    <p:set>
+                                      <p:cBhvr>
+                                        <p:cTn id="38" dur="1" fill="hold">
+                                          <p:stCondLst>
+                                            <p:cond delay="0"/>
+                                          </p:stCondLst>
+                                        </p:cTn>
+                                        <p:tgtEl>
+                                          <p:spTgt spid="4"/>
+                                        </p:tgtEl>
+                                        <p:attrNameLst>
+                                          <p:attrName>style.visibility</p:attrName>
+                                        </p:attrNameLst>
+                                      </p:cBhvr>
+                                      <p:to>
+                                        <p:strVal val="visible"/>
+                                      </p:to>
+                                    </p:set>
+                                    <p:animEffect transition="in" filter="fade">
+                                      <p:cBhvr>
+                                        <p:cTn id="39" dur="250"/>
+                                        <p:tgtEl>
+                                          <p:spTgt spid="4"/>
                                         </p:tgtEl>
                                       </p:cBhvr>
                                     </p:animEffect>
@@ -11302,13 +13780,14 @@
       </p:par>
     </p:tnLst>
     <p:bldLst>
+      <p:bldP spid="15362" grpId="0" build="p"/>
       <p:bldP spid="2" grpId="0"/>
     </p:bldLst>
   </p:timing>
 </p:sld>
 </file>
 
-<file path=ppt/slides/slide22.xml><?xml version="1.0" encoding="utf-8"?>
+<file path=ppt/slides/slide23.xml><?xml version="1.0" encoding="utf-8"?>
 <p:sld xmlns:a="http://schemas.openxmlformats.org/drawingml/2006/main" xmlns:r="http://schemas.openxmlformats.org/officeDocument/2006/relationships" xmlns:p="http://schemas.openxmlformats.org/presentationml/2006/main">
   <p:cSld>
     <p:spTree>
@@ -11391,17 +13870,7 @@
                 <a:latin typeface="Times New Roman" panose="02020603050405020304" pitchFamily="18" charset="0"/>
                 <a:cs typeface="Times New Roman" panose="02020603050405020304" pitchFamily="18" charset="0"/>
               </a:rPr>
-              <a:t>Luminance </a:t>
-            </a:r>
-            <a:r>
-              <a:rPr lang="en-US" altLang="zh-TW" sz="2800" kern="0" dirty="0" smtClean="0">
-                <a:solidFill>
-                  <a:srgbClr val="003366"/>
-                </a:solidFill>
-                <a:latin typeface="Times New Roman" panose="02020603050405020304" pitchFamily="18" charset="0"/>
-                <a:cs typeface="Times New Roman" panose="02020603050405020304" pitchFamily="18" charset="0"/>
-              </a:rPr>
-              <a:t>automation</a:t>
+              <a:t>Luminance automation</a:t>
             </a:r>
             <a:endParaRPr lang="zh-TW" altLang="en-US" sz="2800" kern="0" dirty="0">
               <a:solidFill>
@@ -11679,9 +14148,245 @@
                                     </p:set>
                                     <p:animEffect transition="in" filter="fade">
                                       <p:cBhvr>
-                                        <p:cTn id="7" dur="500"/>
+                                        <p:cTn id="7" dur="250"/>
                                         <p:tgtEl>
                                           <p:spTgt spid="2"/>
+                                        </p:tgtEl>
+                                      </p:cBhvr>
+                                    </p:animEffect>
+                                  </p:childTnLst>
+                                </p:cTn>
+                              </p:par>
+                            </p:childTnLst>
+                          </p:cTn>
+                        </p:par>
+                        <p:par>
+                          <p:cTn id="8" fill="hold">
+                            <p:stCondLst>
+                              <p:cond delay="250"/>
+                            </p:stCondLst>
+                            <p:childTnLst>
+                              <p:par>
+                                <p:cTn id="9" presetID="10" presetClass="entr" presetSubtype="0" fill="hold" grpId="0" nodeType="afterEffect">
+                                  <p:stCondLst>
+                                    <p:cond delay="0"/>
+                                  </p:stCondLst>
+                                  <p:childTnLst>
+                                    <p:set>
+                                      <p:cBhvr>
+                                        <p:cTn id="10" dur="1" fill="hold">
+                                          <p:stCondLst>
+                                            <p:cond delay="0"/>
+                                          </p:stCondLst>
+                                        </p:cTn>
+                                        <p:tgtEl>
+                                          <p:spTgt spid="15362">
+                                            <p:txEl>
+                                              <p:pRg st="0" end="0"/>
+                                            </p:txEl>
+                                          </p:spTgt>
+                                        </p:tgtEl>
+                                        <p:attrNameLst>
+                                          <p:attrName>style.visibility</p:attrName>
+                                        </p:attrNameLst>
+                                      </p:cBhvr>
+                                      <p:to>
+                                        <p:strVal val="visible"/>
+                                      </p:to>
+                                    </p:set>
+                                    <p:animEffect transition="in" filter="fade">
+                                      <p:cBhvr>
+                                        <p:cTn id="11" dur="250"/>
+                                        <p:tgtEl>
+                                          <p:spTgt spid="15362">
+                                            <p:txEl>
+                                              <p:pRg st="0" end="0"/>
+                                            </p:txEl>
+                                          </p:spTgt>
+                                        </p:tgtEl>
+                                      </p:cBhvr>
+                                    </p:animEffect>
+                                  </p:childTnLst>
+                                </p:cTn>
+                              </p:par>
+                            </p:childTnLst>
+                          </p:cTn>
+                        </p:par>
+                        <p:par>
+                          <p:cTn id="12" fill="hold">
+                            <p:stCondLst>
+                              <p:cond delay="500"/>
+                            </p:stCondLst>
+                            <p:childTnLst>
+                              <p:par>
+                                <p:cTn id="13" presetID="10" presetClass="entr" presetSubtype="0" fill="hold" nodeType="afterEffect">
+                                  <p:stCondLst>
+                                    <p:cond delay="0"/>
+                                  </p:stCondLst>
+                                  <p:childTnLst>
+                                    <p:set>
+                                      <p:cBhvr>
+                                        <p:cTn id="14" dur="1" fill="hold">
+                                          <p:stCondLst>
+                                            <p:cond delay="0"/>
+                                          </p:stCondLst>
+                                        </p:cTn>
+                                        <p:tgtEl>
+                                          <p:spTgt spid="2050"/>
+                                        </p:tgtEl>
+                                        <p:attrNameLst>
+                                          <p:attrName>style.visibility</p:attrName>
+                                        </p:attrNameLst>
+                                      </p:cBhvr>
+                                      <p:to>
+                                        <p:strVal val="visible"/>
+                                      </p:to>
+                                    </p:set>
+                                    <p:animEffect transition="in" filter="fade">
+                                      <p:cBhvr>
+                                        <p:cTn id="15" dur="250"/>
+                                        <p:tgtEl>
+                                          <p:spTgt spid="2050"/>
+                                        </p:tgtEl>
+                                      </p:cBhvr>
+                                    </p:animEffect>
+                                  </p:childTnLst>
+                                </p:cTn>
+                              </p:par>
+                              <p:par>
+                                <p:cTn id="16" presetID="10" presetClass="entr" presetSubtype="0" fill="hold" nodeType="withEffect">
+                                  <p:stCondLst>
+                                    <p:cond delay="0"/>
+                                  </p:stCondLst>
+                                  <p:childTnLst>
+                                    <p:set>
+                                      <p:cBhvr>
+                                        <p:cTn id="17" dur="1" fill="hold">
+                                          <p:stCondLst>
+                                            <p:cond delay="0"/>
+                                          </p:stCondLst>
+                                        </p:cTn>
+                                        <p:tgtEl>
+                                          <p:spTgt spid="2051"/>
+                                        </p:tgtEl>
+                                        <p:attrNameLst>
+                                          <p:attrName>style.visibility</p:attrName>
+                                        </p:attrNameLst>
+                                      </p:cBhvr>
+                                      <p:to>
+                                        <p:strVal val="visible"/>
+                                      </p:to>
+                                    </p:set>
+                                    <p:animEffect transition="in" filter="fade">
+                                      <p:cBhvr>
+                                        <p:cTn id="18" dur="250"/>
+                                        <p:tgtEl>
+                                          <p:spTgt spid="2051"/>
+                                        </p:tgtEl>
+                                      </p:cBhvr>
+                                    </p:animEffect>
+                                  </p:childTnLst>
+                                </p:cTn>
+                              </p:par>
+                              <p:par>
+                                <p:cTn id="19" presetID="10" presetClass="entr" presetSubtype="0" fill="hold" nodeType="withEffect">
+                                  <p:stCondLst>
+                                    <p:cond delay="0"/>
+                                  </p:stCondLst>
+                                  <p:childTnLst>
+                                    <p:set>
+                                      <p:cBhvr>
+                                        <p:cTn id="20" dur="1" fill="hold">
+                                          <p:stCondLst>
+                                            <p:cond delay="0"/>
+                                          </p:stCondLst>
+                                        </p:cTn>
+                                        <p:tgtEl>
+                                          <p:spTgt spid="2052"/>
+                                        </p:tgtEl>
+                                        <p:attrNameLst>
+                                          <p:attrName>style.visibility</p:attrName>
+                                        </p:attrNameLst>
+                                      </p:cBhvr>
+                                      <p:to>
+                                        <p:strVal val="visible"/>
+                                      </p:to>
+                                    </p:set>
+                                    <p:animEffect transition="in" filter="fade">
+                                      <p:cBhvr>
+                                        <p:cTn id="21" dur="250"/>
+                                        <p:tgtEl>
+                                          <p:spTgt spid="2052"/>
+                                        </p:tgtEl>
+                                      </p:cBhvr>
+                                    </p:animEffect>
+                                  </p:childTnLst>
+                                </p:cTn>
+                              </p:par>
+                              <p:par>
+                                <p:cTn id="22" presetID="10" presetClass="entr" presetSubtype="0" fill="hold" nodeType="withEffect">
+                                  <p:stCondLst>
+                                    <p:cond delay="0"/>
+                                  </p:stCondLst>
+                                  <p:childTnLst>
+                                    <p:set>
+                                      <p:cBhvr>
+                                        <p:cTn id="23" dur="1" fill="hold">
+                                          <p:stCondLst>
+                                            <p:cond delay="0"/>
+                                          </p:stCondLst>
+                                        </p:cTn>
+                                        <p:tgtEl>
+                                          <p:spTgt spid="2053"/>
+                                        </p:tgtEl>
+                                        <p:attrNameLst>
+                                          <p:attrName>style.visibility</p:attrName>
+                                        </p:attrNameLst>
+                                      </p:cBhvr>
+                                      <p:to>
+                                        <p:strVal val="visible"/>
+                                      </p:to>
+                                    </p:set>
+                                    <p:animEffect transition="in" filter="fade">
+                                      <p:cBhvr>
+                                        <p:cTn id="24" dur="250"/>
+                                        <p:tgtEl>
+                                          <p:spTgt spid="2053"/>
+                                        </p:tgtEl>
+                                      </p:cBhvr>
+                                    </p:animEffect>
+                                  </p:childTnLst>
+                                </p:cTn>
+                              </p:par>
+                              <p:par>
+                                <p:cTn id="25" presetID="10" presetClass="entr" presetSubtype="0" fill="hold" nodeType="withEffect">
+                                  <p:stCondLst>
+                                    <p:cond delay="0"/>
+                                  </p:stCondLst>
+                                  <p:childTnLst>
+                                    <p:set>
+                                      <p:cBhvr>
+                                        <p:cTn id="26" dur="1" fill="hold">
+                                          <p:stCondLst>
+                                            <p:cond delay="0"/>
+                                          </p:stCondLst>
+                                        </p:cTn>
+                                        <p:tgtEl>
+                                          <p:spTgt spid="5"/>
+                                        </p:tgtEl>
+                                        <p:attrNameLst>
+                                          <p:attrName>style.visibility</p:attrName>
+                                        </p:attrNameLst>
+                                      </p:cBhvr>
+                                      <p:to>
+                                        <p:strVal val="visible"/>
+                                      </p:to>
+                                    </p:set>
+                                    <p:animEffect transition="in" filter="fade">
+                                      <p:cBhvr>
+                                        <p:cTn id="27" dur="250"/>
+                                        <p:tgtEl>
+                                          <p:spTgt spid="5"/>
                                         </p:tgtEl>
                                       </p:cBhvr>
                                     </p:animEffect>
@@ -11716,13 +14421,14 @@
       </p:par>
     </p:tnLst>
     <p:bldLst>
+      <p:bldP spid="15362" grpId="0" build="p"/>
       <p:bldP spid="2" grpId="0"/>
     </p:bldLst>
   </p:timing>
 </p:sld>
 </file>
 
-<file path=ppt/slides/slide23.xml><?xml version="1.0" encoding="utf-8"?>
+<file path=ppt/slides/slide24.xml><?xml version="1.0" encoding="utf-8"?>
 <p:sld xmlns:a="http://schemas.openxmlformats.org/drawingml/2006/main" xmlns:r="http://schemas.openxmlformats.org/officeDocument/2006/relationships" xmlns:p="http://schemas.openxmlformats.org/presentationml/2006/main">
   <p:cSld>
     <p:spTree>
@@ -11765,12 +14471,73 @@
               <a:defRPr/>
             </a:pPr>
             <a:r>
-              <a:rPr lang="en-US" altLang="zh-TW" sz="1800" dirty="0">
+              <a:rPr lang="zh-TW" altLang="en-US" sz="1800" dirty="0" smtClean="0">
                 <a:latin typeface="Times New Roman" panose="02020603050405020304" pitchFamily="18" charset="0"/>
                 <a:cs typeface="Times New Roman" panose="02020603050405020304" pitchFamily="18" charset="0"/>
               </a:rPr>
-              <a:t>Conclusion</a:t>
-            </a:r>
+              <a:t>結論</a:t>
+            </a:r>
+            <a:endParaRPr lang="en-US" altLang="zh-TW" sz="1800" dirty="0" smtClean="0">
+              <a:latin typeface="Times New Roman" panose="02020603050405020304" pitchFamily="18" charset="0"/>
+              <a:cs typeface="Times New Roman" panose="02020603050405020304" pitchFamily="18" charset="0"/>
+            </a:endParaRPr>
+          </a:p>
+          <a:p>
+            <a:pPr marL="742950" lvl="2" indent="-342900" eaLnBrk="1" hangingPunct="1">
+              <a:buFont typeface="Arial" charset="0"/>
+              <a:buChar char="•"/>
+              <a:defRPr/>
+            </a:pPr>
+            <a:r>
+              <a:rPr lang="zh-TW" altLang="en-US" sz="1400" dirty="0" smtClean="0">
+                <a:latin typeface="Times New Roman" panose="02020603050405020304" pitchFamily="18" charset="0"/>
+                <a:cs typeface="Times New Roman" panose="02020603050405020304" pitchFamily="18" charset="0"/>
+              </a:rPr>
+              <a:t>依產品需求規格製作產圖之程式</a:t>
+            </a:r>
+            <a:endParaRPr lang="en-US" altLang="zh-TW" sz="1400" dirty="0" smtClean="0">
+              <a:latin typeface="Times New Roman" panose="02020603050405020304" pitchFamily="18" charset="0"/>
+              <a:cs typeface="Times New Roman" panose="02020603050405020304" pitchFamily="18" charset="0"/>
+            </a:endParaRPr>
+          </a:p>
+          <a:p>
+            <a:pPr marL="742950" lvl="2" indent="-342900" eaLnBrk="1" hangingPunct="1">
+              <a:buFont typeface="Arial" charset="0"/>
+              <a:buChar char="•"/>
+              <a:defRPr/>
+            </a:pPr>
+            <a:r>
+              <a:rPr lang="zh-TW" altLang="en-US" sz="1400" dirty="0">
+                <a:latin typeface="Times New Roman" panose="02020603050405020304" pitchFamily="18" charset="0"/>
+                <a:cs typeface="Times New Roman" panose="02020603050405020304" pitchFamily="18" charset="0"/>
+              </a:rPr>
+              <a:t>方便內部</a:t>
+            </a:r>
+            <a:r>
+              <a:rPr lang="zh-TW" altLang="en-US" sz="1400" dirty="0" smtClean="0">
+                <a:latin typeface="Times New Roman" panose="02020603050405020304" pitchFamily="18" charset="0"/>
+                <a:cs typeface="Times New Roman" panose="02020603050405020304" pitchFamily="18" charset="0"/>
+              </a:rPr>
+              <a:t>人員快速產圖並做量測 </a:t>
+            </a:r>
+            <a:r>
+              <a:rPr lang="en-US" altLang="zh-TW" sz="1400" dirty="0" smtClean="0">
+                <a:latin typeface="Times New Roman" panose="02020603050405020304" pitchFamily="18" charset="0"/>
+                <a:cs typeface="Times New Roman" panose="02020603050405020304" pitchFamily="18" charset="0"/>
+              </a:rPr>
+              <a:t>Panel</a:t>
+            </a:r>
+            <a:r>
+              <a:rPr lang="zh-TW" altLang="en-US" sz="1400" dirty="0" smtClean="0">
+                <a:latin typeface="Times New Roman" panose="02020603050405020304" pitchFamily="18" charset="0"/>
+                <a:cs typeface="Times New Roman" panose="02020603050405020304" pitchFamily="18" charset="0"/>
+              </a:rPr>
+              <a:t> 、明暗度之程式</a:t>
+            </a:r>
+            <a:endParaRPr lang="en-US" altLang="zh-TW" sz="1400" dirty="0" smtClean="0">
+              <a:latin typeface="Times New Roman" panose="02020603050405020304" pitchFamily="18" charset="0"/>
+              <a:cs typeface="Times New Roman" panose="02020603050405020304" pitchFamily="18" charset="0"/>
+            </a:endParaRPr>
           </a:p>
         </p:txBody>
       </p:sp>
@@ -11805,17 +14572,7 @@
                 <a:latin typeface="Times New Roman" panose="02020603050405020304" pitchFamily="18" charset="0"/>
                 <a:cs typeface="Times New Roman" panose="02020603050405020304" pitchFamily="18" charset="0"/>
               </a:rPr>
-              <a:t>Luminance </a:t>
-            </a:r>
-            <a:r>
-              <a:rPr lang="en-US" altLang="zh-TW" sz="2800" kern="0" dirty="0" smtClean="0">
-                <a:solidFill>
-                  <a:srgbClr val="003366"/>
-                </a:solidFill>
-                <a:latin typeface="Times New Roman" panose="02020603050405020304" pitchFamily="18" charset="0"/>
-                <a:cs typeface="Times New Roman" panose="02020603050405020304" pitchFamily="18" charset="0"/>
-              </a:rPr>
-              <a:t>automation</a:t>
+              <a:t>Luminance automation</a:t>
             </a:r>
             <a:endParaRPr lang="zh-TW" altLang="en-US" sz="2800" kern="0" dirty="0">
               <a:solidFill>
@@ -11898,9 +14655,147 @@
                                     </p:set>
                                     <p:animEffect transition="in" filter="fade">
                                       <p:cBhvr>
-                                        <p:cTn id="7" dur="500"/>
+                                        <p:cTn id="7" dur="250"/>
                                         <p:tgtEl>
                                           <p:spTgt spid="2"/>
+                                        </p:tgtEl>
+                                      </p:cBhvr>
+                                    </p:animEffect>
+                                  </p:childTnLst>
+                                </p:cTn>
+                              </p:par>
+                            </p:childTnLst>
+                          </p:cTn>
+                        </p:par>
+                        <p:par>
+                          <p:cTn id="8" fill="hold">
+                            <p:stCondLst>
+                              <p:cond delay="250"/>
+                            </p:stCondLst>
+                            <p:childTnLst>
+                              <p:par>
+                                <p:cTn id="9" presetID="10" presetClass="entr" presetSubtype="0" fill="hold" grpId="0" nodeType="afterEffect">
+                                  <p:stCondLst>
+                                    <p:cond delay="0"/>
+                                  </p:stCondLst>
+                                  <p:childTnLst>
+                                    <p:set>
+                                      <p:cBhvr>
+                                        <p:cTn id="10" dur="1" fill="hold">
+                                          <p:stCondLst>
+                                            <p:cond delay="0"/>
+                                          </p:stCondLst>
+                                        </p:cTn>
+                                        <p:tgtEl>
+                                          <p:spTgt spid="15362">
+                                            <p:txEl>
+                                              <p:pRg st="0" end="0"/>
+                                            </p:txEl>
+                                          </p:spTgt>
+                                        </p:tgtEl>
+                                        <p:attrNameLst>
+                                          <p:attrName>style.visibility</p:attrName>
+                                        </p:attrNameLst>
+                                      </p:cBhvr>
+                                      <p:to>
+                                        <p:strVal val="visible"/>
+                                      </p:to>
+                                    </p:set>
+                                    <p:animEffect transition="in" filter="fade">
+                                      <p:cBhvr>
+                                        <p:cTn id="11" dur="250"/>
+                                        <p:tgtEl>
+                                          <p:spTgt spid="15362">
+                                            <p:txEl>
+                                              <p:pRg st="0" end="0"/>
+                                            </p:txEl>
+                                          </p:spTgt>
+                                        </p:tgtEl>
+                                      </p:cBhvr>
+                                    </p:animEffect>
+                                  </p:childTnLst>
+                                </p:cTn>
+                              </p:par>
+                              <p:par>
+                                <p:cTn id="12" presetID="10" presetClass="entr" presetSubtype="0" fill="hold" grpId="0" nodeType="withEffect">
+                                  <p:stCondLst>
+                                    <p:cond delay="0"/>
+                                  </p:stCondLst>
+                                  <p:childTnLst>
+                                    <p:set>
+                                      <p:cBhvr>
+                                        <p:cTn id="13" dur="1" fill="hold">
+                                          <p:stCondLst>
+                                            <p:cond delay="0"/>
+                                          </p:stCondLst>
+                                        </p:cTn>
+                                        <p:tgtEl>
+                                          <p:spTgt spid="15362">
+                                            <p:txEl>
+                                              <p:pRg st="1" end="1"/>
+                                            </p:txEl>
+                                          </p:spTgt>
+                                        </p:tgtEl>
+                                        <p:attrNameLst>
+                                          <p:attrName>style.visibility</p:attrName>
+                                        </p:attrNameLst>
+                                      </p:cBhvr>
+                                      <p:to>
+                                        <p:strVal val="visible"/>
+                                      </p:to>
+                                    </p:set>
+                                    <p:animEffect transition="in" filter="fade">
+                                      <p:cBhvr>
+                                        <p:cTn id="14" dur="250"/>
+                                        <p:tgtEl>
+                                          <p:spTgt spid="15362">
+                                            <p:txEl>
+                                              <p:pRg st="1" end="1"/>
+                                            </p:txEl>
+                                          </p:spTgt>
+                                        </p:tgtEl>
+                                      </p:cBhvr>
+                                    </p:animEffect>
+                                  </p:childTnLst>
+                                </p:cTn>
+                              </p:par>
+                              <p:par>
+                                <p:cTn id="15" presetID="10" presetClass="entr" presetSubtype="0" fill="hold" grpId="0" nodeType="withEffect">
+                                  <p:stCondLst>
+                                    <p:cond delay="0"/>
+                                  </p:stCondLst>
+                                  <p:childTnLst>
+                                    <p:set>
+                                      <p:cBhvr>
+                                        <p:cTn id="16" dur="1" fill="hold">
+                                          <p:stCondLst>
+                                            <p:cond delay="0"/>
+                                          </p:stCondLst>
+                                        </p:cTn>
+                                        <p:tgtEl>
+                                          <p:spTgt spid="15362">
+                                            <p:txEl>
+                                              <p:pRg st="2" end="2"/>
+                                            </p:txEl>
+                                          </p:spTgt>
+                                        </p:tgtEl>
+                                        <p:attrNameLst>
+                                          <p:attrName>style.visibility</p:attrName>
+                                        </p:attrNameLst>
+                                      </p:cBhvr>
+                                      <p:to>
+                                        <p:strVal val="visible"/>
+                                      </p:to>
+                                    </p:set>
+                                    <p:animEffect transition="in" filter="fade">
+                                      <p:cBhvr>
+                                        <p:cTn id="17" dur="250"/>
+                                        <p:tgtEl>
+                                          <p:spTgt spid="15362">
+                                            <p:txEl>
+                                              <p:pRg st="2" end="2"/>
+                                            </p:txEl>
+                                          </p:spTgt>
                                         </p:tgtEl>
                                       </p:cBhvr>
                                     </p:animEffect>
@@ -11935,13 +14830,14 @@
       </p:par>
     </p:tnLst>
     <p:bldLst>
+      <p:bldP spid="15362" grpId="0" build="p"/>
       <p:bldP spid="2" grpId="0"/>
     </p:bldLst>
   </p:timing>
 </p:sld>
 </file>
 
-<file path=ppt/slides/slide24.xml><?xml version="1.0" encoding="utf-8"?>
+<file path=ppt/slides/slide25.xml><?xml version="1.0" encoding="utf-8"?>
 <p:sld xmlns:a="http://schemas.openxmlformats.org/drawingml/2006/main" xmlns:r="http://schemas.openxmlformats.org/officeDocument/2006/relationships" xmlns:p="http://schemas.openxmlformats.org/presentationml/2006/main">
   <p:cSld>
     <p:spTree>
@@ -12035,17 +14931,7 @@
                 <a:latin typeface="Times New Roman" panose="02020603050405020304" pitchFamily="18" charset="0"/>
                 <a:cs typeface="Times New Roman" panose="02020603050405020304" pitchFamily="18" charset="0"/>
               </a:rPr>
-              <a:t>PXE automatic </a:t>
-            </a:r>
-            <a:r>
-              <a:rPr lang="en-US" altLang="zh-TW" sz="2800" kern="0" dirty="0" smtClean="0">
-                <a:solidFill>
-                  <a:srgbClr val="003366"/>
-                </a:solidFill>
-                <a:latin typeface="Times New Roman" panose="02020603050405020304" pitchFamily="18" charset="0"/>
-                <a:cs typeface="Times New Roman" panose="02020603050405020304" pitchFamily="18" charset="0"/>
-              </a:rPr>
-              <a:t>installation</a:t>
+              <a:t>PXE automatic installation</a:t>
             </a:r>
             <a:endParaRPr lang="zh-TW" altLang="en-US" sz="2800" kern="0" dirty="0">
               <a:solidFill>
@@ -12192,9 +15078,105 @@
                                     </p:set>
                                     <p:animEffect transition="in" filter="fade">
                                       <p:cBhvr>
-                                        <p:cTn id="7" dur="500"/>
+                                        <p:cTn id="7" dur="250"/>
                                         <p:tgtEl>
                                           <p:spTgt spid="2"/>
+                                        </p:tgtEl>
+                                      </p:cBhvr>
+                                    </p:animEffect>
+                                  </p:childTnLst>
+                                </p:cTn>
+                              </p:par>
+                            </p:childTnLst>
+                          </p:cTn>
+                        </p:par>
+                        <p:par>
+                          <p:cTn id="8" fill="hold">
+                            <p:stCondLst>
+                              <p:cond delay="250"/>
+                            </p:stCondLst>
+                            <p:childTnLst>
+                              <p:par>
+                                <p:cTn id="9" presetID="10" presetClass="entr" presetSubtype="0" fill="hold" grpId="0" nodeType="afterEffect">
+                                  <p:stCondLst>
+                                    <p:cond delay="0"/>
+                                  </p:stCondLst>
+                                  <p:childTnLst>
+                                    <p:set>
+                                      <p:cBhvr>
+                                        <p:cTn id="10" dur="1" fill="hold">
+                                          <p:stCondLst>
+                                            <p:cond delay="0"/>
+                                          </p:stCondLst>
+                                        </p:cTn>
+                                        <p:tgtEl>
+                                          <p:spTgt spid="15362">
+                                            <p:txEl>
+                                              <p:pRg st="0" end="0"/>
+                                            </p:txEl>
+                                          </p:spTgt>
+                                        </p:tgtEl>
+                                        <p:attrNameLst>
+                                          <p:attrName>style.visibility</p:attrName>
+                                        </p:attrNameLst>
+                                      </p:cBhvr>
+                                      <p:to>
+                                        <p:strVal val="visible"/>
+                                      </p:to>
+                                    </p:set>
+                                    <p:animEffect transition="in" filter="fade">
+                                      <p:cBhvr>
+                                        <p:cTn id="11" dur="250"/>
+                                        <p:tgtEl>
+                                          <p:spTgt spid="15362">
+                                            <p:txEl>
+                                              <p:pRg st="0" end="0"/>
+                                            </p:txEl>
+                                          </p:spTgt>
+                                        </p:tgtEl>
+                                      </p:cBhvr>
+                                    </p:animEffect>
+                                  </p:childTnLst>
+                                </p:cTn>
+                              </p:par>
+                            </p:childTnLst>
+                          </p:cTn>
+                        </p:par>
+                        <p:par>
+                          <p:cTn id="12" fill="hold">
+                            <p:stCondLst>
+                              <p:cond delay="500"/>
+                            </p:stCondLst>
+                            <p:childTnLst>
+                              <p:par>
+                                <p:cTn id="13" presetID="10" presetClass="entr" presetSubtype="0" fill="hold" nodeType="afterEffect">
+                                  <p:stCondLst>
+                                    <p:cond delay="0"/>
+                                  </p:stCondLst>
+                                  <p:childTnLst>
+                                    <p:set>
+                                      <p:cBhvr>
+                                        <p:cTn id="14" dur="1" fill="hold">
+                                          <p:stCondLst>
+                                            <p:cond delay="0"/>
+                                          </p:stCondLst>
+                                        </p:cTn>
+                                        <p:tgtEl>
+                                          <p:spTgt spid="1026"/>
+                                        </p:tgtEl>
+                                        <p:attrNameLst>
+                                          <p:attrName>style.visibility</p:attrName>
+                                        </p:attrNameLst>
+                                      </p:cBhvr>
+                                      <p:to>
+                                        <p:strVal val="visible"/>
+                                      </p:to>
+                                    </p:set>
+                                    <p:animEffect transition="in" filter="fade">
+                                      <p:cBhvr>
+                                        <p:cTn id="15" dur="250"/>
+                                        <p:tgtEl>
+                                          <p:spTgt spid="1026"/>
                                         </p:tgtEl>
                                       </p:cBhvr>
                                     </p:animEffect>
@@ -12229,13 +15211,14 @@
       </p:par>
     </p:tnLst>
     <p:bldLst>
+      <p:bldP spid="15362" grpId="0" build="p"/>
       <p:bldP spid="2" grpId="0"/>
     </p:bldLst>
   </p:timing>
 </p:sld>
 </file>
 
-<file path=ppt/slides/slide25.xml><?xml version="1.0" encoding="utf-8"?>
+<file path=ppt/slides/slide26.xml><?xml version="1.0" encoding="utf-8"?>
 <p:sld xmlns:a="http://schemas.openxmlformats.org/drawingml/2006/main" xmlns:r="http://schemas.openxmlformats.org/officeDocument/2006/relationships" xmlns:p="http://schemas.openxmlformats.org/presentationml/2006/main">
   <p:cSld>
     <p:spTree>
@@ -12278,12 +15261,165 @@
               <a:defRPr/>
             </a:pPr>
             <a:r>
-              <a:rPr lang="en-US" altLang="zh-TW" sz="1800" dirty="0">
+              <a:rPr lang="en-US" altLang="zh-TW" sz="1800" dirty="0" smtClean="0">
                 <a:latin typeface="Times New Roman" panose="02020603050405020304" pitchFamily="18" charset="0"/>
                 <a:cs typeface="Times New Roman" panose="02020603050405020304" pitchFamily="18" charset="0"/>
               </a:rPr>
-              <a:t>Conclusion</a:t>
-            </a:r>
+              <a:t>Operation System</a:t>
+            </a:r>
+            <a:endParaRPr lang="en-US" altLang="zh-TW" sz="1800" dirty="0" smtClean="0">
+              <a:latin typeface="Times New Roman" panose="02020603050405020304" pitchFamily="18" charset="0"/>
+              <a:cs typeface="Times New Roman" panose="02020603050405020304" pitchFamily="18" charset="0"/>
+            </a:endParaRPr>
+          </a:p>
+          <a:p>
+            <a:pPr marL="742950" lvl="2" indent="-342900" eaLnBrk="1" hangingPunct="1">
+              <a:buFont typeface="Arial" charset="0"/>
+              <a:buChar char="•"/>
+              <a:defRPr/>
+            </a:pPr>
+            <a:r>
+              <a:rPr lang="en-US" altLang="zh-TW" sz="1400" dirty="0" smtClean="0">
+                <a:latin typeface="Times New Roman" panose="02020603050405020304" pitchFamily="18" charset="0"/>
+                <a:cs typeface="Times New Roman" panose="02020603050405020304" pitchFamily="18" charset="0"/>
+              </a:rPr>
+              <a:t>Windows Server 2012 R2 for Legacy 32 bits</a:t>
+            </a:r>
+          </a:p>
+          <a:p>
+            <a:pPr marL="742950" lvl="2" indent="-342900" eaLnBrk="1" hangingPunct="1">
+              <a:buFont typeface="Arial" charset="0"/>
+              <a:buChar char="•"/>
+              <a:defRPr/>
+            </a:pPr>
+            <a:r>
+              <a:rPr lang="en-US" altLang="zh-TW" sz="1400" dirty="0" smtClean="0">
+                <a:latin typeface="Times New Roman" panose="02020603050405020304" pitchFamily="18" charset="0"/>
+                <a:cs typeface="Times New Roman" panose="02020603050405020304" pitchFamily="18" charset="0"/>
+              </a:rPr>
+              <a:t>Windows </a:t>
+            </a:r>
+            <a:r>
+              <a:rPr lang="en-US" altLang="zh-TW" sz="1400" dirty="0">
+                <a:latin typeface="Times New Roman" panose="02020603050405020304" pitchFamily="18" charset="0"/>
+                <a:cs typeface="Times New Roman" panose="02020603050405020304" pitchFamily="18" charset="0"/>
+              </a:rPr>
+              <a:t>Server 2012 R2 for Legacy </a:t>
+            </a:r>
+            <a:r>
+              <a:rPr lang="en-US" altLang="zh-TW" sz="1400" dirty="0" smtClean="0">
+                <a:latin typeface="Times New Roman" panose="02020603050405020304" pitchFamily="18" charset="0"/>
+                <a:cs typeface="Times New Roman" panose="02020603050405020304" pitchFamily="18" charset="0"/>
+              </a:rPr>
+              <a:t>64 bits</a:t>
+            </a:r>
+          </a:p>
+          <a:p>
+            <a:pPr marL="742950" lvl="2" indent="-342900" eaLnBrk="1" hangingPunct="1">
+              <a:buFont typeface="Arial" charset="0"/>
+              <a:buChar char="•"/>
+              <a:defRPr/>
+            </a:pPr>
+            <a:r>
+              <a:rPr lang="en-US" altLang="zh-TW" sz="1400" dirty="0">
+                <a:latin typeface="Times New Roman" panose="02020603050405020304" pitchFamily="18" charset="0"/>
+                <a:cs typeface="Times New Roman" panose="02020603050405020304" pitchFamily="18" charset="0"/>
+              </a:rPr>
+              <a:t>Windows Server 2012 R2 for UEFI 64 </a:t>
+            </a:r>
+            <a:r>
+              <a:rPr lang="en-US" altLang="zh-TW" sz="1400" dirty="0" smtClean="0">
+                <a:latin typeface="Times New Roman" panose="02020603050405020304" pitchFamily="18" charset="0"/>
+                <a:cs typeface="Times New Roman" panose="02020603050405020304" pitchFamily="18" charset="0"/>
+              </a:rPr>
+              <a:t>bits</a:t>
+            </a:r>
+            <a:endParaRPr lang="en-US" altLang="zh-TW" sz="1400" dirty="0" smtClean="0">
+              <a:latin typeface="Times New Roman" panose="02020603050405020304" pitchFamily="18" charset="0"/>
+              <a:cs typeface="Times New Roman" panose="02020603050405020304" pitchFamily="18" charset="0"/>
+            </a:endParaRPr>
+          </a:p>
+          <a:p>
+            <a:pPr marL="342900" lvl="1" indent="-342900" eaLnBrk="1" hangingPunct="1">
+              <a:buFont typeface="Arial" charset="0"/>
+              <a:buChar char="•"/>
+              <a:defRPr/>
+            </a:pPr>
+            <a:r>
+              <a:rPr lang="zh-TW" altLang="en-US" sz="1800" dirty="0" smtClean="0">
+                <a:latin typeface="Times New Roman" panose="02020603050405020304" pitchFamily="18" charset="0"/>
+                <a:cs typeface="Times New Roman" panose="02020603050405020304" pitchFamily="18" charset="0"/>
+              </a:rPr>
+              <a:t>結論</a:t>
+            </a:r>
+            <a:endParaRPr lang="en-US" altLang="zh-TW" sz="1800" dirty="0" smtClean="0">
+              <a:latin typeface="Times New Roman" panose="02020603050405020304" pitchFamily="18" charset="0"/>
+              <a:cs typeface="Times New Roman" panose="02020603050405020304" pitchFamily="18" charset="0"/>
+            </a:endParaRPr>
+          </a:p>
+          <a:p>
+            <a:pPr marL="742950" lvl="2" indent="-342900" eaLnBrk="1" hangingPunct="1">
+              <a:buFont typeface="Arial" charset="0"/>
+              <a:buChar char="•"/>
+              <a:defRPr/>
+            </a:pPr>
+            <a:r>
+              <a:rPr lang="zh-TW" altLang="en-US" sz="1400" dirty="0">
+                <a:latin typeface="Times New Roman" panose="02020603050405020304" pitchFamily="18" charset="0"/>
+                <a:cs typeface="Times New Roman" panose="02020603050405020304" pitchFamily="18" charset="0"/>
+              </a:rPr>
+              <a:t>自動化</a:t>
+            </a:r>
+            <a:r>
+              <a:rPr lang="zh-TW" altLang="en-US" sz="1400" dirty="0" smtClean="0">
+                <a:latin typeface="Times New Roman" panose="02020603050405020304" pitchFamily="18" charset="0"/>
+                <a:cs typeface="Times New Roman" panose="02020603050405020304" pitchFamily="18" charset="0"/>
+              </a:rPr>
+              <a:t>安裝 </a:t>
+            </a:r>
+            <a:r>
+              <a:rPr lang="en-US" altLang="zh-TW" sz="1400" dirty="0" smtClean="0">
+                <a:latin typeface="Times New Roman" panose="02020603050405020304" pitchFamily="18" charset="0"/>
+                <a:cs typeface="Times New Roman" panose="02020603050405020304" pitchFamily="18" charset="0"/>
+              </a:rPr>
+              <a:t>Windows OS</a:t>
+            </a:r>
+            <a:r>
+              <a:rPr lang="zh-TW" altLang="en-US" sz="1400" dirty="0" smtClean="0">
+                <a:latin typeface="Times New Roman" panose="02020603050405020304" pitchFamily="18" charset="0"/>
+                <a:cs typeface="Times New Roman" panose="02020603050405020304" pitchFamily="18" charset="0"/>
+              </a:rPr>
+              <a:t> 程序</a:t>
+            </a:r>
+            <a:endParaRPr lang="en-US" altLang="zh-TW" sz="1400" dirty="0" smtClean="0">
+              <a:latin typeface="Times New Roman" panose="02020603050405020304" pitchFamily="18" charset="0"/>
+              <a:cs typeface="Times New Roman" panose="02020603050405020304" pitchFamily="18" charset="0"/>
+            </a:endParaRPr>
+          </a:p>
+          <a:p>
+            <a:pPr marL="742950" lvl="2" indent="-342900" eaLnBrk="1" hangingPunct="1">
+              <a:buFont typeface="Arial" charset="0"/>
+              <a:buChar char="•"/>
+              <a:defRPr/>
+            </a:pPr>
+            <a:r>
+              <a:rPr lang="zh-TW" altLang="en-US" sz="1400" dirty="0">
+                <a:latin typeface="Times New Roman" panose="02020603050405020304" pitchFamily="18" charset="0"/>
+                <a:cs typeface="Times New Roman" panose="02020603050405020304" pitchFamily="18" charset="0"/>
+              </a:rPr>
+              <a:t>長</a:t>
+            </a:r>
+            <a:r>
+              <a:rPr lang="zh-TW" altLang="en-US" sz="1400" dirty="0" smtClean="0">
+                <a:latin typeface="Times New Roman" panose="02020603050405020304" pitchFamily="18" charset="0"/>
+                <a:cs typeface="Times New Roman" panose="02020603050405020304" pitchFamily="18" charset="0"/>
+              </a:rPr>
+              <a:t>時間自動安裝壓力測試</a:t>
+            </a:r>
+            <a:endParaRPr lang="en-US" altLang="zh-TW" sz="1400" dirty="0">
+              <a:latin typeface="Times New Roman" panose="02020603050405020304" pitchFamily="18" charset="0"/>
+              <a:cs typeface="Times New Roman" panose="02020603050405020304" pitchFamily="18" charset="0"/>
+            </a:endParaRPr>
           </a:p>
           <a:p>
             <a:pPr eaLnBrk="1" hangingPunct="1">
@@ -12329,17 +15465,7 @@
                 <a:latin typeface="Times New Roman" panose="02020603050405020304" pitchFamily="18" charset="0"/>
                 <a:cs typeface="Times New Roman" panose="02020603050405020304" pitchFamily="18" charset="0"/>
               </a:rPr>
-              <a:t>PXE automatic </a:t>
-            </a:r>
-            <a:r>
-              <a:rPr lang="en-US" altLang="zh-TW" sz="2800" kern="0" dirty="0" smtClean="0">
-                <a:solidFill>
-                  <a:srgbClr val="003366"/>
-                </a:solidFill>
-                <a:latin typeface="Times New Roman" panose="02020603050405020304" pitchFamily="18" charset="0"/>
-                <a:cs typeface="Times New Roman" panose="02020603050405020304" pitchFamily="18" charset="0"/>
-              </a:rPr>
-              <a:t>installation</a:t>
+              <a:t>PXE automatic installation</a:t>
             </a:r>
             <a:endParaRPr lang="zh-TW" altLang="en-US" sz="2800" kern="0" dirty="0">
               <a:solidFill>
@@ -12422,9 +15548,310 @@
                                     </p:set>
                                     <p:animEffect transition="in" filter="fade">
                                       <p:cBhvr>
-                                        <p:cTn id="7" dur="500"/>
+                                        <p:cTn id="7" dur="250"/>
                                         <p:tgtEl>
                                           <p:spTgt spid="2"/>
+                                        </p:tgtEl>
+                                      </p:cBhvr>
+                                    </p:animEffect>
+                                  </p:childTnLst>
+                                </p:cTn>
+                              </p:par>
+                              <p:par>
+                                <p:cTn id="8" presetID="10" presetClass="entr" presetSubtype="0" fill="hold" grpId="0" nodeType="withEffect">
+                                  <p:stCondLst>
+                                    <p:cond delay="0"/>
+                                  </p:stCondLst>
+                                  <p:childTnLst>
+                                    <p:set>
+                                      <p:cBhvr>
+                                        <p:cTn id="9" dur="1" fill="hold">
+                                          <p:stCondLst>
+                                            <p:cond delay="0"/>
+                                          </p:stCondLst>
+                                        </p:cTn>
+                                        <p:tgtEl>
+                                          <p:spTgt spid="15362">
+                                            <p:txEl>
+                                              <p:pRg st="0" end="0"/>
+                                            </p:txEl>
+                                          </p:spTgt>
+                                        </p:tgtEl>
+                                        <p:attrNameLst>
+                                          <p:attrName>style.visibility</p:attrName>
+                                        </p:attrNameLst>
+                                      </p:cBhvr>
+                                      <p:to>
+                                        <p:strVal val="visible"/>
+                                      </p:to>
+                                    </p:set>
+                                    <p:animEffect transition="in" filter="fade">
+                                      <p:cBhvr>
+                                        <p:cTn id="10" dur="250"/>
+                                        <p:tgtEl>
+                                          <p:spTgt spid="15362">
+                                            <p:txEl>
+                                              <p:pRg st="0" end="0"/>
+                                            </p:txEl>
+                                          </p:spTgt>
+                                        </p:tgtEl>
+                                      </p:cBhvr>
+                                    </p:animEffect>
+                                  </p:childTnLst>
+                                </p:cTn>
+                              </p:par>
+                              <p:par>
+                                <p:cTn id="11" presetID="10" presetClass="entr" presetSubtype="0" fill="hold" grpId="0" nodeType="withEffect">
+                                  <p:stCondLst>
+                                    <p:cond delay="0"/>
+                                  </p:stCondLst>
+                                  <p:childTnLst>
+                                    <p:set>
+                                      <p:cBhvr>
+                                        <p:cTn id="12" dur="1" fill="hold">
+                                          <p:stCondLst>
+                                            <p:cond delay="0"/>
+                                          </p:stCondLst>
+                                        </p:cTn>
+                                        <p:tgtEl>
+                                          <p:spTgt spid="15362">
+                                            <p:txEl>
+                                              <p:pRg st="1" end="1"/>
+                                            </p:txEl>
+                                          </p:spTgt>
+                                        </p:tgtEl>
+                                        <p:attrNameLst>
+                                          <p:attrName>style.visibility</p:attrName>
+                                        </p:attrNameLst>
+                                      </p:cBhvr>
+                                      <p:to>
+                                        <p:strVal val="visible"/>
+                                      </p:to>
+                                    </p:set>
+                                    <p:animEffect transition="in" filter="fade">
+                                      <p:cBhvr>
+                                        <p:cTn id="13" dur="250"/>
+                                        <p:tgtEl>
+                                          <p:spTgt spid="15362">
+                                            <p:txEl>
+                                              <p:pRg st="1" end="1"/>
+                                            </p:txEl>
+                                          </p:spTgt>
+                                        </p:tgtEl>
+                                      </p:cBhvr>
+                                    </p:animEffect>
+                                  </p:childTnLst>
+                                </p:cTn>
+                              </p:par>
+                              <p:par>
+                                <p:cTn id="14" presetID="10" presetClass="entr" presetSubtype="0" fill="hold" grpId="0" nodeType="withEffect">
+                                  <p:stCondLst>
+                                    <p:cond delay="0"/>
+                                  </p:stCondLst>
+                                  <p:childTnLst>
+                                    <p:set>
+                                      <p:cBhvr>
+                                        <p:cTn id="15" dur="1" fill="hold">
+                                          <p:stCondLst>
+                                            <p:cond delay="0"/>
+                                          </p:stCondLst>
+                                        </p:cTn>
+                                        <p:tgtEl>
+                                          <p:spTgt spid="15362">
+                                            <p:txEl>
+                                              <p:pRg st="2" end="2"/>
+                                            </p:txEl>
+                                          </p:spTgt>
+                                        </p:tgtEl>
+                                        <p:attrNameLst>
+                                          <p:attrName>style.visibility</p:attrName>
+                                        </p:attrNameLst>
+                                      </p:cBhvr>
+                                      <p:to>
+                                        <p:strVal val="visible"/>
+                                      </p:to>
+                                    </p:set>
+                                    <p:animEffect transition="in" filter="fade">
+                                      <p:cBhvr>
+                                        <p:cTn id="16" dur="250"/>
+                                        <p:tgtEl>
+                                          <p:spTgt spid="15362">
+                                            <p:txEl>
+                                              <p:pRg st="2" end="2"/>
+                                            </p:txEl>
+                                          </p:spTgt>
+                                        </p:tgtEl>
+                                      </p:cBhvr>
+                                    </p:animEffect>
+                                  </p:childTnLst>
+                                </p:cTn>
+                              </p:par>
+                              <p:par>
+                                <p:cTn id="17" presetID="10" presetClass="entr" presetSubtype="0" fill="hold" grpId="0" nodeType="withEffect">
+                                  <p:stCondLst>
+                                    <p:cond delay="0"/>
+                                  </p:stCondLst>
+                                  <p:childTnLst>
+                                    <p:set>
+                                      <p:cBhvr>
+                                        <p:cTn id="18" dur="1" fill="hold">
+                                          <p:stCondLst>
+                                            <p:cond delay="0"/>
+                                          </p:stCondLst>
+                                        </p:cTn>
+                                        <p:tgtEl>
+                                          <p:spTgt spid="15362">
+                                            <p:txEl>
+                                              <p:pRg st="3" end="3"/>
+                                            </p:txEl>
+                                          </p:spTgt>
+                                        </p:tgtEl>
+                                        <p:attrNameLst>
+                                          <p:attrName>style.visibility</p:attrName>
+                                        </p:attrNameLst>
+                                      </p:cBhvr>
+                                      <p:to>
+                                        <p:strVal val="visible"/>
+                                      </p:to>
+                                    </p:set>
+                                    <p:animEffect transition="in" filter="fade">
+                                      <p:cBhvr>
+                                        <p:cTn id="19" dur="250"/>
+                                        <p:tgtEl>
+                                          <p:spTgt spid="15362">
+                                            <p:txEl>
+                                              <p:pRg st="3" end="3"/>
+                                            </p:txEl>
+                                          </p:spTgt>
+                                        </p:tgtEl>
+                                      </p:cBhvr>
+                                    </p:animEffect>
+                                  </p:childTnLst>
+                                </p:cTn>
+                              </p:par>
+                              <p:par>
+                                <p:cTn id="20" presetID="10" presetClass="entr" presetSubtype="0" fill="hold" grpId="0" nodeType="withEffect">
+                                  <p:stCondLst>
+                                    <p:cond delay="0"/>
+                                  </p:stCondLst>
+                                  <p:childTnLst>
+                                    <p:set>
+                                      <p:cBhvr>
+                                        <p:cTn id="21" dur="1" fill="hold">
+                                          <p:stCondLst>
+                                            <p:cond delay="0"/>
+                                          </p:stCondLst>
+                                        </p:cTn>
+                                        <p:tgtEl>
+                                          <p:spTgt spid="15362">
+                                            <p:txEl>
+                                              <p:pRg st="4" end="4"/>
+                                            </p:txEl>
+                                          </p:spTgt>
+                                        </p:tgtEl>
+                                        <p:attrNameLst>
+                                          <p:attrName>style.visibility</p:attrName>
+                                        </p:attrNameLst>
+                                      </p:cBhvr>
+                                      <p:to>
+                                        <p:strVal val="visible"/>
+                                      </p:to>
+                                    </p:set>
+                                    <p:animEffect transition="in" filter="fade">
+                                      <p:cBhvr>
+                                        <p:cTn id="22" dur="250"/>
+                                        <p:tgtEl>
+                                          <p:spTgt spid="15362">
+                                            <p:txEl>
+                                              <p:pRg st="4" end="4"/>
+                                            </p:txEl>
+                                          </p:spTgt>
+                                        </p:tgtEl>
+                                      </p:cBhvr>
+                                    </p:animEffect>
+                                  </p:childTnLst>
+                                </p:cTn>
+                              </p:par>
+                              <p:par>
+                                <p:cTn id="23" presetID="10" presetClass="entr" presetSubtype="0" fill="hold" grpId="0" nodeType="withEffect">
+                                  <p:stCondLst>
+                                    <p:cond delay="0"/>
+                                  </p:stCondLst>
+                                  <p:childTnLst>
+                                    <p:set>
+                                      <p:cBhvr>
+                                        <p:cTn id="24" dur="1" fill="hold">
+                                          <p:stCondLst>
+                                            <p:cond delay="0"/>
+                                          </p:stCondLst>
+                                        </p:cTn>
+                                        <p:tgtEl>
+                                          <p:spTgt spid="15362">
+                                            <p:txEl>
+                                              <p:pRg st="5" end="5"/>
+                                            </p:txEl>
+                                          </p:spTgt>
+                                        </p:tgtEl>
+                                        <p:attrNameLst>
+                                          <p:attrName>style.visibility</p:attrName>
+                                        </p:attrNameLst>
+                                      </p:cBhvr>
+                                      <p:to>
+                                        <p:strVal val="visible"/>
+                                      </p:to>
+                                    </p:set>
+                                    <p:animEffect transition="in" filter="fade">
+                                      <p:cBhvr>
+                                        <p:cTn id="25" dur="250"/>
+                                        <p:tgtEl>
+                                          <p:spTgt spid="15362">
+                                            <p:txEl>
+                                              <p:pRg st="5" end="5"/>
+                                            </p:txEl>
+                                          </p:spTgt>
+                                        </p:tgtEl>
+                                      </p:cBhvr>
+                                    </p:animEffect>
+                                  </p:childTnLst>
+                                </p:cTn>
+                              </p:par>
+                              <p:par>
+                                <p:cTn id="26" presetID="10" presetClass="entr" presetSubtype="0" fill="hold" grpId="0" nodeType="withEffect">
+                                  <p:stCondLst>
+                                    <p:cond delay="0"/>
+                                  </p:stCondLst>
+                                  <p:childTnLst>
+                                    <p:set>
+                                      <p:cBhvr>
+                                        <p:cTn id="27" dur="1" fill="hold">
+                                          <p:stCondLst>
+                                            <p:cond delay="0"/>
+                                          </p:stCondLst>
+                                        </p:cTn>
+                                        <p:tgtEl>
+                                          <p:spTgt spid="15362">
+                                            <p:txEl>
+                                              <p:pRg st="6" end="6"/>
+                                            </p:txEl>
+                                          </p:spTgt>
+                                        </p:tgtEl>
+                                        <p:attrNameLst>
+                                          <p:attrName>style.visibility</p:attrName>
+                                        </p:attrNameLst>
+                                      </p:cBhvr>
+                                      <p:to>
+                                        <p:strVal val="visible"/>
+                                      </p:to>
+                                    </p:set>
+                                    <p:animEffect transition="in" filter="fade">
+                                      <p:cBhvr>
+                                        <p:cTn id="28" dur="250"/>
+                                        <p:tgtEl>
+                                          <p:spTgt spid="15362">
+                                            <p:txEl>
+                                              <p:pRg st="6" end="6"/>
+                                            </p:txEl>
+                                          </p:spTgt>
                                         </p:tgtEl>
                                       </p:cBhvr>
                                     </p:animEffect>
@@ -12459,13 +15886,14 @@
       </p:par>
     </p:tnLst>
     <p:bldLst>
+      <p:bldP spid="15362" grpId="0" build="p"/>
       <p:bldP spid="2" grpId="0"/>
     </p:bldLst>
   </p:timing>
 </p:sld>
 </file>
 
-<file path=ppt/slides/slide26.xml><?xml version="1.0" encoding="utf-8"?>
+<file path=ppt/slides/slide27.xml><?xml version="1.0" encoding="utf-8"?>
 <p:sld xmlns:a="http://schemas.openxmlformats.org/drawingml/2006/main" xmlns:r="http://schemas.openxmlformats.org/officeDocument/2006/relationships" xmlns:p="http://schemas.openxmlformats.org/presentationml/2006/main">
   <p:cSld>
     <p:spTree>
@@ -12569,17 +15997,7 @@
                 <a:latin typeface="Times New Roman" panose="02020603050405020304" pitchFamily="18" charset="0"/>
                 <a:cs typeface="Times New Roman" panose="02020603050405020304" pitchFamily="18" charset="0"/>
               </a:rPr>
-              <a:t> </a:t>
-            </a:r>
-            <a:r>
-              <a:rPr lang="en-US" altLang="zh-TW" sz="2800" kern="0" dirty="0" smtClean="0">
-                <a:solidFill>
-                  <a:srgbClr val="003366"/>
-                </a:solidFill>
-                <a:latin typeface="Times New Roman" panose="02020603050405020304" pitchFamily="18" charset="0"/>
-                <a:cs typeface="Times New Roman" panose="02020603050405020304" pitchFamily="18" charset="0"/>
-              </a:rPr>
-              <a:t>Automation</a:t>
+              <a:t> Automation</a:t>
             </a:r>
             <a:endParaRPr lang="zh-TW" altLang="en-US" sz="2800" kern="0" dirty="0">
               <a:solidFill>
@@ -12662,9 +16080,61 @@
                                     </p:set>
                                     <p:animEffect transition="in" filter="fade">
                                       <p:cBhvr>
-                                        <p:cTn id="7" dur="500"/>
+                                        <p:cTn id="7" dur="250"/>
                                         <p:tgtEl>
                                           <p:spTgt spid="2"/>
+                                        </p:tgtEl>
+                                      </p:cBhvr>
+                                    </p:animEffect>
+                                  </p:childTnLst>
+                                </p:cTn>
+                              </p:par>
+                            </p:childTnLst>
+                          </p:cTn>
+                        </p:par>
+                        <p:par>
+                          <p:cTn id="8" fill="hold">
+                            <p:stCondLst>
+                              <p:cond delay="250"/>
+                            </p:stCondLst>
+                            <p:childTnLst>
+                              <p:par>
+                                <p:cTn id="9" presetID="10" presetClass="entr" presetSubtype="0" fill="hold" grpId="0" nodeType="afterEffect">
+                                  <p:stCondLst>
+                                    <p:cond delay="0"/>
+                                  </p:stCondLst>
+                                  <p:childTnLst>
+                                    <p:set>
+                                      <p:cBhvr>
+                                        <p:cTn id="10" dur="1" fill="hold">
+                                          <p:stCondLst>
+                                            <p:cond delay="0"/>
+                                          </p:stCondLst>
+                                        </p:cTn>
+                                        <p:tgtEl>
+                                          <p:spTgt spid="15362">
+                                            <p:txEl>
+                                              <p:pRg st="0" end="0"/>
+                                            </p:txEl>
+                                          </p:spTgt>
+                                        </p:tgtEl>
+                                        <p:attrNameLst>
+                                          <p:attrName>style.visibility</p:attrName>
+                                        </p:attrNameLst>
+                                      </p:cBhvr>
+                                      <p:to>
+                                        <p:strVal val="visible"/>
+                                      </p:to>
+                                    </p:set>
+                                    <p:animEffect transition="in" filter="fade">
+                                      <p:cBhvr>
+                                        <p:cTn id="11" dur="250"/>
+                                        <p:tgtEl>
+                                          <p:spTgt spid="15362">
+                                            <p:txEl>
+                                              <p:pRg st="0" end="0"/>
+                                            </p:txEl>
+                                          </p:spTgt>
                                         </p:tgtEl>
                                       </p:cBhvr>
                                     </p:animEffect>
@@ -12699,13 +16169,14 @@
       </p:par>
     </p:tnLst>
     <p:bldLst>
+      <p:bldP spid="15362" grpId="0" build="p"/>
       <p:bldP spid="2" grpId="0"/>
     </p:bldLst>
   </p:timing>
 </p:sld>
 </file>
 
-<file path=ppt/slides/slide27.xml><?xml version="1.0" encoding="utf-8"?>
+<file path=ppt/slides/slide28.xml><?xml version="1.0" encoding="utf-8"?>
 <p:sld xmlns:a="http://schemas.openxmlformats.org/drawingml/2006/main" xmlns:r="http://schemas.openxmlformats.org/officeDocument/2006/relationships" xmlns:p="http://schemas.openxmlformats.org/presentationml/2006/main">
   <p:cSld>
     <p:spTree>
@@ -12798,17 +16269,7 @@
                 <a:latin typeface="Times New Roman" panose="02020603050405020304" pitchFamily="18" charset="0"/>
                 <a:cs typeface="Times New Roman" panose="02020603050405020304" pitchFamily="18" charset="0"/>
               </a:rPr>
-              <a:t> </a:t>
-            </a:r>
-            <a:r>
-              <a:rPr lang="en-US" altLang="zh-TW" sz="2800" kern="0" dirty="0" smtClean="0">
-                <a:solidFill>
-                  <a:srgbClr val="003366"/>
-                </a:solidFill>
-                <a:latin typeface="Times New Roman" panose="02020603050405020304" pitchFamily="18" charset="0"/>
-                <a:cs typeface="Times New Roman" panose="02020603050405020304" pitchFamily="18" charset="0"/>
-              </a:rPr>
-              <a:t>Automation</a:t>
+              <a:t> Automation</a:t>
             </a:r>
             <a:endParaRPr lang="zh-TW" altLang="en-US" sz="2800" kern="0" dirty="0">
               <a:solidFill>
@@ -12891,9 +16352,61 @@
                                     </p:set>
                                     <p:animEffect transition="in" filter="fade">
                                       <p:cBhvr>
-                                        <p:cTn id="7" dur="500"/>
+                                        <p:cTn id="7" dur="250"/>
                                         <p:tgtEl>
                                           <p:spTgt spid="2"/>
+                                        </p:tgtEl>
+                                      </p:cBhvr>
+                                    </p:animEffect>
+                                  </p:childTnLst>
+                                </p:cTn>
+                              </p:par>
+                            </p:childTnLst>
+                          </p:cTn>
+                        </p:par>
+                        <p:par>
+                          <p:cTn id="8" fill="hold">
+                            <p:stCondLst>
+                              <p:cond delay="250"/>
+                            </p:stCondLst>
+                            <p:childTnLst>
+                              <p:par>
+                                <p:cTn id="9" presetID="10" presetClass="entr" presetSubtype="0" fill="hold" grpId="0" nodeType="afterEffect">
+                                  <p:stCondLst>
+                                    <p:cond delay="0"/>
+                                  </p:stCondLst>
+                                  <p:childTnLst>
+                                    <p:set>
+                                      <p:cBhvr>
+                                        <p:cTn id="10" dur="1" fill="hold">
+                                          <p:stCondLst>
+                                            <p:cond delay="0"/>
+                                          </p:stCondLst>
+                                        </p:cTn>
+                                        <p:tgtEl>
+                                          <p:spTgt spid="15362">
+                                            <p:txEl>
+                                              <p:pRg st="0" end="0"/>
+                                            </p:txEl>
+                                          </p:spTgt>
+                                        </p:tgtEl>
+                                        <p:attrNameLst>
+                                          <p:attrName>style.visibility</p:attrName>
+                                        </p:attrNameLst>
+                                      </p:cBhvr>
+                                      <p:to>
+                                        <p:strVal val="visible"/>
+                                      </p:to>
+                                    </p:set>
+                                    <p:animEffect transition="in" filter="fade">
+                                      <p:cBhvr>
+                                        <p:cTn id="11" dur="250"/>
+                                        <p:tgtEl>
+                                          <p:spTgt spid="15362">
+                                            <p:txEl>
+                                              <p:pRg st="0" end="0"/>
+                                            </p:txEl>
+                                          </p:spTgt>
                                         </p:tgtEl>
                                       </p:cBhvr>
                                     </p:animEffect>
@@ -12928,13 +16441,14 @@
       </p:par>
     </p:tnLst>
     <p:bldLst>
+      <p:bldP spid="15362" grpId="0" build="p"/>
       <p:bldP spid="2" grpId="0"/>
     </p:bldLst>
   </p:timing>
 </p:sld>
 </file>
 
-<file path=ppt/slides/slide28.xml><?xml version="1.0" encoding="utf-8"?>
+<file path=ppt/slides/slide29.xml><?xml version="1.0" encoding="utf-8"?>
 <p:sld xmlns:a="http://schemas.openxmlformats.org/drawingml/2006/main" xmlns:r="http://schemas.openxmlformats.org/officeDocument/2006/relationships" xmlns:p="http://schemas.openxmlformats.org/presentationml/2006/main">
   <p:cSld>
     <p:spTree>
@@ -13024,17 +16538,7 @@
                 <a:latin typeface="Times New Roman" panose="02020603050405020304" pitchFamily="18" charset="0"/>
                 <a:cs typeface="Times New Roman" panose="02020603050405020304" pitchFamily="18" charset="0"/>
               </a:rPr>
-              <a:t>Continuous </a:t>
-            </a:r>
-            <a:r>
-              <a:rPr lang="en-US" altLang="zh-TW" sz="2800" kern="0" dirty="0" smtClean="0">
-                <a:solidFill>
-                  <a:srgbClr val="003366"/>
-                </a:solidFill>
-                <a:latin typeface="Times New Roman" panose="02020603050405020304" pitchFamily="18" charset="0"/>
-                <a:cs typeface="Times New Roman" panose="02020603050405020304" pitchFamily="18" charset="0"/>
-              </a:rPr>
-              <a:t>Integration</a:t>
+              <a:t>Continuous Integration</a:t>
             </a:r>
             <a:endParaRPr lang="zh-TW" altLang="en-US" sz="2800" kern="0" dirty="0">
               <a:solidFill>
@@ -13046,6 +16550,47 @@
           </a:p>
         </p:txBody>
       </p:sp>
+      <p:pic>
+        <p:nvPicPr>
+          <p:cNvPr id="4099" name="Picture 3" descr="D:\Users\ZL.chen\Desktop\CI.jpg"/>
+          <p:cNvPicPr>
+            <a:picLocks noChangeAspect="1" noChangeArrowheads="1"/>
+          </p:cNvPicPr>
+          <p:nvPr/>
+        </p:nvPicPr>
+        <p:blipFill>
+          <a:blip r:embed="rId3">
+            <a:extLst>
+              <a:ext uri="{28A0092B-C50C-407E-A947-70E740481C1C}">
+                <a14:useLocalDpi xmlns:a14="http://schemas.microsoft.com/office/drawing/2010/main" val="0"/>
+              </a:ext>
+            </a:extLst>
+          </a:blip>
+          <a:srcRect/>
+          <a:stretch>
+            <a:fillRect/>
+          </a:stretch>
+        </p:blipFill>
+        <p:spPr bwMode="auto">
+          <a:xfrm>
+            <a:off x="1762125" y="1300162"/>
+            <a:ext cx="5391150" cy="3419475"/>
+          </a:xfrm>
+          <a:prstGeom prst="rect">
+            <a:avLst/>
+          </a:prstGeom>
+          <a:noFill/>
+          <a:extLst>
+            <a:ext uri="{909E8E84-426E-40DD-AFC4-6F175D3DCCD1}">
+              <a14:hiddenFill xmlns:a14="http://schemas.microsoft.com/office/drawing/2010/main">
+                <a:solidFill>
+                  <a:srgbClr val="FFFFFF"/>
+                </a:solidFill>
+              </a14:hiddenFill>
+            </a:ext>
+          </a:extLst>
+        </p:spPr>
+      </p:pic>
     </p:spTree>
     <p:extLst>
       <p:ext uri="{BB962C8B-B14F-4D97-AF65-F5344CB8AC3E}">
@@ -13117,9 +16662,105 @@
                                     </p:set>
                                     <p:animEffect transition="in" filter="fade">
                                       <p:cBhvr>
-                                        <p:cTn id="7" dur="500"/>
+                                        <p:cTn id="7" dur="250"/>
                                         <p:tgtEl>
                                           <p:spTgt spid="2"/>
+                                        </p:tgtEl>
+                                      </p:cBhvr>
+                                    </p:animEffect>
+                                  </p:childTnLst>
+                                </p:cTn>
+                              </p:par>
+                            </p:childTnLst>
+                          </p:cTn>
+                        </p:par>
+                        <p:par>
+                          <p:cTn id="8" fill="hold">
+                            <p:stCondLst>
+                              <p:cond delay="250"/>
+                            </p:stCondLst>
+                            <p:childTnLst>
+                              <p:par>
+                                <p:cTn id="9" presetID="10" presetClass="entr" presetSubtype="0" fill="hold" grpId="0" nodeType="afterEffect">
+                                  <p:stCondLst>
+                                    <p:cond delay="0"/>
+                                  </p:stCondLst>
+                                  <p:childTnLst>
+                                    <p:set>
+                                      <p:cBhvr>
+                                        <p:cTn id="10" dur="1" fill="hold">
+                                          <p:stCondLst>
+                                            <p:cond delay="0"/>
+                                          </p:stCondLst>
+                                        </p:cTn>
+                                        <p:tgtEl>
+                                          <p:spTgt spid="15362">
+                                            <p:txEl>
+                                              <p:pRg st="0" end="0"/>
+                                            </p:txEl>
+                                          </p:spTgt>
+                                        </p:tgtEl>
+                                        <p:attrNameLst>
+                                          <p:attrName>style.visibility</p:attrName>
+                                        </p:attrNameLst>
+                                      </p:cBhvr>
+                                      <p:to>
+                                        <p:strVal val="visible"/>
+                                      </p:to>
+                                    </p:set>
+                                    <p:animEffect transition="in" filter="fade">
+                                      <p:cBhvr>
+                                        <p:cTn id="11" dur="250"/>
+                                        <p:tgtEl>
+                                          <p:spTgt spid="15362">
+                                            <p:txEl>
+                                              <p:pRg st="0" end="0"/>
+                                            </p:txEl>
+                                          </p:spTgt>
+                                        </p:tgtEl>
+                                      </p:cBhvr>
+                                    </p:animEffect>
+                                  </p:childTnLst>
+                                </p:cTn>
+                              </p:par>
+                            </p:childTnLst>
+                          </p:cTn>
+                        </p:par>
+                        <p:par>
+                          <p:cTn id="12" fill="hold">
+                            <p:stCondLst>
+                              <p:cond delay="500"/>
+                            </p:stCondLst>
+                            <p:childTnLst>
+                              <p:par>
+                                <p:cTn id="13" presetID="10" presetClass="entr" presetSubtype="0" fill="hold" nodeType="afterEffect">
+                                  <p:stCondLst>
+                                    <p:cond delay="0"/>
+                                  </p:stCondLst>
+                                  <p:childTnLst>
+                                    <p:set>
+                                      <p:cBhvr>
+                                        <p:cTn id="14" dur="1" fill="hold">
+                                          <p:stCondLst>
+                                            <p:cond delay="0"/>
+                                          </p:stCondLst>
+                                        </p:cTn>
+                                        <p:tgtEl>
+                                          <p:spTgt spid="4099"/>
+                                        </p:tgtEl>
+                                        <p:attrNameLst>
+                                          <p:attrName>style.visibility</p:attrName>
+                                        </p:attrNameLst>
+                                      </p:cBhvr>
+                                      <p:to>
+                                        <p:strVal val="visible"/>
+                                      </p:to>
+                                    </p:set>
+                                    <p:animEffect transition="in" filter="fade">
+                                      <p:cBhvr>
+                                        <p:cTn id="15" dur="500"/>
+                                        <p:tgtEl>
+                                          <p:spTgt spid="4099"/>
                                         </p:tgtEl>
                                       </p:cBhvr>
                                     </p:animEffect>
@@ -13154,232 +16795,7 @@
       </p:par>
     </p:tnLst>
     <p:bldLst>
-      <p:bldP spid="2" grpId="0"/>
-    </p:bldLst>
-  </p:timing>
-</p:sld>
-</file>
-
-<file path=ppt/slides/slide29.xml><?xml version="1.0" encoding="utf-8"?>
-<p:sld xmlns:a="http://schemas.openxmlformats.org/drawingml/2006/main" xmlns:r="http://schemas.openxmlformats.org/officeDocument/2006/relationships" xmlns:p="http://schemas.openxmlformats.org/presentationml/2006/main">
-  <p:cSld>
-    <p:spTree>
-      <p:nvGrpSpPr>
-        <p:cNvPr id="1" name=""/>
-        <p:cNvGrpSpPr/>
-        <p:nvPr/>
-      </p:nvGrpSpPr>
-      <p:grpSpPr>
-        <a:xfrm>
-          <a:off x="0" y="0"/>
-          <a:ext cx="0" cy="0"/>
-          <a:chOff x="0" y="0"/>
-          <a:chExt cx="0" cy="0"/>
-        </a:xfrm>
-      </p:grpSpPr>
-      <p:sp>
-        <p:nvSpPr>
-          <p:cNvPr id="15362" name="內容版面配置區 5"/>
-          <p:cNvSpPr>
-            <a:spLocks noGrp="1"/>
-          </p:cNvSpPr>
-          <p:nvPr>
-            <p:ph idx="1"/>
-          </p:nvPr>
-        </p:nvSpPr>
-        <p:spPr>
-          <a:xfrm>
-            <a:off x="457200" y="936625"/>
-            <a:ext cx="8229600" cy="3575050"/>
-          </a:xfrm>
-        </p:spPr>
-        <p:txBody>
-          <a:bodyPr/>
-          <a:lstStyle/>
-          <a:p>
-            <a:pPr marL="342900" lvl="1" indent="-342900" eaLnBrk="1" hangingPunct="1">
-              <a:buFont typeface="Arial" charset="0"/>
-              <a:buChar char="•"/>
-              <a:defRPr/>
-            </a:pPr>
-            <a:r>
-              <a:rPr lang="en-US" altLang="zh-TW" sz="1800" dirty="0">
-                <a:latin typeface="Times New Roman" panose="02020603050405020304" pitchFamily="18" charset="0"/>
-                <a:cs typeface="Times New Roman" panose="02020603050405020304" pitchFamily="18" charset="0"/>
-              </a:rPr>
-              <a:t>C</a:t>
-            </a:r>
-            <a:r>
-              <a:rPr lang="en-US" altLang="zh-TW" sz="1800" dirty="0" smtClean="0">
-                <a:latin typeface="Times New Roman" panose="02020603050405020304" pitchFamily="18" charset="0"/>
-                <a:cs typeface="Times New Roman" panose="02020603050405020304" pitchFamily="18" charset="0"/>
-              </a:rPr>
-              <a:t>onclusion</a:t>
-            </a:r>
-          </a:p>
-        </p:txBody>
-      </p:sp>
-      <p:sp>
-        <p:nvSpPr>
-          <p:cNvPr id="2" name="標題 4"/>
-          <p:cNvSpPr>
-            <a:spLocks noGrp="1"/>
-          </p:cNvSpPr>
-          <p:nvPr>
-            <p:ph type="title"/>
-          </p:nvPr>
-        </p:nvSpPr>
-        <p:spPr>
-          <a:xfrm>
-            <a:off x="457200" y="87313"/>
-            <a:ext cx="8229600" cy="756000"/>
-          </a:xfrm>
-        </p:spPr>
-        <p:txBody>
-          <a:bodyPr/>
-          <a:lstStyle/>
-          <a:p>
-            <a:pPr eaLnBrk="1" hangingPunct="1">
-              <a:defRPr/>
-            </a:pPr>
-            <a:r>
-              <a:rPr lang="en-US" altLang="zh-TW" sz="2800" kern="0" dirty="0" smtClean="0">
-                <a:solidFill>
-                  <a:srgbClr val="003366"/>
-                </a:solidFill>
-                <a:latin typeface="Times New Roman" panose="02020603050405020304" pitchFamily="18" charset="0"/>
-                <a:cs typeface="Times New Roman" panose="02020603050405020304" pitchFamily="18" charset="0"/>
-              </a:rPr>
-              <a:t>Continuous </a:t>
-            </a:r>
-            <a:r>
-              <a:rPr lang="en-US" altLang="zh-TW" sz="2800" kern="0" dirty="0" smtClean="0">
-                <a:solidFill>
-                  <a:srgbClr val="003366"/>
-                </a:solidFill>
-                <a:latin typeface="Times New Roman" panose="02020603050405020304" pitchFamily="18" charset="0"/>
-                <a:cs typeface="Times New Roman" panose="02020603050405020304" pitchFamily="18" charset="0"/>
-              </a:rPr>
-              <a:t>Integration</a:t>
-            </a:r>
-            <a:endParaRPr lang="zh-TW" altLang="en-US" sz="2800" kern="0" dirty="0">
-              <a:solidFill>
-                <a:srgbClr val="003366"/>
-              </a:solidFill>
-              <a:latin typeface="Times New Roman" panose="02020603050405020304" pitchFamily="18" charset="0"/>
-              <a:cs typeface="Times New Roman" panose="02020603050405020304" pitchFamily="18" charset="0"/>
-            </a:endParaRPr>
-          </a:p>
-        </p:txBody>
-      </p:sp>
-    </p:spTree>
-    <p:extLst>
-      <p:ext uri="{BB962C8B-B14F-4D97-AF65-F5344CB8AC3E}">
-        <p14:creationId xmlns:p14="http://schemas.microsoft.com/office/powerpoint/2010/main" val="643916042"/>
-      </p:ext>
-    </p:extLst>
-  </p:cSld>
-  <p:clrMapOvr>
-    <a:masterClrMapping/>
-  </p:clrMapOvr>
-  <mc:AlternateContent xmlns:mc="http://schemas.openxmlformats.org/markup-compatibility/2006" xmlns:p14="http://schemas.microsoft.com/office/powerpoint/2010/main">
-    <mc:Choice Requires="p14">
-      <p:transition spd="med" p14:dur="700" advClick="0">
-        <p:fade/>
-      </p:transition>
-    </mc:Choice>
-    <mc:Fallback xmlns="">
-      <p:transition spd="med" advClick="0">
-        <p:fade/>
-      </p:transition>
-    </mc:Fallback>
-  </mc:AlternateContent>
-  <p:timing>
-    <p:tnLst>
-      <p:par>
-        <p:cTn id="1" dur="indefinite" restart="never" nodeType="tmRoot">
-          <p:childTnLst>
-            <p:seq concurrent="1" nextAc="seek">
-              <p:cTn id="2" dur="indefinite" nodeType="mainSeq">
-                <p:childTnLst>
-                  <p:par>
-                    <p:cTn id="3" fill="hold">
-                      <p:stCondLst>
-                        <p:cond delay="indefinite"/>
-                        <p:cond evt="onBegin" delay="0">
-                          <p:tn val="2"/>
-                        </p:cond>
-                      </p:stCondLst>
-                      <p:childTnLst>
-                        <p:par>
-                          <p:cTn id="4" fill="hold">
-                            <p:stCondLst>
-                              <p:cond delay="0"/>
-                            </p:stCondLst>
-                            <p:childTnLst>
-                              <p:par>
-                                <p:cTn id="5" presetID="10" presetClass="entr" presetSubtype="0" fill="hold" grpId="0" nodeType="afterEffect">
-                                  <p:stCondLst>
-                                    <p:cond delay="0"/>
-                                  </p:stCondLst>
-                                  <p:childTnLst>
-                                    <p:set>
-                                      <p:cBhvr>
-                                        <p:cTn id="6" dur="1" fill="hold">
-                                          <p:stCondLst>
-                                            <p:cond delay="0"/>
-                                          </p:stCondLst>
-                                        </p:cTn>
-                                        <p:tgtEl>
-                                          <p:spTgt spid="2"/>
-                                        </p:tgtEl>
-                                        <p:attrNameLst>
-                                          <p:attrName>style.visibility</p:attrName>
-                                        </p:attrNameLst>
-                                      </p:cBhvr>
-                                      <p:to>
-                                        <p:strVal val="visible"/>
-                                      </p:to>
-                                    </p:set>
-                                    <p:animEffect transition="in" filter="fade">
-                                      <p:cBhvr>
-                                        <p:cTn id="7" dur="500"/>
-                                        <p:tgtEl>
-                                          <p:spTgt spid="2"/>
-                                        </p:tgtEl>
-                                      </p:cBhvr>
-                                    </p:animEffect>
-                                  </p:childTnLst>
-                                </p:cTn>
-                              </p:par>
-                            </p:childTnLst>
-                          </p:cTn>
-                        </p:par>
-                      </p:childTnLst>
-                    </p:cTn>
-                  </p:par>
-                </p:childTnLst>
-              </p:cTn>
-              <p:prevCondLst>
-                <p:cond evt="onPrev" delay="0">
-                  <p:tgtEl>
-                    <p:sldTgt/>
-                  </p:tgtEl>
-                </p:cond>
-              </p:prevCondLst>
-              <p:nextCondLst>
-                <p:cond evt="onNext" delay="0">
-                  <p:tgtEl>
-                    <p:sldTgt/>
-                  </p:tgtEl>
-                </p:cond>
-              </p:nextCondLst>
-            </p:seq>
-          </p:childTnLst>
-        </p:cTn>
-      </p:par>
-    </p:tnLst>
-    <p:bldLst>
+      <p:bldP spid="15362" grpId="0" build="p"/>
       <p:bldP spid="2" grpId="0"/>
     </p:bldLst>
   </p:timing>
@@ -13745,7 +17161,7 @@
                                     </p:set>
                                     <p:animEffect transition="in" filter="fade">
                                       <p:cBhvr>
-                                        <p:cTn id="7" dur="500"/>
+                                        <p:cTn id="7" dur="250"/>
                                         <p:tgtEl>
                                           <p:spTgt spid="2"/>
                                         </p:tgtEl>
@@ -13760,7 +17176,7 @@
                         <p:par>
                           <p:cTn id="8" fill="hold">
                             <p:stCondLst>
-                              <p:cond delay="500"/>
+                              <p:cond delay="250"/>
                             </p:stCondLst>
                             <p:childTnLst>
                               <p:par>
@@ -13793,7 +17209,7 @@
                                     </p:set>
                                     <p:animEffect transition="in" filter="fade">
                                       <p:cBhvr>
-                                        <p:cTn id="11" dur="500"/>
+                                        <p:cTn id="11" dur="250"/>
                                         <p:tgtEl>
                                           <p:spTgt spid="4">
                                             <p:txEl>
@@ -13812,7 +17228,7 @@
                         <p:par>
                           <p:cTn id="12" fill="hold">
                             <p:stCondLst>
-                              <p:cond delay="1000"/>
+                              <p:cond delay="500"/>
                             </p:stCondLst>
                             <p:childTnLst>
                               <p:par>
@@ -13845,7 +17261,7 @@
                                     </p:set>
                                     <p:animEffect transition="in" filter="fade">
                                       <p:cBhvr>
-                                        <p:cTn id="15" dur="500"/>
+                                        <p:cTn id="15" dur="250"/>
                                         <p:tgtEl>
                                           <p:spTgt spid="4">
                                             <p:txEl>
@@ -13929,6 +17345,762 @@
           <a:bodyPr/>
           <a:lstStyle/>
           <a:p>
+            <a:pPr marL="342900" lvl="1" indent="-342900" eaLnBrk="1" hangingPunct="1">
+              <a:buFont typeface="Arial" charset="0"/>
+              <a:buChar char="•"/>
+              <a:defRPr/>
+            </a:pPr>
+            <a:r>
+              <a:rPr lang="en-US" altLang="zh-TW" sz="1800" dirty="0">
+                <a:latin typeface="Times New Roman" panose="02020603050405020304" pitchFamily="18" charset="0"/>
+                <a:cs typeface="Times New Roman" panose="02020603050405020304" pitchFamily="18" charset="0"/>
+              </a:rPr>
+              <a:t>CI is as natural as the Enter key on the keyboard. In every change, the CI server helps us integrate all relevant services and feeds the results back to the entire team, just like a doctor is helping the system to be healthy all the time to examination</a:t>
+            </a:r>
+            <a:r>
+              <a:rPr lang="en-US" altLang="zh-TW" sz="1800" dirty="0" smtClean="0">
+                <a:latin typeface="Times New Roman" panose="02020603050405020304" pitchFamily="18" charset="0"/>
+                <a:cs typeface="Times New Roman" panose="02020603050405020304" pitchFamily="18" charset="0"/>
+              </a:rPr>
+              <a:t>.</a:t>
+            </a:r>
+          </a:p>
+          <a:p>
+            <a:pPr marL="342900" lvl="1" indent="-342900" eaLnBrk="1" hangingPunct="1">
+              <a:buFont typeface="Arial" charset="0"/>
+              <a:buChar char="•"/>
+              <a:defRPr/>
+            </a:pPr>
+            <a:r>
+              <a:rPr lang="en-US" altLang="zh-TW" sz="1800" dirty="0" smtClean="0">
+                <a:latin typeface="Times New Roman" panose="02020603050405020304" pitchFamily="18" charset="0"/>
+                <a:cs typeface="Times New Roman" panose="02020603050405020304" pitchFamily="18" charset="0"/>
+              </a:rPr>
+              <a:t>Conclusion</a:t>
+            </a:r>
+            <a:endParaRPr lang="en-US" altLang="zh-TW" sz="1800" dirty="0">
+              <a:latin typeface="Times New Roman" panose="02020603050405020304" pitchFamily="18" charset="0"/>
+              <a:cs typeface="Times New Roman" panose="02020603050405020304" pitchFamily="18" charset="0"/>
+            </a:endParaRPr>
+          </a:p>
+          <a:p>
+            <a:pPr lvl="1" indent="-342900" eaLnBrk="1" hangingPunct="1">
+              <a:buFont typeface="Arial" charset="0"/>
+              <a:buChar char="•"/>
+              <a:defRPr/>
+            </a:pPr>
+            <a:r>
+              <a:rPr lang="en-US" altLang="zh-TW" sz="1400" dirty="0">
+                <a:latin typeface="Times New Roman" panose="02020603050405020304" pitchFamily="18" charset="0"/>
+                <a:cs typeface="Times New Roman" panose="02020603050405020304" pitchFamily="18" charset="0"/>
+              </a:rPr>
+              <a:t>Auto build source code</a:t>
+            </a:r>
+          </a:p>
+          <a:p>
+            <a:pPr lvl="1" indent="-342900" eaLnBrk="1" hangingPunct="1">
+              <a:buFont typeface="Arial" charset="0"/>
+              <a:buChar char="•"/>
+              <a:defRPr/>
+            </a:pPr>
+            <a:r>
+              <a:rPr lang="en-US" altLang="zh-TW" sz="1400" dirty="0">
+                <a:latin typeface="Times New Roman" panose="02020603050405020304" pitchFamily="18" charset="0"/>
+                <a:cs typeface="Times New Roman" panose="02020603050405020304" pitchFamily="18" charset="0"/>
+              </a:rPr>
+              <a:t>Automated Testing</a:t>
+            </a:r>
+          </a:p>
+          <a:p>
+            <a:pPr lvl="1" indent="-342900" eaLnBrk="1" hangingPunct="1">
+              <a:buFont typeface="Arial" charset="0"/>
+              <a:buChar char="•"/>
+              <a:defRPr/>
+            </a:pPr>
+            <a:r>
+              <a:rPr lang="en-US" altLang="zh-TW" sz="1400" dirty="0">
+                <a:latin typeface="Times New Roman" panose="02020603050405020304" pitchFamily="18" charset="0"/>
+                <a:cs typeface="Times New Roman" panose="02020603050405020304" pitchFamily="18" charset="0"/>
+              </a:rPr>
+              <a:t>Code analysis</a:t>
+            </a:r>
+          </a:p>
+          <a:p>
+            <a:pPr lvl="1" indent="-342900" eaLnBrk="1" hangingPunct="1">
+              <a:buFont typeface="Arial" charset="0"/>
+              <a:buChar char="•"/>
+              <a:defRPr/>
+            </a:pPr>
+            <a:r>
+              <a:rPr lang="en-US" altLang="zh-TW" sz="1400" dirty="0">
+                <a:latin typeface="Times New Roman" panose="02020603050405020304" pitchFamily="18" charset="0"/>
+                <a:cs typeface="Times New Roman" panose="02020603050405020304" pitchFamily="18" charset="0"/>
+              </a:rPr>
+              <a:t>Automatic deployment</a:t>
+            </a:r>
+          </a:p>
+          <a:p>
+            <a:pPr lvl="1" indent="-342900" eaLnBrk="1" hangingPunct="1">
+              <a:buFont typeface="Arial" charset="0"/>
+              <a:buChar char="•"/>
+              <a:defRPr/>
+            </a:pPr>
+            <a:r>
+              <a:rPr lang="en-US" altLang="zh-TW" sz="1400" dirty="0">
+                <a:latin typeface="Times New Roman" panose="02020603050405020304" pitchFamily="18" charset="0"/>
+                <a:cs typeface="Times New Roman" panose="02020603050405020304" pitchFamily="18" charset="0"/>
+              </a:rPr>
+              <a:t>Database integration</a:t>
+            </a:r>
+          </a:p>
+          <a:p>
+            <a:pPr marL="342900" lvl="1" indent="-342900" eaLnBrk="1" hangingPunct="1">
+              <a:buFont typeface="Arial" charset="0"/>
+              <a:buChar char="•"/>
+              <a:defRPr/>
+            </a:pPr>
+            <a:endParaRPr lang="en-US" altLang="zh-TW" sz="1800" dirty="0" smtClean="0">
+              <a:latin typeface="Times New Roman" panose="02020603050405020304" pitchFamily="18" charset="0"/>
+              <a:cs typeface="Times New Roman" panose="02020603050405020304" pitchFamily="18" charset="0"/>
+            </a:endParaRPr>
+          </a:p>
+        </p:txBody>
+      </p:sp>
+      <p:sp>
+        <p:nvSpPr>
+          <p:cNvPr id="2" name="標題 4"/>
+          <p:cNvSpPr>
+            <a:spLocks noGrp="1"/>
+          </p:cNvSpPr>
+          <p:nvPr>
+            <p:ph type="title"/>
+          </p:nvPr>
+        </p:nvSpPr>
+        <p:spPr>
+          <a:xfrm>
+            <a:off x="457200" y="87313"/>
+            <a:ext cx="8229600" cy="756000"/>
+          </a:xfrm>
+        </p:spPr>
+        <p:txBody>
+          <a:bodyPr/>
+          <a:lstStyle/>
+          <a:p>
+            <a:pPr eaLnBrk="1" hangingPunct="1">
+              <a:defRPr/>
+            </a:pPr>
+            <a:r>
+              <a:rPr lang="en-US" altLang="zh-TW" sz="2800" kern="0" dirty="0" smtClean="0">
+                <a:solidFill>
+                  <a:srgbClr val="003366"/>
+                </a:solidFill>
+                <a:latin typeface="Times New Roman" panose="02020603050405020304" pitchFamily="18" charset="0"/>
+                <a:cs typeface="Times New Roman" panose="02020603050405020304" pitchFamily="18" charset="0"/>
+              </a:rPr>
+              <a:t>Continuous Integration</a:t>
+            </a:r>
+            <a:endParaRPr lang="zh-TW" altLang="en-US" sz="2800" kern="0" dirty="0">
+              <a:solidFill>
+                <a:srgbClr val="003366"/>
+              </a:solidFill>
+              <a:latin typeface="Times New Roman" panose="02020603050405020304" pitchFamily="18" charset="0"/>
+              <a:cs typeface="Times New Roman" panose="02020603050405020304" pitchFamily="18" charset="0"/>
+            </a:endParaRPr>
+          </a:p>
+        </p:txBody>
+      </p:sp>
+      <p:pic>
+        <p:nvPicPr>
+          <p:cNvPr id="4" name="Picture 2" descr="D:\Users\ZL.chen\Desktop\單鍵整合_2.png"/>
+          <p:cNvPicPr>
+            <a:picLocks noChangeAspect="1" noChangeArrowheads="1"/>
+          </p:cNvPicPr>
+          <p:nvPr/>
+        </p:nvPicPr>
+        <p:blipFill>
+          <a:blip r:embed="rId3">
+            <a:extLst>
+              <a:ext uri="{28A0092B-C50C-407E-A947-70E740481C1C}">
+                <a14:useLocalDpi xmlns:a14="http://schemas.microsoft.com/office/drawing/2010/main" val="0"/>
+              </a:ext>
+            </a:extLst>
+          </a:blip>
+          <a:srcRect/>
+          <a:stretch>
+            <a:fillRect/>
+          </a:stretch>
+        </p:blipFill>
+        <p:spPr bwMode="auto">
+          <a:xfrm>
+            <a:off x="5244495" y="2144107"/>
+            <a:ext cx="2820610" cy="2580258"/>
+          </a:xfrm>
+          <a:prstGeom prst="rect">
+            <a:avLst/>
+          </a:prstGeom>
+          <a:noFill/>
+          <a:extLst>
+            <a:ext uri="{909E8E84-426E-40DD-AFC4-6F175D3DCCD1}">
+              <a14:hiddenFill xmlns:a14="http://schemas.microsoft.com/office/drawing/2010/main">
+                <a:solidFill>
+                  <a:srgbClr val="FFFFFF"/>
+                </a:solidFill>
+              </a14:hiddenFill>
+            </a:ext>
+          </a:extLst>
+        </p:spPr>
+      </p:pic>
+    </p:spTree>
+    <p:extLst>
+      <p:ext uri="{BB962C8B-B14F-4D97-AF65-F5344CB8AC3E}">
+        <p14:creationId xmlns:p14="http://schemas.microsoft.com/office/powerpoint/2010/main" val="643916042"/>
+      </p:ext>
+    </p:extLst>
+  </p:cSld>
+  <p:clrMapOvr>
+    <a:masterClrMapping/>
+  </p:clrMapOvr>
+  <mc:AlternateContent xmlns:mc="http://schemas.openxmlformats.org/markup-compatibility/2006" xmlns:p14="http://schemas.microsoft.com/office/powerpoint/2010/main">
+    <mc:Choice Requires="p14">
+      <p:transition spd="med" p14:dur="700" advClick="0">
+        <p:fade/>
+      </p:transition>
+    </mc:Choice>
+    <mc:Fallback xmlns="">
+      <p:transition spd="med" advClick="0">
+        <p:fade/>
+      </p:transition>
+    </mc:Fallback>
+  </mc:AlternateContent>
+  <p:timing>
+    <p:tnLst>
+      <p:par>
+        <p:cTn id="1" dur="indefinite" restart="never" nodeType="tmRoot">
+          <p:childTnLst>
+            <p:seq concurrent="1" nextAc="seek">
+              <p:cTn id="2" dur="indefinite" nodeType="mainSeq">
+                <p:childTnLst>
+                  <p:par>
+                    <p:cTn id="3" fill="hold">
+                      <p:stCondLst>
+                        <p:cond delay="indefinite"/>
+                        <p:cond evt="onBegin" delay="0">
+                          <p:tn val="2"/>
+                        </p:cond>
+                      </p:stCondLst>
+                      <p:childTnLst>
+                        <p:par>
+                          <p:cTn id="4" fill="hold">
+                            <p:stCondLst>
+                              <p:cond delay="0"/>
+                            </p:stCondLst>
+                            <p:childTnLst>
+                              <p:par>
+                                <p:cTn id="5" presetID="10" presetClass="entr" presetSubtype="0" fill="hold" grpId="0" nodeType="afterEffect">
+                                  <p:stCondLst>
+                                    <p:cond delay="0"/>
+                                  </p:stCondLst>
+                                  <p:childTnLst>
+                                    <p:set>
+                                      <p:cBhvr>
+                                        <p:cTn id="6" dur="1" fill="hold">
+                                          <p:stCondLst>
+                                            <p:cond delay="0"/>
+                                          </p:stCondLst>
+                                        </p:cTn>
+                                        <p:tgtEl>
+                                          <p:spTgt spid="2"/>
+                                        </p:tgtEl>
+                                        <p:attrNameLst>
+                                          <p:attrName>style.visibility</p:attrName>
+                                        </p:attrNameLst>
+                                      </p:cBhvr>
+                                      <p:to>
+                                        <p:strVal val="visible"/>
+                                      </p:to>
+                                    </p:set>
+                                    <p:animEffect transition="in" filter="fade">
+                                      <p:cBhvr>
+                                        <p:cTn id="7" dur="250"/>
+                                        <p:tgtEl>
+                                          <p:spTgt spid="2"/>
+                                        </p:tgtEl>
+                                      </p:cBhvr>
+                                    </p:animEffect>
+                                  </p:childTnLst>
+                                </p:cTn>
+                              </p:par>
+                            </p:childTnLst>
+                          </p:cTn>
+                        </p:par>
+                        <p:par>
+                          <p:cTn id="8" fill="hold">
+                            <p:stCondLst>
+                              <p:cond delay="250"/>
+                            </p:stCondLst>
+                            <p:childTnLst>
+                              <p:par>
+                                <p:cTn id="9" presetID="10" presetClass="entr" presetSubtype="0" fill="hold" grpId="0" nodeType="afterEffect">
+                                  <p:stCondLst>
+                                    <p:cond delay="0"/>
+                                  </p:stCondLst>
+                                  <p:childTnLst>
+                                    <p:set>
+                                      <p:cBhvr>
+                                        <p:cTn id="10" dur="1" fill="hold">
+                                          <p:stCondLst>
+                                            <p:cond delay="0"/>
+                                          </p:stCondLst>
+                                        </p:cTn>
+                                        <p:tgtEl>
+                                          <p:spTgt spid="15362">
+                                            <p:txEl>
+                                              <p:pRg st="0" end="0"/>
+                                            </p:txEl>
+                                          </p:spTgt>
+                                        </p:tgtEl>
+                                        <p:attrNameLst>
+                                          <p:attrName>style.visibility</p:attrName>
+                                        </p:attrNameLst>
+                                      </p:cBhvr>
+                                      <p:to>
+                                        <p:strVal val="visible"/>
+                                      </p:to>
+                                    </p:set>
+                                    <p:animEffect transition="in" filter="fade">
+                                      <p:cBhvr>
+                                        <p:cTn id="11" dur="250"/>
+                                        <p:tgtEl>
+                                          <p:spTgt spid="15362">
+                                            <p:txEl>
+                                              <p:pRg st="0" end="0"/>
+                                            </p:txEl>
+                                          </p:spTgt>
+                                        </p:tgtEl>
+                                      </p:cBhvr>
+                                    </p:animEffect>
+                                  </p:childTnLst>
+                                </p:cTn>
+                              </p:par>
+                            </p:childTnLst>
+                          </p:cTn>
+                        </p:par>
+                        <p:par>
+                          <p:cTn id="12" fill="hold">
+                            <p:stCondLst>
+                              <p:cond delay="500"/>
+                            </p:stCondLst>
+                            <p:childTnLst>
+                              <p:par>
+                                <p:cTn id="13" presetID="10" presetClass="entr" presetSubtype="0" fill="hold" grpId="0" nodeType="afterEffect">
+                                  <p:stCondLst>
+                                    <p:cond delay="0"/>
+                                  </p:stCondLst>
+                                  <p:childTnLst>
+                                    <p:set>
+                                      <p:cBhvr>
+                                        <p:cTn id="14" dur="1" fill="hold">
+                                          <p:stCondLst>
+                                            <p:cond delay="0"/>
+                                          </p:stCondLst>
+                                        </p:cTn>
+                                        <p:tgtEl>
+                                          <p:spTgt spid="15362">
+                                            <p:txEl>
+                                              <p:pRg st="1" end="1"/>
+                                            </p:txEl>
+                                          </p:spTgt>
+                                        </p:tgtEl>
+                                        <p:attrNameLst>
+                                          <p:attrName>style.visibility</p:attrName>
+                                        </p:attrNameLst>
+                                      </p:cBhvr>
+                                      <p:to>
+                                        <p:strVal val="visible"/>
+                                      </p:to>
+                                    </p:set>
+                                    <p:animEffect transition="in" filter="fade">
+                                      <p:cBhvr>
+                                        <p:cTn id="15" dur="250"/>
+                                        <p:tgtEl>
+                                          <p:spTgt spid="15362">
+                                            <p:txEl>
+                                              <p:pRg st="1" end="1"/>
+                                            </p:txEl>
+                                          </p:spTgt>
+                                        </p:tgtEl>
+                                      </p:cBhvr>
+                                    </p:animEffect>
+                                  </p:childTnLst>
+                                </p:cTn>
+                              </p:par>
+                            </p:childTnLst>
+                          </p:cTn>
+                        </p:par>
+                        <p:par>
+                          <p:cTn id="16" fill="hold">
+                            <p:stCondLst>
+                              <p:cond delay="750"/>
+                            </p:stCondLst>
+                            <p:childTnLst>
+                              <p:par>
+                                <p:cTn id="17" presetID="10" presetClass="entr" presetSubtype="0" fill="hold" grpId="0" nodeType="afterEffect">
+                                  <p:stCondLst>
+                                    <p:cond delay="0"/>
+                                  </p:stCondLst>
+                                  <p:childTnLst>
+                                    <p:set>
+                                      <p:cBhvr>
+                                        <p:cTn id="18" dur="1" fill="hold">
+                                          <p:stCondLst>
+                                            <p:cond delay="0"/>
+                                          </p:stCondLst>
+                                        </p:cTn>
+                                        <p:tgtEl>
+                                          <p:spTgt spid="15362">
+                                            <p:txEl>
+                                              <p:pRg st="2" end="2"/>
+                                            </p:txEl>
+                                          </p:spTgt>
+                                        </p:tgtEl>
+                                        <p:attrNameLst>
+                                          <p:attrName>style.visibility</p:attrName>
+                                        </p:attrNameLst>
+                                      </p:cBhvr>
+                                      <p:to>
+                                        <p:strVal val="visible"/>
+                                      </p:to>
+                                    </p:set>
+                                    <p:animEffect transition="in" filter="fade">
+                                      <p:cBhvr>
+                                        <p:cTn id="19" dur="250"/>
+                                        <p:tgtEl>
+                                          <p:spTgt spid="15362">
+                                            <p:txEl>
+                                              <p:pRg st="2" end="2"/>
+                                            </p:txEl>
+                                          </p:spTgt>
+                                        </p:tgtEl>
+                                      </p:cBhvr>
+                                    </p:animEffect>
+                                  </p:childTnLst>
+                                </p:cTn>
+                              </p:par>
+                            </p:childTnLst>
+                          </p:cTn>
+                        </p:par>
+                        <p:par>
+                          <p:cTn id="20" fill="hold">
+                            <p:stCondLst>
+                              <p:cond delay="1000"/>
+                            </p:stCondLst>
+                            <p:childTnLst>
+                              <p:par>
+                                <p:cTn id="21" presetID="10" presetClass="entr" presetSubtype="0" fill="hold" grpId="0" nodeType="afterEffect">
+                                  <p:stCondLst>
+                                    <p:cond delay="0"/>
+                                  </p:stCondLst>
+                                  <p:childTnLst>
+                                    <p:set>
+                                      <p:cBhvr>
+                                        <p:cTn id="22" dur="1" fill="hold">
+                                          <p:stCondLst>
+                                            <p:cond delay="0"/>
+                                          </p:stCondLst>
+                                        </p:cTn>
+                                        <p:tgtEl>
+                                          <p:spTgt spid="15362">
+                                            <p:txEl>
+                                              <p:pRg st="3" end="3"/>
+                                            </p:txEl>
+                                          </p:spTgt>
+                                        </p:tgtEl>
+                                        <p:attrNameLst>
+                                          <p:attrName>style.visibility</p:attrName>
+                                        </p:attrNameLst>
+                                      </p:cBhvr>
+                                      <p:to>
+                                        <p:strVal val="visible"/>
+                                      </p:to>
+                                    </p:set>
+                                    <p:animEffect transition="in" filter="fade">
+                                      <p:cBhvr>
+                                        <p:cTn id="23" dur="250"/>
+                                        <p:tgtEl>
+                                          <p:spTgt spid="15362">
+                                            <p:txEl>
+                                              <p:pRg st="3" end="3"/>
+                                            </p:txEl>
+                                          </p:spTgt>
+                                        </p:tgtEl>
+                                      </p:cBhvr>
+                                    </p:animEffect>
+                                  </p:childTnLst>
+                                </p:cTn>
+                              </p:par>
+                            </p:childTnLst>
+                          </p:cTn>
+                        </p:par>
+                        <p:par>
+                          <p:cTn id="24" fill="hold">
+                            <p:stCondLst>
+                              <p:cond delay="1250"/>
+                            </p:stCondLst>
+                            <p:childTnLst>
+                              <p:par>
+                                <p:cTn id="25" presetID="10" presetClass="entr" presetSubtype="0" fill="hold" grpId="0" nodeType="afterEffect">
+                                  <p:stCondLst>
+                                    <p:cond delay="0"/>
+                                  </p:stCondLst>
+                                  <p:childTnLst>
+                                    <p:set>
+                                      <p:cBhvr>
+                                        <p:cTn id="26" dur="1" fill="hold">
+                                          <p:stCondLst>
+                                            <p:cond delay="0"/>
+                                          </p:stCondLst>
+                                        </p:cTn>
+                                        <p:tgtEl>
+                                          <p:spTgt spid="15362">
+                                            <p:txEl>
+                                              <p:pRg st="4" end="4"/>
+                                            </p:txEl>
+                                          </p:spTgt>
+                                        </p:tgtEl>
+                                        <p:attrNameLst>
+                                          <p:attrName>style.visibility</p:attrName>
+                                        </p:attrNameLst>
+                                      </p:cBhvr>
+                                      <p:to>
+                                        <p:strVal val="visible"/>
+                                      </p:to>
+                                    </p:set>
+                                    <p:animEffect transition="in" filter="fade">
+                                      <p:cBhvr>
+                                        <p:cTn id="27" dur="250"/>
+                                        <p:tgtEl>
+                                          <p:spTgt spid="15362">
+                                            <p:txEl>
+                                              <p:pRg st="4" end="4"/>
+                                            </p:txEl>
+                                          </p:spTgt>
+                                        </p:tgtEl>
+                                      </p:cBhvr>
+                                    </p:animEffect>
+                                  </p:childTnLst>
+                                </p:cTn>
+                              </p:par>
+                            </p:childTnLst>
+                          </p:cTn>
+                        </p:par>
+                        <p:par>
+                          <p:cTn id="28" fill="hold">
+                            <p:stCondLst>
+                              <p:cond delay="1500"/>
+                            </p:stCondLst>
+                            <p:childTnLst>
+                              <p:par>
+                                <p:cTn id="29" presetID="10" presetClass="entr" presetSubtype="0" fill="hold" grpId="0" nodeType="afterEffect">
+                                  <p:stCondLst>
+                                    <p:cond delay="0"/>
+                                  </p:stCondLst>
+                                  <p:childTnLst>
+                                    <p:set>
+                                      <p:cBhvr>
+                                        <p:cTn id="30" dur="1" fill="hold">
+                                          <p:stCondLst>
+                                            <p:cond delay="0"/>
+                                          </p:stCondLst>
+                                        </p:cTn>
+                                        <p:tgtEl>
+                                          <p:spTgt spid="15362">
+                                            <p:txEl>
+                                              <p:pRg st="5" end="5"/>
+                                            </p:txEl>
+                                          </p:spTgt>
+                                        </p:tgtEl>
+                                        <p:attrNameLst>
+                                          <p:attrName>style.visibility</p:attrName>
+                                        </p:attrNameLst>
+                                      </p:cBhvr>
+                                      <p:to>
+                                        <p:strVal val="visible"/>
+                                      </p:to>
+                                    </p:set>
+                                    <p:animEffect transition="in" filter="fade">
+                                      <p:cBhvr>
+                                        <p:cTn id="31" dur="250"/>
+                                        <p:tgtEl>
+                                          <p:spTgt spid="15362">
+                                            <p:txEl>
+                                              <p:pRg st="5" end="5"/>
+                                            </p:txEl>
+                                          </p:spTgt>
+                                        </p:tgtEl>
+                                      </p:cBhvr>
+                                    </p:animEffect>
+                                  </p:childTnLst>
+                                </p:cTn>
+                              </p:par>
+                            </p:childTnLst>
+                          </p:cTn>
+                        </p:par>
+                        <p:par>
+                          <p:cTn id="32" fill="hold">
+                            <p:stCondLst>
+                              <p:cond delay="1750"/>
+                            </p:stCondLst>
+                            <p:childTnLst>
+                              <p:par>
+                                <p:cTn id="33" presetID="10" presetClass="entr" presetSubtype="0" fill="hold" grpId="0" nodeType="afterEffect">
+                                  <p:stCondLst>
+                                    <p:cond delay="0"/>
+                                  </p:stCondLst>
+                                  <p:childTnLst>
+                                    <p:set>
+                                      <p:cBhvr>
+                                        <p:cTn id="34" dur="1" fill="hold">
+                                          <p:stCondLst>
+                                            <p:cond delay="0"/>
+                                          </p:stCondLst>
+                                        </p:cTn>
+                                        <p:tgtEl>
+                                          <p:spTgt spid="15362">
+                                            <p:txEl>
+                                              <p:pRg st="6" end="6"/>
+                                            </p:txEl>
+                                          </p:spTgt>
+                                        </p:tgtEl>
+                                        <p:attrNameLst>
+                                          <p:attrName>style.visibility</p:attrName>
+                                        </p:attrNameLst>
+                                      </p:cBhvr>
+                                      <p:to>
+                                        <p:strVal val="visible"/>
+                                      </p:to>
+                                    </p:set>
+                                    <p:animEffect transition="in" filter="fade">
+                                      <p:cBhvr>
+                                        <p:cTn id="35" dur="250"/>
+                                        <p:tgtEl>
+                                          <p:spTgt spid="15362">
+                                            <p:txEl>
+                                              <p:pRg st="6" end="6"/>
+                                            </p:txEl>
+                                          </p:spTgt>
+                                        </p:tgtEl>
+                                      </p:cBhvr>
+                                    </p:animEffect>
+                                  </p:childTnLst>
+                                </p:cTn>
+                              </p:par>
+                              <p:par>
+                                <p:cTn id="36" presetID="10" presetClass="entr" presetSubtype="0" fill="hold" nodeType="withEffect">
+                                  <p:stCondLst>
+                                    <p:cond delay="0"/>
+                                  </p:stCondLst>
+                                  <p:childTnLst>
+                                    <p:set>
+                                      <p:cBhvr>
+                                        <p:cTn id="37" dur="1" fill="hold">
+                                          <p:stCondLst>
+                                            <p:cond delay="0"/>
+                                          </p:stCondLst>
+                                        </p:cTn>
+                                        <p:tgtEl>
+                                          <p:spTgt spid="4"/>
+                                        </p:tgtEl>
+                                        <p:attrNameLst>
+                                          <p:attrName>style.visibility</p:attrName>
+                                        </p:attrNameLst>
+                                      </p:cBhvr>
+                                      <p:to>
+                                        <p:strVal val="visible"/>
+                                      </p:to>
+                                    </p:set>
+                                    <p:animEffect transition="in" filter="fade">
+                                      <p:cBhvr>
+                                        <p:cTn id="38" dur="500"/>
+                                        <p:tgtEl>
+                                          <p:spTgt spid="4"/>
+                                        </p:tgtEl>
+                                      </p:cBhvr>
+                                    </p:animEffect>
+                                  </p:childTnLst>
+                                </p:cTn>
+                              </p:par>
+                            </p:childTnLst>
+                          </p:cTn>
+                        </p:par>
+                      </p:childTnLst>
+                    </p:cTn>
+                  </p:par>
+                </p:childTnLst>
+              </p:cTn>
+              <p:prevCondLst>
+                <p:cond evt="onPrev" delay="0">
+                  <p:tgtEl>
+                    <p:sldTgt/>
+                  </p:tgtEl>
+                </p:cond>
+              </p:prevCondLst>
+              <p:nextCondLst>
+                <p:cond evt="onNext" delay="0">
+                  <p:tgtEl>
+                    <p:sldTgt/>
+                  </p:tgtEl>
+                </p:cond>
+              </p:nextCondLst>
+            </p:seq>
+          </p:childTnLst>
+        </p:cTn>
+      </p:par>
+    </p:tnLst>
+    <p:bldLst>
+      <p:bldP spid="15362" grpId="0" build="p"/>
+      <p:bldP spid="2" grpId="0"/>
+    </p:bldLst>
+  </p:timing>
+</p:sld>
+</file>
+
+<file path=ppt/slides/slide31.xml><?xml version="1.0" encoding="utf-8"?>
+<p:sld xmlns:a="http://schemas.openxmlformats.org/drawingml/2006/main" xmlns:r="http://schemas.openxmlformats.org/officeDocument/2006/relationships" xmlns:p="http://schemas.openxmlformats.org/presentationml/2006/main">
+  <p:cSld>
+    <p:spTree>
+      <p:nvGrpSpPr>
+        <p:cNvPr id="1" name=""/>
+        <p:cNvGrpSpPr/>
+        <p:nvPr/>
+      </p:nvGrpSpPr>
+      <p:grpSpPr>
+        <a:xfrm>
+          <a:off x="0" y="0"/>
+          <a:ext cx="0" cy="0"/>
+          <a:chOff x="0" y="0"/>
+          <a:chExt cx="0" cy="0"/>
+        </a:xfrm>
+      </p:grpSpPr>
+      <p:sp>
+        <p:nvSpPr>
+          <p:cNvPr id="15362" name="內容版面配置區 5"/>
+          <p:cNvSpPr>
+            <a:spLocks noGrp="1"/>
+          </p:cNvSpPr>
+          <p:nvPr>
+            <p:ph idx="1"/>
+          </p:nvPr>
+        </p:nvSpPr>
+        <p:spPr>
+          <a:xfrm>
+            <a:off x="457200" y="936625"/>
+            <a:ext cx="8229600" cy="3575050"/>
+          </a:xfrm>
+        </p:spPr>
+        <p:txBody>
+          <a:bodyPr/>
+          <a:lstStyle/>
+          <a:p>
             <a:pPr marL="0" indent="0" eaLnBrk="1" hangingPunct="1">
               <a:buNone/>
               <a:defRPr/>
@@ -14088,9 +18260,61 @@
                                     </p:set>
                                     <p:animEffect transition="in" filter="fade">
                                       <p:cBhvr>
-                                        <p:cTn id="7" dur="500"/>
+                                        <p:cTn id="7" dur="250"/>
                                         <p:tgtEl>
                                           <p:spTgt spid="2"/>
+                                        </p:tgtEl>
+                                      </p:cBhvr>
+                                    </p:animEffect>
+                                  </p:childTnLst>
+                                </p:cTn>
+                              </p:par>
+                            </p:childTnLst>
+                          </p:cTn>
+                        </p:par>
+                        <p:par>
+                          <p:cTn id="8" fill="hold">
+                            <p:stCondLst>
+                              <p:cond delay="250"/>
+                            </p:stCondLst>
+                            <p:childTnLst>
+                              <p:par>
+                                <p:cTn id="9" presetID="10" presetClass="entr" presetSubtype="0" fill="hold" grpId="0" nodeType="afterEffect">
+                                  <p:stCondLst>
+                                    <p:cond delay="0"/>
+                                  </p:stCondLst>
+                                  <p:childTnLst>
+                                    <p:set>
+                                      <p:cBhvr>
+                                        <p:cTn id="10" dur="1" fill="hold">
+                                          <p:stCondLst>
+                                            <p:cond delay="0"/>
+                                          </p:stCondLst>
+                                        </p:cTn>
+                                        <p:tgtEl>
+                                          <p:spTgt spid="15362">
+                                            <p:txEl>
+                                              <p:pRg st="0" end="0"/>
+                                            </p:txEl>
+                                          </p:spTgt>
+                                        </p:tgtEl>
+                                        <p:attrNameLst>
+                                          <p:attrName>style.visibility</p:attrName>
+                                        </p:attrNameLst>
+                                      </p:cBhvr>
+                                      <p:to>
+                                        <p:strVal val="visible"/>
+                                      </p:to>
+                                    </p:set>
+                                    <p:animEffect transition="in" filter="fade">
+                                      <p:cBhvr>
+                                        <p:cTn id="11" dur="250"/>
+                                        <p:tgtEl>
+                                          <p:spTgt spid="15362">
+                                            <p:txEl>
+                                              <p:pRg st="0" end="0"/>
+                                            </p:txEl>
+                                          </p:spTgt>
                                         </p:tgtEl>
                                       </p:cBhvr>
                                     </p:animEffect>
@@ -14125,13 +18349,14 @@
       </p:par>
     </p:tnLst>
     <p:bldLst>
+      <p:bldP spid="15362" grpId="0" build="p"/>
       <p:bldP spid="2" grpId="0"/>
     </p:bldLst>
   </p:timing>
 </p:sld>
 </file>
 
-<file path=ppt/slides/slide31.xml><?xml version="1.0" encoding="utf-8"?>
+<file path=ppt/slides/slide32.xml><?xml version="1.0" encoding="utf-8"?>
 <p:sld xmlns:a="http://schemas.openxmlformats.org/drawingml/2006/main" xmlns:r="http://schemas.openxmlformats.org/officeDocument/2006/relationships" xmlns:p="http://schemas.openxmlformats.org/presentationml/2006/main">
   <p:cSld>
     <p:spTree>
@@ -15067,6 +19292,9 @@
                     <p:cTn id="3" fill="hold">
                       <p:stCondLst>
                         <p:cond delay="indefinite"/>
+                        <p:cond evt="onBegin" delay="0">
+                          <p:tn val="2"/>
+                        </p:cond>
                       </p:stCondLst>
                       <p:childTnLst>
                         <p:par>
@@ -15076,7 +19304,7 @@
                             </p:stCondLst>
                             <p:childTnLst>
                               <p:par>
-                                <p:cTn id="5" presetID="10" presetClass="entr" presetSubtype="0" fill="hold" grpId="0" nodeType="clickEffect">
+                                <p:cTn id="5" presetID="10" presetClass="entr" presetSubtype="0" fill="hold" grpId="0" nodeType="withEffect">
                                   <p:stCondLst>
                                     <p:cond delay="0"/>
                                   </p:stCondLst>
@@ -15089,7 +19317,7 @@
                                           </p:stCondLst>
                                         </p:cTn>
                                         <p:tgtEl>
-                                          <p:spTgt spid="8"/>
+                                          <p:spTgt spid="12"/>
                                         </p:tgtEl>
                                         <p:attrNameLst>
                                           <p:attrName>style.visibility</p:attrName>
@@ -15101,9 +19329,9 @@
                                     </p:set>
                                     <p:animEffect transition="in" filter="fade">
                                       <p:cBhvr>
-                                        <p:cTn id="7" dur="500"/>
-                                        <p:tgtEl>
-                                          <p:spTgt spid="8"/>
+                                        <p:cTn id="7" dur="250"/>
+                                        <p:tgtEl>
+                                          <p:spTgt spid="12"/>
                                         </p:tgtEl>
                                       </p:cBhvr>
                                     </p:animEffect>
@@ -15116,11 +19344,11 @@
                         <p:par>
                           <p:cTn id="8" fill="hold">
                             <p:stCondLst>
-                              <p:cond delay="500"/>
+                              <p:cond delay="250"/>
                             </p:stCondLst>
                             <p:childTnLst>
                               <p:par>
-                                <p:cTn id="9" presetID="10" presetClass="entr" presetSubtype="0" fill="hold" grpId="0" nodeType="afterEffect">
+                                <p:cTn id="9" presetID="10" presetClass="entr" presetSubtype="0" fill="hold" nodeType="afterEffect">
                                   <p:stCondLst>
                                     <p:cond delay="0"/>
                                   </p:stCondLst>
@@ -15133,7 +19361,7 @@
                                           </p:stCondLst>
                                         </p:cTn>
                                         <p:tgtEl>
-                                          <p:spTgt spid="2"/>
+                                          <p:spTgt spid="6146"/>
                                         </p:tgtEl>
                                         <p:attrNameLst>
                                           <p:attrName>style.visibility</p:attrName>
@@ -15145,9 +19373,62 @@
                                     </p:set>
                                     <p:animEffect transition="in" filter="fade">
                                       <p:cBhvr>
-                                        <p:cTn id="11" dur="500"/>
-                                        <p:tgtEl>
-                                          <p:spTgt spid="2"/>
+                                        <p:cTn id="11" dur="250"/>
+                                        <p:tgtEl>
+                                          <p:spTgt spid="6146"/>
+                                        </p:tgtEl>
+                                      </p:cBhvr>
+                                    </p:animEffect>
+                                  </p:childTnLst>
+                                </p:cTn>
+                              </p:par>
+                            </p:childTnLst>
+                          </p:cTn>
+                        </p:par>
+                      </p:childTnLst>
+                    </p:cTn>
+                  </p:par>
+                  <p:par>
+                    <p:cTn id="12" fill="hold">
+                      <p:stCondLst>
+                        <p:cond delay="indefinite"/>
+                      </p:stCondLst>
+                      <p:childTnLst>
+                        <p:par>
+                          <p:cTn id="13" fill="hold">
+                            <p:stCondLst>
+                              <p:cond delay="0"/>
+                            </p:stCondLst>
+                            <p:childTnLst>
+                              <p:par>
+                                <p:cTn id="14" presetID="10" presetClass="entr" presetSubtype="0" fill="hold" grpId="0" nodeType="clickEffect">
+                                  <p:stCondLst>
+                                    <p:cond delay="0"/>
+                                  </p:stCondLst>
+                                  <p:childTnLst>
+                                    <p:set>
+                                      <p:cBhvr>
+                                        <p:cTn id="15" dur="1" fill="hold">
+                                          <p:stCondLst>
+                                            <p:cond delay="0"/>
+                                          </p:stCondLst>
+                                        </p:cTn>
+                                        <p:tgtEl>
+                                          <p:spTgt spid="8"/>
+                                        </p:tgtEl>
+                                        <p:attrNameLst>
+                                          <p:attrName>style.visibility</p:attrName>
+                                        </p:attrNameLst>
+                                      </p:cBhvr>
+                                      <p:to>
+                                        <p:strVal val="visible"/>
+                                      </p:to>
+                                    </p:set>
+                                    <p:animEffect transition="in" filter="fade">
+                                      <p:cBhvr>
+                                        <p:cTn id="16" dur="250"/>
+                                        <p:tgtEl>
+                                          <p:spTgt spid="8"/>
                                         </p:tgtEl>
                                       </p:cBhvr>
                                     </p:animEffect>
@@ -15158,26 +19439,26 @@
                           </p:cTn>
                         </p:par>
                         <p:par>
-                          <p:cTn id="12" fill="hold">
+                          <p:cTn id="17" fill="hold">
                             <p:stCondLst>
-                              <p:cond delay="1000"/>
+                              <p:cond delay="250"/>
                             </p:stCondLst>
                             <p:childTnLst>
                               <p:par>
-                                <p:cTn id="13" presetID="10" presetClass="entr" presetSubtype="0" fill="hold" grpId="0" nodeType="afterEffect">
+                                <p:cTn id="18" presetID="10" presetClass="entr" presetSubtype="0" fill="hold" grpId="0" nodeType="afterEffect">
                                   <p:stCondLst>
                                     <p:cond delay="0"/>
                                   </p:stCondLst>
                                   <p:childTnLst>
                                     <p:set>
                                       <p:cBhvr>
-                                        <p:cTn id="14" dur="1" fill="hold">
+                                        <p:cTn id="19" dur="1" fill="hold">
                                           <p:stCondLst>
                                             <p:cond delay="0"/>
                                           </p:stCondLst>
                                         </p:cTn>
                                         <p:tgtEl>
-                                          <p:spTgt spid="10"/>
+                                          <p:spTgt spid="2"/>
                                         </p:tgtEl>
                                         <p:attrNameLst>
                                           <p:attrName>style.visibility</p:attrName>
@@ -15189,9 +19470,9 @@
                                     </p:set>
                                     <p:animEffect transition="in" filter="fade">
                                       <p:cBhvr>
-                                        <p:cTn id="15" dur="500"/>
-                                        <p:tgtEl>
-                                          <p:spTgt spid="10"/>
+                                        <p:cTn id="20" dur="250"/>
+                                        <p:tgtEl>
+                                          <p:spTgt spid="2"/>
                                         </p:tgtEl>
                                       </p:cBhvr>
                                     </p:animEffect>
@@ -15202,26 +19483,26 @@
                           </p:cTn>
                         </p:par>
                         <p:par>
-                          <p:cTn id="16" fill="hold">
+                          <p:cTn id="21" fill="hold">
                             <p:stCondLst>
-                              <p:cond delay="1500"/>
+                              <p:cond delay="500"/>
                             </p:stCondLst>
                             <p:childTnLst>
                               <p:par>
-                                <p:cTn id="17" presetID="10" presetClass="entr" presetSubtype="0" fill="hold" grpId="0" nodeType="afterEffect">
+                                <p:cTn id="22" presetID="10" presetClass="entr" presetSubtype="0" fill="hold" grpId="0" nodeType="afterEffect">
                                   <p:stCondLst>
                                     <p:cond delay="0"/>
                                   </p:stCondLst>
                                   <p:childTnLst>
                                     <p:set>
                                       <p:cBhvr>
-                                        <p:cTn id="18" dur="1" fill="hold">
+                                        <p:cTn id="23" dur="1" fill="hold">
                                           <p:stCondLst>
                                             <p:cond delay="0"/>
                                           </p:stCondLst>
                                         </p:cTn>
                                         <p:tgtEl>
-                                          <p:spTgt spid="9"/>
+                                          <p:spTgt spid="10"/>
                                         </p:tgtEl>
                                         <p:attrNameLst>
                                           <p:attrName>style.visibility</p:attrName>
@@ -15233,7 +19514,51 @@
                                     </p:set>
                                     <p:animEffect transition="in" filter="fade">
                                       <p:cBhvr>
-                                        <p:cTn id="19" dur="500"/>
+                                        <p:cTn id="24" dur="250"/>
+                                        <p:tgtEl>
+                                          <p:spTgt spid="10"/>
+                                        </p:tgtEl>
+                                      </p:cBhvr>
+                                    </p:animEffect>
+                                  </p:childTnLst>
+                                </p:cTn>
+                              </p:par>
+                            </p:childTnLst>
+                          </p:cTn>
+                        </p:par>
+                        <p:par>
+                          <p:cTn id="25" fill="hold">
+                            <p:stCondLst>
+                              <p:cond delay="750"/>
+                            </p:stCondLst>
+                            <p:childTnLst>
+                              <p:par>
+                                <p:cTn id="26" presetID="10" presetClass="entr" presetSubtype="0" fill="hold" grpId="0" nodeType="afterEffect">
+                                  <p:stCondLst>
+                                    <p:cond delay="0"/>
+                                  </p:stCondLst>
+                                  <p:childTnLst>
+                                    <p:set>
+                                      <p:cBhvr>
+                                        <p:cTn id="27" dur="1" fill="hold">
+                                          <p:stCondLst>
+                                            <p:cond delay="0"/>
+                                          </p:stCondLst>
+                                        </p:cTn>
+                                        <p:tgtEl>
+                                          <p:spTgt spid="9"/>
+                                        </p:tgtEl>
+                                        <p:attrNameLst>
+                                          <p:attrName>style.visibility</p:attrName>
+                                        </p:attrNameLst>
+                                      </p:cBhvr>
+                                      <p:to>
+                                        <p:strVal val="visible"/>
+                                      </p:to>
+                                    </p:set>
+                                    <p:animEffect transition="in" filter="fade">
+                                      <p:cBhvr>
+                                        <p:cTn id="28" dur="250"/>
                                         <p:tgtEl>
                                           <p:spTgt spid="9"/>
                                         </p:tgtEl>
@@ -15274,6 +19599,7 @@
       <p:bldP spid="8" grpId="0" animBg="1"/>
       <p:bldP spid="9" grpId="0" animBg="1"/>
       <p:bldP spid="10" grpId="0" animBg="1"/>
+      <p:bldP spid="12" grpId="0" animBg="1"/>
     </p:bldLst>
   </p:timing>
 </p:sld>
@@ -15819,7 +20145,7 @@
                                     </p:set>
                                     <p:animEffect transition="in" filter="fade">
                                       <p:cBhvr>
-                                        <p:cTn id="7" dur="500"/>
+                                        <p:cTn id="7" dur="250"/>
                                         <p:tgtEl>
                                           <p:spTgt spid="2"/>
                                         </p:tgtEl>
@@ -15834,7 +20160,7 @@
                         <p:par>
                           <p:cTn id="8" fill="hold">
                             <p:stCondLst>
-                              <p:cond delay="500"/>
+                              <p:cond delay="250"/>
                             </p:stCondLst>
                             <p:childTnLst>
                               <p:par>
@@ -15867,7 +20193,7 @@
                                     </p:set>
                                     <p:animEffect transition="in" filter="fade">
                                       <p:cBhvr>
-                                        <p:cTn id="11" dur="500"/>
+                                        <p:cTn id="11" dur="250"/>
                                         <p:tgtEl>
                                           <p:spTgt spid="4">
                                             <p:txEl>
@@ -15886,7 +20212,7 @@
                         <p:par>
                           <p:cTn id="12" fill="hold">
                             <p:stCondLst>
-                              <p:cond delay="1000"/>
+                              <p:cond delay="500"/>
                             </p:stCondLst>
                             <p:childTnLst>
                               <p:par>
@@ -15919,7 +20245,7 @@
                                     </p:set>
                                     <p:animEffect transition="in" filter="fade">
                                       <p:cBhvr>
-                                        <p:cTn id="15" dur="500"/>
+                                        <p:cTn id="15" dur="250"/>
                                         <p:tgtEl>
                                           <p:spTgt spid="4">
                                             <p:txEl>
@@ -15962,7 +20288,7 @@
                                     </p:set>
                                     <p:animEffect transition="in" filter="fade">
                                       <p:cBhvr>
-                                        <p:cTn id="18" dur="500"/>
+                                        <p:cTn id="18" dur="250"/>
                                         <p:tgtEl>
                                           <p:spTgt spid="4">
                                             <p:txEl>
@@ -16005,7 +20331,7 @@
                                     </p:set>
                                     <p:animEffect transition="in" filter="fade">
                                       <p:cBhvr>
-                                        <p:cTn id="21" dur="500"/>
+                                        <p:cTn id="21" dur="250"/>
                                         <p:tgtEl>
                                           <p:spTgt spid="4">
                                             <p:txEl>
@@ -16048,7 +20374,7 @@
                                     </p:set>
                                     <p:animEffect transition="in" filter="fade">
                                       <p:cBhvr>
-                                        <p:cTn id="24" dur="500"/>
+                                        <p:cTn id="24" dur="250"/>
                                         <p:tgtEl>
                                           <p:spTgt spid="4">
                                             <p:txEl>
@@ -16091,7 +20417,7 @@
                                     </p:set>
                                     <p:animEffect transition="in" filter="fade">
                                       <p:cBhvr>
-                                        <p:cTn id="27" dur="500"/>
+                                        <p:cTn id="27" dur="250"/>
                                         <p:tgtEl>
                                           <p:spTgt spid="4">
                                             <p:txEl>
@@ -16134,7 +20460,7 @@
                                     </p:set>
                                     <p:animEffect transition="in" filter="fade">
                                       <p:cBhvr>
-                                        <p:cTn id="30" dur="500"/>
+                                        <p:cTn id="30" dur="250"/>
                                         <p:tgtEl>
                                           <p:spTgt spid="4">
                                             <p:txEl>
@@ -16598,7 +20924,7 @@
                                     </p:set>
                                     <p:animEffect transition="in" filter="fade">
                                       <p:cBhvr>
-                                        <p:cTn id="7" dur="500"/>
+                                        <p:cTn id="7" dur="250"/>
                                         <p:tgtEl>
                                           <p:spTgt spid="2"/>
                                         </p:tgtEl>
@@ -16613,7 +20939,7 @@
                         <p:par>
                           <p:cTn id="8" fill="hold">
                             <p:stCondLst>
-                              <p:cond delay="500"/>
+                              <p:cond delay="250"/>
                             </p:stCondLst>
                             <p:childTnLst>
                               <p:par>
@@ -16646,7 +20972,7 @@
                                     </p:set>
                                     <p:animEffect transition="in" filter="fade">
                                       <p:cBhvr>
-                                        <p:cTn id="11" dur="500"/>
+                                        <p:cTn id="11" dur="250"/>
                                         <p:tgtEl>
                                           <p:spTgt spid="4">
                                             <p:txEl>
@@ -16665,7 +20991,7 @@
                         <p:par>
                           <p:cTn id="12" fill="hold">
                             <p:stCondLst>
-                              <p:cond delay="1000"/>
+                              <p:cond delay="500"/>
                             </p:stCondLst>
                             <p:childTnLst>
                               <p:par>
@@ -16698,7 +21024,7 @@
                                     </p:set>
                                     <p:animEffect transition="in" filter="fade">
                                       <p:cBhvr>
-                                        <p:cTn id="15" dur="500"/>
+                                        <p:cTn id="15" dur="250"/>
                                         <p:tgtEl>
                                           <p:spTgt spid="4">
                                             <p:txEl>
@@ -16741,7 +21067,7 @@
                                     </p:set>
                                     <p:animEffect transition="in" filter="fade">
                                       <p:cBhvr>
-                                        <p:cTn id="18" dur="500"/>
+                                        <p:cTn id="18" dur="250"/>
                                         <p:tgtEl>
                                           <p:spTgt spid="4">
                                             <p:txEl>
@@ -16784,7 +21110,7 @@
                                     </p:set>
                                     <p:animEffect transition="in" filter="fade">
                                       <p:cBhvr>
-                                        <p:cTn id="21" dur="500"/>
+                                        <p:cTn id="21" dur="250"/>
                                         <p:tgtEl>
                                           <p:spTgt spid="4">
                                             <p:txEl>
@@ -16816,7 +21142,7 @@
                             </p:stCondLst>
                             <p:childTnLst>
                               <p:par>
-                                <p:cTn id="24" presetID="42" presetClass="entr" presetSubtype="0" fill="hold" nodeType="clickEffect">
+                                <p:cTn id="24" presetID="10" presetClass="entr" presetSubtype="0" fill="hold" nodeType="clickEffect">
                                   <p:stCondLst>
                                     <p:cond delay="0"/>
                                   </p:stCondLst>
@@ -16841,58 +21167,12 @@
                                     </p:set>
                                     <p:animEffect transition="in" filter="fade">
                                       <p:cBhvr>
-                                        <p:cTn id="26" dur="1000"/>
+                                        <p:cTn id="26" dur="500"/>
                                         <p:tgtEl>
                                           <p:spTgt spid="5"/>
                                         </p:tgtEl>
                                       </p:cBhvr>
                                     </p:animEffect>
-                                    <p:anim calcmode="lin" valueType="num">
-                                      <p:cBhvr>
-                                        <p:cTn id="27" dur="1000" fill="hold"/>
-                                        <p:tgtEl>
-                                          <p:spTgt spid="5"/>
-                                        </p:tgtEl>
-                                        <p:attrNameLst>
-                                          <p:attrName>ppt_x</p:attrName>
-                                        </p:attrNameLst>
-                                      </p:cBhvr>
-                                      <p:tavLst>
-                                        <p:tav tm="0">
-                                          <p:val>
-                                            <p:strVal val="#ppt_x"/>
-                                          </p:val>
-                                        </p:tav>
-                                        <p:tav tm="100000">
-                                          <p:val>
-                                            <p:strVal val="#ppt_x"/>
-                                          </p:val>
-                                        </p:tav>
-                                      </p:tavLst>
-                                    </p:anim>
-                                    <p:anim calcmode="lin" valueType="num">
-                                      <p:cBhvr>
-                                        <p:cTn id="28" dur="1000" fill="hold"/>
-                                        <p:tgtEl>
-                                          <p:spTgt spid="5"/>
-                                        </p:tgtEl>
-                                        <p:attrNameLst>
-                                          <p:attrName>ppt_y</p:attrName>
-                                        </p:attrNameLst>
-                                      </p:cBhvr>
-                                      <p:tavLst>
-                                        <p:tav tm="0">
-                                          <p:val>
-                                            <p:strVal val="#ppt_y+.1"/>
-                                          </p:val>
-                                        </p:tav>
-                                        <p:tav tm="100000">
-                                          <p:val>
-                                            <p:strVal val="#ppt_y"/>
-                                          </p:val>
-                                        </p:tav>
-                                      </p:tavLst>
-                                    </p:anim>
                                   </p:childTnLst>
                                 </p:cTn>
                               </p:par>
@@ -17117,7 +21397,7 @@
                                     </p:set>
                                     <p:animEffect transition="in" filter="fade">
                                       <p:cBhvr>
-                                        <p:cTn id="7" dur="500"/>
+                                        <p:cTn id="7" dur="250"/>
                                         <p:tgtEl>
                                           <p:spTgt spid="2"/>
                                         </p:tgtEl>
@@ -17132,7 +21412,7 @@
                         <p:par>
                           <p:cTn id="8" fill="hold">
                             <p:stCondLst>
-                              <p:cond delay="500"/>
+                              <p:cond delay="250"/>
                             </p:stCondLst>
                             <p:childTnLst>
                               <p:par>
@@ -17165,7 +21445,7 @@
                                     </p:set>
                                     <p:animEffect transition="in" filter="fade">
                                       <p:cBhvr>
-                                        <p:cTn id="11" dur="500"/>
+                                        <p:cTn id="11" dur="250"/>
                                         <p:tgtEl>
                                           <p:spTgt spid="15362">
                                             <p:txEl>
@@ -17184,7 +21464,7 @@
                         <p:par>
                           <p:cTn id="12" fill="hold">
                             <p:stCondLst>
-                              <p:cond delay="1000"/>
+                              <p:cond delay="500"/>
                             </p:stCondLst>
                             <p:childTnLst>
                               <p:par>
@@ -17217,7 +21497,7 @@
                                     </p:set>
                                     <p:animEffect transition="in" filter="fade">
                                       <p:cBhvr>
-                                        <p:cTn id="15" dur="500"/>
+                                        <p:cTn id="15" dur="250"/>
                                         <p:tgtEl>
                                           <p:spTgt spid="15362">
                                             <p:txEl>
@@ -17332,11 +21612,43 @@
               <a:defRPr/>
             </a:pPr>
             <a:r>
+              <a:rPr lang="en-US" altLang="zh-TW" sz="1800" dirty="0">
+                <a:latin typeface="Times New Roman" panose="02020603050405020304" pitchFamily="18" charset="0"/>
+                <a:cs typeface="Times New Roman" panose="02020603050405020304" pitchFamily="18" charset="0"/>
+              </a:rPr>
+              <a:t>Wi-Fi frequency switch automation (2.4G, 5G</a:t>
+            </a:r>
+            <a:r>
               <a:rPr lang="en-US" altLang="zh-TW" sz="1800" dirty="0" smtClean="0">
                 <a:latin typeface="Times New Roman" panose="02020603050405020304" pitchFamily="18" charset="0"/>
                 <a:cs typeface="Times New Roman" panose="02020603050405020304" pitchFamily="18" charset="0"/>
               </a:rPr>
-              <a:t>Airplane on/off </a:t>
+              <a:t>)</a:t>
+            </a:r>
+            <a:endParaRPr lang="en-US" altLang="zh-TW" sz="1800" dirty="0" smtClean="0">
+              <a:latin typeface="Times New Roman" panose="02020603050405020304" pitchFamily="18" charset="0"/>
+              <a:cs typeface="Times New Roman" panose="02020603050405020304" pitchFamily="18" charset="0"/>
+            </a:endParaRPr>
+          </a:p>
+          <a:p>
+            <a:pPr eaLnBrk="1" hangingPunct="1">
+              <a:buFont typeface="Arial" charset="0"/>
+              <a:buChar char="•"/>
+              <a:defRPr/>
+            </a:pPr>
+            <a:r>
+              <a:rPr lang="en-US" altLang="zh-TW" sz="1800" dirty="0" smtClean="0">
+                <a:latin typeface="Times New Roman" panose="02020603050405020304" pitchFamily="18" charset="0"/>
+                <a:cs typeface="Times New Roman" panose="02020603050405020304" pitchFamily="18" charset="0"/>
+              </a:rPr>
+              <a:t>Airplane </a:t>
+            </a:r>
+            <a:r>
+              <a:rPr lang="en-US" altLang="zh-TW" sz="1800" dirty="0" smtClean="0">
+                <a:latin typeface="Times New Roman" panose="02020603050405020304" pitchFamily="18" charset="0"/>
+                <a:cs typeface="Times New Roman" panose="02020603050405020304" pitchFamily="18" charset="0"/>
+              </a:rPr>
+              <a:t>on/off </a:t>
             </a:r>
             <a:r>
               <a:rPr lang="en-US" altLang="zh-TW" sz="1800" dirty="0">
@@ -17427,21 +21739,7 @@
                 <a:latin typeface="Times New Roman" panose="02020603050405020304" pitchFamily="18" charset="0"/>
                 <a:cs typeface="Times New Roman" panose="02020603050405020304" pitchFamily="18" charset="0"/>
               </a:rPr>
-              <a:t>Wi-Fi frequency switch automation (</a:t>
-            </a:r>
-            <a:r>
-              <a:rPr lang="en-US" altLang="zh-TW" sz="1800" dirty="0">
-                <a:latin typeface="Times New Roman" panose="02020603050405020304" pitchFamily="18" charset="0"/>
-                <a:cs typeface="Times New Roman" panose="02020603050405020304" pitchFamily="18" charset="0"/>
-              </a:rPr>
-              <a:t>2.4G</a:t>
-            </a:r>
-            <a:r>
-              <a:rPr lang="en-US" altLang="zh-TW" sz="1800" dirty="0" smtClean="0">
-                <a:latin typeface="Times New Roman" panose="02020603050405020304" pitchFamily="18" charset="0"/>
-                <a:cs typeface="Times New Roman" panose="02020603050405020304" pitchFamily="18" charset="0"/>
-              </a:rPr>
-              <a:t>, 5G)</a:t>
+              <a:t>Resolution automation</a:t>
             </a:r>
           </a:p>
           <a:p>
@@ -17455,21 +21753,14 @@
                 <a:latin typeface="Times New Roman" panose="02020603050405020304" pitchFamily="18" charset="0"/>
                 <a:cs typeface="Times New Roman" panose="02020603050405020304" pitchFamily="18" charset="0"/>
               </a:rPr>
-              <a:t>Resolution automation</a:t>
-            </a:r>
-          </a:p>
-          <a:p>
-            <a:pPr eaLnBrk="1" hangingPunct="1">
-              <a:buFont typeface="Arial" charset="0"/>
-              <a:buChar char="•"/>
-              <a:defRPr/>
-            </a:pPr>
+              <a:t>Luminance </a:t>
+            </a:r>
             <a:r>
               <a:rPr lang="en-US" altLang="zh-TW" sz="1800" dirty="0" smtClean="0">
                 <a:latin typeface="Times New Roman" panose="02020603050405020304" pitchFamily="18" charset="0"/>
                 <a:cs typeface="Times New Roman" panose="02020603050405020304" pitchFamily="18" charset="0"/>
               </a:rPr>
-              <a:t>Luminance automation</a:t>
+              <a:t>automation</a:t>
             </a:r>
           </a:p>
           <a:p>
@@ -17578,17 +21869,7 @@
                 <a:latin typeface="Times New Roman" panose="02020603050405020304" pitchFamily="18" charset="0"/>
                 <a:cs typeface="Times New Roman" panose="02020603050405020304" pitchFamily="18" charset="0"/>
               </a:rPr>
-              <a:t>for Introduction &amp; </a:t>
-            </a:r>
-            <a:r>
-              <a:rPr lang="en-US" altLang="zh-TW" sz="2800" kern="0" dirty="0" smtClean="0">
-                <a:solidFill>
-                  <a:srgbClr val="003366"/>
-                </a:solidFill>
-                <a:latin typeface="Times New Roman" panose="02020603050405020304" pitchFamily="18" charset="0"/>
-                <a:cs typeface="Times New Roman" panose="02020603050405020304" pitchFamily="18" charset="0"/>
-              </a:rPr>
-              <a:t>Demo</a:t>
+              <a:t>for Introduction &amp; Demo</a:t>
             </a:r>
             <a:endParaRPr lang="zh-TW" altLang="en-US" sz="2800" kern="0" dirty="0">
               <a:solidFill>
@@ -17671,9 +21952,590 @@
                                     </p:set>
                                     <p:animEffect transition="in" filter="fade">
                                       <p:cBhvr>
-                                        <p:cTn id="7" dur="500"/>
+                                        <p:cTn id="7" dur="250"/>
                                         <p:tgtEl>
                                           <p:spTgt spid="2"/>
+                                        </p:tgtEl>
+                                      </p:cBhvr>
+                                    </p:animEffect>
+                                  </p:childTnLst>
+                                </p:cTn>
+                              </p:par>
+                            </p:childTnLst>
+                          </p:cTn>
+                        </p:par>
+                        <p:par>
+                          <p:cTn id="8" fill="hold">
+                            <p:stCondLst>
+                              <p:cond delay="250"/>
+                            </p:stCondLst>
+                            <p:childTnLst>
+                              <p:par>
+                                <p:cTn id="9" presetID="10" presetClass="entr" presetSubtype="0" fill="hold" grpId="0" nodeType="afterEffect">
+                                  <p:stCondLst>
+                                    <p:cond delay="0"/>
+                                  </p:stCondLst>
+                                  <p:childTnLst>
+                                    <p:set>
+                                      <p:cBhvr>
+                                        <p:cTn id="10" dur="1" fill="hold">
+                                          <p:stCondLst>
+                                            <p:cond delay="0"/>
+                                          </p:stCondLst>
+                                        </p:cTn>
+                                        <p:tgtEl>
+                                          <p:spTgt spid="15362">
+                                            <p:txEl>
+                                              <p:pRg st="0" end="0"/>
+                                            </p:txEl>
+                                          </p:spTgt>
+                                        </p:tgtEl>
+                                        <p:attrNameLst>
+                                          <p:attrName>style.visibility</p:attrName>
+                                        </p:attrNameLst>
+                                      </p:cBhvr>
+                                      <p:to>
+                                        <p:strVal val="visible"/>
+                                      </p:to>
+                                    </p:set>
+                                    <p:animEffect transition="in" filter="fade">
+                                      <p:cBhvr>
+                                        <p:cTn id="11" dur="250"/>
+                                        <p:tgtEl>
+                                          <p:spTgt spid="15362">
+                                            <p:txEl>
+                                              <p:pRg st="0" end="0"/>
+                                            </p:txEl>
+                                          </p:spTgt>
+                                        </p:tgtEl>
+                                      </p:cBhvr>
+                                    </p:animEffect>
+                                  </p:childTnLst>
+                                </p:cTn>
+                              </p:par>
+                            </p:childTnLst>
+                          </p:cTn>
+                        </p:par>
+                      </p:childTnLst>
+                    </p:cTn>
+                  </p:par>
+                  <p:par>
+                    <p:cTn id="12" fill="hold">
+                      <p:stCondLst>
+                        <p:cond delay="indefinite"/>
+                      </p:stCondLst>
+                      <p:childTnLst>
+                        <p:par>
+                          <p:cTn id="13" fill="hold">
+                            <p:stCondLst>
+                              <p:cond delay="0"/>
+                            </p:stCondLst>
+                            <p:childTnLst>
+                              <p:par>
+                                <p:cTn id="14" presetID="10" presetClass="entr" presetSubtype="0" fill="hold" grpId="0" nodeType="clickEffect">
+                                  <p:stCondLst>
+                                    <p:cond delay="0"/>
+                                  </p:stCondLst>
+                                  <p:childTnLst>
+                                    <p:set>
+                                      <p:cBhvr>
+                                        <p:cTn id="15" dur="1" fill="hold">
+                                          <p:stCondLst>
+                                            <p:cond delay="0"/>
+                                          </p:stCondLst>
+                                        </p:cTn>
+                                        <p:tgtEl>
+                                          <p:spTgt spid="15362">
+                                            <p:txEl>
+                                              <p:pRg st="1" end="1"/>
+                                            </p:txEl>
+                                          </p:spTgt>
+                                        </p:tgtEl>
+                                        <p:attrNameLst>
+                                          <p:attrName>style.visibility</p:attrName>
+                                        </p:attrNameLst>
+                                      </p:cBhvr>
+                                      <p:to>
+                                        <p:strVal val="visible"/>
+                                      </p:to>
+                                    </p:set>
+                                    <p:animEffect transition="in" filter="fade">
+                                      <p:cBhvr>
+                                        <p:cTn id="16" dur="250"/>
+                                        <p:tgtEl>
+                                          <p:spTgt spid="15362">
+                                            <p:txEl>
+                                              <p:pRg st="1" end="1"/>
+                                            </p:txEl>
+                                          </p:spTgt>
+                                        </p:tgtEl>
+                                      </p:cBhvr>
+                                    </p:animEffect>
+                                  </p:childTnLst>
+                                </p:cTn>
+                              </p:par>
+                            </p:childTnLst>
+                          </p:cTn>
+                        </p:par>
+                        <p:par>
+                          <p:cTn id="17" fill="hold">
+                            <p:stCondLst>
+                              <p:cond delay="250"/>
+                            </p:stCondLst>
+                            <p:childTnLst>
+                              <p:par>
+                                <p:cTn id="18" presetID="10" presetClass="entr" presetSubtype="0" fill="hold" grpId="0" nodeType="afterEffect">
+                                  <p:stCondLst>
+                                    <p:cond delay="0"/>
+                                  </p:stCondLst>
+                                  <p:childTnLst>
+                                    <p:set>
+                                      <p:cBhvr>
+                                        <p:cTn id="19" dur="1" fill="hold">
+                                          <p:stCondLst>
+                                            <p:cond delay="0"/>
+                                          </p:stCondLst>
+                                        </p:cTn>
+                                        <p:tgtEl>
+                                          <p:spTgt spid="15362">
+                                            <p:txEl>
+                                              <p:pRg st="2" end="2"/>
+                                            </p:txEl>
+                                          </p:spTgt>
+                                        </p:tgtEl>
+                                        <p:attrNameLst>
+                                          <p:attrName>style.visibility</p:attrName>
+                                        </p:attrNameLst>
+                                      </p:cBhvr>
+                                      <p:to>
+                                        <p:strVal val="visible"/>
+                                      </p:to>
+                                    </p:set>
+                                    <p:animEffect transition="in" filter="fade">
+                                      <p:cBhvr>
+                                        <p:cTn id="20" dur="250"/>
+                                        <p:tgtEl>
+                                          <p:spTgt spid="15362">
+                                            <p:txEl>
+                                              <p:pRg st="2" end="2"/>
+                                            </p:txEl>
+                                          </p:spTgt>
+                                        </p:tgtEl>
+                                      </p:cBhvr>
+                                    </p:animEffect>
+                                  </p:childTnLst>
+                                </p:cTn>
+                              </p:par>
+                            </p:childTnLst>
+                          </p:cTn>
+                        </p:par>
+                        <p:par>
+                          <p:cTn id="21" fill="hold">
+                            <p:stCondLst>
+                              <p:cond delay="500"/>
+                            </p:stCondLst>
+                            <p:childTnLst>
+                              <p:par>
+                                <p:cTn id="22" presetID="10" presetClass="entr" presetSubtype="0" fill="hold" grpId="0" nodeType="afterEffect">
+                                  <p:stCondLst>
+                                    <p:cond delay="0"/>
+                                  </p:stCondLst>
+                                  <p:childTnLst>
+                                    <p:set>
+                                      <p:cBhvr>
+                                        <p:cTn id="23" dur="1" fill="hold">
+                                          <p:stCondLst>
+                                            <p:cond delay="0"/>
+                                          </p:stCondLst>
+                                        </p:cTn>
+                                        <p:tgtEl>
+                                          <p:spTgt spid="15362">
+                                            <p:txEl>
+                                              <p:pRg st="3" end="3"/>
+                                            </p:txEl>
+                                          </p:spTgt>
+                                        </p:tgtEl>
+                                        <p:attrNameLst>
+                                          <p:attrName>style.visibility</p:attrName>
+                                        </p:attrNameLst>
+                                      </p:cBhvr>
+                                      <p:to>
+                                        <p:strVal val="visible"/>
+                                      </p:to>
+                                    </p:set>
+                                    <p:animEffect transition="in" filter="fade">
+                                      <p:cBhvr>
+                                        <p:cTn id="24" dur="250"/>
+                                        <p:tgtEl>
+                                          <p:spTgt spid="15362">
+                                            <p:txEl>
+                                              <p:pRg st="3" end="3"/>
+                                            </p:txEl>
+                                          </p:spTgt>
+                                        </p:tgtEl>
+                                      </p:cBhvr>
+                                    </p:animEffect>
+                                  </p:childTnLst>
+                                </p:cTn>
+                              </p:par>
+                            </p:childTnLst>
+                          </p:cTn>
+                        </p:par>
+                        <p:par>
+                          <p:cTn id="25" fill="hold">
+                            <p:stCondLst>
+                              <p:cond delay="750"/>
+                            </p:stCondLst>
+                            <p:childTnLst>
+                              <p:par>
+                                <p:cTn id="26" presetID="10" presetClass="entr" presetSubtype="0" fill="hold" grpId="0" nodeType="afterEffect">
+                                  <p:stCondLst>
+                                    <p:cond delay="0"/>
+                                  </p:stCondLst>
+                                  <p:childTnLst>
+                                    <p:set>
+                                      <p:cBhvr>
+                                        <p:cTn id="27" dur="1" fill="hold">
+                                          <p:stCondLst>
+                                            <p:cond delay="0"/>
+                                          </p:stCondLst>
+                                        </p:cTn>
+                                        <p:tgtEl>
+                                          <p:spTgt spid="15362">
+                                            <p:txEl>
+                                              <p:pRg st="4" end="4"/>
+                                            </p:txEl>
+                                          </p:spTgt>
+                                        </p:tgtEl>
+                                        <p:attrNameLst>
+                                          <p:attrName>style.visibility</p:attrName>
+                                        </p:attrNameLst>
+                                      </p:cBhvr>
+                                      <p:to>
+                                        <p:strVal val="visible"/>
+                                      </p:to>
+                                    </p:set>
+                                    <p:animEffect transition="in" filter="fade">
+                                      <p:cBhvr>
+                                        <p:cTn id="28" dur="250"/>
+                                        <p:tgtEl>
+                                          <p:spTgt spid="15362">
+                                            <p:txEl>
+                                              <p:pRg st="4" end="4"/>
+                                            </p:txEl>
+                                          </p:spTgt>
+                                        </p:tgtEl>
+                                      </p:cBhvr>
+                                    </p:animEffect>
+                                  </p:childTnLst>
+                                </p:cTn>
+                              </p:par>
+                            </p:childTnLst>
+                          </p:cTn>
+                        </p:par>
+                        <p:par>
+                          <p:cTn id="29" fill="hold">
+                            <p:stCondLst>
+                              <p:cond delay="1000"/>
+                            </p:stCondLst>
+                            <p:childTnLst>
+                              <p:par>
+                                <p:cTn id="30" presetID="10" presetClass="entr" presetSubtype="0" fill="hold" grpId="0" nodeType="afterEffect">
+                                  <p:stCondLst>
+                                    <p:cond delay="0"/>
+                                  </p:stCondLst>
+                                  <p:childTnLst>
+                                    <p:set>
+                                      <p:cBhvr>
+                                        <p:cTn id="31" dur="1" fill="hold">
+                                          <p:stCondLst>
+                                            <p:cond delay="0"/>
+                                          </p:stCondLst>
+                                        </p:cTn>
+                                        <p:tgtEl>
+                                          <p:spTgt spid="15362">
+                                            <p:txEl>
+                                              <p:pRg st="5" end="5"/>
+                                            </p:txEl>
+                                          </p:spTgt>
+                                        </p:tgtEl>
+                                        <p:attrNameLst>
+                                          <p:attrName>style.visibility</p:attrName>
+                                        </p:attrNameLst>
+                                      </p:cBhvr>
+                                      <p:to>
+                                        <p:strVal val="visible"/>
+                                      </p:to>
+                                    </p:set>
+                                    <p:animEffect transition="in" filter="fade">
+                                      <p:cBhvr>
+                                        <p:cTn id="32" dur="250"/>
+                                        <p:tgtEl>
+                                          <p:spTgt spid="15362">
+                                            <p:txEl>
+                                              <p:pRg st="5" end="5"/>
+                                            </p:txEl>
+                                          </p:spTgt>
+                                        </p:tgtEl>
+                                      </p:cBhvr>
+                                    </p:animEffect>
+                                  </p:childTnLst>
+                                </p:cTn>
+                              </p:par>
+                            </p:childTnLst>
+                          </p:cTn>
+                        </p:par>
+                        <p:par>
+                          <p:cTn id="33" fill="hold">
+                            <p:stCondLst>
+                              <p:cond delay="1250"/>
+                            </p:stCondLst>
+                            <p:childTnLst>
+                              <p:par>
+                                <p:cTn id="34" presetID="10" presetClass="entr" presetSubtype="0" fill="hold" grpId="0" nodeType="afterEffect">
+                                  <p:stCondLst>
+                                    <p:cond delay="0"/>
+                                  </p:stCondLst>
+                                  <p:childTnLst>
+                                    <p:set>
+                                      <p:cBhvr>
+                                        <p:cTn id="35" dur="1" fill="hold">
+                                          <p:stCondLst>
+                                            <p:cond delay="0"/>
+                                          </p:stCondLst>
+                                        </p:cTn>
+                                        <p:tgtEl>
+                                          <p:spTgt spid="15362">
+                                            <p:txEl>
+                                              <p:pRg st="6" end="6"/>
+                                            </p:txEl>
+                                          </p:spTgt>
+                                        </p:tgtEl>
+                                        <p:attrNameLst>
+                                          <p:attrName>style.visibility</p:attrName>
+                                        </p:attrNameLst>
+                                      </p:cBhvr>
+                                      <p:to>
+                                        <p:strVal val="visible"/>
+                                      </p:to>
+                                    </p:set>
+                                    <p:animEffect transition="in" filter="fade">
+                                      <p:cBhvr>
+                                        <p:cTn id="36" dur="250"/>
+                                        <p:tgtEl>
+                                          <p:spTgt spid="15362">
+                                            <p:txEl>
+                                              <p:pRg st="6" end="6"/>
+                                            </p:txEl>
+                                          </p:spTgt>
+                                        </p:tgtEl>
+                                      </p:cBhvr>
+                                    </p:animEffect>
+                                  </p:childTnLst>
+                                </p:cTn>
+                              </p:par>
+                            </p:childTnLst>
+                          </p:cTn>
+                        </p:par>
+                        <p:par>
+                          <p:cTn id="37" fill="hold">
+                            <p:stCondLst>
+                              <p:cond delay="1500"/>
+                            </p:stCondLst>
+                            <p:childTnLst>
+                              <p:par>
+                                <p:cTn id="38" presetID="10" presetClass="entr" presetSubtype="0" fill="hold" grpId="0" nodeType="afterEffect">
+                                  <p:stCondLst>
+                                    <p:cond delay="0"/>
+                                  </p:stCondLst>
+                                  <p:childTnLst>
+                                    <p:set>
+                                      <p:cBhvr>
+                                        <p:cTn id="39" dur="1" fill="hold">
+                                          <p:stCondLst>
+                                            <p:cond delay="0"/>
+                                          </p:stCondLst>
+                                        </p:cTn>
+                                        <p:tgtEl>
+                                          <p:spTgt spid="15362">
+                                            <p:txEl>
+                                              <p:pRg st="7" end="7"/>
+                                            </p:txEl>
+                                          </p:spTgt>
+                                        </p:tgtEl>
+                                        <p:attrNameLst>
+                                          <p:attrName>style.visibility</p:attrName>
+                                        </p:attrNameLst>
+                                      </p:cBhvr>
+                                      <p:to>
+                                        <p:strVal val="visible"/>
+                                      </p:to>
+                                    </p:set>
+                                    <p:animEffect transition="in" filter="fade">
+                                      <p:cBhvr>
+                                        <p:cTn id="40" dur="250"/>
+                                        <p:tgtEl>
+                                          <p:spTgt spid="15362">
+                                            <p:txEl>
+                                              <p:pRg st="7" end="7"/>
+                                            </p:txEl>
+                                          </p:spTgt>
+                                        </p:tgtEl>
+                                      </p:cBhvr>
+                                    </p:animEffect>
+                                  </p:childTnLst>
+                                </p:cTn>
+                              </p:par>
+                            </p:childTnLst>
+                          </p:cTn>
+                        </p:par>
+                        <p:par>
+                          <p:cTn id="41" fill="hold">
+                            <p:stCondLst>
+                              <p:cond delay="1750"/>
+                            </p:stCondLst>
+                            <p:childTnLst>
+                              <p:par>
+                                <p:cTn id="42" presetID="10" presetClass="entr" presetSubtype="0" fill="hold" grpId="0" nodeType="afterEffect">
+                                  <p:stCondLst>
+                                    <p:cond delay="0"/>
+                                  </p:stCondLst>
+                                  <p:childTnLst>
+                                    <p:set>
+                                      <p:cBhvr>
+                                        <p:cTn id="43" dur="1" fill="hold">
+                                          <p:stCondLst>
+                                            <p:cond delay="0"/>
+                                          </p:stCondLst>
+                                        </p:cTn>
+                                        <p:tgtEl>
+                                          <p:spTgt spid="15362">
+                                            <p:txEl>
+                                              <p:pRg st="8" end="8"/>
+                                            </p:txEl>
+                                          </p:spTgt>
+                                        </p:tgtEl>
+                                        <p:attrNameLst>
+                                          <p:attrName>style.visibility</p:attrName>
+                                        </p:attrNameLst>
+                                      </p:cBhvr>
+                                      <p:to>
+                                        <p:strVal val="visible"/>
+                                      </p:to>
+                                    </p:set>
+                                    <p:animEffect transition="in" filter="fade">
+                                      <p:cBhvr>
+                                        <p:cTn id="44" dur="250"/>
+                                        <p:tgtEl>
+                                          <p:spTgt spid="15362">
+                                            <p:txEl>
+                                              <p:pRg st="8" end="8"/>
+                                            </p:txEl>
+                                          </p:spTgt>
+                                        </p:tgtEl>
+                                      </p:cBhvr>
+                                    </p:animEffect>
+                                  </p:childTnLst>
+                                </p:cTn>
+                              </p:par>
+                            </p:childTnLst>
+                          </p:cTn>
+                        </p:par>
+                        <p:par>
+                          <p:cTn id="45" fill="hold">
+                            <p:stCondLst>
+                              <p:cond delay="2000"/>
+                            </p:stCondLst>
+                            <p:childTnLst>
+                              <p:par>
+                                <p:cTn id="46" presetID="10" presetClass="entr" presetSubtype="0" fill="hold" grpId="0" nodeType="afterEffect">
+                                  <p:stCondLst>
+                                    <p:cond delay="0"/>
+                                  </p:stCondLst>
+                                  <p:childTnLst>
+                                    <p:set>
+                                      <p:cBhvr>
+                                        <p:cTn id="47" dur="1" fill="hold">
+                                          <p:stCondLst>
+                                            <p:cond delay="0"/>
+                                          </p:stCondLst>
+                                        </p:cTn>
+                                        <p:tgtEl>
+                                          <p:spTgt spid="15362">
+                                            <p:txEl>
+                                              <p:pRg st="9" end="9"/>
+                                            </p:txEl>
+                                          </p:spTgt>
+                                        </p:tgtEl>
+                                        <p:attrNameLst>
+                                          <p:attrName>style.visibility</p:attrName>
+                                        </p:attrNameLst>
+                                      </p:cBhvr>
+                                      <p:to>
+                                        <p:strVal val="visible"/>
+                                      </p:to>
+                                    </p:set>
+                                    <p:animEffect transition="in" filter="fade">
+                                      <p:cBhvr>
+                                        <p:cTn id="48" dur="250"/>
+                                        <p:tgtEl>
+                                          <p:spTgt spid="15362">
+                                            <p:txEl>
+                                              <p:pRg st="9" end="9"/>
+                                            </p:txEl>
+                                          </p:spTgt>
+                                        </p:tgtEl>
+                                      </p:cBhvr>
+                                    </p:animEffect>
+                                  </p:childTnLst>
+                                </p:cTn>
+                              </p:par>
+                            </p:childTnLst>
+                          </p:cTn>
+                        </p:par>
+                        <p:par>
+                          <p:cTn id="49" fill="hold">
+                            <p:stCondLst>
+                              <p:cond delay="2250"/>
+                            </p:stCondLst>
+                            <p:childTnLst>
+                              <p:par>
+                                <p:cTn id="50" presetID="10" presetClass="entr" presetSubtype="0" fill="hold" grpId="0" nodeType="afterEffect">
+                                  <p:stCondLst>
+                                    <p:cond delay="0"/>
+                                  </p:stCondLst>
+                                  <p:childTnLst>
+                                    <p:set>
+                                      <p:cBhvr>
+                                        <p:cTn id="51" dur="1" fill="hold">
+                                          <p:stCondLst>
+                                            <p:cond delay="0"/>
+                                          </p:stCondLst>
+                                        </p:cTn>
+                                        <p:tgtEl>
+                                          <p:spTgt spid="15362">
+                                            <p:txEl>
+                                              <p:pRg st="10" end="10"/>
+                                            </p:txEl>
+                                          </p:spTgt>
+                                        </p:tgtEl>
+                                        <p:attrNameLst>
+                                          <p:attrName>style.visibility</p:attrName>
+                                        </p:attrNameLst>
+                                      </p:cBhvr>
+                                      <p:to>
+                                        <p:strVal val="visible"/>
+                                      </p:to>
+                                    </p:set>
+                                    <p:animEffect transition="in" filter="fade">
+                                      <p:cBhvr>
+                                        <p:cTn id="52" dur="250"/>
+                                        <p:tgtEl>
+                                          <p:spTgt spid="15362">
+                                            <p:txEl>
+                                              <p:pRg st="10" end="10"/>
+                                            </p:txEl>
+                                          </p:spTgt>
                                         </p:tgtEl>
                                       </p:cBhvr>
                                     </p:animEffect>
@@ -17708,6 +22570,7 @@
       </p:par>
     </p:tnLst>
     <p:bldLst>
+      <p:bldP spid="15362" grpId="0" build="p"/>
       <p:bldP spid="2" grpId="0"/>
     </p:bldLst>
   </p:timing>
@@ -17808,17 +22671,7 @@
                 <a:latin typeface="Times New Roman" panose="02020603050405020304" pitchFamily="18" charset="0"/>
                 <a:cs typeface="Times New Roman" panose="02020603050405020304" pitchFamily="18" charset="0"/>
               </a:rPr>
-              <a:t>Roaming </a:t>
-            </a:r>
-            <a:r>
-              <a:rPr lang="en-US" altLang="zh-TW" sz="2800" kern="0" dirty="0" smtClean="0">
-                <a:solidFill>
-                  <a:srgbClr val="003366"/>
-                </a:solidFill>
-                <a:latin typeface="Times New Roman" panose="02020603050405020304" pitchFamily="18" charset="0"/>
-                <a:cs typeface="Times New Roman" panose="02020603050405020304" pitchFamily="18" charset="0"/>
-              </a:rPr>
-              <a:t>automation</a:t>
+              <a:t>Roaming automation</a:t>
             </a:r>
             <a:endParaRPr lang="zh-TW" altLang="en-US" sz="2800" kern="0" dirty="0">
               <a:solidFill>
@@ -18054,9 +22907,210 @@
                                     </p:set>
                                     <p:animEffect transition="in" filter="fade">
                                       <p:cBhvr>
-                                        <p:cTn id="7" dur="500"/>
+                                        <p:cTn id="7" dur="250"/>
                                         <p:tgtEl>
                                           <p:spTgt spid="2"/>
+                                        </p:tgtEl>
+                                      </p:cBhvr>
+                                    </p:animEffect>
+                                  </p:childTnLst>
+                                </p:cTn>
+                              </p:par>
+                            </p:childTnLst>
+                          </p:cTn>
+                        </p:par>
+                        <p:par>
+                          <p:cTn id="8" fill="hold">
+                            <p:stCondLst>
+                              <p:cond delay="250"/>
+                            </p:stCondLst>
+                            <p:childTnLst>
+                              <p:par>
+                                <p:cTn id="9" presetID="10" presetClass="entr" presetSubtype="0" fill="hold" grpId="0" nodeType="afterEffect">
+                                  <p:stCondLst>
+                                    <p:cond delay="0"/>
+                                  </p:stCondLst>
+                                  <p:childTnLst>
+                                    <p:set>
+                                      <p:cBhvr>
+                                        <p:cTn id="10" dur="1" fill="hold">
+                                          <p:stCondLst>
+                                            <p:cond delay="0"/>
+                                          </p:stCondLst>
+                                        </p:cTn>
+                                        <p:tgtEl>
+                                          <p:spTgt spid="15362">
+                                            <p:txEl>
+                                              <p:pRg st="0" end="0"/>
+                                            </p:txEl>
+                                          </p:spTgt>
+                                        </p:tgtEl>
+                                        <p:attrNameLst>
+                                          <p:attrName>style.visibility</p:attrName>
+                                        </p:attrNameLst>
+                                      </p:cBhvr>
+                                      <p:to>
+                                        <p:strVal val="visible"/>
+                                      </p:to>
+                                    </p:set>
+                                    <p:animEffect transition="in" filter="fade">
+                                      <p:cBhvr>
+                                        <p:cTn id="11" dur="250"/>
+                                        <p:tgtEl>
+                                          <p:spTgt spid="15362">
+                                            <p:txEl>
+                                              <p:pRg st="0" end="0"/>
+                                            </p:txEl>
+                                          </p:spTgt>
+                                        </p:tgtEl>
+                                      </p:cBhvr>
+                                    </p:animEffect>
+                                  </p:childTnLst>
+                                </p:cTn>
+                              </p:par>
+                            </p:childTnLst>
+                          </p:cTn>
+                        </p:par>
+                        <p:par>
+                          <p:cTn id="12" fill="hold">
+                            <p:stCondLst>
+                              <p:cond delay="500"/>
+                            </p:stCondLst>
+                            <p:childTnLst>
+                              <p:par>
+                                <p:cTn id="13" presetID="10" presetClass="entr" presetSubtype="0" fill="hold" nodeType="afterEffect">
+                                  <p:stCondLst>
+                                    <p:cond delay="0"/>
+                                  </p:stCondLst>
+                                  <p:childTnLst>
+                                    <p:set>
+                                      <p:cBhvr>
+                                        <p:cTn id="14" dur="1" fill="hold">
+                                          <p:stCondLst>
+                                            <p:cond delay="0"/>
+                                          </p:stCondLst>
+                                        </p:cTn>
+                                        <p:tgtEl>
+                                          <p:spTgt spid="4"/>
+                                        </p:tgtEl>
+                                        <p:attrNameLst>
+                                          <p:attrName>style.visibility</p:attrName>
+                                        </p:attrNameLst>
+                                      </p:cBhvr>
+                                      <p:to>
+                                        <p:strVal val="visible"/>
+                                      </p:to>
+                                    </p:set>
+                                    <p:animEffect transition="in" filter="fade">
+                                      <p:cBhvr>
+                                        <p:cTn id="15" dur="500"/>
+                                        <p:tgtEl>
+                                          <p:spTgt spid="4"/>
+                                        </p:tgtEl>
+                                      </p:cBhvr>
+                                    </p:animEffect>
+                                  </p:childTnLst>
+                                </p:cTn>
+                              </p:par>
+                              <p:par>
+                                <p:cTn id="16" presetID="10" presetClass="entr" presetSubtype="0" fill="hold" nodeType="withEffect">
+                                  <p:stCondLst>
+                                    <p:cond delay="0"/>
+                                  </p:stCondLst>
+                                  <p:childTnLst>
+                                    <p:set>
+                                      <p:cBhvr>
+                                        <p:cTn id="17" dur="1" fill="hold">
+                                          <p:stCondLst>
+                                            <p:cond delay="0"/>
+                                          </p:stCondLst>
+                                        </p:cTn>
+                                        <p:tgtEl>
+                                          <p:spTgt spid="1027"/>
+                                        </p:tgtEl>
+                                        <p:attrNameLst>
+                                          <p:attrName>style.visibility</p:attrName>
+                                        </p:attrNameLst>
+                                      </p:cBhvr>
+                                      <p:to>
+                                        <p:strVal val="visible"/>
+                                      </p:to>
+                                    </p:set>
+                                    <p:animEffect transition="in" filter="fade">
+                                      <p:cBhvr>
+                                        <p:cTn id="18" dur="500"/>
+                                        <p:tgtEl>
+                                          <p:spTgt spid="1027"/>
+                                        </p:tgtEl>
+                                      </p:cBhvr>
+                                    </p:animEffect>
+                                  </p:childTnLst>
+                                </p:cTn>
+                              </p:par>
+                              <p:par>
+                                <p:cTn id="19" presetID="10" presetClass="entr" presetSubtype="0" fill="hold" nodeType="withEffect">
+                                  <p:stCondLst>
+                                    <p:cond delay="0"/>
+                                  </p:stCondLst>
+                                  <p:childTnLst>
+                                    <p:set>
+                                      <p:cBhvr>
+                                        <p:cTn id="20" dur="1" fill="hold">
+                                          <p:stCondLst>
+                                            <p:cond delay="0"/>
+                                          </p:stCondLst>
+                                        </p:cTn>
+                                        <p:tgtEl>
+                                          <p:spTgt spid="1026"/>
+                                        </p:tgtEl>
+                                        <p:attrNameLst>
+                                          <p:attrName>style.visibility</p:attrName>
+                                        </p:attrNameLst>
+                                      </p:cBhvr>
+                                      <p:to>
+                                        <p:strVal val="visible"/>
+                                      </p:to>
+                                    </p:set>
+                                    <p:animEffect transition="in" filter="fade">
+                                      <p:cBhvr>
+                                        <p:cTn id="21" dur="500"/>
+                                        <p:tgtEl>
+                                          <p:spTgt spid="1026"/>
+                                        </p:tgtEl>
+                                      </p:cBhvr>
+                                    </p:animEffect>
+                                  </p:childTnLst>
+                                </p:cTn>
+                              </p:par>
+                              <p:par>
+                                <p:cTn id="22" presetID="10" presetClass="entr" presetSubtype="0" fill="hold" nodeType="withEffect">
+                                  <p:stCondLst>
+                                    <p:cond delay="0"/>
+                                  </p:stCondLst>
+                                  <p:childTnLst>
+                                    <p:set>
+                                      <p:cBhvr>
+                                        <p:cTn id="23" dur="1" fill="hold">
+                                          <p:stCondLst>
+                                            <p:cond delay="0"/>
+                                          </p:stCondLst>
+                                        </p:cTn>
+                                        <p:tgtEl>
+                                          <p:spTgt spid="7"/>
+                                        </p:tgtEl>
+                                        <p:attrNameLst>
+                                          <p:attrName>style.visibility</p:attrName>
+                                        </p:attrNameLst>
+                                      </p:cBhvr>
+                                      <p:to>
+                                        <p:strVal val="visible"/>
+                                      </p:to>
+                                    </p:set>
+                                    <p:animEffect transition="in" filter="fade">
+                                      <p:cBhvr>
+                                        <p:cTn id="24" dur="500"/>
+                                        <p:tgtEl>
+                                          <p:spTgt spid="7"/>
                                         </p:tgtEl>
                                       </p:cBhvr>
                                     </p:animEffect>
@@ -18091,6 +23145,7 @@
       </p:par>
     </p:tnLst>
     <p:bldLst>
+      <p:bldP spid="15362" grpId="0" build="p"/>
       <p:bldP spid="2" grpId="0"/>
     </p:bldLst>
   </p:timing>

--- a/kpi/Test Automation_Demo.pptx
+++ b/kpi/Test Automation_Demo.pptx
@@ -7480,10 +7480,6 @@
               </a:rPr>
               <a:t>infrastructure</a:t>
             </a:r>
-            <a:endParaRPr lang="en-US" altLang="zh-TW" sz="1800" dirty="0" smtClean="0">
-              <a:latin typeface="Times New Roman" panose="02020603050405020304" pitchFamily="18" charset="0"/>
-              <a:cs typeface="Times New Roman" panose="02020603050405020304" pitchFamily="18" charset="0"/>
-            </a:endParaRPr>
           </a:p>
           <a:p>
             <a:pPr eaLnBrk="1" hangingPunct="1">
@@ -7529,17 +7525,7 @@
                 <a:latin typeface="Times New Roman" panose="02020603050405020304" pitchFamily="18" charset="0"/>
                 <a:cs typeface="Times New Roman" panose="02020603050405020304" pitchFamily="18" charset="0"/>
               </a:rPr>
-              <a:t>Roaming </a:t>
-            </a:r>
-            <a:r>
-              <a:rPr lang="en-US" altLang="zh-TW" sz="2800" kern="0" dirty="0" smtClean="0">
-                <a:solidFill>
-                  <a:srgbClr val="003366"/>
-                </a:solidFill>
-                <a:latin typeface="Times New Roman" panose="02020603050405020304" pitchFamily="18" charset="0"/>
-                <a:cs typeface="Times New Roman" panose="02020603050405020304" pitchFamily="18" charset="0"/>
-              </a:rPr>
-              <a:t>automation</a:t>
+              <a:t>Roaming automation</a:t>
             </a:r>
             <a:r>
               <a:rPr lang="zh-TW" altLang="en-US" sz="2800" kern="0" dirty="0" smtClean="0">
@@ -12225,7 +12211,7 @@
           <a:graphicData uri="http://schemas.openxmlformats.org/presentationml/2006/ole">
             <mc:AlternateContent xmlns:mc="http://schemas.openxmlformats.org/markup-compatibility/2006">
               <mc:Choice xmlns:v="urn:schemas-microsoft-com:vml" Requires="v">
-                <p:oleObj spid="_x0000_s3150" name="封裝程式殼層物件" showAsIcon="1" r:id="rId4" imgW="671760" imgH="394920" progId="Package">
+                <p:oleObj spid="_x0000_s3153" name="封裝程式殼層物件" showAsIcon="1" r:id="rId4" imgW="671760" imgH="394920" progId="Package">
                   <p:embed/>
                 </p:oleObj>
               </mc:Choice>
@@ -13035,21 +13021,7 @@
                 <a:latin typeface="Times New Roman" panose="02020603050405020304" pitchFamily="18" charset="0"/>
                 <a:cs typeface="Times New Roman" panose="02020603050405020304" pitchFamily="18" charset="0"/>
               </a:rPr>
-              <a:t>The </a:t>
-            </a:r>
-            <a:r>
-              <a:rPr lang="en-US" altLang="zh-TW" sz="1800" dirty="0" smtClean="0">
-                <a:latin typeface="Times New Roman" panose="02020603050405020304" pitchFamily="18" charset="0"/>
-                <a:cs typeface="Times New Roman" panose="02020603050405020304" pitchFamily="18" charset="0"/>
-              </a:rPr>
-              <a:t>too</a:t>
-            </a:r>
-            <a:r>
-              <a:rPr lang="en-US" altLang="zh-TW" sz="1800" dirty="0" smtClean="0">
-                <a:latin typeface="Times New Roman" panose="02020603050405020304" pitchFamily="18" charset="0"/>
-                <a:cs typeface="Times New Roman" panose="02020603050405020304" pitchFamily="18" charset="0"/>
-              </a:rPr>
-              <a:t>l </a:t>
+              <a:t>The tool </a:t>
             </a:r>
             <a:r>
               <a:rPr lang="en-US" altLang="zh-TW" sz="1800" dirty="0">
@@ -13063,14 +13035,7 @@
                 <a:latin typeface="Times New Roman" panose="02020603050405020304" pitchFamily="18" charset="0"/>
                 <a:cs typeface="Times New Roman" panose="02020603050405020304" pitchFamily="18" charset="0"/>
               </a:rPr>
-              <a:t>base on the </a:t>
-            </a:r>
-            <a:r>
-              <a:rPr lang="en-US" altLang="zh-TW" sz="1800" dirty="0" smtClean="0">
-                <a:latin typeface="Times New Roman" panose="02020603050405020304" pitchFamily="18" charset="0"/>
-                <a:cs typeface="Times New Roman" panose="02020603050405020304" pitchFamily="18" charset="0"/>
-              </a:rPr>
-              <a:t>product </a:t>
+              <a:t>base on the product </a:t>
             </a:r>
             <a:r>
               <a:rPr lang="en-US" altLang="zh-TW" sz="1800" dirty="0">
@@ -13086,10 +13051,6 @@
               </a:rPr>
               <a:t>pecification</a:t>
             </a:r>
-            <a:endParaRPr lang="en-US" altLang="zh-TW" sz="1800" dirty="0" smtClean="0">
-              <a:latin typeface="Times New Roman" panose="02020603050405020304" pitchFamily="18" charset="0"/>
-              <a:cs typeface="Times New Roman" panose="02020603050405020304" pitchFamily="18" charset="0"/>
-            </a:endParaRPr>
           </a:p>
           <a:p>
             <a:pPr marL="742950" lvl="2" indent="-342900" eaLnBrk="1" hangingPunct="1">
@@ -15267,10 +15228,6 @@
               </a:rPr>
               <a:t>Operation System</a:t>
             </a:r>
-            <a:endParaRPr lang="en-US" altLang="zh-TW" sz="1800" dirty="0" smtClean="0">
-              <a:latin typeface="Times New Roman" panose="02020603050405020304" pitchFamily="18" charset="0"/>
-              <a:cs typeface="Times New Roman" panose="02020603050405020304" pitchFamily="18" charset="0"/>
-            </a:endParaRPr>
           </a:p>
           <a:p>
             <a:pPr marL="742950" lvl="2" indent="-342900" eaLnBrk="1" hangingPunct="1">
@@ -15334,10 +15291,6 @@
               </a:rPr>
               <a:t>bits</a:t>
             </a:r>
-            <a:endParaRPr lang="en-US" altLang="zh-TW" sz="1400" dirty="0" smtClean="0">
-              <a:latin typeface="Times New Roman" panose="02020603050405020304" pitchFamily="18" charset="0"/>
-              <a:cs typeface="Times New Roman" panose="02020603050405020304" pitchFamily="18" charset="0"/>
-            </a:endParaRPr>
           </a:p>
           <a:p>
             <a:pPr marL="342900" lvl="1" indent="-342900" eaLnBrk="1" hangingPunct="1">
@@ -21625,10 +21578,6 @@
               </a:rPr>
               <a:t>)</a:t>
             </a:r>
-            <a:endParaRPr lang="en-US" altLang="zh-TW" sz="1800" dirty="0" smtClean="0">
-              <a:latin typeface="Times New Roman" panose="02020603050405020304" pitchFamily="18" charset="0"/>
-              <a:cs typeface="Times New Roman" panose="02020603050405020304" pitchFamily="18" charset="0"/>
-            </a:endParaRPr>
           </a:p>
           <a:p>
             <a:pPr eaLnBrk="1" hangingPunct="1">
@@ -21641,14 +21590,7 @@
                 <a:latin typeface="Times New Roman" panose="02020603050405020304" pitchFamily="18" charset="0"/>
                 <a:cs typeface="Times New Roman" panose="02020603050405020304" pitchFamily="18" charset="0"/>
               </a:rPr>
-              <a:t>Airplane </a:t>
-            </a:r>
-            <a:r>
-              <a:rPr lang="en-US" altLang="zh-TW" sz="1800" dirty="0" smtClean="0">
-                <a:latin typeface="Times New Roman" panose="02020603050405020304" pitchFamily="18" charset="0"/>
-                <a:cs typeface="Times New Roman" panose="02020603050405020304" pitchFamily="18" charset="0"/>
-              </a:rPr>
-              <a:t>on/off </a:t>
+              <a:t>Airplane on/off </a:t>
             </a:r>
             <a:r>
               <a:rPr lang="en-US" altLang="zh-TW" sz="1800" dirty="0">
@@ -21753,14 +21695,7 @@
                 <a:latin typeface="Times New Roman" panose="02020603050405020304" pitchFamily="18" charset="0"/>
                 <a:cs typeface="Times New Roman" panose="02020603050405020304" pitchFamily="18" charset="0"/>
               </a:rPr>
-              <a:t>Luminance </a:t>
-            </a:r>
-            <a:r>
-              <a:rPr lang="en-US" altLang="zh-TW" sz="1800" dirty="0" smtClean="0">
-                <a:latin typeface="Times New Roman" panose="02020603050405020304" pitchFamily="18" charset="0"/>
-                <a:cs typeface="Times New Roman" panose="02020603050405020304" pitchFamily="18" charset="0"/>
-              </a:rPr>
-              <a:t>automation</a:t>
+              <a:t>Luminance automation</a:t>
             </a:r>
           </a:p>
           <a:p>

--- a/kpi/Test Automation_Demo.pptx
+++ b/kpi/Test Automation_Demo.pptx
@@ -25,13 +25,13 @@
     <p:sldId id="562" r:id="rId13"/>
     <p:sldId id="574" r:id="rId14"/>
     <p:sldId id="560" r:id="rId15"/>
-    <p:sldId id="571" r:id="rId16"/>
-    <p:sldId id="553" r:id="rId17"/>
-    <p:sldId id="573" r:id="rId18"/>
-    <p:sldId id="564" r:id="rId19"/>
-    <p:sldId id="572" r:id="rId20"/>
-    <p:sldId id="555" r:id="rId21"/>
-    <p:sldId id="570" r:id="rId22"/>
+    <p:sldId id="577" r:id="rId16"/>
+    <p:sldId id="571" r:id="rId17"/>
+    <p:sldId id="553" r:id="rId18"/>
+    <p:sldId id="573" r:id="rId19"/>
+    <p:sldId id="564" r:id="rId20"/>
+    <p:sldId id="572" r:id="rId21"/>
+    <p:sldId id="555" r:id="rId22"/>
     <p:sldId id="556" r:id="rId23"/>
     <p:sldId id="575" r:id="rId24"/>
     <p:sldId id="569" r:id="rId25"/>
@@ -9604,8 +9604,26 @@
                 <a:latin typeface="Times New Roman" panose="02020603050405020304" pitchFamily="18" charset="0"/>
                 <a:cs typeface="Times New Roman" panose="02020603050405020304" pitchFamily="18" charset="0"/>
               </a:rPr>
-              <a:t>System Structure</a:t>
-            </a:r>
+              <a:t>System </a:t>
+            </a:r>
+            <a:r>
+              <a:rPr lang="en-US" altLang="zh-TW" sz="1800" dirty="0" smtClean="0">
+                <a:latin typeface="Times New Roman" panose="02020603050405020304" pitchFamily="18" charset="0"/>
+                <a:cs typeface="Times New Roman" panose="02020603050405020304" pitchFamily="18" charset="0"/>
+              </a:rPr>
+              <a:t>Structure</a:t>
+            </a:r>
+          </a:p>
+          <a:p>
+            <a:pPr marL="342900" lvl="1" indent="-342900" eaLnBrk="1" hangingPunct="1">
+              <a:buFont typeface="Arial" charset="0"/>
+              <a:buChar char="•"/>
+              <a:defRPr/>
+            </a:pPr>
+            <a:endParaRPr lang="en-US" altLang="zh-TW" sz="1800" dirty="0">
+              <a:latin typeface="Times New Roman" panose="02020603050405020304" pitchFamily="18" charset="0"/>
+              <a:cs typeface="Times New Roman" panose="02020603050405020304" pitchFamily="18" charset="0"/>
+            </a:endParaRPr>
           </a:p>
           <a:p>
             <a:pPr eaLnBrk="1" hangingPunct="1">
@@ -9683,6 +9701,111 @@
           </a:p>
         </p:txBody>
       </p:sp>
+      <p:pic>
+        <p:nvPicPr>
+          <p:cNvPr id="26" name="Picture 2"/>
+          <p:cNvPicPr>
+            <a:picLocks noChangeAspect="1" noChangeArrowheads="1"/>
+          </p:cNvPicPr>
+          <p:nvPr/>
+        </p:nvPicPr>
+        <p:blipFill>
+          <a:blip r:embed="rId3" cstate="print">
+            <a:extLst>
+              <a:ext uri="{28A0092B-C50C-407E-A947-70E740481C1C}">
+                <a14:useLocalDpi xmlns:a14="http://schemas.microsoft.com/office/drawing/2010/main" val="0"/>
+              </a:ext>
+            </a:extLst>
+          </a:blip>
+          <a:srcRect/>
+          <a:stretch>
+            <a:fillRect/>
+          </a:stretch>
+        </p:blipFill>
+        <p:spPr bwMode="auto">
+          <a:xfrm>
+            <a:off x="2626542" y="1897627"/>
+            <a:ext cx="3949523" cy="2895586"/>
+          </a:xfrm>
+          <a:prstGeom prst="rect">
+            <a:avLst/>
+          </a:prstGeom>
+          <a:noFill/>
+          <a:ln>
+            <a:noFill/>
+          </a:ln>
+          <a:effectLst/>
+          <a:extLst>
+            <a:ext uri="{909E8E84-426E-40DD-AFC4-6F175D3DCCD1}">
+              <a14:hiddenFill xmlns:a14="http://schemas.microsoft.com/office/drawing/2010/main">
+                <a:solidFill>
+                  <a:schemeClr val="accent1"/>
+                </a:solidFill>
+              </a14:hiddenFill>
+            </a:ext>
+            <a:ext uri="{91240B29-F687-4F45-9708-019B960494DF}">
+              <a14:hiddenLine xmlns:a14="http://schemas.microsoft.com/office/drawing/2010/main" w="9525">
+                <a:solidFill>
+                  <a:schemeClr val="tx1"/>
+                </a:solidFill>
+                <a:miter lim="800000"/>
+                <a:headEnd/>
+                <a:tailEnd/>
+              </a14:hiddenLine>
+            </a:ext>
+            <a:ext uri="{AF507438-7753-43E0-B8FC-AC1667EBCBE1}">
+              <a14:hiddenEffects xmlns:a14="http://schemas.microsoft.com/office/drawing/2010/main">
+                <a:effectLst>
+                  <a:outerShdw dist="35921" dir="2700000" algn="ctr" rotWithShape="0">
+                    <a:schemeClr val="bg2"/>
+                  </a:outerShdw>
+                </a:effectLst>
+              </a14:hiddenEffects>
+            </a:ext>
+          </a:extLst>
+        </p:spPr>
+      </p:pic>
+      <p:pic>
+        <p:nvPicPr>
+          <p:cNvPr id="27" name="Picture 3" descr="D:\Users\ZL.chen\Desktop\P_setting_fff_1_nd_500.jpg"/>
+          <p:cNvPicPr>
+            <a:picLocks noChangeAspect="1" noChangeArrowheads="1"/>
+          </p:cNvPicPr>
+          <p:nvPr/>
+        </p:nvPicPr>
+        <p:blipFill>
+          <a:blip r:embed="rId4" cstate="print">
+            <a:extLst>
+              <a:ext uri="{28A0092B-C50C-407E-A947-70E740481C1C}">
+                <a14:useLocalDpi xmlns:a14="http://schemas.microsoft.com/office/drawing/2010/main" val="0"/>
+              </a:ext>
+            </a:extLst>
+          </a:blip>
+          <a:srcRect/>
+          <a:stretch>
+            <a:fillRect/>
+          </a:stretch>
+        </p:blipFill>
+        <p:spPr bwMode="auto">
+          <a:xfrm>
+            <a:off x="4266281" y="1237024"/>
+            <a:ext cx="670047" cy="670047"/>
+          </a:xfrm>
+          <a:prstGeom prst="rect">
+            <a:avLst/>
+          </a:prstGeom>
+          <a:noFill/>
+          <a:extLst>
+            <a:ext uri="{909E8E84-426E-40DD-AFC4-6F175D3DCCD1}">
+              <a14:hiddenFill xmlns:a14="http://schemas.microsoft.com/office/drawing/2010/main">
+                <a:solidFill>
+                  <a:srgbClr val="FFFFFF"/>
+                </a:solidFill>
+              </a14:hiddenFill>
+            </a:ext>
+          </a:extLst>
+        </p:spPr>
+      </p:pic>
     </p:spTree>
     <p:extLst>
       <p:ext uri="{BB962C8B-B14F-4D97-AF65-F5344CB8AC3E}">
@@ -9809,6 +9932,76 @@
                                               <p:pRg st="0" end="0"/>
                                             </p:txEl>
                                           </p:spTgt>
+                                        </p:tgtEl>
+                                      </p:cBhvr>
+                                    </p:animEffect>
+                                  </p:childTnLst>
+                                </p:cTn>
+                              </p:par>
+                              <p:par>
+                                <p:cTn id="12" presetID="10" presetClass="entr" presetSubtype="0" fill="hold" nodeType="withEffect">
+                                  <p:stCondLst>
+                                    <p:cond delay="0"/>
+                                  </p:stCondLst>
+                                  <p:childTnLst>
+                                    <p:set>
+                                      <p:cBhvr>
+                                        <p:cTn id="13" dur="1" fill="hold">
+                                          <p:stCondLst>
+                                            <p:cond delay="0"/>
+                                          </p:stCondLst>
+                                        </p:cTn>
+                                        <p:tgtEl>
+                                          <p:spTgt spid="27"/>
+                                        </p:tgtEl>
+                                        <p:attrNameLst>
+                                          <p:attrName>style.visibility</p:attrName>
+                                        </p:attrNameLst>
+                                      </p:cBhvr>
+                                      <p:to>
+                                        <p:strVal val="visible"/>
+                                      </p:to>
+                                    </p:set>
+                                    <p:animEffect transition="in" filter="fade">
+                                      <p:cBhvr>
+                                        <p:cTn id="14" dur="500"/>
+                                        <p:tgtEl>
+                                          <p:spTgt spid="27"/>
+                                        </p:tgtEl>
+                                      </p:cBhvr>
+                                    </p:animEffect>
+                                  </p:childTnLst>
+                                </p:cTn>
+                              </p:par>
+                              <p:par>
+                                <p:cTn id="15" presetID="10" presetClass="entr" presetSubtype="0" fill="hold" nodeType="withEffect">
+                                  <p:stCondLst>
+                                    <p:cond delay="0"/>
+                                  </p:stCondLst>
+                                  <p:childTnLst>
+                                    <p:set>
+                                      <p:cBhvr>
+                                        <p:cTn id="16" dur="1" fill="hold">
+                                          <p:stCondLst>
+                                            <p:cond delay="0"/>
+                                          </p:stCondLst>
+                                        </p:cTn>
+                                        <p:tgtEl>
+                                          <p:spTgt spid="26"/>
+                                        </p:tgtEl>
+                                        <p:attrNameLst>
+                                          <p:attrName>style.visibility</p:attrName>
+                                        </p:attrNameLst>
+                                      </p:cBhvr>
+                                      <p:to>
+                                        <p:strVal val="visible"/>
+                                      </p:to>
+                                    </p:set>
+                                    <p:animEffect transition="in" filter="fade">
+                                      <p:cBhvr>
+                                        <p:cTn id="17" dur="250"/>
+                                        <p:tgtEl>
+                                          <p:spTgt spid="26"/>
                                         </p:tgtEl>
                                       </p:cBhvr>
                                     </p:animEffect>
@@ -9886,18 +10079,1060 @@
           <a:bodyPr/>
           <a:lstStyle/>
           <a:p>
+            <a:pPr eaLnBrk="1" hangingPunct="1">
+              <a:buFont typeface="Arial" charset="0"/>
+              <a:buChar char="•"/>
+              <a:defRPr/>
+            </a:pPr>
+            <a:r>
+              <a:rPr lang="en-US" altLang="zh-TW" sz="1800" dirty="0" smtClean="0">
+                <a:latin typeface="Times New Roman" panose="02020603050405020304" pitchFamily="18" charset="0"/>
+                <a:cs typeface="Times New Roman" panose="02020603050405020304" pitchFamily="18" charset="0"/>
+              </a:rPr>
+              <a:t>The Wi-Fi switch’s screenshot and log as below:</a:t>
+            </a:r>
+          </a:p>
+          <a:p>
+            <a:pPr eaLnBrk="1" hangingPunct="1">
+              <a:buFont typeface="Arial" charset="0"/>
+              <a:buChar char="•"/>
+              <a:defRPr/>
+            </a:pPr>
+            <a:endParaRPr lang="en-US" altLang="zh-TW" sz="1800" dirty="0">
+              <a:latin typeface="Times New Roman" panose="02020603050405020304" pitchFamily="18" charset="0"/>
+              <a:cs typeface="Times New Roman" panose="02020603050405020304" pitchFamily="18" charset="0"/>
+            </a:endParaRPr>
+          </a:p>
+          <a:p>
+            <a:pPr eaLnBrk="1" hangingPunct="1">
+              <a:buFont typeface="Arial" charset="0"/>
+              <a:buChar char="•"/>
+              <a:defRPr/>
+            </a:pPr>
+            <a:endParaRPr lang="en-US" altLang="zh-TW" sz="1800" dirty="0" smtClean="0">
+              <a:latin typeface="Times New Roman" panose="02020603050405020304" pitchFamily="18" charset="0"/>
+              <a:cs typeface="Times New Roman" panose="02020603050405020304" pitchFamily="18" charset="0"/>
+            </a:endParaRPr>
+          </a:p>
+          <a:p>
+            <a:pPr eaLnBrk="1" hangingPunct="1">
+              <a:buFont typeface="Arial" charset="0"/>
+              <a:buChar char="•"/>
+              <a:defRPr/>
+            </a:pPr>
+            <a:endParaRPr lang="en-US" altLang="zh-TW" sz="1800" dirty="0" smtClean="0">
+              <a:latin typeface="Times New Roman" panose="02020603050405020304" pitchFamily="18" charset="0"/>
+              <a:cs typeface="Times New Roman" panose="02020603050405020304" pitchFamily="18" charset="0"/>
+            </a:endParaRPr>
+          </a:p>
+          <a:p>
+            <a:pPr lvl="1" eaLnBrk="1" hangingPunct="1">
+              <a:buFont typeface="Arial" charset="0"/>
+              <a:buChar char="•"/>
+              <a:defRPr/>
+            </a:pPr>
+            <a:endParaRPr lang="en-US" altLang="zh-TW" sz="1400" dirty="0" smtClean="0">
+              <a:latin typeface="Times New Roman" panose="02020603050405020304" pitchFamily="18" charset="0"/>
+              <a:cs typeface="Times New Roman" panose="02020603050405020304" pitchFamily="18" charset="0"/>
+            </a:endParaRPr>
+          </a:p>
+          <a:p>
+            <a:pPr eaLnBrk="1" hangingPunct="1">
+              <a:buFont typeface="Arial" charset="0"/>
+              <a:buChar char="•"/>
+              <a:defRPr/>
+            </a:pPr>
+            <a:endParaRPr lang="en-US" altLang="zh-TW" sz="1800" dirty="0">
+              <a:latin typeface="Times New Roman" panose="02020603050405020304" pitchFamily="18" charset="0"/>
+              <a:cs typeface="Times New Roman" panose="02020603050405020304" pitchFamily="18" charset="0"/>
+            </a:endParaRPr>
+          </a:p>
+        </p:txBody>
+      </p:sp>
+      <p:sp>
+        <p:nvSpPr>
+          <p:cNvPr id="2" name="標題 4"/>
+          <p:cNvSpPr>
+            <a:spLocks noGrp="1"/>
+          </p:cNvSpPr>
+          <p:nvPr>
+            <p:ph type="title"/>
+          </p:nvPr>
+        </p:nvSpPr>
+        <p:spPr>
+          <a:xfrm>
+            <a:off x="457200" y="87313"/>
+            <a:ext cx="8229600" cy="756000"/>
+          </a:xfrm>
+        </p:spPr>
+        <p:txBody>
+          <a:bodyPr/>
+          <a:lstStyle/>
+          <a:p>
+            <a:pPr eaLnBrk="1" hangingPunct="1">
+              <a:defRPr/>
+            </a:pPr>
+            <a:r>
+              <a:rPr lang="en-US" altLang="zh-TW" sz="2800" kern="0" dirty="0" smtClean="0">
+                <a:solidFill>
+                  <a:srgbClr val="003366"/>
+                </a:solidFill>
+                <a:latin typeface="Times New Roman" panose="02020603050405020304" pitchFamily="18" charset="0"/>
+                <a:cs typeface="Times New Roman" panose="02020603050405020304" pitchFamily="18" charset="0"/>
+              </a:rPr>
+              <a:t>Wi-Fi </a:t>
+            </a:r>
+            <a:r>
+              <a:rPr lang="en-US" altLang="zh-TW" sz="2800" kern="0" dirty="0">
+                <a:solidFill>
+                  <a:srgbClr val="003366"/>
+                </a:solidFill>
+                <a:latin typeface="Times New Roman" panose="02020603050405020304" pitchFamily="18" charset="0"/>
+                <a:cs typeface="Times New Roman" panose="02020603050405020304" pitchFamily="18" charset="0"/>
+              </a:rPr>
+              <a:t>frequency switch automation (2.4G, 5G</a:t>
+            </a:r>
+            <a:r>
+              <a:rPr lang="en-US" altLang="zh-TW" sz="2800" kern="0" dirty="0" smtClean="0">
+                <a:solidFill>
+                  <a:srgbClr val="003366"/>
+                </a:solidFill>
+                <a:latin typeface="Times New Roman" panose="02020603050405020304" pitchFamily="18" charset="0"/>
+                <a:cs typeface="Times New Roman" panose="02020603050405020304" pitchFamily="18" charset="0"/>
+              </a:rPr>
+              <a:t>)</a:t>
+            </a:r>
+            <a:endParaRPr lang="zh-TW" altLang="en-US" sz="2800" kern="0" dirty="0">
+              <a:solidFill>
+                <a:srgbClr val="003366"/>
+              </a:solidFill>
+              <a:latin typeface="Times New Roman" panose="02020603050405020304" pitchFamily="18" charset="0"/>
+              <a:cs typeface="Times New Roman" panose="02020603050405020304" pitchFamily="18" charset="0"/>
+            </a:endParaRPr>
+          </a:p>
+        </p:txBody>
+      </p:sp>
+      <p:graphicFrame>
+        <p:nvGraphicFramePr>
+          <p:cNvPr id="3" name="物件 2"/>
+          <p:cNvGraphicFramePr>
+            <a:graphicFrameLocks noChangeAspect="1"/>
+          </p:cNvGraphicFramePr>
+          <p:nvPr>
+            <p:extLst>
+              <p:ext uri="{D42A27DB-BD31-4B8C-83A1-F6EECF244321}">
+                <p14:modId xmlns:p14="http://schemas.microsoft.com/office/powerpoint/2010/main" val="2695960036"/>
+              </p:ext>
+            </p:extLst>
+          </p:nvPr>
+        </p:nvGraphicFramePr>
+        <p:xfrm>
+          <a:off x="4055082" y="4333480"/>
+          <a:ext cx="744538" cy="395287"/>
+        </p:xfrm>
+        <a:graphic>
+          <a:graphicData uri="http://schemas.openxmlformats.org/presentationml/2006/ole">
+            <mc:AlternateContent xmlns:mc="http://schemas.openxmlformats.org/markup-compatibility/2006">
+              <mc:Choice xmlns:v="urn:schemas-microsoft-com:vml" Requires="v">
+                <p:oleObj spid="_x0000_s5140" name="封裝程式殼層物件" showAsIcon="1" r:id="rId4" imgW="744480" imgH="394920" progId="Package">
+                  <p:embed/>
+                </p:oleObj>
+              </mc:Choice>
+              <mc:Fallback>
+                <p:oleObj name="封裝程式殼層物件" showAsIcon="1" r:id="rId4" imgW="744480" imgH="394920" progId="Package">
+                  <p:embed/>
+                  <p:pic>
+                    <p:nvPicPr>
+                      <p:cNvPr id="0" name=""/>
+                      <p:cNvPicPr/>
+                      <p:nvPr/>
+                    </p:nvPicPr>
+                    <p:blipFill>
+                      <a:blip r:embed="rId5"/>
+                      <a:stretch>
+                        <a:fillRect/>
+                      </a:stretch>
+                    </p:blipFill>
+                    <p:spPr>
+                      <a:xfrm>
+                        <a:off x="4055082" y="4333480"/>
+                        <a:ext cx="744538" cy="395287"/>
+                      </a:xfrm>
+                      <a:prstGeom prst="rect">
+                        <a:avLst/>
+                      </a:prstGeom>
+                    </p:spPr>
+                  </p:pic>
+                </p:oleObj>
+              </mc:Fallback>
+            </mc:AlternateContent>
+          </a:graphicData>
+        </a:graphic>
+      </p:graphicFrame>
+      <p:pic>
+        <p:nvPicPr>
+          <p:cNvPr id="5129" name="Picture 9" descr="D:\Users\ZL.chen\Desktop\1580886355952.jpg"/>
+          <p:cNvPicPr>
+            <a:picLocks noChangeAspect="1" noChangeArrowheads="1"/>
+          </p:cNvPicPr>
+          <p:nvPr/>
+        </p:nvPicPr>
+        <p:blipFill>
+          <a:blip r:embed="rId6" cstate="print">
+            <a:extLst>
+              <a:ext uri="{28A0092B-C50C-407E-A947-70E740481C1C}">
+                <a14:useLocalDpi xmlns:a14="http://schemas.microsoft.com/office/drawing/2010/main" val="0"/>
+              </a:ext>
+            </a:extLst>
+          </a:blip>
+          <a:srcRect/>
+          <a:stretch>
+            <a:fillRect/>
+          </a:stretch>
+        </p:blipFill>
+        <p:spPr bwMode="auto">
+          <a:xfrm>
+            <a:off x="872198" y="1392699"/>
+            <a:ext cx="3214050" cy="3323905"/>
+          </a:xfrm>
+          <a:prstGeom prst="rect">
+            <a:avLst/>
+          </a:prstGeom>
+          <a:noFill/>
+          <a:extLst>
+            <a:ext uri="{909E8E84-426E-40DD-AFC4-6F175D3DCCD1}">
+              <a14:hiddenFill xmlns:a14="http://schemas.microsoft.com/office/drawing/2010/main">
+                <a:solidFill>
+                  <a:srgbClr val="FFFFFF"/>
+                </a:solidFill>
+              </a14:hiddenFill>
+            </a:ext>
+          </a:extLst>
+        </p:spPr>
+      </p:pic>
+      <p:sp>
+        <p:nvSpPr>
+          <p:cNvPr id="6" name="左-右雙向箭號 5"/>
+          <p:cNvSpPr/>
+          <p:nvPr/>
+        </p:nvSpPr>
+        <p:spPr>
+          <a:xfrm>
+            <a:off x="4107350" y="2904977"/>
+            <a:ext cx="659723" cy="218049"/>
+          </a:xfrm>
+          <a:prstGeom prst="leftRightArrow">
+            <a:avLst/>
+          </a:prstGeom>
+          <a:noFill/>
+          <a:ln>
+            <a:solidFill>
+              <a:srgbClr val="FF0000"/>
+            </a:solidFill>
+          </a:ln>
+        </p:spPr>
+        <p:style>
+          <a:lnRef idx="2">
+            <a:schemeClr val="accent1">
+              <a:shade val="50000"/>
+            </a:schemeClr>
+          </a:lnRef>
+          <a:fillRef idx="1">
+            <a:schemeClr val="accent1"/>
+          </a:fillRef>
+          <a:effectRef idx="0">
+            <a:schemeClr val="accent1"/>
+          </a:effectRef>
+          <a:fontRef idx="minor">
+            <a:schemeClr val="lt1"/>
+          </a:fontRef>
+        </p:style>
+        <p:txBody>
+          <a:bodyPr rtlCol="0" anchor="ctr"/>
+          <a:lstStyle/>
+          <a:p>
+            <a:pPr algn="ctr"/>
+            <a:endParaRPr lang="zh-TW" altLang="en-US"/>
+          </a:p>
+        </p:txBody>
+      </p:sp>
+      <p:pic>
+        <p:nvPicPr>
+          <p:cNvPr id="5131" name="Picture 11" descr="D:\Users\ZL.chen\Desktop\1580886655970.jpg"/>
+          <p:cNvPicPr>
+            <a:picLocks noChangeAspect="1" noChangeArrowheads="1"/>
+          </p:cNvPicPr>
+          <p:nvPr/>
+        </p:nvPicPr>
+        <p:blipFill>
+          <a:blip r:embed="rId7" cstate="print">
+            <a:extLst>
+              <a:ext uri="{28A0092B-C50C-407E-A947-70E740481C1C}">
+                <a14:useLocalDpi xmlns:a14="http://schemas.microsoft.com/office/drawing/2010/main" val="0"/>
+              </a:ext>
+            </a:extLst>
+          </a:blip>
+          <a:srcRect/>
+          <a:stretch>
+            <a:fillRect/>
+          </a:stretch>
+        </p:blipFill>
+        <p:spPr bwMode="auto">
+          <a:xfrm>
+            <a:off x="4799620" y="1392699"/>
+            <a:ext cx="3242300" cy="3330611"/>
+          </a:xfrm>
+          <a:prstGeom prst="rect">
+            <a:avLst/>
+          </a:prstGeom>
+          <a:noFill/>
+          <a:extLst>
+            <a:ext uri="{909E8E84-426E-40DD-AFC4-6F175D3DCCD1}">
+              <a14:hiddenFill xmlns:a14="http://schemas.microsoft.com/office/drawing/2010/main">
+                <a:solidFill>
+                  <a:srgbClr val="FFFFFF"/>
+                </a:solidFill>
+              </a14:hiddenFill>
+            </a:ext>
+          </a:extLst>
+        </p:spPr>
+      </p:pic>
+      <p:sp>
+        <p:nvSpPr>
+          <p:cNvPr id="7" name="矩形 6"/>
+          <p:cNvSpPr/>
+          <p:nvPr/>
+        </p:nvSpPr>
+        <p:spPr>
+          <a:xfrm>
+            <a:off x="2479222" y="2539218"/>
+            <a:ext cx="256943" cy="130126"/>
+          </a:xfrm>
+          <a:prstGeom prst="rect">
+            <a:avLst/>
+          </a:prstGeom>
+          <a:noFill/>
+          <a:ln>
+            <a:solidFill>
+              <a:srgbClr val="FF0000"/>
+            </a:solidFill>
+          </a:ln>
+        </p:spPr>
+        <p:style>
+          <a:lnRef idx="2">
+            <a:schemeClr val="accent1">
+              <a:shade val="50000"/>
+            </a:schemeClr>
+          </a:lnRef>
+          <a:fillRef idx="1">
+            <a:schemeClr val="accent1"/>
+          </a:fillRef>
+          <a:effectRef idx="0">
+            <a:schemeClr val="accent1"/>
+          </a:effectRef>
+          <a:fontRef idx="minor">
+            <a:schemeClr val="lt1"/>
+          </a:fontRef>
+        </p:style>
+        <p:txBody>
+          <a:bodyPr rtlCol="0" anchor="ctr"/>
+          <a:lstStyle/>
+          <a:p>
+            <a:pPr algn="ctr"/>
+            <a:endParaRPr lang="zh-TW" altLang="en-US"/>
+          </a:p>
+        </p:txBody>
+      </p:sp>
+      <p:sp>
+        <p:nvSpPr>
+          <p:cNvPr id="16" name="矩形 15"/>
+          <p:cNvSpPr/>
+          <p:nvPr/>
+        </p:nvSpPr>
+        <p:spPr>
+          <a:xfrm>
+            <a:off x="6399668" y="2538045"/>
+            <a:ext cx="256943" cy="130126"/>
+          </a:xfrm>
+          <a:prstGeom prst="rect">
+            <a:avLst/>
+          </a:prstGeom>
+          <a:noFill/>
+          <a:ln>
+            <a:solidFill>
+              <a:srgbClr val="FF0000"/>
+            </a:solidFill>
+          </a:ln>
+        </p:spPr>
+        <p:style>
+          <a:lnRef idx="2">
+            <a:schemeClr val="accent1">
+              <a:shade val="50000"/>
+            </a:schemeClr>
+          </a:lnRef>
+          <a:fillRef idx="1">
+            <a:schemeClr val="accent1"/>
+          </a:fillRef>
+          <a:effectRef idx="0">
+            <a:schemeClr val="accent1"/>
+          </a:effectRef>
+          <a:fontRef idx="minor">
+            <a:schemeClr val="lt1"/>
+          </a:fontRef>
+        </p:style>
+        <p:txBody>
+          <a:bodyPr rtlCol="0" anchor="ctr"/>
+          <a:lstStyle/>
+          <a:p>
+            <a:pPr algn="ctr"/>
+            <a:endParaRPr lang="zh-TW" altLang="en-US"/>
+          </a:p>
+        </p:txBody>
+      </p:sp>
+    </p:spTree>
+    <p:extLst>
+      <p:ext uri="{BB962C8B-B14F-4D97-AF65-F5344CB8AC3E}">
+        <p14:creationId xmlns:p14="http://schemas.microsoft.com/office/powerpoint/2010/main" val="1816013237"/>
+      </p:ext>
+    </p:extLst>
+  </p:cSld>
+  <p:clrMapOvr>
+    <a:masterClrMapping/>
+  </p:clrMapOvr>
+  <mc:AlternateContent xmlns:mc="http://schemas.openxmlformats.org/markup-compatibility/2006" xmlns:p14="http://schemas.microsoft.com/office/powerpoint/2010/main">
+    <mc:Choice Requires="p14">
+      <p:transition spd="med" p14:dur="700" advClick="0">
+        <p:fade/>
+      </p:transition>
+    </mc:Choice>
+    <mc:Fallback xmlns="">
+      <p:transition spd="med" advClick="0">
+        <p:fade/>
+      </p:transition>
+    </mc:Fallback>
+  </mc:AlternateContent>
+  <p:timing>
+    <p:tnLst>
+      <p:par>
+        <p:cTn id="1" dur="indefinite" restart="never" nodeType="tmRoot">
+          <p:childTnLst>
+            <p:seq concurrent="1" nextAc="seek">
+              <p:cTn id="2" dur="indefinite" nodeType="mainSeq">
+                <p:childTnLst>
+                  <p:par>
+                    <p:cTn id="3" fill="hold">
+                      <p:stCondLst>
+                        <p:cond delay="indefinite"/>
+                        <p:cond evt="onBegin" delay="0">
+                          <p:tn val="2"/>
+                        </p:cond>
+                      </p:stCondLst>
+                      <p:childTnLst>
+                        <p:par>
+                          <p:cTn id="4" fill="hold">
+                            <p:stCondLst>
+                              <p:cond delay="0"/>
+                            </p:stCondLst>
+                            <p:childTnLst>
+                              <p:par>
+                                <p:cTn id="5" presetID="10" presetClass="entr" presetSubtype="0" fill="hold" grpId="0" nodeType="afterEffect">
+                                  <p:stCondLst>
+                                    <p:cond delay="0"/>
+                                  </p:stCondLst>
+                                  <p:childTnLst>
+                                    <p:set>
+                                      <p:cBhvr>
+                                        <p:cTn id="6" dur="1" fill="hold">
+                                          <p:stCondLst>
+                                            <p:cond delay="0"/>
+                                          </p:stCondLst>
+                                        </p:cTn>
+                                        <p:tgtEl>
+                                          <p:spTgt spid="2"/>
+                                        </p:tgtEl>
+                                        <p:attrNameLst>
+                                          <p:attrName>style.visibility</p:attrName>
+                                        </p:attrNameLst>
+                                      </p:cBhvr>
+                                      <p:to>
+                                        <p:strVal val="visible"/>
+                                      </p:to>
+                                    </p:set>
+                                    <p:animEffect transition="in" filter="fade">
+                                      <p:cBhvr>
+                                        <p:cTn id="7" dur="250"/>
+                                        <p:tgtEl>
+                                          <p:spTgt spid="2"/>
+                                        </p:tgtEl>
+                                      </p:cBhvr>
+                                    </p:animEffect>
+                                  </p:childTnLst>
+                                </p:cTn>
+                              </p:par>
+                            </p:childTnLst>
+                          </p:cTn>
+                        </p:par>
+                        <p:par>
+                          <p:cTn id="8" fill="hold">
+                            <p:stCondLst>
+                              <p:cond delay="250"/>
+                            </p:stCondLst>
+                            <p:childTnLst>
+                              <p:par>
+                                <p:cTn id="9" presetID="10" presetClass="entr" presetSubtype="0" fill="hold" nodeType="afterEffect">
+                                  <p:stCondLst>
+                                    <p:cond delay="0"/>
+                                  </p:stCondLst>
+                                  <p:childTnLst>
+                                    <p:set>
+                                      <p:cBhvr>
+                                        <p:cTn id="10" dur="1" fill="hold">
+                                          <p:stCondLst>
+                                            <p:cond delay="0"/>
+                                          </p:stCondLst>
+                                        </p:cTn>
+                                        <p:tgtEl>
+                                          <p:spTgt spid="15362">
+                                            <p:txEl>
+                                              <p:pRg st="0" end="0"/>
+                                            </p:txEl>
+                                          </p:spTgt>
+                                        </p:tgtEl>
+                                        <p:attrNameLst>
+                                          <p:attrName>style.visibility</p:attrName>
+                                        </p:attrNameLst>
+                                      </p:cBhvr>
+                                      <p:to>
+                                        <p:strVal val="visible"/>
+                                      </p:to>
+                                    </p:set>
+                                    <p:animEffect transition="in" filter="fade">
+                                      <p:cBhvr>
+                                        <p:cTn id="11" dur="250"/>
+                                        <p:tgtEl>
+                                          <p:spTgt spid="15362">
+                                            <p:txEl>
+                                              <p:pRg st="0" end="0"/>
+                                            </p:txEl>
+                                          </p:spTgt>
+                                        </p:tgtEl>
+                                      </p:cBhvr>
+                                    </p:animEffect>
+                                  </p:childTnLst>
+                                </p:cTn>
+                              </p:par>
+                              <p:par>
+                                <p:cTn id="12" presetID="10" presetClass="entr" presetSubtype="0" fill="hold" grpId="0" nodeType="withEffect">
+                                  <p:stCondLst>
+                                    <p:cond delay="0"/>
+                                  </p:stCondLst>
+                                  <p:childTnLst>
+                                    <p:set>
+                                      <p:cBhvr>
+                                        <p:cTn id="13" dur="1" fill="hold">
+                                          <p:stCondLst>
+                                            <p:cond delay="0"/>
+                                          </p:stCondLst>
+                                        </p:cTn>
+                                        <p:tgtEl>
+                                          <p:spTgt spid="7"/>
+                                        </p:tgtEl>
+                                        <p:attrNameLst>
+                                          <p:attrName>style.visibility</p:attrName>
+                                        </p:attrNameLst>
+                                      </p:cBhvr>
+                                      <p:to>
+                                        <p:strVal val="visible"/>
+                                      </p:to>
+                                    </p:set>
+                                    <p:animEffect transition="in" filter="fade">
+                                      <p:cBhvr>
+                                        <p:cTn id="14" dur="250"/>
+                                        <p:tgtEl>
+                                          <p:spTgt spid="7"/>
+                                        </p:tgtEl>
+                                      </p:cBhvr>
+                                    </p:animEffect>
+                                  </p:childTnLst>
+                                </p:cTn>
+                              </p:par>
+                              <p:par>
+                                <p:cTn id="15" presetID="10" presetClass="entr" presetSubtype="0" fill="hold" grpId="0" nodeType="withEffect">
+                                  <p:stCondLst>
+                                    <p:cond delay="0"/>
+                                  </p:stCondLst>
+                                  <p:childTnLst>
+                                    <p:set>
+                                      <p:cBhvr>
+                                        <p:cTn id="16" dur="1" fill="hold">
+                                          <p:stCondLst>
+                                            <p:cond delay="0"/>
+                                          </p:stCondLst>
+                                        </p:cTn>
+                                        <p:tgtEl>
+                                          <p:spTgt spid="16"/>
+                                        </p:tgtEl>
+                                        <p:attrNameLst>
+                                          <p:attrName>style.visibility</p:attrName>
+                                        </p:attrNameLst>
+                                      </p:cBhvr>
+                                      <p:to>
+                                        <p:strVal val="visible"/>
+                                      </p:to>
+                                    </p:set>
+                                    <p:animEffect transition="in" filter="fade">
+                                      <p:cBhvr>
+                                        <p:cTn id="17" dur="250"/>
+                                        <p:tgtEl>
+                                          <p:spTgt spid="16"/>
+                                        </p:tgtEl>
+                                      </p:cBhvr>
+                                    </p:animEffect>
+                                  </p:childTnLst>
+                                </p:cTn>
+                              </p:par>
+                              <p:par>
+                                <p:cTn id="18" presetID="10" presetClass="entr" presetSubtype="0" fill="hold" nodeType="withEffect">
+                                  <p:stCondLst>
+                                    <p:cond delay="0"/>
+                                  </p:stCondLst>
+                                  <p:childTnLst>
+                                    <p:set>
+                                      <p:cBhvr>
+                                        <p:cTn id="19" dur="1" fill="hold">
+                                          <p:stCondLst>
+                                            <p:cond delay="0"/>
+                                          </p:stCondLst>
+                                        </p:cTn>
+                                        <p:tgtEl>
+                                          <p:spTgt spid="5131"/>
+                                        </p:tgtEl>
+                                        <p:attrNameLst>
+                                          <p:attrName>style.visibility</p:attrName>
+                                        </p:attrNameLst>
+                                      </p:cBhvr>
+                                      <p:to>
+                                        <p:strVal val="visible"/>
+                                      </p:to>
+                                    </p:set>
+                                    <p:animEffect transition="in" filter="fade">
+                                      <p:cBhvr>
+                                        <p:cTn id="20" dur="250"/>
+                                        <p:tgtEl>
+                                          <p:spTgt spid="5131"/>
+                                        </p:tgtEl>
+                                      </p:cBhvr>
+                                    </p:animEffect>
+                                  </p:childTnLst>
+                                </p:cTn>
+                              </p:par>
+                              <p:par>
+                                <p:cTn id="21" presetID="10" presetClass="entr" presetSubtype="0" fill="hold" nodeType="withEffect">
+                                  <p:stCondLst>
+                                    <p:cond delay="0"/>
+                                  </p:stCondLst>
+                                  <p:childTnLst>
+                                    <p:set>
+                                      <p:cBhvr>
+                                        <p:cTn id="22" dur="1" fill="hold">
+                                          <p:stCondLst>
+                                            <p:cond delay="0"/>
+                                          </p:stCondLst>
+                                        </p:cTn>
+                                        <p:tgtEl>
+                                          <p:spTgt spid="5129"/>
+                                        </p:tgtEl>
+                                        <p:attrNameLst>
+                                          <p:attrName>style.visibility</p:attrName>
+                                        </p:attrNameLst>
+                                      </p:cBhvr>
+                                      <p:to>
+                                        <p:strVal val="visible"/>
+                                      </p:to>
+                                    </p:set>
+                                    <p:animEffect transition="in" filter="fade">
+                                      <p:cBhvr>
+                                        <p:cTn id="23" dur="250"/>
+                                        <p:tgtEl>
+                                          <p:spTgt spid="5129"/>
+                                        </p:tgtEl>
+                                      </p:cBhvr>
+                                    </p:animEffect>
+                                  </p:childTnLst>
+                                </p:cTn>
+                              </p:par>
+                              <p:par>
+                                <p:cTn id="24" presetID="10" presetClass="entr" presetSubtype="0" fill="hold" grpId="0" nodeType="withEffect">
+                                  <p:stCondLst>
+                                    <p:cond delay="0"/>
+                                  </p:stCondLst>
+                                  <p:childTnLst>
+                                    <p:set>
+                                      <p:cBhvr>
+                                        <p:cTn id="25" dur="1" fill="hold">
+                                          <p:stCondLst>
+                                            <p:cond delay="0"/>
+                                          </p:stCondLst>
+                                        </p:cTn>
+                                        <p:tgtEl>
+                                          <p:spTgt spid="6"/>
+                                        </p:tgtEl>
+                                        <p:attrNameLst>
+                                          <p:attrName>style.visibility</p:attrName>
+                                        </p:attrNameLst>
+                                      </p:cBhvr>
+                                      <p:to>
+                                        <p:strVal val="visible"/>
+                                      </p:to>
+                                    </p:set>
+                                    <p:animEffect transition="in" filter="fade">
+                                      <p:cBhvr>
+                                        <p:cTn id="26" dur="250"/>
+                                        <p:tgtEl>
+                                          <p:spTgt spid="6"/>
+                                        </p:tgtEl>
+                                      </p:cBhvr>
+                                    </p:animEffect>
+                                  </p:childTnLst>
+                                </p:cTn>
+                              </p:par>
+                              <p:par>
+                                <p:cTn id="27" presetID="10" presetClass="entr" presetSubtype="0" fill="hold" nodeType="withEffect">
+                                  <p:stCondLst>
+                                    <p:cond delay="0"/>
+                                  </p:stCondLst>
+                                  <p:childTnLst>
+                                    <p:set>
+                                      <p:cBhvr>
+                                        <p:cTn id="28" dur="1" fill="hold">
+                                          <p:stCondLst>
+                                            <p:cond delay="0"/>
+                                          </p:stCondLst>
+                                        </p:cTn>
+                                        <p:tgtEl>
+                                          <p:spTgt spid="3"/>
+                                        </p:tgtEl>
+                                        <p:attrNameLst>
+                                          <p:attrName>style.visibility</p:attrName>
+                                        </p:attrNameLst>
+                                      </p:cBhvr>
+                                      <p:to>
+                                        <p:strVal val="visible"/>
+                                      </p:to>
+                                    </p:set>
+                                    <p:animEffect transition="in" filter="fade">
+                                      <p:cBhvr>
+                                        <p:cTn id="29" dur="250"/>
+                                        <p:tgtEl>
+                                          <p:spTgt spid="3"/>
+                                        </p:tgtEl>
+                                      </p:cBhvr>
+                                    </p:animEffect>
+                                  </p:childTnLst>
+                                </p:cTn>
+                              </p:par>
+                            </p:childTnLst>
+                          </p:cTn>
+                        </p:par>
+                      </p:childTnLst>
+                    </p:cTn>
+                  </p:par>
+                </p:childTnLst>
+              </p:cTn>
+              <p:prevCondLst>
+                <p:cond evt="onPrev" delay="0">
+                  <p:tgtEl>
+                    <p:sldTgt/>
+                  </p:tgtEl>
+                </p:cond>
+              </p:prevCondLst>
+              <p:nextCondLst>
+                <p:cond evt="onNext" delay="0">
+                  <p:tgtEl>
+                    <p:sldTgt/>
+                  </p:tgtEl>
+                </p:cond>
+              </p:nextCondLst>
+            </p:seq>
+          </p:childTnLst>
+        </p:cTn>
+      </p:par>
+    </p:tnLst>
+    <p:bldLst>
+      <p:bldP spid="2" grpId="0"/>
+      <p:bldP spid="6" grpId="0" animBg="1"/>
+      <p:bldP spid="7" grpId="0" animBg="1"/>
+      <p:bldP spid="16" grpId="0" animBg="1"/>
+    </p:bldLst>
+  </p:timing>
+</p:sld>
+</file>
+
+<file path=ppt/slides/slide16.xml><?xml version="1.0" encoding="utf-8"?>
+<p:sld xmlns:a="http://schemas.openxmlformats.org/drawingml/2006/main" xmlns:r="http://schemas.openxmlformats.org/officeDocument/2006/relationships" xmlns:p="http://schemas.openxmlformats.org/presentationml/2006/main">
+  <p:cSld>
+    <p:spTree>
+      <p:nvGrpSpPr>
+        <p:cNvPr id="1" name=""/>
+        <p:cNvGrpSpPr/>
+        <p:nvPr/>
+      </p:nvGrpSpPr>
+      <p:grpSpPr>
+        <a:xfrm>
+          <a:off x="0" y="0"/>
+          <a:ext cx="0" cy="0"/>
+          <a:chOff x="0" y="0"/>
+          <a:chExt cx="0" cy="0"/>
+        </a:xfrm>
+      </p:grpSpPr>
+      <p:sp>
+        <p:nvSpPr>
+          <p:cNvPr id="15362" name="內容版面配置區 5"/>
+          <p:cNvSpPr>
+            <a:spLocks noGrp="1"/>
+          </p:cNvSpPr>
+          <p:nvPr>
+            <p:ph idx="1"/>
+          </p:nvPr>
+        </p:nvSpPr>
+        <p:spPr>
+          <a:xfrm>
+            <a:off x="457200" y="936625"/>
+            <a:ext cx="8229600" cy="3575050"/>
+          </a:xfrm>
+        </p:spPr>
+        <p:txBody>
+          <a:bodyPr/>
+          <a:lstStyle/>
+          <a:p>
+            <a:pPr eaLnBrk="1" hangingPunct="1">
+              <a:buFont typeface="Arial" charset="0"/>
+              <a:buChar char="•"/>
+              <a:defRPr/>
+            </a:pPr>
+            <a:r>
+              <a:rPr lang="zh-TW" altLang="en-US" sz="1800" dirty="0">
+                <a:latin typeface="Times New Roman" panose="02020603050405020304" pitchFamily="18" charset="0"/>
+                <a:cs typeface="Times New Roman" panose="02020603050405020304" pitchFamily="18" charset="0"/>
+              </a:rPr>
+              <a:t>結論</a:t>
+            </a:r>
+            <a:endParaRPr lang="en-US" altLang="zh-TW" sz="1800" dirty="0">
+              <a:latin typeface="Times New Roman" panose="02020603050405020304" pitchFamily="18" charset="0"/>
+              <a:cs typeface="Times New Roman" panose="02020603050405020304" pitchFamily="18" charset="0"/>
+            </a:endParaRPr>
+          </a:p>
+          <a:p>
+            <a:pPr lvl="1" eaLnBrk="1" hangingPunct="1">
+              <a:buFont typeface="Arial" charset="0"/>
+              <a:buChar char="•"/>
+              <a:defRPr/>
+            </a:pPr>
+            <a:r>
+              <a:rPr lang="zh-TW" altLang="en-US" sz="1400" dirty="0">
+                <a:latin typeface="Times New Roman" panose="02020603050405020304" pitchFamily="18" charset="0"/>
+                <a:cs typeface="Times New Roman" panose="02020603050405020304" pitchFamily="18" charset="0"/>
+              </a:rPr>
+              <a:t>針對 </a:t>
+            </a:r>
+            <a:r>
+              <a:rPr lang="en-US" altLang="zh-TW" sz="1400" dirty="0">
+                <a:latin typeface="Times New Roman" panose="02020603050405020304" pitchFamily="18" charset="0"/>
+                <a:cs typeface="Times New Roman" panose="02020603050405020304" pitchFamily="18" charset="0"/>
+              </a:rPr>
+              <a:t>Wi-Fi Mode </a:t>
+            </a:r>
+            <a:r>
+              <a:rPr lang="zh-TW" altLang="en-US" sz="1400" dirty="0">
+                <a:latin typeface="Times New Roman" panose="02020603050405020304" pitchFamily="18" charset="0"/>
+                <a:cs typeface="Times New Roman" panose="02020603050405020304" pitchFamily="18" charset="0"/>
+              </a:rPr>
+              <a:t>中的 </a:t>
+            </a:r>
+            <a:r>
+              <a:rPr lang="en-US" altLang="zh-TW" sz="1400" dirty="0" smtClean="0">
+                <a:latin typeface="Times New Roman" panose="02020603050405020304" pitchFamily="18" charset="0"/>
+                <a:cs typeface="Times New Roman" panose="02020603050405020304" pitchFamily="18" charset="0"/>
+              </a:rPr>
+              <a:t>2.4</a:t>
+            </a:r>
+            <a:r>
+              <a:rPr lang="zh-TW" altLang="en-US" sz="1400" dirty="0" smtClean="0">
+                <a:latin typeface="Times New Roman" panose="02020603050405020304" pitchFamily="18" charset="0"/>
+                <a:cs typeface="Times New Roman" panose="02020603050405020304" pitchFamily="18" charset="0"/>
+              </a:rPr>
+              <a:t> </a:t>
+            </a:r>
+            <a:r>
+              <a:rPr lang="en-US" altLang="zh-TW" sz="1400" dirty="0">
+                <a:latin typeface="Times New Roman" panose="02020603050405020304" pitchFamily="18" charset="0"/>
+                <a:cs typeface="Times New Roman" panose="02020603050405020304" pitchFamily="18" charset="0"/>
+              </a:rPr>
+              <a:t>G </a:t>
+            </a:r>
+            <a:r>
+              <a:rPr lang="zh-TW" altLang="en-US" sz="1400" dirty="0" smtClean="0">
+                <a:latin typeface="Times New Roman" panose="02020603050405020304" pitchFamily="18" charset="0"/>
+                <a:cs typeface="Times New Roman" panose="02020603050405020304" pitchFamily="18" charset="0"/>
+              </a:rPr>
+              <a:t>中的 </a:t>
+            </a:r>
+            <a:r>
+              <a:rPr lang="en-US" altLang="zh-TW" sz="1400" dirty="0" smtClean="0">
+                <a:latin typeface="Times New Roman" panose="02020603050405020304" pitchFamily="18" charset="0"/>
+                <a:cs typeface="Times New Roman" panose="02020603050405020304" pitchFamily="18" charset="0"/>
+              </a:rPr>
+              <a:t>N Only, Legacy </a:t>
+            </a:r>
+            <a:r>
+              <a:rPr lang="zh-TW" altLang="en-US" sz="1400" dirty="0" smtClean="0">
+                <a:latin typeface="Times New Roman" panose="02020603050405020304" pitchFamily="18" charset="0"/>
+                <a:cs typeface="Times New Roman" panose="02020603050405020304" pitchFamily="18" charset="0"/>
+              </a:rPr>
+              <a:t>相互切換</a:t>
+            </a:r>
+            <a:endParaRPr lang="en-US" altLang="zh-TW" sz="1400" dirty="0" smtClean="0">
+              <a:latin typeface="Times New Roman" panose="02020603050405020304" pitchFamily="18" charset="0"/>
+              <a:cs typeface="Times New Roman" panose="02020603050405020304" pitchFamily="18" charset="0"/>
+            </a:endParaRPr>
+          </a:p>
+          <a:p>
+            <a:pPr lvl="1" eaLnBrk="1" hangingPunct="1">
+              <a:buFont typeface="Arial" charset="0"/>
+              <a:buChar char="•"/>
+              <a:defRPr/>
+            </a:pPr>
+            <a:r>
+              <a:rPr lang="zh-TW" altLang="en-US" sz="1400" dirty="0">
+                <a:latin typeface="Times New Roman" panose="02020603050405020304" pitchFamily="18" charset="0"/>
+                <a:cs typeface="Times New Roman" panose="02020603050405020304" pitchFamily="18" charset="0"/>
+              </a:rPr>
+              <a:t>針對 </a:t>
+            </a:r>
+            <a:r>
+              <a:rPr lang="en-US" altLang="zh-TW" sz="1400" dirty="0">
+                <a:latin typeface="Times New Roman" panose="02020603050405020304" pitchFamily="18" charset="0"/>
+                <a:cs typeface="Times New Roman" panose="02020603050405020304" pitchFamily="18" charset="0"/>
+              </a:rPr>
+              <a:t>Wi-Fi Mode </a:t>
+            </a:r>
+            <a:r>
+              <a:rPr lang="zh-TW" altLang="en-US" sz="1400" dirty="0">
+                <a:latin typeface="Times New Roman" panose="02020603050405020304" pitchFamily="18" charset="0"/>
+                <a:cs typeface="Times New Roman" panose="02020603050405020304" pitchFamily="18" charset="0"/>
+              </a:rPr>
+              <a:t>中的 </a:t>
+            </a:r>
+            <a:r>
+              <a:rPr lang="en-US" altLang="zh-TW" sz="1400" dirty="0" smtClean="0">
+                <a:latin typeface="Times New Roman" panose="02020603050405020304" pitchFamily="18" charset="0"/>
+                <a:cs typeface="Times New Roman" panose="02020603050405020304" pitchFamily="18" charset="0"/>
+              </a:rPr>
+              <a:t>5 G </a:t>
+            </a:r>
+            <a:r>
+              <a:rPr lang="zh-TW" altLang="en-US" sz="1400" dirty="0">
+                <a:latin typeface="Times New Roman" panose="02020603050405020304" pitchFamily="18" charset="0"/>
+                <a:cs typeface="Times New Roman" panose="02020603050405020304" pitchFamily="18" charset="0"/>
+              </a:rPr>
+              <a:t>中的 </a:t>
+            </a:r>
+            <a:r>
+              <a:rPr lang="en-US" altLang="zh-TW" sz="1400" dirty="0">
+                <a:latin typeface="Times New Roman" panose="02020603050405020304" pitchFamily="18" charset="0"/>
+                <a:cs typeface="Times New Roman" panose="02020603050405020304" pitchFamily="18" charset="0"/>
+              </a:rPr>
+              <a:t>N/AC mixed, Legacy </a:t>
+            </a:r>
+            <a:r>
+              <a:rPr lang="zh-TW" altLang="en-US" sz="1400" dirty="0">
+                <a:latin typeface="Times New Roman" panose="02020603050405020304" pitchFamily="18" charset="0"/>
+                <a:cs typeface="Times New Roman" panose="02020603050405020304" pitchFamily="18" charset="0"/>
+              </a:rPr>
+              <a:t>相互</a:t>
+            </a:r>
+            <a:r>
+              <a:rPr lang="zh-TW" altLang="en-US" sz="1400" dirty="0" smtClean="0">
+                <a:latin typeface="Times New Roman" panose="02020603050405020304" pitchFamily="18" charset="0"/>
+                <a:cs typeface="Times New Roman" panose="02020603050405020304" pitchFamily="18" charset="0"/>
+              </a:rPr>
+              <a:t>切換</a:t>
+            </a:r>
+            <a:endParaRPr lang="en-US" altLang="zh-TW" sz="1400" dirty="0">
+              <a:latin typeface="Times New Roman" panose="02020603050405020304" pitchFamily="18" charset="0"/>
+              <a:cs typeface="Times New Roman" panose="02020603050405020304" pitchFamily="18" charset="0"/>
+            </a:endParaRPr>
+          </a:p>
+          <a:p>
+            <a:pPr lvl="1" eaLnBrk="1" hangingPunct="1">
+              <a:buFont typeface="Arial" charset="0"/>
+              <a:buChar char="•"/>
+              <a:defRPr/>
+            </a:pPr>
+            <a:r>
+              <a:rPr lang="zh-TW" altLang="en-US" sz="1400" dirty="0">
+                <a:latin typeface="Times New Roman" panose="02020603050405020304" pitchFamily="18" charset="0"/>
+                <a:cs typeface="Times New Roman" panose="02020603050405020304" pitchFamily="18" charset="0"/>
+              </a:rPr>
+              <a:t>長時間做 </a:t>
+            </a:r>
+            <a:r>
+              <a:rPr lang="en-US" altLang="zh-TW" sz="1400" dirty="0">
+                <a:latin typeface="Times New Roman" panose="02020603050405020304" pitchFamily="18" charset="0"/>
+                <a:cs typeface="Times New Roman" panose="02020603050405020304" pitchFamily="18" charset="0"/>
+              </a:rPr>
+              <a:t>2.4 G </a:t>
+            </a:r>
+            <a:r>
+              <a:rPr lang="zh-TW" altLang="en-US" sz="1400" dirty="0">
+                <a:latin typeface="Times New Roman" panose="02020603050405020304" pitchFamily="18" charset="0"/>
+                <a:cs typeface="Times New Roman" panose="02020603050405020304" pitchFamily="18" charset="0"/>
+              </a:rPr>
+              <a:t>及 </a:t>
+            </a:r>
+            <a:r>
+              <a:rPr lang="en-US" altLang="zh-TW" sz="1400" dirty="0">
+                <a:latin typeface="Times New Roman" panose="02020603050405020304" pitchFamily="18" charset="0"/>
+                <a:cs typeface="Times New Roman" panose="02020603050405020304" pitchFamily="18" charset="0"/>
+              </a:rPr>
+              <a:t>5</a:t>
+            </a:r>
+            <a:r>
+              <a:rPr lang="zh-TW" altLang="en-US" sz="1400" dirty="0">
+                <a:latin typeface="Times New Roman" panose="02020603050405020304" pitchFamily="18" charset="0"/>
+                <a:cs typeface="Times New Roman" panose="02020603050405020304" pitchFamily="18" charset="0"/>
+              </a:rPr>
+              <a:t> </a:t>
+            </a:r>
+            <a:r>
+              <a:rPr lang="en-US" altLang="zh-TW" sz="1400" dirty="0">
+                <a:latin typeface="Times New Roman" panose="02020603050405020304" pitchFamily="18" charset="0"/>
+                <a:cs typeface="Times New Roman" panose="02020603050405020304" pitchFamily="18" charset="0"/>
+              </a:rPr>
+              <a:t>G </a:t>
+            </a:r>
+            <a:r>
+              <a:rPr lang="zh-TW" altLang="en-US" sz="1400" dirty="0">
+                <a:latin typeface="Times New Roman" panose="02020603050405020304" pitchFamily="18" charset="0"/>
+                <a:cs typeface="Times New Roman" panose="02020603050405020304" pitchFamily="18" charset="0"/>
+              </a:rPr>
+              <a:t>之壓力測試</a:t>
+            </a:r>
+            <a:endParaRPr lang="en-US" altLang="zh-TW" sz="1400" dirty="0">
+              <a:latin typeface="Times New Roman" panose="02020603050405020304" pitchFamily="18" charset="0"/>
+              <a:cs typeface="Times New Roman" panose="02020603050405020304" pitchFamily="18" charset="0"/>
+            </a:endParaRPr>
+          </a:p>
+          <a:p>
             <a:pPr marL="342900" lvl="1" indent="-342900" eaLnBrk="1" hangingPunct="1">
               <a:buFont typeface="Arial" charset="0"/>
               <a:buChar char="•"/>
               <a:defRPr/>
             </a:pPr>
-            <a:r>
-              <a:rPr lang="en-US" altLang="zh-TW" sz="1800" dirty="0">
-                <a:latin typeface="Times New Roman" panose="02020603050405020304" pitchFamily="18" charset="0"/>
-                <a:cs typeface="Times New Roman" panose="02020603050405020304" pitchFamily="18" charset="0"/>
-              </a:rPr>
-              <a:t>Conclusion</a:t>
-            </a:r>
+            <a:endParaRPr lang="en-US" altLang="zh-TW" sz="1800" dirty="0">
+              <a:latin typeface="Times New Roman" panose="02020603050405020304" pitchFamily="18" charset="0"/>
+              <a:cs typeface="Times New Roman" panose="02020603050405020304" pitchFamily="18" charset="0"/>
+            </a:endParaRPr>
           </a:p>
           <a:p>
             <a:pPr eaLnBrk="1" hangingPunct="1">
@@ -10110,316 +11345,6 @@
                             </p:childTnLst>
                           </p:cTn>
                         </p:par>
-                      </p:childTnLst>
-                    </p:cTn>
-                  </p:par>
-                </p:childTnLst>
-              </p:cTn>
-              <p:prevCondLst>
-                <p:cond evt="onPrev" delay="0">
-                  <p:tgtEl>
-                    <p:sldTgt/>
-                  </p:tgtEl>
-                </p:cond>
-              </p:prevCondLst>
-              <p:nextCondLst>
-                <p:cond evt="onNext" delay="0">
-                  <p:tgtEl>
-                    <p:sldTgt/>
-                  </p:tgtEl>
-                </p:cond>
-              </p:nextCondLst>
-            </p:seq>
-          </p:childTnLst>
-        </p:cTn>
-      </p:par>
-    </p:tnLst>
-    <p:bldLst>
-      <p:bldP spid="2" grpId="0"/>
-    </p:bldLst>
-  </p:timing>
-</p:sld>
-</file>
-
-<file path=ppt/slides/slide16.xml><?xml version="1.0" encoding="utf-8"?>
-<p:sld xmlns:a="http://schemas.openxmlformats.org/drawingml/2006/main" xmlns:r="http://schemas.openxmlformats.org/officeDocument/2006/relationships" xmlns:p="http://schemas.openxmlformats.org/presentationml/2006/main">
-  <p:cSld>
-    <p:spTree>
-      <p:nvGrpSpPr>
-        <p:cNvPr id="1" name=""/>
-        <p:cNvGrpSpPr/>
-        <p:nvPr/>
-      </p:nvGrpSpPr>
-      <p:grpSpPr>
-        <a:xfrm>
-          <a:off x="0" y="0"/>
-          <a:ext cx="0" cy="0"/>
-          <a:chOff x="0" y="0"/>
-          <a:chExt cx="0" cy="0"/>
-        </a:xfrm>
-      </p:grpSpPr>
-      <p:sp>
-        <p:nvSpPr>
-          <p:cNvPr id="15362" name="內容版面配置區 5"/>
-          <p:cNvSpPr>
-            <a:spLocks noGrp="1"/>
-          </p:cNvSpPr>
-          <p:nvPr>
-            <p:ph idx="1"/>
-          </p:nvPr>
-        </p:nvSpPr>
-        <p:spPr>
-          <a:xfrm>
-            <a:off x="457200" y="936625"/>
-            <a:ext cx="8229600" cy="3575050"/>
-          </a:xfrm>
-        </p:spPr>
-        <p:txBody>
-          <a:bodyPr/>
-          <a:lstStyle/>
-          <a:p>
-            <a:pPr marL="342900" lvl="1" indent="-342900" eaLnBrk="1" hangingPunct="1">
-              <a:buFont typeface="Arial" charset="0"/>
-              <a:buChar char="•"/>
-              <a:defRPr/>
-            </a:pPr>
-            <a:r>
-              <a:rPr lang="en-US" altLang="zh-TW" sz="1800" dirty="0">
-                <a:latin typeface="Times New Roman" panose="02020603050405020304" pitchFamily="18" charset="0"/>
-                <a:cs typeface="Times New Roman" panose="02020603050405020304" pitchFamily="18" charset="0"/>
-              </a:rPr>
-              <a:t>Android 6.0.1 (RJ-45), Android 6.0.1 (OTG</a:t>
-            </a:r>
-            <a:r>
-              <a:rPr lang="en-US" altLang="zh-TW" sz="1800" dirty="0" smtClean="0">
-                <a:latin typeface="Times New Roman" panose="02020603050405020304" pitchFamily="18" charset="0"/>
-                <a:cs typeface="Times New Roman" panose="02020603050405020304" pitchFamily="18" charset="0"/>
-              </a:rPr>
-              <a:t>)</a:t>
-            </a:r>
-            <a:endParaRPr lang="en-US" altLang="zh-TW" sz="1800" dirty="0">
-              <a:latin typeface="Times New Roman" panose="02020603050405020304" pitchFamily="18" charset="0"/>
-              <a:cs typeface="Times New Roman" panose="02020603050405020304" pitchFamily="18" charset="0"/>
-            </a:endParaRPr>
-          </a:p>
-          <a:p>
-            <a:pPr marL="342900" lvl="1" indent="-342900" eaLnBrk="1" hangingPunct="1">
-              <a:buFont typeface="Arial" charset="0"/>
-              <a:buChar char="•"/>
-              <a:defRPr/>
-            </a:pPr>
-            <a:r>
-              <a:rPr lang="en-US" altLang="zh-TW" sz="1800" dirty="0" smtClean="0">
-                <a:latin typeface="Times New Roman" panose="02020603050405020304" pitchFamily="18" charset="0"/>
-                <a:cs typeface="Times New Roman" panose="02020603050405020304" pitchFamily="18" charset="0"/>
-              </a:rPr>
-              <a:t>System Structure</a:t>
-            </a:r>
-            <a:endParaRPr lang="en-US" altLang="zh-TW" sz="1800" dirty="0">
-              <a:latin typeface="Times New Roman" panose="02020603050405020304" pitchFamily="18" charset="0"/>
-              <a:cs typeface="Times New Roman" panose="02020603050405020304" pitchFamily="18" charset="0"/>
-            </a:endParaRPr>
-          </a:p>
-        </p:txBody>
-      </p:sp>
-      <p:sp>
-        <p:nvSpPr>
-          <p:cNvPr id="2" name="標題 4"/>
-          <p:cNvSpPr>
-            <a:spLocks noGrp="1"/>
-          </p:cNvSpPr>
-          <p:nvPr>
-            <p:ph type="title"/>
-          </p:nvPr>
-        </p:nvSpPr>
-        <p:spPr>
-          <a:xfrm>
-            <a:off x="457200" y="87313"/>
-            <a:ext cx="8229600" cy="756000"/>
-          </a:xfrm>
-        </p:spPr>
-        <p:txBody>
-          <a:bodyPr/>
-          <a:lstStyle/>
-          <a:p>
-            <a:pPr eaLnBrk="1" hangingPunct="1">
-              <a:defRPr/>
-            </a:pPr>
-            <a:r>
-              <a:rPr lang="en-US" altLang="zh-TW" sz="2800" kern="0" dirty="0" smtClean="0">
-                <a:solidFill>
-                  <a:srgbClr val="003366"/>
-                </a:solidFill>
-                <a:latin typeface="Times New Roman" panose="02020603050405020304" pitchFamily="18" charset="0"/>
-                <a:cs typeface="Times New Roman" panose="02020603050405020304" pitchFamily="18" charset="0"/>
-              </a:rPr>
-              <a:t>Airplane </a:t>
-            </a:r>
-            <a:r>
-              <a:rPr lang="en-US" altLang="zh-TW" sz="2800" kern="0" dirty="0">
-                <a:solidFill>
-                  <a:srgbClr val="003366"/>
-                </a:solidFill>
-                <a:latin typeface="Times New Roman" panose="02020603050405020304" pitchFamily="18" charset="0"/>
-                <a:cs typeface="Times New Roman" panose="02020603050405020304" pitchFamily="18" charset="0"/>
-              </a:rPr>
-              <a:t>on/off mode </a:t>
-            </a:r>
-            <a:r>
-              <a:rPr lang="en-US" altLang="zh-TW" sz="2800" kern="0" dirty="0" smtClean="0">
-                <a:solidFill>
-                  <a:srgbClr val="003366"/>
-                </a:solidFill>
-                <a:latin typeface="Times New Roman" panose="02020603050405020304" pitchFamily="18" charset="0"/>
-                <a:cs typeface="Times New Roman" panose="02020603050405020304" pitchFamily="18" charset="0"/>
-              </a:rPr>
-              <a:t>automation</a:t>
-            </a:r>
-            <a:endParaRPr lang="zh-TW" altLang="en-US" sz="2800" kern="0" dirty="0">
-              <a:solidFill>
-                <a:srgbClr val="003366"/>
-              </a:solidFill>
-              <a:latin typeface="Times New Roman" panose="02020603050405020304" pitchFamily="18" charset="0"/>
-              <a:cs typeface="Times New Roman" panose="02020603050405020304" pitchFamily="18" charset="0"/>
-            </a:endParaRPr>
-          </a:p>
-        </p:txBody>
-      </p:sp>
-    </p:spTree>
-    <p:extLst>
-      <p:ext uri="{BB962C8B-B14F-4D97-AF65-F5344CB8AC3E}">
-        <p14:creationId xmlns:p14="http://schemas.microsoft.com/office/powerpoint/2010/main" val="3412901425"/>
-      </p:ext>
-    </p:extLst>
-  </p:cSld>
-  <p:clrMapOvr>
-    <a:masterClrMapping/>
-  </p:clrMapOvr>
-  <mc:AlternateContent xmlns:mc="http://schemas.openxmlformats.org/markup-compatibility/2006" xmlns:p14="http://schemas.microsoft.com/office/powerpoint/2010/main">
-    <mc:Choice Requires="p14">
-      <p:transition spd="med" p14:dur="700" advClick="0">
-        <p:fade/>
-      </p:transition>
-    </mc:Choice>
-    <mc:Fallback xmlns="">
-      <p:transition spd="med" advClick="0">
-        <p:fade/>
-      </p:transition>
-    </mc:Fallback>
-  </mc:AlternateContent>
-  <p:timing>
-    <p:tnLst>
-      <p:par>
-        <p:cTn id="1" dur="indefinite" restart="never" nodeType="tmRoot">
-          <p:childTnLst>
-            <p:seq concurrent="1" nextAc="seek">
-              <p:cTn id="2" dur="indefinite" nodeType="mainSeq">
-                <p:childTnLst>
-                  <p:par>
-                    <p:cTn id="3" fill="hold">
-                      <p:stCondLst>
-                        <p:cond delay="indefinite"/>
-                        <p:cond evt="onBegin" delay="0">
-                          <p:tn val="2"/>
-                        </p:cond>
-                      </p:stCondLst>
-                      <p:childTnLst>
-                        <p:par>
-                          <p:cTn id="4" fill="hold">
-                            <p:stCondLst>
-                              <p:cond delay="0"/>
-                            </p:stCondLst>
-                            <p:childTnLst>
-                              <p:par>
-                                <p:cTn id="5" presetID="10" presetClass="entr" presetSubtype="0" fill="hold" grpId="0" nodeType="afterEffect">
-                                  <p:stCondLst>
-                                    <p:cond delay="0"/>
-                                  </p:stCondLst>
-                                  <p:childTnLst>
-                                    <p:set>
-                                      <p:cBhvr>
-                                        <p:cTn id="6" dur="1" fill="hold">
-                                          <p:stCondLst>
-                                            <p:cond delay="0"/>
-                                          </p:stCondLst>
-                                        </p:cTn>
-                                        <p:tgtEl>
-                                          <p:spTgt spid="2"/>
-                                        </p:tgtEl>
-                                        <p:attrNameLst>
-                                          <p:attrName>style.visibility</p:attrName>
-                                        </p:attrNameLst>
-                                      </p:cBhvr>
-                                      <p:to>
-                                        <p:strVal val="visible"/>
-                                      </p:to>
-                                    </p:set>
-                                    <p:animEffect transition="in" filter="fade">
-                                      <p:cBhvr>
-                                        <p:cTn id="7" dur="250"/>
-                                        <p:tgtEl>
-                                          <p:spTgt spid="2"/>
-                                        </p:tgtEl>
-                                      </p:cBhvr>
-                                    </p:animEffect>
-                                  </p:childTnLst>
-                                </p:cTn>
-                              </p:par>
-                            </p:childTnLst>
-                          </p:cTn>
-                        </p:par>
-                        <p:par>
-                          <p:cTn id="8" fill="hold">
-                            <p:stCondLst>
-                              <p:cond delay="250"/>
-                            </p:stCondLst>
-                            <p:childTnLst>
-                              <p:par>
-                                <p:cTn id="9" presetID="10" presetClass="entr" presetSubtype="0" fill="hold" nodeType="afterEffect">
-                                  <p:stCondLst>
-                                    <p:cond delay="0"/>
-                                  </p:stCondLst>
-                                  <p:childTnLst>
-                                    <p:set>
-                                      <p:cBhvr>
-                                        <p:cTn id="10" dur="1" fill="hold">
-                                          <p:stCondLst>
-                                            <p:cond delay="0"/>
-                                          </p:stCondLst>
-                                        </p:cTn>
-                                        <p:tgtEl>
-                                          <p:spTgt spid="15362">
-                                            <p:txEl>
-                                              <p:pRg st="0" end="0"/>
-                                            </p:txEl>
-                                          </p:spTgt>
-                                        </p:tgtEl>
-                                        <p:attrNameLst>
-                                          <p:attrName>style.visibility</p:attrName>
-                                        </p:attrNameLst>
-                                      </p:cBhvr>
-                                      <p:to>
-                                        <p:strVal val="visible"/>
-                                      </p:to>
-                                    </p:set>
-                                    <p:animEffect transition="in" filter="fade">
-                                      <p:cBhvr>
-                                        <p:cTn id="11" dur="250"/>
-                                        <p:tgtEl>
-                                          <p:spTgt spid="15362">
-                                            <p:txEl>
-                                              <p:pRg st="0" end="0"/>
-                                            </p:txEl>
-                                          </p:spTgt>
-                                        </p:tgtEl>
-                                      </p:cBhvr>
-                                    </p:animEffect>
-                                  </p:childTnLst>
-                                </p:cTn>
-                              </p:par>
-                            </p:childTnLst>
-                          </p:cTn>
-                        </p:par>
                         <p:par>
                           <p:cTn id="12" fill="hold">
                             <p:stCondLst>
@@ -10461,6 +11386,110 @@
                                           <p:spTgt spid="15362">
                                             <p:txEl>
                                               <p:pRg st="1" end="1"/>
+                                            </p:txEl>
+                                          </p:spTgt>
+                                        </p:tgtEl>
+                                      </p:cBhvr>
+                                    </p:animEffect>
+                                  </p:childTnLst>
+                                </p:cTn>
+                              </p:par>
+                            </p:childTnLst>
+                          </p:cTn>
+                        </p:par>
+                        <p:par>
+                          <p:cTn id="16" fill="hold">
+                            <p:stCondLst>
+                              <p:cond delay="750"/>
+                            </p:stCondLst>
+                            <p:childTnLst>
+                              <p:par>
+                                <p:cTn id="17" presetID="10" presetClass="entr" presetSubtype="0" fill="hold" nodeType="afterEffect">
+                                  <p:stCondLst>
+                                    <p:cond delay="0"/>
+                                  </p:stCondLst>
+                                  <p:childTnLst>
+                                    <p:set>
+                                      <p:cBhvr>
+                                        <p:cTn id="18" dur="1" fill="hold">
+                                          <p:stCondLst>
+                                            <p:cond delay="0"/>
+                                          </p:stCondLst>
+                                        </p:cTn>
+                                        <p:tgtEl>
+                                          <p:spTgt spid="15362">
+                                            <p:txEl>
+                                              <p:pRg st="2" end="2"/>
+                                            </p:txEl>
+                                          </p:spTgt>
+                                        </p:tgtEl>
+                                        <p:attrNameLst>
+                                          <p:attrName>style.visibility</p:attrName>
+                                        </p:attrNameLst>
+                                      </p:cBhvr>
+                                      <p:to>
+                                        <p:strVal val="visible"/>
+                                      </p:to>
+                                    </p:set>
+                                    <p:animEffect transition="in" filter="fade">
+                                      <p:cBhvr>
+                                        <p:cTn id="19" dur="250"/>
+                                        <p:tgtEl>
+                                          <p:spTgt spid="15362">
+                                            <p:txEl>
+                                              <p:pRg st="2" end="2"/>
+                                            </p:txEl>
+                                          </p:spTgt>
+                                        </p:tgtEl>
+                                      </p:cBhvr>
+                                    </p:animEffect>
+                                  </p:childTnLst>
+                                </p:cTn>
+                              </p:par>
+                            </p:childTnLst>
+                          </p:cTn>
+                        </p:par>
+                        <p:par>
+                          <p:cTn id="20" fill="hold">
+                            <p:stCondLst>
+                              <p:cond delay="1000"/>
+                            </p:stCondLst>
+                            <p:childTnLst>
+                              <p:par>
+                                <p:cTn id="21" presetID="10" presetClass="entr" presetSubtype="0" fill="hold" nodeType="afterEffect">
+                                  <p:stCondLst>
+                                    <p:cond delay="0"/>
+                                  </p:stCondLst>
+                                  <p:childTnLst>
+                                    <p:set>
+                                      <p:cBhvr>
+                                        <p:cTn id="22" dur="1" fill="hold">
+                                          <p:stCondLst>
+                                            <p:cond delay="0"/>
+                                          </p:stCondLst>
+                                        </p:cTn>
+                                        <p:tgtEl>
+                                          <p:spTgt spid="15362">
+                                            <p:txEl>
+                                              <p:pRg st="3" end="3"/>
+                                            </p:txEl>
+                                          </p:spTgt>
+                                        </p:tgtEl>
+                                        <p:attrNameLst>
+                                          <p:attrName>style.visibility</p:attrName>
+                                        </p:attrNameLst>
+                                      </p:cBhvr>
+                                      <p:to>
+                                        <p:strVal val="visible"/>
+                                      </p:to>
+                                    </p:set>
+                                    <p:animEffect transition="in" filter="fade">
+                                      <p:cBhvr>
+                                        <p:cTn id="23" dur="250"/>
+                                        <p:tgtEl>
+                                          <p:spTgt spid="15362">
+                                            <p:txEl>
+                                              <p:pRg st="3" end="3"/>
                                             </p:txEl>
                                           </p:spTgt>
                                         </p:tgtEl>
@@ -10550,22 +11579,19 @@
                 <a:latin typeface="Times New Roman" panose="02020603050405020304" pitchFamily="18" charset="0"/>
                 <a:cs typeface="Times New Roman" panose="02020603050405020304" pitchFamily="18" charset="0"/>
               </a:rPr>
-              <a:t>Android 8.1.0</a:t>
-            </a:r>
-            <a:r>
-              <a:rPr lang="zh-TW" altLang="en-US" sz="1800" dirty="0">
+              <a:t>Android 6.0.1 (RJ-45), Android 6.0.1 (OTG</a:t>
+            </a:r>
+            <a:r>
+              <a:rPr lang="en-US" altLang="zh-TW" sz="1800" dirty="0" smtClean="0">
                 <a:latin typeface="Times New Roman" panose="02020603050405020304" pitchFamily="18" charset="0"/>
                 <a:cs typeface="Times New Roman" panose="02020603050405020304" pitchFamily="18" charset="0"/>
               </a:rPr>
-              <a:t> </a:t>
-            </a:r>
-            <a:r>
-              <a:rPr lang="en-US" altLang="zh-TW" sz="1800" dirty="0">
-                <a:latin typeface="Times New Roman" panose="02020603050405020304" pitchFamily="18" charset="0"/>
-                <a:cs typeface="Times New Roman" panose="02020603050405020304" pitchFamily="18" charset="0"/>
-              </a:rPr>
-              <a:t>(RJ-45), Android 8.1.0 (OTG)</a:t>
-            </a:r>
+              <a:t>)</a:t>
+            </a:r>
+            <a:endParaRPr lang="en-US" altLang="zh-TW" sz="1800" dirty="0">
+              <a:latin typeface="Times New Roman" panose="02020603050405020304" pitchFamily="18" charset="0"/>
+              <a:cs typeface="Times New Roman" panose="02020603050405020304" pitchFamily="18" charset="0"/>
+            </a:endParaRPr>
           </a:p>
           <a:p>
             <a:pPr marL="342900" lvl="1" indent="-342900" eaLnBrk="1" hangingPunct="1">
@@ -10578,22 +11604,8 @@
                 <a:latin typeface="Times New Roman" panose="02020603050405020304" pitchFamily="18" charset="0"/>
                 <a:cs typeface="Times New Roman" panose="02020603050405020304" pitchFamily="18" charset="0"/>
               </a:rPr>
-              <a:t>System </a:t>
-            </a:r>
-            <a:r>
-              <a:rPr lang="en-US" altLang="zh-TW" sz="1800" dirty="0">
-                <a:latin typeface="Times New Roman" panose="02020603050405020304" pitchFamily="18" charset="0"/>
-                <a:cs typeface="Times New Roman" panose="02020603050405020304" pitchFamily="18" charset="0"/>
-              </a:rPr>
-              <a:t>Structure</a:t>
-            </a:r>
-          </a:p>
-          <a:p>
-            <a:pPr eaLnBrk="1" hangingPunct="1">
-              <a:buFont typeface="Arial" charset="0"/>
-              <a:buChar char="•"/>
-              <a:defRPr/>
-            </a:pPr>
+              <a:t>System Structure</a:t>
+            </a:r>
             <a:endParaRPr lang="en-US" altLang="zh-TW" sz="1800" dirty="0">
               <a:latin typeface="Times New Roman" panose="02020603050405020304" pitchFamily="18" charset="0"/>
               <a:cs typeface="Times New Roman" panose="02020603050405020304" pitchFamily="18" charset="0"/>
@@ -10667,7 +11679,7 @@
     </p:spTree>
     <p:extLst>
       <p:ext uri="{BB962C8B-B14F-4D97-AF65-F5344CB8AC3E}">
-        <p14:creationId xmlns:p14="http://schemas.microsoft.com/office/powerpoint/2010/main" val="1280512324"/>
+        <p14:creationId xmlns:p14="http://schemas.microsoft.com/office/powerpoint/2010/main" val="3412901425"/>
       </p:ext>
     </p:extLst>
   </p:cSld>
@@ -10925,16 +11937,26 @@
               <a:defRPr/>
             </a:pPr>
             <a:r>
-              <a:rPr lang="en-US" altLang="zh-TW" sz="1800" dirty="0" smtClean="0">
+              <a:rPr lang="en-US" altLang="zh-TW" sz="1800" dirty="0">
                 <a:latin typeface="Times New Roman" panose="02020603050405020304" pitchFamily="18" charset="0"/>
                 <a:cs typeface="Times New Roman" panose="02020603050405020304" pitchFamily="18" charset="0"/>
               </a:rPr>
-              <a:t>Windows</a:t>
-            </a:r>
-            <a:endParaRPr lang="en-US" altLang="zh-TW" sz="1800" dirty="0">
-              <a:latin typeface="Times New Roman" panose="02020603050405020304" pitchFamily="18" charset="0"/>
-              <a:cs typeface="Times New Roman" panose="02020603050405020304" pitchFamily="18" charset="0"/>
-            </a:endParaRPr>
+              <a:t>Android 8.1.0</a:t>
+            </a:r>
+            <a:r>
+              <a:rPr lang="zh-TW" altLang="en-US" sz="1800" dirty="0">
+                <a:latin typeface="Times New Roman" panose="02020603050405020304" pitchFamily="18" charset="0"/>
+                <a:cs typeface="Times New Roman" panose="02020603050405020304" pitchFamily="18" charset="0"/>
+              </a:rPr>
+              <a:t> </a:t>
+            </a:r>
+            <a:r>
+              <a:rPr lang="en-US" altLang="zh-TW" sz="1800" dirty="0">
+                <a:latin typeface="Times New Roman" panose="02020603050405020304" pitchFamily="18" charset="0"/>
+                <a:cs typeface="Times New Roman" panose="02020603050405020304" pitchFamily="18" charset="0"/>
+              </a:rPr>
+              <a:t>(RJ-45), Android 8.1.0 (OTG)</a:t>
+            </a:r>
           </a:p>
           <a:p>
             <a:pPr marL="342900" lvl="1" indent="-342900" eaLnBrk="1" hangingPunct="1">
@@ -10943,11 +11965,18 @@
               <a:defRPr/>
             </a:pPr>
             <a:r>
+              <a:rPr lang="en-US" altLang="zh-TW" sz="1800" dirty="0" smtClean="0">
+                <a:latin typeface="Times New Roman" panose="02020603050405020304" pitchFamily="18" charset="0"/>
+                <a:cs typeface="Times New Roman" panose="02020603050405020304" pitchFamily="18" charset="0"/>
+              </a:rPr>
+              <a:t>System </a:t>
+            </a:r>
+            <a:r>
               <a:rPr lang="en-US" altLang="zh-TW" sz="1800" dirty="0">
                 <a:latin typeface="Times New Roman" panose="02020603050405020304" pitchFamily="18" charset="0"/>
                 <a:cs typeface="Times New Roman" panose="02020603050405020304" pitchFamily="18" charset="0"/>
               </a:rPr>
-              <a:t>System Structure</a:t>
+              <a:t>Structure</a:t>
             </a:r>
           </a:p>
           <a:p>
@@ -11029,7 +12058,7 @@
     </p:spTree>
     <p:extLst>
       <p:ext uri="{BB962C8B-B14F-4D97-AF65-F5344CB8AC3E}">
-        <p14:creationId xmlns:p14="http://schemas.microsoft.com/office/powerpoint/2010/main" val="3614060286"/>
+        <p14:creationId xmlns:p14="http://schemas.microsoft.com/office/powerpoint/2010/main" val="1280512324"/>
       </p:ext>
     </p:extLst>
   </p:cSld>
@@ -11291,8 +12320,33 @@
                 <a:latin typeface="Times New Roman" panose="02020603050405020304" pitchFamily="18" charset="0"/>
                 <a:cs typeface="Times New Roman" panose="02020603050405020304" pitchFamily="18" charset="0"/>
               </a:rPr>
-              <a:t>Conclusion</a:t>
-            </a:r>
+              <a:t>Windows</a:t>
+            </a:r>
+            <a:endParaRPr lang="en-US" altLang="zh-TW" sz="1800" dirty="0">
+              <a:latin typeface="Times New Roman" panose="02020603050405020304" pitchFamily="18" charset="0"/>
+              <a:cs typeface="Times New Roman" panose="02020603050405020304" pitchFamily="18" charset="0"/>
+            </a:endParaRPr>
+          </a:p>
+          <a:p>
+            <a:pPr marL="342900" lvl="1" indent="-342900" eaLnBrk="1" hangingPunct="1">
+              <a:buFont typeface="Arial" charset="0"/>
+              <a:buChar char="•"/>
+              <a:defRPr/>
+            </a:pPr>
+            <a:r>
+              <a:rPr lang="en-US" altLang="zh-TW" sz="1800" dirty="0">
+                <a:latin typeface="Times New Roman" panose="02020603050405020304" pitchFamily="18" charset="0"/>
+                <a:cs typeface="Times New Roman" panose="02020603050405020304" pitchFamily="18" charset="0"/>
+              </a:rPr>
+              <a:t>System Structure</a:t>
+            </a:r>
+          </a:p>
+          <a:p>
+            <a:pPr eaLnBrk="1" hangingPunct="1">
+              <a:buFont typeface="Arial" charset="0"/>
+              <a:buChar char="•"/>
+              <a:defRPr/>
+            </a:pPr>
             <a:endParaRPr lang="en-US" altLang="zh-TW" sz="1800" dirty="0">
               <a:latin typeface="Times New Roman" panose="02020603050405020304" pitchFamily="18" charset="0"/>
               <a:cs typeface="Times New Roman" panose="02020603050405020304" pitchFamily="18" charset="0"/>
@@ -11366,7 +12420,7 @@
     </p:spTree>
     <p:extLst>
       <p:ext uri="{BB962C8B-B14F-4D97-AF65-F5344CB8AC3E}">
-        <p14:creationId xmlns:p14="http://schemas.microsoft.com/office/powerpoint/2010/main" val="944696784"/>
+        <p14:creationId xmlns:p14="http://schemas.microsoft.com/office/powerpoint/2010/main" val="3614060286"/>
       </p:ext>
     </p:extLst>
   </p:cSld>
@@ -11487,6 +12541,58 @@
                                           <p:spTgt spid="15362">
                                             <p:txEl>
                                               <p:pRg st="0" end="0"/>
+                                            </p:txEl>
+                                          </p:spTgt>
+                                        </p:tgtEl>
+                                      </p:cBhvr>
+                                    </p:animEffect>
+                                  </p:childTnLst>
+                                </p:cTn>
+                              </p:par>
+                            </p:childTnLst>
+                          </p:cTn>
+                        </p:par>
+                        <p:par>
+                          <p:cTn id="12" fill="hold">
+                            <p:stCondLst>
+                              <p:cond delay="500"/>
+                            </p:stCondLst>
+                            <p:childTnLst>
+                              <p:par>
+                                <p:cTn id="13" presetID="10" presetClass="entr" presetSubtype="0" fill="hold" nodeType="afterEffect">
+                                  <p:stCondLst>
+                                    <p:cond delay="0"/>
+                                  </p:stCondLst>
+                                  <p:childTnLst>
+                                    <p:set>
+                                      <p:cBhvr>
+                                        <p:cTn id="14" dur="1" fill="hold">
+                                          <p:stCondLst>
+                                            <p:cond delay="0"/>
+                                          </p:stCondLst>
+                                        </p:cTn>
+                                        <p:tgtEl>
+                                          <p:spTgt spid="15362">
+                                            <p:txEl>
+                                              <p:pRg st="1" end="1"/>
+                                            </p:txEl>
+                                          </p:spTgt>
+                                        </p:tgtEl>
+                                        <p:attrNameLst>
+                                          <p:attrName>style.visibility</p:attrName>
+                                        </p:attrNameLst>
+                                      </p:cBhvr>
+                                      <p:to>
+                                        <p:strVal val="visible"/>
+                                      </p:to>
+                                    </p:set>
+                                    <p:animEffect transition="in" filter="fade">
+                                      <p:cBhvr>
+                                        <p:cTn id="15" dur="250"/>
+                                        <p:tgtEl>
+                                          <p:spTgt spid="15362">
+                                            <p:txEl>
+                                              <p:pRg st="1" end="1"/>
                                             </p:txEl>
                                           </p:spTgt>
                                         </p:tgtEl>
@@ -12076,70 +13182,13 @@
               <a:defRPr/>
             </a:pPr>
             <a:r>
-              <a:rPr lang="en-US" altLang="zh-TW" sz="1800" dirty="0">
-                <a:latin typeface="Times New Roman" panose="02020603050405020304" pitchFamily="18" charset="0"/>
-                <a:cs typeface="Times New Roman" panose="02020603050405020304" pitchFamily="18" charset="0"/>
-              </a:rPr>
-              <a:t>The Tool base on the </a:t>
-            </a:r>
-            <a:r>
               <a:rPr lang="en-US" altLang="zh-TW" sz="1800" dirty="0" smtClean="0">
                 <a:latin typeface="Times New Roman" panose="02020603050405020304" pitchFamily="18" charset="0"/>
                 <a:cs typeface="Times New Roman" panose="02020603050405020304" pitchFamily="18" charset="0"/>
               </a:rPr>
-              <a:t>GPU resolution</a:t>
+              <a:t>Conclusion</a:t>
             </a:r>
             <a:endParaRPr lang="en-US" altLang="zh-TW" sz="1800" dirty="0">
-              <a:latin typeface="Times New Roman" panose="02020603050405020304" pitchFamily="18" charset="0"/>
-              <a:cs typeface="Times New Roman" panose="02020603050405020304" pitchFamily="18" charset="0"/>
-            </a:endParaRPr>
-          </a:p>
-          <a:p>
-            <a:pPr lvl="1" eaLnBrk="1" hangingPunct="1">
-              <a:buFont typeface="Arial" charset="0"/>
-              <a:buChar char="•"/>
-              <a:defRPr/>
-            </a:pPr>
-            <a:r>
-              <a:rPr lang="en-US" altLang="zh-TW" sz="1400" dirty="0" smtClean="0">
-                <a:latin typeface="Times New Roman" panose="02020603050405020304" pitchFamily="18" charset="0"/>
-                <a:cs typeface="Times New Roman" panose="02020603050405020304" pitchFamily="18" charset="0"/>
-              </a:rPr>
-              <a:t>Auto catch the resolution by batch code</a:t>
-            </a:r>
-          </a:p>
-          <a:p>
-            <a:pPr lvl="1" eaLnBrk="1" hangingPunct="1">
-              <a:buFont typeface="Arial" charset="0"/>
-              <a:buChar char="•"/>
-              <a:defRPr/>
-            </a:pPr>
-            <a:r>
-              <a:rPr lang="en-US" altLang="zh-TW" sz="1400" dirty="0">
-                <a:latin typeface="Times New Roman" panose="02020603050405020304" pitchFamily="18" charset="0"/>
-                <a:cs typeface="Times New Roman" panose="02020603050405020304" pitchFamily="18" charset="0"/>
-              </a:rPr>
-              <a:t>Auto catch the resolution by batch </a:t>
-            </a:r>
-            <a:r>
-              <a:rPr lang="en-US" altLang="zh-TW" sz="1400" dirty="0" smtClean="0">
-                <a:latin typeface="Times New Roman" panose="02020603050405020304" pitchFamily="18" charset="0"/>
-                <a:cs typeface="Times New Roman" panose="02020603050405020304" pitchFamily="18" charset="0"/>
-              </a:rPr>
-              <a:t>code. (Reboot)</a:t>
-            </a:r>
-            <a:endParaRPr lang="en-US" altLang="zh-TW" sz="1400" dirty="0">
-              <a:latin typeface="Times New Roman" panose="02020603050405020304" pitchFamily="18" charset="0"/>
-              <a:cs typeface="Times New Roman" panose="02020603050405020304" pitchFamily="18" charset="0"/>
-            </a:endParaRPr>
-          </a:p>
-          <a:p>
-            <a:pPr lvl="1" eaLnBrk="1" hangingPunct="1">
-              <a:buFont typeface="Arial" charset="0"/>
-              <a:buChar char="•"/>
-              <a:defRPr/>
-            </a:pPr>
-            <a:endParaRPr lang="en-US" altLang="zh-TW" sz="1400" dirty="0">
               <a:latin typeface="Times New Roman" panose="02020603050405020304" pitchFamily="18" charset="0"/>
               <a:cs typeface="Times New Roman" panose="02020603050405020304" pitchFamily="18" charset="0"/>
             </a:endParaRPr>
@@ -12177,6 +13226,443 @@
                 <a:latin typeface="Times New Roman" panose="02020603050405020304" pitchFamily="18" charset="0"/>
                 <a:cs typeface="Times New Roman" panose="02020603050405020304" pitchFamily="18" charset="0"/>
               </a:rPr>
+              <a:t>Airplane </a:t>
+            </a:r>
+            <a:r>
+              <a:rPr lang="en-US" altLang="zh-TW" sz="2800" kern="0" dirty="0">
+                <a:solidFill>
+                  <a:srgbClr val="003366"/>
+                </a:solidFill>
+                <a:latin typeface="Times New Roman" panose="02020603050405020304" pitchFamily="18" charset="0"/>
+                <a:cs typeface="Times New Roman" panose="02020603050405020304" pitchFamily="18" charset="0"/>
+              </a:rPr>
+              <a:t>on/off mode </a:t>
+            </a:r>
+            <a:r>
+              <a:rPr lang="en-US" altLang="zh-TW" sz="2800" kern="0" dirty="0" smtClean="0">
+                <a:solidFill>
+                  <a:srgbClr val="003366"/>
+                </a:solidFill>
+                <a:latin typeface="Times New Roman" panose="02020603050405020304" pitchFamily="18" charset="0"/>
+                <a:cs typeface="Times New Roman" panose="02020603050405020304" pitchFamily="18" charset="0"/>
+              </a:rPr>
+              <a:t>automation</a:t>
+            </a:r>
+            <a:endParaRPr lang="zh-TW" altLang="en-US" sz="2800" kern="0" dirty="0">
+              <a:solidFill>
+                <a:srgbClr val="003366"/>
+              </a:solidFill>
+              <a:latin typeface="Times New Roman" panose="02020603050405020304" pitchFamily="18" charset="0"/>
+              <a:cs typeface="Times New Roman" panose="02020603050405020304" pitchFamily="18" charset="0"/>
+            </a:endParaRPr>
+          </a:p>
+        </p:txBody>
+      </p:sp>
+    </p:spTree>
+    <p:extLst>
+      <p:ext uri="{BB962C8B-B14F-4D97-AF65-F5344CB8AC3E}">
+        <p14:creationId xmlns:p14="http://schemas.microsoft.com/office/powerpoint/2010/main" val="944696784"/>
+      </p:ext>
+    </p:extLst>
+  </p:cSld>
+  <p:clrMapOvr>
+    <a:masterClrMapping/>
+  </p:clrMapOvr>
+  <mc:AlternateContent xmlns:mc="http://schemas.openxmlformats.org/markup-compatibility/2006" xmlns:p14="http://schemas.microsoft.com/office/powerpoint/2010/main">
+    <mc:Choice Requires="p14">
+      <p:transition spd="med" p14:dur="700" advClick="0">
+        <p:fade/>
+      </p:transition>
+    </mc:Choice>
+    <mc:Fallback xmlns="">
+      <p:transition spd="med" advClick="0">
+        <p:fade/>
+      </p:transition>
+    </mc:Fallback>
+  </mc:AlternateContent>
+  <p:timing>
+    <p:tnLst>
+      <p:par>
+        <p:cTn id="1" dur="indefinite" restart="never" nodeType="tmRoot">
+          <p:childTnLst>
+            <p:seq concurrent="1" nextAc="seek">
+              <p:cTn id="2" dur="indefinite" nodeType="mainSeq">
+                <p:childTnLst>
+                  <p:par>
+                    <p:cTn id="3" fill="hold">
+                      <p:stCondLst>
+                        <p:cond delay="indefinite"/>
+                        <p:cond evt="onBegin" delay="0">
+                          <p:tn val="2"/>
+                        </p:cond>
+                      </p:stCondLst>
+                      <p:childTnLst>
+                        <p:par>
+                          <p:cTn id="4" fill="hold">
+                            <p:stCondLst>
+                              <p:cond delay="0"/>
+                            </p:stCondLst>
+                            <p:childTnLst>
+                              <p:par>
+                                <p:cTn id="5" presetID="10" presetClass="entr" presetSubtype="0" fill="hold" grpId="0" nodeType="afterEffect">
+                                  <p:stCondLst>
+                                    <p:cond delay="0"/>
+                                  </p:stCondLst>
+                                  <p:childTnLst>
+                                    <p:set>
+                                      <p:cBhvr>
+                                        <p:cTn id="6" dur="1" fill="hold">
+                                          <p:stCondLst>
+                                            <p:cond delay="0"/>
+                                          </p:stCondLst>
+                                        </p:cTn>
+                                        <p:tgtEl>
+                                          <p:spTgt spid="2"/>
+                                        </p:tgtEl>
+                                        <p:attrNameLst>
+                                          <p:attrName>style.visibility</p:attrName>
+                                        </p:attrNameLst>
+                                      </p:cBhvr>
+                                      <p:to>
+                                        <p:strVal val="visible"/>
+                                      </p:to>
+                                    </p:set>
+                                    <p:animEffect transition="in" filter="fade">
+                                      <p:cBhvr>
+                                        <p:cTn id="7" dur="250"/>
+                                        <p:tgtEl>
+                                          <p:spTgt spid="2"/>
+                                        </p:tgtEl>
+                                      </p:cBhvr>
+                                    </p:animEffect>
+                                  </p:childTnLst>
+                                </p:cTn>
+                              </p:par>
+                            </p:childTnLst>
+                          </p:cTn>
+                        </p:par>
+                        <p:par>
+                          <p:cTn id="8" fill="hold">
+                            <p:stCondLst>
+                              <p:cond delay="250"/>
+                            </p:stCondLst>
+                            <p:childTnLst>
+                              <p:par>
+                                <p:cTn id="9" presetID="10" presetClass="entr" presetSubtype="0" fill="hold" nodeType="afterEffect">
+                                  <p:stCondLst>
+                                    <p:cond delay="0"/>
+                                  </p:stCondLst>
+                                  <p:childTnLst>
+                                    <p:set>
+                                      <p:cBhvr>
+                                        <p:cTn id="10" dur="1" fill="hold">
+                                          <p:stCondLst>
+                                            <p:cond delay="0"/>
+                                          </p:stCondLst>
+                                        </p:cTn>
+                                        <p:tgtEl>
+                                          <p:spTgt spid="15362">
+                                            <p:txEl>
+                                              <p:pRg st="0" end="0"/>
+                                            </p:txEl>
+                                          </p:spTgt>
+                                        </p:tgtEl>
+                                        <p:attrNameLst>
+                                          <p:attrName>style.visibility</p:attrName>
+                                        </p:attrNameLst>
+                                      </p:cBhvr>
+                                      <p:to>
+                                        <p:strVal val="visible"/>
+                                      </p:to>
+                                    </p:set>
+                                    <p:animEffect transition="in" filter="fade">
+                                      <p:cBhvr>
+                                        <p:cTn id="11" dur="250"/>
+                                        <p:tgtEl>
+                                          <p:spTgt spid="15362">
+                                            <p:txEl>
+                                              <p:pRg st="0" end="0"/>
+                                            </p:txEl>
+                                          </p:spTgt>
+                                        </p:tgtEl>
+                                      </p:cBhvr>
+                                    </p:animEffect>
+                                  </p:childTnLst>
+                                </p:cTn>
+                              </p:par>
+                            </p:childTnLst>
+                          </p:cTn>
+                        </p:par>
+                      </p:childTnLst>
+                    </p:cTn>
+                  </p:par>
+                </p:childTnLst>
+              </p:cTn>
+              <p:prevCondLst>
+                <p:cond evt="onPrev" delay="0">
+                  <p:tgtEl>
+                    <p:sldTgt/>
+                  </p:tgtEl>
+                </p:cond>
+              </p:prevCondLst>
+              <p:nextCondLst>
+                <p:cond evt="onNext" delay="0">
+                  <p:tgtEl>
+                    <p:sldTgt/>
+                  </p:tgtEl>
+                </p:cond>
+              </p:nextCondLst>
+            </p:seq>
+          </p:childTnLst>
+        </p:cTn>
+      </p:par>
+    </p:tnLst>
+    <p:bldLst>
+      <p:bldP spid="2" grpId="0"/>
+    </p:bldLst>
+  </p:timing>
+</p:sld>
+</file>
+
+<file path=ppt/slides/slide21.xml><?xml version="1.0" encoding="utf-8"?>
+<p:sld xmlns:a="http://schemas.openxmlformats.org/drawingml/2006/main" xmlns:r="http://schemas.openxmlformats.org/officeDocument/2006/relationships" xmlns:p="http://schemas.openxmlformats.org/presentationml/2006/main">
+  <p:cSld>
+    <p:spTree>
+      <p:nvGrpSpPr>
+        <p:cNvPr id="1" name=""/>
+        <p:cNvGrpSpPr/>
+        <p:nvPr/>
+      </p:nvGrpSpPr>
+      <p:grpSpPr>
+        <a:xfrm>
+          <a:off x="0" y="0"/>
+          <a:ext cx="0" cy="0"/>
+          <a:chOff x="0" y="0"/>
+          <a:chExt cx="0" cy="0"/>
+        </a:xfrm>
+      </p:grpSpPr>
+      <p:sp>
+        <p:nvSpPr>
+          <p:cNvPr id="15362" name="內容版面配置區 5"/>
+          <p:cNvSpPr>
+            <a:spLocks noGrp="1"/>
+          </p:cNvSpPr>
+          <p:nvPr>
+            <p:ph idx="1"/>
+          </p:nvPr>
+        </p:nvSpPr>
+        <p:spPr>
+          <a:xfrm>
+            <a:off x="457200" y="936625"/>
+            <a:ext cx="8229600" cy="3575050"/>
+          </a:xfrm>
+        </p:spPr>
+        <p:txBody>
+          <a:bodyPr/>
+          <a:lstStyle/>
+          <a:p>
+            <a:pPr marL="342900" lvl="1" indent="-342900" eaLnBrk="1" hangingPunct="1">
+              <a:buFont typeface="Arial" charset="0"/>
+              <a:buChar char="•"/>
+              <a:defRPr/>
+            </a:pPr>
+            <a:r>
+              <a:rPr lang="en-US" altLang="zh-TW" sz="1800" dirty="0">
+                <a:latin typeface="Times New Roman" panose="02020603050405020304" pitchFamily="18" charset="0"/>
+                <a:cs typeface="Times New Roman" panose="02020603050405020304" pitchFamily="18" charset="0"/>
+              </a:rPr>
+              <a:t>The Tool base on the </a:t>
+            </a:r>
+            <a:r>
+              <a:rPr lang="en-US" altLang="zh-TW" sz="1800" dirty="0" smtClean="0">
+                <a:latin typeface="Times New Roman" panose="02020603050405020304" pitchFamily="18" charset="0"/>
+                <a:cs typeface="Times New Roman" panose="02020603050405020304" pitchFamily="18" charset="0"/>
+              </a:rPr>
+              <a:t>GPU resolution</a:t>
+            </a:r>
+            <a:endParaRPr lang="en-US" altLang="zh-TW" sz="1800" dirty="0">
+              <a:latin typeface="Times New Roman" panose="02020603050405020304" pitchFamily="18" charset="0"/>
+              <a:cs typeface="Times New Roman" panose="02020603050405020304" pitchFamily="18" charset="0"/>
+            </a:endParaRPr>
+          </a:p>
+          <a:p>
+            <a:pPr lvl="1" eaLnBrk="1" hangingPunct="1">
+              <a:buFont typeface="Arial" charset="0"/>
+              <a:buChar char="•"/>
+              <a:defRPr/>
+            </a:pPr>
+            <a:r>
+              <a:rPr lang="en-US" altLang="zh-TW" sz="1400" dirty="0" smtClean="0">
+                <a:latin typeface="Times New Roman" panose="02020603050405020304" pitchFamily="18" charset="0"/>
+                <a:cs typeface="Times New Roman" panose="02020603050405020304" pitchFamily="18" charset="0"/>
+              </a:rPr>
+              <a:t>Auto catch the resolution by batch code</a:t>
+            </a:r>
+          </a:p>
+          <a:p>
+            <a:pPr lvl="1" eaLnBrk="1" hangingPunct="1">
+              <a:buFont typeface="Arial" charset="0"/>
+              <a:buChar char="•"/>
+              <a:defRPr/>
+            </a:pPr>
+            <a:r>
+              <a:rPr lang="en-US" altLang="zh-TW" sz="1400" dirty="0">
+                <a:latin typeface="Times New Roman" panose="02020603050405020304" pitchFamily="18" charset="0"/>
+                <a:cs typeface="Times New Roman" panose="02020603050405020304" pitchFamily="18" charset="0"/>
+              </a:rPr>
+              <a:t>Auto catch the resolution by batch </a:t>
+            </a:r>
+            <a:r>
+              <a:rPr lang="en-US" altLang="zh-TW" sz="1400" dirty="0" smtClean="0">
+                <a:latin typeface="Times New Roman" panose="02020603050405020304" pitchFamily="18" charset="0"/>
+                <a:cs typeface="Times New Roman" panose="02020603050405020304" pitchFamily="18" charset="0"/>
+              </a:rPr>
+              <a:t>code. (Reboot)</a:t>
+            </a:r>
+            <a:endParaRPr lang="en-US" altLang="zh-TW" sz="1400" dirty="0">
+              <a:latin typeface="Times New Roman" panose="02020603050405020304" pitchFamily="18" charset="0"/>
+              <a:cs typeface="Times New Roman" panose="02020603050405020304" pitchFamily="18" charset="0"/>
+            </a:endParaRPr>
+          </a:p>
+          <a:p>
+            <a:pPr lvl="1" eaLnBrk="1" hangingPunct="1">
+              <a:buFont typeface="Arial" charset="0"/>
+              <a:buChar char="•"/>
+              <a:defRPr/>
+            </a:pPr>
+            <a:endParaRPr lang="en-US" altLang="zh-TW" sz="1400" dirty="0" smtClean="0">
+              <a:latin typeface="Times New Roman" panose="02020603050405020304" pitchFamily="18" charset="0"/>
+              <a:cs typeface="Times New Roman" panose="02020603050405020304" pitchFamily="18" charset="0"/>
+            </a:endParaRPr>
+          </a:p>
+          <a:p>
+            <a:pPr marL="457200" lvl="1" indent="0" eaLnBrk="1" hangingPunct="1">
+              <a:buNone/>
+              <a:defRPr/>
+            </a:pPr>
+            <a:endParaRPr lang="en-US" altLang="zh-TW" sz="1400" dirty="0" smtClean="0">
+              <a:latin typeface="Times New Roman" panose="02020603050405020304" pitchFamily="18" charset="0"/>
+              <a:cs typeface="Times New Roman" panose="02020603050405020304" pitchFamily="18" charset="0"/>
+            </a:endParaRPr>
+          </a:p>
+          <a:p>
+            <a:pPr marL="457200" lvl="1" indent="0" eaLnBrk="1" hangingPunct="1">
+              <a:buNone/>
+              <a:defRPr/>
+            </a:pPr>
+            <a:endParaRPr lang="en-US" altLang="zh-TW" sz="1400" dirty="0" smtClean="0">
+              <a:latin typeface="Times New Roman" panose="02020603050405020304" pitchFamily="18" charset="0"/>
+              <a:cs typeface="Times New Roman" panose="02020603050405020304" pitchFamily="18" charset="0"/>
+            </a:endParaRPr>
+          </a:p>
+          <a:p>
+            <a:pPr marL="342900" lvl="1" indent="-342900" eaLnBrk="1" hangingPunct="1">
+              <a:buFont typeface="Arial" charset="0"/>
+              <a:buChar char="•"/>
+              <a:defRPr/>
+            </a:pPr>
+            <a:r>
+              <a:rPr lang="zh-TW" altLang="en-US" sz="1800" dirty="0">
+                <a:latin typeface="Times New Roman" panose="02020603050405020304" pitchFamily="18" charset="0"/>
+                <a:cs typeface="Times New Roman" panose="02020603050405020304" pitchFamily="18" charset="0"/>
+              </a:rPr>
+              <a:t>結論</a:t>
+            </a:r>
+            <a:endParaRPr lang="en-US" altLang="zh-TW" sz="1800" dirty="0">
+              <a:latin typeface="Times New Roman" panose="02020603050405020304" pitchFamily="18" charset="0"/>
+              <a:cs typeface="Times New Roman" panose="02020603050405020304" pitchFamily="18" charset="0"/>
+            </a:endParaRPr>
+          </a:p>
+          <a:p>
+            <a:pPr marL="742950" lvl="2" indent="-342900" eaLnBrk="1" hangingPunct="1">
+              <a:buFont typeface="Arial" charset="0"/>
+              <a:buChar char="•"/>
+              <a:defRPr/>
+            </a:pPr>
+            <a:r>
+              <a:rPr lang="zh-TW" altLang="en-US" sz="1400" dirty="0">
+                <a:latin typeface="Times New Roman" panose="02020603050405020304" pitchFamily="18" charset="0"/>
+                <a:cs typeface="Times New Roman" panose="02020603050405020304" pitchFamily="18" charset="0"/>
+              </a:rPr>
+              <a:t>透過程式自動擷取主機 </a:t>
+            </a:r>
+            <a:r>
+              <a:rPr lang="en-US" altLang="zh-TW" sz="1400" dirty="0">
+                <a:latin typeface="Times New Roman" panose="02020603050405020304" pitchFamily="18" charset="0"/>
+                <a:cs typeface="Times New Roman" panose="02020603050405020304" pitchFamily="18" charset="0"/>
+              </a:rPr>
+              <a:t>GPU </a:t>
+            </a:r>
+            <a:r>
+              <a:rPr lang="zh-TW" altLang="en-US" sz="1400" dirty="0">
+                <a:latin typeface="Times New Roman" panose="02020603050405020304" pitchFamily="18" charset="0"/>
+                <a:cs typeface="Times New Roman" panose="02020603050405020304" pitchFamily="18" charset="0"/>
+              </a:rPr>
+              <a:t>解析度</a:t>
+            </a:r>
+            <a:endParaRPr lang="en-US" altLang="zh-TW" sz="1400" dirty="0">
+              <a:latin typeface="Times New Roman" panose="02020603050405020304" pitchFamily="18" charset="0"/>
+              <a:cs typeface="Times New Roman" panose="02020603050405020304" pitchFamily="18" charset="0"/>
+            </a:endParaRPr>
+          </a:p>
+          <a:p>
+            <a:pPr marL="742950" lvl="2" indent="-342900" eaLnBrk="1" hangingPunct="1">
+              <a:buFont typeface="Arial" charset="0"/>
+              <a:buChar char="•"/>
+              <a:defRPr/>
+            </a:pPr>
+            <a:r>
+              <a:rPr lang="zh-TW" altLang="en-US" sz="1400" dirty="0">
+                <a:latin typeface="Times New Roman" panose="02020603050405020304" pitchFamily="18" charset="0"/>
+                <a:cs typeface="Times New Roman" panose="02020603050405020304" pitchFamily="18" charset="0"/>
+              </a:rPr>
+              <a:t>長時間重開機解析度</a:t>
+            </a:r>
+            <a:r>
+              <a:rPr lang="zh-TW" altLang="en-US" sz="1400" dirty="0" smtClean="0">
+                <a:latin typeface="Times New Roman" panose="02020603050405020304" pitchFamily="18" charset="0"/>
+                <a:cs typeface="Times New Roman" panose="02020603050405020304" pitchFamily="18" charset="0"/>
+              </a:rPr>
+              <a:t>擷取</a:t>
+            </a:r>
+            <a:endParaRPr lang="en-US" altLang="zh-TW" sz="1400" dirty="0">
+              <a:latin typeface="Times New Roman" panose="02020603050405020304" pitchFamily="18" charset="0"/>
+              <a:cs typeface="Times New Roman" panose="02020603050405020304" pitchFamily="18" charset="0"/>
+            </a:endParaRPr>
+          </a:p>
+        </p:txBody>
+      </p:sp>
+      <p:sp>
+        <p:nvSpPr>
+          <p:cNvPr id="2" name="標題 4"/>
+          <p:cNvSpPr>
+            <a:spLocks noGrp="1"/>
+          </p:cNvSpPr>
+          <p:nvPr>
+            <p:ph type="title"/>
+          </p:nvPr>
+        </p:nvSpPr>
+        <p:spPr>
+          <a:xfrm>
+            <a:off x="457200" y="87313"/>
+            <a:ext cx="8229600" cy="756000"/>
+          </a:xfrm>
+        </p:spPr>
+        <p:txBody>
+          <a:bodyPr/>
+          <a:lstStyle/>
+          <a:p>
+            <a:pPr eaLnBrk="1" hangingPunct="1">
+              <a:defRPr/>
+            </a:pPr>
+            <a:r>
+              <a:rPr lang="en-US" altLang="zh-TW" sz="2800" kern="0" dirty="0" smtClean="0">
+                <a:solidFill>
+                  <a:srgbClr val="003366"/>
+                </a:solidFill>
+                <a:latin typeface="Times New Roman" panose="02020603050405020304" pitchFamily="18" charset="0"/>
+                <a:cs typeface="Times New Roman" panose="02020603050405020304" pitchFamily="18" charset="0"/>
+              </a:rPr>
               <a:t>Resolution automation</a:t>
             </a:r>
             <a:endParaRPr lang="zh-TW" altLang="en-US" sz="2800" kern="0" dirty="0">
@@ -12198,7 +13684,7 @@
           <p:nvPr>
             <p:extLst>
               <p:ext uri="{D42A27DB-BD31-4B8C-83A1-F6EECF244321}">
-                <p14:modId xmlns:p14="http://schemas.microsoft.com/office/powerpoint/2010/main" val="386067684"/>
+                <p14:modId xmlns:p14="http://schemas.microsoft.com/office/powerpoint/2010/main" val="2733027467"/>
               </p:ext>
             </p:extLst>
           </p:nvPr>
@@ -12211,7 +13697,7 @@
           <a:graphicData uri="http://schemas.openxmlformats.org/presentationml/2006/ole">
             <mc:AlternateContent xmlns:mc="http://schemas.openxmlformats.org/markup-compatibility/2006">
               <mc:Choice xmlns:v="urn:schemas-microsoft-com:vml" Requires="v">
-                <p:oleObj spid="_x0000_s3153" name="封裝程式殼層物件" showAsIcon="1" r:id="rId4" imgW="671760" imgH="394920" progId="Package">
+                <p:oleObj spid="_x0000_s3171" name="封裝程式殼層物件" showAsIcon="1" r:id="rId4" imgW="671760" imgH="394920" progId="Package">
                   <p:embed/>
                 </p:oleObj>
               </mc:Choice>
@@ -12482,30 +13968,25 @@
                                   </p:childTnLst>
                                 </p:cTn>
                               </p:par>
-                            </p:childTnLst>
-                          </p:cTn>
-                        </p:par>
-                        <p:par>
-                          <p:cTn id="20" fill="hold">
-                            <p:stCondLst>
-                              <p:cond delay="1000"/>
-                            </p:stCondLst>
-                            <p:childTnLst>
                               <p:par>
-                                <p:cTn id="21" presetID="10" presetClass="entr" presetSubtype="0" fill="hold" nodeType="afterEffect">
+                                <p:cTn id="20" presetID="10" presetClass="entr" presetSubtype="0" fill="hold" grpId="0" nodeType="withEffect">
                                   <p:stCondLst>
                                     <p:cond delay="0"/>
                                   </p:stCondLst>
                                   <p:childTnLst>
                                     <p:set>
                                       <p:cBhvr>
-                                        <p:cTn id="22" dur="1" fill="hold">
+                                        <p:cTn id="21" dur="1" fill="hold">
                                           <p:stCondLst>
                                             <p:cond delay="0"/>
                                           </p:stCondLst>
                                         </p:cTn>
                                         <p:tgtEl>
-                                          <p:spTgt spid="3"/>
+                                          <p:spTgt spid="15362">
+                                            <p:txEl>
+                                              <p:pRg st="6" end="6"/>
+                                            </p:txEl>
+                                          </p:spTgt>
                                         </p:tgtEl>
                                         <p:attrNameLst>
                                           <p:attrName>style.visibility</p:attrName>
@@ -12517,270 +13998,38 @@
                                     </p:set>
                                     <p:animEffect transition="in" filter="fade">
                                       <p:cBhvr>
-                                        <p:cTn id="23" dur="500"/>
-                                        <p:tgtEl>
-                                          <p:spTgt spid="3"/>
+                                        <p:cTn id="22" dur="250"/>
+                                        <p:tgtEl>
+                                          <p:spTgt spid="15362">
+                                            <p:txEl>
+                                              <p:pRg st="6" end="6"/>
+                                            </p:txEl>
+                                          </p:spTgt>
                                         </p:tgtEl>
                                       </p:cBhvr>
                                     </p:animEffect>
                                   </p:childTnLst>
                                 </p:cTn>
                               </p:par>
-                            </p:childTnLst>
-                          </p:cTn>
-                        </p:par>
-                      </p:childTnLst>
-                    </p:cTn>
-                  </p:par>
-                </p:childTnLst>
-              </p:cTn>
-              <p:prevCondLst>
-                <p:cond evt="onPrev" delay="0">
-                  <p:tgtEl>
-                    <p:sldTgt/>
-                  </p:tgtEl>
-                </p:cond>
-              </p:prevCondLst>
-              <p:nextCondLst>
-                <p:cond evt="onNext" delay="0">
-                  <p:tgtEl>
-                    <p:sldTgt/>
-                  </p:tgtEl>
-                </p:cond>
-              </p:nextCondLst>
-            </p:seq>
-          </p:childTnLst>
-        </p:cTn>
-      </p:par>
-    </p:tnLst>
-    <p:bldLst>
-      <p:bldP spid="15362" grpId="0" build="p"/>
-      <p:bldP spid="2" grpId="0"/>
-    </p:bldLst>
-  </p:timing>
-</p:sld>
-</file>
-
-<file path=ppt/slides/slide21.xml><?xml version="1.0" encoding="utf-8"?>
-<p:sld xmlns:a="http://schemas.openxmlformats.org/drawingml/2006/main" xmlns:r="http://schemas.openxmlformats.org/officeDocument/2006/relationships" xmlns:p="http://schemas.openxmlformats.org/presentationml/2006/main">
-  <p:cSld>
-    <p:spTree>
-      <p:nvGrpSpPr>
-        <p:cNvPr id="1" name=""/>
-        <p:cNvGrpSpPr/>
-        <p:nvPr/>
-      </p:nvGrpSpPr>
-      <p:grpSpPr>
-        <a:xfrm>
-          <a:off x="0" y="0"/>
-          <a:ext cx="0" cy="0"/>
-          <a:chOff x="0" y="0"/>
-          <a:chExt cx="0" cy="0"/>
-        </a:xfrm>
-      </p:grpSpPr>
-      <p:sp>
-        <p:nvSpPr>
-          <p:cNvPr id="15362" name="內容版面配置區 5"/>
-          <p:cNvSpPr>
-            <a:spLocks noGrp="1"/>
-          </p:cNvSpPr>
-          <p:nvPr>
-            <p:ph idx="1"/>
-          </p:nvPr>
-        </p:nvSpPr>
-        <p:spPr>
-          <a:xfrm>
-            <a:off x="457200" y="936625"/>
-            <a:ext cx="8229600" cy="3575050"/>
-          </a:xfrm>
-        </p:spPr>
-        <p:txBody>
-          <a:bodyPr/>
-          <a:lstStyle/>
-          <a:p>
-            <a:pPr marL="342900" lvl="1" indent="-342900" eaLnBrk="1" hangingPunct="1">
-              <a:buFont typeface="Arial" charset="0"/>
-              <a:buChar char="•"/>
-              <a:defRPr/>
-            </a:pPr>
-            <a:r>
-              <a:rPr lang="zh-TW" altLang="en-US" sz="1800" dirty="0" smtClean="0">
-                <a:latin typeface="Times New Roman" panose="02020603050405020304" pitchFamily="18" charset="0"/>
-                <a:cs typeface="Times New Roman" panose="02020603050405020304" pitchFamily="18" charset="0"/>
-              </a:rPr>
-              <a:t>結論</a:t>
-            </a:r>
-            <a:endParaRPr lang="en-US" altLang="zh-TW" sz="1800" dirty="0" smtClean="0">
-              <a:latin typeface="Times New Roman" panose="02020603050405020304" pitchFamily="18" charset="0"/>
-              <a:cs typeface="Times New Roman" panose="02020603050405020304" pitchFamily="18" charset="0"/>
-            </a:endParaRPr>
-          </a:p>
-          <a:p>
-            <a:pPr marL="742950" lvl="2" indent="-342900" eaLnBrk="1" hangingPunct="1">
-              <a:buFont typeface="Arial" charset="0"/>
-              <a:buChar char="•"/>
-              <a:defRPr/>
-            </a:pPr>
-            <a:r>
-              <a:rPr lang="zh-TW" altLang="en-US" sz="1400" dirty="0" smtClean="0">
-                <a:latin typeface="Times New Roman" panose="02020603050405020304" pitchFamily="18" charset="0"/>
-                <a:cs typeface="Times New Roman" panose="02020603050405020304" pitchFamily="18" charset="0"/>
-              </a:rPr>
-              <a:t>透過程式自動擷取主機 </a:t>
-            </a:r>
-            <a:r>
-              <a:rPr lang="en-US" altLang="zh-TW" sz="1400" dirty="0" smtClean="0">
-                <a:latin typeface="Times New Roman" panose="02020603050405020304" pitchFamily="18" charset="0"/>
-                <a:cs typeface="Times New Roman" panose="02020603050405020304" pitchFamily="18" charset="0"/>
-              </a:rPr>
-              <a:t>GPU </a:t>
-            </a:r>
-            <a:r>
-              <a:rPr lang="zh-TW" altLang="en-US" sz="1400" dirty="0" smtClean="0">
-                <a:latin typeface="Times New Roman" panose="02020603050405020304" pitchFamily="18" charset="0"/>
-                <a:cs typeface="Times New Roman" panose="02020603050405020304" pitchFamily="18" charset="0"/>
-              </a:rPr>
-              <a:t>解析度</a:t>
-            </a:r>
-            <a:endParaRPr lang="en-US" altLang="zh-TW" sz="1400" dirty="0" smtClean="0">
-              <a:latin typeface="Times New Roman" panose="02020603050405020304" pitchFamily="18" charset="0"/>
-              <a:cs typeface="Times New Roman" panose="02020603050405020304" pitchFamily="18" charset="0"/>
-            </a:endParaRPr>
-          </a:p>
-          <a:p>
-            <a:pPr marL="742950" lvl="2" indent="-342900" eaLnBrk="1" hangingPunct="1">
-              <a:buFont typeface="Arial" charset="0"/>
-              <a:buChar char="•"/>
-              <a:defRPr/>
-            </a:pPr>
-            <a:r>
-              <a:rPr lang="zh-TW" altLang="en-US" sz="1400" dirty="0" smtClean="0">
-                <a:latin typeface="Times New Roman" panose="02020603050405020304" pitchFamily="18" charset="0"/>
-                <a:cs typeface="Times New Roman" panose="02020603050405020304" pitchFamily="18" charset="0"/>
-              </a:rPr>
-              <a:t>長時間重開機解析度擷取</a:t>
-            </a:r>
-            <a:endParaRPr lang="en-US" altLang="zh-TW" sz="1400" dirty="0">
-              <a:latin typeface="Times New Roman" panose="02020603050405020304" pitchFamily="18" charset="0"/>
-              <a:cs typeface="Times New Roman" panose="02020603050405020304" pitchFamily="18" charset="0"/>
-            </a:endParaRPr>
-          </a:p>
-          <a:p>
-            <a:pPr eaLnBrk="1" hangingPunct="1">
-              <a:buFont typeface="Arial" charset="0"/>
-              <a:buChar char="•"/>
-              <a:defRPr/>
-            </a:pPr>
-            <a:endParaRPr lang="en-US" altLang="zh-TW" sz="1800" dirty="0">
-              <a:latin typeface="Times New Roman" panose="02020603050405020304" pitchFamily="18" charset="0"/>
-              <a:cs typeface="Times New Roman" panose="02020603050405020304" pitchFamily="18" charset="0"/>
-            </a:endParaRPr>
-          </a:p>
-        </p:txBody>
-      </p:sp>
-      <p:sp>
-        <p:nvSpPr>
-          <p:cNvPr id="2" name="標題 4"/>
-          <p:cNvSpPr>
-            <a:spLocks noGrp="1"/>
-          </p:cNvSpPr>
-          <p:nvPr>
-            <p:ph type="title"/>
-          </p:nvPr>
-        </p:nvSpPr>
-        <p:spPr>
-          <a:xfrm>
-            <a:off x="457200" y="87313"/>
-            <a:ext cx="8229600" cy="756000"/>
-          </a:xfrm>
-        </p:spPr>
-        <p:txBody>
-          <a:bodyPr/>
-          <a:lstStyle/>
-          <a:p>
-            <a:pPr eaLnBrk="1" hangingPunct="1">
-              <a:defRPr/>
-            </a:pPr>
-            <a:r>
-              <a:rPr lang="en-US" altLang="zh-TW" sz="2800" kern="0" dirty="0" smtClean="0">
-                <a:solidFill>
-                  <a:srgbClr val="003366"/>
-                </a:solidFill>
-                <a:latin typeface="Times New Roman" panose="02020603050405020304" pitchFamily="18" charset="0"/>
-                <a:cs typeface="Times New Roman" panose="02020603050405020304" pitchFamily="18" charset="0"/>
-              </a:rPr>
-              <a:t>Resolution automation</a:t>
-            </a:r>
-            <a:endParaRPr lang="zh-TW" altLang="en-US" sz="2800" kern="0" dirty="0">
-              <a:solidFill>
-                <a:srgbClr val="003366"/>
-              </a:solidFill>
-              <a:latin typeface="Times New Roman" panose="02020603050405020304" pitchFamily="18" charset="0"/>
-              <a:cs typeface="Times New Roman" panose="02020603050405020304" pitchFamily="18" charset="0"/>
-            </a:endParaRPr>
-          </a:p>
-        </p:txBody>
-      </p:sp>
-    </p:spTree>
-    <p:extLst>
-      <p:ext uri="{BB962C8B-B14F-4D97-AF65-F5344CB8AC3E}">
-        <p14:creationId xmlns:p14="http://schemas.microsoft.com/office/powerpoint/2010/main" val="2397016849"/>
-      </p:ext>
-    </p:extLst>
-  </p:cSld>
-  <p:clrMapOvr>
-    <a:masterClrMapping/>
-  </p:clrMapOvr>
-  <mc:AlternateContent xmlns:mc="http://schemas.openxmlformats.org/markup-compatibility/2006" xmlns:p14="http://schemas.microsoft.com/office/powerpoint/2010/main">
-    <mc:Choice Requires="p14">
-      <p:transition spd="med" p14:dur="700" advClick="0">
-        <p:fade/>
-      </p:transition>
-    </mc:Choice>
-    <mc:Fallback xmlns="">
-      <p:transition spd="med" advClick="0">
-        <p:fade/>
-      </p:transition>
-    </mc:Fallback>
-  </mc:AlternateContent>
-  <p:timing>
-    <p:tnLst>
-      <p:par>
-        <p:cTn id="1" dur="indefinite" restart="never" nodeType="tmRoot">
-          <p:childTnLst>
-            <p:seq concurrent="1" nextAc="seek">
-              <p:cTn id="2" dur="indefinite" nodeType="mainSeq">
-                <p:childTnLst>
-                  <p:par>
-                    <p:cTn id="3" fill="hold">
-                      <p:stCondLst>
-                        <p:cond delay="indefinite"/>
-                        <p:cond evt="onBegin" delay="0">
-                          <p:tn val="2"/>
-                        </p:cond>
-                      </p:stCondLst>
-                      <p:childTnLst>
-                        <p:par>
-                          <p:cTn id="4" fill="hold">
-                            <p:stCondLst>
-                              <p:cond delay="0"/>
-                            </p:stCondLst>
-                            <p:childTnLst>
                               <p:par>
-                                <p:cTn id="5" presetID="10" presetClass="entr" presetSubtype="0" fill="hold" grpId="0" nodeType="afterEffect">
+                                <p:cTn id="23" presetID="10" presetClass="entr" presetSubtype="0" fill="hold" grpId="0" nodeType="withEffect">
                                   <p:stCondLst>
                                     <p:cond delay="0"/>
                                   </p:stCondLst>
                                   <p:childTnLst>
                                     <p:set>
                                       <p:cBhvr>
-                                        <p:cTn id="6" dur="1" fill="hold">
+                                        <p:cTn id="24" dur="1" fill="hold">
                                           <p:stCondLst>
                                             <p:cond delay="0"/>
                                           </p:stCondLst>
                                         </p:cTn>
                                         <p:tgtEl>
-                                          <p:spTgt spid="2"/>
+                                          <p:spTgt spid="15362">
+                                            <p:txEl>
+                                              <p:pRg st="7" end="7"/>
+                                            </p:txEl>
+                                          </p:spTgt>
                                         </p:tgtEl>
                                         <p:attrNameLst>
                                           <p:attrName>style.visibility</p:attrName>
@@ -12792,9 +14041,56 @@
                                     </p:set>
                                     <p:animEffect transition="in" filter="fade">
                                       <p:cBhvr>
-                                        <p:cTn id="7" dur="250"/>
-                                        <p:tgtEl>
-                                          <p:spTgt spid="2"/>
+                                        <p:cTn id="25" dur="250"/>
+                                        <p:tgtEl>
+                                          <p:spTgt spid="15362">
+                                            <p:txEl>
+                                              <p:pRg st="7" end="7"/>
+                                            </p:txEl>
+                                          </p:spTgt>
+                                        </p:tgtEl>
+                                      </p:cBhvr>
+                                    </p:animEffect>
+                                  </p:childTnLst>
+                                </p:cTn>
+                              </p:par>
+                              <p:par>
+                                <p:cTn id="26" presetID="10" presetClass="entr" presetSubtype="0" fill="hold" grpId="0" nodeType="withEffect">
+                                  <p:stCondLst>
+                                    <p:cond delay="0"/>
+                                  </p:stCondLst>
+                                  <p:childTnLst>
+                                    <p:set>
+                                      <p:cBhvr>
+                                        <p:cTn id="27" dur="1" fill="hold">
+                                          <p:stCondLst>
+                                            <p:cond delay="0"/>
+                                          </p:stCondLst>
+                                        </p:cTn>
+                                        <p:tgtEl>
+                                          <p:spTgt spid="15362">
+                                            <p:txEl>
+                                              <p:pRg st="8" end="8"/>
+                                            </p:txEl>
+                                          </p:spTgt>
+                                        </p:tgtEl>
+                                        <p:attrNameLst>
+                                          <p:attrName>style.visibility</p:attrName>
+                                        </p:attrNameLst>
+                                      </p:cBhvr>
+                                      <p:to>
+                                        <p:strVal val="visible"/>
+                                      </p:to>
+                                    </p:set>
+                                    <p:animEffect transition="in" filter="fade">
+                                      <p:cBhvr>
+                                        <p:cTn id="28" dur="250"/>
+                                        <p:tgtEl>
+                                          <p:spTgt spid="15362">
+                                            <p:txEl>
+                                              <p:pRg st="8" end="8"/>
+                                            </p:txEl>
+                                          </p:spTgt>
                                         </p:tgtEl>
                                       </p:cBhvr>
                                     </p:animEffect>
@@ -12805,30 +14101,26 @@
                           </p:cTn>
                         </p:par>
                         <p:par>
-                          <p:cTn id="8" fill="hold">
+                          <p:cTn id="29" fill="hold">
                             <p:stCondLst>
-                              <p:cond delay="250"/>
+                              <p:cond delay="1000"/>
                             </p:stCondLst>
                             <p:childTnLst>
                               <p:par>
-                                <p:cTn id="9" presetID="10" presetClass="entr" presetSubtype="0" fill="hold" grpId="0" nodeType="afterEffect">
+                                <p:cTn id="30" presetID="10" presetClass="entr" presetSubtype="0" fill="hold" nodeType="afterEffect">
                                   <p:stCondLst>
                                     <p:cond delay="0"/>
                                   </p:stCondLst>
                                   <p:childTnLst>
                                     <p:set>
                                       <p:cBhvr>
-                                        <p:cTn id="10" dur="1" fill="hold">
+                                        <p:cTn id="31" dur="1" fill="hold">
                                           <p:stCondLst>
                                             <p:cond delay="0"/>
                                           </p:stCondLst>
                                         </p:cTn>
                                         <p:tgtEl>
-                                          <p:spTgt spid="15362">
-                                            <p:txEl>
-                                              <p:pRg st="0" end="0"/>
-                                            </p:txEl>
-                                          </p:spTgt>
+                                          <p:spTgt spid="3"/>
                                         </p:tgtEl>
                                         <p:attrNameLst>
                                           <p:attrName>style.visibility</p:attrName>
@@ -12840,99 +14132,9 @@
                                     </p:set>
                                     <p:animEffect transition="in" filter="fade">
                                       <p:cBhvr>
-                                        <p:cTn id="11" dur="250"/>
-                                        <p:tgtEl>
-                                          <p:spTgt spid="15362">
-                                            <p:txEl>
-                                              <p:pRg st="0" end="0"/>
-                                            </p:txEl>
-                                          </p:spTgt>
-                                        </p:tgtEl>
-                                      </p:cBhvr>
-                                    </p:animEffect>
-                                  </p:childTnLst>
-                                </p:cTn>
-                              </p:par>
-                              <p:par>
-                                <p:cTn id="12" presetID="10" presetClass="entr" presetSubtype="0" fill="hold" grpId="0" nodeType="withEffect">
-                                  <p:stCondLst>
-                                    <p:cond delay="0"/>
-                                  </p:stCondLst>
-                                  <p:childTnLst>
-                                    <p:set>
-                                      <p:cBhvr>
-                                        <p:cTn id="13" dur="1" fill="hold">
-                                          <p:stCondLst>
-                                            <p:cond delay="0"/>
-                                          </p:stCondLst>
-                                        </p:cTn>
-                                        <p:tgtEl>
-                                          <p:spTgt spid="15362">
-                                            <p:txEl>
-                                              <p:pRg st="1" end="1"/>
-                                            </p:txEl>
-                                          </p:spTgt>
-                                        </p:tgtEl>
-                                        <p:attrNameLst>
-                                          <p:attrName>style.visibility</p:attrName>
-                                        </p:attrNameLst>
-                                      </p:cBhvr>
-                                      <p:to>
-                                        <p:strVal val="visible"/>
-                                      </p:to>
-                                    </p:set>
-                                    <p:animEffect transition="in" filter="fade">
-                                      <p:cBhvr>
-                                        <p:cTn id="14" dur="250"/>
-                                        <p:tgtEl>
-                                          <p:spTgt spid="15362">
-                                            <p:txEl>
-                                              <p:pRg st="1" end="1"/>
-                                            </p:txEl>
-                                          </p:spTgt>
-                                        </p:tgtEl>
-                                      </p:cBhvr>
-                                    </p:animEffect>
-                                  </p:childTnLst>
-                                </p:cTn>
-                              </p:par>
-                              <p:par>
-                                <p:cTn id="15" presetID="10" presetClass="entr" presetSubtype="0" fill="hold" grpId="0" nodeType="withEffect">
-                                  <p:stCondLst>
-                                    <p:cond delay="0"/>
-                                  </p:stCondLst>
-                                  <p:childTnLst>
-                                    <p:set>
-                                      <p:cBhvr>
-                                        <p:cTn id="16" dur="1" fill="hold">
-                                          <p:stCondLst>
-                                            <p:cond delay="0"/>
-                                          </p:stCondLst>
-                                        </p:cTn>
-                                        <p:tgtEl>
-                                          <p:spTgt spid="15362">
-                                            <p:txEl>
-                                              <p:pRg st="2" end="2"/>
-                                            </p:txEl>
-                                          </p:spTgt>
-                                        </p:tgtEl>
-                                        <p:attrNameLst>
-                                          <p:attrName>style.visibility</p:attrName>
-                                        </p:attrNameLst>
-                                      </p:cBhvr>
-                                      <p:to>
-                                        <p:strVal val="visible"/>
-                                      </p:to>
-                                    </p:set>
-                                    <p:animEffect transition="in" filter="fade">
-                                      <p:cBhvr>
-                                        <p:cTn id="17" dur="250"/>
-                                        <p:tgtEl>
-                                          <p:spTgt spid="15362">
-                                            <p:txEl>
-                                              <p:pRg st="2" end="2"/>
-                                            </p:txEl>
-                                          </p:spTgt>
+                                        <p:cTn id="32" dur="250"/>
+                                        <p:tgtEl>
+                                          <p:spTgt spid="3"/>
                                         </p:tgtEl>
                                       </p:cBhvr>
                                     </p:animEffect>
@@ -15893,16 +17095,65 @@
                 <a:latin typeface="Times New Roman" panose="02020603050405020304" pitchFamily="18" charset="0"/>
                 <a:cs typeface="Times New Roman" panose="02020603050405020304" pitchFamily="18" charset="0"/>
               </a:rPr>
-              <a:t>System Structure</a:t>
-            </a:r>
-          </a:p>
-          <a:p>
-            <a:pPr eaLnBrk="1" hangingPunct="1">
+              <a:t>The tool of pre-conditions base on </a:t>
+            </a:r>
+            <a:r>
+              <a:rPr lang="en-US" altLang="zh-TW" sz="1800" dirty="0" smtClean="0">
+                <a:latin typeface="Times New Roman" panose="02020603050405020304" pitchFamily="18" charset="0"/>
+                <a:cs typeface="Times New Roman" panose="02020603050405020304" pitchFamily="18" charset="0"/>
+              </a:rPr>
+              <a:t>the</a:t>
+            </a:r>
+            <a:r>
+              <a:rPr lang="zh-TW" altLang="en-US" sz="1800" dirty="0" smtClean="0">
+                <a:latin typeface="Times New Roman" panose="02020603050405020304" pitchFamily="18" charset="0"/>
+                <a:cs typeface="Times New Roman" panose="02020603050405020304" pitchFamily="18" charset="0"/>
+              </a:rPr>
+              <a:t> </a:t>
+            </a:r>
+            <a:r>
+              <a:rPr lang="en-US" altLang="zh-TW" sz="1800" dirty="0" smtClean="0">
+                <a:latin typeface="Times New Roman" panose="02020603050405020304" pitchFamily="18" charset="0"/>
+                <a:cs typeface="Times New Roman" panose="02020603050405020304" pitchFamily="18" charset="0"/>
+              </a:rPr>
+              <a:t>exe script.</a:t>
+            </a:r>
+          </a:p>
+          <a:p>
+            <a:pPr marL="742950" lvl="2" indent="-342900" eaLnBrk="1" hangingPunct="1">
               <a:buFont typeface="Arial" charset="0"/>
               <a:buChar char="•"/>
               <a:defRPr/>
             </a:pPr>
-            <a:endParaRPr lang="en-US" altLang="zh-TW" sz="1800" dirty="0">
+            <a:r>
+              <a:rPr lang="en-US" altLang="zh-TW" sz="1400" dirty="0" smtClean="0">
+                <a:latin typeface="Times New Roman" panose="02020603050405020304" pitchFamily="18" charset="0"/>
+                <a:cs typeface="Times New Roman" panose="02020603050405020304" pitchFamily="18" charset="0"/>
+              </a:rPr>
+              <a:t>bit.exe -c </a:t>
+            </a:r>
+            <a:r>
+              <a:rPr lang="en-US" altLang="zh-TW" sz="1400" dirty="0" err="1" smtClean="0">
+                <a:latin typeface="Times New Roman" panose="02020603050405020304" pitchFamily="18" charset="0"/>
+                <a:cs typeface="Times New Roman" panose="02020603050405020304" pitchFamily="18" charset="0"/>
+              </a:rPr>
+              <a:t>dqa.bitcfg</a:t>
+            </a:r>
+            <a:r>
+              <a:rPr lang="en-US" altLang="zh-TW" sz="1400" dirty="0" smtClean="0">
+                <a:latin typeface="Times New Roman" panose="02020603050405020304" pitchFamily="18" charset="0"/>
+                <a:cs typeface="Times New Roman" panose="02020603050405020304" pitchFamily="18" charset="0"/>
+              </a:rPr>
+              <a:t> -r -p -D “minutes”</a:t>
+            </a:r>
+          </a:p>
+          <a:p>
+            <a:pPr marL="742950" lvl="2" indent="-342900" eaLnBrk="1" hangingPunct="1">
+              <a:buFont typeface="Arial" charset="0"/>
+              <a:buChar char="•"/>
+              <a:defRPr/>
+            </a:pPr>
+            <a:endParaRPr lang="en-US" altLang="zh-TW" sz="1400" dirty="0" smtClean="0">
               <a:latin typeface="Times New Roman" panose="02020603050405020304" pitchFamily="18" charset="0"/>
               <a:cs typeface="Times New Roman" panose="02020603050405020304" pitchFamily="18" charset="0"/>
             </a:endParaRPr>
@@ -15962,6 +17213,150 @@
           </a:p>
         </p:txBody>
       </p:sp>
+      <p:pic>
+        <p:nvPicPr>
+          <p:cNvPr id="3" name="圖片 2"/>
+          <p:cNvPicPr>
+            <a:picLocks noChangeAspect="1"/>
+          </p:cNvPicPr>
+          <p:nvPr/>
+        </p:nvPicPr>
+        <p:blipFill>
+          <a:blip r:embed="rId4">
+            <a:extLst>
+              <a:ext uri="{28A0092B-C50C-407E-A947-70E740481C1C}">
+                <a14:useLocalDpi xmlns:a14="http://schemas.microsoft.com/office/drawing/2010/main" val="0"/>
+              </a:ext>
+            </a:extLst>
+          </a:blip>
+          <a:stretch>
+            <a:fillRect/>
+          </a:stretch>
+        </p:blipFill>
+        <p:spPr>
+          <a:xfrm>
+            <a:off x="889347" y="1637044"/>
+            <a:ext cx="5468421" cy="2997679"/>
+          </a:xfrm>
+          <a:prstGeom prst="rect">
+            <a:avLst/>
+          </a:prstGeom>
+        </p:spPr>
+      </p:pic>
+      <p:graphicFrame>
+        <p:nvGraphicFramePr>
+          <p:cNvPr id="4" name="物件 3"/>
+          <p:cNvGraphicFramePr>
+            <a:graphicFrameLocks noChangeAspect="1"/>
+          </p:cNvGraphicFramePr>
+          <p:nvPr>
+            <p:extLst>
+              <p:ext uri="{D42A27DB-BD31-4B8C-83A1-F6EECF244321}">
+                <p14:modId xmlns:p14="http://schemas.microsoft.com/office/powerpoint/2010/main" val="2379958713"/>
+              </p:ext>
+            </p:extLst>
+          </p:nvPr>
+        </p:nvGraphicFramePr>
+        <p:xfrm>
+          <a:off x="6712782" y="3541148"/>
+          <a:ext cx="1789407" cy="482211"/>
+        </p:xfrm>
+        <a:graphic>
+          <a:graphicData uri="http://schemas.openxmlformats.org/presentationml/2006/ole">
+            <mc:AlternateContent xmlns:mc="http://schemas.openxmlformats.org/markup-compatibility/2006">
+              <mc:Choice xmlns:v="urn:schemas-microsoft-com:vml" Requires="v">
+                <p:oleObj spid="_x0000_s4128" name="封裝程式殼層物件" showAsIcon="1" r:id="rId5" imgW="1467360" imgH="394920" progId="Package">
+                  <p:embed/>
+                </p:oleObj>
+              </mc:Choice>
+              <mc:Fallback>
+                <p:oleObj name="封裝程式殼層物件" showAsIcon="1" r:id="rId5" imgW="1467360" imgH="394920" progId="Package">
+                  <p:embed/>
+                  <p:pic>
+                    <p:nvPicPr>
+                      <p:cNvPr id="0" name=""/>
+                      <p:cNvPicPr/>
+                      <p:nvPr/>
+                    </p:nvPicPr>
+                    <p:blipFill>
+                      <a:blip r:embed="rId6"/>
+                      <a:stretch>
+                        <a:fillRect/>
+                      </a:stretch>
+                    </p:blipFill>
+                    <p:spPr>
+                      <a:xfrm>
+                        <a:off x="6712782" y="3541148"/>
+                        <a:ext cx="1789407" cy="482211"/>
+                      </a:xfrm>
+                      <a:prstGeom prst="rect">
+                        <a:avLst/>
+                      </a:prstGeom>
+                    </p:spPr>
+                  </p:pic>
+                </p:oleObj>
+              </mc:Fallback>
+            </mc:AlternateContent>
+          </a:graphicData>
+        </a:graphic>
+      </p:graphicFrame>
+      <p:graphicFrame>
+        <p:nvGraphicFramePr>
+          <p:cNvPr id="5" name="物件 4"/>
+          <p:cNvGraphicFramePr>
+            <a:graphicFrameLocks noChangeAspect="1"/>
+          </p:cNvGraphicFramePr>
+          <p:nvPr>
+            <p:extLst>
+              <p:ext uri="{D42A27DB-BD31-4B8C-83A1-F6EECF244321}">
+                <p14:modId xmlns:p14="http://schemas.microsoft.com/office/powerpoint/2010/main" val="3929643888"/>
+              </p:ext>
+            </p:extLst>
+          </p:nvPr>
+        </p:nvGraphicFramePr>
+        <p:xfrm>
+          <a:off x="6712782" y="4139753"/>
+          <a:ext cx="1800973" cy="494970"/>
+        </p:xfrm>
+        <a:graphic>
+          <a:graphicData uri="http://schemas.openxmlformats.org/presentationml/2006/ole">
+            <mc:AlternateContent xmlns:mc="http://schemas.openxmlformats.org/markup-compatibility/2006">
+              <mc:Choice xmlns:v="urn:schemas-microsoft-com:vml" Requires="v">
+                <p:oleObj spid="_x0000_s4129" name="封裝程式殼層物件" showAsIcon="1" r:id="rId7" imgW="1438200" imgH="394920" progId="Package">
+                  <p:embed/>
+                </p:oleObj>
+              </mc:Choice>
+              <mc:Fallback>
+                <p:oleObj name="封裝程式殼層物件" showAsIcon="1" r:id="rId7" imgW="1438200" imgH="394920" progId="Package">
+                  <p:embed/>
+                  <p:pic>
+                    <p:nvPicPr>
+                      <p:cNvPr id="0" name=""/>
+                      <p:cNvPicPr/>
+                      <p:nvPr/>
+                    </p:nvPicPr>
+                    <p:blipFill>
+                      <a:blip r:embed="rId8"/>
+                      <a:stretch>
+                        <a:fillRect/>
+                      </a:stretch>
+                    </p:blipFill>
+                    <p:spPr>
+                      <a:xfrm>
+                        <a:off x="6712782" y="4139753"/>
+                        <a:ext cx="1800973" cy="494970"/>
+                      </a:xfrm>
+                      <a:prstGeom prst="rect">
+                        <a:avLst/>
+                      </a:prstGeom>
+                    </p:spPr>
+                  </p:pic>
+                </p:oleObj>
+              </mc:Fallback>
+            </mc:AlternateContent>
+          </a:graphicData>
+        </a:graphic>
+      </p:graphicFrame>
     </p:spTree>
     <p:extLst>
       <p:ext uri="{BB962C8B-B14F-4D97-AF65-F5344CB8AC3E}">
@@ -16088,6 +17483,154 @@
                                               <p:pRg st="0" end="0"/>
                                             </p:txEl>
                                           </p:spTgt>
+                                        </p:tgtEl>
+                                      </p:cBhvr>
+                                    </p:animEffect>
+                                  </p:childTnLst>
+                                </p:cTn>
+                              </p:par>
+                              <p:par>
+                                <p:cTn id="12" presetID="10" presetClass="entr" presetSubtype="0" fill="hold" grpId="0" nodeType="withEffect">
+                                  <p:stCondLst>
+                                    <p:cond delay="0"/>
+                                  </p:stCondLst>
+                                  <p:childTnLst>
+                                    <p:set>
+                                      <p:cBhvr>
+                                        <p:cTn id="13" dur="1" fill="hold">
+                                          <p:stCondLst>
+                                            <p:cond delay="0"/>
+                                          </p:stCondLst>
+                                        </p:cTn>
+                                        <p:tgtEl>
+                                          <p:spTgt spid="15362">
+                                            <p:txEl>
+                                              <p:pRg st="1" end="1"/>
+                                            </p:txEl>
+                                          </p:spTgt>
+                                        </p:tgtEl>
+                                        <p:attrNameLst>
+                                          <p:attrName>style.visibility</p:attrName>
+                                        </p:attrNameLst>
+                                      </p:cBhvr>
+                                      <p:to>
+                                        <p:strVal val="visible"/>
+                                      </p:to>
+                                    </p:set>
+                                    <p:animEffect transition="in" filter="fade">
+                                      <p:cBhvr>
+                                        <p:cTn id="14" dur="250"/>
+                                        <p:tgtEl>
+                                          <p:spTgt spid="15362">
+                                            <p:txEl>
+                                              <p:pRg st="1" end="1"/>
+                                            </p:txEl>
+                                          </p:spTgt>
+                                        </p:tgtEl>
+                                      </p:cBhvr>
+                                    </p:animEffect>
+                                  </p:childTnLst>
+                                </p:cTn>
+                              </p:par>
+                              <p:par>
+                                <p:cTn id="15" presetID="10" presetClass="entr" presetSubtype="0" fill="hold" nodeType="withEffect">
+                                  <p:stCondLst>
+                                    <p:cond delay="0"/>
+                                  </p:stCondLst>
+                                  <p:childTnLst>
+                                    <p:set>
+                                      <p:cBhvr>
+                                        <p:cTn id="16" dur="1" fill="hold">
+                                          <p:stCondLst>
+                                            <p:cond delay="0"/>
+                                          </p:stCondLst>
+                                        </p:cTn>
+                                        <p:tgtEl>
+                                          <p:spTgt spid="3"/>
+                                        </p:tgtEl>
+                                        <p:attrNameLst>
+                                          <p:attrName>style.visibility</p:attrName>
+                                        </p:attrNameLst>
+                                      </p:cBhvr>
+                                      <p:to>
+                                        <p:strVal val="visible"/>
+                                      </p:to>
+                                    </p:set>
+                                    <p:animEffect transition="in" filter="fade">
+                                      <p:cBhvr>
+                                        <p:cTn id="17" dur="250"/>
+                                        <p:tgtEl>
+                                          <p:spTgt spid="3"/>
+                                        </p:tgtEl>
+                                      </p:cBhvr>
+                                    </p:animEffect>
+                                  </p:childTnLst>
+                                </p:cTn>
+                              </p:par>
+                              <p:par>
+                                <p:cTn id="18" presetID="10" presetClass="entr" presetSubtype="0" fill="hold" nodeType="withEffect">
+                                  <p:stCondLst>
+                                    <p:cond delay="0"/>
+                                  </p:stCondLst>
+                                  <p:childTnLst>
+                                    <p:set>
+                                      <p:cBhvr>
+                                        <p:cTn id="19" dur="1" fill="hold">
+                                          <p:stCondLst>
+                                            <p:cond delay="0"/>
+                                          </p:stCondLst>
+                                        </p:cTn>
+                                        <p:tgtEl>
+                                          <p:spTgt spid="4"/>
+                                        </p:tgtEl>
+                                        <p:attrNameLst>
+                                          <p:attrName>style.visibility</p:attrName>
+                                        </p:attrNameLst>
+                                      </p:cBhvr>
+                                      <p:to>
+                                        <p:strVal val="visible"/>
+                                      </p:to>
+                                    </p:set>
+                                    <p:animEffect transition="in" filter="fade">
+                                      <p:cBhvr>
+                                        <p:cTn id="20" dur="250"/>
+                                        <p:tgtEl>
+                                          <p:spTgt spid="4"/>
+                                        </p:tgtEl>
+                                      </p:cBhvr>
+                                    </p:animEffect>
+                                  </p:childTnLst>
+                                </p:cTn>
+                              </p:par>
+                              <p:par>
+                                <p:cTn id="21" presetID="10" presetClass="entr" presetSubtype="0" fill="hold" nodeType="withEffect">
+                                  <p:stCondLst>
+                                    <p:cond delay="0"/>
+                                  </p:stCondLst>
+                                  <p:childTnLst>
+                                    <p:set>
+                                      <p:cBhvr>
+                                        <p:cTn id="22" dur="1" fill="hold">
+                                          <p:stCondLst>
+                                            <p:cond delay="0"/>
+                                          </p:stCondLst>
+                                        </p:cTn>
+                                        <p:tgtEl>
+                                          <p:spTgt spid="5"/>
+                                        </p:tgtEl>
+                                        <p:attrNameLst>
+                                          <p:attrName>style.visibility</p:attrName>
+                                        </p:attrNameLst>
+                                      </p:cBhvr>
+                                      <p:to>
+                                        <p:strVal val="visible"/>
+                                      </p:to>
+                                    </p:set>
+                                    <p:animEffect transition="in" filter="fade">
+                                      <p:cBhvr>
+                                        <p:cTn id="23" dur="250"/>
+                                        <p:tgtEl>
+                                          <p:spTgt spid="5"/>
                                         </p:tgtEl>
                                       </p:cBhvr>
                                     </p:animEffect>
@@ -16172,12 +17715,126 @@
               <a:defRPr/>
             </a:pPr>
             <a:r>
-              <a:rPr lang="en-US" altLang="zh-TW" sz="1800" dirty="0">
+              <a:rPr lang="zh-TW" altLang="en-US" sz="1800" dirty="0">
                 <a:latin typeface="Times New Roman" panose="02020603050405020304" pitchFamily="18" charset="0"/>
                 <a:cs typeface="Times New Roman" panose="02020603050405020304" pitchFamily="18" charset="0"/>
               </a:rPr>
-              <a:t>Conclusion</a:t>
-            </a:r>
+              <a:t>結論</a:t>
+            </a:r>
+            <a:endParaRPr lang="en-US" altLang="zh-TW" sz="1800" dirty="0">
+              <a:latin typeface="Times New Roman" panose="02020603050405020304" pitchFamily="18" charset="0"/>
+              <a:cs typeface="Times New Roman" panose="02020603050405020304" pitchFamily="18" charset="0"/>
+            </a:endParaRPr>
+          </a:p>
+          <a:p>
+            <a:pPr marL="742950" lvl="2" indent="-342900" eaLnBrk="1" hangingPunct="1">
+              <a:buFont typeface="Arial" charset="0"/>
+              <a:buChar char="•"/>
+              <a:defRPr/>
+            </a:pPr>
+            <a:r>
+              <a:rPr lang="zh-TW" altLang="en-US" sz="1400" dirty="0" smtClean="0">
+                <a:latin typeface="Times New Roman" panose="02020603050405020304" pitchFamily="18" charset="0"/>
+                <a:cs typeface="Times New Roman" panose="02020603050405020304" pitchFamily="18" charset="0"/>
+              </a:rPr>
+              <a:t>透過 </a:t>
+            </a:r>
+            <a:r>
+              <a:rPr lang="en-US" altLang="zh-TW" sz="1400" dirty="0" err="1" smtClean="0">
+                <a:latin typeface="Times New Roman" panose="02020603050405020304" pitchFamily="18" charset="0"/>
+                <a:cs typeface="Times New Roman" panose="02020603050405020304" pitchFamily="18" charset="0"/>
+              </a:rPr>
+              <a:t>BurnInTest</a:t>
+            </a:r>
+            <a:r>
+              <a:rPr lang="zh-TW" altLang="en-US" sz="1400" dirty="0">
+                <a:latin typeface="Times New Roman" panose="02020603050405020304" pitchFamily="18" charset="0"/>
+                <a:cs typeface="Times New Roman" panose="02020603050405020304" pitchFamily="18" charset="0"/>
+              </a:rPr>
+              <a:t> </a:t>
+            </a:r>
+            <a:r>
+              <a:rPr lang="zh-TW" altLang="en-US" sz="1400" dirty="0" smtClean="0">
+                <a:latin typeface="Times New Roman" panose="02020603050405020304" pitchFamily="18" charset="0"/>
+                <a:cs typeface="Times New Roman" panose="02020603050405020304" pitchFamily="18" charset="0"/>
+              </a:rPr>
+              <a:t>的</a:t>
+            </a:r>
+            <a:r>
+              <a:rPr lang="en-US" altLang="zh-TW" sz="1400" dirty="0">
+                <a:latin typeface="Times New Roman" panose="02020603050405020304" pitchFamily="18" charset="0"/>
+                <a:cs typeface="Times New Roman" panose="02020603050405020304" pitchFamily="18" charset="0"/>
+              </a:rPr>
+              <a:t> </a:t>
+            </a:r>
+            <a:r>
+              <a:rPr lang="en-US" altLang="zh-TW" sz="1400" dirty="0" smtClean="0">
+                <a:latin typeface="Times New Roman" panose="02020603050405020304" pitchFamily="18" charset="0"/>
+                <a:cs typeface="Times New Roman" panose="02020603050405020304" pitchFamily="18" charset="0"/>
+              </a:rPr>
+              <a:t>Bash Script</a:t>
+            </a:r>
+            <a:r>
+              <a:rPr lang="zh-TW" altLang="en-US" sz="1400" dirty="0" smtClean="0">
+                <a:latin typeface="Times New Roman" panose="02020603050405020304" pitchFamily="18" charset="0"/>
+                <a:cs typeface="Times New Roman" panose="02020603050405020304" pitchFamily="18" charset="0"/>
+              </a:rPr>
+              <a:t> 做長時間壓力測試</a:t>
+            </a:r>
+            <a:endParaRPr lang="en-US" altLang="zh-TW" sz="1400" dirty="0">
+              <a:latin typeface="Times New Roman" panose="02020603050405020304" pitchFamily="18" charset="0"/>
+              <a:cs typeface="Times New Roman" panose="02020603050405020304" pitchFamily="18" charset="0"/>
+            </a:endParaRPr>
+          </a:p>
+          <a:p>
+            <a:pPr marL="742950" lvl="2" indent="-342900" eaLnBrk="1" hangingPunct="1">
+              <a:buFont typeface="Arial" charset="0"/>
+              <a:buChar char="•"/>
+              <a:defRPr/>
+            </a:pPr>
+            <a:r>
+              <a:rPr lang="zh-TW" altLang="en-US" sz="1400" dirty="0">
+                <a:latin typeface="Times New Roman" panose="02020603050405020304" pitchFamily="18" charset="0"/>
+                <a:cs typeface="Times New Roman" panose="02020603050405020304" pitchFamily="18" charset="0"/>
+              </a:rPr>
+              <a:t>自動</a:t>
+            </a:r>
+            <a:r>
+              <a:rPr lang="zh-TW" altLang="en-US" sz="1400" dirty="0" smtClean="0">
+                <a:latin typeface="Times New Roman" panose="02020603050405020304" pitchFamily="18" charset="0"/>
+                <a:cs typeface="Times New Roman" panose="02020603050405020304" pitchFamily="18" charset="0"/>
+              </a:rPr>
+              <a:t>產生及備份 </a:t>
+            </a:r>
+            <a:r>
+              <a:rPr lang="en-US" altLang="zh-TW" sz="1400" dirty="0" smtClean="0">
+                <a:latin typeface="Times New Roman" panose="02020603050405020304" pitchFamily="18" charset="0"/>
+                <a:cs typeface="Times New Roman" panose="02020603050405020304" pitchFamily="18" charset="0"/>
+              </a:rPr>
+              <a:t>Log</a:t>
+            </a:r>
+            <a:r>
+              <a:rPr lang="zh-TW" altLang="en-US" sz="1400" dirty="0" smtClean="0">
+                <a:latin typeface="Times New Roman" panose="02020603050405020304" pitchFamily="18" charset="0"/>
+                <a:cs typeface="Times New Roman" panose="02020603050405020304" pitchFamily="18" charset="0"/>
+              </a:rPr>
+              <a:t> 檔案</a:t>
+            </a:r>
+            <a:endParaRPr lang="en-US" altLang="zh-TW" sz="1400" dirty="0">
+              <a:latin typeface="Times New Roman" panose="02020603050405020304" pitchFamily="18" charset="0"/>
+              <a:cs typeface="Times New Roman" panose="02020603050405020304" pitchFamily="18" charset="0"/>
+            </a:endParaRPr>
+          </a:p>
+          <a:p>
+            <a:pPr marL="342900" lvl="1" indent="-342900" eaLnBrk="1" hangingPunct="1">
+              <a:buFont typeface="Arial" charset="0"/>
+              <a:buChar char="•"/>
+              <a:defRPr/>
+            </a:pPr>
+            <a:endParaRPr lang="en-US" altLang="zh-TW" sz="1800" dirty="0">
+              <a:latin typeface="Times New Roman" panose="02020603050405020304" pitchFamily="18" charset="0"/>
+              <a:cs typeface="Times New Roman" panose="02020603050405020304" pitchFamily="18" charset="0"/>
+            </a:endParaRPr>
           </a:p>
         </p:txBody>
       </p:sp>
@@ -16358,6 +18015,92 @@
                                           <p:spTgt spid="15362">
                                             <p:txEl>
                                               <p:pRg st="0" end="0"/>
+                                            </p:txEl>
+                                          </p:spTgt>
+                                        </p:tgtEl>
+                                      </p:cBhvr>
+                                    </p:animEffect>
+                                  </p:childTnLst>
+                                </p:cTn>
+                              </p:par>
+                              <p:par>
+                                <p:cTn id="12" presetID="10" presetClass="entr" presetSubtype="0" fill="hold" grpId="0" nodeType="withEffect">
+                                  <p:stCondLst>
+                                    <p:cond delay="0"/>
+                                  </p:stCondLst>
+                                  <p:childTnLst>
+                                    <p:set>
+                                      <p:cBhvr>
+                                        <p:cTn id="13" dur="1" fill="hold">
+                                          <p:stCondLst>
+                                            <p:cond delay="0"/>
+                                          </p:stCondLst>
+                                        </p:cTn>
+                                        <p:tgtEl>
+                                          <p:spTgt spid="15362">
+                                            <p:txEl>
+                                              <p:pRg st="1" end="1"/>
+                                            </p:txEl>
+                                          </p:spTgt>
+                                        </p:tgtEl>
+                                        <p:attrNameLst>
+                                          <p:attrName>style.visibility</p:attrName>
+                                        </p:attrNameLst>
+                                      </p:cBhvr>
+                                      <p:to>
+                                        <p:strVal val="visible"/>
+                                      </p:to>
+                                    </p:set>
+                                    <p:animEffect transition="in" filter="fade">
+                                      <p:cBhvr>
+                                        <p:cTn id="14" dur="250"/>
+                                        <p:tgtEl>
+                                          <p:spTgt spid="15362">
+                                            <p:txEl>
+                                              <p:pRg st="1" end="1"/>
+                                            </p:txEl>
+                                          </p:spTgt>
+                                        </p:tgtEl>
+                                      </p:cBhvr>
+                                    </p:animEffect>
+                                  </p:childTnLst>
+                                </p:cTn>
+                              </p:par>
+                              <p:par>
+                                <p:cTn id="15" presetID="10" presetClass="entr" presetSubtype="0" fill="hold" grpId="0" nodeType="withEffect">
+                                  <p:stCondLst>
+                                    <p:cond delay="0"/>
+                                  </p:stCondLst>
+                                  <p:childTnLst>
+                                    <p:set>
+                                      <p:cBhvr>
+                                        <p:cTn id="16" dur="1" fill="hold">
+                                          <p:stCondLst>
+                                            <p:cond delay="0"/>
+                                          </p:stCondLst>
+                                        </p:cTn>
+                                        <p:tgtEl>
+                                          <p:spTgt spid="15362">
+                                            <p:txEl>
+                                              <p:pRg st="2" end="2"/>
+                                            </p:txEl>
+                                          </p:spTgt>
+                                        </p:tgtEl>
+                                        <p:attrNameLst>
+                                          <p:attrName>style.visibility</p:attrName>
+                                        </p:attrNameLst>
+                                      </p:cBhvr>
+                                      <p:to>
+                                        <p:strVal val="visible"/>
+                                      </p:to>
+                                    </p:set>
+                                    <p:animEffect transition="in" filter="fade">
+                                      <p:cBhvr>
+                                        <p:cTn id="17" dur="250"/>
+                                        <p:tgtEl>
+                                          <p:spTgt spid="15362">
+                                            <p:txEl>
+                                              <p:pRg st="2" end="2"/>
                                             </p:txEl>
                                           </p:spTgt>
                                         </p:tgtEl>
@@ -16711,7 +18454,7 @@
                                     </p:set>
                                     <p:animEffect transition="in" filter="fade">
                                       <p:cBhvr>
-                                        <p:cTn id="15" dur="500"/>
+                                        <p:cTn id="15" dur="250"/>
                                         <p:tgtEl>
                                           <p:spTgt spid="4099"/>
                                         </p:tgtEl>
@@ -17973,7 +19716,7 @@
                                     </p:set>
                                     <p:animEffect transition="in" filter="fade">
                                       <p:cBhvr>
-                                        <p:cTn id="38" dur="500"/>
+                                        <p:cTn id="38" dur="250"/>
                                         <p:tgtEl>
                                           <p:spTgt spid="4"/>
                                         </p:tgtEl>
@@ -21120,7 +22863,7 @@
                                     </p:set>
                                     <p:animEffect transition="in" filter="fade">
                                       <p:cBhvr>
-                                        <p:cTn id="26" dur="500"/>
+                                        <p:cTn id="26" dur="250"/>
                                         <p:tgtEl>
                                           <p:spTgt spid="5"/>
                                         </p:tgtEl>
@@ -21896,24 +23639,15 @@
                                   </p:childTnLst>
                                 </p:cTn>
                               </p:par>
-                            </p:childTnLst>
-                          </p:cTn>
-                        </p:par>
-                        <p:par>
-                          <p:cTn id="8" fill="hold">
-                            <p:stCondLst>
-                              <p:cond delay="250"/>
-                            </p:stCondLst>
-                            <p:childTnLst>
                               <p:par>
-                                <p:cTn id="9" presetID="10" presetClass="entr" presetSubtype="0" fill="hold" grpId="0" nodeType="afterEffect">
+                                <p:cTn id="8" presetID="10" presetClass="entr" presetSubtype="0" fill="hold" grpId="0" nodeType="withEffect">
                                   <p:stCondLst>
                                     <p:cond delay="0"/>
                                   </p:stCondLst>
                                   <p:childTnLst>
                                     <p:set>
                                       <p:cBhvr>
-                                        <p:cTn id="10" dur="1" fill="hold">
+                                        <p:cTn id="9" dur="1" fill="hold">
                                           <p:stCondLst>
                                             <p:cond delay="0"/>
                                           </p:stCondLst>
@@ -21935,7 +23669,7 @@
                                     </p:set>
                                     <p:animEffect transition="in" filter="fade">
                                       <p:cBhvr>
-                                        <p:cTn id="11" dur="250"/>
+                                        <p:cTn id="10" dur="250"/>
                                         <p:tgtEl>
                                           <p:spTgt spid="15362">
                                             <p:txEl>
@@ -21948,32 +23682,57 @@
                                   </p:childTnLst>
                                 </p:cTn>
                               </p:par>
-                            </p:childTnLst>
-                          </p:cTn>
-                        </p:par>
-                      </p:childTnLst>
-                    </p:cTn>
-                  </p:par>
-                  <p:par>
-                    <p:cTn id="12" fill="hold">
-                      <p:stCondLst>
-                        <p:cond delay="indefinite"/>
-                      </p:stCondLst>
-                      <p:childTnLst>
-                        <p:par>
-                          <p:cTn id="13" fill="hold">
-                            <p:stCondLst>
-                              <p:cond delay="0"/>
-                            </p:stCondLst>
-                            <p:childTnLst>
                               <p:par>
-                                <p:cTn id="14" presetID="10" presetClass="entr" presetSubtype="0" fill="hold" grpId="0" nodeType="clickEffect">
+                                <p:cTn id="11" presetID="10" presetClass="entr" presetSubtype="0" fill="hold" grpId="0" nodeType="withEffect">
                                   <p:stCondLst>
                                     <p:cond delay="0"/>
                                   </p:stCondLst>
                                   <p:childTnLst>
                                     <p:set>
                                       <p:cBhvr>
+                                        <p:cTn id="12" dur="1" fill="hold">
+                                          <p:stCondLst>
+                                            <p:cond delay="0"/>
+                                          </p:stCondLst>
+                                        </p:cTn>
+                                        <p:tgtEl>
+                                          <p:spTgt spid="15362">
+                                            <p:txEl>
+                                              <p:pRg st="1" end="1"/>
+                                            </p:txEl>
+                                          </p:spTgt>
+                                        </p:tgtEl>
+                                        <p:attrNameLst>
+                                          <p:attrName>style.visibility</p:attrName>
+                                        </p:attrNameLst>
+                                      </p:cBhvr>
+                                      <p:to>
+                                        <p:strVal val="visible"/>
+                                      </p:to>
+                                    </p:set>
+                                    <p:animEffect transition="in" filter="fade">
+                                      <p:cBhvr>
+                                        <p:cTn id="13" dur="250"/>
+                                        <p:tgtEl>
+                                          <p:spTgt spid="15362">
+                                            <p:txEl>
+                                              <p:pRg st="1" end="1"/>
+                                            </p:txEl>
+                                          </p:spTgt>
+                                        </p:tgtEl>
+                                      </p:cBhvr>
+                                    </p:animEffect>
+                                  </p:childTnLst>
+                                </p:cTn>
+                              </p:par>
+                              <p:par>
+                                <p:cTn id="14" presetID="10" presetClass="entr" presetSubtype="0" fill="hold" grpId="0" nodeType="withEffect">
+                                  <p:stCondLst>
+                                    <p:cond delay="0"/>
+                                  </p:stCondLst>
+                                  <p:childTnLst>
+                                    <p:set>
+                                      <p:cBhvr>
                                         <p:cTn id="15" dur="1" fill="hold">
                                           <p:stCondLst>
                                             <p:cond delay="0"/>
@@ -21982,7 +23741,7 @@
                                         <p:tgtEl>
                                           <p:spTgt spid="15362">
                                             <p:txEl>
-                                              <p:pRg st="1" end="1"/>
+                                              <p:pRg st="2" end="2"/>
                                             </p:txEl>
                                           </p:spTgt>
                                         </p:tgtEl>
@@ -22000,7 +23759,7 @@
                                         <p:tgtEl>
                                           <p:spTgt spid="15362">
                                             <p:txEl>
-                                              <p:pRg st="1" end="1"/>
+                                              <p:pRg st="2" end="2"/>
                                             </p:txEl>
                                           </p:spTgt>
                                         </p:tgtEl>
@@ -22009,24 +23768,15 @@
                                   </p:childTnLst>
                                 </p:cTn>
                               </p:par>
-                            </p:childTnLst>
-                          </p:cTn>
-                        </p:par>
-                        <p:par>
-                          <p:cTn id="17" fill="hold">
-                            <p:stCondLst>
-                              <p:cond delay="250"/>
-                            </p:stCondLst>
-                            <p:childTnLst>
                               <p:par>
-                                <p:cTn id="18" presetID="10" presetClass="entr" presetSubtype="0" fill="hold" grpId="0" nodeType="afterEffect">
+                                <p:cTn id="17" presetID="10" presetClass="entr" presetSubtype="0" fill="hold" grpId="0" nodeType="withEffect">
                                   <p:stCondLst>
                                     <p:cond delay="0"/>
                                   </p:stCondLst>
                                   <p:childTnLst>
                                     <p:set>
                                       <p:cBhvr>
-                                        <p:cTn id="19" dur="1" fill="hold">
+                                        <p:cTn id="18" dur="1" fill="hold">
                                           <p:stCondLst>
                                             <p:cond delay="0"/>
                                           </p:stCondLst>
@@ -22034,7 +23784,7 @@
                                         <p:tgtEl>
                                           <p:spTgt spid="15362">
                                             <p:txEl>
-                                              <p:pRg st="2" end="2"/>
+                                              <p:pRg st="3" end="3"/>
                                             </p:txEl>
                                           </p:spTgt>
                                         </p:tgtEl>
@@ -22048,11 +23798,11 @@
                                     </p:set>
                                     <p:animEffect transition="in" filter="fade">
                                       <p:cBhvr>
-                                        <p:cTn id="20" dur="250"/>
+                                        <p:cTn id="19" dur="250"/>
                                         <p:tgtEl>
                                           <p:spTgt spid="15362">
                                             <p:txEl>
-                                              <p:pRg st="2" end="2"/>
+                                              <p:pRg st="3" end="3"/>
                                             </p:txEl>
                                           </p:spTgt>
                                         </p:tgtEl>
@@ -22061,24 +23811,15 @@
                                   </p:childTnLst>
                                 </p:cTn>
                               </p:par>
-                            </p:childTnLst>
-                          </p:cTn>
-                        </p:par>
-                        <p:par>
-                          <p:cTn id="21" fill="hold">
-                            <p:stCondLst>
-                              <p:cond delay="500"/>
-                            </p:stCondLst>
-                            <p:childTnLst>
                               <p:par>
-                                <p:cTn id="22" presetID="10" presetClass="entr" presetSubtype="0" fill="hold" grpId="0" nodeType="afterEffect">
+                                <p:cTn id="20" presetID="10" presetClass="entr" presetSubtype="0" fill="hold" grpId="0" nodeType="withEffect">
                                   <p:stCondLst>
                                     <p:cond delay="0"/>
                                   </p:stCondLst>
                                   <p:childTnLst>
                                     <p:set>
                                       <p:cBhvr>
-                                        <p:cTn id="23" dur="1" fill="hold">
+                                        <p:cTn id="21" dur="1" fill="hold">
                                           <p:stCondLst>
                                             <p:cond delay="0"/>
                                           </p:stCondLst>
@@ -22086,7 +23827,7 @@
                                         <p:tgtEl>
                                           <p:spTgt spid="15362">
                                             <p:txEl>
-                                              <p:pRg st="3" end="3"/>
+                                              <p:pRg st="4" end="4"/>
                                             </p:txEl>
                                           </p:spTgt>
                                         </p:tgtEl>
@@ -22100,11 +23841,11 @@
                                     </p:set>
                                     <p:animEffect transition="in" filter="fade">
                                       <p:cBhvr>
-                                        <p:cTn id="24" dur="250"/>
+                                        <p:cTn id="22" dur="250"/>
                                         <p:tgtEl>
                                           <p:spTgt spid="15362">
                                             <p:txEl>
-                                              <p:pRg st="3" end="3"/>
+                                              <p:pRg st="4" end="4"/>
                                             </p:txEl>
                                           </p:spTgt>
                                         </p:tgtEl>
@@ -22113,23 +23854,57 @@
                                   </p:childTnLst>
                                 </p:cTn>
                               </p:par>
-                            </p:childTnLst>
-                          </p:cTn>
-                        </p:par>
-                        <p:par>
-                          <p:cTn id="25" fill="hold">
-                            <p:stCondLst>
-                              <p:cond delay="750"/>
-                            </p:stCondLst>
-                            <p:childTnLst>
                               <p:par>
-                                <p:cTn id="26" presetID="10" presetClass="entr" presetSubtype="0" fill="hold" grpId="0" nodeType="afterEffect">
+                                <p:cTn id="23" presetID="10" presetClass="entr" presetSubtype="0" fill="hold" grpId="0" nodeType="withEffect">
                                   <p:stCondLst>
                                     <p:cond delay="0"/>
                                   </p:stCondLst>
                                   <p:childTnLst>
                                     <p:set>
                                       <p:cBhvr>
+                                        <p:cTn id="24" dur="1" fill="hold">
+                                          <p:stCondLst>
+                                            <p:cond delay="0"/>
+                                          </p:stCondLst>
+                                        </p:cTn>
+                                        <p:tgtEl>
+                                          <p:spTgt spid="15362">
+                                            <p:txEl>
+                                              <p:pRg st="5" end="5"/>
+                                            </p:txEl>
+                                          </p:spTgt>
+                                        </p:tgtEl>
+                                        <p:attrNameLst>
+                                          <p:attrName>style.visibility</p:attrName>
+                                        </p:attrNameLst>
+                                      </p:cBhvr>
+                                      <p:to>
+                                        <p:strVal val="visible"/>
+                                      </p:to>
+                                    </p:set>
+                                    <p:animEffect transition="in" filter="fade">
+                                      <p:cBhvr>
+                                        <p:cTn id="25" dur="250"/>
+                                        <p:tgtEl>
+                                          <p:spTgt spid="15362">
+                                            <p:txEl>
+                                              <p:pRg st="5" end="5"/>
+                                            </p:txEl>
+                                          </p:spTgt>
+                                        </p:tgtEl>
+                                      </p:cBhvr>
+                                    </p:animEffect>
+                                  </p:childTnLst>
+                                </p:cTn>
+                              </p:par>
+                              <p:par>
+                                <p:cTn id="26" presetID="10" presetClass="entr" presetSubtype="0" fill="hold" grpId="0" nodeType="withEffect">
+                                  <p:stCondLst>
+                                    <p:cond delay="0"/>
+                                  </p:stCondLst>
+                                  <p:childTnLst>
+                                    <p:set>
+                                      <p:cBhvr>
                                         <p:cTn id="27" dur="1" fill="hold">
                                           <p:stCondLst>
                                             <p:cond delay="0"/>
@@ -22138,7 +23913,7 @@
                                         <p:tgtEl>
                                           <p:spTgt spid="15362">
                                             <p:txEl>
-                                              <p:pRg st="4" end="4"/>
+                                              <p:pRg st="6" end="6"/>
                                             </p:txEl>
                                           </p:spTgt>
                                         </p:tgtEl>
@@ -22156,7 +23931,7 @@
                                         <p:tgtEl>
                                           <p:spTgt spid="15362">
                                             <p:txEl>
-                                              <p:pRg st="4" end="4"/>
+                                              <p:pRg st="6" end="6"/>
                                             </p:txEl>
                                           </p:spTgt>
                                         </p:tgtEl>
@@ -22165,24 +23940,15 @@
                                   </p:childTnLst>
                                 </p:cTn>
                               </p:par>
-                            </p:childTnLst>
-                          </p:cTn>
-                        </p:par>
-                        <p:par>
-                          <p:cTn id="29" fill="hold">
-                            <p:stCondLst>
-                              <p:cond delay="1000"/>
-                            </p:stCondLst>
-                            <p:childTnLst>
                               <p:par>
-                                <p:cTn id="30" presetID="10" presetClass="entr" presetSubtype="0" fill="hold" grpId="0" nodeType="afterEffect">
+                                <p:cTn id="29" presetID="10" presetClass="entr" presetSubtype="0" fill="hold" grpId="0" nodeType="withEffect">
                                   <p:stCondLst>
                                     <p:cond delay="0"/>
                                   </p:stCondLst>
                                   <p:childTnLst>
                                     <p:set>
                                       <p:cBhvr>
-                                        <p:cTn id="31" dur="1" fill="hold">
+                                        <p:cTn id="30" dur="1" fill="hold">
                                           <p:stCondLst>
                                             <p:cond delay="0"/>
                                           </p:stCondLst>
@@ -22190,7 +23956,7 @@
                                         <p:tgtEl>
                                           <p:spTgt spid="15362">
                                             <p:txEl>
-                                              <p:pRg st="5" end="5"/>
+                                              <p:pRg st="7" end="7"/>
                                             </p:txEl>
                                           </p:spTgt>
                                         </p:tgtEl>
@@ -22204,11 +23970,11 @@
                                     </p:set>
                                     <p:animEffect transition="in" filter="fade">
                                       <p:cBhvr>
-                                        <p:cTn id="32" dur="250"/>
+                                        <p:cTn id="31" dur="250"/>
                                         <p:tgtEl>
                                           <p:spTgt spid="15362">
                                             <p:txEl>
-                                              <p:pRg st="5" end="5"/>
+                                              <p:pRg st="7" end="7"/>
                                             </p:txEl>
                                           </p:spTgt>
                                         </p:tgtEl>
@@ -22217,24 +23983,15 @@
                                   </p:childTnLst>
                                 </p:cTn>
                               </p:par>
-                            </p:childTnLst>
-                          </p:cTn>
-                        </p:par>
-                        <p:par>
-                          <p:cTn id="33" fill="hold">
-                            <p:stCondLst>
-                              <p:cond delay="1250"/>
-                            </p:stCondLst>
-                            <p:childTnLst>
                               <p:par>
-                                <p:cTn id="34" presetID="10" presetClass="entr" presetSubtype="0" fill="hold" grpId="0" nodeType="afterEffect">
+                                <p:cTn id="32" presetID="10" presetClass="entr" presetSubtype="0" fill="hold" grpId="0" nodeType="withEffect">
                                   <p:stCondLst>
                                     <p:cond delay="0"/>
                                   </p:stCondLst>
                                   <p:childTnLst>
                                     <p:set>
                                       <p:cBhvr>
-                                        <p:cTn id="35" dur="1" fill="hold">
+                                        <p:cTn id="33" dur="1" fill="hold">
                                           <p:stCondLst>
                                             <p:cond delay="0"/>
                                           </p:stCondLst>
@@ -22242,7 +23999,7 @@
                                         <p:tgtEl>
                                           <p:spTgt spid="15362">
                                             <p:txEl>
-                                              <p:pRg st="6" end="6"/>
+                                              <p:pRg st="8" end="8"/>
                                             </p:txEl>
                                           </p:spTgt>
                                         </p:tgtEl>
@@ -22256,11 +24013,11 @@
                                     </p:set>
                                     <p:animEffect transition="in" filter="fade">
                                       <p:cBhvr>
-                                        <p:cTn id="36" dur="250"/>
+                                        <p:cTn id="34" dur="250"/>
                                         <p:tgtEl>
                                           <p:spTgt spid="15362">
                                             <p:txEl>
-                                              <p:pRg st="6" end="6"/>
+                                              <p:pRg st="8" end="8"/>
                                             </p:txEl>
                                           </p:spTgt>
                                         </p:tgtEl>
@@ -22269,23 +24026,57 @@
                                   </p:childTnLst>
                                 </p:cTn>
                               </p:par>
-                            </p:childTnLst>
-                          </p:cTn>
-                        </p:par>
-                        <p:par>
-                          <p:cTn id="37" fill="hold">
-                            <p:stCondLst>
-                              <p:cond delay="1500"/>
-                            </p:stCondLst>
-                            <p:childTnLst>
                               <p:par>
-                                <p:cTn id="38" presetID="10" presetClass="entr" presetSubtype="0" fill="hold" grpId="0" nodeType="afterEffect">
+                                <p:cTn id="35" presetID="10" presetClass="entr" presetSubtype="0" fill="hold" grpId="0" nodeType="withEffect">
                                   <p:stCondLst>
                                     <p:cond delay="0"/>
                                   </p:stCondLst>
                                   <p:childTnLst>
                                     <p:set>
                                       <p:cBhvr>
+                                        <p:cTn id="36" dur="1" fill="hold">
+                                          <p:stCondLst>
+                                            <p:cond delay="0"/>
+                                          </p:stCondLst>
+                                        </p:cTn>
+                                        <p:tgtEl>
+                                          <p:spTgt spid="15362">
+                                            <p:txEl>
+                                              <p:pRg st="9" end="9"/>
+                                            </p:txEl>
+                                          </p:spTgt>
+                                        </p:tgtEl>
+                                        <p:attrNameLst>
+                                          <p:attrName>style.visibility</p:attrName>
+                                        </p:attrNameLst>
+                                      </p:cBhvr>
+                                      <p:to>
+                                        <p:strVal val="visible"/>
+                                      </p:to>
+                                    </p:set>
+                                    <p:animEffect transition="in" filter="fade">
+                                      <p:cBhvr>
+                                        <p:cTn id="37" dur="250"/>
+                                        <p:tgtEl>
+                                          <p:spTgt spid="15362">
+                                            <p:txEl>
+                                              <p:pRg st="9" end="9"/>
+                                            </p:txEl>
+                                          </p:spTgt>
+                                        </p:tgtEl>
+                                      </p:cBhvr>
+                                    </p:animEffect>
+                                  </p:childTnLst>
+                                </p:cTn>
+                              </p:par>
+                              <p:par>
+                                <p:cTn id="38" presetID="10" presetClass="entr" presetSubtype="0" fill="hold" grpId="0" nodeType="withEffect">
+                                  <p:stCondLst>
+                                    <p:cond delay="0"/>
+                                  </p:stCondLst>
+                                  <p:childTnLst>
+                                    <p:set>
+                                      <p:cBhvr>
                                         <p:cTn id="39" dur="1" fill="hold">
                                           <p:stCondLst>
                                             <p:cond delay="0"/>
@@ -22294,7 +24085,7 @@
                                         <p:tgtEl>
                                           <p:spTgt spid="15362">
                                             <p:txEl>
-                                              <p:pRg st="7" end="7"/>
+                                              <p:pRg st="10" end="10"/>
                                             </p:txEl>
                                           </p:spTgt>
                                         </p:tgtEl>
@@ -22309,162 +24100,6 @@
                                     <p:animEffect transition="in" filter="fade">
                                       <p:cBhvr>
                                         <p:cTn id="40" dur="250"/>
-                                        <p:tgtEl>
-                                          <p:spTgt spid="15362">
-                                            <p:txEl>
-                                              <p:pRg st="7" end="7"/>
-                                            </p:txEl>
-                                          </p:spTgt>
-                                        </p:tgtEl>
-                                      </p:cBhvr>
-                                    </p:animEffect>
-                                  </p:childTnLst>
-                                </p:cTn>
-                              </p:par>
-                            </p:childTnLst>
-                          </p:cTn>
-                        </p:par>
-                        <p:par>
-                          <p:cTn id="41" fill="hold">
-                            <p:stCondLst>
-                              <p:cond delay="1750"/>
-                            </p:stCondLst>
-                            <p:childTnLst>
-                              <p:par>
-                                <p:cTn id="42" presetID="10" presetClass="entr" presetSubtype="0" fill="hold" grpId="0" nodeType="afterEffect">
-                                  <p:stCondLst>
-                                    <p:cond delay="0"/>
-                                  </p:stCondLst>
-                                  <p:childTnLst>
-                                    <p:set>
-                                      <p:cBhvr>
-                                        <p:cTn id="43" dur="1" fill="hold">
-                                          <p:stCondLst>
-                                            <p:cond delay="0"/>
-                                          </p:stCondLst>
-                                        </p:cTn>
-                                        <p:tgtEl>
-                                          <p:spTgt spid="15362">
-                                            <p:txEl>
-                                              <p:pRg st="8" end="8"/>
-                                            </p:txEl>
-                                          </p:spTgt>
-                                        </p:tgtEl>
-                                        <p:attrNameLst>
-                                          <p:attrName>style.visibility</p:attrName>
-                                        </p:attrNameLst>
-                                      </p:cBhvr>
-                                      <p:to>
-                                        <p:strVal val="visible"/>
-                                      </p:to>
-                                    </p:set>
-                                    <p:animEffect transition="in" filter="fade">
-                                      <p:cBhvr>
-                                        <p:cTn id="44" dur="250"/>
-                                        <p:tgtEl>
-                                          <p:spTgt spid="15362">
-                                            <p:txEl>
-                                              <p:pRg st="8" end="8"/>
-                                            </p:txEl>
-                                          </p:spTgt>
-                                        </p:tgtEl>
-                                      </p:cBhvr>
-                                    </p:animEffect>
-                                  </p:childTnLst>
-                                </p:cTn>
-                              </p:par>
-                            </p:childTnLst>
-                          </p:cTn>
-                        </p:par>
-                        <p:par>
-                          <p:cTn id="45" fill="hold">
-                            <p:stCondLst>
-                              <p:cond delay="2000"/>
-                            </p:stCondLst>
-                            <p:childTnLst>
-                              <p:par>
-                                <p:cTn id="46" presetID="10" presetClass="entr" presetSubtype="0" fill="hold" grpId="0" nodeType="afterEffect">
-                                  <p:stCondLst>
-                                    <p:cond delay="0"/>
-                                  </p:stCondLst>
-                                  <p:childTnLst>
-                                    <p:set>
-                                      <p:cBhvr>
-                                        <p:cTn id="47" dur="1" fill="hold">
-                                          <p:stCondLst>
-                                            <p:cond delay="0"/>
-                                          </p:stCondLst>
-                                        </p:cTn>
-                                        <p:tgtEl>
-                                          <p:spTgt spid="15362">
-                                            <p:txEl>
-                                              <p:pRg st="9" end="9"/>
-                                            </p:txEl>
-                                          </p:spTgt>
-                                        </p:tgtEl>
-                                        <p:attrNameLst>
-                                          <p:attrName>style.visibility</p:attrName>
-                                        </p:attrNameLst>
-                                      </p:cBhvr>
-                                      <p:to>
-                                        <p:strVal val="visible"/>
-                                      </p:to>
-                                    </p:set>
-                                    <p:animEffect transition="in" filter="fade">
-                                      <p:cBhvr>
-                                        <p:cTn id="48" dur="250"/>
-                                        <p:tgtEl>
-                                          <p:spTgt spid="15362">
-                                            <p:txEl>
-                                              <p:pRg st="9" end="9"/>
-                                            </p:txEl>
-                                          </p:spTgt>
-                                        </p:tgtEl>
-                                      </p:cBhvr>
-                                    </p:animEffect>
-                                  </p:childTnLst>
-                                </p:cTn>
-                              </p:par>
-                            </p:childTnLst>
-                          </p:cTn>
-                        </p:par>
-                        <p:par>
-                          <p:cTn id="49" fill="hold">
-                            <p:stCondLst>
-                              <p:cond delay="2250"/>
-                            </p:stCondLst>
-                            <p:childTnLst>
-                              <p:par>
-                                <p:cTn id="50" presetID="10" presetClass="entr" presetSubtype="0" fill="hold" grpId="0" nodeType="afterEffect">
-                                  <p:stCondLst>
-                                    <p:cond delay="0"/>
-                                  </p:stCondLst>
-                                  <p:childTnLst>
-                                    <p:set>
-                                      <p:cBhvr>
-                                        <p:cTn id="51" dur="1" fill="hold">
-                                          <p:stCondLst>
-                                            <p:cond delay="0"/>
-                                          </p:stCondLst>
-                                        </p:cTn>
-                                        <p:tgtEl>
-                                          <p:spTgt spid="15362">
-                                            <p:txEl>
-                                              <p:pRg st="10" end="10"/>
-                                            </p:txEl>
-                                          </p:spTgt>
-                                        </p:tgtEl>
-                                        <p:attrNameLst>
-                                          <p:attrName>style.visibility</p:attrName>
-                                        </p:attrNameLst>
-                                      </p:cBhvr>
-                                      <p:to>
-                                        <p:strVal val="visible"/>
-                                      </p:to>
-                                    </p:set>
-                                    <p:animEffect transition="in" filter="fade">
-                                      <p:cBhvr>
-                                        <p:cTn id="52" dur="250"/>
                                         <p:tgtEl>
                                           <p:spTgt spid="15362">
                                             <p:txEl>

--- a/kpi/Test Automation_Demo.pptx
+++ b/kpi/Test Automation_Demo.pptx
@@ -5,10 +5,10 @@
     <p:sldMasterId id="2147484176" r:id="rId1"/>
   </p:sldMasterIdLst>
   <p:notesMasterIdLst>
-    <p:notesMasterId r:id="rId34"/>
+    <p:notesMasterId r:id="rId37"/>
   </p:notesMasterIdLst>
   <p:handoutMasterIdLst>
-    <p:handoutMasterId r:id="rId35"/>
+    <p:handoutMasterId r:id="rId38"/>
   </p:handoutMasterIdLst>
   <p:sldIdLst>
     <p:sldId id="524" r:id="rId2"/>
@@ -37,12 +37,15 @@
     <p:sldId id="569" r:id="rId25"/>
     <p:sldId id="557" r:id="rId26"/>
     <p:sldId id="568" r:id="rId27"/>
-    <p:sldId id="565" r:id="rId28"/>
-    <p:sldId id="567" r:id="rId29"/>
-    <p:sldId id="559" r:id="rId30"/>
-    <p:sldId id="566" r:id="rId31"/>
-    <p:sldId id="551" r:id="rId32"/>
-    <p:sldId id="523" r:id="rId33"/>
+    <p:sldId id="580" r:id="rId28"/>
+    <p:sldId id="565" r:id="rId29"/>
+    <p:sldId id="567" r:id="rId30"/>
+    <p:sldId id="578" r:id="rId31"/>
+    <p:sldId id="579" r:id="rId32"/>
+    <p:sldId id="559" r:id="rId33"/>
+    <p:sldId id="566" r:id="rId34"/>
+    <p:sldId id="551" r:id="rId35"/>
+    <p:sldId id="523" r:id="rId36"/>
   </p:sldIdLst>
   <p:sldSz cx="9144000" cy="5143500" type="screen16x9"/>
   <p:notesSz cx="7099300" cy="10234613"/>
@@ -2929,7 +2932,7 @@
     </p:spTree>
     <p:extLst>
       <p:ext uri="{BB962C8B-B14F-4D97-AF65-F5344CB8AC3E}">
-        <p14:creationId xmlns:p14="http://schemas.microsoft.com/office/powerpoint/2010/main" val="770017496"/>
+        <p14:creationId xmlns:p14="http://schemas.microsoft.com/office/powerpoint/2010/main" val="1957161656"/>
       </p:ext>
     </p:extLst>
   </p:cSld>
@@ -3025,6 +3028,261 @@
 </file>
 
 <file path=ppt/notesSlides/notesSlide30.xml><?xml version="1.0" encoding="utf-8"?>
+<p:notes xmlns:a="http://schemas.openxmlformats.org/drawingml/2006/main" xmlns:r="http://schemas.openxmlformats.org/officeDocument/2006/relationships" xmlns:p="http://schemas.openxmlformats.org/presentationml/2006/main">
+  <p:cSld>
+    <p:spTree>
+      <p:nvGrpSpPr>
+        <p:cNvPr id="1" name=""/>
+        <p:cNvGrpSpPr/>
+        <p:nvPr/>
+      </p:nvGrpSpPr>
+      <p:grpSpPr>
+        <a:xfrm>
+          <a:off x="0" y="0"/>
+          <a:ext cx="0" cy="0"/>
+          <a:chOff x="0" y="0"/>
+          <a:chExt cx="0" cy="0"/>
+        </a:xfrm>
+      </p:grpSpPr>
+      <p:sp>
+        <p:nvSpPr>
+          <p:cNvPr id="2" name="投影片圖像版面配置區 1"/>
+          <p:cNvSpPr>
+            <a:spLocks noGrp="1" noRot="1" noChangeAspect="1"/>
+          </p:cNvSpPr>
+          <p:nvPr>
+            <p:ph type="sldImg"/>
+          </p:nvPr>
+        </p:nvSpPr>
+        <p:spPr/>
+      </p:sp>
+      <p:sp>
+        <p:nvSpPr>
+          <p:cNvPr id="3" name="備忘稿版面配置區 2"/>
+          <p:cNvSpPr>
+            <a:spLocks noGrp="1"/>
+          </p:cNvSpPr>
+          <p:nvPr>
+            <p:ph type="body" idx="1"/>
+          </p:nvPr>
+        </p:nvSpPr>
+        <p:spPr/>
+        <p:txBody>
+          <a:bodyPr/>
+          <a:lstStyle/>
+          <a:p>
+            <a:endParaRPr lang="zh-TW" altLang="en-US" dirty="0"/>
+          </a:p>
+        </p:txBody>
+      </p:sp>
+      <p:sp>
+        <p:nvSpPr>
+          <p:cNvPr id="4" name="投影片編號版面配置區 3"/>
+          <p:cNvSpPr>
+            <a:spLocks noGrp="1"/>
+          </p:cNvSpPr>
+          <p:nvPr>
+            <p:ph type="sldNum" sz="quarter" idx="10"/>
+          </p:nvPr>
+        </p:nvSpPr>
+        <p:spPr/>
+        <p:txBody>
+          <a:bodyPr/>
+          <a:lstStyle/>
+          <a:p>
+            <a:fld id="{5FAE23DA-1601-498D-B2E3-972800982184}" type="slidenum">
+              <a:rPr lang="en-US" altLang="zh-TW" smtClean="0"/>
+              <a:pPr/>
+              <a:t>32</a:t>
+            </a:fld>
+            <a:endParaRPr lang="en-US" altLang="zh-TW"/>
+          </a:p>
+        </p:txBody>
+      </p:sp>
+    </p:spTree>
+    <p:extLst>
+      <p:ext uri="{BB962C8B-B14F-4D97-AF65-F5344CB8AC3E}">
+        <p14:creationId xmlns:p14="http://schemas.microsoft.com/office/powerpoint/2010/main" val="1957161656"/>
+      </p:ext>
+    </p:extLst>
+  </p:cSld>
+  <p:clrMapOvr>
+    <a:masterClrMapping/>
+  </p:clrMapOvr>
+</p:notes>
+</file>
+
+<file path=ppt/notesSlides/notesSlide31.xml><?xml version="1.0" encoding="utf-8"?>
+<p:notes xmlns:a="http://schemas.openxmlformats.org/drawingml/2006/main" xmlns:r="http://schemas.openxmlformats.org/officeDocument/2006/relationships" xmlns:p="http://schemas.openxmlformats.org/presentationml/2006/main">
+  <p:cSld>
+    <p:spTree>
+      <p:nvGrpSpPr>
+        <p:cNvPr id="1" name=""/>
+        <p:cNvGrpSpPr/>
+        <p:nvPr/>
+      </p:nvGrpSpPr>
+      <p:grpSpPr>
+        <a:xfrm>
+          <a:off x="0" y="0"/>
+          <a:ext cx="0" cy="0"/>
+          <a:chOff x="0" y="0"/>
+          <a:chExt cx="0" cy="0"/>
+        </a:xfrm>
+      </p:grpSpPr>
+      <p:sp>
+        <p:nvSpPr>
+          <p:cNvPr id="2" name="投影片圖像版面配置區 1"/>
+          <p:cNvSpPr>
+            <a:spLocks noGrp="1" noRot="1" noChangeAspect="1"/>
+          </p:cNvSpPr>
+          <p:nvPr>
+            <p:ph type="sldImg"/>
+          </p:nvPr>
+        </p:nvSpPr>
+        <p:spPr/>
+      </p:sp>
+      <p:sp>
+        <p:nvSpPr>
+          <p:cNvPr id="3" name="備忘稿版面配置區 2"/>
+          <p:cNvSpPr>
+            <a:spLocks noGrp="1"/>
+          </p:cNvSpPr>
+          <p:nvPr>
+            <p:ph type="body" idx="1"/>
+          </p:nvPr>
+        </p:nvSpPr>
+        <p:spPr/>
+        <p:txBody>
+          <a:bodyPr/>
+          <a:lstStyle/>
+          <a:p>
+            <a:endParaRPr lang="zh-TW" altLang="en-US" dirty="0"/>
+          </a:p>
+        </p:txBody>
+      </p:sp>
+      <p:sp>
+        <p:nvSpPr>
+          <p:cNvPr id="4" name="投影片編號版面配置區 3"/>
+          <p:cNvSpPr>
+            <a:spLocks noGrp="1"/>
+          </p:cNvSpPr>
+          <p:nvPr>
+            <p:ph type="sldNum" sz="quarter" idx="10"/>
+          </p:nvPr>
+        </p:nvSpPr>
+        <p:spPr/>
+        <p:txBody>
+          <a:bodyPr/>
+          <a:lstStyle/>
+          <a:p>
+            <a:fld id="{5FAE23DA-1601-498D-B2E3-972800982184}" type="slidenum">
+              <a:rPr lang="en-US" altLang="zh-TW" smtClean="0"/>
+              <a:pPr/>
+              <a:t>33</a:t>
+            </a:fld>
+            <a:endParaRPr lang="en-US" altLang="zh-TW"/>
+          </a:p>
+        </p:txBody>
+      </p:sp>
+    </p:spTree>
+    <p:extLst>
+      <p:ext uri="{BB962C8B-B14F-4D97-AF65-F5344CB8AC3E}">
+        <p14:creationId xmlns:p14="http://schemas.microsoft.com/office/powerpoint/2010/main" val="1957161656"/>
+      </p:ext>
+    </p:extLst>
+  </p:cSld>
+  <p:clrMapOvr>
+    <a:masterClrMapping/>
+  </p:clrMapOvr>
+</p:notes>
+</file>
+
+<file path=ppt/notesSlides/notesSlide32.xml><?xml version="1.0" encoding="utf-8"?>
+<p:notes xmlns:a="http://schemas.openxmlformats.org/drawingml/2006/main" xmlns:r="http://schemas.openxmlformats.org/officeDocument/2006/relationships" xmlns:p="http://schemas.openxmlformats.org/presentationml/2006/main">
+  <p:cSld>
+    <p:spTree>
+      <p:nvGrpSpPr>
+        <p:cNvPr id="1" name=""/>
+        <p:cNvGrpSpPr/>
+        <p:nvPr/>
+      </p:nvGrpSpPr>
+      <p:grpSpPr>
+        <a:xfrm>
+          <a:off x="0" y="0"/>
+          <a:ext cx="0" cy="0"/>
+          <a:chOff x="0" y="0"/>
+          <a:chExt cx="0" cy="0"/>
+        </a:xfrm>
+      </p:grpSpPr>
+      <p:sp>
+        <p:nvSpPr>
+          <p:cNvPr id="2" name="投影片圖像版面配置區 1"/>
+          <p:cNvSpPr>
+            <a:spLocks noGrp="1" noRot="1" noChangeAspect="1"/>
+          </p:cNvSpPr>
+          <p:nvPr>
+            <p:ph type="sldImg"/>
+          </p:nvPr>
+        </p:nvSpPr>
+        <p:spPr/>
+      </p:sp>
+      <p:sp>
+        <p:nvSpPr>
+          <p:cNvPr id="3" name="備忘稿版面配置區 2"/>
+          <p:cNvSpPr>
+            <a:spLocks noGrp="1"/>
+          </p:cNvSpPr>
+          <p:nvPr>
+            <p:ph type="body" idx="1"/>
+          </p:nvPr>
+        </p:nvSpPr>
+        <p:spPr/>
+        <p:txBody>
+          <a:bodyPr/>
+          <a:lstStyle/>
+          <a:p>
+            <a:endParaRPr lang="zh-TW" altLang="en-US" dirty="0"/>
+          </a:p>
+        </p:txBody>
+      </p:sp>
+      <p:sp>
+        <p:nvSpPr>
+          <p:cNvPr id="4" name="投影片編號版面配置區 3"/>
+          <p:cNvSpPr>
+            <a:spLocks noGrp="1"/>
+          </p:cNvSpPr>
+          <p:nvPr>
+            <p:ph type="sldNum" sz="quarter" idx="10"/>
+          </p:nvPr>
+        </p:nvSpPr>
+        <p:spPr/>
+        <p:txBody>
+          <a:bodyPr/>
+          <a:lstStyle/>
+          <a:p>
+            <a:fld id="{5FAE23DA-1601-498D-B2E3-972800982184}" type="slidenum">
+              <a:rPr lang="en-US" altLang="zh-TW" smtClean="0"/>
+              <a:pPr/>
+              <a:t>34</a:t>
+            </a:fld>
+            <a:endParaRPr lang="en-US" altLang="zh-TW"/>
+          </a:p>
+        </p:txBody>
+      </p:sp>
+    </p:spTree>
+    <p:extLst>
+      <p:ext uri="{BB962C8B-B14F-4D97-AF65-F5344CB8AC3E}">
+        <p14:creationId xmlns:p14="http://schemas.microsoft.com/office/powerpoint/2010/main" val="770017496"/>
+      </p:ext>
+    </p:extLst>
+  </p:cSld>
+  <p:clrMapOvr>
+    <a:masterClrMapping/>
+  </p:clrMapOvr>
+</p:notes>
+</file>
+
+<file path=ppt/notesSlides/notesSlide33.xml><?xml version="1.0" encoding="utf-8"?>
 <p:notes xmlns:a="http://schemas.openxmlformats.org/drawingml/2006/main" xmlns:r="http://schemas.openxmlformats.org/officeDocument/2006/relationships" xmlns:p="http://schemas.openxmlformats.org/presentationml/2006/main">
   <p:cSld>
     <p:spTree>
@@ -3270,7 +3528,7 @@
                   <a:spcPct val="0"/>
                 </a:spcBef>
               </a:pPr>
-              <a:t>32</a:t>
+              <a:t>35</a:t>
             </a:fld>
             <a:endParaRPr lang="en-US" altLang="zh-TW" sz="1300">
               <a:latin typeface="Garamond" panose="02020404030301010803" pitchFamily="18" charset="0"/>
@@ -10234,7 +10492,7 @@
           <a:graphicData uri="http://schemas.openxmlformats.org/presentationml/2006/ole">
             <mc:AlternateContent xmlns:mc="http://schemas.openxmlformats.org/markup-compatibility/2006">
               <mc:Choice xmlns:v="urn:schemas-microsoft-com:vml" Requires="v">
-                <p:oleObj spid="_x0000_s5140" name="封裝程式殼層物件" showAsIcon="1" r:id="rId4" imgW="744480" imgH="394920" progId="Package">
+                <p:oleObj spid="_x0000_s5162" name="封裝程式殼層物件" showAsIcon="1" r:id="rId4" imgW="744480" imgH="394920" progId="Package">
                   <p:embed/>
                 </p:oleObj>
               </mc:Choice>
@@ -11586,7 +11844,7 @@
                 <a:latin typeface="Times New Roman" panose="02020603050405020304" pitchFamily="18" charset="0"/>
                 <a:cs typeface="Times New Roman" panose="02020603050405020304" pitchFamily="18" charset="0"/>
               </a:rPr>
-              <a:t>)</a:t>
+              <a:t>) for WLAN and WWAN</a:t>
             </a:r>
             <a:endParaRPr lang="en-US" altLang="zh-TW" sz="1800" dirty="0">
               <a:latin typeface="Times New Roman" panose="02020603050405020304" pitchFamily="18" charset="0"/>
@@ -11955,8 +12213,19 @@
                 <a:latin typeface="Times New Roman" panose="02020603050405020304" pitchFamily="18" charset="0"/>
                 <a:cs typeface="Times New Roman" panose="02020603050405020304" pitchFamily="18" charset="0"/>
               </a:rPr>
-              <a:t>(RJ-45), Android 8.1.0 (OTG)</a:t>
-            </a:r>
+              <a:t>(RJ-45), Android 8.1.0 (OTG</a:t>
+            </a:r>
+            <a:r>
+              <a:rPr lang="en-US" altLang="zh-TW" sz="1800" dirty="0" smtClean="0">
+                <a:latin typeface="Times New Roman" panose="02020603050405020304" pitchFamily="18" charset="0"/>
+                <a:cs typeface="Times New Roman" panose="02020603050405020304" pitchFamily="18" charset="0"/>
+              </a:rPr>
+              <a:t>) for WLAN and WWAN</a:t>
+            </a:r>
+            <a:endParaRPr lang="en-US" altLang="zh-TW" sz="1800" dirty="0">
+              <a:latin typeface="Times New Roman" panose="02020603050405020304" pitchFamily="18" charset="0"/>
+              <a:cs typeface="Times New Roman" panose="02020603050405020304" pitchFamily="18" charset="0"/>
+            </a:endParaRPr>
           </a:p>
           <a:p>
             <a:pPr marL="342900" lvl="1" indent="-342900" eaLnBrk="1" hangingPunct="1">
@@ -12320,7 +12589,7 @@
                 <a:latin typeface="Times New Roman" panose="02020603050405020304" pitchFamily="18" charset="0"/>
                 <a:cs typeface="Times New Roman" panose="02020603050405020304" pitchFamily="18" charset="0"/>
               </a:rPr>
-              <a:t>Windows</a:t>
+              <a:t>Windows for WLAN</a:t>
             </a:r>
             <a:endParaRPr lang="en-US" altLang="zh-TW" sz="1800" dirty="0">
               <a:latin typeface="Times New Roman" panose="02020603050405020304" pitchFamily="18" charset="0"/>
@@ -13697,7 +13966,7 @@
           <a:graphicData uri="http://schemas.openxmlformats.org/presentationml/2006/ole">
             <mc:AlternateContent xmlns:mc="http://schemas.openxmlformats.org/markup-compatibility/2006">
               <mc:Choice xmlns:v="urn:schemas-microsoft-com:vml" Requires="v">
-                <p:oleObj spid="_x0000_s3171" name="封裝程式殼層物件" showAsIcon="1" r:id="rId4" imgW="671760" imgH="394920" progId="Package">
+                <p:oleObj spid="_x0000_s3193" name="封裝程式殼層物件" showAsIcon="1" r:id="rId4" imgW="671760" imgH="394920" progId="Package">
                   <p:embed/>
                 </p:oleObj>
               </mc:Choice>
@@ -14240,19 +14509,16 @@
               <a:t>base on the product </a:t>
             </a:r>
             <a:r>
-              <a:rPr lang="en-US" altLang="zh-TW" sz="1800" dirty="0">
-                <a:latin typeface="Times New Roman" panose="02020603050405020304" pitchFamily="18" charset="0"/>
-                <a:cs typeface="Times New Roman" panose="02020603050405020304" pitchFamily="18" charset="0"/>
-              </a:rPr>
-              <a:t>s</a:t>
-            </a:r>
-            <a:r>
               <a:rPr lang="en-US" altLang="zh-TW" sz="1800" dirty="0" smtClean="0">
                 <a:latin typeface="Times New Roman" panose="02020603050405020304" pitchFamily="18" charset="0"/>
                 <a:cs typeface="Times New Roman" panose="02020603050405020304" pitchFamily="18" charset="0"/>
               </a:rPr>
-              <a:t>pecification</a:t>
-            </a:r>
+              <a:t>specification.</a:t>
+            </a:r>
+            <a:endParaRPr lang="en-US" altLang="zh-TW" sz="1800" dirty="0" smtClean="0">
+              <a:latin typeface="Times New Roman" panose="02020603050405020304" pitchFamily="18" charset="0"/>
+              <a:cs typeface="Times New Roman" panose="02020603050405020304" pitchFamily="18" charset="0"/>
+            </a:endParaRPr>
           </a:p>
           <a:p>
             <a:pPr marL="742950" lvl="2" indent="-342900" eaLnBrk="1" hangingPunct="1">
@@ -14997,8 +15263,19 @@
                 <a:latin typeface="Times New Roman" panose="02020603050405020304" pitchFamily="18" charset="0"/>
                 <a:cs typeface="Times New Roman" panose="02020603050405020304" pitchFamily="18" charset="0"/>
               </a:rPr>
-              <a:t>The output luminance photo </a:t>
-            </a:r>
+              <a:t>The output luminance </a:t>
+            </a:r>
+            <a:r>
+              <a:rPr lang="en-US" altLang="zh-TW" sz="1800" dirty="0" smtClean="0">
+                <a:latin typeface="Times New Roman" panose="02020603050405020304" pitchFamily="18" charset="0"/>
+                <a:cs typeface="Times New Roman" panose="02020603050405020304" pitchFamily="18" charset="0"/>
+              </a:rPr>
+              <a:t>photo.</a:t>
+            </a:r>
+            <a:endParaRPr lang="en-US" altLang="zh-TW" sz="1800" dirty="0" smtClean="0">
+              <a:latin typeface="Times New Roman" panose="02020603050405020304" pitchFamily="18" charset="0"/>
+              <a:cs typeface="Times New Roman" panose="02020603050405020304" pitchFamily="18" charset="0"/>
+            </a:endParaRPr>
           </a:p>
         </p:txBody>
       </p:sp>
@@ -17091,33 +17368,16 @@
               <a:defRPr/>
             </a:pPr>
             <a:r>
-              <a:rPr lang="en-US" altLang="zh-TW" sz="1800" dirty="0">
+              <a:rPr lang="zh-TW" altLang="en-US" sz="1800" dirty="0">
                 <a:latin typeface="Times New Roman" panose="02020603050405020304" pitchFamily="18" charset="0"/>
                 <a:cs typeface="Times New Roman" panose="02020603050405020304" pitchFamily="18" charset="0"/>
               </a:rPr>
-              <a:t>The tool of pre-conditions base on </a:t>
-            </a:r>
-            <a:r>
-              <a:rPr lang="en-US" altLang="zh-TW" sz="1800" dirty="0" smtClean="0">
-                <a:latin typeface="Times New Roman" panose="02020603050405020304" pitchFamily="18" charset="0"/>
-                <a:cs typeface="Times New Roman" panose="02020603050405020304" pitchFamily="18" charset="0"/>
-              </a:rPr>
-              <a:t>the</a:t>
-            </a:r>
-            <a:r>
-              <a:rPr lang="zh-TW" altLang="en-US" sz="1800" dirty="0" smtClean="0">
-                <a:latin typeface="Times New Roman" panose="02020603050405020304" pitchFamily="18" charset="0"/>
-                <a:cs typeface="Times New Roman" panose="02020603050405020304" pitchFamily="18" charset="0"/>
-              </a:rPr>
-              <a:t> </a:t>
-            </a:r>
-            <a:r>
-              <a:rPr lang="en-US" altLang="zh-TW" sz="1800" dirty="0" smtClean="0">
-                <a:latin typeface="Times New Roman" panose="02020603050405020304" pitchFamily="18" charset="0"/>
-                <a:cs typeface="Times New Roman" panose="02020603050405020304" pitchFamily="18" charset="0"/>
-              </a:rPr>
-              <a:t>exe script.</a:t>
-            </a:r>
+              <a:t>結論</a:t>
+            </a:r>
+            <a:endParaRPr lang="en-US" altLang="zh-TW" sz="1800" dirty="0">
+              <a:latin typeface="Times New Roman" panose="02020603050405020304" pitchFamily="18" charset="0"/>
+              <a:cs typeface="Times New Roman" panose="02020603050405020304" pitchFamily="18" charset="0"/>
+            </a:endParaRPr>
           </a:p>
           <a:p>
             <a:pPr marL="742950" lvl="2" indent="-342900" eaLnBrk="1" hangingPunct="1">
@@ -17126,26 +17386,30 @@
               <a:defRPr/>
             </a:pPr>
             <a:r>
-              <a:rPr lang="en-US" altLang="zh-TW" sz="1400" dirty="0" smtClean="0">
+              <a:rPr lang="zh-TW" altLang="en-US" sz="1400" dirty="0">
                 <a:latin typeface="Times New Roman" panose="02020603050405020304" pitchFamily="18" charset="0"/>
                 <a:cs typeface="Times New Roman" panose="02020603050405020304" pitchFamily="18" charset="0"/>
               </a:rPr>
-              <a:t>bit.exe -c </a:t>
-            </a:r>
-            <a:r>
-              <a:rPr lang="en-US" altLang="zh-TW" sz="1400" dirty="0" err="1" smtClean="0">
+              <a:t>自動化安裝 </a:t>
+            </a:r>
+            <a:r>
+              <a:rPr lang="en-US" altLang="zh-TW" sz="1400" dirty="0">
                 <a:latin typeface="Times New Roman" panose="02020603050405020304" pitchFamily="18" charset="0"/>
                 <a:cs typeface="Times New Roman" panose="02020603050405020304" pitchFamily="18" charset="0"/>
               </a:rPr>
-              <a:t>dqa.bitcfg</a:t>
-            </a:r>
-            <a:r>
-              <a:rPr lang="en-US" altLang="zh-TW" sz="1400" dirty="0" smtClean="0">
+              <a:t>Windows OS</a:t>
+            </a:r>
+            <a:r>
+              <a:rPr lang="zh-TW" altLang="en-US" sz="1400" dirty="0">
                 <a:latin typeface="Times New Roman" panose="02020603050405020304" pitchFamily="18" charset="0"/>
                 <a:cs typeface="Times New Roman" panose="02020603050405020304" pitchFamily="18" charset="0"/>
               </a:rPr>
-              <a:t> -r -p -D “minutes”</a:t>
-            </a:r>
+              <a:t> 程序</a:t>
+            </a:r>
+            <a:endParaRPr lang="en-US" altLang="zh-TW" sz="1400" dirty="0">
+              <a:latin typeface="Times New Roman" panose="02020603050405020304" pitchFamily="18" charset="0"/>
+              <a:cs typeface="Times New Roman" panose="02020603050405020304" pitchFamily="18" charset="0"/>
+            </a:endParaRPr>
           </a:p>
           <a:p>
             <a:pPr marL="742950" lvl="2" indent="-342900" eaLnBrk="1" hangingPunct="1">
@@ -17153,7 +17417,25 @@
               <a:buChar char="•"/>
               <a:defRPr/>
             </a:pPr>
-            <a:endParaRPr lang="en-US" altLang="zh-TW" sz="1400" dirty="0" smtClean="0">
+            <a:r>
+              <a:rPr lang="zh-TW" altLang="en-US" sz="1400" dirty="0">
+                <a:latin typeface="Times New Roman" panose="02020603050405020304" pitchFamily="18" charset="0"/>
+                <a:cs typeface="Times New Roman" panose="02020603050405020304" pitchFamily="18" charset="0"/>
+              </a:rPr>
+              <a:t>長時間自動安裝壓力測試</a:t>
+            </a:r>
+            <a:endParaRPr lang="en-US" altLang="zh-TW" sz="1400" dirty="0">
+              <a:latin typeface="Times New Roman" panose="02020603050405020304" pitchFamily="18" charset="0"/>
+              <a:cs typeface="Times New Roman" panose="02020603050405020304" pitchFamily="18" charset="0"/>
+            </a:endParaRPr>
+          </a:p>
+          <a:p>
+            <a:pPr marL="342900" lvl="1" indent="-342900" eaLnBrk="1" hangingPunct="1">
+              <a:buFont typeface="Arial" charset="0"/>
+              <a:buChar char="•"/>
+              <a:defRPr/>
+            </a:pPr>
+            <a:endParaRPr lang="en-US" altLang="zh-TW" sz="1800" dirty="0">
               <a:latin typeface="Times New Roman" panose="02020603050405020304" pitchFamily="18" charset="0"/>
               <a:cs typeface="Times New Roman" panose="02020603050405020304" pitchFamily="18" charset="0"/>
             </a:endParaRPr>
@@ -17184,6 +17466,328 @@
               <a:defRPr/>
             </a:pPr>
             <a:r>
+              <a:rPr lang="en-US" altLang="zh-TW" sz="2800" kern="0" dirty="0">
+                <a:solidFill>
+                  <a:srgbClr val="003366"/>
+                </a:solidFill>
+                <a:latin typeface="Times New Roman" panose="02020603050405020304" pitchFamily="18" charset="0"/>
+                <a:cs typeface="Times New Roman" panose="02020603050405020304" pitchFamily="18" charset="0"/>
+              </a:rPr>
+              <a:t>PXE automatic installation</a:t>
+            </a:r>
+            <a:endParaRPr lang="zh-TW" altLang="en-US" sz="2800" kern="0" dirty="0">
+              <a:solidFill>
+                <a:srgbClr val="003366"/>
+              </a:solidFill>
+              <a:latin typeface="Times New Roman" panose="02020603050405020304" pitchFamily="18" charset="0"/>
+              <a:cs typeface="Times New Roman" panose="02020603050405020304" pitchFamily="18" charset="0"/>
+            </a:endParaRPr>
+          </a:p>
+        </p:txBody>
+      </p:sp>
+    </p:spTree>
+    <p:extLst>
+      <p:ext uri="{BB962C8B-B14F-4D97-AF65-F5344CB8AC3E}">
+        <p14:creationId xmlns:p14="http://schemas.microsoft.com/office/powerpoint/2010/main" val="1100221966"/>
+      </p:ext>
+    </p:extLst>
+  </p:cSld>
+  <p:clrMapOvr>
+    <a:masterClrMapping/>
+  </p:clrMapOvr>
+  <mc:AlternateContent xmlns:mc="http://schemas.openxmlformats.org/markup-compatibility/2006" xmlns:p14="http://schemas.microsoft.com/office/powerpoint/2010/main">
+    <mc:Choice Requires="p14">
+      <p:transition spd="med" p14:dur="700" advClick="0">
+        <p:fade/>
+      </p:transition>
+    </mc:Choice>
+    <mc:Fallback xmlns="">
+      <p:transition spd="med" advClick="0">
+        <p:fade/>
+      </p:transition>
+    </mc:Fallback>
+  </mc:AlternateContent>
+  <p:timing>
+    <p:tnLst>
+      <p:par>
+        <p:cTn id="1" dur="indefinite" restart="never" nodeType="tmRoot">
+          <p:childTnLst>
+            <p:seq concurrent="1" nextAc="seek">
+              <p:cTn id="2" dur="indefinite" nodeType="mainSeq">
+                <p:childTnLst>
+                  <p:par>
+                    <p:cTn id="3" fill="hold">
+                      <p:stCondLst>
+                        <p:cond delay="indefinite"/>
+                        <p:cond evt="onBegin" delay="0">
+                          <p:tn val="2"/>
+                        </p:cond>
+                      </p:stCondLst>
+                      <p:childTnLst>
+                        <p:par>
+                          <p:cTn id="4" fill="hold">
+                            <p:stCondLst>
+                              <p:cond delay="0"/>
+                            </p:stCondLst>
+                            <p:childTnLst>
+                              <p:par>
+                                <p:cTn id="5" presetID="10" presetClass="entr" presetSubtype="0" fill="hold" grpId="0" nodeType="afterEffect">
+                                  <p:stCondLst>
+                                    <p:cond delay="0"/>
+                                  </p:stCondLst>
+                                  <p:childTnLst>
+                                    <p:set>
+                                      <p:cBhvr>
+                                        <p:cTn id="6" dur="1" fill="hold">
+                                          <p:stCondLst>
+                                            <p:cond delay="0"/>
+                                          </p:stCondLst>
+                                        </p:cTn>
+                                        <p:tgtEl>
+                                          <p:spTgt spid="2"/>
+                                        </p:tgtEl>
+                                        <p:attrNameLst>
+                                          <p:attrName>style.visibility</p:attrName>
+                                        </p:attrNameLst>
+                                      </p:cBhvr>
+                                      <p:to>
+                                        <p:strVal val="visible"/>
+                                      </p:to>
+                                    </p:set>
+                                    <p:animEffect transition="in" filter="fade">
+                                      <p:cBhvr>
+                                        <p:cTn id="7" dur="250"/>
+                                        <p:tgtEl>
+                                          <p:spTgt spid="2"/>
+                                        </p:tgtEl>
+                                      </p:cBhvr>
+                                    </p:animEffect>
+                                  </p:childTnLst>
+                                </p:cTn>
+                              </p:par>
+                            </p:childTnLst>
+                          </p:cTn>
+                        </p:par>
+                        <p:par>
+                          <p:cTn id="8" fill="hold">
+                            <p:stCondLst>
+                              <p:cond delay="250"/>
+                            </p:stCondLst>
+                            <p:childTnLst>
+                              <p:par>
+                                <p:cTn id="9" presetID="10" presetClass="entr" presetSubtype="0" fill="hold" grpId="0" nodeType="afterEffect">
+                                  <p:stCondLst>
+                                    <p:cond delay="0"/>
+                                  </p:stCondLst>
+                                  <p:childTnLst>
+                                    <p:set>
+                                      <p:cBhvr>
+                                        <p:cTn id="10" dur="1" fill="hold">
+                                          <p:stCondLst>
+                                            <p:cond delay="0"/>
+                                          </p:stCondLst>
+                                        </p:cTn>
+                                        <p:tgtEl>
+                                          <p:spTgt spid="15362">
+                                            <p:txEl>
+                                              <p:pRg st="0" end="0"/>
+                                            </p:txEl>
+                                          </p:spTgt>
+                                        </p:tgtEl>
+                                        <p:attrNameLst>
+                                          <p:attrName>style.visibility</p:attrName>
+                                        </p:attrNameLst>
+                                      </p:cBhvr>
+                                      <p:to>
+                                        <p:strVal val="visible"/>
+                                      </p:to>
+                                    </p:set>
+                                    <p:animEffect transition="in" filter="fade">
+                                      <p:cBhvr>
+                                        <p:cTn id="11" dur="250"/>
+                                        <p:tgtEl>
+                                          <p:spTgt spid="15362">
+                                            <p:txEl>
+                                              <p:pRg st="0" end="0"/>
+                                            </p:txEl>
+                                          </p:spTgt>
+                                        </p:tgtEl>
+                                      </p:cBhvr>
+                                    </p:animEffect>
+                                  </p:childTnLst>
+                                </p:cTn>
+                              </p:par>
+                            </p:childTnLst>
+                          </p:cTn>
+                        </p:par>
+                      </p:childTnLst>
+                    </p:cTn>
+                  </p:par>
+                </p:childTnLst>
+              </p:cTn>
+              <p:prevCondLst>
+                <p:cond evt="onPrev" delay="0">
+                  <p:tgtEl>
+                    <p:sldTgt/>
+                  </p:tgtEl>
+                </p:cond>
+              </p:prevCondLst>
+              <p:nextCondLst>
+                <p:cond evt="onNext" delay="0">
+                  <p:tgtEl>
+                    <p:sldTgt/>
+                  </p:tgtEl>
+                </p:cond>
+              </p:nextCondLst>
+            </p:seq>
+          </p:childTnLst>
+        </p:cTn>
+      </p:par>
+    </p:tnLst>
+    <p:bldLst>
+      <p:bldP spid="15362" grpId="0" build="p"/>
+      <p:bldP spid="2" grpId="0"/>
+    </p:bldLst>
+  </p:timing>
+</p:sld>
+</file>
+
+<file path=ppt/slides/slide28.xml><?xml version="1.0" encoding="utf-8"?>
+<p:sld xmlns:a="http://schemas.openxmlformats.org/drawingml/2006/main" xmlns:r="http://schemas.openxmlformats.org/officeDocument/2006/relationships" xmlns:p="http://schemas.openxmlformats.org/presentationml/2006/main">
+  <p:cSld>
+    <p:spTree>
+      <p:nvGrpSpPr>
+        <p:cNvPr id="1" name=""/>
+        <p:cNvGrpSpPr/>
+        <p:nvPr/>
+      </p:nvGrpSpPr>
+      <p:grpSpPr>
+        <a:xfrm>
+          <a:off x="0" y="0"/>
+          <a:ext cx="0" cy="0"/>
+          <a:chOff x="0" y="0"/>
+          <a:chExt cx="0" cy="0"/>
+        </a:xfrm>
+      </p:grpSpPr>
+      <p:sp>
+        <p:nvSpPr>
+          <p:cNvPr id="15362" name="內容版面配置區 5"/>
+          <p:cNvSpPr>
+            <a:spLocks noGrp="1"/>
+          </p:cNvSpPr>
+          <p:nvPr>
+            <p:ph idx="1"/>
+          </p:nvPr>
+        </p:nvSpPr>
+        <p:spPr>
+          <a:xfrm>
+            <a:off x="457200" y="936625"/>
+            <a:ext cx="8229600" cy="3575050"/>
+          </a:xfrm>
+        </p:spPr>
+        <p:txBody>
+          <a:bodyPr/>
+          <a:lstStyle/>
+          <a:p>
+            <a:pPr marL="342900" lvl="1" indent="-342900" eaLnBrk="1" hangingPunct="1">
+              <a:buFont typeface="Arial" charset="0"/>
+              <a:buChar char="•"/>
+              <a:defRPr/>
+            </a:pPr>
+            <a:r>
+              <a:rPr lang="en-US" altLang="zh-TW" sz="1800" dirty="0">
+                <a:latin typeface="Times New Roman" panose="02020603050405020304" pitchFamily="18" charset="0"/>
+                <a:cs typeface="Times New Roman" panose="02020603050405020304" pitchFamily="18" charset="0"/>
+              </a:rPr>
+              <a:t>The tool of pre-conditions base on </a:t>
+            </a:r>
+            <a:r>
+              <a:rPr lang="en-US" altLang="zh-TW" sz="1800" dirty="0" smtClean="0">
+                <a:latin typeface="Times New Roman" panose="02020603050405020304" pitchFamily="18" charset="0"/>
+                <a:cs typeface="Times New Roman" panose="02020603050405020304" pitchFamily="18" charset="0"/>
+              </a:rPr>
+              <a:t>the</a:t>
+            </a:r>
+            <a:r>
+              <a:rPr lang="zh-TW" altLang="en-US" sz="1800" dirty="0" smtClean="0">
+                <a:latin typeface="Times New Roman" panose="02020603050405020304" pitchFamily="18" charset="0"/>
+                <a:cs typeface="Times New Roman" panose="02020603050405020304" pitchFamily="18" charset="0"/>
+              </a:rPr>
+              <a:t> </a:t>
+            </a:r>
+            <a:r>
+              <a:rPr lang="en-US" altLang="zh-TW" sz="1800" dirty="0" smtClean="0">
+                <a:latin typeface="Times New Roman" panose="02020603050405020304" pitchFamily="18" charset="0"/>
+                <a:cs typeface="Times New Roman" panose="02020603050405020304" pitchFamily="18" charset="0"/>
+              </a:rPr>
+              <a:t>exe script.</a:t>
+            </a:r>
+          </a:p>
+          <a:p>
+            <a:pPr marL="742950" lvl="2" indent="-342900" eaLnBrk="1" hangingPunct="1">
+              <a:buFont typeface="Arial" charset="0"/>
+              <a:buChar char="•"/>
+              <a:defRPr/>
+            </a:pPr>
+            <a:r>
+              <a:rPr lang="en-US" altLang="zh-TW" sz="1400" dirty="0" smtClean="0">
+                <a:latin typeface="Times New Roman" panose="02020603050405020304" pitchFamily="18" charset="0"/>
+                <a:cs typeface="Times New Roman" panose="02020603050405020304" pitchFamily="18" charset="0"/>
+              </a:rPr>
+              <a:t>bit.exe -c </a:t>
+            </a:r>
+            <a:r>
+              <a:rPr lang="en-US" altLang="zh-TW" sz="1400" dirty="0" err="1" smtClean="0">
+                <a:latin typeface="Times New Roman" panose="02020603050405020304" pitchFamily="18" charset="0"/>
+                <a:cs typeface="Times New Roman" panose="02020603050405020304" pitchFamily="18" charset="0"/>
+              </a:rPr>
+              <a:t>dqa.bitcfg</a:t>
+            </a:r>
+            <a:r>
+              <a:rPr lang="en-US" altLang="zh-TW" sz="1400" dirty="0" smtClean="0">
+                <a:latin typeface="Times New Roman" panose="02020603050405020304" pitchFamily="18" charset="0"/>
+                <a:cs typeface="Times New Roman" panose="02020603050405020304" pitchFamily="18" charset="0"/>
+              </a:rPr>
+              <a:t> -r -p -D “minutes”</a:t>
+            </a:r>
+          </a:p>
+          <a:p>
+            <a:pPr marL="742950" lvl="2" indent="-342900" eaLnBrk="1" hangingPunct="1">
+              <a:buFont typeface="Arial" charset="0"/>
+              <a:buChar char="•"/>
+              <a:defRPr/>
+            </a:pPr>
+            <a:endParaRPr lang="en-US" altLang="zh-TW" sz="1400" dirty="0" smtClean="0">
+              <a:latin typeface="Times New Roman" panose="02020603050405020304" pitchFamily="18" charset="0"/>
+              <a:cs typeface="Times New Roman" panose="02020603050405020304" pitchFamily="18" charset="0"/>
+            </a:endParaRPr>
+          </a:p>
+        </p:txBody>
+      </p:sp>
+      <p:sp>
+        <p:nvSpPr>
+          <p:cNvPr id="2" name="標題 4"/>
+          <p:cNvSpPr>
+            <a:spLocks noGrp="1"/>
+          </p:cNvSpPr>
+          <p:nvPr>
+            <p:ph type="title"/>
+          </p:nvPr>
+        </p:nvSpPr>
+        <p:spPr>
+          <a:xfrm>
+            <a:off x="457200" y="87313"/>
+            <a:ext cx="8229600" cy="756000"/>
+          </a:xfrm>
+        </p:spPr>
+        <p:txBody>
+          <a:bodyPr/>
+          <a:lstStyle/>
+          <a:p>
+            <a:pPr eaLnBrk="1" hangingPunct="1">
+              <a:defRPr/>
+            </a:pPr>
+            <a:r>
               <a:rPr lang="en-US" altLang="zh-TW" sz="2800" kern="0" dirty="0" err="1" smtClean="0">
                 <a:solidFill>
                   <a:srgbClr val="003366"/>
@@ -17201,7 +17805,17 @@
                 <a:latin typeface="Times New Roman" panose="02020603050405020304" pitchFamily="18" charset="0"/>
                 <a:cs typeface="Times New Roman" panose="02020603050405020304" pitchFamily="18" charset="0"/>
               </a:rPr>
-              <a:t> Automation</a:t>
+              <a:t> </a:t>
+            </a:r>
+            <a:r>
+              <a:rPr lang="en-US" altLang="zh-TW" sz="2800" kern="0" dirty="0" smtClean="0">
+                <a:solidFill>
+                  <a:srgbClr val="003366"/>
+                </a:solidFill>
+                <a:latin typeface="Times New Roman" panose="02020603050405020304" pitchFamily="18" charset="0"/>
+                <a:cs typeface="Times New Roman" panose="02020603050405020304" pitchFamily="18" charset="0"/>
+              </a:rPr>
+              <a:t>automation</a:t>
             </a:r>
             <a:endParaRPr lang="zh-TW" altLang="en-US" sz="2800" kern="0" dirty="0">
               <a:solidFill>
@@ -17265,7 +17879,7 @@
           <a:graphicData uri="http://schemas.openxmlformats.org/presentationml/2006/ole">
             <mc:AlternateContent xmlns:mc="http://schemas.openxmlformats.org/markup-compatibility/2006">
               <mc:Choice xmlns:v="urn:schemas-microsoft-com:vml" Requires="v">
-                <p:oleObj spid="_x0000_s4128" name="封裝程式殼層物件" showAsIcon="1" r:id="rId5" imgW="1467360" imgH="394920" progId="Package">
+                <p:oleObj spid="_x0000_s4172" name="封裝程式殼層物件" showAsIcon="1" r:id="rId5" imgW="1467360" imgH="394920" progId="Package">
                   <p:embed/>
                 </p:oleObj>
               </mc:Choice>
@@ -17322,7 +17936,7 @@
           <a:graphicData uri="http://schemas.openxmlformats.org/presentationml/2006/ole">
             <mc:AlternateContent xmlns:mc="http://schemas.openxmlformats.org/markup-compatibility/2006">
               <mc:Choice xmlns:v="urn:schemas-microsoft-com:vml" Requires="v">
-                <p:oleObj spid="_x0000_s4129" name="封裝程式殼層物件" showAsIcon="1" r:id="rId7" imgW="1438200" imgH="394920" progId="Package">
+                <p:oleObj spid="_x0000_s4173" name="封裝程式殼層物件" showAsIcon="1" r:id="rId7" imgW="1438200" imgH="394920" progId="Package">
                   <p:embed/>
                 </p:oleObj>
               </mc:Choice>
@@ -17672,7 +18286,7 @@
 </p:sld>
 </file>
 
-<file path=ppt/slides/slide28.xml><?xml version="1.0" encoding="utf-8"?>
+<file path=ppt/slides/slide29.xml><?xml version="1.0" encoding="utf-8"?>
 <p:sld xmlns:a="http://schemas.openxmlformats.org/drawingml/2006/main" xmlns:r="http://schemas.openxmlformats.org/officeDocument/2006/relationships" xmlns:p="http://schemas.openxmlformats.org/presentationml/2006/main">
   <p:cSld>
     <p:spTree>
@@ -17879,7 +18493,17 @@
                 <a:latin typeface="Times New Roman" panose="02020603050405020304" pitchFamily="18" charset="0"/>
                 <a:cs typeface="Times New Roman" panose="02020603050405020304" pitchFamily="18" charset="0"/>
               </a:rPr>
-              <a:t> Automation</a:t>
+              <a:t> </a:t>
+            </a:r>
+            <a:r>
+              <a:rPr lang="en-US" altLang="zh-TW" sz="2800" kern="0" dirty="0" smtClean="0">
+                <a:solidFill>
+                  <a:srgbClr val="003366"/>
+                </a:solidFill>
+                <a:latin typeface="Times New Roman" panose="02020603050405020304" pitchFamily="18" charset="0"/>
+                <a:cs typeface="Times New Roman" panose="02020603050405020304" pitchFamily="18" charset="0"/>
+              </a:rPr>
+              <a:t>automation</a:t>
             </a:r>
             <a:endParaRPr lang="zh-TW" altLang="en-US" sz="2800" kern="0" dirty="0">
               <a:solidFill>
@@ -18103,360 +18727,6 @@
                                               <p:pRg st="2" end="2"/>
                                             </p:txEl>
                                           </p:spTgt>
-                                        </p:tgtEl>
-                                      </p:cBhvr>
-                                    </p:animEffect>
-                                  </p:childTnLst>
-                                </p:cTn>
-                              </p:par>
-                            </p:childTnLst>
-                          </p:cTn>
-                        </p:par>
-                      </p:childTnLst>
-                    </p:cTn>
-                  </p:par>
-                </p:childTnLst>
-              </p:cTn>
-              <p:prevCondLst>
-                <p:cond evt="onPrev" delay="0">
-                  <p:tgtEl>
-                    <p:sldTgt/>
-                  </p:tgtEl>
-                </p:cond>
-              </p:prevCondLst>
-              <p:nextCondLst>
-                <p:cond evt="onNext" delay="0">
-                  <p:tgtEl>
-                    <p:sldTgt/>
-                  </p:tgtEl>
-                </p:cond>
-              </p:nextCondLst>
-            </p:seq>
-          </p:childTnLst>
-        </p:cTn>
-      </p:par>
-    </p:tnLst>
-    <p:bldLst>
-      <p:bldP spid="15362" grpId="0" build="p"/>
-      <p:bldP spid="2" grpId="0"/>
-    </p:bldLst>
-  </p:timing>
-</p:sld>
-</file>
-
-<file path=ppt/slides/slide29.xml><?xml version="1.0" encoding="utf-8"?>
-<p:sld xmlns:a="http://schemas.openxmlformats.org/drawingml/2006/main" xmlns:r="http://schemas.openxmlformats.org/officeDocument/2006/relationships" xmlns:p="http://schemas.openxmlformats.org/presentationml/2006/main">
-  <p:cSld>
-    <p:spTree>
-      <p:nvGrpSpPr>
-        <p:cNvPr id="1" name=""/>
-        <p:cNvGrpSpPr/>
-        <p:nvPr/>
-      </p:nvGrpSpPr>
-      <p:grpSpPr>
-        <a:xfrm>
-          <a:off x="0" y="0"/>
-          <a:ext cx="0" cy="0"/>
-          <a:chOff x="0" y="0"/>
-          <a:chExt cx="0" cy="0"/>
-        </a:xfrm>
-      </p:grpSpPr>
-      <p:sp>
-        <p:nvSpPr>
-          <p:cNvPr id="15362" name="內容版面配置區 5"/>
-          <p:cNvSpPr>
-            <a:spLocks noGrp="1"/>
-          </p:cNvSpPr>
-          <p:nvPr>
-            <p:ph idx="1"/>
-          </p:nvPr>
-        </p:nvSpPr>
-        <p:spPr>
-          <a:xfrm>
-            <a:off x="457200" y="936625"/>
-            <a:ext cx="8229600" cy="3575050"/>
-          </a:xfrm>
-        </p:spPr>
-        <p:txBody>
-          <a:bodyPr/>
-          <a:lstStyle/>
-          <a:p>
-            <a:pPr marL="342900" lvl="1" indent="-342900" eaLnBrk="1" hangingPunct="1">
-              <a:buFont typeface="Arial" charset="0"/>
-              <a:buChar char="•"/>
-              <a:defRPr/>
-            </a:pPr>
-            <a:r>
-              <a:rPr lang="en-US" altLang="zh-TW" sz="1800" dirty="0">
-                <a:latin typeface="Times New Roman" panose="02020603050405020304" pitchFamily="18" charset="0"/>
-                <a:cs typeface="Times New Roman" panose="02020603050405020304" pitchFamily="18" charset="0"/>
-              </a:rPr>
-              <a:t>System </a:t>
-            </a:r>
-            <a:r>
-              <a:rPr lang="en-US" altLang="zh-TW" sz="1800" dirty="0" smtClean="0">
-                <a:latin typeface="Times New Roman" panose="02020603050405020304" pitchFamily="18" charset="0"/>
-                <a:cs typeface="Times New Roman" panose="02020603050405020304" pitchFamily="18" charset="0"/>
-              </a:rPr>
-              <a:t>Structure</a:t>
-            </a:r>
-          </a:p>
-        </p:txBody>
-      </p:sp>
-      <p:sp>
-        <p:nvSpPr>
-          <p:cNvPr id="2" name="標題 4"/>
-          <p:cNvSpPr>
-            <a:spLocks noGrp="1"/>
-          </p:cNvSpPr>
-          <p:nvPr>
-            <p:ph type="title"/>
-          </p:nvPr>
-        </p:nvSpPr>
-        <p:spPr>
-          <a:xfrm>
-            <a:off x="457200" y="87313"/>
-            <a:ext cx="8229600" cy="756000"/>
-          </a:xfrm>
-        </p:spPr>
-        <p:txBody>
-          <a:bodyPr/>
-          <a:lstStyle/>
-          <a:p>
-            <a:pPr eaLnBrk="1" hangingPunct="1">
-              <a:defRPr/>
-            </a:pPr>
-            <a:r>
-              <a:rPr lang="en-US" altLang="zh-TW" sz="2800" kern="0" dirty="0" smtClean="0">
-                <a:solidFill>
-                  <a:srgbClr val="003366"/>
-                </a:solidFill>
-                <a:latin typeface="Times New Roman" panose="02020603050405020304" pitchFamily="18" charset="0"/>
-                <a:cs typeface="Times New Roman" panose="02020603050405020304" pitchFamily="18" charset="0"/>
-              </a:rPr>
-              <a:t>Continuous Integration</a:t>
-            </a:r>
-            <a:endParaRPr lang="zh-TW" altLang="en-US" sz="2800" kern="0" dirty="0">
-              <a:solidFill>
-                <a:srgbClr val="003366"/>
-              </a:solidFill>
-              <a:latin typeface="Times New Roman" panose="02020603050405020304" pitchFamily="18" charset="0"/>
-              <a:cs typeface="Times New Roman" panose="02020603050405020304" pitchFamily="18" charset="0"/>
-            </a:endParaRPr>
-          </a:p>
-        </p:txBody>
-      </p:sp>
-      <p:pic>
-        <p:nvPicPr>
-          <p:cNvPr id="4099" name="Picture 3" descr="D:\Users\ZL.chen\Desktop\CI.jpg"/>
-          <p:cNvPicPr>
-            <a:picLocks noChangeAspect="1" noChangeArrowheads="1"/>
-          </p:cNvPicPr>
-          <p:nvPr/>
-        </p:nvPicPr>
-        <p:blipFill>
-          <a:blip r:embed="rId3">
-            <a:extLst>
-              <a:ext uri="{28A0092B-C50C-407E-A947-70E740481C1C}">
-                <a14:useLocalDpi xmlns:a14="http://schemas.microsoft.com/office/drawing/2010/main" val="0"/>
-              </a:ext>
-            </a:extLst>
-          </a:blip>
-          <a:srcRect/>
-          <a:stretch>
-            <a:fillRect/>
-          </a:stretch>
-        </p:blipFill>
-        <p:spPr bwMode="auto">
-          <a:xfrm>
-            <a:off x="1762125" y="1300162"/>
-            <a:ext cx="5391150" cy="3419475"/>
-          </a:xfrm>
-          <a:prstGeom prst="rect">
-            <a:avLst/>
-          </a:prstGeom>
-          <a:noFill/>
-          <a:extLst>
-            <a:ext uri="{909E8E84-426E-40DD-AFC4-6F175D3DCCD1}">
-              <a14:hiddenFill xmlns:a14="http://schemas.microsoft.com/office/drawing/2010/main">
-                <a:solidFill>
-                  <a:srgbClr val="FFFFFF"/>
-                </a:solidFill>
-              </a14:hiddenFill>
-            </a:ext>
-          </a:extLst>
-        </p:spPr>
-      </p:pic>
-    </p:spTree>
-    <p:extLst>
-      <p:ext uri="{BB962C8B-B14F-4D97-AF65-F5344CB8AC3E}">
-        <p14:creationId xmlns:p14="http://schemas.microsoft.com/office/powerpoint/2010/main" val="932677482"/>
-      </p:ext>
-    </p:extLst>
-  </p:cSld>
-  <p:clrMapOvr>
-    <a:masterClrMapping/>
-  </p:clrMapOvr>
-  <mc:AlternateContent xmlns:mc="http://schemas.openxmlformats.org/markup-compatibility/2006" xmlns:p14="http://schemas.microsoft.com/office/powerpoint/2010/main">
-    <mc:Choice Requires="p14">
-      <p:transition spd="med" p14:dur="700" advClick="0">
-        <p:fade/>
-      </p:transition>
-    </mc:Choice>
-    <mc:Fallback xmlns="">
-      <p:transition spd="med" advClick="0">
-        <p:fade/>
-      </p:transition>
-    </mc:Fallback>
-  </mc:AlternateContent>
-  <p:timing>
-    <p:tnLst>
-      <p:par>
-        <p:cTn id="1" dur="indefinite" restart="never" nodeType="tmRoot">
-          <p:childTnLst>
-            <p:seq concurrent="1" nextAc="seek">
-              <p:cTn id="2" dur="indefinite" nodeType="mainSeq">
-                <p:childTnLst>
-                  <p:par>
-                    <p:cTn id="3" fill="hold">
-                      <p:stCondLst>
-                        <p:cond delay="indefinite"/>
-                        <p:cond evt="onBegin" delay="0">
-                          <p:tn val="2"/>
-                        </p:cond>
-                      </p:stCondLst>
-                      <p:childTnLst>
-                        <p:par>
-                          <p:cTn id="4" fill="hold">
-                            <p:stCondLst>
-                              <p:cond delay="0"/>
-                            </p:stCondLst>
-                            <p:childTnLst>
-                              <p:par>
-                                <p:cTn id="5" presetID="10" presetClass="entr" presetSubtype="0" fill="hold" grpId="0" nodeType="afterEffect">
-                                  <p:stCondLst>
-                                    <p:cond delay="0"/>
-                                  </p:stCondLst>
-                                  <p:childTnLst>
-                                    <p:set>
-                                      <p:cBhvr>
-                                        <p:cTn id="6" dur="1" fill="hold">
-                                          <p:stCondLst>
-                                            <p:cond delay="0"/>
-                                          </p:stCondLst>
-                                        </p:cTn>
-                                        <p:tgtEl>
-                                          <p:spTgt spid="2"/>
-                                        </p:tgtEl>
-                                        <p:attrNameLst>
-                                          <p:attrName>style.visibility</p:attrName>
-                                        </p:attrNameLst>
-                                      </p:cBhvr>
-                                      <p:to>
-                                        <p:strVal val="visible"/>
-                                      </p:to>
-                                    </p:set>
-                                    <p:animEffect transition="in" filter="fade">
-                                      <p:cBhvr>
-                                        <p:cTn id="7" dur="250"/>
-                                        <p:tgtEl>
-                                          <p:spTgt spid="2"/>
-                                        </p:tgtEl>
-                                      </p:cBhvr>
-                                    </p:animEffect>
-                                  </p:childTnLst>
-                                </p:cTn>
-                              </p:par>
-                            </p:childTnLst>
-                          </p:cTn>
-                        </p:par>
-                        <p:par>
-                          <p:cTn id="8" fill="hold">
-                            <p:stCondLst>
-                              <p:cond delay="250"/>
-                            </p:stCondLst>
-                            <p:childTnLst>
-                              <p:par>
-                                <p:cTn id="9" presetID="10" presetClass="entr" presetSubtype="0" fill="hold" grpId="0" nodeType="afterEffect">
-                                  <p:stCondLst>
-                                    <p:cond delay="0"/>
-                                  </p:stCondLst>
-                                  <p:childTnLst>
-                                    <p:set>
-                                      <p:cBhvr>
-                                        <p:cTn id="10" dur="1" fill="hold">
-                                          <p:stCondLst>
-                                            <p:cond delay="0"/>
-                                          </p:stCondLst>
-                                        </p:cTn>
-                                        <p:tgtEl>
-                                          <p:spTgt spid="15362">
-                                            <p:txEl>
-                                              <p:pRg st="0" end="0"/>
-                                            </p:txEl>
-                                          </p:spTgt>
-                                        </p:tgtEl>
-                                        <p:attrNameLst>
-                                          <p:attrName>style.visibility</p:attrName>
-                                        </p:attrNameLst>
-                                      </p:cBhvr>
-                                      <p:to>
-                                        <p:strVal val="visible"/>
-                                      </p:to>
-                                    </p:set>
-                                    <p:animEffect transition="in" filter="fade">
-                                      <p:cBhvr>
-                                        <p:cTn id="11" dur="250"/>
-                                        <p:tgtEl>
-                                          <p:spTgt spid="15362">
-                                            <p:txEl>
-                                              <p:pRg st="0" end="0"/>
-                                            </p:txEl>
-                                          </p:spTgt>
-                                        </p:tgtEl>
-                                      </p:cBhvr>
-                                    </p:animEffect>
-                                  </p:childTnLst>
-                                </p:cTn>
-                              </p:par>
-                            </p:childTnLst>
-                          </p:cTn>
-                        </p:par>
-                        <p:par>
-                          <p:cTn id="12" fill="hold">
-                            <p:stCondLst>
-                              <p:cond delay="500"/>
-                            </p:stCondLst>
-                            <p:childTnLst>
-                              <p:par>
-                                <p:cTn id="13" presetID="10" presetClass="entr" presetSubtype="0" fill="hold" nodeType="afterEffect">
-                                  <p:stCondLst>
-                                    <p:cond delay="0"/>
-                                  </p:stCondLst>
-                                  <p:childTnLst>
-                                    <p:set>
-                                      <p:cBhvr>
-                                        <p:cTn id="14" dur="1" fill="hold">
-                                          <p:stCondLst>
-                                            <p:cond delay="0"/>
-                                          </p:stCondLst>
-                                        </p:cTn>
-                                        <p:tgtEl>
-                                          <p:spTgt spid="4099"/>
-                                        </p:tgtEl>
-                                        <p:attrNameLst>
-                                          <p:attrName>style.visibility</p:attrName>
-                                        </p:attrNameLst>
-                                      </p:cBhvr>
-                                      <p:to>
-                                        <p:strVal val="visible"/>
-                                      </p:to>
-                                    </p:set>
-                                    <p:animEffect transition="in" filter="fade">
-                                      <p:cBhvr>
-                                        <p:cTn id="15" dur="250"/>
-                                        <p:tgtEl>
-                                          <p:spTgt spid="4099"/>
                                         </p:tgtEl>
                                       </p:cBhvr>
                                     </p:animEffect>
@@ -19047,6 +19317,1525 @@
               <a:defRPr/>
             </a:pPr>
             <a:r>
+              <a:rPr lang="en-US" altLang="zh-TW" sz="1800" dirty="0" smtClean="0">
+                <a:latin typeface="Times New Roman" panose="02020603050405020304" pitchFamily="18" charset="0"/>
+                <a:cs typeface="Times New Roman" panose="02020603050405020304" pitchFamily="18" charset="0"/>
+              </a:rPr>
+              <a:t>Download the file by </a:t>
+            </a:r>
+            <a:r>
+              <a:rPr lang="en-US" altLang="zh-TW" sz="1800" dirty="0" err="1" smtClean="0">
+                <a:latin typeface="Times New Roman" panose="02020603050405020304" pitchFamily="18" charset="0"/>
+                <a:cs typeface="Times New Roman" panose="02020603050405020304" pitchFamily="18" charset="0"/>
+              </a:rPr>
+              <a:t>ProgramIndex</a:t>
+            </a:r>
+            <a:r>
+              <a:rPr lang="en-US" altLang="zh-TW" sz="1800" dirty="0" smtClean="0">
+                <a:latin typeface="Times New Roman" panose="02020603050405020304" pitchFamily="18" charset="0"/>
+                <a:cs typeface="Times New Roman" panose="02020603050405020304" pitchFamily="18" charset="0"/>
+              </a:rPr>
+              <a:t> user interface</a:t>
+            </a:r>
+            <a:r>
+              <a:rPr lang="en-US" altLang="zh-TW" sz="1800" dirty="0" smtClean="0">
+                <a:latin typeface="Times New Roman" panose="02020603050405020304" pitchFamily="18" charset="0"/>
+                <a:cs typeface="Times New Roman" panose="02020603050405020304" pitchFamily="18" charset="0"/>
+              </a:rPr>
+              <a:t>.</a:t>
+            </a:r>
+          </a:p>
+          <a:p>
+            <a:pPr marL="742950" lvl="2" indent="-342900" eaLnBrk="1" hangingPunct="1">
+              <a:buFont typeface="Arial" charset="0"/>
+              <a:buChar char="•"/>
+              <a:defRPr/>
+            </a:pPr>
+            <a:r>
+              <a:rPr lang="en-US" altLang="zh-TW" sz="1400" dirty="0" smtClean="0">
+                <a:latin typeface="Times New Roman" panose="02020603050405020304" pitchFamily="18" charset="0"/>
+                <a:cs typeface="Times New Roman" panose="02020603050405020304" pitchFamily="18" charset="0"/>
+              </a:rPr>
+              <a:t>Server IP</a:t>
+            </a:r>
+          </a:p>
+          <a:p>
+            <a:pPr marL="742950" lvl="2" indent="-342900" eaLnBrk="1" hangingPunct="1">
+              <a:buFont typeface="Arial" charset="0"/>
+              <a:buChar char="•"/>
+              <a:defRPr/>
+            </a:pPr>
+            <a:r>
+              <a:rPr lang="en-US" altLang="zh-TW" sz="1400" dirty="0" smtClean="0">
+                <a:latin typeface="Times New Roman" panose="02020603050405020304" pitchFamily="18" charset="0"/>
+                <a:cs typeface="Times New Roman" panose="02020603050405020304" pitchFamily="18" charset="0"/>
+              </a:rPr>
+              <a:t>Suite Folder</a:t>
+            </a:r>
+          </a:p>
+          <a:p>
+            <a:pPr marL="742950" lvl="2" indent="-342900" eaLnBrk="1" hangingPunct="1">
+              <a:buFont typeface="Arial" charset="0"/>
+              <a:buChar char="•"/>
+              <a:defRPr/>
+            </a:pPr>
+            <a:r>
+              <a:rPr lang="en-US" altLang="zh-TW" sz="1400" dirty="0" smtClean="0">
+                <a:latin typeface="Times New Roman" panose="02020603050405020304" pitchFamily="18" charset="0"/>
+                <a:cs typeface="Times New Roman" panose="02020603050405020304" pitchFamily="18" charset="0"/>
+              </a:rPr>
+              <a:t>Case Folder</a:t>
+            </a:r>
+          </a:p>
+          <a:p>
+            <a:pPr marL="742950" lvl="2" indent="-342900" eaLnBrk="1" hangingPunct="1">
+              <a:buFont typeface="Arial" charset="0"/>
+              <a:buChar char="•"/>
+              <a:defRPr/>
+            </a:pPr>
+            <a:r>
+              <a:rPr lang="en-US" altLang="zh-TW" sz="1400" dirty="0" err="1" smtClean="0">
+                <a:latin typeface="Times New Roman" panose="02020603050405020304" pitchFamily="18" charset="0"/>
+                <a:cs typeface="Times New Roman" panose="02020603050405020304" pitchFamily="18" charset="0"/>
+              </a:rPr>
+              <a:t>Downlod</a:t>
+            </a:r>
+            <a:endParaRPr lang="en-US" altLang="zh-TW" sz="1400" dirty="0">
+              <a:latin typeface="Times New Roman" panose="02020603050405020304" pitchFamily="18" charset="0"/>
+              <a:cs typeface="Times New Roman" panose="02020603050405020304" pitchFamily="18" charset="0"/>
+            </a:endParaRPr>
+          </a:p>
+        </p:txBody>
+      </p:sp>
+      <p:sp>
+        <p:nvSpPr>
+          <p:cNvPr id="2" name="標題 4"/>
+          <p:cNvSpPr>
+            <a:spLocks noGrp="1"/>
+          </p:cNvSpPr>
+          <p:nvPr>
+            <p:ph type="title"/>
+          </p:nvPr>
+        </p:nvSpPr>
+        <p:spPr>
+          <a:xfrm>
+            <a:off x="457200" y="87313"/>
+            <a:ext cx="8229600" cy="756000"/>
+          </a:xfrm>
+        </p:spPr>
+        <p:txBody>
+          <a:bodyPr/>
+          <a:lstStyle/>
+          <a:p>
+            <a:pPr eaLnBrk="1" hangingPunct="1">
+              <a:defRPr/>
+            </a:pPr>
+            <a:r>
+              <a:rPr lang="en-US" altLang="zh-TW" sz="2800" kern="0" dirty="0" err="1" smtClean="0">
+                <a:solidFill>
+                  <a:srgbClr val="003366"/>
+                </a:solidFill>
+                <a:latin typeface="Times New Roman" panose="02020603050405020304" pitchFamily="18" charset="0"/>
+                <a:cs typeface="Times New Roman" panose="02020603050405020304" pitchFamily="18" charset="0"/>
+              </a:rPr>
+              <a:t>ProgramIndex</a:t>
+            </a:r>
+            <a:r>
+              <a:rPr lang="en-US" altLang="zh-TW" sz="2800" kern="0" dirty="0" smtClean="0">
+                <a:solidFill>
+                  <a:srgbClr val="003366"/>
+                </a:solidFill>
+                <a:latin typeface="Times New Roman" panose="02020603050405020304" pitchFamily="18" charset="0"/>
+                <a:cs typeface="Times New Roman" panose="02020603050405020304" pitchFamily="18" charset="0"/>
+              </a:rPr>
+              <a:t> automation</a:t>
+            </a:r>
+            <a:endParaRPr lang="zh-TW" altLang="en-US" sz="2800" kern="0" dirty="0">
+              <a:solidFill>
+                <a:srgbClr val="003366"/>
+              </a:solidFill>
+              <a:latin typeface="Times New Roman" panose="02020603050405020304" pitchFamily="18" charset="0"/>
+              <a:cs typeface="Times New Roman" panose="02020603050405020304" pitchFamily="18" charset="0"/>
+            </a:endParaRPr>
+          </a:p>
+        </p:txBody>
+      </p:sp>
+      <p:pic>
+        <p:nvPicPr>
+          <p:cNvPr id="6147" name="Picture 3"/>
+          <p:cNvPicPr>
+            <a:picLocks noChangeAspect="1" noChangeArrowheads="1"/>
+          </p:cNvPicPr>
+          <p:nvPr/>
+        </p:nvPicPr>
+        <p:blipFill>
+          <a:blip r:embed="rId3">
+            <a:extLst>
+              <a:ext uri="{28A0092B-C50C-407E-A947-70E740481C1C}">
+                <a14:useLocalDpi xmlns:a14="http://schemas.microsoft.com/office/drawing/2010/main" val="0"/>
+              </a:ext>
+            </a:extLst>
+          </a:blip>
+          <a:srcRect/>
+          <a:stretch>
+            <a:fillRect/>
+          </a:stretch>
+        </p:blipFill>
+        <p:spPr bwMode="auto">
+          <a:xfrm>
+            <a:off x="4727384" y="1459281"/>
+            <a:ext cx="3245431" cy="3048109"/>
+          </a:xfrm>
+          <a:prstGeom prst="rect">
+            <a:avLst/>
+          </a:prstGeom>
+          <a:noFill/>
+          <a:ln>
+            <a:noFill/>
+          </a:ln>
+          <a:extLst>
+            <a:ext uri="{909E8E84-426E-40DD-AFC4-6F175D3DCCD1}">
+              <a14:hiddenFill xmlns:a14="http://schemas.microsoft.com/office/drawing/2010/main">
+                <a:solidFill>
+                  <a:schemeClr val="accent1"/>
+                </a:solidFill>
+              </a14:hiddenFill>
+            </a:ext>
+            <a:ext uri="{91240B29-F687-4F45-9708-019B960494DF}">
+              <a14:hiddenLine xmlns:a14="http://schemas.microsoft.com/office/drawing/2010/main" w="9525">
+                <a:solidFill>
+                  <a:schemeClr val="tx1"/>
+                </a:solidFill>
+                <a:miter lim="800000"/>
+                <a:headEnd/>
+                <a:tailEnd/>
+              </a14:hiddenLine>
+            </a:ext>
+          </a:extLst>
+        </p:spPr>
+      </p:pic>
+      <p:pic>
+        <p:nvPicPr>
+          <p:cNvPr id="6148" name="Picture 4"/>
+          <p:cNvPicPr>
+            <a:picLocks noChangeAspect="1" noChangeArrowheads="1"/>
+          </p:cNvPicPr>
+          <p:nvPr/>
+        </p:nvPicPr>
+        <p:blipFill>
+          <a:blip r:embed="rId4">
+            <a:extLst>
+              <a:ext uri="{28A0092B-C50C-407E-A947-70E740481C1C}">
+                <a14:useLocalDpi xmlns:a14="http://schemas.microsoft.com/office/drawing/2010/main" val="0"/>
+              </a:ext>
+            </a:extLst>
+          </a:blip>
+          <a:srcRect/>
+          <a:stretch>
+            <a:fillRect/>
+          </a:stretch>
+        </p:blipFill>
+        <p:spPr bwMode="auto">
+          <a:xfrm>
+            <a:off x="5082199" y="2983335"/>
+            <a:ext cx="2535802" cy="792039"/>
+          </a:xfrm>
+          <a:prstGeom prst="rect">
+            <a:avLst/>
+          </a:prstGeom>
+          <a:noFill/>
+          <a:ln>
+            <a:noFill/>
+          </a:ln>
+          <a:extLst>
+            <a:ext uri="{909E8E84-426E-40DD-AFC4-6F175D3DCCD1}">
+              <a14:hiddenFill xmlns:a14="http://schemas.microsoft.com/office/drawing/2010/main">
+                <a:solidFill>
+                  <a:schemeClr val="accent1"/>
+                </a:solidFill>
+              </a14:hiddenFill>
+            </a:ext>
+            <a:ext uri="{91240B29-F687-4F45-9708-019B960494DF}">
+              <a14:hiddenLine xmlns:a14="http://schemas.microsoft.com/office/drawing/2010/main" w="9525">
+                <a:solidFill>
+                  <a:schemeClr val="tx1"/>
+                </a:solidFill>
+                <a:miter lim="800000"/>
+                <a:headEnd/>
+                <a:tailEnd/>
+              </a14:hiddenLine>
+            </a:ext>
+          </a:extLst>
+        </p:spPr>
+      </p:pic>
+    </p:spTree>
+    <p:extLst>
+      <p:ext uri="{BB962C8B-B14F-4D97-AF65-F5344CB8AC3E}">
+        <p14:creationId xmlns:p14="http://schemas.microsoft.com/office/powerpoint/2010/main" val="4279869973"/>
+      </p:ext>
+    </p:extLst>
+  </p:cSld>
+  <p:clrMapOvr>
+    <a:masterClrMapping/>
+  </p:clrMapOvr>
+  <mc:AlternateContent xmlns:mc="http://schemas.openxmlformats.org/markup-compatibility/2006" xmlns:p14="http://schemas.microsoft.com/office/powerpoint/2010/main">
+    <mc:Choice Requires="p14">
+      <p:transition spd="med" p14:dur="700" advClick="0">
+        <p:fade/>
+      </p:transition>
+    </mc:Choice>
+    <mc:Fallback xmlns="">
+      <p:transition spd="med" advClick="0">
+        <p:fade/>
+      </p:transition>
+    </mc:Fallback>
+  </mc:AlternateContent>
+  <p:timing>
+    <p:tnLst>
+      <p:par>
+        <p:cTn id="1" dur="indefinite" restart="never" nodeType="tmRoot">
+          <p:childTnLst>
+            <p:seq concurrent="1" nextAc="seek">
+              <p:cTn id="2" dur="indefinite" nodeType="mainSeq">
+                <p:childTnLst>
+                  <p:par>
+                    <p:cTn id="3" fill="hold">
+                      <p:stCondLst>
+                        <p:cond delay="indefinite"/>
+                        <p:cond evt="onBegin" delay="0">
+                          <p:tn val="2"/>
+                        </p:cond>
+                      </p:stCondLst>
+                      <p:childTnLst>
+                        <p:par>
+                          <p:cTn id="4" fill="hold">
+                            <p:stCondLst>
+                              <p:cond delay="0"/>
+                            </p:stCondLst>
+                            <p:childTnLst>
+                              <p:par>
+                                <p:cTn id="5" presetID="10" presetClass="entr" presetSubtype="0" fill="hold" grpId="0" nodeType="afterEffect">
+                                  <p:stCondLst>
+                                    <p:cond delay="0"/>
+                                  </p:stCondLst>
+                                  <p:childTnLst>
+                                    <p:set>
+                                      <p:cBhvr>
+                                        <p:cTn id="6" dur="1" fill="hold">
+                                          <p:stCondLst>
+                                            <p:cond delay="0"/>
+                                          </p:stCondLst>
+                                        </p:cTn>
+                                        <p:tgtEl>
+                                          <p:spTgt spid="2"/>
+                                        </p:tgtEl>
+                                        <p:attrNameLst>
+                                          <p:attrName>style.visibility</p:attrName>
+                                        </p:attrNameLst>
+                                      </p:cBhvr>
+                                      <p:to>
+                                        <p:strVal val="visible"/>
+                                      </p:to>
+                                    </p:set>
+                                    <p:animEffect transition="in" filter="fade">
+                                      <p:cBhvr>
+                                        <p:cTn id="7" dur="250"/>
+                                        <p:tgtEl>
+                                          <p:spTgt spid="2"/>
+                                        </p:tgtEl>
+                                      </p:cBhvr>
+                                    </p:animEffect>
+                                  </p:childTnLst>
+                                </p:cTn>
+                              </p:par>
+                            </p:childTnLst>
+                          </p:cTn>
+                        </p:par>
+                        <p:par>
+                          <p:cTn id="8" fill="hold">
+                            <p:stCondLst>
+                              <p:cond delay="250"/>
+                            </p:stCondLst>
+                            <p:childTnLst>
+                              <p:par>
+                                <p:cTn id="9" presetID="10" presetClass="entr" presetSubtype="0" fill="hold" grpId="0" nodeType="afterEffect">
+                                  <p:stCondLst>
+                                    <p:cond delay="0"/>
+                                  </p:stCondLst>
+                                  <p:childTnLst>
+                                    <p:set>
+                                      <p:cBhvr>
+                                        <p:cTn id="10" dur="1" fill="hold">
+                                          <p:stCondLst>
+                                            <p:cond delay="0"/>
+                                          </p:stCondLst>
+                                        </p:cTn>
+                                        <p:tgtEl>
+                                          <p:spTgt spid="15362">
+                                            <p:txEl>
+                                              <p:pRg st="0" end="0"/>
+                                            </p:txEl>
+                                          </p:spTgt>
+                                        </p:tgtEl>
+                                        <p:attrNameLst>
+                                          <p:attrName>style.visibility</p:attrName>
+                                        </p:attrNameLst>
+                                      </p:cBhvr>
+                                      <p:to>
+                                        <p:strVal val="visible"/>
+                                      </p:to>
+                                    </p:set>
+                                    <p:animEffect transition="in" filter="fade">
+                                      <p:cBhvr>
+                                        <p:cTn id="11" dur="250"/>
+                                        <p:tgtEl>
+                                          <p:spTgt spid="15362">
+                                            <p:txEl>
+                                              <p:pRg st="0" end="0"/>
+                                            </p:txEl>
+                                          </p:spTgt>
+                                        </p:tgtEl>
+                                      </p:cBhvr>
+                                    </p:animEffect>
+                                  </p:childTnLst>
+                                </p:cTn>
+                              </p:par>
+                              <p:par>
+                                <p:cTn id="12" presetID="10" presetClass="entr" presetSubtype="0" fill="hold" grpId="0" nodeType="withEffect">
+                                  <p:stCondLst>
+                                    <p:cond delay="0"/>
+                                  </p:stCondLst>
+                                  <p:childTnLst>
+                                    <p:set>
+                                      <p:cBhvr>
+                                        <p:cTn id="13" dur="1" fill="hold">
+                                          <p:stCondLst>
+                                            <p:cond delay="0"/>
+                                          </p:stCondLst>
+                                        </p:cTn>
+                                        <p:tgtEl>
+                                          <p:spTgt spid="15362">
+                                            <p:txEl>
+                                              <p:pRg st="1" end="1"/>
+                                            </p:txEl>
+                                          </p:spTgt>
+                                        </p:tgtEl>
+                                        <p:attrNameLst>
+                                          <p:attrName>style.visibility</p:attrName>
+                                        </p:attrNameLst>
+                                      </p:cBhvr>
+                                      <p:to>
+                                        <p:strVal val="visible"/>
+                                      </p:to>
+                                    </p:set>
+                                    <p:animEffect transition="in" filter="fade">
+                                      <p:cBhvr>
+                                        <p:cTn id="14" dur="250"/>
+                                        <p:tgtEl>
+                                          <p:spTgt spid="15362">
+                                            <p:txEl>
+                                              <p:pRg st="1" end="1"/>
+                                            </p:txEl>
+                                          </p:spTgt>
+                                        </p:tgtEl>
+                                      </p:cBhvr>
+                                    </p:animEffect>
+                                  </p:childTnLst>
+                                </p:cTn>
+                              </p:par>
+                              <p:par>
+                                <p:cTn id="15" presetID="10" presetClass="entr" presetSubtype="0" fill="hold" grpId="0" nodeType="withEffect">
+                                  <p:stCondLst>
+                                    <p:cond delay="0"/>
+                                  </p:stCondLst>
+                                  <p:childTnLst>
+                                    <p:set>
+                                      <p:cBhvr>
+                                        <p:cTn id="16" dur="1" fill="hold">
+                                          <p:stCondLst>
+                                            <p:cond delay="0"/>
+                                          </p:stCondLst>
+                                        </p:cTn>
+                                        <p:tgtEl>
+                                          <p:spTgt spid="15362">
+                                            <p:txEl>
+                                              <p:pRg st="2" end="2"/>
+                                            </p:txEl>
+                                          </p:spTgt>
+                                        </p:tgtEl>
+                                        <p:attrNameLst>
+                                          <p:attrName>style.visibility</p:attrName>
+                                        </p:attrNameLst>
+                                      </p:cBhvr>
+                                      <p:to>
+                                        <p:strVal val="visible"/>
+                                      </p:to>
+                                    </p:set>
+                                    <p:animEffect transition="in" filter="fade">
+                                      <p:cBhvr>
+                                        <p:cTn id="17" dur="250"/>
+                                        <p:tgtEl>
+                                          <p:spTgt spid="15362">
+                                            <p:txEl>
+                                              <p:pRg st="2" end="2"/>
+                                            </p:txEl>
+                                          </p:spTgt>
+                                        </p:tgtEl>
+                                      </p:cBhvr>
+                                    </p:animEffect>
+                                  </p:childTnLst>
+                                </p:cTn>
+                              </p:par>
+                              <p:par>
+                                <p:cTn id="18" presetID="10" presetClass="entr" presetSubtype="0" fill="hold" grpId="0" nodeType="withEffect">
+                                  <p:stCondLst>
+                                    <p:cond delay="0"/>
+                                  </p:stCondLst>
+                                  <p:childTnLst>
+                                    <p:set>
+                                      <p:cBhvr>
+                                        <p:cTn id="19" dur="1" fill="hold">
+                                          <p:stCondLst>
+                                            <p:cond delay="0"/>
+                                          </p:stCondLst>
+                                        </p:cTn>
+                                        <p:tgtEl>
+                                          <p:spTgt spid="15362">
+                                            <p:txEl>
+                                              <p:pRg st="3" end="3"/>
+                                            </p:txEl>
+                                          </p:spTgt>
+                                        </p:tgtEl>
+                                        <p:attrNameLst>
+                                          <p:attrName>style.visibility</p:attrName>
+                                        </p:attrNameLst>
+                                      </p:cBhvr>
+                                      <p:to>
+                                        <p:strVal val="visible"/>
+                                      </p:to>
+                                    </p:set>
+                                    <p:animEffect transition="in" filter="fade">
+                                      <p:cBhvr>
+                                        <p:cTn id="20" dur="250"/>
+                                        <p:tgtEl>
+                                          <p:spTgt spid="15362">
+                                            <p:txEl>
+                                              <p:pRg st="3" end="3"/>
+                                            </p:txEl>
+                                          </p:spTgt>
+                                        </p:tgtEl>
+                                      </p:cBhvr>
+                                    </p:animEffect>
+                                  </p:childTnLst>
+                                </p:cTn>
+                              </p:par>
+                              <p:par>
+                                <p:cTn id="21" presetID="10" presetClass="entr" presetSubtype="0" fill="hold" grpId="0" nodeType="withEffect">
+                                  <p:stCondLst>
+                                    <p:cond delay="0"/>
+                                  </p:stCondLst>
+                                  <p:childTnLst>
+                                    <p:set>
+                                      <p:cBhvr>
+                                        <p:cTn id="22" dur="1" fill="hold">
+                                          <p:stCondLst>
+                                            <p:cond delay="0"/>
+                                          </p:stCondLst>
+                                        </p:cTn>
+                                        <p:tgtEl>
+                                          <p:spTgt spid="15362">
+                                            <p:txEl>
+                                              <p:pRg st="4" end="4"/>
+                                            </p:txEl>
+                                          </p:spTgt>
+                                        </p:tgtEl>
+                                        <p:attrNameLst>
+                                          <p:attrName>style.visibility</p:attrName>
+                                        </p:attrNameLst>
+                                      </p:cBhvr>
+                                      <p:to>
+                                        <p:strVal val="visible"/>
+                                      </p:to>
+                                    </p:set>
+                                    <p:animEffect transition="in" filter="fade">
+                                      <p:cBhvr>
+                                        <p:cTn id="23" dur="250"/>
+                                        <p:tgtEl>
+                                          <p:spTgt spid="15362">
+                                            <p:txEl>
+                                              <p:pRg st="4" end="4"/>
+                                            </p:txEl>
+                                          </p:spTgt>
+                                        </p:tgtEl>
+                                      </p:cBhvr>
+                                    </p:animEffect>
+                                  </p:childTnLst>
+                                </p:cTn>
+                              </p:par>
+                              <p:par>
+                                <p:cTn id="24" presetID="10" presetClass="entr" presetSubtype="0" fill="hold" nodeType="withEffect">
+                                  <p:stCondLst>
+                                    <p:cond delay="0"/>
+                                  </p:stCondLst>
+                                  <p:childTnLst>
+                                    <p:set>
+                                      <p:cBhvr>
+                                        <p:cTn id="25" dur="1" fill="hold">
+                                          <p:stCondLst>
+                                            <p:cond delay="0"/>
+                                          </p:stCondLst>
+                                        </p:cTn>
+                                        <p:tgtEl>
+                                          <p:spTgt spid="6147"/>
+                                        </p:tgtEl>
+                                        <p:attrNameLst>
+                                          <p:attrName>style.visibility</p:attrName>
+                                        </p:attrNameLst>
+                                      </p:cBhvr>
+                                      <p:to>
+                                        <p:strVal val="visible"/>
+                                      </p:to>
+                                    </p:set>
+                                    <p:animEffect transition="in" filter="fade">
+                                      <p:cBhvr>
+                                        <p:cTn id="26" dur="250"/>
+                                        <p:tgtEl>
+                                          <p:spTgt spid="6147"/>
+                                        </p:tgtEl>
+                                      </p:cBhvr>
+                                    </p:animEffect>
+                                  </p:childTnLst>
+                                </p:cTn>
+                              </p:par>
+                            </p:childTnLst>
+                          </p:cTn>
+                        </p:par>
+                      </p:childTnLst>
+                    </p:cTn>
+                  </p:par>
+                  <p:par>
+                    <p:cTn id="27" fill="hold">
+                      <p:stCondLst>
+                        <p:cond delay="indefinite"/>
+                      </p:stCondLst>
+                      <p:childTnLst>
+                        <p:par>
+                          <p:cTn id="28" fill="hold">
+                            <p:stCondLst>
+                              <p:cond delay="0"/>
+                            </p:stCondLst>
+                            <p:childTnLst>
+                              <p:par>
+                                <p:cTn id="29" presetID="10" presetClass="entr" presetSubtype="0" fill="hold" nodeType="clickEffect">
+                                  <p:stCondLst>
+                                    <p:cond delay="0"/>
+                                  </p:stCondLst>
+                                  <p:childTnLst>
+                                    <p:set>
+                                      <p:cBhvr>
+                                        <p:cTn id="30" dur="1" fill="hold">
+                                          <p:stCondLst>
+                                            <p:cond delay="0"/>
+                                          </p:stCondLst>
+                                        </p:cTn>
+                                        <p:tgtEl>
+                                          <p:spTgt spid="6148"/>
+                                        </p:tgtEl>
+                                        <p:attrNameLst>
+                                          <p:attrName>style.visibility</p:attrName>
+                                        </p:attrNameLst>
+                                      </p:cBhvr>
+                                      <p:to>
+                                        <p:strVal val="visible"/>
+                                      </p:to>
+                                    </p:set>
+                                    <p:animEffect transition="in" filter="fade">
+                                      <p:cBhvr>
+                                        <p:cTn id="31" dur="250"/>
+                                        <p:tgtEl>
+                                          <p:spTgt spid="6148"/>
+                                        </p:tgtEl>
+                                      </p:cBhvr>
+                                    </p:animEffect>
+                                  </p:childTnLst>
+                                </p:cTn>
+                              </p:par>
+                            </p:childTnLst>
+                          </p:cTn>
+                        </p:par>
+                      </p:childTnLst>
+                    </p:cTn>
+                  </p:par>
+                </p:childTnLst>
+              </p:cTn>
+              <p:prevCondLst>
+                <p:cond evt="onPrev" delay="0">
+                  <p:tgtEl>
+                    <p:sldTgt/>
+                  </p:tgtEl>
+                </p:cond>
+              </p:prevCondLst>
+              <p:nextCondLst>
+                <p:cond evt="onNext" delay="0">
+                  <p:tgtEl>
+                    <p:sldTgt/>
+                  </p:tgtEl>
+                </p:cond>
+              </p:nextCondLst>
+            </p:seq>
+          </p:childTnLst>
+        </p:cTn>
+      </p:par>
+    </p:tnLst>
+    <p:bldLst>
+      <p:bldP spid="15362" grpId="0" build="p"/>
+      <p:bldP spid="2" grpId="0"/>
+    </p:bldLst>
+  </p:timing>
+</p:sld>
+</file>
+
+<file path=ppt/slides/slide31.xml><?xml version="1.0" encoding="utf-8"?>
+<p:sld xmlns:a="http://schemas.openxmlformats.org/drawingml/2006/main" xmlns:r="http://schemas.openxmlformats.org/officeDocument/2006/relationships" xmlns:p="http://schemas.openxmlformats.org/presentationml/2006/main">
+  <p:cSld>
+    <p:spTree>
+      <p:nvGrpSpPr>
+        <p:cNvPr id="1" name=""/>
+        <p:cNvGrpSpPr/>
+        <p:nvPr/>
+      </p:nvGrpSpPr>
+      <p:grpSpPr>
+        <a:xfrm>
+          <a:off x="0" y="0"/>
+          <a:ext cx="0" cy="0"/>
+          <a:chOff x="0" y="0"/>
+          <a:chExt cx="0" cy="0"/>
+        </a:xfrm>
+      </p:grpSpPr>
+      <p:sp>
+        <p:nvSpPr>
+          <p:cNvPr id="15362" name="內容版面配置區 5"/>
+          <p:cNvSpPr>
+            <a:spLocks noGrp="1"/>
+          </p:cNvSpPr>
+          <p:nvPr>
+            <p:ph idx="1"/>
+          </p:nvPr>
+        </p:nvSpPr>
+        <p:spPr>
+          <a:xfrm>
+            <a:off x="457200" y="936625"/>
+            <a:ext cx="8229600" cy="3575050"/>
+          </a:xfrm>
+        </p:spPr>
+        <p:txBody>
+          <a:bodyPr/>
+          <a:lstStyle/>
+          <a:p>
+            <a:pPr marL="342900" lvl="1" indent="-342900" eaLnBrk="1" hangingPunct="1">
+              <a:buFont typeface="Arial" charset="0"/>
+              <a:buChar char="•"/>
+              <a:defRPr/>
+            </a:pPr>
+            <a:r>
+              <a:rPr lang="zh-TW" altLang="en-US" sz="1800" dirty="0">
+                <a:latin typeface="Times New Roman" panose="02020603050405020304" pitchFamily="18" charset="0"/>
+                <a:cs typeface="Times New Roman" panose="02020603050405020304" pitchFamily="18" charset="0"/>
+              </a:rPr>
+              <a:t>結論</a:t>
+            </a:r>
+            <a:endParaRPr lang="en-US" altLang="zh-TW" sz="1800" dirty="0">
+              <a:latin typeface="Times New Roman" panose="02020603050405020304" pitchFamily="18" charset="0"/>
+              <a:cs typeface="Times New Roman" panose="02020603050405020304" pitchFamily="18" charset="0"/>
+            </a:endParaRPr>
+          </a:p>
+          <a:p>
+            <a:pPr marL="742950" lvl="2" indent="-342900" eaLnBrk="1" hangingPunct="1">
+              <a:buFont typeface="Arial" charset="0"/>
+              <a:buChar char="•"/>
+              <a:defRPr/>
+            </a:pPr>
+            <a:r>
+              <a:rPr lang="zh-TW" altLang="en-US" sz="1400" dirty="0" smtClean="0">
+                <a:latin typeface="Times New Roman" panose="02020603050405020304" pitchFamily="18" charset="0"/>
+                <a:cs typeface="Times New Roman" panose="02020603050405020304" pitchFamily="18" charset="0"/>
+              </a:rPr>
+              <a:t>透過 </a:t>
+            </a:r>
+            <a:r>
+              <a:rPr lang="en-US" altLang="zh-TW" sz="1400" dirty="0" err="1" smtClean="0">
+                <a:latin typeface="Times New Roman" panose="02020603050405020304" pitchFamily="18" charset="0"/>
+                <a:cs typeface="Times New Roman" panose="02020603050405020304" pitchFamily="18" charset="0"/>
+              </a:rPr>
+              <a:t>ProgramIndex</a:t>
+            </a:r>
+            <a:r>
+              <a:rPr lang="en-US" altLang="zh-TW" sz="1400" dirty="0" smtClean="0">
+                <a:latin typeface="Times New Roman" panose="02020603050405020304" pitchFamily="18" charset="0"/>
+                <a:cs typeface="Times New Roman" panose="02020603050405020304" pitchFamily="18" charset="0"/>
+              </a:rPr>
+              <a:t> </a:t>
+            </a:r>
+            <a:r>
+              <a:rPr lang="zh-TW" altLang="en-US" sz="1400" dirty="0" smtClean="0">
+                <a:latin typeface="Times New Roman" panose="02020603050405020304" pitchFamily="18" charset="0"/>
+                <a:cs typeface="Times New Roman" panose="02020603050405020304" pitchFamily="18" charset="0"/>
+              </a:rPr>
+              <a:t>程式方便下載相對應程式</a:t>
+            </a:r>
+            <a:endParaRPr lang="en-US" altLang="zh-TW" sz="1400" dirty="0">
+              <a:latin typeface="Times New Roman" panose="02020603050405020304" pitchFamily="18" charset="0"/>
+              <a:cs typeface="Times New Roman" panose="02020603050405020304" pitchFamily="18" charset="0"/>
+            </a:endParaRPr>
+          </a:p>
+          <a:p>
+            <a:pPr marL="742950" lvl="2" indent="-342900" eaLnBrk="1" hangingPunct="1">
+              <a:buFont typeface="Arial" charset="0"/>
+              <a:buChar char="•"/>
+              <a:defRPr/>
+            </a:pPr>
+            <a:r>
+              <a:rPr lang="zh-TW" altLang="en-US" sz="1400" dirty="0" smtClean="0">
+                <a:latin typeface="Times New Roman" panose="02020603050405020304" pitchFamily="18" charset="0"/>
+                <a:cs typeface="Times New Roman" panose="02020603050405020304" pitchFamily="18" charset="0"/>
+              </a:rPr>
+              <a:t>可以直接抓取 </a:t>
+            </a:r>
+            <a:r>
+              <a:rPr lang="en-US" altLang="zh-TW" sz="1400" dirty="0" smtClean="0">
+                <a:latin typeface="Times New Roman" panose="02020603050405020304" pitchFamily="18" charset="0"/>
+                <a:cs typeface="Times New Roman" panose="02020603050405020304" pitchFamily="18" charset="0"/>
+              </a:rPr>
+              <a:t>FTP </a:t>
+            </a:r>
+            <a:r>
+              <a:rPr lang="zh-TW" altLang="en-US" sz="1400" dirty="0" smtClean="0">
+                <a:latin typeface="Times New Roman" panose="02020603050405020304" pitchFamily="18" charset="0"/>
+                <a:cs typeface="Times New Roman" panose="02020603050405020304" pitchFamily="18" charset="0"/>
+              </a:rPr>
+              <a:t>上的資料直接下載</a:t>
+            </a:r>
+            <a:endParaRPr lang="en-US" altLang="zh-TW" sz="1400" dirty="0">
+              <a:latin typeface="Times New Roman" panose="02020603050405020304" pitchFamily="18" charset="0"/>
+              <a:cs typeface="Times New Roman" panose="02020603050405020304" pitchFamily="18" charset="0"/>
+            </a:endParaRPr>
+          </a:p>
+          <a:p>
+            <a:pPr marL="342900" lvl="1" indent="-342900" eaLnBrk="1" hangingPunct="1">
+              <a:buFont typeface="Arial" charset="0"/>
+              <a:buChar char="•"/>
+              <a:defRPr/>
+            </a:pPr>
+            <a:endParaRPr lang="en-US" altLang="zh-TW" sz="1800" dirty="0">
+              <a:latin typeface="Times New Roman" panose="02020603050405020304" pitchFamily="18" charset="0"/>
+              <a:cs typeface="Times New Roman" panose="02020603050405020304" pitchFamily="18" charset="0"/>
+            </a:endParaRPr>
+          </a:p>
+        </p:txBody>
+      </p:sp>
+      <p:sp>
+        <p:nvSpPr>
+          <p:cNvPr id="2" name="標題 4"/>
+          <p:cNvSpPr>
+            <a:spLocks noGrp="1"/>
+          </p:cNvSpPr>
+          <p:nvPr>
+            <p:ph type="title"/>
+          </p:nvPr>
+        </p:nvSpPr>
+        <p:spPr>
+          <a:xfrm>
+            <a:off x="457200" y="87313"/>
+            <a:ext cx="8229600" cy="756000"/>
+          </a:xfrm>
+        </p:spPr>
+        <p:txBody>
+          <a:bodyPr/>
+          <a:lstStyle/>
+          <a:p>
+            <a:pPr eaLnBrk="1" hangingPunct="1">
+              <a:defRPr/>
+            </a:pPr>
+            <a:r>
+              <a:rPr lang="en-US" altLang="zh-TW" sz="2800" kern="0" dirty="0" err="1">
+                <a:solidFill>
+                  <a:srgbClr val="003366"/>
+                </a:solidFill>
+                <a:latin typeface="Times New Roman" panose="02020603050405020304" pitchFamily="18" charset="0"/>
+                <a:cs typeface="Times New Roman" panose="02020603050405020304" pitchFamily="18" charset="0"/>
+              </a:rPr>
+              <a:t>ProgramIndex</a:t>
+            </a:r>
+            <a:r>
+              <a:rPr lang="en-US" altLang="zh-TW" sz="2800" kern="0" dirty="0">
+                <a:solidFill>
+                  <a:srgbClr val="003366"/>
+                </a:solidFill>
+                <a:latin typeface="Times New Roman" panose="02020603050405020304" pitchFamily="18" charset="0"/>
+                <a:cs typeface="Times New Roman" panose="02020603050405020304" pitchFamily="18" charset="0"/>
+              </a:rPr>
+              <a:t> automation</a:t>
+            </a:r>
+            <a:endParaRPr lang="zh-TW" altLang="en-US" sz="2800" kern="0" dirty="0">
+              <a:solidFill>
+                <a:srgbClr val="003366"/>
+              </a:solidFill>
+              <a:latin typeface="Times New Roman" panose="02020603050405020304" pitchFamily="18" charset="0"/>
+              <a:cs typeface="Times New Roman" panose="02020603050405020304" pitchFamily="18" charset="0"/>
+            </a:endParaRPr>
+          </a:p>
+        </p:txBody>
+      </p:sp>
+    </p:spTree>
+    <p:extLst>
+      <p:ext uri="{BB962C8B-B14F-4D97-AF65-F5344CB8AC3E}">
+        <p14:creationId xmlns:p14="http://schemas.microsoft.com/office/powerpoint/2010/main" val="2381375630"/>
+      </p:ext>
+    </p:extLst>
+  </p:cSld>
+  <p:clrMapOvr>
+    <a:masterClrMapping/>
+  </p:clrMapOvr>
+  <mc:AlternateContent xmlns:mc="http://schemas.openxmlformats.org/markup-compatibility/2006" xmlns:p14="http://schemas.microsoft.com/office/powerpoint/2010/main">
+    <mc:Choice Requires="p14">
+      <p:transition spd="med" p14:dur="700" advClick="0">
+        <p:fade/>
+      </p:transition>
+    </mc:Choice>
+    <mc:Fallback xmlns="">
+      <p:transition spd="med" advClick="0">
+        <p:fade/>
+      </p:transition>
+    </mc:Fallback>
+  </mc:AlternateContent>
+  <p:timing>
+    <p:tnLst>
+      <p:par>
+        <p:cTn id="1" dur="indefinite" restart="never" nodeType="tmRoot">
+          <p:childTnLst>
+            <p:seq concurrent="1" nextAc="seek">
+              <p:cTn id="2" dur="indefinite" nodeType="mainSeq">
+                <p:childTnLst>
+                  <p:par>
+                    <p:cTn id="3" fill="hold">
+                      <p:stCondLst>
+                        <p:cond delay="indefinite"/>
+                        <p:cond evt="onBegin" delay="0">
+                          <p:tn val="2"/>
+                        </p:cond>
+                      </p:stCondLst>
+                      <p:childTnLst>
+                        <p:par>
+                          <p:cTn id="4" fill="hold">
+                            <p:stCondLst>
+                              <p:cond delay="0"/>
+                            </p:stCondLst>
+                            <p:childTnLst>
+                              <p:par>
+                                <p:cTn id="5" presetID="10" presetClass="entr" presetSubtype="0" fill="hold" grpId="0" nodeType="afterEffect">
+                                  <p:stCondLst>
+                                    <p:cond delay="0"/>
+                                  </p:stCondLst>
+                                  <p:childTnLst>
+                                    <p:set>
+                                      <p:cBhvr>
+                                        <p:cTn id="6" dur="1" fill="hold">
+                                          <p:stCondLst>
+                                            <p:cond delay="0"/>
+                                          </p:stCondLst>
+                                        </p:cTn>
+                                        <p:tgtEl>
+                                          <p:spTgt spid="2"/>
+                                        </p:tgtEl>
+                                        <p:attrNameLst>
+                                          <p:attrName>style.visibility</p:attrName>
+                                        </p:attrNameLst>
+                                      </p:cBhvr>
+                                      <p:to>
+                                        <p:strVal val="visible"/>
+                                      </p:to>
+                                    </p:set>
+                                    <p:animEffect transition="in" filter="fade">
+                                      <p:cBhvr>
+                                        <p:cTn id="7" dur="250"/>
+                                        <p:tgtEl>
+                                          <p:spTgt spid="2"/>
+                                        </p:tgtEl>
+                                      </p:cBhvr>
+                                    </p:animEffect>
+                                  </p:childTnLst>
+                                </p:cTn>
+                              </p:par>
+                            </p:childTnLst>
+                          </p:cTn>
+                        </p:par>
+                        <p:par>
+                          <p:cTn id="8" fill="hold">
+                            <p:stCondLst>
+                              <p:cond delay="250"/>
+                            </p:stCondLst>
+                            <p:childTnLst>
+                              <p:par>
+                                <p:cTn id="9" presetID="10" presetClass="entr" presetSubtype="0" fill="hold" grpId="0" nodeType="afterEffect">
+                                  <p:stCondLst>
+                                    <p:cond delay="0"/>
+                                  </p:stCondLst>
+                                  <p:childTnLst>
+                                    <p:set>
+                                      <p:cBhvr>
+                                        <p:cTn id="10" dur="1" fill="hold">
+                                          <p:stCondLst>
+                                            <p:cond delay="0"/>
+                                          </p:stCondLst>
+                                        </p:cTn>
+                                        <p:tgtEl>
+                                          <p:spTgt spid="15362">
+                                            <p:txEl>
+                                              <p:pRg st="0" end="0"/>
+                                            </p:txEl>
+                                          </p:spTgt>
+                                        </p:tgtEl>
+                                        <p:attrNameLst>
+                                          <p:attrName>style.visibility</p:attrName>
+                                        </p:attrNameLst>
+                                      </p:cBhvr>
+                                      <p:to>
+                                        <p:strVal val="visible"/>
+                                      </p:to>
+                                    </p:set>
+                                    <p:animEffect transition="in" filter="fade">
+                                      <p:cBhvr>
+                                        <p:cTn id="11" dur="250"/>
+                                        <p:tgtEl>
+                                          <p:spTgt spid="15362">
+                                            <p:txEl>
+                                              <p:pRg st="0" end="0"/>
+                                            </p:txEl>
+                                          </p:spTgt>
+                                        </p:tgtEl>
+                                      </p:cBhvr>
+                                    </p:animEffect>
+                                  </p:childTnLst>
+                                </p:cTn>
+                              </p:par>
+                              <p:par>
+                                <p:cTn id="12" presetID="10" presetClass="entr" presetSubtype="0" fill="hold" grpId="0" nodeType="withEffect">
+                                  <p:stCondLst>
+                                    <p:cond delay="0"/>
+                                  </p:stCondLst>
+                                  <p:childTnLst>
+                                    <p:set>
+                                      <p:cBhvr>
+                                        <p:cTn id="13" dur="1" fill="hold">
+                                          <p:stCondLst>
+                                            <p:cond delay="0"/>
+                                          </p:stCondLst>
+                                        </p:cTn>
+                                        <p:tgtEl>
+                                          <p:spTgt spid="15362">
+                                            <p:txEl>
+                                              <p:pRg st="1" end="1"/>
+                                            </p:txEl>
+                                          </p:spTgt>
+                                        </p:tgtEl>
+                                        <p:attrNameLst>
+                                          <p:attrName>style.visibility</p:attrName>
+                                        </p:attrNameLst>
+                                      </p:cBhvr>
+                                      <p:to>
+                                        <p:strVal val="visible"/>
+                                      </p:to>
+                                    </p:set>
+                                    <p:animEffect transition="in" filter="fade">
+                                      <p:cBhvr>
+                                        <p:cTn id="14" dur="250"/>
+                                        <p:tgtEl>
+                                          <p:spTgt spid="15362">
+                                            <p:txEl>
+                                              <p:pRg st="1" end="1"/>
+                                            </p:txEl>
+                                          </p:spTgt>
+                                        </p:tgtEl>
+                                      </p:cBhvr>
+                                    </p:animEffect>
+                                  </p:childTnLst>
+                                </p:cTn>
+                              </p:par>
+                              <p:par>
+                                <p:cTn id="15" presetID="10" presetClass="entr" presetSubtype="0" fill="hold" grpId="0" nodeType="withEffect">
+                                  <p:stCondLst>
+                                    <p:cond delay="0"/>
+                                  </p:stCondLst>
+                                  <p:childTnLst>
+                                    <p:set>
+                                      <p:cBhvr>
+                                        <p:cTn id="16" dur="1" fill="hold">
+                                          <p:stCondLst>
+                                            <p:cond delay="0"/>
+                                          </p:stCondLst>
+                                        </p:cTn>
+                                        <p:tgtEl>
+                                          <p:spTgt spid="15362">
+                                            <p:txEl>
+                                              <p:pRg st="2" end="2"/>
+                                            </p:txEl>
+                                          </p:spTgt>
+                                        </p:tgtEl>
+                                        <p:attrNameLst>
+                                          <p:attrName>style.visibility</p:attrName>
+                                        </p:attrNameLst>
+                                      </p:cBhvr>
+                                      <p:to>
+                                        <p:strVal val="visible"/>
+                                      </p:to>
+                                    </p:set>
+                                    <p:animEffect transition="in" filter="fade">
+                                      <p:cBhvr>
+                                        <p:cTn id="17" dur="250"/>
+                                        <p:tgtEl>
+                                          <p:spTgt spid="15362">
+                                            <p:txEl>
+                                              <p:pRg st="2" end="2"/>
+                                            </p:txEl>
+                                          </p:spTgt>
+                                        </p:tgtEl>
+                                      </p:cBhvr>
+                                    </p:animEffect>
+                                  </p:childTnLst>
+                                </p:cTn>
+                              </p:par>
+                            </p:childTnLst>
+                          </p:cTn>
+                        </p:par>
+                      </p:childTnLst>
+                    </p:cTn>
+                  </p:par>
+                </p:childTnLst>
+              </p:cTn>
+              <p:prevCondLst>
+                <p:cond evt="onPrev" delay="0">
+                  <p:tgtEl>
+                    <p:sldTgt/>
+                  </p:tgtEl>
+                </p:cond>
+              </p:prevCondLst>
+              <p:nextCondLst>
+                <p:cond evt="onNext" delay="0">
+                  <p:tgtEl>
+                    <p:sldTgt/>
+                  </p:tgtEl>
+                </p:cond>
+              </p:nextCondLst>
+            </p:seq>
+          </p:childTnLst>
+        </p:cTn>
+      </p:par>
+    </p:tnLst>
+    <p:bldLst>
+      <p:bldP spid="15362" grpId="0" build="p"/>
+      <p:bldP spid="2" grpId="0"/>
+    </p:bldLst>
+  </p:timing>
+</p:sld>
+</file>
+
+<file path=ppt/slides/slide32.xml><?xml version="1.0" encoding="utf-8"?>
+<p:sld xmlns:a="http://schemas.openxmlformats.org/drawingml/2006/main" xmlns:r="http://schemas.openxmlformats.org/officeDocument/2006/relationships" xmlns:p="http://schemas.openxmlformats.org/presentationml/2006/main">
+  <p:cSld>
+    <p:spTree>
+      <p:nvGrpSpPr>
+        <p:cNvPr id="1" name=""/>
+        <p:cNvGrpSpPr/>
+        <p:nvPr/>
+      </p:nvGrpSpPr>
+      <p:grpSpPr>
+        <a:xfrm>
+          <a:off x="0" y="0"/>
+          <a:ext cx="0" cy="0"/>
+          <a:chOff x="0" y="0"/>
+          <a:chExt cx="0" cy="0"/>
+        </a:xfrm>
+      </p:grpSpPr>
+      <p:sp>
+        <p:nvSpPr>
+          <p:cNvPr id="15362" name="內容版面配置區 5"/>
+          <p:cNvSpPr>
+            <a:spLocks noGrp="1"/>
+          </p:cNvSpPr>
+          <p:nvPr>
+            <p:ph idx="1"/>
+          </p:nvPr>
+        </p:nvSpPr>
+        <p:spPr>
+          <a:xfrm>
+            <a:off x="457200" y="936625"/>
+            <a:ext cx="8229600" cy="3575050"/>
+          </a:xfrm>
+        </p:spPr>
+        <p:txBody>
+          <a:bodyPr/>
+          <a:lstStyle/>
+          <a:p>
+            <a:pPr marL="342900" lvl="1" indent="-342900" eaLnBrk="1" hangingPunct="1">
+              <a:buFont typeface="Arial" charset="0"/>
+              <a:buChar char="•"/>
+              <a:defRPr/>
+            </a:pPr>
+            <a:r>
+              <a:rPr lang="en-US" altLang="zh-TW" sz="1800" dirty="0">
+                <a:latin typeface="Times New Roman" panose="02020603050405020304" pitchFamily="18" charset="0"/>
+                <a:cs typeface="Times New Roman" panose="02020603050405020304" pitchFamily="18" charset="0"/>
+              </a:rPr>
+              <a:t>System </a:t>
+            </a:r>
+            <a:r>
+              <a:rPr lang="en-US" altLang="zh-TW" sz="1800" dirty="0" smtClean="0">
+                <a:latin typeface="Times New Roman" panose="02020603050405020304" pitchFamily="18" charset="0"/>
+                <a:cs typeface="Times New Roman" panose="02020603050405020304" pitchFamily="18" charset="0"/>
+              </a:rPr>
+              <a:t>Structure</a:t>
+            </a:r>
+          </a:p>
+        </p:txBody>
+      </p:sp>
+      <p:sp>
+        <p:nvSpPr>
+          <p:cNvPr id="2" name="標題 4"/>
+          <p:cNvSpPr>
+            <a:spLocks noGrp="1"/>
+          </p:cNvSpPr>
+          <p:nvPr>
+            <p:ph type="title"/>
+          </p:nvPr>
+        </p:nvSpPr>
+        <p:spPr>
+          <a:xfrm>
+            <a:off x="457200" y="87313"/>
+            <a:ext cx="8229600" cy="756000"/>
+          </a:xfrm>
+        </p:spPr>
+        <p:txBody>
+          <a:bodyPr/>
+          <a:lstStyle/>
+          <a:p>
+            <a:pPr eaLnBrk="1" hangingPunct="1">
+              <a:defRPr/>
+            </a:pPr>
+            <a:r>
+              <a:rPr lang="en-US" altLang="zh-TW" sz="2800" kern="0" dirty="0" smtClean="0">
+                <a:solidFill>
+                  <a:srgbClr val="003366"/>
+                </a:solidFill>
+                <a:latin typeface="Times New Roman" panose="02020603050405020304" pitchFamily="18" charset="0"/>
+                <a:cs typeface="Times New Roman" panose="02020603050405020304" pitchFamily="18" charset="0"/>
+              </a:rPr>
+              <a:t>Continuous Integration</a:t>
+            </a:r>
+            <a:endParaRPr lang="zh-TW" altLang="en-US" sz="2800" kern="0" dirty="0">
+              <a:solidFill>
+                <a:srgbClr val="003366"/>
+              </a:solidFill>
+              <a:latin typeface="Times New Roman" panose="02020603050405020304" pitchFamily="18" charset="0"/>
+              <a:cs typeface="Times New Roman" panose="02020603050405020304" pitchFamily="18" charset="0"/>
+            </a:endParaRPr>
+          </a:p>
+        </p:txBody>
+      </p:sp>
+      <p:pic>
+        <p:nvPicPr>
+          <p:cNvPr id="4099" name="Picture 3" descr="D:\Users\ZL.chen\Desktop\CI.jpg"/>
+          <p:cNvPicPr>
+            <a:picLocks noChangeAspect="1" noChangeArrowheads="1"/>
+          </p:cNvPicPr>
+          <p:nvPr/>
+        </p:nvPicPr>
+        <p:blipFill>
+          <a:blip r:embed="rId3">
+            <a:extLst>
+              <a:ext uri="{28A0092B-C50C-407E-A947-70E740481C1C}">
+                <a14:useLocalDpi xmlns:a14="http://schemas.microsoft.com/office/drawing/2010/main" val="0"/>
+              </a:ext>
+            </a:extLst>
+          </a:blip>
+          <a:srcRect/>
+          <a:stretch>
+            <a:fillRect/>
+          </a:stretch>
+        </p:blipFill>
+        <p:spPr bwMode="auto">
+          <a:xfrm>
+            <a:off x="1762125" y="1300162"/>
+            <a:ext cx="5391150" cy="3419475"/>
+          </a:xfrm>
+          <a:prstGeom prst="rect">
+            <a:avLst/>
+          </a:prstGeom>
+          <a:noFill/>
+          <a:extLst>
+            <a:ext uri="{909E8E84-426E-40DD-AFC4-6F175D3DCCD1}">
+              <a14:hiddenFill xmlns:a14="http://schemas.microsoft.com/office/drawing/2010/main">
+                <a:solidFill>
+                  <a:srgbClr val="FFFFFF"/>
+                </a:solidFill>
+              </a14:hiddenFill>
+            </a:ext>
+          </a:extLst>
+        </p:spPr>
+      </p:pic>
+    </p:spTree>
+    <p:extLst>
+      <p:ext uri="{BB962C8B-B14F-4D97-AF65-F5344CB8AC3E}">
+        <p14:creationId xmlns:p14="http://schemas.microsoft.com/office/powerpoint/2010/main" val="932677482"/>
+      </p:ext>
+    </p:extLst>
+  </p:cSld>
+  <p:clrMapOvr>
+    <a:masterClrMapping/>
+  </p:clrMapOvr>
+  <mc:AlternateContent xmlns:mc="http://schemas.openxmlformats.org/markup-compatibility/2006" xmlns:p14="http://schemas.microsoft.com/office/powerpoint/2010/main">
+    <mc:Choice Requires="p14">
+      <p:transition spd="med" p14:dur="700" advClick="0">
+        <p:fade/>
+      </p:transition>
+    </mc:Choice>
+    <mc:Fallback xmlns="">
+      <p:transition spd="med" advClick="0">
+        <p:fade/>
+      </p:transition>
+    </mc:Fallback>
+  </mc:AlternateContent>
+  <p:timing>
+    <p:tnLst>
+      <p:par>
+        <p:cTn id="1" dur="indefinite" restart="never" nodeType="tmRoot">
+          <p:childTnLst>
+            <p:seq concurrent="1" nextAc="seek">
+              <p:cTn id="2" dur="indefinite" nodeType="mainSeq">
+                <p:childTnLst>
+                  <p:par>
+                    <p:cTn id="3" fill="hold">
+                      <p:stCondLst>
+                        <p:cond delay="indefinite"/>
+                        <p:cond evt="onBegin" delay="0">
+                          <p:tn val="2"/>
+                        </p:cond>
+                      </p:stCondLst>
+                      <p:childTnLst>
+                        <p:par>
+                          <p:cTn id="4" fill="hold">
+                            <p:stCondLst>
+                              <p:cond delay="0"/>
+                            </p:stCondLst>
+                            <p:childTnLst>
+                              <p:par>
+                                <p:cTn id="5" presetID="10" presetClass="entr" presetSubtype="0" fill="hold" grpId="0" nodeType="afterEffect">
+                                  <p:stCondLst>
+                                    <p:cond delay="0"/>
+                                  </p:stCondLst>
+                                  <p:childTnLst>
+                                    <p:set>
+                                      <p:cBhvr>
+                                        <p:cTn id="6" dur="1" fill="hold">
+                                          <p:stCondLst>
+                                            <p:cond delay="0"/>
+                                          </p:stCondLst>
+                                        </p:cTn>
+                                        <p:tgtEl>
+                                          <p:spTgt spid="2"/>
+                                        </p:tgtEl>
+                                        <p:attrNameLst>
+                                          <p:attrName>style.visibility</p:attrName>
+                                        </p:attrNameLst>
+                                      </p:cBhvr>
+                                      <p:to>
+                                        <p:strVal val="visible"/>
+                                      </p:to>
+                                    </p:set>
+                                    <p:animEffect transition="in" filter="fade">
+                                      <p:cBhvr>
+                                        <p:cTn id="7" dur="250"/>
+                                        <p:tgtEl>
+                                          <p:spTgt spid="2"/>
+                                        </p:tgtEl>
+                                      </p:cBhvr>
+                                    </p:animEffect>
+                                  </p:childTnLst>
+                                </p:cTn>
+                              </p:par>
+                            </p:childTnLst>
+                          </p:cTn>
+                        </p:par>
+                        <p:par>
+                          <p:cTn id="8" fill="hold">
+                            <p:stCondLst>
+                              <p:cond delay="250"/>
+                            </p:stCondLst>
+                            <p:childTnLst>
+                              <p:par>
+                                <p:cTn id="9" presetID="10" presetClass="entr" presetSubtype="0" fill="hold" grpId="0" nodeType="afterEffect">
+                                  <p:stCondLst>
+                                    <p:cond delay="0"/>
+                                  </p:stCondLst>
+                                  <p:childTnLst>
+                                    <p:set>
+                                      <p:cBhvr>
+                                        <p:cTn id="10" dur="1" fill="hold">
+                                          <p:stCondLst>
+                                            <p:cond delay="0"/>
+                                          </p:stCondLst>
+                                        </p:cTn>
+                                        <p:tgtEl>
+                                          <p:spTgt spid="15362">
+                                            <p:txEl>
+                                              <p:pRg st="0" end="0"/>
+                                            </p:txEl>
+                                          </p:spTgt>
+                                        </p:tgtEl>
+                                        <p:attrNameLst>
+                                          <p:attrName>style.visibility</p:attrName>
+                                        </p:attrNameLst>
+                                      </p:cBhvr>
+                                      <p:to>
+                                        <p:strVal val="visible"/>
+                                      </p:to>
+                                    </p:set>
+                                    <p:animEffect transition="in" filter="fade">
+                                      <p:cBhvr>
+                                        <p:cTn id="11" dur="250"/>
+                                        <p:tgtEl>
+                                          <p:spTgt spid="15362">
+                                            <p:txEl>
+                                              <p:pRg st="0" end="0"/>
+                                            </p:txEl>
+                                          </p:spTgt>
+                                        </p:tgtEl>
+                                      </p:cBhvr>
+                                    </p:animEffect>
+                                  </p:childTnLst>
+                                </p:cTn>
+                              </p:par>
+                            </p:childTnLst>
+                          </p:cTn>
+                        </p:par>
+                        <p:par>
+                          <p:cTn id="12" fill="hold">
+                            <p:stCondLst>
+                              <p:cond delay="500"/>
+                            </p:stCondLst>
+                            <p:childTnLst>
+                              <p:par>
+                                <p:cTn id="13" presetID="10" presetClass="entr" presetSubtype="0" fill="hold" nodeType="afterEffect">
+                                  <p:stCondLst>
+                                    <p:cond delay="0"/>
+                                  </p:stCondLst>
+                                  <p:childTnLst>
+                                    <p:set>
+                                      <p:cBhvr>
+                                        <p:cTn id="14" dur="1" fill="hold">
+                                          <p:stCondLst>
+                                            <p:cond delay="0"/>
+                                          </p:stCondLst>
+                                        </p:cTn>
+                                        <p:tgtEl>
+                                          <p:spTgt spid="4099"/>
+                                        </p:tgtEl>
+                                        <p:attrNameLst>
+                                          <p:attrName>style.visibility</p:attrName>
+                                        </p:attrNameLst>
+                                      </p:cBhvr>
+                                      <p:to>
+                                        <p:strVal val="visible"/>
+                                      </p:to>
+                                    </p:set>
+                                    <p:animEffect transition="in" filter="fade">
+                                      <p:cBhvr>
+                                        <p:cTn id="15" dur="250"/>
+                                        <p:tgtEl>
+                                          <p:spTgt spid="4099"/>
+                                        </p:tgtEl>
+                                      </p:cBhvr>
+                                    </p:animEffect>
+                                  </p:childTnLst>
+                                </p:cTn>
+                              </p:par>
+                            </p:childTnLst>
+                          </p:cTn>
+                        </p:par>
+                      </p:childTnLst>
+                    </p:cTn>
+                  </p:par>
+                </p:childTnLst>
+              </p:cTn>
+              <p:prevCondLst>
+                <p:cond evt="onPrev" delay="0">
+                  <p:tgtEl>
+                    <p:sldTgt/>
+                  </p:tgtEl>
+                </p:cond>
+              </p:prevCondLst>
+              <p:nextCondLst>
+                <p:cond evt="onNext" delay="0">
+                  <p:tgtEl>
+                    <p:sldTgt/>
+                  </p:tgtEl>
+                </p:cond>
+              </p:nextCondLst>
+            </p:seq>
+          </p:childTnLst>
+        </p:cTn>
+      </p:par>
+    </p:tnLst>
+    <p:bldLst>
+      <p:bldP spid="15362" grpId="0" build="p"/>
+      <p:bldP spid="2" grpId="0"/>
+    </p:bldLst>
+  </p:timing>
+</p:sld>
+</file>
+
+<file path=ppt/slides/slide33.xml><?xml version="1.0" encoding="utf-8"?>
+<p:sld xmlns:a="http://schemas.openxmlformats.org/drawingml/2006/main" xmlns:r="http://schemas.openxmlformats.org/officeDocument/2006/relationships" xmlns:p="http://schemas.openxmlformats.org/presentationml/2006/main">
+  <p:cSld>
+    <p:spTree>
+      <p:nvGrpSpPr>
+        <p:cNvPr id="1" name=""/>
+        <p:cNvGrpSpPr/>
+        <p:nvPr/>
+      </p:nvGrpSpPr>
+      <p:grpSpPr>
+        <a:xfrm>
+          <a:off x="0" y="0"/>
+          <a:ext cx="0" cy="0"/>
+          <a:chOff x="0" y="0"/>
+          <a:chExt cx="0" cy="0"/>
+        </a:xfrm>
+      </p:grpSpPr>
+      <p:sp>
+        <p:nvSpPr>
+          <p:cNvPr id="15362" name="內容版面配置區 5"/>
+          <p:cNvSpPr>
+            <a:spLocks noGrp="1"/>
+          </p:cNvSpPr>
+          <p:nvPr>
+            <p:ph idx="1"/>
+          </p:nvPr>
+        </p:nvSpPr>
+        <p:spPr>
+          <a:xfrm>
+            <a:off x="457200" y="936625"/>
+            <a:ext cx="8229600" cy="3575050"/>
+          </a:xfrm>
+        </p:spPr>
+        <p:txBody>
+          <a:bodyPr/>
+          <a:lstStyle/>
+          <a:p>
+            <a:pPr marL="342900" lvl="1" indent="-342900" eaLnBrk="1" hangingPunct="1">
+              <a:buFont typeface="Arial" charset="0"/>
+              <a:buChar char="•"/>
+              <a:defRPr/>
+            </a:pPr>
+            <a:r>
               <a:rPr lang="en-US" altLang="zh-TW" sz="1800" dirty="0">
                 <a:latin typeface="Times New Roman" panose="02020603050405020304" pitchFamily="18" charset="0"/>
                 <a:cs typeface="Times New Roman" panose="02020603050405020304" pitchFamily="18" charset="0"/>
@@ -19760,7 +21549,7 @@
 </p:sld>
 </file>
 
-<file path=ppt/slides/slide31.xml><?xml version="1.0" encoding="utf-8"?>
+<file path=ppt/slides/slide34.xml><?xml version="1.0" encoding="utf-8"?>
 <p:sld xmlns:a="http://schemas.openxmlformats.org/drawingml/2006/main" xmlns:r="http://schemas.openxmlformats.org/officeDocument/2006/relationships" xmlns:p="http://schemas.openxmlformats.org/presentationml/2006/main">
   <p:cSld>
     <p:spTree>
@@ -20052,7 +21841,7 @@
 </p:sld>
 </file>
 
-<file path=ppt/slides/slide32.xml><?xml version="1.0" encoding="utf-8"?>
+<file path=ppt/slides/slide35.xml><?xml version="1.0" encoding="utf-8"?>
 <p:sld xmlns:a="http://schemas.openxmlformats.org/drawingml/2006/main" xmlns:r="http://schemas.openxmlformats.org/officeDocument/2006/relationships" xmlns:p="http://schemas.openxmlformats.org/presentationml/2006/main">
   <p:cSld>
     <p:spTree>
@@ -23361,8 +25150,19 @@
                 <a:latin typeface="Times New Roman" panose="02020603050405020304" pitchFamily="18" charset="0"/>
                 <a:cs typeface="Times New Roman" panose="02020603050405020304" pitchFamily="18" charset="0"/>
               </a:rPr>
-              <a:t>Android 6.0.1 (RJ-45), Android 6.0.1 (OTG)</a:t>
-            </a:r>
+              <a:t>Android 6.0.1 (RJ-45), Android 6.0.1 (OTG</a:t>
+            </a:r>
+            <a:r>
+              <a:rPr lang="en-US" altLang="zh-TW" sz="1400" dirty="0" smtClean="0">
+                <a:latin typeface="Times New Roman" panose="02020603050405020304" pitchFamily="18" charset="0"/>
+                <a:cs typeface="Times New Roman" panose="02020603050405020304" pitchFamily="18" charset="0"/>
+              </a:rPr>
+              <a:t>) for WLAN and WWAN </a:t>
+            </a:r>
+            <a:endParaRPr lang="en-US" altLang="zh-TW" sz="1400" dirty="0">
+              <a:latin typeface="Times New Roman" panose="02020603050405020304" pitchFamily="18" charset="0"/>
+              <a:cs typeface="Times New Roman" panose="02020603050405020304" pitchFamily="18" charset="0"/>
+            </a:endParaRPr>
           </a:p>
           <a:p>
             <a:pPr lvl="1" eaLnBrk="1" hangingPunct="1">
@@ -23396,8 +25196,19 @@
                 <a:latin typeface="Times New Roman" panose="02020603050405020304" pitchFamily="18" charset="0"/>
                 <a:cs typeface="Times New Roman" panose="02020603050405020304" pitchFamily="18" charset="0"/>
               </a:rPr>
-              <a:t>RJ-45), Android 8.1.0 (OTG)</a:t>
-            </a:r>
+              <a:t>RJ-45), Android 8.1.0 (OTG</a:t>
+            </a:r>
+            <a:r>
+              <a:rPr lang="en-US" altLang="zh-TW" sz="1400" dirty="0" smtClean="0">
+                <a:latin typeface="Times New Roman" panose="02020603050405020304" pitchFamily="18" charset="0"/>
+                <a:cs typeface="Times New Roman" panose="02020603050405020304" pitchFamily="18" charset="0"/>
+              </a:rPr>
+              <a:t>) for WLAN and WWAN</a:t>
+            </a:r>
+            <a:endParaRPr lang="en-US" altLang="zh-TW" sz="1400" dirty="0" smtClean="0">
+              <a:latin typeface="Times New Roman" panose="02020603050405020304" pitchFamily="18" charset="0"/>
+              <a:cs typeface="Times New Roman" panose="02020603050405020304" pitchFamily="18" charset="0"/>
+            </a:endParaRPr>
           </a:p>
           <a:p>
             <a:pPr lvl="1" eaLnBrk="1" hangingPunct="1">
@@ -23410,8 +25221,12 @@
                 <a:latin typeface="Times New Roman" panose="02020603050405020304" pitchFamily="18" charset="0"/>
                 <a:cs typeface="Times New Roman" panose="02020603050405020304" pitchFamily="18" charset="0"/>
               </a:rPr>
-              <a:t>Windows</a:t>
-            </a:r>
+              <a:t>Windows for WLAN</a:t>
+            </a:r>
+            <a:endParaRPr lang="en-US" altLang="zh-TW" sz="1400" dirty="0" smtClean="0">
+              <a:latin typeface="Times New Roman" panose="02020603050405020304" pitchFamily="18" charset="0"/>
+              <a:cs typeface="Times New Roman" panose="02020603050405020304" pitchFamily="18" charset="0"/>
+            </a:endParaRPr>
           </a:p>
           <a:p>
             <a:pPr eaLnBrk="1" hangingPunct="1">
@@ -23473,8 +25288,40 @@
                 <a:latin typeface="Times New Roman" panose="02020603050405020304" pitchFamily="18" charset="0"/>
                 <a:cs typeface="Times New Roman" panose="02020603050405020304" pitchFamily="18" charset="0"/>
               </a:rPr>
-              <a:t> automation</a:t>
-            </a:r>
+              <a:t> </a:t>
+            </a:r>
+            <a:r>
+              <a:rPr lang="en-US" altLang="zh-TW" sz="1800" dirty="0" smtClean="0">
+                <a:latin typeface="Times New Roman" panose="02020603050405020304" pitchFamily="18" charset="0"/>
+                <a:cs typeface="Times New Roman" panose="02020603050405020304" pitchFamily="18" charset="0"/>
+              </a:rPr>
+              <a:t>automation</a:t>
+            </a:r>
+          </a:p>
+          <a:p>
+            <a:pPr eaLnBrk="1" hangingPunct="1">
+              <a:buFont typeface="Arial" charset="0"/>
+              <a:buChar char="•"/>
+              <a:defRPr/>
+            </a:pPr>
+            <a:r>
+              <a:rPr lang="en-US" altLang="zh-TW" sz="1800" dirty="0" err="1" smtClean="0">
+                <a:latin typeface="Times New Roman" panose="02020603050405020304" pitchFamily="18" charset="0"/>
+                <a:cs typeface="Times New Roman" panose="02020603050405020304" pitchFamily="18" charset="0"/>
+              </a:rPr>
+              <a:t>ProgramIndex</a:t>
+            </a:r>
+            <a:r>
+              <a:rPr lang="en-US" altLang="zh-TW" sz="1800" dirty="0" smtClean="0">
+                <a:latin typeface="Times New Roman" panose="02020603050405020304" pitchFamily="18" charset="0"/>
+                <a:cs typeface="Times New Roman" panose="02020603050405020304" pitchFamily="18" charset="0"/>
+              </a:rPr>
+              <a:t> automation </a:t>
+            </a:r>
+            <a:endParaRPr lang="en-US" altLang="zh-TW" sz="1800" dirty="0" smtClean="0">
+              <a:latin typeface="Times New Roman" panose="02020603050405020304" pitchFamily="18" charset="0"/>
+              <a:cs typeface="Times New Roman" panose="02020603050405020304" pitchFamily="18" charset="0"/>
+            </a:endParaRPr>
           </a:p>
           <a:p>
             <a:pPr eaLnBrk="1" hangingPunct="1">
@@ -24069,15 +25916,33 @@
                                   </p:childTnLst>
                                 </p:cTn>
                               </p:par>
+                            </p:childTnLst>
+                          </p:cTn>
+                        </p:par>
+                      </p:childTnLst>
+                    </p:cTn>
+                  </p:par>
+                  <p:par>
+                    <p:cTn id="38" fill="hold">
+                      <p:stCondLst>
+                        <p:cond delay="indefinite"/>
+                      </p:stCondLst>
+                      <p:childTnLst>
+                        <p:par>
+                          <p:cTn id="39" fill="hold">
+                            <p:stCondLst>
+                              <p:cond delay="0"/>
+                            </p:stCondLst>
+                            <p:childTnLst>
                               <p:par>
-                                <p:cTn id="38" presetID="10" presetClass="entr" presetSubtype="0" fill="hold" grpId="0" nodeType="withEffect">
+                                <p:cTn id="40" presetID="10" presetClass="entr" presetSubtype="0" fill="hold" grpId="0" nodeType="clickEffect">
                                   <p:stCondLst>
                                     <p:cond delay="0"/>
                                   </p:stCondLst>
                                   <p:childTnLst>
                                     <p:set>
                                       <p:cBhvr>
-                                        <p:cTn id="39" dur="1" fill="hold">
+                                        <p:cTn id="41" dur="1" fill="hold">
                                           <p:stCondLst>
                                             <p:cond delay="0"/>
                                           </p:stCondLst>
@@ -24099,11 +25964,54 @@
                                     </p:set>
                                     <p:animEffect transition="in" filter="fade">
                                       <p:cBhvr>
-                                        <p:cTn id="40" dur="250"/>
+                                        <p:cTn id="42" dur="250"/>
                                         <p:tgtEl>
                                           <p:spTgt spid="15362">
                                             <p:txEl>
                                               <p:pRg st="10" end="10"/>
+                                            </p:txEl>
+                                          </p:spTgt>
+                                        </p:tgtEl>
+                                      </p:cBhvr>
+                                    </p:animEffect>
+                                  </p:childTnLst>
+                                </p:cTn>
+                              </p:par>
+                              <p:par>
+                                <p:cTn id="43" presetID="10" presetClass="entr" presetSubtype="0" fill="hold" grpId="0" nodeType="withEffect">
+                                  <p:stCondLst>
+                                    <p:cond delay="0"/>
+                                  </p:stCondLst>
+                                  <p:childTnLst>
+                                    <p:set>
+                                      <p:cBhvr>
+                                        <p:cTn id="44" dur="1" fill="hold">
+                                          <p:stCondLst>
+                                            <p:cond delay="0"/>
+                                          </p:stCondLst>
+                                        </p:cTn>
+                                        <p:tgtEl>
+                                          <p:spTgt spid="15362">
+                                            <p:txEl>
+                                              <p:pRg st="11" end="11"/>
+                                            </p:txEl>
+                                          </p:spTgt>
+                                        </p:tgtEl>
+                                        <p:attrNameLst>
+                                          <p:attrName>style.visibility</p:attrName>
+                                        </p:attrNameLst>
+                                      </p:cBhvr>
+                                      <p:to>
+                                        <p:strVal val="visible"/>
+                                      </p:to>
+                                    </p:set>
+                                    <p:animEffect transition="in" filter="fade">
+                                      <p:cBhvr>
+                                        <p:cTn id="45" dur="250"/>
+                                        <p:tgtEl>
+                                          <p:spTgt spid="15362">
+                                            <p:txEl>
+                                              <p:pRg st="11" end="11"/>
                                             </p:txEl>
                                           </p:spTgt>
                                         </p:tgtEl>

--- a/kpi/Test Automation_Demo.pptx
+++ b/kpi/Test Automation_Demo.pptx
@@ -5,10 +5,10 @@
     <p:sldMasterId id="2147484176" r:id="rId1"/>
   </p:sldMasterIdLst>
   <p:notesMasterIdLst>
-    <p:notesMasterId r:id="rId37"/>
+    <p:notesMasterId r:id="rId36"/>
   </p:notesMasterIdLst>
   <p:handoutMasterIdLst>
-    <p:handoutMasterId r:id="rId38"/>
+    <p:handoutMasterId r:id="rId37"/>
   </p:handoutMasterIdLst>
   <p:sldIdLst>
     <p:sldId id="524" r:id="rId2"/>
@@ -37,15 +37,14 @@
     <p:sldId id="569" r:id="rId25"/>
     <p:sldId id="557" r:id="rId26"/>
     <p:sldId id="568" r:id="rId27"/>
-    <p:sldId id="580" r:id="rId28"/>
-    <p:sldId id="565" r:id="rId29"/>
-    <p:sldId id="567" r:id="rId30"/>
-    <p:sldId id="578" r:id="rId31"/>
-    <p:sldId id="579" r:id="rId32"/>
-    <p:sldId id="559" r:id="rId33"/>
-    <p:sldId id="566" r:id="rId34"/>
-    <p:sldId id="551" r:id="rId35"/>
-    <p:sldId id="523" r:id="rId36"/>
+    <p:sldId id="565" r:id="rId28"/>
+    <p:sldId id="567" r:id="rId29"/>
+    <p:sldId id="578" r:id="rId30"/>
+    <p:sldId id="579" r:id="rId31"/>
+    <p:sldId id="559" r:id="rId32"/>
+    <p:sldId id="566" r:id="rId33"/>
+    <p:sldId id="551" r:id="rId34"/>
+    <p:sldId id="523" r:id="rId35"/>
   </p:sldIdLst>
   <p:sldSz cx="9144000" cy="5143500" type="screen16x9"/>
   <p:notesSz cx="7099300" cy="10234613"/>
@@ -176,7 +175,7 @@
   </p:defaultTextStyle>
   <p:extLst>
     <p:ext uri="{EFAFB233-063F-42B5-8137-9DF3F51BA10A}">
-      <p15:sldGuideLst xmlns="" xmlns:p15="http://schemas.microsoft.com/office/powerpoint/2012/main">
+      <p15:sldGuideLst xmlns:p15="http://schemas.microsoft.com/office/powerpoint/2012/main" xmlns="">
         <p15:guide id="1" orient="horz" pos="1620">
           <p15:clr>
             <a:srgbClr val="A4A3A4"/>
@@ -190,7 +189,7 @@
       </p15:sldGuideLst>
     </p:ext>
     <p:ext uri="{2D200454-40CA-4A62-9FC3-DE9A4176ACB9}">
-      <p15:notesGuideLst xmlns="" xmlns:p15="http://schemas.microsoft.com/office/powerpoint/2012/main">
+      <p15:notesGuideLst xmlns:p15="http://schemas.microsoft.com/office/powerpoint/2012/main" xmlns="">
         <p15:guide id="1" orient="horz" pos="3223">
           <p15:clr>
             <a:srgbClr val="A4A3A4"/>
@@ -3187,7 +3186,7 @@
     </p:spTree>
     <p:extLst>
       <p:ext uri="{BB962C8B-B14F-4D97-AF65-F5344CB8AC3E}">
-        <p14:creationId xmlns:p14="http://schemas.microsoft.com/office/powerpoint/2010/main" val="1957161656"/>
+        <p14:creationId xmlns:p14="http://schemas.microsoft.com/office/powerpoint/2010/main" val="770017496"/>
       </p:ext>
     </p:extLst>
   </p:cSld>
@@ -3198,91 +3197,6 @@
 </file>
 
 <file path=ppt/notesSlides/notesSlide32.xml><?xml version="1.0" encoding="utf-8"?>
-<p:notes xmlns:a="http://schemas.openxmlformats.org/drawingml/2006/main" xmlns:r="http://schemas.openxmlformats.org/officeDocument/2006/relationships" xmlns:p="http://schemas.openxmlformats.org/presentationml/2006/main">
-  <p:cSld>
-    <p:spTree>
-      <p:nvGrpSpPr>
-        <p:cNvPr id="1" name=""/>
-        <p:cNvGrpSpPr/>
-        <p:nvPr/>
-      </p:nvGrpSpPr>
-      <p:grpSpPr>
-        <a:xfrm>
-          <a:off x="0" y="0"/>
-          <a:ext cx="0" cy="0"/>
-          <a:chOff x="0" y="0"/>
-          <a:chExt cx="0" cy="0"/>
-        </a:xfrm>
-      </p:grpSpPr>
-      <p:sp>
-        <p:nvSpPr>
-          <p:cNvPr id="2" name="投影片圖像版面配置區 1"/>
-          <p:cNvSpPr>
-            <a:spLocks noGrp="1" noRot="1" noChangeAspect="1"/>
-          </p:cNvSpPr>
-          <p:nvPr>
-            <p:ph type="sldImg"/>
-          </p:nvPr>
-        </p:nvSpPr>
-        <p:spPr/>
-      </p:sp>
-      <p:sp>
-        <p:nvSpPr>
-          <p:cNvPr id="3" name="備忘稿版面配置區 2"/>
-          <p:cNvSpPr>
-            <a:spLocks noGrp="1"/>
-          </p:cNvSpPr>
-          <p:nvPr>
-            <p:ph type="body" idx="1"/>
-          </p:nvPr>
-        </p:nvSpPr>
-        <p:spPr/>
-        <p:txBody>
-          <a:bodyPr/>
-          <a:lstStyle/>
-          <a:p>
-            <a:endParaRPr lang="zh-TW" altLang="en-US" dirty="0"/>
-          </a:p>
-        </p:txBody>
-      </p:sp>
-      <p:sp>
-        <p:nvSpPr>
-          <p:cNvPr id="4" name="投影片編號版面配置區 3"/>
-          <p:cNvSpPr>
-            <a:spLocks noGrp="1"/>
-          </p:cNvSpPr>
-          <p:nvPr>
-            <p:ph type="sldNum" sz="quarter" idx="10"/>
-          </p:nvPr>
-        </p:nvSpPr>
-        <p:spPr/>
-        <p:txBody>
-          <a:bodyPr/>
-          <a:lstStyle/>
-          <a:p>
-            <a:fld id="{5FAE23DA-1601-498D-B2E3-972800982184}" type="slidenum">
-              <a:rPr lang="en-US" altLang="zh-TW" smtClean="0"/>
-              <a:pPr/>
-              <a:t>34</a:t>
-            </a:fld>
-            <a:endParaRPr lang="en-US" altLang="zh-TW"/>
-          </a:p>
-        </p:txBody>
-      </p:sp>
-    </p:spTree>
-    <p:extLst>
-      <p:ext uri="{BB962C8B-B14F-4D97-AF65-F5344CB8AC3E}">
-        <p14:creationId xmlns:p14="http://schemas.microsoft.com/office/powerpoint/2010/main" val="770017496"/>
-      </p:ext>
-    </p:extLst>
-  </p:cSld>
-  <p:clrMapOvr>
-    <a:masterClrMapping/>
-  </p:clrMapOvr>
-</p:notes>
-</file>
-
-<file path=ppt/notesSlides/notesSlide33.xml><?xml version="1.0" encoding="utf-8"?>
 <p:notes xmlns:a="http://schemas.openxmlformats.org/drawingml/2006/main" xmlns:r="http://schemas.openxmlformats.org/officeDocument/2006/relationships" xmlns:p="http://schemas.openxmlformats.org/presentationml/2006/main">
   <p:cSld>
     <p:spTree>
@@ -3528,7 +3442,7 @@
                   <a:spcPct val="0"/>
                 </a:spcBef>
               </a:pPr>
-              <a:t>35</a:t>
+              <a:t>34</a:t>
             </a:fld>
             <a:endParaRPr lang="en-US" altLang="zh-TW" sz="1300">
               <a:latin typeface="Garamond" panose="02020404030301010803" pitchFamily="18" charset="0"/>
@@ -7943,7 +7857,7 @@
                             </p:stCondLst>
                             <p:childTnLst>
                               <p:par>
-                                <p:cTn id="5" presetID="10" presetClass="entr" presetSubtype="0" fill="hold" grpId="0" nodeType="afterEffect">
+                                <p:cTn id="5" presetID="10" presetClass="entr" presetSubtype="0" fill="hold" grpId="0" nodeType="withEffect">
                                   <p:stCondLst>
                                     <p:cond delay="0"/>
                                   </p:stCondLst>
@@ -8064,7 +7978,7 @@
                                     </p:set>
                                     <p:animEffect transition="in" filter="fade">
                                       <p:cBhvr>
-                                        <p:cTn id="15" dur="500"/>
+                                        <p:cTn id="15" dur="250"/>
                                         <p:tgtEl>
                                           <p:spTgt spid="9"/>
                                         </p:tgtEl>
@@ -8099,7 +8013,7 @@
                                     </p:set>
                                     <p:animEffect transition="in" filter="fade">
                                       <p:cBhvr>
-                                        <p:cTn id="18" dur="500"/>
+                                        <p:cTn id="18" dur="250"/>
                                         <p:tgtEl>
                                           <p:spTgt spid="8"/>
                                         </p:tgtEl>
@@ -8551,15 +8465,24 @@
                                   </p:childTnLst>
                                 </p:cTn>
                               </p:par>
+                            </p:childTnLst>
+                          </p:cTn>
+                        </p:par>
+                        <p:par>
+                          <p:cTn id="16" fill="hold">
+                            <p:stCondLst>
+                              <p:cond delay="750"/>
+                            </p:stCondLst>
+                            <p:childTnLst>
                               <p:par>
-                                <p:cTn id="16" presetID="10" presetClass="entr" presetSubtype="0" fill="hold" grpId="0" nodeType="withEffect">
+                                <p:cTn id="17" presetID="10" presetClass="entr" presetSubtype="0" fill="hold" grpId="0" nodeType="afterEffect">
                                   <p:stCondLst>
                                     <p:cond delay="0"/>
                                   </p:stCondLst>
                                   <p:childTnLst>
                                     <p:set>
                                       <p:cBhvr>
-                                        <p:cTn id="17" dur="1" fill="hold">
+                                        <p:cTn id="18" dur="1" fill="hold">
                                           <p:stCondLst>
                                             <p:cond delay="0"/>
                                           </p:stCondLst>
@@ -8577,7 +8500,7 @@
                                     </p:set>
                                     <p:animEffect transition="in" filter="fade">
                                       <p:cBhvr>
-                                        <p:cTn id="18" dur="500"/>
+                                        <p:cTn id="19" dur="250"/>
                                         <p:tgtEl>
                                           <p:spTgt spid="12"/>
                                         </p:tgtEl>
@@ -8587,14 +8510,14 @@
                                 </p:cTn>
                               </p:par>
                               <p:par>
-                                <p:cTn id="19" presetID="10" presetClass="entr" presetSubtype="0" fill="hold" grpId="0" nodeType="withEffect">
+                                <p:cTn id="20" presetID="10" presetClass="entr" presetSubtype="0" fill="hold" grpId="0" nodeType="withEffect">
                                   <p:stCondLst>
                                     <p:cond delay="0"/>
                                   </p:stCondLst>
                                   <p:childTnLst>
                                     <p:set>
                                       <p:cBhvr>
-                                        <p:cTn id="20" dur="1" fill="hold">
+                                        <p:cTn id="21" dur="1" fill="hold">
                                           <p:stCondLst>
                                             <p:cond delay="0"/>
                                           </p:stCondLst>
@@ -8612,7 +8535,7 @@
                                     </p:set>
                                     <p:animEffect transition="in" filter="fade">
                                       <p:cBhvr>
-                                        <p:cTn id="21" dur="500"/>
+                                        <p:cTn id="22" dur="250"/>
                                         <p:tgtEl>
                                           <p:spTgt spid="13"/>
                                         </p:tgtEl>
@@ -8969,7 +8892,7 @@
                             </p:stCondLst>
                             <p:childTnLst>
                               <p:par>
-                                <p:cTn id="5" presetID="10" presetClass="entr" presetSubtype="0" fill="hold" grpId="0" nodeType="afterEffect">
+                                <p:cTn id="5" presetID="10" presetClass="entr" presetSubtype="0" fill="hold" grpId="0" nodeType="withEffect">
                                   <p:stCondLst>
                                     <p:cond delay="0"/>
                                   </p:stCondLst>
@@ -9100,7 +9023,7 @@
                                 </p:cTn>
                               </p:par>
                               <p:par>
-                                <p:cTn id="16" presetID="10" presetClass="entr" presetSubtype="0" fill="hold" grpId="0" nodeType="withEffect">
+                                <p:cTn id="16" presetID="10" presetClass="entr" presetSubtype="0" fill="hold" nodeType="withEffect">
                                   <p:stCondLst>
                                     <p:cond delay="0"/>
                                   </p:stCondLst>
@@ -9113,7 +9036,7 @@
                                           </p:stCondLst>
                                         </p:cTn>
                                         <p:tgtEl>
-                                          <p:spTgt spid="7"/>
+                                          <p:spTgt spid="5"/>
                                         </p:tgtEl>
                                         <p:attrNameLst>
                                           <p:attrName>style.visibility</p:attrName>
@@ -9125,7 +9048,51 @@
                                     </p:set>
                                     <p:animEffect transition="in" filter="fade">
                                       <p:cBhvr>
-                                        <p:cTn id="18" dur="500"/>
+                                        <p:cTn id="18" dur="250"/>
+                                        <p:tgtEl>
+                                          <p:spTgt spid="5"/>
+                                        </p:tgtEl>
+                                      </p:cBhvr>
+                                    </p:animEffect>
+                                  </p:childTnLst>
+                                </p:cTn>
+                              </p:par>
+                            </p:childTnLst>
+                          </p:cTn>
+                        </p:par>
+                        <p:par>
+                          <p:cTn id="19" fill="hold">
+                            <p:stCondLst>
+                              <p:cond delay="750"/>
+                            </p:stCondLst>
+                            <p:childTnLst>
+                              <p:par>
+                                <p:cTn id="20" presetID="10" presetClass="entr" presetSubtype="0" fill="hold" grpId="0" nodeType="afterEffect">
+                                  <p:stCondLst>
+                                    <p:cond delay="0"/>
+                                  </p:stCondLst>
+                                  <p:childTnLst>
+                                    <p:set>
+                                      <p:cBhvr>
+                                        <p:cTn id="21" dur="1" fill="hold">
+                                          <p:stCondLst>
+                                            <p:cond delay="0"/>
+                                          </p:stCondLst>
+                                        </p:cTn>
+                                        <p:tgtEl>
+                                          <p:spTgt spid="7"/>
+                                        </p:tgtEl>
+                                        <p:attrNameLst>
+                                          <p:attrName>style.visibility</p:attrName>
+                                        </p:attrNameLst>
+                                      </p:cBhvr>
+                                      <p:to>
+                                        <p:strVal val="visible"/>
+                                      </p:to>
+                                    </p:set>
+                                    <p:animEffect transition="in" filter="fade">
+                                      <p:cBhvr>
+                                        <p:cTn id="22" dur="250"/>
                                         <p:tgtEl>
                                           <p:spTgt spid="7"/>
                                         </p:tgtEl>
@@ -9135,20 +9102,20 @@
                                 </p:cTn>
                               </p:par>
                               <p:par>
-                                <p:cTn id="19" presetID="10" presetClass="entr" presetSubtype="0" fill="hold" nodeType="withEffect">
+                                <p:cTn id="23" presetID="10" presetClass="entr" presetSubtype="0" fill="hold" grpId="0" nodeType="withEffect">
                                   <p:stCondLst>
                                     <p:cond delay="0"/>
                                   </p:stCondLst>
                                   <p:childTnLst>
                                     <p:set>
                                       <p:cBhvr>
-                                        <p:cTn id="20" dur="1" fill="hold">
+                                        <p:cTn id="24" dur="1" fill="hold">
                                           <p:stCondLst>
                                             <p:cond delay="0"/>
                                           </p:stCondLst>
                                         </p:cTn>
                                         <p:tgtEl>
-                                          <p:spTgt spid="5"/>
+                                          <p:spTgt spid="9"/>
                                         </p:tgtEl>
                                         <p:attrNameLst>
                                           <p:attrName>style.visibility</p:attrName>
@@ -9160,42 +9127,7 @@
                                     </p:set>
                                     <p:animEffect transition="in" filter="fade">
                                       <p:cBhvr>
-                                        <p:cTn id="21" dur="250"/>
-                                        <p:tgtEl>
-                                          <p:spTgt spid="5"/>
-                                        </p:tgtEl>
-                                      </p:cBhvr>
-                                    </p:animEffect>
-                                  </p:childTnLst>
-                                </p:cTn>
-                              </p:par>
-                              <p:par>
-                                <p:cTn id="22" presetID="10" presetClass="entr" presetSubtype="0" fill="hold" grpId="0" nodeType="withEffect">
-                                  <p:stCondLst>
-                                    <p:cond delay="0"/>
-                                  </p:stCondLst>
-                                  <p:childTnLst>
-                                    <p:set>
-                                      <p:cBhvr>
-                                        <p:cTn id="23" dur="1" fill="hold">
-                                          <p:stCondLst>
-                                            <p:cond delay="0"/>
-                                          </p:stCondLst>
-                                        </p:cTn>
-                                        <p:tgtEl>
-                                          <p:spTgt spid="9"/>
-                                        </p:tgtEl>
-                                        <p:attrNameLst>
-                                          <p:attrName>style.visibility</p:attrName>
-                                        </p:attrNameLst>
-                                      </p:cBhvr>
-                                      <p:to>
-                                        <p:strVal val="visible"/>
-                                      </p:to>
-                                    </p:set>
-                                    <p:animEffect transition="in" filter="fade">
-                                      <p:cBhvr>
-                                        <p:cTn id="24" dur="500"/>
+                                        <p:cTn id="25" dur="250"/>
                                         <p:tgtEl>
                                           <p:spTgt spid="9"/>
                                         </p:tgtEl>
@@ -9486,7 +9418,7 @@
                             </p:stCondLst>
                             <p:childTnLst>
                               <p:par>
-                                <p:cTn id="5" presetID="10" presetClass="entr" presetSubtype="0" fill="hold" grpId="0" nodeType="afterEffect">
+                                <p:cTn id="5" presetID="10" presetClass="entr" presetSubtype="0" fill="hold" grpId="0" nodeType="withEffect">
                                   <p:stCondLst>
                                     <p:cond delay="0"/>
                                   </p:stCondLst>
@@ -10110,7 +10042,7 @@
                             </p:stCondLst>
                             <p:childTnLst>
                               <p:par>
-                                <p:cTn id="5" presetID="10" presetClass="entr" presetSubtype="0" fill="hold" grpId="0" nodeType="afterEffect">
+                                <p:cTn id="5" presetID="10" presetClass="entr" presetSubtype="0" fill="hold" grpId="0" nodeType="withEffect">
                                   <p:stCondLst>
                                     <p:cond delay="0"/>
                                   </p:stCondLst>
@@ -10222,7 +10154,7 @@
                                     </p:set>
                                     <p:animEffect transition="in" filter="fade">
                                       <p:cBhvr>
-                                        <p:cTn id="14" dur="500"/>
+                                        <p:cTn id="14" dur="250"/>
                                         <p:tgtEl>
                                           <p:spTgt spid="27"/>
                                         </p:tgtEl>
@@ -10231,15 +10163,24 @@
                                   </p:childTnLst>
                                 </p:cTn>
                               </p:par>
+                            </p:childTnLst>
+                          </p:cTn>
+                        </p:par>
+                        <p:par>
+                          <p:cTn id="15" fill="hold">
+                            <p:stCondLst>
+                              <p:cond delay="500"/>
+                            </p:stCondLst>
+                            <p:childTnLst>
                               <p:par>
-                                <p:cTn id="15" presetID="10" presetClass="entr" presetSubtype="0" fill="hold" nodeType="withEffect">
+                                <p:cTn id="16" presetID="10" presetClass="entr" presetSubtype="0" fill="hold" nodeType="afterEffect">
                                   <p:stCondLst>
                                     <p:cond delay="0"/>
                                   </p:stCondLst>
                                   <p:childTnLst>
                                     <p:set>
                                       <p:cBhvr>
-                                        <p:cTn id="16" dur="1" fill="hold">
+                                        <p:cTn id="17" dur="1" fill="hold">
                                           <p:stCondLst>
                                             <p:cond delay="0"/>
                                           </p:stCondLst>
@@ -10257,7 +10198,7 @@
                                     </p:set>
                                     <p:animEffect transition="in" filter="fade">
                                       <p:cBhvr>
-                                        <p:cTn id="17" dur="250"/>
+                                        <p:cTn id="18" dur="250"/>
                                         <p:tgtEl>
                                           <p:spTgt spid="26"/>
                                         </p:tgtEl>
@@ -10492,7 +10433,7 @@
           <a:graphicData uri="http://schemas.openxmlformats.org/presentationml/2006/ole">
             <mc:AlternateContent xmlns:mc="http://schemas.openxmlformats.org/markup-compatibility/2006">
               <mc:Choice xmlns:v="urn:schemas-microsoft-com:vml" Requires="v">
-                <p:oleObj spid="_x0000_s5162" name="封裝程式殼層物件" showAsIcon="1" r:id="rId4" imgW="744480" imgH="394920" progId="Package">
+                <p:oleObj spid="_x0000_s5169" name="封裝程式殼層物件" showAsIcon="1" r:id="rId4" imgW="744480" imgH="394920" progId="Package">
                   <p:embed/>
                 </p:oleObj>
               </mc:Choice>
@@ -10793,7 +10734,7 @@
                             </p:stCondLst>
                             <p:childTnLst>
                               <p:par>
-                                <p:cTn id="5" presetID="10" presetClass="entr" presetSubtype="0" fill="hold" grpId="0" nodeType="afterEffect">
+                                <p:cTn id="5" presetID="10" presetClass="entr" presetSubtype="0" fill="hold" grpId="0" nodeType="withEffect">
                                   <p:stCondLst>
                                     <p:cond delay="0"/>
                                   </p:stCondLst>
@@ -10879,21 +10820,30 @@
                                   </p:childTnLst>
                                 </p:cTn>
                               </p:par>
+                            </p:childTnLst>
+                          </p:cTn>
+                        </p:par>
+                        <p:par>
+                          <p:cTn id="12" fill="hold">
+                            <p:stCondLst>
+                              <p:cond delay="500"/>
+                            </p:stCondLst>
+                            <p:childTnLst>
                               <p:par>
-                                <p:cTn id="12" presetID="10" presetClass="entr" presetSubtype="0" fill="hold" grpId="0" nodeType="withEffect">
+                                <p:cTn id="13" presetID="10" presetClass="entr" presetSubtype="0" fill="hold" nodeType="afterEffect">
                                   <p:stCondLst>
                                     <p:cond delay="0"/>
                                   </p:stCondLst>
                                   <p:childTnLst>
                                     <p:set>
                                       <p:cBhvr>
-                                        <p:cTn id="13" dur="1" fill="hold">
+                                        <p:cTn id="14" dur="1" fill="hold">
                                           <p:stCondLst>
                                             <p:cond delay="0"/>
                                           </p:stCondLst>
                                         </p:cTn>
                                         <p:tgtEl>
-                                          <p:spTgt spid="7"/>
+                                          <p:spTgt spid="5129"/>
                                         </p:tgtEl>
                                         <p:attrNameLst>
                                           <p:attrName>style.visibility</p:attrName>
@@ -10905,9 +10855,9 @@
                                     </p:set>
                                     <p:animEffect transition="in" filter="fade">
                                       <p:cBhvr>
-                                        <p:cTn id="14" dur="250"/>
-                                        <p:tgtEl>
-                                          <p:spTgt spid="7"/>
+                                        <p:cTn id="15" dur="250"/>
+                                        <p:tgtEl>
+                                          <p:spTgt spid="5129"/>
                                         </p:tgtEl>
                                       </p:cBhvr>
                                     </p:animEffect>
@@ -10915,20 +10865,20 @@
                                 </p:cTn>
                               </p:par>
                               <p:par>
-                                <p:cTn id="15" presetID="10" presetClass="entr" presetSubtype="0" fill="hold" grpId="0" nodeType="withEffect">
+                                <p:cTn id="16" presetID="10" presetClass="entr" presetSubtype="0" fill="hold" nodeType="withEffect">
                                   <p:stCondLst>
                                     <p:cond delay="0"/>
                                   </p:stCondLst>
                                   <p:childTnLst>
                                     <p:set>
                                       <p:cBhvr>
-                                        <p:cTn id="16" dur="1" fill="hold">
+                                        <p:cTn id="17" dur="1" fill="hold">
                                           <p:stCondLst>
                                             <p:cond delay="0"/>
                                           </p:stCondLst>
                                         </p:cTn>
                                         <p:tgtEl>
-                                          <p:spTgt spid="16"/>
+                                          <p:spTgt spid="5131"/>
                                         </p:tgtEl>
                                         <p:attrNameLst>
                                           <p:attrName>style.visibility</p:attrName>
@@ -10940,9 +10890,53 @@
                                     </p:set>
                                     <p:animEffect transition="in" filter="fade">
                                       <p:cBhvr>
-                                        <p:cTn id="17" dur="250"/>
-                                        <p:tgtEl>
-                                          <p:spTgt spid="16"/>
+                                        <p:cTn id="18" dur="250"/>
+                                        <p:tgtEl>
+                                          <p:spTgt spid="5131"/>
+                                        </p:tgtEl>
+                                      </p:cBhvr>
+                                    </p:animEffect>
+                                  </p:childTnLst>
+                                </p:cTn>
+                              </p:par>
+                            </p:childTnLst>
+                          </p:cTn>
+                        </p:par>
+                        <p:par>
+                          <p:cTn id="19" fill="hold">
+                            <p:stCondLst>
+                              <p:cond delay="750"/>
+                            </p:stCondLst>
+                            <p:childTnLst>
+                              <p:par>
+                                <p:cTn id="20" presetID="10" presetClass="entr" presetSubtype="0" fill="hold" grpId="0" nodeType="afterEffect">
+                                  <p:stCondLst>
+                                    <p:cond delay="0"/>
+                                  </p:stCondLst>
+                                  <p:childTnLst>
+                                    <p:set>
+                                      <p:cBhvr>
+                                        <p:cTn id="21" dur="1" fill="hold">
+                                          <p:stCondLst>
+                                            <p:cond delay="0"/>
+                                          </p:stCondLst>
+                                        </p:cTn>
+                                        <p:tgtEl>
+                                          <p:spTgt spid="7"/>
+                                        </p:tgtEl>
+                                        <p:attrNameLst>
+                                          <p:attrName>style.visibility</p:attrName>
+                                        </p:attrNameLst>
+                                      </p:cBhvr>
+                                      <p:to>
+                                        <p:strVal val="visible"/>
+                                      </p:to>
+                                    </p:set>
+                                    <p:animEffect transition="in" filter="fade">
+                                      <p:cBhvr>
+                                        <p:cTn id="22" dur="250"/>
+                                        <p:tgtEl>
+                                          <p:spTgt spid="7"/>
                                         </p:tgtEl>
                                       </p:cBhvr>
                                     </p:animEffect>
@@ -10950,20 +10944,20 @@
                                 </p:cTn>
                               </p:par>
                               <p:par>
-                                <p:cTn id="18" presetID="10" presetClass="entr" presetSubtype="0" fill="hold" nodeType="withEffect">
+                                <p:cTn id="23" presetID="10" presetClass="entr" presetSubtype="0" fill="hold" grpId="0" nodeType="withEffect">
                                   <p:stCondLst>
                                     <p:cond delay="0"/>
                                   </p:stCondLst>
                                   <p:childTnLst>
                                     <p:set>
                                       <p:cBhvr>
-                                        <p:cTn id="19" dur="1" fill="hold">
+                                        <p:cTn id="24" dur="1" fill="hold">
                                           <p:stCondLst>
                                             <p:cond delay="0"/>
                                           </p:stCondLst>
                                         </p:cTn>
                                         <p:tgtEl>
-                                          <p:spTgt spid="5131"/>
+                                          <p:spTgt spid="16"/>
                                         </p:tgtEl>
                                         <p:attrNameLst>
                                           <p:attrName>style.visibility</p:attrName>
@@ -10975,30 +10969,39 @@
                                     </p:set>
                                     <p:animEffect transition="in" filter="fade">
                                       <p:cBhvr>
-                                        <p:cTn id="20" dur="250"/>
-                                        <p:tgtEl>
-                                          <p:spTgt spid="5131"/>
+                                        <p:cTn id="25" dur="250"/>
+                                        <p:tgtEl>
+                                          <p:spTgt spid="16"/>
                                         </p:tgtEl>
                                       </p:cBhvr>
                                     </p:animEffect>
                                   </p:childTnLst>
                                 </p:cTn>
                               </p:par>
+                            </p:childTnLst>
+                          </p:cTn>
+                        </p:par>
+                        <p:par>
+                          <p:cTn id="26" fill="hold">
+                            <p:stCondLst>
+                              <p:cond delay="1000"/>
+                            </p:stCondLst>
+                            <p:childTnLst>
                               <p:par>
-                                <p:cTn id="21" presetID="10" presetClass="entr" presetSubtype="0" fill="hold" nodeType="withEffect">
+                                <p:cTn id="27" presetID="10" presetClass="entr" presetSubtype="0" fill="hold" grpId="0" nodeType="afterEffect">
                                   <p:stCondLst>
                                     <p:cond delay="0"/>
                                   </p:stCondLst>
                                   <p:childTnLst>
                                     <p:set>
                                       <p:cBhvr>
-                                        <p:cTn id="22" dur="1" fill="hold">
+                                        <p:cTn id="28" dur="1" fill="hold">
                                           <p:stCondLst>
                                             <p:cond delay="0"/>
                                           </p:stCondLst>
                                         </p:cTn>
                                         <p:tgtEl>
-                                          <p:spTgt spid="5129"/>
+                                          <p:spTgt spid="6"/>
                                         </p:tgtEl>
                                         <p:attrNameLst>
                                           <p:attrName>style.visibility</p:attrName>
@@ -11010,30 +11013,39 @@
                                     </p:set>
                                     <p:animEffect transition="in" filter="fade">
                                       <p:cBhvr>
-                                        <p:cTn id="23" dur="250"/>
-                                        <p:tgtEl>
-                                          <p:spTgt spid="5129"/>
+                                        <p:cTn id="29" dur="250"/>
+                                        <p:tgtEl>
+                                          <p:spTgt spid="6"/>
                                         </p:tgtEl>
                                       </p:cBhvr>
                                     </p:animEffect>
                                   </p:childTnLst>
                                 </p:cTn>
                               </p:par>
+                            </p:childTnLst>
+                          </p:cTn>
+                        </p:par>
+                        <p:par>
+                          <p:cTn id="30" fill="hold">
+                            <p:stCondLst>
+                              <p:cond delay="1250"/>
+                            </p:stCondLst>
+                            <p:childTnLst>
                               <p:par>
-                                <p:cTn id="24" presetID="10" presetClass="entr" presetSubtype="0" fill="hold" grpId="0" nodeType="withEffect">
+                                <p:cTn id="31" presetID="10" presetClass="entr" presetSubtype="0" fill="hold" nodeType="afterEffect">
                                   <p:stCondLst>
                                     <p:cond delay="0"/>
                                   </p:stCondLst>
                                   <p:childTnLst>
                                     <p:set>
                                       <p:cBhvr>
-                                        <p:cTn id="25" dur="1" fill="hold">
+                                        <p:cTn id="32" dur="1" fill="hold">
                                           <p:stCondLst>
                                             <p:cond delay="0"/>
                                           </p:stCondLst>
                                         </p:cTn>
                                         <p:tgtEl>
-                                          <p:spTgt spid="6"/>
+                                          <p:spTgt spid="3"/>
                                         </p:tgtEl>
                                         <p:attrNameLst>
                                           <p:attrName>style.visibility</p:attrName>
@@ -11045,42 +11057,7 @@
                                     </p:set>
                                     <p:animEffect transition="in" filter="fade">
                                       <p:cBhvr>
-                                        <p:cTn id="26" dur="250"/>
-                                        <p:tgtEl>
-                                          <p:spTgt spid="6"/>
-                                        </p:tgtEl>
-                                      </p:cBhvr>
-                                    </p:animEffect>
-                                  </p:childTnLst>
-                                </p:cTn>
-                              </p:par>
-                              <p:par>
-                                <p:cTn id="27" presetID="10" presetClass="entr" presetSubtype="0" fill="hold" nodeType="withEffect">
-                                  <p:stCondLst>
-                                    <p:cond delay="0"/>
-                                  </p:stCondLst>
-                                  <p:childTnLst>
-                                    <p:set>
-                                      <p:cBhvr>
-                                        <p:cTn id="28" dur="1" fill="hold">
-                                          <p:stCondLst>
-                                            <p:cond delay="0"/>
-                                          </p:stCondLst>
-                                        </p:cTn>
-                                        <p:tgtEl>
-                                          <p:spTgt spid="3"/>
-                                        </p:tgtEl>
-                                        <p:attrNameLst>
-                                          <p:attrName>style.visibility</p:attrName>
-                                        </p:attrNameLst>
-                                      </p:cBhvr>
-                                      <p:to>
-                                        <p:strVal val="visible"/>
-                                      </p:to>
-                                    </p:set>
-                                    <p:animEffect transition="in" filter="fade">
-                                      <p:cBhvr>
-                                        <p:cTn id="29" dur="250"/>
+                                        <p:cTn id="33" dur="250"/>
                                         <p:tgtEl>
                                           <p:spTgt spid="3"/>
                                         </p:tgtEl>
@@ -11514,7 +11491,7 @@
                             </p:stCondLst>
                             <p:childTnLst>
                               <p:par>
-                                <p:cTn id="5" presetID="10" presetClass="entr" presetSubtype="0" fill="hold" grpId="0" nodeType="afterEffect">
+                                <p:cTn id="5" presetID="10" presetClass="entr" presetSubtype="0" fill="hold" grpId="0" nodeType="withEffect">
                                   <p:stCondLst>
                                     <p:cond delay="0"/>
                                   </p:stCondLst>
@@ -11980,7 +11957,7 @@
                             </p:stCondLst>
                             <p:childTnLst>
                               <p:par>
-                                <p:cTn id="5" presetID="10" presetClass="entr" presetSubtype="0" fill="hold" grpId="0" nodeType="afterEffect">
+                                <p:cTn id="5" presetID="10" presetClass="entr" presetSubtype="0" fill="hold" grpId="0" nodeType="withEffect">
                                   <p:stCondLst>
                                     <p:cond delay="0"/>
                                   </p:stCondLst>
@@ -12370,7 +12347,7 @@
                             </p:stCondLst>
                             <p:childTnLst>
                               <p:par>
-                                <p:cTn id="5" presetID="10" presetClass="entr" presetSubtype="0" fill="hold" grpId="0" nodeType="afterEffect">
+                                <p:cTn id="5" presetID="10" presetClass="entr" presetSubtype="0" fill="hold" grpId="0" nodeType="withEffect">
                                   <p:stCondLst>
                                     <p:cond delay="0"/>
                                   </p:stCondLst>
@@ -12732,7 +12709,7 @@
                             </p:stCondLst>
                             <p:childTnLst>
                               <p:par>
-                                <p:cTn id="5" presetID="10" presetClass="entr" presetSubtype="0" fill="hold" grpId="0" nodeType="afterEffect">
+                                <p:cTn id="5" presetID="10" presetClass="entr" presetSubtype="0" fill="hold" grpId="0" nodeType="withEffect">
                                   <p:stCondLst>
                                     <p:cond delay="0"/>
                                   </p:stCondLst>
@@ -13573,7 +13550,7 @@
                             </p:stCondLst>
                             <p:childTnLst>
                               <p:par>
-                                <p:cTn id="5" presetID="10" presetClass="entr" presetSubtype="0" fill="hold" grpId="0" nodeType="afterEffect">
+                                <p:cTn id="5" presetID="10" presetClass="entr" presetSubtype="0" fill="hold" grpId="0" nodeType="withEffect">
                                   <p:stCondLst>
                                     <p:cond delay="0"/>
                                   </p:stCondLst>
@@ -13953,7 +13930,7 @@
           <p:nvPr>
             <p:extLst>
               <p:ext uri="{D42A27DB-BD31-4B8C-83A1-F6EECF244321}">
-                <p14:modId xmlns:p14="http://schemas.microsoft.com/office/powerpoint/2010/main" val="2733027467"/>
+                <p14:modId xmlns:p14="http://schemas.microsoft.com/office/powerpoint/2010/main" val="4118606093"/>
               </p:ext>
             </p:extLst>
           </p:nvPr>
@@ -13966,7 +13943,7 @@
           <a:graphicData uri="http://schemas.openxmlformats.org/presentationml/2006/ole">
             <mc:AlternateContent xmlns:mc="http://schemas.openxmlformats.org/markup-compatibility/2006">
               <mc:Choice xmlns:v="urn:schemas-microsoft-com:vml" Requires="v">
-                <p:oleObj spid="_x0000_s3193" name="封裝程式殼層物件" showAsIcon="1" r:id="rId4" imgW="671760" imgH="394920" progId="Package">
+                <p:oleObj spid="_x0000_s3200" name="封裝程式殼層物件" showAsIcon="1" r:id="rId4" imgW="671760" imgH="394920" progId="Package">
                   <p:embed/>
                 </p:oleObj>
               </mc:Choice>
@@ -14047,7 +14024,7 @@
                             </p:stCondLst>
                             <p:childTnLst>
                               <p:par>
-                                <p:cTn id="5" presetID="10" presetClass="entr" presetSubtype="0" fill="hold" grpId="0" nodeType="afterEffect">
+                                <p:cTn id="5" presetID="10" presetClass="entr" presetSubtype="0" fill="hold" grpId="0" nodeType="withEffect">
                                   <p:stCondLst>
                                     <p:cond delay="0"/>
                                   </p:stCondLst>
@@ -14237,25 +14214,30 @@
                                   </p:childTnLst>
                                 </p:cTn>
                               </p:par>
+                            </p:childTnLst>
+                          </p:cTn>
+                        </p:par>
+                        <p:par>
+                          <p:cTn id="20" fill="hold">
+                            <p:stCondLst>
+                              <p:cond delay="1000"/>
+                            </p:stCondLst>
+                            <p:childTnLst>
                               <p:par>
-                                <p:cTn id="20" presetID="10" presetClass="entr" presetSubtype="0" fill="hold" grpId="0" nodeType="withEffect">
+                                <p:cTn id="21" presetID="10" presetClass="entr" presetSubtype="0" fill="hold" nodeType="afterEffect">
                                   <p:stCondLst>
                                     <p:cond delay="0"/>
                                   </p:stCondLst>
                                   <p:childTnLst>
                                     <p:set>
                                       <p:cBhvr>
-                                        <p:cTn id="21" dur="1" fill="hold">
+                                        <p:cTn id="22" dur="1" fill="hold">
                                           <p:stCondLst>
                                             <p:cond delay="0"/>
                                           </p:stCondLst>
                                         </p:cTn>
                                         <p:tgtEl>
-                                          <p:spTgt spid="15362">
-                                            <p:txEl>
-                                              <p:pRg st="6" end="6"/>
-                                            </p:txEl>
-                                          </p:spTgt>
+                                          <p:spTgt spid="3"/>
                                         </p:tgtEl>
                                         <p:attrNameLst>
                                           <p:attrName>style.visibility</p:attrName>
@@ -14267,99 +14249,9 @@
                                     </p:set>
                                     <p:animEffect transition="in" filter="fade">
                                       <p:cBhvr>
-                                        <p:cTn id="22" dur="250"/>
-                                        <p:tgtEl>
-                                          <p:spTgt spid="15362">
-                                            <p:txEl>
-                                              <p:pRg st="6" end="6"/>
-                                            </p:txEl>
-                                          </p:spTgt>
-                                        </p:tgtEl>
-                                      </p:cBhvr>
-                                    </p:animEffect>
-                                  </p:childTnLst>
-                                </p:cTn>
-                              </p:par>
-                              <p:par>
-                                <p:cTn id="23" presetID="10" presetClass="entr" presetSubtype="0" fill="hold" grpId="0" nodeType="withEffect">
-                                  <p:stCondLst>
-                                    <p:cond delay="0"/>
-                                  </p:stCondLst>
-                                  <p:childTnLst>
-                                    <p:set>
-                                      <p:cBhvr>
-                                        <p:cTn id="24" dur="1" fill="hold">
-                                          <p:stCondLst>
-                                            <p:cond delay="0"/>
-                                          </p:stCondLst>
-                                        </p:cTn>
-                                        <p:tgtEl>
-                                          <p:spTgt spid="15362">
-                                            <p:txEl>
-                                              <p:pRg st="7" end="7"/>
-                                            </p:txEl>
-                                          </p:spTgt>
-                                        </p:tgtEl>
-                                        <p:attrNameLst>
-                                          <p:attrName>style.visibility</p:attrName>
-                                        </p:attrNameLst>
-                                      </p:cBhvr>
-                                      <p:to>
-                                        <p:strVal val="visible"/>
-                                      </p:to>
-                                    </p:set>
-                                    <p:animEffect transition="in" filter="fade">
-                                      <p:cBhvr>
-                                        <p:cTn id="25" dur="250"/>
-                                        <p:tgtEl>
-                                          <p:spTgt spid="15362">
-                                            <p:txEl>
-                                              <p:pRg st="7" end="7"/>
-                                            </p:txEl>
-                                          </p:spTgt>
-                                        </p:tgtEl>
-                                      </p:cBhvr>
-                                    </p:animEffect>
-                                  </p:childTnLst>
-                                </p:cTn>
-                              </p:par>
-                              <p:par>
-                                <p:cTn id="26" presetID="10" presetClass="entr" presetSubtype="0" fill="hold" grpId="0" nodeType="withEffect">
-                                  <p:stCondLst>
-                                    <p:cond delay="0"/>
-                                  </p:stCondLst>
-                                  <p:childTnLst>
-                                    <p:set>
-                                      <p:cBhvr>
-                                        <p:cTn id="27" dur="1" fill="hold">
-                                          <p:stCondLst>
-                                            <p:cond delay="0"/>
-                                          </p:stCondLst>
-                                        </p:cTn>
-                                        <p:tgtEl>
-                                          <p:spTgt spid="15362">
-                                            <p:txEl>
-                                              <p:pRg st="8" end="8"/>
-                                            </p:txEl>
-                                          </p:spTgt>
-                                        </p:tgtEl>
-                                        <p:attrNameLst>
-                                          <p:attrName>style.visibility</p:attrName>
-                                        </p:attrNameLst>
-                                      </p:cBhvr>
-                                      <p:to>
-                                        <p:strVal val="visible"/>
-                                      </p:to>
-                                    </p:set>
-                                    <p:animEffect transition="in" filter="fade">
-                                      <p:cBhvr>
-                                        <p:cTn id="28" dur="250"/>
-                                        <p:tgtEl>
-                                          <p:spTgt spid="15362">
-                                            <p:txEl>
-                                              <p:pRg st="8" end="8"/>
-                                            </p:txEl>
-                                          </p:spTgt>
+                                        <p:cTn id="23" dur="250"/>
+                                        <p:tgtEl>
+                                          <p:spTgt spid="3"/>
                                         </p:tgtEl>
                                       </p:cBhvr>
                                     </p:animEffect>
@@ -14370,26 +14262,30 @@
                           </p:cTn>
                         </p:par>
                         <p:par>
-                          <p:cTn id="29" fill="hold">
+                          <p:cTn id="24" fill="hold">
                             <p:stCondLst>
-                              <p:cond delay="1000"/>
+                              <p:cond delay="1250"/>
                             </p:stCondLst>
                             <p:childTnLst>
                               <p:par>
-                                <p:cTn id="30" presetID="10" presetClass="entr" presetSubtype="0" fill="hold" nodeType="afterEffect">
+                                <p:cTn id="25" presetID="10" presetClass="entr" presetSubtype="0" fill="hold" grpId="0" nodeType="afterEffect">
                                   <p:stCondLst>
                                     <p:cond delay="0"/>
                                   </p:stCondLst>
                                   <p:childTnLst>
                                     <p:set>
                                       <p:cBhvr>
-                                        <p:cTn id="31" dur="1" fill="hold">
+                                        <p:cTn id="26" dur="1" fill="hold">
                                           <p:stCondLst>
                                             <p:cond delay="0"/>
                                           </p:stCondLst>
                                         </p:cTn>
                                         <p:tgtEl>
-                                          <p:spTgt spid="3"/>
+                                          <p:spTgt spid="15362">
+                                            <p:txEl>
+                                              <p:pRg st="6" end="6"/>
+                                            </p:txEl>
+                                          </p:spTgt>
                                         </p:tgtEl>
                                         <p:attrNameLst>
                                           <p:attrName>style.visibility</p:attrName>
@@ -14401,9 +14297,117 @@
                                     </p:set>
                                     <p:animEffect transition="in" filter="fade">
                                       <p:cBhvr>
-                                        <p:cTn id="32" dur="250"/>
-                                        <p:tgtEl>
-                                          <p:spTgt spid="3"/>
+                                        <p:cTn id="27" dur="250"/>
+                                        <p:tgtEl>
+                                          <p:spTgt spid="15362">
+                                            <p:txEl>
+                                              <p:pRg st="6" end="6"/>
+                                            </p:txEl>
+                                          </p:spTgt>
+                                        </p:tgtEl>
+                                      </p:cBhvr>
+                                    </p:animEffect>
+                                  </p:childTnLst>
+                                </p:cTn>
+                              </p:par>
+                            </p:childTnLst>
+                          </p:cTn>
+                        </p:par>
+                        <p:par>
+                          <p:cTn id="28" fill="hold">
+                            <p:stCondLst>
+                              <p:cond delay="1500"/>
+                            </p:stCondLst>
+                            <p:childTnLst>
+                              <p:par>
+                                <p:cTn id="29" presetID="10" presetClass="entr" presetSubtype="0" fill="hold" grpId="0" nodeType="afterEffect">
+                                  <p:stCondLst>
+                                    <p:cond delay="0"/>
+                                  </p:stCondLst>
+                                  <p:childTnLst>
+                                    <p:set>
+                                      <p:cBhvr>
+                                        <p:cTn id="30" dur="1" fill="hold">
+                                          <p:stCondLst>
+                                            <p:cond delay="0"/>
+                                          </p:stCondLst>
+                                        </p:cTn>
+                                        <p:tgtEl>
+                                          <p:spTgt spid="15362">
+                                            <p:txEl>
+                                              <p:pRg st="7" end="7"/>
+                                            </p:txEl>
+                                          </p:spTgt>
+                                        </p:tgtEl>
+                                        <p:attrNameLst>
+                                          <p:attrName>style.visibility</p:attrName>
+                                        </p:attrNameLst>
+                                      </p:cBhvr>
+                                      <p:to>
+                                        <p:strVal val="visible"/>
+                                      </p:to>
+                                    </p:set>
+                                    <p:animEffect transition="in" filter="fade">
+                                      <p:cBhvr>
+                                        <p:cTn id="31" dur="250"/>
+                                        <p:tgtEl>
+                                          <p:spTgt spid="15362">
+                                            <p:txEl>
+                                              <p:pRg st="7" end="7"/>
+                                            </p:txEl>
+                                          </p:spTgt>
+                                        </p:tgtEl>
+                                      </p:cBhvr>
+                                    </p:animEffect>
+                                  </p:childTnLst>
+                                </p:cTn>
+                              </p:par>
+                            </p:childTnLst>
+                          </p:cTn>
+                        </p:par>
+                        <p:par>
+                          <p:cTn id="32" fill="hold">
+                            <p:stCondLst>
+                              <p:cond delay="1750"/>
+                            </p:stCondLst>
+                            <p:childTnLst>
+                              <p:par>
+                                <p:cTn id="33" presetID="10" presetClass="entr" presetSubtype="0" fill="hold" grpId="0" nodeType="afterEffect">
+                                  <p:stCondLst>
+                                    <p:cond delay="0"/>
+                                  </p:stCondLst>
+                                  <p:childTnLst>
+                                    <p:set>
+                                      <p:cBhvr>
+                                        <p:cTn id="34" dur="1" fill="hold">
+                                          <p:stCondLst>
+                                            <p:cond delay="0"/>
+                                          </p:stCondLst>
+                                        </p:cTn>
+                                        <p:tgtEl>
+                                          <p:spTgt spid="15362">
+                                            <p:txEl>
+                                              <p:pRg st="8" end="8"/>
+                                            </p:txEl>
+                                          </p:spTgt>
+                                        </p:tgtEl>
+                                        <p:attrNameLst>
+                                          <p:attrName>style.visibility</p:attrName>
+                                        </p:attrNameLst>
+                                      </p:cBhvr>
+                                      <p:to>
+                                        <p:strVal val="visible"/>
+                                      </p:to>
+                                    </p:set>
+                                    <p:animEffect transition="in" filter="fade">
+                                      <p:cBhvr>
+                                        <p:cTn id="35" dur="250"/>
+                                        <p:tgtEl>
+                                          <p:spTgt spid="15362">
+                                            <p:txEl>
+                                              <p:pRg st="8" end="8"/>
+                                            </p:txEl>
+                                          </p:spTgt>
                                         </p:tgtEl>
                                       </p:cBhvr>
                                     </p:animEffect>
@@ -14438,7 +14442,7 @@
       </p:par>
     </p:tnLst>
     <p:bldLst>
-      <p:bldP spid="15362" grpId="0" build="p"/>
+      <p:bldP spid="15362" grpId="0" uiExpand="1" build="p"/>
       <p:bldP spid="2" grpId="0"/>
     </p:bldLst>
   </p:timing>
@@ -14506,19 +14510,8 @@
                 <a:latin typeface="Times New Roman" panose="02020603050405020304" pitchFamily="18" charset="0"/>
                 <a:cs typeface="Times New Roman" panose="02020603050405020304" pitchFamily="18" charset="0"/>
               </a:rPr>
-              <a:t>base on the product </a:t>
-            </a:r>
-            <a:r>
-              <a:rPr lang="en-US" altLang="zh-TW" sz="1800" dirty="0" smtClean="0">
-                <a:latin typeface="Times New Roman" panose="02020603050405020304" pitchFamily="18" charset="0"/>
-                <a:cs typeface="Times New Roman" panose="02020603050405020304" pitchFamily="18" charset="0"/>
-              </a:rPr>
-              <a:t>specification.</a:t>
-            </a:r>
-            <a:endParaRPr lang="en-US" altLang="zh-TW" sz="1800" dirty="0" smtClean="0">
-              <a:latin typeface="Times New Roman" panose="02020603050405020304" pitchFamily="18" charset="0"/>
-              <a:cs typeface="Times New Roman" panose="02020603050405020304" pitchFamily="18" charset="0"/>
-            </a:endParaRPr>
+              <a:t>base on the product specification.</a:t>
+            </a:r>
           </a:p>
           <a:p>
             <a:pPr marL="742950" lvl="2" indent="-342900" eaLnBrk="1" hangingPunct="1">
@@ -14739,7 +14732,7 @@
                             </p:stCondLst>
                             <p:childTnLst>
                               <p:par>
-                                <p:cTn id="5" presetID="10" presetClass="entr" presetSubtype="0" fill="hold" grpId="0" nodeType="afterEffect">
+                                <p:cTn id="5" presetID="10" presetClass="entr" presetSubtype="0" fill="hold" grpId="0" nodeType="withEffect">
                                   <p:stCondLst>
                                     <p:cond delay="0"/>
                                   </p:stCondLst>
@@ -14812,7 +14805,7 @@
                                     </p:set>
                                     <p:animEffect transition="in" filter="fade">
                                       <p:cBhvr>
-                                        <p:cTn id="11" dur="500"/>
+                                        <p:cTn id="11" dur="250"/>
                                         <p:tgtEl>
                                           <p:spTgt spid="15362">
                                             <p:txEl>
@@ -14831,7 +14824,7 @@
                         <p:par>
                           <p:cTn id="12" fill="hold">
                             <p:stCondLst>
-                              <p:cond delay="750"/>
+                              <p:cond delay="500"/>
                             </p:stCondLst>
                             <p:childTnLst>
                               <p:par>
@@ -14864,7 +14857,7 @@
                                     </p:set>
                                     <p:animEffect transition="in" filter="fade">
                                       <p:cBhvr>
-                                        <p:cTn id="15" dur="500"/>
+                                        <p:cTn id="15" dur="250"/>
                                         <p:tgtEl>
                                           <p:spTgt spid="15362">
                                             <p:txEl>
@@ -14883,7 +14876,7 @@
                         <p:par>
                           <p:cTn id="16" fill="hold">
                             <p:stCondLst>
-                              <p:cond delay="1250"/>
+                              <p:cond delay="750"/>
                             </p:stCondLst>
                             <p:childTnLst>
                               <p:par>
@@ -14916,7 +14909,7 @@
                                     </p:set>
                                     <p:animEffect transition="in" filter="fade">
                                       <p:cBhvr>
-                                        <p:cTn id="19" dur="500"/>
+                                        <p:cTn id="19" dur="250"/>
                                         <p:tgtEl>
                                           <p:spTgt spid="15362">
                                             <p:txEl>
@@ -14935,7 +14928,7 @@
                         <p:par>
                           <p:cTn id="20" fill="hold">
                             <p:stCondLst>
-                              <p:cond delay="1750"/>
+                              <p:cond delay="1000"/>
                             </p:stCondLst>
                             <p:childTnLst>
                               <p:par>
@@ -14987,7 +14980,7 @@
                         <p:par>
                           <p:cTn id="24" fill="hold">
                             <p:stCondLst>
-                              <p:cond delay="2000"/>
+                              <p:cond delay="1250"/>
                             </p:stCondLst>
                             <p:childTnLst>
                               <p:par>
@@ -15020,7 +15013,7 @@
                                     </p:set>
                                     <p:animEffect transition="in" filter="fade">
                                       <p:cBhvr>
-                                        <p:cTn id="27" dur="500"/>
+                                        <p:cTn id="27" dur="250"/>
                                         <p:tgtEl>
                                           <p:spTgt spid="15362">
                                             <p:txEl>
@@ -15039,7 +15032,7 @@
                         <p:par>
                           <p:cTn id="28" fill="hold">
                             <p:stCondLst>
-                              <p:cond delay="2500"/>
+                              <p:cond delay="1500"/>
                             </p:stCondLst>
                             <p:childTnLst>
                               <p:par>
@@ -15072,7 +15065,7 @@
                                     </p:set>
                                     <p:animEffect transition="in" filter="fade">
                                       <p:cBhvr>
-                                        <p:cTn id="31" dur="500"/>
+                                        <p:cTn id="31" dur="250"/>
                                         <p:tgtEl>
                                           <p:spTgt spid="15362">
                                             <p:txEl>
@@ -15091,7 +15084,7 @@
                         <p:par>
                           <p:cTn id="32" fill="hold">
                             <p:stCondLst>
-                              <p:cond delay="3000"/>
+                              <p:cond delay="1750"/>
                             </p:stCondLst>
                             <p:childTnLst>
                               <p:par>
@@ -15124,7 +15117,7 @@
                                     </p:set>
                                     <p:animEffect transition="in" filter="fade">
                                       <p:cBhvr>
-                                        <p:cTn id="35" dur="500"/>
+                                        <p:cTn id="35" dur="250"/>
                                         <p:tgtEl>
                                           <p:spTgt spid="15362">
                                             <p:txEl>
@@ -15143,7 +15136,7 @@
                         <p:par>
                           <p:cTn id="36" fill="hold">
                             <p:stCondLst>
-                              <p:cond delay="3500"/>
+                              <p:cond delay="2000"/>
                             </p:stCondLst>
                             <p:childTnLst>
                               <p:par>
@@ -15209,7 +15202,7 @@
       </p:par>
     </p:tnLst>
     <p:bldLst>
-      <p:bldP spid="15362" grpId="0" build="p"/>
+      <p:bldP spid="15362" grpId="0" uiExpand="1" build="p"/>
       <p:bldP spid="2" grpId="0"/>
     </p:bldLst>
   </p:timing>
@@ -15263,19 +15256,8 @@
                 <a:latin typeface="Times New Roman" panose="02020603050405020304" pitchFamily="18" charset="0"/>
                 <a:cs typeface="Times New Roman" panose="02020603050405020304" pitchFamily="18" charset="0"/>
               </a:rPr>
-              <a:t>The output luminance </a:t>
-            </a:r>
-            <a:r>
-              <a:rPr lang="en-US" altLang="zh-TW" sz="1800" dirty="0" smtClean="0">
-                <a:latin typeface="Times New Roman" panose="02020603050405020304" pitchFamily="18" charset="0"/>
-                <a:cs typeface="Times New Roman" panose="02020603050405020304" pitchFamily="18" charset="0"/>
-              </a:rPr>
-              <a:t>photo.</a:t>
-            </a:r>
-            <a:endParaRPr lang="en-US" altLang="zh-TW" sz="1800" dirty="0" smtClean="0">
-              <a:latin typeface="Times New Roman" panose="02020603050405020304" pitchFamily="18" charset="0"/>
-              <a:cs typeface="Times New Roman" panose="02020603050405020304" pitchFamily="18" charset="0"/>
-            </a:endParaRPr>
+              <a:t>The output luminance photo.</a:t>
+            </a:r>
           </a:p>
         </p:txBody>
       </p:sp>
@@ -15563,7 +15545,7 @@
                             </p:stCondLst>
                             <p:childTnLst>
                               <p:par>
-                                <p:cTn id="5" presetID="10" presetClass="entr" presetSubtype="0" fill="hold" grpId="0" nodeType="afterEffect">
+                                <p:cTn id="5" presetID="10" presetClass="entr" presetSubtype="0" fill="hold" grpId="0" nodeType="withEffect">
                                   <p:stCondLst>
                                     <p:cond delay="0"/>
                                   </p:stCondLst>
@@ -15693,15 +15675,24 @@
                                   </p:childTnLst>
                                 </p:cTn>
                               </p:par>
+                            </p:childTnLst>
+                          </p:cTn>
+                        </p:par>
+                        <p:par>
+                          <p:cTn id="16" fill="hold">
+                            <p:stCondLst>
+                              <p:cond delay="750"/>
+                            </p:stCondLst>
+                            <p:childTnLst>
                               <p:par>
-                                <p:cTn id="16" presetID="10" presetClass="entr" presetSubtype="0" fill="hold" nodeType="withEffect">
+                                <p:cTn id="17" presetID="10" presetClass="entr" presetSubtype="0" fill="hold" nodeType="afterEffect">
                                   <p:stCondLst>
                                     <p:cond delay="0"/>
                                   </p:stCondLst>
                                   <p:childTnLst>
                                     <p:set>
                                       <p:cBhvr>
-                                        <p:cTn id="17" dur="1" fill="hold">
+                                        <p:cTn id="18" dur="1" fill="hold">
                                           <p:stCondLst>
                                             <p:cond delay="0"/>
                                           </p:stCondLst>
@@ -15719,7 +15710,7 @@
                                     </p:set>
                                     <p:animEffect transition="in" filter="fade">
                                       <p:cBhvr>
-                                        <p:cTn id="18" dur="250"/>
+                                        <p:cTn id="19" dur="250"/>
                                         <p:tgtEl>
                                           <p:spTgt spid="2051"/>
                                         </p:tgtEl>
@@ -15728,15 +15719,24 @@
                                   </p:childTnLst>
                                 </p:cTn>
                               </p:par>
+                            </p:childTnLst>
+                          </p:cTn>
+                        </p:par>
+                        <p:par>
+                          <p:cTn id="20" fill="hold">
+                            <p:stCondLst>
+                              <p:cond delay="1000"/>
+                            </p:stCondLst>
+                            <p:childTnLst>
                               <p:par>
-                                <p:cTn id="19" presetID="10" presetClass="entr" presetSubtype="0" fill="hold" nodeType="withEffect">
+                                <p:cTn id="21" presetID="10" presetClass="entr" presetSubtype="0" fill="hold" nodeType="afterEffect">
                                   <p:stCondLst>
                                     <p:cond delay="0"/>
                                   </p:stCondLst>
                                   <p:childTnLst>
                                     <p:set>
                                       <p:cBhvr>
-                                        <p:cTn id="20" dur="1" fill="hold">
+                                        <p:cTn id="22" dur="1" fill="hold">
                                           <p:stCondLst>
                                             <p:cond delay="0"/>
                                           </p:stCondLst>
@@ -15754,7 +15754,7 @@
                                     </p:set>
                                     <p:animEffect transition="in" filter="fade">
                                       <p:cBhvr>
-                                        <p:cTn id="21" dur="250"/>
+                                        <p:cTn id="23" dur="250"/>
                                         <p:tgtEl>
                                           <p:spTgt spid="2052"/>
                                         </p:tgtEl>
@@ -15763,15 +15763,24 @@
                                   </p:childTnLst>
                                 </p:cTn>
                               </p:par>
+                            </p:childTnLst>
+                          </p:cTn>
+                        </p:par>
+                        <p:par>
+                          <p:cTn id="24" fill="hold">
+                            <p:stCondLst>
+                              <p:cond delay="1250"/>
+                            </p:stCondLst>
+                            <p:childTnLst>
                               <p:par>
-                                <p:cTn id="22" presetID="10" presetClass="entr" presetSubtype="0" fill="hold" nodeType="withEffect">
+                                <p:cTn id="25" presetID="10" presetClass="entr" presetSubtype="0" fill="hold" nodeType="afterEffect">
                                   <p:stCondLst>
                                     <p:cond delay="0"/>
                                   </p:stCondLst>
                                   <p:childTnLst>
                                     <p:set>
                                       <p:cBhvr>
-                                        <p:cTn id="23" dur="1" fill="hold">
+                                        <p:cTn id="26" dur="1" fill="hold">
                                           <p:stCondLst>
                                             <p:cond delay="0"/>
                                           </p:stCondLst>
@@ -15789,7 +15798,7 @@
                                     </p:set>
                                     <p:animEffect transition="in" filter="fade">
                                       <p:cBhvr>
-                                        <p:cTn id="24" dur="250"/>
+                                        <p:cTn id="27" dur="250"/>
                                         <p:tgtEl>
                                           <p:spTgt spid="2053"/>
                                         </p:tgtEl>
@@ -15798,15 +15807,24 @@
                                   </p:childTnLst>
                                 </p:cTn>
                               </p:par>
+                            </p:childTnLst>
+                          </p:cTn>
+                        </p:par>
+                        <p:par>
+                          <p:cTn id="28" fill="hold">
+                            <p:stCondLst>
+                              <p:cond delay="1500"/>
+                            </p:stCondLst>
+                            <p:childTnLst>
                               <p:par>
-                                <p:cTn id="25" presetID="10" presetClass="entr" presetSubtype="0" fill="hold" nodeType="withEffect">
+                                <p:cTn id="29" presetID="10" presetClass="entr" presetSubtype="0" fill="hold" nodeType="afterEffect">
                                   <p:stCondLst>
                                     <p:cond delay="0"/>
                                   </p:stCondLst>
                                   <p:childTnLst>
                                     <p:set>
                                       <p:cBhvr>
-                                        <p:cTn id="26" dur="1" fill="hold">
+                                        <p:cTn id="30" dur="1" fill="hold">
                                           <p:stCondLst>
                                             <p:cond delay="0"/>
                                           </p:stCondLst>
@@ -15824,7 +15842,7 @@
                                     </p:set>
                                     <p:animEffect transition="in" filter="fade">
                                       <p:cBhvr>
-                                        <p:cTn id="27" dur="250"/>
+                                        <p:cTn id="31" dur="250"/>
                                         <p:tgtEl>
                                           <p:spTgt spid="5"/>
                                         </p:tgtEl>
@@ -16070,7 +16088,7 @@
                             </p:stCondLst>
                             <p:childTnLst>
                               <p:par>
-                                <p:cTn id="5" presetID="10" presetClass="entr" presetSubtype="0" fill="hold" grpId="0" nodeType="afterEffect">
+                                <p:cTn id="5" presetID="10" presetClass="entr" presetSubtype="0" fill="hold" grpId="0" nodeType="withEffect">
                                   <p:stCondLst>
                                     <p:cond delay="0"/>
                                   </p:stCondLst>
@@ -16156,15 +16174,24 @@
                                   </p:childTnLst>
                                 </p:cTn>
                               </p:par>
+                            </p:childTnLst>
+                          </p:cTn>
+                        </p:par>
+                        <p:par>
+                          <p:cTn id="12" fill="hold">
+                            <p:stCondLst>
+                              <p:cond delay="500"/>
+                            </p:stCondLst>
+                            <p:childTnLst>
                               <p:par>
-                                <p:cTn id="12" presetID="10" presetClass="entr" presetSubtype="0" fill="hold" grpId="0" nodeType="withEffect">
+                                <p:cTn id="13" presetID="10" presetClass="entr" presetSubtype="0" fill="hold" grpId="0" nodeType="afterEffect">
                                   <p:stCondLst>
                                     <p:cond delay="0"/>
                                   </p:stCondLst>
                                   <p:childTnLst>
                                     <p:set>
                                       <p:cBhvr>
-                                        <p:cTn id="13" dur="1" fill="hold">
+                                        <p:cTn id="14" dur="1" fill="hold">
                                           <p:stCondLst>
                                             <p:cond delay="0"/>
                                           </p:stCondLst>
@@ -16186,7 +16213,7 @@
                                     </p:set>
                                     <p:animEffect transition="in" filter="fade">
                                       <p:cBhvr>
-                                        <p:cTn id="14" dur="250"/>
+                                        <p:cTn id="15" dur="250"/>
                                         <p:tgtEl>
                                           <p:spTgt spid="15362">
                                             <p:txEl>
@@ -16199,15 +16226,24 @@
                                   </p:childTnLst>
                                 </p:cTn>
                               </p:par>
+                            </p:childTnLst>
+                          </p:cTn>
+                        </p:par>
+                        <p:par>
+                          <p:cTn id="16" fill="hold">
+                            <p:stCondLst>
+                              <p:cond delay="750"/>
+                            </p:stCondLst>
+                            <p:childTnLst>
                               <p:par>
-                                <p:cTn id="15" presetID="10" presetClass="entr" presetSubtype="0" fill="hold" grpId="0" nodeType="withEffect">
+                                <p:cTn id="17" presetID="10" presetClass="entr" presetSubtype="0" fill="hold" grpId="0" nodeType="afterEffect">
                                   <p:stCondLst>
                                     <p:cond delay="0"/>
                                   </p:stCondLst>
                                   <p:childTnLst>
                                     <p:set>
                                       <p:cBhvr>
-                                        <p:cTn id="16" dur="1" fill="hold">
+                                        <p:cTn id="18" dur="1" fill="hold">
                                           <p:stCondLst>
                                             <p:cond delay="0"/>
                                           </p:stCondLst>
@@ -16229,7 +16265,7 @@
                                     </p:set>
                                     <p:animEffect transition="in" filter="fade">
                                       <p:cBhvr>
-                                        <p:cTn id="17" dur="250"/>
+                                        <p:cTn id="19" dur="250"/>
                                         <p:tgtEl>
                                           <p:spTgt spid="15362">
                                             <p:txEl>
@@ -16493,7 +16529,7 @@
                             </p:stCondLst>
                             <p:childTnLst>
                               <p:par>
-                                <p:cTn id="5" presetID="10" presetClass="entr" presetSubtype="0" fill="hold" grpId="0" nodeType="afterEffect">
+                                <p:cTn id="5" presetID="10" presetClass="entr" presetSubtype="0" fill="hold" grpId="0" nodeType="withEffect">
                                   <p:stCondLst>
                                     <p:cond delay="0"/>
                                   </p:stCondLst>
@@ -16846,20 +16882,16 @@
                 <a:latin typeface="Times New Roman" panose="02020603050405020304" pitchFamily="18" charset="0"/>
                 <a:cs typeface="Times New Roman" panose="02020603050405020304" pitchFamily="18" charset="0"/>
               </a:rPr>
-              <a:t>時間自動安裝壓力測試</a:t>
+              <a:t>時間自動安裝壓力</a:t>
+            </a:r>
+            <a:r>
+              <a:rPr lang="zh-TW" altLang="en-US" sz="1400" dirty="0" smtClean="0">
+                <a:latin typeface="Times New Roman" panose="02020603050405020304" pitchFamily="18" charset="0"/>
+                <a:cs typeface="Times New Roman" panose="02020603050405020304" pitchFamily="18" charset="0"/>
+              </a:rPr>
+              <a:t>測試</a:t>
             </a:r>
             <a:endParaRPr lang="en-US" altLang="zh-TW" sz="1400" dirty="0">
-              <a:latin typeface="Times New Roman" panose="02020603050405020304" pitchFamily="18" charset="0"/>
-              <a:cs typeface="Times New Roman" panose="02020603050405020304" pitchFamily="18" charset="0"/>
-            </a:endParaRPr>
-          </a:p>
-          <a:p>
-            <a:pPr eaLnBrk="1" hangingPunct="1">
-              <a:buFont typeface="Arial" charset="0"/>
-              <a:buChar char="•"/>
-              <a:defRPr/>
-            </a:pPr>
-            <a:endParaRPr lang="en-US" altLang="zh-TW" sz="1800" dirty="0">
               <a:latin typeface="Times New Roman" panose="02020603050405020304" pitchFamily="18" charset="0"/>
               <a:cs typeface="Times New Roman" panose="02020603050405020304" pitchFamily="18" charset="0"/>
             </a:endParaRPr>
@@ -16955,7 +16987,7 @@
                             </p:stCondLst>
                             <p:childTnLst>
                               <p:par>
-                                <p:cTn id="5" presetID="10" presetClass="entr" presetSubtype="0" fill="hold" grpId="0" nodeType="afterEffect">
+                                <p:cTn id="5" presetID="10" presetClass="entr" presetSubtype="0" fill="hold" grpId="0" nodeType="withEffect">
                                   <p:stCondLst>
                                     <p:cond delay="0"/>
                                   </p:stCondLst>
@@ -16989,15 +17021,24 @@
                                   </p:childTnLst>
                                 </p:cTn>
                               </p:par>
+                            </p:childTnLst>
+                          </p:cTn>
+                        </p:par>
+                        <p:par>
+                          <p:cTn id="8" fill="hold">
+                            <p:stCondLst>
+                              <p:cond delay="250"/>
+                            </p:stCondLst>
+                            <p:childTnLst>
                               <p:par>
-                                <p:cTn id="8" presetID="10" presetClass="entr" presetSubtype="0" fill="hold" grpId="0" nodeType="withEffect">
+                                <p:cTn id="9" presetID="10" presetClass="entr" presetSubtype="0" fill="hold" grpId="0" nodeType="afterEffect">
                                   <p:stCondLst>
                                     <p:cond delay="0"/>
                                   </p:stCondLst>
                                   <p:childTnLst>
                                     <p:set>
                                       <p:cBhvr>
-                                        <p:cTn id="9" dur="1" fill="hold">
+                                        <p:cTn id="10" dur="1" fill="hold">
                                           <p:stCondLst>
                                             <p:cond delay="0"/>
                                           </p:stCondLst>
@@ -17019,7 +17060,7 @@
                                     </p:set>
                                     <p:animEffect transition="in" filter="fade">
                                       <p:cBhvr>
-                                        <p:cTn id="10" dur="250"/>
+                                        <p:cTn id="11" dur="250"/>
                                         <p:tgtEl>
                                           <p:spTgt spid="15362">
                                             <p:txEl>
@@ -17032,15 +17073,24 @@
                                   </p:childTnLst>
                                 </p:cTn>
                               </p:par>
+                            </p:childTnLst>
+                          </p:cTn>
+                        </p:par>
+                        <p:par>
+                          <p:cTn id="12" fill="hold">
+                            <p:stCondLst>
+                              <p:cond delay="500"/>
+                            </p:stCondLst>
+                            <p:childTnLst>
                               <p:par>
-                                <p:cTn id="11" presetID="10" presetClass="entr" presetSubtype="0" fill="hold" grpId="0" nodeType="withEffect">
+                                <p:cTn id="13" presetID="10" presetClass="entr" presetSubtype="0" fill="hold" grpId="0" nodeType="afterEffect">
                                   <p:stCondLst>
                                     <p:cond delay="0"/>
                                   </p:stCondLst>
                                   <p:childTnLst>
                                     <p:set>
                                       <p:cBhvr>
-                                        <p:cTn id="12" dur="1" fill="hold">
+                                        <p:cTn id="14" dur="1" fill="hold">
                                           <p:stCondLst>
                                             <p:cond delay="0"/>
                                           </p:stCondLst>
@@ -17062,7 +17112,7 @@
                                     </p:set>
                                     <p:animEffect transition="in" filter="fade">
                                       <p:cBhvr>
-                                        <p:cTn id="13" dur="250"/>
+                                        <p:cTn id="15" dur="250"/>
                                         <p:tgtEl>
                                           <p:spTgt spid="15362">
                                             <p:txEl>
@@ -17075,15 +17125,24 @@
                                   </p:childTnLst>
                                 </p:cTn>
                               </p:par>
+                            </p:childTnLst>
+                          </p:cTn>
+                        </p:par>
+                        <p:par>
+                          <p:cTn id="16" fill="hold">
+                            <p:stCondLst>
+                              <p:cond delay="750"/>
+                            </p:stCondLst>
+                            <p:childTnLst>
                               <p:par>
-                                <p:cTn id="14" presetID="10" presetClass="entr" presetSubtype="0" fill="hold" grpId="0" nodeType="withEffect">
+                                <p:cTn id="17" presetID="10" presetClass="entr" presetSubtype="0" fill="hold" grpId="0" nodeType="afterEffect">
                                   <p:stCondLst>
                                     <p:cond delay="0"/>
                                   </p:stCondLst>
                                   <p:childTnLst>
                                     <p:set>
                                       <p:cBhvr>
-                                        <p:cTn id="15" dur="1" fill="hold">
+                                        <p:cTn id="18" dur="1" fill="hold">
                                           <p:stCondLst>
                                             <p:cond delay="0"/>
                                           </p:stCondLst>
@@ -17105,7 +17164,7 @@
                                     </p:set>
                                     <p:animEffect transition="in" filter="fade">
                                       <p:cBhvr>
-                                        <p:cTn id="16" dur="250"/>
+                                        <p:cTn id="19" dur="250"/>
                                         <p:tgtEl>
                                           <p:spTgt spid="15362">
                                             <p:txEl>
@@ -17118,15 +17177,24 @@
                                   </p:childTnLst>
                                 </p:cTn>
                               </p:par>
+                            </p:childTnLst>
+                          </p:cTn>
+                        </p:par>
+                        <p:par>
+                          <p:cTn id="20" fill="hold">
+                            <p:stCondLst>
+                              <p:cond delay="1000"/>
+                            </p:stCondLst>
+                            <p:childTnLst>
                               <p:par>
-                                <p:cTn id="17" presetID="10" presetClass="entr" presetSubtype="0" fill="hold" grpId="0" nodeType="withEffect">
+                                <p:cTn id="21" presetID="10" presetClass="entr" presetSubtype="0" fill="hold" grpId="0" nodeType="afterEffect">
                                   <p:stCondLst>
                                     <p:cond delay="0"/>
                                   </p:stCondLst>
                                   <p:childTnLst>
                                     <p:set>
                                       <p:cBhvr>
-                                        <p:cTn id="18" dur="1" fill="hold">
+                                        <p:cTn id="22" dur="1" fill="hold">
                                           <p:stCondLst>
                                             <p:cond delay="0"/>
                                           </p:stCondLst>
@@ -17148,7 +17216,7 @@
                                     </p:set>
                                     <p:animEffect transition="in" filter="fade">
                                       <p:cBhvr>
-                                        <p:cTn id="19" dur="250"/>
+                                        <p:cTn id="23" dur="250"/>
                                         <p:tgtEl>
                                           <p:spTgt spid="15362">
                                             <p:txEl>
@@ -17161,15 +17229,24 @@
                                   </p:childTnLst>
                                 </p:cTn>
                               </p:par>
+                            </p:childTnLst>
+                          </p:cTn>
+                        </p:par>
+                        <p:par>
+                          <p:cTn id="24" fill="hold">
+                            <p:stCondLst>
+                              <p:cond delay="1250"/>
+                            </p:stCondLst>
+                            <p:childTnLst>
                               <p:par>
-                                <p:cTn id="20" presetID="10" presetClass="entr" presetSubtype="0" fill="hold" grpId="0" nodeType="withEffect">
+                                <p:cTn id="25" presetID="10" presetClass="entr" presetSubtype="0" fill="hold" grpId="0" nodeType="afterEffect">
                                   <p:stCondLst>
                                     <p:cond delay="0"/>
                                   </p:stCondLst>
                                   <p:childTnLst>
                                     <p:set>
                                       <p:cBhvr>
-                                        <p:cTn id="21" dur="1" fill="hold">
+                                        <p:cTn id="26" dur="1" fill="hold">
                                           <p:stCondLst>
                                             <p:cond delay="0"/>
                                           </p:stCondLst>
@@ -17191,7 +17268,7 @@
                                     </p:set>
                                     <p:animEffect transition="in" filter="fade">
                                       <p:cBhvr>
-                                        <p:cTn id="22" dur="250"/>
+                                        <p:cTn id="27" dur="250"/>
                                         <p:tgtEl>
                                           <p:spTgt spid="15362">
                                             <p:txEl>
@@ -17204,15 +17281,24 @@
                                   </p:childTnLst>
                                 </p:cTn>
                               </p:par>
+                            </p:childTnLst>
+                          </p:cTn>
+                        </p:par>
+                        <p:par>
+                          <p:cTn id="28" fill="hold">
+                            <p:stCondLst>
+                              <p:cond delay="1500"/>
+                            </p:stCondLst>
+                            <p:childTnLst>
                               <p:par>
-                                <p:cTn id="23" presetID="10" presetClass="entr" presetSubtype="0" fill="hold" grpId="0" nodeType="withEffect">
+                                <p:cTn id="29" presetID="10" presetClass="entr" presetSubtype="0" fill="hold" grpId="0" nodeType="afterEffect">
                                   <p:stCondLst>
                                     <p:cond delay="0"/>
                                   </p:stCondLst>
                                   <p:childTnLst>
                                     <p:set>
                                       <p:cBhvr>
-                                        <p:cTn id="24" dur="1" fill="hold">
+                                        <p:cTn id="30" dur="1" fill="hold">
                                           <p:stCondLst>
                                             <p:cond delay="0"/>
                                           </p:stCondLst>
@@ -17234,7 +17320,7 @@
                                     </p:set>
                                     <p:animEffect transition="in" filter="fade">
                                       <p:cBhvr>
-                                        <p:cTn id="25" dur="250"/>
+                                        <p:cTn id="31" dur="250"/>
                                         <p:tgtEl>
                                           <p:spTgt spid="15362">
                                             <p:txEl>
@@ -17247,15 +17333,24 @@
                                   </p:childTnLst>
                                 </p:cTn>
                               </p:par>
+                            </p:childTnLst>
+                          </p:cTn>
+                        </p:par>
+                        <p:par>
+                          <p:cTn id="32" fill="hold">
+                            <p:stCondLst>
+                              <p:cond delay="1750"/>
+                            </p:stCondLst>
+                            <p:childTnLst>
                               <p:par>
-                                <p:cTn id="26" presetID="10" presetClass="entr" presetSubtype="0" fill="hold" grpId="0" nodeType="withEffect">
+                                <p:cTn id="33" presetID="10" presetClass="entr" presetSubtype="0" fill="hold" grpId="0" nodeType="afterEffect">
                                   <p:stCondLst>
                                     <p:cond delay="0"/>
                                   </p:stCondLst>
                                   <p:childTnLst>
                                     <p:set>
                                       <p:cBhvr>
-                                        <p:cTn id="27" dur="1" fill="hold">
+                                        <p:cTn id="34" dur="1" fill="hold">
                                           <p:stCondLst>
                                             <p:cond delay="0"/>
                                           </p:stCondLst>
@@ -17277,7 +17372,7 @@
                                     </p:set>
                                     <p:animEffect transition="in" filter="fade">
                                       <p:cBhvr>
-                                        <p:cTn id="28" dur="250"/>
+                                        <p:cTn id="35" dur="250"/>
                                         <p:tgtEl>
                                           <p:spTgt spid="15362">
                                             <p:txEl>
@@ -17318,7 +17413,7 @@
       </p:par>
     </p:tnLst>
     <p:bldLst>
-      <p:bldP spid="15362" grpId="0" build="p"/>
+      <p:bldP spid="15362" grpId="0" uiExpand="1" build="p"/>
       <p:bldP spid="2" grpId="0"/>
     </p:bldLst>
   </p:timing>
@@ -17368,16 +17463,33 @@
               <a:defRPr/>
             </a:pPr>
             <a:r>
-              <a:rPr lang="zh-TW" altLang="en-US" sz="1800" dirty="0">
+              <a:rPr lang="en-US" altLang="zh-TW" sz="1800" dirty="0">
                 <a:latin typeface="Times New Roman" panose="02020603050405020304" pitchFamily="18" charset="0"/>
                 <a:cs typeface="Times New Roman" panose="02020603050405020304" pitchFamily="18" charset="0"/>
               </a:rPr>
-              <a:t>結論</a:t>
-            </a:r>
-            <a:endParaRPr lang="en-US" altLang="zh-TW" sz="1800" dirty="0">
-              <a:latin typeface="Times New Roman" panose="02020603050405020304" pitchFamily="18" charset="0"/>
-              <a:cs typeface="Times New Roman" panose="02020603050405020304" pitchFamily="18" charset="0"/>
-            </a:endParaRPr>
+              <a:t>The tool of pre-conditions base on </a:t>
+            </a:r>
+            <a:r>
+              <a:rPr lang="en-US" altLang="zh-TW" sz="1800" dirty="0" smtClean="0">
+                <a:latin typeface="Times New Roman" panose="02020603050405020304" pitchFamily="18" charset="0"/>
+                <a:cs typeface="Times New Roman" panose="02020603050405020304" pitchFamily="18" charset="0"/>
+              </a:rPr>
+              <a:t>the</a:t>
+            </a:r>
+            <a:r>
+              <a:rPr lang="zh-TW" altLang="en-US" sz="1800" dirty="0" smtClean="0">
+                <a:latin typeface="Times New Roman" panose="02020603050405020304" pitchFamily="18" charset="0"/>
+                <a:cs typeface="Times New Roman" panose="02020603050405020304" pitchFamily="18" charset="0"/>
+              </a:rPr>
+              <a:t> </a:t>
+            </a:r>
+            <a:r>
+              <a:rPr lang="en-US" altLang="zh-TW" sz="1800" dirty="0" smtClean="0">
+                <a:latin typeface="Times New Roman" panose="02020603050405020304" pitchFamily="18" charset="0"/>
+                <a:cs typeface="Times New Roman" panose="02020603050405020304" pitchFamily="18" charset="0"/>
+              </a:rPr>
+              <a:t>exe script.</a:t>
+            </a:r>
           </a:p>
           <a:p>
             <a:pPr marL="742950" lvl="2" indent="-342900" eaLnBrk="1" hangingPunct="1">
@@ -17386,30 +17498,26 @@
               <a:defRPr/>
             </a:pPr>
             <a:r>
-              <a:rPr lang="zh-TW" altLang="en-US" sz="1400" dirty="0">
+              <a:rPr lang="en-US" altLang="zh-TW" sz="1400" dirty="0" smtClean="0">
                 <a:latin typeface="Times New Roman" panose="02020603050405020304" pitchFamily="18" charset="0"/>
                 <a:cs typeface="Times New Roman" panose="02020603050405020304" pitchFamily="18" charset="0"/>
               </a:rPr>
-              <a:t>自動化安裝 </a:t>
-            </a:r>
-            <a:r>
-              <a:rPr lang="en-US" altLang="zh-TW" sz="1400" dirty="0">
+              <a:t>bit.exe -c </a:t>
+            </a:r>
+            <a:r>
+              <a:rPr lang="en-US" altLang="zh-TW" sz="1400" dirty="0" err="1" smtClean="0">
                 <a:latin typeface="Times New Roman" panose="02020603050405020304" pitchFamily="18" charset="0"/>
                 <a:cs typeface="Times New Roman" panose="02020603050405020304" pitchFamily="18" charset="0"/>
               </a:rPr>
-              <a:t>Windows OS</a:t>
-            </a:r>
-            <a:r>
-              <a:rPr lang="zh-TW" altLang="en-US" sz="1400" dirty="0">
+              <a:t>dqa.bitcfg</a:t>
+            </a:r>
+            <a:r>
+              <a:rPr lang="en-US" altLang="zh-TW" sz="1400" dirty="0" smtClean="0">
                 <a:latin typeface="Times New Roman" panose="02020603050405020304" pitchFamily="18" charset="0"/>
                 <a:cs typeface="Times New Roman" panose="02020603050405020304" pitchFamily="18" charset="0"/>
               </a:rPr>
-              <a:t> 程序</a:t>
-            </a:r>
-            <a:endParaRPr lang="en-US" altLang="zh-TW" sz="1400" dirty="0">
-              <a:latin typeface="Times New Roman" panose="02020603050405020304" pitchFamily="18" charset="0"/>
-              <a:cs typeface="Times New Roman" panose="02020603050405020304" pitchFamily="18" charset="0"/>
-            </a:endParaRPr>
+              <a:t> -r -p -D “minutes”</a:t>
+            </a:r>
           </a:p>
           <a:p>
             <a:pPr marL="742950" lvl="2" indent="-342900" eaLnBrk="1" hangingPunct="1">
@@ -17417,25 +17525,7 @@
               <a:buChar char="•"/>
               <a:defRPr/>
             </a:pPr>
-            <a:r>
-              <a:rPr lang="zh-TW" altLang="en-US" sz="1400" dirty="0">
-                <a:latin typeface="Times New Roman" panose="02020603050405020304" pitchFamily="18" charset="0"/>
-                <a:cs typeface="Times New Roman" panose="02020603050405020304" pitchFamily="18" charset="0"/>
-              </a:rPr>
-              <a:t>長時間自動安裝壓力測試</a:t>
-            </a:r>
-            <a:endParaRPr lang="en-US" altLang="zh-TW" sz="1400" dirty="0">
-              <a:latin typeface="Times New Roman" panose="02020603050405020304" pitchFamily="18" charset="0"/>
-              <a:cs typeface="Times New Roman" panose="02020603050405020304" pitchFamily="18" charset="0"/>
-            </a:endParaRPr>
-          </a:p>
-          <a:p>
-            <a:pPr marL="342900" lvl="1" indent="-342900" eaLnBrk="1" hangingPunct="1">
-              <a:buFont typeface="Arial" charset="0"/>
-              <a:buChar char="•"/>
-              <a:defRPr/>
-            </a:pPr>
-            <a:endParaRPr lang="en-US" altLang="zh-TW" sz="1800" dirty="0">
+            <a:endParaRPr lang="en-US" altLang="zh-TW" sz="1400" dirty="0" smtClean="0">
               <a:latin typeface="Times New Roman" panose="02020603050405020304" pitchFamily="18" charset="0"/>
               <a:cs typeface="Times New Roman" panose="02020603050405020304" pitchFamily="18" charset="0"/>
             </a:endParaRPr>
@@ -17466,328 +17556,6 @@
               <a:defRPr/>
             </a:pPr>
             <a:r>
-              <a:rPr lang="en-US" altLang="zh-TW" sz="2800" kern="0" dirty="0">
-                <a:solidFill>
-                  <a:srgbClr val="003366"/>
-                </a:solidFill>
-                <a:latin typeface="Times New Roman" panose="02020603050405020304" pitchFamily="18" charset="0"/>
-                <a:cs typeface="Times New Roman" panose="02020603050405020304" pitchFamily="18" charset="0"/>
-              </a:rPr>
-              <a:t>PXE automatic installation</a:t>
-            </a:r>
-            <a:endParaRPr lang="zh-TW" altLang="en-US" sz="2800" kern="0" dirty="0">
-              <a:solidFill>
-                <a:srgbClr val="003366"/>
-              </a:solidFill>
-              <a:latin typeface="Times New Roman" panose="02020603050405020304" pitchFamily="18" charset="0"/>
-              <a:cs typeface="Times New Roman" panose="02020603050405020304" pitchFamily="18" charset="0"/>
-            </a:endParaRPr>
-          </a:p>
-        </p:txBody>
-      </p:sp>
-    </p:spTree>
-    <p:extLst>
-      <p:ext uri="{BB962C8B-B14F-4D97-AF65-F5344CB8AC3E}">
-        <p14:creationId xmlns:p14="http://schemas.microsoft.com/office/powerpoint/2010/main" val="1100221966"/>
-      </p:ext>
-    </p:extLst>
-  </p:cSld>
-  <p:clrMapOvr>
-    <a:masterClrMapping/>
-  </p:clrMapOvr>
-  <mc:AlternateContent xmlns:mc="http://schemas.openxmlformats.org/markup-compatibility/2006" xmlns:p14="http://schemas.microsoft.com/office/powerpoint/2010/main">
-    <mc:Choice Requires="p14">
-      <p:transition spd="med" p14:dur="700" advClick="0">
-        <p:fade/>
-      </p:transition>
-    </mc:Choice>
-    <mc:Fallback xmlns="">
-      <p:transition spd="med" advClick="0">
-        <p:fade/>
-      </p:transition>
-    </mc:Fallback>
-  </mc:AlternateContent>
-  <p:timing>
-    <p:tnLst>
-      <p:par>
-        <p:cTn id="1" dur="indefinite" restart="never" nodeType="tmRoot">
-          <p:childTnLst>
-            <p:seq concurrent="1" nextAc="seek">
-              <p:cTn id="2" dur="indefinite" nodeType="mainSeq">
-                <p:childTnLst>
-                  <p:par>
-                    <p:cTn id="3" fill="hold">
-                      <p:stCondLst>
-                        <p:cond delay="indefinite"/>
-                        <p:cond evt="onBegin" delay="0">
-                          <p:tn val="2"/>
-                        </p:cond>
-                      </p:stCondLst>
-                      <p:childTnLst>
-                        <p:par>
-                          <p:cTn id="4" fill="hold">
-                            <p:stCondLst>
-                              <p:cond delay="0"/>
-                            </p:stCondLst>
-                            <p:childTnLst>
-                              <p:par>
-                                <p:cTn id="5" presetID="10" presetClass="entr" presetSubtype="0" fill="hold" grpId="0" nodeType="afterEffect">
-                                  <p:stCondLst>
-                                    <p:cond delay="0"/>
-                                  </p:stCondLst>
-                                  <p:childTnLst>
-                                    <p:set>
-                                      <p:cBhvr>
-                                        <p:cTn id="6" dur="1" fill="hold">
-                                          <p:stCondLst>
-                                            <p:cond delay="0"/>
-                                          </p:stCondLst>
-                                        </p:cTn>
-                                        <p:tgtEl>
-                                          <p:spTgt spid="2"/>
-                                        </p:tgtEl>
-                                        <p:attrNameLst>
-                                          <p:attrName>style.visibility</p:attrName>
-                                        </p:attrNameLst>
-                                      </p:cBhvr>
-                                      <p:to>
-                                        <p:strVal val="visible"/>
-                                      </p:to>
-                                    </p:set>
-                                    <p:animEffect transition="in" filter="fade">
-                                      <p:cBhvr>
-                                        <p:cTn id="7" dur="250"/>
-                                        <p:tgtEl>
-                                          <p:spTgt spid="2"/>
-                                        </p:tgtEl>
-                                      </p:cBhvr>
-                                    </p:animEffect>
-                                  </p:childTnLst>
-                                </p:cTn>
-                              </p:par>
-                            </p:childTnLst>
-                          </p:cTn>
-                        </p:par>
-                        <p:par>
-                          <p:cTn id="8" fill="hold">
-                            <p:stCondLst>
-                              <p:cond delay="250"/>
-                            </p:stCondLst>
-                            <p:childTnLst>
-                              <p:par>
-                                <p:cTn id="9" presetID="10" presetClass="entr" presetSubtype="0" fill="hold" grpId="0" nodeType="afterEffect">
-                                  <p:stCondLst>
-                                    <p:cond delay="0"/>
-                                  </p:stCondLst>
-                                  <p:childTnLst>
-                                    <p:set>
-                                      <p:cBhvr>
-                                        <p:cTn id="10" dur="1" fill="hold">
-                                          <p:stCondLst>
-                                            <p:cond delay="0"/>
-                                          </p:stCondLst>
-                                        </p:cTn>
-                                        <p:tgtEl>
-                                          <p:spTgt spid="15362">
-                                            <p:txEl>
-                                              <p:pRg st="0" end="0"/>
-                                            </p:txEl>
-                                          </p:spTgt>
-                                        </p:tgtEl>
-                                        <p:attrNameLst>
-                                          <p:attrName>style.visibility</p:attrName>
-                                        </p:attrNameLst>
-                                      </p:cBhvr>
-                                      <p:to>
-                                        <p:strVal val="visible"/>
-                                      </p:to>
-                                    </p:set>
-                                    <p:animEffect transition="in" filter="fade">
-                                      <p:cBhvr>
-                                        <p:cTn id="11" dur="250"/>
-                                        <p:tgtEl>
-                                          <p:spTgt spid="15362">
-                                            <p:txEl>
-                                              <p:pRg st="0" end="0"/>
-                                            </p:txEl>
-                                          </p:spTgt>
-                                        </p:tgtEl>
-                                      </p:cBhvr>
-                                    </p:animEffect>
-                                  </p:childTnLst>
-                                </p:cTn>
-                              </p:par>
-                            </p:childTnLst>
-                          </p:cTn>
-                        </p:par>
-                      </p:childTnLst>
-                    </p:cTn>
-                  </p:par>
-                </p:childTnLst>
-              </p:cTn>
-              <p:prevCondLst>
-                <p:cond evt="onPrev" delay="0">
-                  <p:tgtEl>
-                    <p:sldTgt/>
-                  </p:tgtEl>
-                </p:cond>
-              </p:prevCondLst>
-              <p:nextCondLst>
-                <p:cond evt="onNext" delay="0">
-                  <p:tgtEl>
-                    <p:sldTgt/>
-                  </p:tgtEl>
-                </p:cond>
-              </p:nextCondLst>
-            </p:seq>
-          </p:childTnLst>
-        </p:cTn>
-      </p:par>
-    </p:tnLst>
-    <p:bldLst>
-      <p:bldP spid="15362" grpId="0" build="p"/>
-      <p:bldP spid="2" grpId="0"/>
-    </p:bldLst>
-  </p:timing>
-</p:sld>
-</file>
-
-<file path=ppt/slides/slide28.xml><?xml version="1.0" encoding="utf-8"?>
-<p:sld xmlns:a="http://schemas.openxmlformats.org/drawingml/2006/main" xmlns:r="http://schemas.openxmlformats.org/officeDocument/2006/relationships" xmlns:p="http://schemas.openxmlformats.org/presentationml/2006/main">
-  <p:cSld>
-    <p:spTree>
-      <p:nvGrpSpPr>
-        <p:cNvPr id="1" name=""/>
-        <p:cNvGrpSpPr/>
-        <p:nvPr/>
-      </p:nvGrpSpPr>
-      <p:grpSpPr>
-        <a:xfrm>
-          <a:off x="0" y="0"/>
-          <a:ext cx="0" cy="0"/>
-          <a:chOff x="0" y="0"/>
-          <a:chExt cx="0" cy="0"/>
-        </a:xfrm>
-      </p:grpSpPr>
-      <p:sp>
-        <p:nvSpPr>
-          <p:cNvPr id="15362" name="內容版面配置區 5"/>
-          <p:cNvSpPr>
-            <a:spLocks noGrp="1"/>
-          </p:cNvSpPr>
-          <p:nvPr>
-            <p:ph idx="1"/>
-          </p:nvPr>
-        </p:nvSpPr>
-        <p:spPr>
-          <a:xfrm>
-            <a:off x="457200" y="936625"/>
-            <a:ext cx="8229600" cy="3575050"/>
-          </a:xfrm>
-        </p:spPr>
-        <p:txBody>
-          <a:bodyPr/>
-          <a:lstStyle/>
-          <a:p>
-            <a:pPr marL="342900" lvl="1" indent="-342900" eaLnBrk="1" hangingPunct="1">
-              <a:buFont typeface="Arial" charset="0"/>
-              <a:buChar char="•"/>
-              <a:defRPr/>
-            </a:pPr>
-            <a:r>
-              <a:rPr lang="en-US" altLang="zh-TW" sz="1800" dirty="0">
-                <a:latin typeface="Times New Roman" panose="02020603050405020304" pitchFamily="18" charset="0"/>
-                <a:cs typeface="Times New Roman" panose="02020603050405020304" pitchFamily="18" charset="0"/>
-              </a:rPr>
-              <a:t>The tool of pre-conditions base on </a:t>
-            </a:r>
-            <a:r>
-              <a:rPr lang="en-US" altLang="zh-TW" sz="1800" dirty="0" smtClean="0">
-                <a:latin typeface="Times New Roman" panose="02020603050405020304" pitchFamily="18" charset="0"/>
-                <a:cs typeface="Times New Roman" panose="02020603050405020304" pitchFamily="18" charset="0"/>
-              </a:rPr>
-              <a:t>the</a:t>
-            </a:r>
-            <a:r>
-              <a:rPr lang="zh-TW" altLang="en-US" sz="1800" dirty="0" smtClean="0">
-                <a:latin typeface="Times New Roman" panose="02020603050405020304" pitchFamily="18" charset="0"/>
-                <a:cs typeface="Times New Roman" panose="02020603050405020304" pitchFamily="18" charset="0"/>
-              </a:rPr>
-              <a:t> </a:t>
-            </a:r>
-            <a:r>
-              <a:rPr lang="en-US" altLang="zh-TW" sz="1800" dirty="0" smtClean="0">
-                <a:latin typeface="Times New Roman" panose="02020603050405020304" pitchFamily="18" charset="0"/>
-                <a:cs typeface="Times New Roman" panose="02020603050405020304" pitchFamily="18" charset="0"/>
-              </a:rPr>
-              <a:t>exe script.</a:t>
-            </a:r>
-          </a:p>
-          <a:p>
-            <a:pPr marL="742950" lvl="2" indent="-342900" eaLnBrk="1" hangingPunct="1">
-              <a:buFont typeface="Arial" charset="0"/>
-              <a:buChar char="•"/>
-              <a:defRPr/>
-            </a:pPr>
-            <a:r>
-              <a:rPr lang="en-US" altLang="zh-TW" sz="1400" dirty="0" smtClean="0">
-                <a:latin typeface="Times New Roman" panose="02020603050405020304" pitchFamily="18" charset="0"/>
-                <a:cs typeface="Times New Roman" panose="02020603050405020304" pitchFamily="18" charset="0"/>
-              </a:rPr>
-              <a:t>bit.exe -c </a:t>
-            </a:r>
-            <a:r>
-              <a:rPr lang="en-US" altLang="zh-TW" sz="1400" dirty="0" err="1" smtClean="0">
-                <a:latin typeface="Times New Roman" panose="02020603050405020304" pitchFamily="18" charset="0"/>
-                <a:cs typeface="Times New Roman" panose="02020603050405020304" pitchFamily="18" charset="0"/>
-              </a:rPr>
-              <a:t>dqa.bitcfg</a:t>
-            </a:r>
-            <a:r>
-              <a:rPr lang="en-US" altLang="zh-TW" sz="1400" dirty="0" smtClean="0">
-                <a:latin typeface="Times New Roman" panose="02020603050405020304" pitchFamily="18" charset="0"/>
-                <a:cs typeface="Times New Roman" panose="02020603050405020304" pitchFamily="18" charset="0"/>
-              </a:rPr>
-              <a:t> -r -p -D “minutes”</a:t>
-            </a:r>
-          </a:p>
-          <a:p>
-            <a:pPr marL="742950" lvl="2" indent="-342900" eaLnBrk="1" hangingPunct="1">
-              <a:buFont typeface="Arial" charset="0"/>
-              <a:buChar char="•"/>
-              <a:defRPr/>
-            </a:pPr>
-            <a:endParaRPr lang="en-US" altLang="zh-TW" sz="1400" dirty="0" smtClean="0">
-              <a:latin typeface="Times New Roman" panose="02020603050405020304" pitchFamily="18" charset="0"/>
-              <a:cs typeface="Times New Roman" panose="02020603050405020304" pitchFamily="18" charset="0"/>
-            </a:endParaRPr>
-          </a:p>
-        </p:txBody>
-      </p:sp>
-      <p:sp>
-        <p:nvSpPr>
-          <p:cNvPr id="2" name="標題 4"/>
-          <p:cNvSpPr>
-            <a:spLocks noGrp="1"/>
-          </p:cNvSpPr>
-          <p:nvPr>
-            <p:ph type="title"/>
-          </p:nvPr>
-        </p:nvSpPr>
-        <p:spPr>
-          <a:xfrm>
-            <a:off x="457200" y="87313"/>
-            <a:ext cx="8229600" cy="756000"/>
-          </a:xfrm>
-        </p:spPr>
-        <p:txBody>
-          <a:bodyPr/>
-          <a:lstStyle/>
-          <a:p>
-            <a:pPr eaLnBrk="1" hangingPunct="1">
-              <a:defRPr/>
-            </a:pPr>
-            <a:r>
               <a:rPr lang="en-US" altLang="zh-TW" sz="2800" kern="0" dirty="0" err="1" smtClean="0">
                 <a:solidFill>
                   <a:srgbClr val="003366"/>
@@ -17805,17 +17573,7 @@
                 <a:latin typeface="Times New Roman" panose="02020603050405020304" pitchFamily="18" charset="0"/>
                 <a:cs typeface="Times New Roman" panose="02020603050405020304" pitchFamily="18" charset="0"/>
               </a:rPr>
-              <a:t> </a:t>
-            </a:r>
-            <a:r>
-              <a:rPr lang="en-US" altLang="zh-TW" sz="2800" kern="0" dirty="0" smtClean="0">
-                <a:solidFill>
-                  <a:srgbClr val="003366"/>
-                </a:solidFill>
-                <a:latin typeface="Times New Roman" panose="02020603050405020304" pitchFamily="18" charset="0"/>
-                <a:cs typeface="Times New Roman" panose="02020603050405020304" pitchFamily="18" charset="0"/>
-              </a:rPr>
-              <a:t>automation</a:t>
+              <a:t> automation</a:t>
             </a:r>
             <a:endParaRPr lang="zh-TW" altLang="en-US" sz="2800" kern="0" dirty="0">
               <a:solidFill>
@@ -17879,7 +17637,7 @@
           <a:graphicData uri="http://schemas.openxmlformats.org/presentationml/2006/ole">
             <mc:AlternateContent xmlns:mc="http://schemas.openxmlformats.org/markup-compatibility/2006">
               <mc:Choice xmlns:v="urn:schemas-microsoft-com:vml" Requires="v">
-                <p:oleObj spid="_x0000_s4172" name="封裝程式殼層物件" showAsIcon="1" r:id="rId5" imgW="1467360" imgH="394920" progId="Package">
+                <p:oleObj spid="_x0000_s4186" name="封裝程式殼層物件" showAsIcon="1" r:id="rId5" imgW="1467360" imgH="394920" progId="Package">
                   <p:embed/>
                 </p:oleObj>
               </mc:Choice>
@@ -17936,7 +17694,7 @@
           <a:graphicData uri="http://schemas.openxmlformats.org/presentationml/2006/ole">
             <mc:AlternateContent xmlns:mc="http://schemas.openxmlformats.org/markup-compatibility/2006">
               <mc:Choice xmlns:v="urn:schemas-microsoft-com:vml" Requires="v">
-                <p:oleObj spid="_x0000_s4173" name="封裝程式殼層物件" showAsIcon="1" r:id="rId7" imgW="1438200" imgH="394920" progId="Package">
+                <p:oleObj spid="_x0000_s4187" name="封裝程式殼層物件" showAsIcon="1" r:id="rId7" imgW="1438200" imgH="394920" progId="Package">
                   <p:embed/>
                 </p:oleObj>
               </mc:Choice>
@@ -18017,7 +17775,7 @@
                             </p:stCondLst>
                             <p:childTnLst>
                               <p:par>
-                                <p:cTn id="5" presetID="10" presetClass="entr" presetSubtype="0" fill="hold" grpId="0" nodeType="afterEffect">
+                                <p:cTn id="5" presetID="10" presetClass="entr" presetSubtype="0" fill="hold" grpId="0" nodeType="withEffect">
                                   <p:stCondLst>
                                     <p:cond delay="0"/>
                                   </p:stCondLst>
@@ -18103,15 +17861,24 @@
                                   </p:childTnLst>
                                 </p:cTn>
                               </p:par>
+                            </p:childTnLst>
+                          </p:cTn>
+                        </p:par>
+                        <p:par>
+                          <p:cTn id="12" fill="hold">
+                            <p:stCondLst>
+                              <p:cond delay="500"/>
+                            </p:stCondLst>
+                            <p:childTnLst>
                               <p:par>
-                                <p:cTn id="12" presetID="10" presetClass="entr" presetSubtype="0" fill="hold" grpId="0" nodeType="withEffect">
+                                <p:cTn id="13" presetID="10" presetClass="entr" presetSubtype="0" fill="hold" grpId="0" nodeType="afterEffect">
                                   <p:stCondLst>
                                     <p:cond delay="0"/>
                                   </p:stCondLst>
                                   <p:childTnLst>
                                     <p:set>
                                       <p:cBhvr>
-                                        <p:cTn id="13" dur="1" fill="hold">
+                                        <p:cTn id="14" dur="1" fill="hold">
                                           <p:stCondLst>
                                             <p:cond delay="0"/>
                                           </p:stCondLst>
@@ -18133,7 +17900,7 @@
                                     </p:set>
                                     <p:animEffect transition="in" filter="fade">
                                       <p:cBhvr>
-                                        <p:cTn id="14" dur="250"/>
+                                        <p:cTn id="15" dur="250"/>
                                         <p:tgtEl>
                                           <p:spTgt spid="15362">
                                             <p:txEl>
@@ -18146,15 +17913,24 @@
                                   </p:childTnLst>
                                 </p:cTn>
                               </p:par>
+                            </p:childTnLst>
+                          </p:cTn>
+                        </p:par>
+                        <p:par>
+                          <p:cTn id="16" fill="hold">
+                            <p:stCondLst>
+                              <p:cond delay="750"/>
+                            </p:stCondLst>
+                            <p:childTnLst>
                               <p:par>
-                                <p:cTn id="15" presetID="10" presetClass="entr" presetSubtype="0" fill="hold" nodeType="withEffect">
+                                <p:cTn id="17" presetID="10" presetClass="entr" presetSubtype="0" fill="hold" nodeType="afterEffect">
                                   <p:stCondLst>
                                     <p:cond delay="0"/>
                                   </p:stCondLst>
                                   <p:childTnLst>
                                     <p:set>
                                       <p:cBhvr>
-                                        <p:cTn id="16" dur="1" fill="hold">
+                                        <p:cTn id="18" dur="1" fill="hold">
                                           <p:stCondLst>
                                             <p:cond delay="0"/>
                                           </p:stCondLst>
@@ -18172,7 +17948,7 @@
                                     </p:set>
                                     <p:animEffect transition="in" filter="fade">
                                       <p:cBhvr>
-                                        <p:cTn id="17" dur="250"/>
+                                        <p:cTn id="19" dur="250"/>
                                         <p:tgtEl>
                                           <p:spTgt spid="3"/>
                                         </p:tgtEl>
@@ -18181,15 +17957,24 @@
                                   </p:childTnLst>
                                 </p:cTn>
                               </p:par>
+                            </p:childTnLst>
+                          </p:cTn>
+                        </p:par>
+                        <p:par>
+                          <p:cTn id="20" fill="hold">
+                            <p:stCondLst>
+                              <p:cond delay="1000"/>
+                            </p:stCondLst>
+                            <p:childTnLst>
                               <p:par>
-                                <p:cTn id="18" presetID="10" presetClass="entr" presetSubtype="0" fill="hold" nodeType="withEffect">
+                                <p:cTn id="21" presetID="10" presetClass="entr" presetSubtype="0" fill="hold" nodeType="afterEffect">
                                   <p:stCondLst>
                                     <p:cond delay="0"/>
                                   </p:stCondLst>
                                   <p:childTnLst>
                                     <p:set>
                                       <p:cBhvr>
-                                        <p:cTn id="19" dur="1" fill="hold">
+                                        <p:cTn id="22" dur="1" fill="hold">
                                           <p:stCondLst>
                                             <p:cond delay="0"/>
                                           </p:stCondLst>
@@ -18207,7 +17992,7 @@
                                     </p:set>
                                     <p:animEffect transition="in" filter="fade">
                                       <p:cBhvr>
-                                        <p:cTn id="20" dur="250"/>
+                                        <p:cTn id="23" dur="250"/>
                                         <p:tgtEl>
                                           <p:spTgt spid="4"/>
                                         </p:tgtEl>
@@ -18216,15 +18001,24 @@
                                   </p:childTnLst>
                                 </p:cTn>
                               </p:par>
+                            </p:childTnLst>
+                          </p:cTn>
+                        </p:par>
+                        <p:par>
+                          <p:cTn id="24" fill="hold">
+                            <p:stCondLst>
+                              <p:cond delay="1250"/>
+                            </p:stCondLst>
+                            <p:childTnLst>
                               <p:par>
-                                <p:cTn id="21" presetID="10" presetClass="entr" presetSubtype="0" fill="hold" nodeType="withEffect">
+                                <p:cTn id="25" presetID="10" presetClass="entr" presetSubtype="0" fill="hold" nodeType="afterEffect">
                                   <p:stCondLst>
                                     <p:cond delay="0"/>
                                   </p:stCondLst>
                                   <p:childTnLst>
                                     <p:set>
                                       <p:cBhvr>
-                                        <p:cTn id="22" dur="1" fill="hold">
+                                        <p:cTn id="26" dur="1" fill="hold">
                                           <p:stCondLst>
                                             <p:cond delay="0"/>
                                           </p:stCondLst>
@@ -18242,9 +18036,495 @@
                                     </p:set>
                                     <p:animEffect transition="in" filter="fade">
                                       <p:cBhvr>
-                                        <p:cTn id="23" dur="250"/>
+                                        <p:cTn id="27" dur="250"/>
                                         <p:tgtEl>
                                           <p:spTgt spid="5"/>
+                                        </p:tgtEl>
+                                      </p:cBhvr>
+                                    </p:animEffect>
+                                  </p:childTnLst>
+                                </p:cTn>
+                              </p:par>
+                            </p:childTnLst>
+                          </p:cTn>
+                        </p:par>
+                      </p:childTnLst>
+                    </p:cTn>
+                  </p:par>
+                </p:childTnLst>
+              </p:cTn>
+              <p:prevCondLst>
+                <p:cond evt="onPrev" delay="0">
+                  <p:tgtEl>
+                    <p:sldTgt/>
+                  </p:tgtEl>
+                </p:cond>
+              </p:prevCondLst>
+              <p:nextCondLst>
+                <p:cond evt="onNext" delay="0">
+                  <p:tgtEl>
+                    <p:sldTgt/>
+                  </p:tgtEl>
+                </p:cond>
+              </p:nextCondLst>
+            </p:seq>
+          </p:childTnLst>
+        </p:cTn>
+      </p:par>
+    </p:tnLst>
+    <p:bldLst>
+      <p:bldP spid="15362" grpId="0" build="p"/>
+      <p:bldP spid="2" grpId="0"/>
+    </p:bldLst>
+  </p:timing>
+</p:sld>
+</file>
+
+<file path=ppt/slides/slide28.xml><?xml version="1.0" encoding="utf-8"?>
+<p:sld xmlns:a="http://schemas.openxmlformats.org/drawingml/2006/main" xmlns:r="http://schemas.openxmlformats.org/officeDocument/2006/relationships" xmlns:p="http://schemas.openxmlformats.org/presentationml/2006/main">
+  <p:cSld>
+    <p:spTree>
+      <p:nvGrpSpPr>
+        <p:cNvPr id="1" name=""/>
+        <p:cNvGrpSpPr/>
+        <p:nvPr/>
+      </p:nvGrpSpPr>
+      <p:grpSpPr>
+        <a:xfrm>
+          <a:off x="0" y="0"/>
+          <a:ext cx="0" cy="0"/>
+          <a:chOff x="0" y="0"/>
+          <a:chExt cx="0" cy="0"/>
+        </a:xfrm>
+      </p:grpSpPr>
+      <p:sp>
+        <p:nvSpPr>
+          <p:cNvPr id="15362" name="內容版面配置區 5"/>
+          <p:cNvSpPr>
+            <a:spLocks noGrp="1"/>
+          </p:cNvSpPr>
+          <p:nvPr>
+            <p:ph idx="1"/>
+          </p:nvPr>
+        </p:nvSpPr>
+        <p:spPr>
+          <a:xfrm>
+            <a:off x="457200" y="936625"/>
+            <a:ext cx="8229600" cy="3575050"/>
+          </a:xfrm>
+        </p:spPr>
+        <p:txBody>
+          <a:bodyPr/>
+          <a:lstStyle/>
+          <a:p>
+            <a:pPr marL="342900" lvl="1" indent="-342900" eaLnBrk="1" hangingPunct="1">
+              <a:buFont typeface="Arial" charset="0"/>
+              <a:buChar char="•"/>
+              <a:defRPr/>
+            </a:pPr>
+            <a:r>
+              <a:rPr lang="zh-TW" altLang="en-US" sz="1800" dirty="0">
+                <a:latin typeface="Times New Roman" panose="02020603050405020304" pitchFamily="18" charset="0"/>
+                <a:cs typeface="Times New Roman" panose="02020603050405020304" pitchFamily="18" charset="0"/>
+              </a:rPr>
+              <a:t>結論</a:t>
+            </a:r>
+            <a:endParaRPr lang="en-US" altLang="zh-TW" sz="1800" dirty="0">
+              <a:latin typeface="Times New Roman" panose="02020603050405020304" pitchFamily="18" charset="0"/>
+              <a:cs typeface="Times New Roman" panose="02020603050405020304" pitchFamily="18" charset="0"/>
+            </a:endParaRPr>
+          </a:p>
+          <a:p>
+            <a:pPr marL="742950" lvl="2" indent="-342900" eaLnBrk="1" hangingPunct="1">
+              <a:buFont typeface="Arial" charset="0"/>
+              <a:buChar char="•"/>
+              <a:defRPr/>
+            </a:pPr>
+            <a:r>
+              <a:rPr lang="zh-TW" altLang="en-US" sz="1400" dirty="0" smtClean="0">
+                <a:latin typeface="Times New Roman" panose="02020603050405020304" pitchFamily="18" charset="0"/>
+                <a:cs typeface="Times New Roman" panose="02020603050405020304" pitchFamily="18" charset="0"/>
+              </a:rPr>
+              <a:t>透過 </a:t>
+            </a:r>
+            <a:r>
+              <a:rPr lang="en-US" altLang="zh-TW" sz="1400" dirty="0" err="1" smtClean="0">
+                <a:latin typeface="Times New Roman" panose="02020603050405020304" pitchFamily="18" charset="0"/>
+                <a:cs typeface="Times New Roman" panose="02020603050405020304" pitchFamily="18" charset="0"/>
+              </a:rPr>
+              <a:t>BurnInTest</a:t>
+            </a:r>
+            <a:r>
+              <a:rPr lang="zh-TW" altLang="en-US" sz="1400" dirty="0">
+                <a:latin typeface="Times New Roman" panose="02020603050405020304" pitchFamily="18" charset="0"/>
+                <a:cs typeface="Times New Roman" panose="02020603050405020304" pitchFamily="18" charset="0"/>
+              </a:rPr>
+              <a:t> </a:t>
+            </a:r>
+            <a:r>
+              <a:rPr lang="zh-TW" altLang="en-US" sz="1400" dirty="0" smtClean="0">
+                <a:latin typeface="Times New Roman" panose="02020603050405020304" pitchFamily="18" charset="0"/>
+                <a:cs typeface="Times New Roman" panose="02020603050405020304" pitchFamily="18" charset="0"/>
+              </a:rPr>
+              <a:t>的</a:t>
+            </a:r>
+            <a:r>
+              <a:rPr lang="en-US" altLang="zh-TW" sz="1400" dirty="0">
+                <a:latin typeface="Times New Roman" panose="02020603050405020304" pitchFamily="18" charset="0"/>
+                <a:cs typeface="Times New Roman" panose="02020603050405020304" pitchFamily="18" charset="0"/>
+              </a:rPr>
+              <a:t> </a:t>
+            </a:r>
+            <a:r>
+              <a:rPr lang="en-US" altLang="zh-TW" sz="1400" dirty="0" smtClean="0">
+                <a:latin typeface="Times New Roman" panose="02020603050405020304" pitchFamily="18" charset="0"/>
+                <a:cs typeface="Times New Roman" panose="02020603050405020304" pitchFamily="18" charset="0"/>
+              </a:rPr>
+              <a:t>Bash Script</a:t>
+            </a:r>
+            <a:r>
+              <a:rPr lang="zh-TW" altLang="en-US" sz="1400" dirty="0" smtClean="0">
+                <a:latin typeface="Times New Roman" panose="02020603050405020304" pitchFamily="18" charset="0"/>
+                <a:cs typeface="Times New Roman" panose="02020603050405020304" pitchFamily="18" charset="0"/>
+              </a:rPr>
+              <a:t> 做長時間壓力測試</a:t>
+            </a:r>
+            <a:endParaRPr lang="en-US" altLang="zh-TW" sz="1400" dirty="0">
+              <a:latin typeface="Times New Roman" panose="02020603050405020304" pitchFamily="18" charset="0"/>
+              <a:cs typeface="Times New Roman" panose="02020603050405020304" pitchFamily="18" charset="0"/>
+            </a:endParaRPr>
+          </a:p>
+          <a:p>
+            <a:pPr marL="742950" lvl="2" indent="-342900" eaLnBrk="1" hangingPunct="1">
+              <a:buFont typeface="Arial" charset="0"/>
+              <a:buChar char="•"/>
+              <a:defRPr/>
+            </a:pPr>
+            <a:r>
+              <a:rPr lang="zh-TW" altLang="en-US" sz="1400" dirty="0">
+                <a:latin typeface="Times New Roman" panose="02020603050405020304" pitchFamily="18" charset="0"/>
+                <a:cs typeface="Times New Roman" panose="02020603050405020304" pitchFamily="18" charset="0"/>
+              </a:rPr>
+              <a:t>自動</a:t>
+            </a:r>
+            <a:r>
+              <a:rPr lang="zh-TW" altLang="en-US" sz="1400" dirty="0" smtClean="0">
+                <a:latin typeface="Times New Roman" panose="02020603050405020304" pitchFamily="18" charset="0"/>
+                <a:cs typeface="Times New Roman" panose="02020603050405020304" pitchFamily="18" charset="0"/>
+              </a:rPr>
+              <a:t>產生及備份 </a:t>
+            </a:r>
+            <a:r>
+              <a:rPr lang="en-US" altLang="zh-TW" sz="1400" dirty="0" smtClean="0">
+                <a:latin typeface="Times New Roman" panose="02020603050405020304" pitchFamily="18" charset="0"/>
+                <a:cs typeface="Times New Roman" panose="02020603050405020304" pitchFamily="18" charset="0"/>
+              </a:rPr>
+              <a:t>Log</a:t>
+            </a:r>
+            <a:r>
+              <a:rPr lang="zh-TW" altLang="en-US" sz="1400" dirty="0" smtClean="0">
+                <a:latin typeface="Times New Roman" panose="02020603050405020304" pitchFamily="18" charset="0"/>
+                <a:cs typeface="Times New Roman" panose="02020603050405020304" pitchFamily="18" charset="0"/>
+              </a:rPr>
+              <a:t> </a:t>
+            </a:r>
+            <a:r>
+              <a:rPr lang="zh-TW" altLang="en-US" sz="1400" dirty="0" smtClean="0">
+                <a:latin typeface="Times New Roman" panose="02020603050405020304" pitchFamily="18" charset="0"/>
+                <a:cs typeface="Times New Roman" panose="02020603050405020304" pitchFamily="18" charset="0"/>
+              </a:rPr>
+              <a:t>檔案</a:t>
+            </a:r>
+            <a:endParaRPr lang="en-US" altLang="zh-TW" sz="1400" dirty="0">
+              <a:latin typeface="Times New Roman" panose="02020603050405020304" pitchFamily="18" charset="0"/>
+              <a:cs typeface="Times New Roman" panose="02020603050405020304" pitchFamily="18" charset="0"/>
+            </a:endParaRPr>
+          </a:p>
+        </p:txBody>
+      </p:sp>
+      <p:sp>
+        <p:nvSpPr>
+          <p:cNvPr id="2" name="標題 4"/>
+          <p:cNvSpPr>
+            <a:spLocks noGrp="1"/>
+          </p:cNvSpPr>
+          <p:nvPr>
+            <p:ph type="title"/>
+          </p:nvPr>
+        </p:nvSpPr>
+        <p:spPr>
+          <a:xfrm>
+            <a:off x="457200" y="87313"/>
+            <a:ext cx="8229600" cy="756000"/>
+          </a:xfrm>
+        </p:spPr>
+        <p:txBody>
+          <a:bodyPr/>
+          <a:lstStyle/>
+          <a:p>
+            <a:pPr eaLnBrk="1" hangingPunct="1">
+              <a:defRPr/>
+            </a:pPr>
+            <a:r>
+              <a:rPr lang="en-US" altLang="zh-TW" sz="2800" kern="0" dirty="0" err="1" smtClean="0">
+                <a:solidFill>
+                  <a:srgbClr val="003366"/>
+                </a:solidFill>
+                <a:latin typeface="Times New Roman" panose="02020603050405020304" pitchFamily="18" charset="0"/>
+                <a:cs typeface="Times New Roman" panose="02020603050405020304" pitchFamily="18" charset="0"/>
+              </a:rPr>
+              <a:t>BurnInTest</a:t>
+            </a:r>
+            <a:r>
+              <a:rPr lang="en-US" altLang="zh-TW" sz="2800" kern="0" dirty="0" smtClean="0">
+                <a:solidFill>
+                  <a:srgbClr val="003366"/>
+                </a:solidFill>
+                <a:latin typeface="Times New Roman" panose="02020603050405020304" pitchFamily="18" charset="0"/>
+                <a:cs typeface="Times New Roman" panose="02020603050405020304" pitchFamily="18" charset="0"/>
+              </a:rPr>
+              <a:t> automation</a:t>
+            </a:r>
+            <a:endParaRPr lang="zh-TW" altLang="en-US" sz="2800" kern="0" dirty="0">
+              <a:solidFill>
+                <a:srgbClr val="003366"/>
+              </a:solidFill>
+              <a:latin typeface="Times New Roman" panose="02020603050405020304" pitchFamily="18" charset="0"/>
+              <a:cs typeface="Times New Roman" panose="02020603050405020304" pitchFamily="18" charset="0"/>
+            </a:endParaRPr>
+          </a:p>
+        </p:txBody>
+      </p:sp>
+    </p:spTree>
+    <p:extLst>
+      <p:ext uri="{BB962C8B-B14F-4D97-AF65-F5344CB8AC3E}">
+        <p14:creationId xmlns:p14="http://schemas.microsoft.com/office/powerpoint/2010/main" val="1708138525"/>
+      </p:ext>
+    </p:extLst>
+  </p:cSld>
+  <p:clrMapOvr>
+    <a:masterClrMapping/>
+  </p:clrMapOvr>
+  <mc:AlternateContent xmlns:mc="http://schemas.openxmlformats.org/markup-compatibility/2006" xmlns:p14="http://schemas.microsoft.com/office/powerpoint/2010/main">
+    <mc:Choice Requires="p14">
+      <p:transition spd="med" p14:dur="700" advClick="0">
+        <p:fade/>
+      </p:transition>
+    </mc:Choice>
+    <mc:Fallback xmlns="">
+      <p:transition spd="med" advClick="0">
+        <p:fade/>
+      </p:transition>
+    </mc:Fallback>
+  </mc:AlternateContent>
+  <p:timing>
+    <p:tnLst>
+      <p:par>
+        <p:cTn id="1" dur="indefinite" restart="never" nodeType="tmRoot">
+          <p:childTnLst>
+            <p:seq concurrent="1" nextAc="seek">
+              <p:cTn id="2" dur="indefinite" nodeType="mainSeq">
+                <p:childTnLst>
+                  <p:par>
+                    <p:cTn id="3" fill="hold">
+                      <p:stCondLst>
+                        <p:cond delay="indefinite"/>
+                        <p:cond evt="onBegin" delay="0">
+                          <p:tn val="2"/>
+                        </p:cond>
+                      </p:stCondLst>
+                      <p:childTnLst>
+                        <p:par>
+                          <p:cTn id="4" fill="hold">
+                            <p:stCondLst>
+                              <p:cond delay="0"/>
+                            </p:stCondLst>
+                            <p:childTnLst>
+                              <p:par>
+                                <p:cTn id="5" presetID="10" presetClass="entr" presetSubtype="0" fill="hold" grpId="0" nodeType="withEffect">
+                                  <p:stCondLst>
+                                    <p:cond delay="0"/>
+                                  </p:stCondLst>
+                                  <p:childTnLst>
+                                    <p:set>
+                                      <p:cBhvr>
+                                        <p:cTn id="6" dur="1" fill="hold">
+                                          <p:stCondLst>
+                                            <p:cond delay="0"/>
+                                          </p:stCondLst>
+                                        </p:cTn>
+                                        <p:tgtEl>
+                                          <p:spTgt spid="2"/>
+                                        </p:tgtEl>
+                                        <p:attrNameLst>
+                                          <p:attrName>style.visibility</p:attrName>
+                                        </p:attrNameLst>
+                                      </p:cBhvr>
+                                      <p:to>
+                                        <p:strVal val="visible"/>
+                                      </p:to>
+                                    </p:set>
+                                    <p:animEffect transition="in" filter="fade">
+                                      <p:cBhvr>
+                                        <p:cTn id="7" dur="250"/>
+                                        <p:tgtEl>
+                                          <p:spTgt spid="2"/>
+                                        </p:tgtEl>
+                                      </p:cBhvr>
+                                    </p:animEffect>
+                                  </p:childTnLst>
+                                </p:cTn>
+                              </p:par>
+                            </p:childTnLst>
+                          </p:cTn>
+                        </p:par>
+                        <p:par>
+                          <p:cTn id="8" fill="hold">
+                            <p:stCondLst>
+                              <p:cond delay="250"/>
+                            </p:stCondLst>
+                            <p:childTnLst>
+                              <p:par>
+                                <p:cTn id="9" presetID="10" presetClass="entr" presetSubtype="0" fill="hold" grpId="0" nodeType="afterEffect">
+                                  <p:stCondLst>
+                                    <p:cond delay="0"/>
+                                  </p:stCondLst>
+                                  <p:childTnLst>
+                                    <p:set>
+                                      <p:cBhvr>
+                                        <p:cTn id="10" dur="1" fill="hold">
+                                          <p:stCondLst>
+                                            <p:cond delay="0"/>
+                                          </p:stCondLst>
+                                        </p:cTn>
+                                        <p:tgtEl>
+                                          <p:spTgt spid="15362">
+                                            <p:txEl>
+                                              <p:pRg st="0" end="0"/>
+                                            </p:txEl>
+                                          </p:spTgt>
+                                        </p:tgtEl>
+                                        <p:attrNameLst>
+                                          <p:attrName>style.visibility</p:attrName>
+                                        </p:attrNameLst>
+                                      </p:cBhvr>
+                                      <p:to>
+                                        <p:strVal val="visible"/>
+                                      </p:to>
+                                    </p:set>
+                                    <p:animEffect transition="in" filter="fade">
+                                      <p:cBhvr>
+                                        <p:cTn id="11" dur="250"/>
+                                        <p:tgtEl>
+                                          <p:spTgt spid="15362">
+                                            <p:txEl>
+                                              <p:pRg st="0" end="0"/>
+                                            </p:txEl>
+                                          </p:spTgt>
+                                        </p:tgtEl>
+                                      </p:cBhvr>
+                                    </p:animEffect>
+                                  </p:childTnLst>
+                                </p:cTn>
+                              </p:par>
+                            </p:childTnLst>
+                          </p:cTn>
+                        </p:par>
+                        <p:par>
+                          <p:cTn id="12" fill="hold">
+                            <p:stCondLst>
+                              <p:cond delay="500"/>
+                            </p:stCondLst>
+                            <p:childTnLst>
+                              <p:par>
+                                <p:cTn id="13" presetID="10" presetClass="entr" presetSubtype="0" fill="hold" grpId="0" nodeType="afterEffect">
+                                  <p:stCondLst>
+                                    <p:cond delay="0"/>
+                                  </p:stCondLst>
+                                  <p:childTnLst>
+                                    <p:set>
+                                      <p:cBhvr>
+                                        <p:cTn id="14" dur="1" fill="hold">
+                                          <p:stCondLst>
+                                            <p:cond delay="0"/>
+                                          </p:stCondLst>
+                                        </p:cTn>
+                                        <p:tgtEl>
+                                          <p:spTgt spid="15362">
+                                            <p:txEl>
+                                              <p:pRg st="1" end="1"/>
+                                            </p:txEl>
+                                          </p:spTgt>
+                                        </p:tgtEl>
+                                        <p:attrNameLst>
+                                          <p:attrName>style.visibility</p:attrName>
+                                        </p:attrNameLst>
+                                      </p:cBhvr>
+                                      <p:to>
+                                        <p:strVal val="visible"/>
+                                      </p:to>
+                                    </p:set>
+                                    <p:animEffect transition="in" filter="fade">
+                                      <p:cBhvr>
+                                        <p:cTn id="15" dur="250"/>
+                                        <p:tgtEl>
+                                          <p:spTgt spid="15362">
+                                            <p:txEl>
+                                              <p:pRg st="1" end="1"/>
+                                            </p:txEl>
+                                          </p:spTgt>
+                                        </p:tgtEl>
+                                      </p:cBhvr>
+                                    </p:animEffect>
+                                  </p:childTnLst>
+                                </p:cTn>
+                              </p:par>
+                            </p:childTnLst>
+                          </p:cTn>
+                        </p:par>
+                        <p:par>
+                          <p:cTn id="16" fill="hold">
+                            <p:stCondLst>
+                              <p:cond delay="750"/>
+                            </p:stCondLst>
+                            <p:childTnLst>
+                              <p:par>
+                                <p:cTn id="17" presetID="10" presetClass="entr" presetSubtype="0" fill="hold" grpId="0" nodeType="afterEffect">
+                                  <p:stCondLst>
+                                    <p:cond delay="0"/>
+                                  </p:stCondLst>
+                                  <p:childTnLst>
+                                    <p:set>
+                                      <p:cBhvr>
+                                        <p:cTn id="18" dur="1" fill="hold">
+                                          <p:stCondLst>
+                                            <p:cond delay="0"/>
+                                          </p:stCondLst>
+                                        </p:cTn>
+                                        <p:tgtEl>
+                                          <p:spTgt spid="15362">
+                                            <p:txEl>
+                                              <p:pRg st="2" end="2"/>
+                                            </p:txEl>
+                                          </p:spTgt>
+                                        </p:tgtEl>
+                                        <p:attrNameLst>
+                                          <p:attrName>style.visibility</p:attrName>
+                                        </p:attrNameLst>
+                                      </p:cBhvr>
+                                      <p:to>
+                                        <p:strVal val="visible"/>
+                                      </p:to>
+                                    </p:set>
+                                    <p:animEffect transition="in" filter="fade">
+                                      <p:cBhvr>
+                                        <p:cTn id="19" dur="250"/>
+                                        <p:tgtEl>
+                                          <p:spTgt spid="15362">
+                                            <p:txEl>
+                                              <p:pRg st="2" end="2"/>
+                                            </p:txEl>
+                                          </p:spTgt>
                                         </p:tgtEl>
                                       </p:cBhvr>
                                     </p:animEffect>
@@ -18329,16 +18609,26 @@
               <a:defRPr/>
             </a:pPr>
             <a:r>
-              <a:rPr lang="zh-TW" altLang="en-US" sz="1800" dirty="0">
+              <a:rPr lang="en-US" altLang="zh-TW" sz="1800" dirty="0" smtClean="0">
                 <a:latin typeface="Times New Roman" panose="02020603050405020304" pitchFamily="18" charset="0"/>
                 <a:cs typeface="Times New Roman" panose="02020603050405020304" pitchFamily="18" charset="0"/>
               </a:rPr>
-              <a:t>結論</a:t>
-            </a:r>
-            <a:endParaRPr lang="en-US" altLang="zh-TW" sz="1800" dirty="0">
-              <a:latin typeface="Times New Roman" panose="02020603050405020304" pitchFamily="18" charset="0"/>
-              <a:cs typeface="Times New Roman" panose="02020603050405020304" pitchFamily="18" charset="0"/>
-            </a:endParaRPr>
+              <a:t>Download the file by </a:t>
+            </a:r>
+            <a:r>
+              <a:rPr lang="en-US" altLang="zh-TW" sz="1800" dirty="0" err="1" smtClean="0">
+                <a:latin typeface="Times New Roman" panose="02020603050405020304" pitchFamily="18" charset="0"/>
+                <a:cs typeface="Times New Roman" panose="02020603050405020304" pitchFamily="18" charset="0"/>
+              </a:rPr>
+              <a:t>ProgramIndex</a:t>
+            </a:r>
+            <a:r>
+              <a:rPr lang="en-US" altLang="zh-TW" sz="1800" dirty="0" smtClean="0">
+                <a:latin typeface="Times New Roman" panose="02020603050405020304" pitchFamily="18" charset="0"/>
+                <a:cs typeface="Times New Roman" panose="02020603050405020304" pitchFamily="18" charset="0"/>
+              </a:rPr>
+              <a:t> user interface.</a:t>
+            </a:r>
           </a:p>
           <a:p>
             <a:pPr marL="742950" lvl="2" indent="-342900" eaLnBrk="1" hangingPunct="1">
@@ -18347,58 +18637,12 @@
               <a:defRPr/>
             </a:pPr>
             <a:r>
-              <a:rPr lang="zh-TW" altLang="en-US" sz="1400" dirty="0" smtClean="0">
-                <a:latin typeface="Times New Roman" panose="02020603050405020304" pitchFamily="18" charset="0"/>
-                <a:cs typeface="Times New Roman" panose="02020603050405020304" pitchFamily="18" charset="0"/>
-              </a:rPr>
-              <a:t>透過 </a:t>
-            </a:r>
-            <a:r>
-              <a:rPr lang="en-US" altLang="zh-TW" sz="1400" dirty="0" err="1" smtClean="0">
-                <a:latin typeface="Times New Roman" panose="02020603050405020304" pitchFamily="18" charset="0"/>
-                <a:cs typeface="Times New Roman" panose="02020603050405020304" pitchFamily="18" charset="0"/>
-              </a:rPr>
-              <a:t>BurnInTest</a:t>
-            </a:r>
-            <a:r>
-              <a:rPr lang="zh-TW" altLang="en-US" sz="1400" dirty="0">
-                <a:latin typeface="Times New Roman" panose="02020603050405020304" pitchFamily="18" charset="0"/>
-                <a:cs typeface="Times New Roman" panose="02020603050405020304" pitchFamily="18" charset="0"/>
-              </a:rPr>
-              <a:t> </a:t>
-            </a:r>
-            <a:r>
-              <a:rPr lang="zh-TW" altLang="en-US" sz="1400" dirty="0" smtClean="0">
-                <a:latin typeface="Times New Roman" panose="02020603050405020304" pitchFamily="18" charset="0"/>
-                <a:cs typeface="Times New Roman" panose="02020603050405020304" pitchFamily="18" charset="0"/>
-              </a:rPr>
-              <a:t>的</a:t>
-            </a:r>
-            <a:r>
-              <a:rPr lang="en-US" altLang="zh-TW" sz="1400" dirty="0">
-                <a:latin typeface="Times New Roman" panose="02020603050405020304" pitchFamily="18" charset="0"/>
-                <a:cs typeface="Times New Roman" panose="02020603050405020304" pitchFamily="18" charset="0"/>
-              </a:rPr>
-              <a:t> </a:t>
-            </a:r>
-            <a:r>
               <a:rPr lang="en-US" altLang="zh-TW" sz="1400" dirty="0" smtClean="0">
                 <a:latin typeface="Times New Roman" panose="02020603050405020304" pitchFamily="18" charset="0"/>
                 <a:cs typeface="Times New Roman" panose="02020603050405020304" pitchFamily="18" charset="0"/>
               </a:rPr>
-              <a:t>Bash Script</a:t>
-            </a:r>
-            <a:r>
-              <a:rPr lang="zh-TW" altLang="en-US" sz="1400" dirty="0" smtClean="0">
-                <a:latin typeface="Times New Roman" panose="02020603050405020304" pitchFamily="18" charset="0"/>
-                <a:cs typeface="Times New Roman" panose="02020603050405020304" pitchFamily="18" charset="0"/>
-              </a:rPr>
-              <a:t> 做長時間壓力測試</a:t>
-            </a:r>
-            <a:endParaRPr lang="en-US" altLang="zh-TW" sz="1400" dirty="0">
-              <a:latin typeface="Times New Roman" panose="02020603050405020304" pitchFamily="18" charset="0"/>
-              <a:cs typeface="Times New Roman" panose="02020603050405020304" pitchFamily="18" charset="0"/>
-            </a:endParaRPr>
+              <a:t>Server IP</a:t>
+            </a:r>
           </a:p>
           <a:p>
             <a:pPr marL="742950" lvl="2" indent="-342900" eaLnBrk="1" hangingPunct="1">
@@ -18407,45 +18651,41 @@
               <a:defRPr/>
             </a:pPr>
             <a:r>
-              <a:rPr lang="zh-TW" altLang="en-US" sz="1400" dirty="0">
-                <a:latin typeface="Times New Roman" panose="02020603050405020304" pitchFamily="18" charset="0"/>
-                <a:cs typeface="Times New Roman" panose="02020603050405020304" pitchFamily="18" charset="0"/>
-              </a:rPr>
-              <a:t>自動</a:t>
-            </a:r>
-            <a:r>
-              <a:rPr lang="zh-TW" altLang="en-US" sz="1400" dirty="0" smtClean="0">
-                <a:latin typeface="Times New Roman" panose="02020603050405020304" pitchFamily="18" charset="0"/>
-                <a:cs typeface="Times New Roman" panose="02020603050405020304" pitchFamily="18" charset="0"/>
-              </a:rPr>
-              <a:t>產生及備份 </a:t>
-            </a:r>
-            <a:r>
               <a:rPr lang="en-US" altLang="zh-TW" sz="1400" dirty="0" smtClean="0">
                 <a:latin typeface="Times New Roman" panose="02020603050405020304" pitchFamily="18" charset="0"/>
                 <a:cs typeface="Times New Roman" panose="02020603050405020304" pitchFamily="18" charset="0"/>
               </a:rPr>
-              <a:t>Log</a:t>
-            </a:r>
-            <a:r>
-              <a:rPr lang="zh-TW" altLang="en-US" sz="1400" dirty="0" smtClean="0">
-                <a:latin typeface="Times New Roman" panose="02020603050405020304" pitchFamily="18" charset="0"/>
-                <a:cs typeface="Times New Roman" panose="02020603050405020304" pitchFamily="18" charset="0"/>
-              </a:rPr>
-              <a:t> 檔案</a:t>
-            </a:r>
-            <a:endParaRPr lang="en-US" altLang="zh-TW" sz="1400" dirty="0">
-              <a:latin typeface="Times New Roman" panose="02020603050405020304" pitchFamily="18" charset="0"/>
-              <a:cs typeface="Times New Roman" panose="02020603050405020304" pitchFamily="18" charset="0"/>
-            </a:endParaRPr>
-          </a:p>
-          <a:p>
-            <a:pPr marL="342900" lvl="1" indent="-342900" eaLnBrk="1" hangingPunct="1">
+              <a:t>Suite Folder</a:t>
+            </a:r>
+          </a:p>
+          <a:p>
+            <a:pPr marL="742950" lvl="2" indent="-342900" eaLnBrk="1" hangingPunct="1">
               <a:buFont typeface="Arial" charset="0"/>
               <a:buChar char="•"/>
               <a:defRPr/>
             </a:pPr>
-            <a:endParaRPr lang="en-US" altLang="zh-TW" sz="1800" dirty="0">
+            <a:r>
+              <a:rPr lang="en-US" altLang="zh-TW" sz="1400" dirty="0" smtClean="0">
+                <a:latin typeface="Times New Roman" panose="02020603050405020304" pitchFamily="18" charset="0"/>
+                <a:cs typeface="Times New Roman" panose="02020603050405020304" pitchFamily="18" charset="0"/>
+              </a:rPr>
+              <a:t>Case Folder</a:t>
+            </a:r>
+          </a:p>
+          <a:p>
+            <a:pPr marL="742950" lvl="2" indent="-342900" eaLnBrk="1" hangingPunct="1">
+              <a:buFont typeface="Arial" charset="0"/>
+              <a:buChar char="•"/>
+              <a:defRPr/>
+            </a:pPr>
+            <a:r>
+              <a:rPr lang="en-US" altLang="zh-TW" sz="1400" dirty="0" err="1" smtClean="0">
+                <a:latin typeface="Times New Roman" panose="02020603050405020304" pitchFamily="18" charset="0"/>
+                <a:cs typeface="Times New Roman" panose="02020603050405020304" pitchFamily="18" charset="0"/>
+              </a:rPr>
+              <a:t>Downlod</a:t>
+            </a:r>
+            <a:endParaRPr lang="en-US" altLang="zh-TW" sz="1400" dirty="0">
               <a:latin typeface="Times New Roman" panose="02020603050405020304" pitchFamily="18" charset="0"/>
               <a:cs typeface="Times New Roman" panose="02020603050405020304" pitchFamily="18" charset="0"/>
             </a:endParaRPr>
@@ -18483,7 +18723,7 @@
                 <a:latin typeface="Times New Roman" panose="02020603050405020304" pitchFamily="18" charset="0"/>
                 <a:cs typeface="Times New Roman" panose="02020603050405020304" pitchFamily="18" charset="0"/>
               </a:rPr>
-              <a:t>BurnInTest</a:t>
+              <a:t>ProgramIndex</a:t>
             </a:r>
             <a:r>
               <a:rPr lang="en-US" altLang="zh-TW" sz="2800" kern="0" dirty="0" smtClean="0">
@@ -18493,17 +18733,7 @@
                 <a:latin typeface="Times New Roman" panose="02020603050405020304" pitchFamily="18" charset="0"/>
                 <a:cs typeface="Times New Roman" panose="02020603050405020304" pitchFamily="18" charset="0"/>
               </a:rPr>
-              <a:t> </a:t>
-            </a:r>
-            <a:r>
-              <a:rPr lang="en-US" altLang="zh-TW" sz="2800" kern="0" dirty="0" smtClean="0">
-                <a:solidFill>
-                  <a:srgbClr val="003366"/>
-                </a:solidFill>
-                <a:latin typeface="Times New Roman" panose="02020603050405020304" pitchFamily="18" charset="0"/>
-                <a:cs typeface="Times New Roman" panose="02020603050405020304" pitchFamily="18" charset="0"/>
-              </a:rPr>
-              <a:t>automation</a:t>
+              <a:t> automation</a:t>
             </a:r>
             <a:endParaRPr lang="zh-TW" altLang="en-US" sz="2800" kern="0" dirty="0">
               <a:solidFill>
@@ -18515,10 +18745,118 @@
           </a:p>
         </p:txBody>
       </p:sp>
+      <p:pic>
+        <p:nvPicPr>
+          <p:cNvPr id="6147" name="Picture 3"/>
+          <p:cNvPicPr>
+            <a:picLocks noChangeAspect="1" noChangeArrowheads="1"/>
+          </p:cNvPicPr>
+          <p:nvPr/>
+        </p:nvPicPr>
+        <p:blipFill>
+          <a:blip r:embed="rId3">
+            <a:extLst>
+              <a:ext uri="{28A0092B-C50C-407E-A947-70E740481C1C}">
+                <a14:useLocalDpi xmlns:a14="http://schemas.microsoft.com/office/drawing/2010/main" val="0"/>
+              </a:ext>
+            </a:extLst>
+          </a:blip>
+          <a:srcRect/>
+          <a:stretch>
+            <a:fillRect/>
+          </a:stretch>
+        </p:blipFill>
+        <p:spPr bwMode="auto">
+          <a:xfrm>
+            <a:off x="4727384" y="1459281"/>
+            <a:ext cx="3245431" cy="3048109"/>
+          </a:xfrm>
+          <a:prstGeom prst="rect">
+            <a:avLst/>
+          </a:prstGeom>
+          <a:noFill/>
+          <a:ln>
+            <a:noFill/>
+          </a:ln>
+          <a:extLst>
+            <a:ext uri="{909E8E84-426E-40DD-AFC4-6F175D3DCCD1}">
+              <a14:hiddenFill xmlns:a14="http://schemas.microsoft.com/office/drawing/2010/main">
+                <a:solidFill>
+                  <a:schemeClr val="accent1"/>
+                </a:solidFill>
+              </a14:hiddenFill>
+            </a:ext>
+            <a:ext uri="{91240B29-F687-4F45-9708-019B960494DF}">
+              <a14:hiddenLine xmlns:a14="http://schemas.microsoft.com/office/drawing/2010/main" w="9525">
+                <a:solidFill>
+                  <a:schemeClr val="tx1"/>
+                </a:solidFill>
+                <a:miter lim="800000"/>
+                <a:headEnd/>
+                <a:tailEnd/>
+              </a14:hiddenLine>
+            </a:ext>
+          </a:extLst>
+        </p:spPr>
+      </p:pic>
+      <p:pic>
+        <p:nvPicPr>
+          <p:cNvPr id="6148" name="Picture 4"/>
+          <p:cNvPicPr>
+            <a:picLocks noChangeAspect="1" noChangeArrowheads="1"/>
+          </p:cNvPicPr>
+          <p:nvPr/>
+        </p:nvPicPr>
+        <p:blipFill>
+          <a:blip r:embed="rId4">
+            <a:extLst>
+              <a:ext uri="{28A0092B-C50C-407E-A947-70E740481C1C}">
+                <a14:useLocalDpi xmlns:a14="http://schemas.microsoft.com/office/drawing/2010/main" val="0"/>
+              </a:ext>
+            </a:extLst>
+          </a:blip>
+          <a:srcRect/>
+          <a:stretch>
+            <a:fillRect/>
+          </a:stretch>
+        </p:blipFill>
+        <p:spPr bwMode="auto">
+          <a:xfrm>
+            <a:off x="5082199" y="2983335"/>
+            <a:ext cx="2535802" cy="792039"/>
+          </a:xfrm>
+          <a:prstGeom prst="rect">
+            <a:avLst/>
+          </a:prstGeom>
+          <a:noFill/>
+          <a:ln>
+            <a:noFill/>
+          </a:ln>
+          <a:extLst>
+            <a:ext uri="{909E8E84-426E-40DD-AFC4-6F175D3DCCD1}">
+              <a14:hiddenFill xmlns:a14="http://schemas.microsoft.com/office/drawing/2010/main">
+                <a:solidFill>
+                  <a:schemeClr val="accent1"/>
+                </a:solidFill>
+              </a14:hiddenFill>
+            </a:ext>
+            <a:ext uri="{91240B29-F687-4F45-9708-019B960494DF}">
+              <a14:hiddenLine xmlns:a14="http://schemas.microsoft.com/office/drawing/2010/main" w="9525">
+                <a:solidFill>
+                  <a:schemeClr val="tx1"/>
+                </a:solidFill>
+                <a:miter lim="800000"/>
+                <a:headEnd/>
+                <a:tailEnd/>
+              </a14:hiddenLine>
+            </a:ext>
+          </a:extLst>
+        </p:spPr>
+      </p:pic>
     </p:spTree>
     <p:extLst>
       <p:ext uri="{BB962C8B-B14F-4D97-AF65-F5344CB8AC3E}">
-        <p14:creationId xmlns:p14="http://schemas.microsoft.com/office/powerpoint/2010/main" val="1708138525"/>
+        <p14:creationId xmlns:p14="http://schemas.microsoft.com/office/powerpoint/2010/main" val="4279869973"/>
       </p:ext>
     </p:extLst>
   </p:cSld>
@@ -18561,7 +18899,7 @@
                             </p:stCondLst>
                             <p:childTnLst>
                               <p:par>
-                                <p:cTn id="5" presetID="10" presetClass="entr" presetSubtype="0" fill="hold" grpId="0" nodeType="afterEffect">
+                                <p:cTn id="5" presetID="10" presetClass="entr" presetSubtype="0" fill="hold" grpId="0" nodeType="withEffect">
                                   <p:stCondLst>
                                     <p:cond delay="0"/>
                                   </p:stCondLst>
@@ -18647,15 +18985,24 @@
                                   </p:childTnLst>
                                 </p:cTn>
                               </p:par>
+                            </p:childTnLst>
+                          </p:cTn>
+                        </p:par>
+                        <p:par>
+                          <p:cTn id="12" fill="hold">
+                            <p:stCondLst>
+                              <p:cond delay="500"/>
+                            </p:stCondLst>
+                            <p:childTnLst>
                               <p:par>
-                                <p:cTn id="12" presetID="10" presetClass="entr" presetSubtype="0" fill="hold" grpId="0" nodeType="withEffect">
+                                <p:cTn id="13" presetID="10" presetClass="entr" presetSubtype="0" fill="hold" grpId="0" nodeType="afterEffect">
                                   <p:stCondLst>
                                     <p:cond delay="0"/>
                                   </p:stCondLst>
                                   <p:childTnLst>
                                     <p:set>
                                       <p:cBhvr>
-                                        <p:cTn id="13" dur="1" fill="hold">
+                                        <p:cTn id="14" dur="1" fill="hold">
                                           <p:stCondLst>
                                             <p:cond delay="0"/>
                                           </p:stCondLst>
@@ -18677,7 +19024,7 @@
                                     </p:set>
                                     <p:animEffect transition="in" filter="fade">
                                       <p:cBhvr>
-                                        <p:cTn id="14" dur="250"/>
+                                        <p:cTn id="15" dur="250"/>
                                         <p:tgtEl>
                                           <p:spTgt spid="15362">
                                             <p:txEl>
@@ -18690,15 +19037,24 @@
                                   </p:childTnLst>
                                 </p:cTn>
                               </p:par>
+                            </p:childTnLst>
+                          </p:cTn>
+                        </p:par>
+                        <p:par>
+                          <p:cTn id="16" fill="hold">
+                            <p:stCondLst>
+                              <p:cond delay="750"/>
+                            </p:stCondLst>
+                            <p:childTnLst>
                               <p:par>
-                                <p:cTn id="15" presetID="10" presetClass="entr" presetSubtype="0" fill="hold" grpId="0" nodeType="withEffect">
+                                <p:cTn id="17" presetID="10" presetClass="entr" presetSubtype="0" fill="hold" grpId="0" nodeType="afterEffect">
                                   <p:stCondLst>
                                     <p:cond delay="0"/>
                                   </p:stCondLst>
                                   <p:childTnLst>
                                     <p:set>
                                       <p:cBhvr>
-                                        <p:cTn id="16" dur="1" fill="hold">
+                                        <p:cTn id="18" dur="1" fill="hold">
                                           <p:stCondLst>
                                             <p:cond delay="0"/>
                                           </p:stCondLst>
@@ -18720,13 +19076,205 @@
                                     </p:set>
                                     <p:animEffect transition="in" filter="fade">
                                       <p:cBhvr>
-                                        <p:cTn id="17" dur="250"/>
+                                        <p:cTn id="19" dur="250"/>
                                         <p:tgtEl>
                                           <p:spTgt spid="15362">
                                             <p:txEl>
                                               <p:pRg st="2" end="2"/>
                                             </p:txEl>
                                           </p:spTgt>
+                                        </p:tgtEl>
+                                      </p:cBhvr>
+                                    </p:animEffect>
+                                  </p:childTnLst>
+                                </p:cTn>
+                              </p:par>
+                            </p:childTnLst>
+                          </p:cTn>
+                        </p:par>
+                        <p:par>
+                          <p:cTn id="20" fill="hold">
+                            <p:stCondLst>
+                              <p:cond delay="1000"/>
+                            </p:stCondLst>
+                            <p:childTnLst>
+                              <p:par>
+                                <p:cTn id="21" presetID="10" presetClass="entr" presetSubtype="0" fill="hold" grpId="0" nodeType="afterEffect">
+                                  <p:stCondLst>
+                                    <p:cond delay="0"/>
+                                  </p:stCondLst>
+                                  <p:childTnLst>
+                                    <p:set>
+                                      <p:cBhvr>
+                                        <p:cTn id="22" dur="1" fill="hold">
+                                          <p:stCondLst>
+                                            <p:cond delay="0"/>
+                                          </p:stCondLst>
+                                        </p:cTn>
+                                        <p:tgtEl>
+                                          <p:spTgt spid="15362">
+                                            <p:txEl>
+                                              <p:pRg st="3" end="3"/>
+                                            </p:txEl>
+                                          </p:spTgt>
+                                        </p:tgtEl>
+                                        <p:attrNameLst>
+                                          <p:attrName>style.visibility</p:attrName>
+                                        </p:attrNameLst>
+                                      </p:cBhvr>
+                                      <p:to>
+                                        <p:strVal val="visible"/>
+                                      </p:to>
+                                    </p:set>
+                                    <p:animEffect transition="in" filter="fade">
+                                      <p:cBhvr>
+                                        <p:cTn id="23" dur="250"/>
+                                        <p:tgtEl>
+                                          <p:spTgt spid="15362">
+                                            <p:txEl>
+                                              <p:pRg st="3" end="3"/>
+                                            </p:txEl>
+                                          </p:spTgt>
+                                        </p:tgtEl>
+                                      </p:cBhvr>
+                                    </p:animEffect>
+                                  </p:childTnLst>
+                                </p:cTn>
+                              </p:par>
+                            </p:childTnLst>
+                          </p:cTn>
+                        </p:par>
+                        <p:par>
+                          <p:cTn id="24" fill="hold">
+                            <p:stCondLst>
+                              <p:cond delay="1250"/>
+                            </p:stCondLst>
+                            <p:childTnLst>
+                              <p:par>
+                                <p:cTn id="25" presetID="10" presetClass="entr" presetSubtype="0" fill="hold" grpId="0" nodeType="afterEffect">
+                                  <p:stCondLst>
+                                    <p:cond delay="0"/>
+                                  </p:stCondLst>
+                                  <p:childTnLst>
+                                    <p:set>
+                                      <p:cBhvr>
+                                        <p:cTn id="26" dur="1" fill="hold">
+                                          <p:stCondLst>
+                                            <p:cond delay="0"/>
+                                          </p:stCondLst>
+                                        </p:cTn>
+                                        <p:tgtEl>
+                                          <p:spTgt spid="15362">
+                                            <p:txEl>
+                                              <p:pRg st="4" end="4"/>
+                                            </p:txEl>
+                                          </p:spTgt>
+                                        </p:tgtEl>
+                                        <p:attrNameLst>
+                                          <p:attrName>style.visibility</p:attrName>
+                                        </p:attrNameLst>
+                                      </p:cBhvr>
+                                      <p:to>
+                                        <p:strVal val="visible"/>
+                                      </p:to>
+                                    </p:set>
+                                    <p:animEffect transition="in" filter="fade">
+                                      <p:cBhvr>
+                                        <p:cTn id="27" dur="250"/>
+                                        <p:tgtEl>
+                                          <p:spTgt spid="15362">
+                                            <p:txEl>
+                                              <p:pRg st="4" end="4"/>
+                                            </p:txEl>
+                                          </p:spTgt>
+                                        </p:tgtEl>
+                                      </p:cBhvr>
+                                    </p:animEffect>
+                                  </p:childTnLst>
+                                </p:cTn>
+                              </p:par>
+                            </p:childTnLst>
+                          </p:cTn>
+                        </p:par>
+                        <p:par>
+                          <p:cTn id="28" fill="hold">
+                            <p:stCondLst>
+                              <p:cond delay="1500"/>
+                            </p:stCondLst>
+                            <p:childTnLst>
+                              <p:par>
+                                <p:cTn id="29" presetID="10" presetClass="entr" presetSubtype="0" fill="hold" nodeType="afterEffect">
+                                  <p:stCondLst>
+                                    <p:cond delay="0"/>
+                                  </p:stCondLst>
+                                  <p:childTnLst>
+                                    <p:set>
+                                      <p:cBhvr>
+                                        <p:cTn id="30" dur="1" fill="hold">
+                                          <p:stCondLst>
+                                            <p:cond delay="0"/>
+                                          </p:stCondLst>
+                                        </p:cTn>
+                                        <p:tgtEl>
+                                          <p:spTgt spid="6147"/>
+                                        </p:tgtEl>
+                                        <p:attrNameLst>
+                                          <p:attrName>style.visibility</p:attrName>
+                                        </p:attrNameLst>
+                                      </p:cBhvr>
+                                      <p:to>
+                                        <p:strVal val="visible"/>
+                                      </p:to>
+                                    </p:set>
+                                    <p:animEffect transition="in" filter="fade">
+                                      <p:cBhvr>
+                                        <p:cTn id="31" dur="250"/>
+                                        <p:tgtEl>
+                                          <p:spTgt spid="6147"/>
+                                        </p:tgtEl>
+                                      </p:cBhvr>
+                                    </p:animEffect>
+                                  </p:childTnLst>
+                                </p:cTn>
+                              </p:par>
+                            </p:childTnLst>
+                          </p:cTn>
+                        </p:par>
+                        <p:par>
+                          <p:cTn id="32" fill="hold">
+                            <p:stCondLst>
+                              <p:cond delay="1750"/>
+                            </p:stCondLst>
+                            <p:childTnLst>
+                              <p:par>
+                                <p:cTn id="33" presetID="10" presetClass="entr" presetSubtype="0" fill="hold" nodeType="afterEffect">
+                                  <p:stCondLst>
+                                    <p:cond delay="0"/>
+                                  </p:stCondLst>
+                                  <p:childTnLst>
+                                    <p:set>
+                                      <p:cBhvr>
+                                        <p:cTn id="34" dur="1" fill="hold">
+                                          <p:stCondLst>
+                                            <p:cond delay="0"/>
+                                          </p:stCondLst>
+                                        </p:cTn>
+                                        <p:tgtEl>
+                                          <p:spTgt spid="6148"/>
+                                        </p:tgtEl>
+                                        <p:attrNameLst>
+                                          <p:attrName>style.visibility</p:attrName>
+                                        </p:attrNameLst>
+                                      </p:cBhvr>
+                                      <p:to>
+                                        <p:strVal val="visible"/>
+                                      </p:to>
+                                    </p:set>
+                                    <p:animEffect transition="in" filter="fade">
+                                      <p:cBhvr>
+                                        <p:cTn id="35" dur="250"/>
+                                        <p:tgtEl>
+                                          <p:spTgt spid="6148"/>
                                         </p:tgtEl>
                                       </p:cBhvr>
                                     </p:animEffect>
@@ -18761,7 +19309,7 @@
       </p:par>
     </p:tnLst>
     <p:bldLst>
-      <p:bldP spid="15362" grpId="0" build="p"/>
+      <p:bldP spid="15362" grpId="0" uiExpand="1" build="p"/>
       <p:bldP spid="2" grpId="0"/>
     </p:bldLst>
   </p:timing>
@@ -19317,33 +19865,16 @@
               <a:defRPr/>
             </a:pPr>
             <a:r>
-              <a:rPr lang="en-US" altLang="zh-TW" sz="1800" dirty="0" smtClean="0">
+              <a:rPr lang="zh-TW" altLang="en-US" sz="1800" dirty="0">
                 <a:latin typeface="Times New Roman" panose="02020603050405020304" pitchFamily="18" charset="0"/>
                 <a:cs typeface="Times New Roman" panose="02020603050405020304" pitchFamily="18" charset="0"/>
               </a:rPr>
-              <a:t>Download the file by </a:t>
-            </a:r>
-            <a:r>
-              <a:rPr lang="en-US" altLang="zh-TW" sz="1800" dirty="0" err="1" smtClean="0">
-                <a:latin typeface="Times New Roman" panose="02020603050405020304" pitchFamily="18" charset="0"/>
-                <a:cs typeface="Times New Roman" panose="02020603050405020304" pitchFamily="18" charset="0"/>
-              </a:rPr>
-              <a:t>ProgramIndex</a:t>
-            </a:r>
-            <a:r>
-              <a:rPr lang="en-US" altLang="zh-TW" sz="1800" dirty="0" smtClean="0">
-                <a:latin typeface="Times New Roman" panose="02020603050405020304" pitchFamily="18" charset="0"/>
-                <a:cs typeface="Times New Roman" panose="02020603050405020304" pitchFamily="18" charset="0"/>
-              </a:rPr>
-              <a:t> user interface</a:t>
-            </a:r>
-            <a:r>
-              <a:rPr lang="en-US" altLang="zh-TW" sz="1800" dirty="0" smtClean="0">
-                <a:latin typeface="Times New Roman" panose="02020603050405020304" pitchFamily="18" charset="0"/>
-                <a:cs typeface="Times New Roman" panose="02020603050405020304" pitchFamily="18" charset="0"/>
-              </a:rPr>
-              <a:t>.</a:t>
-            </a:r>
+              <a:t>結論</a:t>
+            </a:r>
+            <a:endParaRPr lang="en-US" altLang="zh-TW" sz="1800" dirty="0">
+              <a:latin typeface="Times New Roman" panose="02020603050405020304" pitchFamily="18" charset="0"/>
+              <a:cs typeface="Times New Roman" panose="02020603050405020304" pitchFamily="18" charset="0"/>
+            </a:endParaRPr>
           </a:p>
           <a:p>
             <a:pPr marL="742950" lvl="2" indent="-342900" eaLnBrk="1" hangingPunct="1">
@@ -19352,12 +19883,37 @@
               <a:defRPr/>
             </a:pPr>
             <a:r>
+              <a:rPr lang="zh-TW" altLang="en-US" sz="1400" dirty="0" smtClean="0">
+                <a:latin typeface="Times New Roman" panose="02020603050405020304" pitchFamily="18" charset="0"/>
+                <a:cs typeface="Times New Roman" panose="02020603050405020304" pitchFamily="18" charset="0"/>
+              </a:rPr>
+              <a:t>透過 </a:t>
+            </a:r>
+            <a:r>
+              <a:rPr lang="en-US" altLang="zh-TW" sz="1400" dirty="0" err="1" smtClean="0">
+                <a:latin typeface="Times New Roman" panose="02020603050405020304" pitchFamily="18" charset="0"/>
+                <a:cs typeface="Times New Roman" panose="02020603050405020304" pitchFamily="18" charset="0"/>
+              </a:rPr>
+              <a:t>ProgramIndex</a:t>
+            </a:r>
+            <a:r>
               <a:rPr lang="en-US" altLang="zh-TW" sz="1400" dirty="0" smtClean="0">
                 <a:latin typeface="Times New Roman" panose="02020603050405020304" pitchFamily="18" charset="0"/>
                 <a:cs typeface="Times New Roman" panose="02020603050405020304" pitchFamily="18" charset="0"/>
               </a:rPr>
-              <a:t>Server IP</a:t>
-            </a:r>
+              <a:t> </a:t>
+            </a:r>
+            <a:r>
+              <a:rPr lang="zh-TW" altLang="en-US" sz="1400" dirty="0" smtClean="0">
+                <a:latin typeface="Times New Roman" panose="02020603050405020304" pitchFamily="18" charset="0"/>
+                <a:cs typeface="Times New Roman" panose="02020603050405020304" pitchFamily="18" charset="0"/>
+              </a:rPr>
+              <a:t>程式方便下載相對應程式</a:t>
+            </a:r>
+            <a:endParaRPr lang="en-US" altLang="zh-TW" sz="1400" dirty="0">
+              <a:latin typeface="Times New Roman" panose="02020603050405020304" pitchFamily="18" charset="0"/>
+              <a:cs typeface="Times New Roman" panose="02020603050405020304" pitchFamily="18" charset="0"/>
+            </a:endParaRPr>
           </a:p>
           <a:p>
             <a:pPr marL="742950" lvl="2" indent="-342900" eaLnBrk="1" hangingPunct="1">
@@ -19366,735 +19922,6 @@
               <a:defRPr/>
             </a:pPr>
             <a:r>
-              <a:rPr lang="en-US" altLang="zh-TW" sz="1400" dirty="0" smtClean="0">
-                <a:latin typeface="Times New Roman" panose="02020603050405020304" pitchFamily="18" charset="0"/>
-                <a:cs typeface="Times New Roman" panose="02020603050405020304" pitchFamily="18" charset="0"/>
-              </a:rPr>
-              <a:t>Suite Folder</a:t>
-            </a:r>
-          </a:p>
-          <a:p>
-            <a:pPr marL="742950" lvl="2" indent="-342900" eaLnBrk="1" hangingPunct="1">
-              <a:buFont typeface="Arial" charset="0"/>
-              <a:buChar char="•"/>
-              <a:defRPr/>
-            </a:pPr>
-            <a:r>
-              <a:rPr lang="en-US" altLang="zh-TW" sz="1400" dirty="0" smtClean="0">
-                <a:latin typeface="Times New Roman" panose="02020603050405020304" pitchFamily="18" charset="0"/>
-                <a:cs typeface="Times New Roman" panose="02020603050405020304" pitchFamily="18" charset="0"/>
-              </a:rPr>
-              <a:t>Case Folder</a:t>
-            </a:r>
-          </a:p>
-          <a:p>
-            <a:pPr marL="742950" lvl="2" indent="-342900" eaLnBrk="1" hangingPunct="1">
-              <a:buFont typeface="Arial" charset="0"/>
-              <a:buChar char="•"/>
-              <a:defRPr/>
-            </a:pPr>
-            <a:r>
-              <a:rPr lang="en-US" altLang="zh-TW" sz="1400" dirty="0" err="1" smtClean="0">
-                <a:latin typeface="Times New Roman" panose="02020603050405020304" pitchFamily="18" charset="0"/>
-                <a:cs typeface="Times New Roman" panose="02020603050405020304" pitchFamily="18" charset="0"/>
-              </a:rPr>
-              <a:t>Downlod</a:t>
-            </a:r>
-            <a:endParaRPr lang="en-US" altLang="zh-TW" sz="1400" dirty="0">
-              <a:latin typeface="Times New Roman" panose="02020603050405020304" pitchFamily="18" charset="0"/>
-              <a:cs typeface="Times New Roman" panose="02020603050405020304" pitchFamily="18" charset="0"/>
-            </a:endParaRPr>
-          </a:p>
-        </p:txBody>
-      </p:sp>
-      <p:sp>
-        <p:nvSpPr>
-          <p:cNvPr id="2" name="標題 4"/>
-          <p:cNvSpPr>
-            <a:spLocks noGrp="1"/>
-          </p:cNvSpPr>
-          <p:nvPr>
-            <p:ph type="title"/>
-          </p:nvPr>
-        </p:nvSpPr>
-        <p:spPr>
-          <a:xfrm>
-            <a:off x="457200" y="87313"/>
-            <a:ext cx="8229600" cy="756000"/>
-          </a:xfrm>
-        </p:spPr>
-        <p:txBody>
-          <a:bodyPr/>
-          <a:lstStyle/>
-          <a:p>
-            <a:pPr eaLnBrk="1" hangingPunct="1">
-              <a:defRPr/>
-            </a:pPr>
-            <a:r>
-              <a:rPr lang="en-US" altLang="zh-TW" sz="2800" kern="0" dirty="0" err="1" smtClean="0">
-                <a:solidFill>
-                  <a:srgbClr val="003366"/>
-                </a:solidFill>
-                <a:latin typeface="Times New Roman" panose="02020603050405020304" pitchFamily="18" charset="0"/>
-                <a:cs typeface="Times New Roman" panose="02020603050405020304" pitchFamily="18" charset="0"/>
-              </a:rPr>
-              <a:t>ProgramIndex</a:t>
-            </a:r>
-            <a:r>
-              <a:rPr lang="en-US" altLang="zh-TW" sz="2800" kern="0" dirty="0" smtClean="0">
-                <a:solidFill>
-                  <a:srgbClr val="003366"/>
-                </a:solidFill>
-                <a:latin typeface="Times New Roman" panose="02020603050405020304" pitchFamily="18" charset="0"/>
-                <a:cs typeface="Times New Roman" panose="02020603050405020304" pitchFamily="18" charset="0"/>
-              </a:rPr>
-              <a:t> automation</a:t>
-            </a:r>
-            <a:endParaRPr lang="zh-TW" altLang="en-US" sz="2800" kern="0" dirty="0">
-              <a:solidFill>
-                <a:srgbClr val="003366"/>
-              </a:solidFill>
-              <a:latin typeface="Times New Roman" panose="02020603050405020304" pitchFamily="18" charset="0"/>
-              <a:cs typeface="Times New Roman" panose="02020603050405020304" pitchFamily="18" charset="0"/>
-            </a:endParaRPr>
-          </a:p>
-        </p:txBody>
-      </p:sp>
-      <p:pic>
-        <p:nvPicPr>
-          <p:cNvPr id="6147" name="Picture 3"/>
-          <p:cNvPicPr>
-            <a:picLocks noChangeAspect="1" noChangeArrowheads="1"/>
-          </p:cNvPicPr>
-          <p:nvPr/>
-        </p:nvPicPr>
-        <p:blipFill>
-          <a:blip r:embed="rId3">
-            <a:extLst>
-              <a:ext uri="{28A0092B-C50C-407E-A947-70E740481C1C}">
-                <a14:useLocalDpi xmlns:a14="http://schemas.microsoft.com/office/drawing/2010/main" val="0"/>
-              </a:ext>
-            </a:extLst>
-          </a:blip>
-          <a:srcRect/>
-          <a:stretch>
-            <a:fillRect/>
-          </a:stretch>
-        </p:blipFill>
-        <p:spPr bwMode="auto">
-          <a:xfrm>
-            <a:off x="4727384" y="1459281"/>
-            <a:ext cx="3245431" cy="3048109"/>
-          </a:xfrm>
-          <a:prstGeom prst="rect">
-            <a:avLst/>
-          </a:prstGeom>
-          <a:noFill/>
-          <a:ln>
-            <a:noFill/>
-          </a:ln>
-          <a:extLst>
-            <a:ext uri="{909E8E84-426E-40DD-AFC4-6F175D3DCCD1}">
-              <a14:hiddenFill xmlns:a14="http://schemas.microsoft.com/office/drawing/2010/main">
-                <a:solidFill>
-                  <a:schemeClr val="accent1"/>
-                </a:solidFill>
-              </a14:hiddenFill>
-            </a:ext>
-            <a:ext uri="{91240B29-F687-4F45-9708-019B960494DF}">
-              <a14:hiddenLine xmlns:a14="http://schemas.microsoft.com/office/drawing/2010/main" w="9525">
-                <a:solidFill>
-                  <a:schemeClr val="tx1"/>
-                </a:solidFill>
-                <a:miter lim="800000"/>
-                <a:headEnd/>
-                <a:tailEnd/>
-              </a14:hiddenLine>
-            </a:ext>
-          </a:extLst>
-        </p:spPr>
-      </p:pic>
-      <p:pic>
-        <p:nvPicPr>
-          <p:cNvPr id="6148" name="Picture 4"/>
-          <p:cNvPicPr>
-            <a:picLocks noChangeAspect="1" noChangeArrowheads="1"/>
-          </p:cNvPicPr>
-          <p:nvPr/>
-        </p:nvPicPr>
-        <p:blipFill>
-          <a:blip r:embed="rId4">
-            <a:extLst>
-              <a:ext uri="{28A0092B-C50C-407E-A947-70E740481C1C}">
-                <a14:useLocalDpi xmlns:a14="http://schemas.microsoft.com/office/drawing/2010/main" val="0"/>
-              </a:ext>
-            </a:extLst>
-          </a:blip>
-          <a:srcRect/>
-          <a:stretch>
-            <a:fillRect/>
-          </a:stretch>
-        </p:blipFill>
-        <p:spPr bwMode="auto">
-          <a:xfrm>
-            <a:off x="5082199" y="2983335"/>
-            <a:ext cx="2535802" cy="792039"/>
-          </a:xfrm>
-          <a:prstGeom prst="rect">
-            <a:avLst/>
-          </a:prstGeom>
-          <a:noFill/>
-          <a:ln>
-            <a:noFill/>
-          </a:ln>
-          <a:extLst>
-            <a:ext uri="{909E8E84-426E-40DD-AFC4-6F175D3DCCD1}">
-              <a14:hiddenFill xmlns:a14="http://schemas.microsoft.com/office/drawing/2010/main">
-                <a:solidFill>
-                  <a:schemeClr val="accent1"/>
-                </a:solidFill>
-              </a14:hiddenFill>
-            </a:ext>
-            <a:ext uri="{91240B29-F687-4F45-9708-019B960494DF}">
-              <a14:hiddenLine xmlns:a14="http://schemas.microsoft.com/office/drawing/2010/main" w="9525">
-                <a:solidFill>
-                  <a:schemeClr val="tx1"/>
-                </a:solidFill>
-                <a:miter lim="800000"/>
-                <a:headEnd/>
-                <a:tailEnd/>
-              </a14:hiddenLine>
-            </a:ext>
-          </a:extLst>
-        </p:spPr>
-      </p:pic>
-    </p:spTree>
-    <p:extLst>
-      <p:ext uri="{BB962C8B-B14F-4D97-AF65-F5344CB8AC3E}">
-        <p14:creationId xmlns:p14="http://schemas.microsoft.com/office/powerpoint/2010/main" val="4279869973"/>
-      </p:ext>
-    </p:extLst>
-  </p:cSld>
-  <p:clrMapOvr>
-    <a:masterClrMapping/>
-  </p:clrMapOvr>
-  <mc:AlternateContent xmlns:mc="http://schemas.openxmlformats.org/markup-compatibility/2006" xmlns:p14="http://schemas.microsoft.com/office/powerpoint/2010/main">
-    <mc:Choice Requires="p14">
-      <p:transition spd="med" p14:dur="700" advClick="0">
-        <p:fade/>
-      </p:transition>
-    </mc:Choice>
-    <mc:Fallback xmlns="">
-      <p:transition spd="med" advClick="0">
-        <p:fade/>
-      </p:transition>
-    </mc:Fallback>
-  </mc:AlternateContent>
-  <p:timing>
-    <p:tnLst>
-      <p:par>
-        <p:cTn id="1" dur="indefinite" restart="never" nodeType="tmRoot">
-          <p:childTnLst>
-            <p:seq concurrent="1" nextAc="seek">
-              <p:cTn id="2" dur="indefinite" nodeType="mainSeq">
-                <p:childTnLst>
-                  <p:par>
-                    <p:cTn id="3" fill="hold">
-                      <p:stCondLst>
-                        <p:cond delay="indefinite"/>
-                        <p:cond evt="onBegin" delay="0">
-                          <p:tn val="2"/>
-                        </p:cond>
-                      </p:stCondLst>
-                      <p:childTnLst>
-                        <p:par>
-                          <p:cTn id="4" fill="hold">
-                            <p:stCondLst>
-                              <p:cond delay="0"/>
-                            </p:stCondLst>
-                            <p:childTnLst>
-                              <p:par>
-                                <p:cTn id="5" presetID="10" presetClass="entr" presetSubtype="0" fill="hold" grpId="0" nodeType="afterEffect">
-                                  <p:stCondLst>
-                                    <p:cond delay="0"/>
-                                  </p:stCondLst>
-                                  <p:childTnLst>
-                                    <p:set>
-                                      <p:cBhvr>
-                                        <p:cTn id="6" dur="1" fill="hold">
-                                          <p:stCondLst>
-                                            <p:cond delay="0"/>
-                                          </p:stCondLst>
-                                        </p:cTn>
-                                        <p:tgtEl>
-                                          <p:spTgt spid="2"/>
-                                        </p:tgtEl>
-                                        <p:attrNameLst>
-                                          <p:attrName>style.visibility</p:attrName>
-                                        </p:attrNameLst>
-                                      </p:cBhvr>
-                                      <p:to>
-                                        <p:strVal val="visible"/>
-                                      </p:to>
-                                    </p:set>
-                                    <p:animEffect transition="in" filter="fade">
-                                      <p:cBhvr>
-                                        <p:cTn id="7" dur="250"/>
-                                        <p:tgtEl>
-                                          <p:spTgt spid="2"/>
-                                        </p:tgtEl>
-                                      </p:cBhvr>
-                                    </p:animEffect>
-                                  </p:childTnLst>
-                                </p:cTn>
-                              </p:par>
-                            </p:childTnLst>
-                          </p:cTn>
-                        </p:par>
-                        <p:par>
-                          <p:cTn id="8" fill="hold">
-                            <p:stCondLst>
-                              <p:cond delay="250"/>
-                            </p:stCondLst>
-                            <p:childTnLst>
-                              <p:par>
-                                <p:cTn id="9" presetID="10" presetClass="entr" presetSubtype="0" fill="hold" grpId="0" nodeType="afterEffect">
-                                  <p:stCondLst>
-                                    <p:cond delay="0"/>
-                                  </p:stCondLst>
-                                  <p:childTnLst>
-                                    <p:set>
-                                      <p:cBhvr>
-                                        <p:cTn id="10" dur="1" fill="hold">
-                                          <p:stCondLst>
-                                            <p:cond delay="0"/>
-                                          </p:stCondLst>
-                                        </p:cTn>
-                                        <p:tgtEl>
-                                          <p:spTgt spid="15362">
-                                            <p:txEl>
-                                              <p:pRg st="0" end="0"/>
-                                            </p:txEl>
-                                          </p:spTgt>
-                                        </p:tgtEl>
-                                        <p:attrNameLst>
-                                          <p:attrName>style.visibility</p:attrName>
-                                        </p:attrNameLst>
-                                      </p:cBhvr>
-                                      <p:to>
-                                        <p:strVal val="visible"/>
-                                      </p:to>
-                                    </p:set>
-                                    <p:animEffect transition="in" filter="fade">
-                                      <p:cBhvr>
-                                        <p:cTn id="11" dur="250"/>
-                                        <p:tgtEl>
-                                          <p:spTgt spid="15362">
-                                            <p:txEl>
-                                              <p:pRg st="0" end="0"/>
-                                            </p:txEl>
-                                          </p:spTgt>
-                                        </p:tgtEl>
-                                      </p:cBhvr>
-                                    </p:animEffect>
-                                  </p:childTnLst>
-                                </p:cTn>
-                              </p:par>
-                              <p:par>
-                                <p:cTn id="12" presetID="10" presetClass="entr" presetSubtype="0" fill="hold" grpId="0" nodeType="withEffect">
-                                  <p:stCondLst>
-                                    <p:cond delay="0"/>
-                                  </p:stCondLst>
-                                  <p:childTnLst>
-                                    <p:set>
-                                      <p:cBhvr>
-                                        <p:cTn id="13" dur="1" fill="hold">
-                                          <p:stCondLst>
-                                            <p:cond delay="0"/>
-                                          </p:stCondLst>
-                                        </p:cTn>
-                                        <p:tgtEl>
-                                          <p:spTgt spid="15362">
-                                            <p:txEl>
-                                              <p:pRg st="1" end="1"/>
-                                            </p:txEl>
-                                          </p:spTgt>
-                                        </p:tgtEl>
-                                        <p:attrNameLst>
-                                          <p:attrName>style.visibility</p:attrName>
-                                        </p:attrNameLst>
-                                      </p:cBhvr>
-                                      <p:to>
-                                        <p:strVal val="visible"/>
-                                      </p:to>
-                                    </p:set>
-                                    <p:animEffect transition="in" filter="fade">
-                                      <p:cBhvr>
-                                        <p:cTn id="14" dur="250"/>
-                                        <p:tgtEl>
-                                          <p:spTgt spid="15362">
-                                            <p:txEl>
-                                              <p:pRg st="1" end="1"/>
-                                            </p:txEl>
-                                          </p:spTgt>
-                                        </p:tgtEl>
-                                      </p:cBhvr>
-                                    </p:animEffect>
-                                  </p:childTnLst>
-                                </p:cTn>
-                              </p:par>
-                              <p:par>
-                                <p:cTn id="15" presetID="10" presetClass="entr" presetSubtype="0" fill="hold" grpId="0" nodeType="withEffect">
-                                  <p:stCondLst>
-                                    <p:cond delay="0"/>
-                                  </p:stCondLst>
-                                  <p:childTnLst>
-                                    <p:set>
-                                      <p:cBhvr>
-                                        <p:cTn id="16" dur="1" fill="hold">
-                                          <p:stCondLst>
-                                            <p:cond delay="0"/>
-                                          </p:stCondLst>
-                                        </p:cTn>
-                                        <p:tgtEl>
-                                          <p:spTgt spid="15362">
-                                            <p:txEl>
-                                              <p:pRg st="2" end="2"/>
-                                            </p:txEl>
-                                          </p:spTgt>
-                                        </p:tgtEl>
-                                        <p:attrNameLst>
-                                          <p:attrName>style.visibility</p:attrName>
-                                        </p:attrNameLst>
-                                      </p:cBhvr>
-                                      <p:to>
-                                        <p:strVal val="visible"/>
-                                      </p:to>
-                                    </p:set>
-                                    <p:animEffect transition="in" filter="fade">
-                                      <p:cBhvr>
-                                        <p:cTn id="17" dur="250"/>
-                                        <p:tgtEl>
-                                          <p:spTgt spid="15362">
-                                            <p:txEl>
-                                              <p:pRg st="2" end="2"/>
-                                            </p:txEl>
-                                          </p:spTgt>
-                                        </p:tgtEl>
-                                      </p:cBhvr>
-                                    </p:animEffect>
-                                  </p:childTnLst>
-                                </p:cTn>
-                              </p:par>
-                              <p:par>
-                                <p:cTn id="18" presetID="10" presetClass="entr" presetSubtype="0" fill="hold" grpId="0" nodeType="withEffect">
-                                  <p:stCondLst>
-                                    <p:cond delay="0"/>
-                                  </p:stCondLst>
-                                  <p:childTnLst>
-                                    <p:set>
-                                      <p:cBhvr>
-                                        <p:cTn id="19" dur="1" fill="hold">
-                                          <p:stCondLst>
-                                            <p:cond delay="0"/>
-                                          </p:stCondLst>
-                                        </p:cTn>
-                                        <p:tgtEl>
-                                          <p:spTgt spid="15362">
-                                            <p:txEl>
-                                              <p:pRg st="3" end="3"/>
-                                            </p:txEl>
-                                          </p:spTgt>
-                                        </p:tgtEl>
-                                        <p:attrNameLst>
-                                          <p:attrName>style.visibility</p:attrName>
-                                        </p:attrNameLst>
-                                      </p:cBhvr>
-                                      <p:to>
-                                        <p:strVal val="visible"/>
-                                      </p:to>
-                                    </p:set>
-                                    <p:animEffect transition="in" filter="fade">
-                                      <p:cBhvr>
-                                        <p:cTn id="20" dur="250"/>
-                                        <p:tgtEl>
-                                          <p:spTgt spid="15362">
-                                            <p:txEl>
-                                              <p:pRg st="3" end="3"/>
-                                            </p:txEl>
-                                          </p:spTgt>
-                                        </p:tgtEl>
-                                      </p:cBhvr>
-                                    </p:animEffect>
-                                  </p:childTnLst>
-                                </p:cTn>
-                              </p:par>
-                              <p:par>
-                                <p:cTn id="21" presetID="10" presetClass="entr" presetSubtype="0" fill="hold" grpId="0" nodeType="withEffect">
-                                  <p:stCondLst>
-                                    <p:cond delay="0"/>
-                                  </p:stCondLst>
-                                  <p:childTnLst>
-                                    <p:set>
-                                      <p:cBhvr>
-                                        <p:cTn id="22" dur="1" fill="hold">
-                                          <p:stCondLst>
-                                            <p:cond delay="0"/>
-                                          </p:stCondLst>
-                                        </p:cTn>
-                                        <p:tgtEl>
-                                          <p:spTgt spid="15362">
-                                            <p:txEl>
-                                              <p:pRg st="4" end="4"/>
-                                            </p:txEl>
-                                          </p:spTgt>
-                                        </p:tgtEl>
-                                        <p:attrNameLst>
-                                          <p:attrName>style.visibility</p:attrName>
-                                        </p:attrNameLst>
-                                      </p:cBhvr>
-                                      <p:to>
-                                        <p:strVal val="visible"/>
-                                      </p:to>
-                                    </p:set>
-                                    <p:animEffect transition="in" filter="fade">
-                                      <p:cBhvr>
-                                        <p:cTn id="23" dur="250"/>
-                                        <p:tgtEl>
-                                          <p:spTgt spid="15362">
-                                            <p:txEl>
-                                              <p:pRg st="4" end="4"/>
-                                            </p:txEl>
-                                          </p:spTgt>
-                                        </p:tgtEl>
-                                      </p:cBhvr>
-                                    </p:animEffect>
-                                  </p:childTnLst>
-                                </p:cTn>
-                              </p:par>
-                              <p:par>
-                                <p:cTn id="24" presetID="10" presetClass="entr" presetSubtype="0" fill="hold" nodeType="withEffect">
-                                  <p:stCondLst>
-                                    <p:cond delay="0"/>
-                                  </p:stCondLst>
-                                  <p:childTnLst>
-                                    <p:set>
-                                      <p:cBhvr>
-                                        <p:cTn id="25" dur="1" fill="hold">
-                                          <p:stCondLst>
-                                            <p:cond delay="0"/>
-                                          </p:stCondLst>
-                                        </p:cTn>
-                                        <p:tgtEl>
-                                          <p:spTgt spid="6147"/>
-                                        </p:tgtEl>
-                                        <p:attrNameLst>
-                                          <p:attrName>style.visibility</p:attrName>
-                                        </p:attrNameLst>
-                                      </p:cBhvr>
-                                      <p:to>
-                                        <p:strVal val="visible"/>
-                                      </p:to>
-                                    </p:set>
-                                    <p:animEffect transition="in" filter="fade">
-                                      <p:cBhvr>
-                                        <p:cTn id="26" dur="250"/>
-                                        <p:tgtEl>
-                                          <p:spTgt spid="6147"/>
-                                        </p:tgtEl>
-                                      </p:cBhvr>
-                                    </p:animEffect>
-                                  </p:childTnLst>
-                                </p:cTn>
-                              </p:par>
-                            </p:childTnLst>
-                          </p:cTn>
-                        </p:par>
-                      </p:childTnLst>
-                    </p:cTn>
-                  </p:par>
-                  <p:par>
-                    <p:cTn id="27" fill="hold">
-                      <p:stCondLst>
-                        <p:cond delay="indefinite"/>
-                      </p:stCondLst>
-                      <p:childTnLst>
-                        <p:par>
-                          <p:cTn id="28" fill="hold">
-                            <p:stCondLst>
-                              <p:cond delay="0"/>
-                            </p:stCondLst>
-                            <p:childTnLst>
-                              <p:par>
-                                <p:cTn id="29" presetID="10" presetClass="entr" presetSubtype="0" fill="hold" nodeType="clickEffect">
-                                  <p:stCondLst>
-                                    <p:cond delay="0"/>
-                                  </p:stCondLst>
-                                  <p:childTnLst>
-                                    <p:set>
-                                      <p:cBhvr>
-                                        <p:cTn id="30" dur="1" fill="hold">
-                                          <p:stCondLst>
-                                            <p:cond delay="0"/>
-                                          </p:stCondLst>
-                                        </p:cTn>
-                                        <p:tgtEl>
-                                          <p:spTgt spid="6148"/>
-                                        </p:tgtEl>
-                                        <p:attrNameLst>
-                                          <p:attrName>style.visibility</p:attrName>
-                                        </p:attrNameLst>
-                                      </p:cBhvr>
-                                      <p:to>
-                                        <p:strVal val="visible"/>
-                                      </p:to>
-                                    </p:set>
-                                    <p:animEffect transition="in" filter="fade">
-                                      <p:cBhvr>
-                                        <p:cTn id="31" dur="250"/>
-                                        <p:tgtEl>
-                                          <p:spTgt spid="6148"/>
-                                        </p:tgtEl>
-                                      </p:cBhvr>
-                                    </p:animEffect>
-                                  </p:childTnLst>
-                                </p:cTn>
-                              </p:par>
-                            </p:childTnLst>
-                          </p:cTn>
-                        </p:par>
-                      </p:childTnLst>
-                    </p:cTn>
-                  </p:par>
-                </p:childTnLst>
-              </p:cTn>
-              <p:prevCondLst>
-                <p:cond evt="onPrev" delay="0">
-                  <p:tgtEl>
-                    <p:sldTgt/>
-                  </p:tgtEl>
-                </p:cond>
-              </p:prevCondLst>
-              <p:nextCondLst>
-                <p:cond evt="onNext" delay="0">
-                  <p:tgtEl>
-                    <p:sldTgt/>
-                  </p:tgtEl>
-                </p:cond>
-              </p:nextCondLst>
-            </p:seq>
-          </p:childTnLst>
-        </p:cTn>
-      </p:par>
-    </p:tnLst>
-    <p:bldLst>
-      <p:bldP spid="15362" grpId="0" build="p"/>
-      <p:bldP spid="2" grpId="0"/>
-    </p:bldLst>
-  </p:timing>
-</p:sld>
-</file>
-
-<file path=ppt/slides/slide31.xml><?xml version="1.0" encoding="utf-8"?>
-<p:sld xmlns:a="http://schemas.openxmlformats.org/drawingml/2006/main" xmlns:r="http://schemas.openxmlformats.org/officeDocument/2006/relationships" xmlns:p="http://schemas.openxmlformats.org/presentationml/2006/main">
-  <p:cSld>
-    <p:spTree>
-      <p:nvGrpSpPr>
-        <p:cNvPr id="1" name=""/>
-        <p:cNvGrpSpPr/>
-        <p:nvPr/>
-      </p:nvGrpSpPr>
-      <p:grpSpPr>
-        <a:xfrm>
-          <a:off x="0" y="0"/>
-          <a:ext cx="0" cy="0"/>
-          <a:chOff x="0" y="0"/>
-          <a:chExt cx="0" cy="0"/>
-        </a:xfrm>
-      </p:grpSpPr>
-      <p:sp>
-        <p:nvSpPr>
-          <p:cNvPr id="15362" name="內容版面配置區 5"/>
-          <p:cNvSpPr>
-            <a:spLocks noGrp="1"/>
-          </p:cNvSpPr>
-          <p:nvPr>
-            <p:ph idx="1"/>
-          </p:nvPr>
-        </p:nvSpPr>
-        <p:spPr>
-          <a:xfrm>
-            <a:off x="457200" y="936625"/>
-            <a:ext cx="8229600" cy="3575050"/>
-          </a:xfrm>
-        </p:spPr>
-        <p:txBody>
-          <a:bodyPr/>
-          <a:lstStyle/>
-          <a:p>
-            <a:pPr marL="342900" lvl="1" indent="-342900" eaLnBrk="1" hangingPunct="1">
-              <a:buFont typeface="Arial" charset="0"/>
-              <a:buChar char="•"/>
-              <a:defRPr/>
-            </a:pPr>
-            <a:r>
-              <a:rPr lang="zh-TW" altLang="en-US" sz="1800" dirty="0">
-                <a:latin typeface="Times New Roman" panose="02020603050405020304" pitchFamily="18" charset="0"/>
-                <a:cs typeface="Times New Roman" panose="02020603050405020304" pitchFamily="18" charset="0"/>
-              </a:rPr>
-              <a:t>結論</a:t>
-            </a:r>
-            <a:endParaRPr lang="en-US" altLang="zh-TW" sz="1800" dirty="0">
-              <a:latin typeface="Times New Roman" panose="02020603050405020304" pitchFamily="18" charset="0"/>
-              <a:cs typeface="Times New Roman" panose="02020603050405020304" pitchFamily="18" charset="0"/>
-            </a:endParaRPr>
-          </a:p>
-          <a:p>
-            <a:pPr marL="742950" lvl="2" indent="-342900" eaLnBrk="1" hangingPunct="1">
-              <a:buFont typeface="Arial" charset="0"/>
-              <a:buChar char="•"/>
-              <a:defRPr/>
-            </a:pPr>
-            <a:r>
-              <a:rPr lang="zh-TW" altLang="en-US" sz="1400" dirty="0" smtClean="0">
-                <a:latin typeface="Times New Roman" panose="02020603050405020304" pitchFamily="18" charset="0"/>
-                <a:cs typeface="Times New Roman" panose="02020603050405020304" pitchFamily="18" charset="0"/>
-              </a:rPr>
-              <a:t>透過 </a:t>
-            </a:r>
-            <a:r>
-              <a:rPr lang="en-US" altLang="zh-TW" sz="1400" dirty="0" err="1" smtClean="0">
-                <a:latin typeface="Times New Roman" panose="02020603050405020304" pitchFamily="18" charset="0"/>
-                <a:cs typeface="Times New Roman" panose="02020603050405020304" pitchFamily="18" charset="0"/>
-              </a:rPr>
-              <a:t>ProgramIndex</a:t>
-            </a:r>
-            <a:r>
-              <a:rPr lang="en-US" altLang="zh-TW" sz="1400" dirty="0" smtClean="0">
-                <a:latin typeface="Times New Roman" panose="02020603050405020304" pitchFamily="18" charset="0"/>
-                <a:cs typeface="Times New Roman" panose="02020603050405020304" pitchFamily="18" charset="0"/>
-              </a:rPr>
-              <a:t> </a:t>
-            </a:r>
-            <a:r>
-              <a:rPr lang="zh-TW" altLang="en-US" sz="1400" dirty="0" smtClean="0">
-                <a:latin typeface="Times New Roman" panose="02020603050405020304" pitchFamily="18" charset="0"/>
-                <a:cs typeface="Times New Roman" panose="02020603050405020304" pitchFamily="18" charset="0"/>
-              </a:rPr>
-              <a:t>程式方便下載相對應程式</a:t>
-            </a:r>
-            <a:endParaRPr lang="en-US" altLang="zh-TW" sz="1400" dirty="0">
-              <a:latin typeface="Times New Roman" panose="02020603050405020304" pitchFamily="18" charset="0"/>
-              <a:cs typeface="Times New Roman" panose="02020603050405020304" pitchFamily="18" charset="0"/>
-            </a:endParaRPr>
-          </a:p>
-          <a:p>
-            <a:pPr marL="742950" lvl="2" indent="-342900" eaLnBrk="1" hangingPunct="1">
-              <a:buFont typeface="Arial" charset="0"/>
-              <a:buChar char="•"/>
-              <a:defRPr/>
-            </a:pPr>
-            <a:r>
               <a:rPr lang="zh-TW" altLang="en-US" sz="1400" dirty="0" smtClean="0">
                 <a:latin typeface="Times New Roman" panose="02020603050405020304" pitchFamily="18" charset="0"/>
                 <a:cs typeface="Times New Roman" panose="02020603050405020304" pitchFamily="18" charset="0"/>
@@ -20113,20 +19940,16 @@
                 <a:latin typeface="Times New Roman" panose="02020603050405020304" pitchFamily="18" charset="0"/>
                 <a:cs typeface="Times New Roman" panose="02020603050405020304" pitchFamily="18" charset="0"/>
               </a:rPr>
-              <a:t>上的資料直接下載</a:t>
+              <a:t>上的資料直接</a:t>
+            </a:r>
+            <a:r>
+              <a:rPr lang="zh-TW" altLang="en-US" sz="1400" dirty="0" smtClean="0">
+                <a:latin typeface="Times New Roman" panose="02020603050405020304" pitchFamily="18" charset="0"/>
+                <a:cs typeface="Times New Roman" panose="02020603050405020304" pitchFamily="18" charset="0"/>
+              </a:rPr>
+              <a:t>下載</a:t>
             </a:r>
             <a:endParaRPr lang="en-US" altLang="zh-TW" sz="1400" dirty="0">
-              <a:latin typeface="Times New Roman" panose="02020603050405020304" pitchFamily="18" charset="0"/>
-              <a:cs typeface="Times New Roman" panose="02020603050405020304" pitchFamily="18" charset="0"/>
-            </a:endParaRPr>
-          </a:p>
-          <a:p>
-            <a:pPr marL="342900" lvl="1" indent="-342900" eaLnBrk="1" hangingPunct="1">
-              <a:buFont typeface="Arial" charset="0"/>
-              <a:buChar char="•"/>
-              <a:defRPr/>
-            </a:pPr>
-            <a:endParaRPr lang="en-US" altLang="zh-TW" sz="1800" dirty="0">
               <a:latin typeface="Times New Roman" panose="02020603050405020304" pitchFamily="18" charset="0"/>
               <a:cs typeface="Times New Roman" panose="02020603050405020304" pitchFamily="18" charset="0"/>
             </a:endParaRPr>
@@ -20232,7 +20055,7 @@
                             </p:stCondLst>
                             <p:childTnLst>
                               <p:par>
-                                <p:cTn id="5" presetID="10" presetClass="entr" presetSubtype="0" fill="hold" grpId="0" nodeType="afterEffect">
+                                <p:cTn id="5" presetID="10" presetClass="entr" presetSubtype="0" fill="hold" grpId="0" nodeType="withEffect">
                                   <p:stCondLst>
                                     <p:cond delay="0"/>
                                   </p:stCondLst>
@@ -20318,15 +20141,24 @@
                                   </p:childTnLst>
                                 </p:cTn>
                               </p:par>
+                            </p:childTnLst>
+                          </p:cTn>
+                        </p:par>
+                        <p:par>
+                          <p:cTn id="12" fill="hold">
+                            <p:stCondLst>
+                              <p:cond delay="500"/>
+                            </p:stCondLst>
+                            <p:childTnLst>
                               <p:par>
-                                <p:cTn id="12" presetID="10" presetClass="entr" presetSubtype="0" fill="hold" grpId="0" nodeType="withEffect">
+                                <p:cTn id="13" presetID="10" presetClass="entr" presetSubtype="0" fill="hold" grpId="0" nodeType="afterEffect">
                                   <p:stCondLst>
                                     <p:cond delay="0"/>
                                   </p:stCondLst>
                                   <p:childTnLst>
                                     <p:set>
                                       <p:cBhvr>
-                                        <p:cTn id="13" dur="1" fill="hold">
+                                        <p:cTn id="14" dur="1" fill="hold">
                                           <p:stCondLst>
                                             <p:cond delay="0"/>
                                           </p:stCondLst>
@@ -20348,7 +20180,7 @@
                                     </p:set>
                                     <p:animEffect transition="in" filter="fade">
                                       <p:cBhvr>
-                                        <p:cTn id="14" dur="250"/>
+                                        <p:cTn id="15" dur="250"/>
                                         <p:tgtEl>
                                           <p:spTgt spid="15362">
                                             <p:txEl>
@@ -20361,15 +20193,24 @@
                                   </p:childTnLst>
                                 </p:cTn>
                               </p:par>
+                            </p:childTnLst>
+                          </p:cTn>
+                        </p:par>
+                        <p:par>
+                          <p:cTn id="16" fill="hold">
+                            <p:stCondLst>
+                              <p:cond delay="750"/>
+                            </p:stCondLst>
+                            <p:childTnLst>
                               <p:par>
-                                <p:cTn id="15" presetID="10" presetClass="entr" presetSubtype="0" fill="hold" grpId="0" nodeType="withEffect">
+                                <p:cTn id="17" presetID="10" presetClass="entr" presetSubtype="0" fill="hold" grpId="0" nodeType="afterEffect">
                                   <p:stCondLst>
                                     <p:cond delay="0"/>
                                   </p:stCondLst>
                                   <p:childTnLst>
                                     <p:set>
                                       <p:cBhvr>
-                                        <p:cTn id="16" dur="1" fill="hold">
+                                        <p:cTn id="18" dur="1" fill="hold">
                                           <p:stCondLst>
                                             <p:cond delay="0"/>
                                           </p:stCondLst>
@@ -20391,7 +20232,7 @@
                                     </p:set>
                                     <p:animEffect transition="in" filter="fade">
                                       <p:cBhvr>
-                                        <p:cTn id="17" dur="250"/>
+                                        <p:cTn id="19" dur="250"/>
                                         <p:tgtEl>
                                           <p:spTgt spid="15362">
                                             <p:txEl>
@@ -20439,7 +20280,7 @@
 </p:sld>
 </file>
 
-<file path=ppt/slides/slide32.xml><?xml version="1.0" encoding="utf-8"?>
+<file path=ppt/slides/slide31.xml><?xml version="1.0" encoding="utf-8"?>
 <p:sld xmlns:a="http://schemas.openxmlformats.org/drawingml/2006/main" xmlns:r="http://schemas.openxmlformats.org/officeDocument/2006/relationships" xmlns:p="http://schemas.openxmlformats.org/presentationml/2006/main">
   <p:cSld>
     <p:spTree>
@@ -20628,7 +20469,7 @@
                             </p:stCondLst>
                             <p:childTnLst>
                               <p:par>
-                                <p:cTn id="5" presetID="10" presetClass="entr" presetSubtype="0" fill="hold" grpId="0" nodeType="afterEffect">
+                                <p:cTn id="5" presetID="10" presetClass="entr" presetSubtype="0" fill="hold" grpId="0" nodeType="withEffect">
                                   <p:stCondLst>
                                     <p:cond delay="0"/>
                                   </p:stCondLst>
@@ -20793,7 +20634,7 @@
 </p:sld>
 </file>
 
-<file path=ppt/slides/slide33.xml><?xml version="1.0" encoding="utf-8"?>
+<file path=ppt/slides/slide32.xml><?xml version="1.0" encoding="utf-8"?>
 <p:sld xmlns:a="http://schemas.openxmlformats.org/drawingml/2006/main" xmlns:r="http://schemas.openxmlformats.org/officeDocument/2006/relationships" xmlns:p="http://schemas.openxmlformats.org/presentationml/2006/main">
   <p:cSld>
     <p:spTree>
@@ -20935,16 +20776,16 @@
                 <a:latin typeface="Times New Roman" panose="02020603050405020304" pitchFamily="18" charset="0"/>
                 <a:cs typeface="Times New Roman" panose="02020603050405020304" pitchFamily="18" charset="0"/>
               </a:rPr>
-              <a:t>Database integration</a:t>
-            </a:r>
-          </a:p>
-          <a:p>
-            <a:pPr marL="342900" lvl="1" indent="-342900" eaLnBrk="1" hangingPunct="1">
-              <a:buFont typeface="Arial" charset="0"/>
-              <a:buChar char="•"/>
-              <a:defRPr/>
-            </a:pPr>
-            <a:endParaRPr lang="en-US" altLang="zh-TW" sz="1800" dirty="0" smtClean="0">
+              <a:t>Database </a:t>
+            </a:r>
+            <a:r>
+              <a:rPr lang="en-US" altLang="zh-TW" sz="1400" dirty="0" smtClean="0">
+                <a:latin typeface="Times New Roman" panose="02020603050405020304" pitchFamily="18" charset="0"/>
+                <a:cs typeface="Times New Roman" panose="02020603050405020304" pitchFamily="18" charset="0"/>
+              </a:rPr>
+              <a:t>integration</a:t>
+            </a:r>
+            <a:endParaRPr lang="en-US" altLang="zh-TW" sz="1400" dirty="0">
               <a:latin typeface="Times New Roman" panose="02020603050405020304" pitchFamily="18" charset="0"/>
               <a:cs typeface="Times New Roman" panose="02020603050405020304" pitchFamily="18" charset="0"/>
             </a:endParaRPr>
@@ -21081,7 +20922,7 @@
                             </p:stCondLst>
                             <p:childTnLst>
                               <p:par>
-                                <p:cTn id="5" presetID="10" presetClass="entr" presetSubtype="0" fill="hold" grpId="0" nodeType="afterEffect">
+                                <p:cTn id="5" presetID="10" presetClass="entr" presetSubtype="0" fill="hold" grpId="0" nodeType="withEffect">
                                   <p:stCondLst>
                                     <p:cond delay="0"/>
                                   </p:stCondLst>
@@ -21479,15 +21320,24 @@
                                   </p:childTnLst>
                                 </p:cTn>
                               </p:par>
+                            </p:childTnLst>
+                          </p:cTn>
+                        </p:par>
+                        <p:par>
+                          <p:cTn id="36" fill="hold">
+                            <p:stCondLst>
+                              <p:cond delay="2000"/>
+                            </p:stCondLst>
+                            <p:childTnLst>
                               <p:par>
-                                <p:cTn id="36" presetID="10" presetClass="entr" presetSubtype="0" fill="hold" nodeType="withEffect">
+                                <p:cTn id="37" presetID="10" presetClass="entr" presetSubtype="0" fill="hold" nodeType="afterEffect">
                                   <p:stCondLst>
                                     <p:cond delay="0"/>
                                   </p:stCondLst>
                                   <p:childTnLst>
                                     <p:set>
                                       <p:cBhvr>
-                                        <p:cTn id="37" dur="1" fill="hold">
+                                        <p:cTn id="38" dur="1" fill="hold">
                                           <p:stCondLst>
                                             <p:cond delay="0"/>
                                           </p:stCondLst>
@@ -21505,7 +21355,7 @@
                                     </p:set>
                                     <p:animEffect transition="in" filter="fade">
                                       <p:cBhvr>
-                                        <p:cTn id="38" dur="250"/>
+                                        <p:cTn id="39" dur="250"/>
                                         <p:tgtEl>
                                           <p:spTgt spid="4"/>
                                         </p:tgtEl>
@@ -21542,14 +21392,14 @@
       </p:par>
     </p:tnLst>
     <p:bldLst>
-      <p:bldP spid="15362" grpId="0" build="p"/>
+      <p:bldP spid="15362" grpId="0" uiExpand="1" build="p"/>
       <p:bldP spid="2" grpId="0"/>
     </p:bldLst>
   </p:timing>
 </p:sld>
 </file>
 
-<file path=ppt/slides/slide34.xml><?xml version="1.0" encoding="utf-8"?>
+<file path=ppt/slides/slide33.xml><?xml version="1.0" encoding="utf-8"?>
 <p:sld xmlns:a="http://schemas.openxmlformats.org/drawingml/2006/main" xmlns:r="http://schemas.openxmlformats.org/officeDocument/2006/relationships" xmlns:p="http://schemas.openxmlformats.org/presentationml/2006/main">
   <p:cSld>
     <p:spTree>
@@ -21594,20 +21444,15 @@
               <a:rPr lang="en-US" altLang="zh-TW" sz="1800" dirty="0">
                 <a:hlinkClick r:id="rId3" action="ppaction://hlinkfile"/>
               </a:rPr>
-              <a:t>\\172.17.9.225\dqa\iService\0G.DQA_Zone\50.Auto Test Tool\automation\suite</a:t>
+              <a:t>\\172.17.9.225\dqa\iService\0G.DQA_Zone\50.Auto Test </a:t>
+            </a:r>
+            <a:r>
+              <a:rPr lang="en-US" altLang="zh-TW" sz="1800" dirty="0" smtClean="0">
+                <a:hlinkClick r:id="rId3" action="ppaction://hlinkfile"/>
+              </a:rPr>
+              <a:t>Tool\automation\</a:t>
             </a:r>
             <a:endParaRPr lang="en-US" altLang="zh-TW" sz="1800" dirty="0"/>
-          </a:p>
-          <a:p>
-            <a:pPr eaLnBrk="1" hangingPunct="1">
-              <a:buFont typeface="Arial" charset="0"/>
-              <a:buChar char="•"/>
-              <a:defRPr/>
-            </a:pPr>
-            <a:endParaRPr lang="en-US" altLang="zh-TW" sz="1800" dirty="0">
-              <a:latin typeface="Times New Roman" panose="02020603050405020304" pitchFamily="18" charset="0"/>
-              <a:cs typeface="Times New Roman" panose="02020603050405020304" pitchFamily="18" charset="0"/>
-            </a:endParaRPr>
           </a:p>
         </p:txBody>
       </p:sp>
@@ -21720,7 +21565,7 @@
                             </p:stCondLst>
                             <p:childTnLst>
                               <p:par>
-                                <p:cTn id="5" presetID="10" presetClass="entr" presetSubtype="0" fill="hold" grpId="0" nodeType="afterEffect">
+                                <p:cTn id="5" presetID="10" presetClass="entr" presetSubtype="0" fill="hold" grpId="0" nodeType="withEffect">
                                   <p:stCondLst>
                                     <p:cond delay="0"/>
                                   </p:stCondLst>
@@ -21841,7 +21686,7 @@
 </p:sld>
 </file>
 
-<file path=ppt/slides/slide35.xml><?xml version="1.0" encoding="utf-8"?>
+<file path=ppt/slides/slide34.xml><?xml version="1.0" encoding="utf-8"?>
 <p:sld xmlns:a="http://schemas.openxmlformats.org/drawingml/2006/main" xmlns:r="http://schemas.openxmlformats.org/officeDocument/2006/relationships" xmlns:p="http://schemas.openxmlformats.org/presentationml/2006/main">
   <p:cSld>
     <p:spTree>
@@ -22133,7 +21978,7 @@
                             </p:stCondLst>
                             <p:childTnLst>
                               <p:par>
-                                <p:cTn id="5" presetID="42" presetClass="entr" presetSubtype="0" fill="hold" grpId="0" nodeType="afterEffect">
+                                <p:cTn id="5" presetID="42" presetClass="entr" presetSubtype="0" fill="hold" grpId="0" nodeType="withEffect">
                                   <p:stCondLst>
                                     <p:cond delay="0"/>
                                   </p:stCondLst>
@@ -22158,7 +22003,7 @@
                                     </p:set>
                                     <p:animEffect transition="in" filter="fade">
                                       <p:cBhvr>
-                                        <p:cTn id="7" dur="1000"/>
+                                        <p:cTn id="7" dur="250"/>
                                         <p:tgtEl>
                                           <p:spTgt spid="30722"/>
                                         </p:tgtEl>
@@ -22166,7 +22011,7 @@
                                     </p:animEffect>
                                     <p:anim calcmode="lin" valueType="num">
                                       <p:cBhvr>
-                                        <p:cTn id="8" dur="1000" fill="hold"/>
+                                        <p:cTn id="8" dur="250" fill="hold"/>
                                         <p:tgtEl>
                                           <p:spTgt spid="30722"/>
                                         </p:tgtEl>
@@ -22189,7 +22034,7 @@
                                     </p:anim>
                                     <p:anim calcmode="lin" valueType="num">
                                       <p:cBhvr>
-                                        <p:cTn id="9" dur="1000" fill="hold"/>
+                                        <p:cTn id="9" dur="250" fill="hold"/>
                                         <p:tgtEl>
                                           <p:spTgt spid="30722"/>
                                         </p:tgtEl>
@@ -23743,15 +23588,24 @@
                                   </p:childTnLst>
                                 </p:cTn>
                               </p:par>
+                            </p:childTnLst>
+                          </p:cTn>
+                        </p:par>
+                        <p:par>
+                          <p:cTn id="16" fill="hold">
+                            <p:stCondLst>
+                              <p:cond delay="750"/>
+                            </p:stCondLst>
+                            <p:childTnLst>
                               <p:par>
-                                <p:cTn id="16" presetID="10" presetClass="entr" presetSubtype="0" fill="hold" nodeType="withEffect">
+                                <p:cTn id="17" presetID="10" presetClass="entr" presetSubtype="0" fill="hold" nodeType="afterEffect">
                                   <p:stCondLst>
                                     <p:cond delay="0"/>
                                   </p:stCondLst>
                                   <p:childTnLst>
                                     <p:set>
                                       <p:cBhvr>
-                                        <p:cTn id="17" dur="1" fill="hold">
+                                        <p:cTn id="18" dur="1" fill="hold">
                                           <p:stCondLst>
                                             <p:cond delay="0"/>
                                           </p:stCondLst>
@@ -23773,7 +23627,7 @@
                                     </p:set>
                                     <p:animEffect transition="in" filter="fade">
                                       <p:cBhvr>
-                                        <p:cTn id="18" dur="250"/>
+                                        <p:cTn id="19" dur="250"/>
                                         <p:tgtEl>
                                           <p:spTgt spid="4">
                                             <p:txEl>
@@ -23786,15 +23640,24 @@
                                   </p:childTnLst>
                                 </p:cTn>
                               </p:par>
+                            </p:childTnLst>
+                          </p:cTn>
+                        </p:par>
+                        <p:par>
+                          <p:cTn id="20" fill="hold">
+                            <p:stCondLst>
+                              <p:cond delay="1000"/>
+                            </p:stCondLst>
+                            <p:childTnLst>
                               <p:par>
-                                <p:cTn id="19" presetID="10" presetClass="entr" presetSubtype="0" fill="hold" nodeType="withEffect">
+                                <p:cTn id="21" presetID="10" presetClass="entr" presetSubtype="0" fill="hold" nodeType="afterEffect">
                                   <p:stCondLst>
                                     <p:cond delay="0"/>
                                   </p:stCondLst>
                                   <p:childTnLst>
                                     <p:set>
                                       <p:cBhvr>
-                                        <p:cTn id="20" dur="1" fill="hold">
+                                        <p:cTn id="22" dur="1" fill="hold">
                                           <p:stCondLst>
                                             <p:cond delay="0"/>
                                           </p:stCondLst>
@@ -23816,7 +23679,7 @@
                                     </p:set>
                                     <p:animEffect transition="in" filter="fade">
                                       <p:cBhvr>
-                                        <p:cTn id="21" dur="250"/>
+                                        <p:cTn id="23" dur="250"/>
                                         <p:tgtEl>
                                           <p:spTgt spid="4">
                                             <p:txEl>
@@ -23829,15 +23692,24 @@
                                   </p:childTnLst>
                                 </p:cTn>
                               </p:par>
+                            </p:childTnLst>
+                          </p:cTn>
+                        </p:par>
+                        <p:par>
+                          <p:cTn id="24" fill="hold">
+                            <p:stCondLst>
+                              <p:cond delay="1250"/>
+                            </p:stCondLst>
+                            <p:childTnLst>
                               <p:par>
-                                <p:cTn id="22" presetID="10" presetClass="entr" presetSubtype="0" fill="hold" nodeType="withEffect">
+                                <p:cTn id="25" presetID="10" presetClass="entr" presetSubtype="0" fill="hold" nodeType="afterEffect">
                                   <p:stCondLst>
                                     <p:cond delay="0"/>
                                   </p:stCondLst>
                                   <p:childTnLst>
                                     <p:set>
                                       <p:cBhvr>
-                                        <p:cTn id="23" dur="1" fill="hold">
+                                        <p:cTn id="26" dur="1" fill="hold">
                                           <p:stCondLst>
                                             <p:cond delay="0"/>
                                           </p:stCondLst>
@@ -23859,7 +23731,7 @@
                                     </p:set>
                                     <p:animEffect transition="in" filter="fade">
                                       <p:cBhvr>
-                                        <p:cTn id="24" dur="250"/>
+                                        <p:cTn id="27" dur="250"/>
                                         <p:tgtEl>
                                           <p:spTgt spid="4">
                                             <p:txEl>
@@ -23872,15 +23744,24 @@
                                   </p:childTnLst>
                                 </p:cTn>
                               </p:par>
+                            </p:childTnLst>
+                          </p:cTn>
+                        </p:par>
+                        <p:par>
+                          <p:cTn id="28" fill="hold">
+                            <p:stCondLst>
+                              <p:cond delay="1500"/>
+                            </p:stCondLst>
+                            <p:childTnLst>
                               <p:par>
-                                <p:cTn id="25" presetID="10" presetClass="entr" presetSubtype="0" fill="hold" nodeType="withEffect">
+                                <p:cTn id="29" presetID="10" presetClass="entr" presetSubtype="0" fill="hold" nodeType="afterEffect">
                                   <p:stCondLst>
                                     <p:cond delay="0"/>
                                   </p:stCondLst>
                                   <p:childTnLst>
                                     <p:set>
                                       <p:cBhvr>
-                                        <p:cTn id="26" dur="1" fill="hold">
+                                        <p:cTn id="30" dur="1" fill="hold">
                                           <p:stCondLst>
                                             <p:cond delay="0"/>
                                           </p:stCondLst>
@@ -23902,7 +23783,7 @@
                                     </p:set>
                                     <p:animEffect transition="in" filter="fade">
                                       <p:cBhvr>
-                                        <p:cTn id="27" dur="250"/>
+                                        <p:cTn id="31" dur="250"/>
                                         <p:tgtEl>
                                           <p:spTgt spid="4">
                                             <p:txEl>
@@ -23915,15 +23796,24 @@
                                   </p:childTnLst>
                                 </p:cTn>
                               </p:par>
+                            </p:childTnLst>
+                          </p:cTn>
+                        </p:par>
+                        <p:par>
+                          <p:cTn id="32" fill="hold">
+                            <p:stCondLst>
+                              <p:cond delay="1750"/>
+                            </p:stCondLst>
+                            <p:childTnLst>
                               <p:par>
-                                <p:cTn id="28" presetID="10" presetClass="entr" presetSubtype="0" fill="hold" nodeType="withEffect">
+                                <p:cTn id="33" presetID="10" presetClass="entr" presetSubtype="0" fill="hold" nodeType="afterEffect">
                                   <p:stCondLst>
                                     <p:cond delay="0"/>
                                   </p:stCondLst>
                                   <p:childTnLst>
                                     <p:set>
                                       <p:cBhvr>
-                                        <p:cTn id="29" dur="1" fill="hold">
+                                        <p:cTn id="34" dur="1" fill="hold">
                                           <p:stCondLst>
                                             <p:cond delay="0"/>
                                           </p:stCondLst>
@@ -23945,7 +23835,7 @@
                                     </p:set>
                                     <p:animEffect transition="in" filter="fade">
                                       <p:cBhvr>
-                                        <p:cTn id="30" dur="250"/>
+                                        <p:cTn id="35" dur="250"/>
                                         <p:tgtEl>
                                           <p:spTgt spid="4">
                                             <p:txEl>
@@ -24522,15 +24412,24 @@
                                   </p:childTnLst>
                                 </p:cTn>
                               </p:par>
+                            </p:childTnLst>
+                          </p:cTn>
+                        </p:par>
+                        <p:par>
+                          <p:cTn id="16" fill="hold">
+                            <p:stCondLst>
+                              <p:cond delay="750"/>
+                            </p:stCondLst>
+                            <p:childTnLst>
                               <p:par>
-                                <p:cTn id="16" presetID="10" presetClass="entr" presetSubtype="0" fill="hold" nodeType="withEffect">
+                                <p:cTn id="17" presetID="10" presetClass="entr" presetSubtype="0" fill="hold" nodeType="afterEffect">
                                   <p:stCondLst>
                                     <p:cond delay="0"/>
                                   </p:stCondLst>
                                   <p:childTnLst>
                                     <p:set>
                                       <p:cBhvr>
-                                        <p:cTn id="17" dur="1" fill="hold">
+                                        <p:cTn id="18" dur="1" fill="hold">
                                           <p:stCondLst>
                                             <p:cond delay="0"/>
                                           </p:stCondLst>
@@ -24552,54 +24451,11 @@
                                     </p:set>
                                     <p:animEffect transition="in" filter="fade">
                                       <p:cBhvr>
-                                        <p:cTn id="18" dur="250"/>
+                                        <p:cTn id="19" dur="250"/>
                                         <p:tgtEl>
                                           <p:spTgt spid="4">
                                             <p:txEl>
                                               <p:pRg st="2" end="2"/>
-                                            </p:txEl>
-                                          </p:spTgt>
-                                        </p:tgtEl>
-                                      </p:cBhvr>
-                                    </p:animEffect>
-                                  </p:childTnLst>
-                                </p:cTn>
-                              </p:par>
-                              <p:par>
-                                <p:cTn id="19" presetID="10" presetClass="entr" presetSubtype="0" fill="hold" nodeType="withEffect">
-                                  <p:stCondLst>
-                                    <p:cond delay="0"/>
-                                  </p:stCondLst>
-                                  <p:childTnLst>
-                                    <p:set>
-                                      <p:cBhvr>
-                                        <p:cTn id="20" dur="1" fill="hold">
-                                          <p:stCondLst>
-                                            <p:cond delay="0"/>
-                                          </p:stCondLst>
-                                        </p:cTn>
-                                        <p:tgtEl>
-                                          <p:spTgt spid="4">
-                                            <p:txEl>
-                                              <p:pRg st="3" end="3"/>
-                                            </p:txEl>
-                                          </p:spTgt>
-                                        </p:tgtEl>
-                                        <p:attrNameLst>
-                                          <p:attrName>style.visibility</p:attrName>
-                                        </p:attrNameLst>
-                                      </p:cBhvr>
-                                      <p:to>
-                                        <p:strVal val="visible"/>
-                                      </p:to>
-                                    </p:set>
-                                    <p:animEffect transition="in" filter="fade">
-                                      <p:cBhvr>
-                                        <p:cTn id="21" dur="250"/>
-                                        <p:tgtEl>
-                                          <p:spTgt spid="4">
-                                            <p:txEl>
-                                              <p:pRg st="3" end="3"/>
                                             </p:txEl>
                                           </p:spTgt>
                                         </p:tgtEl>
@@ -24611,36 +24467,31 @@
                             </p:childTnLst>
                           </p:cTn>
                         </p:par>
-                      </p:childTnLst>
-                    </p:cTn>
-                  </p:par>
-                  <p:par>
-                    <p:cTn id="22" fill="hold">
-                      <p:stCondLst>
-                        <p:cond delay="indefinite"/>
-                      </p:stCondLst>
-                      <p:childTnLst>
                         <p:par>
-                          <p:cTn id="23" fill="hold">
+                          <p:cTn id="20" fill="hold">
                             <p:stCondLst>
-                              <p:cond delay="0"/>
+                              <p:cond delay="1000"/>
                             </p:stCondLst>
                             <p:childTnLst>
                               <p:par>
-                                <p:cTn id="24" presetID="10" presetClass="entr" presetSubtype="0" fill="hold" nodeType="clickEffect">
+                                <p:cTn id="21" presetID="10" presetClass="entr" presetSubtype="0" fill="hold" nodeType="afterEffect">
                                   <p:stCondLst>
                                     <p:cond delay="0"/>
                                   </p:stCondLst>
                                   <p:childTnLst>
                                     <p:set>
                                       <p:cBhvr>
-                                        <p:cTn id="25" dur="1" fill="hold">
+                                        <p:cTn id="22" dur="1" fill="hold">
                                           <p:stCondLst>
                                             <p:cond delay="0"/>
                                           </p:stCondLst>
                                         </p:cTn>
                                         <p:tgtEl>
-                                          <p:spTgt spid="5"/>
+                                          <p:spTgt spid="4">
+                                            <p:txEl>
+                                              <p:pRg st="3" end="3"/>
+                                            </p:txEl>
+                                          </p:spTgt>
                                         </p:tgtEl>
                                         <p:attrNameLst>
                                           <p:attrName>style.visibility</p:attrName>
@@ -24652,7 +24503,55 @@
                                     </p:set>
                                     <p:animEffect transition="in" filter="fade">
                                       <p:cBhvr>
-                                        <p:cTn id="26" dur="250"/>
+                                        <p:cTn id="23" dur="250"/>
+                                        <p:tgtEl>
+                                          <p:spTgt spid="4">
+                                            <p:txEl>
+                                              <p:pRg st="3" end="3"/>
+                                            </p:txEl>
+                                          </p:spTgt>
+                                        </p:tgtEl>
+                                      </p:cBhvr>
+                                    </p:animEffect>
+                                  </p:childTnLst>
+                                </p:cTn>
+                              </p:par>
+                            </p:childTnLst>
+                          </p:cTn>
+                        </p:par>
+                        <p:par>
+                          <p:cTn id="24" fill="hold">
+                            <p:stCondLst>
+                              <p:cond delay="1250"/>
+                            </p:stCondLst>
+                            <p:childTnLst>
+                              <p:par>
+                                <p:cTn id="25" presetID="10" presetClass="entr" presetSubtype="0" fill="hold" nodeType="afterEffect">
+                                  <p:stCondLst>
+                                    <p:cond delay="0"/>
+                                  </p:stCondLst>
+                                  <p:childTnLst>
+                                    <p:set>
+                                      <p:cBhvr>
+                                        <p:cTn id="26" dur="1" fill="hold">
+                                          <p:stCondLst>
+                                            <p:cond delay="0"/>
+                                          </p:stCondLst>
+                                        </p:cTn>
+                                        <p:tgtEl>
+                                          <p:spTgt spid="5"/>
+                                        </p:tgtEl>
+                                        <p:attrNameLst>
+                                          <p:attrName>style.visibility</p:attrName>
+                                        </p:attrNameLst>
+                                      </p:cBhvr>
+                                      <p:to>
+                                        <p:strVal val="visible"/>
+                                      </p:to>
+                                    </p:set>
+                                    <p:animEffect transition="in" filter="fade">
+                                      <p:cBhvr>
+                                        <p:cTn id="27" dur="250"/>
                                         <p:tgtEl>
                                           <p:spTgt spid="5"/>
                                         </p:tgtEl>
@@ -24857,7 +24756,7 @@
                             </p:stCondLst>
                             <p:childTnLst>
                               <p:par>
-                                <p:cTn id="5" presetID="10" presetClass="entr" presetSubtype="0" fill="hold" grpId="0" nodeType="afterEffect">
+                                <p:cTn id="5" presetID="10" presetClass="entr" presetSubtype="0" fill="hold" grpId="0" nodeType="withEffect">
                                   <p:stCondLst>
                                     <p:cond delay="0"/>
                                   </p:stCondLst>
@@ -25196,19 +25095,8 @@
                 <a:latin typeface="Times New Roman" panose="02020603050405020304" pitchFamily="18" charset="0"/>
                 <a:cs typeface="Times New Roman" panose="02020603050405020304" pitchFamily="18" charset="0"/>
               </a:rPr>
-              <a:t>RJ-45), Android 8.1.0 (OTG</a:t>
-            </a:r>
-            <a:r>
-              <a:rPr lang="en-US" altLang="zh-TW" sz="1400" dirty="0" smtClean="0">
-                <a:latin typeface="Times New Roman" panose="02020603050405020304" pitchFamily="18" charset="0"/>
-                <a:cs typeface="Times New Roman" panose="02020603050405020304" pitchFamily="18" charset="0"/>
-              </a:rPr>
-              <a:t>) for WLAN and WWAN</a:t>
-            </a:r>
-            <a:endParaRPr lang="en-US" altLang="zh-TW" sz="1400" dirty="0" smtClean="0">
-              <a:latin typeface="Times New Roman" panose="02020603050405020304" pitchFamily="18" charset="0"/>
-              <a:cs typeface="Times New Roman" panose="02020603050405020304" pitchFamily="18" charset="0"/>
-            </a:endParaRPr>
+              <a:t>RJ-45), Android 8.1.0 (OTG) for WLAN and WWAN</a:t>
+            </a:r>
           </a:p>
           <a:p>
             <a:pPr lvl="1" eaLnBrk="1" hangingPunct="1">
@@ -25223,10 +25111,6 @@
               </a:rPr>
               <a:t>Windows for WLAN</a:t>
             </a:r>
-            <a:endParaRPr lang="en-US" altLang="zh-TW" sz="1400" dirty="0" smtClean="0">
-              <a:latin typeface="Times New Roman" panose="02020603050405020304" pitchFamily="18" charset="0"/>
-              <a:cs typeface="Times New Roman" panose="02020603050405020304" pitchFamily="18" charset="0"/>
-            </a:endParaRPr>
           </a:p>
           <a:p>
             <a:pPr eaLnBrk="1" hangingPunct="1">
@@ -25288,14 +25172,7 @@
                 <a:latin typeface="Times New Roman" panose="02020603050405020304" pitchFamily="18" charset="0"/>
                 <a:cs typeface="Times New Roman" panose="02020603050405020304" pitchFamily="18" charset="0"/>
               </a:rPr>
-              <a:t> </a:t>
-            </a:r>
-            <a:r>
-              <a:rPr lang="en-US" altLang="zh-TW" sz="1800" dirty="0" smtClean="0">
-                <a:latin typeface="Times New Roman" panose="02020603050405020304" pitchFamily="18" charset="0"/>
-                <a:cs typeface="Times New Roman" panose="02020603050405020304" pitchFamily="18" charset="0"/>
-              </a:rPr>
-              <a:t>automation</a:t>
+              <a:t> automation</a:t>
             </a:r>
           </a:p>
           <a:p>
@@ -25318,10 +25195,6 @@
               </a:rPr>
               <a:t> automation </a:t>
             </a:r>
-            <a:endParaRPr lang="en-US" altLang="zh-TW" sz="1800" dirty="0" smtClean="0">
-              <a:latin typeface="Times New Roman" panose="02020603050405020304" pitchFamily="18" charset="0"/>
-              <a:cs typeface="Times New Roman" panose="02020603050405020304" pitchFamily="18" charset="0"/>
-            </a:endParaRPr>
           </a:p>
           <a:p>
             <a:pPr eaLnBrk="1" hangingPunct="1">
@@ -25452,7 +25325,7 @@
                             </p:stCondLst>
                             <p:childTnLst>
                               <p:par>
-                                <p:cTn id="5" presetID="10" presetClass="entr" presetSubtype="0" fill="hold" grpId="0" nodeType="afterEffect">
+                                <p:cTn id="5" presetID="10" presetClass="entr" presetSubtype="0" fill="hold" grpId="0" nodeType="withEffect">
                                   <p:stCondLst>
                                     <p:cond delay="0"/>
                                   </p:stCondLst>
@@ -25480,436 +25353,6 @@
                                         <p:cTn id="7" dur="250"/>
                                         <p:tgtEl>
                                           <p:spTgt spid="2"/>
-                                        </p:tgtEl>
-                                      </p:cBhvr>
-                                    </p:animEffect>
-                                  </p:childTnLst>
-                                </p:cTn>
-                              </p:par>
-                              <p:par>
-                                <p:cTn id="8" presetID="10" presetClass="entr" presetSubtype="0" fill="hold" grpId="0" nodeType="withEffect">
-                                  <p:stCondLst>
-                                    <p:cond delay="0"/>
-                                  </p:stCondLst>
-                                  <p:childTnLst>
-                                    <p:set>
-                                      <p:cBhvr>
-                                        <p:cTn id="9" dur="1" fill="hold">
-                                          <p:stCondLst>
-                                            <p:cond delay="0"/>
-                                          </p:stCondLst>
-                                        </p:cTn>
-                                        <p:tgtEl>
-                                          <p:spTgt spid="15362">
-                                            <p:txEl>
-                                              <p:pRg st="0" end="0"/>
-                                            </p:txEl>
-                                          </p:spTgt>
-                                        </p:tgtEl>
-                                        <p:attrNameLst>
-                                          <p:attrName>style.visibility</p:attrName>
-                                        </p:attrNameLst>
-                                      </p:cBhvr>
-                                      <p:to>
-                                        <p:strVal val="visible"/>
-                                      </p:to>
-                                    </p:set>
-                                    <p:animEffect transition="in" filter="fade">
-                                      <p:cBhvr>
-                                        <p:cTn id="10" dur="250"/>
-                                        <p:tgtEl>
-                                          <p:spTgt spid="15362">
-                                            <p:txEl>
-                                              <p:pRg st="0" end="0"/>
-                                            </p:txEl>
-                                          </p:spTgt>
-                                        </p:tgtEl>
-                                      </p:cBhvr>
-                                    </p:animEffect>
-                                  </p:childTnLst>
-                                </p:cTn>
-                              </p:par>
-                              <p:par>
-                                <p:cTn id="11" presetID="10" presetClass="entr" presetSubtype="0" fill="hold" grpId="0" nodeType="withEffect">
-                                  <p:stCondLst>
-                                    <p:cond delay="0"/>
-                                  </p:stCondLst>
-                                  <p:childTnLst>
-                                    <p:set>
-                                      <p:cBhvr>
-                                        <p:cTn id="12" dur="1" fill="hold">
-                                          <p:stCondLst>
-                                            <p:cond delay="0"/>
-                                          </p:stCondLst>
-                                        </p:cTn>
-                                        <p:tgtEl>
-                                          <p:spTgt spid="15362">
-                                            <p:txEl>
-                                              <p:pRg st="1" end="1"/>
-                                            </p:txEl>
-                                          </p:spTgt>
-                                        </p:tgtEl>
-                                        <p:attrNameLst>
-                                          <p:attrName>style.visibility</p:attrName>
-                                        </p:attrNameLst>
-                                      </p:cBhvr>
-                                      <p:to>
-                                        <p:strVal val="visible"/>
-                                      </p:to>
-                                    </p:set>
-                                    <p:animEffect transition="in" filter="fade">
-                                      <p:cBhvr>
-                                        <p:cTn id="13" dur="250"/>
-                                        <p:tgtEl>
-                                          <p:spTgt spid="15362">
-                                            <p:txEl>
-                                              <p:pRg st="1" end="1"/>
-                                            </p:txEl>
-                                          </p:spTgt>
-                                        </p:tgtEl>
-                                      </p:cBhvr>
-                                    </p:animEffect>
-                                  </p:childTnLst>
-                                </p:cTn>
-                              </p:par>
-                              <p:par>
-                                <p:cTn id="14" presetID="10" presetClass="entr" presetSubtype="0" fill="hold" grpId="0" nodeType="withEffect">
-                                  <p:stCondLst>
-                                    <p:cond delay="0"/>
-                                  </p:stCondLst>
-                                  <p:childTnLst>
-                                    <p:set>
-                                      <p:cBhvr>
-                                        <p:cTn id="15" dur="1" fill="hold">
-                                          <p:stCondLst>
-                                            <p:cond delay="0"/>
-                                          </p:stCondLst>
-                                        </p:cTn>
-                                        <p:tgtEl>
-                                          <p:spTgt spid="15362">
-                                            <p:txEl>
-                                              <p:pRg st="2" end="2"/>
-                                            </p:txEl>
-                                          </p:spTgt>
-                                        </p:tgtEl>
-                                        <p:attrNameLst>
-                                          <p:attrName>style.visibility</p:attrName>
-                                        </p:attrNameLst>
-                                      </p:cBhvr>
-                                      <p:to>
-                                        <p:strVal val="visible"/>
-                                      </p:to>
-                                    </p:set>
-                                    <p:animEffect transition="in" filter="fade">
-                                      <p:cBhvr>
-                                        <p:cTn id="16" dur="250"/>
-                                        <p:tgtEl>
-                                          <p:spTgt spid="15362">
-                                            <p:txEl>
-                                              <p:pRg st="2" end="2"/>
-                                            </p:txEl>
-                                          </p:spTgt>
-                                        </p:tgtEl>
-                                      </p:cBhvr>
-                                    </p:animEffect>
-                                  </p:childTnLst>
-                                </p:cTn>
-                              </p:par>
-                              <p:par>
-                                <p:cTn id="17" presetID="10" presetClass="entr" presetSubtype="0" fill="hold" grpId="0" nodeType="withEffect">
-                                  <p:stCondLst>
-                                    <p:cond delay="0"/>
-                                  </p:stCondLst>
-                                  <p:childTnLst>
-                                    <p:set>
-                                      <p:cBhvr>
-                                        <p:cTn id="18" dur="1" fill="hold">
-                                          <p:stCondLst>
-                                            <p:cond delay="0"/>
-                                          </p:stCondLst>
-                                        </p:cTn>
-                                        <p:tgtEl>
-                                          <p:spTgt spid="15362">
-                                            <p:txEl>
-                                              <p:pRg st="3" end="3"/>
-                                            </p:txEl>
-                                          </p:spTgt>
-                                        </p:tgtEl>
-                                        <p:attrNameLst>
-                                          <p:attrName>style.visibility</p:attrName>
-                                        </p:attrNameLst>
-                                      </p:cBhvr>
-                                      <p:to>
-                                        <p:strVal val="visible"/>
-                                      </p:to>
-                                    </p:set>
-                                    <p:animEffect transition="in" filter="fade">
-                                      <p:cBhvr>
-                                        <p:cTn id="19" dur="250"/>
-                                        <p:tgtEl>
-                                          <p:spTgt spid="15362">
-                                            <p:txEl>
-                                              <p:pRg st="3" end="3"/>
-                                            </p:txEl>
-                                          </p:spTgt>
-                                        </p:tgtEl>
-                                      </p:cBhvr>
-                                    </p:animEffect>
-                                  </p:childTnLst>
-                                </p:cTn>
-                              </p:par>
-                              <p:par>
-                                <p:cTn id="20" presetID="10" presetClass="entr" presetSubtype="0" fill="hold" grpId="0" nodeType="withEffect">
-                                  <p:stCondLst>
-                                    <p:cond delay="0"/>
-                                  </p:stCondLst>
-                                  <p:childTnLst>
-                                    <p:set>
-                                      <p:cBhvr>
-                                        <p:cTn id="21" dur="1" fill="hold">
-                                          <p:stCondLst>
-                                            <p:cond delay="0"/>
-                                          </p:stCondLst>
-                                        </p:cTn>
-                                        <p:tgtEl>
-                                          <p:spTgt spid="15362">
-                                            <p:txEl>
-                                              <p:pRg st="4" end="4"/>
-                                            </p:txEl>
-                                          </p:spTgt>
-                                        </p:tgtEl>
-                                        <p:attrNameLst>
-                                          <p:attrName>style.visibility</p:attrName>
-                                        </p:attrNameLst>
-                                      </p:cBhvr>
-                                      <p:to>
-                                        <p:strVal val="visible"/>
-                                      </p:to>
-                                    </p:set>
-                                    <p:animEffect transition="in" filter="fade">
-                                      <p:cBhvr>
-                                        <p:cTn id="22" dur="250"/>
-                                        <p:tgtEl>
-                                          <p:spTgt spid="15362">
-                                            <p:txEl>
-                                              <p:pRg st="4" end="4"/>
-                                            </p:txEl>
-                                          </p:spTgt>
-                                        </p:tgtEl>
-                                      </p:cBhvr>
-                                    </p:animEffect>
-                                  </p:childTnLst>
-                                </p:cTn>
-                              </p:par>
-                              <p:par>
-                                <p:cTn id="23" presetID="10" presetClass="entr" presetSubtype="0" fill="hold" grpId="0" nodeType="withEffect">
-                                  <p:stCondLst>
-                                    <p:cond delay="0"/>
-                                  </p:stCondLst>
-                                  <p:childTnLst>
-                                    <p:set>
-                                      <p:cBhvr>
-                                        <p:cTn id="24" dur="1" fill="hold">
-                                          <p:stCondLst>
-                                            <p:cond delay="0"/>
-                                          </p:stCondLst>
-                                        </p:cTn>
-                                        <p:tgtEl>
-                                          <p:spTgt spid="15362">
-                                            <p:txEl>
-                                              <p:pRg st="5" end="5"/>
-                                            </p:txEl>
-                                          </p:spTgt>
-                                        </p:tgtEl>
-                                        <p:attrNameLst>
-                                          <p:attrName>style.visibility</p:attrName>
-                                        </p:attrNameLst>
-                                      </p:cBhvr>
-                                      <p:to>
-                                        <p:strVal val="visible"/>
-                                      </p:to>
-                                    </p:set>
-                                    <p:animEffect transition="in" filter="fade">
-                                      <p:cBhvr>
-                                        <p:cTn id="25" dur="250"/>
-                                        <p:tgtEl>
-                                          <p:spTgt spid="15362">
-                                            <p:txEl>
-                                              <p:pRg st="5" end="5"/>
-                                            </p:txEl>
-                                          </p:spTgt>
-                                        </p:tgtEl>
-                                      </p:cBhvr>
-                                    </p:animEffect>
-                                  </p:childTnLst>
-                                </p:cTn>
-                              </p:par>
-                              <p:par>
-                                <p:cTn id="26" presetID="10" presetClass="entr" presetSubtype="0" fill="hold" grpId="0" nodeType="withEffect">
-                                  <p:stCondLst>
-                                    <p:cond delay="0"/>
-                                  </p:stCondLst>
-                                  <p:childTnLst>
-                                    <p:set>
-                                      <p:cBhvr>
-                                        <p:cTn id="27" dur="1" fill="hold">
-                                          <p:stCondLst>
-                                            <p:cond delay="0"/>
-                                          </p:stCondLst>
-                                        </p:cTn>
-                                        <p:tgtEl>
-                                          <p:spTgt spid="15362">
-                                            <p:txEl>
-                                              <p:pRg st="6" end="6"/>
-                                            </p:txEl>
-                                          </p:spTgt>
-                                        </p:tgtEl>
-                                        <p:attrNameLst>
-                                          <p:attrName>style.visibility</p:attrName>
-                                        </p:attrNameLst>
-                                      </p:cBhvr>
-                                      <p:to>
-                                        <p:strVal val="visible"/>
-                                      </p:to>
-                                    </p:set>
-                                    <p:animEffect transition="in" filter="fade">
-                                      <p:cBhvr>
-                                        <p:cTn id="28" dur="250"/>
-                                        <p:tgtEl>
-                                          <p:spTgt spid="15362">
-                                            <p:txEl>
-                                              <p:pRg st="6" end="6"/>
-                                            </p:txEl>
-                                          </p:spTgt>
-                                        </p:tgtEl>
-                                      </p:cBhvr>
-                                    </p:animEffect>
-                                  </p:childTnLst>
-                                </p:cTn>
-                              </p:par>
-                              <p:par>
-                                <p:cTn id="29" presetID="10" presetClass="entr" presetSubtype="0" fill="hold" grpId="0" nodeType="withEffect">
-                                  <p:stCondLst>
-                                    <p:cond delay="0"/>
-                                  </p:stCondLst>
-                                  <p:childTnLst>
-                                    <p:set>
-                                      <p:cBhvr>
-                                        <p:cTn id="30" dur="1" fill="hold">
-                                          <p:stCondLst>
-                                            <p:cond delay="0"/>
-                                          </p:stCondLst>
-                                        </p:cTn>
-                                        <p:tgtEl>
-                                          <p:spTgt spid="15362">
-                                            <p:txEl>
-                                              <p:pRg st="7" end="7"/>
-                                            </p:txEl>
-                                          </p:spTgt>
-                                        </p:tgtEl>
-                                        <p:attrNameLst>
-                                          <p:attrName>style.visibility</p:attrName>
-                                        </p:attrNameLst>
-                                      </p:cBhvr>
-                                      <p:to>
-                                        <p:strVal val="visible"/>
-                                      </p:to>
-                                    </p:set>
-                                    <p:animEffect transition="in" filter="fade">
-                                      <p:cBhvr>
-                                        <p:cTn id="31" dur="250"/>
-                                        <p:tgtEl>
-                                          <p:spTgt spid="15362">
-                                            <p:txEl>
-                                              <p:pRg st="7" end="7"/>
-                                            </p:txEl>
-                                          </p:spTgt>
-                                        </p:tgtEl>
-                                      </p:cBhvr>
-                                    </p:animEffect>
-                                  </p:childTnLst>
-                                </p:cTn>
-                              </p:par>
-                              <p:par>
-                                <p:cTn id="32" presetID="10" presetClass="entr" presetSubtype="0" fill="hold" grpId="0" nodeType="withEffect">
-                                  <p:stCondLst>
-                                    <p:cond delay="0"/>
-                                  </p:stCondLst>
-                                  <p:childTnLst>
-                                    <p:set>
-                                      <p:cBhvr>
-                                        <p:cTn id="33" dur="1" fill="hold">
-                                          <p:stCondLst>
-                                            <p:cond delay="0"/>
-                                          </p:stCondLst>
-                                        </p:cTn>
-                                        <p:tgtEl>
-                                          <p:spTgt spid="15362">
-                                            <p:txEl>
-                                              <p:pRg st="8" end="8"/>
-                                            </p:txEl>
-                                          </p:spTgt>
-                                        </p:tgtEl>
-                                        <p:attrNameLst>
-                                          <p:attrName>style.visibility</p:attrName>
-                                        </p:attrNameLst>
-                                      </p:cBhvr>
-                                      <p:to>
-                                        <p:strVal val="visible"/>
-                                      </p:to>
-                                    </p:set>
-                                    <p:animEffect transition="in" filter="fade">
-                                      <p:cBhvr>
-                                        <p:cTn id="34" dur="250"/>
-                                        <p:tgtEl>
-                                          <p:spTgt spid="15362">
-                                            <p:txEl>
-                                              <p:pRg st="8" end="8"/>
-                                            </p:txEl>
-                                          </p:spTgt>
-                                        </p:tgtEl>
-                                      </p:cBhvr>
-                                    </p:animEffect>
-                                  </p:childTnLst>
-                                </p:cTn>
-                              </p:par>
-                              <p:par>
-                                <p:cTn id="35" presetID="10" presetClass="entr" presetSubtype="0" fill="hold" grpId="0" nodeType="withEffect">
-                                  <p:stCondLst>
-                                    <p:cond delay="0"/>
-                                  </p:stCondLst>
-                                  <p:childTnLst>
-                                    <p:set>
-                                      <p:cBhvr>
-                                        <p:cTn id="36" dur="1" fill="hold">
-                                          <p:stCondLst>
-                                            <p:cond delay="0"/>
-                                          </p:stCondLst>
-                                        </p:cTn>
-                                        <p:tgtEl>
-                                          <p:spTgt spid="15362">
-                                            <p:txEl>
-                                              <p:pRg st="9" end="9"/>
-                                            </p:txEl>
-                                          </p:spTgt>
-                                        </p:tgtEl>
-                                        <p:attrNameLst>
-                                          <p:attrName>style.visibility</p:attrName>
-                                        </p:attrNameLst>
-                                      </p:cBhvr>
-                                      <p:to>
-                                        <p:strVal val="visible"/>
-                                      </p:to>
-                                    </p:set>
-                                    <p:animEffect transition="in" filter="fade">
-                                      <p:cBhvr>
-                                        <p:cTn id="37" dur="250"/>
-                                        <p:tgtEl>
-                                          <p:spTgt spid="15362">
-                                            <p:txEl>
-                                              <p:pRg st="9" end="9"/>
-                                            </p:txEl>
-                                          </p:spTgt>
                                         </p:tgtEl>
                                       </p:cBhvr>
                                     </p:animEffect>
@@ -25919,30 +25362,541 @@
                             </p:childTnLst>
                           </p:cTn>
                         </p:par>
-                      </p:childTnLst>
-                    </p:cTn>
-                  </p:par>
-                  <p:par>
-                    <p:cTn id="38" fill="hold">
-                      <p:stCondLst>
-                        <p:cond delay="indefinite"/>
-                      </p:stCondLst>
-                      <p:childTnLst>
                         <p:par>
-                          <p:cTn id="39" fill="hold">
+                          <p:cTn id="8" fill="hold">
                             <p:stCondLst>
-                              <p:cond delay="0"/>
+                              <p:cond delay="250"/>
                             </p:stCondLst>
                             <p:childTnLst>
                               <p:par>
-                                <p:cTn id="40" presetID="10" presetClass="entr" presetSubtype="0" fill="hold" grpId="0" nodeType="clickEffect">
+                                <p:cTn id="9" presetID="10" presetClass="entr" presetSubtype="0" fill="hold" grpId="0" nodeType="afterEffect">
                                   <p:stCondLst>
                                     <p:cond delay="0"/>
                                   </p:stCondLst>
                                   <p:childTnLst>
                                     <p:set>
                                       <p:cBhvr>
-                                        <p:cTn id="41" dur="1" fill="hold">
+                                        <p:cTn id="10" dur="1" fill="hold">
+                                          <p:stCondLst>
+                                            <p:cond delay="0"/>
+                                          </p:stCondLst>
+                                        </p:cTn>
+                                        <p:tgtEl>
+                                          <p:spTgt spid="15362">
+                                            <p:txEl>
+                                              <p:pRg st="0" end="0"/>
+                                            </p:txEl>
+                                          </p:spTgt>
+                                        </p:tgtEl>
+                                        <p:attrNameLst>
+                                          <p:attrName>style.visibility</p:attrName>
+                                        </p:attrNameLst>
+                                      </p:cBhvr>
+                                      <p:to>
+                                        <p:strVal val="visible"/>
+                                      </p:to>
+                                    </p:set>
+                                    <p:animEffect transition="in" filter="fade">
+                                      <p:cBhvr>
+                                        <p:cTn id="11" dur="250"/>
+                                        <p:tgtEl>
+                                          <p:spTgt spid="15362">
+                                            <p:txEl>
+                                              <p:pRg st="0" end="0"/>
+                                            </p:txEl>
+                                          </p:spTgt>
+                                        </p:tgtEl>
+                                      </p:cBhvr>
+                                    </p:animEffect>
+                                  </p:childTnLst>
+                                </p:cTn>
+                              </p:par>
+                            </p:childTnLst>
+                          </p:cTn>
+                        </p:par>
+                        <p:par>
+                          <p:cTn id="12" fill="hold">
+                            <p:stCondLst>
+                              <p:cond delay="500"/>
+                            </p:stCondLst>
+                            <p:childTnLst>
+                              <p:par>
+                                <p:cTn id="13" presetID="10" presetClass="entr" presetSubtype="0" fill="hold" grpId="0" nodeType="afterEffect">
+                                  <p:stCondLst>
+                                    <p:cond delay="0"/>
+                                  </p:stCondLst>
+                                  <p:childTnLst>
+                                    <p:set>
+                                      <p:cBhvr>
+                                        <p:cTn id="14" dur="1" fill="hold">
+                                          <p:stCondLst>
+                                            <p:cond delay="0"/>
+                                          </p:stCondLst>
+                                        </p:cTn>
+                                        <p:tgtEl>
+                                          <p:spTgt spid="15362">
+                                            <p:txEl>
+                                              <p:pRg st="1" end="1"/>
+                                            </p:txEl>
+                                          </p:spTgt>
+                                        </p:tgtEl>
+                                        <p:attrNameLst>
+                                          <p:attrName>style.visibility</p:attrName>
+                                        </p:attrNameLst>
+                                      </p:cBhvr>
+                                      <p:to>
+                                        <p:strVal val="visible"/>
+                                      </p:to>
+                                    </p:set>
+                                    <p:animEffect transition="in" filter="fade">
+                                      <p:cBhvr>
+                                        <p:cTn id="15" dur="250"/>
+                                        <p:tgtEl>
+                                          <p:spTgt spid="15362">
+                                            <p:txEl>
+                                              <p:pRg st="1" end="1"/>
+                                            </p:txEl>
+                                          </p:spTgt>
+                                        </p:tgtEl>
+                                      </p:cBhvr>
+                                    </p:animEffect>
+                                  </p:childTnLst>
+                                </p:cTn>
+                              </p:par>
+                            </p:childTnLst>
+                          </p:cTn>
+                        </p:par>
+                        <p:par>
+                          <p:cTn id="16" fill="hold">
+                            <p:stCondLst>
+                              <p:cond delay="750"/>
+                            </p:stCondLst>
+                            <p:childTnLst>
+                              <p:par>
+                                <p:cTn id="17" presetID="10" presetClass="entr" presetSubtype="0" fill="hold" grpId="0" nodeType="afterEffect">
+                                  <p:stCondLst>
+                                    <p:cond delay="0"/>
+                                  </p:stCondLst>
+                                  <p:childTnLst>
+                                    <p:set>
+                                      <p:cBhvr>
+                                        <p:cTn id="18" dur="1" fill="hold">
+                                          <p:stCondLst>
+                                            <p:cond delay="0"/>
+                                          </p:stCondLst>
+                                        </p:cTn>
+                                        <p:tgtEl>
+                                          <p:spTgt spid="15362">
+                                            <p:txEl>
+                                              <p:pRg st="2" end="2"/>
+                                            </p:txEl>
+                                          </p:spTgt>
+                                        </p:tgtEl>
+                                        <p:attrNameLst>
+                                          <p:attrName>style.visibility</p:attrName>
+                                        </p:attrNameLst>
+                                      </p:cBhvr>
+                                      <p:to>
+                                        <p:strVal val="visible"/>
+                                      </p:to>
+                                    </p:set>
+                                    <p:animEffect transition="in" filter="fade">
+                                      <p:cBhvr>
+                                        <p:cTn id="19" dur="250"/>
+                                        <p:tgtEl>
+                                          <p:spTgt spid="15362">
+                                            <p:txEl>
+                                              <p:pRg st="2" end="2"/>
+                                            </p:txEl>
+                                          </p:spTgt>
+                                        </p:tgtEl>
+                                      </p:cBhvr>
+                                    </p:animEffect>
+                                  </p:childTnLst>
+                                </p:cTn>
+                              </p:par>
+                            </p:childTnLst>
+                          </p:cTn>
+                        </p:par>
+                        <p:par>
+                          <p:cTn id="20" fill="hold">
+                            <p:stCondLst>
+                              <p:cond delay="1000"/>
+                            </p:stCondLst>
+                            <p:childTnLst>
+                              <p:par>
+                                <p:cTn id="21" presetID="10" presetClass="entr" presetSubtype="0" fill="hold" grpId="0" nodeType="afterEffect">
+                                  <p:stCondLst>
+                                    <p:cond delay="0"/>
+                                  </p:stCondLst>
+                                  <p:childTnLst>
+                                    <p:set>
+                                      <p:cBhvr>
+                                        <p:cTn id="22" dur="1" fill="hold">
+                                          <p:stCondLst>
+                                            <p:cond delay="0"/>
+                                          </p:stCondLst>
+                                        </p:cTn>
+                                        <p:tgtEl>
+                                          <p:spTgt spid="15362">
+                                            <p:txEl>
+                                              <p:pRg st="3" end="3"/>
+                                            </p:txEl>
+                                          </p:spTgt>
+                                        </p:tgtEl>
+                                        <p:attrNameLst>
+                                          <p:attrName>style.visibility</p:attrName>
+                                        </p:attrNameLst>
+                                      </p:cBhvr>
+                                      <p:to>
+                                        <p:strVal val="visible"/>
+                                      </p:to>
+                                    </p:set>
+                                    <p:animEffect transition="in" filter="fade">
+                                      <p:cBhvr>
+                                        <p:cTn id="23" dur="250"/>
+                                        <p:tgtEl>
+                                          <p:spTgt spid="15362">
+                                            <p:txEl>
+                                              <p:pRg st="3" end="3"/>
+                                            </p:txEl>
+                                          </p:spTgt>
+                                        </p:tgtEl>
+                                      </p:cBhvr>
+                                    </p:animEffect>
+                                  </p:childTnLst>
+                                </p:cTn>
+                              </p:par>
+                            </p:childTnLst>
+                          </p:cTn>
+                        </p:par>
+                        <p:par>
+                          <p:cTn id="24" fill="hold">
+                            <p:stCondLst>
+                              <p:cond delay="1250"/>
+                            </p:stCondLst>
+                            <p:childTnLst>
+                              <p:par>
+                                <p:cTn id="25" presetID="10" presetClass="entr" presetSubtype="0" fill="hold" grpId="0" nodeType="afterEffect">
+                                  <p:stCondLst>
+                                    <p:cond delay="0"/>
+                                  </p:stCondLst>
+                                  <p:childTnLst>
+                                    <p:set>
+                                      <p:cBhvr>
+                                        <p:cTn id="26" dur="1" fill="hold">
+                                          <p:stCondLst>
+                                            <p:cond delay="0"/>
+                                          </p:stCondLst>
+                                        </p:cTn>
+                                        <p:tgtEl>
+                                          <p:spTgt spid="15362">
+                                            <p:txEl>
+                                              <p:pRg st="4" end="4"/>
+                                            </p:txEl>
+                                          </p:spTgt>
+                                        </p:tgtEl>
+                                        <p:attrNameLst>
+                                          <p:attrName>style.visibility</p:attrName>
+                                        </p:attrNameLst>
+                                      </p:cBhvr>
+                                      <p:to>
+                                        <p:strVal val="visible"/>
+                                      </p:to>
+                                    </p:set>
+                                    <p:animEffect transition="in" filter="fade">
+                                      <p:cBhvr>
+                                        <p:cTn id="27" dur="250"/>
+                                        <p:tgtEl>
+                                          <p:spTgt spid="15362">
+                                            <p:txEl>
+                                              <p:pRg st="4" end="4"/>
+                                            </p:txEl>
+                                          </p:spTgt>
+                                        </p:tgtEl>
+                                      </p:cBhvr>
+                                    </p:animEffect>
+                                  </p:childTnLst>
+                                </p:cTn>
+                              </p:par>
+                            </p:childTnLst>
+                          </p:cTn>
+                        </p:par>
+                        <p:par>
+                          <p:cTn id="28" fill="hold">
+                            <p:stCondLst>
+                              <p:cond delay="1500"/>
+                            </p:stCondLst>
+                            <p:childTnLst>
+                              <p:par>
+                                <p:cTn id="29" presetID="10" presetClass="entr" presetSubtype="0" fill="hold" grpId="0" nodeType="afterEffect">
+                                  <p:stCondLst>
+                                    <p:cond delay="0"/>
+                                  </p:stCondLst>
+                                  <p:childTnLst>
+                                    <p:set>
+                                      <p:cBhvr>
+                                        <p:cTn id="30" dur="1" fill="hold">
+                                          <p:stCondLst>
+                                            <p:cond delay="0"/>
+                                          </p:stCondLst>
+                                        </p:cTn>
+                                        <p:tgtEl>
+                                          <p:spTgt spid="15362">
+                                            <p:txEl>
+                                              <p:pRg st="5" end="5"/>
+                                            </p:txEl>
+                                          </p:spTgt>
+                                        </p:tgtEl>
+                                        <p:attrNameLst>
+                                          <p:attrName>style.visibility</p:attrName>
+                                        </p:attrNameLst>
+                                      </p:cBhvr>
+                                      <p:to>
+                                        <p:strVal val="visible"/>
+                                      </p:to>
+                                    </p:set>
+                                    <p:animEffect transition="in" filter="fade">
+                                      <p:cBhvr>
+                                        <p:cTn id="31" dur="250"/>
+                                        <p:tgtEl>
+                                          <p:spTgt spid="15362">
+                                            <p:txEl>
+                                              <p:pRg st="5" end="5"/>
+                                            </p:txEl>
+                                          </p:spTgt>
+                                        </p:tgtEl>
+                                      </p:cBhvr>
+                                    </p:animEffect>
+                                  </p:childTnLst>
+                                </p:cTn>
+                              </p:par>
+                            </p:childTnLst>
+                          </p:cTn>
+                        </p:par>
+                        <p:par>
+                          <p:cTn id="32" fill="hold">
+                            <p:stCondLst>
+                              <p:cond delay="1750"/>
+                            </p:stCondLst>
+                            <p:childTnLst>
+                              <p:par>
+                                <p:cTn id="33" presetID="10" presetClass="entr" presetSubtype="0" fill="hold" grpId="0" nodeType="afterEffect">
+                                  <p:stCondLst>
+                                    <p:cond delay="0"/>
+                                  </p:stCondLst>
+                                  <p:childTnLst>
+                                    <p:set>
+                                      <p:cBhvr>
+                                        <p:cTn id="34" dur="1" fill="hold">
+                                          <p:stCondLst>
+                                            <p:cond delay="0"/>
+                                          </p:stCondLst>
+                                        </p:cTn>
+                                        <p:tgtEl>
+                                          <p:spTgt spid="15362">
+                                            <p:txEl>
+                                              <p:pRg st="6" end="6"/>
+                                            </p:txEl>
+                                          </p:spTgt>
+                                        </p:tgtEl>
+                                        <p:attrNameLst>
+                                          <p:attrName>style.visibility</p:attrName>
+                                        </p:attrNameLst>
+                                      </p:cBhvr>
+                                      <p:to>
+                                        <p:strVal val="visible"/>
+                                      </p:to>
+                                    </p:set>
+                                    <p:animEffect transition="in" filter="fade">
+                                      <p:cBhvr>
+                                        <p:cTn id="35" dur="250"/>
+                                        <p:tgtEl>
+                                          <p:spTgt spid="15362">
+                                            <p:txEl>
+                                              <p:pRg st="6" end="6"/>
+                                            </p:txEl>
+                                          </p:spTgt>
+                                        </p:tgtEl>
+                                      </p:cBhvr>
+                                    </p:animEffect>
+                                  </p:childTnLst>
+                                </p:cTn>
+                              </p:par>
+                            </p:childTnLst>
+                          </p:cTn>
+                        </p:par>
+                        <p:par>
+                          <p:cTn id="36" fill="hold">
+                            <p:stCondLst>
+                              <p:cond delay="2000"/>
+                            </p:stCondLst>
+                            <p:childTnLst>
+                              <p:par>
+                                <p:cTn id="37" presetID="10" presetClass="entr" presetSubtype="0" fill="hold" grpId="0" nodeType="afterEffect">
+                                  <p:stCondLst>
+                                    <p:cond delay="0"/>
+                                  </p:stCondLst>
+                                  <p:childTnLst>
+                                    <p:set>
+                                      <p:cBhvr>
+                                        <p:cTn id="38" dur="1" fill="hold">
+                                          <p:stCondLst>
+                                            <p:cond delay="0"/>
+                                          </p:stCondLst>
+                                        </p:cTn>
+                                        <p:tgtEl>
+                                          <p:spTgt spid="15362">
+                                            <p:txEl>
+                                              <p:pRg st="7" end="7"/>
+                                            </p:txEl>
+                                          </p:spTgt>
+                                        </p:tgtEl>
+                                        <p:attrNameLst>
+                                          <p:attrName>style.visibility</p:attrName>
+                                        </p:attrNameLst>
+                                      </p:cBhvr>
+                                      <p:to>
+                                        <p:strVal val="visible"/>
+                                      </p:to>
+                                    </p:set>
+                                    <p:animEffect transition="in" filter="fade">
+                                      <p:cBhvr>
+                                        <p:cTn id="39" dur="250"/>
+                                        <p:tgtEl>
+                                          <p:spTgt spid="15362">
+                                            <p:txEl>
+                                              <p:pRg st="7" end="7"/>
+                                            </p:txEl>
+                                          </p:spTgt>
+                                        </p:tgtEl>
+                                      </p:cBhvr>
+                                    </p:animEffect>
+                                  </p:childTnLst>
+                                </p:cTn>
+                              </p:par>
+                            </p:childTnLst>
+                          </p:cTn>
+                        </p:par>
+                        <p:par>
+                          <p:cTn id="40" fill="hold">
+                            <p:stCondLst>
+                              <p:cond delay="2250"/>
+                            </p:stCondLst>
+                            <p:childTnLst>
+                              <p:par>
+                                <p:cTn id="41" presetID="10" presetClass="entr" presetSubtype="0" fill="hold" grpId="0" nodeType="afterEffect">
+                                  <p:stCondLst>
+                                    <p:cond delay="0"/>
+                                  </p:stCondLst>
+                                  <p:childTnLst>
+                                    <p:set>
+                                      <p:cBhvr>
+                                        <p:cTn id="42" dur="1" fill="hold">
+                                          <p:stCondLst>
+                                            <p:cond delay="0"/>
+                                          </p:stCondLst>
+                                        </p:cTn>
+                                        <p:tgtEl>
+                                          <p:spTgt spid="15362">
+                                            <p:txEl>
+                                              <p:pRg st="8" end="8"/>
+                                            </p:txEl>
+                                          </p:spTgt>
+                                        </p:tgtEl>
+                                        <p:attrNameLst>
+                                          <p:attrName>style.visibility</p:attrName>
+                                        </p:attrNameLst>
+                                      </p:cBhvr>
+                                      <p:to>
+                                        <p:strVal val="visible"/>
+                                      </p:to>
+                                    </p:set>
+                                    <p:animEffect transition="in" filter="fade">
+                                      <p:cBhvr>
+                                        <p:cTn id="43" dur="250"/>
+                                        <p:tgtEl>
+                                          <p:spTgt spid="15362">
+                                            <p:txEl>
+                                              <p:pRg st="8" end="8"/>
+                                            </p:txEl>
+                                          </p:spTgt>
+                                        </p:tgtEl>
+                                      </p:cBhvr>
+                                    </p:animEffect>
+                                  </p:childTnLst>
+                                </p:cTn>
+                              </p:par>
+                            </p:childTnLst>
+                          </p:cTn>
+                        </p:par>
+                        <p:par>
+                          <p:cTn id="44" fill="hold">
+                            <p:stCondLst>
+                              <p:cond delay="2500"/>
+                            </p:stCondLst>
+                            <p:childTnLst>
+                              <p:par>
+                                <p:cTn id="45" presetID="10" presetClass="entr" presetSubtype="0" fill="hold" grpId="0" nodeType="afterEffect">
+                                  <p:stCondLst>
+                                    <p:cond delay="0"/>
+                                  </p:stCondLst>
+                                  <p:childTnLst>
+                                    <p:set>
+                                      <p:cBhvr>
+                                        <p:cTn id="46" dur="1" fill="hold">
+                                          <p:stCondLst>
+                                            <p:cond delay="0"/>
+                                          </p:stCondLst>
+                                        </p:cTn>
+                                        <p:tgtEl>
+                                          <p:spTgt spid="15362">
+                                            <p:txEl>
+                                              <p:pRg st="9" end="9"/>
+                                            </p:txEl>
+                                          </p:spTgt>
+                                        </p:tgtEl>
+                                        <p:attrNameLst>
+                                          <p:attrName>style.visibility</p:attrName>
+                                        </p:attrNameLst>
+                                      </p:cBhvr>
+                                      <p:to>
+                                        <p:strVal val="visible"/>
+                                      </p:to>
+                                    </p:set>
+                                    <p:animEffect transition="in" filter="fade">
+                                      <p:cBhvr>
+                                        <p:cTn id="47" dur="250"/>
+                                        <p:tgtEl>
+                                          <p:spTgt spid="15362">
+                                            <p:txEl>
+                                              <p:pRg st="9" end="9"/>
+                                            </p:txEl>
+                                          </p:spTgt>
+                                        </p:tgtEl>
+                                      </p:cBhvr>
+                                    </p:animEffect>
+                                  </p:childTnLst>
+                                </p:cTn>
+                              </p:par>
+                            </p:childTnLst>
+                          </p:cTn>
+                        </p:par>
+                        <p:par>
+                          <p:cTn id="48" fill="hold">
+                            <p:stCondLst>
+                              <p:cond delay="2750"/>
+                            </p:stCondLst>
+                            <p:childTnLst>
+                              <p:par>
+                                <p:cTn id="49" presetID="10" presetClass="entr" presetSubtype="0" fill="hold" grpId="0" nodeType="afterEffect">
+                                  <p:stCondLst>
+                                    <p:cond delay="0"/>
+                                  </p:stCondLst>
+                                  <p:childTnLst>
+                                    <p:set>
+                                      <p:cBhvr>
+                                        <p:cTn id="50" dur="1" fill="hold">
                                           <p:stCondLst>
                                             <p:cond delay="0"/>
                                           </p:stCondLst>
@@ -25964,7 +25918,7 @@
                                     </p:set>
                                     <p:animEffect transition="in" filter="fade">
                                       <p:cBhvr>
-                                        <p:cTn id="42" dur="250"/>
+                                        <p:cTn id="51" dur="250"/>
                                         <p:tgtEl>
                                           <p:spTgt spid="15362">
                                             <p:txEl>
@@ -25977,15 +25931,24 @@
                                   </p:childTnLst>
                                 </p:cTn>
                               </p:par>
+                            </p:childTnLst>
+                          </p:cTn>
+                        </p:par>
+                        <p:par>
+                          <p:cTn id="52" fill="hold">
+                            <p:stCondLst>
+                              <p:cond delay="3000"/>
+                            </p:stCondLst>
+                            <p:childTnLst>
                               <p:par>
-                                <p:cTn id="43" presetID="10" presetClass="entr" presetSubtype="0" fill="hold" grpId="0" nodeType="withEffect">
+                                <p:cTn id="53" presetID="10" presetClass="entr" presetSubtype="0" fill="hold" grpId="0" nodeType="afterEffect">
                                   <p:stCondLst>
                                     <p:cond delay="0"/>
                                   </p:stCondLst>
                                   <p:childTnLst>
                                     <p:set>
                                       <p:cBhvr>
-                                        <p:cTn id="44" dur="1" fill="hold">
+                                        <p:cTn id="54" dur="1" fill="hold">
                                           <p:stCondLst>
                                             <p:cond delay="0"/>
                                           </p:stCondLst>
@@ -26007,7 +25970,7 @@
                                     </p:set>
                                     <p:animEffect transition="in" filter="fade">
                                       <p:cBhvr>
-                                        <p:cTn id="45" dur="250"/>
+                                        <p:cTn id="55" dur="250"/>
                                         <p:tgtEl>
                                           <p:spTgt spid="15362">
                                             <p:txEl>
@@ -26360,7 +26323,7 @@
                             </p:stCondLst>
                             <p:childTnLst>
                               <p:par>
-                                <p:cTn id="5" presetID="10" presetClass="entr" presetSubtype="0" fill="hold" grpId="0" nodeType="afterEffect">
+                                <p:cTn id="5" presetID="10" presetClass="entr" presetSubtype="0" fill="hold" grpId="0" nodeType="withEffect">
                                   <p:stCondLst>
                                     <p:cond delay="0"/>
                                   </p:stCondLst>
@@ -26481,7 +26444,7 @@
                                     </p:set>
                                     <p:animEffect transition="in" filter="fade">
                                       <p:cBhvr>
-                                        <p:cTn id="15" dur="500"/>
+                                        <p:cTn id="15" dur="250"/>
                                         <p:tgtEl>
                                           <p:spTgt spid="4"/>
                                         </p:tgtEl>
@@ -26516,7 +26479,7 @@
                                     </p:set>
                                     <p:animEffect transition="in" filter="fade">
                                       <p:cBhvr>
-                                        <p:cTn id="18" dur="500"/>
+                                        <p:cTn id="18" dur="250"/>
                                         <p:tgtEl>
                                           <p:spTgt spid="1027"/>
                                         </p:tgtEl>
@@ -26551,7 +26514,7 @@
                                     </p:set>
                                     <p:animEffect transition="in" filter="fade">
                                       <p:cBhvr>
-                                        <p:cTn id="21" dur="500"/>
+                                        <p:cTn id="21" dur="250"/>
                                         <p:tgtEl>
                                           <p:spTgt spid="1026"/>
                                         </p:tgtEl>
@@ -26586,7 +26549,7 @@
                                     </p:set>
                                     <p:animEffect transition="in" filter="fade">
                                       <p:cBhvr>
-                                        <p:cTn id="24" dur="500"/>
+                                        <p:cTn id="24" dur="250"/>
                                         <p:tgtEl>
                                           <p:spTgt spid="7"/>
                                         </p:tgtEl>

--- a/kpi/Test Automation_Demo.pptx
+++ b/kpi/Test Automation_Demo.pptx
@@ -5,10 +5,10 @@
     <p:sldMasterId id="2147484176" r:id="rId1"/>
   </p:sldMasterIdLst>
   <p:notesMasterIdLst>
-    <p:notesMasterId r:id="rId36"/>
+    <p:notesMasterId r:id="rId39"/>
   </p:notesMasterIdLst>
   <p:handoutMasterIdLst>
-    <p:handoutMasterId r:id="rId37"/>
+    <p:handoutMasterId r:id="rId40"/>
   </p:handoutMasterIdLst>
   <p:sldIdLst>
     <p:sldId id="524" r:id="rId2"/>
@@ -28,23 +28,26 @@
     <p:sldId id="577" r:id="rId16"/>
     <p:sldId id="571" r:id="rId17"/>
     <p:sldId id="553" r:id="rId18"/>
-    <p:sldId id="573" r:id="rId19"/>
-    <p:sldId id="564" r:id="rId20"/>
-    <p:sldId id="572" r:id="rId21"/>
-    <p:sldId id="555" r:id="rId22"/>
-    <p:sldId id="556" r:id="rId23"/>
-    <p:sldId id="575" r:id="rId24"/>
-    <p:sldId id="569" r:id="rId25"/>
-    <p:sldId id="557" r:id="rId26"/>
-    <p:sldId id="568" r:id="rId27"/>
-    <p:sldId id="565" r:id="rId28"/>
-    <p:sldId id="567" r:id="rId29"/>
-    <p:sldId id="578" r:id="rId30"/>
-    <p:sldId id="579" r:id="rId31"/>
-    <p:sldId id="559" r:id="rId32"/>
-    <p:sldId id="566" r:id="rId33"/>
-    <p:sldId id="551" r:id="rId34"/>
-    <p:sldId id="523" r:id="rId35"/>
+    <p:sldId id="582" r:id="rId19"/>
+    <p:sldId id="581" r:id="rId20"/>
+    <p:sldId id="585" r:id="rId21"/>
+    <p:sldId id="564" r:id="rId22"/>
+    <p:sldId id="586" r:id="rId23"/>
+    <p:sldId id="572" r:id="rId24"/>
+    <p:sldId id="555" r:id="rId25"/>
+    <p:sldId id="556" r:id="rId26"/>
+    <p:sldId id="575" r:id="rId27"/>
+    <p:sldId id="569" r:id="rId28"/>
+    <p:sldId id="557" r:id="rId29"/>
+    <p:sldId id="568" r:id="rId30"/>
+    <p:sldId id="565" r:id="rId31"/>
+    <p:sldId id="567" r:id="rId32"/>
+    <p:sldId id="578" r:id="rId33"/>
+    <p:sldId id="579" r:id="rId34"/>
+    <p:sldId id="559" r:id="rId35"/>
+    <p:sldId id="566" r:id="rId36"/>
+    <p:sldId id="551" r:id="rId37"/>
+    <p:sldId id="523" r:id="rId38"/>
   </p:sldIdLst>
   <p:sldSz cx="9144000" cy="5143500" type="screen16x9"/>
   <p:notesSz cx="7099300" cy="10234613"/>
@@ -175,7 +178,7 @@
   </p:defaultTextStyle>
   <p:extLst>
     <p:ext uri="{EFAFB233-063F-42B5-8137-9DF3F51BA10A}">
-      <p15:sldGuideLst xmlns:p15="http://schemas.microsoft.com/office/powerpoint/2012/main" xmlns="">
+      <p15:sldGuideLst xmlns="" xmlns:p15="http://schemas.microsoft.com/office/powerpoint/2012/main">
         <p15:guide id="1" orient="horz" pos="1620">
           <p15:clr>
             <a:srgbClr val="A4A3A4"/>
@@ -189,7 +192,7 @@
       </p15:sldGuideLst>
     </p:ext>
     <p:ext uri="{2D200454-40CA-4A62-9FC3-DE9A4176ACB9}">
-      <p15:notesGuideLst xmlns:p15="http://schemas.microsoft.com/office/powerpoint/2012/main" xmlns="">
+      <p15:notesGuideLst xmlns="" xmlns:p15="http://schemas.microsoft.com/office/powerpoint/2012/main">
         <p15:guide id="1" orient="horz" pos="3223">
           <p15:clr>
             <a:srgbClr val="A4A3A4"/>
@@ -3186,6 +3189,261 @@
     </p:spTree>
     <p:extLst>
       <p:ext uri="{BB962C8B-B14F-4D97-AF65-F5344CB8AC3E}">
+        <p14:creationId xmlns:p14="http://schemas.microsoft.com/office/powerpoint/2010/main" val="1957161656"/>
+      </p:ext>
+    </p:extLst>
+  </p:cSld>
+  <p:clrMapOvr>
+    <a:masterClrMapping/>
+  </p:clrMapOvr>
+</p:notes>
+</file>
+
+<file path=ppt/notesSlides/notesSlide32.xml><?xml version="1.0" encoding="utf-8"?>
+<p:notes xmlns:a="http://schemas.openxmlformats.org/drawingml/2006/main" xmlns:r="http://schemas.openxmlformats.org/officeDocument/2006/relationships" xmlns:p="http://schemas.openxmlformats.org/presentationml/2006/main">
+  <p:cSld>
+    <p:spTree>
+      <p:nvGrpSpPr>
+        <p:cNvPr id="1" name=""/>
+        <p:cNvGrpSpPr/>
+        <p:nvPr/>
+      </p:nvGrpSpPr>
+      <p:grpSpPr>
+        <a:xfrm>
+          <a:off x="0" y="0"/>
+          <a:ext cx="0" cy="0"/>
+          <a:chOff x="0" y="0"/>
+          <a:chExt cx="0" cy="0"/>
+        </a:xfrm>
+      </p:grpSpPr>
+      <p:sp>
+        <p:nvSpPr>
+          <p:cNvPr id="2" name="投影片圖像版面配置區 1"/>
+          <p:cNvSpPr>
+            <a:spLocks noGrp="1" noRot="1" noChangeAspect="1"/>
+          </p:cNvSpPr>
+          <p:nvPr>
+            <p:ph type="sldImg"/>
+          </p:nvPr>
+        </p:nvSpPr>
+        <p:spPr/>
+      </p:sp>
+      <p:sp>
+        <p:nvSpPr>
+          <p:cNvPr id="3" name="備忘稿版面配置區 2"/>
+          <p:cNvSpPr>
+            <a:spLocks noGrp="1"/>
+          </p:cNvSpPr>
+          <p:nvPr>
+            <p:ph type="body" idx="1"/>
+          </p:nvPr>
+        </p:nvSpPr>
+        <p:spPr/>
+        <p:txBody>
+          <a:bodyPr/>
+          <a:lstStyle/>
+          <a:p>
+            <a:endParaRPr lang="zh-TW" altLang="en-US" dirty="0"/>
+          </a:p>
+        </p:txBody>
+      </p:sp>
+      <p:sp>
+        <p:nvSpPr>
+          <p:cNvPr id="4" name="投影片編號版面配置區 3"/>
+          <p:cNvSpPr>
+            <a:spLocks noGrp="1"/>
+          </p:cNvSpPr>
+          <p:nvPr>
+            <p:ph type="sldNum" sz="quarter" idx="10"/>
+          </p:nvPr>
+        </p:nvSpPr>
+        <p:spPr/>
+        <p:txBody>
+          <a:bodyPr/>
+          <a:lstStyle/>
+          <a:p>
+            <a:fld id="{5FAE23DA-1601-498D-B2E3-972800982184}" type="slidenum">
+              <a:rPr lang="en-US" altLang="zh-TW" smtClean="0"/>
+              <a:pPr/>
+              <a:t>34</a:t>
+            </a:fld>
+            <a:endParaRPr lang="en-US" altLang="zh-TW"/>
+          </a:p>
+        </p:txBody>
+      </p:sp>
+    </p:spTree>
+    <p:extLst>
+      <p:ext uri="{BB962C8B-B14F-4D97-AF65-F5344CB8AC3E}">
+        <p14:creationId xmlns:p14="http://schemas.microsoft.com/office/powerpoint/2010/main" val="1957161656"/>
+      </p:ext>
+    </p:extLst>
+  </p:cSld>
+  <p:clrMapOvr>
+    <a:masterClrMapping/>
+  </p:clrMapOvr>
+</p:notes>
+</file>
+
+<file path=ppt/notesSlides/notesSlide33.xml><?xml version="1.0" encoding="utf-8"?>
+<p:notes xmlns:a="http://schemas.openxmlformats.org/drawingml/2006/main" xmlns:r="http://schemas.openxmlformats.org/officeDocument/2006/relationships" xmlns:p="http://schemas.openxmlformats.org/presentationml/2006/main">
+  <p:cSld>
+    <p:spTree>
+      <p:nvGrpSpPr>
+        <p:cNvPr id="1" name=""/>
+        <p:cNvGrpSpPr/>
+        <p:nvPr/>
+      </p:nvGrpSpPr>
+      <p:grpSpPr>
+        <a:xfrm>
+          <a:off x="0" y="0"/>
+          <a:ext cx="0" cy="0"/>
+          <a:chOff x="0" y="0"/>
+          <a:chExt cx="0" cy="0"/>
+        </a:xfrm>
+      </p:grpSpPr>
+      <p:sp>
+        <p:nvSpPr>
+          <p:cNvPr id="2" name="投影片圖像版面配置區 1"/>
+          <p:cNvSpPr>
+            <a:spLocks noGrp="1" noRot="1" noChangeAspect="1"/>
+          </p:cNvSpPr>
+          <p:nvPr>
+            <p:ph type="sldImg"/>
+          </p:nvPr>
+        </p:nvSpPr>
+        <p:spPr/>
+      </p:sp>
+      <p:sp>
+        <p:nvSpPr>
+          <p:cNvPr id="3" name="備忘稿版面配置區 2"/>
+          <p:cNvSpPr>
+            <a:spLocks noGrp="1"/>
+          </p:cNvSpPr>
+          <p:nvPr>
+            <p:ph type="body" idx="1"/>
+          </p:nvPr>
+        </p:nvSpPr>
+        <p:spPr/>
+        <p:txBody>
+          <a:bodyPr/>
+          <a:lstStyle/>
+          <a:p>
+            <a:endParaRPr lang="zh-TW" altLang="en-US" dirty="0"/>
+          </a:p>
+        </p:txBody>
+      </p:sp>
+      <p:sp>
+        <p:nvSpPr>
+          <p:cNvPr id="4" name="投影片編號版面配置區 3"/>
+          <p:cNvSpPr>
+            <a:spLocks noGrp="1"/>
+          </p:cNvSpPr>
+          <p:nvPr>
+            <p:ph type="sldNum" sz="quarter" idx="10"/>
+          </p:nvPr>
+        </p:nvSpPr>
+        <p:spPr/>
+        <p:txBody>
+          <a:bodyPr/>
+          <a:lstStyle/>
+          <a:p>
+            <a:fld id="{5FAE23DA-1601-498D-B2E3-972800982184}" type="slidenum">
+              <a:rPr lang="en-US" altLang="zh-TW" smtClean="0"/>
+              <a:pPr/>
+              <a:t>35</a:t>
+            </a:fld>
+            <a:endParaRPr lang="en-US" altLang="zh-TW"/>
+          </a:p>
+        </p:txBody>
+      </p:sp>
+    </p:spTree>
+    <p:extLst>
+      <p:ext uri="{BB962C8B-B14F-4D97-AF65-F5344CB8AC3E}">
+        <p14:creationId xmlns:p14="http://schemas.microsoft.com/office/powerpoint/2010/main" val="1957161656"/>
+      </p:ext>
+    </p:extLst>
+  </p:cSld>
+  <p:clrMapOvr>
+    <a:masterClrMapping/>
+  </p:clrMapOvr>
+</p:notes>
+</file>
+
+<file path=ppt/notesSlides/notesSlide34.xml><?xml version="1.0" encoding="utf-8"?>
+<p:notes xmlns:a="http://schemas.openxmlformats.org/drawingml/2006/main" xmlns:r="http://schemas.openxmlformats.org/officeDocument/2006/relationships" xmlns:p="http://schemas.openxmlformats.org/presentationml/2006/main">
+  <p:cSld>
+    <p:spTree>
+      <p:nvGrpSpPr>
+        <p:cNvPr id="1" name=""/>
+        <p:cNvGrpSpPr/>
+        <p:nvPr/>
+      </p:nvGrpSpPr>
+      <p:grpSpPr>
+        <a:xfrm>
+          <a:off x="0" y="0"/>
+          <a:ext cx="0" cy="0"/>
+          <a:chOff x="0" y="0"/>
+          <a:chExt cx="0" cy="0"/>
+        </a:xfrm>
+      </p:grpSpPr>
+      <p:sp>
+        <p:nvSpPr>
+          <p:cNvPr id="2" name="投影片圖像版面配置區 1"/>
+          <p:cNvSpPr>
+            <a:spLocks noGrp="1" noRot="1" noChangeAspect="1"/>
+          </p:cNvSpPr>
+          <p:nvPr>
+            <p:ph type="sldImg"/>
+          </p:nvPr>
+        </p:nvSpPr>
+        <p:spPr/>
+      </p:sp>
+      <p:sp>
+        <p:nvSpPr>
+          <p:cNvPr id="3" name="備忘稿版面配置區 2"/>
+          <p:cNvSpPr>
+            <a:spLocks noGrp="1"/>
+          </p:cNvSpPr>
+          <p:nvPr>
+            <p:ph type="body" idx="1"/>
+          </p:nvPr>
+        </p:nvSpPr>
+        <p:spPr/>
+        <p:txBody>
+          <a:bodyPr/>
+          <a:lstStyle/>
+          <a:p>
+            <a:endParaRPr lang="zh-TW" altLang="en-US" dirty="0"/>
+          </a:p>
+        </p:txBody>
+      </p:sp>
+      <p:sp>
+        <p:nvSpPr>
+          <p:cNvPr id="4" name="投影片編號版面配置區 3"/>
+          <p:cNvSpPr>
+            <a:spLocks noGrp="1"/>
+          </p:cNvSpPr>
+          <p:nvPr>
+            <p:ph type="sldNum" sz="quarter" idx="10"/>
+          </p:nvPr>
+        </p:nvSpPr>
+        <p:spPr/>
+        <p:txBody>
+          <a:bodyPr/>
+          <a:lstStyle/>
+          <a:p>
+            <a:fld id="{5FAE23DA-1601-498D-B2E3-972800982184}" type="slidenum">
+              <a:rPr lang="en-US" altLang="zh-TW" smtClean="0"/>
+              <a:pPr/>
+              <a:t>36</a:t>
+            </a:fld>
+            <a:endParaRPr lang="en-US" altLang="zh-TW"/>
+          </a:p>
+        </p:txBody>
+      </p:sp>
+    </p:spTree>
+    <p:extLst>
+      <p:ext uri="{BB962C8B-B14F-4D97-AF65-F5344CB8AC3E}">
         <p14:creationId xmlns:p14="http://schemas.microsoft.com/office/powerpoint/2010/main" val="770017496"/>
       </p:ext>
     </p:extLst>
@@ -3196,7 +3454,7 @@
 </p:notes>
 </file>
 
-<file path=ppt/notesSlides/notesSlide32.xml><?xml version="1.0" encoding="utf-8"?>
+<file path=ppt/notesSlides/notesSlide35.xml><?xml version="1.0" encoding="utf-8"?>
 <p:notes xmlns:a="http://schemas.openxmlformats.org/drawingml/2006/main" xmlns:r="http://schemas.openxmlformats.org/officeDocument/2006/relationships" xmlns:p="http://schemas.openxmlformats.org/presentationml/2006/main">
   <p:cSld>
     <p:spTree>
@@ -3442,7 +3700,7 @@
                   <a:spcPct val="0"/>
                 </a:spcBef>
               </a:pPr>
-              <a:t>34</a:t>
+              <a:t>37</a:t>
             </a:fld>
             <a:endParaRPr lang="en-US" altLang="zh-TW" sz="1300">
               <a:latin typeface="Garamond" panose="02020404030301010803" pitchFamily="18" charset="0"/>
@@ -9234,13 +9492,13 @@
               <a:defRPr/>
             </a:pPr>
             <a:r>
-              <a:rPr lang="zh-TW" altLang="en-US" sz="1400" dirty="0">
+              <a:rPr lang="zh-TW" altLang="en-US" sz="1600" dirty="0">
                 <a:latin typeface="Times New Roman" panose="02020603050405020304" pitchFamily="18" charset="0"/>
                 <a:cs typeface="Times New Roman" panose="02020603050405020304" pitchFamily="18" charset="0"/>
               </a:rPr>
               <a:t>減少手動測試失誤問題</a:t>
             </a:r>
-            <a:endParaRPr lang="en-US" altLang="zh-TW" sz="1400" dirty="0">
+            <a:endParaRPr lang="en-US" altLang="zh-TW" sz="1600" dirty="0">
               <a:latin typeface="Times New Roman" panose="02020603050405020304" pitchFamily="18" charset="0"/>
               <a:cs typeface="Times New Roman" panose="02020603050405020304" pitchFamily="18" charset="0"/>
             </a:endParaRPr>
@@ -9252,27 +9510,27 @@
               <a:defRPr/>
             </a:pPr>
             <a:r>
-              <a:rPr lang="zh-TW" altLang="en-US" sz="1400" dirty="0" smtClean="0">
+              <a:rPr lang="zh-TW" altLang="en-US" sz="1600" dirty="0" smtClean="0">
                 <a:latin typeface="Times New Roman" panose="02020603050405020304" pitchFamily="18" charset="0"/>
                 <a:cs typeface="Times New Roman" panose="02020603050405020304" pitchFamily="18" charset="0"/>
               </a:rPr>
               <a:t>省去手動切換 </a:t>
             </a:r>
             <a:r>
-              <a:rPr lang="en-US" altLang="zh-TW" sz="1400" dirty="0" smtClean="0">
+              <a:rPr lang="en-US" altLang="zh-TW" sz="1600" dirty="0" smtClean="0">
                 <a:latin typeface="Times New Roman" panose="02020603050405020304" pitchFamily="18" charset="0"/>
                 <a:cs typeface="Times New Roman" panose="02020603050405020304" pitchFamily="18" charset="0"/>
               </a:rPr>
               <a:t>AP</a:t>
             </a:r>
             <a:r>
-              <a:rPr lang="zh-TW" altLang="en-US" sz="1400" dirty="0" smtClean="0">
+              <a:rPr lang="zh-TW" altLang="en-US" sz="1600" dirty="0" smtClean="0">
                 <a:latin typeface="Times New Roman" panose="02020603050405020304" pitchFamily="18" charset="0"/>
                 <a:cs typeface="Times New Roman" panose="02020603050405020304" pitchFamily="18" charset="0"/>
               </a:rPr>
               <a:t> 行為</a:t>
             </a:r>
-            <a:endParaRPr lang="en-US" altLang="zh-TW" sz="1400" dirty="0" smtClean="0">
+            <a:endParaRPr lang="en-US" altLang="zh-TW" sz="1600" dirty="0" smtClean="0">
               <a:latin typeface="Times New Roman" panose="02020603050405020304" pitchFamily="18" charset="0"/>
               <a:cs typeface="Times New Roman" panose="02020603050405020304" pitchFamily="18" charset="0"/>
             </a:endParaRPr>
@@ -9284,27 +9542,27 @@
               <a:defRPr/>
             </a:pPr>
             <a:r>
-              <a:rPr lang="zh-TW" altLang="en-US" sz="1400" dirty="0" smtClean="0">
+              <a:rPr lang="zh-TW" altLang="en-US" sz="1600" dirty="0" smtClean="0">
                 <a:latin typeface="Times New Roman" panose="02020603050405020304" pitchFamily="18" charset="0"/>
                 <a:cs typeface="Times New Roman" panose="02020603050405020304" pitchFamily="18" charset="0"/>
               </a:rPr>
               <a:t>準確擷取 </a:t>
             </a:r>
             <a:r>
-              <a:rPr lang="en-US" altLang="zh-TW" sz="1400" dirty="0" smtClean="0">
+              <a:rPr lang="en-US" altLang="zh-TW" sz="1600" dirty="0" smtClean="0">
                 <a:latin typeface="Times New Roman" panose="02020603050405020304" pitchFamily="18" charset="0"/>
                 <a:cs typeface="Times New Roman" panose="02020603050405020304" pitchFamily="18" charset="0"/>
               </a:rPr>
               <a:t>Ping </a:t>
             </a:r>
             <a:r>
-              <a:rPr lang="zh-TW" altLang="en-US" sz="1400" dirty="0" smtClean="0">
+              <a:rPr lang="zh-TW" altLang="en-US" sz="1600" dirty="0" smtClean="0">
                 <a:latin typeface="Times New Roman" panose="02020603050405020304" pitchFamily="18" charset="0"/>
                 <a:cs typeface="Times New Roman" panose="02020603050405020304" pitchFamily="18" charset="0"/>
               </a:rPr>
               <a:t>紀錄檔</a:t>
             </a:r>
-            <a:endParaRPr lang="en-US" altLang="zh-TW" sz="1400" dirty="0" smtClean="0">
+            <a:endParaRPr lang="en-US" altLang="zh-TW" sz="1600" dirty="0" smtClean="0">
               <a:latin typeface="Times New Roman" panose="02020603050405020304" pitchFamily="18" charset="0"/>
               <a:cs typeface="Times New Roman" panose="02020603050405020304" pitchFamily="18" charset="0"/>
             </a:endParaRPr>
@@ -9316,13 +9574,13 @@
               <a:defRPr/>
             </a:pPr>
             <a:r>
-              <a:rPr lang="zh-TW" altLang="en-US" sz="1400" dirty="0" smtClean="0">
+              <a:rPr lang="zh-TW" altLang="en-US" sz="1600" dirty="0" smtClean="0">
                 <a:latin typeface="Times New Roman" panose="02020603050405020304" pitchFamily="18" charset="0"/>
                 <a:cs typeface="Times New Roman" panose="02020603050405020304" pitchFamily="18" charset="0"/>
               </a:rPr>
               <a:t>長時間壓力測試執行</a:t>
             </a:r>
-            <a:endParaRPr lang="en-US" altLang="zh-TW" sz="1400" dirty="0">
+            <a:endParaRPr lang="en-US" altLang="zh-TW" sz="1600" dirty="0">
               <a:latin typeface="Times New Roman" panose="02020603050405020304" pitchFamily="18" charset="0"/>
               <a:cs typeface="Times New Roman" panose="02020603050405020304" pitchFamily="18" charset="0"/>
             </a:endParaRPr>
@@ -10433,7 +10691,7 @@
           <a:graphicData uri="http://schemas.openxmlformats.org/presentationml/2006/ole">
             <mc:AlternateContent xmlns:mc="http://schemas.openxmlformats.org/markup-compatibility/2006">
               <mc:Choice xmlns:v="urn:schemas-microsoft-com:vml" Requires="v">
-                <p:oleObj spid="_x0000_s5169" name="封裝程式殼層物件" showAsIcon="1" r:id="rId4" imgW="744480" imgH="394920" progId="Package">
+                <p:oleObj spid="_x0000_s5207" name="封裝程式殼層物件" showAsIcon="1" r:id="rId4" imgW="744480" imgH="394920" progId="Package">
                   <p:embed/>
                 </p:oleObj>
               </mc:Choice>
@@ -11164,69 +11422,69 @@
               <a:defRPr/>
             </a:pPr>
             <a:r>
-              <a:rPr lang="zh-TW" altLang="en-US" sz="1400" dirty="0">
+              <a:rPr lang="zh-TW" altLang="en-US" sz="1600" dirty="0">
                 <a:latin typeface="Times New Roman" panose="02020603050405020304" pitchFamily="18" charset="0"/>
                 <a:cs typeface="Times New Roman" panose="02020603050405020304" pitchFamily="18" charset="0"/>
               </a:rPr>
               <a:t>針對 </a:t>
             </a:r>
             <a:r>
-              <a:rPr lang="en-US" altLang="zh-TW" sz="1400" dirty="0">
+              <a:rPr lang="en-US" altLang="zh-TW" sz="1600" dirty="0">
                 <a:latin typeface="Times New Roman" panose="02020603050405020304" pitchFamily="18" charset="0"/>
                 <a:cs typeface="Times New Roman" panose="02020603050405020304" pitchFamily="18" charset="0"/>
               </a:rPr>
               <a:t>Wi-Fi Mode </a:t>
             </a:r>
             <a:r>
-              <a:rPr lang="zh-TW" altLang="en-US" sz="1400" dirty="0">
+              <a:rPr lang="zh-TW" altLang="en-US" sz="1600" dirty="0">
                 <a:latin typeface="Times New Roman" panose="02020603050405020304" pitchFamily="18" charset="0"/>
                 <a:cs typeface="Times New Roman" panose="02020603050405020304" pitchFamily="18" charset="0"/>
               </a:rPr>
               <a:t>中的 </a:t>
             </a:r>
             <a:r>
-              <a:rPr lang="en-US" altLang="zh-TW" sz="1400" dirty="0" smtClean="0">
+              <a:rPr lang="en-US" altLang="zh-TW" sz="1600" dirty="0" smtClean="0">
                 <a:latin typeface="Times New Roman" panose="02020603050405020304" pitchFamily="18" charset="0"/>
                 <a:cs typeface="Times New Roman" panose="02020603050405020304" pitchFamily="18" charset="0"/>
               </a:rPr>
               <a:t>2.4</a:t>
             </a:r>
             <a:r>
-              <a:rPr lang="zh-TW" altLang="en-US" sz="1400" dirty="0" smtClean="0">
+              <a:rPr lang="zh-TW" altLang="en-US" sz="1600" dirty="0" smtClean="0">
                 <a:latin typeface="Times New Roman" panose="02020603050405020304" pitchFamily="18" charset="0"/>
                 <a:cs typeface="Times New Roman" panose="02020603050405020304" pitchFamily="18" charset="0"/>
               </a:rPr>
               <a:t> </a:t>
             </a:r>
             <a:r>
-              <a:rPr lang="en-US" altLang="zh-TW" sz="1400" dirty="0">
+              <a:rPr lang="en-US" altLang="zh-TW" sz="1600" dirty="0">
                 <a:latin typeface="Times New Roman" panose="02020603050405020304" pitchFamily="18" charset="0"/>
                 <a:cs typeface="Times New Roman" panose="02020603050405020304" pitchFamily="18" charset="0"/>
               </a:rPr>
               <a:t>G </a:t>
             </a:r>
             <a:r>
-              <a:rPr lang="zh-TW" altLang="en-US" sz="1400" dirty="0" smtClean="0">
+              <a:rPr lang="zh-TW" altLang="en-US" sz="1600" dirty="0" smtClean="0">
                 <a:latin typeface="Times New Roman" panose="02020603050405020304" pitchFamily="18" charset="0"/>
                 <a:cs typeface="Times New Roman" panose="02020603050405020304" pitchFamily="18" charset="0"/>
               </a:rPr>
               <a:t>中的 </a:t>
             </a:r>
             <a:r>
-              <a:rPr lang="en-US" altLang="zh-TW" sz="1400" dirty="0" smtClean="0">
+              <a:rPr lang="en-US" altLang="zh-TW" sz="1600" dirty="0" smtClean="0">
                 <a:latin typeface="Times New Roman" panose="02020603050405020304" pitchFamily="18" charset="0"/>
                 <a:cs typeface="Times New Roman" panose="02020603050405020304" pitchFamily="18" charset="0"/>
               </a:rPr>
               <a:t>N Only, Legacy </a:t>
             </a:r>
             <a:r>
-              <a:rPr lang="zh-TW" altLang="en-US" sz="1400" dirty="0" smtClean="0">
+              <a:rPr lang="zh-TW" altLang="en-US" sz="1600" dirty="0" smtClean="0">
                 <a:latin typeface="Times New Roman" panose="02020603050405020304" pitchFamily="18" charset="0"/>
                 <a:cs typeface="Times New Roman" panose="02020603050405020304" pitchFamily="18" charset="0"/>
               </a:rPr>
               <a:t>相互切換</a:t>
             </a:r>
-            <a:endParaRPr lang="en-US" altLang="zh-TW" sz="1400" dirty="0" smtClean="0">
+            <a:endParaRPr lang="en-US" altLang="zh-TW" sz="1600" dirty="0" smtClean="0">
               <a:latin typeface="Times New Roman" panose="02020603050405020304" pitchFamily="18" charset="0"/>
               <a:cs typeface="Times New Roman" panose="02020603050405020304" pitchFamily="18" charset="0"/>
             </a:endParaRPr>
@@ -11238,62 +11496,62 @@
               <a:defRPr/>
             </a:pPr>
             <a:r>
-              <a:rPr lang="zh-TW" altLang="en-US" sz="1400" dirty="0">
+              <a:rPr lang="zh-TW" altLang="en-US" sz="1600" dirty="0">
                 <a:latin typeface="Times New Roman" panose="02020603050405020304" pitchFamily="18" charset="0"/>
                 <a:cs typeface="Times New Roman" panose="02020603050405020304" pitchFamily="18" charset="0"/>
               </a:rPr>
               <a:t>針對 </a:t>
             </a:r>
             <a:r>
-              <a:rPr lang="en-US" altLang="zh-TW" sz="1400" dirty="0">
+              <a:rPr lang="en-US" altLang="zh-TW" sz="1600" dirty="0">
                 <a:latin typeface="Times New Roman" panose="02020603050405020304" pitchFamily="18" charset="0"/>
                 <a:cs typeface="Times New Roman" panose="02020603050405020304" pitchFamily="18" charset="0"/>
               </a:rPr>
               <a:t>Wi-Fi Mode </a:t>
             </a:r>
             <a:r>
-              <a:rPr lang="zh-TW" altLang="en-US" sz="1400" dirty="0">
+              <a:rPr lang="zh-TW" altLang="en-US" sz="1600" dirty="0">
                 <a:latin typeface="Times New Roman" panose="02020603050405020304" pitchFamily="18" charset="0"/>
                 <a:cs typeface="Times New Roman" panose="02020603050405020304" pitchFamily="18" charset="0"/>
               </a:rPr>
               <a:t>中的 </a:t>
             </a:r>
             <a:r>
-              <a:rPr lang="en-US" altLang="zh-TW" sz="1400" dirty="0" smtClean="0">
+              <a:rPr lang="en-US" altLang="zh-TW" sz="1600" dirty="0" smtClean="0">
                 <a:latin typeface="Times New Roman" panose="02020603050405020304" pitchFamily="18" charset="0"/>
                 <a:cs typeface="Times New Roman" panose="02020603050405020304" pitchFamily="18" charset="0"/>
               </a:rPr>
               <a:t>5 G </a:t>
             </a:r>
             <a:r>
-              <a:rPr lang="zh-TW" altLang="en-US" sz="1400" dirty="0">
+              <a:rPr lang="zh-TW" altLang="en-US" sz="1600" dirty="0">
                 <a:latin typeface="Times New Roman" panose="02020603050405020304" pitchFamily="18" charset="0"/>
                 <a:cs typeface="Times New Roman" panose="02020603050405020304" pitchFamily="18" charset="0"/>
               </a:rPr>
               <a:t>中的 </a:t>
             </a:r>
             <a:r>
-              <a:rPr lang="en-US" altLang="zh-TW" sz="1400" dirty="0">
+              <a:rPr lang="en-US" altLang="zh-TW" sz="1600" dirty="0">
                 <a:latin typeface="Times New Roman" panose="02020603050405020304" pitchFamily="18" charset="0"/>
                 <a:cs typeface="Times New Roman" panose="02020603050405020304" pitchFamily="18" charset="0"/>
               </a:rPr>
               <a:t>N/AC mixed, Legacy </a:t>
             </a:r>
             <a:r>
-              <a:rPr lang="zh-TW" altLang="en-US" sz="1400" dirty="0">
+              <a:rPr lang="zh-TW" altLang="en-US" sz="1600" dirty="0">
                 <a:latin typeface="Times New Roman" panose="02020603050405020304" pitchFamily="18" charset="0"/>
                 <a:cs typeface="Times New Roman" panose="02020603050405020304" pitchFamily="18" charset="0"/>
               </a:rPr>
               <a:t>相互</a:t>
             </a:r>
             <a:r>
-              <a:rPr lang="zh-TW" altLang="en-US" sz="1400" dirty="0" smtClean="0">
+              <a:rPr lang="zh-TW" altLang="en-US" sz="1600" dirty="0" smtClean="0">
                 <a:latin typeface="Times New Roman" panose="02020603050405020304" pitchFamily="18" charset="0"/>
                 <a:cs typeface="Times New Roman" panose="02020603050405020304" pitchFamily="18" charset="0"/>
               </a:rPr>
               <a:t>切換</a:t>
             </a:r>
-            <a:endParaRPr lang="en-US" altLang="zh-TW" sz="1400" dirty="0">
+            <a:endParaRPr lang="en-US" altLang="zh-TW" sz="1600" dirty="0">
               <a:latin typeface="Times New Roman" panose="02020603050405020304" pitchFamily="18" charset="0"/>
               <a:cs typeface="Times New Roman" panose="02020603050405020304" pitchFamily="18" charset="0"/>
             </a:endParaRPr>
@@ -11305,55 +11563,62 @@
               <a:defRPr/>
             </a:pPr>
             <a:r>
-              <a:rPr lang="zh-TW" altLang="en-US" sz="1400" dirty="0">
+              <a:rPr lang="zh-TW" altLang="en-US" sz="1600" dirty="0">
                 <a:latin typeface="Times New Roman" panose="02020603050405020304" pitchFamily="18" charset="0"/>
                 <a:cs typeface="Times New Roman" panose="02020603050405020304" pitchFamily="18" charset="0"/>
               </a:rPr>
               <a:t>長時間做 </a:t>
             </a:r>
             <a:r>
-              <a:rPr lang="en-US" altLang="zh-TW" sz="1400" dirty="0">
+              <a:rPr lang="en-US" altLang="zh-TW" sz="1600" dirty="0">
                 <a:latin typeface="Times New Roman" panose="02020603050405020304" pitchFamily="18" charset="0"/>
                 <a:cs typeface="Times New Roman" panose="02020603050405020304" pitchFamily="18" charset="0"/>
               </a:rPr>
               <a:t>2.4 G </a:t>
             </a:r>
             <a:r>
-              <a:rPr lang="zh-TW" altLang="en-US" sz="1400" dirty="0">
+              <a:rPr lang="zh-TW" altLang="en-US" sz="1600" dirty="0">
                 <a:latin typeface="Times New Roman" panose="02020603050405020304" pitchFamily="18" charset="0"/>
                 <a:cs typeface="Times New Roman" panose="02020603050405020304" pitchFamily="18" charset="0"/>
               </a:rPr>
               <a:t>及 </a:t>
             </a:r>
             <a:r>
-              <a:rPr lang="en-US" altLang="zh-TW" sz="1400" dirty="0">
+              <a:rPr lang="en-US" altLang="zh-TW" sz="1600" dirty="0">
                 <a:latin typeface="Times New Roman" panose="02020603050405020304" pitchFamily="18" charset="0"/>
                 <a:cs typeface="Times New Roman" panose="02020603050405020304" pitchFamily="18" charset="0"/>
               </a:rPr>
               <a:t>5</a:t>
             </a:r>
             <a:r>
-              <a:rPr lang="zh-TW" altLang="en-US" sz="1400" dirty="0">
+              <a:rPr lang="zh-TW" altLang="en-US" sz="1600" dirty="0">
                 <a:latin typeface="Times New Roman" panose="02020603050405020304" pitchFamily="18" charset="0"/>
                 <a:cs typeface="Times New Roman" panose="02020603050405020304" pitchFamily="18" charset="0"/>
               </a:rPr>
               <a:t> </a:t>
             </a:r>
             <a:r>
-              <a:rPr lang="en-US" altLang="zh-TW" sz="1400" dirty="0">
+              <a:rPr lang="en-US" altLang="zh-TW" sz="1600" dirty="0">
                 <a:latin typeface="Times New Roman" panose="02020603050405020304" pitchFamily="18" charset="0"/>
                 <a:cs typeface="Times New Roman" panose="02020603050405020304" pitchFamily="18" charset="0"/>
               </a:rPr>
               <a:t>G </a:t>
             </a:r>
             <a:r>
-              <a:rPr lang="zh-TW" altLang="en-US" sz="1400" dirty="0">
-                <a:latin typeface="Times New Roman" panose="02020603050405020304" pitchFamily="18" charset="0"/>
-                <a:cs typeface="Times New Roman" panose="02020603050405020304" pitchFamily="18" charset="0"/>
-              </a:rPr>
-              <a:t>之壓力測試</a:t>
-            </a:r>
-            <a:endParaRPr lang="en-US" altLang="zh-TW" sz="1400" dirty="0">
+              <a:rPr lang="zh-TW" altLang="en-US" sz="1600" dirty="0">
+                <a:latin typeface="Times New Roman" panose="02020603050405020304" pitchFamily="18" charset="0"/>
+                <a:cs typeface="Times New Roman" panose="02020603050405020304" pitchFamily="18" charset="0"/>
+              </a:rPr>
+              <a:t>之壓力</a:t>
+            </a:r>
+            <a:r>
+              <a:rPr lang="zh-TW" altLang="en-US" sz="1600" dirty="0" smtClean="0">
+                <a:latin typeface="Times New Roman" panose="02020603050405020304" pitchFamily="18" charset="0"/>
+                <a:cs typeface="Times New Roman" panose="02020603050405020304" pitchFamily="18" charset="0"/>
+              </a:rPr>
+              <a:t>測試</a:t>
+            </a:r>
+            <a:endParaRPr lang="en-US" altLang="zh-TW" sz="1600" dirty="0">
               <a:latin typeface="Times New Roman" panose="02020603050405020304" pitchFamily="18" charset="0"/>
               <a:cs typeface="Times New Roman" panose="02020603050405020304" pitchFamily="18" charset="0"/>
             </a:endParaRPr>
@@ -11814,14 +12079,42 @@
                 <a:latin typeface="Times New Roman" panose="02020603050405020304" pitchFamily="18" charset="0"/>
                 <a:cs typeface="Times New Roman" panose="02020603050405020304" pitchFamily="18" charset="0"/>
               </a:rPr>
-              <a:t>Android 6.0.1 (RJ-45), Android 6.0.1 (OTG</a:t>
+              <a:t>Android 6.0.1 (</a:t>
             </a:r>
             <a:r>
               <a:rPr lang="en-US" altLang="zh-TW" sz="1800" dirty="0" smtClean="0">
                 <a:latin typeface="Times New Roman" panose="02020603050405020304" pitchFamily="18" charset="0"/>
                 <a:cs typeface="Times New Roman" panose="02020603050405020304" pitchFamily="18" charset="0"/>
               </a:rPr>
-              <a:t>) for WLAN and WWAN</a:t>
+              <a:t>RJ-45) or Android </a:t>
+            </a:r>
+            <a:r>
+              <a:rPr lang="en-US" altLang="zh-TW" sz="1800" dirty="0">
+                <a:latin typeface="Times New Roman" panose="02020603050405020304" pitchFamily="18" charset="0"/>
+                <a:cs typeface="Times New Roman" panose="02020603050405020304" pitchFamily="18" charset="0"/>
+              </a:rPr>
+              <a:t>8.0.1 </a:t>
+            </a:r>
+            <a:r>
+              <a:rPr lang="en-US" altLang="zh-TW" sz="1800" dirty="0" smtClean="0">
+                <a:latin typeface="Times New Roman" panose="02020603050405020304" pitchFamily="18" charset="0"/>
+                <a:cs typeface="Times New Roman" panose="02020603050405020304" pitchFamily="18" charset="0"/>
+              </a:rPr>
+              <a:t>(RJ-45) </a:t>
+            </a:r>
+            <a:r>
+              <a:rPr lang="en-US" altLang="zh-TW" sz="1800" dirty="0">
+                <a:latin typeface="Times New Roman" panose="02020603050405020304" pitchFamily="18" charset="0"/>
+                <a:cs typeface="Times New Roman" panose="02020603050405020304" pitchFamily="18" charset="0"/>
+              </a:rPr>
+              <a:t>for </a:t>
+            </a:r>
+            <a:r>
+              <a:rPr lang="en-US" altLang="zh-TW" sz="1800" dirty="0" smtClean="0">
+                <a:latin typeface="Times New Roman" panose="02020603050405020304" pitchFamily="18" charset="0"/>
+                <a:cs typeface="Times New Roman" panose="02020603050405020304" pitchFamily="18" charset="0"/>
+              </a:rPr>
+              <a:t>WLAN and WWAN</a:t>
             </a:r>
             <a:endParaRPr lang="en-US" altLang="zh-TW" sz="1800" dirty="0">
               <a:latin typeface="Times New Roman" panose="02020603050405020304" pitchFamily="18" charset="0"/>
@@ -11839,8 +12132,15 @@
                 <a:latin typeface="Times New Roman" panose="02020603050405020304" pitchFamily="18" charset="0"/>
                 <a:cs typeface="Times New Roman" panose="02020603050405020304" pitchFamily="18" charset="0"/>
               </a:rPr>
-              <a:t>System Structure</a:t>
-            </a:r>
+              <a:t>Block Diagram</a:t>
+            </a:r>
+          </a:p>
+          <a:p>
+            <a:pPr marL="342900" lvl="1" indent="-342900" eaLnBrk="1" hangingPunct="1">
+              <a:buFont typeface="Arial" charset="0"/>
+              <a:buChar char="•"/>
+              <a:defRPr/>
+            </a:pPr>
             <a:endParaRPr lang="en-US" altLang="zh-TW" sz="1800" dirty="0">
               <a:latin typeface="Times New Roman" panose="02020603050405020304" pitchFamily="18" charset="0"/>
               <a:cs typeface="Times New Roman" panose="02020603050405020304" pitchFamily="18" charset="0"/>
@@ -11911,6 +12211,39 @@
           </a:p>
         </p:txBody>
       </p:sp>
+      <p:pic>
+        <p:nvPicPr>
+          <p:cNvPr id="4" name="圖片 3"/>
+          <p:cNvPicPr/>
+          <p:nvPr/>
+        </p:nvPicPr>
+        <p:blipFill>
+          <a:blip r:embed="rId3">
+            <a:extLst>
+              <a:ext uri="{28A0092B-C50C-407E-A947-70E740481C1C}">
+                <a14:useLocalDpi xmlns:a14="http://schemas.microsoft.com/office/drawing/2010/main" val="0"/>
+              </a:ext>
+            </a:extLst>
+          </a:blip>
+          <a:srcRect/>
+          <a:stretch>
+            <a:fillRect/>
+          </a:stretch>
+        </p:blipFill>
+        <p:spPr bwMode="auto">
+          <a:xfrm>
+            <a:off x="1814119" y="2094599"/>
+            <a:ext cx="5653405" cy="2075180"/>
+          </a:xfrm>
+          <a:prstGeom prst="rect">
+            <a:avLst/>
+          </a:prstGeom>
+          <a:noFill/>
+          <a:ln>
+            <a:noFill/>
+          </a:ln>
+        </p:spPr>
+      </p:pic>
     </p:spTree>
     <p:extLst>
       <p:ext uri="{BB962C8B-B14F-4D97-AF65-F5344CB8AC3E}">
@@ -12089,6 +12422,50 @@
                                               <p:pRg st="1" end="1"/>
                                             </p:txEl>
                                           </p:spTgt>
+                                        </p:tgtEl>
+                                      </p:cBhvr>
+                                    </p:animEffect>
+                                  </p:childTnLst>
+                                </p:cTn>
+                              </p:par>
+                            </p:childTnLst>
+                          </p:cTn>
+                        </p:par>
+                        <p:par>
+                          <p:cTn id="16" fill="hold">
+                            <p:stCondLst>
+                              <p:cond delay="750"/>
+                            </p:stCondLst>
+                            <p:childTnLst>
+                              <p:par>
+                                <p:cTn id="17" presetID="10" presetClass="entr" presetSubtype="0" fill="hold" nodeType="afterEffect">
+                                  <p:stCondLst>
+                                    <p:cond delay="0"/>
+                                  </p:stCondLst>
+                                  <p:childTnLst>
+                                    <p:set>
+                                      <p:cBhvr>
+                                        <p:cTn id="18" dur="1" fill="hold">
+                                          <p:stCondLst>
+                                            <p:cond delay="0"/>
+                                          </p:stCondLst>
+                                        </p:cTn>
+                                        <p:tgtEl>
+                                          <p:spTgt spid="4"/>
+                                        </p:tgtEl>
+                                        <p:attrNameLst>
+                                          <p:attrName>style.visibility</p:attrName>
+                                        </p:attrNameLst>
+                                      </p:cBhvr>
+                                      <p:to>
+                                        <p:strVal val="visible"/>
+                                      </p:to>
+                                    </p:set>
+                                    <p:animEffect transition="in" filter="fade">
+                                      <p:cBhvr>
+                                        <p:cTn id="19" dur="250"/>
+                                        <p:tgtEl>
+                                          <p:spTgt spid="4"/>
                                         </p:tgtEl>
                                       </p:cBhvr>
                                     </p:animEffect>
@@ -12172,42 +12549,16 @@
               <a:defRPr/>
             </a:pPr>
             <a:r>
-              <a:rPr lang="en-US" altLang="zh-TW" sz="1800" dirty="0">
-                <a:latin typeface="Times New Roman" panose="02020603050405020304" pitchFamily="18" charset="0"/>
-                <a:cs typeface="Times New Roman" panose="02020603050405020304" pitchFamily="18" charset="0"/>
-              </a:rPr>
-              <a:t>Android 8.1.0</a:t>
-            </a:r>
-            <a:r>
-              <a:rPr lang="zh-TW" altLang="en-US" sz="1800" dirty="0">
-                <a:latin typeface="Times New Roman" panose="02020603050405020304" pitchFamily="18" charset="0"/>
-                <a:cs typeface="Times New Roman" panose="02020603050405020304" pitchFamily="18" charset="0"/>
-              </a:rPr>
-              <a:t> </a:t>
-            </a:r>
-            <a:r>
-              <a:rPr lang="en-US" altLang="zh-TW" sz="1800" dirty="0">
-                <a:latin typeface="Times New Roman" panose="02020603050405020304" pitchFamily="18" charset="0"/>
-                <a:cs typeface="Times New Roman" panose="02020603050405020304" pitchFamily="18" charset="0"/>
-              </a:rPr>
-              <a:t>(RJ-45), Android 8.1.0 (OTG</a:t>
-            </a:r>
-            <a:r>
               <a:rPr lang="en-US" altLang="zh-TW" sz="1800" dirty="0" smtClean="0">
                 <a:latin typeface="Times New Roman" panose="02020603050405020304" pitchFamily="18" charset="0"/>
                 <a:cs typeface="Times New Roman" panose="02020603050405020304" pitchFamily="18" charset="0"/>
               </a:rPr>
-              <a:t>) for WLAN and WWAN</a:t>
-            </a:r>
-            <a:endParaRPr lang="en-US" altLang="zh-TW" sz="1800" dirty="0">
-              <a:latin typeface="Times New Roman" panose="02020603050405020304" pitchFamily="18" charset="0"/>
-              <a:cs typeface="Times New Roman" panose="02020603050405020304" pitchFamily="18" charset="0"/>
-            </a:endParaRPr>
-          </a:p>
-          <a:p>
-            <a:pPr marL="342900" lvl="1" indent="-342900" eaLnBrk="1" hangingPunct="1">
-              <a:buFont typeface="Arial" charset="0"/>
-              <a:buChar char="•"/>
+              <a:t>The output screenshot and log as below:</a:t>
+            </a:r>
+          </a:p>
+          <a:p>
+            <a:pPr marL="0" lvl="1" indent="0" algn="ctr" eaLnBrk="1" hangingPunct="1">
+              <a:buNone/>
               <a:defRPr/>
             </a:pPr>
             <a:r>
@@ -12215,18 +12566,11 @@
                 <a:latin typeface="Times New Roman" panose="02020603050405020304" pitchFamily="18" charset="0"/>
                 <a:cs typeface="Times New Roman" panose="02020603050405020304" pitchFamily="18" charset="0"/>
               </a:rPr>
-              <a:t>System </a:t>
-            </a:r>
-            <a:r>
-              <a:rPr lang="en-US" altLang="zh-TW" sz="1800" dirty="0">
-                <a:latin typeface="Times New Roman" panose="02020603050405020304" pitchFamily="18" charset="0"/>
-                <a:cs typeface="Times New Roman" panose="02020603050405020304" pitchFamily="18" charset="0"/>
-              </a:rPr>
-              <a:t>Structure</a:t>
-            </a:r>
-          </a:p>
-          <a:p>
-            <a:pPr eaLnBrk="1" hangingPunct="1">
+              <a:t>	       Airplane on		                     Airplane off				</a:t>
+            </a:r>
+          </a:p>
+          <a:p>
+            <a:pPr marL="342900" lvl="1" indent="-342900" eaLnBrk="1" hangingPunct="1">
               <a:buFont typeface="Arial" charset="0"/>
               <a:buChar char="•"/>
               <a:defRPr/>
@@ -12301,10 +12645,149 @@
           </a:p>
         </p:txBody>
       </p:sp>
+      <p:pic>
+        <p:nvPicPr>
+          <p:cNvPr id="9" name="Picture 5" descr="D:\Users\ZL.chen\Desktop\airplane_on_1_20200207_164149.jpg"/>
+          <p:cNvPicPr>
+            <a:picLocks noChangeAspect="1" noChangeArrowheads="1"/>
+          </p:cNvPicPr>
+          <p:nvPr/>
+        </p:nvPicPr>
+        <p:blipFill>
+          <a:blip r:embed="rId4" cstate="print">
+            <a:extLst>
+              <a:ext uri="{28A0092B-C50C-407E-A947-70E740481C1C}">
+                <a14:useLocalDpi xmlns:a14="http://schemas.microsoft.com/office/drawing/2010/main" val="0"/>
+              </a:ext>
+            </a:extLst>
+          </a:blip>
+          <a:srcRect/>
+          <a:stretch>
+            <a:fillRect/>
+          </a:stretch>
+        </p:blipFill>
+        <p:spPr bwMode="auto">
+          <a:xfrm>
+            <a:off x="804243" y="1674568"/>
+            <a:ext cx="3629064" cy="2268165"/>
+          </a:xfrm>
+          <a:prstGeom prst="rect">
+            <a:avLst/>
+          </a:prstGeom>
+          <a:noFill/>
+          <a:extLst>
+            <a:ext uri="{909E8E84-426E-40DD-AFC4-6F175D3DCCD1}">
+              <a14:hiddenFill xmlns:a14="http://schemas.microsoft.com/office/drawing/2010/main">
+                <a:solidFill>
+                  <a:srgbClr val="FFFFFF"/>
+                </a:solidFill>
+              </a14:hiddenFill>
+            </a:ext>
+          </a:extLst>
+        </p:spPr>
+      </p:pic>
+      <p:pic>
+        <p:nvPicPr>
+          <p:cNvPr id="11" name="Picture 6" descr="D:\Users\ZL.chen\Desktop\airplane_off_1_20200207_164207.jpg"/>
+          <p:cNvPicPr>
+            <a:picLocks noChangeAspect="1" noChangeArrowheads="1"/>
+          </p:cNvPicPr>
+          <p:nvPr/>
+        </p:nvPicPr>
+        <p:blipFill>
+          <a:blip r:embed="rId5" cstate="print">
+            <a:extLst>
+              <a:ext uri="{28A0092B-C50C-407E-A947-70E740481C1C}">
+                <a14:useLocalDpi xmlns:a14="http://schemas.microsoft.com/office/drawing/2010/main" val="0"/>
+              </a:ext>
+            </a:extLst>
+          </a:blip>
+          <a:srcRect/>
+          <a:stretch>
+            <a:fillRect/>
+          </a:stretch>
+        </p:blipFill>
+        <p:spPr bwMode="auto">
+          <a:xfrm>
+            <a:off x="4480199" y="1674569"/>
+            <a:ext cx="3629061" cy="2268164"/>
+          </a:xfrm>
+          <a:prstGeom prst="rect">
+            <a:avLst/>
+          </a:prstGeom>
+          <a:noFill/>
+          <a:extLst>
+            <a:ext uri="{909E8E84-426E-40DD-AFC4-6F175D3DCCD1}">
+              <a14:hiddenFill xmlns:a14="http://schemas.microsoft.com/office/drawing/2010/main">
+                <a:solidFill>
+                  <a:srgbClr val="FFFFFF"/>
+                </a:solidFill>
+              </a14:hiddenFill>
+            </a:ext>
+          </a:extLst>
+        </p:spPr>
+      </p:pic>
+      <p:graphicFrame>
+        <p:nvGraphicFramePr>
+          <p:cNvPr id="6" name="物件 5"/>
+          <p:cNvGraphicFramePr>
+            <a:graphicFrameLocks noChangeAspect="1"/>
+          </p:cNvGraphicFramePr>
+          <p:nvPr>
+            <p:extLst>
+              <p:ext uri="{D42A27DB-BD31-4B8C-83A1-F6EECF244321}">
+                <p14:modId xmlns:p14="http://schemas.microsoft.com/office/powerpoint/2010/main" val="203783720"/>
+              </p:ext>
+            </p:extLst>
+          </p:nvPr>
+        </p:nvGraphicFramePr>
+        <p:xfrm>
+          <a:off x="8070623" y="4263288"/>
+          <a:ext cx="744538" cy="395287"/>
+        </p:xfrm>
+        <a:graphic>
+          <a:graphicData uri="http://schemas.openxmlformats.org/presentationml/2006/ole">
+            <mc:AlternateContent xmlns:mc="http://schemas.openxmlformats.org/markup-compatibility/2006">
+              <mc:Choice xmlns:v="urn:schemas-microsoft-com:vml" Requires="v">
+                <p:oleObj spid="_x0000_s6174" name="封裝程式殼層物件" showAsIcon="1" r:id="rId6" imgW="744480" imgH="394920" progId="Package">
+                  <p:embed/>
+                </p:oleObj>
+              </mc:Choice>
+              <mc:Fallback>
+                <p:oleObj name="封裝程式殼層物件" showAsIcon="1" r:id="rId6" imgW="744480" imgH="394920" progId="Package">
+                  <p:embed/>
+                  <p:pic>
+                    <p:nvPicPr>
+                      <p:cNvPr id="0" name=""/>
+                      <p:cNvPicPr/>
+                      <p:nvPr/>
+                    </p:nvPicPr>
+                    <p:blipFill>
+                      <a:blip r:embed="rId7"/>
+                      <a:stretch>
+                        <a:fillRect/>
+                      </a:stretch>
+                    </p:blipFill>
+                    <p:spPr>
+                      <a:xfrm>
+                        <a:off x="8070623" y="4263288"/>
+                        <a:ext cx="744538" cy="395287"/>
+                      </a:xfrm>
+                      <a:prstGeom prst="rect">
+                        <a:avLst/>
+                      </a:prstGeom>
+                    </p:spPr>
+                  </p:pic>
+                </p:oleObj>
+              </mc:Fallback>
+            </mc:AlternateContent>
+          </a:graphicData>
+        </a:graphic>
+      </p:graphicFrame>
     </p:spTree>
     <p:extLst>
       <p:ext uri="{BB962C8B-B14F-4D97-AF65-F5344CB8AC3E}">
-        <p14:creationId xmlns:p14="http://schemas.microsoft.com/office/powerpoint/2010/main" val="1280512324"/>
+        <p14:creationId xmlns:p14="http://schemas.microsoft.com/office/powerpoint/2010/main" val="2522240891"/>
       </p:ext>
     </p:extLst>
   </p:cSld>
@@ -12479,6 +12962,120 @@
                                               <p:pRg st="1" end="1"/>
                                             </p:txEl>
                                           </p:spTgt>
+                                        </p:tgtEl>
+                                      </p:cBhvr>
+                                    </p:animEffect>
+                                  </p:childTnLst>
+                                </p:cTn>
+                              </p:par>
+                              <p:par>
+                                <p:cTn id="16" presetID="10" presetClass="entr" presetSubtype="0" fill="hold" nodeType="withEffect">
+                                  <p:stCondLst>
+                                    <p:cond delay="0"/>
+                                  </p:stCondLst>
+                                  <p:childTnLst>
+                                    <p:set>
+                                      <p:cBhvr>
+                                        <p:cTn id="17" dur="1" fill="hold">
+                                          <p:stCondLst>
+                                            <p:cond delay="0"/>
+                                          </p:stCondLst>
+                                        </p:cTn>
+                                        <p:tgtEl>
+                                          <p:spTgt spid="9"/>
+                                        </p:tgtEl>
+                                        <p:attrNameLst>
+                                          <p:attrName>style.visibility</p:attrName>
+                                        </p:attrNameLst>
+                                      </p:cBhvr>
+                                      <p:to>
+                                        <p:strVal val="visible"/>
+                                      </p:to>
+                                    </p:set>
+                                    <p:animEffect transition="in" filter="fade">
+                                      <p:cBhvr>
+                                        <p:cTn id="18" dur="250"/>
+                                        <p:tgtEl>
+                                          <p:spTgt spid="9"/>
+                                        </p:tgtEl>
+                                      </p:cBhvr>
+                                    </p:animEffect>
+                                  </p:childTnLst>
+                                </p:cTn>
+                              </p:par>
+                              <p:par>
+                                <p:cTn id="19" presetID="10" presetClass="entr" presetSubtype="0" fill="hold" nodeType="withEffect">
+                                  <p:stCondLst>
+                                    <p:cond delay="0"/>
+                                  </p:stCondLst>
+                                  <p:childTnLst>
+                                    <p:set>
+                                      <p:cBhvr>
+                                        <p:cTn id="20" dur="1" fill="hold">
+                                          <p:stCondLst>
+                                            <p:cond delay="0"/>
+                                          </p:stCondLst>
+                                        </p:cTn>
+                                        <p:tgtEl>
+                                          <p:spTgt spid="11"/>
+                                        </p:tgtEl>
+                                        <p:attrNameLst>
+                                          <p:attrName>style.visibility</p:attrName>
+                                        </p:attrNameLst>
+                                      </p:cBhvr>
+                                      <p:to>
+                                        <p:strVal val="visible"/>
+                                      </p:to>
+                                    </p:set>
+                                    <p:animEffect transition="in" filter="fade">
+                                      <p:cBhvr>
+                                        <p:cTn id="21" dur="250"/>
+                                        <p:tgtEl>
+                                          <p:spTgt spid="11"/>
+                                        </p:tgtEl>
+                                      </p:cBhvr>
+                                    </p:animEffect>
+                                  </p:childTnLst>
+                                </p:cTn>
+                              </p:par>
+                            </p:childTnLst>
+                          </p:cTn>
+                        </p:par>
+                        <p:par>
+                          <p:cTn id="22" fill="hold">
+                            <p:stCondLst>
+                              <p:cond delay="750"/>
+                            </p:stCondLst>
+                            <p:childTnLst>
+                              <p:par>
+                                <p:cTn id="23" presetID="10" presetClass="entr" presetSubtype="0" fill="hold" nodeType="afterEffect">
+                                  <p:stCondLst>
+                                    <p:cond delay="0"/>
+                                  </p:stCondLst>
+                                  <p:childTnLst>
+                                    <p:set>
+                                      <p:cBhvr>
+                                        <p:cTn id="24" dur="1" fill="hold">
+                                          <p:stCondLst>
+                                            <p:cond delay="0"/>
+                                          </p:stCondLst>
+                                        </p:cTn>
+                                        <p:tgtEl>
+                                          <p:spTgt spid="6"/>
+                                        </p:tgtEl>
+                                        <p:attrNameLst>
+                                          <p:attrName>style.visibility</p:attrName>
+                                        </p:attrNameLst>
+                                      </p:cBhvr>
+                                      <p:to>
+                                        <p:strVal val="visible"/>
+                                      </p:to>
+                                    </p:set>
+                                    <p:animEffect transition="in" filter="fade">
+                                      <p:cBhvr>
+                                        <p:cTn id="25" dur="250"/>
+                                        <p:tgtEl>
+                                          <p:spTgt spid="6"/>
                                         </p:tgtEl>
                                       </p:cBhvr>
                                     </p:animEffect>
@@ -12562,11 +13159,25 @@
               <a:defRPr/>
             </a:pPr>
             <a:r>
+              <a:rPr lang="en-US" altLang="zh-TW" sz="1800" dirty="0">
+                <a:latin typeface="Times New Roman" panose="02020603050405020304" pitchFamily="18" charset="0"/>
+                <a:cs typeface="Times New Roman" panose="02020603050405020304" pitchFamily="18" charset="0"/>
+              </a:rPr>
+              <a:t>Android 6.0.1 </a:t>
+            </a:r>
+            <a:r>
               <a:rPr lang="en-US" altLang="zh-TW" sz="1800" dirty="0" smtClean="0">
                 <a:latin typeface="Times New Roman" panose="02020603050405020304" pitchFamily="18" charset="0"/>
                 <a:cs typeface="Times New Roman" panose="02020603050405020304" pitchFamily="18" charset="0"/>
               </a:rPr>
-              <a:t>Windows for WLAN</a:t>
+              <a:t>(OTG) or Android 8.0.1 (OTG) for </a:t>
+            </a:r>
+            <a:r>
+              <a:rPr lang="en-US" altLang="zh-TW" sz="1800" dirty="0" smtClean="0">
+                <a:latin typeface="Times New Roman" panose="02020603050405020304" pitchFamily="18" charset="0"/>
+                <a:cs typeface="Times New Roman" panose="02020603050405020304" pitchFamily="18" charset="0"/>
+              </a:rPr>
+              <a:t>WLAN and WWAN</a:t>
             </a:r>
             <a:endParaRPr lang="en-US" altLang="zh-TW" sz="1800" dirty="0">
               <a:latin typeface="Times New Roman" panose="02020603050405020304" pitchFamily="18" charset="0"/>
@@ -12580,15 +13191,15 @@
               <a:defRPr/>
             </a:pPr>
             <a:r>
-              <a:rPr lang="en-US" altLang="zh-TW" sz="1800" dirty="0">
-                <a:latin typeface="Times New Roman" panose="02020603050405020304" pitchFamily="18" charset="0"/>
-                <a:cs typeface="Times New Roman" panose="02020603050405020304" pitchFamily="18" charset="0"/>
-              </a:rPr>
-              <a:t>System Structure</a:t>
-            </a:r>
-          </a:p>
-          <a:p>
-            <a:pPr eaLnBrk="1" hangingPunct="1">
+              <a:rPr lang="en-US" altLang="zh-TW" sz="1800" dirty="0" smtClean="0">
+                <a:latin typeface="Times New Roman" panose="02020603050405020304" pitchFamily="18" charset="0"/>
+                <a:cs typeface="Times New Roman" panose="02020603050405020304" pitchFamily="18" charset="0"/>
+              </a:rPr>
+              <a:t>Block Diagram</a:t>
+            </a:r>
+          </a:p>
+          <a:p>
+            <a:pPr marL="342900" lvl="1" indent="-342900" eaLnBrk="1" hangingPunct="1">
               <a:buFont typeface="Arial" charset="0"/>
               <a:buChar char="•"/>
               <a:defRPr/>
@@ -12663,10 +13274,43 @@
           </a:p>
         </p:txBody>
       </p:sp>
+      <p:pic>
+        <p:nvPicPr>
+          <p:cNvPr id="6" name="圖片 5"/>
+          <p:cNvPicPr/>
+          <p:nvPr/>
+        </p:nvPicPr>
+        <p:blipFill>
+          <a:blip r:embed="rId3">
+            <a:extLst>
+              <a:ext uri="{28A0092B-C50C-407E-A947-70E740481C1C}">
+                <a14:useLocalDpi xmlns:a14="http://schemas.microsoft.com/office/drawing/2010/main" val="0"/>
+              </a:ext>
+            </a:extLst>
+          </a:blip>
+          <a:srcRect/>
+          <a:stretch>
+            <a:fillRect/>
+          </a:stretch>
+        </p:blipFill>
+        <p:spPr bwMode="auto">
+          <a:xfrm>
+            <a:off x="1814119" y="2094599"/>
+            <a:ext cx="5696585" cy="2171700"/>
+          </a:xfrm>
+          <a:prstGeom prst="rect">
+            <a:avLst/>
+          </a:prstGeom>
+          <a:noFill/>
+          <a:ln>
+            <a:noFill/>
+          </a:ln>
+        </p:spPr>
+      </p:pic>
     </p:spTree>
     <p:extLst>
       <p:ext uri="{BB962C8B-B14F-4D97-AF65-F5344CB8AC3E}">
-        <p14:creationId xmlns:p14="http://schemas.microsoft.com/office/powerpoint/2010/main" val="3614060286"/>
+        <p14:creationId xmlns:p14="http://schemas.microsoft.com/office/powerpoint/2010/main" val="3913451707"/>
       </p:ext>
     </p:extLst>
   </p:cSld>
@@ -12841,6 +13485,50 @@
                                               <p:pRg st="1" end="1"/>
                                             </p:txEl>
                                           </p:spTgt>
+                                        </p:tgtEl>
+                                      </p:cBhvr>
+                                    </p:animEffect>
+                                  </p:childTnLst>
+                                </p:cTn>
+                              </p:par>
+                            </p:childTnLst>
+                          </p:cTn>
+                        </p:par>
+                        <p:par>
+                          <p:cTn id="16" fill="hold">
+                            <p:stCondLst>
+                              <p:cond delay="750"/>
+                            </p:stCondLst>
+                            <p:childTnLst>
+                              <p:par>
+                                <p:cTn id="17" presetID="10" presetClass="entr" presetSubtype="0" fill="hold" nodeType="afterEffect">
+                                  <p:stCondLst>
+                                    <p:cond delay="0"/>
+                                  </p:stCondLst>
+                                  <p:childTnLst>
+                                    <p:set>
+                                      <p:cBhvr>
+                                        <p:cTn id="18" dur="1" fill="hold">
+                                          <p:stCondLst>
+                                            <p:cond delay="0"/>
+                                          </p:stCondLst>
+                                        </p:cTn>
+                                        <p:tgtEl>
+                                          <p:spTgt spid="6"/>
+                                        </p:tgtEl>
+                                        <p:attrNameLst>
+                                          <p:attrName>style.visibility</p:attrName>
+                                        </p:attrNameLst>
+                                      </p:cBhvr>
+                                      <p:to>
+                                        <p:strVal val="visible"/>
+                                      </p:to>
+                                    </p:set>
+                                    <p:animEffect transition="in" filter="fade">
+                                      <p:cBhvr>
+                                        <p:cTn id="19" dur="250"/>
+                                        <p:tgtEl>
+                                          <p:spTgt spid="6"/>
                                         </p:tgtEl>
                                       </p:cBhvr>
                                     </p:animEffect>
@@ -13432,8 +14120,28 @@
                 <a:latin typeface="Times New Roman" panose="02020603050405020304" pitchFamily="18" charset="0"/>
                 <a:cs typeface="Times New Roman" panose="02020603050405020304" pitchFamily="18" charset="0"/>
               </a:rPr>
-              <a:t>Conclusion</a:t>
-            </a:r>
+              <a:t>The output screenshot and log as below:</a:t>
+            </a:r>
+          </a:p>
+          <a:p>
+            <a:pPr marL="0" lvl="1" indent="0" algn="ctr" eaLnBrk="1" hangingPunct="1">
+              <a:buNone/>
+              <a:defRPr/>
+            </a:pPr>
+            <a:r>
+              <a:rPr lang="en-US" altLang="zh-TW" sz="1800" dirty="0" smtClean="0">
+                <a:latin typeface="Times New Roman" panose="02020603050405020304" pitchFamily="18" charset="0"/>
+                <a:cs typeface="Times New Roman" panose="02020603050405020304" pitchFamily="18" charset="0"/>
+              </a:rPr>
+              <a:t>	     Airplane on		                     Airplane off				</a:t>
+            </a:r>
+          </a:p>
+          <a:p>
+            <a:pPr marL="342900" lvl="1" indent="-342900" eaLnBrk="1" hangingPunct="1">
+              <a:buFont typeface="Arial" charset="0"/>
+              <a:buChar char="•"/>
+              <a:defRPr/>
+            </a:pPr>
             <a:endParaRPr lang="en-US" altLang="zh-TW" sz="1800" dirty="0">
               <a:latin typeface="Times New Roman" panose="02020603050405020304" pitchFamily="18" charset="0"/>
               <a:cs typeface="Times New Roman" panose="02020603050405020304" pitchFamily="18" charset="0"/>
@@ -13504,10 +14212,149 @@
           </a:p>
         </p:txBody>
       </p:sp>
+      <p:graphicFrame>
+        <p:nvGraphicFramePr>
+          <p:cNvPr id="3" name="物件 2"/>
+          <p:cNvGraphicFramePr>
+            <a:graphicFrameLocks noChangeAspect="1"/>
+          </p:cNvGraphicFramePr>
+          <p:nvPr>
+            <p:extLst>
+              <p:ext uri="{D42A27DB-BD31-4B8C-83A1-F6EECF244321}">
+                <p14:modId xmlns:p14="http://schemas.microsoft.com/office/powerpoint/2010/main" val="3836651711"/>
+              </p:ext>
+            </p:extLst>
+          </p:nvPr>
+        </p:nvGraphicFramePr>
+        <p:xfrm>
+          <a:off x="8074091" y="4278922"/>
+          <a:ext cx="744538" cy="395288"/>
+        </p:xfrm>
+        <a:graphic>
+          <a:graphicData uri="http://schemas.openxmlformats.org/presentationml/2006/ole">
+            <mc:AlternateContent xmlns:mc="http://schemas.openxmlformats.org/markup-compatibility/2006">
+              <mc:Choice xmlns:v="urn:schemas-microsoft-com:vml" Requires="v">
+                <p:oleObj spid="_x0000_s7194" name="封裝程式殼層物件" showAsIcon="1" r:id="rId4" imgW="744480" imgH="394920" progId="Package">
+                  <p:embed/>
+                </p:oleObj>
+              </mc:Choice>
+              <mc:Fallback>
+                <p:oleObj name="封裝程式殼層物件" showAsIcon="1" r:id="rId4" imgW="744480" imgH="394920" progId="Package">
+                  <p:embed/>
+                  <p:pic>
+                    <p:nvPicPr>
+                      <p:cNvPr id="0" name=""/>
+                      <p:cNvPicPr/>
+                      <p:nvPr/>
+                    </p:nvPicPr>
+                    <p:blipFill>
+                      <a:blip r:embed="rId5"/>
+                      <a:stretch>
+                        <a:fillRect/>
+                      </a:stretch>
+                    </p:blipFill>
+                    <p:spPr>
+                      <a:xfrm>
+                        <a:off x="8074091" y="4278922"/>
+                        <a:ext cx="744538" cy="395288"/>
+                      </a:xfrm>
+                      <a:prstGeom prst="rect">
+                        <a:avLst/>
+                      </a:prstGeom>
+                    </p:spPr>
+                  </p:pic>
+                </p:oleObj>
+              </mc:Fallback>
+            </mc:AlternateContent>
+          </a:graphicData>
+        </a:graphic>
+      </p:graphicFrame>
+      <p:pic>
+        <p:nvPicPr>
+          <p:cNvPr id="7170" name="Picture 2" descr="D:\Users\ZL.chen\Desktop\airplane_on_1_20200207_165053.jpg"/>
+          <p:cNvPicPr>
+            <a:picLocks noChangeAspect="1" noChangeArrowheads="1"/>
+          </p:cNvPicPr>
+          <p:nvPr/>
+        </p:nvPicPr>
+        <p:blipFill>
+          <a:blip r:embed="rId6" cstate="print">
+            <a:extLst>
+              <a:ext uri="{28A0092B-C50C-407E-A947-70E740481C1C}">
+                <a14:useLocalDpi xmlns:a14="http://schemas.microsoft.com/office/drawing/2010/main" val="0"/>
+              </a:ext>
+            </a:extLst>
+          </a:blip>
+          <a:srcRect/>
+          <a:stretch>
+            <a:fillRect/>
+          </a:stretch>
+        </p:blipFill>
+        <p:spPr bwMode="auto">
+          <a:xfrm>
+            <a:off x="851135" y="1674568"/>
+            <a:ext cx="3693921" cy="2076816"/>
+          </a:xfrm>
+          <a:prstGeom prst="rect">
+            <a:avLst/>
+          </a:prstGeom>
+          <a:noFill/>
+          <a:extLst>
+            <a:ext uri="{909E8E84-426E-40DD-AFC4-6F175D3DCCD1}">
+              <a14:hiddenFill xmlns:a14="http://schemas.microsoft.com/office/drawing/2010/main">
+                <a:solidFill>
+                  <a:srgbClr val="FFFFFF"/>
+                </a:solidFill>
+              </a14:hiddenFill>
+            </a:ext>
+          </a:extLst>
+        </p:spPr>
+      </p:pic>
+      <p:pic>
+        <p:nvPicPr>
+          <p:cNvPr id="7171" name="Picture 3" descr="D:\Users\ZL.chen\Desktop\airplane_off_1_20200207_165113.jpg"/>
+          <p:cNvPicPr>
+            <a:picLocks noChangeAspect="1" noChangeArrowheads="1"/>
+          </p:cNvPicPr>
+          <p:nvPr/>
+        </p:nvPicPr>
+        <p:blipFill>
+          <a:blip r:embed="rId7" cstate="print">
+            <a:extLst>
+              <a:ext uri="{28A0092B-C50C-407E-A947-70E740481C1C}">
+                <a14:useLocalDpi xmlns:a14="http://schemas.microsoft.com/office/drawing/2010/main" val="0"/>
+              </a:ext>
+            </a:extLst>
+          </a:blip>
+          <a:srcRect/>
+          <a:stretch>
+            <a:fillRect/>
+          </a:stretch>
+        </p:blipFill>
+        <p:spPr bwMode="auto">
+          <a:xfrm>
+            <a:off x="4614246" y="1674567"/>
+            <a:ext cx="3693922" cy="2076817"/>
+          </a:xfrm>
+          <a:prstGeom prst="rect">
+            <a:avLst/>
+          </a:prstGeom>
+          <a:noFill/>
+          <a:extLst>
+            <a:ext uri="{909E8E84-426E-40DD-AFC4-6F175D3DCCD1}">
+              <a14:hiddenFill xmlns:a14="http://schemas.microsoft.com/office/drawing/2010/main">
+                <a:solidFill>
+                  <a:srgbClr val="FFFFFF"/>
+                </a:solidFill>
+              </a14:hiddenFill>
+            </a:ext>
+          </a:extLst>
+        </p:spPr>
+      </p:pic>
     </p:spTree>
     <p:extLst>
       <p:ext uri="{BB962C8B-B14F-4D97-AF65-F5344CB8AC3E}">
-        <p14:creationId xmlns:p14="http://schemas.microsoft.com/office/powerpoint/2010/main" val="944696784"/>
+        <p14:creationId xmlns:p14="http://schemas.microsoft.com/office/powerpoint/2010/main" val="1647438023"/>
       </p:ext>
     </p:extLst>
   </p:cSld>
@@ -13630,6 +14477,172 @@
                                               <p:pRg st="0" end="0"/>
                                             </p:txEl>
                                           </p:spTgt>
+                                        </p:tgtEl>
+                                      </p:cBhvr>
+                                    </p:animEffect>
+                                  </p:childTnLst>
+                                </p:cTn>
+                              </p:par>
+                            </p:childTnLst>
+                          </p:cTn>
+                        </p:par>
+                        <p:par>
+                          <p:cTn id="12" fill="hold">
+                            <p:stCondLst>
+                              <p:cond delay="500"/>
+                            </p:stCondLst>
+                            <p:childTnLst>
+                              <p:par>
+                                <p:cTn id="13" presetID="10" presetClass="entr" presetSubtype="0" fill="hold" nodeType="afterEffect">
+                                  <p:stCondLst>
+                                    <p:cond delay="0"/>
+                                  </p:stCondLst>
+                                  <p:childTnLst>
+                                    <p:set>
+                                      <p:cBhvr>
+                                        <p:cTn id="14" dur="1" fill="hold">
+                                          <p:stCondLst>
+                                            <p:cond delay="0"/>
+                                          </p:stCondLst>
+                                        </p:cTn>
+                                        <p:tgtEl>
+                                          <p:spTgt spid="15362">
+                                            <p:txEl>
+                                              <p:pRg st="1" end="1"/>
+                                            </p:txEl>
+                                          </p:spTgt>
+                                        </p:tgtEl>
+                                        <p:attrNameLst>
+                                          <p:attrName>style.visibility</p:attrName>
+                                        </p:attrNameLst>
+                                      </p:cBhvr>
+                                      <p:to>
+                                        <p:strVal val="visible"/>
+                                      </p:to>
+                                    </p:set>
+                                    <p:animEffect transition="in" filter="fade">
+                                      <p:cBhvr>
+                                        <p:cTn id="15" dur="250"/>
+                                        <p:tgtEl>
+                                          <p:spTgt spid="15362">
+                                            <p:txEl>
+                                              <p:pRg st="1" end="1"/>
+                                            </p:txEl>
+                                          </p:spTgt>
+                                        </p:tgtEl>
+                                      </p:cBhvr>
+                                    </p:animEffect>
+                                  </p:childTnLst>
+                                </p:cTn>
+                              </p:par>
+                              <p:par>
+                                <p:cTn id="16" presetID="10" presetClass="entr" presetSubtype="0" fill="hold" nodeType="withEffect">
+                                  <p:stCondLst>
+                                    <p:cond delay="0"/>
+                                  </p:stCondLst>
+                                  <p:childTnLst>
+                                    <p:set>
+                                      <p:cBhvr>
+                                        <p:cTn id="17" dur="1" fill="hold">
+                                          <p:stCondLst>
+                                            <p:cond delay="0"/>
+                                          </p:stCondLst>
+                                        </p:cTn>
+                                        <p:tgtEl>
+                                          <p:spTgt spid="7170"/>
+                                        </p:tgtEl>
+                                        <p:attrNameLst>
+                                          <p:attrName>style.visibility</p:attrName>
+                                        </p:attrNameLst>
+                                      </p:cBhvr>
+                                      <p:to>
+                                        <p:strVal val="visible"/>
+                                      </p:to>
+                                    </p:set>
+                                    <p:animEffect transition="in" filter="fade">
+                                      <p:cBhvr>
+                                        <p:cTn id="18" dur="250"/>
+                                        <p:tgtEl>
+                                          <p:spTgt spid="7170"/>
+                                        </p:tgtEl>
+                                      </p:cBhvr>
+                                    </p:animEffect>
+                                  </p:childTnLst>
+                                </p:cTn>
+                              </p:par>
+                              <p:par>
+                                <p:cTn id="19" presetID="10" presetClass="entr" presetSubtype="0" fill="hold" nodeType="withEffect">
+                                  <p:stCondLst>
+                                    <p:cond delay="0"/>
+                                  </p:stCondLst>
+                                  <p:childTnLst>
+                                    <p:set>
+                                      <p:cBhvr>
+                                        <p:cTn id="20" dur="1" fill="hold">
+                                          <p:stCondLst>
+                                            <p:cond delay="0"/>
+                                          </p:stCondLst>
+                                        </p:cTn>
+                                        <p:tgtEl>
+                                          <p:spTgt spid="7171"/>
+                                        </p:tgtEl>
+                                        <p:attrNameLst>
+                                          <p:attrName>style.visibility</p:attrName>
+                                        </p:attrNameLst>
+                                      </p:cBhvr>
+                                      <p:to>
+                                        <p:strVal val="visible"/>
+                                      </p:to>
+                                    </p:set>
+                                    <p:animEffect transition="in" filter="fade">
+                                      <p:cBhvr>
+                                        <p:cTn id="21" dur="250"/>
+                                        <p:tgtEl>
+                                          <p:spTgt spid="7171"/>
+                                        </p:tgtEl>
+                                      </p:cBhvr>
+                                    </p:animEffect>
+                                  </p:childTnLst>
+                                </p:cTn>
+                              </p:par>
+                            </p:childTnLst>
+                          </p:cTn>
+                        </p:par>
+                        <p:par>
+                          <p:cTn id="22" fill="hold">
+                            <p:stCondLst>
+                              <p:cond delay="750"/>
+                            </p:stCondLst>
+                            <p:childTnLst>
+                              <p:par>
+                                <p:cTn id="23" presetID="10" presetClass="entr" presetSubtype="0" fill="hold" nodeType="afterEffect">
+                                  <p:stCondLst>
+                                    <p:cond delay="0"/>
+                                  </p:stCondLst>
+                                  <p:childTnLst>
+                                    <p:set>
+                                      <p:cBhvr>
+                                        <p:cTn id="24" dur="1" fill="hold">
+                                          <p:stCondLst>
+                                            <p:cond delay="0"/>
+                                          </p:stCondLst>
+                                        </p:cTn>
+                                        <p:tgtEl>
+                                          <p:spTgt spid="3"/>
+                                        </p:tgtEl>
+                                        <p:attrNameLst>
+                                          <p:attrName>style.visibility</p:attrName>
+                                        </p:attrNameLst>
+                                      </p:cBhvr>
+                                      <p:to>
+                                        <p:strVal val="visible"/>
+                                      </p:to>
+                                    </p:set>
+                                    <p:animEffect transition="in" filter="fade">
+                                      <p:cBhvr>
+                                        <p:cTn id="25" dur="250"/>
+                                        <p:tgtEl>
+                                          <p:spTgt spid="3"/>
                                         </p:tgtEl>
                                       </p:cBhvr>
                                     </p:animEffect>
@@ -13713,6 +14726,2637 @@
               <a:defRPr/>
             </a:pPr>
             <a:r>
+              <a:rPr lang="en-US" altLang="zh-TW" sz="1800" dirty="0" smtClean="0">
+                <a:latin typeface="Times New Roman" panose="02020603050405020304" pitchFamily="18" charset="0"/>
+                <a:cs typeface="Times New Roman" panose="02020603050405020304" pitchFamily="18" charset="0"/>
+              </a:rPr>
+              <a:t>Windows for WLAN</a:t>
+            </a:r>
+            <a:endParaRPr lang="en-US" altLang="zh-TW" sz="1800" dirty="0">
+              <a:latin typeface="Times New Roman" panose="02020603050405020304" pitchFamily="18" charset="0"/>
+              <a:cs typeface="Times New Roman" panose="02020603050405020304" pitchFamily="18" charset="0"/>
+            </a:endParaRPr>
+          </a:p>
+          <a:p>
+            <a:pPr marL="342900" lvl="1" indent="-342900" eaLnBrk="1" hangingPunct="1">
+              <a:buFont typeface="Arial" charset="0"/>
+              <a:buChar char="•"/>
+              <a:defRPr/>
+            </a:pPr>
+            <a:r>
+              <a:rPr lang="en-US" altLang="zh-TW" sz="1800" dirty="0" smtClean="0">
+                <a:latin typeface="Times New Roman" panose="02020603050405020304" pitchFamily="18" charset="0"/>
+                <a:cs typeface="Times New Roman" panose="02020603050405020304" pitchFamily="18" charset="0"/>
+              </a:rPr>
+              <a:t>The test script base on </a:t>
+            </a:r>
+            <a:r>
+              <a:rPr lang="en-US" altLang="zh-TW" sz="1800" dirty="0" err="1" smtClean="0">
+                <a:latin typeface="Times New Roman" panose="02020603050405020304" pitchFamily="18" charset="0"/>
+                <a:cs typeface="Times New Roman" panose="02020603050405020304" pitchFamily="18" charset="0"/>
+              </a:rPr>
+              <a:t>Sikuli</a:t>
+            </a:r>
+            <a:r>
+              <a:rPr lang="en-US" altLang="zh-TW" sz="1800" dirty="0" smtClean="0">
+                <a:latin typeface="Times New Roman" panose="02020603050405020304" pitchFamily="18" charset="0"/>
+                <a:cs typeface="Times New Roman" panose="02020603050405020304" pitchFamily="18" charset="0"/>
+              </a:rPr>
+              <a:t> API under the windows environment.</a:t>
+            </a:r>
+          </a:p>
+          <a:p>
+            <a:pPr marL="742950" lvl="2" indent="-342900" eaLnBrk="1" hangingPunct="1">
+              <a:buFont typeface="Arial" charset="0"/>
+              <a:buChar char="•"/>
+              <a:defRPr/>
+            </a:pPr>
+            <a:r>
+              <a:rPr lang="en-US" altLang="zh-TW" sz="1600" dirty="0">
+                <a:latin typeface="Times New Roman" panose="02020603050405020304" pitchFamily="18" charset="0"/>
+                <a:cs typeface="Times New Roman" panose="02020603050405020304" pitchFamily="18" charset="0"/>
+              </a:rPr>
+              <a:t>Base on Python with Java </a:t>
+            </a:r>
+            <a:r>
+              <a:rPr lang="en-US" altLang="zh-TW" sz="1600" dirty="0" smtClean="0">
+                <a:latin typeface="Times New Roman" panose="02020603050405020304" pitchFamily="18" charset="0"/>
+                <a:cs typeface="Times New Roman" panose="02020603050405020304" pitchFamily="18" charset="0"/>
+              </a:rPr>
+              <a:t>environment</a:t>
+            </a:r>
+          </a:p>
+          <a:p>
+            <a:pPr marL="742950" lvl="2" indent="-342900" eaLnBrk="1" hangingPunct="1">
+              <a:buFont typeface="Arial" charset="0"/>
+              <a:buChar char="•"/>
+              <a:defRPr/>
+            </a:pPr>
+            <a:r>
+              <a:rPr lang="en-US" altLang="zh-TW" sz="1600" dirty="0" smtClean="0">
+                <a:latin typeface="Times New Roman" panose="02020603050405020304" pitchFamily="18" charset="0"/>
+                <a:cs typeface="Times New Roman" panose="02020603050405020304" pitchFamily="18" charset="0"/>
+              </a:rPr>
+              <a:t>How </a:t>
+            </a:r>
+            <a:r>
+              <a:rPr lang="en-US" altLang="zh-TW" sz="1600" dirty="0" err="1" smtClean="0">
+                <a:latin typeface="Times New Roman" panose="02020603050405020304" pitchFamily="18" charset="0"/>
+                <a:cs typeface="Times New Roman" panose="02020603050405020304" pitchFamily="18" charset="0"/>
+              </a:rPr>
+              <a:t>Sikuli</a:t>
+            </a:r>
+            <a:r>
+              <a:rPr lang="en-US" altLang="zh-TW" sz="1600" dirty="0" smtClean="0">
+                <a:latin typeface="Times New Roman" panose="02020603050405020304" pitchFamily="18" charset="0"/>
+                <a:cs typeface="Times New Roman" panose="02020603050405020304" pitchFamily="18" charset="0"/>
+              </a:rPr>
+              <a:t> works ?</a:t>
+            </a:r>
+            <a:endParaRPr lang="en-US" altLang="zh-TW" sz="1600" dirty="0">
+              <a:latin typeface="Times New Roman" panose="02020603050405020304" pitchFamily="18" charset="0"/>
+              <a:cs typeface="Times New Roman" panose="02020603050405020304" pitchFamily="18" charset="0"/>
+            </a:endParaRPr>
+          </a:p>
+          <a:p>
+            <a:pPr marL="342900" lvl="1" indent="-342900" eaLnBrk="1" hangingPunct="1">
+              <a:buFont typeface="Arial" charset="0"/>
+              <a:buChar char="•"/>
+              <a:defRPr/>
+            </a:pPr>
+            <a:r>
+              <a:rPr lang="en-US" altLang="zh-TW" sz="1800" dirty="0" err="1" smtClean="0">
+                <a:latin typeface="Times New Roman" panose="02020603050405020304" pitchFamily="18" charset="0"/>
+                <a:cs typeface="Times New Roman" panose="02020603050405020304" pitchFamily="18" charset="0"/>
+              </a:rPr>
+              <a:t>airplane_mode_on.sikuli</a:t>
+            </a:r>
+            <a:endParaRPr lang="en-US" altLang="zh-TW" sz="1800" dirty="0">
+              <a:latin typeface="Times New Roman" panose="02020603050405020304" pitchFamily="18" charset="0"/>
+              <a:cs typeface="Times New Roman" panose="02020603050405020304" pitchFamily="18" charset="0"/>
+            </a:endParaRPr>
+          </a:p>
+          <a:p>
+            <a:pPr marL="742950" lvl="2" indent="-342900" eaLnBrk="1" hangingPunct="1">
+              <a:buFont typeface="Arial" charset="0"/>
+              <a:buChar char="•"/>
+              <a:defRPr/>
+            </a:pPr>
+            <a:r>
+              <a:rPr lang="en-US" altLang="zh-TW" sz="1600" dirty="0" smtClean="0">
+                <a:latin typeface="Times New Roman" panose="02020603050405020304" pitchFamily="18" charset="0"/>
+                <a:cs typeface="Times New Roman" panose="02020603050405020304" pitchFamily="18" charset="0"/>
+              </a:rPr>
+              <a:t>airplane_mode_</a:t>
+            </a:r>
+            <a:r>
+              <a:rPr lang="en-US" altLang="zh-TW" sz="1600" dirty="0">
+                <a:latin typeface="Times New Roman" panose="02020603050405020304" pitchFamily="18" charset="0"/>
+                <a:cs typeface="Times New Roman" panose="02020603050405020304" pitchFamily="18" charset="0"/>
+              </a:rPr>
+              <a:t>on</a:t>
+            </a:r>
+            <a:r>
+              <a:rPr lang="en-US" altLang="zh-TW" sz="1600" dirty="0" smtClean="0">
+                <a:latin typeface="Times New Roman" panose="02020603050405020304" pitchFamily="18" charset="0"/>
+                <a:cs typeface="Times New Roman" panose="02020603050405020304" pitchFamily="18" charset="0"/>
+              </a:rPr>
+              <a:t>.py</a:t>
+            </a:r>
+            <a:endParaRPr lang="en-US" altLang="zh-TW" sz="1600" dirty="0">
+              <a:latin typeface="Times New Roman" panose="02020603050405020304" pitchFamily="18" charset="0"/>
+              <a:cs typeface="Times New Roman" panose="02020603050405020304" pitchFamily="18" charset="0"/>
+            </a:endParaRPr>
+          </a:p>
+          <a:p>
+            <a:pPr marL="342900" lvl="1" indent="-342900" eaLnBrk="1" hangingPunct="1">
+              <a:buFont typeface="Arial" charset="0"/>
+              <a:buChar char="•"/>
+              <a:defRPr/>
+            </a:pPr>
+            <a:r>
+              <a:rPr lang="en-US" altLang="zh-TW" sz="1800" dirty="0" err="1" smtClean="0">
+                <a:latin typeface="Times New Roman" panose="02020603050405020304" pitchFamily="18" charset="0"/>
+                <a:cs typeface="Times New Roman" panose="02020603050405020304" pitchFamily="18" charset="0"/>
+              </a:rPr>
+              <a:t>airplane_mode_off.sikuli</a:t>
+            </a:r>
+            <a:endParaRPr lang="en-US" altLang="zh-TW" sz="1800" dirty="0" smtClean="0">
+              <a:latin typeface="Times New Roman" panose="02020603050405020304" pitchFamily="18" charset="0"/>
+              <a:cs typeface="Times New Roman" panose="02020603050405020304" pitchFamily="18" charset="0"/>
+            </a:endParaRPr>
+          </a:p>
+          <a:p>
+            <a:pPr marL="742950" lvl="2" indent="-342900" eaLnBrk="1" hangingPunct="1">
+              <a:buFont typeface="Arial" charset="0"/>
+              <a:buChar char="•"/>
+              <a:defRPr/>
+            </a:pPr>
+            <a:r>
+              <a:rPr lang="en-US" altLang="zh-TW" sz="1600" dirty="0" smtClean="0">
+                <a:latin typeface="Times New Roman" panose="02020603050405020304" pitchFamily="18" charset="0"/>
+                <a:cs typeface="Times New Roman" panose="02020603050405020304" pitchFamily="18" charset="0"/>
+              </a:rPr>
+              <a:t>airplane_mode_off.py</a:t>
+            </a:r>
+          </a:p>
+        </p:txBody>
+      </p:sp>
+      <p:sp>
+        <p:nvSpPr>
+          <p:cNvPr id="2" name="標題 4"/>
+          <p:cNvSpPr>
+            <a:spLocks noGrp="1"/>
+          </p:cNvSpPr>
+          <p:nvPr>
+            <p:ph type="title"/>
+          </p:nvPr>
+        </p:nvSpPr>
+        <p:spPr>
+          <a:xfrm>
+            <a:off x="457200" y="87313"/>
+            <a:ext cx="8229600" cy="756000"/>
+          </a:xfrm>
+        </p:spPr>
+        <p:txBody>
+          <a:bodyPr/>
+          <a:lstStyle/>
+          <a:p>
+            <a:pPr eaLnBrk="1" hangingPunct="1">
+              <a:defRPr/>
+            </a:pPr>
+            <a:r>
+              <a:rPr lang="en-US" altLang="zh-TW" sz="2800" kern="0" dirty="0" smtClean="0">
+                <a:solidFill>
+                  <a:srgbClr val="003366"/>
+                </a:solidFill>
+                <a:latin typeface="Times New Roman" panose="02020603050405020304" pitchFamily="18" charset="0"/>
+                <a:cs typeface="Times New Roman" panose="02020603050405020304" pitchFamily="18" charset="0"/>
+              </a:rPr>
+              <a:t>Airplane </a:t>
+            </a:r>
+            <a:r>
+              <a:rPr lang="en-US" altLang="zh-TW" sz="2800" kern="0" dirty="0">
+                <a:solidFill>
+                  <a:srgbClr val="003366"/>
+                </a:solidFill>
+                <a:latin typeface="Times New Roman" panose="02020603050405020304" pitchFamily="18" charset="0"/>
+                <a:cs typeface="Times New Roman" panose="02020603050405020304" pitchFamily="18" charset="0"/>
+              </a:rPr>
+              <a:t>on/off mode </a:t>
+            </a:r>
+            <a:r>
+              <a:rPr lang="en-US" altLang="zh-TW" sz="2800" kern="0" dirty="0" smtClean="0">
+                <a:solidFill>
+                  <a:srgbClr val="003366"/>
+                </a:solidFill>
+                <a:latin typeface="Times New Roman" panose="02020603050405020304" pitchFamily="18" charset="0"/>
+                <a:cs typeface="Times New Roman" panose="02020603050405020304" pitchFamily="18" charset="0"/>
+              </a:rPr>
+              <a:t>automation</a:t>
+            </a:r>
+            <a:endParaRPr lang="zh-TW" altLang="en-US" sz="2800" kern="0" dirty="0">
+              <a:solidFill>
+                <a:srgbClr val="003366"/>
+              </a:solidFill>
+              <a:latin typeface="Times New Roman" panose="02020603050405020304" pitchFamily="18" charset="0"/>
+              <a:cs typeface="Times New Roman" panose="02020603050405020304" pitchFamily="18" charset="0"/>
+            </a:endParaRPr>
+          </a:p>
+        </p:txBody>
+      </p:sp>
+      <p:pic>
+        <p:nvPicPr>
+          <p:cNvPr id="9218" name="Picture 2" descr="D:\Users\ZL.chen\Desktop\20160821133539214.png"/>
+          <p:cNvPicPr>
+            <a:picLocks noChangeAspect="1" noChangeArrowheads="1"/>
+          </p:cNvPicPr>
+          <p:nvPr/>
+        </p:nvPicPr>
+        <p:blipFill rotWithShape="1">
+          <a:blip r:embed="rId3">
+            <a:extLst>
+              <a:ext uri="{28A0092B-C50C-407E-A947-70E740481C1C}">
+                <a14:useLocalDpi xmlns:a14="http://schemas.microsoft.com/office/drawing/2010/main" val="0"/>
+              </a:ext>
+            </a:extLst>
+          </a:blip>
+          <a:srcRect l="6297" t="14116" r="10415" b="9025"/>
+          <a:stretch/>
+        </p:blipFill>
+        <p:spPr bwMode="auto">
+          <a:xfrm>
+            <a:off x="3726493" y="2173265"/>
+            <a:ext cx="4246323" cy="2451413"/>
+          </a:xfrm>
+          <a:prstGeom prst="rect">
+            <a:avLst/>
+          </a:prstGeom>
+          <a:noFill/>
+          <a:extLst>
+            <a:ext uri="{909E8E84-426E-40DD-AFC4-6F175D3DCCD1}">
+              <a14:hiddenFill xmlns:a14="http://schemas.microsoft.com/office/drawing/2010/main">
+                <a:solidFill>
+                  <a:srgbClr val="FFFFFF"/>
+                </a:solidFill>
+              </a14:hiddenFill>
+            </a:ext>
+          </a:extLst>
+        </p:spPr>
+      </p:pic>
+    </p:spTree>
+    <p:extLst>
+      <p:ext uri="{BB962C8B-B14F-4D97-AF65-F5344CB8AC3E}">
+        <p14:creationId xmlns:p14="http://schemas.microsoft.com/office/powerpoint/2010/main" val="3614060286"/>
+      </p:ext>
+    </p:extLst>
+  </p:cSld>
+  <p:clrMapOvr>
+    <a:masterClrMapping/>
+  </p:clrMapOvr>
+  <mc:AlternateContent xmlns:mc="http://schemas.openxmlformats.org/markup-compatibility/2006" xmlns:p14="http://schemas.microsoft.com/office/powerpoint/2010/main">
+    <mc:Choice Requires="p14">
+      <p:transition spd="med" p14:dur="700" advClick="0">
+        <p:fade/>
+      </p:transition>
+    </mc:Choice>
+    <mc:Fallback xmlns="">
+      <p:transition spd="med" advClick="0">
+        <p:fade/>
+      </p:transition>
+    </mc:Fallback>
+  </mc:AlternateContent>
+  <p:timing>
+    <p:tnLst>
+      <p:par>
+        <p:cTn id="1" dur="indefinite" restart="never" nodeType="tmRoot">
+          <p:childTnLst>
+            <p:seq concurrent="1" nextAc="seek">
+              <p:cTn id="2" dur="indefinite" nodeType="mainSeq">
+                <p:childTnLst>
+                  <p:par>
+                    <p:cTn id="3" fill="hold">
+                      <p:stCondLst>
+                        <p:cond delay="indefinite"/>
+                        <p:cond evt="onBegin" delay="0">
+                          <p:tn val="2"/>
+                        </p:cond>
+                      </p:stCondLst>
+                      <p:childTnLst>
+                        <p:par>
+                          <p:cTn id="4" fill="hold">
+                            <p:stCondLst>
+                              <p:cond delay="0"/>
+                            </p:stCondLst>
+                            <p:childTnLst>
+                              <p:par>
+                                <p:cTn id="5" presetID="10" presetClass="entr" presetSubtype="0" fill="hold" grpId="0" nodeType="withEffect">
+                                  <p:stCondLst>
+                                    <p:cond delay="0"/>
+                                  </p:stCondLst>
+                                  <p:childTnLst>
+                                    <p:set>
+                                      <p:cBhvr>
+                                        <p:cTn id="6" dur="1" fill="hold">
+                                          <p:stCondLst>
+                                            <p:cond delay="0"/>
+                                          </p:stCondLst>
+                                        </p:cTn>
+                                        <p:tgtEl>
+                                          <p:spTgt spid="2"/>
+                                        </p:tgtEl>
+                                        <p:attrNameLst>
+                                          <p:attrName>style.visibility</p:attrName>
+                                        </p:attrNameLst>
+                                      </p:cBhvr>
+                                      <p:to>
+                                        <p:strVal val="visible"/>
+                                      </p:to>
+                                    </p:set>
+                                    <p:animEffect transition="in" filter="fade">
+                                      <p:cBhvr>
+                                        <p:cTn id="7" dur="250"/>
+                                        <p:tgtEl>
+                                          <p:spTgt spid="2"/>
+                                        </p:tgtEl>
+                                      </p:cBhvr>
+                                    </p:animEffect>
+                                  </p:childTnLst>
+                                </p:cTn>
+                              </p:par>
+                            </p:childTnLst>
+                          </p:cTn>
+                        </p:par>
+                        <p:par>
+                          <p:cTn id="8" fill="hold">
+                            <p:stCondLst>
+                              <p:cond delay="250"/>
+                            </p:stCondLst>
+                            <p:childTnLst>
+                              <p:par>
+                                <p:cTn id="9" presetID="10" presetClass="entr" presetSubtype="0" fill="hold" nodeType="afterEffect">
+                                  <p:stCondLst>
+                                    <p:cond delay="0"/>
+                                  </p:stCondLst>
+                                  <p:childTnLst>
+                                    <p:set>
+                                      <p:cBhvr>
+                                        <p:cTn id="10" dur="1" fill="hold">
+                                          <p:stCondLst>
+                                            <p:cond delay="0"/>
+                                          </p:stCondLst>
+                                        </p:cTn>
+                                        <p:tgtEl>
+                                          <p:spTgt spid="15362">
+                                            <p:txEl>
+                                              <p:pRg st="0" end="0"/>
+                                            </p:txEl>
+                                          </p:spTgt>
+                                        </p:tgtEl>
+                                        <p:attrNameLst>
+                                          <p:attrName>style.visibility</p:attrName>
+                                        </p:attrNameLst>
+                                      </p:cBhvr>
+                                      <p:to>
+                                        <p:strVal val="visible"/>
+                                      </p:to>
+                                    </p:set>
+                                    <p:animEffect transition="in" filter="fade">
+                                      <p:cBhvr>
+                                        <p:cTn id="11" dur="250"/>
+                                        <p:tgtEl>
+                                          <p:spTgt spid="15362">
+                                            <p:txEl>
+                                              <p:pRg st="0" end="0"/>
+                                            </p:txEl>
+                                          </p:spTgt>
+                                        </p:tgtEl>
+                                      </p:cBhvr>
+                                    </p:animEffect>
+                                  </p:childTnLst>
+                                </p:cTn>
+                              </p:par>
+                            </p:childTnLst>
+                          </p:cTn>
+                        </p:par>
+                        <p:par>
+                          <p:cTn id="12" fill="hold">
+                            <p:stCondLst>
+                              <p:cond delay="500"/>
+                            </p:stCondLst>
+                            <p:childTnLst>
+                              <p:par>
+                                <p:cTn id="13" presetID="10" presetClass="entr" presetSubtype="0" fill="hold" nodeType="afterEffect">
+                                  <p:stCondLst>
+                                    <p:cond delay="0"/>
+                                  </p:stCondLst>
+                                  <p:childTnLst>
+                                    <p:set>
+                                      <p:cBhvr>
+                                        <p:cTn id="14" dur="1" fill="hold">
+                                          <p:stCondLst>
+                                            <p:cond delay="0"/>
+                                          </p:stCondLst>
+                                        </p:cTn>
+                                        <p:tgtEl>
+                                          <p:spTgt spid="15362">
+                                            <p:txEl>
+                                              <p:pRg st="1" end="1"/>
+                                            </p:txEl>
+                                          </p:spTgt>
+                                        </p:tgtEl>
+                                        <p:attrNameLst>
+                                          <p:attrName>style.visibility</p:attrName>
+                                        </p:attrNameLst>
+                                      </p:cBhvr>
+                                      <p:to>
+                                        <p:strVal val="visible"/>
+                                      </p:to>
+                                    </p:set>
+                                    <p:animEffect transition="in" filter="fade">
+                                      <p:cBhvr>
+                                        <p:cTn id="15" dur="250"/>
+                                        <p:tgtEl>
+                                          <p:spTgt spid="15362">
+                                            <p:txEl>
+                                              <p:pRg st="1" end="1"/>
+                                            </p:txEl>
+                                          </p:spTgt>
+                                        </p:tgtEl>
+                                      </p:cBhvr>
+                                    </p:animEffect>
+                                  </p:childTnLst>
+                                </p:cTn>
+                              </p:par>
+                            </p:childTnLst>
+                          </p:cTn>
+                        </p:par>
+                        <p:par>
+                          <p:cTn id="16" fill="hold">
+                            <p:stCondLst>
+                              <p:cond delay="750"/>
+                            </p:stCondLst>
+                            <p:childTnLst>
+                              <p:par>
+                                <p:cTn id="17" presetID="10" presetClass="entr" presetSubtype="0" fill="hold" nodeType="afterEffect">
+                                  <p:stCondLst>
+                                    <p:cond delay="0"/>
+                                  </p:stCondLst>
+                                  <p:childTnLst>
+                                    <p:set>
+                                      <p:cBhvr>
+                                        <p:cTn id="18" dur="1" fill="hold">
+                                          <p:stCondLst>
+                                            <p:cond delay="0"/>
+                                          </p:stCondLst>
+                                        </p:cTn>
+                                        <p:tgtEl>
+                                          <p:spTgt spid="15362">
+                                            <p:txEl>
+                                              <p:pRg st="2" end="2"/>
+                                            </p:txEl>
+                                          </p:spTgt>
+                                        </p:tgtEl>
+                                        <p:attrNameLst>
+                                          <p:attrName>style.visibility</p:attrName>
+                                        </p:attrNameLst>
+                                      </p:cBhvr>
+                                      <p:to>
+                                        <p:strVal val="visible"/>
+                                      </p:to>
+                                    </p:set>
+                                    <p:animEffect transition="in" filter="fade">
+                                      <p:cBhvr>
+                                        <p:cTn id="19" dur="250"/>
+                                        <p:tgtEl>
+                                          <p:spTgt spid="15362">
+                                            <p:txEl>
+                                              <p:pRg st="2" end="2"/>
+                                            </p:txEl>
+                                          </p:spTgt>
+                                        </p:tgtEl>
+                                      </p:cBhvr>
+                                    </p:animEffect>
+                                  </p:childTnLst>
+                                </p:cTn>
+                              </p:par>
+                            </p:childTnLst>
+                          </p:cTn>
+                        </p:par>
+                        <p:par>
+                          <p:cTn id="20" fill="hold">
+                            <p:stCondLst>
+                              <p:cond delay="1000"/>
+                            </p:stCondLst>
+                            <p:childTnLst>
+                              <p:par>
+                                <p:cTn id="21" presetID="10" presetClass="entr" presetSubtype="0" fill="hold" nodeType="afterEffect">
+                                  <p:stCondLst>
+                                    <p:cond delay="0"/>
+                                  </p:stCondLst>
+                                  <p:childTnLst>
+                                    <p:set>
+                                      <p:cBhvr>
+                                        <p:cTn id="22" dur="1" fill="hold">
+                                          <p:stCondLst>
+                                            <p:cond delay="0"/>
+                                          </p:stCondLst>
+                                        </p:cTn>
+                                        <p:tgtEl>
+                                          <p:spTgt spid="15362">
+                                            <p:txEl>
+                                              <p:pRg st="3" end="3"/>
+                                            </p:txEl>
+                                          </p:spTgt>
+                                        </p:tgtEl>
+                                        <p:attrNameLst>
+                                          <p:attrName>style.visibility</p:attrName>
+                                        </p:attrNameLst>
+                                      </p:cBhvr>
+                                      <p:to>
+                                        <p:strVal val="visible"/>
+                                      </p:to>
+                                    </p:set>
+                                    <p:animEffect transition="in" filter="fade">
+                                      <p:cBhvr>
+                                        <p:cTn id="23" dur="250"/>
+                                        <p:tgtEl>
+                                          <p:spTgt spid="15362">
+                                            <p:txEl>
+                                              <p:pRg st="3" end="3"/>
+                                            </p:txEl>
+                                          </p:spTgt>
+                                        </p:tgtEl>
+                                      </p:cBhvr>
+                                    </p:animEffect>
+                                  </p:childTnLst>
+                                </p:cTn>
+                              </p:par>
+                            </p:childTnLst>
+                          </p:cTn>
+                        </p:par>
+                        <p:par>
+                          <p:cTn id="24" fill="hold">
+                            <p:stCondLst>
+                              <p:cond delay="1250"/>
+                            </p:stCondLst>
+                            <p:childTnLst>
+                              <p:par>
+                                <p:cTn id="25" presetID="10" presetClass="entr" presetSubtype="0" fill="hold" nodeType="afterEffect">
+                                  <p:stCondLst>
+                                    <p:cond delay="0"/>
+                                  </p:stCondLst>
+                                  <p:childTnLst>
+                                    <p:set>
+                                      <p:cBhvr>
+                                        <p:cTn id="26" dur="1" fill="hold">
+                                          <p:stCondLst>
+                                            <p:cond delay="0"/>
+                                          </p:stCondLst>
+                                        </p:cTn>
+                                        <p:tgtEl>
+                                          <p:spTgt spid="15362">
+                                            <p:txEl>
+                                              <p:pRg st="4" end="4"/>
+                                            </p:txEl>
+                                          </p:spTgt>
+                                        </p:tgtEl>
+                                        <p:attrNameLst>
+                                          <p:attrName>style.visibility</p:attrName>
+                                        </p:attrNameLst>
+                                      </p:cBhvr>
+                                      <p:to>
+                                        <p:strVal val="visible"/>
+                                      </p:to>
+                                    </p:set>
+                                    <p:animEffect transition="in" filter="fade">
+                                      <p:cBhvr>
+                                        <p:cTn id="27" dur="250"/>
+                                        <p:tgtEl>
+                                          <p:spTgt spid="15362">
+                                            <p:txEl>
+                                              <p:pRg st="4" end="4"/>
+                                            </p:txEl>
+                                          </p:spTgt>
+                                        </p:tgtEl>
+                                      </p:cBhvr>
+                                    </p:animEffect>
+                                  </p:childTnLst>
+                                </p:cTn>
+                              </p:par>
+                            </p:childTnLst>
+                          </p:cTn>
+                        </p:par>
+                        <p:par>
+                          <p:cTn id="28" fill="hold">
+                            <p:stCondLst>
+                              <p:cond delay="1500"/>
+                            </p:stCondLst>
+                            <p:childTnLst>
+                              <p:par>
+                                <p:cTn id="29" presetID="10" presetClass="entr" presetSubtype="0" fill="hold" nodeType="afterEffect">
+                                  <p:stCondLst>
+                                    <p:cond delay="0"/>
+                                  </p:stCondLst>
+                                  <p:childTnLst>
+                                    <p:set>
+                                      <p:cBhvr>
+                                        <p:cTn id="30" dur="1" fill="hold">
+                                          <p:stCondLst>
+                                            <p:cond delay="0"/>
+                                          </p:stCondLst>
+                                        </p:cTn>
+                                        <p:tgtEl>
+                                          <p:spTgt spid="15362">
+                                            <p:txEl>
+                                              <p:pRg st="5" end="5"/>
+                                            </p:txEl>
+                                          </p:spTgt>
+                                        </p:tgtEl>
+                                        <p:attrNameLst>
+                                          <p:attrName>style.visibility</p:attrName>
+                                        </p:attrNameLst>
+                                      </p:cBhvr>
+                                      <p:to>
+                                        <p:strVal val="visible"/>
+                                      </p:to>
+                                    </p:set>
+                                    <p:animEffect transition="in" filter="fade">
+                                      <p:cBhvr>
+                                        <p:cTn id="31" dur="250"/>
+                                        <p:tgtEl>
+                                          <p:spTgt spid="15362">
+                                            <p:txEl>
+                                              <p:pRg st="5" end="5"/>
+                                            </p:txEl>
+                                          </p:spTgt>
+                                        </p:tgtEl>
+                                      </p:cBhvr>
+                                    </p:animEffect>
+                                  </p:childTnLst>
+                                </p:cTn>
+                              </p:par>
+                            </p:childTnLst>
+                          </p:cTn>
+                        </p:par>
+                        <p:par>
+                          <p:cTn id="32" fill="hold">
+                            <p:stCondLst>
+                              <p:cond delay="1750"/>
+                            </p:stCondLst>
+                            <p:childTnLst>
+                              <p:par>
+                                <p:cTn id="33" presetID="10" presetClass="entr" presetSubtype="0" fill="hold" nodeType="afterEffect">
+                                  <p:stCondLst>
+                                    <p:cond delay="0"/>
+                                  </p:stCondLst>
+                                  <p:childTnLst>
+                                    <p:set>
+                                      <p:cBhvr>
+                                        <p:cTn id="34" dur="1" fill="hold">
+                                          <p:stCondLst>
+                                            <p:cond delay="0"/>
+                                          </p:stCondLst>
+                                        </p:cTn>
+                                        <p:tgtEl>
+                                          <p:spTgt spid="15362">
+                                            <p:txEl>
+                                              <p:pRg st="6" end="6"/>
+                                            </p:txEl>
+                                          </p:spTgt>
+                                        </p:tgtEl>
+                                        <p:attrNameLst>
+                                          <p:attrName>style.visibility</p:attrName>
+                                        </p:attrNameLst>
+                                      </p:cBhvr>
+                                      <p:to>
+                                        <p:strVal val="visible"/>
+                                      </p:to>
+                                    </p:set>
+                                    <p:animEffect transition="in" filter="fade">
+                                      <p:cBhvr>
+                                        <p:cTn id="35" dur="250"/>
+                                        <p:tgtEl>
+                                          <p:spTgt spid="15362">
+                                            <p:txEl>
+                                              <p:pRg st="6" end="6"/>
+                                            </p:txEl>
+                                          </p:spTgt>
+                                        </p:tgtEl>
+                                      </p:cBhvr>
+                                    </p:animEffect>
+                                  </p:childTnLst>
+                                </p:cTn>
+                              </p:par>
+                            </p:childTnLst>
+                          </p:cTn>
+                        </p:par>
+                        <p:par>
+                          <p:cTn id="36" fill="hold">
+                            <p:stCondLst>
+                              <p:cond delay="2000"/>
+                            </p:stCondLst>
+                            <p:childTnLst>
+                              <p:par>
+                                <p:cTn id="37" presetID="10" presetClass="entr" presetSubtype="0" fill="hold" nodeType="afterEffect">
+                                  <p:stCondLst>
+                                    <p:cond delay="0"/>
+                                  </p:stCondLst>
+                                  <p:childTnLst>
+                                    <p:set>
+                                      <p:cBhvr>
+                                        <p:cTn id="38" dur="1" fill="hold">
+                                          <p:stCondLst>
+                                            <p:cond delay="0"/>
+                                          </p:stCondLst>
+                                        </p:cTn>
+                                        <p:tgtEl>
+                                          <p:spTgt spid="15362">
+                                            <p:txEl>
+                                              <p:pRg st="7" end="7"/>
+                                            </p:txEl>
+                                          </p:spTgt>
+                                        </p:tgtEl>
+                                        <p:attrNameLst>
+                                          <p:attrName>style.visibility</p:attrName>
+                                        </p:attrNameLst>
+                                      </p:cBhvr>
+                                      <p:to>
+                                        <p:strVal val="visible"/>
+                                      </p:to>
+                                    </p:set>
+                                    <p:animEffect transition="in" filter="fade">
+                                      <p:cBhvr>
+                                        <p:cTn id="39" dur="250"/>
+                                        <p:tgtEl>
+                                          <p:spTgt spid="15362">
+                                            <p:txEl>
+                                              <p:pRg st="7" end="7"/>
+                                            </p:txEl>
+                                          </p:spTgt>
+                                        </p:tgtEl>
+                                      </p:cBhvr>
+                                    </p:animEffect>
+                                  </p:childTnLst>
+                                </p:cTn>
+                              </p:par>
+                            </p:childTnLst>
+                          </p:cTn>
+                        </p:par>
+                        <p:par>
+                          <p:cTn id="40" fill="hold">
+                            <p:stCondLst>
+                              <p:cond delay="2250"/>
+                            </p:stCondLst>
+                            <p:childTnLst>
+                              <p:par>
+                                <p:cTn id="41" presetID="10" presetClass="entr" presetSubtype="0" fill="hold" nodeType="afterEffect">
+                                  <p:stCondLst>
+                                    <p:cond delay="0"/>
+                                  </p:stCondLst>
+                                  <p:childTnLst>
+                                    <p:set>
+                                      <p:cBhvr>
+                                        <p:cTn id="42" dur="1" fill="hold">
+                                          <p:stCondLst>
+                                            <p:cond delay="0"/>
+                                          </p:stCondLst>
+                                        </p:cTn>
+                                        <p:tgtEl>
+                                          <p:spTgt spid="9218"/>
+                                        </p:tgtEl>
+                                        <p:attrNameLst>
+                                          <p:attrName>style.visibility</p:attrName>
+                                        </p:attrNameLst>
+                                      </p:cBhvr>
+                                      <p:to>
+                                        <p:strVal val="visible"/>
+                                      </p:to>
+                                    </p:set>
+                                    <p:animEffect transition="in" filter="fade">
+                                      <p:cBhvr>
+                                        <p:cTn id="43" dur="250"/>
+                                        <p:tgtEl>
+                                          <p:spTgt spid="9218"/>
+                                        </p:tgtEl>
+                                      </p:cBhvr>
+                                    </p:animEffect>
+                                  </p:childTnLst>
+                                </p:cTn>
+                              </p:par>
+                            </p:childTnLst>
+                          </p:cTn>
+                        </p:par>
+                      </p:childTnLst>
+                    </p:cTn>
+                  </p:par>
+                </p:childTnLst>
+              </p:cTn>
+              <p:prevCondLst>
+                <p:cond evt="onPrev" delay="0">
+                  <p:tgtEl>
+                    <p:sldTgt/>
+                  </p:tgtEl>
+                </p:cond>
+              </p:prevCondLst>
+              <p:nextCondLst>
+                <p:cond evt="onNext" delay="0">
+                  <p:tgtEl>
+                    <p:sldTgt/>
+                  </p:tgtEl>
+                </p:cond>
+              </p:nextCondLst>
+            </p:seq>
+          </p:childTnLst>
+        </p:cTn>
+      </p:par>
+    </p:tnLst>
+    <p:bldLst>
+      <p:bldP spid="2" grpId="0"/>
+    </p:bldLst>
+  </p:timing>
+</p:sld>
+</file>
+
+<file path=ppt/slides/slide22.xml><?xml version="1.0" encoding="utf-8"?>
+<p:sld xmlns:a="http://schemas.openxmlformats.org/drawingml/2006/main" xmlns:r="http://schemas.openxmlformats.org/officeDocument/2006/relationships" xmlns:p="http://schemas.openxmlformats.org/presentationml/2006/main">
+  <p:cSld>
+    <p:spTree>
+      <p:nvGrpSpPr>
+        <p:cNvPr id="1" name=""/>
+        <p:cNvGrpSpPr/>
+        <p:nvPr/>
+      </p:nvGrpSpPr>
+      <p:grpSpPr>
+        <a:xfrm>
+          <a:off x="0" y="0"/>
+          <a:ext cx="0" cy="0"/>
+          <a:chOff x="0" y="0"/>
+          <a:chExt cx="0" cy="0"/>
+        </a:xfrm>
+      </p:grpSpPr>
+      <p:sp>
+        <p:nvSpPr>
+          <p:cNvPr id="15362" name="內容版面配置區 5"/>
+          <p:cNvSpPr>
+            <a:spLocks noGrp="1"/>
+          </p:cNvSpPr>
+          <p:nvPr>
+            <p:ph idx="1"/>
+          </p:nvPr>
+        </p:nvSpPr>
+        <p:spPr>
+          <a:xfrm>
+            <a:off x="457200" y="936625"/>
+            <a:ext cx="8229600" cy="3575050"/>
+          </a:xfrm>
+        </p:spPr>
+        <p:txBody>
+          <a:bodyPr/>
+          <a:lstStyle/>
+          <a:p>
+            <a:pPr marL="342900" lvl="1" indent="-342900" eaLnBrk="1" hangingPunct="1">
+              <a:buFont typeface="Arial" charset="0"/>
+              <a:buChar char="•"/>
+              <a:defRPr/>
+            </a:pPr>
+            <a:r>
+              <a:rPr lang="en-US" altLang="zh-TW" sz="1800" dirty="0" smtClean="0">
+                <a:latin typeface="Times New Roman" panose="02020603050405020304" pitchFamily="18" charset="0"/>
+                <a:cs typeface="Times New Roman" panose="02020603050405020304" pitchFamily="18" charset="0"/>
+              </a:rPr>
+              <a:t>The output screenshot and log as below:</a:t>
+            </a:r>
+          </a:p>
+          <a:p>
+            <a:pPr marL="0" lvl="1" indent="0" algn="ctr" eaLnBrk="1" hangingPunct="1">
+              <a:buNone/>
+              <a:defRPr/>
+            </a:pPr>
+            <a:r>
+              <a:rPr lang="en-US" altLang="zh-TW" sz="1800" dirty="0" smtClean="0">
+                <a:latin typeface="Times New Roman" panose="02020603050405020304" pitchFamily="18" charset="0"/>
+                <a:cs typeface="Times New Roman" panose="02020603050405020304" pitchFamily="18" charset="0"/>
+              </a:rPr>
+              <a:t>	     Airplane on		                     Airplane off				</a:t>
+            </a:r>
+          </a:p>
+          <a:p>
+            <a:pPr marL="342900" lvl="1" indent="-342900" eaLnBrk="1" hangingPunct="1">
+              <a:buFont typeface="Arial" charset="0"/>
+              <a:buChar char="•"/>
+              <a:defRPr/>
+            </a:pPr>
+            <a:endParaRPr lang="en-US" altLang="zh-TW" sz="1800" dirty="0">
+              <a:latin typeface="Times New Roman" panose="02020603050405020304" pitchFamily="18" charset="0"/>
+              <a:cs typeface="Times New Roman" panose="02020603050405020304" pitchFamily="18" charset="0"/>
+            </a:endParaRPr>
+          </a:p>
+        </p:txBody>
+      </p:sp>
+      <p:sp>
+        <p:nvSpPr>
+          <p:cNvPr id="2" name="標題 4"/>
+          <p:cNvSpPr>
+            <a:spLocks noGrp="1"/>
+          </p:cNvSpPr>
+          <p:nvPr>
+            <p:ph type="title"/>
+          </p:nvPr>
+        </p:nvSpPr>
+        <p:spPr>
+          <a:xfrm>
+            <a:off x="457200" y="87313"/>
+            <a:ext cx="8229600" cy="756000"/>
+          </a:xfrm>
+        </p:spPr>
+        <p:txBody>
+          <a:bodyPr/>
+          <a:lstStyle/>
+          <a:p>
+            <a:pPr eaLnBrk="1" hangingPunct="1">
+              <a:defRPr/>
+            </a:pPr>
+            <a:r>
+              <a:rPr lang="en-US" altLang="zh-TW" sz="2800" kern="0" dirty="0" smtClean="0">
+                <a:solidFill>
+                  <a:srgbClr val="003366"/>
+                </a:solidFill>
+                <a:latin typeface="Times New Roman" panose="02020603050405020304" pitchFamily="18" charset="0"/>
+                <a:cs typeface="Times New Roman" panose="02020603050405020304" pitchFamily="18" charset="0"/>
+              </a:rPr>
+              <a:t>Airplane </a:t>
+            </a:r>
+            <a:r>
+              <a:rPr lang="en-US" altLang="zh-TW" sz="2800" kern="0" dirty="0">
+                <a:solidFill>
+                  <a:srgbClr val="003366"/>
+                </a:solidFill>
+                <a:latin typeface="Times New Roman" panose="02020603050405020304" pitchFamily="18" charset="0"/>
+                <a:cs typeface="Times New Roman" panose="02020603050405020304" pitchFamily="18" charset="0"/>
+              </a:rPr>
+              <a:t>on/off mode </a:t>
+            </a:r>
+            <a:r>
+              <a:rPr lang="en-US" altLang="zh-TW" sz="2800" kern="0" dirty="0" smtClean="0">
+                <a:solidFill>
+                  <a:srgbClr val="003366"/>
+                </a:solidFill>
+                <a:latin typeface="Times New Roman" panose="02020603050405020304" pitchFamily="18" charset="0"/>
+                <a:cs typeface="Times New Roman" panose="02020603050405020304" pitchFamily="18" charset="0"/>
+              </a:rPr>
+              <a:t>automation</a:t>
+            </a:r>
+            <a:endParaRPr lang="zh-TW" altLang="en-US" sz="2800" kern="0" dirty="0">
+              <a:solidFill>
+                <a:srgbClr val="003366"/>
+              </a:solidFill>
+              <a:latin typeface="Times New Roman" panose="02020603050405020304" pitchFamily="18" charset="0"/>
+              <a:cs typeface="Times New Roman" panose="02020603050405020304" pitchFamily="18" charset="0"/>
+            </a:endParaRPr>
+          </a:p>
+        </p:txBody>
+      </p:sp>
+      <p:pic>
+        <p:nvPicPr>
+          <p:cNvPr id="8" name="Picture 3" descr="D:\Users\ZL.chen\Desktop\airplane_on_1_20200207_172311.jpg"/>
+          <p:cNvPicPr>
+            <a:picLocks noChangeAspect="1" noChangeArrowheads="1"/>
+          </p:cNvPicPr>
+          <p:nvPr/>
+        </p:nvPicPr>
+        <p:blipFill>
+          <a:blip r:embed="rId4" cstate="print">
+            <a:extLst>
+              <a:ext uri="{28A0092B-C50C-407E-A947-70E740481C1C}">
+                <a14:useLocalDpi xmlns:a14="http://schemas.microsoft.com/office/drawing/2010/main" val="0"/>
+              </a:ext>
+            </a:extLst>
+          </a:blip>
+          <a:srcRect/>
+          <a:stretch>
+            <a:fillRect/>
+          </a:stretch>
+        </p:blipFill>
+        <p:spPr bwMode="auto">
+          <a:xfrm>
+            <a:off x="851134" y="1674568"/>
+            <a:ext cx="3693921" cy="2076816"/>
+          </a:xfrm>
+          <a:prstGeom prst="rect">
+            <a:avLst/>
+          </a:prstGeom>
+          <a:noFill/>
+          <a:extLst>
+            <a:ext uri="{909E8E84-426E-40DD-AFC4-6F175D3DCCD1}">
+              <a14:hiddenFill xmlns:a14="http://schemas.microsoft.com/office/drawing/2010/main">
+                <a:solidFill>
+                  <a:srgbClr val="FFFFFF"/>
+                </a:solidFill>
+              </a14:hiddenFill>
+            </a:ext>
+          </a:extLst>
+        </p:spPr>
+      </p:pic>
+      <p:pic>
+        <p:nvPicPr>
+          <p:cNvPr id="10" name="Picture 4" descr="D:\Users\ZL.chen\Desktop\airplane_off_1_20200207_172400.jpg"/>
+          <p:cNvPicPr>
+            <a:picLocks noChangeAspect="1" noChangeArrowheads="1"/>
+          </p:cNvPicPr>
+          <p:nvPr/>
+        </p:nvPicPr>
+        <p:blipFill>
+          <a:blip r:embed="rId5" cstate="print">
+            <a:extLst>
+              <a:ext uri="{28A0092B-C50C-407E-A947-70E740481C1C}">
+                <a14:useLocalDpi xmlns:a14="http://schemas.microsoft.com/office/drawing/2010/main" val="0"/>
+              </a:ext>
+            </a:extLst>
+          </a:blip>
+          <a:srcRect/>
+          <a:stretch>
+            <a:fillRect/>
+          </a:stretch>
+        </p:blipFill>
+        <p:spPr bwMode="auto">
+          <a:xfrm>
+            <a:off x="4614245" y="1674568"/>
+            <a:ext cx="3693921" cy="2076816"/>
+          </a:xfrm>
+          <a:prstGeom prst="rect">
+            <a:avLst/>
+          </a:prstGeom>
+          <a:noFill/>
+          <a:extLst>
+            <a:ext uri="{909E8E84-426E-40DD-AFC4-6F175D3DCCD1}">
+              <a14:hiddenFill xmlns:a14="http://schemas.microsoft.com/office/drawing/2010/main">
+                <a:solidFill>
+                  <a:srgbClr val="FFFFFF"/>
+                </a:solidFill>
+              </a14:hiddenFill>
+            </a:ext>
+          </a:extLst>
+        </p:spPr>
+      </p:pic>
+      <p:graphicFrame>
+        <p:nvGraphicFramePr>
+          <p:cNvPr id="4" name="物件 3"/>
+          <p:cNvGraphicFramePr>
+            <a:graphicFrameLocks noChangeAspect="1"/>
+          </p:cNvGraphicFramePr>
+          <p:nvPr>
+            <p:extLst>
+              <p:ext uri="{D42A27DB-BD31-4B8C-83A1-F6EECF244321}">
+                <p14:modId xmlns:p14="http://schemas.microsoft.com/office/powerpoint/2010/main" val="394483103"/>
+              </p:ext>
+            </p:extLst>
+          </p:nvPr>
+        </p:nvGraphicFramePr>
+        <p:xfrm>
+          <a:off x="8081759" y="4277186"/>
+          <a:ext cx="744537" cy="395287"/>
+        </p:xfrm>
+        <a:graphic>
+          <a:graphicData uri="http://schemas.openxmlformats.org/presentationml/2006/ole">
+            <mc:AlternateContent xmlns:mc="http://schemas.openxmlformats.org/markup-compatibility/2006">
+              <mc:Choice xmlns:v="urn:schemas-microsoft-com:vml" Requires="v">
+                <p:oleObj spid="_x0000_s8206" name="封裝程式殼層物件" showAsIcon="1" r:id="rId6" imgW="744480" imgH="394920" progId="Package">
+                  <p:embed/>
+                </p:oleObj>
+              </mc:Choice>
+              <mc:Fallback>
+                <p:oleObj name="封裝程式殼層物件" showAsIcon="1" r:id="rId6" imgW="744480" imgH="394920" progId="Package">
+                  <p:embed/>
+                  <p:pic>
+                    <p:nvPicPr>
+                      <p:cNvPr id="0" name=""/>
+                      <p:cNvPicPr/>
+                      <p:nvPr/>
+                    </p:nvPicPr>
+                    <p:blipFill>
+                      <a:blip r:embed="rId7"/>
+                      <a:stretch>
+                        <a:fillRect/>
+                      </a:stretch>
+                    </p:blipFill>
+                    <p:spPr>
+                      <a:xfrm>
+                        <a:off x="8081759" y="4277186"/>
+                        <a:ext cx="744537" cy="395287"/>
+                      </a:xfrm>
+                      <a:prstGeom prst="rect">
+                        <a:avLst/>
+                      </a:prstGeom>
+                    </p:spPr>
+                  </p:pic>
+                </p:oleObj>
+              </mc:Fallback>
+            </mc:AlternateContent>
+          </a:graphicData>
+        </a:graphic>
+      </p:graphicFrame>
+    </p:spTree>
+    <p:extLst>
+      <p:ext uri="{BB962C8B-B14F-4D97-AF65-F5344CB8AC3E}">
+        <p14:creationId xmlns:p14="http://schemas.microsoft.com/office/powerpoint/2010/main" val="2807700392"/>
+      </p:ext>
+    </p:extLst>
+  </p:cSld>
+  <p:clrMapOvr>
+    <a:masterClrMapping/>
+  </p:clrMapOvr>
+  <mc:AlternateContent xmlns:mc="http://schemas.openxmlformats.org/markup-compatibility/2006" xmlns:p14="http://schemas.microsoft.com/office/powerpoint/2010/main">
+    <mc:Choice Requires="p14">
+      <p:transition spd="med" p14:dur="700" advClick="0">
+        <p:fade/>
+      </p:transition>
+    </mc:Choice>
+    <mc:Fallback xmlns="">
+      <p:transition spd="med" advClick="0">
+        <p:fade/>
+      </p:transition>
+    </mc:Fallback>
+  </mc:AlternateContent>
+  <p:timing>
+    <p:tnLst>
+      <p:par>
+        <p:cTn id="1" dur="indefinite" restart="never" nodeType="tmRoot">
+          <p:childTnLst>
+            <p:seq concurrent="1" nextAc="seek">
+              <p:cTn id="2" dur="indefinite" nodeType="mainSeq">
+                <p:childTnLst>
+                  <p:par>
+                    <p:cTn id="3" fill="hold">
+                      <p:stCondLst>
+                        <p:cond delay="indefinite"/>
+                        <p:cond evt="onBegin" delay="0">
+                          <p:tn val="2"/>
+                        </p:cond>
+                      </p:stCondLst>
+                      <p:childTnLst>
+                        <p:par>
+                          <p:cTn id="4" fill="hold">
+                            <p:stCondLst>
+                              <p:cond delay="0"/>
+                            </p:stCondLst>
+                            <p:childTnLst>
+                              <p:par>
+                                <p:cTn id="5" presetID="10" presetClass="entr" presetSubtype="0" fill="hold" grpId="0" nodeType="withEffect">
+                                  <p:stCondLst>
+                                    <p:cond delay="0"/>
+                                  </p:stCondLst>
+                                  <p:childTnLst>
+                                    <p:set>
+                                      <p:cBhvr>
+                                        <p:cTn id="6" dur="1" fill="hold">
+                                          <p:stCondLst>
+                                            <p:cond delay="0"/>
+                                          </p:stCondLst>
+                                        </p:cTn>
+                                        <p:tgtEl>
+                                          <p:spTgt spid="2"/>
+                                        </p:tgtEl>
+                                        <p:attrNameLst>
+                                          <p:attrName>style.visibility</p:attrName>
+                                        </p:attrNameLst>
+                                      </p:cBhvr>
+                                      <p:to>
+                                        <p:strVal val="visible"/>
+                                      </p:to>
+                                    </p:set>
+                                    <p:animEffect transition="in" filter="fade">
+                                      <p:cBhvr>
+                                        <p:cTn id="7" dur="250"/>
+                                        <p:tgtEl>
+                                          <p:spTgt spid="2"/>
+                                        </p:tgtEl>
+                                      </p:cBhvr>
+                                    </p:animEffect>
+                                  </p:childTnLst>
+                                </p:cTn>
+                              </p:par>
+                            </p:childTnLst>
+                          </p:cTn>
+                        </p:par>
+                        <p:par>
+                          <p:cTn id="8" fill="hold">
+                            <p:stCondLst>
+                              <p:cond delay="250"/>
+                            </p:stCondLst>
+                            <p:childTnLst>
+                              <p:par>
+                                <p:cTn id="9" presetID="10" presetClass="entr" presetSubtype="0" fill="hold" nodeType="afterEffect">
+                                  <p:stCondLst>
+                                    <p:cond delay="0"/>
+                                  </p:stCondLst>
+                                  <p:childTnLst>
+                                    <p:set>
+                                      <p:cBhvr>
+                                        <p:cTn id="10" dur="1" fill="hold">
+                                          <p:stCondLst>
+                                            <p:cond delay="0"/>
+                                          </p:stCondLst>
+                                        </p:cTn>
+                                        <p:tgtEl>
+                                          <p:spTgt spid="15362">
+                                            <p:txEl>
+                                              <p:pRg st="0" end="0"/>
+                                            </p:txEl>
+                                          </p:spTgt>
+                                        </p:tgtEl>
+                                        <p:attrNameLst>
+                                          <p:attrName>style.visibility</p:attrName>
+                                        </p:attrNameLst>
+                                      </p:cBhvr>
+                                      <p:to>
+                                        <p:strVal val="visible"/>
+                                      </p:to>
+                                    </p:set>
+                                    <p:animEffect transition="in" filter="fade">
+                                      <p:cBhvr>
+                                        <p:cTn id="11" dur="250"/>
+                                        <p:tgtEl>
+                                          <p:spTgt spid="15362">
+                                            <p:txEl>
+                                              <p:pRg st="0" end="0"/>
+                                            </p:txEl>
+                                          </p:spTgt>
+                                        </p:tgtEl>
+                                      </p:cBhvr>
+                                    </p:animEffect>
+                                  </p:childTnLst>
+                                </p:cTn>
+                              </p:par>
+                            </p:childTnLst>
+                          </p:cTn>
+                        </p:par>
+                        <p:par>
+                          <p:cTn id="12" fill="hold">
+                            <p:stCondLst>
+                              <p:cond delay="500"/>
+                            </p:stCondLst>
+                            <p:childTnLst>
+                              <p:par>
+                                <p:cTn id="13" presetID="10" presetClass="entr" presetSubtype="0" fill="hold" nodeType="afterEffect">
+                                  <p:stCondLst>
+                                    <p:cond delay="0"/>
+                                  </p:stCondLst>
+                                  <p:childTnLst>
+                                    <p:set>
+                                      <p:cBhvr>
+                                        <p:cTn id="14" dur="1" fill="hold">
+                                          <p:stCondLst>
+                                            <p:cond delay="0"/>
+                                          </p:stCondLst>
+                                        </p:cTn>
+                                        <p:tgtEl>
+                                          <p:spTgt spid="15362">
+                                            <p:txEl>
+                                              <p:pRg st="1" end="1"/>
+                                            </p:txEl>
+                                          </p:spTgt>
+                                        </p:tgtEl>
+                                        <p:attrNameLst>
+                                          <p:attrName>style.visibility</p:attrName>
+                                        </p:attrNameLst>
+                                      </p:cBhvr>
+                                      <p:to>
+                                        <p:strVal val="visible"/>
+                                      </p:to>
+                                    </p:set>
+                                    <p:animEffect transition="in" filter="fade">
+                                      <p:cBhvr>
+                                        <p:cTn id="15" dur="250"/>
+                                        <p:tgtEl>
+                                          <p:spTgt spid="15362">
+                                            <p:txEl>
+                                              <p:pRg st="1" end="1"/>
+                                            </p:txEl>
+                                          </p:spTgt>
+                                        </p:tgtEl>
+                                      </p:cBhvr>
+                                    </p:animEffect>
+                                  </p:childTnLst>
+                                </p:cTn>
+                              </p:par>
+                              <p:par>
+                                <p:cTn id="16" presetID="10" presetClass="entr" presetSubtype="0" fill="hold" nodeType="withEffect">
+                                  <p:stCondLst>
+                                    <p:cond delay="0"/>
+                                  </p:stCondLst>
+                                  <p:childTnLst>
+                                    <p:set>
+                                      <p:cBhvr>
+                                        <p:cTn id="17" dur="1" fill="hold">
+                                          <p:stCondLst>
+                                            <p:cond delay="0"/>
+                                          </p:stCondLst>
+                                        </p:cTn>
+                                        <p:tgtEl>
+                                          <p:spTgt spid="8"/>
+                                        </p:tgtEl>
+                                        <p:attrNameLst>
+                                          <p:attrName>style.visibility</p:attrName>
+                                        </p:attrNameLst>
+                                      </p:cBhvr>
+                                      <p:to>
+                                        <p:strVal val="visible"/>
+                                      </p:to>
+                                    </p:set>
+                                    <p:animEffect transition="in" filter="fade">
+                                      <p:cBhvr>
+                                        <p:cTn id="18" dur="250"/>
+                                        <p:tgtEl>
+                                          <p:spTgt spid="8"/>
+                                        </p:tgtEl>
+                                      </p:cBhvr>
+                                    </p:animEffect>
+                                  </p:childTnLst>
+                                </p:cTn>
+                              </p:par>
+                              <p:par>
+                                <p:cTn id="19" presetID="10" presetClass="entr" presetSubtype="0" fill="hold" nodeType="withEffect">
+                                  <p:stCondLst>
+                                    <p:cond delay="0"/>
+                                  </p:stCondLst>
+                                  <p:childTnLst>
+                                    <p:set>
+                                      <p:cBhvr>
+                                        <p:cTn id="20" dur="1" fill="hold">
+                                          <p:stCondLst>
+                                            <p:cond delay="0"/>
+                                          </p:stCondLst>
+                                        </p:cTn>
+                                        <p:tgtEl>
+                                          <p:spTgt spid="10"/>
+                                        </p:tgtEl>
+                                        <p:attrNameLst>
+                                          <p:attrName>style.visibility</p:attrName>
+                                        </p:attrNameLst>
+                                      </p:cBhvr>
+                                      <p:to>
+                                        <p:strVal val="visible"/>
+                                      </p:to>
+                                    </p:set>
+                                    <p:animEffect transition="in" filter="fade">
+                                      <p:cBhvr>
+                                        <p:cTn id="21" dur="250"/>
+                                        <p:tgtEl>
+                                          <p:spTgt spid="10"/>
+                                        </p:tgtEl>
+                                      </p:cBhvr>
+                                    </p:animEffect>
+                                  </p:childTnLst>
+                                </p:cTn>
+                              </p:par>
+                            </p:childTnLst>
+                          </p:cTn>
+                        </p:par>
+                        <p:par>
+                          <p:cTn id="22" fill="hold">
+                            <p:stCondLst>
+                              <p:cond delay="750"/>
+                            </p:stCondLst>
+                            <p:childTnLst>
+                              <p:par>
+                                <p:cTn id="23" presetID="10" presetClass="entr" presetSubtype="0" fill="hold" nodeType="afterEffect">
+                                  <p:stCondLst>
+                                    <p:cond delay="0"/>
+                                  </p:stCondLst>
+                                  <p:childTnLst>
+                                    <p:set>
+                                      <p:cBhvr>
+                                        <p:cTn id="24" dur="1" fill="hold">
+                                          <p:stCondLst>
+                                            <p:cond delay="0"/>
+                                          </p:stCondLst>
+                                        </p:cTn>
+                                        <p:tgtEl>
+                                          <p:spTgt spid="4"/>
+                                        </p:tgtEl>
+                                        <p:attrNameLst>
+                                          <p:attrName>style.visibility</p:attrName>
+                                        </p:attrNameLst>
+                                      </p:cBhvr>
+                                      <p:to>
+                                        <p:strVal val="visible"/>
+                                      </p:to>
+                                    </p:set>
+                                    <p:animEffect transition="in" filter="fade">
+                                      <p:cBhvr>
+                                        <p:cTn id="25" dur="250"/>
+                                        <p:tgtEl>
+                                          <p:spTgt spid="4"/>
+                                        </p:tgtEl>
+                                      </p:cBhvr>
+                                    </p:animEffect>
+                                  </p:childTnLst>
+                                </p:cTn>
+                              </p:par>
+                            </p:childTnLst>
+                          </p:cTn>
+                        </p:par>
+                      </p:childTnLst>
+                    </p:cTn>
+                  </p:par>
+                </p:childTnLst>
+              </p:cTn>
+              <p:prevCondLst>
+                <p:cond evt="onPrev" delay="0">
+                  <p:tgtEl>
+                    <p:sldTgt/>
+                  </p:tgtEl>
+                </p:cond>
+              </p:prevCondLst>
+              <p:nextCondLst>
+                <p:cond evt="onNext" delay="0">
+                  <p:tgtEl>
+                    <p:sldTgt/>
+                  </p:tgtEl>
+                </p:cond>
+              </p:nextCondLst>
+            </p:seq>
+          </p:childTnLst>
+        </p:cTn>
+      </p:par>
+    </p:tnLst>
+    <p:bldLst>
+      <p:bldP spid="2" grpId="0"/>
+    </p:bldLst>
+  </p:timing>
+</p:sld>
+</file>
+
+<file path=ppt/slides/slide23.xml><?xml version="1.0" encoding="utf-8"?>
+<p:sld xmlns:a="http://schemas.openxmlformats.org/drawingml/2006/main" xmlns:r="http://schemas.openxmlformats.org/officeDocument/2006/relationships" xmlns:p="http://schemas.openxmlformats.org/presentationml/2006/main">
+  <p:cSld>
+    <p:spTree>
+      <p:nvGrpSpPr>
+        <p:cNvPr id="1" name=""/>
+        <p:cNvGrpSpPr/>
+        <p:nvPr/>
+      </p:nvGrpSpPr>
+      <p:grpSpPr>
+        <a:xfrm>
+          <a:off x="0" y="0"/>
+          <a:ext cx="0" cy="0"/>
+          <a:chOff x="0" y="0"/>
+          <a:chExt cx="0" cy="0"/>
+        </a:xfrm>
+      </p:grpSpPr>
+      <p:sp>
+        <p:nvSpPr>
+          <p:cNvPr id="15362" name="內容版面配置區 5"/>
+          <p:cNvSpPr>
+            <a:spLocks noGrp="1"/>
+          </p:cNvSpPr>
+          <p:nvPr>
+            <p:ph idx="1"/>
+          </p:nvPr>
+        </p:nvSpPr>
+        <p:spPr>
+          <a:xfrm>
+            <a:off x="457200" y="936625"/>
+            <a:ext cx="8229600" cy="3575050"/>
+          </a:xfrm>
+        </p:spPr>
+        <p:txBody>
+          <a:bodyPr/>
+          <a:lstStyle/>
+          <a:p>
+            <a:pPr marL="342900" lvl="1" indent="-342900" eaLnBrk="1" hangingPunct="1">
+              <a:buFont typeface="Arial" charset="0"/>
+              <a:buChar char="•"/>
+              <a:defRPr/>
+            </a:pPr>
+            <a:r>
+              <a:rPr lang="zh-TW" altLang="en-US" sz="1800" dirty="0" smtClean="0">
+                <a:latin typeface="Times New Roman" panose="02020603050405020304" pitchFamily="18" charset="0"/>
+                <a:cs typeface="Times New Roman" panose="02020603050405020304" pitchFamily="18" charset="0"/>
+              </a:rPr>
+              <a:t>結論</a:t>
+            </a:r>
+            <a:endParaRPr lang="en-US" altLang="zh-TW" sz="1800" dirty="0" smtClean="0">
+              <a:latin typeface="Times New Roman" panose="02020603050405020304" pitchFamily="18" charset="0"/>
+              <a:cs typeface="Times New Roman" panose="02020603050405020304" pitchFamily="18" charset="0"/>
+            </a:endParaRPr>
+          </a:p>
+          <a:p>
+            <a:pPr marL="742950" lvl="2" indent="-342900" eaLnBrk="1" hangingPunct="1">
+              <a:buFont typeface="Arial" charset="0"/>
+              <a:buChar char="•"/>
+              <a:defRPr/>
+            </a:pPr>
+            <a:r>
+              <a:rPr lang="zh-TW" altLang="en-US" sz="1600" dirty="0" smtClean="0">
+                <a:latin typeface="Times New Roman" panose="02020603050405020304" pitchFamily="18" charset="0"/>
+                <a:cs typeface="Times New Roman" panose="02020603050405020304" pitchFamily="18" charset="0"/>
+              </a:rPr>
+              <a:t>長</a:t>
+            </a:r>
+            <a:r>
+              <a:rPr lang="zh-TW" altLang="en-US" sz="1600" dirty="0">
+                <a:latin typeface="Times New Roman" panose="02020603050405020304" pitchFamily="18" charset="0"/>
+                <a:cs typeface="Times New Roman" panose="02020603050405020304" pitchFamily="18" charset="0"/>
+              </a:rPr>
+              <a:t>時間壓力下且能完成飛航模式開關的穩定性</a:t>
+            </a:r>
+            <a:endParaRPr lang="en-US" altLang="zh-TW" sz="1600" dirty="0">
+              <a:latin typeface="Times New Roman" panose="02020603050405020304" pitchFamily="18" charset="0"/>
+              <a:cs typeface="Times New Roman" panose="02020603050405020304" pitchFamily="18" charset="0"/>
+            </a:endParaRPr>
+          </a:p>
+          <a:p>
+            <a:pPr marL="742950" lvl="2" indent="-342900" eaLnBrk="1" hangingPunct="1">
+              <a:buFont typeface="Arial" charset="0"/>
+              <a:buChar char="•"/>
+              <a:defRPr/>
+            </a:pPr>
+            <a:r>
+              <a:rPr lang="zh-TW" altLang="en-US" sz="1600" dirty="0" smtClean="0">
+                <a:latin typeface="Times New Roman" panose="02020603050405020304" pitchFamily="18" charset="0"/>
+                <a:cs typeface="Times New Roman" panose="02020603050405020304" pitchFamily="18" charset="0"/>
+              </a:rPr>
+              <a:t>大致</a:t>
+            </a:r>
+            <a:r>
+              <a:rPr lang="zh-TW" altLang="en-US" sz="1600" dirty="0">
+                <a:latin typeface="Times New Roman" panose="02020603050405020304" pitchFamily="18" charset="0"/>
+                <a:cs typeface="Times New Roman" panose="02020603050405020304" pitchFamily="18" charset="0"/>
+              </a:rPr>
+              <a:t>區分為三</a:t>
+            </a:r>
+            <a:r>
+              <a:rPr lang="zh-TW" altLang="en-US" sz="1600" dirty="0" smtClean="0">
+                <a:latin typeface="Times New Roman" panose="02020603050405020304" pitchFamily="18" charset="0"/>
+                <a:cs typeface="Times New Roman" panose="02020603050405020304" pitchFamily="18" charset="0"/>
+              </a:rPr>
+              <a:t>種：</a:t>
+            </a:r>
+            <a:endParaRPr lang="en-US" altLang="zh-TW" sz="1600" dirty="0" smtClean="0">
+              <a:latin typeface="Times New Roman" panose="02020603050405020304" pitchFamily="18" charset="0"/>
+              <a:cs typeface="Times New Roman" panose="02020603050405020304" pitchFamily="18" charset="0"/>
+            </a:endParaRPr>
+          </a:p>
+          <a:p>
+            <a:pPr marL="1200150" lvl="3" indent="-342900" eaLnBrk="1" hangingPunct="1">
+              <a:buFont typeface="Arial" charset="0"/>
+              <a:buChar char="•"/>
+              <a:defRPr/>
+            </a:pPr>
+            <a:r>
+              <a:rPr lang="zh-TW" altLang="en-US" sz="1400" dirty="0" smtClean="0">
+                <a:latin typeface="Times New Roman" panose="02020603050405020304" pitchFamily="18" charset="0"/>
+                <a:cs typeface="Times New Roman" panose="02020603050405020304" pitchFamily="18" charset="0"/>
+              </a:rPr>
+              <a:t>透過 </a:t>
+            </a:r>
+            <a:r>
+              <a:rPr lang="en-US" altLang="zh-TW" sz="1400" dirty="0" smtClean="0">
+                <a:latin typeface="Times New Roman" panose="02020603050405020304" pitchFamily="18" charset="0"/>
+                <a:cs typeface="Times New Roman" panose="02020603050405020304" pitchFamily="18" charset="0"/>
+              </a:rPr>
+              <a:t>RJ-45 </a:t>
+            </a:r>
+            <a:r>
+              <a:rPr lang="zh-TW" altLang="en-US" sz="1400" dirty="0" smtClean="0">
+                <a:latin typeface="Times New Roman" panose="02020603050405020304" pitchFamily="18" charset="0"/>
+                <a:cs typeface="Times New Roman" panose="02020603050405020304" pitchFamily="18" charset="0"/>
+              </a:rPr>
+              <a:t>做 </a:t>
+            </a:r>
+            <a:r>
+              <a:rPr lang="en-US" altLang="zh-TW" sz="1400" dirty="0" smtClean="0">
+                <a:latin typeface="Times New Roman" panose="02020603050405020304" pitchFamily="18" charset="0"/>
+                <a:cs typeface="Times New Roman" panose="02020603050405020304" pitchFamily="18" charset="0"/>
+              </a:rPr>
+              <a:t>Android 6.0 </a:t>
+            </a:r>
+            <a:r>
+              <a:rPr lang="zh-TW" altLang="en-US" sz="1400" dirty="0" smtClean="0">
+                <a:latin typeface="Times New Roman" panose="02020603050405020304" pitchFamily="18" charset="0"/>
+                <a:cs typeface="Times New Roman" panose="02020603050405020304" pitchFamily="18" charset="0"/>
+              </a:rPr>
+              <a:t>系統中的 </a:t>
+            </a:r>
+            <a:r>
+              <a:rPr lang="en-US" altLang="zh-TW" sz="1400" dirty="0" smtClean="0">
+                <a:latin typeface="Times New Roman" panose="02020603050405020304" pitchFamily="18" charset="0"/>
+                <a:cs typeface="Times New Roman" panose="02020603050405020304" pitchFamily="18" charset="0"/>
+              </a:rPr>
+              <a:t>WLAN</a:t>
+            </a:r>
+            <a:r>
+              <a:rPr lang="zh-TW" altLang="en-US" sz="1400" dirty="0" smtClean="0">
+                <a:latin typeface="Times New Roman" panose="02020603050405020304" pitchFamily="18" charset="0"/>
+                <a:cs typeface="Times New Roman" panose="02020603050405020304" pitchFamily="18" charset="0"/>
+              </a:rPr>
+              <a:t> 或 </a:t>
+            </a:r>
+            <a:r>
+              <a:rPr lang="en-US" altLang="zh-TW" sz="1400" dirty="0" smtClean="0">
+                <a:latin typeface="Times New Roman" panose="02020603050405020304" pitchFamily="18" charset="0"/>
+                <a:cs typeface="Times New Roman" panose="02020603050405020304" pitchFamily="18" charset="0"/>
+              </a:rPr>
+              <a:t>WWAN</a:t>
+            </a:r>
+            <a:r>
+              <a:rPr lang="zh-TW" altLang="en-US" sz="1400" dirty="0" smtClean="0">
+                <a:latin typeface="Times New Roman" panose="02020603050405020304" pitchFamily="18" charset="0"/>
+                <a:cs typeface="Times New Roman" panose="02020603050405020304" pitchFamily="18" charset="0"/>
+              </a:rPr>
+              <a:t> 壓力測試</a:t>
+            </a:r>
+            <a:endParaRPr lang="en-US" altLang="zh-TW" sz="1400" dirty="0" smtClean="0">
+              <a:latin typeface="Times New Roman" panose="02020603050405020304" pitchFamily="18" charset="0"/>
+              <a:cs typeface="Times New Roman" panose="02020603050405020304" pitchFamily="18" charset="0"/>
+            </a:endParaRPr>
+          </a:p>
+          <a:p>
+            <a:pPr marL="1200150" lvl="3" indent="-342900" eaLnBrk="1" hangingPunct="1">
+              <a:buFont typeface="Arial" charset="0"/>
+              <a:buChar char="•"/>
+              <a:defRPr/>
+            </a:pPr>
+            <a:r>
+              <a:rPr lang="zh-TW" altLang="en-US" sz="1400" dirty="0">
+                <a:latin typeface="Times New Roman" panose="02020603050405020304" pitchFamily="18" charset="0"/>
+                <a:cs typeface="Times New Roman" panose="02020603050405020304" pitchFamily="18" charset="0"/>
+              </a:rPr>
+              <a:t>透過 </a:t>
+            </a:r>
+            <a:r>
+              <a:rPr lang="en-US" altLang="zh-TW" sz="1400" dirty="0">
+                <a:latin typeface="Times New Roman" panose="02020603050405020304" pitchFamily="18" charset="0"/>
+                <a:cs typeface="Times New Roman" panose="02020603050405020304" pitchFamily="18" charset="0"/>
+              </a:rPr>
+              <a:t>RJ-45 </a:t>
+            </a:r>
+            <a:r>
+              <a:rPr lang="zh-TW" altLang="en-US" sz="1400" dirty="0">
+                <a:latin typeface="Times New Roman" panose="02020603050405020304" pitchFamily="18" charset="0"/>
+                <a:cs typeface="Times New Roman" panose="02020603050405020304" pitchFamily="18" charset="0"/>
+              </a:rPr>
+              <a:t>做 </a:t>
+            </a:r>
+            <a:r>
+              <a:rPr lang="en-US" altLang="zh-TW" sz="1400" dirty="0">
+                <a:latin typeface="Times New Roman" panose="02020603050405020304" pitchFamily="18" charset="0"/>
+                <a:cs typeface="Times New Roman" panose="02020603050405020304" pitchFamily="18" charset="0"/>
+              </a:rPr>
+              <a:t>Android </a:t>
+            </a:r>
+            <a:r>
+              <a:rPr lang="en-US" altLang="zh-TW" sz="1400" dirty="0" smtClean="0">
+                <a:latin typeface="Times New Roman" panose="02020603050405020304" pitchFamily="18" charset="0"/>
+                <a:cs typeface="Times New Roman" panose="02020603050405020304" pitchFamily="18" charset="0"/>
+              </a:rPr>
+              <a:t>8.0 </a:t>
+            </a:r>
+            <a:r>
+              <a:rPr lang="zh-TW" altLang="en-US" sz="1400" dirty="0" smtClean="0">
+                <a:latin typeface="Times New Roman" panose="02020603050405020304" pitchFamily="18" charset="0"/>
+                <a:cs typeface="Times New Roman" panose="02020603050405020304" pitchFamily="18" charset="0"/>
+              </a:rPr>
+              <a:t>系統</a:t>
+            </a:r>
+            <a:r>
+              <a:rPr lang="zh-TW" altLang="en-US" sz="1400" dirty="0">
+                <a:latin typeface="Times New Roman" panose="02020603050405020304" pitchFamily="18" charset="0"/>
+                <a:cs typeface="Times New Roman" panose="02020603050405020304" pitchFamily="18" charset="0"/>
+              </a:rPr>
+              <a:t>中的 </a:t>
+            </a:r>
+            <a:r>
+              <a:rPr lang="en-US" altLang="zh-TW" sz="1400" dirty="0">
+                <a:latin typeface="Times New Roman" panose="02020603050405020304" pitchFamily="18" charset="0"/>
+                <a:cs typeface="Times New Roman" panose="02020603050405020304" pitchFamily="18" charset="0"/>
+              </a:rPr>
+              <a:t>WLAN</a:t>
+            </a:r>
+            <a:r>
+              <a:rPr lang="zh-TW" altLang="en-US" sz="1400" dirty="0">
+                <a:latin typeface="Times New Roman" panose="02020603050405020304" pitchFamily="18" charset="0"/>
+                <a:cs typeface="Times New Roman" panose="02020603050405020304" pitchFamily="18" charset="0"/>
+              </a:rPr>
+              <a:t> 或 </a:t>
+            </a:r>
+            <a:r>
+              <a:rPr lang="en-US" altLang="zh-TW" sz="1400" dirty="0">
+                <a:latin typeface="Times New Roman" panose="02020603050405020304" pitchFamily="18" charset="0"/>
+                <a:cs typeface="Times New Roman" panose="02020603050405020304" pitchFamily="18" charset="0"/>
+              </a:rPr>
+              <a:t>WWAN</a:t>
+            </a:r>
+            <a:r>
+              <a:rPr lang="zh-TW" altLang="en-US" sz="1400" dirty="0">
+                <a:latin typeface="Times New Roman" panose="02020603050405020304" pitchFamily="18" charset="0"/>
+                <a:cs typeface="Times New Roman" panose="02020603050405020304" pitchFamily="18" charset="0"/>
+              </a:rPr>
+              <a:t> 壓力</a:t>
+            </a:r>
+            <a:r>
+              <a:rPr lang="zh-TW" altLang="en-US" sz="1400" dirty="0" smtClean="0">
+                <a:latin typeface="Times New Roman" panose="02020603050405020304" pitchFamily="18" charset="0"/>
+                <a:cs typeface="Times New Roman" panose="02020603050405020304" pitchFamily="18" charset="0"/>
+              </a:rPr>
+              <a:t>測試</a:t>
+            </a:r>
+            <a:endParaRPr lang="en-US" altLang="zh-TW" sz="1400" dirty="0">
+              <a:latin typeface="Times New Roman" panose="02020603050405020304" pitchFamily="18" charset="0"/>
+              <a:cs typeface="Times New Roman" panose="02020603050405020304" pitchFamily="18" charset="0"/>
+            </a:endParaRPr>
+          </a:p>
+          <a:p>
+            <a:pPr marL="1200150" lvl="3" indent="-342900" eaLnBrk="1" hangingPunct="1">
+              <a:buFont typeface="Arial" charset="0"/>
+              <a:buChar char="•"/>
+              <a:defRPr/>
+            </a:pPr>
+            <a:r>
+              <a:rPr lang="zh-TW" altLang="en-US" sz="1400" dirty="0" smtClean="0">
+                <a:latin typeface="Times New Roman" panose="02020603050405020304" pitchFamily="18" charset="0"/>
+                <a:cs typeface="Times New Roman" panose="02020603050405020304" pitchFamily="18" charset="0"/>
+              </a:rPr>
+              <a:t>透過 </a:t>
+            </a:r>
+            <a:r>
+              <a:rPr lang="en-US" altLang="zh-TW" sz="1400" dirty="0" smtClean="0">
+                <a:latin typeface="Times New Roman" panose="02020603050405020304" pitchFamily="18" charset="0"/>
+                <a:cs typeface="Times New Roman" panose="02020603050405020304" pitchFamily="18" charset="0"/>
+              </a:rPr>
+              <a:t>OTG </a:t>
+            </a:r>
+            <a:r>
+              <a:rPr lang="zh-TW" altLang="en-US" sz="1400" dirty="0" smtClean="0">
+                <a:latin typeface="Times New Roman" panose="02020603050405020304" pitchFamily="18" charset="0"/>
+                <a:cs typeface="Times New Roman" panose="02020603050405020304" pitchFamily="18" charset="0"/>
+              </a:rPr>
+              <a:t>做 </a:t>
+            </a:r>
+            <a:r>
+              <a:rPr lang="en-US" altLang="zh-TW" sz="1400" dirty="0" smtClean="0">
+                <a:latin typeface="Times New Roman" panose="02020603050405020304" pitchFamily="18" charset="0"/>
+                <a:cs typeface="Times New Roman" panose="02020603050405020304" pitchFamily="18" charset="0"/>
+              </a:rPr>
+              <a:t>Android 6.0 </a:t>
+            </a:r>
+            <a:r>
+              <a:rPr lang="zh-TW" altLang="en-US" sz="1400" dirty="0" smtClean="0">
+                <a:latin typeface="Times New Roman" panose="02020603050405020304" pitchFamily="18" charset="0"/>
+                <a:cs typeface="Times New Roman" panose="02020603050405020304" pitchFamily="18" charset="0"/>
+              </a:rPr>
+              <a:t>系統中的 </a:t>
+            </a:r>
+            <a:r>
+              <a:rPr lang="en-US" altLang="zh-TW" sz="1400" dirty="0" smtClean="0">
+                <a:latin typeface="Times New Roman" panose="02020603050405020304" pitchFamily="18" charset="0"/>
+                <a:cs typeface="Times New Roman" panose="02020603050405020304" pitchFamily="18" charset="0"/>
+              </a:rPr>
+              <a:t>WLAN </a:t>
+            </a:r>
+            <a:r>
+              <a:rPr lang="zh-TW" altLang="en-US" sz="1400" dirty="0" smtClean="0">
+                <a:latin typeface="Times New Roman" panose="02020603050405020304" pitchFamily="18" charset="0"/>
+                <a:cs typeface="Times New Roman" panose="02020603050405020304" pitchFamily="18" charset="0"/>
+              </a:rPr>
+              <a:t>或 </a:t>
+            </a:r>
+            <a:r>
+              <a:rPr lang="en-US" altLang="zh-TW" sz="1400" dirty="0">
+                <a:latin typeface="Times New Roman" panose="02020603050405020304" pitchFamily="18" charset="0"/>
+                <a:cs typeface="Times New Roman" panose="02020603050405020304" pitchFamily="18" charset="0"/>
+              </a:rPr>
+              <a:t>WWAN </a:t>
+            </a:r>
+            <a:r>
+              <a:rPr lang="zh-TW" altLang="en-US" sz="1400" dirty="0">
+                <a:latin typeface="Times New Roman" panose="02020603050405020304" pitchFamily="18" charset="0"/>
+                <a:cs typeface="Times New Roman" panose="02020603050405020304" pitchFamily="18" charset="0"/>
+              </a:rPr>
+              <a:t>壓力</a:t>
+            </a:r>
+            <a:r>
+              <a:rPr lang="zh-TW" altLang="en-US" sz="1400" dirty="0" smtClean="0">
+                <a:latin typeface="Times New Roman" panose="02020603050405020304" pitchFamily="18" charset="0"/>
+                <a:cs typeface="Times New Roman" panose="02020603050405020304" pitchFamily="18" charset="0"/>
+              </a:rPr>
+              <a:t>測試</a:t>
+            </a:r>
+            <a:endParaRPr lang="en-US" altLang="zh-TW" sz="1400" dirty="0" smtClean="0">
+              <a:latin typeface="Times New Roman" panose="02020603050405020304" pitchFamily="18" charset="0"/>
+              <a:cs typeface="Times New Roman" panose="02020603050405020304" pitchFamily="18" charset="0"/>
+            </a:endParaRPr>
+          </a:p>
+          <a:p>
+            <a:pPr marL="1200150" lvl="3" indent="-342900" eaLnBrk="1" hangingPunct="1">
+              <a:buFont typeface="Arial" charset="0"/>
+              <a:buChar char="•"/>
+              <a:defRPr/>
+            </a:pPr>
+            <a:r>
+              <a:rPr lang="zh-TW" altLang="en-US" sz="1400" dirty="0">
+                <a:latin typeface="Times New Roman" panose="02020603050405020304" pitchFamily="18" charset="0"/>
+                <a:cs typeface="Times New Roman" panose="02020603050405020304" pitchFamily="18" charset="0"/>
+              </a:rPr>
+              <a:t>透過 </a:t>
+            </a:r>
+            <a:r>
+              <a:rPr lang="en-US" altLang="zh-TW" sz="1400" dirty="0">
+                <a:latin typeface="Times New Roman" panose="02020603050405020304" pitchFamily="18" charset="0"/>
+                <a:cs typeface="Times New Roman" panose="02020603050405020304" pitchFamily="18" charset="0"/>
+              </a:rPr>
+              <a:t>OTG </a:t>
+            </a:r>
+            <a:r>
+              <a:rPr lang="zh-TW" altLang="en-US" sz="1400" dirty="0">
+                <a:latin typeface="Times New Roman" panose="02020603050405020304" pitchFamily="18" charset="0"/>
+                <a:cs typeface="Times New Roman" panose="02020603050405020304" pitchFamily="18" charset="0"/>
+              </a:rPr>
+              <a:t>做 </a:t>
+            </a:r>
+            <a:r>
+              <a:rPr lang="en-US" altLang="zh-TW" sz="1400" dirty="0">
+                <a:latin typeface="Times New Roman" panose="02020603050405020304" pitchFamily="18" charset="0"/>
+                <a:cs typeface="Times New Roman" panose="02020603050405020304" pitchFamily="18" charset="0"/>
+              </a:rPr>
+              <a:t>Android </a:t>
+            </a:r>
+            <a:r>
+              <a:rPr lang="en-US" altLang="zh-TW" sz="1400" dirty="0" smtClean="0">
+                <a:latin typeface="Times New Roman" panose="02020603050405020304" pitchFamily="18" charset="0"/>
+                <a:cs typeface="Times New Roman" panose="02020603050405020304" pitchFamily="18" charset="0"/>
+              </a:rPr>
+              <a:t>8.0 </a:t>
+            </a:r>
+            <a:r>
+              <a:rPr lang="zh-TW" altLang="en-US" sz="1400" dirty="0" smtClean="0">
+                <a:latin typeface="Times New Roman" panose="02020603050405020304" pitchFamily="18" charset="0"/>
+                <a:cs typeface="Times New Roman" panose="02020603050405020304" pitchFamily="18" charset="0"/>
+              </a:rPr>
+              <a:t>系統</a:t>
+            </a:r>
+            <a:r>
+              <a:rPr lang="zh-TW" altLang="en-US" sz="1400" dirty="0">
+                <a:latin typeface="Times New Roman" panose="02020603050405020304" pitchFamily="18" charset="0"/>
+                <a:cs typeface="Times New Roman" panose="02020603050405020304" pitchFamily="18" charset="0"/>
+              </a:rPr>
+              <a:t>中的 </a:t>
+            </a:r>
+            <a:r>
+              <a:rPr lang="en-US" altLang="zh-TW" sz="1400" dirty="0">
+                <a:latin typeface="Times New Roman" panose="02020603050405020304" pitchFamily="18" charset="0"/>
+                <a:cs typeface="Times New Roman" panose="02020603050405020304" pitchFamily="18" charset="0"/>
+              </a:rPr>
+              <a:t>WLAN </a:t>
+            </a:r>
+            <a:r>
+              <a:rPr lang="zh-TW" altLang="en-US" sz="1400" dirty="0">
+                <a:latin typeface="Times New Roman" panose="02020603050405020304" pitchFamily="18" charset="0"/>
+                <a:cs typeface="Times New Roman" panose="02020603050405020304" pitchFamily="18" charset="0"/>
+              </a:rPr>
+              <a:t>或 </a:t>
+            </a:r>
+            <a:r>
+              <a:rPr lang="en-US" altLang="zh-TW" sz="1400" dirty="0">
+                <a:latin typeface="Times New Roman" panose="02020603050405020304" pitchFamily="18" charset="0"/>
+                <a:cs typeface="Times New Roman" panose="02020603050405020304" pitchFamily="18" charset="0"/>
+              </a:rPr>
+              <a:t>WWAN </a:t>
+            </a:r>
+            <a:r>
+              <a:rPr lang="zh-TW" altLang="en-US" sz="1400" dirty="0">
+                <a:latin typeface="Times New Roman" panose="02020603050405020304" pitchFamily="18" charset="0"/>
+                <a:cs typeface="Times New Roman" panose="02020603050405020304" pitchFamily="18" charset="0"/>
+              </a:rPr>
+              <a:t>壓力</a:t>
+            </a:r>
+            <a:r>
+              <a:rPr lang="zh-TW" altLang="en-US" sz="1400" dirty="0" smtClean="0">
+                <a:latin typeface="Times New Roman" panose="02020603050405020304" pitchFamily="18" charset="0"/>
+                <a:cs typeface="Times New Roman" panose="02020603050405020304" pitchFamily="18" charset="0"/>
+              </a:rPr>
+              <a:t>測試</a:t>
+            </a:r>
+            <a:endParaRPr lang="en-US" altLang="zh-TW" sz="1400" dirty="0">
+              <a:latin typeface="Times New Roman" panose="02020603050405020304" pitchFamily="18" charset="0"/>
+              <a:cs typeface="Times New Roman" panose="02020603050405020304" pitchFamily="18" charset="0"/>
+            </a:endParaRPr>
+          </a:p>
+          <a:p>
+            <a:pPr marL="1200150" lvl="3" indent="-342900" eaLnBrk="1" hangingPunct="1">
+              <a:buFont typeface="Arial" charset="0"/>
+              <a:buChar char="•"/>
+              <a:defRPr/>
+            </a:pPr>
+            <a:r>
+              <a:rPr lang="en-US" altLang="zh-TW" sz="1400" dirty="0" smtClean="0">
+                <a:latin typeface="Times New Roman" panose="02020603050405020304" pitchFamily="18" charset="0"/>
+                <a:cs typeface="Times New Roman" panose="02020603050405020304" pitchFamily="18" charset="0"/>
+              </a:rPr>
+              <a:t>Windows </a:t>
+            </a:r>
+            <a:r>
+              <a:rPr lang="zh-TW" altLang="en-US" sz="1400" dirty="0" smtClean="0">
+                <a:latin typeface="Times New Roman" panose="02020603050405020304" pitchFamily="18" charset="0"/>
+                <a:cs typeface="Times New Roman" panose="02020603050405020304" pitchFamily="18" charset="0"/>
+              </a:rPr>
+              <a:t>系統中的 </a:t>
+            </a:r>
+            <a:r>
+              <a:rPr lang="en-US" altLang="zh-TW" sz="1400" dirty="0" smtClean="0">
+                <a:latin typeface="Times New Roman" panose="02020603050405020304" pitchFamily="18" charset="0"/>
+                <a:cs typeface="Times New Roman" panose="02020603050405020304" pitchFamily="18" charset="0"/>
+              </a:rPr>
+              <a:t>WLAN</a:t>
+            </a:r>
+            <a:r>
+              <a:rPr lang="zh-TW" altLang="en-US" sz="1400" dirty="0" smtClean="0">
+                <a:latin typeface="Times New Roman" panose="02020603050405020304" pitchFamily="18" charset="0"/>
+                <a:cs typeface="Times New Roman" panose="02020603050405020304" pitchFamily="18" charset="0"/>
+              </a:rPr>
+              <a:t> 壓力</a:t>
+            </a:r>
+            <a:r>
+              <a:rPr lang="zh-TW" altLang="en-US" sz="1400" dirty="0">
+                <a:latin typeface="Times New Roman" panose="02020603050405020304" pitchFamily="18" charset="0"/>
+                <a:cs typeface="Times New Roman" panose="02020603050405020304" pitchFamily="18" charset="0"/>
+              </a:rPr>
+              <a:t>測試</a:t>
+            </a:r>
+            <a:r>
+              <a:rPr lang="en-US" altLang="zh-TW" sz="1400" dirty="0">
+                <a:latin typeface="Times New Roman" panose="02020603050405020304" pitchFamily="18" charset="0"/>
+                <a:cs typeface="Times New Roman" panose="02020603050405020304" pitchFamily="18" charset="0"/>
+              </a:rPr>
+              <a:t> </a:t>
+            </a:r>
+            <a:endParaRPr lang="en-US" altLang="zh-TW" sz="1800" dirty="0" smtClean="0">
+              <a:latin typeface="Times New Roman" panose="02020603050405020304" pitchFamily="18" charset="0"/>
+              <a:cs typeface="Times New Roman" panose="02020603050405020304" pitchFamily="18" charset="0"/>
+            </a:endParaRPr>
+          </a:p>
+          <a:p>
+            <a:pPr marL="742950" lvl="2" indent="-342900" eaLnBrk="1" hangingPunct="1">
+              <a:buFont typeface="Arial" charset="0"/>
+              <a:buChar char="•"/>
+              <a:defRPr/>
+            </a:pPr>
+            <a:endParaRPr lang="en-US" altLang="zh-TW" sz="1600" dirty="0" smtClean="0">
+              <a:latin typeface="Times New Roman" panose="02020603050405020304" pitchFamily="18" charset="0"/>
+              <a:cs typeface="Times New Roman" panose="02020603050405020304" pitchFamily="18" charset="0"/>
+            </a:endParaRPr>
+          </a:p>
+          <a:p>
+            <a:pPr marL="742950" lvl="2" indent="-342900" eaLnBrk="1" hangingPunct="1">
+              <a:buFont typeface="Arial" charset="0"/>
+              <a:buChar char="•"/>
+              <a:defRPr/>
+            </a:pPr>
+            <a:endParaRPr lang="en-US" altLang="zh-TW" sz="1400" dirty="0">
+              <a:latin typeface="Times New Roman" panose="02020603050405020304" pitchFamily="18" charset="0"/>
+              <a:cs typeface="Times New Roman" panose="02020603050405020304" pitchFamily="18" charset="0"/>
+            </a:endParaRPr>
+          </a:p>
+        </p:txBody>
+      </p:sp>
+      <p:sp>
+        <p:nvSpPr>
+          <p:cNvPr id="2" name="標題 4"/>
+          <p:cNvSpPr>
+            <a:spLocks noGrp="1"/>
+          </p:cNvSpPr>
+          <p:nvPr>
+            <p:ph type="title"/>
+          </p:nvPr>
+        </p:nvSpPr>
+        <p:spPr>
+          <a:xfrm>
+            <a:off x="457200" y="87313"/>
+            <a:ext cx="8229600" cy="756000"/>
+          </a:xfrm>
+        </p:spPr>
+        <p:txBody>
+          <a:bodyPr/>
+          <a:lstStyle/>
+          <a:p>
+            <a:pPr eaLnBrk="1" hangingPunct="1">
+              <a:defRPr/>
+            </a:pPr>
+            <a:r>
+              <a:rPr lang="en-US" altLang="zh-TW" sz="2800" kern="0" dirty="0" smtClean="0">
+                <a:solidFill>
+                  <a:srgbClr val="003366"/>
+                </a:solidFill>
+                <a:latin typeface="Times New Roman" panose="02020603050405020304" pitchFamily="18" charset="0"/>
+                <a:cs typeface="Times New Roman" panose="02020603050405020304" pitchFamily="18" charset="0"/>
+              </a:rPr>
+              <a:t>Airplane </a:t>
+            </a:r>
+            <a:r>
+              <a:rPr lang="en-US" altLang="zh-TW" sz="2800" kern="0" dirty="0">
+                <a:solidFill>
+                  <a:srgbClr val="003366"/>
+                </a:solidFill>
+                <a:latin typeface="Times New Roman" panose="02020603050405020304" pitchFamily="18" charset="0"/>
+                <a:cs typeface="Times New Roman" panose="02020603050405020304" pitchFamily="18" charset="0"/>
+              </a:rPr>
+              <a:t>on/off mode </a:t>
+            </a:r>
+            <a:r>
+              <a:rPr lang="en-US" altLang="zh-TW" sz="2800" kern="0" dirty="0" smtClean="0">
+                <a:solidFill>
+                  <a:srgbClr val="003366"/>
+                </a:solidFill>
+                <a:latin typeface="Times New Roman" panose="02020603050405020304" pitchFamily="18" charset="0"/>
+                <a:cs typeface="Times New Roman" panose="02020603050405020304" pitchFamily="18" charset="0"/>
+              </a:rPr>
+              <a:t>automation</a:t>
+            </a:r>
+            <a:endParaRPr lang="zh-TW" altLang="en-US" sz="2800" kern="0" dirty="0">
+              <a:solidFill>
+                <a:srgbClr val="003366"/>
+              </a:solidFill>
+              <a:latin typeface="Times New Roman" panose="02020603050405020304" pitchFamily="18" charset="0"/>
+              <a:cs typeface="Times New Roman" panose="02020603050405020304" pitchFamily="18" charset="0"/>
+            </a:endParaRPr>
+          </a:p>
+        </p:txBody>
+      </p:sp>
+    </p:spTree>
+    <p:extLst>
+      <p:ext uri="{BB962C8B-B14F-4D97-AF65-F5344CB8AC3E}">
+        <p14:creationId xmlns:p14="http://schemas.microsoft.com/office/powerpoint/2010/main" val="944696784"/>
+      </p:ext>
+    </p:extLst>
+  </p:cSld>
+  <p:clrMapOvr>
+    <a:masterClrMapping/>
+  </p:clrMapOvr>
+  <mc:AlternateContent xmlns:mc="http://schemas.openxmlformats.org/markup-compatibility/2006" xmlns:p14="http://schemas.microsoft.com/office/powerpoint/2010/main">
+    <mc:Choice Requires="p14">
+      <p:transition spd="med" p14:dur="700" advClick="0">
+        <p:fade/>
+      </p:transition>
+    </mc:Choice>
+    <mc:Fallback xmlns="">
+      <p:transition spd="med" advClick="0">
+        <p:fade/>
+      </p:transition>
+    </mc:Fallback>
+  </mc:AlternateContent>
+  <p:timing>
+    <p:tnLst>
+      <p:par>
+        <p:cTn id="1" dur="indefinite" restart="never" nodeType="tmRoot">
+          <p:childTnLst>
+            <p:seq concurrent="1" nextAc="seek">
+              <p:cTn id="2" dur="indefinite" nodeType="mainSeq">
+                <p:childTnLst>
+                  <p:par>
+                    <p:cTn id="3" fill="hold">
+                      <p:stCondLst>
+                        <p:cond delay="indefinite"/>
+                        <p:cond evt="onBegin" delay="0">
+                          <p:tn val="2"/>
+                        </p:cond>
+                      </p:stCondLst>
+                      <p:childTnLst>
+                        <p:par>
+                          <p:cTn id="4" fill="hold">
+                            <p:stCondLst>
+                              <p:cond delay="0"/>
+                            </p:stCondLst>
+                            <p:childTnLst>
+                              <p:par>
+                                <p:cTn id="5" presetID="10" presetClass="entr" presetSubtype="0" fill="hold" grpId="0" nodeType="withEffect">
+                                  <p:stCondLst>
+                                    <p:cond delay="0"/>
+                                  </p:stCondLst>
+                                  <p:childTnLst>
+                                    <p:set>
+                                      <p:cBhvr>
+                                        <p:cTn id="6" dur="1" fill="hold">
+                                          <p:stCondLst>
+                                            <p:cond delay="0"/>
+                                          </p:stCondLst>
+                                        </p:cTn>
+                                        <p:tgtEl>
+                                          <p:spTgt spid="2"/>
+                                        </p:tgtEl>
+                                        <p:attrNameLst>
+                                          <p:attrName>style.visibility</p:attrName>
+                                        </p:attrNameLst>
+                                      </p:cBhvr>
+                                      <p:to>
+                                        <p:strVal val="visible"/>
+                                      </p:to>
+                                    </p:set>
+                                    <p:animEffect transition="in" filter="fade">
+                                      <p:cBhvr>
+                                        <p:cTn id="7" dur="250"/>
+                                        <p:tgtEl>
+                                          <p:spTgt spid="2"/>
+                                        </p:tgtEl>
+                                      </p:cBhvr>
+                                    </p:animEffect>
+                                  </p:childTnLst>
+                                </p:cTn>
+                              </p:par>
+                            </p:childTnLst>
+                          </p:cTn>
+                        </p:par>
+                        <p:par>
+                          <p:cTn id="8" fill="hold">
+                            <p:stCondLst>
+                              <p:cond delay="250"/>
+                            </p:stCondLst>
+                            <p:childTnLst>
+                              <p:par>
+                                <p:cTn id="9" presetID="10" presetClass="entr" presetSubtype="0" fill="hold" nodeType="afterEffect">
+                                  <p:stCondLst>
+                                    <p:cond delay="0"/>
+                                  </p:stCondLst>
+                                  <p:childTnLst>
+                                    <p:set>
+                                      <p:cBhvr>
+                                        <p:cTn id="10" dur="1" fill="hold">
+                                          <p:stCondLst>
+                                            <p:cond delay="0"/>
+                                          </p:stCondLst>
+                                        </p:cTn>
+                                        <p:tgtEl>
+                                          <p:spTgt spid="15362">
+                                            <p:txEl>
+                                              <p:pRg st="0" end="0"/>
+                                            </p:txEl>
+                                          </p:spTgt>
+                                        </p:tgtEl>
+                                        <p:attrNameLst>
+                                          <p:attrName>style.visibility</p:attrName>
+                                        </p:attrNameLst>
+                                      </p:cBhvr>
+                                      <p:to>
+                                        <p:strVal val="visible"/>
+                                      </p:to>
+                                    </p:set>
+                                    <p:animEffect transition="in" filter="fade">
+                                      <p:cBhvr>
+                                        <p:cTn id="11" dur="250"/>
+                                        <p:tgtEl>
+                                          <p:spTgt spid="15362">
+                                            <p:txEl>
+                                              <p:pRg st="0" end="0"/>
+                                            </p:txEl>
+                                          </p:spTgt>
+                                        </p:tgtEl>
+                                      </p:cBhvr>
+                                    </p:animEffect>
+                                  </p:childTnLst>
+                                </p:cTn>
+                              </p:par>
+                            </p:childTnLst>
+                          </p:cTn>
+                        </p:par>
+                        <p:par>
+                          <p:cTn id="12" fill="hold">
+                            <p:stCondLst>
+                              <p:cond delay="500"/>
+                            </p:stCondLst>
+                            <p:childTnLst>
+                              <p:par>
+                                <p:cTn id="13" presetID="10" presetClass="entr" presetSubtype="0" fill="hold" nodeType="afterEffect">
+                                  <p:stCondLst>
+                                    <p:cond delay="0"/>
+                                  </p:stCondLst>
+                                  <p:childTnLst>
+                                    <p:set>
+                                      <p:cBhvr>
+                                        <p:cTn id="14" dur="1" fill="hold">
+                                          <p:stCondLst>
+                                            <p:cond delay="0"/>
+                                          </p:stCondLst>
+                                        </p:cTn>
+                                        <p:tgtEl>
+                                          <p:spTgt spid="15362">
+                                            <p:txEl>
+                                              <p:pRg st="1" end="1"/>
+                                            </p:txEl>
+                                          </p:spTgt>
+                                        </p:tgtEl>
+                                        <p:attrNameLst>
+                                          <p:attrName>style.visibility</p:attrName>
+                                        </p:attrNameLst>
+                                      </p:cBhvr>
+                                      <p:to>
+                                        <p:strVal val="visible"/>
+                                      </p:to>
+                                    </p:set>
+                                    <p:animEffect transition="in" filter="fade">
+                                      <p:cBhvr>
+                                        <p:cTn id="15" dur="250"/>
+                                        <p:tgtEl>
+                                          <p:spTgt spid="15362">
+                                            <p:txEl>
+                                              <p:pRg st="1" end="1"/>
+                                            </p:txEl>
+                                          </p:spTgt>
+                                        </p:tgtEl>
+                                      </p:cBhvr>
+                                    </p:animEffect>
+                                  </p:childTnLst>
+                                </p:cTn>
+                              </p:par>
+                            </p:childTnLst>
+                          </p:cTn>
+                        </p:par>
+                        <p:par>
+                          <p:cTn id="16" fill="hold">
+                            <p:stCondLst>
+                              <p:cond delay="750"/>
+                            </p:stCondLst>
+                            <p:childTnLst>
+                              <p:par>
+                                <p:cTn id="17" presetID="10" presetClass="entr" presetSubtype="0" fill="hold" nodeType="afterEffect">
+                                  <p:stCondLst>
+                                    <p:cond delay="0"/>
+                                  </p:stCondLst>
+                                  <p:childTnLst>
+                                    <p:set>
+                                      <p:cBhvr>
+                                        <p:cTn id="18" dur="1" fill="hold">
+                                          <p:stCondLst>
+                                            <p:cond delay="0"/>
+                                          </p:stCondLst>
+                                        </p:cTn>
+                                        <p:tgtEl>
+                                          <p:spTgt spid="15362">
+                                            <p:txEl>
+                                              <p:pRg st="2" end="2"/>
+                                            </p:txEl>
+                                          </p:spTgt>
+                                        </p:tgtEl>
+                                        <p:attrNameLst>
+                                          <p:attrName>style.visibility</p:attrName>
+                                        </p:attrNameLst>
+                                      </p:cBhvr>
+                                      <p:to>
+                                        <p:strVal val="visible"/>
+                                      </p:to>
+                                    </p:set>
+                                    <p:animEffect transition="in" filter="fade">
+                                      <p:cBhvr>
+                                        <p:cTn id="19" dur="250"/>
+                                        <p:tgtEl>
+                                          <p:spTgt spid="15362">
+                                            <p:txEl>
+                                              <p:pRg st="2" end="2"/>
+                                            </p:txEl>
+                                          </p:spTgt>
+                                        </p:tgtEl>
+                                      </p:cBhvr>
+                                    </p:animEffect>
+                                  </p:childTnLst>
+                                </p:cTn>
+                              </p:par>
+                            </p:childTnLst>
+                          </p:cTn>
+                        </p:par>
+                        <p:par>
+                          <p:cTn id="20" fill="hold">
+                            <p:stCondLst>
+                              <p:cond delay="1000"/>
+                            </p:stCondLst>
+                            <p:childTnLst>
+                              <p:par>
+                                <p:cTn id="21" presetID="10" presetClass="entr" presetSubtype="0" fill="hold" nodeType="afterEffect">
+                                  <p:stCondLst>
+                                    <p:cond delay="0"/>
+                                  </p:stCondLst>
+                                  <p:childTnLst>
+                                    <p:set>
+                                      <p:cBhvr>
+                                        <p:cTn id="22" dur="1" fill="hold">
+                                          <p:stCondLst>
+                                            <p:cond delay="0"/>
+                                          </p:stCondLst>
+                                        </p:cTn>
+                                        <p:tgtEl>
+                                          <p:spTgt spid="15362">
+                                            <p:txEl>
+                                              <p:pRg st="3" end="3"/>
+                                            </p:txEl>
+                                          </p:spTgt>
+                                        </p:tgtEl>
+                                        <p:attrNameLst>
+                                          <p:attrName>style.visibility</p:attrName>
+                                        </p:attrNameLst>
+                                      </p:cBhvr>
+                                      <p:to>
+                                        <p:strVal val="visible"/>
+                                      </p:to>
+                                    </p:set>
+                                    <p:animEffect transition="in" filter="fade">
+                                      <p:cBhvr>
+                                        <p:cTn id="23" dur="250"/>
+                                        <p:tgtEl>
+                                          <p:spTgt spid="15362">
+                                            <p:txEl>
+                                              <p:pRg st="3" end="3"/>
+                                            </p:txEl>
+                                          </p:spTgt>
+                                        </p:tgtEl>
+                                      </p:cBhvr>
+                                    </p:animEffect>
+                                  </p:childTnLst>
+                                </p:cTn>
+                              </p:par>
+                            </p:childTnLst>
+                          </p:cTn>
+                        </p:par>
+                        <p:par>
+                          <p:cTn id="24" fill="hold">
+                            <p:stCondLst>
+                              <p:cond delay="1250"/>
+                            </p:stCondLst>
+                            <p:childTnLst>
+                              <p:par>
+                                <p:cTn id="25" presetID="10" presetClass="entr" presetSubtype="0" fill="hold" nodeType="afterEffect">
+                                  <p:stCondLst>
+                                    <p:cond delay="0"/>
+                                  </p:stCondLst>
+                                  <p:childTnLst>
+                                    <p:set>
+                                      <p:cBhvr>
+                                        <p:cTn id="26" dur="1" fill="hold">
+                                          <p:stCondLst>
+                                            <p:cond delay="0"/>
+                                          </p:stCondLst>
+                                        </p:cTn>
+                                        <p:tgtEl>
+                                          <p:spTgt spid="15362">
+                                            <p:txEl>
+                                              <p:pRg st="4" end="4"/>
+                                            </p:txEl>
+                                          </p:spTgt>
+                                        </p:tgtEl>
+                                        <p:attrNameLst>
+                                          <p:attrName>style.visibility</p:attrName>
+                                        </p:attrNameLst>
+                                      </p:cBhvr>
+                                      <p:to>
+                                        <p:strVal val="visible"/>
+                                      </p:to>
+                                    </p:set>
+                                    <p:animEffect transition="in" filter="fade">
+                                      <p:cBhvr>
+                                        <p:cTn id="27" dur="250"/>
+                                        <p:tgtEl>
+                                          <p:spTgt spid="15362">
+                                            <p:txEl>
+                                              <p:pRg st="4" end="4"/>
+                                            </p:txEl>
+                                          </p:spTgt>
+                                        </p:tgtEl>
+                                      </p:cBhvr>
+                                    </p:animEffect>
+                                  </p:childTnLst>
+                                </p:cTn>
+                              </p:par>
+                            </p:childTnLst>
+                          </p:cTn>
+                        </p:par>
+                        <p:par>
+                          <p:cTn id="28" fill="hold">
+                            <p:stCondLst>
+                              <p:cond delay="1500"/>
+                            </p:stCondLst>
+                            <p:childTnLst>
+                              <p:par>
+                                <p:cTn id="29" presetID="10" presetClass="entr" presetSubtype="0" fill="hold" nodeType="afterEffect">
+                                  <p:stCondLst>
+                                    <p:cond delay="0"/>
+                                  </p:stCondLst>
+                                  <p:childTnLst>
+                                    <p:set>
+                                      <p:cBhvr>
+                                        <p:cTn id="30" dur="1" fill="hold">
+                                          <p:stCondLst>
+                                            <p:cond delay="0"/>
+                                          </p:stCondLst>
+                                        </p:cTn>
+                                        <p:tgtEl>
+                                          <p:spTgt spid="15362">
+                                            <p:txEl>
+                                              <p:pRg st="5" end="5"/>
+                                            </p:txEl>
+                                          </p:spTgt>
+                                        </p:tgtEl>
+                                        <p:attrNameLst>
+                                          <p:attrName>style.visibility</p:attrName>
+                                        </p:attrNameLst>
+                                      </p:cBhvr>
+                                      <p:to>
+                                        <p:strVal val="visible"/>
+                                      </p:to>
+                                    </p:set>
+                                    <p:animEffect transition="in" filter="fade">
+                                      <p:cBhvr>
+                                        <p:cTn id="31" dur="250"/>
+                                        <p:tgtEl>
+                                          <p:spTgt spid="15362">
+                                            <p:txEl>
+                                              <p:pRg st="5" end="5"/>
+                                            </p:txEl>
+                                          </p:spTgt>
+                                        </p:tgtEl>
+                                      </p:cBhvr>
+                                    </p:animEffect>
+                                  </p:childTnLst>
+                                </p:cTn>
+                              </p:par>
+                            </p:childTnLst>
+                          </p:cTn>
+                        </p:par>
+                        <p:par>
+                          <p:cTn id="32" fill="hold">
+                            <p:stCondLst>
+                              <p:cond delay="1750"/>
+                            </p:stCondLst>
+                            <p:childTnLst>
+                              <p:par>
+                                <p:cTn id="33" presetID="10" presetClass="entr" presetSubtype="0" fill="hold" nodeType="afterEffect">
+                                  <p:stCondLst>
+                                    <p:cond delay="0"/>
+                                  </p:stCondLst>
+                                  <p:childTnLst>
+                                    <p:set>
+                                      <p:cBhvr>
+                                        <p:cTn id="34" dur="1" fill="hold">
+                                          <p:stCondLst>
+                                            <p:cond delay="0"/>
+                                          </p:stCondLst>
+                                        </p:cTn>
+                                        <p:tgtEl>
+                                          <p:spTgt spid="15362">
+                                            <p:txEl>
+                                              <p:pRg st="6" end="6"/>
+                                            </p:txEl>
+                                          </p:spTgt>
+                                        </p:tgtEl>
+                                        <p:attrNameLst>
+                                          <p:attrName>style.visibility</p:attrName>
+                                        </p:attrNameLst>
+                                      </p:cBhvr>
+                                      <p:to>
+                                        <p:strVal val="visible"/>
+                                      </p:to>
+                                    </p:set>
+                                    <p:animEffect transition="in" filter="fade">
+                                      <p:cBhvr>
+                                        <p:cTn id="35" dur="250"/>
+                                        <p:tgtEl>
+                                          <p:spTgt spid="15362">
+                                            <p:txEl>
+                                              <p:pRg st="6" end="6"/>
+                                            </p:txEl>
+                                          </p:spTgt>
+                                        </p:tgtEl>
+                                      </p:cBhvr>
+                                    </p:animEffect>
+                                  </p:childTnLst>
+                                </p:cTn>
+                              </p:par>
+                            </p:childTnLst>
+                          </p:cTn>
+                        </p:par>
+                        <p:par>
+                          <p:cTn id="36" fill="hold">
+                            <p:stCondLst>
+                              <p:cond delay="2000"/>
+                            </p:stCondLst>
+                            <p:childTnLst>
+                              <p:par>
+                                <p:cTn id="37" presetID="10" presetClass="entr" presetSubtype="0" fill="hold" nodeType="afterEffect">
+                                  <p:stCondLst>
+                                    <p:cond delay="0"/>
+                                  </p:stCondLst>
+                                  <p:childTnLst>
+                                    <p:set>
+                                      <p:cBhvr>
+                                        <p:cTn id="38" dur="1" fill="hold">
+                                          <p:stCondLst>
+                                            <p:cond delay="0"/>
+                                          </p:stCondLst>
+                                        </p:cTn>
+                                        <p:tgtEl>
+                                          <p:spTgt spid="15362">
+                                            <p:txEl>
+                                              <p:pRg st="7" end="7"/>
+                                            </p:txEl>
+                                          </p:spTgt>
+                                        </p:tgtEl>
+                                        <p:attrNameLst>
+                                          <p:attrName>style.visibility</p:attrName>
+                                        </p:attrNameLst>
+                                      </p:cBhvr>
+                                      <p:to>
+                                        <p:strVal val="visible"/>
+                                      </p:to>
+                                    </p:set>
+                                    <p:animEffect transition="in" filter="fade">
+                                      <p:cBhvr>
+                                        <p:cTn id="39" dur="250"/>
+                                        <p:tgtEl>
+                                          <p:spTgt spid="15362">
+                                            <p:txEl>
+                                              <p:pRg st="7" end="7"/>
+                                            </p:txEl>
+                                          </p:spTgt>
+                                        </p:tgtEl>
+                                      </p:cBhvr>
+                                    </p:animEffect>
+                                  </p:childTnLst>
+                                </p:cTn>
+                              </p:par>
+                            </p:childTnLst>
+                          </p:cTn>
+                        </p:par>
+                      </p:childTnLst>
+                    </p:cTn>
+                  </p:par>
+                </p:childTnLst>
+              </p:cTn>
+              <p:prevCondLst>
+                <p:cond evt="onPrev" delay="0">
+                  <p:tgtEl>
+                    <p:sldTgt/>
+                  </p:tgtEl>
+                </p:cond>
+              </p:prevCondLst>
+              <p:nextCondLst>
+                <p:cond evt="onNext" delay="0">
+                  <p:tgtEl>
+                    <p:sldTgt/>
+                  </p:tgtEl>
+                </p:cond>
+              </p:nextCondLst>
+            </p:seq>
+          </p:childTnLst>
+        </p:cTn>
+      </p:par>
+    </p:tnLst>
+    <p:bldLst>
+      <p:bldP spid="2" grpId="0"/>
+    </p:bldLst>
+  </p:timing>
+</p:sld>
+</file>
+
+<file path=ppt/slides/slide24.xml><?xml version="1.0" encoding="utf-8"?>
+<p:sld xmlns:a="http://schemas.openxmlformats.org/drawingml/2006/main" xmlns:r="http://schemas.openxmlformats.org/officeDocument/2006/relationships" xmlns:p="http://schemas.openxmlformats.org/presentationml/2006/main">
+  <p:cSld>
+    <p:spTree>
+      <p:nvGrpSpPr>
+        <p:cNvPr id="1" name=""/>
+        <p:cNvGrpSpPr/>
+        <p:nvPr/>
+      </p:nvGrpSpPr>
+      <p:grpSpPr>
+        <a:xfrm>
+          <a:off x="0" y="0"/>
+          <a:ext cx="0" cy="0"/>
+          <a:chOff x="0" y="0"/>
+          <a:chExt cx="0" cy="0"/>
+        </a:xfrm>
+      </p:grpSpPr>
+      <p:sp>
+        <p:nvSpPr>
+          <p:cNvPr id="15362" name="內容版面配置區 5"/>
+          <p:cNvSpPr>
+            <a:spLocks noGrp="1"/>
+          </p:cNvSpPr>
+          <p:nvPr>
+            <p:ph idx="1"/>
+          </p:nvPr>
+        </p:nvSpPr>
+        <p:spPr>
+          <a:xfrm>
+            <a:off x="457200" y="936625"/>
+            <a:ext cx="8229600" cy="3575050"/>
+          </a:xfrm>
+        </p:spPr>
+        <p:txBody>
+          <a:bodyPr/>
+          <a:lstStyle/>
+          <a:p>
+            <a:pPr marL="342900" lvl="1" indent="-342900" eaLnBrk="1" hangingPunct="1">
+              <a:buFont typeface="Arial" charset="0"/>
+              <a:buChar char="•"/>
+              <a:defRPr/>
+            </a:pPr>
+            <a:r>
               <a:rPr lang="en-US" altLang="zh-TW" sz="1800" dirty="0">
                 <a:latin typeface="Times New Roman" panose="02020603050405020304" pitchFamily="18" charset="0"/>
                 <a:cs typeface="Times New Roman" panose="02020603050405020304" pitchFamily="18" charset="0"/>
@@ -13738,7 +17382,7 @@
               <a:defRPr/>
             </a:pPr>
             <a:r>
-              <a:rPr lang="en-US" altLang="zh-TW" sz="1400" dirty="0" smtClean="0">
+              <a:rPr lang="en-US" altLang="zh-TW" sz="1600" dirty="0" smtClean="0">
                 <a:latin typeface="Times New Roman" panose="02020603050405020304" pitchFamily="18" charset="0"/>
                 <a:cs typeface="Times New Roman" panose="02020603050405020304" pitchFamily="18" charset="0"/>
               </a:rPr>
@@ -13752,20 +17396,20 @@
               <a:defRPr/>
             </a:pPr>
             <a:r>
-              <a:rPr lang="en-US" altLang="zh-TW" sz="1400" dirty="0">
+              <a:rPr lang="en-US" altLang="zh-TW" sz="1600" dirty="0">
                 <a:latin typeface="Times New Roman" panose="02020603050405020304" pitchFamily="18" charset="0"/>
                 <a:cs typeface="Times New Roman" panose="02020603050405020304" pitchFamily="18" charset="0"/>
               </a:rPr>
               <a:t>Auto catch the resolution by batch </a:t>
             </a:r>
             <a:r>
-              <a:rPr lang="en-US" altLang="zh-TW" sz="1400" dirty="0" smtClean="0">
+              <a:rPr lang="en-US" altLang="zh-TW" sz="1600" dirty="0" smtClean="0">
                 <a:latin typeface="Times New Roman" panose="02020603050405020304" pitchFamily="18" charset="0"/>
                 <a:cs typeface="Times New Roman" panose="02020603050405020304" pitchFamily="18" charset="0"/>
               </a:rPr>
               <a:t>code. (Reboot)</a:t>
             </a:r>
-            <a:endParaRPr lang="en-US" altLang="zh-TW" sz="1400" dirty="0">
+            <a:endParaRPr lang="en-US" altLang="zh-TW" sz="1600" dirty="0">
               <a:latin typeface="Times New Roman" panose="02020603050405020304" pitchFamily="18" charset="0"/>
               <a:cs typeface="Times New Roman" panose="02020603050405020304" pitchFamily="18" charset="0"/>
             </a:endParaRPr>
@@ -13826,27 +17470,27 @@
               <a:defRPr/>
             </a:pPr>
             <a:r>
-              <a:rPr lang="zh-TW" altLang="en-US" sz="1400" dirty="0">
+              <a:rPr lang="zh-TW" altLang="en-US" sz="1600" dirty="0">
                 <a:latin typeface="Times New Roman" panose="02020603050405020304" pitchFamily="18" charset="0"/>
                 <a:cs typeface="Times New Roman" panose="02020603050405020304" pitchFamily="18" charset="0"/>
               </a:rPr>
               <a:t>透過程式自動擷取主機 </a:t>
             </a:r>
             <a:r>
-              <a:rPr lang="en-US" altLang="zh-TW" sz="1400" dirty="0">
+              <a:rPr lang="en-US" altLang="zh-TW" sz="1600" dirty="0">
                 <a:latin typeface="Times New Roman" panose="02020603050405020304" pitchFamily="18" charset="0"/>
                 <a:cs typeface="Times New Roman" panose="02020603050405020304" pitchFamily="18" charset="0"/>
               </a:rPr>
               <a:t>GPU </a:t>
             </a:r>
             <a:r>
-              <a:rPr lang="zh-TW" altLang="en-US" sz="1400" dirty="0">
+              <a:rPr lang="zh-TW" altLang="en-US" sz="1600" dirty="0">
                 <a:latin typeface="Times New Roman" panose="02020603050405020304" pitchFamily="18" charset="0"/>
                 <a:cs typeface="Times New Roman" panose="02020603050405020304" pitchFamily="18" charset="0"/>
               </a:rPr>
               <a:t>解析度</a:t>
             </a:r>
-            <a:endParaRPr lang="en-US" altLang="zh-TW" sz="1400" dirty="0">
+            <a:endParaRPr lang="en-US" altLang="zh-TW" sz="1600" dirty="0">
               <a:latin typeface="Times New Roman" panose="02020603050405020304" pitchFamily="18" charset="0"/>
               <a:cs typeface="Times New Roman" panose="02020603050405020304" pitchFamily="18" charset="0"/>
             </a:endParaRPr>
@@ -13858,20 +17502,20 @@
               <a:defRPr/>
             </a:pPr>
             <a:r>
-              <a:rPr lang="zh-TW" altLang="en-US" sz="1400" dirty="0">
+              <a:rPr lang="zh-TW" altLang="en-US" sz="1600" dirty="0">
                 <a:latin typeface="Times New Roman" panose="02020603050405020304" pitchFamily="18" charset="0"/>
                 <a:cs typeface="Times New Roman" panose="02020603050405020304" pitchFamily="18" charset="0"/>
               </a:rPr>
               <a:t>長時間重開機解析度</a:t>
             </a:r>
             <a:r>
-              <a:rPr lang="zh-TW" altLang="en-US" sz="1400" dirty="0" smtClean="0">
+              <a:rPr lang="zh-TW" altLang="en-US" sz="1600" dirty="0" smtClean="0">
                 <a:latin typeface="Times New Roman" panose="02020603050405020304" pitchFamily="18" charset="0"/>
                 <a:cs typeface="Times New Roman" panose="02020603050405020304" pitchFamily="18" charset="0"/>
               </a:rPr>
               <a:t>擷取</a:t>
             </a:r>
-            <a:endParaRPr lang="en-US" altLang="zh-TW" sz="1400" dirty="0">
+            <a:endParaRPr lang="en-US" altLang="zh-TW" sz="1600" dirty="0">
               <a:latin typeface="Times New Roman" panose="02020603050405020304" pitchFamily="18" charset="0"/>
               <a:cs typeface="Times New Roman" panose="02020603050405020304" pitchFamily="18" charset="0"/>
             </a:endParaRPr>
@@ -13943,7 +17587,7 @@
           <a:graphicData uri="http://schemas.openxmlformats.org/presentationml/2006/ole">
             <mc:AlternateContent xmlns:mc="http://schemas.openxmlformats.org/markup-compatibility/2006">
               <mc:Choice xmlns:v="urn:schemas-microsoft-com:vml" Requires="v">
-                <p:oleObj spid="_x0000_s3200" name="封裝程式殼層物件" showAsIcon="1" r:id="rId4" imgW="671760" imgH="394920" progId="Package">
+                <p:oleObj spid="_x0000_s3239" name="封裝程式殼層物件" showAsIcon="1" r:id="rId4" imgW="671760" imgH="394920" progId="Package">
                   <p:embed/>
                 </p:oleObj>
               </mc:Choice>
@@ -14449,7 +18093,7 @@
 </p:sld>
 </file>
 
-<file path=ppt/slides/slide22.xml><?xml version="1.0" encoding="utf-8"?>
+<file path=ppt/slides/slide25.xml><?xml version="1.0" encoding="utf-8"?>
 <p:sld xmlns:a="http://schemas.openxmlformats.org/drawingml/2006/main" xmlns:r="http://schemas.openxmlformats.org/officeDocument/2006/relationships" xmlns:p="http://schemas.openxmlformats.org/presentationml/2006/main">
   <p:cSld>
     <p:spTree>
@@ -14520,7 +18164,7 @@
               <a:defRPr/>
             </a:pPr>
             <a:r>
-              <a:rPr lang="en-US" altLang="zh-TW" sz="1400" dirty="0" smtClean="0">
+              <a:rPr lang="en-US" altLang="zh-TW" sz="1600" dirty="0" smtClean="0">
                 <a:latin typeface="Times New Roman" panose="02020603050405020304" pitchFamily="18" charset="0"/>
                 <a:cs typeface="Times New Roman" panose="02020603050405020304" pitchFamily="18" charset="0"/>
               </a:rPr>
@@ -14534,14 +18178,14 @@
               <a:defRPr/>
             </a:pPr>
             <a:r>
-              <a:rPr lang="en-US" altLang="zh-TW" sz="1400" dirty="0">
+              <a:rPr lang="en-US" altLang="zh-TW" sz="1600" dirty="0">
                 <a:latin typeface="Times New Roman" panose="02020603050405020304" pitchFamily="18" charset="0"/>
                 <a:cs typeface="Times New Roman" panose="02020603050405020304" pitchFamily="18" charset="0"/>
               </a:rPr>
               <a:t>H</a:t>
             </a:r>
             <a:r>
-              <a:rPr lang="en-US" altLang="zh-TW" sz="1400" dirty="0" smtClean="0">
+              <a:rPr lang="en-US" altLang="zh-TW" sz="1600" dirty="0" smtClean="0">
                 <a:latin typeface="Times New Roman" panose="02020603050405020304" pitchFamily="18" charset="0"/>
                 <a:cs typeface="Times New Roman" panose="02020603050405020304" pitchFamily="18" charset="0"/>
               </a:rPr>
@@ -14555,7 +18199,7 @@
               <a:defRPr/>
             </a:pPr>
             <a:r>
-              <a:rPr lang="en-US" altLang="zh-TW" sz="1400" dirty="0" smtClean="0">
+              <a:rPr lang="en-US" altLang="zh-TW" sz="1600" dirty="0" smtClean="0">
                 <a:latin typeface="Times New Roman" panose="02020603050405020304" pitchFamily="18" charset="0"/>
                 <a:cs typeface="Times New Roman" panose="02020603050405020304" pitchFamily="18" charset="0"/>
               </a:rPr>
@@ -14569,7 +18213,7 @@
               <a:defRPr/>
             </a:pPr>
             <a:r>
-              <a:rPr lang="en-US" altLang="zh-TW" sz="1400" dirty="0" smtClean="0">
+              <a:rPr lang="en-US" altLang="zh-TW" sz="1600" dirty="0" smtClean="0">
                 <a:latin typeface="Times New Roman" panose="02020603050405020304" pitchFamily="18" charset="0"/>
                 <a:cs typeface="Times New Roman" panose="02020603050405020304" pitchFamily="18" charset="0"/>
               </a:rPr>
@@ -14583,7 +18227,7 @@
               <a:defRPr/>
             </a:pPr>
             <a:r>
-              <a:rPr lang="en-US" altLang="zh-TW" sz="1400" dirty="0" smtClean="0">
+              <a:rPr lang="en-US" altLang="zh-TW" sz="1600" dirty="0" smtClean="0">
                 <a:latin typeface="Times New Roman" panose="02020603050405020304" pitchFamily="18" charset="0"/>
                 <a:cs typeface="Times New Roman" panose="02020603050405020304" pitchFamily="18" charset="0"/>
               </a:rPr>
@@ -14597,13 +18241,13 @@
               <a:defRPr/>
             </a:pPr>
             <a:r>
-              <a:rPr lang="en-US" altLang="zh-TW" sz="1400" dirty="0" smtClean="0">
+              <a:rPr lang="en-US" altLang="zh-TW" sz="1600" dirty="0" smtClean="0">
                 <a:latin typeface="Times New Roman" panose="02020603050405020304" pitchFamily="18" charset="0"/>
                 <a:cs typeface="Times New Roman" panose="02020603050405020304" pitchFamily="18" charset="0"/>
               </a:rPr>
               <a:t>Edge</a:t>
             </a:r>
-            <a:endParaRPr lang="en-US" altLang="zh-TW" sz="1400" dirty="0">
+            <a:endParaRPr lang="en-US" altLang="zh-TW" sz="1600" dirty="0">
               <a:latin typeface="Times New Roman" panose="02020603050405020304" pitchFamily="18" charset="0"/>
               <a:cs typeface="Times New Roman" panose="02020603050405020304" pitchFamily="18" charset="0"/>
             </a:endParaRPr>
@@ -14674,7 +18318,7 @@
         </p:blipFill>
         <p:spPr bwMode="auto">
           <a:xfrm>
-            <a:off x="905891" y="2897187"/>
+            <a:off x="905891" y="3067875"/>
             <a:ext cx="5759450" cy="1726565"/>
           </a:xfrm>
           <a:prstGeom prst="rect">
@@ -15209,7 +18853,7 @@
 </p:sld>
 </file>
 
-<file path=ppt/slides/slide23.xml><?xml version="1.0" encoding="utf-8"?>
+<file path=ppt/slides/slide26.xml><?xml version="1.0" encoding="utf-8"?>
 <p:sld xmlns:a="http://schemas.openxmlformats.org/drawingml/2006/main" xmlns:r="http://schemas.openxmlformats.org/officeDocument/2006/relationships" xmlns:p="http://schemas.openxmlformats.org/presentationml/2006/main">
   <p:cSld>
     <p:spTree>
@@ -15886,7 +19530,7 @@
 </p:sld>
 </file>
 
-<file path=ppt/slides/slide24.xml><?xml version="1.0" encoding="utf-8"?>
+<file path=ppt/slides/slide27.xml><?xml version="1.0" encoding="utf-8"?>
 <p:sld xmlns:a="http://schemas.openxmlformats.org/drawingml/2006/main" xmlns:r="http://schemas.openxmlformats.org/officeDocument/2006/relationships" xmlns:p="http://schemas.openxmlformats.org/presentationml/2006/main">
   <p:cSld>
     <p:spTree>
@@ -15947,13 +19591,13 @@
               <a:defRPr/>
             </a:pPr>
             <a:r>
-              <a:rPr lang="zh-TW" altLang="en-US" sz="1400" dirty="0" smtClean="0">
+              <a:rPr lang="zh-TW" altLang="en-US" sz="1600" dirty="0" smtClean="0">
                 <a:latin typeface="Times New Roman" panose="02020603050405020304" pitchFamily="18" charset="0"/>
                 <a:cs typeface="Times New Roman" panose="02020603050405020304" pitchFamily="18" charset="0"/>
               </a:rPr>
               <a:t>依產品需求規格製作產圖之程式</a:t>
             </a:r>
-            <a:endParaRPr lang="en-US" altLang="zh-TW" sz="1400" dirty="0" smtClean="0">
+            <a:endParaRPr lang="en-US" altLang="zh-TW" sz="1600" dirty="0" smtClean="0">
               <a:latin typeface="Times New Roman" panose="02020603050405020304" pitchFamily="18" charset="0"/>
               <a:cs typeface="Times New Roman" panose="02020603050405020304" pitchFamily="18" charset="0"/>
             </a:endParaRPr>
@@ -15965,34 +19609,34 @@
               <a:defRPr/>
             </a:pPr>
             <a:r>
-              <a:rPr lang="zh-TW" altLang="en-US" sz="1400" dirty="0">
+              <a:rPr lang="zh-TW" altLang="en-US" sz="1600" dirty="0">
                 <a:latin typeface="Times New Roman" panose="02020603050405020304" pitchFamily="18" charset="0"/>
                 <a:cs typeface="Times New Roman" panose="02020603050405020304" pitchFamily="18" charset="0"/>
               </a:rPr>
               <a:t>方便內部</a:t>
             </a:r>
             <a:r>
-              <a:rPr lang="zh-TW" altLang="en-US" sz="1400" dirty="0" smtClean="0">
+              <a:rPr lang="zh-TW" altLang="en-US" sz="1600" dirty="0" smtClean="0">
                 <a:latin typeface="Times New Roman" panose="02020603050405020304" pitchFamily="18" charset="0"/>
                 <a:cs typeface="Times New Roman" panose="02020603050405020304" pitchFamily="18" charset="0"/>
               </a:rPr>
               <a:t>人員快速產圖並做量測 </a:t>
             </a:r>
             <a:r>
-              <a:rPr lang="en-US" altLang="zh-TW" sz="1400" dirty="0" smtClean="0">
+              <a:rPr lang="en-US" altLang="zh-TW" sz="1600" dirty="0" smtClean="0">
                 <a:latin typeface="Times New Roman" panose="02020603050405020304" pitchFamily="18" charset="0"/>
                 <a:cs typeface="Times New Roman" panose="02020603050405020304" pitchFamily="18" charset="0"/>
               </a:rPr>
               <a:t>Panel</a:t>
             </a:r>
             <a:r>
-              <a:rPr lang="zh-TW" altLang="en-US" sz="1400" dirty="0" smtClean="0">
+              <a:rPr lang="zh-TW" altLang="en-US" sz="1600" dirty="0" smtClean="0">
                 <a:latin typeface="Times New Roman" panose="02020603050405020304" pitchFamily="18" charset="0"/>
                 <a:cs typeface="Times New Roman" panose="02020603050405020304" pitchFamily="18" charset="0"/>
               </a:rPr>
               <a:t> 、明暗度之程式</a:t>
             </a:r>
-            <a:endParaRPr lang="en-US" altLang="zh-TW" sz="1400" dirty="0" smtClean="0">
+            <a:endParaRPr lang="en-US" altLang="zh-TW" sz="1600" dirty="0" smtClean="0">
               <a:latin typeface="Times New Roman" panose="02020603050405020304" pitchFamily="18" charset="0"/>
               <a:cs typeface="Times New Roman" panose="02020603050405020304" pitchFamily="18" charset="0"/>
             </a:endParaRPr>
@@ -16313,7 +19957,7 @@
 </p:sld>
 </file>
 
-<file path=ppt/slides/slide25.xml><?xml version="1.0" encoding="utf-8"?>
+<file path=ppt/slides/slide28.xml><?xml version="1.0" encoding="utf-8"?>
 <p:sld xmlns:a="http://schemas.openxmlformats.org/drawingml/2006/main" xmlns:r="http://schemas.openxmlformats.org/officeDocument/2006/relationships" xmlns:p="http://schemas.openxmlformats.org/presentationml/2006/main">
   <p:cSld>
     <p:spTree>
@@ -16694,7 +20338,7 @@
 </p:sld>
 </file>
 
-<file path=ppt/slides/slide26.xml><?xml version="1.0" encoding="utf-8"?>
+<file path=ppt/slides/slide29.xml><?xml version="1.0" encoding="utf-8"?>
 <p:sld xmlns:a="http://schemas.openxmlformats.org/drawingml/2006/main" xmlns:r="http://schemas.openxmlformats.org/officeDocument/2006/relationships" xmlns:p="http://schemas.openxmlformats.org/presentationml/2006/main">
   <p:cSld>
     <p:spTree>
@@ -16751,7 +20395,7 @@
               <a:defRPr/>
             </a:pPr>
             <a:r>
-              <a:rPr lang="en-US" altLang="zh-TW" sz="1400" dirty="0" smtClean="0">
+              <a:rPr lang="en-US" altLang="zh-TW" sz="1600" dirty="0" smtClean="0">
                 <a:latin typeface="Times New Roman" panose="02020603050405020304" pitchFamily="18" charset="0"/>
                 <a:cs typeface="Times New Roman" panose="02020603050405020304" pitchFamily="18" charset="0"/>
               </a:rPr>
@@ -16765,21 +20409,21 @@
               <a:defRPr/>
             </a:pPr>
             <a:r>
-              <a:rPr lang="en-US" altLang="zh-TW" sz="1400" dirty="0" smtClean="0">
+              <a:rPr lang="en-US" altLang="zh-TW" sz="1600" dirty="0" smtClean="0">
                 <a:latin typeface="Times New Roman" panose="02020603050405020304" pitchFamily="18" charset="0"/>
                 <a:cs typeface="Times New Roman" panose="02020603050405020304" pitchFamily="18" charset="0"/>
               </a:rPr>
               <a:t>Windows </a:t>
             </a:r>
             <a:r>
-              <a:rPr lang="en-US" altLang="zh-TW" sz="1400" dirty="0">
+              <a:rPr lang="en-US" altLang="zh-TW" sz="1600" dirty="0">
                 <a:latin typeface="Times New Roman" panose="02020603050405020304" pitchFamily="18" charset="0"/>
                 <a:cs typeface="Times New Roman" panose="02020603050405020304" pitchFamily="18" charset="0"/>
               </a:rPr>
               <a:t>Server 2012 R2 for Legacy </a:t>
             </a:r>
             <a:r>
-              <a:rPr lang="en-US" altLang="zh-TW" sz="1400" dirty="0" smtClean="0">
+              <a:rPr lang="en-US" altLang="zh-TW" sz="1600" dirty="0" smtClean="0">
                 <a:latin typeface="Times New Roman" panose="02020603050405020304" pitchFamily="18" charset="0"/>
                 <a:cs typeface="Times New Roman" panose="02020603050405020304" pitchFamily="18" charset="0"/>
               </a:rPr>
@@ -16793,14 +20437,14 @@
               <a:defRPr/>
             </a:pPr>
             <a:r>
-              <a:rPr lang="en-US" altLang="zh-TW" sz="1400" dirty="0">
+              <a:rPr lang="en-US" altLang="zh-TW" sz="1600" dirty="0">
                 <a:latin typeface="Times New Roman" panose="02020603050405020304" pitchFamily="18" charset="0"/>
                 <a:cs typeface="Times New Roman" panose="02020603050405020304" pitchFamily="18" charset="0"/>
               </a:rPr>
               <a:t>Windows Server 2012 R2 for UEFI 64 </a:t>
             </a:r>
             <a:r>
-              <a:rPr lang="en-US" altLang="zh-TW" sz="1400" dirty="0" smtClean="0">
+              <a:rPr lang="en-US" altLang="zh-TW" sz="1600" dirty="0" smtClean="0">
                 <a:latin typeface="Times New Roman" panose="02020603050405020304" pitchFamily="18" charset="0"/>
                 <a:cs typeface="Times New Roman" panose="02020603050405020304" pitchFamily="18" charset="0"/>
               </a:rPr>
@@ -16832,34 +20476,34 @@
               <a:defRPr/>
             </a:pPr>
             <a:r>
-              <a:rPr lang="zh-TW" altLang="en-US" sz="1400" dirty="0">
+              <a:rPr lang="zh-TW" altLang="en-US" sz="1600" dirty="0">
                 <a:latin typeface="Times New Roman" panose="02020603050405020304" pitchFamily="18" charset="0"/>
                 <a:cs typeface="Times New Roman" panose="02020603050405020304" pitchFamily="18" charset="0"/>
               </a:rPr>
               <a:t>自動化</a:t>
             </a:r>
             <a:r>
-              <a:rPr lang="zh-TW" altLang="en-US" sz="1400" dirty="0" smtClean="0">
+              <a:rPr lang="zh-TW" altLang="en-US" sz="1600" dirty="0" smtClean="0">
                 <a:latin typeface="Times New Roman" panose="02020603050405020304" pitchFamily="18" charset="0"/>
                 <a:cs typeface="Times New Roman" panose="02020603050405020304" pitchFamily="18" charset="0"/>
               </a:rPr>
               <a:t>安裝 </a:t>
             </a:r>
             <a:r>
-              <a:rPr lang="en-US" altLang="zh-TW" sz="1400" dirty="0" smtClean="0">
+              <a:rPr lang="en-US" altLang="zh-TW" sz="1600" dirty="0" smtClean="0">
                 <a:latin typeface="Times New Roman" panose="02020603050405020304" pitchFamily="18" charset="0"/>
                 <a:cs typeface="Times New Roman" panose="02020603050405020304" pitchFamily="18" charset="0"/>
               </a:rPr>
               <a:t>Windows OS</a:t>
             </a:r>
             <a:r>
-              <a:rPr lang="zh-TW" altLang="en-US" sz="1400" dirty="0" smtClean="0">
+              <a:rPr lang="zh-TW" altLang="en-US" sz="1600" dirty="0" smtClean="0">
                 <a:latin typeface="Times New Roman" panose="02020603050405020304" pitchFamily="18" charset="0"/>
                 <a:cs typeface="Times New Roman" panose="02020603050405020304" pitchFamily="18" charset="0"/>
               </a:rPr>
               <a:t> 程序</a:t>
             </a:r>
-            <a:endParaRPr lang="en-US" altLang="zh-TW" sz="1400" dirty="0" smtClean="0">
+            <a:endParaRPr lang="en-US" altLang="zh-TW" sz="1600" dirty="0" smtClean="0">
               <a:latin typeface="Times New Roman" panose="02020603050405020304" pitchFamily="18" charset="0"/>
               <a:cs typeface="Times New Roman" panose="02020603050405020304" pitchFamily="18" charset="0"/>
             </a:endParaRPr>
@@ -16871,27 +20515,20 @@
               <a:defRPr/>
             </a:pPr>
             <a:r>
-              <a:rPr lang="zh-TW" altLang="en-US" sz="1400" dirty="0">
+              <a:rPr lang="zh-TW" altLang="en-US" sz="1600" dirty="0">
                 <a:latin typeface="Times New Roman" panose="02020603050405020304" pitchFamily="18" charset="0"/>
                 <a:cs typeface="Times New Roman" panose="02020603050405020304" pitchFamily="18" charset="0"/>
               </a:rPr>
               <a:t>長</a:t>
             </a:r>
             <a:r>
-              <a:rPr lang="zh-TW" altLang="en-US" sz="1400" dirty="0" smtClean="0">
-                <a:latin typeface="Times New Roman" panose="02020603050405020304" pitchFamily="18" charset="0"/>
-                <a:cs typeface="Times New Roman" panose="02020603050405020304" pitchFamily="18" charset="0"/>
-              </a:rPr>
-              <a:t>時間自動安裝壓力</a:t>
-            </a:r>
-            <a:r>
-              <a:rPr lang="zh-TW" altLang="en-US" sz="1400" dirty="0" smtClean="0">
-                <a:latin typeface="Times New Roman" panose="02020603050405020304" pitchFamily="18" charset="0"/>
-                <a:cs typeface="Times New Roman" panose="02020603050405020304" pitchFamily="18" charset="0"/>
-              </a:rPr>
-              <a:t>測試</a:t>
-            </a:r>
-            <a:endParaRPr lang="en-US" altLang="zh-TW" sz="1400" dirty="0">
+              <a:rPr lang="zh-TW" altLang="en-US" sz="1600" dirty="0" smtClean="0">
+                <a:latin typeface="Times New Roman" panose="02020603050405020304" pitchFamily="18" charset="0"/>
+                <a:cs typeface="Times New Roman" panose="02020603050405020304" pitchFamily="18" charset="0"/>
+              </a:rPr>
+              <a:t>時間自動安裝壓力測試</a:t>
+            </a:r>
+            <a:endParaRPr lang="en-US" altLang="zh-TW" sz="1600" dirty="0">
               <a:latin typeface="Times New Roman" panose="02020603050405020304" pitchFamily="18" charset="0"/>
               <a:cs typeface="Times New Roman" panose="02020603050405020304" pitchFamily="18" charset="0"/>
             </a:endParaRPr>
@@ -17379,1902 +21016,6 @@
                                               <p:pRg st="6" end="6"/>
                                             </p:txEl>
                                           </p:spTgt>
-                                        </p:tgtEl>
-                                      </p:cBhvr>
-                                    </p:animEffect>
-                                  </p:childTnLst>
-                                </p:cTn>
-                              </p:par>
-                            </p:childTnLst>
-                          </p:cTn>
-                        </p:par>
-                      </p:childTnLst>
-                    </p:cTn>
-                  </p:par>
-                </p:childTnLst>
-              </p:cTn>
-              <p:prevCondLst>
-                <p:cond evt="onPrev" delay="0">
-                  <p:tgtEl>
-                    <p:sldTgt/>
-                  </p:tgtEl>
-                </p:cond>
-              </p:prevCondLst>
-              <p:nextCondLst>
-                <p:cond evt="onNext" delay="0">
-                  <p:tgtEl>
-                    <p:sldTgt/>
-                  </p:tgtEl>
-                </p:cond>
-              </p:nextCondLst>
-            </p:seq>
-          </p:childTnLst>
-        </p:cTn>
-      </p:par>
-    </p:tnLst>
-    <p:bldLst>
-      <p:bldP spid="15362" grpId="0" uiExpand="1" build="p"/>
-      <p:bldP spid="2" grpId="0"/>
-    </p:bldLst>
-  </p:timing>
-</p:sld>
-</file>
-
-<file path=ppt/slides/slide27.xml><?xml version="1.0" encoding="utf-8"?>
-<p:sld xmlns:a="http://schemas.openxmlformats.org/drawingml/2006/main" xmlns:r="http://schemas.openxmlformats.org/officeDocument/2006/relationships" xmlns:p="http://schemas.openxmlformats.org/presentationml/2006/main">
-  <p:cSld>
-    <p:spTree>
-      <p:nvGrpSpPr>
-        <p:cNvPr id="1" name=""/>
-        <p:cNvGrpSpPr/>
-        <p:nvPr/>
-      </p:nvGrpSpPr>
-      <p:grpSpPr>
-        <a:xfrm>
-          <a:off x="0" y="0"/>
-          <a:ext cx="0" cy="0"/>
-          <a:chOff x="0" y="0"/>
-          <a:chExt cx="0" cy="0"/>
-        </a:xfrm>
-      </p:grpSpPr>
-      <p:sp>
-        <p:nvSpPr>
-          <p:cNvPr id="15362" name="內容版面配置區 5"/>
-          <p:cNvSpPr>
-            <a:spLocks noGrp="1"/>
-          </p:cNvSpPr>
-          <p:nvPr>
-            <p:ph idx="1"/>
-          </p:nvPr>
-        </p:nvSpPr>
-        <p:spPr>
-          <a:xfrm>
-            <a:off x="457200" y="936625"/>
-            <a:ext cx="8229600" cy="3575050"/>
-          </a:xfrm>
-        </p:spPr>
-        <p:txBody>
-          <a:bodyPr/>
-          <a:lstStyle/>
-          <a:p>
-            <a:pPr marL="342900" lvl="1" indent="-342900" eaLnBrk="1" hangingPunct="1">
-              <a:buFont typeface="Arial" charset="0"/>
-              <a:buChar char="•"/>
-              <a:defRPr/>
-            </a:pPr>
-            <a:r>
-              <a:rPr lang="en-US" altLang="zh-TW" sz="1800" dirty="0">
-                <a:latin typeface="Times New Roman" panose="02020603050405020304" pitchFamily="18" charset="0"/>
-                <a:cs typeface="Times New Roman" panose="02020603050405020304" pitchFamily="18" charset="0"/>
-              </a:rPr>
-              <a:t>The tool of pre-conditions base on </a:t>
-            </a:r>
-            <a:r>
-              <a:rPr lang="en-US" altLang="zh-TW" sz="1800" dirty="0" smtClean="0">
-                <a:latin typeface="Times New Roman" panose="02020603050405020304" pitchFamily="18" charset="0"/>
-                <a:cs typeface="Times New Roman" panose="02020603050405020304" pitchFamily="18" charset="0"/>
-              </a:rPr>
-              <a:t>the</a:t>
-            </a:r>
-            <a:r>
-              <a:rPr lang="zh-TW" altLang="en-US" sz="1800" dirty="0" smtClean="0">
-                <a:latin typeface="Times New Roman" panose="02020603050405020304" pitchFamily="18" charset="0"/>
-                <a:cs typeface="Times New Roman" panose="02020603050405020304" pitchFamily="18" charset="0"/>
-              </a:rPr>
-              <a:t> </a:t>
-            </a:r>
-            <a:r>
-              <a:rPr lang="en-US" altLang="zh-TW" sz="1800" dirty="0" smtClean="0">
-                <a:latin typeface="Times New Roman" panose="02020603050405020304" pitchFamily="18" charset="0"/>
-                <a:cs typeface="Times New Roman" panose="02020603050405020304" pitchFamily="18" charset="0"/>
-              </a:rPr>
-              <a:t>exe script.</a:t>
-            </a:r>
-          </a:p>
-          <a:p>
-            <a:pPr marL="742950" lvl="2" indent="-342900" eaLnBrk="1" hangingPunct="1">
-              <a:buFont typeface="Arial" charset="0"/>
-              <a:buChar char="•"/>
-              <a:defRPr/>
-            </a:pPr>
-            <a:r>
-              <a:rPr lang="en-US" altLang="zh-TW" sz="1400" dirty="0" smtClean="0">
-                <a:latin typeface="Times New Roman" panose="02020603050405020304" pitchFamily="18" charset="0"/>
-                <a:cs typeface="Times New Roman" panose="02020603050405020304" pitchFamily="18" charset="0"/>
-              </a:rPr>
-              <a:t>bit.exe -c </a:t>
-            </a:r>
-            <a:r>
-              <a:rPr lang="en-US" altLang="zh-TW" sz="1400" dirty="0" err="1" smtClean="0">
-          